--- a/文档/DesignPattern.pptx
+++ b/文档/DesignPattern.pptx
@@ -5,7 +5,7 @@
     <p:sldMasterId id="2147483648" r:id="rId1"/>
   </p:sldMasterIdLst>
   <p:notesMasterIdLst>
-    <p:notesMasterId r:id="rId17"/>
+    <p:notesMasterId r:id="rId18"/>
   </p:notesMasterIdLst>
   <p:sldIdLst>
     <p:sldId id="256" r:id="rId2"/>
@@ -14,15 +14,16 @@
     <p:sldId id="275" r:id="rId5"/>
     <p:sldId id="276" r:id="rId6"/>
     <p:sldId id="278" r:id="rId7"/>
-    <p:sldId id="277" r:id="rId8"/>
-    <p:sldId id="273" r:id="rId9"/>
-    <p:sldId id="272" r:id="rId10"/>
-    <p:sldId id="261" r:id="rId11"/>
-    <p:sldId id="264" r:id="rId12"/>
-    <p:sldId id="266" r:id="rId13"/>
-    <p:sldId id="267" r:id="rId14"/>
-    <p:sldId id="269" r:id="rId15"/>
-    <p:sldId id="270" r:id="rId16"/>
+    <p:sldId id="279" r:id="rId8"/>
+    <p:sldId id="277" r:id="rId9"/>
+    <p:sldId id="273" r:id="rId10"/>
+    <p:sldId id="272" r:id="rId11"/>
+    <p:sldId id="261" r:id="rId12"/>
+    <p:sldId id="264" r:id="rId13"/>
+    <p:sldId id="266" r:id="rId14"/>
+    <p:sldId id="267" r:id="rId15"/>
+    <p:sldId id="269" r:id="rId16"/>
+    <p:sldId id="270" r:id="rId17"/>
   </p:sldIdLst>
   <p:sldSz cx="12192000" cy="6858000"/>
   <p:notesSz cx="6858000" cy="9144000"/>
@@ -6940,7 +6941,7 @@
         </p:nvSpPr>
         <p:spPr>
           <a:xfrm>
-            <a:off x="3623310" y="3669665"/>
+            <a:off x="3732188" y="3642930"/>
             <a:ext cx="4946015" cy="538609"/>
           </a:xfrm>
           <a:prstGeom prst="rect">
@@ -7033,18 +7034,8 @@
                 <a:cs typeface="汉仪旗黑-55简" panose="00020600040101010101" charset="-128"/>
                 <a:sym typeface="汉仪旗黑-55简" panose="00020600040101010101" charset="-128"/>
               </a:rPr>
-              <a:t>Carrot Fantasy</a:t>
+              <a:t>Carrot Defense</a:t>
             </a:r>
-            <a:endParaRPr lang="zh-CN" altLang="en-US" sz="5500" b="1" dirty="0">
-              <a:solidFill>
-                <a:srgbClr val="2F4275"/>
-              </a:solidFill>
-              <a:uFillTx/>
-              <a:latin typeface="思源宋体" panose="02020400000000000000" pitchFamily="18" charset="-122"/>
-              <a:ea typeface="思源宋体" panose="02020400000000000000" pitchFamily="18" charset="-122"/>
-              <a:cs typeface="汉仪旗黑-55简" panose="00020600040101010101" charset="-128"/>
-              <a:sym typeface="汉仪旗黑-55简" panose="00020600040101010101" charset="-128"/>
-            </a:endParaRPr>
           </a:p>
         </p:txBody>
       </p:sp>
@@ -7056,7 +7047,7 @@
         </p:nvGrpSpPr>
         <p:grpSpPr>
           <a:xfrm>
-            <a:off x="3083560" y="3912235"/>
+            <a:off x="3237865" y="3912235"/>
             <a:ext cx="6025515" cy="0"/>
             <a:chOff x="4784" y="6236"/>
             <a:chExt cx="9489" cy="0"/>
@@ -7568,8 +7559,8 @@
         </p:nvSpPr>
         <p:spPr>
           <a:xfrm>
-            <a:off x="4170046" y="4293644"/>
-            <a:ext cx="3489959" cy="2396469"/>
+            <a:off x="4545149" y="4293644"/>
+            <a:ext cx="3319414" cy="2396469"/>
           </a:xfrm>
         </p:spPr>
         <p:txBody>
@@ -7706,7 +7697,7 @@
         </p:nvSpPr>
         <p:spPr>
           <a:xfrm>
-            <a:off x="1678842" y="5179412"/>
+            <a:off x="2151761" y="5175505"/>
             <a:ext cx="2053346" cy="587755"/>
           </a:xfrm>
           <a:prstGeom prst="rect">
@@ -7911,6 +7902,2098 @@
 </file>
 
 <file path=ppt/slides/slide10.xml><?xml version="1.0" encoding="utf-8"?>
+<p:sld xmlns:a="http://schemas.openxmlformats.org/drawingml/2006/main" xmlns:r="http://schemas.openxmlformats.org/officeDocument/2006/relationships" xmlns:p="http://schemas.openxmlformats.org/presentationml/2006/main">
+  <p:cSld>
+    <p:spTree>
+      <p:nvGrpSpPr>
+        <p:cNvPr id="1" name=""/>
+        <p:cNvGrpSpPr/>
+        <p:nvPr/>
+      </p:nvGrpSpPr>
+      <p:grpSpPr>
+        <a:xfrm>
+          <a:off x="0" y="0"/>
+          <a:ext cx="0" cy="0"/>
+          <a:chOff x="0" y="0"/>
+          <a:chExt cx="0" cy="0"/>
+        </a:xfrm>
+      </p:grpSpPr>
+      <p:sp>
+        <p:nvSpPr>
+          <p:cNvPr id="68" name="任意多边形 67"/>
+          <p:cNvSpPr/>
+          <p:nvPr/>
+        </p:nvSpPr>
+        <p:spPr>
+          <a:xfrm>
+            <a:off x="0" y="0"/>
+            <a:ext cx="5296926" cy="3276544"/>
+          </a:xfrm>
+          <a:custGeom>
+            <a:avLst/>
+            <a:gdLst/>
+            <a:ahLst/>
+            <a:cxnLst>
+              <a:cxn ang="3">
+                <a:pos x="hc" y="t"/>
+              </a:cxn>
+              <a:cxn ang="cd2">
+                <a:pos x="l" y="vc"/>
+              </a:cxn>
+              <a:cxn ang="cd4">
+                <a:pos x="hc" y="b"/>
+              </a:cxn>
+              <a:cxn ang="0">
+                <a:pos x="r" y="vc"/>
+              </a:cxn>
+            </a:cxnLst>
+            <a:rect l="l" t="t" r="r" b="b"/>
+            <a:pathLst>
+              <a:path w="8342" h="5161">
+                <a:moveTo>
+                  <a:pt x="151" y="0"/>
+                </a:moveTo>
+                <a:cubicBezTo>
+                  <a:pt x="212" y="108"/>
+                  <a:pt x="344" y="480"/>
+                  <a:pt x="333" y="900"/>
+                </a:cubicBezTo>
+                <a:cubicBezTo>
+                  <a:pt x="340" y="1185"/>
+                  <a:pt x="258" y="1720"/>
+                  <a:pt x="138" y="2136"/>
+                </a:cubicBezTo>
+                <a:cubicBezTo>
+                  <a:pt x="37" y="2462"/>
+                  <a:pt x="-4" y="2904"/>
+                  <a:pt x="0" y="3111"/>
+                </a:cubicBezTo>
+                <a:cubicBezTo>
+                  <a:pt x="-10" y="4003"/>
+                  <a:pt x="361" y="4723"/>
+                  <a:pt x="766" y="4912"/>
+                </a:cubicBezTo>
+                <a:cubicBezTo>
+                  <a:pt x="948" y="5095"/>
+                  <a:pt x="1252" y="5168"/>
+                  <a:pt x="1406" y="5160"/>
+                </a:cubicBezTo>
+                <a:cubicBezTo>
+                  <a:pt x="3154" y="4827"/>
+                  <a:pt x="4186" y="3274"/>
+                  <a:pt x="4206" y="3320"/>
+                </a:cubicBezTo>
+                <a:cubicBezTo>
+                  <a:pt x="4268" y="3248"/>
+                  <a:pt x="4361" y="3144"/>
+                  <a:pt x="4428" y="3073"/>
+                </a:cubicBezTo>
+                <a:lnTo>
+                  <a:pt x="4988" y="2531"/>
+                </a:lnTo>
+                <a:cubicBezTo>
+                  <a:pt x="5394" y="2123"/>
+                  <a:pt x="5610" y="1939"/>
+                  <a:pt x="5838" y="1743"/>
+                </a:cubicBezTo>
+                <a:cubicBezTo>
+                  <a:pt x="5966" y="1634"/>
+                  <a:pt x="6196" y="1432"/>
+                  <a:pt x="6376" y="1268"/>
+                </a:cubicBezTo>
+                <a:cubicBezTo>
+                  <a:pt x="6500" y="1166"/>
+                  <a:pt x="6607" y="1056"/>
+                  <a:pt x="6669" y="995"/>
+                </a:cubicBezTo>
+                <a:cubicBezTo>
+                  <a:pt x="6737" y="925"/>
+                  <a:pt x="6801" y="864"/>
+                  <a:pt x="6841" y="839"/>
+                </a:cubicBezTo>
+                <a:cubicBezTo>
+                  <a:pt x="6847" y="835"/>
+                  <a:pt x="6856" y="829"/>
+                  <a:pt x="6860" y="827"/>
+                </a:cubicBezTo>
+                <a:cubicBezTo>
+                  <a:pt x="6906" y="787"/>
+                  <a:pt x="6825" y="866"/>
+                  <a:pt x="6940" y="759"/>
+                </a:cubicBezTo>
+                <a:cubicBezTo>
+                  <a:pt x="7279" y="412"/>
+                  <a:pt x="8013" y="79"/>
+                  <a:pt x="8342" y="0"/>
+                </a:cubicBezTo>
+                <a:lnTo>
+                  <a:pt x="151" y="0"/>
+                </a:lnTo>
+                <a:close/>
+              </a:path>
+            </a:pathLst>
+          </a:custGeom>
+          <a:solidFill>
+            <a:schemeClr val="bg1">
+              <a:lumMod val="85000"/>
+            </a:schemeClr>
+          </a:solidFill>
+          <a:ln>
+            <a:noFill/>
+          </a:ln>
+        </p:spPr>
+        <p:style>
+          <a:lnRef idx="2">
+            <a:schemeClr val="accent1">
+              <a:shade val="50000"/>
+            </a:schemeClr>
+          </a:lnRef>
+          <a:fillRef idx="1">
+            <a:schemeClr val="accent1"/>
+          </a:fillRef>
+          <a:effectRef idx="0">
+            <a:schemeClr val="accent1"/>
+          </a:effectRef>
+          <a:fontRef idx="minor">
+            <a:schemeClr val="lt1"/>
+          </a:fontRef>
+        </p:style>
+        <p:txBody>
+          <a:bodyPr wrap="square" rtlCol="0" anchor="ctr">
+            <a:noAutofit/>
+          </a:bodyPr>
+          <a:lstStyle>
+            <a:defPPr>
+              <a:defRPr lang="zh-CN">
+                <a:solidFill>
+                  <a:schemeClr val="lt1"/>
+                </a:solidFill>
+              </a:defRPr>
+            </a:defPPr>
+            <a:lvl1pPr marL="0" algn="l" defTabSz="914400" rtl="0" eaLnBrk="1" latinLnBrk="0" hangingPunct="1">
+              <a:defRPr sz="1800" kern="1200">
+                <a:solidFill>
+                  <a:schemeClr val="lt1"/>
+                </a:solidFill>
+                <a:latin typeface="+mn-lt"/>
+                <a:ea typeface="+mn-ea"/>
+                <a:cs typeface="+mn-cs"/>
+              </a:defRPr>
+            </a:lvl1pPr>
+            <a:lvl2pPr marL="457200" algn="l" defTabSz="914400" rtl="0" eaLnBrk="1" latinLnBrk="0" hangingPunct="1">
+              <a:defRPr sz="1800" kern="1200">
+                <a:solidFill>
+                  <a:schemeClr val="lt1"/>
+                </a:solidFill>
+                <a:latin typeface="+mn-lt"/>
+                <a:ea typeface="+mn-ea"/>
+                <a:cs typeface="+mn-cs"/>
+              </a:defRPr>
+            </a:lvl2pPr>
+            <a:lvl3pPr marL="914400" algn="l" defTabSz="914400" rtl="0" eaLnBrk="1" latinLnBrk="0" hangingPunct="1">
+              <a:defRPr sz="1800" kern="1200">
+                <a:solidFill>
+                  <a:schemeClr val="lt1"/>
+                </a:solidFill>
+                <a:latin typeface="+mn-lt"/>
+                <a:ea typeface="+mn-ea"/>
+                <a:cs typeface="+mn-cs"/>
+              </a:defRPr>
+            </a:lvl3pPr>
+            <a:lvl4pPr marL="1371600" algn="l" defTabSz="914400" rtl="0" eaLnBrk="1" latinLnBrk="0" hangingPunct="1">
+              <a:defRPr sz="1800" kern="1200">
+                <a:solidFill>
+                  <a:schemeClr val="lt1"/>
+                </a:solidFill>
+                <a:latin typeface="+mn-lt"/>
+                <a:ea typeface="+mn-ea"/>
+                <a:cs typeface="+mn-cs"/>
+              </a:defRPr>
+            </a:lvl4pPr>
+            <a:lvl5pPr marL="1828800" algn="l" defTabSz="914400" rtl="0" eaLnBrk="1" latinLnBrk="0" hangingPunct="1">
+              <a:defRPr sz="1800" kern="1200">
+                <a:solidFill>
+                  <a:schemeClr val="lt1"/>
+                </a:solidFill>
+                <a:latin typeface="+mn-lt"/>
+                <a:ea typeface="+mn-ea"/>
+                <a:cs typeface="+mn-cs"/>
+              </a:defRPr>
+            </a:lvl5pPr>
+            <a:lvl6pPr marL="2286000" algn="l" defTabSz="914400" rtl="0" eaLnBrk="1" latinLnBrk="0" hangingPunct="1">
+              <a:defRPr sz="1800" kern="1200">
+                <a:solidFill>
+                  <a:schemeClr val="lt1"/>
+                </a:solidFill>
+                <a:latin typeface="+mn-lt"/>
+                <a:ea typeface="+mn-ea"/>
+                <a:cs typeface="+mn-cs"/>
+              </a:defRPr>
+            </a:lvl6pPr>
+            <a:lvl7pPr marL="2743200" algn="l" defTabSz="914400" rtl="0" eaLnBrk="1" latinLnBrk="0" hangingPunct="1">
+              <a:defRPr sz="1800" kern="1200">
+                <a:solidFill>
+                  <a:schemeClr val="lt1"/>
+                </a:solidFill>
+                <a:latin typeface="+mn-lt"/>
+                <a:ea typeface="+mn-ea"/>
+                <a:cs typeface="+mn-cs"/>
+              </a:defRPr>
+            </a:lvl7pPr>
+            <a:lvl8pPr marL="3200400" algn="l" defTabSz="914400" rtl="0" eaLnBrk="1" latinLnBrk="0" hangingPunct="1">
+              <a:defRPr sz="1800" kern="1200">
+                <a:solidFill>
+                  <a:schemeClr val="lt1"/>
+                </a:solidFill>
+                <a:latin typeface="+mn-lt"/>
+                <a:ea typeface="+mn-ea"/>
+                <a:cs typeface="+mn-cs"/>
+              </a:defRPr>
+            </a:lvl8pPr>
+            <a:lvl9pPr marL="3657600" algn="l" defTabSz="914400" rtl="0" eaLnBrk="1" latinLnBrk="0" hangingPunct="1">
+              <a:defRPr sz="1800" kern="1200">
+                <a:solidFill>
+                  <a:schemeClr val="lt1"/>
+                </a:solidFill>
+                <a:latin typeface="+mn-lt"/>
+                <a:ea typeface="+mn-ea"/>
+                <a:cs typeface="+mn-cs"/>
+              </a:defRPr>
+            </a:lvl9pPr>
+          </a:lstStyle>
+          <a:p>
+            <a:pPr algn="ctr"/>
+            <a:endParaRPr lang="zh-CN" altLang="en-US">
+              <a:cs typeface="汉仪旗黑-55简" panose="00020600040101010101" charset="-128"/>
+            </a:endParaRPr>
+          </a:p>
+        </p:txBody>
+      </p:sp>
+      <p:sp>
+        <p:nvSpPr>
+          <p:cNvPr id="11" name="任意多边形 10"/>
+          <p:cNvSpPr/>
+          <p:nvPr/>
+        </p:nvSpPr>
+        <p:spPr>
+          <a:xfrm>
+            <a:off x="0" y="0"/>
+            <a:ext cx="5428615" cy="3501390"/>
+          </a:xfrm>
+          <a:custGeom>
+            <a:avLst/>
+            <a:gdLst>
+              <a:gd name="connsiteX0" fmla="*/ 0 w 8331"/>
+              <a:gd name="connsiteY0" fmla="*/ 3663 h 5372"/>
+              <a:gd name="connsiteX1" fmla="*/ 92 w 8331"/>
+              <a:gd name="connsiteY1" fmla="*/ 3603 h 5372"/>
+              <a:gd name="connsiteX2" fmla="*/ 810 w 8331"/>
+              <a:gd name="connsiteY2" fmla="*/ 3448 h 5372"/>
+              <a:gd name="connsiteX3" fmla="*/ 1055 w 8331"/>
+              <a:gd name="connsiteY3" fmla="*/ 3516 h 5372"/>
+              <a:gd name="connsiteX4" fmla="*/ 1765 w 8331"/>
+              <a:gd name="connsiteY4" fmla="*/ 4373 h 5372"/>
+              <a:gd name="connsiteX5" fmla="*/ 2976 w 8331"/>
+              <a:gd name="connsiteY5" fmla="*/ 5372 h 5372"/>
+              <a:gd name="connsiteX6" fmla="*/ 2998 w 8331"/>
+              <a:gd name="connsiteY6" fmla="*/ 5371 h 5372"/>
+              <a:gd name="connsiteX7" fmla="*/ 3019 w 8331"/>
+              <a:gd name="connsiteY7" fmla="*/ 5370 h 5372"/>
+              <a:gd name="connsiteX8" fmla="*/ 3040 w 8331"/>
+              <a:gd name="connsiteY8" fmla="*/ 5368 h 5372"/>
+              <a:gd name="connsiteX9" fmla="*/ 3070 w 8331"/>
+              <a:gd name="connsiteY9" fmla="*/ 5369 h 5372"/>
+              <a:gd name="connsiteX10" fmla="*/ 3100 w 8331"/>
+              <a:gd name="connsiteY10" fmla="*/ 5370 h 5372"/>
+              <a:gd name="connsiteX11" fmla="*/ 4064 w 8331"/>
+              <a:gd name="connsiteY11" fmla="*/ 4094 h 5372"/>
+              <a:gd name="connsiteX12" fmla="*/ 4151 w 8331"/>
+              <a:gd name="connsiteY12" fmla="*/ 3496 h 5372"/>
+              <a:gd name="connsiteX13" fmla="*/ 4230 w 8331"/>
+              <a:gd name="connsiteY13" fmla="*/ 3101 h 5372"/>
+              <a:gd name="connsiteX14" fmla="*/ 4455 w 8331"/>
+              <a:gd name="connsiteY14" fmla="*/ 2156 h 5372"/>
+              <a:gd name="connsiteX15" fmla="*/ 4528 w 8331"/>
+              <a:gd name="connsiteY15" fmla="*/ 1837 h 5372"/>
+              <a:gd name="connsiteX16" fmla="*/ 4540 w 8331"/>
+              <a:gd name="connsiteY16" fmla="*/ 1808 h 5372"/>
+              <a:gd name="connsiteX17" fmla="*/ 6452 w 8331"/>
+              <a:gd name="connsiteY17" fmla="*/ 360 h 5372"/>
+              <a:gd name="connsiteX18" fmla="*/ 6506 w 8331"/>
+              <a:gd name="connsiteY18" fmla="*/ 360 h 5372"/>
+              <a:gd name="connsiteX19" fmla="*/ 6561 w 8331"/>
+              <a:gd name="connsiteY19" fmla="*/ 362 h 5372"/>
+              <a:gd name="connsiteX20" fmla="*/ 6616 w 8331"/>
+              <a:gd name="connsiteY20" fmla="*/ 365 h 5372"/>
+              <a:gd name="connsiteX21" fmla="*/ 6672 w 8331"/>
+              <a:gd name="connsiteY21" fmla="*/ 369 h 5372"/>
+              <a:gd name="connsiteX22" fmla="*/ 6679 w 8331"/>
+              <a:gd name="connsiteY22" fmla="*/ 369 h 5372"/>
+              <a:gd name="connsiteX23" fmla="*/ 7062 w 8331"/>
+              <a:gd name="connsiteY23" fmla="*/ 377 h 5372"/>
+              <a:gd name="connsiteX24" fmla="*/ 7089 w 8331"/>
+              <a:gd name="connsiteY24" fmla="*/ 378 h 5372"/>
+              <a:gd name="connsiteX25" fmla="*/ 7422 w 8331"/>
+              <a:gd name="connsiteY25" fmla="*/ 384 h 5372"/>
+              <a:gd name="connsiteX26" fmla="*/ 7440 w 8331"/>
+              <a:gd name="connsiteY26" fmla="*/ 384 h 5372"/>
+              <a:gd name="connsiteX27" fmla="*/ 7474 w 8331"/>
+              <a:gd name="connsiteY27" fmla="*/ 384 h 5372"/>
+              <a:gd name="connsiteX28" fmla="*/ 8331 w 8331"/>
+              <a:gd name="connsiteY28" fmla="*/ 55 h 5372"/>
+              <a:gd name="connsiteX29" fmla="*/ 8331 w 8331"/>
+              <a:gd name="connsiteY29" fmla="*/ 49 h 5372"/>
+              <a:gd name="connsiteX30" fmla="*/ 8330 w 8331"/>
+              <a:gd name="connsiteY30" fmla="*/ 44 h 5372"/>
+              <a:gd name="connsiteX31" fmla="*/ 8329 w 8331"/>
+              <a:gd name="connsiteY31" fmla="*/ 38 h 5372"/>
+              <a:gd name="connsiteX32" fmla="*/ 8328 w 8331"/>
+              <a:gd name="connsiteY32" fmla="*/ 33 h 5372"/>
+              <a:gd name="connsiteX33" fmla="*/ 8328 w 8331"/>
+              <a:gd name="connsiteY33" fmla="*/ 25 h 5372"/>
+              <a:gd name="connsiteX34" fmla="*/ 8328 w 8331"/>
+              <a:gd name="connsiteY34" fmla="*/ 17 h 5372"/>
+              <a:gd name="connsiteX35" fmla="*/ 8327 w 8331"/>
+              <a:gd name="connsiteY35" fmla="*/ 9 h 5372"/>
+              <a:gd name="connsiteX36" fmla="*/ 8326 w 8331"/>
+              <a:gd name="connsiteY36" fmla="*/ 1 h 5372"/>
+              <a:gd name="connsiteX37" fmla="*/ 8326 w 8331"/>
+              <a:gd name="connsiteY37" fmla="*/ 0 h 5372"/>
+              <a:gd name="connsiteX38" fmla="*/ 0 w 8331"/>
+              <a:gd name="connsiteY38" fmla="*/ 0 h 5372"/>
+              <a:gd name="connsiteX39" fmla="*/ 0 w 8331"/>
+              <a:gd name="connsiteY39" fmla="*/ 3663 h 5372"/>
+            </a:gdLst>
+            <a:ahLst/>
+            <a:cxnLst>
+              <a:cxn ang="0">
+                <a:pos x="connsiteX0" y="connsiteY0"/>
+              </a:cxn>
+              <a:cxn ang="0">
+                <a:pos x="connsiteX1" y="connsiteY1"/>
+              </a:cxn>
+              <a:cxn ang="0">
+                <a:pos x="connsiteX2" y="connsiteY2"/>
+              </a:cxn>
+              <a:cxn ang="0">
+                <a:pos x="connsiteX3" y="connsiteY3"/>
+              </a:cxn>
+              <a:cxn ang="0">
+                <a:pos x="connsiteX4" y="connsiteY4"/>
+              </a:cxn>
+              <a:cxn ang="0">
+                <a:pos x="connsiteX5" y="connsiteY5"/>
+              </a:cxn>
+              <a:cxn ang="0">
+                <a:pos x="connsiteX6" y="connsiteY6"/>
+              </a:cxn>
+              <a:cxn ang="0">
+                <a:pos x="connsiteX7" y="connsiteY7"/>
+              </a:cxn>
+              <a:cxn ang="0">
+                <a:pos x="connsiteX8" y="connsiteY8"/>
+              </a:cxn>
+              <a:cxn ang="0">
+                <a:pos x="connsiteX9" y="connsiteY9"/>
+              </a:cxn>
+              <a:cxn ang="0">
+                <a:pos x="connsiteX10" y="connsiteY10"/>
+              </a:cxn>
+              <a:cxn ang="0">
+                <a:pos x="connsiteX11" y="connsiteY11"/>
+              </a:cxn>
+              <a:cxn ang="0">
+                <a:pos x="connsiteX12" y="connsiteY12"/>
+              </a:cxn>
+              <a:cxn ang="0">
+                <a:pos x="connsiteX13" y="connsiteY13"/>
+              </a:cxn>
+              <a:cxn ang="0">
+                <a:pos x="connsiteX14" y="connsiteY14"/>
+              </a:cxn>
+              <a:cxn ang="0">
+                <a:pos x="connsiteX15" y="connsiteY15"/>
+              </a:cxn>
+              <a:cxn ang="0">
+                <a:pos x="connsiteX16" y="connsiteY16"/>
+              </a:cxn>
+              <a:cxn ang="0">
+                <a:pos x="connsiteX17" y="connsiteY17"/>
+              </a:cxn>
+              <a:cxn ang="0">
+                <a:pos x="connsiteX18" y="connsiteY18"/>
+              </a:cxn>
+              <a:cxn ang="0">
+                <a:pos x="connsiteX19" y="connsiteY19"/>
+              </a:cxn>
+              <a:cxn ang="0">
+                <a:pos x="connsiteX20" y="connsiteY20"/>
+              </a:cxn>
+              <a:cxn ang="0">
+                <a:pos x="connsiteX21" y="connsiteY21"/>
+              </a:cxn>
+              <a:cxn ang="0">
+                <a:pos x="connsiteX22" y="connsiteY22"/>
+              </a:cxn>
+              <a:cxn ang="0">
+                <a:pos x="connsiteX23" y="connsiteY23"/>
+              </a:cxn>
+              <a:cxn ang="0">
+                <a:pos x="connsiteX24" y="connsiteY24"/>
+              </a:cxn>
+              <a:cxn ang="0">
+                <a:pos x="connsiteX25" y="connsiteY25"/>
+              </a:cxn>
+              <a:cxn ang="0">
+                <a:pos x="connsiteX26" y="connsiteY26"/>
+              </a:cxn>
+              <a:cxn ang="0">
+                <a:pos x="connsiteX27" y="connsiteY27"/>
+              </a:cxn>
+              <a:cxn ang="0">
+                <a:pos x="connsiteX28" y="connsiteY28"/>
+              </a:cxn>
+              <a:cxn ang="0">
+                <a:pos x="connsiteX29" y="connsiteY29"/>
+              </a:cxn>
+              <a:cxn ang="0">
+                <a:pos x="connsiteX30" y="connsiteY30"/>
+              </a:cxn>
+              <a:cxn ang="0">
+                <a:pos x="connsiteX31" y="connsiteY31"/>
+              </a:cxn>
+              <a:cxn ang="0">
+                <a:pos x="connsiteX32" y="connsiteY32"/>
+              </a:cxn>
+              <a:cxn ang="0">
+                <a:pos x="connsiteX33" y="connsiteY33"/>
+              </a:cxn>
+              <a:cxn ang="0">
+                <a:pos x="connsiteX34" y="connsiteY34"/>
+              </a:cxn>
+              <a:cxn ang="0">
+                <a:pos x="connsiteX35" y="connsiteY35"/>
+              </a:cxn>
+              <a:cxn ang="0">
+                <a:pos x="connsiteX36" y="connsiteY36"/>
+              </a:cxn>
+              <a:cxn ang="0">
+                <a:pos x="connsiteX37" y="connsiteY37"/>
+              </a:cxn>
+              <a:cxn ang="0">
+                <a:pos x="connsiteX38" y="connsiteY38"/>
+              </a:cxn>
+              <a:cxn ang="0">
+                <a:pos x="connsiteX39" y="connsiteY39"/>
+              </a:cxn>
+            </a:cxnLst>
+            <a:rect l="l" t="t" r="r" b="b"/>
+            <a:pathLst>
+              <a:path w="8331" h="5373">
+                <a:moveTo>
+                  <a:pt x="0" y="3663"/>
+                </a:moveTo>
+                <a:cubicBezTo>
+                  <a:pt x="28" y="3645"/>
+                  <a:pt x="91" y="3603"/>
+                  <a:pt x="92" y="3603"/>
+                </a:cubicBezTo>
+                <a:cubicBezTo>
+                  <a:pt x="412" y="3406"/>
+                  <a:pt x="810" y="3448"/>
+                  <a:pt x="810" y="3448"/>
+                </a:cubicBezTo>
+                <a:cubicBezTo>
+                  <a:pt x="892" y="3471"/>
+                  <a:pt x="945" y="3464"/>
+                  <a:pt x="1055" y="3516"/>
+                </a:cubicBezTo>
+                <a:cubicBezTo>
+                  <a:pt x="1207" y="3594"/>
+                  <a:pt x="1487" y="3755"/>
+                  <a:pt x="1765" y="4373"/>
+                </a:cubicBezTo>
+                <a:cubicBezTo>
+                  <a:pt x="2018" y="5005"/>
+                  <a:pt x="2598" y="5389"/>
+                  <a:pt x="2976" y="5372"/>
+                </a:cubicBezTo>
+                <a:lnTo>
+                  <a:pt x="2998" y="5371"/>
+                </a:lnTo>
+                <a:lnTo>
+                  <a:pt x="3019" y="5370"/>
+                </a:lnTo>
+                <a:lnTo>
+                  <a:pt x="3040" y="5368"/>
+                </a:lnTo>
+                <a:lnTo>
+                  <a:pt x="3070" y="5369"/>
+                </a:lnTo>
+                <a:lnTo>
+                  <a:pt x="3100" y="5370"/>
+                </a:lnTo>
+                <a:cubicBezTo>
+                  <a:pt x="3702" y="5386"/>
+                  <a:pt x="3971" y="4511"/>
+                  <a:pt x="4064" y="4094"/>
+                </a:cubicBezTo>
+                <a:cubicBezTo>
+                  <a:pt x="4131" y="3763"/>
+                  <a:pt x="4122" y="3695"/>
+                  <a:pt x="4151" y="3496"/>
+                </a:cubicBezTo>
+                <a:lnTo>
+                  <a:pt x="4230" y="3101"/>
+                </a:lnTo>
+                <a:cubicBezTo>
+                  <a:pt x="4312" y="2650"/>
+                  <a:pt x="4345" y="2612"/>
+                  <a:pt x="4455" y="2156"/>
+                </a:cubicBezTo>
+                <a:cubicBezTo>
+                  <a:pt x="4499" y="2002"/>
+                  <a:pt x="4502" y="1897"/>
+                  <a:pt x="4528" y="1837"/>
+                </a:cubicBezTo>
+                <a:cubicBezTo>
+                  <a:pt x="4533" y="1825"/>
+                  <a:pt x="4539" y="1811"/>
+                  <a:pt x="4540" y="1808"/>
+                </a:cubicBezTo>
+                <a:cubicBezTo>
+                  <a:pt x="4693" y="1089"/>
+                  <a:pt x="5488" y="341"/>
+                  <a:pt x="6452" y="360"/>
+                </a:cubicBezTo>
+                <a:lnTo>
+                  <a:pt x="6506" y="360"/>
+                </a:lnTo>
+                <a:lnTo>
+                  <a:pt x="6561" y="362"/>
+                </a:lnTo>
+                <a:lnTo>
+                  <a:pt x="6616" y="365"/>
+                </a:lnTo>
+                <a:lnTo>
+                  <a:pt x="6672" y="369"/>
+                </a:lnTo>
+                <a:lnTo>
+                  <a:pt x="6679" y="369"/>
+                </a:lnTo>
+                <a:cubicBezTo>
+                  <a:pt x="6800" y="369"/>
+                  <a:pt x="6990" y="375"/>
+                  <a:pt x="7062" y="377"/>
+                </a:cubicBezTo>
+                <a:cubicBezTo>
+                  <a:pt x="7073" y="377"/>
+                  <a:pt x="7087" y="377"/>
+                  <a:pt x="7089" y="378"/>
+                </a:cubicBezTo>
+                <a:cubicBezTo>
+                  <a:pt x="7198" y="381"/>
+                  <a:pt x="7367" y="384"/>
+                  <a:pt x="7422" y="384"/>
+                </a:cubicBezTo>
+                <a:cubicBezTo>
+                  <a:pt x="7430" y="384"/>
+                  <a:pt x="7439" y="384"/>
+                  <a:pt x="7440" y="384"/>
+                </a:cubicBezTo>
+                <a:lnTo>
+                  <a:pt x="7474" y="384"/>
+                </a:lnTo>
+                <a:cubicBezTo>
+                  <a:pt x="8145" y="384"/>
+                  <a:pt x="8339" y="157"/>
+                  <a:pt x="8331" y="55"/>
+                </a:cubicBezTo>
+                <a:lnTo>
+                  <a:pt x="8331" y="49"/>
+                </a:lnTo>
+                <a:lnTo>
+                  <a:pt x="8330" y="44"/>
+                </a:lnTo>
+                <a:lnTo>
+                  <a:pt x="8329" y="38"/>
+                </a:lnTo>
+                <a:lnTo>
+                  <a:pt x="8328" y="33"/>
+                </a:lnTo>
+                <a:lnTo>
+                  <a:pt x="8328" y="25"/>
+                </a:lnTo>
+                <a:lnTo>
+                  <a:pt x="8328" y="17"/>
+                </a:lnTo>
+                <a:lnTo>
+                  <a:pt x="8327" y="9"/>
+                </a:lnTo>
+                <a:lnTo>
+                  <a:pt x="8326" y="1"/>
+                </a:lnTo>
+                <a:lnTo>
+                  <a:pt x="8326" y="0"/>
+                </a:lnTo>
+                <a:lnTo>
+                  <a:pt x="0" y="0"/>
+                </a:lnTo>
+                <a:lnTo>
+                  <a:pt x="0" y="3663"/>
+                </a:lnTo>
+                <a:close/>
+              </a:path>
+            </a:pathLst>
+          </a:custGeom>
+          <a:solidFill>
+            <a:srgbClr val="2F4275"/>
+          </a:solidFill>
+          <a:ln>
+            <a:noFill/>
+          </a:ln>
+        </p:spPr>
+        <p:style>
+          <a:lnRef idx="2">
+            <a:schemeClr val="accent1">
+              <a:shade val="50000"/>
+            </a:schemeClr>
+          </a:lnRef>
+          <a:fillRef idx="1">
+            <a:schemeClr val="accent1"/>
+          </a:fillRef>
+          <a:effectRef idx="0">
+            <a:schemeClr val="accent1"/>
+          </a:effectRef>
+          <a:fontRef idx="minor">
+            <a:schemeClr val="lt1"/>
+          </a:fontRef>
+        </p:style>
+        <p:txBody>
+          <a:bodyPr wrap="square" rtlCol="0" anchor="ctr">
+            <a:noAutofit/>
+          </a:bodyPr>
+          <a:lstStyle>
+            <a:defPPr>
+              <a:defRPr lang="zh-CN">
+                <a:solidFill>
+                  <a:schemeClr val="lt1"/>
+                </a:solidFill>
+              </a:defRPr>
+            </a:defPPr>
+            <a:lvl1pPr marL="0" algn="l" defTabSz="914400" rtl="0" eaLnBrk="1" latinLnBrk="0" hangingPunct="1">
+              <a:defRPr sz="1800" kern="1200">
+                <a:solidFill>
+                  <a:schemeClr val="lt1"/>
+                </a:solidFill>
+                <a:latin typeface="+mn-lt"/>
+                <a:ea typeface="+mn-ea"/>
+                <a:cs typeface="+mn-cs"/>
+              </a:defRPr>
+            </a:lvl1pPr>
+            <a:lvl2pPr marL="457200" algn="l" defTabSz="914400" rtl="0" eaLnBrk="1" latinLnBrk="0" hangingPunct="1">
+              <a:defRPr sz="1800" kern="1200">
+                <a:solidFill>
+                  <a:schemeClr val="lt1"/>
+                </a:solidFill>
+                <a:latin typeface="+mn-lt"/>
+                <a:ea typeface="+mn-ea"/>
+                <a:cs typeface="+mn-cs"/>
+              </a:defRPr>
+            </a:lvl2pPr>
+            <a:lvl3pPr marL="914400" algn="l" defTabSz="914400" rtl="0" eaLnBrk="1" latinLnBrk="0" hangingPunct="1">
+              <a:defRPr sz="1800" kern="1200">
+                <a:solidFill>
+                  <a:schemeClr val="lt1"/>
+                </a:solidFill>
+                <a:latin typeface="+mn-lt"/>
+                <a:ea typeface="+mn-ea"/>
+                <a:cs typeface="+mn-cs"/>
+              </a:defRPr>
+            </a:lvl3pPr>
+            <a:lvl4pPr marL="1371600" algn="l" defTabSz="914400" rtl="0" eaLnBrk="1" latinLnBrk="0" hangingPunct="1">
+              <a:defRPr sz="1800" kern="1200">
+                <a:solidFill>
+                  <a:schemeClr val="lt1"/>
+                </a:solidFill>
+                <a:latin typeface="+mn-lt"/>
+                <a:ea typeface="+mn-ea"/>
+                <a:cs typeface="+mn-cs"/>
+              </a:defRPr>
+            </a:lvl4pPr>
+            <a:lvl5pPr marL="1828800" algn="l" defTabSz="914400" rtl="0" eaLnBrk="1" latinLnBrk="0" hangingPunct="1">
+              <a:defRPr sz="1800" kern="1200">
+                <a:solidFill>
+                  <a:schemeClr val="lt1"/>
+                </a:solidFill>
+                <a:latin typeface="+mn-lt"/>
+                <a:ea typeface="+mn-ea"/>
+                <a:cs typeface="+mn-cs"/>
+              </a:defRPr>
+            </a:lvl5pPr>
+            <a:lvl6pPr marL="2286000" algn="l" defTabSz="914400" rtl="0" eaLnBrk="1" latinLnBrk="0" hangingPunct="1">
+              <a:defRPr sz="1800" kern="1200">
+                <a:solidFill>
+                  <a:schemeClr val="lt1"/>
+                </a:solidFill>
+                <a:latin typeface="+mn-lt"/>
+                <a:ea typeface="+mn-ea"/>
+                <a:cs typeface="+mn-cs"/>
+              </a:defRPr>
+            </a:lvl6pPr>
+            <a:lvl7pPr marL="2743200" algn="l" defTabSz="914400" rtl="0" eaLnBrk="1" latinLnBrk="0" hangingPunct="1">
+              <a:defRPr sz="1800" kern="1200">
+                <a:solidFill>
+                  <a:schemeClr val="lt1"/>
+                </a:solidFill>
+                <a:latin typeface="+mn-lt"/>
+                <a:ea typeface="+mn-ea"/>
+                <a:cs typeface="+mn-cs"/>
+              </a:defRPr>
+            </a:lvl7pPr>
+            <a:lvl8pPr marL="3200400" algn="l" defTabSz="914400" rtl="0" eaLnBrk="1" latinLnBrk="0" hangingPunct="1">
+              <a:defRPr sz="1800" kern="1200">
+                <a:solidFill>
+                  <a:schemeClr val="lt1"/>
+                </a:solidFill>
+                <a:latin typeface="+mn-lt"/>
+                <a:ea typeface="+mn-ea"/>
+                <a:cs typeface="+mn-cs"/>
+              </a:defRPr>
+            </a:lvl8pPr>
+            <a:lvl9pPr marL="3657600" algn="l" defTabSz="914400" rtl="0" eaLnBrk="1" latinLnBrk="0" hangingPunct="1">
+              <a:defRPr sz="1800" kern="1200">
+                <a:solidFill>
+                  <a:schemeClr val="lt1"/>
+                </a:solidFill>
+                <a:latin typeface="+mn-lt"/>
+                <a:ea typeface="+mn-ea"/>
+                <a:cs typeface="+mn-cs"/>
+              </a:defRPr>
+            </a:lvl9pPr>
+          </a:lstStyle>
+          <a:p>
+            <a:pPr algn="ctr"/>
+            <a:endParaRPr lang="zh-CN" altLang="en-US">
+              <a:cs typeface="汉仪旗黑-55简" panose="00020600040101010101" charset="-128"/>
+            </a:endParaRPr>
+          </a:p>
+        </p:txBody>
+      </p:sp>
+      <p:sp>
+        <p:nvSpPr>
+          <p:cNvPr id="32" name="任意多边形 31"/>
+          <p:cNvSpPr/>
+          <p:nvPr/>
+        </p:nvSpPr>
+        <p:spPr>
+          <a:xfrm flipH="1">
+            <a:off x="9263380" y="5890260"/>
+            <a:ext cx="2894965" cy="967740"/>
+          </a:xfrm>
+          <a:custGeom>
+            <a:avLst/>
+            <a:gdLst/>
+            <a:ahLst/>
+            <a:cxnLst>
+              <a:cxn ang="3">
+                <a:pos x="hc" y="t"/>
+              </a:cxn>
+              <a:cxn ang="cd2">
+                <a:pos x="l" y="vc"/>
+              </a:cxn>
+              <a:cxn ang="cd4">
+                <a:pos x="hc" y="b"/>
+              </a:cxn>
+              <a:cxn ang="0">
+                <a:pos x="r" y="vc"/>
+              </a:cxn>
+            </a:cxnLst>
+            <a:rect l="l" t="t" r="r" b="b"/>
+            <a:pathLst>
+              <a:path w="5463" h="1828">
+                <a:moveTo>
+                  <a:pt x="0" y="1826"/>
+                </a:moveTo>
+                <a:cubicBezTo>
+                  <a:pt x="67" y="1515"/>
+                  <a:pt x="444" y="952"/>
+                  <a:pt x="1100" y="592"/>
+                </a:cubicBezTo>
+                <a:cubicBezTo>
+                  <a:pt x="1617" y="286"/>
+                  <a:pt x="2203" y="-11"/>
+                  <a:pt x="2803" y="0"/>
+                </a:cubicBezTo>
+                <a:cubicBezTo>
+                  <a:pt x="4009" y="-45"/>
+                  <a:pt x="5024" y="827"/>
+                  <a:pt x="5463" y="1826"/>
+                </a:cubicBezTo>
+                <a:lnTo>
+                  <a:pt x="0" y="1826"/>
+                </a:lnTo>
+                <a:close/>
+              </a:path>
+            </a:pathLst>
+          </a:custGeom>
+          <a:solidFill>
+            <a:schemeClr val="tx1">
+              <a:lumMod val="85000"/>
+              <a:lumOff val="15000"/>
+            </a:schemeClr>
+          </a:solidFill>
+          <a:ln>
+            <a:noFill/>
+          </a:ln>
+        </p:spPr>
+        <p:style>
+          <a:lnRef idx="2">
+            <a:schemeClr val="accent1">
+              <a:shade val="50000"/>
+            </a:schemeClr>
+          </a:lnRef>
+          <a:fillRef idx="1">
+            <a:schemeClr val="accent1"/>
+          </a:fillRef>
+          <a:effectRef idx="0">
+            <a:schemeClr val="accent1"/>
+          </a:effectRef>
+          <a:fontRef idx="minor">
+            <a:schemeClr val="lt1"/>
+          </a:fontRef>
+        </p:style>
+        <p:txBody>
+          <a:bodyPr wrap="square" rtlCol="0" anchor="ctr">
+            <a:noAutofit/>
+          </a:bodyPr>
+          <a:lstStyle>
+            <a:defPPr>
+              <a:defRPr lang="zh-CN">
+                <a:solidFill>
+                  <a:schemeClr val="lt1"/>
+                </a:solidFill>
+              </a:defRPr>
+            </a:defPPr>
+            <a:lvl1pPr marL="0" algn="l" defTabSz="914400" rtl="0" eaLnBrk="1" latinLnBrk="0" hangingPunct="1">
+              <a:defRPr sz="1800" kern="1200">
+                <a:solidFill>
+                  <a:schemeClr val="lt1"/>
+                </a:solidFill>
+                <a:latin typeface="+mn-lt"/>
+                <a:ea typeface="+mn-ea"/>
+                <a:cs typeface="+mn-cs"/>
+              </a:defRPr>
+            </a:lvl1pPr>
+            <a:lvl2pPr marL="457200" algn="l" defTabSz="914400" rtl="0" eaLnBrk="1" latinLnBrk="0" hangingPunct="1">
+              <a:defRPr sz="1800" kern="1200">
+                <a:solidFill>
+                  <a:schemeClr val="lt1"/>
+                </a:solidFill>
+                <a:latin typeface="+mn-lt"/>
+                <a:ea typeface="+mn-ea"/>
+                <a:cs typeface="+mn-cs"/>
+              </a:defRPr>
+            </a:lvl2pPr>
+            <a:lvl3pPr marL="914400" algn="l" defTabSz="914400" rtl="0" eaLnBrk="1" latinLnBrk="0" hangingPunct="1">
+              <a:defRPr sz="1800" kern="1200">
+                <a:solidFill>
+                  <a:schemeClr val="lt1"/>
+                </a:solidFill>
+                <a:latin typeface="+mn-lt"/>
+                <a:ea typeface="+mn-ea"/>
+                <a:cs typeface="+mn-cs"/>
+              </a:defRPr>
+            </a:lvl3pPr>
+            <a:lvl4pPr marL="1371600" algn="l" defTabSz="914400" rtl="0" eaLnBrk="1" latinLnBrk="0" hangingPunct="1">
+              <a:defRPr sz="1800" kern="1200">
+                <a:solidFill>
+                  <a:schemeClr val="lt1"/>
+                </a:solidFill>
+                <a:latin typeface="+mn-lt"/>
+                <a:ea typeface="+mn-ea"/>
+                <a:cs typeface="+mn-cs"/>
+              </a:defRPr>
+            </a:lvl4pPr>
+            <a:lvl5pPr marL="1828800" algn="l" defTabSz="914400" rtl="0" eaLnBrk="1" latinLnBrk="0" hangingPunct="1">
+              <a:defRPr sz="1800" kern="1200">
+                <a:solidFill>
+                  <a:schemeClr val="lt1"/>
+                </a:solidFill>
+                <a:latin typeface="+mn-lt"/>
+                <a:ea typeface="+mn-ea"/>
+                <a:cs typeface="+mn-cs"/>
+              </a:defRPr>
+            </a:lvl5pPr>
+            <a:lvl6pPr marL="2286000" algn="l" defTabSz="914400" rtl="0" eaLnBrk="1" latinLnBrk="0" hangingPunct="1">
+              <a:defRPr sz="1800" kern="1200">
+                <a:solidFill>
+                  <a:schemeClr val="lt1"/>
+                </a:solidFill>
+                <a:latin typeface="+mn-lt"/>
+                <a:ea typeface="+mn-ea"/>
+                <a:cs typeface="+mn-cs"/>
+              </a:defRPr>
+            </a:lvl6pPr>
+            <a:lvl7pPr marL="2743200" algn="l" defTabSz="914400" rtl="0" eaLnBrk="1" latinLnBrk="0" hangingPunct="1">
+              <a:defRPr sz="1800" kern="1200">
+                <a:solidFill>
+                  <a:schemeClr val="lt1"/>
+                </a:solidFill>
+                <a:latin typeface="+mn-lt"/>
+                <a:ea typeface="+mn-ea"/>
+                <a:cs typeface="+mn-cs"/>
+              </a:defRPr>
+            </a:lvl7pPr>
+            <a:lvl8pPr marL="3200400" algn="l" defTabSz="914400" rtl="0" eaLnBrk="1" latinLnBrk="0" hangingPunct="1">
+              <a:defRPr sz="1800" kern="1200">
+                <a:solidFill>
+                  <a:schemeClr val="lt1"/>
+                </a:solidFill>
+                <a:latin typeface="+mn-lt"/>
+                <a:ea typeface="+mn-ea"/>
+                <a:cs typeface="+mn-cs"/>
+              </a:defRPr>
+            </a:lvl8pPr>
+            <a:lvl9pPr marL="3657600" algn="l" defTabSz="914400" rtl="0" eaLnBrk="1" latinLnBrk="0" hangingPunct="1">
+              <a:defRPr sz="1800" kern="1200">
+                <a:solidFill>
+                  <a:schemeClr val="lt1"/>
+                </a:solidFill>
+                <a:latin typeface="+mn-lt"/>
+                <a:ea typeface="+mn-ea"/>
+                <a:cs typeface="+mn-cs"/>
+              </a:defRPr>
+            </a:lvl9pPr>
+          </a:lstStyle>
+          <a:p>
+            <a:pPr algn="ctr"/>
+            <a:endParaRPr lang="zh-CN" altLang="en-US">
+              <a:cs typeface="汉仪旗黑-55简" panose="00020600040101010101" charset="-128"/>
+            </a:endParaRPr>
+          </a:p>
+        </p:txBody>
+      </p:sp>
+      <p:sp>
+        <p:nvSpPr>
+          <p:cNvPr id="77" name="任意多边形 76"/>
+          <p:cNvSpPr/>
+          <p:nvPr/>
+        </p:nvSpPr>
+        <p:spPr>
+          <a:xfrm>
+            <a:off x="8708801" y="4293644"/>
+            <a:ext cx="3483199" cy="2563721"/>
+          </a:xfrm>
+          <a:custGeom>
+            <a:avLst/>
+            <a:gdLst/>
+            <a:ahLst/>
+            <a:cxnLst>
+              <a:cxn ang="3">
+                <a:pos x="hc" y="t"/>
+              </a:cxn>
+              <a:cxn ang="cd2">
+                <a:pos x="l" y="vc"/>
+              </a:cxn>
+              <a:cxn ang="cd4">
+                <a:pos x="hc" y="b"/>
+              </a:cxn>
+              <a:cxn ang="0">
+                <a:pos x="r" y="vc"/>
+              </a:cxn>
+            </a:cxnLst>
+            <a:rect l="l" t="t" r="r" b="b"/>
+            <a:pathLst>
+              <a:path w="5485" h="4044">
+                <a:moveTo>
+                  <a:pt x="0" y="4037"/>
+                </a:moveTo>
+                <a:cubicBezTo>
+                  <a:pt x="532" y="1406"/>
+                  <a:pt x="3081" y="-124"/>
+                  <a:pt x="3559" y="0"/>
+                </a:cubicBezTo>
+                <a:lnTo>
+                  <a:pt x="3591" y="0"/>
+                </a:lnTo>
+                <a:lnTo>
+                  <a:pt x="3715" y="6"/>
+                </a:lnTo>
+                <a:lnTo>
+                  <a:pt x="3749" y="5"/>
+                </a:lnTo>
+                <a:lnTo>
+                  <a:pt x="3783" y="5"/>
+                </a:lnTo>
+                <a:cubicBezTo>
+                  <a:pt x="4501" y="-6"/>
+                  <a:pt x="5429" y="992"/>
+                  <a:pt x="5480" y="1519"/>
+                </a:cubicBezTo>
+                <a:lnTo>
+                  <a:pt x="5485" y="1541"/>
+                </a:lnTo>
+                <a:lnTo>
+                  <a:pt x="5485" y="4037"/>
+                </a:lnTo>
+                <a:lnTo>
+                  <a:pt x="0" y="4037"/>
+                </a:lnTo>
+                <a:close/>
+              </a:path>
+            </a:pathLst>
+          </a:custGeom>
+          <a:solidFill>
+            <a:schemeClr val="bg1">
+              <a:lumMod val="85000"/>
+            </a:schemeClr>
+          </a:solidFill>
+          <a:ln>
+            <a:noFill/>
+          </a:ln>
+        </p:spPr>
+        <p:style>
+          <a:lnRef idx="2">
+            <a:schemeClr val="accent1">
+              <a:shade val="50000"/>
+            </a:schemeClr>
+          </a:lnRef>
+          <a:fillRef idx="1">
+            <a:schemeClr val="accent1"/>
+          </a:fillRef>
+          <a:effectRef idx="0">
+            <a:schemeClr val="accent1"/>
+          </a:effectRef>
+          <a:fontRef idx="minor">
+            <a:schemeClr val="lt1"/>
+          </a:fontRef>
+        </p:style>
+        <p:txBody>
+          <a:bodyPr wrap="square" rtlCol="0" anchor="ctr">
+            <a:noAutofit/>
+          </a:bodyPr>
+          <a:lstStyle>
+            <a:defPPr>
+              <a:defRPr lang="zh-CN">
+                <a:solidFill>
+                  <a:schemeClr val="lt1"/>
+                </a:solidFill>
+              </a:defRPr>
+            </a:defPPr>
+            <a:lvl1pPr marL="0" algn="l" defTabSz="914400" rtl="0" eaLnBrk="1" latinLnBrk="0" hangingPunct="1">
+              <a:defRPr sz="1800" kern="1200">
+                <a:solidFill>
+                  <a:schemeClr val="lt1"/>
+                </a:solidFill>
+                <a:latin typeface="+mn-lt"/>
+                <a:ea typeface="+mn-ea"/>
+                <a:cs typeface="+mn-cs"/>
+              </a:defRPr>
+            </a:lvl1pPr>
+            <a:lvl2pPr marL="457200" algn="l" defTabSz="914400" rtl="0" eaLnBrk="1" latinLnBrk="0" hangingPunct="1">
+              <a:defRPr sz="1800" kern="1200">
+                <a:solidFill>
+                  <a:schemeClr val="lt1"/>
+                </a:solidFill>
+                <a:latin typeface="+mn-lt"/>
+                <a:ea typeface="+mn-ea"/>
+                <a:cs typeface="+mn-cs"/>
+              </a:defRPr>
+            </a:lvl2pPr>
+            <a:lvl3pPr marL="914400" algn="l" defTabSz="914400" rtl="0" eaLnBrk="1" latinLnBrk="0" hangingPunct="1">
+              <a:defRPr sz="1800" kern="1200">
+                <a:solidFill>
+                  <a:schemeClr val="lt1"/>
+                </a:solidFill>
+                <a:latin typeface="+mn-lt"/>
+                <a:ea typeface="+mn-ea"/>
+                <a:cs typeface="+mn-cs"/>
+              </a:defRPr>
+            </a:lvl3pPr>
+            <a:lvl4pPr marL="1371600" algn="l" defTabSz="914400" rtl="0" eaLnBrk="1" latinLnBrk="0" hangingPunct="1">
+              <a:defRPr sz="1800" kern="1200">
+                <a:solidFill>
+                  <a:schemeClr val="lt1"/>
+                </a:solidFill>
+                <a:latin typeface="+mn-lt"/>
+                <a:ea typeface="+mn-ea"/>
+                <a:cs typeface="+mn-cs"/>
+              </a:defRPr>
+            </a:lvl4pPr>
+            <a:lvl5pPr marL="1828800" algn="l" defTabSz="914400" rtl="0" eaLnBrk="1" latinLnBrk="0" hangingPunct="1">
+              <a:defRPr sz="1800" kern="1200">
+                <a:solidFill>
+                  <a:schemeClr val="lt1"/>
+                </a:solidFill>
+                <a:latin typeface="+mn-lt"/>
+                <a:ea typeface="+mn-ea"/>
+                <a:cs typeface="+mn-cs"/>
+              </a:defRPr>
+            </a:lvl5pPr>
+            <a:lvl6pPr marL="2286000" algn="l" defTabSz="914400" rtl="0" eaLnBrk="1" latinLnBrk="0" hangingPunct="1">
+              <a:defRPr sz="1800" kern="1200">
+                <a:solidFill>
+                  <a:schemeClr val="lt1"/>
+                </a:solidFill>
+                <a:latin typeface="+mn-lt"/>
+                <a:ea typeface="+mn-ea"/>
+                <a:cs typeface="+mn-cs"/>
+              </a:defRPr>
+            </a:lvl6pPr>
+            <a:lvl7pPr marL="2743200" algn="l" defTabSz="914400" rtl="0" eaLnBrk="1" latinLnBrk="0" hangingPunct="1">
+              <a:defRPr sz="1800" kern="1200">
+                <a:solidFill>
+                  <a:schemeClr val="lt1"/>
+                </a:solidFill>
+                <a:latin typeface="+mn-lt"/>
+                <a:ea typeface="+mn-ea"/>
+                <a:cs typeface="+mn-cs"/>
+              </a:defRPr>
+            </a:lvl7pPr>
+            <a:lvl8pPr marL="3200400" algn="l" defTabSz="914400" rtl="0" eaLnBrk="1" latinLnBrk="0" hangingPunct="1">
+              <a:defRPr sz="1800" kern="1200">
+                <a:solidFill>
+                  <a:schemeClr val="lt1"/>
+                </a:solidFill>
+                <a:latin typeface="+mn-lt"/>
+                <a:ea typeface="+mn-ea"/>
+                <a:cs typeface="+mn-cs"/>
+              </a:defRPr>
+            </a:lvl8pPr>
+            <a:lvl9pPr marL="3657600" algn="l" defTabSz="914400" rtl="0" eaLnBrk="1" latinLnBrk="0" hangingPunct="1">
+              <a:defRPr sz="1800" kern="1200">
+                <a:solidFill>
+                  <a:schemeClr val="lt1"/>
+                </a:solidFill>
+                <a:latin typeface="+mn-lt"/>
+                <a:ea typeface="+mn-ea"/>
+                <a:cs typeface="+mn-cs"/>
+              </a:defRPr>
+            </a:lvl9pPr>
+          </a:lstStyle>
+          <a:p>
+            <a:pPr algn="ctr"/>
+            <a:endParaRPr lang="zh-CN" altLang="en-US">
+              <a:cs typeface="汉仪旗黑-55简" panose="00020600040101010101" charset="-128"/>
+            </a:endParaRPr>
+          </a:p>
+        </p:txBody>
+      </p:sp>
+      <p:sp>
+        <p:nvSpPr>
+          <p:cNvPr id="55" name="任意多边形 54"/>
+          <p:cNvSpPr/>
+          <p:nvPr/>
+        </p:nvSpPr>
+        <p:spPr>
+          <a:xfrm>
+            <a:off x="8021955" y="4669155"/>
+            <a:ext cx="4170045" cy="2188210"/>
+          </a:xfrm>
+          <a:custGeom>
+            <a:avLst/>
+            <a:gdLst>
+              <a:gd name="connsiteX0" fmla="*/ 0 w 7048"/>
+              <a:gd name="connsiteY0" fmla="*/ 3698 h 3698"/>
+              <a:gd name="connsiteX1" fmla="*/ 3188 w 7048"/>
+              <a:gd name="connsiteY1" fmla="*/ 0 h 3698"/>
+              <a:gd name="connsiteX2" fmla="*/ 3293 w 7048"/>
+              <a:gd name="connsiteY2" fmla="*/ 4 h 3698"/>
+              <a:gd name="connsiteX3" fmla="*/ 4791 w 7048"/>
+              <a:gd name="connsiteY3" fmla="*/ 1085 h 3698"/>
+              <a:gd name="connsiteX4" fmla="*/ 5430 w 7048"/>
+              <a:gd name="connsiteY4" fmla="*/ 1784 h 3698"/>
+              <a:gd name="connsiteX5" fmla="*/ 5524 w 7048"/>
+              <a:gd name="connsiteY5" fmla="*/ 1782 h 3698"/>
+              <a:gd name="connsiteX6" fmla="*/ 6708 w 7048"/>
+              <a:gd name="connsiteY6" fmla="*/ 1018 h 3698"/>
+              <a:gd name="connsiteX7" fmla="*/ 6722 w 7048"/>
+              <a:gd name="connsiteY7" fmla="*/ 1006 h 3698"/>
+              <a:gd name="connsiteX8" fmla="*/ 6737 w 7048"/>
+              <a:gd name="connsiteY8" fmla="*/ 992 h 3698"/>
+              <a:gd name="connsiteX9" fmla="*/ 6755 w 7048"/>
+              <a:gd name="connsiteY9" fmla="*/ 976 h 3698"/>
+              <a:gd name="connsiteX10" fmla="*/ 6773 w 7048"/>
+              <a:gd name="connsiteY10" fmla="*/ 961 h 3698"/>
+              <a:gd name="connsiteX11" fmla="*/ 6789 w 7048"/>
+              <a:gd name="connsiteY11" fmla="*/ 945 h 3698"/>
+              <a:gd name="connsiteX12" fmla="*/ 6793 w 7048"/>
+              <a:gd name="connsiteY12" fmla="*/ 941 h 3698"/>
+              <a:gd name="connsiteX13" fmla="*/ 7048 w 7048"/>
+              <a:gd name="connsiteY13" fmla="*/ 716 h 3698"/>
+              <a:gd name="connsiteX14" fmla="*/ 7048 w 7048"/>
+              <a:gd name="connsiteY14" fmla="*/ 3698 h 3698"/>
+              <a:gd name="connsiteX15" fmla="*/ 0 w 7048"/>
+              <a:gd name="connsiteY15" fmla="*/ 3698 h 3698"/>
+            </a:gdLst>
+            <a:ahLst/>
+            <a:cxnLst>
+              <a:cxn ang="0">
+                <a:pos x="connsiteX0" y="connsiteY0"/>
+              </a:cxn>
+              <a:cxn ang="0">
+                <a:pos x="connsiteX1" y="connsiteY1"/>
+              </a:cxn>
+              <a:cxn ang="0">
+                <a:pos x="connsiteX2" y="connsiteY2"/>
+              </a:cxn>
+              <a:cxn ang="0">
+                <a:pos x="connsiteX3" y="connsiteY3"/>
+              </a:cxn>
+              <a:cxn ang="0">
+                <a:pos x="connsiteX4" y="connsiteY4"/>
+              </a:cxn>
+              <a:cxn ang="0">
+                <a:pos x="connsiteX5" y="connsiteY5"/>
+              </a:cxn>
+              <a:cxn ang="0">
+                <a:pos x="connsiteX6" y="connsiteY6"/>
+              </a:cxn>
+              <a:cxn ang="0">
+                <a:pos x="connsiteX7" y="connsiteY7"/>
+              </a:cxn>
+              <a:cxn ang="0">
+                <a:pos x="connsiteX8" y="connsiteY8"/>
+              </a:cxn>
+              <a:cxn ang="0">
+                <a:pos x="connsiteX9" y="connsiteY9"/>
+              </a:cxn>
+              <a:cxn ang="0">
+                <a:pos x="connsiteX10" y="connsiteY10"/>
+              </a:cxn>
+              <a:cxn ang="0">
+                <a:pos x="connsiteX11" y="connsiteY11"/>
+              </a:cxn>
+              <a:cxn ang="0">
+                <a:pos x="connsiteX12" y="connsiteY12"/>
+              </a:cxn>
+              <a:cxn ang="0">
+                <a:pos x="connsiteX13" y="connsiteY13"/>
+              </a:cxn>
+              <a:cxn ang="0">
+                <a:pos x="connsiteX14" y="connsiteY14"/>
+              </a:cxn>
+              <a:cxn ang="0">
+                <a:pos x="connsiteX15" y="connsiteY15"/>
+              </a:cxn>
+            </a:cxnLst>
+            <a:rect l="l" t="t" r="r" b="b"/>
+            <a:pathLst>
+              <a:path w="7048" h="3698">
+                <a:moveTo>
+                  <a:pt x="0" y="3698"/>
+                </a:moveTo>
+                <a:cubicBezTo>
+                  <a:pt x="213" y="1107"/>
+                  <a:pt x="2537" y="11"/>
+                  <a:pt x="3188" y="0"/>
+                </a:cubicBezTo>
+                <a:lnTo>
+                  <a:pt x="3293" y="4"/>
+                </a:lnTo>
+                <a:cubicBezTo>
+                  <a:pt x="3896" y="-17"/>
+                  <a:pt x="4685" y="596"/>
+                  <a:pt x="4791" y="1085"/>
+                </a:cubicBezTo>
+                <a:cubicBezTo>
+                  <a:pt x="4887" y="1456"/>
+                  <a:pt x="5188" y="1796"/>
+                  <a:pt x="5430" y="1784"/>
+                </a:cubicBezTo>
+                <a:lnTo>
+                  <a:pt x="5524" y="1782"/>
+                </a:lnTo>
+                <a:cubicBezTo>
+                  <a:pt x="5847" y="1792"/>
+                  <a:pt x="6462" y="1237"/>
+                  <a:pt x="6708" y="1018"/>
+                </a:cubicBezTo>
+                <a:lnTo>
+                  <a:pt x="6722" y="1006"/>
+                </a:lnTo>
+                <a:lnTo>
+                  <a:pt x="6737" y="992"/>
+                </a:lnTo>
+                <a:lnTo>
+                  <a:pt x="6755" y="976"/>
+                </a:lnTo>
+                <a:lnTo>
+                  <a:pt x="6773" y="961"/>
+                </a:lnTo>
+                <a:lnTo>
+                  <a:pt x="6789" y="945"/>
+                </a:lnTo>
+                <a:lnTo>
+                  <a:pt x="6793" y="941"/>
+                </a:lnTo>
+                <a:cubicBezTo>
+                  <a:pt x="6869" y="868"/>
+                  <a:pt x="7028" y="731"/>
+                  <a:pt x="7048" y="716"/>
+                </a:cubicBezTo>
+                <a:lnTo>
+                  <a:pt x="7048" y="3698"/>
+                </a:lnTo>
+                <a:lnTo>
+                  <a:pt x="0" y="3698"/>
+                </a:lnTo>
+                <a:close/>
+              </a:path>
+            </a:pathLst>
+          </a:custGeom>
+          <a:solidFill>
+            <a:srgbClr val="2F4275"/>
+          </a:solidFill>
+          <a:ln>
+            <a:noFill/>
+          </a:ln>
+        </p:spPr>
+        <p:style>
+          <a:lnRef idx="2">
+            <a:schemeClr val="accent1">
+              <a:shade val="50000"/>
+            </a:schemeClr>
+          </a:lnRef>
+          <a:fillRef idx="1">
+            <a:schemeClr val="accent1"/>
+          </a:fillRef>
+          <a:effectRef idx="0">
+            <a:schemeClr val="accent1"/>
+          </a:effectRef>
+          <a:fontRef idx="minor">
+            <a:schemeClr val="lt1"/>
+          </a:fontRef>
+        </p:style>
+        <p:txBody>
+          <a:bodyPr wrap="square" rtlCol="0" anchor="ctr">
+            <a:noAutofit/>
+          </a:bodyPr>
+          <a:lstStyle>
+            <a:defPPr>
+              <a:defRPr lang="zh-CN">
+                <a:solidFill>
+                  <a:schemeClr val="lt1"/>
+                </a:solidFill>
+              </a:defRPr>
+            </a:defPPr>
+            <a:lvl1pPr marL="0" algn="l" defTabSz="914400" rtl="0" eaLnBrk="1" latinLnBrk="0" hangingPunct="1">
+              <a:defRPr sz="1800" kern="1200">
+                <a:solidFill>
+                  <a:schemeClr val="lt1"/>
+                </a:solidFill>
+                <a:latin typeface="+mn-lt"/>
+                <a:ea typeface="+mn-ea"/>
+                <a:cs typeface="+mn-cs"/>
+              </a:defRPr>
+            </a:lvl1pPr>
+            <a:lvl2pPr marL="457200" algn="l" defTabSz="914400" rtl="0" eaLnBrk="1" latinLnBrk="0" hangingPunct="1">
+              <a:defRPr sz="1800" kern="1200">
+                <a:solidFill>
+                  <a:schemeClr val="lt1"/>
+                </a:solidFill>
+                <a:latin typeface="+mn-lt"/>
+                <a:ea typeface="+mn-ea"/>
+                <a:cs typeface="+mn-cs"/>
+              </a:defRPr>
+            </a:lvl2pPr>
+            <a:lvl3pPr marL="914400" algn="l" defTabSz="914400" rtl="0" eaLnBrk="1" latinLnBrk="0" hangingPunct="1">
+              <a:defRPr sz="1800" kern="1200">
+                <a:solidFill>
+                  <a:schemeClr val="lt1"/>
+                </a:solidFill>
+                <a:latin typeface="+mn-lt"/>
+                <a:ea typeface="+mn-ea"/>
+                <a:cs typeface="+mn-cs"/>
+              </a:defRPr>
+            </a:lvl3pPr>
+            <a:lvl4pPr marL="1371600" algn="l" defTabSz="914400" rtl="0" eaLnBrk="1" latinLnBrk="0" hangingPunct="1">
+              <a:defRPr sz="1800" kern="1200">
+                <a:solidFill>
+                  <a:schemeClr val="lt1"/>
+                </a:solidFill>
+                <a:latin typeface="+mn-lt"/>
+                <a:ea typeface="+mn-ea"/>
+                <a:cs typeface="+mn-cs"/>
+              </a:defRPr>
+            </a:lvl4pPr>
+            <a:lvl5pPr marL="1828800" algn="l" defTabSz="914400" rtl="0" eaLnBrk="1" latinLnBrk="0" hangingPunct="1">
+              <a:defRPr sz="1800" kern="1200">
+                <a:solidFill>
+                  <a:schemeClr val="lt1"/>
+                </a:solidFill>
+                <a:latin typeface="+mn-lt"/>
+                <a:ea typeface="+mn-ea"/>
+                <a:cs typeface="+mn-cs"/>
+              </a:defRPr>
+            </a:lvl5pPr>
+            <a:lvl6pPr marL="2286000" algn="l" defTabSz="914400" rtl="0" eaLnBrk="1" latinLnBrk="0" hangingPunct="1">
+              <a:defRPr sz="1800" kern="1200">
+                <a:solidFill>
+                  <a:schemeClr val="lt1"/>
+                </a:solidFill>
+                <a:latin typeface="+mn-lt"/>
+                <a:ea typeface="+mn-ea"/>
+                <a:cs typeface="+mn-cs"/>
+              </a:defRPr>
+            </a:lvl6pPr>
+            <a:lvl7pPr marL="2743200" algn="l" defTabSz="914400" rtl="0" eaLnBrk="1" latinLnBrk="0" hangingPunct="1">
+              <a:defRPr sz="1800" kern="1200">
+                <a:solidFill>
+                  <a:schemeClr val="lt1"/>
+                </a:solidFill>
+                <a:latin typeface="+mn-lt"/>
+                <a:ea typeface="+mn-ea"/>
+                <a:cs typeface="+mn-cs"/>
+              </a:defRPr>
+            </a:lvl7pPr>
+            <a:lvl8pPr marL="3200400" algn="l" defTabSz="914400" rtl="0" eaLnBrk="1" latinLnBrk="0" hangingPunct="1">
+              <a:defRPr sz="1800" kern="1200">
+                <a:solidFill>
+                  <a:schemeClr val="lt1"/>
+                </a:solidFill>
+                <a:latin typeface="+mn-lt"/>
+                <a:ea typeface="+mn-ea"/>
+                <a:cs typeface="+mn-cs"/>
+              </a:defRPr>
+            </a:lvl8pPr>
+            <a:lvl9pPr marL="3657600" algn="l" defTabSz="914400" rtl="0" eaLnBrk="1" latinLnBrk="0" hangingPunct="1">
+              <a:defRPr sz="1800" kern="1200">
+                <a:solidFill>
+                  <a:schemeClr val="lt1"/>
+                </a:solidFill>
+                <a:latin typeface="+mn-lt"/>
+                <a:ea typeface="+mn-ea"/>
+                <a:cs typeface="+mn-cs"/>
+              </a:defRPr>
+            </a:lvl9pPr>
+          </a:lstStyle>
+          <a:p>
+            <a:pPr algn="ctr"/>
+            <a:endParaRPr lang="zh-CN" altLang="en-US">
+              <a:cs typeface="汉仪旗黑-55简" panose="00020600040101010101" charset="-128"/>
+            </a:endParaRPr>
+          </a:p>
+        </p:txBody>
+      </p:sp>
+      <p:sp>
+        <p:nvSpPr>
+          <p:cNvPr id="57" name="文本框 56"/>
+          <p:cNvSpPr txBox="1"/>
+          <p:nvPr/>
+        </p:nvSpPr>
+        <p:spPr>
+          <a:xfrm>
+            <a:off x="3623310" y="3669665"/>
+            <a:ext cx="4946015" cy="537210"/>
+          </a:xfrm>
+          <a:prstGeom prst="rect">
+            <a:avLst/>
+          </a:prstGeom>
+          <a:noFill/>
+        </p:spPr>
+        <p:txBody>
+          <a:bodyPr wrap="square" rtlCol="0">
+            <a:spAutoFit/>
+          </a:bodyPr>
+          <a:lstStyle/>
+          <a:p>
+            <a:pPr algn="ctr"/>
+            <a:r>
+              <a:rPr lang="en-US" sz="2900" dirty="0">
+                <a:solidFill>
+                  <a:schemeClr val="tx1">
+                    <a:lumMod val="75000"/>
+                    <a:lumOff val="25000"/>
+                  </a:schemeClr>
+                </a:solidFill>
+                <a:latin typeface="汉仪书宋二S" panose="00020600040101010101" charset="-122"/>
+                <a:ea typeface="汉仪书宋二S" panose="00020600040101010101" charset="-122"/>
+                <a:cs typeface="汉仪旗黑-55简" panose="00020600040101010101" charset="-128"/>
+                <a:sym typeface="汉仪旗黑-55简" panose="00020600040101010101" charset="-128"/>
+              </a:rPr>
+              <a:t>THANK YOU VERY MUCH</a:t>
+            </a:r>
+          </a:p>
+        </p:txBody>
+      </p:sp>
+      <p:sp>
+        <p:nvSpPr>
+          <p:cNvPr id="58" name="文本框 57" descr="7b0a20202020227461726765744d6f64756c65223a20226b6f6e6c696e65666f6e7473220a7d0a"/>
+          <p:cNvSpPr txBox="1"/>
+          <p:nvPr/>
+        </p:nvSpPr>
+        <p:spPr>
+          <a:xfrm>
+            <a:off x="2613660" y="2683227"/>
+            <a:ext cx="7769860" cy="938719"/>
+          </a:xfrm>
+          <a:prstGeom prst="rect">
+            <a:avLst/>
+          </a:prstGeom>
+          <a:noFill/>
+        </p:spPr>
+        <p:txBody>
+          <a:bodyPr wrap="square" rtlCol="0">
+            <a:spAutoFit/>
+          </a:bodyPr>
+          <a:lstStyle/>
+          <a:p>
+            <a:pPr algn="ctr" fontAlgn="auto"/>
+            <a:r>
+              <a:rPr lang="zh-CN" altLang="en-US" sz="5500" b="1" dirty="0">
+                <a:solidFill>
+                  <a:srgbClr val="2F4275"/>
+                </a:solidFill>
+                <a:uFillTx/>
+                <a:latin typeface="汉仪旗黑-55简" panose="00020600040101010101" charset="-128"/>
+                <a:ea typeface="汉仪旗黑-55简" panose="00020600040101010101" charset="-128"/>
+                <a:cs typeface="汉仪旗黑-55简" panose="00020600040101010101" charset="-122"/>
+                <a:sym typeface="汉仪旗黑-55简" panose="00020600040101010101" charset="-128"/>
+              </a:rPr>
+              <a:t>展示完毕</a:t>
+            </a:r>
+            <a:r>
+              <a:rPr lang="en-US" altLang="zh-CN" sz="5500" b="1" dirty="0">
+                <a:solidFill>
+                  <a:srgbClr val="2F4275"/>
+                </a:solidFill>
+                <a:uFillTx/>
+                <a:latin typeface="汉仪旗黑-55简" panose="00020600040101010101" charset="-128"/>
+                <a:ea typeface="汉仪旗黑-55简" panose="00020600040101010101" charset="-128"/>
+                <a:cs typeface="汉仪旗黑-55简" panose="00020600040101010101" charset="-122"/>
+                <a:sym typeface="汉仪旗黑-55简" panose="00020600040101010101" charset="-128"/>
+              </a:rPr>
+              <a:t>,</a:t>
+            </a:r>
+            <a:r>
+              <a:rPr lang="zh-CN" altLang="en-US" sz="5500" b="1" dirty="0">
+                <a:solidFill>
+                  <a:srgbClr val="2F4275"/>
+                </a:solidFill>
+                <a:uFillTx/>
+                <a:latin typeface="汉仪旗黑-55简" panose="00020600040101010101" charset="-128"/>
+                <a:ea typeface="汉仪旗黑-55简" panose="00020600040101010101" charset="-128"/>
+                <a:cs typeface="汉仪旗黑-55简" panose="00020600040101010101" charset="-122"/>
+                <a:sym typeface="汉仪旗黑-55简" panose="00020600040101010101" charset="-128"/>
+              </a:rPr>
+              <a:t>谢谢观看！</a:t>
+            </a:r>
+          </a:p>
+        </p:txBody>
+      </p:sp>
+      <p:grpSp>
+        <p:nvGrpSpPr>
+          <p:cNvPr id="61" name="组合 60"/>
+          <p:cNvGrpSpPr/>
+          <p:nvPr/>
+        </p:nvGrpSpPr>
+        <p:grpSpPr>
+          <a:xfrm>
+            <a:off x="3083560" y="3912235"/>
+            <a:ext cx="6025515" cy="0"/>
+            <a:chOff x="4784" y="6236"/>
+            <a:chExt cx="9489" cy="0"/>
+          </a:xfrm>
+        </p:grpSpPr>
+        <p:cxnSp>
+          <p:nvCxnSpPr>
+            <p:cNvPr id="62" name="直接连接符 61"/>
+            <p:cNvCxnSpPr/>
+            <p:nvPr/>
+          </p:nvCxnSpPr>
+          <p:spPr>
+            <a:xfrm>
+              <a:off x="4784" y="6236"/>
+              <a:ext cx="1217" cy="0"/>
+            </a:xfrm>
+            <a:prstGeom prst="line">
+              <a:avLst/>
+            </a:prstGeom>
+            <a:ln w="25400">
+              <a:solidFill>
+                <a:schemeClr val="tx1">
+                  <a:lumMod val="75000"/>
+                  <a:lumOff val="25000"/>
+                </a:schemeClr>
+              </a:solidFill>
+            </a:ln>
+          </p:spPr>
+          <p:style>
+            <a:lnRef idx="1">
+              <a:schemeClr val="accent1"/>
+            </a:lnRef>
+            <a:fillRef idx="0">
+              <a:schemeClr val="accent1"/>
+            </a:fillRef>
+            <a:effectRef idx="0">
+              <a:schemeClr val="accent1"/>
+            </a:effectRef>
+            <a:fontRef idx="minor">
+              <a:schemeClr val="tx1"/>
+            </a:fontRef>
+          </p:style>
+        </p:cxnSp>
+        <p:cxnSp>
+          <p:nvCxnSpPr>
+            <p:cNvPr id="63" name="直接连接符 62"/>
+            <p:cNvCxnSpPr/>
+            <p:nvPr/>
+          </p:nvCxnSpPr>
+          <p:spPr>
+            <a:xfrm>
+              <a:off x="13057" y="6236"/>
+              <a:ext cx="1217" cy="0"/>
+            </a:xfrm>
+            <a:prstGeom prst="line">
+              <a:avLst/>
+            </a:prstGeom>
+            <a:ln w="25400">
+              <a:solidFill>
+                <a:schemeClr val="tx1">
+                  <a:lumMod val="75000"/>
+                  <a:lumOff val="25000"/>
+                </a:schemeClr>
+              </a:solidFill>
+            </a:ln>
+          </p:spPr>
+          <p:style>
+            <a:lnRef idx="1">
+              <a:schemeClr val="accent1"/>
+            </a:lnRef>
+            <a:fillRef idx="0">
+              <a:schemeClr val="accent1"/>
+            </a:fillRef>
+            <a:effectRef idx="0">
+              <a:schemeClr val="accent1"/>
+            </a:effectRef>
+            <a:fontRef idx="minor">
+              <a:schemeClr val="tx1"/>
+            </a:fontRef>
+          </p:style>
+        </p:cxnSp>
+      </p:grpSp>
+      <p:sp>
+        <p:nvSpPr>
+          <p:cNvPr id="80" name="椭圆 79"/>
+          <p:cNvSpPr/>
+          <p:nvPr/>
+        </p:nvSpPr>
+        <p:spPr>
+          <a:xfrm>
+            <a:off x="5583872" y="1462813"/>
+            <a:ext cx="1024255" cy="1024255"/>
+          </a:xfrm>
+          <a:prstGeom prst="ellipse">
+            <a:avLst/>
+          </a:prstGeom>
+          <a:solidFill>
+            <a:srgbClr val="2F4275"/>
+          </a:solidFill>
+          <a:ln>
+            <a:noFill/>
+          </a:ln>
+        </p:spPr>
+        <p:style>
+          <a:lnRef idx="2">
+            <a:schemeClr val="accent1">
+              <a:shade val="50000"/>
+            </a:schemeClr>
+          </a:lnRef>
+          <a:fillRef idx="1">
+            <a:schemeClr val="accent1"/>
+          </a:fillRef>
+          <a:effectRef idx="0">
+            <a:schemeClr val="accent1"/>
+          </a:effectRef>
+          <a:fontRef idx="minor">
+            <a:schemeClr val="lt1"/>
+          </a:fontRef>
+        </p:style>
+        <p:txBody>
+          <a:bodyPr rtlCol="0" anchor="ctr"/>
+          <a:lstStyle/>
+          <a:p>
+            <a:pPr algn="ctr"/>
+            <a:endParaRPr lang="zh-CN" altLang="en-US">
+              <a:cs typeface="汉仪旗黑-55简" panose="00020600040101010101" charset="-128"/>
+            </a:endParaRPr>
+          </a:p>
+        </p:txBody>
+      </p:sp>
+      <p:pic>
+        <p:nvPicPr>
+          <p:cNvPr id="79" name="图片 78" descr="博士"/>
+          <p:cNvPicPr>
+            <a:picLocks noChangeAspect="1"/>
+          </p:cNvPicPr>
+          <p:nvPr/>
+        </p:nvPicPr>
+        <p:blipFill>
+          <a:blip r:embed="rId2">
+            <a:extLst>
+              <a:ext uri="{96DAC541-7B7A-43D3-8B79-37D633B846F1}">
+                <asvg:svgBlip xmlns:asvg="http://schemas.microsoft.com/office/drawing/2016/SVG/main" r:embed="rId3"/>
+              </a:ext>
+            </a:extLst>
+          </a:blip>
+          <a:stretch>
+            <a:fillRect/>
+          </a:stretch>
+        </p:blipFill>
+        <p:spPr>
+          <a:xfrm>
+            <a:off x="5693727" y="1702843"/>
+            <a:ext cx="805180" cy="615315"/>
+          </a:xfrm>
+          <a:prstGeom prst="rect">
+            <a:avLst/>
+          </a:prstGeom>
+        </p:spPr>
+      </p:pic>
+      <p:sp>
+        <p:nvSpPr>
+          <p:cNvPr id="82" name="任意多边形 81"/>
+          <p:cNvSpPr/>
+          <p:nvPr/>
+        </p:nvSpPr>
+        <p:spPr>
+          <a:xfrm flipH="1" flipV="1">
+            <a:off x="8702040" y="3668395"/>
+            <a:ext cx="3489960" cy="3191510"/>
+          </a:xfrm>
+          <a:custGeom>
+            <a:avLst/>
+            <a:gdLst>
+              <a:gd name="connsiteX0" fmla="*/ 0 w 5124"/>
+              <a:gd name="connsiteY0" fmla="*/ 3087 h 4684"/>
+              <a:gd name="connsiteX1" fmla="*/ 73 w 5124"/>
+              <a:gd name="connsiteY1" fmla="*/ 3031 h 4684"/>
+              <a:gd name="connsiteX2" fmla="*/ 643 w 5124"/>
+              <a:gd name="connsiteY2" fmla="*/ 2886 h 4684"/>
+              <a:gd name="connsiteX3" fmla="*/ 838 w 5124"/>
+              <a:gd name="connsiteY3" fmla="*/ 2949 h 4684"/>
+              <a:gd name="connsiteX4" fmla="*/ 1402 w 5124"/>
+              <a:gd name="connsiteY4" fmla="*/ 3751 h 4684"/>
+              <a:gd name="connsiteX5" fmla="*/ 2364 w 5124"/>
+              <a:gd name="connsiteY5" fmla="*/ 4684 h 4684"/>
+              <a:gd name="connsiteX6" fmla="*/ 2381 w 5124"/>
+              <a:gd name="connsiteY6" fmla="*/ 4683 h 4684"/>
+              <a:gd name="connsiteX7" fmla="*/ 2398 w 5124"/>
+              <a:gd name="connsiteY7" fmla="*/ 4682 h 4684"/>
+              <a:gd name="connsiteX8" fmla="*/ 2415 w 5124"/>
+              <a:gd name="connsiteY8" fmla="*/ 4681 h 4684"/>
+              <a:gd name="connsiteX9" fmla="*/ 2438 w 5124"/>
+              <a:gd name="connsiteY9" fmla="*/ 4681 h 4684"/>
+              <a:gd name="connsiteX10" fmla="*/ 2462 w 5124"/>
+              <a:gd name="connsiteY10" fmla="*/ 4682 h 4684"/>
+              <a:gd name="connsiteX11" fmla="*/ 3227 w 5124"/>
+              <a:gd name="connsiteY11" fmla="*/ 3489 h 4684"/>
+              <a:gd name="connsiteX12" fmla="*/ 3297 w 5124"/>
+              <a:gd name="connsiteY12" fmla="*/ 2931 h 4684"/>
+              <a:gd name="connsiteX13" fmla="*/ 3360 w 5124"/>
+              <a:gd name="connsiteY13" fmla="*/ 2562 h 4684"/>
+              <a:gd name="connsiteX14" fmla="*/ 3538 w 5124"/>
+              <a:gd name="connsiteY14" fmla="*/ 1679 h 4684"/>
+              <a:gd name="connsiteX15" fmla="*/ 3596 w 5124"/>
+              <a:gd name="connsiteY15" fmla="*/ 1380 h 4684"/>
+              <a:gd name="connsiteX16" fmla="*/ 3606 w 5124"/>
+              <a:gd name="connsiteY16" fmla="*/ 1353 h 4684"/>
+              <a:gd name="connsiteX17" fmla="*/ 5124 w 5124"/>
+              <a:gd name="connsiteY17" fmla="*/ 0 h 4684"/>
+            </a:gdLst>
+            <a:ahLst/>
+            <a:cxnLst>
+              <a:cxn ang="0">
+                <a:pos x="connsiteX0" y="connsiteY0"/>
+              </a:cxn>
+              <a:cxn ang="0">
+                <a:pos x="connsiteX1" y="connsiteY1"/>
+              </a:cxn>
+              <a:cxn ang="0">
+                <a:pos x="connsiteX2" y="connsiteY2"/>
+              </a:cxn>
+              <a:cxn ang="0">
+                <a:pos x="connsiteX3" y="connsiteY3"/>
+              </a:cxn>
+              <a:cxn ang="0">
+                <a:pos x="connsiteX4" y="connsiteY4"/>
+              </a:cxn>
+              <a:cxn ang="0">
+                <a:pos x="connsiteX5" y="connsiteY5"/>
+              </a:cxn>
+              <a:cxn ang="0">
+                <a:pos x="connsiteX6" y="connsiteY6"/>
+              </a:cxn>
+              <a:cxn ang="0">
+                <a:pos x="connsiteX7" y="connsiteY7"/>
+              </a:cxn>
+              <a:cxn ang="0">
+                <a:pos x="connsiteX8" y="connsiteY8"/>
+              </a:cxn>
+              <a:cxn ang="0">
+                <a:pos x="connsiteX9" y="connsiteY9"/>
+              </a:cxn>
+              <a:cxn ang="0">
+                <a:pos x="connsiteX10" y="connsiteY10"/>
+              </a:cxn>
+              <a:cxn ang="0">
+                <a:pos x="connsiteX11" y="connsiteY11"/>
+              </a:cxn>
+              <a:cxn ang="0">
+                <a:pos x="connsiteX12" y="connsiteY12"/>
+              </a:cxn>
+              <a:cxn ang="0">
+                <a:pos x="connsiteX13" y="connsiteY13"/>
+              </a:cxn>
+              <a:cxn ang="0">
+                <a:pos x="connsiteX14" y="connsiteY14"/>
+              </a:cxn>
+              <a:cxn ang="0">
+                <a:pos x="connsiteX15" y="connsiteY15"/>
+              </a:cxn>
+              <a:cxn ang="0">
+                <a:pos x="connsiteX16" y="connsiteY16"/>
+              </a:cxn>
+              <a:cxn ang="0">
+                <a:pos x="connsiteX17" y="connsiteY17"/>
+              </a:cxn>
+            </a:cxnLst>
+            <a:rect l="l" t="t" r="r" b="b"/>
+            <a:pathLst>
+              <a:path w="5124" h="4685">
+                <a:moveTo>
+                  <a:pt x="0" y="3087"/>
+                </a:moveTo>
+                <a:cubicBezTo>
+                  <a:pt x="22" y="3071"/>
+                  <a:pt x="72" y="3031"/>
+                  <a:pt x="73" y="3031"/>
+                </a:cubicBezTo>
+                <a:cubicBezTo>
+                  <a:pt x="327" y="2847"/>
+                  <a:pt x="643" y="2886"/>
+                  <a:pt x="643" y="2886"/>
+                </a:cubicBezTo>
+                <a:cubicBezTo>
+                  <a:pt x="708" y="2908"/>
+                  <a:pt x="751" y="2901"/>
+                  <a:pt x="838" y="2949"/>
+                </a:cubicBezTo>
+                <a:cubicBezTo>
+                  <a:pt x="959" y="3022"/>
+                  <a:pt x="1181" y="3173"/>
+                  <a:pt x="1402" y="3751"/>
+                </a:cubicBezTo>
+                <a:cubicBezTo>
+                  <a:pt x="1603" y="4341"/>
+                  <a:pt x="2063" y="4700"/>
+                  <a:pt x="2364" y="4684"/>
+                </a:cubicBezTo>
+                <a:lnTo>
+                  <a:pt x="2381" y="4683"/>
+                </a:lnTo>
+                <a:lnTo>
+                  <a:pt x="2398" y="4682"/>
+                </a:lnTo>
+                <a:lnTo>
+                  <a:pt x="2415" y="4681"/>
+                </a:lnTo>
+                <a:lnTo>
+                  <a:pt x="2438" y="4681"/>
+                </a:lnTo>
+                <a:lnTo>
+                  <a:pt x="2462" y="4682"/>
+                </a:lnTo>
+                <a:cubicBezTo>
+                  <a:pt x="2940" y="4697"/>
+                  <a:pt x="3154" y="3879"/>
+                  <a:pt x="3227" y="3489"/>
+                </a:cubicBezTo>
+                <a:cubicBezTo>
+                  <a:pt x="3281" y="3181"/>
+                  <a:pt x="3274" y="3117"/>
+                  <a:pt x="3297" y="2931"/>
+                </a:cubicBezTo>
+                <a:lnTo>
+                  <a:pt x="3360" y="2562"/>
+                </a:lnTo>
+                <a:cubicBezTo>
+                  <a:pt x="3425" y="2141"/>
+                  <a:pt x="3451" y="2105"/>
+                  <a:pt x="3538" y="1679"/>
+                </a:cubicBezTo>
+                <a:cubicBezTo>
+                  <a:pt x="3573" y="1535"/>
+                  <a:pt x="3576" y="1437"/>
+                  <a:pt x="3596" y="1380"/>
+                </a:cubicBezTo>
+                <a:cubicBezTo>
+                  <a:pt x="3600" y="1370"/>
+                  <a:pt x="3605" y="1357"/>
+                  <a:pt x="3606" y="1353"/>
+                </a:cubicBezTo>
+                <a:cubicBezTo>
+                  <a:pt x="3727" y="682"/>
+                  <a:pt x="4359" y="-17"/>
+                  <a:pt x="5124" y="0"/>
+                </a:cubicBezTo>
+              </a:path>
+            </a:pathLst>
+          </a:custGeom>
+          <a:noFill/>
+          <a:ln>
+            <a:solidFill>
+              <a:srgbClr val="AEBCDF"/>
+            </a:solidFill>
+          </a:ln>
+          <a:extLst>
+            <a:ext uri="{909E8E84-426E-40DD-AFC4-6F175D3DCCD1}">
+              <a14:hiddenFill xmlns:a14="http://schemas.microsoft.com/office/drawing/2010/main">
+                <a:solidFill>
+                  <a:srgbClr val="2F4275"/>
+                </a:solidFill>
+              </a14:hiddenFill>
+            </a:ext>
+          </a:extLst>
+        </p:spPr>
+        <p:style>
+          <a:lnRef idx="2">
+            <a:schemeClr val="accent1">
+              <a:shade val="50000"/>
+            </a:schemeClr>
+          </a:lnRef>
+          <a:fillRef idx="1">
+            <a:schemeClr val="accent1"/>
+          </a:fillRef>
+          <a:effectRef idx="0">
+            <a:schemeClr val="accent1"/>
+          </a:effectRef>
+          <a:fontRef idx="minor">
+            <a:schemeClr val="lt1"/>
+          </a:fontRef>
+        </p:style>
+        <p:txBody>
+          <a:bodyPr wrap="square" rtlCol="0" anchor="ctr">
+            <a:noAutofit/>
+          </a:bodyPr>
+          <a:lstStyle>
+            <a:defPPr>
+              <a:defRPr lang="zh-CN">
+                <a:solidFill>
+                  <a:schemeClr val="lt1"/>
+                </a:solidFill>
+              </a:defRPr>
+            </a:defPPr>
+            <a:lvl1pPr marL="0" algn="l" defTabSz="914400" rtl="0" eaLnBrk="1" latinLnBrk="0" hangingPunct="1">
+              <a:defRPr sz="1800" kern="1200">
+                <a:solidFill>
+                  <a:schemeClr val="lt1"/>
+                </a:solidFill>
+                <a:latin typeface="+mn-lt"/>
+                <a:ea typeface="+mn-ea"/>
+                <a:cs typeface="+mn-cs"/>
+              </a:defRPr>
+            </a:lvl1pPr>
+            <a:lvl2pPr marL="457200" algn="l" defTabSz="914400" rtl="0" eaLnBrk="1" latinLnBrk="0" hangingPunct="1">
+              <a:defRPr sz="1800" kern="1200">
+                <a:solidFill>
+                  <a:schemeClr val="lt1"/>
+                </a:solidFill>
+                <a:latin typeface="+mn-lt"/>
+                <a:ea typeface="+mn-ea"/>
+                <a:cs typeface="+mn-cs"/>
+              </a:defRPr>
+            </a:lvl2pPr>
+            <a:lvl3pPr marL="914400" algn="l" defTabSz="914400" rtl="0" eaLnBrk="1" latinLnBrk="0" hangingPunct="1">
+              <a:defRPr sz="1800" kern="1200">
+                <a:solidFill>
+                  <a:schemeClr val="lt1"/>
+                </a:solidFill>
+                <a:latin typeface="+mn-lt"/>
+                <a:ea typeface="+mn-ea"/>
+                <a:cs typeface="+mn-cs"/>
+              </a:defRPr>
+            </a:lvl3pPr>
+            <a:lvl4pPr marL="1371600" algn="l" defTabSz="914400" rtl="0" eaLnBrk="1" latinLnBrk="0" hangingPunct="1">
+              <a:defRPr sz="1800" kern="1200">
+                <a:solidFill>
+                  <a:schemeClr val="lt1"/>
+                </a:solidFill>
+                <a:latin typeface="+mn-lt"/>
+                <a:ea typeface="+mn-ea"/>
+                <a:cs typeface="+mn-cs"/>
+              </a:defRPr>
+            </a:lvl4pPr>
+            <a:lvl5pPr marL="1828800" algn="l" defTabSz="914400" rtl="0" eaLnBrk="1" latinLnBrk="0" hangingPunct="1">
+              <a:defRPr sz="1800" kern="1200">
+                <a:solidFill>
+                  <a:schemeClr val="lt1"/>
+                </a:solidFill>
+                <a:latin typeface="+mn-lt"/>
+                <a:ea typeface="+mn-ea"/>
+                <a:cs typeface="+mn-cs"/>
+              </a:defRPr>
+            </a:lvl5pPr>
+            <a:lvl6pPr marL="2286000" algn="l" defTabSz="914400" rtl="0" eaLnBrk="1" latinLnBrk="0" hangingPunct="1">
+              <a:defRPr sz="1800" kern="1200">
+                <a:solidFill>
+                  <a:schemeClr val="lt1"/>
+                </a:solidFill>
+                <a:latin typeface="+mn-lt"/>
+                <a:ea typeface="+mn-ea"/>
+                <a:cs typeface="+mn-cs"/>
+              </a:defRPr>
+            </a:lvl6pPr>
+            <a:lvl7pPr marL="2743200" algn="l" defTabSz="914400" rtl="0" eaLnBrk="1" latinLnBrk="0" hangingPunct="1">
+              <a:defRPr sz="1800" kern="1200">
+                <a:solidFill>
+                  <a:schemeClr val="lt1"/>
+                </a:solidFill>
+                <a:latin typeface="+mn-lt"/>
+                <a:ea typeface="+mn-ea"/>
+                <a:cs typeface="+mn-cs"/>
+              </a:defRPr>
+            </a:lvl7pPr>
+            <a:lvl8pPr marL="3200400" algn="l" defTabSz="914400" rtl="0" eaLnBrk="1" latinLnBrk="0" hangingPunct="1">
+              <a:defRPr sz="1800" kern="1200">
+                <a:solidFill>
+                  <a:schemeClr val="lt1"/>
+                </a:solidFill>
+                <a:latin typeface="+mn-lt"/>
+                <a:ea typeface="+mn-ea"/>
+                <a:cs typeface="+mn-cs"/>
+              </a:defRPr>
+            </a:lvl8pPr>
+            <a:lvl9pPr marL="3657600" algn="l" defTabSz="914400" rtl="0" eaLnBrk="1" latinLnBrk="0" hangingPunct="1">
+              <a:defRPr sz="1800" kern="1200">
+                <a:solidFill>
+                  <a:schemeClr val="lt1"/>
+                </a:solidFill>
+                <a:latin typeface="+mn-lt"/>
+                <a:ea typeface="+mn-ea"/>
+                <a:cs typeface="+mn-cs"/>
+              </a:defRPr>
+            </a:lvl9pPr>
+          </a:lstStyle>
+          <a:p>
+            <a:pPr algn="ctr"/>
+            <a:endParaRPr lang="zh-CN" altLang="en-US">
+              <a:cs typeface="汉仪旗黑-55简" panose="00020600040101010101" charset="-128"/>
+            </a:endParaRPr>
+          </a:p>
+        </p:txBody>
+      </p:sp>
+    </p:spTree>
+  </p:cSld>
+  <p:clrMapOvr>
+    <a:masterClrMapping/>
+  </p:clrMapOvr>
+</p:sld>
+</file>
+
+<file path=ppt/slides/slide11.xml><?xml version="1.0" encoding="utf-8"?>
 <p:sld xmlns:a="http://schemas.openxmlformats.org/drawingml/2006/main" xmlns:r="http://schemas.openxmlformats.org/officeDocument/2006/relationships" xmlns:p="http://schemas.openxmlformats.org/presentationml/2006/main">
   <p:cSld>
     <p:spTree>
@@ -10364,7 +12447,7 @@
 </p:sld>
 </file>
 
-<file path=ppt/slides/slide11.xml><?xml version="1.0" encoding="utf-8"?>
+<file path=ppt/slides/slide12.xml><?xml version="1.0" encoding="utf-8"?>
 <p:sld xmlns:a="http://schemas.openxmlformats.org/drawingml/2006/main" xmlns:r="http://schemas.openxmlformats.org/officeDocument/2006/relationships" xmlns:p="http://schemas.openxmlformats.org/presentationml/2006/main">
   <p:cSld>
     <p:spTree>
@@ -13274,7 +15357,7 @@
 </p:sld>
 </file>
 
-<file path=ppt/slides/slide12.xml><?xml version="1.0" encoding="utf-8"?>
+<file path=ppt/slides/slide13.xml><?xml version="1.0" encoding="utf-8"?>
 <p:sld xmlns:a="http://schemas.openxmlformats.org/drawingml/2006/main" xmlns:r="http://schemas.openxmlformats.org/officeDocument/2006/relationships" xmlns:p="http://schemas.openxmlformats.org/presentationml/2006/main">
   <p:cSld>
     <p:spTree>
@@ -15228,7 +17311,7 @@
 </p:sld>
 </file>
 
-<file path=ppt/slides/slide13.xml><?xml version="1.0" encoding="utf-8"?>
+<file path=ppt/slides/slide14.xml><?xml version="1.0" encoding="utf-8"?>
 <p:sld xmlns:a="http://schemas.openxmlformats.org/drawingml/2006/main" xmlns:r="http://schemas.openxmlformats.org/officeDocument/2006/relationships" xmlns:p="http://schemas.openxmlformats.org/presentationml/2006/main">
   <p:cSld>
     <p:spTree>
@@ -19125,7 +21208,7 @@
 </p:sld>
 </file>
 
-<file path=ppt/slides/slide14.xml><?xml version="1.0" encoding="utf-8"?>
+<file path=ppt/slides/slide15.xml><?xml version="1.0" encoding="utf-8"?>
 <p:sld xmlns:a="http://schemas.openxmlformats.org/drawingml/2006/main" xmlns:r="http://schemas.openxmlformats.org/officeDocument/2006/relationships" xmlns:p="http://schemas.openxmlformats.org/presentationml/2006/main">
   <p:cSld>
     <p:spTree>
@@ -23966,7 +26049,7 @@
 </p:sld>
 </file>
 
-<file path=ppt/slides/slide15.xml><?xml version="1.0" encoding="utf-8"?>
+<file path=ppt/slides/slide16.xml><?xml version="1.0" encoding="utf-8"?>
 <p:sld xmlns:a="http://schemas.openxmlformats.org/drawingml/2006/main" xmlns:r="http://schemas.openxmlformats.org/officeDocument/2006/relationships" xmlns:p="http://schemas.openxmlformats.org/presentationml/2006/main">
   <p:cSld>
     <p:spTree>
@@ -28548,6 +30631,1493 @@
           </a:p>
         </p:txBody>
       </p:sp>
+      <p:sp>
+        <p:nvSpPr>
+          <p:cNvPr id="3" name="文本框 2">
+            <a:extLst>
+              <a:ext uri="{FF2B5EF4-FFF2-40B4-BE49-F238E27FC236}">
+                <a16:creationId xmlns:a16="http://schemas.microsoft.com/office/drawing/2014/main" id="{D6321ADF-0792-4FD1-8A54-4B7C32BDFE21}"/>
+              </a:ext>
+            </a:extLst>
+          </p:cNvPr>
+          <p:cNvSpPr txBox="1"/>
+          <p:nvPr/>
+        </p:nvSpPr>
+        <p:spPr>
+          <a:xfrm>
+            <a:off x="671775" y="770467"/>
+            <a:ext cx="3094506" cy="400110"/>
+          </a:xfrm>
+          <a:prstGeom prst="rect">
+            <a:avLst/>
+          </a:prstGeom>
+          <a:noFill/>
+        </p:spPr>
+        <p:txBody>
+          <a:bodyPr wrap="square">
+            <a:spAutoFit/>
+          </a:bodyPr>
+          <a:lstStyle/>
+          <a:p>
+            <a:r>
+              <a:rPr lang="en-US" altLang="zh-CN" sz="2000" dirty="0">
+                <a:latin typeface="Times New Roman" panose="02020603050405020304" pitchFamily="18" charset="0"/>
+                <a:ea typeface="汉仪旗黑-55简" panose="00020600040101010101" charset="-122"/>
+                <a:cs typeface="Times New Roman" panose="02020603050405020304" pitchFamily="18" charset="0"/>
+              </a:rPr>
+              <a:t>Overview and  Objective</a:t>
+            </a:r>
+            <a:endParaRPr lang="zh-CN" altLang="en-US" sz="2000" dirty="0">
+              <a:latin typeface="Times New Roman" panose="02020603050405020304" pitchFamily="18" charset="0"/>
+              <a:ea typeface="汉仪旗黑-55简" panose="00020600040101010101" charset="-122"/>
+              <a:cs typeface="Times New Roman" panose="02020603050405020304" pitchFamily="18" charset="0"/>
+            </a:endParaRPr>
+          </a:p>
+        </p:txBody>
+      </p:sp>
+      <p:sp>
+        <p:nvSpPr>
+          <p:cNvPr id="4" name="文本框 3">
+            <a:extLst>
+              <a:ext uri="{FF2B5EF4-FFF2-40B4-BE49-F238E27FC236}">
+                <a16:creationId xmlns:a16="http://schemas.microsoft.com/office/drawing/2014/main" id="{388937A2-1458-3140-9DCA-5E1F50FCEC56}"/>
+              </a:ext>
+            </a:extLst>
+          </p:cNvPr>
+          <p:cNvSpPr txBox="1"/>
+          <p:nvPr/>
+        </p:nvSpPr>
+        <p:spPr>
+          <a:xfrm>
+            <a:off x="977713" y="1129552"/>
+            <a:ext cx="9899837" cy="1444883"/>
+          </a:xfrm>
+          <a:prstGeom prst="rect">
+            <a:avLst/>
+          </a:prstGeom>
+          <a:noFill/>
+        </p:spPr>
+        <p:txBody>
+          <a:bodyPr wrap="square">
+            <a:spAutoFit/>
+          </a:bodyPr>
+          <a:lstStyle/>
+          <a:p>
+            <a:pPr>
+              <a:lnSpc>
+                <a:spcPct val="125000"/>
+              </a:lnSpc>
+            </a:pPr>
+            <a:r>
+              <a:rPr lang="en-US" altLang="zh-CN" sz="1800" dirty="0">
+                <a:solidFill>
+                  <a:srgbClr val="2F4275"/>
+                </a:solidFill>
+                <a:latin typeface="Times New Roman" panose="02020603050405020304" pitchFamily="18" charset="0"/>
+                <a:ea typeface="汉仪旗黑-55简" panose="00020600040101010101" charset="-122"/>
+                <a:cs typeface="Times New Roman" panose="02020603050405020304" pitchFamily="18" charset="0"/>
+              </a:rPr>
+              <a:t>       Carrot</a:t>
+            </a:r>
+            <a:r>
+              <a:rPr lang="en-US" altLang="zh-CN" dirty="0">
+                <a:latin typeface="Times New Roman" panose="02020603050405020304" pitchFamily="18" charset="0"/>
+                <a:cs typeface="Times New Roman" panose="02020603050405020304" pitchFamily="18" charset="0"/>
+              </a:rPr>
+              <a:t> </a:t>
+            </a:r>
+            <a:r>
+              <a:rPr lang="en-US" altLang="zh-CN" sz="1800" dirty="0">
+                <a:solidFill>
+                  <a:srgbClr val="2F4275"/>
+                </a:solidFill>
+                <a:latin typeface="Times New Roman" panose="02020603050405020304" pitchFamily="18" charset="0"/>
+                <a:ea typeface="汉仪旗黑-55简" panose="00020600040101010101" charset="-122"/>
+                <a:cs typeface="Times New Roman" panose="02020603050405020304" pitchFamily="18" charset="0"/>
+              </a:rPr>
+              <a:t>Defense</a:t>
+            </a:r>
+            <a:r>
+              <a:rPr lang="en-US" altLang="zh-CN" dirty="0">
+                <a:latin typeface="Times New Roman" panose="02020603050405020304" pitchFamily="18" charset="0"/>
+                <a:cs typeface="Times New Roman" panose="02020603050405020304" pitchFamily="18" charset="0"/>
+              </a:rPr>
+              <a:t> is a classic tower defense game where players strategically build and upgrade towers to protect the carrot from enemy waves. </a:t>
+            </a:r>
+          </a:p>
+          <a:p>
+            <a:pPr>
+              <a:lnSpc>
+                <a:spcPct val="125000"/>
+              </a:lnSpc>
+            </a:pPr>
+            <a:r>
+              <a:rPr lang="en-US" altLang="zh-CN" dirty="0">
+                <a:latin typeface="Times New Roman" panose="02020603050405020304" pitchFamily="18" charset="0"/>
+                <a:cs typeface="Times New Roman" panose="02020603050405020304" pitchFamily="18" charset="0"/>
+              </a:rPr>
+              <a:t>       Through code refactoring, the game's logic is optimized for better reusability, maintainability, and scalability, enhancing the overall player experience.</a:t>
+            </a:r>
+            <a:endParaRPr lang="zh-CN" altLang="en-US" sz="1600" dirty="0">
+              <a:latin typeface="Times New Roman" panose="02020603050405020304" pitchFamily="18" charset="0"/>
+              <a:cs typeface="Times New Roman" panose="02020603050405020304" pitchFamily="18" charset="0"/>
+            </a:endParaRPr>
+          </a:p>
+        </p:txBody>
+      </p:sp>
+      <p:sp>
+        <p:nvSpPr>
+          <p:cNvPr id="7" name="文本框 6">
+            <a:extLst>
+              <a:ext uri="{FF2B5EF4-FFF2-40B4-BE49-F238E27FC236}">
+                <a16:creationId xmlns:a16="http://schemas.microsoft.com/office/drawing/2014/main" id="{0C35290F-CA56-5CF0-C40B-55FBBBAF7E6D}"/>
+              </a:ext>
+            </a:extLst>
+          </p:cNvPr>
+          <p:cNvSpPr txBox="1"/>
+          <p:nvPr/>
+        </p:nvSpPr>
+        <p:spPr>
+          <a:xfrm>
+            <a:off x="671775" y="2533410"/>
+            <a:ext cx="3219496" cy="400110"/>
+          </a:xfrm>
+          <a:prstGeom prst="rect">
+            <a:avLst/>
+          </a:prstGeom>
+          <a:noFill/>
+        </p:spPr>
+        <p:txBody>
+          <a:bodyPr wrap="square">
+            <a:spAutoFit/>
+          </a:bodyPr>
+          <a:lstStyle/>
+          <a:p>
+            <a:r>
+              <a:rPr lang="en-US" altLang="zh-CN" sz="2000" dirty="0">
+                <a:latin typeface="Times New Roman" panose="02020603050405020304" pitchFamily="18" charset="0"/>
+                <a:ea typeface="汉仪旗黑-55简" panose="00020600040101010101" charset="-122"/>
+                <a:cs typeface="Times New Roman" panose="02020603050405020304" pitchFamily="18" charset="0"/>
+              </a:rPr>
+              <a:t>Implemented Basic Features</a:t>
+            </a:r>
+            <a:endParaRPr lang="zh-CN" altLang="en-US" sz="2000" dirty="0">
+              <a:latin typeface="Times New Roman" panose="02020603050405020304" pitchFamily="18" charset="0"/>
+              <a:ea typeface="汉仪旗黑-55简" panose="00020600040101010101" charset="-122"/>
+              <a:cs typeface="Times New Roman" panose="02020603050405020304" pitchFamily="18" charset="0"/>
+            </a:endParaRPr>
+          </a:p>
+        </p:txBody>
+      </p:sp>
+      <p:graphicFrame>
+        <p:nvGraphicFramePr>
+          <p:cNvPr id="11" name="表格 10">
+            <a:extLst>
+              <a:ext uri="{FF2B5EF4-FFF2-40B4-BE49-F238E27FC236}">
+                <a16:creationId xmlns:a16="http://schemas.microsoft.com/office/drawing/2014/main" id="{C5B15EA7-3458-9CEC-06AA-3033EB7F8B21}"/>
+              </a:ext>
+            </a:extLst>
+          </p:cNvPr>
+          <p:cNvGraphicFramePr>
+            <a:graphicFrameLocks noGrp="1"/>
+          </p:cNvGraphicFramePr>
+          <p:nvPr>
+            <p:extLst>
+              <p:ext uri="{D42A27DB-BD31-4B8C-83A1-F6EECF244321}">
+                <p14:modId xmlns:p14="http://schemas.microsoft.com/office/powerpoint/2010/main" val="2923430578"/>
+              </p:ext>
+            </p:extLst>
+          </p:nvPr>
+        </p:nvGraphicFramePr>
+        <p:xfrm>
+          <a:off x="1089549" y="2997615"/>
+          <a:ext cx="9788001" cy="3556000"/>
+        </p:xfrm>
+        <a:graphic>
+          <a:graphicData uri="http://schemas.openxmlformats.org/drawingml/2006/table">
+            <a:tbl>
+              <a:tblPr firstRow="1" bandRow="1">
+                <a:tableStyleId>{69012ECD-51FC-41F1-AA8D-1B2483CD663E}</a:tableStyleId>
+              </a:tblPr>
+              <a:tblGrid>
+                <a:gridCol w="1600075">
+                  <a:extLst>
+                    <a:ext uri="{9D8B030D-6E8A-4147-A177-3AD203B41FA5}">
+                      <a16:colId xmlns:a16="http://schemas.microsoft.com/office/drawing/2014/main" val="4279852217"/>
+                    </a:ext>
+                  </a:extLst>
+                </a:gridCol>
+                <a:gridCol w="3176096">
+                  <a:extLst>
+                    <a:ext uri="{9D8B030D-6E8A-4147-A177-3AD203B41FA5}">
+                      <a16:colId xmlns:a16="http://schemas.microsoft.com/office/drawing/2014/main" val="2718842353"/>
+                    </a:ext>
+                  </a:extLst>
+                </a:gridCol>
+                <a:gridCol w="1725774">
+                  <a:extLst>
+                    <a:ext uri="{9D8B030D-6E8A-4147-A177-3AD203B41FA5}">
+                      <a16:colId xmlns:a16="http://schemas.microsoft.com/office/drawing/2014/main" val="2117168748"/>
+                    </a:ext>
+                  </a:extLst>
+                </a:gridCol>
+                <a:gridCol w="3286056">
+                  <a:extLst>
+                    <a:ext uri="{9D8B030D-6E8A-4147-A177-3AD203B41FA5}">
+                      <a16:colId xmlns:a16="http://schemas.microsoft.com/office/drawing/2014/main" val="1376157236"/>
+                    </a:ext>
+                  </a:extLst>
+                </a:gridCol>
+              </a:tblGrid>
+              <a:tr h="370840">
+                <a:tc>
+                  <a:txBody>
+                    <a:bodyPr/>
+                    <a:lstStyle/>
+                    <a:p>
+                      <a:pPr algn="ctr"/>
+                      <a:r>
+                        <a:rPr lang="en-US" altLang="zh-CN" sz="1600" dirty="0">
+                          <a:latin typeface="Times New Roman" panose="02020603050405020304" pitchFamily="18" charset="0"/>
+                          <a:cs typeface="Times New Roman" panose="02020603050405020304" pitchFamily="18" charset="0"/>
+                        </a:rPr>
+                        <a:t>Feature Module</a:t>
+                      </a:r>
+                      <a:endParaRPr lang="zh-CN" altLang="en-US" sz="1600" dirty="0">
+                        <a:latin typeface="Times New Roman" panose="02020603050405020304" pitchFamily="18" charset="0"/>
+                        <a:cs typeface="Times New Roman" panose="02020603050405020304" pitchFamily="18" charset="0"/>
+                      </a:endParaRPr>
+                    </a:p>
+                  </a:txBody>
+                  <a:tcPr anchor="ctr">
+                    <a:lnR w="12700" cap="flat" cmpd="sng" algn="ctr">
+                      <a:solidFill>
+                        <a:schemeClr val="accent1"/>
+                      </a:solidFill>
+                      <a:prstDash val="solid"/>
+                      <a:round/>
+                      <a:headEnd type="none" w="med" len="med"/>
+                      <a:tailEnd type="none" w="med" len="med"/>
+                    </a:lnR>
+                    <a:solidFill>
+                      <a:schemeClr val="accent1">
+                        <a:lumMod val="75000"/>
+                      </a:schemeClr>
+                    </a:solidFill>
+                  </a:tcPr>
+                </a:tc>
+                <a:tc>
+                  <a:txBody>
+                    <a:bodyPr/>
+                    <a:lstStyle/>
+                    <a:p>
+                      <a:pPr algn="ctr"/>
+                      <a:r>
+                        <a:rPr lang="en-US" altLang="zh-CN" sz="1600" dirty="0">
+                          <a:latin typeface="Times New Roman" panose="02020603050405020304" pitchFamily="18" charset="0"/>
+                          <a:cs typeface="Times New Roman" panose="02020603050405020304" pitchFamily="18" charset="0"/>
+                        </a:rPr>
+                        <a:t>Subtask</a:t>
+                      </a:r>
+                      <a:endParaRPr lang="zh-CN" altLang="en-US" sz="1600" dirty="0">
+                        <a:latin typeface="Times New Roman" panose="02020603050405020304" pitchFamily="18" charset="0"/>
+                        <a:cs typeface="Times New Roman" panose="02020603050405020304" pitchFamily="18" charset="0"/>
+                      </a:endParaRPr>
+                    </a:p>
+                  </a:txBody>
+                  <a:tcPr anchor="ctr">
+                    <a:lnL w="12700" cap="flat" cmpd="sng" algn="ctr">
+                      <a:solidFill>
+                        <a:schemeClr val="accent1"/>
+                      </a:solidFill>
+                      <a:prstDash val="solid"/>
+                      <a:round/>
+                      <a:headEnd type="none" w="med" len="med"/>
+                      <a:tailEnd type="none" w="med" len="med"/>
+                    </a:lnL>
+                    <a:lnR w="12700" cap="flat" cmpd="sng" algn="ctr">
+                      <a:solidFill>
+                        <a:schemeClr val="accent1"/>
+                      </a:solidFill>
+                      <a:prstDash val="solid"/>
+                      <a:round/>
+                      <a:headEnd type="none" w="med" len="med"/>
+                      <a:tailEnd type="none" w="med" len="med"/>
+                    </a:lnR>
+                    <a:solidFill>
+                      <a:schemeClr val="accent1">
+                        <a:lumMod val="75000"/>
+                      </a:schemeClr>
+                    </a:solidFill>
+                  </a:tcPr>
+                </a:tc>
+                <a:tc>
+                  <a:txBody>
+                    <a:bodyPr/>
+                    <a:lstStyle/>
+                    <a:p>
+                      <a:pPr algn="ctr"/>
+                      <a:r>
+                        <a:rPr lang="en-US" altLang="zh-CN" sz="1600" dirty="0">
+                          <a:latin typeface="Times New Roman" panose="02020603050405020304" pitchFamily="18" charset="0"/>
+                          <a:cs typeface="Times New Roman" panose="02020603050405020304" pitchFamily="18" charset="0"/>
+                        </a:rPr>
+                        <a:t>Feature Module</a:t>
+                      </a:r>
+                    </a:p>
+                  </a:txBody>
+                  <a:tcPr anchor="ctr">
+                    <a:lnL w="12700" cap="flat" cmpd="sng" algn="ctr">
+                      <a:solidFill>
+                        <a:schemeClr val="accent1"/>
+                      </a:solidFill>
+                      <a:prstDash val="solid"/>
+                      <a:round/>
+                      <a:headEnd type="none" w="med" len="med"/>
+                      <a:tailEnd type="none" w="med" len="med"/>
+                    </a:lnL>
+                    <a:lnR w="12700" cap="flat" cmpd="sng" algn="ctr">
+                      <a:solidFill>
+                        <a:schemeClr val="accent1"/>
+                      </a:solidFill>
+                      <a:prstDash val="solid"/>
+                      <a:round/>
+                      <a:headEnd type="none" w="med" len="med"/>
+                      <a:tailEnd type="none" w="med" len="med"/>
+                    </a:lnR>
+                    <a:solidFill>
+                      <a:schemeClr val="accent1">
+                        <a:lumMod val="75000"/>
+                      </a:schemeClr>
+                    </a:solidFill>
+                  </a:tcPr>
+                </a:tc>
+                <a:tc>
+                  <a:txBody>
+                    <a:bodyPr/>
+                    <a:lstStyle/>
+                    <a:p>
+                      <a:pPr algn="ctr"/>
+                      <a:r>
+                        <a:rPr lang="en-US" altLang="zh-CN" sz="1600" dirty="0">
+                          <a:latin typeface="Times New Roman" panose="02020603050405020304" pitchFamily="18" charset="0"/>
+                          <a:cs typeface="Times New Roman" panose="02020603050405020304" pitchFamily="18" charset="0"/>
+                        </a:rPr>
+                        <a:t>Subtask</a:t>
+                      </a:r>
+                      <a:endParaRPr lang="zh-CN" altLang="en-US" sz="1600" dirty="0">
+                        <a:latin typeface="Times New Roman" panose="02020603050405020304" pitchFamily="18" charset="0"/>
+                        <a:cs typeface="Times New Roman" panose="02020603050405020304" pitchFamily="18" charset="0"/>
+                      </a:endParaRPr>
+                    </a:p>
+                  </a:txBody>
+                  <a:tcPr anchor="ctr">
+                    <a:lnL w="12700" cap="flat" cmpd="sng" algn="ctr">
+                      <a:solidFill>
+                        <a:schemeClr val="accent1"/>
+                      </a:solidFill>
+                      <a:prstDash val="solid"/>
+                      <a:round/>
+                      <a:headEnd type="none" w="med" len="med"/>
+                      <a:tailEnd type="none" w="med" len="med"/>
+                    </a:lnL>
+                    <a:solidFill>
+                      <a:schemeClr val="accent1">
+                        <a:lumMod val="75000"/>
+                      </a:schemeClr>
+                    </a:solidFill>
+                  </a:tcPr>
+                </a:tc>
+                <a:extLst>
+                  <a:ext uri="{0D108BD9-81ED-4DB2-BD59-A6C34878D82A}">
+                    <a16:rowId xmlns:a16="http://schemas.microsoft.com/office/drawing/2014/main" val="736357916"/>
+                  </a:ext>
+                </a:extLst>
+              </a:tr>
+              <a:tr h="370840">
+                <a:tc>
+                  <a:txBody>
+                    <a:bodyPr/>
+                    <a:lstStyle/>
+                    <a:p>
+                      <a:pPr algn="ctr"/>
+                      <a:r>
+                        <a:rPr lang="en-US" altLang="zh-CN" sz="1400" b="1" dirty="0">
+                          <a:latin typeface="Times New Roman" panose="02020603050405020304" pitchFamily="18" charset="0"/>
+                          <a:cs typeface="Times New Roman" panose="02020603050405020304" pitchFamily="18" charset="0"/>
+                        </a:rPr>
+                        <a:t>Basic Functions</a:t>
+                      </a:r>
+                      <a:endParaRPr lang="zh-CN" altLang="en-US" sz="1400" b="1" dirty="0">
+                        <a:latin typeface="Times New Roman" panose="02020603050405020304" pitchFamily="18" charset="0"/>
+                        <a:cs typeface="Times New Roman" panose="02020603050405020304" pitchFamily="18" charset="0"/>
+                      </a:endParaRPr>
+                    </a:p>
+                  </a:txBody>
+                  <a:tcPr anchor="ctr">
+                    <a:lnL w="12700" cap="flat" cmpd="sng" algn="ctr">
+                      <a:solidFill>
+                        <a:schemeClr val="accent1"/>
+                      </a:solidFill>
+                      <a:prstDash val="solid"/>
+                      <a:round/>
+                      <a:headEnd type="none" w="med" len="med"/>
+                      <a:tailEnd type="none" w="med" len="med"/>
+                    </a:lnL>
+                    <a:lnR w="12700" cap="flat" cmpd="sng" algn="ctr">
+                      <a:solidFill>
+                        <a:schemeClr val="accent1"/>
+                      </a:solidFill>
+                      <a:prstDash val="solid"/>
+                      <a:round/>
+                      <a:headEnd type="none" w="med" len="med"/>
+                      <a:tailEnd type="none" w="med" len="med"/>
+                    </a:lnR>
+                  </a:tcPr>
+                </a:tc>
+                <a:tc>
+                  <a:txBody>
+                    <a:bodyPr/>
+                    <a:lstStyle/>
+                    <a:p>
+                      <a:pPr algn="ctr"/>
+                      <a:endParaRPr lang="zh-CN" altLang="en-US" sz="1400" dirty="0">
+                        <a:latin typeface="Times New Roman" panose="02020603050405020304" pitchFamily="18" charset="0"/>
+                        <a:cs typeface="Times New Roman" panose="02020603050405020304" pitchFamily="18" charset="0"/>
+                      </a:endParaRPr>
+                    </a:p>
+                  </a:txBody>
+                  <a:tcPr anchor="ctr">
+                    <a:lnL w="12700" cap="flat" cmpd="sng" algn="ctr">
+                      <a:solidFill>
+                        <a:schemeClr val="accent1"/>
+                      </a:solidFill>
+                      <a:prstDash val="solid"/>
+                      <a:round/>
+                      <a:headEnd type="none" w="med" len="med"/>
+                      <a:tailEnd type="none" w="med" len="med"/>
+                    </a:lnL>
+                    <a:lnR w="12700" cap="flat" cmpd="sng" algn="ctr">
+                      <a:solidFill>
+                        <a:schemeClr val="accent1"/>
+                      </a:solidFill>
+                      <a:prstDash val="solid"/>
+                      <a:round/>
+                      <a:headEnd type="none" w="med" len="med"/>
+                      <a:tailEnd type="none" w="med" len="med"/>
+                    </a:lnR>
+                  </a:tcPr>
+                </a:tc>
+                <a:tc>
+                  <a:txBody>
+                    <a:bodyPr/>
+                    <a:lstStyle/>
+                    <a:p>
+                      <a:pPr algn="ctr"/>
+                      <a:r>
+                        <a:rPr lang="en-US" altLang="zh-CN" sz="1400" b="1" dirty="0">
+                          <a:latin typeface="Times New Roman" panose="02020603050405020304" pitchFamily="18" charset="0"/>
+                          <a:cs typeface="Times New Roman" panose="02020603050405020304" pitchFamily="18" charset="0"/>
+                        </a:rPr>
+                        <a:t>Advanced Features</a:t>
+                      </a:r>
+                      <a:endParaRPr lang="zh-CN" altLang="en-US" sz="1400" b="1" dirty="0">
+                        <a:latin typeface="Times New Roman" panose="02020603050405020304" pitchFamily="18" charset="0"/>
+                        <a:cs typeface="Times New Roman" panose="02020603050405020304" pitchFamily="18" charset="0"/>
+                      </a:endParaRPr>
+                    </a:p>
+                  </a:txBody>
+                  <a:tcPr anchor="ctr">
+                    <a:lnL w="12700" cap="flat" cmpd="sng" algn="ctr">
+                      <a:solidFill>
+                        <a:schemeClr val="accent1"/>
+                      </a:solidFill>
+                      <a:prstDash val="solid"/>
+                      <a:round/>
+                      <a:headEnd type="none" w="med" len="med"/>
+                      <a:tailEnd type="none" w="med" len="med"/>
+                    </a:lnL>
+                    <a:lnR w="12700" cap="flat" cmpd="sng" algn="ctr">
+                      <a:solidFill>
+                        <a:schemeClr val="accent1"/>
+                      </a:solidFill>
+                      <a:prstDash val="solid"/>
+                      <a:round/>
+                      <a:headEnd type="none" w="med" len="med"/>
+                      <a:tailEnd type="none" w="med" len="med"/>
+                    </a:lnR>
+                  </a:tcPr>
+                </a:tc>
+                <a:tc>
+                  <a:txBody>
+                    <a:bodyPr/>
+                    <a:lstStyle/>
+                    <a:p>
+                      <a:pPr algn="ctr"/>
+                      <a:r>
+                        <a:rPr lang="en-US" altLang="zh-CN" sz="1400" dirty="0">
+                          <a:latin typeface="Times New Roman" panose="02020603050405020304" pitchFamily="18" charset="0"/>
+                          <a:cs typeface="Times New Roman" panose="02020603050405020304" pitchFamily="18" charset="0"/>
+                        </a:rPr>
+                        <a:t>Enemy Creation</a:t>
+                      </a:r>
+                      <a:endParaRPr lang="zh-CN" altLang="en-US" sz="1400" dirty="0">
+                        <a:latin typeface="Times New Roman" panose="02020603050405020304" pitchFamily="18" charset="0"/>
+                        <a:cs typeface="Times New Roman" panose="02020603050405020304" pitchFamily="18" charset="0"/>
+                      </a:endParaRPr>
+                    </a:p>
+                  </a:txBody>
+                  <a:tcPr anchor="ctr">
+                    <a:lnL w="12700" cap="flat" cmpd="sng" algn="ctr">
+                      <a:solidFill>
+                        <a:schemeClr val="accent1"/>
+                      </a:solidFill>
+                      <a:prstDash val="solid"/>
+                      <a:round/>
+                      <a:headEnd type="none" w="med" len="med"/>
+                      <a:tailEnd type="none" w="med" len="med"/>
+                    </a:lnL>
+                  </a:tcPr>
+                </a:tc>
+                <a:extLst>
+                  <a:ext uri="{0D108BD9-81ED-4DB2-BD59-A6C34878D82A}">
+                    <a16:rowId xmlns:a16="http://schemas.microsoft.com/office/drawing/2014/main" val="1237184807"/>
+                  </a:ext>
+                </a:extLst>
+              </a:tr>
+              <a:tr h="370840">
+                <a:tc>
+                  <a:txBody>
+                    <a:bodyPr/>
+                    <a:lstStyle/>
+                    <a:p>
+                      <a:pPr algn="ctr"/>
+                      <a:r>
+                        <a:rPr lang="en-US" altLang="zh-CN" sz="1400" dirty="0">
+                          <a:latin typeface="Times New Roman" panose="02020603050405020304" pitchFamily="18" charset="0"/>
+                          <a:cs typeface="Times New Roman" panose="02020603050405020304" pitchFamily="18" charset="0"/>
+                        </a:rPr>
+                        <a:t>Diverse Tower Functions</a:t>
+                      </a:r>
+                      <a:endParaRPr lang="zh-CN" altLang="en-US" sz="1400" dirty="0">
+                        <a:latin typeface="Times New Roman" panose="02020603050405020304" pitchFamily="18" charset="0"/>
+                        <a:cs typeface="Times New Roman" panose="02020603050405020304" pitchFamily="18" charset="0"/>
+                      </a:endParaRPr>
+                    </a:p>
+                  </a:txBody>
+                  <a:tcPr anchor="ctr">
+                    <a:lnL w="12700" cap="flat" cmpd="sng" algn="ctr">
+                      <a:solidFill>
+                        <a:schemeClr val="accent1"/>
+                      </a:solidFill>
+                      <a:prstDash val="solid"/>
+                      <a:round/>
+                      <a:headEnd type="none" w="med" len="med"/>
+                      <a:tailEnd type="none" w="med" len="med"/>
+                    </a:lnL>
+                    <a:lnR w="12700" cap="flat" cmpd="sng" algn="ctr">
+                      <a:solidFill>
+                        <a:schemeClr val="accent1"/>
+                      </a:solidFill>
+                      <a:prstDash val="solid"/>
+                      <a:round/>
+                      <a:headEnd type="none" w="med" len="med"/>
+                      <a:tailEnd type="none" w="med" len="med"/>
+                    </a:lnR>
+                  </a:tcPr>
+                </a:tc>
+                <a:tc>
+                  <a:txBody>
+                    <a:bodyPr/>
+                    <a:lstStyle/>
+                    <a:p>
+                      <a:pPr algn="ctr"/>
+                      <a:r>
+                        <a:rPr lang="en-US" altLang="zh-CN" sz="1400" dirty="0">
+                          <a:latin typeface="Times New Roman" panose="02020603050405020304" pitchFamily="18" charset="0"/>
+                          <a:cs typeface="Times New Roman" panose="02020603050405020304" pitchFamily="18" charset="0"/>
+                        </a:rPr>
+                        <a:t>Build Tower, Delete Tower, Two-level Tower Upgrades</a:t>
+                      </a:r>
+                      <a:endParaRPr lang="zh-CN" altLang="en-US" sz="1400" dirty="0">
+                        <a:latin typeface="Times New Roman" panose="02020603050405020304" pitchFamily="18" charset="0"/>
+                        <a:cs typeface="Times New Roman" panose="02020603050405020304" pitchFamily="18" charset="0"/>
+                      </a:endParaRPr>
+                    </a:p>
+                  </a:txBody>
+                  <a:tcPr anchor="ctr">
+                    <a:lnL w="12700" cap="flat" cmpd="sng" algn="ctr">
+                      <a:solidFill>
+                        <a:schemeClr val="accent1"/>
+                      </a:solidFill>
+                      <a:prstDash val="solid"/>
+                      <a:round/>
+                      <a:headEnd type="none" w="med" len="med"/>
+                      <a:tailEnd type="none" w="med" len="med"/>
+                    </a:lnL>
+                    <a:lnR w="12700" cap="flat" cmpd="sng" algn="ctr">
+                      <a:solidFill>
+                        <a:schemeClr val="accent1"/>
+                      </a:solidFill>
+                      <a:prstDash val="solid"/>
+                      <a:round/>
+                      <a:headEnd type="none" w="med" len="med"/>
+                      <a:tailEnd type="none" w="med" len="med"/>
+                    </a:lnR>
+                  </a:tcPr>
+                </a:tc>
+                <a:tc>
+                  <a:txBody>
+                    <a:bodyPr/>
+                    <a:lstStyle/>
+                    <a:p>
+                      <a:pPr algn="ctr"/>
+                      <a:r>
+                        <a:rPr lang="en-US" altLang="zh-CN" sz="1400" dirty="0">
+                          <a:latin typeface="Times New Roman" panose="02020603050405020304" pitchFamily="18" charset="0"/>
+                          <a:cs typeface="Times New Roman" panose="02020603050405020304" pitchFamily="18" charset="0"/>
+                        </a:rPr>
+                        <a:t>Special Attack Mode</a:t>
+                      </a:r>
+                      <a:endParaRPr lang="zh-CN" altLang="en-US" sz="1400" dirty="0">
+                        <a:latin typeface="Times New Roman" panose="02020603050405020304" pitchFamily="18" charset="0"/>
+                        <a:cs typeface="Times New Roman" panose="02020603050405020304" pitchFamily="18" charset="0"/>
+                      </a:endParaRPr>
+                    </a:p>
+                  </a:txBody>
+                  <a:tcPr anchor="ctr">
+                    <a:lnL w="12700" cap="flat" cmpd="sng" algn="ctr">
+                      <a:solidFill>
+                        <a:schemeClr val="accent1"/>
+                      </a:solidFill>
+                      <a:prstDash val="solid"/>
+                      <a:round/>
+                      <a:headEnd type="none" w="med" len="med"/>
+                      <a:tailEnd type="none" w="med" len="med"/>
+                    </a:lnL>
+                    <a:lnR w="12700" cap="flat" cmpd="sng" algn="ctr">
+                      <a:solidFill>
+                        <a:schemeClr val="accent1"/>
+                      </a:solidFill>
+                      <a:prstDash val="solid"/>
+                      <a:round/>
+                      <a:headEnd type="none" w="med" len="med"/>
+                      <a:tailEnd type="none" w="med" len="med"/>
+                    </a:lnR>
+                  </a:tcPr>
+                </a:tc>
+                <a:tc>
+                  <a:txBody>
+                    <a:bodyPr/>
+                    <a:lstStyle/>
+                    <a:p>
+                      <a:pPr algn="ctr"/>
+                      <a:r>
+                        <a:rPr lang="en-US" altLang="zh-CN" sz="1400" dirty="0">
+                          <a:latin typeface="Times New Roman" panose="02020603050405020304" pitchFamily="18" charset="0"/>
+                          <a:cs typeface="Times New Roman" panose="02020603050405020304" pitchFamily="18" charset="0"/>
+                        </a:rPr>
+                        <a:t>Turret Special Abilities, Activate Special Abilities</a:t>
+                      </a:r>
+                      <a:endParaRPr lang="zh-CN" altLang="en-US" sz="1400" dirty="0">
+                        <a:latin typeface="Times New Roman" panose="02020603050405020304" pitchFamily="18" charset="0"/>
+                        <a:cs typeface="Times New Roman" panose="02020603050405020304" pitchFamily="18" charset="0"/>
+                      </a:endParaRPr>
+                    </a:p>
+                  </a:txBody>
+                  <a:tcPr anchor="ctr">
+                    <a:lnL w="12700" cap="flat" cmpd="sng" algn="ctr">
+                      <a:solidFill>
+                        <a:schemeClr val="accent1"/>
+                      </a:solidFill>
+                      <a:prstDash val="solid"/>
+                      <a:round/>
+                      <a:headEnd type="none" w="med" len="med"/>
+                      <a:tailEnd type="none" w="med" len="med"/>
+                    </a:lnL>
+                  </a:tcPr>
+                </a:tc>
+                <a:extLst>
+                  <a:ext uri="{0D108BD9-81ED-4DB2-BD59-A6C34878D82A}">
+                    <a16:rowId xmlns:a16="http://schemas.microsoft.com/office/drawing/2014/main" val="1677881196"/>
+                  </a:ext>
+                </a:extLst>
+              </a:tr>
+              <a:tr h="370840">
+                <a:tc>
+                  <a:txBody>
+                    <a:bodyPr/>
+                    <a:lstStyle/>
+                    <a:p>
+                      <a:pPr algn="ctr"/>
+                      <a:r>
+                        <a:rPr lang="en-US" altLang="zh-CN" sz="1400" dirty="0">
+                          <a:latin typeface="Times New Roman" panose="02020603050405020304" pitchFamily="18" charset="0"/>
+                          <a:cs typeface="Times New Roman" panose="02020603050405020304" pitchFamily="18" charset="0"/>
+                        </a:rPr>
+                        <a:t>Special Effects Display</a:t>
+                      </a:r>
+                      <a:endParaRPr lang="zh-CN" altLang="en-US" sz="1400" dirty="0">
+                        <a:latin typeface="Times New Roman" panose="02020603050405020304" pitchFamily="18" charset="0"/>
+                        <a:cs typeface="Times New Roman" panose="02020603050405020304" pitchFamily="18" charset="0"/>
+                      </a:endParaRPr>
+                    </a:p>
+                  </a:txBody>
+                  <a:tcPr anchor="ctr">
+                    <a:lnL w="12700" cap="flat" cmpd="sng" algn="ctr">
+                      <a:solidFill>
+                        <a:schemeClr val="accent1"/>
+                      </a:solidFill>
+                      <a:prstDash val="solid"/>
+                      <a:round/>
+                      <a:headEnd type="none" w="med" len="med"/>
+                      <a:tailEnd type="none" w="med" len="med"/>
+                    </a:lnL>
+                    <a:lnR w="12700" cap="flat" cmpd="sng" algn="ctr">
+                      <a:solidFill>
+                        <a:schemeClr val="accent1"/>
+                      </a:solidFill>
+                      <a:prstDash val="solid"/>
+                      <a:round/>
+                      <a:headEnd type="none" w="med" len="med"/>
+                      <a:tailEnd type="none" w="med" len="med"/>
+                    </a:lnR>
+                  </a:tcPr>
+                </a:tc>
+                <a:tc>
+                  <a:txBody>
+                    <a:bodyPr/>
+                    <a:lstStyle/>
+                    <a:p>
+                      <a:pPr algn="ctr"/>
+                      <a:r>
+                        <a:rPr lang="en-US" altLang="zh-CN" sz="1400" dirty="0">
+                          <a:latin typeface="Times New Roman" panose="02020603050405020304" pitchFamily="18" charset="0"/>
+                          <a:cs typeface="Times New Roman" panose="02020603050405020304" pitchFamily="18" charset="0"/>
+                        </a:rPr>
+                        <a:t>Tower Attack Effects, Monster Hit Effects</a:t>
+                      </a:r>
+                      <a:endParaRPr lang="zh-CN" altLang="en-US" sz="1400" dirty="0">
+                        <a:latin typeface="Times New Roman" panose="02020603050405020304" pitchFamily="18" charset="0"/>
+                        <a:cs typeface="Times New Roman" panose="02020603050405020304" pitchFamily="18" charset="0"/>
+                      </a:endParaRPr>
+                    </a:p>
+                  </a:txBody>
+                  <a:tcPr anchor="ctr">
+                    <a:lnL w="12700" cap="flat" cmpd="sng" algn="ctr">
+                      <a:solidFill>
+                        <a:schemeClr val="accent1"/>
+                      </a:solidFill>
+                      <a:prstDash val="solid"/>
+                      <a:round/>
+                      <a:headEnd type="none" w="med" len="med"/>
+                      <a:tailEnd type="none" w="med" len="med"/>
+                    </a:lnL>
+                    <a:lnR w="12700" cap="flat" cmpd="sng" algn="ctr">
+                      <a:solidFill>
+                        <a:schemeClr val="accent1"/>
+                      </a:solidFill>
+                      <a:prstDash val="solid"/>
+                      <a:round/>
+                      <a:headEnd type="none" w="med" len="med"/>
+                      <a:tailEnd type="none" w="med" len="med"/>
+                    </a:lnR>
+                  </a:tcPr>
+                </a:tc>
+                <a:tc>
+                  <a:txBody>
+                    <a:bodyPr/>
+                    <a:lstStyle/>
+                    <a:p>
+                      <a:pPr algn="ctr"/>
+                      <a:r>
+                        <a:rPr lang="en-US" altLang="zh-CN" sz="1400" dirty="0">
+                          <a:latin typeface="Times New Roman" panose="02020603050405020304" pitchFamily="18" charset="0"/>
+                          <a:cs typeface="Times New Roman" panose="02020603050405020304" pitchFamily="18" charset="0"/>
+                        </a:rPr>
+                        <a:t>Upgrade Effect Enhancement</a:t>
+                      </a:r>
+                      <a:endParaRPr lang="zh-CN" altLang="en-US" sz="1400" dirty="0">
+                        <a:latin typeface="Times New Roman" panose="02020603050405020304" pitchFamily="18" charset="0"/>
+                        <a:cs typeface="Times New Roman" panose="02020603050405020304" pitchFamily="18" charset="0"/>
+                      </a:endParaRPr>
+                    </a:p>
+                  </a:txBody>
+                  <a:tcPr anchor="ctr">
+                    <a:lnL w="12700" cap="flat" cmpd="sng" algn="ctr">
+                      <a:solidFill>
+                        <a:schemeClr val="accent1"/>
+                      </a:solidFill>
+                      <a:prstDash val="solid"/>
+                      <a:round/>
+                      <a:headEnd type="none" w="med" len="med"/>
+                      <a:tailEnd type="none" w="med" len="med"/>
+                    </a:lnL>
+                    <a:lnR w="12700" cap="flat" cmpd="sng" algn="ctr">
+                      <a:solidFill>
+                        <a:schemeClr val="accent1"/>
+                      </a:solidFill>
+                      <a:prstDash val="solid"/>
+                      <a:round/>
+                      <a:headEnd type="none" w="med" len="med"/>
+                      <a:tailEnd type="none" w="med" len="med"/>
+                    </a:lnR>
+                  </a:tcPr>
+                </a:tc>
+                <a:tc>
+                  <a:txBody>
+                    <a:bodyPr/>
+                    <a:lstStyle/>
+                    <a:p>
+                      <a:pPr algn="ctr"/>
+                      <a:r>
+                        <a:rPr lang="en-US" altLang="zh-CN" sz="1400" dirty="0">
+                          <a:latin typeface="Times New Roman" panose="02020603050405020304" pitchFamily="18" charset="0"/>
+                          <a:cs typeface="Times New Roman" panose="02020603050405020304" pitchFamily="18" charset="0"/>
+                        </a:rPr>
+                        <a:t>Unlock New Effects on Upgrade</a:t>
+                      </a:r>
+                      <a:endParaRPr lang="zh-CN" altLang="en-US" sz="1400" dirty="0">
+                        <a:latin typeface="Times New Roman" panose="02020603050405020304" pitchFamily="18" charset="0"/>
+                        <a:cs typeface="Times New Roman" panose="02020603050405020304" pitchFamily="18" charset="0"/>
+                      </a:endParaRPr>
+                    </a:p>
+                  </a:txBody>
+                  <a:tcPr anchor="ctr">
+                    <a:lnL w="12700" cap="flat" cmpd="sng" algn="ctr">
+                      <a:solidFill>
+                        <a:schemeClr val="accent1"/>
+                      </a:solidFill>
+                      <a:prstDash val="solid"/>
+                      <a:round/>
+                      <a:headEnd type="none" w="med" len="med"/>
+                      <a:tailEnd type="none" w="med" len="med"/>
+                    </a:lnL>
+                  </a:tcPr>
+                </a:tc>
+                <a:extLst>
+                  <a:ext uri="{0D108BD9-81ED-4DB2-BD59-A6C34878D82A}">
+                    <a16:rowId xmlns:a16="http://schemas.microsoft.com/office/drawing/2014/main" val="2328449314"/>
+                  </a:ext>
+                </a:extLst>
+              </a:tr>
+              <a:tr h="370840">
+                <a:tc>
+                  <a:txBody>
+                    <a:bodyPr/>
+                    <a:lstStyle/>
+                    <a:p>
+                      <a:pPr algn="ctr"/>
+                      <a:r>
+                        <a:rPr lang="en-US" altLang="zh-CN" sz="1400" dirty="0">
+                          <a:latin typeface="Times New Roman" panose="02020603050405020304" pitchFamily="18" charset="0"/>
+                          <a:cs typeface="Times New Roman" panose="02020603050405020304" pitchFamily="18" charset="0"/>
+                        </a:rPr>
+                        <a:t>Economy System</a:t>
+                      </a:r>
+                      <a:endParaRPr lang="zh-CN" altLang="en-US" sz="1400" dirty="0">
+                        <a:latin typeface="Times New Roman" panose="02020603050405020304" pitchFamily="18" charset="0"/>
+                        <a:cs typeface="Times New Roman" panose="02020603050405020304" pitchFamily="18" charset="0"/>
+                      </a:endParaRPr>
+                    </a:p>
+                  </a:txBody>
+                  <a:tcPr anchor="ctr">
+                    <a:lnL w="12700" cap="flat" cmpd="sng" algn="ctr">
+                      <a:solidFill>
+                        <a:schemeClr val="accent1"/>
+                      </a:solidFill>
+                      <a:prstDash val="solid"/>
+                      <a:round/>
+                      <a:headEnd type="none" w="med" len="med"/>
+                      <a:tailEnd type="none" w="med" len="med"/>
+                    </a:lnL>
+                    <a:lnR w="12700" cap="flat" cmpd="sng" algn="ctr">
+                      <a:solidFill>
+                        <a:schemeClr val="accent1"/>
+                      </a:solidFill>
+                      <a:prstDash val="solid"/>
+                      <a:round/>
+                      <a:headEnd type="none" w="med" len="med"/>
+                      <a:tailEnd type="none" w="med" len="med"/>
+                    </a:lnR>
+                  </a:tcPr>
+                </a:tc>
+                <a:tc>
+                  <a:txBody>
+                    <a:bodyPr/>
+                    <a:lstStyle/>
+                    <a:p>
+                      <a:pPr algn="ctr"/>
+                      <a:r>
+                        <a:rPr lang="en-US" altLang="zh-CN" sz="1400" dirty="0">
+                          <a:latin typeface="Times New Roman" panose="02020603050405020304" pitchFamily="18" charset="0"/>
+                          <a:cs typeface="Times New Roman" panose="02020603050405020304" pitchFamily="18" charset="0"/>
+                        </a:rPr>
+                        <a:t>Earn Gold by Defeating Monsters, Spend Gold to Build and Upgrade Turrets</a:t>
+                      </a:r>
+                      <a:endParaRPr lang="zh-CN" altLang="en-US" sz="1400" dirty="0">
+                        <a:latin typeface="Times New Roman" panose="02020603050405020304" pitchFamily="18" charset="0"/>
+                        <a:cs typeface="Times New Roman" panose="02020603050405020304" pitchFamily="18" charset="0"/>
+                      </a:endParaRPr>
+                    </a:p>
+                  </a:txBody>
+                  <a:tcPr anchor="ctr">
+                    <a:lnL w="12700" cap="flat" cmpd="sng" algn="ctr">
+                      <a:solidFill>
+                        <a:schemeClr val="accent1"/>
+                      </a:solidFill>
+                      <a:prstDash val="solid"/>
+                      <a:round/>
+                      <a:headEnd type="none" w="med" len="med"/>
+                      <a:tailEnd type="none" w="med" len="med"/>
+                    </a:lnL>
+                    <a:lnR w="12700" cap="flat" cmpd="sng" algn="ctr">
+                      <a:solidFill>
+                        <a:schemeClr val="accent1"/>
+                      </a:solidFill>
+                      <a:prstDash val="solid"/>
+                      <a:round/>
+                      <a:headEnd type="none" w="med" len="med"/>
+                      <a:tailEnd type="none" w="med" len="med"/>
+                    </a:lnR>
+                  </a:tcPr>
+                </a:tc>
+                <a:tc>
+                  <a:txBody>
+                    <a:bodyPr/>
+                    <a:lstStyle/>
+                    <a:p>
+                      <a:pPr marL="0" marR="0" lvl="0" indent="0" algn="ctr" defTabSz="914400" rtl="0" eaLnBrk="1" fontAlgn="auto" latinLnBrk="0" hangingPunct="1">
+                        <a:lnSpc>
+                          <a:spcPct val="100000"/>
+                        </a:lnSpc>
+                        <a:spcBef>
+                          <a:spcPts val="0"/>
+                        </a:spcBef>
+                        <a:spcAft>
+                          <a:spcPts val="0"/>
+                        </a:spcAft>
+                        <a:buClrTx/>
+                        <a:buSzTx/>
+                        <a:buFontTx/>
+                        <a:buNone/>
+                        <a:tabLst/>
+                        <a:defRPr/>
+                      </a:pPr>
+                      <a:r>
+                        <a:rPr lang="en-US" altLang="zh-CN" sz="1400" dirty="0">
+                          <a:latin typeface="Times New Roman" panose="02020603050405020304" pitchFamily="18" charset="0"/>
+                          <a:cs typeface="Times New Roman" panose="02020603050405020304" pitchFamily="18" charset="0"/>
+                        </a:rPr>
+                        <a:t>Flexible Game Flow</a:t>
+                      </a:r>
+                      <a:endParaRPr lang="zh-CN" altLang="en-US" sz="1400" dirty="0">
+                        <a:latin typeface="Times New Roman" panose="02020603050405020304" pitchFamily="18" charset="0"/>
+                        <a:cs typeface="Times New Roman" panose="02020603050405020304" pitchFamily="18" charset="0"/>
+                      </a:endParaRPr>
+                    </a:p>
+                  </a:txBody>
+                  <a:tcPr anchor="ctr">
+                    <a:lnL w="12700" cap="flat" cmpd="sng" algn="ctr">
+                      <a:solidFill>
+                        <a:schemeClr val="accent1"/>
+                      </a:solidFill>
+                      <a:prstDash val="solid"/>
+                      <a:round/>
+                      <a:headEnd type="none" w="med" len="med"/>
+                      <a:tailEnd type="none" w="med" len="med"/>
+                    </a:lnL>
+                    <a:lnR w="12700" cap="flat" cmpd="sng" algn="ctr">
+                      <a:solidFill>
+                        <a:schemeClr val="accent1"/>
+                      </a:solidFill>
+                      <a:prstDash val="solid"/>
+                      <a:round/>
+                      <a:headEnd type="none" w="med" len="med"/>
+                      <a:tailEnd type="none" w="med" len="med"/>
+                    </a:lnR>
+                  </a:tcPr>
+                </a:tc>
+                <a:tc>
+                  <a:txBody>
+                    <a:bodyPr/>
+                    <a:lstStyle/>
+                    <a:p>
+                      <a:pPr algn="ctr"/>
+                      <a:r>
+                        <a:rPr lang="en-US" altLang="zh-CN" sz="1400" dirty="0">
+                          <a:latin typeface="Times New Roman" panose="02020603050405020304" pitchFamily="18" charset="0"/>
+                          <a:cs typeface="Times New Roman" panose="02020603050405020304" pitchFamily="18" charset="0"/>
+                        </a:rPr>
+                        <a:t>Restart During Gameplay, Exit and Select Level</a:t>
+                      </a:r>
+                      <a:endParaRPr lang="zh-CN" altLang="en-US" sz="1400" dirty="0">
+                        <a:latin typeface="Times New Roman" panose="02020603050405020304" pitchFamily="18" charset="0"/>
+                        <a:cs typeface="Times New Roman" panose="02020603050405020304" pitchFamily="18" charset="0"/>
+                      </a:endParaRPr>
+                    </a:p>
+                  </a:txBody>
+                  <a:tcPr anchor="ctr">
+                    <a:lnL w="12700" cap="flat" cmpd="sng" algn="ctr">
+                      <a:solidFill>
+                        <a:schemeClr val="accent1"/>
+                      </a:solidFill>
+                      <a:prstDash val="solid"/>
+                      <a:round/>
+                      <a:headEnd type="none" w="med" len="med"/>
+                      <a:tailEnd type="none" w="med" len="med"/>
+                    </a:lnL>
+                  </a:tcPr>
+                </a:tc>
+                <a:extLst>
+                  <a:ext uri="{0D108BD9-81ED-4DB2-BD59-A6C34878D82A}">
+                    <a16:rowId xmlns:a16="http://schemas.microsoft.com/office/drawing/2014/main" val="3446190012"/>
+                  </a:ext>
+                </a:extLst>
+              </a:tr>
+              <a:tr h="370840">
+                <a:tc>
+                  <a:txBody>
+                    <a:bodyPr/>
+                    <a:lstStyle/>
+                    <a:p>
+                      <a:pPr algn="ctr"/>
+                      <a:r>
+                        <a:rPr lang="en-US" altLang="zh-CN" sz="1400" dirty="0">
+                          <a:latin typeface="Times New Roman" panose="02020603050405020304" pitchFamily="18" charset="0"/>
+                          <a:cs typeface="Times New Roman" panose="02020603050405020304" pitchFamily="18" charset="0"/>
+                        </a:rPr>
+                        <a:t>Monsters and Maps</a:t>
+                      </a:r>
+                      <a:endParaRPr lang="zh-CN" altLang="en-US" sz="1400" dirty="0">
+                        <a:latin typeface="Times New Roman" panose="02020603050405020304" pitchFamily="18" charset="0"/>
+                        <a:cs typeface="Times New Roman" panose="02020603050405020304" pitchFamily="18" charset="0"/>
+                      </a:endParaRPr>
+                    </a:p>
+                  </a:txBody>
+                  <a:tcPr anchor="ctr">
+                    <a:lnL w="12700" cap="flat" cmpd="sng" algn="ctr">
+                      <a:solidFill>
+                        <a:schemeClr val="accent1"/>
+                      </a:solidFill>
+                      <a:prstDash val="solid"/>
+                      <a:round/>
+                      <a:headEnd type="none" w="med" len="med"/>
+                      <a:tailEnd type="none" w="med" len="med"/>
+                    </a:lnL>
+                    <a:lnR w="12700" cap="flat" cmpd="sng" algn="ctr">
+                      <a:solidFill>
+                        <a:schemeClr val="accent1"/>
+                      </a:solidFill>
+                      <a:prstDash val="solid"/>
+                      <a:round/>
+                      <a:headEnd type="none" w="med" len="med"/>
+                      <a:tailEnd type="none" w="med" len="med"/>
+                    </a:lnR>
+                  </a:tcPr>
+                </a:tc>
+                <a:tc>
+                  <a:txBody>
+                    <a:bodyPr/>
+                    <a:lstStyle/>
+                    <a:p>
+                      <a:pPr algn="ctr"/>
+                      <a:r>
+                        <a:rPr lang="en-US" altLang="zh-CN" sz="1400" dirty="0">
+                          <a:latin typeface="Times New Roman" panose="02020603050405020304" pitchFamily="18" charset="0"/>
+                          <a:cs typeface="Times New Roman" panose="02020603050405020304" pitchFamily="18" charset="0"/>
+                        </a:rPr>
+                        <a:t>Three Types of Monsters, Two Maps</a:t>
+                      </a:r>
+                      <a:endParaRPr lang="zh-CN" altLang="en-US" sz="1400" dirty="0">
+                        <a:latin typeface="Times New Roman" panose="02020603050405020304" pitchFamily="18" charset="0"/>
+                        <a:cs typeface="Times New Roman" panose="02020603050405020304" pitchFamily="18" charset="0"/>
+                      </a:endParaRPr>
+                    </a:p>
+                  </a:txBody>
+                  <a:tcPr anchor="ctr">
+                    <a:lnL w="12700" cap="flat" cmpd="sng" algn="ctr">
+                      <a:solidFill>
+                        <a:schemeClr val="accent1"/>
+                      </a:solidFill>
+                      <a:prstDash val="solid"/>
+                      <a:round/>
+                      <a:headEnd type="none" w="med" len="med"/>
+                      <a:tailEnd type="none" w="med" len="med"/>
+                    </a:lnL>
+                    <a:lnR w="12700" cap="flat" cmpd="sng" algn="ctr">
+                      <a:solidFill>
+                        <a:schemeClr val="accent1"/>
+                      </a:solidFill>
+                      <a:prstDash val="solid"/>
+                      <a:round/>
+                      <a:headEnd type="none" w="med" len="med"/>
+                      <a:tailEnd type="none" w="med" len="med"/>
+                    </a:lnR>
+                  </a:tcPr>
+                </a:tc>
+                <a:tc>
+                  <a:txBody>
+                    <a:bodyPr/>
+                    <a:lstStyle/>
+                    <a:p>
+                      <a:pPr algn="ctr"/>
+                      <a:endParaRPr lang="zh-CN" altLang="en-US" sz="1400" dirty="0">
+                        <a:latin typeface="Times New Roman" panose="02020603050405020304" pitchFamily="18" charset="0"/>
+                        <a:cs typeface="Times New Roman" panose="02020603050405020304" pitchFamily="18" charset="0"/>
+                      </a:endParaRPr>
+                    </a:p>
+                  </a:txBody>
+                  <a:tcPr anchor="ctr">
+                    <a:lnL w="12700" cap="flat" cmpd="sng" algn="ctr">
+                      <a:solidFill>
+                        <a:schemeClr val="accent1"/>
+                      </a:solidFill>
+                      <a:prstDash val="solid"/>
+                      <a:round/>
+                      <a:headEnd type="none" w="med" len="med"/>
+                      <a:tailEnd type="none" w="med" len="med"/>
+                    </a:lnL>
+                    <a:lnR w="12700" cap="flat" cmpd="sng" algn="ctr">
+                      <a:solidFill>
+                        <a:schemeClr val="accent1"/>
+                      </a:solidFill>
+                      <a:prstDash val="solid"/>
+                      <a:round/>
+                      <a:headEnd type="none" w="med" len="med"/>
+                      <a:tailEnd type="none" w="med" len="med"/>
+                    </a:lnR>
+                  </a:tcPr>
+                </a:tc>
+                <a:tc>
+                  <a:txBody>
+                    <a:bodyPr/>
+                    <a:lstStyle/>
+                    <a:p>
+                      <a:pPr algn="ctr"/>
+                      <a:r>
+                        <a:rPr lang="en-US" altLang="zh-CN" sz="1400" dirty="0">
+                          <a:latin typeface="Times New Roman" panose="02020603050405020304" pitchFamily="18" charset="0"/>
+                          <a:cs typeface="Times New Roman" panose="02020603050405020304" pitchFamily="18" charset="0"/>
+                        </a:rPr>
+                        <a:t>	</a:t>
+                      </a:r>
+                      <a:endParaRPr lang="zh-CN" altLang="en-US" sz="1400" dirty="0">
+                        <a:latin typeface="Times New Roman" panose="02020603050405020304" pitchFamily="18" charset="0"/>
+                        <a:cs typeface="Times New Roman" panose="02020603050405020304" pitchFamily="18" charset="0"/>
+                      </a:endParaRPr>
+                    </a:p>
+                  </a:txBody>
+                  <a:tcPr anchor="ctr">
+                    <a:lnL w="12700" cap="flat" cmpd="sng" algn="ctr">
+                      <a:solidFill>
+                        <a:schemeClr val="accent1"/>
+                      </a:solidFill>
+                      <a:prstDash val="solid"/>
+                      <a:round/>
+                      <a:headEnd type="none" w="med" len="med"/>
+                      <a:tailEnd type="none" w="med" len="med"/>
+                    </a:lnL>
+                  </a:tcPr>
+                </a:tc>
+                <a:extLst>
+                  <a:ext uri="{0D108BD9-81ED-4DB2-BD59-A6C34878D82A}">
+                    <a16:rowId xmlns:a16="http://schemas.microsoft.com/office/drawing/2014/main" val="662206160"/>
+                  </a:ext>
+                </a:extLst>
+              </a:tr>
+              <a:tr h="370840">
+                <a:tc>
+                  <a:txBody>
+                    <a:bodyPr/>
+                    <a:lstStyle/>
+                    <a:p>
+                      <a:pPr algn="ctr"/>
+                      <a:r>
+                        <a:rPr lang="en-US" altLang="zh-CN" sz="1400" dirty="0">
+                          <a:latin typeface="Times New Roman" panose="02020603050405020304" pitchFamily="18" charset="0"/>
+                          <a:cs typeface="Times New Roman" panose="02020603050405020304" pitchFamily="18" charset="0"/>
+                        </a:rPr>
+                        <a:t>Health and Background Music</a:t>
+                      </a:r>
+                      <a:endParaRPr lang="zh-CN" altLang="en-US" sz="1400" dirty="0">
+                        <a:latin typeface="Times New Roman" panose="02020603050405020304" pitchFamily="18" charset="0"/>
+                        <a:cs typeface="Times New Roman" panose="02020603050405020304" pitchFamily="18" charset="0"/>
+                      </a:endParaRPr>
+                    </a:p>
+                  </a:txBody>
+                  <a:tcPr anchor="ctr">
+                    <a:lnL w="12700" cap="flat" cmpd="sng" algn="ctr">
+                      <a:solidFill>
+                        <a:schemeClr val="accent1"/>
+                      </a:solidFill>
+                      <a:prstDash val="solid"/>
+                      <a:round/>
+                      <a:headEnd type="none" w="med" len="med"/>
+                      <a:tailEnd type="none" w="med" len="med"/>
+                    </a:lnL>
+                    <a:lnR w="12700" cap="flat" cmpd="sng" algn="ctr">
+                      <a:solidFill>
+                        <a:schemeClr val="accent1"/>
+                      </a:solidFill>
+                      <a:prstDash val="solid"/>
+                      <a:round/>
+                      <a:headEnd type="none" w="med" len="med"/>
+                      <a:tailEnd type="none" w="med" len="med"/>
+                    </a:lnR>
+                  </a:tcPr>
+                </a:tc>
+                <a:tc>
+                  <a:txBody>
+                    <a:bodyPr/>
+                    <a:lstStyle/>
+                    <a:p>
+                      <a:pPr algn="ctr"/>
+                      <a:r>
+                        <a:rPr lang="en-US" altLang="zh-CN" sz="1400" dirty="0">
+                          <a:latin typeface="Times New Roman" panose="02020603050405020304" pitchFamily="18" charset="0"/>
+                          <a:cs typeface="Times New Roman" panose="02020603050405020304" pitchFamily="18" charset="0"/>
+                        </a:rPr>
+                        <a:t>Display Carrot Health, Background Music</a:t>
+                      </a:r>
+                      <a:endParaRPr lang="zh-CN" altLang="en-US" sz="1400" dirty="0">
+                        <a:latin typeface="Times New Roman" panose="02020603050405020304" pitchFamily="18" charset="0"/>
+                        <a:cs typeface="Times New Roman" panose="02020603050405020304" pitchFamily="18" charset="0"/>
+                      </a:endParaRPr>
+                    </a:p>
+                  </a:txBody>
+                  <a:tcPr anchor="ctr">
+                    <a:lnL w="12700" cap="flat" cmpd="sng" algn="ctr">
+                      <a:solidFill>
+                        <a:schemeClr val="accent1"/>
+                      </a:solidFill>
+                      <a:prstDash val="solid"/>
+                      <a:round/>
+                      <a:headEnd type="none" w="med" len="med"/>
+                      <a:tailEnd type="none" w="med" len="med"/>
+                    </a:lnL>
+                    <a:lnR w="12700" cap="flat" cmpd="sng" algn="ctr">
+                      <a:solidFill>
+                        <a:schemeClr val="accent1"/>
+                      </a:solidFill>
+                      <a:prstDash val="solid"/>
+                      <a:round/>
+                      <a:headEnd type="none" w="med" len="med"/>
+                      <a:tailEnd type="none" w="med" len="med"/>
+                    </a:lnR>
+                  </a:tcPr>
+                </a:tc>
+                <a:tc>
+                  <a:txBody>
+                    <a:bodyPr/>
+                    <a:lstStyle/>
+                    <a:p>
+                      <a:pPr algn="ctr"/>
+                      <a:endParaRPr lang="zh-CN" altLang="en-US" sz="1400" dirty="0">
+                        <a:latin typeface="Times New Roman" panose="02020603050405020304" pitchFamily="18" charset="0"/>
+                        <a:cs typeface="Times New Roman" panose="02020603050405020304" pitchFamily="18" charset="0"/>
+                      </a:endParaRPr>
+                    </a:p>
+                  </a:txBody>
+                  <a:tcPr anchor="ctr">
+                    <a:lnL w="12700" cap="flat" cmpd="sng" algn="ctr">
+                      <a:solidFill>
+                        <a:schemeClr val="accent1"/>
+                      </a:solidFill>
+                      <a:prstDash val="solid"/>
+                      <a:round/>
+                      <a:headEnd type="none" w="med" len="med"/>
+                      <a:tailEnd type="none" w="med" len="med"/>
+                    </a:lnL>
+                    <a:lnR w="12700" cap="flat" cmpd="sng" algn="ctr">
+                      <a:solidFill>
+                        <a:schemeClr val="accent1"/>
+                      </a:solidFill>
+                      <a:prstDash val="solid"/>
+                      <a:round/>
+                      <a:headEnd type="none" w="med" len="med"/>
+                      <a:tailEnd type="none" w="med" len="med"/>
+                    </a:lnR>
+                  </a:tcPr>
+                </a:tc>
+                <a:tc>
+                  <a:txBody>
+                    <a:bodyPr/>
+                    <a:lstStyle/>
+                    <a:p>
+                      <a:pPr algn="ctr"/>
+                      <a:endParaRPr lang="zh-CN" altLang="en-US" sz="1400" dirty="0">
+                        <a:latin typeface="Times New Roman" panose="02020603050405020304" pitchFamily="18" charset="0"/>
+                        <a:cs typeface="Times New Roman" panose="02020603050405020304" pitchFamily="18" charset="0"/>
+                      </a:endParaRPr>
+                    </a:p>
+                  </a:txBody>
+                  <a:tcPr anchor="ctr">
+                    <a:lnL w="12700" cap="flat" cmpd="sng" algn="ctr">
+                      <a:solidFill>
+                        <a:schemeClr val="accent1"/>
+                      </a:solidFill>
+                      <a:prstDash val="solid"/>
+                      <a:round/>
+                      <a:headEnd type="none" w="med" len="med"/>
+                      <a:tailEnd type="none" w="med" len="med"/>
+                    </a:lnL>
+                  </a:tcPr>
+                </a:tc>
+                <a:extLst>
+                  <a:ext uri="{0D108BD9-81ED-4DB2-BD59-A6C34878D82A}">
+                    <a16:rowId xmlns:a16="http://schemas.microsoft.com/office/drawing/2014/main" val="3584757736"/>
+                  </a:ext>
+                </a:extLst>
+              </a:tr>
+              <a:tr h="370840">
+                <a:tc>
+                  <a:txBody>
+                    <a:bodyPr/>
+                    <a:lstStyle/>
+                    <a:p>
+                      <a:pPr algn="ctr"/>
+                      <a:r>
+                        <a:rPr lang="en-US" altLang="zh-CN" sz="1400" dirty="0">
+                          <a:latin typeface="Times New Roman" panose="02020603050405020304" pitchFamily="18" charset="0"/>
+                          <a:cs typeface="Times New Roman" panose="02020603050405020304" pitchFamily="18" charset="0"/>
+                        </a:rPr>
+                        <a:t>Save Function</a:t>
+                      </a:r>
+                      <a:endParaRPr lang="zh-CN" altLang="en-US" sz="1400" dirty="0">
+                        <a:latin typeface="Times New Roman" panose="02020603050405020304" pitchFamily="18" charset="0"/>
+                        <a:cs typeface="Times New Roman" panose="02020603050405020304" pitchFamily="18" charset="0"/>
+                      </a:endParaRPr>
+                    </a:p>
+                  </a:txBody>
+                  <a:tcPr anchor="ctr">
+                    <a:lnL w="12700" cap="flat" cmpd="sng" algn="ctr">
+                      <a:solidFill>
+                        <a:schemeClr val="accent1"/>
+                      </a:solidFill>
+                      <a:prstDash val="solid"/>
+                      <a:round/>
+                      <a:headEnd type="none" w="med" len="med"/>
+                      <a:tailEnd type="none" w="med" len="med"/>
+                    </a:lnL>
+                    <a:lnR w="12700" cap="flat" cmpd="sng" algn="ctr">
+                      <a:solidFill>
+                        <a:schemeClr val="accent1"/>
+                      </a:solidFill>
+                      <a:prstDash val="solid"/>
+                      <a:round/>
+                      <a:headEnd type="none" w="med" len="med"/>
+                      <a:tailEnd type="none" w="med" len="med"/>
+                    </a:lnR>
+                  </a:tcPr>
+                </a:tc>
+                <a:tc>
+                  <a:txBody>
+                    <a:bodyPr/>
+                    <a:lstStyle/>
+                    <a:p>
+                      <a:pPr algn="ctr"/>
+                      <a:r>
+                        <a:rPr lang="en-US" altLang="zh-CN" sz="1400" dirty="0">
+                          <a:latin typeface="Times New Roman" panose="02020603050405020304" pitchFamily="18" charset="0"/>
+                          <a:cs typeface="Times New Roman" panose="02020603050405020304" pitchFamily="18" charset="0"/>
+                        </a:rPr>
+                        <a:t>Save Game Progress</a:t>
+                      </a:r>
+                      <a:endParaRPr lang="zh-CN" altLang="en-US" sz="1400" dirty="0">
+                        <a:latin typeface="Times New Roman" panose="02020603050405020304" pitchFamily="18" charset="0"/>
+                        <a:cs typeface="Times New Roman" panose="02020603050405020304" pitchFamily="18" charset="0"/>
+                      </a:endParaRPr>
+                    </a:p>
+                  </a:txBody>
+                  <a:tcPr anchor="ctr">
+                    <a:lnL w="12700" cap="flat" cmpd="sng" algn="ctr">
+                      <a:solidFill>
+                        <a:schemeClr val="accent1"/>
+                      </a:solidFill>
+                      <a:prstDash val="solid"/>
+                      <a:round/>
+                      <a:headEnd type="none" w="med" len="med"/>
+                      <a:tailEnd type="none" w="med" len="med"/>
+                    </a:lnL>
+                    <a:lnR w="12700" cap="flat" cmpd="sng" algn="ctr">
+                      <a:solidFill>
+                        <a:schemeClr val="accent1"/>
+                      </a:solidFill>
+                      <a:prstDash val="solid"/>
+                      <a:round/>
+                      <a:headEnd type="none" w="med" len="med"/>
+                      <a:tailEnd type="none" w="med" len="med"/>
+                    </a:lnR>
+                  </a:tcPr>
+                </a:tc>
+                <a:tc>
+                  <a:txBody>
+                    <a:bodyPr/>
+                    <a:lstStyle/>
+                    <a:p>
+                      <a:pPr algn="ctr"/>
+                      <a:endParaRPr lang="zh-CN" altLang="en-US" sz="1400" dirty="0">
+                        <a:latin typeface="Times New Roman" panose="02020603050405020304" pitchFamily="18" charset="0"/>
+                        <a:cs typeface="Times New Roman" panose="02020603050405020304" pitchFamily="18" charset="0"/>
+                      </a:endParaRPr>
+                    </a:p>
+                  </a:txBody>
+                  <a:tcPr anchor="ctr">
+                    <a:lnL w="12700" cap="flat" cmpd="sng" algn="ctr">
+                      <a:solidFill>
+                        <a:schemeClr val="accent1"/>
+                      </a:solidFill>
+                      <a:prstDash val="solid"/>
+                      <a:round/>
+                      <a:headEnd type="none" w="med" len="med"/>
+                      <a:tailEnd type="none" w="med" len="med"/>
+                    </a:lnL>
+                    <a:lnR w="12700" cap="flat" cmpd="sng" algn="ctr">
+                      <a:solidFill>
+                        <a:schemeClr val="accent1"/>
+                      </a:solidFill>
+                      <a:prstDash val="solid"/>
+                      <a:round/>
+                      <a:headEnd type="none" w="med" len="med"/>
+                      <a:tailEnd type="none" w="med" len="med"/>
+                    </a:lnR>
+                  </a:tcPr>
+                </a:tc>
+                <a:tc>
+                  <a:txBody>
+                    <a:bodyPr/>
+                    <a:lstStyle/>
+                    <a:p>
+                      <a:pPr algn="ctr"/>
+                      <a:endParaRPr lang="zh-CN" altLang="en-US" sz="1400" dirty="0">
+                        <a:latin typeface="Times New Roman" panose="02020603050405020304" pitchFamily="18" charset="0"/>
+                        <a:cs typeface="Times New Roman" panose="02020603050405020304" pitchFamily="18" charset="0"/>
+                      </a:endParaRPr>
+                    </a:p>
+                  </a:txBody>
+                  <a:tcPr anchor="ctr">
+                    <a:lnL w="12700" cap="flat" cmpd="sng" algn="ctr">
+                      <a:solidFill>
+                        <a:schemeClr val="accent1"/>
+                      </a:solidFill>
+                      <a:prstDash val="solid"/>
+                      <a:round/>
+                      <a:headEnd type="none" w="med" len="med"/>
+                      <a:tailEnd type="none" w="med" len="med"/>
+                    </a:lnL>
+                  </a:tcPr>
+                </a:tc>
+                <a:extLst>
+                  <a:ext uri="{0D108BD9-81ED-4DB2-BD59-A6C34878D82A}">
+                    <a16:rowId xmlns:a16="http://schemas.microsoft.com/office/drawing/2014/main" val="3659881902"/>
+                  </a:ext>
+                </a:extLst>
+              </a:tr>
+            </a:tbl>
+          </a:graphicData>
+        </a:graphic>
+      </p:graphicFrame>
     </p:spTree>
     <p:extLst>
       <p:ext uri="{BB962C8B-B14F-4D97-AF65-F5344CB8AC3E}">
@@ -28835,10 +32405,10 @@
       </p:sp>
       <p:grpSp>
         <p:nvGrpSpPr>
-          <p:cNvPr id="10" name="组合 9">
+          <p:cNvPr id="4" name="组合 3">
             <a:extLst>
               <a:ext uri="{FF2B5EF4-FFF2-40B4-BE49-F238E27FC236}">
-                <a16:creationId xmlns:a16="http://schemas.microsoft.com/office/drawing/2014/main" id="{E763989A-D110-7336-D5A5-FF2D72BCB2D7}"/>
+                <a16:creationId xmlns:a16="http://schemas.microsoft.com/office/drawing/2014/main" id="{AA210DF4-304E-E213-BDFD-79EECAA2D9CD}"/>
               </a:ext>
             </a:extLst>
           </p:cNvPr>
@@ -28853,12 +32423,122 @@
             <a:chExt cx="2482736" cy="5943599"/>
           </a:xfrm>
         </p:grpSpPr>
+        <p:grpSp>
+          <p:nvGrpSpPr>
+            <p:cNvPr id="10" name="组合 9">
+              <a:extLst>
+                <a:ext uri="{FF2B5EF4-FFF2-40B4-BE49-F238E27FC236}">
+                  <a16:creationId xmlns:a16="http://schemas.microsoft.com/office/drawing/2014/main" id="{E763989A-D110-7336-D5A5-FF2D72BCB2D7}"/>
+                </a:ext>
+              </a:extLst>
+            </p:cNvPr>
+            <p:cNvGrpSpPr/>
+            <p:nvPr/>
+          </p:nvGrpSpPr>
+          <p:grpSpPr>
+            <a:xfrm>
+              <a:off x="314893" y="914400"/>
+              <a:ext cx="2482736" cy="5943599"/>
+              <a:chOff x="314893" y="914400"/>
+              <a:chExt cx="2482736" cy="5943599"/>
+            </a:xfrm>
+          </p:grpSpPr>
+          <p:sp>
+            <p:nvSpPr>
+              <p:cNvPr id="7" name="矩形 6">
+                <a:extLst>
+                  <a:ext uri="{FF2B5EF4-FFF2-40B4-BE49-F238E27FC236}">
+                    <a16:creationId xmlns:a16="http://schemas.microsoft.com/office/drawing/2014/main" id="{7E3A3E10-3985-E954-A329-A48180EA4893}"/>
+                  </a:ext>
+                </a:extLst>
+              </p:cNvPr>
+              <p:cNvSpPr/>
+              <p:nvPr/>
+            </p:nvSpPr>
+            <p:spPr>
+              <a:xfrm>
+                <a:off x="314893" y="914400"/>
+                <a:ext cx="2482736" cy="5943599"/>
+              </a:xfrm>
+              <a:prstGeom prst="rect">
+                <a:avLst/>
+              </a:prstGeom>
+              <a:solidFill>
+                <a:schemeClr val="accent1">
+                  <a:lumMod val="20000"/>
+                  <a:lumOff val="80000"/>
+                </a:schemeClr>
+              </a:solidFill>
+              <a:ln>
+                <a:noFill/>
+              </a:ln>
+            </p:spPr>
+            <p:style>
+              <a:lnRef idx="2">
+                <a:schemeClr val="accent1">
+                  <a:shade val="50000"/>
+                </a:schemeClr>
+              </a:lnRef>
+              <a:fillRef idx="1">
+                <a:schemeClr val="accent1"/>
+              </a:fillRef>
+              <a:effectRef idx="0">
+                <a:schemeClr val="accent1"/>
+              </a:effectRef>
+              <a:fontRef idx="minor">
+                <a:schemeClr val="lt1"/>
+              </a:fontRef>
+            </p:style>
+            <p:txBody>
+              <a:bodyPr rtlCol="0" anchor="ctr"/>
+              <a:lstStyle/>
+              <a:p>
+                <a:pPr algn="ctr"/>
+                <a:endParaRPr lang="zh-CN" altLang="en-US" dirty="0">
+                  <a:latin typeface="思源黑体 CN Normal" panose="020B0400000000000000" pitchFamily="34" charset="-122"/>
+                  <a:ea typeface="思源黑体 CN Normal" panose="020B0400000000000000" pitchFamily="34" charset="-122"/>
+                  <a:sym typeface="思源黑体 CN Normal" panose="020B0400000000000000" pitchFamily="34" charset="-122"/>
+                </a:endParaRPr>
+              </a:p>
+            </p:txBody>
+          </p:sp>
+          <p:pic>
+            <p:nvPicPr>
+              <p:cNvPr id="3" name="图片 2">
+                <a:extLst>
+                  <a:ext uri="{FF2B5EF4-FFF2-40B4-BE49-F238E27FC236}">
+                    <a16:creationId xmlns:a16="http://schemas.microsoft.com/office/drawing/2014/main" id="{696E33EA-E7A4-EFFA-E6F7-737D0D16B01C}"/>
+                  </a:ext>
+                </a:extLst>
+              </p:cNvPr>
+              <p:cNvPicPr>
+                <a:picLocks noChangeAspect="1"/>
+              </p:cNvPicPr>
+              <p:nvPr/>
+            </p:nvPicPr>
+            <p:blipFill>
+              <a:blip r:embed="rId2"/>
+              <a:stretch>
+                <a:fillRect/>
+              </a:stretch>
+            </p:blipFill>
+            <p:spPr>
+              <a:xfrm>
+                <a:off x="475576" y="1001939"/>
+                <a:ext cx="2161369" cy="5768519"/>
+              </a:xfrm>
+              <a:prstGeom prst="rect">
+                <a:avLst/>
+              </a:prstGeom>
+            </p:spPr>
+          </p:pic>
+        </p:grpSp>
         <p:sp>
           <p:nvSpPr>
-            <p:cNvPr id="7" name="矩形 6">
+            <p:cNvPr id="29" name="矩形 28">
               <a:extLst>
                 <a:ext uri="{FF2B5EF4-FFF2-40B4-BE49-F238E27FC236}">
-                  <a16:creationId xmlns:a16="http://schemas.microsoft.com/office/drawing/2014/main" id="{7E3A3E10-3985-E954-A329-A48180EA4893}"/>
+                  <a16:creationId xmlns:a16="http://schemas.microsoft.com/office/drawing/2014/main" id="{D2200C05-2AF8-4C45-7A84-5DFA33C78268}"/>
                 </a:ext>
               </a:extLst>
             </p:cNvPr>
@@ -28867,26 +32547,23 @@
           </p:nvSpPr>
           <p:spPr>
             <a:xfrm>
-              <a:off x="314893" y="914400"/>
-              <a:ext cx="2482736" cy="5943599"/>
+              <a:off x="793286" y="1834857"/>
+              <a:ext cx="1562353" cy="4892948"/>
             </a:xfrm>
             <a:prstGeom prst="rect">
               <a:avLst/>
             </a:prstGeom>
-            <a:solidFill>
-              <a:schemeClr val="accent1">
-                <a:lumMod val="20000"/>
-                <a:lumOff val="80000"/>
-              </a:schemeClr>
-            </a:solidFill>
-            <a:ln>
-              <a:noFill/>
+            <a:noFill/>
+            <a:ln w="19050">
+              <a:solidFill>
+                <a:srgbClr val="FF0000"/>
+              </a:solidFill>
             </a:ln>
           </p:spPr>
           <p:style>
             <a:lnRef idx="2">
               <a:schemeClr val="accent1">
-                <a:shade val="50000"/>
+                <a:shade val="15000"/>
               </a:schemeClr>
             </a:lnRef>
             <a:fillRef idx="1">
@@ -28904,97 +32581,11 @@
             <a:lstStyle/>
             <a:p>
               <a:pPr algn="ctr"/>
-              <a:endParaRPr lang="zh-CN" altLang="en-US" dirty="0">
-                <a:latin typeface="思源黑体 CN Normal" panose="020B0400000000000000" pitchFamily="34" charset="-122"/>
-                <a:ea typeface="思源黑体 CN Normal" panose="020B0400000000000000" pitchFamily="34" charset="-122"/>
-                <a:sym typeface="思源黑体 CN Normal" panose="020B0400000000000000" pitchFamily="34" charset="-122"/>
-              </a:endParaRPr>
+              <a:endParaRPr lang="zh-CN" altLang="en-US"/>
             </a:p>
           </p:txBody>
         </p:sp>
-        <p:pic>
-          <p:nvPicPr>
-            <p:cNvPr id="3" name="图片 2">
-              <a:extLst>
-                <a:ext uri="{FF2B5EF4-FFF2-40B4-BE49-F238E27FC236}">
-                  <a16:creationId xmlns:a16="http://schemas.microsoft.com/office/drawing/2014/main" id="{696E33EA-E7A4-EFFA-E6F7-737D0D16B01C}"/>
-                </a:ext>
-              </a:extLst>
-            </p:cNvPr>
-            <p:cNvPicPr>
-              <a:picLocks noChangeAspect="1"/>
-            </p:cNvPicPr>
-            <p:nvPr/>
-          </p:nvPicPr>
-          <p:blipFill>
-            <a:blip r:embed="rId2"/>
-            <a:stretch>
-              <a:fillRect/>
-            </a:stretch>
-          </p:blipFill>
-          <p:spPr>
-            <a:xfrm>
-              <a:off x="475576" y="1001939"/>
-              <a:ext cx="2161369" cy="5768519"/>
-            </a:xfrm>
-            <a:prstGeom prst="rect">
-              <a:avLst/>
-            </a:prstGeom>
-          </p:spPr>
-        </p:pic>
       </p:grpSp>
-      <p:sp>
-        <p:nvSpPr>
-          <p:cNvPr id="29" name="矩形 28">
-            <a:extLst>
-              <a:ext uri="{FF2B5EF4-FFF2-40B4-BE49-F238E27FC236}">
-                <a16:creationId xmlns:a16="http://schemas.microsoft.com/office/drawing/2014/main" id="{D2200C05-2AF8-4C45-7A84-5DFA33C78268}"/>
-              </a:ext>
-            </a:extLst>
-          </p:cNvPr>
-          <p:cNvSpPr/>
-          <p:nvPr/>
-        </p:nvSpPr>
-        <p:spPr>
-          <a:xfrm>
-            <a:off x="793286" y="1834857"/>
-            <a:ext cx="1562353" cy="4892948"/>
-          </a:xfrm>
-          <a:prstGeom prst="rect">
-            <a:avLst/>
-          </a:prstGeom>
-          <a:noFill/>
-          <a:ln w="19050">
-            <a:solidFill>
-              <a:srgbClr val="FF0000"/>
-            </a:solidFill>
-          </a:ln>
-        </p:spPr>
-        <p:style>
-          <a:lnRef idx="2">
-            <a:schemeClr val="accent1">
-              <a:shade val="15000"/>
-            </a:schemeClr>
-          </a:lnRef>
-          <a:fillRef idx="1">
-            <a:schemeClr val="accent1"/>
-          </a:fillRef>
-          <a:effectRef idx="0">
-            <a:schemeClr val="accent1"/>
-          </a:effectRef>
-          <a:fontRef idx="minor">
-            <a:schemeClr val="lt1"/>
-          </a:fontRef>
-        </p:style>
-        <p:txBody>
-          <a:bodyPr rtlCol="0" anchor="ctr"/>
-          <a:lstStyle/>
-          <a:p>
-            <a:pPr algn="ctr"/>
-            <a:endParaRPr lang="zh-CN" altLang="en-US"/>
-          </a:p>
-        </p:txBody>
-      </p:sp>
     </p:spTree>
     <p:extLst>
       <p:ext uri="{BB962C8B-B14F-4D97-AF65-F5344CB8AC3E}">
@@ -29389,14 +32980,14 @@
           <p:nvPr>
             <p:extLst>
               <p:ext uri="{D42A27DB-BD31-4B8C-83A1-F6EECF244321}">
-                <p14:modId xmlns:p14="http://schemas.microsoft.com/office/powerpoint/2010/main" val="1844981739"/>
+                <p14:modId xmlns:p14="http://schemas.microsoft.com/office/powerpoint/2010/main" val="1422800719"/>
               </p:ext>
             </p:extLst>
           </p:nvPr>
         </p:nvGraphicFramePr>
         <p:xfrm>
           <a:off x="1408512" y="1714061"/>
-          <a:ext cx="9059212" cy="3235960"/>
+          <a:ext cx="10008001" cy="3235960"/>
         </p:xfrm>
         <a:graphic>
           <a:graphicData uri="http://schemas.openxmlformats.org/drawingml/2006/table">
@@ -29405,35 +32996,35 @@
                 <a:tableStyleId>{69012ECD-51FC-41F1-AA8D-1B2483CD663E}</a:tableStyleId>
               </a:tblPr>
               <a:tblGrid>
-                <a:gridCol w="981851">
+                <a:gridCol w="1038659">
                   <a:extLst>
                     <a:ext uri="{9D8B030D-6E8A-4147-A177-3AD203B41FA5}">
                       <a16:colId xmlns:a16="http://schemas.microsoft.com/office/drawing/2014/main" val="2072663441"/>
                     </a:ext>
                   </a:extLst>
                 </a:gridCol>
-                <a:gridCol w="2012852">
+                <a:gridCol w="1855114">
                   <a:extLst>
                     <a:ext uri="{9D8B030D-6E8A-4147-A177-3AD203B41FA5}">
                       <a16:colId xmlns:a16="http://schemas.microsoft.com/office/drawing/2014/main" val="4279852217"/>
                     </a:ext>
                   </a:extLst>
                 </a:gridCol>
-                <a:gridCol w="2012852">
+                <a:gridCol w="2039309">
                   <a:extLst>
                     <a:ext uri="{9D8B030D-6E8A-4147-A177-3AD203B41FA5}">
                       <a16:colId xmlns:a16="http://schemas.microsoft.com/office/drawing/2014/main" val="2718842353"/>
                     </a:ext>
                   </a:extLst>
                 </a:gridCol>
-                <a:gridCol w="2290067">
+                <a:gridCol w="1861692">
                   <a:extLst>
                     <a:ext uri="{9D8B030D-6E8A-4147-A177-3AD203B41FA5}">
                       <a16:colId xmlns:a16="http://schemas.microsoft.com/office/drawing/2014/main" val="2117168748"/>
                     </a:ext>
                   </a:extLst>
                 </a:gridCol>
-                <a:gridCol w="1761590">
+                <a:gridCol w="3213227">
                   <a:extLst>
                     <a:ext uri="{9D8B030D-6E8A-4147-A177-3AD203B41FA5}">
                       <a16:colId xmlns:a16="http://schemas.microsoft.com/office/drawing/2014/main" val="1376157236"/>
@@ -30669,6 +34260,13 @@
                     <a:lstStyle/>
                     <a:p>
                       <a:pPr algn="ctr"/>
+                      <a:r>
+                        <a:rPr lang="en-US" altLang="zh-CN" dirty="0">
+                          <a:latin typeface="Times New Roman" panose="02020603050405020304" pitchFamily="18" charset="0"/>
+                          <a:cs typeface="Times New Roman" panose="02020603050405020304" pitchFamily="18" charset="0"/>
+                        </a:rPr>
+                        <a:t>Template Method</a:t>
+                      </a:r>
                       <a:endParaRPr lang="zh-CN" altLang="en-US" dirty="0">
                         <a:latin typeface="Times New Roman" panose="02020603050405020304" pitchFamily="18" charset="0"/>
                         <a:cs typeface="Times New Roman" panose="02020603050405020304" pitchFamily="18" charset="0"/>
@@ -30702,6 +34300,13 @@
                     <a:lstStyle/>
                     <a:p>
                       <a:pPr algn="ctr"/>
+                      <a:r>
+                        <a:rPr lang="en-US" altLang="zh-CN" dirty="0">
+                          <a:latin typeface="Times New Roman" panose="02020603050405020304" pitchFamily="18" charset="0"/>
+                          <a:cs typeface="Times New Roman" panose="02020603050405020304" pitchFamily="18" charset="0"/>
+                        </a:rPr>
+                        <a:t>Behavioral Patterns</a:t>
+                      </a:r>
                       <a:endParaRPr lang="zh-CN" altLang="en-US" dirty="0">
                         <a:latin typeface="Times New Roman" panose="02020603050405020304" pitchFamily="18" charset="0"/>
                         <a:cs typeface="Times New Roman" panose="02020603050405020304" pitchFamily="18" charset="0"/>
@@ -30735,6 +34340,13 @@
                     <a:lstStyle/>
                     <a:p>
                       <a:pPr algn="ctr"/>
+                      <a:r>
+                        <a:rPr lang="en-US" altLang="zh-CN" dirty="0">
+                          <a:latin typeface="Times New Roman" panose="02020603050405020304" pitchFamily="18" charset="0"/>
+                          <a:cs typeface="Times New Roman" panose="02020603050405020304" pitchFamily="18" charset="0"/>
+                        </a:rPr>
+                        <a:t>1</a:t>
+                      </a:r>
                       <a:endParaRPr lang="zh-CN" altLang="en-US" dirty="0">
                         <a:latin typeface="Times New Roman" panose="02020603050405020304" pitchFamily="18" charset="0"/>
                         <a:cs typeface="Times New Roman" panose="02020603050405020304" pitchFamily="18" charset="0"/>
@@ -30768,6 +34380,13 @@
                     <a:lstStyle/>
                     <a:p>
                       <a:pPr algn="ctr"/>
+                      <a:r>
+                        <a:rPr lang="en-US" altLang="zh-CN" dirty="0">
+                          <a:latin typeface="Times New Roman" panose="02020603050405020304" pitchFamily="18" charset="0"/>
+                          <a:cs typeface="Times New Roman" panose="02020603050405020304" pitchFamily="18" charset="0"/>
+                        </a:rPr>
+                        <a:t>Level Initialization Process</a:t>
+                      </a:r>
                       <a:endParaRPr lang="zh-CN" altLang="en-US" dirty="0">
                         <a:latin typeface="Times New Roman" panose="02020603050405020304" pitchFamily="18" charset="0"/>
                         <a:cs typeface="Times New Roman" panose="02020603050405020304" pitchFamily="18" charset="0"/>
@@ -31379,10 +34998,10 @@
           </p:nvGrpSpPr>
           <p:grpSpPr>
             <a:xfrm rot="10800000">
-              <a:off x="9010416" y="4273351"/>
-              <a:ext cx="804761" cy="206433"/>
-              <a:chOff x="6096000" y="5736380"/>
-              <a:chExt cx="1030621" cy="299295"/>
+              <a:off x="9047025" y="4233668"/>
+              <a:ext cx="804760" cy="206433"/>
+              <a:chOff x="6049119" y="5793914"/>
+              <a:chExt cx="1030620" cy="299295"/>
             </a:xfrm>
             <a:gradFill>
               <a:gsLst>
@@ -31421,7 +35040,7 @@
             </p:nvSpPr>
             <p:spPr>
               <a:xfrm>
-                <a:off x="6096000" y="5736380"/>
+                <a:off x="6049119" y="5793914"/>
                 <a:ext cx="258751" cy="299295"/>
               </a:xfrm>
               <a:prstGeom prst="chevron">
@@ -31478,7 +35097,7 @@
             </p:nvSpPr>
             <p:spPr>
               <a:xfrm>
-                <a:off x="6354751" y="5736380"/>
+                <a:off x="6307869" y="5793914"/>
                 <a:ext cx="258751" cy="299295"/>
               </a:xfrm>
               <a:prstGeom prst="chevron">
@@ -31535,7 +35154,7 @@
             </p:nvSpPr>
             <p:spPr>
               <a:xfrm>
-                <a:off x="6613502" y="5736380"/>
+                <a:off x="6566622" y="5793914"/>
                 <a:ext cx="258751" cy="299295"/>
               </a:xfrm>
               <a:prstGeom prst="chevron">
@@ -31592,7 +35211,7 @@
             </p:nvSpPr>
             <p:spPr>
               <a:xfrm>
-                <a:off x="6867870" y="5736380"/>
+                <a:off x="6820988" y="5793914"/>
                 <a:ext cx="258751" cy="299295"/>
               </a:xfrm>
               <a:prstGeom prst="chevron">
@@ -31812,7 +35431,7 @@
                 <a:latin typeface="Times New Roman" panose="02020603050405020304" pitchFamily="18" charset="0"/>
                 <a:cs typeface="Times New Roman" panose="02020603050405020304" pitchFamily="18" charset="0"/>
               </a:rPr>
-              <a:t>Class diagram of factory pattern</a:t>
+              <a:t>Class diagram of Factory Pattern</a:t>
             </a:r>
             <a:endParaRPr lang="zh-CN" altLang="en-US" dirty="0">
               <a:latin typeface="Times New Roman" panose="02020603050405020304" pitchFamily="18" charset="0"/>
@@ -31823,10 +35442,10 @@
       </p:sp>
       <p:sp>
         <p:nvSpPr>
-          <p:cNvPr id="28" name="文本框 27">
+          <p:cNvPr id="3" name="文本框 2">
             <a:extLst>
               <a:ext uri="{FF2B5EF4-FFF2-40B4-BE49-F238E27FC236}">
-                <a16:creationId xmlns:a16="http://schemas.microsoft.com/office/drawing/2014/main" id="{EC18FF45-7810-A6D9-5423-8E90B5F154D5}"/>
+                <a16:creationId xmlns:a16="http://schemas.microsoft.com/office/drawing/2014/main" id="{FD60563A-C6D4-545E-2CC3-99DCA115E104}"/>
               </a:ext>
             </a:extLst>
           </p:cNvPr>
@@ -31835,8 +35454,8 @@
         </p:nvSpPr>
         <p:spPr>
           <a:xfrm>
-            <a:off x="2198932" y="4517221"/>
-            <a:ext cx="2589694" cy="369332"/>
+            <a:off x="163741" y="4620182"/>
+            <a:ext cx="1434348" cy="461665"/>
           </a:xfrm>
           <a:prstGeom prst="rect">
             <a:avLst/>
@@ -31851,13 +35470,13 @@
           <a:p>
             <a:pPr algn="ctr"/>
             <a:r>
-              <a:rPr lang="en-US" altLang="zh-CN" dirty="0">
+              <a:rPr lang="en-US" altLang="zh-CN" sz="2400" dirty="0">
                 <a:latin typeface="Times New Roman" panose="02020603050405020304" pitchFamily="18" charset="0"/>
                 <a:cs typeface="Times New Roman" panose="02020603050405020304" pitchFamily="18" charset="0"/>
               </a:rPr>
-              <a:t>Reasons and Benefits</a:t>
+              <a:t>Reasons :</a:t>
             </a:r>
-            <a:endParaRPr lang="zh-CN" altLang="en-US" dirty="0">
+            <a:endParaRPr lang="zh-CN" altLang="en-US" sz="2400" dirty="0">
               <a:latin typeface="Times New Roman" panose="02020603050405020304" pitchFamily="18" charset="0"/>
               <a:cs typeface="Times New Roman" panose="02020603050405020304" pitchFamily="18" charset="0"/>
             </a:endParaRPr>
@@ -31866,10 +35485,10 @@
       </p:sp>
       <p:sp>
         <p:nvSpPr>
-          <p:cNvPr id="29" name="文本框 28">
+          <p:cNvPr id="4" name="文本框 3">
             <a:extLst>
               <a:ext uri="{FF2B5EF4-FFF2-40B4-BE49-F238E27FC236}">
-                <a16:creationId xmlns:a16="http://schemas.microsoft.com/office/drawing/2014/main" id="{2386CC3B-04E5-F4C4-1144-CE28621F1C93}"/>
+                <a16:creationId xmlns:a16="http://schemas.microsoft.com/office/drawing/2014/main" id="{D88AADEB-A78E-F610-7AD4-B160CDA8C3FF}"/>
               </a:ext>
             </a:extLst>
           </p:cNvPr>
@@ -31878,8 +35497,8 @@
         </p:nvSpPr>
         <p:spPr>
           <a:xfrm>
-            <a:off x="475387" y="4886553"/>
-            <a:ext cx="2589694" cy="1477328"/>
+            <a:off x="4056547" y="4579983"/>
+            <a:ext cx="1353941" cy="461665"/>
           </a:xfrm>
           <a:prstGeom prst="rect">
             <a:avLst/>
@@ -31892,50 +35511,207 @@
           </a:bodyPr>
           <a:lstStyle/>
           <a:p>
+            <a:pPr algn="ctr"/>
+            <a:r>
+              <a:rPr lang="en-US" altLang="zh-CN" sz="2400" dirty="0">
+                <a:latin typeface="Times New Roman" panose="02020603050405020304" pitchFamily="18" charset="0"/>
+                <a:cs typeface="Times New Roman" panose="02020603050405020304" pitchFamily="18" charset="0"/>
+              </a:rPr>
+              <a:t>Benefits :</a:t>
+            </a:r>
+            <a:endParaRPr lang="zh-CN" altLang="en-US" sz="2400" dirty="0">
+              <a:latin typeface="Times New Roman" panose="02020603050405020304" pitchFamily="18" charset="0"/>
+              <a:cs typeface="Times New Roman" panose="02020603050405020304" pitchFamily="18" charset="0"/>
+            </a:endParaRPr>
+          </a:p>
+        </p:txBody>
+      </p:sp>
+      <p:sp>
+        <p:nvSpPr>
+          <p:cNvPr id="7" name="文本框 6">
+            <a:extLst>
+              <a:ext uri="{FF2B5EF4-FFF2-40B4-BE49-F238E27FC236}">
+                <a16:creationId xmlns:a16="http://schemas.microsoft.com/office/drawing/2014/main" id="{2258E9C9-5C05-58C4-0B62-5113E0FB77DB}"/>
+              </a:ext>
+            </a:extLst>
+          </p:cNvPr>
+          <p:cNvSpPr txBox="1"/>
+          <p:nvPr/>
+        </p:nvSpPr>
+        <p:spPr>
+          <a:xfrm>
+            <a:off x="249941" y="5013201"/>
+            <a:ext cx="3716846" cy="1444883"/>
+          </a:xfrm>
+          <a:prstGeom prst="rect">
+            <a:avLst/>
+          </a:prstGeom>
+          <a:noFill/>
+        </p:spPr>
+        <p:txBody>
+          <a:bodyPr wrap="square">
+            <a:spAutoFit/>
+          </a:bodyPr>
+          <a:lstStyle/>
+          <a:p>
+            <a:pPr>
+              <a:lnSpc>
+                <a:spcPct val="125000"/>
+              </a:lnSpc>
+            </a:pPr>
             <a:r>
               <a:rPr lang="en-US" altLang="zh-CN" dirty="0">
                 <a:latin typeface="Times New Roman" panose="02020603050405020304" pitchFamily="18" charset="0"/>
                 <a:cs typeface="Times New Roman" panose="02020603050405020304" pitchFamily="18" charset="0"/>
               </a:rPr>
-              <a:t>Reasons :</a:t>
+              <a:t>Clear code structure</a:t>
             </a:r>
           </a:p>
           <a:p>
+            <a:pPr>
+              <a:lnSpc>
+                <a:spcPct val="125000"/>
+              </a:lnSpc>
+            </a:pPr>
             <a:r>
               <a:rPr lang="en-US" altLang="zh-CN" dirty="0">
                 <a:latin typeface="Times New Roman" panose="02020603050405020304" pitchFamily="18" charset="0"/>
                 <a:cs typeface="Times New Roman" panose="02020603050405020304" pitchFamily="18" charset="0"/>
               </a:rPr>
-              <a:t>222222</a:t>
+              <a:t>Enhanced scalability</a:t>
             </a:r>
           </a:p>
           <a:p>
+            <a:pPr>
+              <a:lnSpc>
+                <a:spcPct val="125000"/>
+              </a:lnSpc>
+            </a:pPr>
             <a:r>
               <a:rPr lang="en-US" altLang="zh-CN" dirty="0">
                 <a:latin typeface="Times New Roman" panose="02020603050405020304" pitchFamily="18" charset="0"/>
                 <a:cs typeface="Times New Roman" panose="02020603050405020304" pitchFamily="18" charset="0"/>
               </a:rPr>
-              <a:t>Benefits : </a:t>
+              <a:t>Ease of management and maintenance</a:t>
             </a:r>
           </a:p>
           <a:p>
+            <a:pPr>
+              <a:lnSpc>
+                <a:spcPct val="125000"/>
+              </a:lnSpc>
+            </a:pPr>
             <a:r>
               <a:rPr lang="en-US" altLang="zh-CN" dirty="0">
                 <a:latin typeface="Times New Roman" panose="02020603050405020304" pitchFamily="18" charset="0"/>
                 <a:cs typeface="Times New Roman" panose="02020603050405020304" pitchFamily="18" charset="0"/>
               </a:rPr>
-              <a:t>444444</a:t>
+              <a:t>Reduced code duplication</a:t>
             </a:r>
+            <a:endParaRPr lang="zh-CN" altLang="en-US" sz="1600" dirty="0">
+              <a:latin typeface="Times New Roman" panose="02020603050405020304" pitchFamily="18" charset="0"/>
+              <a:cs typeface="Times New Roman" panose="02020603050405020304" pitchFamily="18" charset="0"/>
+            </a:endParaRPr>
           </a:p>
+        </p:txBody>
+      </p:sp>
+      <p:sp>
+        <p:nvSpPr>
+          <p:cNvPr id="9" name="文本框 8">
+            <a:extLst>
+              <a:ext uri="{FF2B5EF4-FFF2-40B4-BE49-F238E27FC236}">
+                <a16:creationId xmlns:a16="http://schemas.microsoft.com/office/drawing/2014/main" id="{CFACC4D4-427B-C0FE-3992-8B978BA4A896}"/>
+              </a:ext>
+            </a:extLst>
+          </p:cNvPr>
+          <p:cNvSpPr txBox="1"/>
+          <p:nvPr/>
+        </p:nvSpPr>
+        <p:spPr>
+          <a:xfrm>
+            <a:off x="4052987" y="4980861"/>
+            <a:ext cx="3080495" cy="1791131"/>
+          </a:xfrm>
+          <a:prstGeom prst="rect">
+            <a:avLst/>
+          </a:prstGeom>
+          <a:noFill/>
+        </p:spPr>
+        <p:txBody>
+          <a:bodyPr wrap="square">
+            <a:spAutoFit/>
+          </a:bodyPr>
+          <a:lstStyle/>
           <a:p>
+            <a:pPr>
+              <a:lnSpc>
+                <a:spcPct val="125000"/>
+              </a:lnSpc>
+            </a:pPr>
             <a:r>
               <a:rPr lang="en-US" altLang="zh-CN" dirty="0">
                 <a:latin typeface="Times New Roman" panose="02020603050405020304" pitchFamily="18" charset="0"/>
                 <a:cs typeface="Times New Roman" panose="02020603050405020304" pitchFamily="18" charset="0"/>
               </a:rPr>
-              <a:t>555555</a:t>
+              <a:t>Decouples creation and usage</a:t>
             </a:r>
-            <a:endParaRPr lang="zh-CN" altLang="en-US" dirty="0">
+          </a:p>
+          <a:p>
+            <a:pPr>
+              <a:lnSpc>
+                <a:spcPct val="125000"/>
+              </a:lnSpc>
+            </a:pPr>
+            <a:r>
+              <a:rPr lang="en-US" altLang="zh-CN" dirty="0">
+                <a:latin typeface="Times New Roman" panose="02020603050405020304" pitchFamily="18" charset="0"/>
+                <a:cs typeface="Times New Roman" panose="02020603050405020304" pitchFamily="18" charset="0"/>
+              </a:rPr>
+              <a:t>Improves code reusability</a:t>
+            </a:r>
+          </a:p>
+          <a:p>
+            <a:pPr>
+              <a:lnSpc>
+                <a:spcPct val="125000"/>
+              </a:lnSpc>
+            </a:pPr>
+            <a:r>
+              <a:rPr lang="en-US" altLang="zh-CN" dirty="0">
+                <a:latin typeface="Times New Roman" panose="02020603050405020304" pitchFamily="18" charset="0"/>
+                <a:cs typeface="Times New Roman" panose="02020603050405020304" pitchFamily="18" charset="0"/>
+              </a:rPr>
+              <a:t>Adheres to design principles</a:t>
+            </a:r>
+          </a:p>
+          <a:p>
+            <a:pPr>
+              <a:lnSpc>
+                <a:spcPct val="125000"/>
+              </a:lnSpc>
+            </a:pPr>
+            <a:r>
+              <a:rPr lang="en-US" altLang="zh-CN" dirty="0">
+                <a:latin typeface="Times New Roman" panose="02020603050405020304" pitchFamily="18" charset="0"/>
+                <a:cs typeface="Times New Roman" panose="02020603050405020304" pitchFamily="18" charset="0"/>
+              </a:rPr>
+              <a:t>Easily extends new features</a:t>
+            </a:r>
+          </a:p>
+          <a:p>
+            <a:pPr>
+              <a:lnSpc>
+                <a:spcPct val="125000"/>
+              </a:lnSpc>
+            </a:pPr>
+            <a:r>
+              <a:rPr lang="en-US" altLang="zh-CN" dirty="0">
+                <a:latin typeface="Times New Roman" panose="02020603050405020304" pitchFamily="18" charset="0"/>
+                <a:cs typeface="Times New Roman" panose="02020603050405020304" pitchFamily="18" charset="0"/>
+              </a:rPr>
+              <a:t>Enhances code readability</a:t>
+            </a:r>
+            <a:endParaRPr lang="zh-CN" altLang="en-US" sz="1600" dirty="0">
               <a:latin typeface="Times New Roman" panose="02020603050405020304" pitchFamily="18" charset="0"/>
               <a:cs typeface="Times New Roman" panose="02020603050405020304" pitchFamily="18" charset="0"/>
             </a:endParaRPr>
@@ -31956,6 +35732,1093 @@
 </file>
 
 <file path=ppt/slides/slide7.xml><?xml version="1.0" encoding="utf-8"?>
+<p:sld xmlns:a="http://schemas.openxmlformats.org/drawingml/2006/main" xmlns:r="http://schemas.openxmlformats.org/officeDocument/2006/relationships" xmlns:p="http://schemas.openxmlformats.org/presentationml/2006/main">
+  <p:cSld>
+    <p:spTree>
+      <p:nvGrpSpPr>
+        <p:cNvPr id="1" name="">
+          <a:extLst>
+            <a:ext uri="{FF2B5EF4-FFF2-40B4-BE49-F238E27FC236}">
+              <a16:creationId xmlns:a16="http://schemas.microsoft.com/office/drawing/2014/main" id="{FAC15293-D994-E0FE-7A84-D3A461A4DF37}"/>
+            </a:ext>
+          </a:extLst>
+        </p:cNvPr>
+        <p:cNvGrpSpPr/>
+        <p:nvPr/>
+      </p:nvGrpSpPr>
+      <p:grpSpPr>
+        <a:xfrm>
+          <a:off x="0" y="0"/>
+          <a:ext cx="0" cy="0"/>
+          <a:chOff x="0" y="0"/>
+          <a:chExt cx="0" cy="0"/>
+        </a:xfrm>
+      </p:grpSpPr>
+      <p:sp>
+        <p:nvSpPr>
+          <p:cNvPr id="5" name="矩形 4">
+            <a:extLst>
+              <a:ext uri="{FF2B5EF4-FFF2-40B4-BE49-F238E27FC236}">
+                <a16:creationId xmlns:a16="http://schemas.microsoft.com/office/drawing/2014/main" id="{868FA1C5-5754-22CE-B9C6-F6D82540ECB8}"/>
+              </a:ext>
+            </a:extLst>
+          </p:cNvPr>
+          <p:cNvSpPr/>
+          <p:nvPr/>
+        </p:nvSpPr>
+        <p:spPr>
+          <a:xfrm>
+            <a:off x="0" y="343632"/>
+            <a:ext cx="1244600" cy="426835"/>
+          </a:xfrm>
+          <a:prstGeom prst="rect">
+            <a:avLst/>
+          </a:prstGeom>
+          <a:solidFill>
+            <a:schemeClr val="accent1">
+              <a:lumMod val="50000"/>
+            </a:schemeClr>
+          </a:solidFill>
+        </p:spPr>
+        <p:style>
+          <a:lnRef idx="2">
+            <a:schemeClr val="accent1">
+              <a:shade val="15000"/>
+            </a:schemeClr>
+          </a:lnRef>
+          <a:fillRef idx="1">
+            <a:schemeClr val="accent1"/>
+          </a:fillRef>
+          <a:effectRef idx="0">
+            <a:schemeClr val="accent1"/>
+          </a:effectRef>
+          <a:fontRef idx="minor">
+            <a:schemeClr val="lt1"/>
+          </a:fontRef>
+        </p:style>
+        <p:txBody>
+          <a:bodyPr rtlCol="0" anchor="ctr"/>
+          <a:lstStyle/>
+          <a:p>
+            <a:pPr algn="ctr"/>
+            <a:endParaRPr lang="zh-CN" altLang="en-US"/>
+          </a:p>
+        </p:txBody>
+      </p:sp>
+      <p:sp>
+        <p:nvSpPr>
+          <p:cNvPr id="6" name="文本框 5">
+            <a:extLst>
+              <a:ext uri="{FF2B5EF4-FFF2-40B4-BE49-F238E27FC236}">
+                <a16:creationId xmlns:a16="http://schemas.microsoft.com/office/drawing/2014/main" id="{36B22099-17F0-5150-D505-D0F22F82BCE3}"/>
+              </a:ext>
+            </a:extLst>
+          </p:cNvPr>
+          <p:cNvSpPr txBox="1"/>
+          <p:nvPr/>
+        </p:nvSpPr>
+        <p:spPr>
+          <a:xfrm>
+            <a:off x="69850" y="370357"/>
+            <a:ext cx="1104900" cy="400110"/>
+          </a:xfrm>
+          <a:prstGeom prst="rect">
+            <a:avLst/>
+          </a:prstGeom>
+          <a:noFill/>
+        </p:spPr>
+        <p:txBody>
+          <a:bodyPr wrap="square" rtlCol="0">
+            <a:spAutoFit/>
+          </a:bodyPr>
+          <a:lstStyle/>
+          <a:p>
+            <a:r>
+              <a:rPr lang="en-US" altLang="zh-CN" sz="2000" dirty="0">
+                <a:solidFill>
+                  <a:schemeClr val="bg1">
+                    <a:lumMod val="95000"/>
+                  </a:schemeClr>
+                </a:solidFill>
+                <a:latin typeface="思源黑体 CN Bold" panose="020B0800000000000000" pitchFamily="34" charset="-122"/>
+                <a:ea typeface="思源黑体 CN Bold" panose="020B0800000000000000" pitchFamily="34" charset="-122"/>
+              </a:rPr>
+              <a:t>PART 2</a:t>
+            </a:r>
+            <a:endParaRPr lang="zh-CN" altLang="en-US" sz="2000" dirty="0">
+              <a:solidFill>
+                <a:schemeClr val="bg1">
+                  <a:lumMod val="95000"/>
+                </a:schemeClr>
+              </a:solidFill>
+              <a:latin typeface="思源黑体 CN Bold" panose="020B0800000000000000" pitchFamily="34" charset="-122"/>
+              <a:ea typeface="思源黑体 CN Bold" panose="020B0800000000000000" pitchFamily="34" charset="-122"/>
+            </a:endParaRPr>
+          </a:p>
+        </p:txBody>
+      </p:sp>
+      <p:sp>
+        <p:nvSpPr>
+          <p:cNvPr id="2" name="文本框 12">
+            <a:extLst>
+              <a:ext uri="{FF2B5EF4-FFF2-40B4-BE49-F238E27FC236}">
+                <a16:creationId xmlns:a16="http://schemas.microsoft.com/office/drawing/2014/main" id="{2A9FE371-3884-FFC1-D3D4-235361CBE7E9}"/>
+              </a:ext>
+            </a:extLst>
+          </p:cNvPr>
+          <p:cNvSpPr txBox="1"/>
+          <p:nvPr/>
+        </p:nvSpPr>
+        <p:spPr>
+          <a:xfrm>
+            <a:off x="1314449" y="226717"/>
+            <a:ext cx="5231075" cy="1077218"/>
+          </a:xfrm>
+          <a:prstGeom prst="rect">
+            <a:avLst/>
+          </a:prstGeom>
+          <a:noFill/>
+        </p:spPr>
+        <p:txBody>
+          <a:bodyPr wrap="square" rtlCol="0">
+            <a:spAutoFit/>
+          </a:bodyPr>
+          <a:lstStyle>
+            <a:defPPr>
+              <a:defRPr lang="zh-CN"/>
+            </a:defPPr>
+            <a:lvl1pPr marL="0" algn="l" defTabSz="914400" rtl="0" eaLnBrk="1" latinLnBrk="0" hangingPunct="1">
+              <a:defRPr sz="1800" kern="1200">
+                <a:solidFill>
+                  <a:schemeClr val="tx1"/>
+                </a:solidFill>
+                <a:latin typeface="+mn-lt"/>
+                <a:ea typeface="+mn-ea"/>
+                <a:cs typeface="+mn-cs"/>
+              </a:defRPr>
+            </a:lvl1pPr>
+            <a:lvl2pPr marL="457200" algn="l" defTabSz="914400" rtl="0" eaLnBrk="1" latinLnBrk="0" hangingPunct="1">
+              <a:defRPr sz="1800" kern="1200">
+                <a:solidFill>
+                  <a:schemeClr val="tx1"/>
+                </a:solidFill>
+                <a:latin typeface="+mn-lt"/>
+                <a:ea typeface="+mn-ea"/>
+                <a:cs typeface="+mn-cs"/>
+              </a:defRPr>
+            </a:lvl2pPr>
+            <a:lvl3pPr marL="914400" algn="l" defTabSz="914400" rtl="0" eaLnBrk="1" latinLnBrk="0" hangingPunct="1">
+              <a:defRPr sz="1800" kern="1200">
+                <a:solidFill>
+                  <a:schemeClr val="tx1"/>
+                </a:solidFill>
+                <a:latin typeface="+mn-lt"/>
+                <a:ea typeface="+mn-ea"/>
+                <a:cs typeface="+mn-cs"/>
+              </a:defRPr>
+            </a:lvl3pPr>
+            <a:lvl4pPr marL="1371600" algn="l" defTabSz="914400" rtl="0" eaLnBrk="1" latinLnBrk="0" hangingPunct="1">
+              <a:defRPr sz="1800" kern="1200">
+                <a:solidFill>
+                  <a:schemeClr val="tx1"/>
+                </a:solidFill>
+                <a:latin typeface="+mn-lt"/>
+                <a:ea typeface="+mn-ea"/>
+                <a:cs typeface="+mn-cs"/>
+              </a:defRPr>
+            </a:lvl4pPr>
+            <a:lvl5pPr marL="1828800" algn="l" defTabSz="914400" rtl="0" eaLnBrk="1" latinLnBrk="0" hangingPunct="1">
+              <a:defRPr sz="1800" kern="1200">
+                <a:solidFill>
+                  <a:schemeClr val="tx1"/>
+                </a:solidFill>
+                <a:latin typeface="+mn-lt"/>
+                <a:ea typeface="+mn-ea"/>
+                <a:cs typeface="+mn-cs"/>
+              </a:defRPr>
+            </a:lvl5pPr>
+            <a:lvl6pPr marL="2286000" algn="l" defTabSz="914400" rtl="0" eaLnBrk="1" latinLnBrk="0" hangingPunct="1">
+              <a:defRPr sz="1800" kern="1200">
+                <a:solidFill>
+                  <a:schemeClr val="tx1"/>
+                </a:solidFill>
+                <a:latin typeface="+mn-lt"/>
+                <a:ea typeface="+mn-ea"/>
+                <a:cs typeface="+mn-cs"/>
+              </a:defRPr>
+            </a:lvl6pPr>
+            <a:lvl7pPr marL="2743200" algn="l" defTabSz="914400" rtl="0" eaLnBrk="1" latinLnBrk="0" hangingPunct="1">
+              <a:defRPr sz="1800" kern="1200">
+                <a:solidFill>
+                  <a:schemeClr val="tx1"/>
+                </a:solidFill>
+                <a:latin typeface="+mn-lt"/>
+                <a:ea typeface="+mn-ea"/>
+                <a:cs typeface="+mn-cs"/>
+              </a:defRPr>
+            </a:lvl7pPr>
+            <a:lvl8pPr marL="3200400" algn="l" defTabSz="914400" rtl="0" eaLnBrk="1" latinLnBrk="0" hangingPunct="1">
+              <a:defRPr sz="1800" kern="1200">
+                <a:solidFill>
+                  <a:schemeClr val="tx1"/>
+                </a:solidFill>
+                <a:latin typeface="+mn-lt"/>
+                <a:ea typeface="+mn-ea"/>
+                <a:cs typeface="+mn-cs"/>
+              </a:defRPr>
+            </a:lvl8pPr>
+            <a:lvl9pPr marL="3657600" algn="l" defTabSz="914400" rtl="0" eaLnBrk="1" latinLnBrk="0" hangingPunct="1">
+              <a:defRPr sz="1800" kern="1200">
+                <a:solidFill>
+                  <a:schemeClr val="tx1"/>
+                </a:solidFill>
+                <a:latin typeface="+mn-lt"/>
+                <a:ea typeface="+mn-ea"/>
+                <a:cs typeface="+mn-cs"/>
+              </a:defRPr>
+            </a:lvl9pPr>
+          </a:lstStyle>
+          <a:p>
+            <a:r>
+              <a:rPr lang="en-US" altLang="zh-CN" sz="3200" dirty="0">
+                <a:solidFill>
+                  <a:srgbClr val="425166"/>
+                </a:solidFill>
+                <a:latin typeface="Times New Roman" panose="02020603050405020304" pitchFamily="18" charset="0"/>
+                <a:ea typeface="思源黑体 CN Normal" panose="020B0400000000000000" pitchFamily="34" charset="-122"/>
+                <a:cs typeface="Times New Roman" panose="02020603050405020304" pitchFamily="18" charset="0"/>
+                <a:sym typeface="思源黑体 CN Normal" panose="020B0400000000000000" pitchFamily="34" charset="-122"/>
+              </a:rPr>
+              <a:t>Design Patterns in Refactoring</a:t>
+            </a:r>
+          </a:p>
+          <a:p>
+            <a:r>
+              <a:rPr lang="en-US" altLang="zh-CN" sz="3200" dirty="0">
+                <a:solidFill>
+                  <a:srgbClr val="425166"/>
+                </a:solidFill>
+                <a:latin typeface="Times New Roman" panose="02020603050405020304" pitchFamily="18" charset="0"/>
+                <a:ea typeface="思源黑体 CN Normal" panose="020B0400000000000000" pitchFamily="34" charset="-122"/>
+                <a:cs typeface="Times New Roman" panose="02020603050405020304" pitchFamily="18" charset="0"/>
+                <a:sym typeface="思源黑体 CN Normal" panose="020B0400000000000000" pitchFamily="34" charset="-122"/>
+              </a:rPr>
+              <a:t> </a:t>
+            </a:r>
+            <a:endParaRPr lang="zh-CN" altLang="en-US" sz="3200" dirty="0">
+              <a:solidFill>
+                <a:srgbClr val="425166"/>
+              </a:solidFill>
+              <a:latin typeface="Times New Roman" panose="02020603050405020304" pitchFamily="18" charset="0"/>
+              <a:ea typeface="思源黑体 CN Normal" panose="020B0400000000000000" pitchFamily="34" charset="-122"/>
+              <a:cs typeface="Times New Roman" panose="02020603050405020304" pitchFamily="18" charset="0"/>
+              <a:sym typeface="思源黑体 CN Normal" panose="020B0400000000000000" pitchFamily="34" charset="-122"/>
+            </a:endParaRPr>
+          </a:p>
+        </p:txBody>
+      </p:sp>
+      <p:sp>
+        <p:nvSpPr>
+          <p:cNvPr id="27" name="文本框 26">
+            <a:extLst>
+              <a:ext uri="{FF2B5EF4-FFF2-40B4-BE49-F238E27FC236}">
+                <a16:creationId xmlns:a16="http://schemas.microsoft.com/office/drawing/2014/main" id="{1B86BE1A-C5A0-3970-69C7-E1424C38C239}"/>
+              </a:ext>
+            </a:extLst>
+          </p:cNvPr>
+          <p:cNvSpPr txBox="1"/>
+          <p:nvPr/>
+        </p:nvSpPr>
+        <p:spPr>
+          <a:xfrm>
+            <a:off x="1244601" y="1000126"/>
+            <a:ext cx="3551670" cy="369332"/>
+          </a:xfrm>
+          <a:prstGeom prst="rect">
+            <a:avLst/>
+          </a:prstGeom>
+          <a:noFill/>
+        </p:spPr>
+        <p:txBody>
+          <a:bodyPr wrap="square">
+            <a:spAutoFit/>
+          </a:bodyPr>
+          <a:lstStyle/>
+          <a:p>
+            <a:pPr algn="ctr"/>
+            <a:r>
+              <a:rPr lang="en-US" altLang="zh-CN" dirty="0">
+                <a:latin typeface="Times New Roman" panose="02020603050405020304" pitchFamily="18" charset="0"/>
+                <a:cs typeface="Times New Roman" panose="02020603050405020304" pitchFamily="18" charset="0"/>
+              </a:rPr>
+              <a:t>Class diagram of Template Method</a:t>
+            </a:r>
+            <a:endParaRPr lang="zh-CN" altLang="en-US" dirty="0">
+              <a:latin typeface="Times New Roman" panose="02020603050405020304" pitchFamily="18" charset="0"/>
+              <a:cs typeface="Times New Roman" panose="02020603050405020304" pitchFamily="18" charset="0"/>
+            </a:endParaRPr>
+          </a:p>
+        </p:txBody>
+      </p:sp>
+      <p:pic>
+        <p:nvPicPr>
+          <p:cNvPr id="4" name="图片 3">
+            <a:extLst>
+              <a:ext uri="{FF2B5EF4-FFF2-40B4-BE49-F238E27FC236}">
+                <a16:creationId xmlns:a16="http://schemas.microsoft.com/office/drawing/2014/main" id="{C4D83CA4-56C8-B315-9C51-5D83DA69F242}"/>
+              </a:ext>
+            </a:extLst>
+          </p:cNvPr>
+          <p:cNvPicPr>
+            <a:picLocks noChangeAspect="1"/>
+          </p:cNvPicPr>
+          <p:nvPr/>
+        </p:nvPicPr>
+        <p:blipFill>
+          <a:blip r:embed="rId2"/>
+          <a:stretch>
+            <a:fillRect/>
+          </a:stretch>
+        </p:blipFill>
+        <p:spPr>
+          <a:xfrm>
+            <a:off x="1244600" y="1350722"/>
+            <a:ext cx="3551671" cy="5255952"/>
+          </a:xfrm>
+          <a:prstGeom prst="rect">
+            <a:avLst/>
+          </a:prstGeom>
+        </p:spPr>
+      </p:pic>
+      <p:sp>
+        <p:nvSpPr>
+          <p:cNvPr id="9" name="椭圆 8">
+            <a:extLst>
+              <a:ext uri="{FF2B5EF4-FFF2-40B4-BE49-F238E27FC236}">
+                <a16:creationId xmlns:a16="http://schemas.microsoft.com/office/drawing/2014/main" id="{47ED3D27-00F9-4BCD-B9F0-301E5F7E6E5B}"/>
+              </a:ext>
+            </a:extLst>
+          </p:cNvPr>
+          <p:cNvSpPr/>
+          <p:nvPr/>
+        </p:nvSpPr>
+        <p:spPr>
+          <a:xfrm>
+            <a:off x="4239300" y="1902926"/>
+            <a:ext cx="1045968" cy="2664259"/>
+          </a:xfrm>
+          <a:prstGeom prst="ellipse">
+            <a:avLst/>
+          </a:prstGeom>
+          <a:solidFill>
+            <a:schemeClr val="bg1"/>
+          </a:solidFill>
+          <a:ln>
+            <a:noFill/>
+          </a:ln>
+        </p:spPr>
+        <p:style>
+          <a:lnRef idx="2">
+            <a:schemeClr val="accent1">
+              <a:shade val="15000"/>
+            </a:schemeClr>
+          </a:lnRef>
+          <a:fillRef idx="1">
+            <a:schemeClr val="accent1"/>
+          </a:fillRef>
+          <a:effectRef idx="0">
+            <a:schemeClr val="accent1"/>
+          </a:effectRef>
+          <a:fontRef idx="minor">
+            <a:schemeClr val="lt1"/>
+          </a:fontRef>
+        </p:style>
+        <p:txBody>
+          <a:bodyPr rtlCol="0" anchor="ctr"/>
+          <a:lstStyle/>
+          <a:p>
+            <a:pPr algn="ctr"/>
+            <a:endParaRPr lang="zh-CN" altLang="en-US"/>
+          </a:p>
+        </p:txBody>
+      </p:sp>
+      <p:sp>
+        <p:nvSpPr>
+          <p:cNvPr id="3" name="文本框 2">
+            <a:extLst>
+              <a:ext uri="{FF2B5EF4-FFF2-40B4-BE49-F238E27FC236}">
+                <a16:creationId xmlns:a16="http://schemas.microsoft.com/office/drawing/2014/main" id="{80CA8D82-7695-7805-1FA7-1088E6F2529A}"/>
+              </a:ext>
+            </a:extLst>
+          </p:cNvPr>
+          <p:cNvSpPr txBox="1"/>
+          <p:nvPr/>
+        </p:nvSpPr>
+        <p:spPr>
+          <a:xfrm>
+            <a:off x="3618396" y="2160668"/>
+            <a:ext cx="3288338" cy="2246769"/>
+          </a:xfrm>
+          <a:prstGeom prst="rect">
+            <a:avLst/>
+          </a:prstGeom>
+          <a:noFill/>
+        </p:spPr>
+        <p:txBody>
+          <a:bodyPr wrap="square">
+            <a:spAutoFit/>
+          </a:bodyPr>
+          <a:lstStyle/>
+          <a:p>
+            <a:pPr>
+              <a:lnSpc>
+                <a:spcPts val="1425"/>
+              </a:lnSpc>
+            </a:pPr>
+            <a:r>
+              <a:rPr lang="en-US" altLang="zh-CN" sz="1400" b="0" dirty="0">
+                <a:solidFill>
+                  <a:schemeClr val="accent1"/>
+                </a:solidFill>
+                <a:effectLst/>
+                <a:latin typeface="Times New Roman" panose="02020603050405020304" pitchFamily="18" charset="0"/>
+                <a:cs typeface="Times New Roman" panose="02020603050405020304" pitchFamily="18" charset="0"/>
+              </a:rPr>
+              <a:t>// Initialize money and HP</a:t>
+            </a:r>
+          </a:p>
+          <a:p>
+            <a:pPr>
+              <a:lnSpc>
+                <a:spcPts val="1425"/>
+              </a:lnSpc>
+            </a:pPr>
+            <a:r>
+              <a:rPr lang="en-US" altLang="zh-CN" sz="1400" b="0" dirty="0">
+                <a:effectLst/>
+                <a:latin typeface="Times New Roman" panose="02020603050405020304" pitchFamily="18" charset="0"/>
+                <a:cs typeface="Times New Roman" panose="02020603050405020304" pitchFamily="18" charset="0"/>
+              </a:rPr>
+              <a:t>// Initialize empty blocks  </a:t>
+            </a:r>
+          </a:p>
+          <a:p>
+            <a:pPr>
+              <a:lnSpc>
+                <a:spcPts val="1425"/>
+              </a:lnSpc>
+            </a:pPr>
+            <a:r>
+              <a:rPr lang="en-US" altLang="zh-CN" sz="1400" b="0" dirty="0">
+                <a:effectLst/>
+                <a:latin typeface="Times New Roman" panose="02020603050405020304" pitchFamily="18" charset="0"/>
+                <a:cs typeface="Times New Roman" panose="02020603050405020304" pitchFamily="18" charset="0"/>
+              </a:rPr>
+              <a:t>// Initialize the background layer       </a:t>
+            </a:r>
+          </a:p>
+          <a:p>
+            <a:pPr>
+              <a:lnSpc>
+                <a:spcPts val="1425"/>
+              </a:lnSpc>
+            </a:pPr>
+            <a:r>
+              <a:rPr lang="en-US" altLang="zh-CN" sz="1400" b="0" dirty="0">
+                <a:solidFill>
+                  <a:schemeClr val="accent1"/>
+                </a:solidFill>
+                <a:effectLst/>
+                <a:latin typeface="Times New Roman" panose="02020603050405020304" pitchFamily="18" charset="0"/>
+                <a:cs typeface="Times New Roman" panose="02020603050405020304" pitchFamily="18" charset="0"/>
+              </a:rPr>
+              <a:t>// Initialize enemy spawn point positions</a:t>
+            </a:r>
+          </a:p>
+          <a:p>
+            <a:pPr>
+              <a:lnSpc>
+                <a:spcPts val="1425"/>
+              </a:lnSpc>
+            </a:pPr>
+            <a:r>
+              <a:rPr lang="en-US" altLang="zh-CN" sz="1400" b="0" dirty="0">
+                <a:effectLst/>
+                <a:latin typeface="Times New Roman" panose="02020603050405020304" pitchFamily="18" charset="0"/>
+                <a:cs typeface="Times New Roman" panose="02020603050405020304" pitchFamily="18" charset="0"/>
+              </a:rPr>
+              <a:t>// Initialize spawn point blocks            </a:t>
+            </a:r>
+          </a:p>
+          <a:p>
+            <a:pPr>
+              <a:lnSpc>
+                <a:spcPts val="1425"/>
+              </a:lnSpc>
+            </a:pPr>
+            <a:r>
+              <a:rPr lang="en-US" altLang="zh-CN" sz="1400" b="0" dirty="0">
+                <a:solidFill>
+                  <a:schemeClr val="accent1"/>
+                </a:solidFill>
+                <a:effectLst/>
+                <a:latin typeface="Times New Roman" panose="02020603050405020304" pitchFamily="18" charset="0"/>
+                <a:cs typeface="Times New Roman" panose="02020603050405020304" pitchFamily="18" charset="0"/>
+              </a:rPr>
+              <a:t>// Set the enemy movement path</a:t>
+            </a:r>
+          </a:p>
+          <a:p>
+            <a:pPr>
+              <a:lnSpc>
+                <a:spcPts val="1425"/>
+              </a:lnSpc>
+            </a:pPr>
+            <a:r>
+              <a:rPr lang="en-US" altLang="zh-CN" sz="1400" b="0" dirty="0">
+                <a:effectLst/>
+                <a:latin typeface="Times New Roman" panose="02020603050405020304" pitchFamily="18" charset="0"/>
+                <a:cs typeface="Times New Roman" panose="02020603050405020304" pitchFamily="18" charset="0"/>
+              </a:rPr>
+              <a:t>// Add the carrot layer                                 </a:t>
+            </a:r>
+          </a:p>
+          <a:p>
+            <a:pPr>
+              <a:lnSpc>
+                <a:spcPts val="1425"/>
+              </a:lnSpc>
+            </a:pPr>
+            <a:r>
+              <a:rPr lang="en-US" altLang="zh-CN" sz="1400" b="0" dirty="0">
+                <a:effectLst/>
+                <a:latin typeface="Times New Roman" panose="02020603050405020304" pitchFamily="18" charset="0"/>
+                <a:cs typeface="Times New Roman" panose="02020603050405020304" pitchFamily="18" charset="0"/>
+              </a:rPr>
+              <a:t>// Initialize the UI interface                          </a:t>
+            </a:r>
+          </a:p>
+          <a:p>
+            <a:pPr>
+              <a:lnSpc>
+                <a:spcPts val="1425"/>
+              </a:lnSpc>
+            </a:pPr>
+            <a:r>
+              <a:rPr lang="en-US" altLang="zh-CN" sz="1400" b="0" dirty="0">
+                <a:effectLst/>
+                <a:latin typeface="Times New Roman" panose="02020603050405020304" pitchFamily="18" charset="0"/>
+                <a:cs typeface="Times New Roman" panose="02020603050405020304" pitchFamily="18" charset="0"/>
+              </a:rPr>
+              <a:t>// Initialize the per-frame update logic       </a:t>
+            </a:r>
+          </a:p>
+          <a:p>
+            <a:pPr>
+              <a:lnSpc>
+                <a:spcPts val="1425"/>
+              </a:lnSpc>
+            </a:pPr>
+            <a:r>
+              <a:rPr lang="en-US" altLang="zh-CN" sz="1400" b="0" dirty="0">
+                <a:solidFill>
+                  <a:schemeClr val="accent1"/>
+                </a:solidFill>
+                <a:effectLst/>
+                <a:latin typeface="Times New Roman" panose="02020603050405020304" pitchFamily="18" charset="0"/>
+                <a:cs typeface="Times New Roman" panose="02020603050405020304" pitchFamily="18" charset="0"/>
+              </a:rPr>
+              <a:t>// Initialize wave information</a:t>
+            </a:r>
+          </a:p>
+          <a:p>
+            <a:pPr>
+              <a:lnSpc>
+                <a:spcPts val="1425"/>
+              </a:lnSpc>
+            </a:pPr>
+            <a:r>
+              <a:rPr lang="en-US" altLang="zh-CN" sz="1400" b="0" dirty="0">
+                <a:effectLst/>
+                <a:latin typeface="Times New Roman" panose="02020603050405020304" pitchFamily="18" charset="0"/>
+                <a:cs typeface="Times New Roman" panose="02020603050405020304" pitchFamily="18" charset="0"/>
+              </a:rPr>
+              <a:t>// Set up the specific wave details               </a:t>
+            </a:r>
+          </a:p>
+          <a:p>
+            <a:pPr>
+              <a:lnSpc>
+                <a:spcPts val="1425"/>
+              </a:lnSpc>
+            </a:pPr>
+            <a:r>
+              <a:rPr lang="en-US" altLang="zh-CN" sz="1400" b="0" dirty="0">
+                <a:effectLst/>
+                <a:latin typeface="Times New Roman" panose="02020603050405020304" pitchFamily="18" charset="0"/>
+                <a:cs typeface="Times New Roman" panose="02020603050405020304" pitchFamily="18" charset="0"/>
+              </a:rPr>
+              <a:t>// Start spawning the first wave of enemies</a:t>
+            </a:r>
+          </a:p>
+        </p:txBody>
+      </p:sp>
+      <p:sp>
+        <p:nvSpPr>
+          <p:cNvPr id="11" name="文本框 10">
+            <a:extLst>
+              <a:ext uri="{FF2B5EF4-FFF2-40B4-BE49-F238E27FC236}">
+                <a16:creationId xmlns:a16="http://schemas.microsoft.com/office/drawing/2014/main" id="{7183C368-5216-2759-88DA-6A16AFD37850}"/>
+              </a:ext>
+            </a:extLst>
+          </p:cNvPr>
+          <p:cNvSpPr txBox="1"/>
+          <p:nvPr/>
+        </p:nvSpPr>
+        <p:spPr>
+          <a:xfrm>
+            <a:off x="6676840" y="490012"/>
+            <a:ext cx="1434348" cy="461665"/>
+          </a:xfrm>
+          <a:prstGeom prst="rect">
+            <a:avLst/>
+          </a:prstGeom>
+          <a:noFill/>
+        </p:spPr>
+        <p:txBody>
+          <a:bodyPr wrap="square">
+            <a:spAutoFit/>
+          </a:bodyPr>
+          <a:lstStyle/>
+          <a:p>
+            <a:pPr algn="ctr"/>
+            <a:r>
+              <a:rPr lang="en-US" altLang="zh-CN" sz="2400" dirty="0">
+                <a:latin typeface="Times New Roman" panose="02020603050405020304" pitchFamily="18" charset="0"/>
+                <a:cs typeface="Times New Roman" panose="02020603050405020304" pitchFamily="18" charset="0"/>
+              </a:rPr>
+              <a:t>Reasons :</a:t>
+            </a:r>
+            <a:endParaRPr lang="zh-CN" altLang="en-US" sz="2400" dirty="0">
+              <a:latin typeface="Times New Roman" panose="02020603050405020304" pitchFamily="18" charset="0"/>
+              <a:cs typeface="Times New Roman" panose="02020603050405020304" pitchFamily="18" charset="0"/>
+            </a:endParaRPr>
+          </a:p>
+        </p:txBody>
+      </p:sp>
+      <p:sp>
+        <p:nvSpPr>
+          <p:cNvPr id="18" name="文本框 17">
+            <a:extLst>
+              <a:ext uri="{FF2B5EF4-FFF2-40B4-BE49-F238E27FC236}">
+                <a16:creationId xmlns:a16="http://schemas.microsoft.com/office/drawing/2014/main" id="{04EC9A80-E551-84C3-3E6F-DB0647EC6BC1}"/>
+              </a:ext>
+            </a:extLst>
+          </p:cNvPr>
+          <p:cNvSpPr txBox="1"/>
+          <p:nvPr/>
+        </p:nvSpPr>
+        <p:spPr>
+          <a:xfrm>
+            <a:off x="6949993" y="859344"/>
+            <a:ext cx="5113555" cy="2948884"/>
+          </a:xfrm>
+          <a:prstGeom prst="rect">
+            <a:avLst/>
+          </a:prstGeom>
+          <a:noFill/>
+        </p:spPr>
+        <p:txBody>
+          <a:bodyPr wrap="square">
+            <a:spAutoFit/>
+          </a:bodyPr>
+          <a:lstStyle/>
+          <a:p>
+            <a:pPr>
+              <a:lnSpc>
+                <a:spcPct val="125000"/>
+              </a:lnSpc>
+            </a:pPr>
+            <a:r>
+              <a:rPr lang="en-US" altLang="zh-CN" dirty="0">
+                <a:solidFill>
+                  <a:srgbClr val="FF0000"/>
+                </a:solidFill>
+                <a:latin typeface="Times New Roman" panose="02020603050405020304" pitchFamily="18" charset="0"/>
+                <a:cs typeface="Times New Roman" panose="02020603050405020304" pitchFamily="18" charset="0"/>
+              </a:rPr>
+              <a:t>Reduce Code Duplication. </a:t>
+            </a:r>
+            <a:r>
+              <a:rPr lang="en-US" altLang="zh-CN" sz="1600" dirty="0">
+                <a:latin typeface="Times New Roman" panose="02020603050405020304" pitchFamily="18" charset="0"/>
+                <a:cs typeface="Times New Roman" panose="02020603050405020304" pitchFamily="18" charset="0"/>
+              </a:rPr>
+              <a:t>Common logic like </a:t>
+            </a:r>
+            <a:r>
+              <a:rPr lang="en-US" altLang="zh-CN" sz="1600" dirty="0" err="1">
+                <a:latin typeface="Times New Roman" panose="02020603050405020304" pitchFamily="18" charset="0"/>
+                <a:cs typeface="Times New Roman" panose="02020603050405020304" pitchFamily="18" charset="0"/>
+              </a:rPr>
+              <a:t>backgroundInit</a:t>
+            </a:r>
+            <a:r>
+              <a:rPr lang="en-US" altLang="zh-CN" sz="1600" dirty="0">
+                <a:latin typeface="Times New Roman" panose="02020603050405020304" pitchFamily="18" charset="0"/>
+                <a:cs typeface="Times New Roman" panose="02020603050405020304" pitchFamily="18" charset="0"/>
+              </a:rPr>
+              <a:t>() and </a:t>
+            </a:r>
+            <a:r>
+              <a:rPr lang="en-US" altLang="zh-CN" sz="1600" dirty="0" err="1">
+                <a:latin typeface="Times New Roman" panose="02020603050405020304" pitchFamily="18" charset="0"/>
+                <a:cs typeface="Times New Roman" panose="02020603050405020304" pitchFamily="18" charset="0"/>
+              </a:rPr>
+              <a:t>uiInit</a:t>
+            </a:r>
+            <a:r>
+              <a:rPr lang="en-US" altLang="zh-CN" sz="1600" dirty="0">
+                <a:latin typeface="Times New Roman" panose="02020603050405020304" pitchFamily="18" charset="0"/>
+                <a:cs typeface="Times New Roman" panose="02020603050405020304" pitchFamily="18" charset="0"/>
+              </a:rPr>
+              <a:t>() can be centralized in the parent class, avoiding repetitive code in subclasses.</a:t>
+            </a:r>
+          </a:p>
+          <a:p>
+            <a:pPr>
+              <a:lnSpc>
+                <a:spcPct val="125000"/>
+              </a:lnSpc>
+            </a:pPr>
+            <a:r>
+              <a:rPr lang="en-US" altLang="zh-CN" dirty="0">
+                <a:solidFill>
+                  <a:srgbClr val="FF0000"/>
+                </a:solidFill>
+                <a:latin typeface="Times New Roman" panose="02020603050405020304" pitchFamily="18" charset="0"/>
+                <a:cs typeface="Times New Roman" panose="02020603050405020304" pitchFamily="18" charset="0"/>
+              </a:rPr>
+              <a:t>Improve Maintainability. </a:t>
+            </a:r>
+            <a:r>
+              <a:rPr lang="en-US" altLang="zh-CN" sz="1600" dirty="0">
+                <a:latin typeface="Times New Roman" panose="02020603050405020304" pitchFamily="18" charset="0"/>
+                <a:cs typeface="Times New Roman" panose="02020603050405020304" pitchFamily="18" charset="0"/>
+              </a:rPr>
+              <a:t>Changes to shared logic only need to be made in the parent class, reducing errors and effort.</a:t>
+            </a:r>
+          </a:p>
+          <a:p>
+            <a:pPr>
+              <a:lnSpc>
+                <a:spcPct val="125000"/>
+              </a:lnSpc>
+            </a:pPr>
+            <a:r>
+              <a:rPr lang="en-US" altLang="zh-CN" dirty="0">
+                <a:solidFill>
+                  <a:srgbClr val="FF0000"/>
+                </a:solidFill>
+                <a:latin typeface="Times New Roman" panose="02020603050405020304" pitchFamily="18" charset="0"/>
+                <a:cs typeface="Times New Roman" panose="02020603050405020304" pitchFamily="18" charset="0"/>
+              </a:rPr>
+              <a:t>Enhance Code Extensibility. </a:t>
+            </a:r>
+            <a:r>
+              <a:rPr lang="en-US" altLang="zh-CN" sz="1600" dirty="0">
+                <a:latin typeface="Times New Roman" panose="02020603050405020304" pitchFamily="18" charset="0"/>
+                <a:cs typeface="Times New Roman" panose="02020603050405020304" pitchFamily="18" charset="0"/>
+              </a:rPr>
+              <a:t>Adding new levels only requires overriding specific methods without redesigning the entire process.</a:t>
+            </a:r>
+            <a:endParaRPr lang="zh-CN" altLang="en-US" sz="1600" dirty="0">
+              <a:latin typeface="Times New Roman" panose="02020603050405020304" pitchFamily="18" charset="0"/>
+              <a:cs typeface="Times New Roman" panose="02020603050405020304" pitchFamily="18" charset="0"/>
+            </a:endParaRPr>
+          </a:p>
+        </p:txBody>
+      </p:sp>
+      <p:sp>
+        <p:nvSpPr>
+          <p:cNvPr id="23" name="文本框 22">
+            <a:extLst>
+              <a:ext uri="{FF2B5EF4-FFF2-40B4-BE49-F238E27FC236}">
+                <a16:creationId xmlns:a16="http://schemas.microsoft.com/office/drawing/2014/main" id="{B0034E93-4484-D819-1344-601E30B0E28E}"/>
+              </a:ext>
+            </a:extLst>
+          </p:cNvPr>
+          <p:cNvSpPr txBox="1"/>
+          <p:nvPr/>
+        </p:nvSpPr>
+        <p:spPr>
+          <a:xfrm>
+            <a:off x="6757247" y="3747865"/>
+            <a:ext cx="1353941" cy="461665"/>
+          </a:xfrm>
+          <a:prstGeom prst="rect">
+            <a:avLst/>
+          </a:prstGeom>
+          <a:noFill/>
+        </p:spPr>
+        <p:txBody>
+          <a:bodyPr wrap="square">
+            <a:spAutoFit/>
+          </a:bodyPr>
+          <a:lstStyle/>
+          <a:p>
+            <a:pPr algn="ctr"/>
+            <a:r>
+              <a:rPr lang="en-US" altLang="zh-CN" sz="2400" dirty="0">
+                <a:latin typeface="Times New Roman" panose="02020603050405020304" pitchFamily="18" charset="0"/>
+                <a:cs typeface="Times New Roman" panose="02020603050405020304" pitchFamily="18" charset="0"/>
+              </a:rPr>
+              <a:t>Benefits :</a:t>
+            </a:r>
+            <a:endParaRPr lang="zh-CN" altLang="en-US" sz="2400" dirty="0">
+              <a:latin typeface="Times New Roman" panose="02020603050405020304" pitchFamily="18" charset="0"/>
+              <a:cs typeface="Times New Roman" panose="02020603050405020304" pitchFamily="18" charset="0"/>
+            </a:endParaRPr>
+          </a:p>
+        </p:txBody>
+      </p:sp>
+      <p:sp>
+        <p:nvSpPr>
+          <p:cNvPr id="30" name="文本框 29">
+            <a:extLst>
+              <a:ext uri="{FF2B5EF4-FFF2-40B4-BE49-F238E27FC236}">
+                <a16:creationId xmlns:a16="http://schemas.microsoft.com/office/drawing/2014/main" id="{CF4F81C9-5EDC-7FAD-D350-975A1AE052F1}"/>
+              </a:ext>
+            </a:extLst>
+          </p:cNvPr>
+          <p:cNvSpPr txBox="1"/>
+          <p:nvPr/>
+        </p:nvSpPr>
+        <p:spPr>
+          <a:xfrm>
+            <a:off x="6949993" y="4157883"/>
+            <a:ext cx="4998298" cy="2025555"/>
+          </a:xfrm>
+          <a:prstGeom prst="rect">
+            <a:avLst/>
+          </a:prstGeom>
+          <a:noFill/>
+        </p:spPr>
+        <p:txBody>
+          <a:bodyPr wrap="square">
+            <a:spAutoFit/>
+          </a:bodyPr>
+          <a:lstStyle/>
+          <a:p>
+            <a:pPr>
+              <a:lnSpc>
+                <a:spcPct val="125000"/>
+              </a:lnSpc>
+            </a:pPr>
+            <a:r>
+              <a:rPr lang="en-US" altLang="zh-CN" dirty="0">
+                <a:solidFill>
+                  <a:srgbClr val="FF0000"/>
+                </a:solidFill>
+                <a:latin typeface="Times New Roman" panose="02020603050405020304" pitchFamily="18" charset="0"/>
+                <a:cs typeface="Times New Roman" panose="02020603050405020304" pitchFamily="18" charset="0"/>
+              </a:rPr>
+              <a:t>Higher Reusability. </a:t>
+            </a:r>
+            <a:r>
+              <a:rPr lang="en-US" altLang="zh-CN" sz="1600" dirty="0">
+                <a:latin typeface="Times New Roman" panose="02020603050405020304" pitchFamily="18" charset="0"/>
+                <a:cs typeface="Times New Roman" panose="02020603050405020304" pitchFamily="18" charset="0"/>
+              </a:rPr>
+              <a:t>Common logic is reused directly in subclasses, with only unique parts needing overrides.</a:t>
+            </a:r>
+          </a:p>
+          <a:p>
+            <a:pPr>
+              <a:lnSpc>
+                <a:spcPct val="125000"/>
+              </a:lnSpc>
+            </a:pPr>
+            <a:r>
+              <a:rPr lang="en-US" altLang="zh-CN" dirty="0">
+                <a:solidFill>
+                  <a:srgbClr val="FF0000"/>
+                </a:solidFill>
+                <a:latin typeface="Times New Roman" panose="02020603050405020304" pitchFamily="18" charset="0"/>
+                <a:cs typeface="Times New Roman" panose="02020603050405020304" pitchFamily="18" charset="0"/>
+              </a:rPr>
+              <a:t>Easier Feature Expansion. </a:t>
+            </a:r>
+            <a:r>
+              <a:rPr lang="en-US" altLang="zh-CN" sz="1600" dirty="0">
+                <a:latin typeface="Times New Roman" panose="02020603050405020304" pitchFamily="18" charset="0"/>
+                <a:cs typeface="Times New Roman" panose="02020603050405020304" pitchFamily="18" charset="0"/>
+              </a:rPr>
+              <a:t>Adding steps like </a:t>
+            </a:r>
+            <a:r>
+              <a:rPr lang="en-US" altLang="zh-CN" sz="1600" dirty="0" err="1">
+                <a:latin typeface="Times New Roman" panose="02020603050405020304" pitchFamily="18" charset="0"/>
+                <a:cs typeface="Times New Roman" panose="02020603050405020304" pitchFamily="18" charset="0"/>
+              </a:rPr>
+              <a:t>soundInit</a:t>
+            </a:r>
+            <a:r>
+              <a:rPr lang="en-US" altLang="zh-CN" sz="1600" dirty="0">
+                <a:latin typeface="Times New Roman" panose="02020603050405020304" pitchFamily="18" charset="0"/>
+                <a:cs typeface="Times New Roman" panose="02020603050405020304" pitchFamily="18" charset="0"/>
+              </a:rPr>
+              <a:t>() only requires updates in the parent class.</a:t>
+            </a:r>
+          </a:p>
+          <a:p>
+            <a:pPr>
+              <a:lnSpc>
+                <a:spcPct val="125000"/>
+              </a:lnSpc>
+            </a:pPr>
+            <a:r>
+              <a:rPr lang="en-US" altLang="zh-CN" dirty="0">
+                <a:solidFill>
+                  <a:srgbClr val="FF0000"/>
+                </a:solidFill>
+                <a:latin typeface="Times New Roman" panose="02020603050405020304" pitchFamily="18" charset="0"/>
+                <a:cs typeface="Times New Roman" panose="02020603050405020304" pitchFamily="18" charset="0"/>
+              </a:rPr>
+              <a:t>Consistency. </a:t>
+            </a:r>
+            <a:r>
+              <a:rPr lang="en-US" altLang="zh-CN" sz="1600" dirty="0">
+                <a:latin typeface="Times New Roman" panose="02020603050405020304" pitchFamily="18" charset="0"/>
+                <a:cs typeface="Times New Roman" panose="02020603050405020304" pitchFamily="18" charset="0"/>
+              </a:rPr>
+              <a:t>Ensures all levels follow the same initialization flow, avoiding discrepancies.</a:t>
+            </a:r>
+            <a:endParaRPr lang="zh-CN" altLang="en-US" sz="1600" dirty="0">
+              <a:latin typeface="Times New Roman" panose="02020603050405020304" pitchFamily="18" charset="0"/>
+              <a:cs typeface="Times New Roman" panose="02020603050405020304" pitchFamily="18" charset="0"/>
+            </a:endParaRPr>
+          </a:p>
+        </p:txBody>
+      </p:sp>
+      <p:sp>
+        <p:nvSpPr>
+          <p:cNvPr id="31" name="矩形 30">
+            <a:extLst>
+              <a:ext uri="{FF2B5EF4-FFF2-40B4-BE49-F238E27FC236}">
+                <a16:creationId xmlns:a16="http://schemas.microsoft.com/office/drawing/2014/main" id="{308A467A-276A-2FC3-7DC5-39E5D1BA2323}"/>
+              </a:ext>
+            </a:extLst>
+          </p:cNvPr>
+          <p:cNvSpPr/>
+          <p:nvPr/>
+        </p:nvSpPr>
+        <p:spPr>
+          <a:xfrm>
+            <a:off x="6949993" y="951677"/>
+            <a:ext cx="5041557" cy="2856551"/>
+          </a:xfrm>
+          <a:prstGeom prst="rect">
+            <a:avLst/>
+          </a:prstGeom>
+          <a:noFill/>
+          <a:ln>
+            <a:solidFill>
+              <a:schemeClr val="tx1"/>
+            </a:solidFill>
+          </a:ln>
+        </p:spPr>
+        <p:style>
+          <a:lnRef idx="2">
+            <a:schemeClr val="accent1">
+              <a:shade val="15000"/>
+            </a:schemeClr>
+          </a:lnRef>
+          <a:fillRef idx="1">
+            <a:schemeClr val="accent1"/>
+          </a:fillRef>
+          <a:effectRef idx="0">
+            <a:schemeClr val="accent1"/>
+          </a:effectRef>
+          <a:fontRef idx="minor">
+            <a:schemeClr val="lt1"/>
+          </a:fontRef>
+        </p:style>
+        <p:txBody>
+          <a:bodyPr rtlCol="0" anchor="ctr"/>
+          <a:lstStyle/>
+          <a:p>
+            <a:pPr algn="ctr"/>
+            <a:endParaRPr lang="zh-CN" altLang="en-US"/>
+          </a:p>
+        </p:txBody>
+      </p:sp>
+      <p:sp>
+        <p:nvSpPr>
+          <p:cNvPr id="32" name="矩形 31">
+            <a:extLst>
+              <a:ext uri="{FF2B5EF4-FFF2-40B4-BE49-F238E27FC236}">
+                <a16:creationId xmlns:a16="http://schemas.microsoft.com/office/drawing/2014/main" id="{6A696EA1-8F61-5E4C-0ABC-A7D4E0BE6653}"/>
+              </a:ext>
+            </a:extLst>
+          </p:cNvPr>
+          <p:cNvSpPr/>
+          <p:nvPr/>
+        </p:nvSpPr>
+        <p:spPr>
+          <a:xfrm>
+            <a:off x="6949992" y="4215012"/>
+            <a:ext cx="5041558" cy="2025556"/>
+          </a:xfrm>
+          <a:prstGeom prst="rect">
+            <a:avLst/>
+          </a:prstGeom>
+          <a:noFill/>
+          <a:ln>
+            <a:solidFill>
+              <a:schemeClr val="tx1"/>
+            </a:solidFill>
+          </a:ln>
+        </p:spPr>
+        <p:style>
+          <a:lnRef idx="2">
+            <a:schemeClr val="accent1">
+              <a:shade val="15000"/>
+            </a:schemeClr>
+          </a:lnRef>
+          <a:fillRef idx="1">
+            <a:schemeClr val="accent1"/>
+          </a:fillRef>
+          <a:effectRef idx="0">
+            <a:schemeClr val="accent1"/>
+          </a:effectRef>
+          <a:fontRef idx="minor">
+            <a:schemeClr val="lt1"/>
+          </a:fontRef>
+        </p:style>
+        <p:txBody>
+          <a:bodyPr rtlCol="0" anchor="ctr"/>
+          <a:lstStyle/>
+          <a:p>
+            <a:pPr algn="ctr"/>
+            <a:endParaRPr lang="zh-CN" altLang="en-US"/>
+          </a:p>
+        </p:txBody>
+      </p:sp>
+    </p:spTree>
+    <p:extLst>
+      <p:ext uri="{BB962C8B-B14F-4D97-AF65-F5344CB8AC3E}">
+        <p14:creationId xmlns:p14="http://schemas.microsoft.com/office/powerpoint/2010/main" val="2674079515"/>
+      </p:ext>
+    </p:extLst>
+  </p:cSld>
+  <p:clrMapOvr>
+    <a:masterClrMapping/>
+  </p:clrMapOvr>
+</p:sld>
+</file>
+
+<file path=ppt/slides/slide8.xml><?xml version="1.0" encoding="utf-8"?>
 <p:sld xmlns:a="http://schemas.openxmlformats.org/drawingml/2006/main" xmlns:r="http://schemas.openxmlformats.org/officeDocument/2006/relationships" xmlns:p="http://schemas.openxmlformats.org/presentationml/2006/main">
   <p:cSld>
     <p:spTree>
@@ -32231,7 +37094,7 @@
 </p:sld>
 </file>
 
-<file path=ppt/slides/slide8.xml><?xml version="1.0" encoding="utf-8"?>
+<file path=ppt/slides/slide9.xml><?xml version="1.0" encoding="utf-8"?>
 <p:sld xmlns:a="http://schemas.openxmlformats.org/drawingml/2006/main" xmlns:r="http://schemas.openxmlformats.org/officeDocument/2006/relationships" xmlns:p="http://schemas.openxmlformats.org/presentationml/2006/main">
   <p:cSld>
     <p:spTree>
@@ -32596,2098 +37459,6 @@
         <p14:creationId xmlns:p14="http://schemas.microsoft.com/office/powerpoint/2010/main" val="1424487768"/>
       </p:ext>
     </p:extLst>
-  </p:cSld>
-  <p:clrMapOvr>
-    <a:masterClrMapping/>
-  </p:clrMapOvr>
-</p:sld>
-</file>
-
-<file path=ppt/slides/slide9.xml><?xml version="1.0" encoding="utf-8"?>
-<p:sld xmlns:a="http://schemas.openxmlformats.org/drawingml/2006/main" xmlns:r="http://schemas.openxmlformats.org/officeDocument/2006/relationships" xmlns:p="http://schemas.openxmlformats.org/presentationml/2006/main">
-  <p:cSld>
-    <p:spTree>
-      <p:nvGrpSpPr>
-        <p:cNvPr id="1" name=""/>
-        <p:cNvGrpSpPr/>
-        <p:nvPr/>
-      </p:nvGrpSpPr>
-      <p:grpSpPr>
-        <a:xfrm>
-          <a:off x="0" y="0"/>
-          <a:ext cx="0" cy="0"/>
-          <a:chOff x="0" y="0"/>
-          <a:chExt cx="0" cy="0"/>
-        </a:xfrm>
-      </p:grpSpPr>
-      <p:sp>
-        <p:nvSpPr>
-          <p:cNvPr id="68" name="任意多边形 67"/>
-          <p:cNvSpPr/>
-          <p:nvPr/>
-        </p:nvSpPr>
-        <p:spPr>
-          <a:xfrm>
-            <a:off x="0" y="0"/>
-            <a:ext cx="5296926" cy="3276544"/>
-          </a:xfrm>
-          <a:custGeom>
-            <a:avLst/>
-            <a:gdLst/>
-            <a:ahLst/>
-            <a:cxnLst>
-              <a:cxn ang="3">
-                <a:pos x="hc" y="t"/>
-              </a:cxn>
-              <a:cxn ang="cd2">
-                <a:pos x="l" y="vc"/>
-              </a:cxn>
-              <a:cxn ang="cd4">
-                <a:pos x="hc" y="b"/>
-              </a:cxn>
-              <a:cxn ang="0">
-                <a:pos x="r" y="vc"/>
-              </a:cxn>
-            </a:cxnLst>
-            <a:rect l="l" t="t" r="r" b="b"/>
-            <a:pathLst>
-              <a:path w="8342" h="5161">
-                <a:moveTo>
-                  <a:pt x="151" y="0"/>
-                </a:moveTo>
-                <a:cubicBezTo>
-                  <a:pt x="212" y="108"/>
-                  <a:pt x="344" y="480"/>
-                  <a:pt x="333" y="900"/>
-                </a:cubicBezTo>
-                <a:cubicBezTo>
-                  <a:pt x="340" y="1185"/>
-                  <a:pt x="258" y="1720"/>
-                  <a:pt x="138" y="2136"/>
-                </a:cubicBezTo>
-                <a:cubicBezTo>
-                  <a:pt x="37" y="2462"/>
-                  <a:pt x="-4" y="2904"/>
-                  <a:pt x="0" y="3111"/>
-                </a:cubicBezTo>
-                <a:cubicBezTo>
-                  <a:pt x="-10" y="4003"/>
-                  <a:pt x="361" y="4723"/>
-                  <a:pt x="766" y="4912"/>
-                </a:cubicBezTo>
-                <a:cubicBezTo>
-                  <a:pt x="948" y="5095"/>
-                  <a:pt x="1252" y="5168"/>
-                  <a:pt x="1406" y="5160"/>
-                </a:cubicBezTo>
-                <a:cubicBezTo>
-                  <a:pt x="3154" y="4827"/>
-                  <a:pt x="4186" y="3274"/>
-                  <a:pt x="4206" y="3320"/>
-                </a:cubicBezTo>
-                <a:cubicBezTo>
-                  <a:pt x="4268" y="3248"/>
-                  <a:pt x="4361" y="3144"/>
-                  <a:pt x="4428" y="3073"/>
-                </a:cubicBezTo>
-                <a:lnTo>
-                  <a:pt x="4988" y="2531"/>
-                </a:lnTo>
-                <a:cubicBezTo>
-                  <a:pt x="5394" y="2123"/>
-                  <a:pt x="5610" y="1939"/>
-                  <a:pt x="5838" y="1743"/>
-                </a:cubicBezTo>
-                <a:cubicBezTo>
-                  <a:pt x="5966" y="1634"/>
-                  <a:pt x="6196" y="1432"/>
-                  <a:pt x="6376" y="1268"/>
-                </a:cubicBezTo>
-                <a:cubicBezTo>
-                  <a:pt x="6500" y="1166"/>
-                  <a:pt x="6607" y="1056"/>
-                  <a:pt x="6669" y="995"/>
-                </a:cubicBezTo>
-                <a:cubicBezTo>
-                  <a:pt x="6737" y="925"/>
-                  <a:pt x="6801" y="864"/>
-                  <a:pt x="6841" y="839"/>
-                </a:cubicBezTo>
-                <a:cubicBezTo>
-                  <a:pt x="6847" y="835"/>
-                  <a:pt x="6856" y="829"/>
-                  <a:pt x="6860" y="827"/>
-                </a:cubicBezTo>
-                <a:cubicBezTo>
-                  <a:pt x="6906" y="787"/>
-                  <a:pt x="6825" y="866"/>
-                  <a:pt x="6940" y="759"/>
-                </a:cubicBezTo>
-                <a:cubicBezTo>
-                  <a:pt x="7279" y="412"/>
-                  <a:pt x="8013" y="79"/>
-                  <a:pt x="8342" y="0"/>
-                </a:cubicBezTo>
-                <a:lnTo>
-                  <a:pt x="151" y="0"/>
-                </a:lnTo>
-                <a:close/>
-              </a:path>
-            </a:pathLst>
-          </a:custGeom>
-          <a:solidFill>
-            <a:schemeClr val="bg1">
-              <a:lumMod val="85000"/>
-            </a:schemeClr>
-          </a:solidFill>
-          <a:ln>
-            <a:noFill/>
-          </a:ln>
-        </p:spPr>
-        <p:style>
-          <a:lnRef idx="2">
-            <a:schemeClr val="accent1">
-              <a:shade val="50000"/>
-            </a:schemeClr>
-          </a:lnRef>
-          <a:fillRef idx="1">
-            <a:schemeClr val="accent1"/>
-          </a:fillRef>
-          <a:effectRef idx="0">
-            <a:schemeClr val="accent1"/>
-          </a:effectRef>
-          <a:fontRef idx="minor">
-            <a:schemeClr val="lt1"/>
-          </a:fontRef>
-        </p:style>
-        <p:txBody>
-          <a:bodyPr wrap="square" rtlCol="0" anchor="ctr">
-            <a:noAutofit/>
-          </a:bodyPr>
-          <a:lstStyle>
-            <a:defPPr>
-              <a:defRPr lang="zh-CN">
-                <a:solidFill>
-                  <a:schemeClr val="lt1"/>
-                </a:solidFill>
-              </a:defRPr>
-            </a:defPPr>
-            <a:lvl1pPr marL="0" algn="l" defTabSz="914400" rtl="0" eaLnBrk="1" latinLnBrk="0" hangingPunct="1">
-              <a:defRPr sz="1800" kern="1200">
-                <a:solidFill>
-                  <a:schemeClr val="lt1"/>
-                </a:solidFill>
-                <a:latin typeface="+mn-lt"/>
-                <a:ea typeface="+mn-ea"/>
-                <a:cs typeface="+mn-cs"/>
-              </a:defRPr>
-            </a:lvl1pPr>
-            <a:lvl2pPr marL="457200" algn="l" defTabSz="914400" rtl="0" eaLnBrk="1" latinLnBrk="0" hangingPunct="1">
-              <a:defRPr sz="1800" kern="1200">
-                <a:solidFill>
-                  <a:schemeClr val="lt1"/>
-                </a:solidFill>
-                <a:latin typeface="+mn-lt"/>
-                <a:ea typeface="+mn-ea"/>
-                <a:cs typeface="+mn-cs"/>
-              </a:defRPr>
-            </a:lvl2pPr>
-            <a:lvl3pPr marL="914400" algn="l" defTabSz="914400" rtl="0" eaLnBrk="1" latinLnBrk="0" hangingPunct="1">
-              <a:defRPr sz="1800" kern="1200">
-                <a:solidFill>
-                  <a:schemeClr val="lt1"/>
-                </a:solidFill>
-                <a:latin typeface="+mn-lt"/>
-                <a:ea typeface="+mn-ea"/>
-                <a:cs typeface="+mn-cs"/>
-              </a:defRPr>
-            </a:lvl3pPr>
-            <a:lvl4pPr marL="1371600" algn="l" defTabSz="914400" rtl="0" eaLnBrk="1" latinLnBrk="0" hangingPunct="1">
-              <a:defRPr sz="1800" kern="1200">
-                <a:solidFill>
-                  <a:schemeClr val="lt1"/>
-                </a:solidFill>
-                <a:latin typeface="+mn-lt"/>
-                <a:ea typeface="+mn-ea"/>
-                <a:cs typeface="+mn-cs"/>
-              </a:defRPr>
-            </a:lvl4pPr>
-            <a:lvl5pPr marL="1828800" algn="l" defTabSz="914400" rtl="0" eaLnBrk="1" latinLnBrk="0" hangingPunct="1">
-              <a:defRPr sz="1800" kern="1200">
-                <a:solidFill>
-                  <a:schemeClr val="lt1"/>
-                </a:solidFill>
-                <a:latin typeface="+mn-lt"/>
-                <a:ea typeface="+mn-ea"/>
-                <a:cs typeface="+mn-cs"/>
-              </a:defRPr>
-            </a:lvl5pPr>
-            <a:lvl6pPr marL="2286000" algn="l" defTabSz="914400" rtl="0" eaLnBrk="1" latinLnBrk="0" hangingPunct="1">
-              <a:defRPr sz="1800" kern="1200">
-                <a:solidFill>
-                  <a:schemeClr val="lt1"/>
-                </a:solidFill>
-                <a:latin typeface="+mn-lt"/>
-                <a:ea typeface="+mn-ea"/>
-                <a:cs typeface="+mn-cs"/>
-              </a:defRPr>
-            </a:lvl6pPr>
-            <a:lvl7pPr marL="2743200" algn="l" defTabSz="914400" rtl="0" eaLnBrk="1" latinLnBrk="0" hangingPunct="1">
-              <a:defRPr sz="1800" kern="1200">
-                <a:solidFill>
-                  <a:schemeClr val="lt1"/>
-                </a:solidFill>
-                <a:latin typeface="+mn-lt"/>
-                <a:ea typeface="+mn-ea"/>
-                <a:cs typeface="+mn-cs"/>
-              </a:defRPr>
-            </a:lvl7pPr>
-            <a:lvl8pPr marL="3200400" algn="l" defTabSz="914400" rtl="0" eaLnBrk="1" latinLnBrk="0" hangingPunct="1">
-              <a:defRPr sz="1800" kern="1200">
-                <a:solidFill>
-                  <a:schemeClr val="lt1"/>
-                </a:solidFill>
-                <a:latin typeface="+mn-lt"/>
-                <a:ea typeface="+mn-ea"/>
-                <a:cs typeface="+mn-cs"/>
-              </a:defRPr>
-            </a:lvl8pPr>
-            <a:lvl9pPr marL="3657600" algn="l" defTabSz="914400" rtl="0" eaLnBrk="1" latinLnBrk="0" hangingPunct="1">
-              <a:defRPr sz="1800" kern="1200">
-                <a:solidFill>
-                  <a:schemeClr val="lt1"/>
-                </a:solidFill>
-                <a:latin typeface="+mn-lt"/>
-                <a:ea typeface="+mn-ea"/>
-                <a:cs typeface="+mn-cs"/>
-              </a:defRPr>
-            </a:lvl9pPr>
-          </a:lstStyle>
-          <a:p>
-            <a:pPr algn="ctr"/>
-            <a:endParaRPr lang="zh-CN" altLang="en-US">
-              <a:cs typeface="汉仪旗黑-55简" panose="00020600040101010101" charset="-128"/>
-            </a:endParaRPr>
-          </a:p>
-        </p:txBody>
-      </p:sp>
-      <p:sp>
-        <p:nvSpPr>
-          <p:cNvPr id="11" name="任意多边形 10"/>
-          <p:cNvSpPr/>
-          <p:nvPr/>
-        </p:nvSpPr>
-        <p:spPr>
-          <a:xfrm>
-            <a:off x="0" y="0"/>
-            <a:ext cx="5428615" cy="3501390"/>
-          </a:xfrm>
-          <a:custGeom>
-            <a:avLst/>
-            <a:gdLst>
-              <a:gd name="connsiteX0" fmla="*/ 0 w 8331"/>
-              <a:gd name="connsiteY0" fmla="*/ 3663 h 5372"/>
-              <a:gd name="connsiteX1" fmla="*/ 92 w 8331"/>
-              <a:gd name="connsiteY1" fmla="*/ 3603 h 5372"/>
-              <a:gd name="connsiteX2" fmla="*/ 810 w 8331"/>
-              <a:gd name="connsiteY2" fmla="*/ 3448 h 5372"/>
-              <a:gd name="connsiteX3" fmla="*/ 1055 w 8331"/>
-              <a:gd name="connsiteY3" fmla="*/ 3516 h 5372"/>
-              <a:gd name="connsiteX4" fmla="*/ 1765 w 8331"/>
-              <a:gd name="connsiteY4" fmla="*/ 4373 h 5372"/>
-              <a:gd name="connsiteX5" fmla="*/ 2976 w 8331"/>
-              <a:gd name="connsiteY5" fmla="*/ 5372 h 5372"/>
-              <a:gd name="connsiteX6" fmla="*/ 2998 w 8331"/>
-              <a:gd name="connsiteY6" fmla="*/ 5371 h 5372"/>
-              <a:gd name="connsiteX7" fmla="*/ 3019 w 8331"/>
-              <a:gd name="connsiteY7" fmla="*/ 5370 h 5372"/>
-              <a:gd name="connsiteX8" fmla="*/ 3040 w 8331"/>
-              <a:gd name="connsiteY8" fmla="*/ 5368 h 5372"/>
-              <a:gd name="connsiteX9" fmla="*/ 3070 w 8331"/>
-              <a:gd name="connsiteY9" fmla="*/ 5369 h 5372"/>
-              <a:gd name="connsiteX10" fmla="*/ 3100 w 8331"/>
-              <a:gd name="connsiteY10" fmla="*/ 5370 h 5372"/>
-              <a:gd name="connsiteX11" fmla="*/ 4064 w 8331"/>
-              <a:gd name="connsiteY11" fmla="*/ 4094 h 5372"/>
-              <a:gd name="connsiteX12" fmla="*/ 4151 w 8331"/>
-              <a:gd name="connsiteY12" fmla="*/ 3496 h 5372"/>
-              <a:gd name="connsiteX13" fmla="*/ 4230 w 8331"/>
-              <a:gd name="connsiteY13" fmla="*/ 3101 h 5372"/>
-              <a:gd name="connsiteX14" fmla="*/ 4455 w 8331"/>
-              <a:gd name="connsiteY14" fmla="*/ 2156 h 5372"/>
-              <a:gd name="connsiteX15" fmla="*/ 4528 w 8331"/>
-              <a:gd name="connsiteY15" fmla="*/ 1837 h 5372"/>
-              <a:gd name="connsiteX16" fmla="*/ 4540 w 8331"/>
-              <a:gd name="connsiteY16" fmla="*/ 1808 h 5372"/>
-              <a:gd name="connsiteX17" fmla="*/ 6452 w 8331"/>
-              <a:gd name="connsiteY17" fmla="*/ 360 h 5372"/>
-              <a:gd name="connsiteX18" fmla="*/ 6506 w 8331"/>
-              <a:gd name="connsiteY18" fmla="*/ 360 h 5372"/>
-              <a:gd name="connsiteX19" fmla="*/ 6561 w 8331"/>
-              <a:gd name="connsiteY19" fmla="*/ 362 h 5372"/>
-              <a:gd name="connsiteX20" fmla="*/ 6616 w 8331"/>
-              <a:gd name="connsiteY20" fmla="*/ 365 h 5372"/>
-              <a:gd name="connsiteX21" fmla="*/ 6672 w 8331"/>
-              <a:gd name="connsiteY21" fmla="*/ 369 h 5372"/>
-              <a:gd name="connsiteX22" fmla="*/ 6679 w 8331"/>
-              <a:gd name="connsiteY22" fmla="*/ 369 h 5372"/>
-              <a:gd name="connsiteX23" fmla="*/ 7062 w 8331"/>
-              <a:gd name="connsiteY23" fmla="*/ 377 h 5372"/>
-              <a:gd name="connsiteX24" fmla="*/ 7089 w 8331"/>
-              <a:gd name="connsiteY24" fmla="*/ 378 h 5372"/>
-              <a:gd name="connsiteX25" fmla="*/ 7422 w 8331"/>
-              <a:gd name="connsiteY25" fmla="*/ 384 h 5372"/>
-              <a:gd name="connsiteX26" fmla="*/ 7440 w 8331"/>
-              <a:gd name="connsiteY26" fmla="*/ 384 h 5372"/>
-              <a:gd name="connsiteX27" fmla="*/ 7474 w 8331"/>
-              <a:gd name="connsiteY27" fmla="*/ 384 h 5372"/>
-              <a:gd name="connsiteX28" fmla="*/ 8331 w 8331"/>
-              <a:gd name="connsiteY28" fmla="*/ 55 h 5372"/>
-              <a:gd name="connsiteX29" fmla="*/ 8331 w 8331"/>
-              <a:gd name="connsiteY29" fmla="*/ 49 h 5372"/>
-              <a:gd name="connsiteX30" fmla="*/ 8330 w 8331"/>
-              <a:gd name="connsiteY30" fmla="*/ 44 h 5372"/>
-              <a:gd name="connsiteX31" fmla="*/ 8329 w 8331"/>
-              <a:gd name="connsiteY31" fmla="*/ 38 h 5372"/>
-              <a:gd name="connsiteX32" fmla="*/ 8328 w 8331"/>
-              <a:gd name="connsiteY32" fmla="*/ 33 h 5372"/>
-              <a:gd name="connsiteX33" fmla="*/ 8328 w 8331"/>
-              <a:gd name="connsiteY33" fmla="*/ 25 h 5372"/>
-              <a:gd name="connsiteX34" fmla="*/ 8328 w 8331"/>
-              <a:gd name="connsiteY34" fmla="*/ 17 h 5372"/>
-              <a:gd name="connsiteX35" fmla="*/ 8327 w 8331"/>
-              <a:gd name="connsiteY35" fmla="*/ 9 h 5372"/>
-              <a:gd name="connsiteX36" fmla="*/ 8326 w 8331"/>
-              <a:gd name="connsiteY36" fmla="*/ 1 h 5372"/>
-              <a:gd name="connsiteX37" fmla="*/ 8326 w 8331"/>
-              <a:gd name="connsiteY37" fmla="*/ 0 h 5372"/>
-              <a:gd name="connsiteX38" fmla="*/ 0 w 8331"/>
-              <a:gd name="connsiteY38" fmla="*/ 0 h 5372"/>
-              <a:gd name="connsiteX39" fmla="*/ 0 w 8331"/>
-              <a:gd name="connsiteY39" fmla="*/ 3663 h 5372"/>
-            </a:gdLst>
-            <a:ahLst/>
-            <a:cxnLst>
-              <a:cxn ang="0">
-                <a:pos x="connsiteX0" y="connsiteY0"/>
-              </a:cxn>
-              <a:cxn ang="0">
-                <a:pos x="connsiteX1" y="connsiteY1"/>
-              </a:cxn>
-              <a:cxn ang="0">
-                <a:pos x="connsiteX2" y="connsiteY2"/>
-              </a:cxn>
-              <a:cxn ang="0">
-                <a:pos x="connsiteX3" y="connsiteY3"/>
-              </a:cxn>
-              <a:cxn ang="0">
-                <a:pos x="connsiteX4" y="connsiteY4"/>
-              </a:cxn>
-              <a:cxn ang="0">
-                <a:pos x="connsiteX5" y="connsiteY5"/>
-              </a:cxn>
-              <a:cxn ang="0">
-                <a:pos x="connsiteX6" y="connsiteY6"/>
-              </a:cxn>
-              <a:cxn ang="0">
-                <a:pos x="connsiteX7" y="connsiteY7"/>
-              </a:cxn>
-              <a:cxn ang="0">
-                <a:pos x="connsiteX8" y="connsiteY8"/>
-              </a:cxn>
-              <a:cxn ang="0">
-                <a:pos x="connsiteX9" y="connsiteY9"/>
-              </a:cxn>
-              <a:cxn ang="0">
-                <a:pos x="connsiteX10" y="connsiteY10"/>
-              </a:cxn>
-              <a:cxn ang="0">
-                <a:pos x="connsiteX11" y="connsiteY11"/>
-              </a:cxn>
-              <a:cxn ang="0">
-                <a:pos x="connsiteX12" y="connsiteY12"/>
-              </a:cxn>
-              <a:cxn ang="0">
-                <a:pos x="connsiteX13" y="connsiteY13"/>
-              </a:cxn>
-              <a:cxn ang="0">
-                <a:pos x="connsiteX14" y="connsiteY14"/>
-              </a:cxn>
-              <a:cxn ang="0">
-                <a:pos x="connsiteX15" y="connsiteY15"/>
-              </a:cxn>
-              <a:cxn ang="0">
-                <a:pos x="connsiteX16" y="connsiteY16"/>
-              </a:cxn>
-              <a:cxn ang="0">
-                <a:pos x="connsiteX17" y="connsiteY17"/>
-              </a:cxn>
-              <a:cxn ang="0">
-                <a:pos x="connsiteX18" y="connsiteY18"/>
-              </a:cxn>
-              <a:cxn ang="0">
-                <a:pos x="connsiteX19" y="connsiteY19"/>
-              </a:cxn>
-              <a:cxn ang="0">
-                <a:pos x="connsiteX20" y="connsiteY20"/>
-              </a:cxn>
-              <a:cxn ang="0">
-                <a:pos x="connsiteX21" y="connsiteY21"/>
-              </a:cxn>
-              <a:cxn ang="0">
-                <a:pos x="connsiteX22" y="connsiteY22"/>
-              </a:cxn>
-              <a:cxn ang="0">
-                <a:pos x="connsiteX23" y="connsiteY23"/>
-              </a:cxn>
-              <a:cxn ang="0">
-                <a:pos x="connsiteX24" y="connsiteY24"/>
-              </a:cxn>
-              <a:cxn ang="0">
-                <a:pos x="connsiteX25" y="connsiteY25"/>
-              </a:cxn>
-              <a:cxn ang="0">
-                <a:pos x="connsiteX26" y="connsiteY26"/>
-              </a:cxn>
-              <a:cxn ang="0">
-                <a:pos x="connsiteX27" y="connsiteY27"/>
-              </a:cxn>
-              <a:cxn ang="0">
-                <a:pos x="connsiteX28" y="connsiteY28"/>
-              </a:cxn>
-              <a:cxn ang="0">
-                <a:pos x="connsiteX29" y="connsiteY29"/>
-              </a:cxn>
-              <a:cxn ang="0">
-                <a:pos x="connsiteX30" y="connsiteY30"/>
-              </a:cxn>
-              <a:cxn ang="0">
-                <a:pos x="connsiteX31" y="connsiteY31"/>
-              </a:cxn>
-              <a:cxn ang="0">
-                <a:pos x="connsiteX32" y="connsiteY32"/>
-              </a:cxn>
-              <a:cxn ang="0">
-                <a:pos x="connsiteX33" y="connsiteY33"/>
-              </a:cxn>
-              <a:cxn ang="0">
-                <a:pos x="connsiteX34" y="connsiteY34"/>
-              </a:cxn>
-              <a:cxn ang="0">
-                <a:pos x="connsiteX35" y="connsiteY35"/>
-              </a:cxn>
-              <a:cxn ang="0">
-                <a:pos x="connsiteX36" y="connsiteY36"/>
-              </a:cxn>
-              <a:cxn ang="0">
-                <a:pos x="connsiteX37" y="connsiteY37"/>
-              </a:cxn>
-              <a:cxn ang="0">
-                <a:pos x="connsiteX38" y="connsiteY38"/>
-              </a:cxn>
-              <a:cxn ang="0">
-                <a:pos x="connsiteX39" y="connsiteY39"/>
-              </a:cxn>
-            </a:cxnLst>
-            <a:rect l="l" t="t" r="r" b="b"/>
-            <a:pathLst>
-              <a:path w="8331" h="5373">
-                <a:moveTo>
-                  <a:pt x="0" y="3663"/>
-                </a:moveTo>
-                <a:cubicBezTo>
-                  <a:pt x="28" y="3645"/>
-                  <a:pt x="91" y="3603"/>
-                  <a:pt x="92" y="3603"/>
-                </a:cubicBezTo>
-                <a:cubicBezTo>
-                  <a:pt x="412" y="3406"/>
-                  <a:pt x="810" y="3448"/>
-                  <a:pt x="810" y="3448"/>
-                </a:cubicBezTo>
-                <a:cubicBezTo>
-                  <a:pt x="892" y="3471"/>
-                  <a:pt x="945" y="3464"/>
-                  <a:pt x="1055" y="3516"/>
-                </a:cubicBezTo>
-                <a:cubicBezTo>
-                  <a:pt x="1207" y="3594"/>
-                  <a:pt x="1487" y="3755"/>
-                  <a:pt x="1765" y="4373"/>
-                </a:cubicBezTo>
-                <a:cubicBezTo>
-                  <a:pt x="2018" y="5005"/>
-                  <a:pt x="2598" y="5389"/>
-                  <a:pt x="2976" y="5372"/>
-                </a:cubicBezTo>
-                <a:lnTo>
-                  <a:pt x="2998" y="5371"/>
-                </a:lnTo>
-                <a:lnTo>
-                  <a:pt x="3019" y="5370"/>
-                </a:lnTo>
-                <a:lnTo>
-                  <a:pt x="3040" y="5368"/>
-                </a:lnTo>
-                <a:lnTo>
-                  <a:pt x="3070" y="5369"/>
-                </a:lnTo>
-                <a:lnTo>
-                  <a:pt x="3100" y="5370"/>
-                </a:lnTo>
-                <a:cubicBezTo>
-                  <a:pt x="3702" y="5386"/>
-                  <a:pt x="3971" y="4511"/>
-                  <a:pt x="4064" y="4094"/>
-                </a:cubicBezTo>
-                <a:cubicBezTo>
-                  <a:pt x="4131" y="3763"/>
-                  <a:pt x="4122" y="3695"/>
-                  <a:pt x="4151" y="3496"/>
-                </a:cubicBezTo>
-                <a:lnTo>
-                  <a:pt x="4230" y="3101"/>
-                </a:lnTo>
-                <a:cubicBezTo>
-                  <a:pt x="4312" y="2650"/>
-                  <a:pt x="4345" y="2612"/>
-                  <a:pt x="4455" y="2156"/>
-                </a:cubicBezTo>
-                <a:cubicBezTo>
-                  <a:pt x="4499" y="2002"/>
-                  <a:pt x="4502" y="1897"/>
-                  <a:pt x="4528" y="1837"/>
-                </a:cubicBezTo>
-                <a:cubicBezTo>
-                  <a:pt x="4533" y="1825"/>
-                  <a:pt x="4539" y="1811"/>
-                  <a:pt x="4540" y="1808"/>
-                </a:cubicBezTo>
-                <a:cubicBezTo>
-                  <a:pt x="4693" y="1089"/>
-                  <a:pt x="5488" y="341"/>
-                  <a:pt x="6452" y="360"/>
-                </a:cubicBezTo>
-                <a:lnTo>
-                  <a:pt x="6506" y="360"/>
-                </a:lnTo>
-                <a:lnTo>
-                  <a:pt x="6561" y="362"/>
-                </a:lnTo>
-                <a:lnTo>
-                  <a:pt x="6616" y="365"/>
-                </a:lnTo>
-                <a:lnTo>
-                  <a:pt x="6672" y="369"/>
-                </a:lnTo>
-                <a:lnTo>
-                  <a:pt x="6679" y="369"/>
-                </a:lnTo>
-                <a:cubicBezTo>
-                  <a:pt x="6800" y="369"/>
-                  <a:pt x="6990" y="375"/>
-                  <a:pt x="7062" y="377"/>
-                </a:cubicBezTo>
-                <a:cubicBezTo>
-                  <a:pt x="7073" y="377"/>
-                  <a:pt x="7087" y="377"/>
-                  <a:pt x="7089" y="378"/>
-                </a:cubicBezTo>
-                <a:cubicBezTo>
-                  <a:pt x="7198" y="381"/>
-                  <a:pt x="7367" y="384"/>
-                  <a:pt x="7422" y="384"/>
-                </a:cubicBezTo>
-                <a:cubicBezTo>
-                  <a:pt x="7430" y="384"/>
-                  <a:pt x="7439" y="384"/>
-                  <a:pt x="7440" y="384"/>
-                </a:cubicBezTo>
-                <a:lnTo>
-                  <a:pt x="7474" y="384"/>
-                </a:lnTo>
-                <a:cubicBezTo>
-                  <a:pt x="8145" y="384"/>
-                  <a:pt x="8339" y="157"/>
-                  <a:pt x="8331" y="55"/>
-                </a:cubicBezTo>
-                <a:lnTo>
-                  <a:pt x="8331" y="49"/>
-                </a:lnTo>
-                <a:lnTo>
-                  <a:pt x="8330" y="44"/>
-                </a:lnTo>
-                <a:lnTo>
-                  <a:pt x="8329" y="38"/>
-                </a:lnTo>
-                <a:lnTo>
-                  <a:pt x="8328" y="33"/>
-                </a:lnTo>
-                <a:lnTo>
-                  <a:pt x="8328" y="25"/>
-                </a:lnTo>
-                <a:lnTo>
-                  <a:pt x="8328" y="17"/>
-                </a:lnTo>
-                <a:lnTo>
-                  <a:pt x="8327" y="9"/>
-                </a:lnTo>
-                <a:lnTo>
-                  <a:pt x="8326" y="1"/>
-                </a:lnTo>
-                <a:lnTo>
-                  <a:pt x="8326" y="0"/>
-                </a:lnTo>
-                <a:lnTo>
-                  <a:pt x="0" y="0"/>
-                </a:lnTo>
-                <a:lnTo>
-                  <a:pt x="0" y="3663"/>
-                </a:lnTo>
-                <a:close/>
-              </a:path>
-            </a:pathLst>
-          </a:custGeom>
-          <a:solidFill>
-            <a:srgbClr val="2F4275"/>
-          </a:solidFill>
-          <a:ln>
-            <a:noFill/>
-          </a:ln>
-        </p:spPr>
-        <p:style>
-          <a:lnRef idx="2">
-            <a:schemeClr val="accent1">
-              <a:shade val="50000"/>
-            </a:schemeClr>
-          </a:lnRef>
-          <a:fillRef idx="1">
-            <a:schemeClr val="accent1"/>
-          </a:fillRef>
-          <a:effectRef idx="0">
-            <a:schemeClr val="accent1"/>
-          </a:effectRef>
-          <a:fontRef idx="minor">
-            <a:schemeClr val="lt1"/>
-          </a:fontRef>
-        </p:style>
-        <p:txBody>
-          <a:bodyPr wrap="square" rtlCol="0" anchor="ctr">
-            <a:noAutofit/>
-          </a:bodyPr>
-          <a:lstStyle>
-            <a:defPPr>
-              <a:defRPr lang="zh-CN">
-                <a:solidFill>
-                  <a:schemeClr val="lt1"/>
-                </a:solidFill>
-              </a:defRPr>
-            </a:defPPr>
-            <a:lvl1pPr marL="0" algn="l" defTabSz="914400" rtl="0" eaLnBrk="1" latinLnBrk="0" hangingPunct="1">
-              <a:defRPr sz="1800" kern="1200">
-                <a:solidFill>
-                  <a:schemeClr val="lt1"/>
-                </a:solidFill>
-                <a:latin typeface="+mn-lt"/>
-                <a:ea typeface="+mn-ea"/>
-                <a:cs typeface="+mn-cs"/>
-              </a:defRPr>
-            </a:lvl1pPr>
-            <a:lvl2pPr marL="457200" algn="l" defTabSz="914400" rtl="0" eaLnBrk="1" latinLnBrk="0" hangingPunct="1">
-              <a:defRPr sz="1800" kern="1200">
-                <a:solidFill>
-                  <a:schemeClr val="lt1"/>
-                </a:solidFill>
-                <a:latin typeface="+mn-lt"/>
-                <a:ea typeface="+mn-ea"/>
-                <a:cs typeface="+mn-cs"/>
-              </a:defRPr>
-            </a:lvl2pPr>
-            <a:lvl3pPr marL="914400" algn="l" defTabSz="914400" rtl="0" eaLnBrk="1" latinLnBrk="0" hangingPunct="1">
-              <a:defRPr sz="1800" kern="1200">
-                <a:solidFill>
-                  <a:schemeClr val="lt1"/>
-                </a:solidFill>
-                <a:latin typeface="+mn-lt"/>
-                <a:ea typeface="+mn-ea"/>
-                <a:cs typeface="+mn-cs"/>
-              </a:defRPr>
-            </a:lvl3pPr>
-            <a:lvl4pPr marL="1371600" algn="l" defTabSz="914400" rtl="0" eaLnBrk="1" latinLnBrk="0" hangingPunct="1">
-              <a:defRPr sz="1800" kern="1200">
-                <a:solidFill>
-                  <a:schemeClr val="lt1"/>
-                </a:solidFill>
-                <a:latin typeface="+mn-lt"/>
-                <a:ea typeface="+mn-ea"/>
-                <a:cs typeface="+mn-cs"/>
-              </a:defRPr>
-            </a:lvl4pPr>
-            <a:lvl5pPr marL="1828800" algn="l" defTabSz="914400" rtl="0" eaLnBrk="1" latinLnBrk="0" hangingPunct="1">
-              <a:defRPr sz="1800" kern="1200">
-                <a:solidFill>
-                  <a:schemeClr val="lt1"/>
-                </a:solidFill>
-                <a:latin typeface="+mn-lt"/>
-                <a:ea typeface="+mn-ea"/>
-                <a:cs typeface="+mn-cs"/>
-              </a:defRPr>
-            </a:lvl5pPr>
-            <a:lvl6pPr marL="2286000" algn="l" defTabSz="914400" rtl="0" eaLnBrk="1" latinLnBrk="0" hangingPunct="1">
-              <a:defRPr sz="1800" kern="1200">
-                <a:solidFill>
-                  <a:schemeClr val="lt1"/>
-                </a:solidFill>
-                <a:latin typeface="+mn-lt"/>
-                <a:ea typeface="+mn-ea"/>
-                <a:cs typeface="+mn-cs"/>
-              </a:defRPr>
-            </a:lvl6pPr>
-            <a:lvl7pPr marL="2743200" algn="l" defTabSz="914400" rtl="0" eaLnBrk="1" latinLnBrk="0" hangingPunct="1">
-              <a:defRPr sz="1800" kern="1200">
-                <a:solidFill>
-                  <a:schemeClr val="lt1"/>
-                </a:solidFill>
-                <a:latin typeface="+mn-lt"/>
-                <a:ea typeface="+mn-ea"/>
-                <a:cs typeface="+mn-cs"/>
-              </a:defRPr>
-            </a:lvl7pPr>
-            <a:lvl8pPr marL="3200400" algn="l" defTabSz="914400" rtl="0" eaLnBrk="1" latinLnBrk="0" hangingPunct="1">
-              <a:defRPr sz="1800" kern="1200">
-                <a:solidFill>
-                  <a:schemeClr val="lt1"/>
-                </a:solidFill>
-                <a:latin typeface="+mn-lt"/>
-                <a:ea typeface="+mn-ea"/>
-                <a:cs typeface="+mn-cs"/>
-              </a:defRPr>
-            </a:lvl8pPr>
-            <a:lvl9pPr marL="3657600" algn="l" defTabSz="914400" rtl="0" eaLnBrk="1" latinLnBrk="0" hangingPunct="1">
-              <a:defRPr sz="1800" kern="1200">
-                <a:solidFill>
-                  <a:schemeClr val="lt1"/>
-                </a:solidFill>
-                <a:latin typeface="+mn-lt"/>
-                <a:ea typeface="+mn-ea"/>
-                <a:cs typeface="+mn-cs"/>
-              </a:defRPr>
-            </a:lvl9pPr>
-          </a:lstStyle>
-          <a:p>
-            <a:pPr algn="ctr"/>
-            <a:endParaRPr lang="zh-CN" altLang="en-US">
-              <a:cs typeface="汉仪旗黑-55简" panose="00020600040101010101" charset="-128"/>
-            </a:endParaRPr>
-          </a:p>
-        </p:txBody>
-      </p:sp>
-      <p:sp>
-        <p:nvSpPr>
-          <p:cNvPr id="32" name="任意多边形 31"/>
-          <p:cNvSpPr/>
-          <p:nvPr/>
-        </p:nvSpPr>
-        <p:spPr>
-          <a:xfrm flipH="1">
-            <a:off x="9263380" y="5890260"/>
-            <a:ext cx="2894965" cy="967740"/>
-          </a:xfrm>
-          <a:custGeom>
-            <a:avLst/>
-            <a:gdLst/>
-            <a:ahLst/>
-            <a:cxnLst>
-              <a:cxn ang="3">
-                <a:pos x="hc" y="t"/>
-              </a:cxn>
-              <a:cxn ang="cd2">
-                <a:pos x="l" y="vc"/>
-              </a:cxn>
-              <a:cxn ang="cd4">
-                <a:pos x="hc" y="b"/>
-              </a:cxn>
-              <a:cxn ang="0">
-                <a:pos x="r" y="vc"/>
-              </a:cxn>
-            </a:cxnLst>
-            <a:rect l="l" t="t" r="r" b="b"/>
-            <a:pathLst>
-              <a:path w="5463" h="1828">
-                <a:moveTo>
-                  <a:pt x="0" y="1826"/>
-                </a:moveTo>
-                <a:cubicBezTo>
-                  <a:pt x="67" y="1515"/>
-                  <a:pt x="444" y="952"/>
-                  <a:pt x="1100" y="592"/>
-                </a:cubicBezTo>
-                <a:cubicBezTo>
-                  <a:pt x="1617" y="286"/>
-                  <a:pt x="2203" y="-11"/>
-                  <a:pt x="2803" y="0"/>
-                </a:cubicBezTo>
-                <a:cubicBezTo>
-                  <a:pt x="4009" y="-45"/>
-                  <a:pt x="5024" y="827"/>
-                  <a:pt x="5463" y="1826"/>
-                </a:cubicBezTo>
-                <a:lnTo>
-                  <a:pt x="0" y="1826"/>
-                </a:lnTo>
-                <a:close/>
-              </a:path>
-            </a:pathLst>
-          </a:custGeom>
-          <a:solidFill>
-            <a:schemeClr val="tx1">
-              <a:lumMod val="85000"/>
-              <a:lumOff val="15000"/>
-            </a:schemeClr>
-          </a:solidFill>
-          <a:ln>
-            <a:noFill/>
-          </a:ln>
-        </p:spPr>
-        <p:style>
-          <a:lnRef idx="2">
-            <a:schemeClr val="accent1">
-              <a:shade val="50000"/>
-            </a:schemeClr>
-          </a:lnRef>
-          <a:fillRef idx="1">
-            <a:schemeClr val="accent1"/>
-          </a:fillRef>
-          <a:effectRef idx="0">
-            <a:schemeClr val="accent1"/>
-          </a:effectRef>
-          <a:fontRef idx="minor">
-            <a:schemeClr val="lt1"/>
-          </a:fontRef>
-        </p:style>
-        <p:txBody>
-          <a:bodyPr wrap="square" rtlCol="0" anchor="ctr">
-            <a:noAutofit/>
-          </a:bodyPr>
-          <a:lstStyle>
-            <a:defPPr>
-              <a:defRPr lang="zh-CN">
-                <a:solidFill>
-                  <a:schemeClr val="lt1"/>
-                </a:solidFill>
-              </a:defRPr>
-            </a:defPPr>
-            <a:lvl1pPr marL="0" algn="l" defTabSz="914400" rtl="0" eaLnBrk="1" latinLnBrk="0" hangingPunct="1">
-              <a:defRPr sz="1800" kern="1200">
-                <a:solidFill>
-                  <a:schemeClr val="lt1"/>
-                </a:solidFill>
-                <a:latin typeface="+mn-lt"/>
-                <a:ea typeface="+mn-ea"/>
-                <a:cs typeface="+mn-cs"/>
-              </a:defRPr>
-            </a:lvl1pPr>
-            <a:lvl2pPr marL="457200" algn="l" defTabSz="914400" rtl="0" eaLnBrk="1" latinLnBrk="0" hangingPunct="1">
-              <a:defRPr sz="1800" kern="1200">
-                <a:solidFill>
-                  <a:schemeClr val="lt1"/>
-                </a:solidFill>
-                <a:latin typeface="+mn-lt"/>
-                <a:ea typeface="+mn-ea"/>
-                <a:cs typeface="+mn-cs"/>
-              </a:defRPr>
-            </a:lvl2pPr>
-            <a:lvl3pPr marL="914400" algn="l" defTabSz="914400" rtl="0" eaLnBrk="1" latinLnBrk="0" hangingPunct="1">
-              <a:defRPr sz="1800" kern="1200">
-                <a:solidFill>
-                  <a:schemeClr val="lt1"/>
-                </a:solidFill>
-                <a:latin typeface="+mn-lt"/>
-                <a:ea typeface="+mn-ea"/>
-                <a:cs typeface="+mn-cs"/>
-              </a:defRPr>
-            </a:lvl3pPr>
-            <a:lvl4pPr marL="1371600" algn="l" defTabSz="914400" rtl="0" eaLnBrk="1" latinLnBrk="0" hangingPunct="1">
-              <a:defRPr sz="1800" kern="1200">
-                <a:solidFill>
-                  <a:schemeClr val="lt1"/>
-                </a:solidFill>
-                <a:latin typeface="+mn-lt"/>
-                <a:ea typeface="+mn-ea"/>
-                <a:cs typeface="+mn-cs"/>
-              </a:defRPr>
-            </a:lvl4pPr>
-            <a:lvl5pPr marL="1828800" algn="l" defTabSz="914400" rtl="0" eaLnBrk="1" latinLnBrk="0" hangingPunct="1">
-              <a:defRPr sz="1800" kern="1200">
-                <a:solidFill>
-                  <a:schemeClr val="lt1"/>
-                </a:solidFill>
-                <a:latin typeface="+mn-lt"/>
-                <a:ea typeface="+mn-ea"/>
-                <a:cs typeface="+mn-cs"/>
-              </a:defRPr>
-            </a:lvl5pPr>
-            <a:lvl6pPr marL="2286000" algn="l" defTabSz="914400" rtl="0" eaLnBrk="1" latinLnBrk="0" hangingPunct="1">
-              <a:defRPr sz="1800" kern="1200">
-                <a:solidFill>
-                  <a:schemeClr val="lt1"/>
-                </a:solidFill>
-                <a:latin typeface="+mn-lt"/>
-                <a:ea typeface="+mn-ea"/>
-                <a:cs typeface="+mn-cs"/>
-              </a:defRPr>
-            </a:lvl6pPr>
-            <a:lvl7pPr marL="2743200" algn="l" defTabSz="914400" rtl="0" eaLnBrk="1" latinLnBrk="0" hangingPunct="1">
-              <a:defRPr sz="1800" kern="1200">
-                <a:solidFill>
-                  <a:schemeClr val="lt1"/>
-                </a:solidFill>
-                <a:latin typeface="+mn-lt"/>
-                <a:ea typeface="+mn-ea"/>
-                <a:cs typeface="+mn-cs"/>
-              </a:defRPr>
-            </a:lvl7pPr>
-            <a:lvl8pPr marL="3200400" algn="l" defTabSz="914400" rtl="0" eaLnBrk="1" latinLnBrk="0" hangingPunct="1">
-              <a:defRPr sz="1800" kern="1200">
-                <a:solidFill>
-                  <a:schemeClr val="lt1"/>
-                </a:solidFill>
-                <a:latin typeface="+mn-lt"/>
-                <a:ea typeface="+mn-ea"/>
-                <a:cs typeface="+mn-cs"/>
-              </a:defRPr>
-            </a:lvl8pPr>
-            <a:lvl9pPr marL="3657600" algn="l" defTabSz="914400" rtl="0" eaLnBrk="1" latinLnBrk="0" hangingPunct="1">
-              <a:defRPr sz="1800" kern="1200">
-                <a:solidFill>
-                  <a:schemeClr val="lt1"/>
-                </a:solidFill>
-                <a:latin typeface="+mn-lt"/>
-                <a:ea typeface="+mn-ea"/>
-                <a:cs typeface="+mn-cs"/>
-              </a:defRPr>
-            </a:lvl9pPr>
-          </a:lstStyle>
-          <a:p>
-            <a:pPr algn="ctr"/>
-            <a:endParaRPr lang="zh-CN" altLang="en-US">
-              <a:cs typeface="汉仪旗黑-55简" panose="00020600040101010101" charset="-128"/>
-            </a:endParaRPr>
-          </a:p>
-        </p:txBody>
-      </p:sp>
-      <p:sp>
-        <p:nvSpPr>
-          <p:cNvPr id="77" name="任意多边形 76"/>
-          <p:cNvSpPr/>
-          <p:nvPr/>
-        </p:nvSpPr>
-        <p:spPr>
-          <a:xfrm>
-            <a:off x="8708801" y="4293644"/>
-            <a:ext cx="3483199" cy="2563721"/>
-          </a:xfrm>
-          <a:custGeom>
-            <a:avLst/>
-            <a:gdLst/>
-            <a:ahLst/>
-            <a:cxnLst>
-              <a:cxn ang="3">
-                <a:pos x="hc" y="t"/>
-              </a:cxn>
-              <a:cxn ang="cd2">
-                <a:pos x="l" y="vc"/>
-              </a:cxn>
-              <a:cxn ang="cd4">
-                <a:pos x="hc" y="b"/>
-              </a:cxn>
-              <a:cxn ang="0">
-                <a:pos x="r" y="vc"/>
-              </a:cxn>
-            </a:cxnLst>
-            <a:rect l="l" t="t" r="r" b="b"/>
-            <a:pathLst>
-              <a:path w="5485" h="4044">
-                <a:moveTo>
-                  <a:pt x="0" y="4037"/>
-                </a:moveTo>
-                <a:cubicBezTo>
-                  <a:pt x="532" y="1406"/>
-                  <a:pt x="3081" y="-124"/>
-                  <a:pt x="3559" y="0"/>
-                </a:cubicBezTo>
-                <a:lnTo>
-                  <a:pt x="3591" y="0"/>
-                </a:lnTo>
-                <a:lnTo>
-                  <a:pt x="3715" y="6"/>
-                </a:lnTo>
-                <a:lnTo>
-                  <a:pt x="3749" y="5"/>
-                </a:lnTo>
-                <a:lnTo>
-                  <a:pt x="3783" y="5"/>
-                </a:lnTo>
-                <a:cubicBezTo>
-                  <a:pt x="4501" y="-6"/>
-                  <a:pt x="5429" y="992"/>
-                  <a:pt x="5480" y="1519"/>
-                </a:cubicBezTo>
-                <a:lnTo>
-                  <a:pt x="5485" y="1541"/>
-                </a:lnTo>
-                <a:lnTo>
-                  <a:pt x="5485" y="4037"/>
-                </a:lnTo>
-                <a:lnTo>
-                  <a:pt x="0" y="4037"/>
-                </a:lnTo>
-                <a:close/>
-              </a:path>
-            </a:pathLst>
-          </a:custGeom>
-          <a:solidFill>
-            <a:schemeClr val="bg1">
-              <a:lumMod val="85000"/>
-            </a:schemeClr>
-          </a:solidFill>
-          <a:ln>
-            <a:noFill/>
-          </a:ln>
-        </p:spPr>
-        <p:style>
-          <a:lnRef idx="2">
-            <a:schemeClr val="accent1">
-              <a:shade val="50000"/>
-            </a:schemeClr>
-          </a:lnRef>
-          <a:fillRef idx="1">
-            <a:schemeClr val="accent1"/>
-          </a:fillRef>
-          <a:effectRef idx="0">
-            <a:schemeClr val="accent1"/>
-          </a:effectRef>
-          <a:fontRef idx="minor">
-            <a:schemeClr val="lt1"/>
-          </a:fontRef>
-        </p:style>
-        <p:txBody>
-          <a:bodyPr wrap="square" rtlCol="0" anchor="ctr">
-            <a:noAutofit/>
-          </a:bodyPr>
-          <a:lstStyle>
-            <a:defPPr>
-              <a:defRPr lang="zh-CN">
-                <a:solidFill>
-                  <a:schemeClr val="lt1"/>
-                </a:solidFill>
-              </a:defRPr>
-            </a:defPPr>
-            <a:lvl1pPr marL="0" algn="l" defTabSz="914400" rtl="0" eaLnBrk="1" latinLnBrk="0" hangingPunct="1">
-              <a:defRPr sz="1800" kern="1200">
-                <a:solidFill>
-                  <a:schemeClr val="lt1"/>
-                </a:solidFill>
-                <a:latin typeface="+mn-lt"/>
-                <a:ea typeface="+mn-ea"/>
-                <a:cs typeface="+mn-cs"/>
-              </a:defRPr>
-            </a:lvl1pPr>
-            <a:lvl2pPr marL="457200" algn="l" defTabSz="914400" rtl="0" eaLnBrk="1" latinLnBrk="0" hangingPunct="1">
-              <a:defRPr sz="1800" kern="1200">
-                <a:solidFill>
-                  <a:schemeClr val="lt1"/>
-                </a:solidFill>
-                <a:latin typeface="+mn-lt"/>
-                <a:ea typeface="+mn-ea"/>
-                <a:cs typeface="+mn-cs"/>
-              </a:defRPr>
-            </a:lvl2pPr>
-            <a:lvl3pPr marL="914400" algn="l" defTabSz="914400" rtl="0" eaLnBrk="1" latinLnBrk="0" hangingPunct="1">
-              <a:defRPr sz="1800" kern="1200">
-                <a:solidFill>
-                  <a:schemeClr val="lt1"/>
-                </a:solidFill>
-                <a:latin typeface="+mn-lt"/>
-                <a:ea typeface="+mn-ea"/>
-                <a:cs typeface="+mn-cs"/>
-              </a:defRPr>
-            </a:lvl3pPr>
-            <a:lvl4pPr marL="1371600" algn="l" defTabSz="914400" rtl="0" eaLnBrk="1" latinLnBrk="0" hangingPunct="1">
-              <a:defRPr sz="1800" kern="1200">
-                <a:solidFill>
-                  <a:schemeClr val="lt1"/>
-                </a:solidFill>
-                <a:latin typeface="+mn-lt"/>
-                <a:ea typeface="+mn-ea"/>
-                <a:cs typeface="+mn-cs"/>
-              </a:defRPr>
-            </a:lvl4pPr>
-            <a:lvl5pPr marL="1828800" algn="l" defTabSz="914400" rtl="0" eaLnBrk="1" latinLnBrk="0" hangingPunct="1">
-              <a:defRPr sz="1800" kern="1200">
-                <a:solidFill>
-                  <a:schemeClr val="lt1"/>
-                </a:solidFill>
-                <a:latin typeface="+mn-lt"/>
-                <a:ea typeface="+mn-ea"/>
-                <a:cs typeface="+mn-cs"/>
-              </a:defRPr>
-            </a:lvl5pPr>
-            <a:lvl6pPr marL="2286000" algn="l" defTabSz="914400" rtl="0" eaLnBrk="1" latinLnBrk="0" hangingPunct="1">
-              <a:defRPr sz="1800" kern="1200">
-                <a:solidFill>
-                  <a:schemeClr val="lt1"/>
-                </a:solidFill>
-                <a:latin typeface="+mn-lt"/>
-                <a:ea typeface="+mn-ea"/>
-                <a:cs typeface="+mn-cs"/>
-              </a:defRPr>
-            </a:lvl6pPr>
-            <a:lvl7pPr marL="2743200" algn="l" defTabSz="914400" rtl="0" eaLnBrk="1" latinLnBrk="0" hangingPunct="1">
-              <a:defRPr sz="1800" kern="1200">
-                <a:solidFill>
-                  <a:schemeClr val="lt1"/>
-                </a:solidFill>
-                <a:latin typeface="+mn-lt"/>
-                <a:ea typeface="+mn-ea"/>
-                <a:cs typeface="+mn-cs"/>
-              </a:defRPr>
-            </a:lvl7pPr>
-            <a:lvl8pPr marL="3200400" algn="l" defTabSz="914400" rtl="0" eaLnBrk="1" latinLnBrk="0" hangingPunct="1">
-              <a:defRPr sz="1800" kern="1200">
-                <a:solidFill>
-                  <a:schemeClr val="lt1"/>
-                </a:solidFill>
-                <a:latin typeface="+mn-lt"/>
-                <a:ea typeface="+mn-ea"/>
-                <a:cs typeface="+mn-cs"/>
-              </a:defRPr>
-            </a:lvl8pPr>
-            <a:lvl9pPr marL="3657600" algn="l" defTabSz="914400" rtl="0" eaLnBrk="1" latinLnBrk="0" hangingPunct="1">
-              <a:defRPr sz="1800" kern="1200">
-                <a:solidFill>
-                  <a:schemeClr val="lt1"/>
-                </a:solidFill>
-                <a:latin typeface="+mn-lt"/>
-                <a:ea typeface="+mn-ea"/>
-                <a:cs typeface="+mn-cs"/>
-              </a:defRPr>
-            </a:lvl9pPr>
-          </a:lstStyle>
-          <a:p>
-            <a:pPr algn="ctr"/>
-            <a:endParaRPr lang="zh-CN" altLang="en-US">
-              <a:cs typeface="汉仪旗黑-55简" panose="00020600040101010101" charset="-128"/>
-            </a:endParaRPr>
-          </a:p>
-        </p:txBody>
-      </p:sp>
-      <p:sp>
-        <p:nvSpPr>
-          <p:cNvPr id="55" name="任意多边形 54"/>
-          <p:cNvSpPr/>
-          <p:nvPr/>
-        </p:nvSpPr>
-        <p:spPr>
-          <a:xfrm>
-            <a:off x="8021955" y="4669155"/>
-            <a:ext cx="4170045" cy="2188210"/>
-          </a:xfrm>
-          <a:custGeom>
-            <a:avLst/>
-            <a:gdLst>
-              <a:gd name="connsiteX0" fmla="*/ 0 w 7048"/>
-              <a:gd name="connsiteY0" fmla="*/ 3698 h 3698"/>
-              <a:gd name="connsiteX1" fmla="*/ 3188 w 7048"/>
-              <a:gd name="connsiteY1" fmla="*/ 0 h 3698"/>
-              <a:gd name="connsiteX2" fmla="*/ 3293 w 7048"/>
-              <a:gd name="connsiteY2" fmla="*/ 4 h 3698"/>
-              <a:gd name="connsiteX3" fmla="*/ 4791 w 7048"/>
-              <a:gd name="connsiteY3" fmla="*/ 1085 h 3698"/>
-              <a:gd name="connsiteX4" fmla="*/ 5430 w 7048"/>
-              <a:gd name="connsiteY4" fmla="*/ 1784 h 3698"/>
-              <a:gd name="connsiteX5" fmla="*/ 5524 w 7048"/>
-              <a:gd name="connsiteY5" fmla="*/ 1782 h 3698"/>
-              <a:gd name="connsiteX6" fmla="*/ 6708 w 7048"/>
-              <a:gd name="connsiteY6" fmla="*/ 1018 h 3698"/>
-              <a:gd name="connsiteX7" fmla="*/ 6722 w 7048"/>
-              <a:gd name="connsiteY7" fmla="*/ 1006 h 3698"/>
-              <a:gd name="connsiteX8" fmla="*/ 6737 w 7048"/>
-              <a:gd name="connsiteY8" fmla="*/ 992 h 3698"/>
-              <a:gd name="connsiteX9" fmla="*/ 6755 w 7048"/>
-              <a:gd name="connsiteY9" fmla="*/ 976 h 3698"/>
-              <a:gd name="connsiteX10" fmla="*/ 6773 w 7048"/>
-              <a:gd name="connsiteY10" fmla="*/ 961 h 3698"/>
-              <a:gd name="connsiteX11" fmla="*/ 6789 w 7048"/>
-              <a:gd name="connsiteY11" fmla="*/ 945 h 3698"/>
-              <a:gd name="connsiteX12" fmla="*/ 6793 w 7048"/>
-              <a:gd name="connsiteY12" fmla="*/ 941 h 3698"/>
-              <a:gd name="connsiteX13" fmla="*/ 7048 w 7048"/>
-              <a:gd name="connsiteY13" fmla="*/ 716 h 3698"/>
-              <a:gd name="connsiteX14" fmla="*/ 7048 w 7048"/>
-              <a:gd name="connsiteY14" fmla="*/ 3698 h 3698"/>
-              <a:gd name="connsiteX15" fmla="*/ 0 w 7048"/>
-              <a:gd name="connsiteY15" fmla="*/ 3698 h 3698"/>
-            </a:gdLst>
-            <a:ahLst/>
-            <a:cxnLst>
-              <a:cxn ang="0">
-                <a:pos x="connsiteX0" y="connsiteY0"/>
-              </a:cxn>
-              <a:cxn ang="0">
-                <a:pos x="connsiteX1" y="connsiteY1"/>
-              </a:cxn>
-              <a:cxn ang="0">
-                <a:pos x="connsiteX2" y="connsiteY2"/>
-              </a:cxn>
-              <a:cxn ang="0">
-                <a:pos x="connsiteX3" y="connsiteY3"/>
-              </a:cxn>
-              <a:cxn ang="0">
-                <a:pos x="connsiteX4" y="connsiteY4"/>
-              </a:cxn>
-              <a:cxn ang="0">
-                <a:pos x="connsiteX5" y="connsiteY5"/>
-              </a:cxn>
-              <a:cxn ang="0">
-                <a:pos x="connsiteX6" y="connsiteY6"/>
-              </a:cxn>
-              <a:cxn ang="0">
-                <a:pos x="connsiteX7" y="connsiteY7"/>
-              </a:cxn>
-              <a:cxn ang="0">
-                <a:pos x="connsiteX8" y="connsiteY8"/>
-              </a:cxn>
-              <a:cxn ang="0">
-                <a:pos x="connsiteX9" y="connsiteY9"/>
-              </a:cxn>
-              <a:cxn ang="0">
-                <a:pos x="connsiteX10" y="connsiteY10"/>
-              </a:cxn>
-              <a:cxn ang="0">
-                <a:pos x="connsiteX11" y="connsiteY11"/>
-              </a:cxn>
-              <a:cxn ang="0">
-                <a:pos x="connsiteX12" y="connsiteY12"/>
-              </a:cxn>
-              <a:cxn ang="0">
-                <a:pos x="connsiteX13" y="connsiteY13"/>
-              </a:cxn>
-              <a:cxn ang="0">
-                <a:pos x="connsiteX14" y="connsiteY14"/>
-              </a:cxn>
-              <a:cxn ang="0">
-                <a:pos x="connsiteX15" y="connsiteY15"/>
-              </a:cxn>
-            </a:cxnLst>
-            <a:rect l="l" t="t" r="r" b="b"/>
-            <a:pathLst>
-              <a:path w="7048" h="3698">
-                <a:moveTo>
-                  <a:pt x="0" y="3698"/>
-                </a:moveTo>
-                <a:cubicBezTo>
-                  <a:pt x="213" y="1107"/>
-                  <a:pt x="2537" y="11"/>
-                  <a:pt x="3188" y="0"/>
-                </a:cubicBezTo>
-                <a:lnTo>
-                  <a:pt x="3293" y="4"/>
-                </a:lnTo>
-                <a:cubicBezTo>
-                  <a:pt x="3896" y="-17"/>
-                  <a:pt x="4685" y="596"/>
-                  <a:pt x="4791" y="1085"/>
-                </a:cubicBezTo>
-                <a:cubicBezTo>
-                  <a:pt x="4887" y="1456"/>
-                  <a:pt x="5188" y="1796"/>
-                  <a:pt x="5430" y="1784"/>
-                </a:cubicBezTo>
-                <a:lnTo>
-                  <a:pt x="5524" y="1782"/>
-                </a:lnTo>
-                <a:cubicBezTo>
-                  <a:pt x="5847" y="1792"/>
-                  <a:pt x="6462" y="1237"/>
-                  <a:pt x="6708" y="1018"/>
-                </a:cubicBezTo>
-                <a:lnTo>
-                  <a:pt x="6722" y="1006"/>
-                </a:lnTo>
-                <a:lnTo>
-                  <a:pt x="6737" y="992"/>
-                </a:lnTo>
-                <a:lnTo>
-                  <a:pt x="6755" y="976"/>
-                </a:lnTo>
-                <a:lnTo>
-                  <a:pt x="6773" y="961"/>
-                </a:lnTo>
-                <a:lnTo>
-                  <a:pt x="6789" y="945"/>
-                </a:lnTo>
-                <a:lnTo>
-                  <a:pt x="6793" y="941"/>
-                </a:lnTo>
-                <a:cubicBezTo>
-                  <a:pt x="6869" y="868"/>
-                  <a:pt x="7028" y="731"/>
-                  <a:pt x="7048" y="716"/>
-                </a:cubicBezTo>
-                <a:lnTo>
-                  <a:pt x="7048" y="3698"/>
-                </a:lnTo>
-                <a:lnTo>
-                  <a:pt x="0" y="3698"/>
-                </a:lnTo>
-                <a:close/>
-              </a:path>
-            </a:pathLst>
-          </a:custGeom>
-          <a:solidFill>
-            <a:srgbClr val="2F4275"/>
-          </a:solidFill>
-          <a:ln>
-            <a:noFill/>
-          </a:ln>
-        </p:spPr>
-        <p:style>
-          <a:lnRef idx="2">
-            <a:schemeClr val="accent1">
-              <a:shade val="50000"/>
-            </a:schemeClr>
-          </a:lnRef>
-          <a:fillRef idx="1">
-            <a:schemeClr val="accent1"/>
-          </a:fillRef>
-          <a:effectRef idx="0">
-            <a:schemeClr val="accent1"/>
-          </a:effectRef>
-          <a:fontRef idx="minor">
-            <a:schemeClr val="lt1"/>
-          </a:fontRef>
-        </p:style>
-        <p:txBody>
-          <a:bodyPr wrap="square" rtlCol="0" anchor="ctr">
-            <a:noAutofit/>
-          </a:bodyPr>
-          <a:lstStyle>
-            <a:defPPr>
-              <a:defRPr lang="zh-CN">
-                <a:solidFill>
-                  <a:schemeClr val="lt1"/>
-                </a:solidFill>
-              </a:defRPr>
-            </a:defPPr>
-            <a:lvl1pPr marL="0" algn="l" defTabSz="914400" rtl="0" eaLnBrk="1" latinLnBrk="0" hangingPunct="1">
-              <a:defRPr sz="1800" kern="1200">
-                <a:solidFill>
-                  <a:schemeClr val="lt1"/>
-                </a:solidFill>
-                <a:latin typeface="+mn-lt"/>
-                <a:ea typeface="+mn-ea"/>
-                <a:cs typeface="+mn-cs"/>
-              </a:defRPr>
-            </a:lvl1pPr>
-            <a:lvl2pPr marL="457200" algn="l" defTabSz="914400" rtl="0" eaLnBrk="1" latinLnBrk="0" hangingPunct="1">
-              <a:defRPr sz="1800" kern="1200">
-                <a:solidFill>
-                  <a:schemeClr val="lt1"/>
-                </a:solidFill>
-                <a:latin typeface="+mn-lt"/>
-                <a:ea typeface="+mn-ea"/>
-                <a:cs typeface="+mn-cs"/>
-              </a:defRPr>
-            </a:lvl2pPr>
-            <a:lvl3pPr marL="914400" algn="l" defTabSz="914400" rtl="0" eaLnBrk="1" latinLnBrk="0" hangingPunct="1">
-              <a:defRPr sz="1800" kern="1200">
-                <a:solidFill>
-                  <a:schemeClr val="lt1"/>
-                </a:solidFill>
-                <a:latin typeface="+mn-lt"/>
-                <a:ea typeface="+mn-ea"/>
-                <a:cs typeface="+mn-cs"/>
-              </a:defRPr>
-            </a:lvl3pPr>
-            <a:lvl4pPr marL="1371600" algn="l" defTabSz="914400" rtl="0" eaLnBrk="1" latinLnBrk="0" hangingPunct="1">
-              <a:defRPr sz="1800" kern="1200">
-                <a:solidFill>
-                  <a:schemeClr val="lt1"/>
-                </a:solidFill>
-                <a:latin typeface="+mn-lt"/>
-                <a:ea typeface="+mn-ea"/>
-                <a:cs typeface="+mn-cs"/>
-              </a:defRPr>
-            </a:lvl4pPr>
-            <a:lvl5pPr marL="1828800" algn="l" defTabSz="914400" rtl="0" eaLnBrk="1" latinLnBrk="0" hangingPunct="1">
-              <a:defRPr sz="1800" kern="1200">
-                <a:solidFill>
-                  <a:schemeClr val="lt1"/>
-                </a:solidFill>
-                <a:latin typeface="+mn-lt"/>
-                <a:ea typeface="+mn-ea"/>
-                <a:cs typeface="+mn-cs"/>
-              </a:defRPr>
-            </a:lvl5pPr>
-            <a:lvl6pPr marL="2286000" algn="l" defTabSz="914400" rtl="0" eaLnBrk="1" latinLnBrk="0" hangingPunct="1">
-              <a:defRPr sz="1800" kern="1200">
-                <a:solidFill>
-                  <a:schemeClr val="lt1"/>
-                </a:solidFill>
-                <a:latin typeface="+mn-lt"/>
-                <a:ea typeface="+mn-ea"/>
-                <a:cs typeface="+mn-cs"/>
-              </a:defRPr>
-            </a:lvl6pPr>
-            <a:lvl7pPr marL="2743200" algn="l" defTabSz="914400" rtl="0" eaLnBrk="1" latinLnBrk="0" hangingPunct="1">
-              <a:defRPr sz="1800" kern="1200">
-                <a:solidFill>
-                  <a:schemeClr val="lt1"/>
-                </a:solidFill>
-                <a:latin typeface="+mn-lt"/>
-                <a:ea typeface="+mn-ea"/>
-                <a:cs typeface="+mn-cs"/>
-              </a:defRPr>
-            </a:lvl7pPr>
-            <a:lvl8pPr marL="3200400" algn="l" defTabSz="914400" rtl="0" eaLnBrk="1" latinLnBrk="0" hangingPunct="1">
-              <a:defRPr sz="1800" kern="1200">
-                <a:solidFill>
-                  <a:schemeClr val="lt1"/>
-                </a:solidFill>
-                <a:latin typeface="+mn-lt"/>
-                <a:ea typeface="+mn-ea"/>
-                <a:cs typeface="+mn-cs"/>
-              </a:defRPr>
-            </a:lvl8pPr>
-            <a:lvl9pPr marL="3657600" algn="l" defTabSz="914400" rtl="0" eaLnBrk="1" latinLnBrk="0" hangingPunct="1">
-              <a:defRPr sz="1800" kern="1200">
-                <a:solidFill>
-                  <a:schemeClr val="lt1"/>
-                </a:solidFill>
-                <a:latin typeface="+mn-lt"/>
-                <a:ea typeface="+mn-ea"/>
-                <a:cs typeface="+mn-cs"/>
-              </a:defRPr>
-            </a:lvl9pPr>
-          </a:lstStyle>
-          <a:p>
-            <a:pPr algn="ctr"/>
-            <a:endParaRPr lang="zh-CN" altLang="en-US">
-              <a:cs typeface="汉仪旗黑-55简" panose="00020600040101010101" charset="-128"/>
-            </a:endParaRPr>
-          </a:p>
-        </p:txBody>
-      </p:sp>
-      <p:sp>
-        <p:nvSpPr>
-          <p:cNvPr id="57" name="文本框 56"/>
-          <p:cNvSpPr txBox="1"/>
-          <p:nvPr/>
-        </p:nvSpPr>
-        <p:spPr>
-          <a:xfrm>
-            <a:off x="3623310" y="3669665"/>
-            <a:ext cx="4946015" cy="537210"/>
-          </a:xfrm>
-          <a:prstGeom prst="rect">
-            <a:avLst/>
-          </a:prstGeom>
-          <a:noFill/>
-        </p:spPr>
-        <p:txBody>
-          <a:bodyPr wrap="square" rtlCol="0">
-            <a:spAutoFit/>
-          </a:bodyPr>
-          <a:lstStyle/>
-          <a:p>
-            <a:pPr algn="ctr"/>
-            <a:r>
-              <a:rPr lang="en-US" sz="2900" dirty="0">
-                <a:solidFill>
-                  <a:schemeClr val="tx1">
-                    <a:lumMod val="75000"/>
-                    <a:lumOff val="25000"/>
-                  </a:schemeClr>
-                </a:solidFill>
-                <a:latin typeface="汉仪书宋二S" panose="00020600040101010101" charset="-122"/>
-                <a:ea typeface="汉仪书宋二S" panose="00020600040101010101" charset="-122"/>
-                <a:cs typeface="汉仪旗黑-55简" panose="00020600040101010101" charset="-128"/>
-                <a:sym typeface="汉仪旗黑-55简" panose="00020600040101010101" charset="-128"/>
-              </a:rPr>
-              <a:t>THANK YOU VERY MUCH</a:t>
-            </a:r>
-          </a:p>
-        </p:txBody>
-      </p:sp>
-      <p:sp>
-        <p:nvSpPr>
-          <p:cNvPr id="58" name="文本框 57" descr="7b0a20202020227461726765744d6f64756c65223a20226b6f6e6c696e65666f6e7473220a7d0a"/>
-          <p:cNvSpPr txBox="1"/>
-          <p:nvPr/>
-        </p:nvSpPr>
-        <p:spPr>
-          <a:xfrm>
-            <a:off x="2613660" y="2683227"/>
-            <a:ext cx="7769860" cy="938719"/>
-          </a:xfrm>
-          <a:prstGeom prst="rect">
-            <a:avLst/>
-          </a:prstGeom>
-          <a:noFill/>
-        </p:spPr>
-        <p:txBody>
-          <a:bodyPr wrap="square" rtlCol="0">
-            <a:spAutoFit/>
-          </a:bodyPr>
-          <a:lstStyle/>
-          <a:p>
-            <a:pPr algn="ctr" fontAlgn="auto"/>
-            <a:r>
-              <a:rPr lang="zh-CN" altLang="en-US" sz="5500" b="1" dirty="0">
-                <a:solidFill>
-                  <a:srgbClr val="2F4275"/>
-                </a:solidFill>
-                <a:uFillTx/>
-                <a:latin typeface="汉仪旗黑-55简" panose="00020600040101010101" charset="-128"/>
-                <a:ea typeface="汉仪旗黑-55简" panose="00020600040101010101" charset="-128"/>
-                <a:cs typeface="汉仪旗黑-55简" panose="00020600040101010101" charset="-122"/>
-                <a:sym typeface="汉仪旗黑-55简" panose="00020600040101010101" charset="-128"/>
-              </a:rPr>
-              <a:t>展示完毕</a:t>
-            </a:r>
-            <a:r>
-              <a:rPr lang="en-US" altLang="zh-CN" sz="5500" b="1" dirty="0">
-                <a:solidFill>
-                  <a:srgbClr val="2F4275"/>
-                </a:solidFill>
-                <a:uFillTx/>
-                <a:latin typeface="汉仪旗黑-55简" panose="00020600040101010101" charset="-128"/>
-                <a:ea typeface="汉仪旗黑-55简" panose="00020600040101010101" charset="-128"/>
-                <a:cs typeface="汉仪旗黑-55简" panose="00020600040101010101" charset="-122"/>
-                <a:sym typeface="汉仪旗黑-55简" panose="00020600040101010101" charset="-128"/>
-              </a:rPr>
-              <a:t>,</a:t>
-            </a:r>
-            <a:r>
-              <a:rPr lang="zh-CN" altLang="en-US" sz="5500" b="1" dirty="0">
-                <a:solidFill>
-                  <a:srgbClr val="2F4275"/>
-                </a:solidFill>
-                <a:uFillTx/>
-                <a:latin typeface="汉仪旗黑-55简" panose="00020600040101010101" charset="-128"/>
-                <a:ea typeface="汉仪旗黑-55简" panose="00020600040101010101" charset="-128"/>
-                <a:cs typeface="汉仪旗黑-55简" panose="00020600040101010101" charset="-122"/>
-                <a:sym typeface="汉仪旗黑-55简" panose="00020600040101010101" charset="-128"/>
-              </a:rPr>
-              <a:t>谢谢观看！</a:t>
-            </a:r>
-          </a:p>
-        </p:txBody>
-      </p:sp>
-      <p:grpSp>
-        <p:nvGrpSpPr>
-          <p:cNvPr id="61" name="组合 60"/>
-          <p:cNvGrpSpPr/>
-          <p:nvPr/>
-        </p:nvGrpSpPr>
-        <p:grpSpPr>
-          <a:xfrm>
-            <a:off x="3083560" y="3912235"/>
-            <a:ext cx="6025515" cy="0"/>
-            <a:chOff x="4784" y="6236"/>
-            <a:chExt cx="9489" cy="0"/>
-          </a:xfrm>
-        </p:grpSpPr>
-        <p:cxnSp>
-          <p:nvCxnSpPr>
-            <p:cNvPr id="62" name="直接连接符 61"/>
-            <p:cNvCxnSpPr/>
-            <p:nvPr/>
-          </p:nvCxnSpPr>
-          <p:spPr>
-            <a:xfrm>
-              <a:off x="4784" y="6236"/>
-              <a:ext cx="1217" cy="0"/>
-            </a:xfrm>
-            <a:prstGeom prst="line">
-              <a:avLst/>
-            </a:prstGeom>
-            <a:ln w="25400">
-              <a:solidFill>
-                <a:schemeClr val="tx1">
-                  <a:lumMod val="75000"/>
-                  <a:lumOff val="25000"/>
-                </a:schemeClr>
-              </a:solidFill>
-            </a:ln>
-          </p:spPr>
-          <p:style>
-            <a:lnRef idx="1">
-              <a:schemeClr val="accent1"/>
-            </a:lnRef>
-            <a:fillRef idx="0">
-              <a:schemeClr val="accent1"/>
-            </a:fillRef>
-            <a:effectRef idx="0">
-              <a:schemeClr val="accent1"/>
-            </a:effectRef>
-            <a:fontRef idx="minor">
-              <a:schemeClr val="tx1"/>
-            </a:fontRef>
-          </p:style>
-        </p:cxnSp>
-        <p:cxnSp>
-          <p:nvCxnSpPr>
-            <p:cNvPr id="63" name="直接连接符 62"/>
-            <p:cNvCxnSpPr/>
-            <p:nvPr/>
-          </p:nvCxnSpPr>
-          <p:spPr>
-            <a:xfrm>
-              <a:off x="13057" y="6236"/>
-              <a:ext cx="1217" cy="0"/>
-            </a:xfrm>
-            <a:prstGeom prst="line">
-              <a:avLst/>
-            </a:prstGeom>
-            <a:ln w="25400">
-              <a:solidFill>
-                <a:schemeClr val="tx1">
-                  <a:lumMod val="75000"/>
-                  <a:lumOff val="25000"/>
-                </a:schemeClr>
-              </a:solidFill>
-            </a:ln>
-          </p:spPr>
-          <p:style>
-            <a:lnRef idx="1">
-              <a:schemeClr val="accent1"/>
-            </a:lnRef>
-            <a:fillRef idx="0">
-              <a:schemeClr val="accent1"/>
-            </a:fillRef>
-            <a:effectRef idx="0">
-              <a:schemeClr val="accent1"/>
-            </a:effectRef>
-            <a:fontRef idx="minor">
-              <a:schemeClr val="tx1"/>
-            </a:fontRef>
-          </p:style>
-        </p:cxnSp>
-      </p:grpSp>
-      <p:sp>
-        <p:nvSpPr>
-          <p:cNvPr id="80" name="椭圆 79"/>
-          <p:cNvSpPr/>
-          <p:nvPr/>
-        </p:nvSpPr>
-        <p:spPr>
-          <a:xfrm>
-            <a:off x="5583872" y="1462813"/>
-            <a:ext cx="1024255" cy="1024255"/>
-          </a:xfrm>
-          <a:prstGeom prst="ellipse">
-            <a:avLst/>
-          </a:prstGeom>
-          <a:solidFill>
-            <a:srgbClr val="2F4275"/>
-          </a:solidFill>
-          <a:ln>
-            <a:noFill/>
-          </a:ln>
-        </p:spPr>
-        <p:style>
-          <a:lnRef idx="2">
-            <a:schemeClr val="accent1">
-              <a:shade val="50000"/>
-            </a:schemeClr>
-          </a:lnRef>
-          <a:fillRef idx="1">
-            <a:schemeClr val="accent1"/>
-          </a:fillRef>
-          <a:effectRef idx="0">
-            <a:schemeClr val="accent1"/>
-          </a:effectRef>
-          <a:fontRef idx="minor">
-            <a:schemeClr val="lt1"/>
-          </a:fontRef>
-        </p:style>
-        <p:txBody>
-          <a:bodyPr rtlCol="0" anchor="ctr"/>
-          <a:lstStyle/>
-          <a:p>
-            <a:pPr algn="ctr"/>
-            <a:endParaRPr lang="zh-CN" altLang="en-US">
-              <a:cs typeface="汉仪旗黑-55简" panose="00020600040101010101" charset="-128"/>
-            </a:endParaRPr>
-          </a:p>
-        </p:txBody>
-      </p:sp>
-      <p:pic>
-        <p:nvPicPr>
-          <p:cNvPr id="79" name="图片 78" descr="博士"/>
-          <p:cNvPicPr>
-            <a:picLocks noChangeAspect="1"/>
-          </p:cNvPicPr>
-          <p:nvPr/>
-        </p:nvPicPr>
-        <p:blipFill>
-          <a:blip r:embed="rId2">
-            <a:extLst>
-              <a:ext uri="{96DAC541-7B7A-43D3-8B79-37D633B846F1}">
-                <asvg:svgBlip xmlns:asvg="http://schemas.microsoft.com/office/drawing/2016/SVG/main" r:embed="rId3"/>
-              </a:ext>
-            </a:extLst>
-          </a:blip>
-          <a:stretch>
-            <a:fillRect/>
-          </a:stretch>
-        </p:blipFill>
-        <p:spPr>
-          <a:xfrm>
-            <a:off x="5693727" y="1702843"/>
-            <a:ext cx="805180" cy="615315"/>
-          </a:xfrm>
-          <a:prstGeom prst="rect">
-            <a:avLst/>
-          </a:prstGeom>
-        </p:spPr>
-      </p:pic>
-      <p:sp>
-        <p:nvSpPr>
-          <p:cNvPr id="82" name="任意多边形 81"/>
-          <p:cNvSpPr/>
-          <p:nvPr/>
-        </p:nvSpPr>
-        <p:spPr>
-          <a:xfrm flipH="1" flipV="1">
-            <a:off x="8702040" y="3668395"/>
-            <a:ext cx="3489960" cy="3191510"/>
-          </a:xfrm>
-          <a:custGeom>
-            <a:avLst/>
-            <a:gdLst>
-              <a:gd name="connsiteX0" fmla="*/ 0 w 5124"/>
-              <a:gd name="connsiteY0" fmla="*/ 3087 h 4684"/>
-              <a:gd name="connsiteX1" fmla="*/ 73 w 5124"/>
-              <a:gd name="connsiteY1" fmla="*/ 3031 h 4684"/>
-              <a:gd name="connsiteX2" fmla="*/ 643 w 5124"/>
-              <a:gd name="connsiteY2" fmla="*/ 2886 h 4684"/>
-              <a:gd name="connsiteX3" fmla="*/ 838 w 5124"/>
-              <a:gd name="connsiteY3" fmla="*/ 2949 h 4684"/>
-              <a:gd name="connsiteX4" fmla="*/ 1402 w 5124"/>
-              <a:gd name="connsiteY4" fmla="*/ 3751 h 4684"/>
-              <a:gd name="connsiteX5" fmla="*/ 2364 w 5124"/>
-              <a:gd name="connsiteY5" fmla="*/ 4684 h 4684"/>
-              <a:gd name="connsiteX6" fmla="*/ 2381 w 5124"/>
-              <a:gd name="connsiteY6" fmla="*/ 4683 h 4684"/>
-              <a:gd name="connsiteX7" fmla="*/ 2398 w 5124"/>
-              <a:gd name="connsiteY7" fmla="*/ 4682 h 4684"/>
-              <a:gd name="connsiteX8" fmla="*/ 2415 w 5124"/>
-              <a:gd name="connsiteY8" fmla="*/ 4681 h 4684"/>
-              <a:gd name="connsiteX9" fmla="*/ 2438 w 5124"/>
-              <a:gd name="connsiteY9" fmla="*/ 4681 h 4684"/>
-              <a:gd name="connsiteX10" fmla="*/ 2462 w 5124"/>
-              <a:gd name="connsiteY10" fmla="*/ 4682 h 4684"/>
-              <a:gd name="connsiteX11" fmla="*/ 3227 w 5124"/>
-              <a:gd name="connsiteY11" fmla="*/ 3489 h 4684"/>
-              <a:gd name="connsiteX12" fmla="*/ 3297 w 5124"/>
-              <a:gd name="connsiteY12" fmla="*/ 2931 h 4684"/>
-              <a:gd name="connsiteX13" fmla="*/ 3360 w 5124"/>
-              <a:gd name="connsiteY13" fmla="*/ 2562 h 4684"/>
-              <a:gd name="connsiteX14" fmla="*/ 3538 w 5124"/>
-              <a:gd name="connsiteY14" fmla="*/ 1679 h 4684"/>
-              <a:gd name="connsiteX15" fmla="*/ 3596 w 5124"/>
-              <a:gd name="connsiteY15" fmla="*/ 1380 h 4684"/>
-              <a:gd name="connsiteX16" fmla="*/ 3606 w 5124"/>
-              <a:gd name="connsiteY16" fmla="*/ 1353 h 4684"/>
-              <a:gd name="connsiteX17" fmla="*/ 5124 w 5124"/>
-              <a:gd name="connsiteY17" fmla="*/ 0 h 4684"/>
-            </a:gdLst>
-            <a:ahLst/>
-            <a:cxnLst>
-              <a:cxn ang="0">
-                <a:pos x="connsiteX0" y="connsiteY0"/>
-              </a:cxn>
-              <a:cxn ang="0">
-                <a:pos x="connsiteX1" y="connsiteY1"/>
-              </a:cxn>
-              <a:cxn ang="0">
-                <a:pos x="connsiteX2" y="connsiteY2"/>
-              </a:cxn>
-              <a:cxn ang="0">
-                <a:pos x="connsiteX3" y="connsiteY3"/>
-              </a:cxn>
-              <a:cxn ang="0">
-                <a:pos x="connsiteX4" y="connsiteY4"/>
-              </a:cxn>
-              <a:cxn ang="0">
-                <a:pos x="connsiteX5" y="connsiteY5"/>
-              </a:cxn>
-              <a:cxn ang="0">
-                <a:pos x="connsiteX6" y="connsiteY6"/>
-              </a:cxn>
-              <a:cxn ang="0">
-                <a:pos x="connsiteX7" y="connsiteY7"/>
-              </a:cxn>
-              <a:cxn ang="0">
-                <a:pos x="connsiteX8" y="connsiteY8"/>
-              </a:cxn>
-              <a:cxn ang="0">
-                <a:pos x="connsiteX9" y="connsiteY9"/>
-              </a:cxn>
-              <a:cxn ang="0">
-                <a:pos x="connsiteX10" y="connsiteY10"/>
-              </a:cxn>
-              <a:cxn ang="0">
-                <a:pos x="connsiteX11" y="connsiteY11"/>
-              </a:cxn>
-              <a:cxn ang="0">
-                <a:pos x="connsiteX12" y="connsiteY12"/>
-              </a:cxn>
-              <a:cxn ang="0">
-                <a:pos x="connsiteX13" y="connsiteY13"/>
-              </a:cxn>
-              <a:cxn ang="0">
-                <a:pos x="connsiteX14" y="connsiteY14"/>
-              </a:cxn>
-              <a:cxn ang="0">
-                <a:pos x="connsiteX15" y="connsiteY15"/>
-              </a:cxn>
-              <a:cxn ang="0">
-                <a:pos x="connsiteX16" y="connsiteY16"/>
-              </a:cxn>
-              <a:cxn ang="0">
-                <a:pos x="connsiteX17" y="connsiteY17"/>
-              </a:cxn>
-            </a:cxnLst>
-            <a:rect l="l" t="t" r="r" b="b"/>
-            <a:pathLst>
-              <a:path w="5124" h="4685">
-                <a:moveTo>
-                  <a:pt x="0" y="3087"/>
-                </a:moveTo>
-                <a:cubicBezTo>
-                  <a:pt x="22" y="3071"/>
-                  <a:pt x="72" y="3031"/>
-                  <a:pt x="73" y="3031"/>
-                </a:cubicBezTo>
-                <a:cubicBezTo>
-                  <a:pt x="327" y="2847"/>
-                  <a:pt x="643" y="2886"/>
-                  <a:pt x="643" y="2886"/>
-                </a:cubicBezTo>
-                <a:cubicBezTo>
-                  <a:pt x="708" y="2908"/>
-                  <a:pt x="751" y="2901"/>
-                  <a:pt x="838" y="2949"/>
-                </a:cubicBezTo>
-                <a:cubicBezTo>
-                  <a:pt x="959" y="3022"/>
-                  <a:pt x="1181" y="3173"/>
-                  <a:pt x="1402" y="3751"/>
-                </a:cubicBezTo>
-                <a:cubicBezTo>
-                  <a:pt x="1603" y="4341"/>
-                  <a:pt x="2063" y="4700"/>
-                  <a:pt x="2364" y="4684"/>
-                </a:cubicBezTo>
-                <a:lnTo>
-                  <a:pt x="2381" y="4683"/>
-                </a:lnTo>
-                <a:lnTo>
-                  <a:pt x="2398" y="4682"/>
-                </a:lnTo>
-                <a:lnTo>
-                  <a:pt x="2415" y="4681"/>
-                </a:lnTo>
-                <a:lnTo>
-                  <a:pt x="2438" y="4681"/>
-                </a:lnTo>
-                <a:lnTo>
-                  <a:pt x="2462" y="4682"/>
-                </a:lnTo>
-                <a:cubicBezTo>
-                  <a:pt x="2940" y="4697"/>
-                  <a:pt x="3154" y="3879"/>
-                  <a:pt x="3227" y="3489"/>
-                </a:cubicBezTo>
-                <a:cubicBezTo>
-                  <a:pt x="3281" y="3181"/>
-                  <a:pt x="3274" y="3117"/>
-                  <a:pt x="3297" y="2931"/>
-                </a:cubicBezTo>
-                <a:lnTo>
-                  <a:pt x="3360" y="2562"/>
-                </a:lnTo>
-                <a:cubicBezTo>
-                  <a:pt x="3425" y="2141"/>
-                  <a:pt x="3451" y="2105"/>
-                  <a:pt x="3538" y="1679"/>
-                </a:cubicBezTo>
-                <a:cubicBezTo>
-                  <a:pt x="3573" y="1535"/>
-                  <a:pt x="3576" y="1437"/>
-                  <a:pt x="3596" y="1380"/>
-                </a:cubicBezTo>
-                <a:cubicBezTo>
-                  <a:pt x="3600" y="1370"/>
-                  <a:pt x="3605" y="1357"/>
-                  <a:pt x="3606" y="1353"/>
-                </a:cubicBezTo>
-                <a:cubicBezTo>
-                  <a:pt x="3727" y="682"/>
-                  <a:pt x="4359" y="-17"/>
-                  <a:pt x="5124" y="0"/>
-                </a:cubicBezTo>
-              </a:path>
-            </a:pathLst>
-          </a:custGeom>
-          <a:noFill/>
-          <a:ln>
-            <a:solidFill>
-              <a:srgbClr val="AEBCDF"/>
-            </a:solidFill>
-          </a:ln>
-          <a:extLst>
-            <a:ext uri="{909E8E84-426E-40DD-AFC4-6F175D3DCCD1}">
-              <a14:hiddenFill xmlns:a14="http://schemas.microsoft.com/office/drawing/2010/main">
-                <a:solidFill>
-                  <a:srgbClr val="2F4275"/>
-                </a:solidFill>
-              </a14:hiddenFill>
-            </a:ext>
-          </a:extLst>
-        </p:spPr>
-        <p:style>
-          <a:lnRef idx="2">
-            <a:schemeClr val="accent1">
-              <a:shade val="50000"/>
-            </a:schemeClr>
-          </a:lnRef>
-          <a:fillRef idx="1">
-            <a:schemeClr val="accent1"/>
-          </a:fillRef>
-          <a:effectRef idx="0">
-            <a:schemeClr val="accent1"/>
-          </a:effectRef>
-          <a:fontRef idx="minor">
-            <a:schemeClr val="lt1"/>
-          </a:fontRef>
-        </p:style>
-        <p:txBody>
-          <a:bodyPr wrap="square" rtlCol="0" anchor="ctr">
-            <a:noAutofit/>
-          </a:bodyPr>
-          <a:lstStyle>
-            <a:defPPr>
-              <a:defRPr lang="zh-CN">
-                <a:solidFill>
-                  <a:schemeClr val="lt1"/>
-                </a:solidFill>
-              </a:defRPr>
-            </a:defPPr>
-            <a:lvl1pPr marL="0" algn="l" defTabSz="914400" rtl="0" eaLnBrk="1" latinLnBrk="0" hangingPunct="1">
-              <a:defRPr sz="1800" kern="1200">
-                <a:solidFill>
-                  <a:schemeClr val="lt1"/>
-                </a:solidFill>
-                <a:latin typeface="+mn-lt"/>
-                <a:ea typeface="+mn-ea"/>
-                <a:cs typeface="+mn-cs"/>
-              </a:defRPr>
-            </a:lvl1pPr>
-            <a:lvl2pPr marL="457200" algn="l" defTabSz="914400" rtl="0" eaLnBrk="1" latinLnBrk="0" hangingPunct="1">
-              <a:defRPr sz="1800" kern="1200">
-                <a:solidFill>
-                  <a:schemeClr val="lt1"/>
-                </a:solidFill>
-                <a:latin typeface="+mn-lt"/>
-                <a:ea typeface="+mn-ea"/>
-                <a:cs typeface="+mn-cs"/>
-              </a:defRPr>
-            </a:lvl2pPr>
-            <a:lvl3pPr marL="914400" algn="l" defTabSz="914400" rtl="0" eaLnBrk="1" latinLnBrk="0" hangingPunct="1">
-              <a:defRPr sz="1800" kern="1200">
-                <a:solidFill>
-                  <a:schemeClr val="lt1"/>
-                </a:solidFill>
-                <a:latin typeface="+mn-lt"/>
-                <a:ea typeface="+mn-ea"/>
-                <a:cs typeface="+mn-cs"/>
-              </a:defRPr>
-            </a:lvl3pPr>
-            <a:lvl4pPr marL="1371600" algn="l" defTabSz="914400" rtl="0" eaLnBrk="1" latinLnBrk="0" hangingPunct="1">
-              <a:defRPr sz="1800" kern="1200">
-                <a:solidFill>
-                  <a:schemeClr val="lt1"/>
-                </a:solidFill>
-                <a:latin typeface="+mn-lt"/>
-                <a:ea typeface="+mn-ea"/>
-                <a:cs typeface="+mn-cs"/>
-              </a:defRPr>
-            </a:lvl4pPr>
-            <a:lvl5pPr marL="1828800" algn="l" defTabSz="914400" rtl="0" eaLnBrk="1" latinLnBrk="0" hangingPunct="1">
-              <a:defRPr sz="1800" kern="1200">
-                <a:solidFill>
-                  <a:schemeClr val="lt1"/>
-                </a:solidFill>
-                <a:latin typeface="+mn-lt"/>
-                <a:ea typeface="+mn-ea"/>
-                <a:cs typeface="+mn-cs"/>
-              </a:defRPr>
-            </a:lvl5pPr>
-            <a:lvl6pPr marL="2286000" algn="l" defTabSz="914400" rtl="0" eaLnBrk="1" latinLnBrk="0" hangingPunct="1">
-              <a:defRPr sz="1800" kern="1200">
-                <a:solidFill>
-                  <a:schemeClr val="lt1"/>
-                </a:solidFill>
-                <a:latin typeface="+mn-lt"/>
-                <a:ea typeface="+mn-ea"/>
-                <a:cs typeface="+mn-cs"/>
-              </a:defRPr>
-            </a:lvl6pPr>
-            <a:lvl7pPr marL="2743200" algn="l" defTabSz="914400" rtl="0" eaLnBrk="1" latinLnBrk="0" hangingPunct="1">
-              <a:defRPr sz="1800" kern="1200">
-                <a:solidFill>
-                  <a:schemeClr val="lt1"/>
-                </a:solidFill>
-                <a:latin typeface="+mn-lt"/>
-                <a:ea typeface="+mn-ea"/>
-                <a:cs typeface="+mn-cs"/>
-              </a:defRPr>
-            </a:lvl7pPr>
-            <a:lvl8pPr marL="3200400" algn="l" defTabSz="914400" rtl="0" eaLnBrk="1" latinLnBrk="0" hangingPunct="1">
-              <a:defRPr sz="1800" kern="1200">
-                <a:solidFill>
-                  <a:schemeClr val="lt1"/>
-                </a:solidFill>
-                <a:latin typeface="+mn-lt"/>
-                <a:ea typeface="+mn-ea"/>
-                <a:cs typeface="+mn-cs"/>
-              </a:defRPr>
-            </a:lvl8pPr>
-            <a:lvl9pPr marL="3657600" algn="l" defTabSz="914400" rtl="0" eaLnBrk="1" latinLnBrk="0" hangingPunct="1">
-              <a:defRPr sz="1800" kern="1200">
-                <a:solidFill>
-                  <a:schemeClr val="lt1"/>
-                </a:solidFill>
-                <a:latin typeface="+mn-lt"/>
-                <a:ea typeface="+mn-ea"/>
-                <a:cs typeface="+mn-cs"/>
-              </a:defRPr>
-            </a:lvl9pPr>
-          </a:lstStyle>
-          <a:p>
-            <a:pPr algn="ctr"/>
-            <a:endParaRPr lang="zh-CN" altLang="en-US">
-              <a:cs typeface="汉仪旗黑-55简" panose="00020600040101010101" charset="-128"/>
-            </a:endParaRPr>
-          </a:p>
-        </p:txBody>
-      </p:sp>
-    </p:spTree>
   </p:cSld>
   <p:clrMapOvr>
     <a:masterClrMapping/>

--- a/文档/DesignPattern.pptx
+++ b/文档/DesignPattern.pptx
@@ -5,7 +5,7 @@
     <p:sldMasterId id="2147483648" r:id="rId1"/>
   </p:sldMasterIdLst>
   <p:notesMasterIdLst>
-    <p:notesMasterId r:id="rId18"/>
+    <p:notesMasterId r:id="rId17"/>
   </p:notesMasterIdLst>
   <p:sldIdLst>
     <p:sldId id="256" r:id="rId2"/>
@@ -14,16 +14,15 @@
     <p:sldId id="275" r:id="rId5"/>
     <p:sldId id="276" r:id="rId6"/>
     <p:sldId id="278" r:id="rId7"/>
-    <p:sldId id="279" r:id="rId8"/>
-    <p:sldId id="277" r:id="rId9"/>
-    <p:sldId id="273" r:id="rId10"/>
-    <p:sldId id="272" r:id="rId11"/>
-    <p:sldId id="261" r:id="rId12"/>
-    <p:sldId id="264" r:id="rId13"/>
-    <p:sldId id="266" r:id="rId14"/>
-    <p:sldId id="267" r:id="rId15"/>
-    <p:sldId id="269" r:id="rId16"/>
-    <p:sldId id="270" r:id="rId17"/>
+    <p:sldId id="277" r:id="rId8"/>
+    <p:sldId id="273" r:id="rId9"/>
+    <p:sldId id="272" r:id="rId10"/>
+    <p:sldId id="261" r:id="rId11"/>
+    <p:sldId id="264" r:id="rId12"/>
+    <p:sldId id="266" r:id="rId13"/>
+    <p:sldId id="267" r:id="rId14"/>
+    <p:sldId id="269" r:id="rId15"/>
+    <p:sldId id="270" r:id="rId16"/>
   </p:sldIdLst>
   <p:sldSz cx="12192000" cy="6858000"/>
   <p:notesSz cx="6858000" cy="9144000"/>
@@ -6941,7 +6940,7 @@
         </p:nvSpPr>
         <p:spPr>
           <a:xfrm>
-            <a:off x="3732188" y="3642930"/>
+            <a:off x="3623310" y="3669665"/>
             <a:ext cx="4946015" cy="538609"/>
           </a:xfrm>
           <a:prstGeom prst="rect">
@@ -7034,8 +7033,18 @@
                 <a:cs typeface="汉仪旗黑-55简" panose="00020600040101010101" charset="-128"/>
                 <a:sym typeface="汉仪旗黑-55简" panose="00020600040101010101" charset="-128"/>
               </a:rPr>
-              <a:t>Carrot Defense</a:t>
+              <a:t>Carrot Fantasy</a:t>
             </a:r>
+            <a:endParaRPr lang="zh-CN" altLang="en-US" sz="5500" b="1" dirty="0">
+              <a:solidFill>
+                <a:srgbClr val="2F4275"/>
+              </a:solidFill>
+              <a:uFillTx/>
+              <a:latin typeface="思源宋体" panose="02020400000000000000" pitchFamily="18" charset="-122"/>
+              <a:ea typeface="思源宋体" panose="02020400000000000000" pitchFamily="18" charset="-122"/>
+              <a:cs typeface="汉仪旗黑-55简" panose="00020600040101010101" charset="-128"/>
+              <a:sym typeface="汉仪旗黑-55简" panose="00020600040101010101" charset="-128"/>
+            </a:endParaRPr>
           </a:p>
         </p:txBody>
       </p:sp>
@@ -7047,7 +7056,7 @@
         </p:nvGrpSpPr>
         <p:grpSpPr>
           <a:xfrm>
-            <a:off x="3237865" y="3912235"/>
+            <a:off x="3083560" y="3912235"/>
             <a:ext cx="6025515" cy="0"/>
             <a:chOff x="4784" y="6236"/>
             <a:chExt cx="9489" cy="0"/>
@@ -7559,8 +7568,8 @@
         </p:nvSpPr>
         <p:spPr>
           <a:xfrm>
-            <a:off x="4545149" y="4293644"/>
-            <a:ext cx="3319414" cy="2396469"/>
+            <a:off x="4170046" y="4293644"/>
+            <a:ext cx="3489959" cy="2396469"/>
           </a:xfrm>
         </p:spPr>
         <p:txBody>
@@ -7697,7 +7706,7 @@
         </p:nvSpPr>
         <p:spPr>
           <a:xfrm>
-            <a:off x="2151761" y="5175505"/>
+            <a:off x="1678842" y="5179412"/>
             <a:ext cx="2053346" cy="587755"/>
           </a:xfrm>
           <a:prstGeom prst="rect">
@@ -7902,2098 +7911,6 @@
 </file>
 
 <file path=ppt/slides/slide10.xml><?xml version="1.0" encoding="utf-8"?>
-<p:sld xmlns:a="http://schemas.openxmlformats.org/drawingml/2006/main" xmlns:r="http://schemas.openxmlformats.org/officeDocument/2006/relationships" xmlns:p="http://schemas.openxmlformats.org/presentationml/2006/main">
-  <p:cSld>
-    <p:spTree>
-      <p:nvGrpSpPr>
-        <p:cNvPr id="1" name=""/>
-        <p:cNvGrpSpPr/>
-        <p:nvPr/>
-      </p:nvGrpSpPr>
-      <p:grpSpPr>
-        <a:xfrm>
-          <a:off x="0" y="0"/>
-          <a:ext cx="0" cy="0"/>
-          <a:chOff x="0" y="0"/>
-          <a:chExt cx="0" cy="0"/>
-        </a:xfrm>
-      </p:grpSpPr>
-      <p:sp>
-        <p:nvSpPr>
-          <p:cNvPr id="68" name="任意多边形 67"/>
-          <p:cNvSpPr/>
-          <p:nvPr/>
-        </p:nvSpPr>
-        <p:spPr>
-          <a:xfrm>
-            <a:off x="0" y="0"/>
-            <a:ext cx="5296926" cy="3276544"/>
-          </a:xfrm>
-          <a:custGeom>
-            <a:avLst/>
-            <a:gdLst/>
-            <a:ahLst/>
-            <a:cxnLst>
-              <a:cxn ang="3">
-                <a:pos x="hc" y="t"/>
-              </a:cxn>
-              <a:cxn ang="cd2">
-                <a:pos x="l" y="vc"/>
-              </a:cxn>
-              <a:cxn ang="cd4">
-                <a:pos x="hc" y="b"/>
-              </a:cxn>
-              <a:cxn ang="0">
-                <a:pos x="r" y="vc"/>
-              </a:cxn>
-            </a:cxnLst>
-            <a:rect l="l" t="t" r="r" b="b"/>
-            <a:pathLst>
-              <a:path w="8342" h="5161">
-                <a:moveTo>
-                  <a:pt x="151" y="0"/>
-                </a:moveTo>
-                <a:cubicBezTo>
-                  <a:pt x="212" y="108"/>
-                  <a:pt x="344" y="480"/>
-                  <a:pt x="333" y="900"/>
-                </a:cubicBezTo>
-                <a:cubicBezTo>
-                  <a:pt x="340" y="1185"/>
-                  <a:pt x="258" y="1720"/>
-                  <a:pt x="138" y="2136"/>
-                </a:cubicBezTo>
-                <a:cubicBezTo>
-                  <a:pt x="37" y="2462"/>
-                  <a:pt x="-4" y="2904"/>
-                  <a:pt x="0" y="3111"/>
-                </a:cubicBezTo>
-                <a:cubicBezTo>
-                  <a:pt x="-10" y="4003"/>
-                  <a:pt x="361" y="4723"/>
-                  <a:pt x="766" y="4912"/>
-                </a:cubicBezTo>
-                <a:cubicBezTo>
-                  <a:pt x="948" y="5095"/>
-                  <a:pt x="1252" y="5168"/>
-                  <a:pt x="1406" y="5160"/>
-                </a:cubicBezTo>
-                <a:cubicBezTo>
-                  <a:pt x="3154" y="4827"/>
-                  <a:pt x="4186" y="3274"/>
-                  <a:pt x="4206" y="3320"/>
-                </a:cubicBezTo>
-                <a:cubicBezTo>
-                  <a:pt x="4268" y="3248"/>
-                  <a:pt x="4361" y="3144"/>
-                  <a:pt x="4428" y="3073"/>
-                </a:cubicBezTo>
-                <a:lnTo>
-                  <a:pt x="4988" y="2531"/>
-                </a:lnTo>
-                <a:cubicBezTo>
-                  <a:pt x="5394" y="2123"/>
-                  <a:pt x="5610" y="1939"/>
-                  <a:pt x="5838" y="1743"/>
-                </a:cubicBezTo>
-                <a:cubicBezTo>
-                  <a:pt x="5966" y="1634"/>
-                  <a:pt x="6196" y="1432"/>
-                  <a:pt x="6376" y="1268"/>
-                </a:cubicBezTo>
-                <a:cubicBezTo>
-                  <a:pt x="6500" y="1166"/>
-                  <a:pt x="6607" y="1056"/>
-                  <a:pt x="6669" y="995"/>
-                </a:cubicBezTo>
-                <a:cubicBezTo>
-                  <a:pt x="6737" y="925"/>
-                  <a:pt x="6801" y="864"/>
-                  <a:pt x="6841" y="839"/>
-                </a:cubicBezTo>
-                <a:cubicBezTo>
-                  <a:pt x="6847" y="835"/>
-                  <a:pt x="6856" y="829"/>
-                  <a:pt x="6860" y="827"/>
-                </a:cubicBezTo>
-                <a:cubicBezTo>
-                  <a:pt x="6906" y="787"/>
-                  <a:pt x="6825" y="866"/>
-                  <a:pt x="6940" y="759"/>
-                </a:cubicBezTo>
-                <a:cubicBezTo>
-                  <a:pt x="7279" y="412"/>
-                  <a:pt x="8013" y="79"/>
-                  <a:pt x="8342" y="0"/>
-                </a:cubicBezTo>
-                <a:lnTo>
-                  <a:pt x="151" y="0"/>
-                </a:lnTo>
-                <a:close/>
-              </a:path>
-            </a:pathLst>
-          </a:custGeom>
-          <a:solidFill>
-            <a:schemeClr val="bg1">
-              <a:lumMod val="85000"/>
-            </a:schemeClr>
-          </a:solidFill>
-          <a:ln>
-            <a:noFill/>
-          </a:ln>
-        </p:spPr>
-        <p:style>
-          <a:lnRef idx="2">
-            <a:schemeClr val="accent1">
-              <a:shade val="50000"/>
-            </a:schemeClr>
-          </a:lnRef>
-          <a:fillRef idx="1">
-            <a:schemeClr val="accent1"/>
-          </a:fillRef>
-          <a:effectRef idx="0">
-            <a:schemeClr val="accent1"/>
-          </a:effectRef>
-          <a:fontRef idx="minor">
-            <a:schemeClr val="lt1"/>
-          </a:fontRef>
-        </p:style>
-        <p:txBody>
-          <a:bodyPr wrap="square" rtlCol="0" anchor="ctr">
-            <a:noAutofit/>
-          </a:bodyPr>
-          <a:lstStyle>
-            <a:defPPr>
-              <a:defRPr lang="zh-CN">
-                <a:solidFill>
-                  <a:schemeClr val="lt1"/>
-                </a:solidFill>
-              </a:defRPr>
-            </a:defPPr>
-            <a:lvl1pPr marL="0" algn="l" defTabSz="914400" rtl="0" eaLnBrk="1" latinLnBrk="0" hangingPunct="1">
-              <a:defRPr sz="1800" kern="1200">
-                <a:solidFill>
-                  <a:schemeClr val="lt1"/>
-                </a:solidFill>
-                <a:latin typeface="+mn-lt"/>
-                <a:ea typeface="+mn-ea"/>
-                <a:cs typeface="+mn-cs"/>
-              </a:defRPr>
-            </a:lvl1pPr>
-            <a:lvl2pPr marL="457200" algn="l" defTabSz="914400" rtl="0" eaLnBrk="1" latinLnBrk="0" hangingPunct="1">
-              <a:defRPr sz="1800" kern="1200">
-                <a:solidFill>
-                  <a:schemeClr val="lt1"/>
-                </a:solidFill>
-                <a:latin typeface="+mn-lt"/>
-                <a:ea typeface="+mn-ea"/>
-                <a:cs typeface="+mn-cs"/>
-              </a:defRPr>
-            </a:lvl2pPr>
-            <a:lvl3pPr marL="914400" algn="l" defTabSz="914400" rtl="0" eaLnBrk="1" latinLnBrk="0" hangingPunct="1">
-              <a:defRPr sz="1800" kern="1200">
-                <a:solidFill>
-                  <a:schemeClr val="lt1"/>
-                </a:solidFill>
-                <a:latin typeface="+mn-lt"/>
-                <a:ea typeface="+mn-ea"/>
-                <a:cs typeface="+mn-cs"/>
-              </a:defRPr>
-            </a:lvl3pPr>
-            <a:lvl4pPr marL="1371600" algn="l" defTabSz="914400" rtl="0" eaLnBrk="1" latinLnBrk="0" hangingPunct="1">
-              <a:defRPr sz="1800" kern="1200">
-                <a:solidFill>
-                  <a:schemeClr val="lt1"/>
-                </a:solidFill>
-                <a:latin typeface="+mn-lt"/>
-                <a:ea typeface="+mn-ea"/>
-                <a:cs typeface="+mn-cs"/>
-              </a:defRPr>
-            </a:lvl4pPr>
-            <a:lvl5pPr marL="1828800" algn="l" defTabSz="914400" rtl="0" eaLnBrk="1" latinLnBrk="0" hangingPunct="1">
-              <a:defRPr sz="1800" kern="1200">
-                <a:solidFill>
-                  <a:schemeClr val="lt1"/>
-                </a:solidFill>
-                <a:latin typeface="+mn-lt"/>
-                <a:ea typeface="+mn-ea"/>
-                <a:cs typeface="+mn-cs"/>
-              </a:defRPr>
-            </a:lvl5pPr>
-            <a:lvl6pPr marL="2286000" algn="l" defTabSz="914400" rtl="0" eaLnBrk="1" latinLnBrk="0" hangingPunct="1">
-              <a:defRPr sz="1800" kern="1200">
-                <a:solidFill>
-                  <a:schemeClr val="lt1"/>
-                </a:solidFill>
-                <a:latin typeface="+mn-lt"/>
-                <a:ea typeface="+mn-ea"/>
-                <a:cs typeface="+mn-cs"/>
-              </a:defRPr>
-            </a:lvl6pPr>
-            <a:lvl7pPr marL="2743200" algn="l" defTabSz="914400" rtl="0" eaLnBrk="1" latinLnBrk="0" hangingPunct="1">
-              <a:defRPr sz="1800" kern="1200">
-                <a:solidFill>
-                  <a:schemeClr val="lt1"/>
-                </a:solidFill>
-                <a:latin typeface="+mn-lt"/>
-                <a:ea typeface="+mn-ea"/>
-                <a:cs typeface="+mn-cs"/>
-              </a:defRPr>
-            </a:lvl7pPr>
-            <a:lvl8pPr marL="3200400" algn="l" defTabSz="914400" rtl="0" eaLnBrk="1" latinLnBrk="0" hangingPunct="1">
-              <a:defRPr sz="1800" kern="1200">
-                <a:solidFill>
-                  <a:schemeClr val="lt1"/>
-                </a:solidFill>
-                <a:latin typeface="+mn-lt"/>
-                <a:ea typeface="+mn-ea"/>
-                <a:cs typeface="+mn-cs"/>
-              </a:defRPr>
-            </a:lvl8pPr>
-            <a:lvl9pPr marL="3657600" algn="l" defTabSz="914400" rtl="0" eaLnBrk="1" latinLnBrk="0" hangingPunct="1">
-              <a:defRPr sz="1800" kern="1200">
-                <a:solidFill>
-                  <a:schemeClr val="lt1"/>
-                </a:solidFill>
-                <a:latin typeface="+mn-lt"/>
-                <a:ea typeface="+mn-ea"/>
-                <a:cs typeface="+mn-cs"/>
-              </a:defRPr>
-            </a:lvl9pPr>
-          </a:lstStyle>
-          <a:p>
-            <a:pPr algn="ctr"/>
-            <a:endParaRPr lang="zh-CN" altLang="en-US">
-              <a:cs typeface="汉仪旗黑-55简" panose="00020600040101010101" charset="-128"/>
-            </a:endParaRPr>
-          </a:p>
-        </p:txBody>
-      </p:sp>
-      <p:sp>
-        <p:nvSpPr>
-          <p:cNvPr id="11" name="任意多边形 10"/>
-          <p:cNvSpPr/>
-          <p:nvPr/>
-        </p:nvSpPr>
-        <p:spPr>
-          <a:xfrm>
-            <a:off x="0" y="0"/>
-            <a:ext cx="5428615" cy="3501390"/>
-          </a:xfrm>
-          <a:custGeom>
-            <a:avLst/>
-            <a:gdLst>
-              <a:gd name="connsiteX0" fmla="*/ 0 w 8331"/>
-              <a:gd name="connsiteY0" fmla="*/ 3663 h 5372"/>
-              <a:gd name="connsiteX1" fmla="*/ 92 w 8331"/>
-              <a:gd name="connsiteY1" fmla="*/ 3603 h 5372"/>
-              <a:gd name="connsiteX2" fmla="*/ 810 w 8331"/>
-              <a:gd name="connsiteY2" fmla="*/ 3448 h 5372"/>
-              <a:gd name="connsiteX3" fmla="*/ 1055 w 8331"/>
-              <a:gd name="connsiteY3" fmla="*/ 3516 h 5372"/>
-              <a:gd name="connsiteX4" fmla="*/ 1765 w 8331"/>
-              <a:gd name="connsiteY4" fmla="*/ 4373 h 5372"/>
-              <a:gd name="connsiteX5" fmla="*/ 2976 w 8331"/>
-              <a:gd name="connsiteY5" fmla="*/ 5372 h 5372"/>
-              <a:gd name="connsiteX6" fmla="*/ 2998 w 8331"/>
-              <a:gd name="connsiteY6" fmla="*/ 5371 h 5372"/>
-              <a:gd name="connsiteX7" fmla="*/ 3019 w 8331"/>
-              <a:gd name="connsiteY7" fmla="*/ 5370 h 5372"/>
-              <a:gd name="connsiteX8" fmla="*/ 3040 w 8331"/>
-              <a:gd name="connsiteY8" fmla="*/ 5368 h 5372"/>
-              <a:gd name="connsiteX9" fmla="*/ 3070 w 8331"/>
-              <a:gd name="connsiteY9" fmla="*/ 5369 h 5372"/>
-              <a:gd name="connsiteX10" fmla="*/ 3100 w 8331"/>
-              <a:gd name="connsiteY10" fmla="*/ 5370 h 5372"/>
-              <a:gd name="connsiteX11" fmla="*/ 4064 w 8331"/>
-              <a:gd name="connsiteY11" fmla="*/ 4094 h 5372"/>
-              <a:gd name="connsiteX12" fmla="*/ 4151 w 8331"/>
-              <a:gd name="connsiteY12" fmla="*/ 3496 h 5372"/>
-              <a:gd name="connsiteX13" fmla="*/ 4230 w 8331"/>
-              <a:gd name="connsiteY13" fmla="*/ 3101 h 5372"/>
-              <a:gd name="connsiteX14" fmla="*/ 4455 w 8331"/>
-              <a:gd name="connsiteY14" fmla="*/ 2156 h 5372"/>
-              <a:gd name="connsiteX15" fmla="*/ 4528 w 8331"/>
-              <a:gd name="connsiteY15" fmla="*/ 1837 h 5372"/>
-              <a:gd name="connsiteX16" fmla="*/ 4540 w 8331"/>
-              <a:gd name="connsiteY16" fmla="*/ 1808 h 5372"/>
-              <a:gd name="connsiteX17" fmla="*/ 6452 w 8331"/>
-              <a:gd name="connsiteY17" fmla="*/ 360 h 5372"/>
-              <a:gd name="connsiteX18" fmla="*/ 6506 w 8331"/>
-              <a:gd name="connsiteY18" fmla="*/ 360 h 5372"/>
-              <a:gd name="connsiteX19" fmla="*/ 6561 w 8331"/>
-              <a:gd name="connsiteY19" fmla="*/ 362 h 5372"/>
-              <a:gd name="connsiteX20" fmla="*/ 6616 w 8331"/>
-              <a:gd name="connsiteY20" fmla="*/ 365 h 5372"/>
-              <a:gd name="connsiteX21" fmla="*/ 6672 w 8331"/>
-              <a:gd name="connsiteY21" fmla="*/ 369 h 5372"/>
-              <a:gd name="connsiteX22" fmla="*/ 6679 w 8331"/>
-              <a:gd name="connsiteY22" fmla="*/ 369 h 5372"/>
-              <a:gd name="connsiteX23" fmla="*/ 7062 w 8331"/>
-              <a:gd name="connsiteY23" fmla="*/ 377 h 5372"/>
-              <a:gd name="connsiteX24" fmla="*/ 7089 w 8331"/>
-              <a:gd name="connsiteY24" fmla="*/ 378 h 5372"/>
-              <a:gd name="connsiteX25" fmla="*/ 7422 w 8331"/>
-              <a:gd name="connsiteY25" fmla="*/ 384 h 5372"/>
-              <a:gd name="connsiteX26" fmla="*/ 7440 w 8331"/>
-              <a:gd name="connsiteY26" fmla="*/ 384 h 5372"/>
-              <a:gd name="connsiteX27" fmla="*/ 7474 w 8331"/>
-              <a:gd name="connsiteY27" fmla="*/ 384 h 5372"/>
-              <a:gd name="connsiteX28" fmla="*/ 8331 w 8331"/>
-              <a:gd name="connsiteY28" fmla="*/ 55 h 5372"/>
-              <a:gd name="connsiteX29" fmla="*/ 8331 w 8331"/>
-              <a:gd name="connsiteY29" fmla="*/ 49 h 5372"/>
-              <a:gd name="connsiteX30" fmla="*/ 8330 w 8331"/>
-              <a:gd name="connsiteY30" fmla="*/ 44 h 5372"/>
-              <a:gd name="connsiteX31" fmla="*/ 8329 w 8331"/>
-              <a:gd name="connsiteY31" fmla="*/ 38 h 5372"/>
-              <a:gd name="connsiteX32" fmla="*/ 8328 w 8331"/>
-              <a:gd name="connsiteY32" fmla="*/ 33 h 5372"/>
-              <a:gd name="connsiteX33" fmla="*/ 8328 w 8331"/>
-              <a:gd name="connsiteY33" fmla="*/ 25 h 5372"/>
-              <a:gd name="connsiteX34" fmla="*/ 8328 w 8331"/>
-              <a:gd name="connsiteY34" fmla="*/ 17 h 5372"/>
-              <a:gd name="connsiteX35" fmla="*/ 8327 w 8331"/>
-              <a:gd name="connsiteY35" fmla="*/ 9 h 5372"/>
-              <a:gd name="connsiteX36" fmla="*/ 8326 w 8331"/>
-              <a:gd name="connsiteY36" fmla="*/ 1 h 5372"/>
-              <a:gd name="connsiteX37" fmla="*/ 8326 w 8331"/>
-              <a:gd name="connsiteY37" fmla="*/ 0 h 5372"/>
-              <a:gd name="connsiteX38" fmla="*/ 0 w 8331"/>
-              <a:gd name="connsiteY38" fmla="*/ 0 h 5372"/>
-              <a:gd name="connsiteX39" fmla="*/ 0 w 8331"/>
-              <a:gd name="connsiteY39" fmla="*/ 3663 h 5372"/>
-            </a:gdLst>
-            <a:ahLst/>
-            <a:cxnLst>
-              <a:cxn ang="0">
-                <a:pos x="connsiteX0" y="connsiteY0"/>
-              </a:cxn>
-              <a:cxn ang="0">
-                <a:pos x="connsiteX1" y="connsiteY1"/>
-              </a:cxn>
-              <a:cxn ang="0">
-                <a:pos x="connsiteX2" y="connsiteY2"/>
-              </a:cxn>
-              <a:cxn ang="0">
-                <a:pos x="connsiteX3" y="connsiteY3"/>
-              </a:cxn>
-              <a:cxn ang="0">
-                <a:pos x="connsiteX4" y="connsiteY4"/>
-              </a:cxn>
-              <a:cxn ang="0">
-                <a:pos x="connsiteX5" y="connsiteY5"/>
-              </a:cxn>
-              <a:cxn ang="0">
-                <a:pos x="connsiteX6" y="connsiteY6"/>
-              </a:cxn>
-              <a:cxn ang="0">
-                <a:pos x="connsiteX7" y="connsiteY7"/>
-              </a:cxn>
-              <a:cxn ang="0">
-                <a:pos x="connsiteX8" y="connsiteY8"/>
-              </a:cxn>
-              <a:cxn ang="0">
-                <a:pos x="connsiteX9" y="connsiteY9"/>
-              </a:cxn>
-              <a:cxn ang="0">
-                <a:pos x="connsiteX10" y="connsiteY10"/>
-              </a:cxn>
-              <a:cxn ang="0">
-                <a:pos x="connsiteX11" y="connsiteY11"/>
-              </a:cxn>
-              <a:cxn ang="0">
-                <a:pos x="connsiteX12" y="connsiteY12"/>
-              </a:cxn>
-              <a:cxn ang="0">
-                <a:pos x="connsiteX13" y="connsiteY13"/>
-              </a:cxn>
-              <a:cxn ang="0">
-                <a:pos x="connsiteX14" y="connsiteY14"/>
-              </a:cxn>
-              <a:cxn ang="0">
-                <a:pos x="connsiteX15" y="connsiteY15"/>
-              </a:cxn>
-              <a:cxn ang="0">
-                <a:pos x="connsiteX16" y="connsiteY16"/>
-              </a:cxn>
-              <a:cxn ang="0">
-                <a:pos x="connsiteX17" y="connsiteY17"/>
-              </a:cxn>
-              <a:cxn ang="0">
-                <a:pos x="connsiteX18" y="connsiteY18"/>
-              </a:cxn>
-              <a:cxn ang="0">
-                <a:pos x="connsiteX19" y="connsiteY19"/>
-              </a:cxn>
-              <a:cxn ang="0">
-                <a:pos x="connsiteX20" y="connsiteY20"/>
-              </a:cxn>
-              <a:cxn ang="0">
-                <a:pos x="connsiteX21" y="connsiteY21"/>
-              </a:cxn>
-              <a:cxn ang="0">
-                <a:pos x="connsiteX22" y="connsiteY22"/>
-              </a:cxn>
-              <a:cxn ang="0">
-                <a:pos x="connsiteX23" y="connsiteY23"/>
-              </a:cxn>
-              <a:cxn ang="0">
-                <a:pos x="connsiteX24" y="connsiteY24"/>
-              </a:cxn>
-              <a:cxn ang="0">
-                <a:pos x="connsiteX25" y="connsiteY25"/>
-              </a:cxn>
-              <a:cxn ang="0">
-                <a:pos x="connsiteX26" y="connsiteY26"/>
-              </a:cxn>
-              <a:cxn ang="0">
-                <a:pos x="connsiteX27" y="connsiteY27"/>
-              </a:cxn>
-              <a:cxn ang="0">
-                <a:pos x="connsiteX28" y="connsiteY28"/>
-              </a:cxn>
-              <a:cxn ang="0">
-                <a:pos x="connsiteX29" y="connsiteY29"/>
-              </a:cxn>
-              <a:cxn ang="0">
-                <a:pos x="connsiteX30" y="connsiteY30"/>
-              </a:cxn>
-              <a:cxn ang="0">
-                <a:pos x="connsiteX31" y="connsiteY31"/>
-              </a:cxn>
-              <a:cxn ang="0">
-                <a:pos x="connsiteX32" y="connsiteY32"/>
-              </a:cxn>
-              <a:cxn ang="0">
-                <a:pos x="connsiteX33" y="connsiteY33"/>
-              </a:cxn>
-              <a:cxn ang="0">
-                <a:pos x="connsiteX34" y="connsiteY34"/>
-              </a:cxn>
-              <a:cxn ang="0">
-                <a:pos x="connsiteX35" y="connsiteY35"/>
-              </a:cxn>
-              <a:cxn ang="0">
-                <a:pos x="connsiteX36" y="connsiteY36"/>
-              </a:cxn>
-              <a:cxn ang="0">
-                <a:pos x="connsiteX37" y="connsiteY37"/>
-              </a:cxn>
-              <a:cxn ang="0">
-                <a:pos x="connsiteX38" y="connsiteY38"/>
-              </a:cxn>
-              <a:cxn ang="0">
-                <a:pos x="connsiteX39" y="connsiteY39"/>
-              </a:cxn>
-            </a:cxnLst>
-            <a:rect l="l" t="t" r="r" b="b"/>
-            <a:pathLst>
-              <a:path w="8331" h="5373">
-                <a:moveTo>
-                  <a:pt x="0" y="3663"/>
-                </a:moveTo>
-                <a:cubicBezTo>
-                  <a:pt x="28" y="3645"/>
-                  <a:pt x="91" y="3603"/>
-                  <a:pt x="92" y="3603"/>
-                </a:cubicBezTo>
-                <a:cubicBezTo>
-                  <a:pt x="412" y="3406"/>
-                  <a:pt x="810" y="3448"/>
-                  <a:pt x="810" y="3448"/>
-                </a:cubicBezTo>
-                <a:cubicBezTo>
-                  <a:pt x="892" y="3471"/>
-                  <a:pt x="945" y="3464"/>
-                  <a:pt x="1055" y="3516"/>
-                </a:cubicBezTo>
-                <a:cubicBezTo>
-                  <a:pt x="1207" y="3594"/>
-                  <a:pt x="1487" y="3755"/>
-                  <a:pt x="1765" y="4373"/>
-                </a:cubicBezTo>
-                <a:cubicBezTo>
-                  <a:pt x="2018" y="5005"/>
-                  <a:pt x="2598" y="5389"/>
-                  <a:pt x="2976" y="5372"/>
-                </a:cubicBezTo>
-                <a:lnTo>
-                  <a:pt x="2998" y="5371"/>
-                </a:lnTo>
-                <a:lnTo>
-                  <a:pt x="3019" y="5370"/>
-                </a:lnTo>
-                <a:lnTo>
-                  <a:pt x="3040" y="5368"/>
-                </a:lnTo>
-                <a:lnTo>
-                  <a:pt x="3070" y="5369"/>
-                </a:lnTo>
-                <a:lnTo>
-                  <a:pt x="3100" y="5370"/>
-                </a:lnTo>
-                <a:cubicBezTo>
-                  <a:pt x="3702" y="5386"/>
-                  <a:pt x="3971" y="4511"/>
-                  <a:pt x="4064" y="4094"/>
-                </a:cubicBezTo>
-                <a:cubicBezTo>
-                  <a:pt x="4131" y="3763"/>
-                  <a:pt x="4122" y="3695"/>
-                  <a:pt x="4151" y="3496"/>
-                </a:cubicBezTo>
-                <a:lnTo>
-                  <a:pt x="4230" y="3101"/>
-                </a:lnTo>
-                <a:cubicBezTo>
-                  <a:pt x="4312" y="2650"/>
-                  <a:pt x="4345" y="2612"/>
-                  <a:pt x="4455" y="2156"/>
-                </a:cubicBezTo>
-                <a:cubicBezTo>
-                  <a:pt x="4499" y="2002"/>
-                  <a:pt x="4502" y="1897"/>
-                  <a:pt x="4528" y="1837"/>
-                </a:cubicBezTo>
-                <a:cubicBezTo>
-                  <a:pt x="4533" y="1825"/>
-                  <a:pt x="4539" y="1811"/>
-                  <a:pt x="4540" y="1808"/>
-                </a:cubicBezTo>
-                <a:cubicBezTo>
-                  <a:pt x="4693" y="1089"/>
-                  <a:pt x="5488" y="341"/>
-                  <a:pt x="6452" y="360"/>
-                </a:cubicBezTo>
-                <a:lnTo>
-                  <a:pt x="6506" y="360"/>
-                </a:lnTo>
-                <a:lnTo>
-                  <a:pt x="6561" y="362"/>
-                </a:lnTo>
-                <a:lnTo>
-                  <a:pt x="6616" y="365"/>
-                </a:lnTo>
-                <a:lnTo>
-                  <a:pt x="6672" y="369"/>
-                </a:lnTo>
-                <a:lnTo>
-                  <a:pt x="6679" y="369"/>
-                </a:lnTo>
-                <a:cubicBezTo>
-                  <a:pt x="6800" y="369"/>
-                  <a:pt x="6990" y="375"/>
-                  <a:pt x="7062" y="377"/>
-                </a:cubicBezTo>
-                <a:cubicBezTo>
-                  <a:pt x="7073" y="377"/>
-                  <a:pt x="7087" y="377"/>
-                  <a:pt x="7089" y="378"/>
-                </a:cubicBezTo>
-                <a:cubicBezTo>
-                  <a:pt x="7198" y="381"/>
-                  <a:pt x="7367" y="384"/>
-                  <a:pt x="7422" y="384"/>
-                </a:cubicBezTo>
-                <a:cubicBezTo>
-                  <a:pt x="7430" y="384"/>
-                  <a:pt x="7439" y="384"/>
-                  <a:pt x="7440" y="384"/>
-                </a:cubicBezTo>
-                <a:lnTo>
-                  <a:pt x="7474" y="384"/>
-                </a:lnTo>
-                <a:cubicBezTo>
-                  <a:pt x="8145" y="384"/>
-                  <a:pt x="8339" y="157"/>
-                  <a:pt x="8331" y="55"/>
-                </a:cubicBezTo>
-                <a:lnTo>
-                  <a:pt x="8331" y="49"/>
-                </a:lnTo>
-                <a:lnTo>
-                  <a:pt x="8330" y="44"/>
-                </a:lnTo>
-                <a:lnTo>
-                  <a:pt x="8329" y="38"/>
-                </a:lnTo>
-                <a:lnTo>
-                  <a:pt x="8328" y="33"/>
-                </a:lnTo>
-                <a:lnTo>
-                  <a:pt x="8328" y="25"/>
-                </a:lnTo>
-                <a:lnTo>
-                  <a:pt x="8328" y="17"/>
-                </a:lnTo>
-                <a:lnTo>
-                  <a:pt x="8327" y="9"/>
-                </a:lnTo>
-                <a:lnTo>
-                  <a:pt x="8326" y="1"/>
-                </a:lnTo>
-                <a:lnTo>
-                  <a:pt x="8326" y="0"/>
-                </a:lnTo>
-                <a:lnTo>
-                  <a:pt x="0" y="0"/>
-                </a:lnTo>
-                <a:lnTo>
-                  <a:pt x="0" y="3663"/>
-                </a:lnTo>
-                <a:close/>
-              </a:path>
-            </a:pathLst>
-          </a:custGeom>
-          <a:solidFill>
-            <a:srgbClr val="2F4275"/>
-          </a:solidFill>
-          <a:ln>
-            <a:noFill/>
-          </a:ln>
-        </p:spPr>
-        <p:style>
-          <a:lnRef idx="2">
-            <a:schemeClr val="accent1">
-              <a:shade val="50000"/>
-            </a:schemeClr>
-          </a:lnRef>
-          <a:fillRef idx="1">
-            <a:schemeClr val="accent1"/>
-          </a:fillRef>
-          <a:effectRef idx="0">
-            <a:schemeClr val="accent1"/>
-          </a:effectRef>
-          <a:fontRef idx="minor">
-            <a:schemeClr val="lt1"/>
-          </a:fontRef>
-        </p:style>
-        <p:txBody>
-          <a:bodyPr wrap="square" rtlCol="0" anchor="ctr">
-            <a:noAutofit/>
-          </a:bodyPr>
-          <a:lstStyle>
-            <a:defPPr>
-              <a:defRPr lang="zh-CN">
-                <a:solidFill>
-                  <a:schemeClr val="lt1"/>
-                </a:solidFill>
-              </a:defRPr>
-            </a:defPPr>
-            <a:lvl1pPr marL="0" algn="l" defTabSz="914400" rtl="0" eaLnBrk="1" latinLnBrk="0" hangingPunct="1">
-              <a:defRPr sz="1800" kern="1200">
-                <a:solidFill>
-                  <a:schemeClr val="lt1"/>
-                </a:solidFill>
-                <a:latin typeface="+mn-lt"/>
-                <a:ea typeface="+mn-ea"/>
-                <a:cs typeface="+mn-cs"/>
-              </a:defRPr>
-            </a:lvl1pPr>
-            <a:lvl2pPr marL="457200" algn="l" defTabSz="914400" rtl="0" eaLnBrk="1" latinLnBrk="0" hangingPunct="1">
-              <a:defRPr sz="1800" kern="1200">
-                <a:solidFill>
-                  <a:schemeClr val="lt1"/>
-                </a:solidFill>
-                <a:latin typeface="+mn-lt"/>
-                <a:ea typeface="+mn-ea"/>
-                <a:cs typeface="+mn-cs"/>
-              </a:defRPr>
-            </a:lvl2pPr>
-            <a:lvl3pPr marL="914400" algn="l" defTabSz="914400" rtl="0" eaLnBrk="1" latinLnBrk="0" hangingPunct="1">
-              <a:defRPr sz="1800" kern="1200">
-                <a:solidFill>
-                  <a:schemeClr val="lt1"/>
-                </a:solidFill>
-                <a:latin typeface="+mn-lt"/>
-                <a:ea typeface="+mn-ea"/>
-                <a:cs typeface="+mn-cs"/>
-              </a:defRPr>
-            </a:lvl3pPr>
-            <a:lvl4pPr marL="1371600" algn="l" defTabSz="914400" rtl="0" eaLnBrk="1" latinLnBrk="0" hangingPunct="1">
-              <a:defRPr sz="1800" kern="1200">
-                <a:solidFill>
-                  <a:schemeClr val="lt1"/>
-                </a:solidFill>
-                <a:latin typeface="+mn-lt"/>
-                <a:ea typeface="+mn-ea"/>
-                <a:cs typeface="+mn-cs"/>
-              </a:defRPr>
-            </a:lvl4pPr>
-            <a:lvl5pPr marL="1828800" algn="l" defTabSz="914400" rtl="0" eaLnBrk="1" latinLnBrk="0" hangingPunct="1">
-              <a:defRPr sz="1800" kern="1200">
-                <a:solidFill>
-                  <a:schemeClr val="lt1"/>
-                </a:solidFill>
-                <a:latin typeface="+mn-lt"/>
-                <a:ea typeface="+mn-ea"/>
-                <a:cs typeface="+mn-cs"/>
-              </a:defRPr>
-            </a:lvl5pPr>
-            <a:lvl6pPr marL="2286000" algn="l" defTabSz="914400" rtl="0" eaLnBrk="1" latinLnBrk="0" hangingPunct="1">
-              <a:defRPr sz="1800" kern="1200">
-                <a:solidFill>
-                  <a:schemeClr val="lt1"/>
-                </a:solidFill>
-                <a:latin typeface="+mn-lt"/>
-                <a:ea typeface="+mn-ea"/>
-                <a:cs typeface="+mn-cs"/>
-              </a:defRPr>
-            </a:lvl6pPr>
-            <a:lvl7pPr marL="2743200" algn="l" defTabSz="914400" rtl="0" eaLnBrk="1" latinLnBrk="0" hangingPunct="1">
-              <a:defRPr sz="1800" kern="1200">
-                <a:solidFill>
-                  <a:schemeClr val="lt1"/>
-                </a:solidFill>
-                <a:latin typeface="+mn-lt"/>
-                <a:ea typeface="+mn-ea"/>
-                <a:cs typeface="+mn-cs"/>
-              </a:defRPr>
-            </a:lvl7pPr>
-            <a:lvl8pPr marL="3200400" algn="l" defTabSz="914400" rtl="0" eaLnBrk="1" latinLnBrk="0" hangingPunct="1">
-              <a:defRPr sz="1800" kern="1200">
-                <a:solidFill>
-                  <a:schemeClr val="lt1"/>
-                </a:solidFill>
-                <a:latin typeface="+mn-lt"/>
-                <a:ea typeface="+mn-ea"/>
-                <a:cs typeface="+mn-cs"/>
-              </a:defRPr>
-            </a:lvl8pPr>
-            <a:lvl9pPr marL="3657600" algn="l" defTabSz="914400" rtl="0" eaLnBrk="1" latinLnBrk="0" hangingPunct="1">
-              <a:defRPr sz="1800" kern="1200">
-                <a:solidFill>
-                  <a:schemeClr val="lt1"/>
-                </a:solidFill>
-                <a:latin typeface="+mn-lt"/>
-                <a:ea typeface="+mn-ea"/>
-                <a:cs typeface="+mn-cs"/>
-              </a:defRPr>
-            </a:lvl9pPr>
-          </a:lstStyle>
-          <a:p>
-            <a:pPr algn="ctr"/>
-            <a:endParaRPr lang="zh-CN" altLang="en-US">
-              <a:cs typeface="汉仪旗黑-55简" panose="00020600040101010101" charset="-128"/>
-            </a:endParaRPr>
-          </a:p>
-        </p:txBody>
-      </p:sp>
-      <p:sp>
-        <p:nvSpPr>
-          <p:cNvPr id="32" name="任意多边形 31"/>
-          <p:cNvSpPr/>
-          <p:nvPr/>
-        </p:nvSpPr>
-        <p:spPr>
-          <a:xfrm flipH="1">
-            <a:off x="9263380" y="5890260"/>
-            <a:ext cx="2894965" cy="967740"/>
-          </a:xfrm>
-          <a:custGeom>
-            <a:avLst/>
-            <a:gdLst/>
-            <a:ahLst/>
-            <a:cxnLst>
-              <a:cxn ang="3">
-                <a:pos x="hc" y="t"/>
-              </a:cxn>
-              <a:cxn ang="cd2">
-                <a:pos x="l" y="vc"/>
-              </a:cxn>
-              <a:cxn ang="cd4">
-                <a:pos x="hc" y="b"/>
-              </a:cxn>
-              <a:cxn ang="0">
-                <a:pos x="r" y="vc"/>
-              </a:cxn>
-            </a:cxnLst>
-            <a:rect l="l" t="t" r="r" b="b"/>
-            <a:pathLst>
-              <a:path w="5463" h="1828">
-                <a:moveTo>
-                  <a:pt x="0" y="1826"/>
-                </a:moveTo>
-                <a:cubicBezTo>
-                  <a:pt x="67" y="1515"/>
-                  <a:pt x="444" y="952"/>
-                  <a:pt x="1100" y="592"/>
-                </a:cubicBezTo>
-                <a:cubicBezTo>
-                  <a:pt x="1617" y="286"/>
-                  <a:pt x="2203" y="-11"/>
-                  <a:pt x="2803" y="0"/>
-                </a:cubicBezTo>
-                <a:cubicBezTo>
-                  <a:pt x="4009" y="-45"/>
-                  <a:pt x="5024" y="827"/>
-                  <a:pt x="5463" y="1826"/>
-                </a:cubicBezTo>
-                <a:lnTo>
-                  <a:pt x="0" y="1826"/>
-                </a:lnTo>
-                <a:close/>
-              </a:path>
-            </a:pathLst>
-          </a:custGeom>
-          <a:solidFill>
-            <a:schemeClr val="tx1">
-              <a:lumMod val="85000"/>
-              <a:lumOff val="15000"/>
-            </a:schemeClr>
-          </a:solidFill>
-          <a:ln>
-            <a:noFill/>
-          </a:ln>
-        </p:spPr>
-        <p:style>
-          <a:lnRef idx="2">
-            <a:schemeClr val="accent1">
-              <a:shade val="50000"/>
-            </a:schemeClr>
-          </a:lnRef>
-          <a:fillRef idx="1">
-            <a:schemeClr val="accent1"/>
-          </a:fillRef>
-          <a:effectRef idx="0">
-            <a:schemeClr val="accent1"/>
-          </a:effectRef>
-          <a:fontRef idx="minor">
-            <a:schemeClr val="lt1"/>
-          </a:fontRef>
-        </p:style>
-        <p:txBody>
-          <a:bodyPr wrap="square" rtlCol="0" anchor="ctr">
-            <a:noAutofit/>
-          </a:bodyPr>
-          <a:lstStyle>
-            <a:defPPr>
-              <a:defRPr lang="zh-CN">
-                <a:solidFill>
-                  <a:schemeClr val="lt1"/>
-                </a:solidFill>
-              </a:defRPr>
-            </a:defPPr>
-            <a:lvl1pPr marL="0" algn="l" defTabSz="914400" rtl="0" eaLnBrk="1" latinLnBrk="0" hangingPunct="1">
-              <a:defRPr sz="1800" kern="1200">
-                <a:solidFill>
-                  <a:schemeClr val="lt1"/>
-                </a:solidFill>
-                <a:latin typeface="+mn-lt"/>
-                <a:ea typeface="+mn-ea"/>
-                <a:cs typeface="+mn-cs"/>
-              </a:defRPr>
-            </a:lvl1pPr>
-            <a:lvl2pPr marL="457200" algn="l" defTabSz="914400" rtl="0" eaLnBrk="1" latinLnBrk="0" hangingPunct="1">
-              <a:defRPr sz="1800" kern="1200">
-                <a:solidFill>
-                  <a:schemeClr val="lt1"/>
-                </a:solidFill>
-                <a:latin typeface="+mn-lt"/>
-                <a:ea typeface="+mn-ea"/>
-                <a:cs typeface="+mn-cs"/>
-              </a:defRPr>
-            </a:lvl2pPr>
-            <a:lvl3pPr marL="914400" algn="l" defTabSz="914400" rtl="0" eaLnBrk="1" latinLnBrk="0" hangingPunct="1">
-              <a:defRPr sz="1800" kern="1200">
-                <a:solidFill>
-                  <a:schemeClr val="lt1"/>
-                </a:solidFill>
-                <a:latin typeface="+mn-lt"/>
-                <a:ea typeface="+mn-ea"/>
-                <a:cs typeface="+mn-cs"/>
-              </a:defRPr>
-            </a:lvl3pPr>
-            <a:lvl4pPr marL="1371600" algn="l" defTabSz="914400" rtl="0" eaLnBrk="1" latinLnBrk="0" hangingPunct="1">
-              <a:defRPr sz="1800" kern="1200">
-                <a:solidFill>
-                  <a:schemeClr val="lt1"/>
-                </a:solidFill>
-                <a:latin typeface="+mn-lt"/>
-                <a:ea typeface="+mn-ea"/>
-                <a:cs typeface="+mn-cs"/>
-              </a:defRPr>
-            </a:lvl4pPr>
-            <a:lvl5pPr marL="1828800" algn="l" defTabSz="914400" rtl="0" eaLnBrk="1" latinLnBrk="0" hangingPunct="1">
-              <a:defRPr sz="1800" kern="1200">
-                <a:solidFill>
-                  <a:schemeClr val="lt1"/>
-                </a:solidFill>
-                <a:latin typeface="+mn-lt"/>
-                <a:ea typeface="+mn-ea"/>
-                <a:cs typeface="+mn-cs"/>
-              </a:defRPr>
-            </a:lvl5pPr>
-            <a:lvl6pPr marL="2286000" algn="l" defTabSz="914400" rtl="0" eaLnBrk="1" latinLnBrk="0" hangingPunct="1">
-              <a:defRPr sz="1800" kern="1200">
-                <a:solidFill>
-                  <a:schemeClr val="lt1"/>
-                </a:solidFill>
-                <a:latin typeface="+mn-lt"/>
-                <a:ea typeface="+mn-ea"/>
-                <a:cs typeface="+mn-cs"/>
-              </a:defRPr>
-            </a:lvl6pPr>
-            <a:lvl7pPr marL="2743200" algn="l" defTabSz="914400" rtl="0" eaLnBrk="1" latinLnBrk="0" hangingPunct="1">
-              <a:defRPr sz="1800" kern="1200">
-                <a:solidFill>
-                  <a:schemeClr val="lt1"/>
-                </a:solidFill>
-                <a:latin typeface="+mn-lt"/>
-                <a:ea typeface="+mn-ea"/>
-                <a:cs typeface="+mn-cs"/>
-              </a:defRPr>
-            </a:lvl7pPr>
-            <a:lvl8pPr marL="3200400" algn="l" defTabSz="914400" rtl="0" eaLnBrk="1" latinLnBrk="0" hangingPunct="1">
-              <a:defRPr sz="1800" kern="1200">
-                <a:solidFill>
-                  <a:schemeClr val="lt1"/>
-                </a:solidFill>
-                <a:latin typeface="+mn-lt"/>
-                <a:ea typeface="+mn-ea"/>
-                <a:cs typeface="+mn-cs"/>
-              </a:defRPr>
-            </a:lvl8pPr>
-            <a:lvl9pPr marL="3657600" algn="l" defTabSz="914400" rtl="0" eaLnBrk="1" latinLnBrk="0" hangingPunct="1">
-              <a:defRPr sz="1800" kern="1200">
-                <a:solidFill>
-                  <a:schemeClr val="lt1"/>
-                </a:solidFill>
-                <a:latin typeface="+mn-lt"/>
-                <a:ea typeface="+mn-ea"/>
-                <a:cs typeface="+mn-cs"/>
-              </a:defRPr>
-            </a:lvl9pPr>
-          </a:lstStyle>
-          <a:p>
-            <a:pPr algn="ctr"/>
-            <a:endParaRPr lang="zh-CN" altLang="en-US">
-              <a:cs typeface="汉仪旗黑-55简" panose="00020600040101010101" charset="-128"/>
-            </a:endParaRPr>
-          </a:p>
-        </p:txBody>
-      </p:sp>
-      <p:sp>
-        <p:nvSpPr>
-          <p:cNvPr id="77" name="任意多边形 76"/>
-          <p:cNvSpPr/>
-          <p:nvPr/>
-        </p:nvSpPr>
-        <p:spPr>
-          <a:xfrm>
-            <a:off x="8708801" y="4293644"/>
-            <a:ext cx="3483199" cy="2563721"/>
-          </a:xfrm>
-          <a:custGeom>
-            <a:avLst/>
-            <a:gdLst/>
-            <a:ahLst/>
-            <a:cxnLst>
-              <a:cxn ang="3">
-                <a:pos x="hc" y="t"/>
-              </a:cxn>
-              <a:cxn ang="cd2">
-                <a:pos x="l" y="vc"/>
-              </a:cxn>
-              <a:cxn ang="cd4">
-                <a:pos x="hc" y="b"/>
-              </a:cxn>
-              <a:cxn ang="0">
-                <a:pos x="r" y="vc"/>
-              </a:cxn>
-            </a:cxnLst>
-            <a:rect l="l" t="t" r="r" b="b"/>
-            <a:pathLst>
-              <a:path w="5485" h="4044">
-                <a:moveTo>
-                  <a:pt x="0" y="4037"/>
-                </a:moveTo>
-                <a:cubicBezTo>
-                  <a:pt x="532" y="1406"/>
-                  <a:pt x="3081" y="-124"/>
-                  <a:pt x="3559" y="0"/>
-                </a:cubicBezTo>
-                <a:lnTo>
-                  <a:pt x="3591" y="0"/>
-                </a:lnTo>
-                <a:lnTo>
-                  <a:pt x="3715" y="6"/>
-                </a:lnTo>
-                <a:lnTo>
-                  <a:pt x="3749" y="5"/>
-                </a:lnTo>
-                <a:lnTo>
-                  <a:pt x="3783" y="5"/>
-                </a:lnTo>
-                <a:cubicBezTo>
-                  <a:pt x="4501" y="-6"/>
-                  <a:pt x="5429" y="992"/>
-                  <a:pt x="5480" y="1519"/>
-                </a:cubicBezTo>
-                <a:lnTo>
-                  <a:pt x="5485" y="1541"/>
-                </a:lnTo>
-                <a:lnTo>
-                  <a:pt x="5485" y="4037"/>
-                </a:lnTo>
-                <a:lnTo>
-                  <a:pt x="0" y="4037"/>
-                </a:lnTo>
-                <a:close/>
-              </a:path>
-            </a:pathLst>
-          </a:custGeom>
-          <a:solidFill>
-            <a:schemeClr val="bg1">
-              <a:lumMod val="85000"/>
-            </a:schemeClr>
-          </a:solidFill>
-          <a:ln>
-            <a:noFill/>
-          </a:ln>
-        </p:spPr>
-        <p:style>
-          <a:lnRef idx="2">
-            <a:schemeClr val="accent1">
-              <a:shade val="50000"/>
-            </a:schemeClr>
-          </a:lnRef>
-          <a:fillRef idx="1">
-            <a:schemeClr val="accent1"/>
-          </a:fillRef>
-          <a:effectRef idx="0">
-            <a:schemeClr val="accent1"/>
-          </a:effectRef>
-          <a:fontRef idx="minor">
-            <a:schemeClr val="lt1"/>
-          </a:fontRef>
-        </p:style>
-        <p:txBody>
-          <a:bodyPr wrap="square" rtlCol="0" anchor="ctr">
-            <a:noAutofit/>
-          </a:bodyPr>
-          <a:lstStyle>
-            <a:defPPr>
-              <a:defRPr lang="zh-CN">
-                <a:solidFill>
-                  <a:schemeClr val="lt1"/>
-                </a:solidFill>
-              </a:defRPr>
-            </a:defPPr>
-            <a:lvl1pPr marL="0" algn="l" defTabSz="914400" rtl="0" eaLnBrk="1" latinLnBrk="0" hangingPunct="1">
-              <a:defRPr sz="1800" kern="1200">
-                <a:solidFill>
-                  <a:schemeClr val="lt1"/>
-                </a:solidFill>
-                <a:latin typeface="+mn-lt"/>
-                <a:ea typeface="+mn-ea"/>
-                <a:cs typeface="+mn-cs"/>
-              </a:defRPr>
-            </a:lvl1pPr>
-            <a:lvl2pPr marL="457200" algn="l" defTabSz="914400" rtl="0" eaLnBrk="1" latinLnBrk="0" hangingPunct="1">
-              <a:defRPr sz="1800" kern="1200">
-                <a:solidFill>
-                  <a:schemeClr val="lt1"/>
-                </a:solidFill>
-                <a:latin typeface="+mn-lt"/>
-                <a:ea typeface="+mn-ea"/>
-                <a:cs typeface="+mn-cs"/>
-              </a:defRPr>
-            </a:lvl2pPr>
-            <a:lvl3pPr marL="914400" algn="l" defTabSz="914400" rtl="0" eaLnBrk="1" latinLnBrk="0" hangingPunct="1">
-              <a:defRPr sz="1800" kern="1200">
-                <a:solidFill>
-                  <a:schemeClr val="lt1"/>
-                </a:solidFill>
-                <a:latin typeface="+mn-lt"/>
-                <a:ea typeface="+mn-ea"/>
-                <a:cs typeface="+mn-cs"/>
-              </a:defRPr>
-            </a:lvl3pPr>
-            <a:lvl4pPr marL="1371600" algn="l" defTabSz="914400" rtl="0" eaLnBrk="1" latinLnBrk="0" hangingPunct="1">
-              <a:defRPr sz="1800" kern="1200">
-                <a:solidFill>
-                  <a:schemeClr val="lt1"/>
-                </a:solidFill>
-                <a:latin typeface="+mn-lt"/>
-                <a:ea typeface="+mn-ea"/>
-                <a:cs typeface="+mn-cs"/>
-              </a:defRPr>
-            </a:lvl4pPr>
-            <a:lvl5pPr marL="1828800" algn="l" defTabSz="914400" rtl="0" eaLnBrk="1" latinLnBrk="0" hangingPunct="1">
-              <a:defRPr sz="1800" kern="1200">
-                <a:solidFill>
-                  <a:schemeClr val="lt1"/>
-                </a:solidFill>
-                <a:latin typeface="+mn-lt"/>
-                <a:ea typeface="+mn-ea"/>
-                <a:cs typeface="+mn-cs"/>
-              </a:defRPr>
-            </a:lvl5pPr>
-            <a:lvl6pPr marL="2286000" algn="l" defTabSz="914400" rtl="0" eaLnBrk="1" latinLnBrk="0" hangingPunct="1">
-              <a:defRPr sz="1800" kern="1200">
-                <a:solidFill>
-                  <a:schemeClr val="lt1"/>
-                </a:solidFill>
-                <a:latin typeface="+mn-lt"/>
-                <a:ea typeface="+mn-ea"/>
-                <a:cs typeface="+mn-cs"/>
-              </a:defRPr>
-            </a:lvl6pPr>
-            <a:lvl7pPr marL="2743200" algn="l" defTabSz="914400" rtl="0" eaLnBrk="1" latinLnBrk="0" hangingPunct="1">
-              <a:defRPr sz="1800" kern="1200">
-                <a:solidFill>
-                  <a:schemeClr val="lt1"/>
-                </a:solidFill>
-                <a:latin typeface="+mn-lt"/>
-                <a:ea typeface="+mn-ea"/>
-                <a:cs typeface="+mn-cs"/>
-              </a:defRPr>
-            </a:lvl7pPr>
-            <a:lvl8pPr marL="3200400" algn="l" defTabSz="914400" rtl="0" eaLnBrk="1" latinLnBrk="0" hangingPunct="1">
-              <a:defRPr sz="1800" kern="1200">
-                <a:solidFill>
-                  <a:schemeClr val="lt1"/>
-                </a:solidFill>
-                <a:latin typeface="+mn-lt"/>
-                <a:ea typeface="+mn-ea"/>
-                <a:cs typeface="+mn-cs"/>
-              </a:defRPr>
-            </a:lvl8pPr>
-            <a:lvl9pPr marL="3657600" algn="l" defTabSz="914400" rtl="0" eaLnBrk="1" latinLnBrk="0" hangingPunct="1">
-              <a:defRPr sz="1800" kern="1200">
-                <a:solidFill>
-                  <a:schemeClr val="lt1"/>
-                </a:solidFill>
-                <a:latin typeface="+mn-lt"/>
-                <a:ea typeface="+mn-ea"/>
-                <a:cs typeface="+mn-cs"/>
-              </a:defRPr>
-            </a:lvl9pPr>
-          </a:lstStyle>
-          <a:p>
-            <a:pPr algn="ctr"/>
-            <a:endParaRPr lang="zh-CN" altLang="en-US">
-              <a:cs typeface="汉仪旗黑-55简" panose="00020600040101010101" charset="-128"/>
-            </a:endParaRPr>
-          </a:p>
-        </p:txBody>
-      </p:sp>
-      <p:sp>
-        <p:nvSpPr>
-          <p:cNvPr id="55" name="任意多边形 54"/>
-          <p:cNvSpPr/>
-          <p:nvPr/>
-        </p:nvSpPr>
-        <p:spPr>
-          <a:xfrm>
-            <a:off x="8021955" y="4669155"/>
-            <a:ext cx="4170045" cy="2188210"/>
-          </a:xfrm>
-          <a:custGeom>
-            <a:avLst/>
-            <a:gdLst>
-              <a:gd name="connsiteX0" fmla="*/ 0 w 7048"/>
-              <a:gd name="connsiteY0" fmla="*/ 3698 h 3698"/>
-              <a:gd name="connsiteX1" fmla="*/ 3188 w 7048"/>
-              <a:gd name="connsiteY1" fmla="*/ 0 h 3698"/>
-              <a:gd name="connsiteX2" fmla="*/ 3293 w 7048"/>
-              <a:gd name="connsiteY2" fmla="*/ 4 h 3698"/>
-              <a:gd name="connsiteX3" fmla="*/ 4791 w 7048"/>
-              <a:gd name="connsiteY3" fmla="*/ 1085 h 3698"/>
-              <a:gd name="connsiteX4" fmla="*/ 5430 w 7048"/>
-              <a:gd name="connsiteY4" fmla="*/ 1784 h 3698"/>
-              <a:gd name="connsiteX5" fmla="*/ 5524 w 7048"/>
-              <a:gd name="connsiteY5" fmla="*/ 1782 h 3698"/>
-              <a:gd name="connsiteX6" fmla="*/ 6708 w 7048"/>
-              <a:gd name="connsiteY6" fmla="*/ 1018 h 3698"/>
-              <a:gd name="connsiteX7" fmla="*/ 6722 w 7048"/>
-              <a:gd name="connsiteY7" fmla="*/ 1006 h 3698"/>
-              <a:gd name="connsiteX8" fmla="*/ 6737 w 7048"/>
-              <a:gd name="connsiteY8" fmla="*/ 992 h 3698"/>
-              <a:gd name="connsiteX9" fmla="*/ 6755 w 7048"/>
-              <a:gd name="connsiteY9" fmla="*/ 976 h 3698"/>
-              <a:gd name="connsiteX10" fmla="*/ 6773 w 7048"/>
-              <a:gd name="connsiteY10" fmla="*/ 961 h 3698"/>
-              <a:gd name="connsiteX11" fmla="*/ 6789 w 7048"/>
-              <a:gd name="connsiteY11" fmla="*/ 945 h 3698"/>
-              <a:gd name="connsiteX12" fmla="*/ 6793 w 7048"/>
-              <a:gd name="connsiteY12" fmla="*/ 941 h 3698"/>
-              <a:gd name="connsiteX13" fmla="*/ 7048 w 7048"/>
-              <a:gd name="connsiteY13" fmla="*/ 716 h 3698"/>
-              <a:gd name="connsiteX14" fmla="*/ 7048 w 7048"/>
-              <a:gd name="connsiteY14" fmla="*/ 3698 h 3698"/>
-              <a:gd name="connsiteX15" fmla="*/ 0 w 7048"/>
-              <a:gd name="connsiteY15" fmla="*/ 3698 h 3698"/>
-            </a:gdLst>
-            <a:ahLst/>
-            <a:cxnLst>
-              <a:cxn ang="0">
-                <a:pos x="connsiteX0" y="connsiteY0"/>
-              </a:cxn>
-              <a:cxn ang="0">
-                <a:pos x="connsiteX1" y="connsiteY1"/>
-              </a:cxn>
-              <a:cxn ang="0">
-                <a:pos x="connsiteX2" y="connsiteY2"/>
-              </a:cxn>
-              <a:cxn ang="0">
-                <a:pos x="connsiteX3" y="connsiteY3"/>
-              </a:cxn>
-              <a:cxn ang="0">
-                <a:pos x="connsiteX4" y="connsiteY4"/>
-              </a:cxn>
-              <a:cxn ang="0">
-                <a:pos x="connsiteX5" y="connsiteY5"/>
-              </a:cxn>
-              <a:cxn ang="0">
-                <a:pos x="connsiteX6" y="connsiteY6"/>
-              </a:cxn>
-              <a:cxn ang="0">
-                <a:pos x="connsiteX7" y="connsiteY7"/>
-              </a:cxn>
-              <a:cxn ang="0">
-                <a:pos x="connsiteX8" y="connsiteY8"/>
-              </a:cxn>
-              <a:cxn ang="0">
-                <a:pos x="connsiteX9" y="connsiteY9"/>
-              </a:cxn>
-              <a:cxn ang="0">
-                <a:pos x="connsiteX10" y="connsiteY10"/>
-              </a:cxn>
-              <a:cxn ang="0">
-                <a:pos x="connsiteX11" y="connsiteY11"/>
-              </a:cxn>
-              <a:cxn ang="0">
-                <a:pos x="connsiteX12" y="connsiteY12"/>
-              </a:cxn>
-              <a:cxn ang="0">
-                <a:pos x="connsiteX13" y="connsiteY13"/>
-              </a:cxn>
-              <a:cxn ang="0">
-                <a:pos x="connsiteX14" y="connsiteY14"/>
-              </a:cxn>
-              <a:cxn ang="0">
-                <a:pos x="connsiteX15" y="connsiteY15"/>
-              </a:cxn>
-            </a:cxnLst>
-            <a:rect l="l" t="t" r="r" b="b"/>
-            <a:pathLst>
-              <a:path w="7048" h="3698">
-                <a:moveTo>
-                  <a:pt x="0" y="3698"/>
-                </a:moveTo>
-                <a:cubicBezTo>
-                  <a:pt x="213" y="1107"/>
-                  <a:pt x="2537" y="11"/>
-                  <a:pt x="3188" y="0"/>
-                </a:cubicBezTo>
-                <a:lnTo>
-                  <a:pt x="3293" y="4"/>
-                </a:lnTo>
-                <a:cubicBezTo>
-                  <a:pt x="3896" y="-17"/>
-                  <a:pt x="4685" y="596"/>
-                  <a:pt x="4791" y="1085"/>
-                </a:cubicBezTo>
-                <a:cubicBezTo>
-                  <a:pt x="4887" y="1456"/>
-                  <a:pt x="5188" y="1796"/>
-                  <a:pt x="5430" y="1784"/>
-                </a:cubicBezTo>
-                <a:lnTo>
-                  <a:pt x="5524" y="1782"/>
-                </a:lnTo>
-                <a:cubicBezTo>
-                  <a:pt x="5847" y="1792"/>
-                  <a:pt x="6462" y="1237"/>
-                  <a:pt x="6708" y="1018"/>
-                </a:cubicBezTo>
-                <a:lnTo>
-                  <a:pt x="6722" y="1006"/>
-                </a:lnTo>
-                <a:lnTo>
-                  <a:pt x="6737" y="992"/>
-                </a:lnTo>
-                <a:lnTo>
-                  <a:pt x="6755" y="976"/>
-                </a:lnTo>
-                <a:lnTo>
-                  <a:pt x="6773" y="961"/>
-                </a:lnTo>
-                <a:lnTo>
-                  <a:pt x="6789" y="945"/>
-                </a:lnTo>
-                <a:lnTo>
-                  <a:pt x="6793" y="941"/>
-                </a:lnTo>
-                <a:cubicBezTo>
-                  <a:pt x="6869" y="868"/>
-                  <a:pt x="7028" y="731"/>
-                  <a:pt x="7048" y="716"/>
-                </a:cubicBezTo>
-                <a:lnTo>
-                  <a:pt x="7048" y="3698"/>
-                </a:lnTo>
-                <a:lnTo>
-                  <a:pt x="0" y="3698"/>
-                </a:lnTo>
-                <a:close/>
-              </a:path>
-            </a:pathLst>
-          </a:custGeom>
-          <a:solidFill>
-            <a:srgbClr val="2F4275"/>
-          </a:solidFill>
-          <a:ln>
-            <a:noFill/>
-          </a:ln>
-        </p:spPr>
-        <p:style>
-          <a:lnRef idx="2">
-            <a:schemeClr val="accent1">
-              <a:shade val="50000"/>
-            </a:schemeClr>
-          </a:lnRef>
-          <a:fillRef idx="1">
-            <a:schemeClr val="accent1"/>
-          </a:fillRef>
-          <a:effectRef idx="0">
-            <a:schemeClr val="accent1"/>
-          </a:effectRef>
-          <a:fontRef idx="minor">
-            <a:schemeClr val="lt1"/>
-          </a:fontRef>
-        </p:style>
-        <p:txBody>
-          <a:bodyPr wrap="square" rtlCol="0" anchor="ctr">
-            <a:noAutofit/>
-          </a:bodyPr>
-          <a:lstStyle>
-            <a:defPPr>
-              <a:defRPr lang="zh-CN">
-                <a:solidFill>
-                  <a:schemeClr val="lt1"/>
-                </a:solidFill>
-              </a:defRPr>
-            </a:defPPr>
-            <a:lvl1pPr marL="0" algn="l" defTabSz="914400" rtl="0" eaLnBrk="1" latinLnBrk="0" hangingPunct="1">
-              <a:defRPr sz="1800" kern="1200">
-                <a:solidFill>
-                  <a:schemeClr val="lt1"/>
-                </a:solidFill>
-                <a:latin typeface="+mn-lt"/>
-                <a:ea typeface="+mn-ea"/>
-                <a:cs typeface="+mn-cs"/>
-              </a:defRPr>
-            </a:lvl1pPr>
-            <a:lvl2pPr marL="457200" algn="l" defTabSz="914400" rtl="0" eaLnBrk="1" latinLnBrk="0" hangingPunct="1">
-              <a:defRPr sz="1800" kern="1200">
-                <a:solidFill>
-                  <a:schemeClr val="lt1"/>
-                </a:solidFill>
-                <a:latin typeface="+mn-lt"/>
-                <a:ea typeface="+mn-ea"/>
-                <a:cs typeface="+mn-cs"/>
-              </a:defRPr>
-            </a:lvl2pPr>
-            <a:lvl3pPr marL="914400" algn="l" defTabSz="914400" rtl="0" eaLnBrk="1" latinLnBrk="0" hangingPunct="1">
-              <a:defRPr sz="1800" kern="1200">
-                <a:solidFill>
-                  <a:schemeClr val="lt1"/>
-                </a:solidFill>
-                <a:latin typeface="+mn-lt"/>
-                <a:ea typeface="+mn-ea"/>
-                <a:cs typeface="+mn-cs"/>
-              </a:defRPr>
-            </a:lvl3pPr>
-            <a:lvl4pPr marL="1371600" algn="l" defTabSz="914400" rtl="0" eaLnBrk="1" latinLnBrk="0" hangingPunct="1">
-              <a:defRPr sz="1800" kern="1200">
-                <a:solidFill>
-                  <a:schemeClr val="lt1"/>
-                </a:solidFill>
-                <a:latin typeface="+mn-lt"/>
-                <a:ea typeface="+mn-ea"/>
-                <a:cs typeface="+mn-cs"/>
-              </a:defRPr>
-            </a:lvl4pPr>
-            <a:lvl5pPr marL="1828800" algn="l" defTabSz="914400" rtl="0" eaLnBrk="1" latinLnBrk="0" hangingPunct="1">
-              <a:defRPr sz="1800" kern="1200">
-                <a:solidFill>
-                  <a:schemeClr val="lt1"/>
-                </a:solidFill>
-                <a:latin typeface="+mn-lt"/>
-                <a:ea typeface="+mn-ea"/>
-                <a:cs typeface="+mn-cs"/>
-              </a:defRPr>
-            </a:lvl5pPr>
-            <a:lvl6pPr marL="2286000" algn="l" defTabSz="914400" rtl="0" eaLnBrk="1" latinLnBrk="0" hangingPunct="1">
-              <a:defRPr sz="1800" kern="1200">
-                <a:solidFill>
-                  <a:schemeClr val="lt1"/>
-                </a:solidFill>
-                <a:latin typeface="+mn-lt"/>
-                <a:ea typeface="+mn-ea"/>
-                <a:cs typeface="+mn-cs"/>
-              </a:defRPr>
-            </a:lvl6pPr>
-            <a:lvl7pPr marL="2743200" algn="l" defTabSz="914400" rtl="0" eaLnBrk="1" latinLnBrk="0" hangingPunct="1">
-              <a:defRPr sz="1800" kern="1200">
-                <a:solidFill>
-                  <a:schemeClr val="lt1"/>
-                </a:solidFill>
-                <a:latin typeface="+mn-lt"/>
-                <a:ea typeface="+mn-ea"/>
-                <a:cs typeface="+mn-cs"/>
-              </a:defRPr>
-            </a:lvl7pPr>
-            <a:lvl8pPr marL="3200400" algn="l" defTabSz="914400" rtl="0" eaLnBrk="1" latinLnBrk="0" hangingPunct="1">
-              <a:defRPr sz="1800" kern="1200">
-                <a:solidFill>
-                  <a:schemeClr val="lt1"/>
-                </a:solidFill>
-                <a:latin typeface="+mn-lt"/>
-                <a:ea typeface="+mn-ea"/>
-                <a:cs typeface="+mn-cs"/>
-              </a:defRPr>
-            </a:lvl8pPr>
-            <a:lvl9pPr marL="3657600" algn="l" defTabSz="914400" rtl="0" eaLnBrk="1" latinLnBrk="0" hangingPunct="1">
-              <a:defRPr sz="1800" kern="1200">
-                <a:solidFill>
-                  <a:schemeClr val="lt1"/>
-                </a:solidFill>
-                <a:latin typeface="+mn-lt"/>
-                <a:ea typeface="+mn-ea"/>
-                <a:cs typeface="+mn-cs"/>
-              </a:defRPr>
-            </a:lvl9pPr>
-          </a:lstStyle>
-          <a:p>
-            <a:pPr algn="ctr"/>
-            <a:endParaRPr lang="zh-CN" altLang="en-US">
-              <a:cs typeface="汉仪旗黑-55简" panose="00020600040101010101" charset="-128"/>
-            </a:endParaRPr>
-          </a:p>
-        </p:txBody>
-      </p:sp>
-      <p:sp>
-        <p:nvSpPr>
-          <p:cNvPr id="57" name="文本框 56"/>
-          <p:cNvSpPr txBox="1"/>
-          <p:nvPr/>
-        </p:nvSpPr>
-        <p:spPr>
-          <a:xfrm>
-            <a:off x="3623310" y="3669665"/>
-            <a:ext cx="4946015" cy="537210"/>
-          </a:xfrm>
-          <a:prstGeom prst="rect">
-            <a:avLst/>
-          </a:prstGeom>
-          <a:noFill/>
-        </p:spPr>
-        <p:txBody>
-          <a:bodyPr wrap="square" rtlCol="0">
-            <a:spAutoFit/>
-          </a:bodyPr>
-          <a:lstStyle/>
-          <a:p>
-            <a:pPr algn="ctr"/>
-            <a:r>
-              <a:rPr lang="en-US" sz="2900" dirty="0">
-                <a:solidFill>
-                  <a:schemeClr val="tx1">
-                    <a:lumMod val="75000"/>
-                    <a:lumOff val="25000"/>
-                  </a:schemeClr>
-                </a:solidFill>
-                <a:latin typeface="汉仪书宋二S" panose="00020600040101010101" charset="-122"/>
-                <a:ea typeface="汉仪书宋二S" panose="00020600040101010101" charset="-122"/>
-                <a:cs typeface="汉仪旗黑-55简" panose="00020600040101010101" charset="-128"/>
-                <a:sym typeface="汉仪旗黑-55简" panose="00020600040101010101" charset="-128"/>
-              </a:rPr>
-              <a:t>THANK YOU VERY MUCH</a:t>
-            </a:r>
-          </a:p>
-        </p:txBody>
-      </p:sp>
-      <p:sp>
-        <p:nvSpPr>
-          <p:cNvPr id="58" name="文本框 57" descr="7b0a20202020227461726765744d6f64756c65223a20226b6f6e6c696e65666f6e7473220a7d0a"/>
-          <p:cNvSpPr txBox="1"/>
-          <p:nvPr/>
-        </p:nvSpPr>
-        <p:spPr>
-          <a:xfrm>
-            <a:off x="2613660" y="2683227"/>
-            <a:ext cx="7769860" cy="938719"/>
-          </a:xfrm>
-          <a:prstGeom prst="rect">
-            <a:avLst/>
-          </a:prstGeom>
-          <a:noFill/>
-        </p:spPr>
-        <p:txBody>
-          <a:bodyPr wrap="square" rtlCol="0">
-            <a:spAutoFit/>
-          </a:bodyPr>
-          <a:lstStyle/>
-          <a:p>
-            <a:pPr algn="ctr" fontAlgn="auto"/>
-            <a:r>
-              <a:rPr lang="zh-CN" altLang="en-US" sz="5500" b="1" dirty="0">
-                <a:solidFill>
-                  <a:srgbClr val="2F4275"/>
-                </a:solidFill>
-                <a:uFillTx/>
-                <a:latin typeface="汉仪旗黑-55简" panose="00020600040101010101" charset="-128"/>
-                <a:ea typeface="汉仪旗黑-55简" panose="00020600040101010101" charset="-128"/>
-                <a:cs typeface="汉仪旗黑-55简" panose="00020600040101010101" charset="-122"/>
-                <a:sym typeface="汉仪旗黑-55简" panose="00020600040101010101" charset="-128"/>
-              </a:rPr>
-              <a:t>展示完毕</a:t>
-            </a:r>
-            <a:r>
-              <a:rPr lang="en-US" altLang="zh-CN" sz="5500" b="1" dirty="0">
-                <a:solidFill>
-                  <a:srgbClr val="2F4275"/>
-                </a:solidFill>
-                <a:uFillTx/>
-                <a:latin typeface="汉仪旗黑-55简" panose="00020600040101010101" charset="-128"/>
-                <a:ea typeface="汉仪旗黑-55简" panose="00020600040101010101" charset="-128"/>
-                <a:cs typeface="汉仪旗黑-55简" panose="00020600040101010101" charset="-122"/>
-                <a:sym typeface="汉仪旗黑-55简" panose="00020600040101010101" charset="-128"/>
-              </a:rPr>
-              <a:t>,</a:t>
-            </a:r>
-            <a:r>
-              <a:rPr lang="zh-CN" altLang="en-US" sz="5500" b="1" dirty="0">
-                <a:solidFill>
-                  <a:srgbClr val="2F4275"/>
-                </a:solidFill>
-                <a:uFillTx/>
-                <a:latin typeface="汉仪旗黑-55简" panose="00020600040101010101" charset="-128"/>
-                <a:ea typeface="汉仪旗黑-55简" panose="00020600040101010101" charset="-128"/>
-                <a:cs typeface="汉仪旗黑-55简" panose="00020600040101010101" charset="-122"/>
-                <a:sym typeface="汉仪旗黑-55简" panose="00020600040101010101" charset="-128"/>
-              </a:rPr>
-              <a:t>谢谢观看！</a:t>
-            </a:r>
-          </a:p>
-        </p:txBody>
-      </p:sp>
-      <p:grpSp>
-        <p:nvGrpSpPr>
-          <p:cNvPr id="61" name="组合 60"/>
-          <p:cNvGrpSpPr/>
-          <p:nvPr/>
-        </p:nvGrpSpPr>
-        <p:grpSpPr>
-          <a:xfrm>
-            <a:off x="3083560" y="3912235"/>
-            <a:ext cx="6025515" cy="0"/>
-            <a:chOff x="4784" y="6236"/>
-            <a:chExt cx="9489" cy="0"/>
-          </a:xfrm>
-        </p:grpSpPr>
-        <p:cxnSp>
-          <p:nvCxnSpPr>
-            <p:cNvPr id="62" name="直接连接符 61"/>
-            <p:cNvCxnSpPr/>
-            <p:nvPr/>
-          </p:nvCxnSpPr>
-          <p:spPr>
-            <a:xfrm>
-              <a:off x="4784" y="6236"/>
-              <a:ext cx="1217" cy="0"/>
-            </a:xfrm>
-            <a:prstGeom prst="line">
-              <a:avLst/>
-            </a:prstGeom>
-            <a:ln w="25400">
-              <a:solidFill>
-                <a:schemeClr val="tx1">
-                  <a:lumMod val="75000"/>
-                  <a:lumOff val="25000"/>
-                </a:schemeClr>
-              </a:solidFill>
-            </a:ln>
-          </p:spPr>
-          <p:style>
-            <a:lnRef idx="1">
-              <a:schemeClr val="accent1"/>
-            </a:lnRef>
-            <a:fillRef idx="0">
-              <a:schemeClr val="accent1"/>
-            </a:fillRef>
-            <a:effectRef idx="0">
-              <a:schemeClr val="accent1"/>
-            </a:effectRef>
-            <a:fontRef idx="minor">
-              <a:schemeClr val="tx1"/>
-            </a:fontRef>
-          </p:style>
-        </p:cxnSp>
-        <p:cxnSp>
-          <p:nvCxnSpPr>
-            <p:cNvPr id="63" name="直接连接符 62"/>
-            <p:cNvCxnSpPr/>
-            <p:nvPr/>
-          </p:nvCxnSpPr>
-          <p:spPr>
-            <a:xfrm>
-              <a:off x="13057" y="6236"/>
-              <a:ext cx="1217" cy="0"/>
-            </a:xfrm>
-            <a:prstGeom prst="line">
-              <a:avLst/>
-            </a:prstGeom>
-            <a:ln w="25400">
-              <a:solidFill>
-                <a:schemeClr val="tx1">
-                  <a:lumMod val="75000"/>
-                  <a:lumOff val="25000"/>
-                </a:schemeClr>
-              </a:solidFill>
-            </a:ln>
-          </p:spPr>
-          <p:style>
-            <a:lnRef idx="1">
-              <a:schemeClr val="accent1"/>
-            </a:lnRef>
-            <a:fillRef idx="0">
-              <a:schemeClr val="accent1"/>
-            </a:fillRef>
-            <a:effectRef idx="0">
-              <a:schemeClr val="accent1"/>
-            </a:effectRef>
-            <a:fontRef idx="minor">
-              <a:schemeClr val="tx1"/>
-            </a:fontRef>
-          </p:style>
-        </p:cxnSp>
-      </p:grpSp>
-      <p:sp>
-        <p:nvSpPr>
-          <p:cNvPr id="80" name="椭圆 79"/>
-          <p:cNvSpPr/>
-          <p:nvPr/>
-        </p:nvSpPr>
-        <p:spPr>
-          <a:xfrm>
-            <a:off x="5583872" y="1462813"/>
-            <a:ext cx="1024255" cy="1024255"/>
-          </a:xfrm>
-          <a:prstGeom prst="ellipse">
-            <a:avLst/>
-          </a:prstGeom>
-          <a:solidFill>
-            <a:srgbClr val="2F4275"/>
-          </a:solidFill>
-          <a:ln>
-            <a:noFill/>
-          </a:ln>
-        </p:spPr>
-        <p:style>
-          <a:lnRef idx="2">
-            <a:schemeClr val="accent1">
-              <a:shade val="50000"/>
-            </a:schemeClr>
-          </a:lnRef>
-          <a:fillRef idx="1">
-            <a:schemeClr val="accent1"/>
-          </a:fillRef>
-          <a:effectRef idx="0">
-            <a:schemeClr val="accent1"/>
-          </a:effectRef>
-          <a:fontRef idx="minor">
-            <a:schemeClr val="lt1"/>
-          </a:fontRef>
-        </p:style>
-        <p:txBody>
-          <a:bodyPr rtlCol="0" anchor="ctr"/>
-          <a:lstStyle/>
-          <a:p>
-            <a:pPr algn="ctr"/>
-            <a:endParaRPr lang="zh-CN" altLang="en-US">
-              <a:cs typeface="汉仪旗黑-55简" panose="00020600040101010101" charset="-128"/>
-            </a:endParaRPr>
-          </a:p>
-        </p:txBody>
-      </p:sp>
-      <p:pic>
-        <p:nvPicPr>
-          <p:cNvPr id="79" name="图片 78" descr="博士"/>
-          <p:cNvPicPr>
-            <a:picLocks noChangeAspect="1"/>
-          </p:cNvPicPr>
-          <p:nvPr/>
-        </p:nvPicPr>
-        <p:blipFill>
-          <a:blip r:embed="rId2">
-            <a:extLst>
-              <a:ext uri="{96DAC541-7B7A-43D3-8B79-37D633B846F1}">
-                <asvg:svgBlip xmlns:asvg="http://schemas.microsoft.com/office/drawing/2016/SVG/main" r:embed="rId3"/>
-              </a:ext>
-            </a:extLst>
-          </a:blip>
-          <a:stretch>
-            <a:fillRect/>
-          </a:stretch>
-        </p:blipFill>
-        <p:spPr>
-          <a:xfrm>
-            <a:off x="5693727" y="1702843"/>
-            <a:ext cx="805180" cy="615315"/>
-          </a:xfrm>
-          <a:prstGeom prst="rect">
-            <a:avLst/>
-          </a:prstGeom>
-        </p:spPr>
-      </p:pic>
-      <p:sp>
-        <p:nvSpPr>
-          <p:cNvPr id="82" name="任意多边形 81"/>
-          <p:cNvSpPr/>
-          <p:nvPr/>
-        </p:nvSpPr>
-        <p:spPr>
-          <a:xfrm flipH="1" flipV="1">
-            <a:off x="8702040" y="3668395"/>
-            <a:ext cx="3489960" cy="3191510"/>
-          </a:xfrm>
-          <a:custGeom>
-            <a:avLst/>
-            <a:gdLst>
-              <a:gd name="connsiteX0" fmla="*/ 0 w 5124"/>
-              <a:gd name="connsiteY0" fmla="*/ 3087 h 4684"/>
-              <a:gd name="connsiteX1" fmla="*/ 73 w 5124"/>
-              <a:gd name="connsiteY1" fmla="*/ 3031 h 4684"/>
-              <a:gd name="connsiteX2" fmla="*/ 643 w 5124"/>
-              <a:gd name="connsiteY2" fmla="*/ 2886 h 4684"/>
-              <a:gd name="connsiteX3" fmla="*/ 838 w 5124"/>
-              <a:gd name="connsiteY3" fmla="*/ 2949 h 4684"/>
-              <a:gd name="connsiteX4" fmla="*/ 1402 w 5124"/>
-              <a:gd name="connsiteY4" fmla="*/ 3751 h 4684"/>
-              <a:gd name="connsiteX5" fmla="*/ 2364 w 5124"/>
-              <a:gd name="connsiteY5" fmla="*/ 4684 h 4684"/>
-              <a:gd name="connsiteX6" fmla="*/ 2381 w 5124"/>
-              <a:gd name="connsiteY6" fmla="*/ 4683 h 4684"/>
-              <a:gd name="connsiteX7" fmla="*/ 2398 w 5124"/>
-              <a:gd name="connsiteY7" fmla="*/ 4682 h 4684"/>
-              <a:gd name="connsiteX8" fmla="*/ 2415 w 5124"/>
-              <a:gd name="connsiteY8" fmla="*/ 4681 h 4684"/>
-              <a:gd name="connsiteX9" fmla="*/ 2438 w 5124"/>
-              <a:gd name="connsiteY9" fmla="*/ 4681 h 4684"/>
-              <a:gd name="connsiteX10" fmla="*/ 2462 w 5124"/>
-              <a:gd name="connsiteY10" fmla="*/ 4682 h 4684"/>
-              <a:gd name="connsiteX11" fmla="*/ 3227 w 5124"/>
-              <a:gd name="connsiteY11" fmla="*/ 3489 h 4684"/>
-              <a:gd name="connsiteX12" fmla="*/ 3297 w 5124"/>
-              <a:gd name="connsiteY12" fmla="*/ 2931 h 4684"/>
-              <a:gd name="connsiteX13" fmla="*/ 3360 w 5124"/>
-              <a:gd name="connsiteY13" fmla="*/ 2562 h 4684"/>
-              <a:gd name="connsiteX14" fmla="*/ 3538 w 5124"/>
-              <a:gd name="connsiteY14" fmla="*/ 1679 h 4684"/>
-              <a:gd name="connsiteX15" fmla="*/ 3596 w 5124"/>
-              <a:gd name="connsiteY15" fmla="*/ 1380 h 4684"/>
-              <a:gd name="connsiteX16" fmla="*/ 3606 w 5124"/>
-              <a:gd name="connsiteY16" fmla="*/ 1353 h 4684"/>
-              <a:gd name="connsiteX17" fmla="*/ 5124 w 5124"/>
-              <a:gd name="connsiteY17" fmla="*/ 0 h 4684"/>
-            </a:gdLst>
-            <a:ahLst/>
-            <a:cxnLst>
-              <a:cxn ang="0">
-                <a:pos x="connsiteX0" y="connsiteY0"/>
-              </a:cxn>
-              <a:cxn ang="0">
-                <a:pos x="connsiteX1" y="connsiteY1"/>
-              </a:cxn>
-              <a:cxn ang="0">
-                <a:pos x="connsiteX2" y="connsiteY2"/>
-              </a:cxn>
-              <a:cxn ang="0">
-                <a:pos x="connsiteX3" y="connsiteY3"/>
-              </a:cxn>
-              <a:cxn ang="0">
-                <a:pos x="connsiteX4" y="connsiteY4"/>
-              </a:cxn>
-              <a:cxn ang="0">
-                <a:pos x="connsiteX5" y="connsiteY5"/>
-              </a:cxn>
-              <a:cxn ang="0">
-                <a:pos x="connsiteX6" y="connsiteY6"/>
-              </a:cxn>
-              <a:cxn ang="0">
-                <a:pos x="connsiteX7" y="connsiteY7"/>
-              </a:cxn>
-              <a:cxn ang="0">
-                <a:pos x="connsiteX8" y="connsiteY8"/>
-              </a:cxn>
-              <a:cxn ang="0">
-                <a:pos x="connsiteX9" y="connsiteY9"/>
-              </a:cxn>
-              <a:cxn ang="0">
-                <a:pos x="connsiteX10" y="connsiteY10"/>
-              </a:cxn>
-              <a:cxn ang="0">
-                <a:pos x="connsiteX11" y="connsiteY11"/>
-              </a:cxn>
-              <a:cxn ang="0">
-                <a:pos x="connsiteX12" y="connsiteY12"/>
-              </a:cxn>
-              <a:cxn ang="0">
-                <a:pos x="connsiteX13" y="connsiteY13"/>
-              </a:cxn>
-              <a:cxn ang="0">
-                <a:pos x="connsiteX14" y="connsiteY14"/>
-              </a:cxn>
-              <a:cxn ang="0">
-                <a:pos x="connsiteX15" y="connsiteY15"/>
-              </a:cxn>
-              <a:cxn ang="0">
-                <a:pos x="connsiteX16" y="connsiteY16"/>
-              </a:cxn>
-              <a:cxn ang="0">
-                <a:pos x="connsiteX17" y="connsiteY17"/>
-              </a:cxn>
-            </a:cxnLst>
-            <a:rect l="l" t="t" r="r" b="b"/>
-            <a:pathLst>
-              <a:path w="5124" h="4685">
-                <a:moveTo>
-                  <a:pt x="0" y="3087"/>
-                </a:moveTo>
-                <a:cubicBezTo>
-                  <a:pt x="22" y="3071"/>
-                  <a:pt x="72" y="3031"/>
-                  <a:pt x="73" y="3031"/>
-                </a:cubicBezTo>
-                <a:cubicBezTo>
-                  <a:pt x="327" y="2847"/>
-                  <a:pt x="643" y="2886"/>
-                  <a:pt x="643" y="2886"/>
-                </a:cubicBezTo>
-                <a:cubicBezTo>
-                  <a:pt x="708" y="2908"/>
-                  <a:pt x="751" y="2901"/>
-                  <a:pt x="838" y="2949"/>
-                </a:cubicBezTo>
-                <a:cubicBezTo>
-                  <a:pt x="959" y="3022"/>
-                  <a:pt x="1181" y="3173"/>
-                  <a:pt x="1402" y="3751"/>
-                </a:cubicBezTo>
-                <a:cubicBezTo>
-                  <a:pt x="1603" y="4341"/>
-                  <a:pt x="2063" y="4700"/>
-                  <a:pt x="2364" y="4684"/>
-                </a:cubicBezTo>
-                <a:lnTo>
-                  <a:pt x="2381" y="4683"/>
-                </a:lnTo>
-                <a:lnTo>
-                  <a:pt x="2398" y="4682"/>
-                </a:lnTo>
-                <a:lnTo>
-                  <a:pt x="2415" y="4681"/>
-                </a:lnTo>
-                <a:lnTo>
-                  <a:pt x="2438" y="4681"/>
-                </a:lnTo>
-                <a:lnTo>
-                  <a:pt x="2462" y="4682"/>
-                </a:lnTo>
-                <a:cubicBezTo>
-                  <a:pt x="2940" y="4697"/>
-                  <a:pt x="3154" y="3879"/>
-                  <a:pt x="3227" y="3489"/>
-                </a:cubicBezTo>
-                <a:cubicBezTo>
-                  <a:pt x="3281" y="3181"/>
-                  <a:pt x="3274" y="3117"/>
-                  <a:pt x="3297" y="2931"/>
-                </a:cubicBezTo>
-                <a:lnTo>
-                  <a:pt x="3360" y="2562"/>
-                </a:lnTo>
-                <a:cubicBezTo>
-                  <a:pt x="3425" y="2141"/>
-                  <a:pt x="3451" y="2105"/>
-                  <a:pt x="3538" y="1679"/>
-                </a:cubicBezTo>
-                <a:cubicBezTo>
-                  <a:pt x="3573" y="1535"/>
-                  <a:pt x="3576" y="1437"/>
-                  <a:pt x="3596" y="1380"/>
-                </a:cubicBezTo>
-                <a:cubicBezTo>
-                  <a:pt x="3600" y="1370"/>
-                  <a:pt x="3605" y="1357"/>
-                  <a:pt x="3606" y="1353"/>
-                </a:cubicBezTo>
-                <a:cubicBezTo>
-                  <a:pt x="3727" y="682"/>
-                  <a:pt x="4359" y="-17"/>
-                  <a:pt x="5124" y="0"/>
-                </a:cubicBezTo>
-              </a:path>
-            </a:pathLst>
-          </a:custGeom>
-          <a:noFill/>
-          <a:ln>
-            <a:solidFill>
-              <a:srgbClr val="AEBCDF"/>
-            </a:solidFill>
-          </a:ln>
-          <a:extLst>
-            <a:ext uri="{909E8E84-426E-40DD-AFC4-6F175D3DCCD1}">
-              <a14:hiddenFill xmlns:a14="http://schemas.microsoft.com/office/drawing/2010/main">
-                <a:solidFill>
-                  <a:srgbClr val="2F4275"/>
-                </a:solidFill>
-              </a14:hiddenFill>
-            </a:ext>
-          </a:extLst>
-        </p:spPr>
-        <p:style>
-          <a:lnRef idx="2">
-            <a:schemeClr val="accent1">
-              <a:shade val="50000"/>
-            </a:schemeClr>
-          </a:lnRef>
-          <a:fillRef idx="1">
-            <a:schemeClr val="accent1"/>
-          </a:fillRef>
-          <a:effectRef idx="0">
-            <a:schemeClr val="accent1"/>
-          </a:effectRef>
-          <a:fontRef idx="minor">
-            <a:schemeClr val="lt1"/>
-          </a:fontRef>
-        </p:style>
-        <p:txBody>
-          <a:bodyPr wrap="square" rtlCol="0" anchor="ctr">
-            <a:noAutofit/>
-          </a:bodyPr>
-          <a:lstStyle>
-            <a:defPPr>
-              <a:defRPr lang="zh-CN">
-                <a:solidFill>
-                  <a:schemeClr val="lt1"/>
-                </a:solidFill>
-              </a:defRPr>
-            </a:defPPr>
-            <a:lvl1pPr marL="0" algn="l" defTabSz="914400" rtl="0" eaLnBrk="1" latinLnBrk="0" hangingPunct="1">
-              <a:defRPr sz="1800" kern="1200">
-                <a:solidFill>
-                  <a:schemeClr val="lt1"/>
-                </a:solidFill>
-                <a:latin typeface="+mn-lt"/>
-                <a:ea typeface="+mn-ea"/>
-                <a:cs typeface="+mn-cs"/>
-              </a:defRPr>
-            </a:lvl1pPr>
-            <a:lvl2pPr marL="457200" algn="l" defTabSz="914400" rtl="0" eaLnBrk="1" latinLnBrk="0" hangingPunct="1">
-              <a:defRPr sz="1800" kern="1200">
-                <a:solidFill>
-                  <a:schemeClr val="lt1"/>
-                </a:solidFill>
-                <a:latin typeface="+mn-lt"/>
-                <a:ea typeface="+mn-ea"/>
-                <a:cs typeface="+mn-cs"/>
-              </a:defRPr>
-            </a:lvl2pPr>
-            <a:lvl3pPr marL="914400" algn="l" defTabSz="914400" rtl="0" eaLnBrk="1" latinLnBrk="0" hangingPunct="1">
-              <a:defRPr sz="1800" kern="1200">
-                <a:solidFill>
-                  <a:schemeClr val="lt1"/>
-                </a:solidFill>
-                <a:latin typeface="+mn-lt"/>
-                <a:ea typeface="+mn-ea"/>
-                <a:cs typeface="+mn-cs"/>
-              </a:defRPr>
-            </a:lvl3pPr>
-            <a:lvl4pPr marL="1371600" algn="l" defTabSz="914400" rtl="0" eaLnBrk="1" latinLnBrk="0" hangingPunct="1">
-              <a:defRPr sz="1800" kern="1200">
-                <a:solidFill>
-                  <a:schemeClr val="lt1"/>
-                </a:solidFill>
-                <a:latin typeface="+mn-lt"/>
-                <a:ea typeface="+mn-ea"/>
-                <a:cs typeface="+mn-cs"/>
-              </a:defRPr>
-            </a:lvl4pPr>
-            <a:lvl5pPr marL="1828800" algn="l" defTabSz="914400" rtl="0" eaLnBrk="1" latinLnBrk="0" hangingPunct="1">
-              <a:defRPr sz="1800" kern="1200">
-                <a:solidFill>
-                  <a:schemeClr val="lt1"/>
-                </a:solidFill>
-                <a:latin typeface="+mn-lt"/>
-                <a:ea typeface="+mn-ea"/>
-                <a:cs typeface="+mn-cs"/>
-              </a:defRPr>
-            </a:lvl5pPr>
-            <a:lvl6pPr marL="2286000" algn="l" defTabSz="914400" rtl="0" eaLnBrk="1" latinLnBrk="0" hangingPunct="1">
-              <a:defRPr sz="1800" kern="1200">
-                <a:solidFill>
-                  <a:schemeClr val="lt1"/>
-                </a:solidFill>
-                <a:latin typeface="+mn-lt"/>
-                <a:ea typeface="+mn-ea"/>
-                <a:cs typeface="+mn-cs"/>
-              </a:defRPr>
-            </a:lvl6pPr>
-            <a:lvl7pPr marL="2743200" algn="l" defTabSz="914400" rtl="0" eaLnBrk="1" latinLnBrk="0" hangingPunct="1">
-              <a:defRPr sz="1800" kern="1200">
-                <a:solidFill>
-                  <a:schemeClr val="lt1"/>
-                </a:solidFill>
-                <a:latin typeface="+mn-lt"/>
-                <a:ea typeface="+mn-ea"/>
-                <a:cs typeface="+mn-cs"/>
-              </a:defRPr>
-            </a:lvl7pPr>
-            <a:lvl8pPr marL="3200400" algn="l" defTabSz="914400" rtl="0" eaLnBrk="1" latinLnBrk="0" hangingPunct="1">
-              <a:defRPr sz="1800" kern="1200">
-                <a:solidFill>
-                  <a:schemeClr val="lt1"/>
-                </a:solidFill>
-                <a:latin typeface="+mn-lt"/>
-                <a:ea typeface="+mn-ea"/>
-                <a:cs typeface="+mn-cs"/>
-              </a:defRPr>
-            </a:lvl8pPr>
-            <a:lvl9pPr marL="3657600" algn="l" defTabSz="914400" rtl="0" eaLnBrk="1" latinLnBrk="0" hangingPunct="1">
-              <a:defRPr sz="1800" kern="1200">
-                <a:solidFill>
-                  <a:schemeClr val="lt1"/>
-                </a:solidFill>
-                <a:latin typeface="+mn-lt"/>
-                <a:ea typeface="+mn-ea"/>
-                <a:cs typeface="+mn-cs"/>
-              </a:defRPr>
-            </a:lvl9pPr>
-          </a:lstStyle>
-          <a:p>
-            <a:pPr algn="ctr"/>
-            <a:endParaRPr lang="zh-CN" altLang="en-US">
-              <a:cs typeface="汉仪旗黑-55简" panose="00020600040101010101" charset="-128"/>
-            </a:endParaRPr>
-          </a:p>
-        </p:txBody>
-      </p:sp>
-    </p:spTree>
-  </p:cSld>
-  <p:clrMapOvr>
-    <a:masterClrMapping/>
-  </p:clrMapOvr>
-</p:sld>
-</file>
-
-<file path=ppt/slides/slide11.xml><?xml version="1.0" encoding="utf-8"?>
 <p:sld xmlns:a="http://schemas.openxmlformats.org/drawingml/2006/main" xmlns:r="http://schemas.openxmlformats.org/officeDocument/2006/relationships" xmlns:p="http://schemas.openxmlformats.org/presentationml/2006/main">
   <p:cSld>
     <p:spTree>
@@ -12447,7 +10364,7 @@
 </p:sld>
 </file>
 
-<file path=ppt/slides/slide12.xml><?xml version="1.0" encoding="utf-8"?>
+<file path=ppt/slides/slide11.xml><?xml version="1.0" encoding="utf-8"?>
 <p:sld xmlns:a="http://schemas.openxmlformats.org/drawingml/2006/main" xmlns:r="http://schemas.openxmlformats.org/officeDocument/2006/relationships" xmlns:p="http://schemas.openxmlformats.org/presentationml/2006/main">
   <p:cSld>
     <p:spTree>
@@ -15357,7 +13274,7 @@
 </p:sld>
 </file>
 
-<file path=ppt/slides/slide13.xml><?xml version="1.0" encoding="utf-8"?>
+<file path=ppt/slides/slide12.xml><?xml version="1.0" encoding="utf-8"?>
 <p:sld xmlns:a="http://schemas.openxmlformats.org/drawingml/2006/main" xmlns:r="http://schemas.openxmlformats.org/officeDocument/2006/relationships" xmlns:p="http://schemas.openxmlformats.org/presentationml/2006/main">
   <p:cSld>
     <p:spTree>
@@ -17311,7 +15228,7 @@
 </p:sld>
 </file>
 
-<file path=ppt/slides/slide14.xml><?xml version="1.0" encoding="utf-8"?>
+<file path=ppt/slides/slide13.xml><?xml version="1.0" encoding="utf-8"?>
 <p:sld xmlns:a="http://schemas.openxmlformats.org/drawingml/2006/main" xmlns:r="http://schemas.openxmlformats.org/officeDocument/2006/relationships" xmlns:p="http://schemas.openxmlformats.org/presentationml/2006/main">
   <p:cSld>
     <p:spTree>
@@ -21208,7 +19125,7 @@
 </p:sld>
 </file>
 
-<file path=ppt/slides/slide15.xml><?xml version="1.0" encoding="utf-8"?>
+<file path=ppt/slides/slide14.xml><?xml version="1.0" encoding="utf-8"?>
 <p:sld xmlns:a="http://schemas.openxmlformats.org/drawingml/2006/main" xmlns:r="http://schemas.openxmlformats.org/officeDocument/2006/relationships" xmlns:p="http://schemas.openxmlformats.org/presentationml/2006/main">
   <p:cSld>
     <p:spTree>
@@ -26049,7 +23966,7 @@
 </p:sld>
 </file>
 
-<file path=ppt/slides/slide16.xml><?xml version="1.0" encoding="utf-8"?>
+<file path=ppt/slides/slide15.xml><?xml version="1.0" encoding="utf-8"?>
 <p:sld xmlns:a="http://schemas.openxmlformats.org/drawingml/2006/main" xmlns:r="http://schemas.openxmlformats.org/officeDocument/2006/relationships" xmlns:p="http://schemas.openxmlformats.org/presentationml/2006/main">
   <p:cSld>
     <p:spTree>
@@ -30631,1493 +28548,6 @@
           </a:p>
         </p:txBody>
       </p:sp>
-      <p:sp>
-        <p:nvSpPr>
-          <p:cNvPr id="3" name="文本框 2">
-            <a:extLst>
-              <a:ext uri="{FF2B5EF4-FFF2-40B4-BE49-F238E27FC236}">
-                <a16:creationId xmlns:a16="http://schemas.microsoft.com/office/drawing/2014/main" id="{D6321ADF-0792-4FD1-8A54-4B7C32BDFE21}"/>
-              </a:ext>
-            </a:extLst>
-          </p:cNvPr>
-          <p:cNvSpPr txBox="1"/>
-          <p:nvPr/>
-        </p:nvSpPr>
-        <p:spPr>
-          <a:xfrm>
-            <a:off x="671775" y="770467"/>
-            <a:ext cx="3094506" cy="400110"/>
-          </a:xfrm>
-          <a:prstGeom prst="rect">
-            <a:avLst/>
-          </a:prstGeom>
-          <a:noFill/>
-        </p:spPr>
-        <p:txBody>
-          <a:bodyPr wrap="square">
-            <a:spAutoFit/>
-          </a:bodyPr>
-          <a:lstStyle/>
-          <a:p>
-            <a:r>
-              <a:rPr lang="en-US" altLang="zh-CN" sz="2000" dirty="0">
-                <a:latin typeface="Times New Roman" panose="02020603050405020304" pitchFamily="18" charset="0"/>
-                <a:ea typeface="汉仪旗黑-55简" panose="00020600040101010101" charset="-122"/>
-                <a:cs typeface="Times New Roman" panose="02020603050405020304" pitchFamily="18" charset="0"/>
-              </a:rPr>
-              <a:t>Overview and  Objective</a:t>
-            </a:r>
-            <a:endParaRPr lang="zh-CN" altLang="en-US" sz="2000" dirty="0">
-              <a:latin typeface="Times New Roman" panose="02020603050405020304" pitchFamily="18" charset="0"/>
-              <a:ea typeface="汉仪旗黑-55简" panose="00020600040101010101" charset="-122"/>
-              <a:cs typeface="Times New Roman" panose="02020603050405020304" pitchFamily="18" charset="0"/>
-            </a:endParaRPr>
-          </a:p>
-        </p:txBody>
-      </p:sp>
-      <p:sp>
-        <p:nvSpPr>
-          <p:cNvPr id="4" name="文本框 3">
-            <a:extLst>
-              <a:ext uri="{FF2B5EF4-FFF2-40B4-BE49-F238E27FC236}">
-                <a16:creationId xmlns:a16="http://schemas.microsoft.com/office/drawing/2014/main" id="{388937A2-1458-3140-9DCA-5E1F50FCEC56}"/>
-              </a:ext>
-            </a:extLst>
-          </p:cNvPr>
-          <p:cNvSpPr txBox="1"/>
-          <p:nvPr/>
-        </p:nvSpPr>
-        <p:spPr>
-          <a:xfrm>
-            <a:off x="977713" y="1129552"/>
-            <a:ext cx="9899837" cy="1444883"/>
-          </a:xfrm>
-          <a:prstGeom prst="rect">
-            <a:avLst/>
-          </a:prstGeom>
-          <a:noFill/>
-        </p:spPr>
-        <p:txBody>
-          <a:bodyPr wrap="square">
-            <a:spAutoFit/>
-          </a:bodyPr>
-          <a:lstStyle/>
-          <a:p>
-            <a:pPr>
-              <a:lnSpc>
-                <a:spcPct val="125000"/>
-              </a:lnSpc>
-            </a:pPr>
-            <a:r>
-              <a:rPr lang="en-US" altLang="zh-CN" sz="1800" dirty="0">
-                <a:solidFill>
-                  <a:srgbClr val="2F4275"/>
-                </a:solidFill>
-                <a:latin typeface="Times New Roman" panose="02020603050405020304" pitchFamily="18" charset="0"/>
-                <a:ea typeface="汉仪旗黑-55简" panose="00020600040101010101" charset="-122"/>
-                <a:cs typeface="Times New Roman" panose="02020603050405020304" pitchFamily="18" charset="0"/>
-              </a:rPr>
-              <a:t>       Carrot</a:t>
-            </a:r>
-            <a:r>
-              <a:rPr lang="en-US" altLang="zh-CN" dirty="0">
-                <a:latin typeface="Times New Roman" panose="02020603050405020304" pitchFamily="18" charset="0"/>
-                <a:cs typeface="Times New Roman" panose="02020603050405020304" pitchFamily="18" charset="0"/>
-              </a:rPr>
-              <a:t> </a:t>
-            </a:r>
-            <a:r>
-              <a:rPr lang="en-US" altLang="zh-CN" sz="1800" dirty="0">
-                <a:solidFill>
-                  <a:srgbClr val="2F4275"/>
-                </a:solidFill>
-                <a:latin typeface="Times New Roman" panose="02020603050405020304" pitchFamily="18" charset="0"/>
-                <a:ea typeface="汉仪旗黑-55简" panose="00020600040101010101" charset="-122"/>
-                <a:cs typeface="Times New Roman" panose="02020603050405020304" pitchFamily="18" charset="0"/>
-              </a:rPr>
-              <a:t>Defense</a:t>
-            </a:r>
-            <a:r>
-              <a:rPr lang="en-US" altLang="zh-CN" dirty="0">
-                <a:latin typeface="Times New Roman" panose="02020603050405020304" pitchFamily="18" charset="0"/>
-                <a:cs typeface="Times New Roman" panose="02020603050405020304" pitchFamily="18" charset="0"/>
-              </a:rPr>
-              <a:t> is a classic tower defense game where players strategically build and upgrade towers to protect the carrot from enemy waves. </a:t>
-            </a:r>
-          </a:p>
-          <a:p>
-            <a:pPr>
-              <a:lnSpc>
-                <a:spcPct val="125000"/>
-              </a:lnSpc>
-            </a:pPr>
-            <a:r>
-              <a:rPr lang="en-US" altLang="zh-CN" dirty="0">
-                <a:latin typeface="Times New Roman" panose="02020603050405020304" pitchFamily="18" charset="0"/>
-                <a:cs typeface="Times New Roman" panose="02020603050405020304" pitchFamily="18" charset="0"/>
-              </a:rPr>
-              <a:t>       Through code refactoring, the game's logic is optimized for better reusability, maintainability, and scalability, enhancing the overall player experience.</a:t>
-            </a:r>
-            <a:endParaRPr lang="zh-CN" altLang="en-US" sz="1600" dirty="0">
-              <a:latin typeface="Times New Roman" panose="02020603050405020304" pitchFamily="18" charset="0"/>
-              <a:cs typeface="Times New Roman" panose="02020603050405020304" pitchFamily="18" charset="0"/>
-            </a:endParaRPr>
-          </a:p>
-        </p:txBody>
-      </p:sp>
-      <p:sp>
-        <p:nvSpPr>
-          <p:cNvPr id="7" name="文本框 6">
-            <a:extLst>
-              <a:ext uri="{FF2B5EF4-FFF2-40B4-BE49-F238E27FC236}">
-                <a16:creationId xmlns:a16="http://schemas.microsoft.com/office/drawing/2014/main" id="{0C35290F-CA56-5CF0-C40B-55FBBBAF7E6D}"/>
-              </a:ext>
-            </a:extLst>
-          </p:cNvPr>
-          <p:cNvSpPr txBox="1"/>
-          <p:nvPr/>
-        </p:nvSpPr>
-        <p:spPr>
-          <a:xfrm>
-            <a:off x="671775" y="2533410"/>
-            <a:ext cx="3219496" cy="400110"/>
-          </a:xfrm>
-          <a:prstGeom prst="rect">
-            <a:avLst/>
-          </a:prstGeom>
-          <a:noFill/>
-        </p:spPr>
-        <p:txBody>
-          <a:bodyPr wrap="square">
-            <a:spAutoFit/>
-          </a:bodyPr>
-          <a:lstStyle/>
-          <a:p>
-            <a:r>
-              <a:rPr lang="en-US" altLang="zh-CN" sz="2000" dirty="0">
-                <a:latin typeface="Times New Roman" panose="02020603050405020304" pitchFamily="18" charset="0"/>
-                <a:ea typeface="汉仪旗黑-55简" panose="00020600040101010101" charset="-122"/>
-                <a:cs typeface="Times New Roman" panose="02020603050405020304" pitchFamily="18" charset="0"/>
-              </a:rPr>
-              <a:t>Implemented Basic Features</a:t>
-            </a:r>
-            <a:endParaRPr lang="zh-CN" altLang="en-US" sz="2000" dirty="0">
-              <a:latin typeface="Times New Roman" panose="02020603050405020304" pitchFamily="18" charset="0"/>
-              <a:ea typeface="汉仪旗黑-55简" panose="00020600040101010101" charset="-122"/>
-              <a:cs typeface="Times New Roman" panose="02020603050405020304" pitchFamily="18" charset="0"/>
-            </a:endParaRPr>
-          </a:p>
-        </p:txBody>
-      </p:sp>
-      <p:graphicFrame>
-        <p:nvGraphicFramePr>
-          <p:cNvPr id="11" name="表格 10">
-            <a:extLst>
-              <a:ext uri="{FF2B5EF4-FFF2-40B4-BE49-F238E27FC236}">
-                <a16:creationId xmlns:a16="http://schemas.microsoft.com/office/drawing/2014/main" id="{C5B15EA7-3458-9CEC-06AA-3033EB7F8B21}"/>
-              </a:ext>
-            </a:extLst>
-          </p:cNvPr>
-          <p:cNvGraphicFramePr>
-            <a:graphicFrameLocks noGrp="1"/>
-          </p:cNvGraphicFramePr>
-          <p:nvPr>
-            <p:extLst>
-              <p:ext uri="{D42A27DB-BD31-4B8C-83A1-F6EECF244321}">
-                <p14:modId xmlns:p14="http://schemas.microsoft.com/office/powerpoint/2010/main" val="2923430578"/>
-              </p:ext>
-            </p:extLst>
-          </p:nvPr>
-        </p:nvGraphicFramePr>
-        <p:xfrm>
-          <a:off x="1089549" y="2997615"/>
-          <a:ext cx="9788001" cy="3556000"/>
-        </p:xfrm>
-        <a:graphic>
-          <a:graphicData uri="http://schemas.openxmlformats.org/drawingml/2006/table">
-            <a:tbl>
-              <a:tblPr firstRow="1" bandRow="1">
-                <a:tableStyleId>{69012ECD-51FC-41F1-AA8D-1B2483CD663E}</a:tableStyleId>
-              </a:tblPr>
-              <a:tblGrid>
-                <a:gridCol w="1600075">
-                  <a:extLst>
-                    <a:ext uri="{9D8B030D-6E8A-4147-A177-3AD203B41FA5}">
-                      <a16:colId xmlns:a16="http://schemas.microsoft.com/office/drawing/2014/main" val="4279852217"/>
-                    </a:ext>
-                  </a:extLst>
-                </a:gridCol>
-                <a:gridCol w="3176096">
-                  <a:extLst>
-                    <a:ext uri="{9D8B030D-6E8A-4147-A177-3AD203B41FA5}">
-                      <a16:colId xmlns:a16="http://schemas.microsoft.com/office/drawing/2014/main" val="2718842353"/>
-                    </a:ext>
-                  </a:extLst>
-                </a:gridCol>
-                <a:gridCol w="1725774">
-                  <a:extLst>
-                    <a:ext uri="{9D8B030D-6E8A-4147-A177-3AD203B41FA5}">
-                      <a16:colId xmlns:a16="http://schemas.microsoft.com/office/drawing/2014/main" val="2117168748"/>
-                    </a:ext>
-                  </a:extLst>
-                </a:gridCol>
-                <a:gridCol w="3286056">
-                  <a:extLst>
-                    <a:ext uri="{9D8B030D-6E8A-4147-A177-3AD203B41FA5}">
-                      <a16:colId xmlns:a16="http://schemas.microsoft.com/office/drawing/2014/main" val="1376157236"/>
-                    </a:ext>
-                  </a:extLst>
-                </a:gridCol>
-              </a:tblGrid>
-              <a:tr h="370840">
-                <a:tc>
-                  <a:txBody>
-                    <a:bodyPr/>
-                    <a:lstStyle/>
-                    <a:p>
-                      <a:pPr algn="ctr"/>
-                      <a:r>
-                        <a:rPr lang="en-US" altLang="zh-CN" sz="1600" dirty="0">
-                          <a:latin typeface="Times New Roman" panose="02020603050405020304" pitchFamily="18" charset="0"/>
-                          <a:cs typeface="Times New Roman" panose="02020603050405020304" pitchFamily="18" charset="0"/>
-                        </a:rPr>
-                        <a:t>Feature Module</a:t>
-                      </a:r>
-                      <a:endParaRPr lang="zh-CN" altLang="en-US" sz="1600" dirty="0">
-                        <a:latin typeface="Times New Roman" panose="02020603050405020304" pitchFamily="18" charset="0"/>
-                        <a:cs typeface="Times New Roman" panose="02020603050405020304" pitchFamily="18" charset="0"/>
-                      </a:endParaRPr>
-                    </a:p>
-                  </a:txBody>
-                  <a:tcPr anchor="ctr">
-                    <a:lnR w="12700" cap="flat" cmpd="sng" algn="ctr">
-                      <a:solidFill>
-                        <a:schemeClr val="accent1"/>
-                      </a:solidFill>
-                      <a:prstDash val="solid"/>
-                      <a:round/>
-                      <a:headEnd type="none" w="med" len="med"/>
-                      <a:tailEnd type="none" w="med" len="med"/>
-                    </a:lnR>
-                    <a:solidFill>
-                      <a:schemeClr val="accent1">
-                        <a:lumMod val="75000"/>
-                      </a:schemeClr>
-                    </a:solidFill>
-                  </a:tcPr>
-                </a:tc>
-                <a:tc>
-                  <a:txBody>
-                    <a:bodyPr/>
-                    <a:lstStyle/>
-                    <a:p>
-                      <a:pPr algn="ctr"/>
-                      <a:r>
-                        <a:rPr lang="en-US" altLang="zh-CN" sz="1600" dirty="0">
-                          <a:latin typeface="Times New Roman" panose="02020603050405020304" pitchFamily="18" charset="0"/>
-                          <a:cs typeface="Times New Roman" panose="02020603050405020304" pitchFamily="18" charset="0"/>
-                        </a:rPr>
-                        <a:t>Subtask</a:t>
-                      </a:r>
-                      <a:endParaRPr lang="zh-CN" altLang="en-US" sz="1600" dirty="0">
-                        <a:latin typeface="Times New Roman" panose="02020603050405020304" pitchFamily="18" charset="0"/>
-                        <a:cs typeface="Times New Roman" panose="02020603050405020304" pitchFamily="18" charset="0"/>
-                      </a:endParaRPr>
-                    </a:p>
-                  </a:txBody>
-                  <a:tcPr anchor="ctr">
-                    <a:lnL w="12700" cap="flat" cmpd="sng" algn="ctr">
-                      <a:solidFill>
-                        <a:schemeClr val="accent1"/>
-                      </a:solidFill>
-                      <a:prstDash val="solid"/>
-                      <a:round/>
-                      <a:headEnd type="none" w="med" len="med"/>
-                      <a:tailEnd type="none" w="med" len="med"/>
-                    </a:lnL>
-                    <a:lnR w="12700" cap="flat" cmpd="sng" algn="ctr">
-                      <a:solidFill>
-                        <a:schemeClr val="accent1"/>
-                      </a:solidFill>
-                      <a:prstDash val="solid"/>
-                      <a:round/>
-                      <a:headEnd type="none" w="med" len="med"/>
-                      <a:tailEnd type="none" w="med" len="med"/>
-                    </a:lnR>
-                    <a:solidFill>
-                      <a:schemeClr val="accent1">
-                        <a:lumMod val="75000"/>
-                      </a:schemeClr>
-                    </a:solidFill>
-                  </a:tcPr>
-                </a:tc>
-                <a:tc>
-                  <a:txBody>
-                    <a:bodyPr/>
-                    <a:lstStyle/>
-                    <a:p>
-                      <a:pPr algn="ctr"/>
-                      <a:r>
-                        <a:rPr lang="en-US" altLang="zh-CN" sz="1600" dirty="0">
-                          <a:latin typeface="Times New Roman" panose="02020603050405020304" pitchFamily="18" charset="0"/>
-                          <a:cs typeface="Times New Roman" panose="02020603050405020304" pitchFamily="18" charset="0"/>
-                        </a:rPr>
-                        <a:t>Feature Module</a:t>
-                      </a:r>
-                    </a:p>
-                  </a:txBody>
-                  <a:tcPr anchor="ctr">
-                    <a:lnL w="12700" cap="flat" cmpd="sng" algn="ctr">
-                      <a:solidFill>
-                        <a:schemeClr val="accent1"/>
-                      </a:solidFill>
-                      <a:prstDash val="solid"/>
-                      <a:round/>
-                      <a:headEnd type="none" w="med" len="med"/>
-                      <a:tailEnd type="none" w="med" len="med"/>
-                    </a:lnL>
-                    <a:lnR w="12700" cap="flat" cmpd="sng" algn="ctr">
-                      <a:solidFill>
-                        <a:schemeClr val="accent1"/>
-                      </a:solidFill>
-                      <a:prstDash val="solid"/>
-                      <a:round/>
-                      <a:headEnd type="none" w="med" len="med"/>
-                      <a:tailEnd type="none" w="med" len="med"/>
-                    </a:lnR>
-                    <a:solidFill>
-                      <a:schemeClr val="accent1">
-                        <a:lumMod val="75000"/>
-                      </a:schemeClr>
-                    </a:solidFill>
-                  </a:tcPr>
-                </a:tc>
-                <a:tc>
-                  <a:txBody>
-                    <a:bodyPr/>
-                    <a:lstStyle/>
-                    <a:p>
-                      <a:pPr algn="ctr"/>
-                      <a:r>
-                        <a:rPr lang="en-US" altLang="zh-CN" sz="1600" dirty="0">
-                          <a:latin typeface="Times New Roman" panose="02020603050405020304" pitchFamily="18" charset="0"/>
-                          <a:cs typeface="Times New Roman" panose="02020603050405020304" pitchFamily="18" charset="0"/>
-                        </a:rPr>
-                        <a:t>Subtask</a:t>
-                      </a:r>
-                      <a:endParaRPr lang="zh-CN" altLang="en-US" sz="1600" dirty="0">
-                        <a:latin typeface="Times New Roman" panose="02020603050405020304" pitchFamily="18" charset="0"/>
-                        <a:cs typeface="Times New Roman" panose="02020603050405020304" pitchFamily="18" charset="0"/>
-                      </a:endParaRPr>
-                    </a:p>
-                  </a:txBody>
-                  <a:tcPr anchor="ctr">
-                    <a:lnL w="12700" cap="flat" cmpd="sng" algn="ctr">
-                      <a:solidFill>
-                        <a:schemeClr val="accent1"/>
-                      </a:solidFill>
-                      <a:prstDash val="solid"/>
-                      <a:round/>
-                      <a:headEnd type="none" w="med" len="med"/>
-                      <a:tailEnd type="none" w="med" len="med"/>
-                    </a:lnL>
-                    <a:solidFill>
-                      <a:schemeClr val="accent1">
-                        <a:lumMod val="75000"/>
-                      </a:schemeClr>
-                    </a:solidFill>
-                  </a:tcPr>
-                </a:tc>
-                <a:extLst>
-                  <a:ext uri="{0D108BD9-81ED-4DB2-BD59-A6C34878D82A}">
-                    <a16:rowId xmlns:a16="http://schemas.microsoft.com/office/drawing/2014/main" val="736357916"/>
-                  </a:ext>
-                </a:extLst>
-              </a:tr>
-              <a:tr h="370840">
-                <a:tc>
-                  <a:txBody>
-                    <a:bodyPr/>
-                    <a:lstStyle/>
-                    <a:p>
-                      <a:pPr algn="ctr"/>
-                      <a:r>
-                        <a:rPr lang="en-US" altLang="zh-CN" sz="1400" b="1" dirty="0">
-                          <a:latin typeface="Times New Roman" panose="02020603050405020304" pitchFamily="18" charset="0"/>
-                          <a:cs typeface="Times New Roman" panose="02020603050405020304" pitchFamily="18" charset="0"/>
-                        </a:rPr>
-                        <a:t>Basic Functions</a:t>
-                      </a:r>
-                      <a:endParaRPr lang="zh-CN" altLang="en-US" sz="1400" b="1" dirty="0">
-                        <a:latin typeface="Times New Roman" panose="02020603050405020304" pitchFamily="18" charset="0"/>
-                        <a:cs typeface="Times New Roman" panose="02020603050405020304" pitchFamily="18" charset="0"/>
-                      </a:endParaRPr>
-                    </a:p>
-                  </a:txBody>
-                  <a:tcPr anchor="ctr">
-                    <a:lnL w="12700" cap="flat" cmpd="sng" algn="ctr">
-                      <a:solidFill>
-                        <a:schemeClr val="accent1"/>
-                      </a:solidFill>
-                      <a:prstDash val="solid"/>
-                      <a:round/>
-                      <a:headEnd type="none" w="med" len="med"/>
-                      <a:tailEnd type="none" w="med" len="med"/>
-                    </a:lnL>
-                    <a:lnR w="12700" cap="flat" cmpd="sng" algn="ctr">
-                      <a:solidFill>
-                        <a:schemeClr val="accent1"/>
-                      </a:solidFill>
-                      <a:prstDash val="solid"/>
-                      <a:round/>
-                      <a:headEnd type="none" w="med" len="med"/>
-                      <a:tailEnd type="none" w="med" len="med"/>
-                    </a:lnR>
-                  </a:tcPr>
-                </a:tc>
-                <a:tc>
-                  <a:txBody>
-                    <a:bodyPr/>
-                    <a:lstStyle/>
-                    <a:p>
-                      <a:pPr algn="ctr"/>
-                      <a:endParaRPr lang="zh-CN" altLang="en-US" sz="1400" dirty="0">
-                        <a:latin typeface="Times New Roman" panose="02020603050405020304" pitchFamily="18" charset="0"/>
-                        <a:cs typeface="Times New Roman" panose="02020603050405020304" pitchFamily="18" charset="0"/>
-                      </a:endParaRPr>
-                    </a:p>
-                  </a:txBody>
-                  <a:tcPr anchor="ctr">
-                    <a:lnL w="12700" cap="flat" cmpd="sng" algn="ctr">
-                      <a:solidFill>
-                        <a:schemeClr val="accent1"/>
-                      </a:solidFill>
-                      <a:prstDash val="solid"/>
-                      <a:round/>
-                      <a:headEnd type="none" w="med" len="med"/>
-                      <a:tailEnd type="none" w="med" len="med"/>
-                    </a:lnL>
-                    <a:lnR w="12700" cap="flat" cmpd="sng" algn="ctr">
-                      <a:solidFill>
-                        <a:schemeClr val="accent1"/>
-                      </a:solidFill>
-                      <a:prstDash val="solid"/>
-                      <a:round/>
-                      <a:headEnd type="none" w="med" len="med"/>
-                      <a:tailEnd type="none" w="med" len="med"/>
-                    </a:lnR>
-                  </a:tcPr>
-                </a:tc>
-                <a:tc>
-                  <a:txBody>
-                    <a:bodyPr/>
-                    <a:lstStyle/>
-                    <a:p>
-                      <a:pPr algn="ctr"/>
-                      <a:r>
-                        <a:rPr lang="en-US" altLang="zh-CN" sz="1400" b="1" dirty="0">
-                          <a:latin typeface="Times New Roman" panose="02020603050405020304" pitchFamily="18" charset="0"/>
-                          <a:cs typeface="Times New Roman" panose="02020603050405020304" pitchFamily="18" charset="0"/>
-                        </a:rPr>
-                        <a:t>Advanced Features</a:t>
-                      </a:r>
-                      <a:endParaRPr lang="zh-CN" altLang="en-US" sz="1400" b="1" dirty="0">
-                        <a:latin typeface="Times New Roman" panose="02020603050405020304" pitchFamily="18" charset="0"/>
-                        <a:cs typeface="Times New Roman" panose="02020603050405020304" pitchFamily="18" charset="0"/>
-                      </a:endParaRPr>
-                    </a:p>
-                  </a:txBody>
-                  <a:tcPr anchor="ctr">
-                    <a:lnL w="12700" cap="flat" cmpd="sng" algn="ctr">
-                      <a:solidFill>
-                        <a:schemeClr val="accent1"/>
-                      </a:solidFill>
-                      <a:prstDash val="solid"/>
-                      <a:round/>
-                      <a:headEnd type="none" w="med" len="med"/>
-                      <a:tailEnd type="none" w="med" len="med"/>
-                    </a:lnL>
-                    <a:lnR w="12700" cap="flat" cmpd="sng" algn="ctr">
-                      <a:solidFill>
-                        <a:schemeClr val="accent1"/>
-                      </a:solidFill>
-                      <a:prstDash val="solid"/>
-                      <a:round/>
-                      <a:headEnd type="none" w="med" len="med"/>
-                      <a:tailEnd type="none" w="med" len="med"/>
-                    </a:lnR>
-                  </a:tcPr>
-                </a:tc>
-                <a:tc>
-                  <a:txBody>
-                    <a:bodyPr/>
-                    <a:lstStyle/>
-                    <a:p>
-                      <a:pPr algn="ctr"/>
-                      <a:r>
-                        <a:rPr lang="en-US" altLang="zh-CN" sz="1400" dirty="0">
-                          <a:latin typeface="Times New Roman" panose="02020603050405020304" pitchFamily="18" charset="0"/>
-                          <a:cs typeface="Times New Roman" panose="02020603050405020304" pitchFamily="18" charset="0"/>
-                        </a:rPr>
-                        <a:t>Enemy Creation</a:t>
-                      </a:r>
-                      <a:endParaRPr lang="zh-CN" altLang="en-US" sz="1400" dirty="0">
-                        <a:latin typeface="Times New Roman" panose="02020603050405020304" pitchFamily="18" charset="0"/>
-                        <a:cs typeface="Times New Roman" panose="02020603050405020304" pitchFamily="18" charset="0"/>
-                      </a:endParaRPr>
-                    </a:p>
-                  </a:txBody>
-                  <a:tcPr anchor="ctr">
-                    <a:lnL w="12700" cap="flat" cmpd="sng" algn="ctr">
-                      <a:solidFill>
-                        <a:schemeClr val="accent1"/>
-                      </a:solidFill>
-                      <a:prstDash val="solid"/>
-                      <a:round/>
-                      <a:headEnd type="none" w="med" len="med"/>
-                      <a:tailEnd type="none" w="med" len="med"/>
-                    </a:lnL>
-                  </a:tcPr>
-                </a:tc>
-                <a:extLst>
-                  <a:ext uri="{0D108BD9-81ED-4DB2-BD59-A6C34878D82A}">
-                    <a16:rowId xmlns:a16="http://schemas.microsoft.com/office/drawing/2014/main" val="1237184807"/>
-                  </a:ext>
-                </a:extLst>
-              </a:tr>
-              <a:tr h="370840">
-                <a:tc>
-                  <a:txBody>
-                    <a:bodyPr/>
-                    <a:lstStyle/>
-                    <a:p>
-                      <a:pPr algn="ctr"/>
-                      <a:r>
-                        <a:rPr lang="en-US" altLang="zh-CN" sz="1400" dirty="0">
-                          <a:latin typeface="Times New Roman" panose="02020603050405020304" pitchFamily="18" charset="0"/>
-                          <a:cs typeface="Times New Roman" panose="02020603050405020304" pitchFamily="18" charset="0"/>
-                        </a:rPr>
-                        <a:t>Diverse Tower Functions</a:t>
-                      </a:r>
-                      <a:endParaRPr lang="zh-CN" altLang="en-US" sz="1400" dirty="0">
-                        <a:latin typeface="Times New Roman" panose="02020603050405020304" pitchFamily="18" charset="0"/>
-                        <a:cs typeface="Times New Roman" panose="02020603050405020304" pitchFamily="18" charset="0"/>
-                      </a:endParaRPr>
-                    </a:p>
-                  </a:txBody>
-                  <a:tcPr anchor="ctr">
-                    <a:lnL w="12700" cap="flat" cmpd="sng" algn="ctr">
-                      <a:solidFill>
-                        <a:schemeClr val="accent1"/>
-                      </a:solidFill>
-                      <a:prstDash val="solid"/>
-                      <a:round/>
-                      <a:headEnd type="none" w="med" len="med"/>
-                      <a:tailEnd type="none" w="med" len="med"/>
-                    </a:lnL>
-                    <a:lnR w="12700" cap="flat" cmpd="sng" algn="ctr">
-                      <a:solidFill>
-                        <a:schemeClr val="accent1"/>
-                      </a:solidFill>
-                      <a:prstDash val="solid"/>
-                      <a:round/>
-                      <a:headEnd type="none" w="med" len="med"/>
-                      <a:tailEnd type="none" w="med" len="med"/>
-                    </a:lnR>
-                  </a:tcPr>
-                </a:tc>
-                <a:tc>
-                  <a:txBody>
-                    <a:bodyPr/>
-                    <a:lstStyle/>
-                    <a:p>
-                      <a:pPr algn="ctr"/>
-                      <a:r>
-                        <a:rPr lang="en-US" altLang="zh-CN" sz="1400" dirty="0">
-                          <a:latin typeface="Times New Roman" panose="02020603050405020304" pitchFamily="18" charset="0"/>
-                          <a:cs typeface="Times New Roman" panose="02020603050405020304" pitchFamily="18" charset="0"/>
-                        </a:rPr>
-                        <a:t>Build Tower, Delete Tower, Two-level Tower Upgrades</a:t>
-                      </a:r>
-                      <a:endParaRPr lang="zh-CN" altLang="en-US" sz="1400" dirty="0">
-                        <a:latin typeface="Times New Roman" panose="02020603050405020304" pitchFamily="18" charset="0"/>
-                        <a:cs typeface="Times New Roman" panose="02020603050405020304" pitchFamily="18" charset="0"/>
-                      </a:endParaRPr>
-                    </a:p>
-                  </a:txBody>
-                  <a:tcPr anchor="ctr">
-                    <a:lnL w="12700" cap="flat" cmpd="sng" algn="ctr">
-                      <a:solidFill>
-                        <a:schemeClr val="accent1"/>
-                      </a:solidFill>
-                      <a:prstDash val="solid"/>
-                      <a:round/>
-                      <a:headEnd type="none" w="med" len="med"/>
-                      <a:tailEnd type="none" w="med" len="med"/>
-                    </a:lnL>
-                    <a:lnR w="12700" cap="flat" cmpd="sng" algn="ctr">
-                      <a:solidFill>
-                        <a:schemeClr val="accent1"/>
-                      </a:solidFill>
-                      <a:prstDash val="solid"/>
-                      <a:round/>
-                      <a:headEnd type="none" w="med" len="med"/>
-                      <a:tailEnd type="none" w="med" len="med"/>
-                    </a:lnR>
-                  </a:tcPr>
-                </a:tc>
-                <a:tc>
-                  <a:txBody>
-                    <a:bodyPr/>
-                    <a:lstStyle/>
-                    <a:p>
-                      <a:pPr algn="ctr"/>
-                      <a:r>
-                        <a:rPr lang="en-US" altLang="zh-CN" sz="1400" dirty="0">
-                          <a:latin typeface="Times New Roman" panose="02020603050405020304" pitchFamily="18" charset="0"/>
-                          <a:cs typeface="Times New Roman" panose="02020603050405020304" pitchFamily="18" charset="0"/>
-                        </a:rPr>
-                        <a:t>Special Attack Mode</a:t>
-                      </a:r>
-                      <a:endParaRPr lang="zh-CN" altLang="en-US" sz="1400" dirty="0">
-                        <a:latin typeface="Times New Roman" panose="02020603050405020304" pitchFamily="18" charset="0"/>
-                        <a:cs typeface="Times New Roman" panose="02020603050405020304" pitchFamily="18" charset="0"/>
-                      </a:endParaRPr>
-                    </a:p>
-                  </a:txBody>
-                  <a:tcPr anchor="ctr">
-                    <a:lnL w="12700" cap="flat" cmpd="sng" algn="ctr">
-                      <a:solidFill>
-                        <a:schemeClr val="accent1"/>
-                      </a:solidFill>
-                      <a:prstDash val="solid"/>
-                      <a:round/>
-                      <a:headEnd type="none" w="med" len="med"/>
-                      <a:tailEnd type="none" w="med" len="med"/>
-                    </a:lnL>
-                    <a:lnR w="12700" cap="flat" cmpd="sng" algn="ctr">
-                      <a:solidFill>
-                        <a:schemeClr val="accent1"/>
-                      </a:solidFill>
-                      <a:prstDash val="solid"/>
-                      <a:round/>
-                      <a:headEnd type="none" w="med" len="med"/>
-                      <a:tailEnd type="none" w="med" len="med"/>
-                    </a:lnR>
-                  </a:tcPr>
-                </a:tc>
-                <a:tc>
-                  <a:txBody>
-                    <a:bodyPr/>
-                    <a:lstStyle/>
-                    <a:p>
-                      <a:pPr algn="ctr"/>
-                      <a:r>
-                        <a:rPr lang="en-US" altLang="zh-CN" sz="1400" dirty="0">
-                          <a:latin typeface="Times New Roman" panose="02020603050405020304" pitchFamily="18" charset="0"/>
-                          <a:cs typeface="Times New Roman" panose="02020603050405020304" pitchFamily="18" charset="0"/>
-                        </a:rPr>
-                        <a:t>Turret Special Abilities, Activate Special Abilities</a:t>
-                      </a:r>
-                      <a:endParaRPr lang="zh-CN" altLang="en-US" sz="1400" dirty="0">
-                        <a:latin typeface="Times New Roman" panose="02020603050405020304" pitchFamily="18" charset="0"/>
-                        <a:cs typeface="Times New Roman" panose="02020603050405020304" pitchFamily="18" charset="0"/>
-                      </a:endParaRPr>
-                    </a:p>
-                  </a:txBody>
-                  <a:tcPr anchor="ctr">
-                    <a:lnL w="12700" cap="flat" cmpd="sng" algn="ctr">
-                      <a:solidFill>
-                        <a:schemeClr val="accent1"/>
-                      </a:solidFill>
-                      <a:prstDash val="solid"/>
-                      <a:round/>
-                      <a:headEnd type="none" w="med" len="med"/>
-                      <a:tailEnd type="none" w="med" len="med"/>
-                    </a:lnL>
-                  </a:tcPr>
-                </a:tc>
-                <a:extLst>
-                  <a:ext uri="{0D108BD9-81ED-4DB2-BD59-A6C34878D82A}">
-                    <a16:rowId xmlns:a16="http://schemas.microsoft.com/office/drawing/2014/main" val="1677881196"/>
-                  </a:ext>
-                </a:extLst>
-              </a:tr>
-              <a:tr h="370840">
-                <a:tc>
-                  <a:txBody>
-                    <a:bodyPr/>
-                    <a:lstStyle/>
-                    <a:p>
-                      <a:pPr algn="ctr"/>
-                      <a:r>
-                        <a:rPr lang="en-US" altLang="zh-CN" sz="1400" dirty="0">
-                          <a:latin typeface="Times New Roman" panose="02020603050405020304" pitchFamily="18" charset="0"/>
-                          <a:cs typeface="Times New Roman" panose="02020603050405020304" pitchFamily="18" charset="0"/>
-                        </a:rPr>
-                        <a:t>Special Effects Display</a:t>
-                      </a:r>
-                      <a:endParaRPr lang="zh-CN" altLang="en-US" sz="1400" dirty="0">
-                        <a:latin typeface="Times New Roman" panose="02020603050405020304" pitchFamily="18" charset="0"/>
-                        <a:cs typeface="Times New Roman" panose="02020603050405020304" pitchFamily="18" charset="0"/>
-                      </a:endParaRPr>
-                    </a:p>
-                  </a:txBody>
-                  <a:tcPr anchor="ctr">
-                    <a:lnL w="12700" cap="flat" cmpd="sng" algn="ctr">
-                      <a:solidFill>
-                        <a:schemeClr val="accent1"/>
-                      </a:solidFill>
-                      <a:prstDash val="solid"/>
-                      <a:round/>
-                      <a:headEnd type="none" w="med" len="med"/>
-                      <a:tailEnd type="none" w="med" len="med"/>
-                    </a:lnL>
-                    <a:lnR w="12700" cap="flat" cmpd="sng" algn="ctr">
-                      <a:solidFill>
-                        <a:schemeClr val="accent1"/>
-                      </a:solidFill>
-                      <a:prstDash val="solid"/>
-                      <a:round/>
-                      <a:headEnd type="none" w="med" len="med"/>
-                      <a:tailEnd type="none" w="med" len="med"/>
-                    </a:lnR>
-                  </a:tcPr>
-                </a:tc>
-                <a:tc>
-                  <a:txBody>
-                    <a:bodyPr/>
-                    <a:lstStyle/>
-                    <a:p>
-                      <a:pPr algn="ctr"/>
-                      <a:r>
-                        <a:rPr lang="en-US" altLang="zh-CN" sz="1400" dirty="0">
-                          <a:latin typeface="Times New Roman" panose="02020603050405020304" pitchFamily="18" charset="0"/>
-                          <a:cs typeface="Times New Roman" panose="02020603050405020304" pitchFamily="18" charset="0"/>
-                        </a:rPr>
-                        <a:t>Tower Attack Effects, Monster Hit Effects</a:t>
-                      </a:r>
-                      <a:endParaRPr lang="zh-CN" altLang="en-US" sz="1400" dirty="0">
-                        <a:latin typeface="Times New Roman" panose="02020603050405020304" pitchFamily="18" charset="0"/>
-                        <a:cs typeface="Times New Roman" panose="02020603050405020304" pitchFamily="18" charset="0"/>
-                      </a:endParaRPr>
-                    </a:p>
-                  </a:txBody>
-                  <a:tcPr anchor="ctr">
-                    <a:lnL w="12700" cap="flat" cmpd="sng" algn="ctr">
-                      <a:solidFill>
-                        <a:schemeClr val="accent1"/>
-                      </a:solidFill>
-                      <a:prstDash val="solid"/>
-                      <a:round/>
-                      <a:headEnd type="none" w="med" len="med"/>
-                      <a:tailEnd type="none" w="med" len="med"/>
-                    </a:lnL>
-                    <a:lnR w="12700" cap="flat" cmpd="sng" algn="ctr">
-                      <a:solidFill>
-                        <a:schemeClr val="accent1"/>
-                      </a:solidFill>
-                      <a:prstDash val="solid"/>
-                      <a:round/>
-                      <a:headEnd type="none" w="med" len="med"/>
-                      <a:tailEnd type="none" w="med" len="med"/>
-                    </a:lnR>
-                  </a:tcPr>
-                </a:tc>
-                <a:tc>
-                  <a:txBody>
-                    <a:bodyPr/>
-                    <a:lstStyle/>
-                    <a:p>
-                      <a:pPr algn="ctr"/>
-                      <a:r>
-                        <a:rPr lang="en-US" altLang="zh-CN" sz="1400" dirty="0">
-                          <a:latin typeface="Times New Roman" panose="02020603050405020304" pitchFamily="18" charset="0"/>
-                          <a:cs typeface="Times New Roman" panose="02020603050405020304" pitchFamily="18" charset="0"/>
-                        </a:rPr>
-                        <a:t>Upgrade Effect Enhancement</a:t>
-                      </a:r>
-                      <a:endParaRPr lang="zh-CN" altLang="en-US" sz="1400" dirty="0">
-                        <a:latin typeface="Times New Roman" panose="02020603050405020304" pitchFamily="18" charset="0"/>
-                        <a:cs typeface="Times New Roman" panose="02020603050405020304" pitchFamily="18" charset="0"/>
-                      </a:endParaRPr>
-                    </a:p>
-                  </a:txBody>
-                  <a:tcPr anchor="ctr">
-                    <a:lnL w="12700" cap="flat" cmpd="sng" algn="ctr">
-                      <a:solidFill>
-                        <a:schemeClr val="accent1"/>
-                      </a:solidFill>
-                      <a:prstDash val="solid"/>
-                      <a:round/>
-                      <a:headEnd type="none" w="med" len="med"/>
-                      <a:tailEnd type="none" w="med" len="med"/>
-                    </a:lnL>
-                    <a:lnR w="12700" cap="flat" cmpd="sng" algn="ctr">
-                      <a:solidFill>
-                        <a:schemeClr val="accent1"/>
-                      </a:solidFill>
-                      <a:prstDash val="solid"/>
-                      <a:round/>
-                      <a:headEnd type="none" w="med" len="med"/>
-                      <a:tailEnd type="none" w="med" len="med"/>
-                    </a:lnR>
-                  </a:tcPr>
-                </a:tc>
-                <a:tc>
-                  <a:txBody>
-                    <a:bodyPr/>
-                    <a:lstStyle/>
-                    <a:p>
-                      <a:pPr algn="ctr"/>
-                      <a:r>
-                        <a:rPr lang="en-US" altLang="zh-CN" sz="1400" dirty="0">
-                          <a:latin typeface="Times New Roman" panose="02020603050405020304" pitchFamily="18" charset="0"/>
-                          <a:cs typeface="Times New Roman" panose="02020603050405020304" pitchFamily="18" charset="0"/>
-                        </a:rPr>
-                        <a:t>Unlock New Effects on Upgrade</a:t>
-                      </a:r>
-                      <a:endParaRPr lang="zh-CN" altLang="en-US" sz="1400" dirty="0">
-                        <a:latin typeface="Times New Roman" panose="02020603050405020304" pitchFamily="18" charset="0"/>
-                        <a:cs typeface="Times New Roman" panose="02020603050405020304" pitchFamily="18" charset="0"/>
-                      </a:endParaRPr>
-                    </a:p>
-                  </a:txBody>
-                  <a:tcPr anchor="ctr">
-                    <a:lnL w="12700" cap="flat" cmpd="sng" algn="ctr">
-                      <a:solidFill>
-                        <a:schemeClr val="accent1"/>
-                      </a:solidFill>
-                      <a:prstDash val="solid"/>
-                      <a:round/>
-                      <a:headEnd type="none" w="med" len="med"/>
-                      <a:tailEnd type="none" w="med" len="med"/>
-                    </a:lnL>
-                  </a:tcPr>
-                </a:tc>
-                <a:extLst>
-                  <a:ext uri="{0D108BD9-81ED-4DB2-BD59-A6C34878D82A}">
-                    <a16:rowId xmlns:a16="http://schemas.microsoft.com/office/drawing/2014/main" val="2328449314"/>
-                  </a:ext>
-                </a:extLst>
-              </a:tr>
-              <a:tr h="370840">
-                <a:tc>
-                  <a:txBody>
-                    <a:bodyPr/>
-                    <a:lstStyle/>
-                    <a:p>
-                      <a:pPr algn="ctr"/>
-                      <a:r>
-                        <a:rPr lang="en-US" altLang="zh-CN" sz="1400" dirty="0">
-                          <a:latin typeface="Times New Roman" panose="02020603050405020304" pitchFamily="18" charset="0"/>
-                          <a:cs typeface="Times New Roman" panose="02020603050405020304" pitchFamily="18" charset="0"/>
-                        </a:rPr>
-                        <a:t>Economy System</a:t>
-                      </a:r>
-                      <a:endParaRPr lang="zh-CN" altLang="en-US" sz="1400" dirty="0">
-                        <a:latin typeface="Times New Roman" panose="02020603050405020304" pitchFamily="18" charset="0"/>
-                        <a:cs typeface="Times New Roman" panose="02020603050405020304" pitchFamily="18" charset="0"/>
-                      </a:endParaRPr>
-                    </a:p>
-                  </a:txBody>
-                  <a:tcPr anchor="ctr">
-                    <a:lnL w="12700" cap="flat" cmpd="sng" algn="ctr">
-                      <a:solidFill>
-                        <a:schemeClr val="accent1"/>
-                      </a:solidFill>
-                      <a:prstDash val="solid"/>
-                      <a:round/>
-                      <a:headEnd type="none" w="med" len="med"/>
-                      <a:tailEnd type="none" w="med" len="med"/>
-                    </a:lnL>
-                    <a:lnR w="12700" cap="flat" cmpd="sng" algn="ctr">
-                      <a:solidFill>
-                        <a:schemeClr val="accent1"/>
-                      </a:solidFill>
-                      <a:prstDash val="solid"/>
-                      <a:round/>
-                      <a:headEnd type="none" w="med" len="med"/>
-                      <a:tailEnd type="none" w="med" len="med"/>
-                    </a:lnR>
-                  </a:tcPr>
-                </a:tc>
-                <a:tc>
-                  <a:txBody>
-                    <a:bodyPr/>
-                    <a:lstStyle/>
-                    <a:p>
-                      <a:pPr algn="ctr"/>
-                      <a:r>
-                        <a:rPr lang="en-US" altLang="zh-CN" sz="1400" dirty="0">
-                          <a:latin typeface="Times New Roman" panose="02020603050405020304" pitchFamily="18" charset="0"/>
-                          <a:cs typeface="Times New Roman" panose="02020603050405020304" pitchFamily="18" charset="0"/>
-                        </a:rPr>
-                        <a:t>Earn Gold by Defeating Monsters, Spend Gold to Build and Upgrade Turrets</a:t>
-                      </a:r>
-                      <a:endParaRPr lang="zh-CN" altLang="en-US" sz="1400" dirty="0">
-                        <a:latin typeface="Times New Roman" panose="02020603050405020304" pitchFamily="18" charset="0"/>
-                        <a:cs typeface="Times New Roman" panose="02020603050405020304" pitchFamily="18" charset="0"/>
-                      </a:endParaRPr>
-                    </a:p>
-                  </a:txBody>
-                  <a:tcPr anchor="ctr">
-                    <a:lnL w="12700" cap="flat" cmpd="sng" algn="ctr">
-                      <a:solidFill>
-                        <a:schemeClr val="accent1"/>
-                      </a:solidFill>
-                      <a:prstDash val="solid"/>
-                      <a:round/>
-                      <a:headEnd type="none" w="med" len="med"/>
-                      <a:tailEnd type="none" w="med" len="med"/>
-                    </a:lnL>
-                    <a:lnR w="12700" cap="flat" cmpd="sng" algn="ctr">
-                      <a:solidFill>
-                        <a:schemeClr val="accent1"/>
-                      </a:solidFill>
-                      <a:prstDash val="solid"/>
-                      <a:round/>
-                      <a:headEnd type="none" w="med" len="med"/>
-                      <a:tailEnd type="none" w="med" len="med"/>
-                    </a:lnR>
-                  </a:tcPr>
-                </a:tc>
-                <a:tc>
-                  <a:txBody>
-                    <a:bodyPr/>
-                    <a:lstStyle/>
-                    <a:p>
-                      <a:pPr marL="0" marR="0" lvl="0" indent="0" algn="ctr" defTabSz="914400" rtl="0" eaLnBrk="1" fontAlgn="auto" latinLnBrk="0" hangingPunct="1">
-                        <a:lnSpc>
-                          <a:spcPct val="100000"/>
-                        </a:lnSpc>
-                        <a:spcBef>
-                          <a:spcPts val="0"/>
-                        </a:spcBef>
-                        <a:spcAft>
-                          <a:spcPts val="0"/>
-                        </a:spcAft>
-                        <a:buClrTx/>
-                        <a:buSzTx/>
-                        <a:buFontTx/>
-                        <a:buNone/>
-                        <a:tabLst/>
-                        <a:defRPr/>
-                      </a:pPr>
-                      <a:r>
-                        <a:rPr lang="en-US" altLang="zh-CN" sz="1400" dirty="0">
-                          <a:latin typeface="Times New Roman" panose="02020603050405020304" pitchFamily="18" charset="0"/>
-                          <a:cs typeface="Times New Roman" panose="02020603050405020304" pitchFamily="18" charset="0"/>
-                        </a:rPr>
-                        <a:t>Flexible Game Flow</a:t>
-                      </a:r>
-                      <a:endParaRPr lang="zh-CN" altLang="en-US" sz="1400" dirty="0">
-                        <a:latin typeface="Times New Roman" panose="02020603050405020304" pitchFamily="18" charset="0"/>
-                        <a:cs typeface="Times New Roman" panose="02020603050405020304" pitchFamily="18" charset="0"/>
-                      </a:endParaRPr>
-                    </a:p>
-                  </a:txBody>
-                  <a:tcPr anchor="ctr">
-                    <a:lnL w="12700" cap="flat" cmpd="sng" algn="ctr">
-                      <a:solidFill>
-                        <a:schemeClr val="accent1"/>
-                      </a:solidFill>
-                      <a:prstDash val="solid"/>
-                      <a:round/>
-                      <a:headEnd type="none" w="med" len="med"/>
-                      <a:tailEnd type="none" w="med" len="med"/>
-                    </a:lnL>
-                    <a:lnR w="12700" cap="flat" cmpd="sng" algn="ctr">
-                      <a:solidFill>
-                        <a:schemeClr val="accent1"/>
-                      </a:solidFill>
-                      <a:prstDash val="solid"/>
-                      <a:round/>
-                      <a:headEnd type="none" w="med" len="med"/>
-                      <a:tailEnd type="none" w="med" len="med"/>
-                    </a:lnR>
-                  </a:tcPr>
-                </a:tc>
-                <a:tc>
-                  <a:txBody>
-                    <a:bodyPr/>
-                    <a:lstStyle/>
-                    <a:p>
-                      <a:pPr algn="ctr"/>
-                      <a:r>
-                        <a:rPr lang="en-US" altLang="zh-CN" sz="1400" dirty="0">
-                          <a:latin typeface="Times New Roman" panose="02020603050405020304" pitchFamily="18" charset="0"/>
-                          <a:cs typeface="Times New Roman" panose="02020603050405020304" pitchFamily="18" charset="0"/>
-                        </a:rPr>
-                        <a:t>Restart During Gameplay, Exit and Select Level</a:t>
-                      </a:r>
-                      <a:endParaRPr lang="zh-CN" altLang="en-US" sz="1400" dirty="0">
-                        <a:latin typeface="Times New Roman" panose="02020603050405020304" pitchFamily="18" charset="0"/>
-                        <a:cs typeface="Times New Roman" panose="02020603050405020304" pitchFamily="18" charset="0"/>
-                      </a:endParaRPr>
-                    </a:p>
-                  </a:txBody>
-                  <a:tcPr anchor="ctr">
-                    <a:lnL w="12700" cap="flat" cmpd="sng" algn="ctr">
-                      <a:solidFill>
-                        <a:schemeClr val="accent1"/>
-                      </a:solidFill>
-                      <a:prstDash val="solid"/>
-                      <a:round/>
-                      <a:headEnd type="none" w="med" len="med"/>
-                      <a:tailEnd type="none" w="med" len="med"/>
-                    </a:lnL>
-                  </a:tcPr>
-                </a:tc>
-                <a:extLst>
-                  <a:ext uri="{0D108BD9-81ED-4DB2-BD59-A6C34878D82A}">
-                    <a16:rowId xmlns:a16="http://schemas.microsoft.com/office/drawing/2014/main" val="3446190012"/>
-                  </a:ext>
-                </a:extLst>
-              </a:tr>
-              <a:tr h="370840">
-                <a:tc>
-                  <a:txBody>
-                    <a:bodyPr/>
-                    <a:lstStyle/>
-                    <a:p>
-                      <a:pPr algn="ctr"/>
-                      <a:r>
-                        <a:rPr lang="en-US" altLang="zh-CN" sz="1400" dirty="0">
-                          <a:latin typeface="Times New Roman" panose="02020603050405020304" pitchFamily="18" charset="0"/>
-                          <a:cs typeface="Times New Roman" panose="02020603050405020304" pitchFamily="18" charset="0"/>
-                        </a:rPr>
-                        <a:t>Monsters and Maps</a:t>
-                      </a:r>
-                      <a:endParaRPr lang="zh-CN" altLang="en-US" sz="1400" dirty="0">
-                        <a:latin typeface="Times New Roman" panose="02020603050405020304" pitchFamily="18" charset="0"/>
-                        <a:cs typeface="Times New Roman" panose="02020603050405020304" pitchFamily="18" charset="0"/>
-                      </a:endParaRPr>
-                    </a:p>
-                  </a:txBody>
-                  <a:tcPr anchor="ctr">
-                    <a:lnL w="12700" cap="flat" cmpd="sng" algn="ctr">
-                      <a:solidFill>
-                        <a:schemeClr val="accent1"/>
-                      </a:solidFill>
-                      <a:prstDash val="solid"/>
-                      <a:round/>
-                      <a:headEnd type="none" w="med" len="med"/>
-                      <a:tailEnd type="none" w="med" len="med"/>
-                    </a:lnL>
-                    <a:lnR w="12700" cap="flat" cmpd="sng" algn="ctr">
-                      <a:solidFill>
-                        <a:schemeClr val="accent1"/>
-                      </a:solidFill>
-                      <a:prstDash val="solid"/>
-                      <a:round/>
-                      <a:headEnd type="none" w="med" len="med"/>
-                      <a:tailEnd type="none" w="med" len="med"/>
-                    </a:lnR>
-                  </a:tcPr>
-                </a:tc>
-                <a:tc>
-                  <a:txBody>
-                    <a:bodyPr/>
-                    <a:lstStyle/>
-                    <a:p>
-                      <a:pPr algn="ctr"/>
-                      <a:r>
-                        <a:rPr lang="en-US" altLang="zh-CN" sz="1400" dirty="0">
-                          <a:latin typeface="Times New Roman" panose="02020603050405020304" pitchFamily="18" charset="0"/>
-                          <a:cs typeface="Times New Roman" panose="02020603050405020304" pitchFamily="18" charset="0"/>
-                        </a:rPr>
-                        <a:t>Three Types of Monsters, Two Maps</a:t>
-                      </a:r>
-                      <a:endParaRPr lang="zh-CN" altLang="en-US" sz="1400" dirty="0">
-                        <a:latin typeface="Times New Roman" panose="02020603050405020304" pitchFamily="18" charset="0"/>
-                        <a:cs typeface="Times New Roman" panose="02020603050405020304" pitchFamily="18" charset="0"/>
-                      </a:endParaRPr>
-                    </a:p>
-                  </a:txBody>
-                  <a:tcPr anchor="ctr">
-                    <a:lnL w="12700" cap="flat" cmpd="sng" algn="ctr">
-                      <a:solidFill>
-                        <a:schemeClr val="accent1"/>
-                      </a:solidFill>
-                      <a:prstDash val="solid"/>
-                      <a:round/>
-                      <a:headEnd type="none" w="med" len="med"/>
-                      <a:tailEnd type="none" w="med" len="med"/>
-                    </a:lnL>
-                    <a:lnR w="12700" cap="flat" cmpd="sng" algn="ctr">
-                      <a:solidFill>
-                        <a:schemeClr val="accent1"/>
-                      </a:solidFill>
-                      <a:prstDash val="solid"/>
-                      <a:round/>
-                      <a:headEnd type="none" w="med" len="med"/>
-                      <a:tailEnd type="none" w="med" len="med"/>
-                    </a:lnR>
-                  </a:tcPr>
-                </a:tc>
-                <a:tc>
-                  <a:txBody>
-                    <a:bodyPr/>
-                    <a:lstStyle/>
-                    <a:p>
-                      <a:pPr algn="ctr"/>
-                      <a:endParaRPr lang="zh-CN" altLang="en-US" sz="1400" dirty="0">
-                        <a:latin typeface="Times New Roman" panose="02020603050405020304" pitchFamily="18" charset="0"/>
-                        <a:cs typeface="Times New Roman" panose="02020603050405020304" pitchFamily="18" charset="0"/>
-                      </a:endParaRPr>
-                    </a:p>
-                  </a:txBody>
-                  <a:tcPr anchor="ctr">
-                    <a:lnL w="12700" cap="flat" cmpd="sng" algn="ctr">
-                      <a:solidFill>
-                        <a:schemeClr val="accent1"/>
-                      </a:solidFill>
-                      <a:prstDash val="solid"/>
-                      <a:round/>
-                      <a:headEnd type="none" w="med" len="med"/>
-                      <a:tailEnd type="none" w="med" len="med"/>
-                    </a:lnL>
-                    <a:lnR w="12700" cap="flat" cmpd="sng" algn="ctr">
-                      <a:solidFill>
-                        <a:schemeClr val="accent1"/>
-                      </a:solidFill>
-                      <a:prstDash val="solid"/>
-                      <a:round/>
-                      <a:headEnd type="none" w="med" len="med"/>
-                      <a:tailEnd type="none" w="med" len="med"/>
-                    </a:lnR>
-                  </a:tcPr>
-                </a:tc>
-                <a:tc>
-                  <a:txBody>
-                    <a:bodyPr/>
-                    <a:lstStyle/>
-                    <a:p>
-                      <a:pPr algn="ctr"/>
-                      <a:r>
-                        <a:rPr lang="en-US" altLang="zh-CN" sz="1400" dirty="0">
-                          <a:latin typeface="Times New Roman" panose="02020603050405020304" pitchFamily="18" charset="0"/>
-                          <a:cs typeface="Times New Roman" panose="02020603050405020304" pitchFamily="18" charset="0"/>
-                        </a:rPr>
-                        <a:t>	</a:t>
-                      </a:r>
-                      <a:endParaRPr lang="zh-CN" altLang="en-US" sz="1400" dirty="0">
-                        <a:latin typeface="Times New Roman" panose="02020603050405020304" pitchFamily="18" charset="0"/>
-                        <a:cs typeface="Times New Roman" panose="02020603050405020304" pitchFamily="18" charset="0"/>
-                      </a:endParaRPr>
-                    </a:p>
-                  </a:txBody>
-                  <a:tcPr anchor="ctr">
-                    <a:lnL w="12700" cap="flat" cmpd="sng" algn="ctr">
-                      <a:solidFill>
-                        <a:schemeClr val="accent1"/>
-                      </a:solidFill>
-                      <a:prstDash val="solid"/>
-                      <a:round/>
-                      <a:headEnd type="none" w="med" len="med"/>
-                      <a:tailEnd type="none" w="med" len="med"/>
-                    </a:lnL>
-                  </a:tcPr>
-                </a:tc>
-                <a:extLst>
-                  <a:ext uri="{0D108BD9-81ED-4DB2-BD59-A6C34878D82A}">
-                    <a16:rowId xmlns:a16="http://schemas.microsoft.com/office/drawing/2014/main" val="662206160"/>
-                  </a:ext>
-                </a:extLst>
-              </a:tr>
-              <a:tr h="370840">
-                <a:tc>
-                  <a:txBody>
-                    <a:bodyPr/>
-                    <a:lstStyle/>
-                    <a:p>
-                      <a:pPr algn="ctr"/>
-                      <a:r>
-                        <a:rPr lang="en-US" altLang="zh-CN" sz="1400" dirty="0">
-                          <a:latin typeface="Times New Roman" panose="02020603050405020304" pitchFamily="18" charset="0"/>
-                          <a:cs typeface="Times New Roman" panose="02020603050405020304" pitchFamily="18" charset="0"/>
-                        </a:rPr>
-                        <a:t>Health and Background Music</a:t>
-                      </a:r>
-                      <a:endParaRPr lang="zh-CN" altLang="en-US" sz="1400" dirty="0">
-                        <a:latin typeface="Times New Roman" panose="02020603050405020304" pitchFamily="18" charset="0"/>
-                        <a:cs typeface="Times New Roman" panose="02020603050405020304" pitchFamily="18" charset="0"/>
-                      </a:endParaRPr>
-                    </a:p>
-                  </a:txBody>
-                  <a:tcPr anchor="ctr">
-                    <a:lnL w="12700" cap="flat" cmpd="sng" algn="ctr">
-                      <a:solidFill>
-                        <a:schemeClr val="accent1"/>
-                      </a:solidFill>
-                      <a:prstDash val="solid"/>
-                      <a:round/>
-                      <a:headEnd type="none" w="med" len="med"/>
-                      <a:tailEnd type="none" w="med" len="med"/>
-                    </a:lnL>
-                    <a:lnR w="12700" cap="flat" cmpd="sng" algn="ctr">
-                      <a:solidFill>
-                        <a:schemeClr val="accent1"/>
-                      </a:solidFill>
-                      <a:prstDash val="solid"/>
-                      <a:round/>
-                      <a:headEnd type="none" w="med" len="med"/>
-                      <a:tailEnd type="none" w="med" len="med"/>
-                    </a:lnR>
-                  </a:tcPr>
-                </a:tc>
-                <a:tc>
-                  <a:txBody>
-                    <a:bodyPr/>
-                    <a:lstStyle/>
-                    <a:p>
-                      <a:pPr algn="ctr"/>
-                      <a:r>
-                        <a:rPr lang="en-US" altLang="zh-CN" sz="1400" dirty="0">
-                          <a:latin typeface="Times New Roman" panose="02020603050405020304" pitchFamily="18" charset="0"/>
-                          <a:cs typeface="Times New Roman" panose="02020603050405020304" pitchFamily="18" charset="0"/>
-                        </a:rPr>
-                        <a:t>Display Carrot Health, Background Music</a:t>
-                      </a:r>
-                      <a:endParaRPr lang="zh-CN" altLang="en-US" sz="1400" dirty="0">
-                        <a:latin typeface="Times New Roman" panose="02020603050405020304" pitchFamily="18" charset="0"/>
-                        <a:cs typeface="Times New Roman" panose="02020603050405020304" pitchFamily="18" charset="0"/>
-                      </a:endParaRPr>
-                    </a:p>
-                  </a:txBody>
-                  <a:tcPr anchor="ctr">
-                    <a:lnL w="12700" cap="flat" cmpd="sng" algn="ctr">
-                      <a:solidFill>
-                        <a:schemeClr val="accent1"/>
-                      </a:solidFill>
-                      <a:prstDash val="solid"/>
-                      <a:round/>
-                      <a:headEnd type="none" w="med" len="med"/>
-                      <a:tailEnd type="none" w="med" len="med"/>
-                    </a:lnL>
-                    <a:lnR w="12700" cap="flat" cmpd="sng" algn="ctr">
-                      <a:solidFill>
-                        <a:schemeClr val="accent1"/>
-                      </a:solidFill>
-                      <a:prstDash val="solid"/>
-                      <a:round/>
-                      <a:headEnd type="none" w="med" len="med"/>
-                      <a:tailEnd type="none" w="med" len="med"/>
-                    </a:lnR>
-                  </a:tcPr>
-                </a:tc>
-                <a:tc>
-                  <a:txBody>
-                    <a:bodyPr/>
-                    <a:lstStyle/>
-                    <a:p>
-                      <a:pPr algn="ctr"/>
-                      <a:endParaRPr lang="zh-CN" altLang="en-US" sz="1400" dirty="0">
-                        <a:latin typeface="Times New Roman" panose="02020603050405020304" pitchFamily="18" charset="0"/>
-                        <a:cs typeface="Times New Roman" panose="02020603050405020304" pitchFamily="18" charset="0"/>
-                      </a:endParaRPr>
-                    </a:p>
-                  </a:txBody>
-                  <a:tcPr anchor="ctr">
-                    <a:lnL w="12700" cap="flat" cmpd="sng" algn="ctr">
-                      <a:solidFill>
-                        <a:schemeClr val="accent1"/>
-                      </a:solidFill>
-                      <a:prstDash val="solid"/>
-                      <a:round/>
-                      <a:headEnd type="none" w="med" len="med"/>
-                      <a:tailEnd type="none" w="med" len="med"/>
-                    </a:lnL>
-                    <a:lnR w="12700" cap="flat" cmpd="sng" algn="ctr">
-                      <a:solidFill>
-                        <a:schemeClr val="accent1"/>
-                      </a:solidFill>
-                      <a:prstDash val="solid"/>
-                      <a:round/>
-                      <a:headEnd type="none" w="med" len="med"/>
-                      <a:tailEnd type="none" w="med" len="med"/>
-                    </a:lnR>
-                  </a:tcPr>
-                </a:tc>
-                <a:tc>
-                  <a:txBody>
-                    <a:bodyPr/>
-                    <a:lstStyle/>
-                    <a:p>
-                      <a:pPr algn="ctr"/>
-                      <a:endParaRPr lang="zh-CN" altLang="en-US" sz="1400" dirty="0">
-                        <a:latin typeface="Times New Roman" panose="02020603050405020304" pitchFamily="18" charset="0"/>
-                        <a:cs typeface="Times New Roman" panose="02020603050405020304" pitchFamily="18" charset="0"/>
-                      </a:endParaRPr>
-                    </a:p>
-                  </a:txBody>
-                  <a:tcPr anchor="ctr">
-                    <a:lnL w="12700" cap="flat" cmpd="sng" algn="ctr">
-                      <a:solidFill>
-                        <a:schemeClr val="accent1"/>
-                      </a:solidFill>
-                      <a:prstDash val="solid"/>
-                      <a:round/>
-                      <a:headEnd type="none" w="med" len="med"/>
-                      <a:tailEnd type="none" w="med" len="med"/>
-                    </a:lnL>
-                  </a:tcPr>
-                </a:tc>
-                <a:extLst>
-                  <a:ext uri="{0D108BD9-81ED-4DB2-BD59-A6C34878D82A}">
-                    <a16:rowId xmlns:a16="http://schemas.microsoft.com/office/drawing/2014/main" val="3584757736"/>
-                  </a:ext>
-                </a:extLst>
-              </a:tr>
-              <a:tr h="370840">
-                <a:tc>
-                  <a:txBody>
-                    <a:bodyPr/>
-                    <a:lstStyle/>
-                    <a:p>
-                      <a:pPr algn="ctr"/>
-                      <a:r>
-                        <a:rPr lang="en-US" altLang="zh-CN" sz="1400" dirty="0">
-                          <a:latin typeface="Times New Roman" panose="02020603050405020304" pitchFamily="18" charset="0"/>
-                          <a:cs typeface="Times New Roman" panose="02020603050405020304" pitchFamily="18" charset="0"/>
-                        </a:rPr>
-                        <a:t>Save Function</a:t>
-                      </a:r>
-                      <a:endParaRPr lang="zh-CN" altLang="en-US" sz="1400" dirty="0">
-                        <a:latin typeface="Times New Roman" panose="02020603050405020304" pitchFamily="18" charset="0"/>
-                        <a:cs typeface="Times New Roman" panose="02020603050405020304" pitchFamily="18" charset="0"/>
-                      </a:endParaRPr>
-                    </a:p>
-                  </a:txBody>
-                  <a:tcPr anchor="ctr">
-                    <a:lnL w="12700" cap="flat" cmpd="sng" algn="ctr">
-                      <a:solidFill>
-                        <a:schemeClr val="accent1"/>
-                      </a:solidFill>
-                      <a:prstDash val="solid"/>
-                      <a:round/>
-                      <a:headEnd type="none" w="med" len="med"/>
-                      <a:tailEnd type="none" w="med" len="med"/>
-                    </a:lnL>
-                    <a:lnR w="12700" cap="flat" cmpd="sng" algn="ctr">
-                      <a:solidFill>
-                        <a:schemeClr val="accent1"/>
-                      </a:solidFill>
-                      <a:prstDash val="solid"/>
-                      <a:round/>
-                      <a:headEnd type="none" w="med" len="med"/>
-                      <a:tailEnd type="none" w="med" len="med"/>
-                    </a:lnR>
-                  </a:tcPr>
-                </a:tc>
-                <a:tc>
-                  <a:txBody>
-                    <a:bodyPr/>
-                    <a:lstStyle/>
-                    <a:p>
-                      <a:pPr algn="ctr"/>
-                      <a:r>
-                        <a:rPr lang="en-US" altLang="zh-CN" sz="1400" dirty="0">
-                          <a:latin typeface="Times New Roman" panose="02020603050405020304" pitchFamily="18" charset="0"/>
-                          <a:cs typeface="Times New Roman" panose="02020603050405020304" pitchFamily="18" charset="0"/>
-                        </a:rPr>
-                        <a:t>Save Game Progress</a:t>
-                      </a:r>
-                      <a:endParaRPr lang="zh-CN" altLang="en-US" sz="1400" dirty="0">
-                        <a:latin typeface="Times New Roman" panose="02020603050405020304" pitchFamily="18" charset="0"/>
-                        <a:cs typeface="Times New Roman" panose="02020603050405020304" pitchFamily="18" charset="0"/>
-                      </a:endParaRPr>
-                    </a:p>
-                  </a:txBody>
-                  <a:tcPr anchor="ctr">
-                    <a:lnL w="12700" cap="flat" cmpd="sng" algn="ctr">
-                      <a:solidFill>
-                        <a:schemeClr val="accent1"/>
-                      </a:solidFill>
-                      <a:prstDash val="solid"/>
-                      <a:round/>
-                      <a:headEnd type="none" w="med" len="med"/>
-                      <a:tailEnd type="none" w="med" len="med"/>
-                    </a:lnL>
-                    <a:lnR w="12700" cap="flat" cmpd="sng" algn="ctr">
-                      <a:solidFill>
-                        <a:schemeClr val="accent1"/>
-                      </a:solidFill>
-                      <a:prstDash val="solid"/>
-                      <a:round/>
-                      <a:headEnd type="none" w="med" len="med"/>
-                      <a:tailEnd type="none" w="med" len="med"/>
-                    </a:lnR>
-                  </a:tcPr>
-                </a:tc>
-                <a:tc>
-                  <a:txBody>
-                    <a:bodyPr/>
-                    <a:lstStyle/>
-                    <a:p>
-                      <a:pPr algn="ctr"/>
-                      <a:endParaRPr lang="zh-CN" altLang="en-US" sz="1400" dirty="0">
-                        <a:latin typeface="Times New Roman" panose="02020603050405020304" pitchFamily="18" charset="0"/>
-                        <a:cs typeface="Times New Roman" panose="02020603050405020304" pitchFamily="18" charset="0"/>
-                      </a:endParaRPr>
-                    </a:p>
-                  </a:txBody>
-                  <a:tcPr anchor="ctr">
-                    <a:lnL w="12700" cap="flat" cmpd="sng" algn="ctr">
-                      <a:solidFill>
-                        <a:schemeClr val="accent1"/>
-                      </a:solidFill>
-                      <a:prstDash val="solid"/>
-                      <a:round/>
-                      <a:headEnd type="none" w="med" len="med"/>
-                      <a:tailEnd type="none" w="med" len="med"/>
-                    </a:lnL>
-                    <a:lnR w="12700" cap="flat" cmpd="sng" algn="ctr">
-                      <a:solidFill>
-                        <a:schemeClr val="accent1"/>
-                      </a:solidFill>
-                      <a:prstDash val="solid"/>
-                      <a:round/>
-                      <a:headEnd type="none" w="med" len="med"/>
-                      <a:tailEnd type="none" w="med" len="med"/>
-                    </a:lnR>
-                  </a:tcPr>
-                </a:tc>
-                <a:tc>
-                  <a:txBody>
-                    <a:bodyPr/>
-                    <a:lstStyle/>
-                    <a:p>
-                      <a:pPr algn="ctr"/>
-                      <a:endParaRPr lang="zh-CN" altLang="en-US" sz="1400" dirty="0">
-                        <a:latin typeface="Times New Roman" panose="02020603050405020304" pitchFamily="18" charset="0"/>
-                        <a:cs typeface="Times New Roman" panose="02020603050405020304" pitchFamily="18" charset="0"/>
-                      </a:endParaRPr>
-                    </a:p>
-                  </a:txBody>
-                  <a:tcPr anchor="ctr">
-                    <a:lnL w="12700" cap="flat" cmpd="sng" algn="ctr">
-                      <a:solidFill>
-                        <a:schemeClr val="accent1"/>
-                      </a:solidFill>
-                      <a:prstDash val="solid"/>
-                      <a:round/>
-                      <a:headEnd type="none" w="med" len="med"/>
-                      <a:tailEnd type="none" w="med" len="med"/>
-                    </a:lnL>
-                  </a:tcPr>
-                </a:tc>
-                <a:extLst>
-                  <a:ext uri="{0D108BD9-81ED-4DB2-BD59-A6C34878D82A}">
-                    <a16:rowId xmlns:a16="http://schemas.microsoft.com/office/drawing/2014/main" val="3659881902"/>
-                  </a:ext>
-                </a:extLst>
-              </a:tr>
-            </a:tbl>
-          </a:graphicData>
-        </a:graphic>
-      </p:graphicFrame>
     </p:spTree>
     <p:extLst>
       <p:ext uri="{BB962C8B-B14F-4D97-AF65-F5344CB8AC3E}">
@@ -32405,10 +28835,10 @@
       </p:sp>
       <p:grpSp>
         <p:nvGrpSpPr>
-          <p:cNvPr id="4" name="组合 3">
+          <p:cNvPr id="10" name="组合 9">
             <a:extLst>
               <a:ext uri="{FF2B5EF4-FFF2-40B4-BE49-F238E27FC236}">
-                <a16:creationId xmlns:a16="http://schemas.microsoft.com/office/drawing/2014/main" id="{AA210DF4-304E-E213-BDFD-79EECAA2D9CD}"/>
+                <a16:creationId xmlns:a16="http://schemas.microsoft.com/office/drawing/2014/main" id="{E763989A-D110-7336-D5A5-FF2D72BCB2D7}"/>
               </a:ext>
             </a:extLst>
           </p:cNvPr>
@@ -32423,122 +28853,12 @@
             <a:chExt cx="2482736" cy="5943599"/>
           </a:xfrm>
         </p:grpSpPr>
-        <p:grpSp>
-          <p:nvGrpSpPr>
-            <p:cNvPr id="10" name="组合 9">
+        <p:sp>
+          <p:nvSpPr>
+            <p:cNvPr id="7" name="矩形 6">
               <a:extLst>
                 <a:ext uri="{FF2B5EF4-FFF2-40B4-BE49-F238E27FC236}">
-                  <a16:creationId xmlns:a16="http://schemas.microsoft.com/office/drawing/2014/main" id="{E763989A-D110-7336-D5A5-FF2D72BCB2D7}"/>
-                </a:ext>
-              </a:extLst>
-            </p:cNvPr>
-            <p:cNvGrpSpPr/>
-            <p:nvPr/>
-          </p:nvGrpSpPr>
-          <p:grpSpPr>
-            <a:xfrm>
-              <a:off x="314893" y="914400"/>
-              <a:ext cx="2482736" cy="5943599"/>
-              <a:chOff x="314893" y="914400"/>
-              <a:chExt cx="2482736" cy="5943599"/>
-            </a:xfrm>
-          </p:grpSpPr>
-          <p:sp>
-            <p:nvSpPr>
-              <p:cNvPr id="7" name="矩形 6">
-                <a:extLst>
-                  <a:ext uri="{FF2B5EF4-FFF2-40B4-BE49-F238E27FC236}">
-                    <a16:creationId xmlns:a16="http://schemas.microsoft.com/office/drawing/2014/main" id="{7E3A3E10-3985-E954-A329-A48180EA4893}"/>
-                  </a:ext>
-                </a:extLst>
-              </p:cNvPr>
-              <p:cNvSpPr/>
-              <p:nvPr/>
-            </p:nvSpPr>
-            <p:spPr>
-              <a:xfrm>
-                <a:off x="314893" y="914400"/>
-                <a:ext cx="2482736" cy="5943599"/>
-              </a:xfrm>
-              <a:prstGeom prst="rect">
-                <a:avLst/>
-              </a:prstGeom>
-              <a:solidFill>
-                <a:schemeClr val="accent1">
-                  <a:lumMod val="20000"/>
-                  <a:lumOff val="80000"/>
-                </a:schemeClr>
-              </a:solidFill>
-              <a:ln>
-                <a:noFill/>
-              </a:ln>
-            </p:spPr>
-            <p:style>
-              <a:lnRef idx="2">
-                <a:schemeClr val="accent1">
-                  <a:shade val="50000"/>
-                </a:schemeClr>
-              </a:lnRef>
-              <a:fillRef idx="1">
-                <a:schemeClr val="accent1"/>
-              </a:fillRef>
-              <a:effectRef idx="0">
-                <a:schemeClr val="accent1"/>
-              </a:effectRef>
-              <a:fontRef idx="minor">
-                <a:schemeClr val="lt1"/>
-              </a:fontRef>
-            </p:style>
-            <p:txBody>
-              <a:bodyPr rtlCol="0" anchor="ctr"/>
-              <a:lstStyle/>
-              <a:p>
-                <a:pPr algn="ctr"/>
-                <a:endParaRPr lang="zh-CN" altLang="en-US" dirty="0">
-                  <a:latin typeface="思源黑体 CN Normal" panose="020B0400000000000000" pitchFamily="34" charset="-122"/>
-                  <a:ea typeface="思源黑体 CN Normal" panose="020B0400000000000000" pitchFamily="34" charset="-122"/>
-                  <a:sym typeface="思源黑体 CN Normal" panose="020B0400000000000000" pitchFamily="34" charset="-122"/>
-                </a:endParaRPr>
-              </a:p>
-            </p:txBody>
-          </p:sp>
-          <p:pic>
-            <p:nvPicPr>
-              <p:cNvPr id="3" name="图片 2">
-                <a:extLst>
-                  <a:ext uri="{FF2B5EF4-FFF2-40B4-BE49-F238E27FC236}">
-                    <a16:creationId xmlns:a16="http://schemas.microsoft.com/office/drawing/2014/main" id="{696E33EA-E7A4-EFFA-E6F7-737D0D16B01C}"/>
-                  </a:ext>
-                </a:extLst>
-              </p:cNvPr>
-              <p:cNvPicPr>
-                <a:picLocks noChangeAspect="1"/>
-              </p:cNvPicPr>
-              <p:nvPr/>
-            </p:nvPicPr>
-            <p:blipFill>
-              <a:blip r:embed="rId2"/>
-              <a:stretch>
-                <a:fillRect/>
-              </a:stretch>
-            </p:blipFill>
-            <p:spPr>
-              <a:xfrm>
-                <a:off x="475576" y="1001939"/>
-                <a:ext cx="2161369" cy="5768519"/>
-              </a:xfrm>
-              <a:prstGeom prst="rect">
-                <a:avLst/>
-              </a:prstGeom>
-            </p:spPr>
-          </p:pic>
-        </p:grpSp>
-        <p:sp>
-          <p:nvSpPr>
-            <p:cNvPr id="29" name="矩形 28">
-              <a:extLst>
-                <a:ext uri="{FF2B5EF4-FFF2-40B4-BE49-F238E27FC236}">
-                  <a16:creationId xmlns:a16="http://schemas.microsoft.com/office/drawing/2014/main" id="{D2200C05-2AF8-4C45-7A84-5DFA33C78268}"/>
+                  <a16:creationId xmlns:a16="http://schemas.microsoft.com/office/drawing/2014/main" id="{7E3A3E10-3985-E954-A329-A48180EA4893}"/>
                 </a:ext>
               </a:extLst>
             </p:cNvPr>
@@ -32547,23 +28867,26 @@
           </p:nvSpPr>
           <p:spPr>
             <a:xfrm>
-              <a:off x="793286" y="1834857"/>
-              <a:ext cx="1562353" cy="4892948"/>
+              <a:off x="314893" y="914400"/>
+              <a:ext cx="2482736" cy="5943599"/>
             </a:xfrm>
             <a:prstGeom prst="rect">
               <a:avLst/>
             </a:prstGeom>
-            <a:noFill/>
-            <a:ln w="19050">
-              <a:solidFill>
-                <a:srgbClr val="FF0000"/>
-              </a:solidFill>
+            <a:solidFill>
+              <a:schemeClr val="accent1">
+                <a:lumMod val="20000"/>
+                <a:lumOff val="80000"/>
+              </a:schemeClr>
+            </a:solidFill>
+            <a:ln>
+              <a:noFill/>
             </a:ln>
           </p:spPr>
           <p:style>
             <a:lnRef idx="2">
               <a:schemeClr val="accent1">
-                <a:shade val="15000"/>
+                <a:shade val="50000"/>
               </a:schemeClr>
             </a:lnRef>
             <a:fillRef idx="1">
@@ -32581,11 +28904,97 @@
             <a:lstStyle/>
             <a:p>
               <a:pPr algn="ctr"/>
-              <a:endParaRPr lang="zh-CN" altLang="en-US"/>
+              <a:endParaRPr lang="zh-CN" altLang="en-US" dirty="0">
+                <a:latin typeface="思源黑体 CN Normal" panose="020B0400000000000000" pitchFamily="34" charset="-122"/>
+                <a:ea typeface="思源黑体 CN Normal" panose="020B0400000000000000" pitchFamily="34" charset="-122"/>
+                <a:sym typeface="思源黑体 CN Normal" panose="020B0400000000000000" pitchFamily="34" charset="-122"/>
+              </a:endParaRPr>
             </a:p>
           </p:txBody>
         </p:sp>
+        <p:pic>
+          <p:nvPicPr>
+            <p:cNvPr id="3" name="图片 2">
+              <a:extLst>
+                <a:ext uri="{FF2B5EF4-FFF2-40B4-BE49-F238E27FC236}">
+                  <a16:creationId xmlns:a16="http://schemas.microsoft.com/office/drawing/2014/main" id="{696E33EA-E7A4-EFFA-E6F7-737D0D16B01C}"/>
+                </a:ext>
+              </a:extLst>
+            </p:cNvPr>
+            <p:cNvPicPr>
+              <a:picLocks noChangeAspect="1"/>
+            </p:cNvPicPr>
+            <p:nvPr/>
+          </p:nvPicPr>
+          <p:blipFill>
+            <a:blip r:embed="rId2"/>
+            <a:stretch>
+              <a:fillRect/>
+            </a:stretch>
+          </p:blipFill>
+          <p:spPr>
+            <a:xfrm>
+              <a:off x="475576" y="1001939"/>
+              <a:ext cx="2161369" cy="5768519"/>
+            </a:xfrm>
+            <a:prstGeom prst="rect">
+              <a:avLst/>
+            </a:prstGeom>
+          </p:spPr>
+        </p:pic>
       </p:grpSp>
+      <p:sp>
+        <p:nvSpPr>
+          <p:cNvPr id="29" name="矩形 28">
+            <a:extLst>
+              <a:ext uri="{FF2B5EF4-FFF2-40B4-BE49-F238E27FC236}">
+                <a16:creationId xmlns:a16="http://schemas.microsoft.com/office/drawing/2014/main" id="{D2200C05-2AF8-4C45-7A84-5DFA33C78268}"/>
+              </a:ext>
+            </a:extLst>
+          </p:cNvPr>
+          <p:cNvSpPr/>
+          <p:nvPr/>
+        </p:nvSpPr>
+        <p:spPr>
+          <a:xfrm>
+            <a:off x="793286" y="1834857"/>
+            <a:ext cx="1562353" cy="4892948"/>
+          </a:xfrm>
+          <a:prstGeom prst="rect">
+            <a:avLst/>
+          </a:prstGeom>
+          <a:noFill/>
+          <a:ln w="19050">
+            <a:solidFill>
+              <a:srgbClr val="FF0000"/>
+            </a:solidFill>
+          </a:ln>
+        </p:spPr>
+        <p:style>
+          <a:lnRef idx="2">
+            <a:schemeClr val="accent1">
+              <a:shade val="15000"/>
+            </a:schemeClr>
+          </a:lnRef>
+          <a:fillRef idx="1">
+            <a:schemeClr val="accent1"/>
+          </a:fillRef>
+          <a:effectRef idx="0">
+            <a:schemeClr val="accent1"/>
+          </a:effectRef>
+          <a:fontRef idx="minor">
+            <a:schemeClr val="lt1"/>
+          </a:fontRef>
+        </p:style>
+        <p:txBody>
+          <a:bodyPr rtlCol="0" anchor="ctr"/>
+          <a:lstStyle/>
+          <a:p>
+            <a:pPr algn="ctr"/>
+            <a:endParaRPr lang="zh-CN" altLang="en-US"/>
+          </a:p>
+        </p:txBody>
+      </p:sp>
     </p:spTree>
     <p:extLst>
       <p:ext uri="{BB962C8B-B14F-4D97-AF65-F5344CB8AC3E}">
@@ -32980,14 +29389,14 @@
           <p:nvPr>
             <p:extLst>
               <p:ext uri="{D42A27DB-BD31-4B8C-83A1-F6EECF244321}">
-                <p14:modId xmlns:p14="http://schemas.microsoft.com/office/powerpoint/2010/main" val="1422800719"/>
+                <p14:modId xmlns:p14="http://schemas.microsoft.com/office/powerpoint/2010/main" val="1844981739"/>
               </p:ext>
             </p:extLst>
           </p:nvPr>
         </p:nvGraphicFramePr>
         <p:xfrm>
           <a:off x="1408512" y="1714061"/>
-          <a:ext cx="10008001" cy="3235960"/>
+          <a:ext cx="9059212" cy="3235960"/>
         </p:xfrm>
         <a:graphic>
           <a:graphicData uri="http://schemas.openxmlformats.org/drawingml/2006/table">
@@ -32996,35 +29405,35 @@
                 <a:tableStyleId>{69012ECD-51FC-41F1-AA8D-1B2483CD663E}</a:tableStyleId>
               </a:tblPr>
               <a:tblGrid>
-                <a:gridCol w="1038659">
+                <a:gridCol w="981851">
                   <a:extLst>
                     <a:ext uri="{9D8B030D-6E8A-4147-A177-3AD203B41FA5}">
                       <a16:colId xmlns:a16="http://schemas.microsoft.com/office/drawing/2014/main" val="2072663441"/>
                     </a:ext>
                   </a:extLst>
                 </a:gridCol>
-                <a:gridCol w="1855114">
+                <a:gridCol w="2012852">
                   <a:extLst>
                     <a:ext uri="{9D8B030D-6E8A-4147-A177-3AD203B41FA5}">
                       <a16:colId xmlns:a16="http://schemas.microsoft.com/office/drawing/2014/main" val="4279852217"/>
                     </a:ext>
                   </a:extLst>
                 </a:gridCol>
-                <a:gridCol w="2039309">
+                <a:gridCol w="2012852">
                   <a:extLst>
                     <a:ext uri="{9D8B030D-6E8A-4147-A177-3AD203B41FA5}">
                       <a16:colId xmlns:a16="http://schemas.microsoft.com/office/drawing/2014/main" val="2718842353"/>
                     </a:ext>
                   </a:extLst>
                 </a:gridCol>
-                <a:gridCol w="1861692">
+                <a:gridCol w="2290067">
                   <a:extLst>
                     <a:ext uri="{9D8B030D-6E8A-4147-A177-3AD203B41FA5}">
                       <a16:colId xmlns:a16="http://schemas.microsoft.com/office/drawing/2014/main" val="2117168748"/>
                     </a:ext>
                   </a:extLst>
                 </a:gridCol>
-                <a:gridCol w="3213227">
+                <a:gridCol w="1761590">
                   <a:extLst>
                     <a:ext uri="{9D8B030D-6E8A-4147-A177-3AD203B41FA5}">
                       <a16:colId xmlns:a16="http://schemas.microsoft.com/office/drawing/2014/main" val="1376157236"/>
@@ -34260,13 +30669,6 @@
                     <a:lstStyle/>
                     <a:p>
                       <a:pPr algn="ctr"/>
-                      <a:r>
-                        <a:rPr lang="en-US" altLang="zh-CN" dirty="0">
-                          <a:latin typeface="Times New Roman" panose="02020603050405020304" pitchFamily="18" charset="0"/>
-                          <a:cs typeface="Times New Roman" panose="02020603050405020304" pitchFamily="18" charset="0"/>
-                        </a:rPr>
-                        <a:t>Template Method</a:t>
-                      </a:r>
                       <a:endParaRPr lang="zh-CN" altLang="en-US" dirty="0">
                         <a:latin typeface="Times New Roman" panose="02020603050405020304" pitchFamily="18" charset="0"/>
                         <a:cs typeface="Times New Roman" panose="02020603050405020304" pitchFamily="18" charset="0"/>
@@ -34300,13 +30702,6 @@
                     <a:lstStyle/>
                     <a:p>
                       <a:pPr algn="ctr"/>
-                      <a:r>
-                        <a:rPr lang="en-US" altLang="zh-CN" dirty="0">
-                          <a:latin typeface="Times New Roman" panose="02020603050405020304" pitchFamily="18" charset="0"/>
-                          <a:cs typeface="Times New Roman" panose="02020603050405020304" pitchFamily="18" charset="0"/>
-                        </a:rPr>
-                        <a:t>Behavioral Patterns</a:t>
-                      </a:r>
                       <a:endParaRPr lang="zh-CN" altLang="en-US" dirty="0">
                         <a:latin typeface="Times New Roman" panose="02020603050405020304" pitchFamily="18" charset="0"/>
                         <a:cs typeface="Times New Roman" panose="02020603050405020304" pitchFamily="18" charset="0"/>
@@ -34340,13 +30735,6 @@
                     <a:lstStyle/>
                     <a:p>
                       <a:pPr algn="ctr"/>
-                      <a:r>
-                        <a:rPr lang="en-US" altLang="zh-CN" dirty="0">
-                          <a:latin typeface="Times New Roman" panose="02020603050405020304" pitchFamily="18" charset="0"/>
-                          <a:cs typeface="Times New Roman" panose="02020603050405020304" pitchFamily="18" charset="0"/>
-                        </a:rPr>
-                        <a:t>1</a:t>
-                      </a:r>
                       <a:endParaRPr lang="zh-CN" altLang="en-US" dirty="0">
                         <a:latin typeface="Times New Roman" panose="02020603050405020304" pitchFamily="18" charset="0"/>
                         <a:cs typeface="Times New Roman" panose="02020603050405020304" pitchFamily="18" charset="0"/>
@@ -34380,13 +30768,6 @@
                     <a:lstStyle/>
                     <a:p>
                       <a:pPr algn="ctr"/>
-                      <a:r>
-                        <a:rPr lang="en-US" altLang="zh-CN" dirty="0">
-                          <a:latin typeface="Times New Roman" panose="02020603050405020304" pitchFamily="18" charset="0"/>
-                          <a:cs typeface="Times New Roman" panose="02020603050405020304" pitchFamily="18" charset="0"/>
-                        </a:rPr>
-                        <a:t>Level Initialization Process</a:t>
-                      </a:r>
                       <a:endParaRPr lang="zh-CN" altLang="en-US" dirty="0">
                         <a:latin typeface="Times New Roman" panose="02020603050405020304" pitchFamily="18" charset="0"/>
                         <a:cs typeface="Times New Roman" panose="02020603050405020304" pitchFamily="18" charset="0"/>
@@ -34998,10 +31379,10 @@
           </p:nvGrpSpPr>
           <p:grpSpPr>
             <a:xfrm rot="10800000">
-              <a:off x="9047025" y="4233668"/>
-              <a:ext cx="804760" cy="206433"/>
-              <a:chOff x="6049119" y="5793914"/>
-              <a:chExt cx="1030620" cy="299295"/>
+              <a:off x="9010416" y="4273351"/>
+              <a:ext cx="804761" cy="206433"/>
+              <a:chOff x="6096000" y="5736380"/>
+              <a:chExt cx="1030621" cy="299295"/>
             </a:xfrm>
             <a:gradFill>
               <a:gsLst>
@@ -35040,7 +31421,7 @@
             </p:nvSpPr>
             <p:spPr>
               <a:xfrm>
-                <a:off x="6049119" y="5793914"/>
+                <a:off x="6096000" y="5736380"/>
                 <a:ext cx="258751" cy="299295"/>
               </a:xfrm>
               <a:prstGeom prst="chevron">
@@ -35097,7 +31478,7 @@
             </p:nvSpPr>
             <p:spPr>
               <a:xfrm>
-                <a:off x="6307869" y="5793914"/>
+                <a:off x="6354751" y="5736380"/>
                 <a:ext cx="258751" cy="299295"/>
               </a:xfrm>
               <a:prstGeom prst="chevron">
@@ -35154,7 +31535,7 @@
             </p:nvSpPr>
             <p:spPr>
               <a:xfrm>
-                <a:off x="6566622" y="5793914"/>
+                <a:off x="6613502" y="5736380"/>
                 <a:ext cx="258751" cy="299295"/>
               </a:xfrm>
               <a:prstGeom prst="chevron">
@@ -35211,7 +31592,7 @@
             </p:nvSpPr>
             <p:spPr>
               <a:xfrm>
-                <a:off x="6820988" y="5793914"/>
+                <a:off x="6867870" y="5736380"/>
                 <a:ext cx="258751" cy="299295"/>
               </a:xfrm>
               <a:prstGeom prst="chevron">
@@ -35431,7 +31812,7 @@
                 <a:latin typeface="Times New Roman" panose="02020603050405020304" pitchFamily="18" charset="0"/>
                 <a:cs typeface="Times New Roman" panose="02020603050405020304" pitchFamily="18" charset="0"/>
               </a:rPr>
-              <a:t>Class diagram of Factory Pattern</a:t>
+              <a:t>Class diagram of factory pattern</a:t>
             </a:r>
             <a:endParaRPr lang="zh-CN" altLang="en-US" dirty="0">
               <a:latin typeface="Times New Roman" panose="02020603050405020304" pitchFamily="18" charset="0"/>
@@ -35442,10 +31823,10 @@
       </p:sp>
       <p:sp>
         <p:nvSpPr>
-          <p:cNvPr id="3" name="文本框 2">
+          <p:cNvPr id="28" name="文本框 27">
             <a:extLst>
               <a:ext uri="{FF2B5EF4-FFF2-40B4-BE49-F238E27FC236}">
-                <a16:creationId xmlns:a16="http://schemas.microsoft.com/office/drawing/2014/main" id="{FD60563A-C6D4-545E-2CC3-99DCA115E104}"/>
+                <a16:creationId xmlns:a16="http://schemas.microsoft.com/office/drawing/2014/main" id="{EC18FF45-7810-A6D9-5423-8E90B5F154D5}"/>
               </a:ext>
             </a:extLst>
           </p:cNvPr>
@@ -35454,8 +31835,8 @@
         </p:nvSpPr>
         <p:spPr>
           <a:xfrm>
-            <a:off x="163741" y="4620182"/>
-            <a:ext cx="1434348" cy="461665"/>
+            <a:off x="2198932" y="4517221"/>
+            <a:ext cx="2589694" cy="369332"/>
           </a:xfrm>
           <a:prstGeom prst="rect">
             <a:avLst/>
@@ -35470,13 +31851,13 @@
           <a:p>
             <a:pPr algn="ctr"/>
             <a:r>
-              <a:rPr lang="en-US" altLang="zh-CN" sz="2400" dirty="0">
+              <a:rPr lang="en-US" altLang="zh-CN" dirty="0">
                 <a:latin typeface="Times New Roman" panose="02020603050405020304" pitchFamily="18" charset="0"/>
                 <a:cs typeface="Times New Roman" panose="02020603050405020304" pitchFamily="18" charset="0"/>
               </a:rPr>
-              <a:t>Reasons :</a:t>
+              <a:t>Reasons and Benefits</a:t>
             </a:r>
-            <a:endParaRPr lang="zh-CN" altLang="en-US" sz="2400" dirty="0">
+            <a:endParaRPr lang="zh-CN" altLang="en-US" dirty="0">
               <a:latin typeface="Times New Roman" panose="02020603050405020304" pitchFamily="18" charset="0"/>
               <a:cs typeface="Times New Roman" panose="02020603050405020304" pitchFamily="18" charset="0"/>
             </a:endParaRPr>
@@ -35485,10 +31866,10 @@
       </p:sp>
       <p:sp>
         <p:nvSpPr>
-          <p:cNvPr id="4" name="文本框 3">
+          <p:cNvPr id="29" name="文本框 28">
             <a:extLst>
               <a:ext uri="{FF2B5EF4-FFF2-40B4-BE49-F238E27FC236}">
-                <a16:creationId xmlns:a16="http://schemas.microsoft.com/office/drawing/2014/main" id="{D88AADEB-A78E-F610-7AD4-B160CDA8C3FF}"/>
+                <a16:creationId xmlns:a16="http://schemas.microsoft.com/office/drawing/2014/main" id="{2386CC3B-04E5-F4C4-1144-CE28621F1C93}"/>
               </a:ext>
             </a:extLst>
           </p:cNvPr>
@@ -35497,8 +31878,8 @@
         </p:nvSpPr>
         <p:spPr>
           <a:xfrm>
-            <a:off x="4056547" y="4579983"/>
-            <a:ext cx="1353941" cy="461665"/>
+            <a:off x="475387" y="4886553"/>
+            <a:ext cx="2589694" cy="1477328"/>
           </a:xfrm>
           <a:prstGeom prst="rect">
             <a:avLst/>
@@ -35511,207 +31892,50 @@
           </a:bodyPr>
           <a:lstStyle/>
           <a:p>
-            <a:pPr algn="ctr"/>
-            <a:r>
-              <a:rPr lang="en-US" altLang="zh-CN" sz="2400" dirty="0">
-                <a:latin typeface="Times New Roman" panose="02020603050405020304" pitchFamily="18" charset="0"/>
-                <a:cs typeface="Times New Roman" panose="02020603050405020304" pitchFamily="18" charset="0"/>
-              </a:rPr>
-              <a:t>Benefits :</a:t>
-            </a:r>
-            <a:endParaRPr lang="zh-CN" altLang="en-US" sz="2400" dirty="0">
-              <a:latin typeface="Times New Roman" panose="02020603050405020304" pitchFamily="18" charset="0"/>
-              <a:cs typeface="Times New Roman" panose="02020603050405020304" pitchFamily="18" charset="0"/>
-            </a:endParaRPr>
-          </a:p>
-        </p:txBody>
-      </p:sp>
-      <p:sp>
-        <p:nvSpPr>
-          <p:cNvPr id="7" name="文本框 6">
-            <a:extLst>
-              <a:ext uri="{FF2B5EF4-FFF2-40B4-BE49-F238E27FC236}">
-                <a16:creationId xmlns:a16="http://schemas.microsoft.com/office/drawing/2014/main" id="{2258E9C9-5C05-58C4-0B62-5113E0FB77DB}"/>
-              </a:ext>
-            </a:extLst>
-          </p:cNvPr>
-          <p:cNvSpPr txBox="1"/>
-          <p:nvPr/>
-        </p:nvSpPr>
-        <p:spPr>
-          <a:xfrm>
-            <a:off x="249941" y="5013201"/>
-            <a:ext cx="3716846" cy="1444883"/>
-          </a:xfrm>
-          <a:prstGeom prst="rect">
-            <a:avLst/>
-          </a:prstGeom>
-          <a:noFill/>
-        </p:spPr>
-        <p:txBody>
-          <a:bodyPr wrap="square">
-            <a:spAutoFit/>
-          </a:bodyPr>
-          <a:lstStyle/>
-          <a:p>
-            <a:pPr>
-              <a:lnSpc>
-                <a:spcPct val="125000"/>
-              </a:lnSpc>
-            </a:pPr>
             <a:r>
               <a:rPr lang="en-US" altLang="zh-CN" dirty="0">
                 <a:latin typeface="Times New Roman" panose="02020603050405020304" pitchFamily="18" charset="0"/>
                 <a:cs typeface="Times New Roman" panose="02020603050405020304" pitchFamily="18" charset="0"/>
               </a:rPr>
-              <a:t>Clear code structure</a:t>
+              <a:t>Reasons :</a:t>
             </a:r>
           </a:p>
           <a:p>
-            <a:pPr>
-              <a:lnSpc>
-                <a:spcPct val="125000"/>
-              </a:lnSpc>
-            </a:pPr>
             <a:r>
               <a:rPr lang="en-US" altLang="zh-CN" dirty="0">
                 <a:latin typeface="Times New Roman" panose="02020603050405020304" pitchFamily="18" charset="0"/>
                 <a:cs typeface="Times New Roman" panose="02020603050405020304" pitchFamily="18" charset="0"/>
               </a:rPr>
-              <a:t>Enhanced scalability</a:t>
+              <a:t>222222</a:t>
             </a:r>
           </a:p>
           <a:p>
-            <a:pPr>
-              <a:lnSpc>
-                <a:spcPct val="125000"/>
-              </a:lnSpc>
-            </a:pPr>
             <a:r>
               <a:rPr lang="en-US" altLang="zh-CN" dirty="0">
                 <a:latin typeface="Times New Roman" panose="02020603050405020304" pitchFamily="18" charset="0"/>
                 <a:cs typeface="Times New Roman" panose="02020603050405020304" pitchFamily="18" charset="0"/>
               </a:rPr>
-              <a:t>Ease of management and maintenance</a:t>
+              <a:t>Benefits : </a:t>
             </a:r>
           </a:p>
           <a:p>
-            <a:pPr>
-              <a:lnSpc>
-                <a:spcPct val="125000"/>
-              </a:lnSpc>
-            </a:pPr>
             <a:r>
               <a:rPr lang="en-US" altLang="zh-CN" dirty="0">
                 <a:latin typeface="Times New Roman" panose="02020603050405020304" pitchFamily="18" charset="0"/>
                 <a:cs typeface="Times New Roman" panose="02020603050405020304" pitchFamily="18" charset="0"/>
               </a:rPr>
-              <a:t>Reduced code duplication</a:t>
+              <a:t>444444</a:t>
             </a:r>
-            <a:endParaRPr lang="zh-CN" altLang="en-US" sz="1600" dirty="0">
-              <a:latin typeface="Times New Roman" panose="02020603050405020304" pitchFamily="18" charset="0"/>
-              <a:cs typeface="Times New Roman" panose="02020603050405020304" pitchFamily="18" charset="0"/>
-            </a:endParaRPr>
           </a:p>
-        </p:txBody>
-      </p:sp>
-      <p:sp>
-        <p:nvSpPr>
-          <p:cNvPr id="9" name="文本框 8">
-            <a:extLst>
-              <a:ext uri="{FF2B5EF4-FFF2-40B4-BE49-F238E27FC236}">
-                <a16:creationId xmlns:a16="http://schemas.microsoft.com/office/drawing/2014/main" id="{CFACC4D4-427B-C0FE-3992-8B978BA4A896}"/>
-              </a:ext>
-            </a:extLst>
-          </p:cNvPr>
-          <p:cNvSpPr txBox="1"/>
-          <p:nvPr/>
-        </p:nvSpPr>
-        <p:spPr>
-          <a:xfrm>
-            <a:off x="4052987" y="4980861"/>
-            <a:ext cx="3080495" cy="1791131"/>
-          </a:xfrm>
-          <a:prstGeom prst="rect">
-            <a:avLst/>
-          </a:prstGeom>
-          <a:noFill/>
-        </p:spPr>
-        <p:txBody>
-          <a:bodyPr wrap="square">
-            <a:spAutoFit/>
-          </a:bodyPr>
-          <a:lstStyle/>
           <a:p>
-            <a:pPr>
-              <a:lnSpc>
-                <a:spcPct val="125000"/>
-              </a:lnSpc>
-            </a:pPr>
             <a:r>
               <a:rPr lang="en-US" altLang="zh-CN" dirty="0">
                 <a:latin typeface="Times New Roman" panose="02020603050405020304" pitchFamily="18" charset="0"/>
                 <a:cs typeface="Times New Roman" panose="02020603050405020304" pitchFamily="18" charset="0"/>
               </a:rPr>
-              <a:t>Decouples creation and usage</a:t>
+              <a:t>555555</a:t>
             </a:r>
-          </a:p>
-          <a:p>
-            <a:pPr>
-              <a:lnSpc>
-                <a:spcPct val="125000"/>
-              </a:lnSpc>
-            </a:pPr>
-            <a:r>
-              <a:rPr lang="en-US" altLang="zh-CN" dirty="0">
-                <a:latin typeface="Times New Roman" panose="02020603050405020304" pitchFamily="18" charset="0"/>
-                <a:cs typeface="Times New Roman" panose="02020603050405020304" pitchFamily="18" charset="0"/>
-              </a:rPr>
-              <a:t>Improves code reusability</a:t>
-            </a:r>
-          </a:p>
-          <a:p>
-            <a:pPr>
-              <a:lnSpc>
-                <a:spcPct val="125000"/>
-              </a:lnSpc>
-            </a:pPr>
-            <a:r>
-              <a:rPr lang="en-US" altLang="zh-CN" dirty="0">
-                <a:latin typeface="Times New Roman" panose="02020603050405020304" pitchFamily="18" charset="0"/>
-                <a:cs typeface="Times New Roman" panose="02020603050405020304" pitchFamily="18" charset="0"/>
-              </a:rPr>
-              <a:t>Adheres to design principles</a:t>
-            </a:r>
-          </a:p>
-          <a:p>
-            <a:pPr>
-              <a:lnSpc>
-                <a:spcPct val="125000"/>
-              </a:lnSpc>
-            </a:pPr>
-            <a:r>
-              <a:rPr lang="en-US" altLang="zh-CN" dirty="0">
-                <a:latin typeface="Times New Roman" panose="02020603050405020304" pitchFamily="18" charset="0"/>
-                <a:cs typeface="Times New Roman" panose="02020603050405020304" pitchFamily="18" charset="0"/>
-              </a:rPr>
-              <a:t>Easily extends new features</a:t>
-            </a:r>
-          </a:p>
-          <a:p>
-            <a:pPr>
-              <a:lnSpc>
-                <a:spcPct val="125000"/>
-              </a:lnSpc>
-            </a:pPr>
-            <a:r>
-              <a:rPr lang="en-US" altLang="zh-CN" dirty="0">
-                <a:latin typeface="Times New Roman" panose="02020603050405020304" pitchFamily="18" charset="0"/>
-                <a:cs typeface="Times New Roman" panose="02020603050405020304" pitchFamily="18" charset="0"/>
-              </a:rPr>
-              <a:t>Enhances code readability</a:t>
-            </a:r>
-            <a:endParaRPr lang="zh-CN" altLang="en-US" sz="1600" dirty="0">
+            <a:endParaRPr lang="zh-CN" altLang="en-US" dirty="0">
               <a:latin typeface="Times New Roman" panose="02020603050405020304" pitchFamily="18" charset="0"/>
               <a:cs typeface="Times New Roman" panose="02020603050405020304" pitchFamily="18" charset="0"/>
             </a:endParaRPr>
@@ -35732,1093 +31956,6 @@
 </file>
 
 <file path=ppt/slides/slide7.xml><?xml version="1.0" encoding="utf-8"?>
-<p:sld xmlns:a="http://schemas.openxmlformats.org/drawingml/2006/main" xmlns:r="http://schemas.openxmlformats.org/officeDocument/2006/relationships" xmlns:p="http://schemas.openxmlformats.org/presentationml/2006/main">
-  <p:cSld>
-    <p:spTree>
-      <p:nvGrpSpPr>
-        <p:cNvPr id="1" name="">
-          <a:extLst>
-            <a:ext uri="{FF2B5EF4-FFF2-40B4-BE49-F238E27FC236}">
-              <a16:creationId xmlns:a16="http://schemas.microsoft.com/office/drawing/2014/main" id="{FAC15293-D994-E0FE-7A84-D3A461A4DF37}"/>
-            </a:ext>
-          </a:extLst>
-        </p:cNvPr>
-        <p:cNvGrpSpPr/>
-        <p:nvPr/>
-      </p:nvGrpSpPr>
-      <p:grpSpPr>
-        <a:xfrm>
-          <a:off x="0" y="0"/>
-          <a:ext cx="0" cy="0"/>
-          <a:chOff x="0" y="0"/>
-          <a:chExt cx="0" cy="0"/>
-        </a:xfrm>
-      </p:grpSpPr>
-      <p:sp>
-        <p:nvSpPr>
-          <p:cNvPr id="5" name="矩形 4">
-            <a:extLst>
-              <a:ext uri="{FF2B5EF4-FFF2-40B4-BE49-F238E27FC236}">
-                <a16:creationId xmlns:a16="http://schemas.microsoft.com/office/drawing/2014/main" id="{868FA1C5-5754-22CE-B9C6-F6D82540ECB8}"/>
-              </a:ext>
-            </a:extLst>
-          </p:cNvPr>
-          <p:cNvSpPr/>
-          <p:nvPr/>
-        </p:nvSpPr>
-        <p:spPr>
-          <a:xfrm>
-            <a:off x="0" y="343632"/>
-            <a:ext cx="1244600" cy="426835"/>
-          </a:xfrm>
-          <a:prstGeom prst="rect">
-            <a:avLst/>
-          </a:prstGeom>
-          <a:solidFill>
-            <a:schemeClr val="accent1">
-              <a:lumMod val="50000"/>
-            </a:schemeClr>
-          </a:solidFill>
-        </p:spPr>
-        <p:style>
-          <a:lnRef idx="2">
-            <a:schemeClr val="accent1">
-              <a:shade val="15000"/>
-            </a:schemeClr>
-          </a:lnRef>
-          <a:fillRef idx="1">
-            <a:schemeClr val="accent1"/>
-          </a:fillRef>
-          <a:effectRef idx="0">
-            <a:schemeClr val="accent1"/>
-          </a:effectRef>
-          <a:fontRef idx="minor">
-            <a:schemeClr val="lt1"/>
-          </a:fontRef>
-        </p:style>
-        <p:txBody>
-          <a:bodyPr rtlCol="0" anchor="ctr"/>
-          <a:lstStyle/>
-          <a:p>
-            <a:pPr algn="ctr"/>
-            <a:endParaRPr lang="zh-CN" altLang="en-US"/>
-          </a:p>
-        </p:txBody>
-      </p:sp>
-      <p:sp>
-        <p:nvSpPr>
-          <p:cNvPr id="6" name="文本框 5">
-            <a:extLst>
-              <a:ext uri="{FF2B5EF4-FFF2-40B4-BE49-F238E27FC236}">
-                <a16:creationId xmlns:a16="http://schemas.microsoft.com/office/drawing/2014/main" id="{36B22099-17F0-5150-D505-D0F22F82BCE3}"/>
-              </a:ext>
-            </a:extLst>
-          </p:cNvPr>
-          <p:cNvSpPr txBox="1"/>
-          <p:nvPr/>
-        </p:nvSpPr>
-        <p:spPr>
-          <a:xfrm>
-            <a:off x="69850" y="370357"/>
-            <a:ext cx="1104900" cy="400110"/>
-          </a:xfrm>
-          <a:prstGeom prst="rect">
-            <a:avLst/>
-          </a:prstGeom>
-          <a:noFill/>
-        </p:spPr>
-        <p:txBody>
-          <a:bodyPr wrap="square" rtlCol="0">
-            <a:spAutoFit/>
-          </a:bodyPr>
-          <a:lstStyle/>
-          <a:p>
-            <a:r>
-              <a:rPr lang="en-US" altLang="zh-CN" sz="2000" dirty="0">
-                <a:solidFill>
-                  <a:schemeClr val="bg1">
-                    <a:lumMod val="95000"/>
-                  </a:schemeClr>
-                </a:solidFill>
-                <a:latin typeface="思源黑体 CN Bold" panose="020B0800000000000000" pitchFamily="34" charset="-122"/>
-                <a:ea typeface="思源黑体 CN Bold" panose="020B0800000000000000" pitchFamily="34" charset="-122"/>
-              </a:rPr>
-              <a:t>PART 2</a:t>
-            </a:r>
-            <a:endParaRPr lang="zh-CN" altLang="en-US" sz="2000" dirty="0">
-              <a:solidFill>
-                <a:schemeClr val="bg1">
-                  <a:lumMod val="95000"/>
-                </a:schemeClr>
-              </a:solidFill>
-              <a:latin typeface="思源黑体 CN Bold" panose="020B0800000000000000" pitchFamily="34" charset="-122"/>
-              <a:ea typeface="思源黑体 CN Bold" panose="020B0800000000000000" pitchFamily="34" charset="-122"/>
-            </a:endParaRPr>
-          </a:p>
-        </p:txBody>
-      </p:sp>
-      <p:sp>
-        <p:nvSpPr>
-          <p:cNvPr id="2" name="文本框 12">
-            <a:extLst>
-              <a:ext uri="{FF2B5EF4-FFF2-40B4-BE49-F238E27FC236}">
-                <a16:creationId xmlns:a16="http://schemas.microsoft.com/office/drawing/2014/main" id="{2A9FE371-3884-FFC1-D3D4-235361CBE7E9}"/>
-              </a:ext>
-            </a:extLst>
-          </p:cNvPr>
-          <p:cNvSpPr txBox="1"/>
-          <p:nvPr/>
-        </p:nvSpPr>
-        <p:spPr>
-          <a:xfrm>
-            <a:off x="1314449" y="226717"/>
-            <a:ext cx="5231075" cy="1077218"/>
-          </a:xfrm>
-          <a:prstGeom prst="rect">
-            <a:avLst/>
-          </a:prstGeom>
-          <a:noFill/>
-        </p:spPr>
-        <p:txBody>
-          <a:bodyPr wrap="square" rtlCol="0">
-            <a:spAutoFit/>
-          </a:bodyPr>
-          <a:lstStyle>
-            <a:defPPr>
-              <a:defRPr lang="zh-CN"/>
-            </a:defPPr>
-            <a:lvl1pPr marL="0" algn="l" defTabSz="914400" rtl="0" eaLnBrk="1" latinLnBrk="0" hangingPunct="1">
-              <a:defRPr sz="1800" kern="1200">
-                <a:solidFill>
-                  <a:schemeClr val="tx1"/>
-                </a:solidFill>
-                <a:latin typeface="+mn-lt"/>
-                <a:ea typeface="+mn-ea"/>
-                <a:cs typeface="+mn-cs"/>
-              </a:defRPr>
-            </a:lvl1pPr>
-            <a:lvl2pPr marL="457200" algn="l" defTabSz="914400" rtl="0" eaLnBrk="1" latinLnBrk="0" hangingPunct="1">
-              <a:defRPr sz="1800" kern="1200">
-                <a:solidFill>
-                  <a:schemeClr val="tx1"/>
-                </a:solidFill>
-                <a:latin typeface="+mn-lt"/>
-                <a:ea typeface="+mn-ea"/>
-                <a:cs typeface="+mn-cs"/>
-              </a:defRPr>
-            </a:lvl2pPr>
-            <a:lvl3pPr marL="914400" algn="l" defTabSz="914400" rtl="0" eaLnBrk="1" latinLnBrk="0" hangingPunct="1">
-              <a:defRPr sz="1800" kern="1200">
-                <a:solidFill>
-                  <a:schemeClr val="tx1"/>
-                </a:solidFill>
-                <a:latin typeface="+mn-lt"/>
-                <a:ea typeface="+mn-ea"/>
-                <a:cs typeface="+mn-cs"/>
-              </a:defRPr>
-            </a:lvl3pPr>
-            <a:lvl4pPr marL="1371600" algn="l" defTabSz="914400" rtl="0" eaLnBrk="1" latinLnBrk="0" hangingPunct="1">
-              <a:defRPr sz="1800" kern="1200">
-                <a:solidFill>
-                  <a:schemeClr val="tx1"/>
-                </a:solidFill>
-                <a:latin typeface="+mn-lt"/>
-                <a:ea typeface="+mn-ea"/>
-                <a:cs typeface="+mn-cs"/>
-              </a:defRPr>
-            </a:lvl4pPr>
-            <a:lvl5pPr marL="1828800" algn="l" defTabSz="914400" rtl="0" eaLnBrk="1" latinLnBrk="0" hangingPunct="1">
-              <a:defRPr sz="1800" kern="1200">
-                <a:solidFill>
-                  <a:schemeClr val="tx1"/>
-                </a:solidFill>
-                <a:latin typeface="+mn-lt"/>
-                <a:ea typeface="+mn-ea"/>
-                <a:cs typeface="+mn-cs"/>
-              </a:defRPr>
-            </a:lvl5pPr>
-            <a:lvl6pPr marL="2286000" algn="l" defTabSz="914400" rtl="0" eaLnBrk="1" latinLnBrk="0" hangingPunct="1">
-              <a:defRPr sz="1800" kern="1200">
-                <a:solidFill>
-                  <a:schemeClr val="tx1"/>
-                </a:solidFill>
-                <a:latin typeface="+mn-lt"/>
-                <a:ea typeface="+mn-ea"/>
-                <a:cs typeface="+mn-cs"/>
-              </a:defRPr>
-            </a:lvl6pPr>
-            <a:lvl7pPr marL="2743200" algn="l" defTabSz="914400" rtl="0" eaLnBrk="1" latinLnBrk="0" hangingPunct="1">
-              <a:defRPr sz="1800" kern="1200">
-                <a:solidFill>
-                  <a:schemeClr val="tx1"/>
-                </a:solidFill>
-                <a:latin typeface="+mn-lt"/>
-                <a:ea typeface="+mn-ea"/>
-                <a:cs typeface="+mn-cs"/>
-              </a:defRPr>
-            </a:lvl7pPr>
-            <a:lvl8pPr marL="3200400" algn="l" defTabSz="914400" rtl="0" eaLnBrk="1" latinLnBrk="0" hangingPunct="1">
-              <a:defRPr sz="1800" kern="1200">
-                <a:solidFill>
-                  <a:schemeClr val="tx1"/>
-                </a:solidFill>
-                <a:latin typeface="+mn-lt"/>
-                <a:ea typeface="+mn-ea"/>
-                <a:cs typeface="+mn-cs"/>
-              </a:defRPr>
-            </a:lvl8pPr>
-            <a:lvl9pPr marL="3657600" algn="l" defTabSz="914400" rtl="0" eaLnBrk="1" latinLnBrk="0" hangingPunct="1">
-              <a:defRPr sz="1800" kern="1200">
-                <a:solidFill>
-                  <a:schemeClr val="tx1"/>
-                </a:solidFill>
-                <a:latin typeface="+mn-lt"/>
-                <a:ea typeface="+mn-ea"/>
-                <a:cs typeface="+mn-cs"/>
-              </a:defRPr>
-            </a:lvl9pPr>
-          </a:lstStyle>
-          <a:p>
-            <a:r>
-              <a:rPr lang="en-US" altLang="zh-CN" sz="3200" dirty="0">
-                <a:solidFill>
-                  <a:srgbClr val="425166"/>
-                </a:solidFill>
-                <a:latin typeface="Times New Roman" panose="02020603050405020304" pitchFamily="18" charset="0"/>
-                <a:ea typeface="思源黑体 CN Normal" panose="020B0400000000000000" pitchFamily="34" charset="-122"/>
-                <a:cs typeface="Times New Roman" panose="02020603050405020304" pitchFamily="18" charset="0"/>
-                <a:sym typeface="思源黑体 CN Normal" panose="020B0400000000000000" pitchFamily="34" charset="-122"/>
-              </a:rPr>
-              <a:t>Design Patterns in Refactoring</a:t>
-            </a:r>
-          </a:p>
-          <a:p>
-            <a:r>
-              <a:rPr lang="en-US" altLang="zh-CN" sz="3200" dirty="0">
-                <a:solidFill>
-                  <a:srgbClr val="425166"/>
-                </a:solidFill>
-                <a:latin typeface="Times New Roman" panose="02020603050405020304" pitchFamily="18" charset="0"/>
-                <a:ea typeface="思源黑体 CN Normal" panose="020B0400000000000000" pitchFamily="34" charset="-122"/>
-                <a:cs typeface="Times New Roman" panose="02020603050405020304" pitchFamily="18" charset="0"/>
-                <a:sym typeface="思源黑体 CN Normal" panose="020B0400000000000000" pitchFamily="34" charset="-122"/>
-              </a:rPr>
-              <a:t> </a:t>
-            </a:r>
-            <a:endParaRPr lang="zh-CN" altLang="en-US" sz="3200" dirty="0">
-              <a:solidFill>
-                <a:srgbClr val="425166"/>
-              </a:solidFill>
-              <a:latin typeface="Times New Roman" panose="02020603050405020304" pitchFamily="18" charset="0"/>
-              <a:ea typeface="思源黑体 CN Normal" panose="020B0400000000000000" pitchFamily="34" charset="-122"/>
-              <a:cs typeface="Times New Roman" panose="02020603050405020304" pitchFamily="18" charset="0"/>
-              <a:sym typeface="思源黑体 CN Normal" panose="020B0400000000000000" pitchFamily="34" charset="-122"/>
-            </a:endParaRPr>
-          </a:p>
-        </p:txBody>
-      </p:sp>
-      <p:sp>
-        <p:nvSpPr>
-          <p:cNvPr id="27" name="文本框 26">
-            <a:extLst>
-              <a:ext uri="{FF2B5EF4-FFF2-40B4-BE49-F238E27FC236}">
-                <a16:creationId xmlns:a16="http://schemas.microsoft.com/office/drawing/2014/main" id="{1B86BE1A-C5A0-3970-69C7-E1424C38C239}"/>
-              </a:ext>
-            </a:extLst>
-          </p:cNvPr>
-          <p:cNvSpPr txBox="1"/>
-          <p:nvPr/>
-        </p:nvSpPr>
-        <p:spPr>
-          <a:xfrm>
-            <a:off x="1244601" y="1000126"/>
-            <a:ext cx="3551670" cy="369332"/>
-          </a:xfrm>
-          <a:prstGeom prst="rect">
-            <a:avLst/>
-          </a:prstGeom>
-          <a:noFill/>
-        </p:spPr>
-        <p:txBody>
-          <a:bodyPr wrap="square">
-            <a:spAutoFit/>
-          </a:bodyPr>
-          <a:lstStyle/>
-          <a:p>
-            <a:pPr algn="ctr"/>
-            <a:r>
-              <a:rPr lang="en-US" altLang="zh-CN" dirty="0">
-                <a:latin typeface="Times New Roman" panose="02020603050405020304" pitchFamily="18" charset="0"/>
-                <a:cs typeface="Times New Roman" panose="02020603050405020304" pitchFamily="18" charset="0"/>
-              </a:rPr>
-              <a:t>Class diagram of Template Method</a:t>
-            </a:r>
-            <a:endParaRPr lang="zh-CN" altLang="en-US" dirty="0">
-              <a:latin typeface="Times New Roman" panose="02020603050405020304" pitchFamily="18" charset="0"/>
-              <a:cs typeface="Times New Roman" panose="02020603050405020304" pitchFamily="18" charset="0"/>
-            </a:endParaRPr>
-          </a:p>
-        </p:txBody>
-      </p:sp>
-      <p:pic>
-        <p:nvPicPr>
-          <p:cNvPr id="4" name="图片 3">
-            <a:extLst>
-              <a:ext uri="{FF2B5EF4-FFF2-40B4-BE49-F238E27FC236}">
-                <a16:creationId xmlns:a16="http://schemas.microsoft.com/office/drawing/2014/main" id="{C4D83CA4-56C8-B315-9C51-5D83DA69F242}"/>
-              </a:ext>
-            </a:extLst>
-          </p:cNvPr>
-          <p:cNvPicPr>
-            <a:picLocks noChangeAspect="1"/>
-          </p:cNvPicPr>
-          <p:nvPr/>
-        </p:nvPicPr>
-        <p:blipFill>
-          <a:blip r:embed="rId2"/>
-          <a:stretch>
-            <a:fillRect/>
-          </a:stretch>
-        </p:blipFill>
-        <p:spPr>
-          <a:xfrm>
-            <a:off x="1244600" y="1350722"/>
-            <a:ext cx="3551671" cy="5255952"/>
-          </a:xfrm>
-          <a:prstGeom prst="rect">
-            <a:avLst/>
-          </a:prstGeom>
-        </p:spPr>
-      </p:pic>
-      <p:sp>
-        <p:nvSpPr>
-          <p:cNvPr id="9" name="椭圆 8">
-            <a:extLst>
-              <a:ext uri="{FF2B5EF4-FFF2-40B4-BE49-F238E27FC236}">
-                <a16:creationId xmlns:a16="http://schemas.microsoft.com/office/drawing/2014/main" id="{47ED3D27-00F9-4BCD-B9F0-301E5F7E6E5B}"/>
-              </a:ext>
-            </a:extLst>
-          </p:cNvPr>
-          <p:cNvSpPr/>
-          <p:nvPr/>
-        </p:nvSpPr>
-        <p:spPr>
-          <a:xfrm>
-            <a:off x="4239300" y="1902926"/>
-            <a:ext cx="1045968" cy="2664259"/>
-          </a:xfrm>
-          <a:prstGeom prst="ellipse">
-            <a:avLst/>
-          </a:prstGeom>
-          <a:solidFill>
-            <a:schemeClr val="bg1"/>
-          </a:solidFill>
-          <a:ln>
-            <a:noFill/>
-          </a:ln>
-        </p:spPr>
-        <p:style>
-          <a:lnRef idx="2">
-            <a:schemeClr val="accent1">
-              <a:shade val="15000"/>
-            </a:schemeClr>
-          </a:lnRef>
-          <a:fillRef idx="1">
-            <a:schemeClr val="accent1"/>
-          </a:fillRef>
-          <a:effectRef idx="0">
-            <a:schemeClr val="accent1"/>
-          </a:effectRef>
-          <a:fontRef idx="minor">
-            <a:schemeClr val="lt1"/>
-          </a:fontRef>
-        </p:style>
-        <p:txBody>
-          <a:bodyPr rtlCol="0" anchor="ctr"/>
-          <a:lstStyle/>
-          <a:p>
-            <a:pPr algn="ctr"/>
-            <a:endParaRPr lang="zh-CN" altLang="en-US"/>
-          </a:p>
-        </p:txBody>
-      </p:sp>
-      <p:sp>
-        <p:nvSpPr>
-          <p:cNvPr id="3" name="文本框 2">
-            <a:extLst>
-              <a:ext uri="{FF2B5EF4-FFF2-40B4-BE49-F238E27FC236}">
-                <a16:creationId xmlns:a16="http://schemas.microsoft.com/office/drawing/2014/main" id="{80CA8D82-7695-7805-1FA7-1088E6F2529A}"/>
-              </a:ext>
-            </a:extLst>
-          </p:cNvPr>
-          <p:cNvSpPr txBox="1"/>
-          <p:nvPr/>
-        </p:nvSpPr>
-        <p:spPr>
-          <a:xfrm>
-            <a:off x="3618396" y="2160668"/>
-            <a:ext cx="3288338" cy="2246769"/>
-          </a:xfrm>
-          <a:prstGeom prst="rect">
-            <a:avLst/>
-          </a:prstGeom>
-          <a:noFill/>
-        </p:spPr>
-        <p:txBody>
-          <a:bodyPr wrap="square">
-            <a:spAutoFit/>
-          </a:bodyPr>
-          <a:lstStyle/>
-          <a:p>
-            <a:pPr>
-              <a:lnSpc>
-                <a:spcPts val="1425"/>
-              </a:lnSpc>
-            </a:pPr>
-            <a:r>
-              <a:rPr lang="en-US" altLang="zh-CN" sz="1400" b="0" dirty="0">
-                <a:solidFill>
-                  <a:schemeClr val="accent1"/>
-                </a:solidFill>
-                <a:effectLst/>
-                <a:latin typeface="Times New Roman" panose="02020603050405020304" pitchFamily="18" charset="0"/>
-                <a:cs typeface="Times New Roman" panose="02020603050405020304" pitchFamily="18" charset="0"/>
-              </a:rPr>
-              <a:t>// Initialize money and HP</a:t>
-            </a:r>
-          </a:p>
-          <a:p>
-            <a:pPr>
-              <a:lnSpc>
-                <a:spcPts val="1425"/>
-              </a:lnSpc>
-            </a:pPr>
-            <a:r>
-              <a:rPr lang="en-US" altLang="zh-CN" sz="1400" b="0" dirty="0">
-                <a:effectLst/>
-                <a:latin typeface="Times New Roman" panose="02020603050405020304" pitchFamily="18" charset="0"/>
-                <a:cs typeface="Times New Roman" panose="02020603050405020304" pitchFamily="18" charset="0"/>
-              </a:rPr>
-              <a:t>// Initialize empty blocks  </a:t>
-            </a:r>
-          </a:p>
-          <a:p>
-            <a:pPr>
-              <a:lnSpc>
-                <a:spcPts val="1425"/>
-              </a:lnSpc>
-            </a:pPr>
-            <a:r>
-              <a:rPr lang="en-US" altLang="zh-CN" sz="1400" b="0" dirty="0">
-                <a:effectLst/>
-                <a:latin typeface="Times New Roman" panose="02020603050405020304" pitchFamily="18" charset="0"/>
-                <a:cs typeface="Times New Roman" panose="02020603050405020304" pitchFamily="18" charset="0"/>
-              </a:rPr>
-              <a:t>// Initialize the background layer       </a:t>
-            </a:r>
-          </a:p>
-          <a:p>
-            <a:pPr>
-              <a:lnSpc>
-                <a:spcPts val="1425"/>
-              </a:lnSpc>
-            </a:pPr>
-            <a:r>
-              <a:rPr lang="en-US" altLang="zh-CN" sz="1400" b="0" dirty="0">
-                <a:solidFill>
-                  <a:schemeClr val="accent1"/>
-                </a:solidFill>
-                <a:effectLst/>
-                <a:latin typeface="Times New Roman" panose="02020603050405020304" pitchFamily="18" charset="0"/>
-                <a:cs typeface="Times New Roman" panose="02020603050405020304" pitchFamily="18" charset="0"/>
-              </a:rPr>
-              <a:t>// Initialize enemy spawn point positions</a:t>
-            </a:r>
-          </a:p>
-          <a:p>
-            <a:pPr>
-              <a:lnSpc>
-                <a:spcPts val="1425"/>
-              </a:lnSpc>
-            </a:pPr>
-            <a:r>
-              <a:rPr lang="en-US" altLang="zh-CN" sz="1400" b="0" dirty="0">
-                <a:effectLst/>
-                <a:latin typeface="Times New Roman" panose="02020603050405020304" pitchFamily="18" charset="0"/>
-                <a:cs typeface="Times New Roman" panose="02020603050405020304" pitchFamily="18" charset="0"/>
-              </a:rPr>
-              <a:t>// Initialize spawn point blocks            </a:t>
-            </a:r>
-          </a:p>
-          <a:p>
-            <a:pPr>
-              <a:lnSpc>
-                <a:spcPts val="1425"/>
-              </a:lnSpc>
-            </a:pPr>
-            <a:r>
-              <a:rPr lang="en-US" altLang="zh-CN" sz="1400" b="0" dirty="0">
-                <a:solidFill>
-                  <a:schemeClr val="accent1"/>
-                </a:solidFill>
-                <a:effectLst/>
-                <a:latin typeface="Times New Roman" panose="02020603050405020304" pitchFamily="18" charset="0"/>
-                <a:cs typeface="Times New Roman" panose="02020603050405020304" pitchFamily="18" charset="0"/>
-              </a:rPr>
-              <a:t>// Set the enemy movement path</a:t>
-            </a:r>
-          </a:p>
-          <a:p>
-            <a:pPr>
-              <a:lnSpc>
-                <a:spcPts val="1425"/>
-              </a:lnSpc>
-            </a:pPr>
-            <a:r>
-              <a:rPr lang="en-US" altLang="zh-CN" sz="1400" b="0" dirty="0">
-                <a:effectLst/>
-                <a:latin typeface="Times New Roman" panose="02020603050405020304" pitchFamily="18" charset="0"/>
-                <a:cs typeface="Times New Roman" panose="02020603050405020304" pitchFamily="18" charset="0"/>
-              </a:rPr>
-              <a:t>// Add the carrot layer                                 </a:t>
-            </a:r>
-          </a:p>
-          <a:p>
-            <a:pPr>
-              <a:lnSpc>
-                <a:spcPts val="1425"/>
-              </a:lnSpc>
-            </a:pPr>
-            <a:r>
-              <a:rPr lang="en-US" altLang="zh-CN" sz="1400" b="0" dirty="0">
-                <a:effectLst/>
-                <a:latin typeface="Times New Roman" panose="02020603050405020304" pitchFamily="18" charset="0"/>
-                <a:cs typeface="Times New Roman" panose="02020603050405020304" pitchFamily="18" charset="0"/>
-              </a:rPr>
-              <a:t>// Initialize the UI interface                          </a:t>
-            </a:r>
-          </a:p>
-          <a:p>
-            <a:pPr>
-              <a:lnSpc>
-                <a:spcPts val="1425"/>
-              </a:lnSpc>
-            </a:pPr>
-            <a:r>
-              <a:rPr lang="en-US" altLang="zh-CN" sz="1400" b="0" dirty="0">
-                <a:effectLst/>
-                <a:latin typeface="Times New Roman" panose="02020603050405020304" pitchFamily="18" charset="0"/>
-                <a:cs typeface="Times New Roman" panose="02020603050405020304" pitchFamily="18" charset="0"/>
-              </a:rPr>
-              <a:t>// Initialize the per-frame update logic       </a:t>
-            </a:r>
-          </a:p>
-          <a:p>
-            <a:pPr>
-              <a:lnSpc>
-                <a:spcPts val="1425"/>
-              </a:lnSpc>
-            </a:pPr>
-            <a:r>
-              <a:rPr lang="en-US" altLang="zh-CN" sz="1400" b="0" dirty="0">
-                <a:solidFill>
-                  <a:schemeClr val="accent1"/>
-                </a:solidFill>
-                <a:effectLst/>
-                <a:latin typeface="Times New Roman" panose="02020603050405020304" pitchFamily="18" charset="0"/>
-                <a:cs typeface="Times New Roman" panose="02020603050405020304" pitchFamily="18" charset="0"/>
-              </a:rPr>
-              <a:t>// Initialize wave information</a:t>
-            </a:r>
-          </a:p>
-          <a:p>
-            <a:pPr>
-              <a:lnSpc>
-                <a:spcPts val="1425"/>
-              </a:lnSpc>
-            </a:pPr>
-            <a:r>
-              <a:rPr lang="en-US" altLang="zh-CN" sz="1400" b="0" dirty="0">
-                <a:effectLst/>
-                <a:latin typeface="Times New Roman" panose="02020603050405020304" pitchFamily="18" charset="0"/>
-                <a:cs typeface="Times New Roman" panose="02020603050405020304" pitchFamily="18" charset="0"/>
-              </a:rPr>
-              <a:t>// Set up the specific wave details               </a:t>
-            </a:r>
-          </a:p>
-          <a:p>
-            <a:pPr>
-              <a:lnSpc>
-                <a:spcPts val="1425"/>
-              </a:lnSpc>
-            </a:pPr>
-            <a:r>
-              <a:rPr lang="en-US" altLang="zh-CN" sz="1400" b="0" dirty="0">
-                <a:effectLst/>
-                <a:latin typeface="Times New Roman" panose="02020603050405020304" pitchFamily="18" charset="0"/>
-                <a:cs typeface="Times New Roman" panose="02020603050405020304" pitchFamily="18" charset="0"/>
-              </a:rPr>
-              <a:t>// Start spawning the first wave of enemies</a:t>
-            </a:r>
-          </a:p>
-        </p:txBody>
-      </p:sp>
-      <p:sp>
-        <p:nvSpPr>
-          <p:cNvPr id="11" name="文本框 10">
-            <a:extLst>
-              <a:ext uri="{FF2B5EF4-FFF2-40B4-BE49-F238E27FC236}">
-                <a16:creationId xmlns:a16="http://schemas.microsoft.com/office/drawing/2014/main" id="{7183C368-5216-2759-88DA-6A16AFD37850}"/>
-              </a:ext>
-            </a:extLst>
-          </p:cNvPr>
-          <p:cNvSpPr txBox="1"/>
-          <p:nvPr/>
-        </p:nvSpPr>
-        <p:spPr>
-          <a:xfrm>
-            <a:off x="6676840" y="490012"/>
-            <a:ext cx="1434348" cy="461665"/>
-          </a:xfrm>
-          <a:prstGeom prst="rect">
-            <a:avLst/>
-          </a:prstGeom>
-          <a:noFill/>
-        </p:spPr>
-        <p:txBody>
-          <a:bodyPr wrap="square">
-            <a:spAutoFit/>
-          </a:bodyPr>
-          <a:lstStyle/>
-          <a:p>
-            <a:pPr algn="ctr"/>
-            <a:r>
-              <a:rPr lang="en-US" altLang="zh-CN" sz="2400" dirty="0">
-                <a:latin typeface="Times New Roman" panose="02020603050405020304" pitchFamily="18" charset="0"/>
-                <a:cs typeface="Times New Roman" panose="02020603050405020304" pitchFamily="18" charset="0"/>
-              </a:rPr>
-              <a:t>Reasons :</a:t>
-            </a:r>
-            <a:endParaRPr lang="zh-CN" altLang="en-US" sz="2400" dirty="0">
-              <a:latin typeface="Times New Roman" panose="02020603050405020304" pitchFamily="18" charset="0"/>
-              <a:cs typeface="Times New Roman" panose="02020603050405020304" pitchFamily="18" charset="0"/>
-            </a:endParaRPr>
-          </a:p>
-        </p:txBody>
-      </p:sp>
-      <p:sp>
-        <p:nvSpPr>
-          <p:cNvPr id="18" name="文本框 17">
-            <a:extLst>
-              <a:ext uri="{FF2B5EF4-FFF2-40B4-BE49-F238E27FC236}">
-                <a16:creationId xmlns:a16="http://schemas.microsoft.com/office/drawing/2014/main" id="{04EC9A80-E551-84C3-3E6F-DB0647EC6BC1}"/>
-              </a:ext>
-            </a:extLst>
-          </p:cNvPr>
-          <p:cNvSpPr txBox="1"/>
-          <p:nvPr/>
-        </p:nvSpPr>
-        <p:spPr>
-          <a:xfrm>
-            <a:off x="6949993" y="859344"/>
-            <a:ext cx="5113555" cy="2948884"/>
-          </a:xfrm>
-          <a:prstGeom prst="rect">
-            <a:avLst/>
-          </a:prstGeom>
-          <a:noFill/>
-        </p:spPr>
-        <p:txBody>
-          <a:bodyPr wrap="square">
-            <a:spAutoFit/>
-          </a:bodyPr>
-          <a:lstStyle/>
-          <a:p>
-            <a:pPr>
-              <a:lnSpc>
-                <a:spcPct val="125000"/>
-              </a:lnSpc>
-            </a:pPr>
-            <a:r>
-              <a:rPr lang="en-US" altLang="zh-CN" dirty="0">
-                <a:solidFill>
-                  <a:srgbClr val="FF0000"/>
-                </a:solidFill>
-                <a:latin typeface="Times New Roman" panose="02020603050405020304" pitchFamily="18" charset="0"/>
-                <a:cs typeface="Times New Roman" panose="02020603050405020304" pitchFamily="18" charset="0"/>
-              </a:rPr>
-              <a:t>Reduce Code Duplication. </a:t>
-            </a:r>
-            <a:r>
-              <a:rPr lang="en-US" altLang="zh-CN" sz="1600" dirty="0">
-                <a:latin typeface="Times New Roman" panose="02020603050405020304" pitchFamily="18" charset="0"/>
-                <a:cs typeface="Times New Roman" panose="02020603050405020304" pitchFamily="18" charset="0"/>
-              </a:rPr>
-              <a:t>Common logic like </a:t>
-            </a:r>
-            <a:r>
-              <a:rPr lang="en-US" altLang="zh-CN" sz="1600" dirty="0" err="1">
-                <a:latin typeface="Times New Roman" panose="02020603050405020304" pitchFamily="18" charset="0"/>
-                <a:cs typeface="Times New Roman" panose="02020603050405020304" pitchFamily="18" charset="0"/>
-              </a:rPr>
-              <a:t>backgroundInit</a:t>
-            </a:r>
-            <a:r>
-              <a:rPr lang="en-US" altLang="zh-CN" sz="1600" dirty="0">
-                <a:latin typeface="Times New Roman" panose="02020603050405020304" pitchFamily="18" charset="0"/>
-                <a:cs typeface="Times New Roman" panose="02020603050405020304" pitchFamily="18" charset="0"/>
-              </a:rPr>
-              <a:t>() and </a:t>
-            </a:r>
-            <a:r>
-              <a:rPr lang="en-US" altLang="zh-CN" sz="1600" dirty="0" err="1">
-                <a:latin typeface="Times New Roman" panose="02020603050405020304" pitchFamily="18" charset="0"/>
-                <a:cs typeface="Times New Roman" panose="02020603050405020304" pitchFamily="18" charset="0"/>
-              </a:rPr>
-              <a:t>uiInit</a:t>
-            </a:r>
-            <a:r>
-              <a:rPr lang="en-US" altLang="zh-CN" sz="1600" dirty="0">
-                <a:latin typeface="Times New Roman" panose="02020603050405020304" pitchFamily="18" charset="0"/>
-                <a:cs typeface="Times New Roman" panose="02020603050405020304" pitchFamily="18" charset="0"/>
-              </a:rPr>
-              <a:t>() can be centralized in the parent class, avoiding repetitive code in subclasses.</a:t>
-            </a:r>
-          </a:p>
-          <a:p>
-            <a:pPr>
-              <a:lnSpc>
-                <a:spcPct val="125000"/>
-              </a:lnSpc>
-            </a:pPr>
-            <a:r>
-              <a:rPr lang="en-US" altLang="zh-CN" dirty="0">
-                <a:solidFill>
-                  <a:srgbClr val="FF0000"/>
-                </a:solidFill>
-                <a:latin typeface="Times New Roman" panose="02020603050405020304" pitchFamily="18" charset="0"/>
-                <a:cs typeface="Times New Roman" panose="02020603050405020304" pitchFamily="18" charset="0"/>
-              </a:rPr>
-              <a:t>Improve Maintainability. </a:t>
-            </a:r>
-            <a:r>
-              <a:rPr lang="en-US" altLang="zh-CN" sz="1600" dirty="0">
-                <a:latin typeface="Times New Roman" panose="02020603050405020304" pitchFamily="18" charset="0"/>
-                <a:cs typeface="Times New Roman" panose="02020603050405020304" pitchFamily="18" charset="0"/>
-              </a:rPr>
-              <a:t>Changes to shared logic only need to be made in the parent class, reducing errors and effort.</a:t>
-            </a:r>
-          </a:p>
-          <a:p>
-            <a:pPr>
-              <a:lnSpc>
-                <a:spcPct val="125000"/>
-              </a:lnSpc>
-            </a:pPr>
-            <a:r>
-              <a:rPr lang="en-US" altLang="zh-CN" dirty="0">
-                <a:solidFill>
-                  <a:srgbClr val="FF0000"/>
-                </a:solidFill>
-                <a:latin typeface="Times New Roman" panose="02020603050405020304" pitchFamily="18" charset="0"/>
-                <a:cs typeface="Times New Roman" panose="02020603050405020304" pitchFamily="18" charset="0"/>
-              </a:rPr>
-              <a:t>Enhance Code Extensibility. </a:t>
-            </a:r>
-            <a:r>
-              <a:rPr lang="en-US" altLang="zh-CN" sz="1600" dirty="0">
-                <a:latin typeface="Times New Roman" panose="02020603050405020304" pitchFamily="18" charset="0"/>
-                <a:cs typeface="Times New Roman" panose="02020603050405020304" pitchFamily="18" charset="0"/>
-              </a:rPr>
-              <a:t>Adding new levels only requires overriding specific methods without redesigning the entire process.</a:t>
-            </a:r>
-            <a:endParaRPr lang="zh-CN" altLang="en-US" sz="1600" dirty="0">
-              <a:latin typeface="Times New Roman" panose="02020603050405020304" pitchFamily="18" charset="0"/>
-              <a:cs typeface="Times New Roman" panose="02020603050405020304" pitchFamily="18" charset="0"/>
-            </a:endParaRPr>
-          </a:p>
-        </p:txBody>
-      </p:sp>
-      <p:sp>
-        <p:nvSpPr>
-          <p:cNvPr id="23" name="文本框 22">
-            <a:extLst>
-              <a:ext uri="{FF2B5EF4-FFF2-40B4-BE49-F238E27FC236}">
-                <a16:creationId xmlns:a16="http://schemas.microsoft.com/office/drawing/2014/main" id="{B0034E93-4484-D819-1344-601E30B0E28E}"/>
-              </a:ext>
-            </a:extLst>
-          </p:cNvPr>
-          <p:cNvSpPr txBox="1"/>
-          <p:nvPr/>
-        </p:nvSpPr>
-        <p:spPr>
-          <a:xfrm>
-            <a:off x="6757247" y="3747865"/>
-            <a:ext cx="1353941" cy="461665"/>
-          </a:xfrm>
-          <a:prstGeom prst="rect">
-            <a:avLst/>
-          </a:prstGeom>
-          <a:noFill/>
-        </p:spPr>
-        <p:txBody>
-          <a:bodyPr wrap="square">
-            <a:spAutoFit/>
-          </a:bodyPr>
-          <a:lstStyle/>
-          <a:p>
-            <a:pPr algn="ctr"/>
-            <a:r>
-              <a:rPr lang="en-US" altLang="zh-CN" sz="2400" dirty="0">
-                <a:latin typeface="Times New Roman" panose="02020603050405020304" pitchFamily="18" charset="0"/>
-                <a:cs typeface="Times New Roman" panose="02020603050405020304" pitchFamily="18" charset="0"/>
-              </a:rPr>
-              <a:t>Benefits :</a:t>
-            </a:r>
-            <a:endParaRPr lang="zh-CN" altLang="en-US" sz="2400" dirty="0">
-              <a:latin typeface="Times New Roman" panose="02020603050405020304" pitchFamily="18" charset="0"/>
-              <a:cs typeface="Times New Roman" panose="02020603050405020304" pitchFamily="18" charset="0"/>
-            </a:endParaRPr>
-          </a:p>
-        </p:txBody>
-      </p:sp>
-      <p:sp>
-        <p:nvSpPr>
-          <p:cNvPr id="30" name="文本框 29">
-            <a:extLst>
-              <a:ext uri="{FF2B5EF4-FFF2-40B4-BE49-F238E27FC236}">
-                <a16:creationId xmlns:a16="http://schemas.microsoft.com/office/drawing/2014/main" id="{CF4F81C9-5EDC-7FAD-D350-975A1AE052F1}"/>
-              </a:ext>
-            </a:extLst>
-          </p:cNvPr>
-          <p:cNvSpPr txBox="1"/>
-          <p:nvPr/>
-        </p:nvSpPr>
-        <p:spPr>
-          <a:xfrm>
-            <a:off x="6949993" y="4157883"/>
-            <a:ext cx="4998298" cy="2025555"/>
-          </a:xfrm>
-          <a:prstGeom prst="rect">
-            <a:avLst/>
-          </a:prstGeom>
-          <a:noFill/>
-        </p:spPr>
-        <p:txBody>
-          <a:bodyPr wrap="square">
-            <a:spAutoFit/>
-          </a:bodyPr>
-          <a:lstStyle/>
-          <a:p>
-            <a:pPr>
-              <a:lnSpc>
-                <a:spcPct val="125000"/>
-              </a:lnSpc>
-            </a:pPr>
-            <a:r>
-              <a:rPr lang="en-US" altLang="zh-CN" dirty="0">
-                <a:solidFill>
-                  <a:srgbClr val="FF0000"/>
-                </a:solidFill>
-                <a:latin typeface="Times New Roman" panose="02020603050405020304" pitchFamily="18" charset="0"/>
-                <a:cs typeface="Times New Roman" panose="02020603050405020304" pitchFamily="18" charset="0"/>
-              </a:rPr>
-              <a:t>Higher Reusability. </a:t>
-            </a:r>
-            <a:r>
-              <a:rPr lang="en-US" altLang="zh-CN" sz="1600" dirty="0">
-                <a:latin typeface="Times New Roman" panose="02020603050405020304" pitchFamily="18" charset="0"/>
-                <a:cs typeface="Times New Roman" panose="02020603050405020304" pitchFamily="18" charset="0"/>
-              </a:rPr>
-              <a:t>Common logic is reused directly in subclasses, with only unique parts needing overrides.</a:t>
-            </a:r>
-          </a:p>
-          <a:p>
-            <a:pPr>
-              <a:lnSpc>
-                <a:spcPct val="125000"/>
-              </a:lnSpc>
-            </a:pPr>
-            <a:r>
-              <a:rPr lang="en-US" altLang="zh-CN" dirty="0">
-                <a:solidFill>
-                  <a:srgbClr val="FF0000"/>
-                </a:solidFill>
-                <a:latin typeface="Times New Roman" panose="02020603050405020304" pitchFamily="18" charset="0"/>
-                <a:cs typeface="Times New Roman" panose="02020603050405020304" pitchFamily="18" charset="0"/>
-              </a:rPr>
-              <a:t>Easier Feature Expansion. </a:t>
-            </a:r>
-            <a:r>
-              <a:rPr lang="en-US" altLang="zh-CN" sz="1600" dirty="0">
-                <a:latin typeface="Times New Roman" panose="02020603050405020304" pitchFamily="18" charset="0"/>
-                <a:cs typeface="Times New Roman" panose="02020603050405020304" pitchFamily="18" charset="0"/>
-              </a:rPr>
-              <a:t>Adding steps like </a:t>
-            </a:r>
-            <a:r>
-              <a:rPr lang="en-US" altLang="zh-CN" sz="1600" dirty="0" err="1">
-                <a:latin typeface="Times New Roman" panose="02020603050405020304" pitchFamily="18" charset="0"/>
-                <a:cs typeface="Times New Roman" panose="02020603050405020304" pitchFamily="18" charset="0"/>
-              </a:rPr>
-              <a:t>soundInit</a:t>
-            </a:r>
-            <a:r>
-              <a:rPr lang="en-US" altLang="zh-CN" sz="1600" dirty="0">
-                <a:latin typeface="Times New Roman" panose="02020603050405020304" pitchFamily="18" charset="0"/>
-                <a:cs typeface="Times New Roman" panose="02020603050405020304" pitchFamily="18" charset="0"/>
-              </a:rPr>
-              <a:t>() only requires updates in the parent class.</a:t>
-            </a:r>
-          </a:p>
-          <a:p>
-            <a:pPr>
-              <a:lnSpc>
-                <a:spcPct val="125000"/>
-              </a:lnSpc>
-            </a:pPr>
-            <a:r>
-              <a:rPr lang="en-US" altLang="zh-CN" dirty="0">
-                <a:solidFill>
-                  <a:srgbClr val="FF0000"/>
-                </a:solidFill>
-                <a:latin typeface="Times New Roman" panose="02020603050405020304" pitchFamily="18" charset="0"/>
-                <a:cs typeface="Times New Roman" panose="02020603050405020304" pitchFamily="18" charset="0"/>
-              </a:rPr>
-              <a:t>Consistency. </a:t>
-            </a:r>
-            <a:r>
-              <a:rPr lang="en-US" altLang="zh-CN" sz="1600" dirty="0">
-                <a:latin typeface="Times New Roman" panose="02020603050405020304" pitchFamily="18" charset="0"/>
-                <a:cs typeface="Times New Roman" panose="02020603050405020304" pitchFamily="18" charset="0"/>
-              </a:rPr>
-              <a:t>Ensures all levels follow the same initialization flow, avoiding discrepancies.</a:t>
-            </a:r>
-            <a:endParaRPr lang="zh-CN" altLang="en-US" sz="1600" dirty="0">
-              <a:latin typeface="Times New Roman" panose="02020603050405020304" pitchFamily="18" charset="0"/>
-              <a:cs typeface="Times New Roman" panose="02020603050405020304" pitchFamily="18" charset="0"/>
-            </a:endParaRPr>
-          </a:p>
-        </p:txBody>
-      </p:sp>
-      <p:sp>
-        <p:nvSpPr>
-          <p:cNvPr id="31" name="矩形 30">
-            <a:extLst>
-              <a:ext uri="{FF2B5EF4-FFF2-40B4-BE49-F238E27FC236}">
-                <a16:creationId xmlns:a16="http://schemas.microsoft.com/office/drawing/2014/main" id="{308A467A-276A-2FC3-7DC5-39E5D1BA2323}"/>
-              </a:ext>
-            </a:extLst>
-          </p:cNvPr>
-          <p:cNvSpPr/>
-          <p:nvPr/>
-        </p:nvSpPr>
-        <p:spPr>
-          <a:xfrm>
-            <a:off x="6949993" y="951677"/>
-            <a:ext cx="5041557" cy="2856551"/>
-          </a:xfrm>
-          <a:prstGeom prst="rect">
-            <a:avLst/>
-          </a:prstGeom>
-          <a:noFill/>
-          <a:ln>
-            <a:solidFill>
-              <a:schemeClr val="tx1"/>
-            </a:solidFill>
-          </a:ln>
-        </p:spPr>
-        <p:style>
-          <a:lnRef idx="2">
-            <a:schemeClr val="accent1">
-              <a:shade val="15000"/>
-            </a:schemeClr>
-          </a:lnRef>
-          <a:fillRef idx="1">
-            <a:schemeClr val="accent1"/>
-          </a:fillRef>
-          <a:effectRef idx="0">
-            <a:schemeClr val="accent1"/>
-          </a:effectRef>
-          <a:fontRef idx="minor">
-            <a:schemeClr val="lt1"/>
-          </a:fontRef>
-        </p:style>
-        <p:txBody>
-          <a:bodyPr rtlCol="0" anchor="ctr"/>
-          <a:lstStyle/>
-          <a:p>
-            <a:pPr algn="ctr"/>
-            <a:endParaRPr lang="zh-CN" altLang="en-US"/>
-          </a:p>
-        </p:txBody>
-      </p:sp>
-      <p:sp>
-        <p:nvSpPr>
-          <p:cNvPr id="32" name="矩形 31">
-            <a:extLst>
-              <a:ext uri="{FF2B5EF4-FFF2-40B4-BE49-F238E27FC236}">
-                <a16:creationId xmlns:a16="http://schemas.microsoft.com/office/drawing/2014/main" id="{6A696EA1-8F61-5E4C-0ABC-A7D4E0BE6653}"/>
-              </a:ext>
-            </a:extLst>
-          </p:cNvPr>
-          <p:cNvSpPr/>
-          <p:nvPr/>
-        </p:nvSpPr>
-        <p:spPr>
-          <a:xfrm>
-            <a:off x="6949992" y="4215012"/>
-            <a:ext cx="5041558" cy="2025556"/>
-          </a:xfrm>
-          <a:prstGeom prst="rect">
-            <a:avLst/>
-          </a:prstGeom>
-          <a:noFill/>
-          <a:ln>
-            <a:solidFill>
-              <a:schemeClr val="tx1"/>
-            </a:solidFill>
-          </a:ln>
-        </p:spPr>
-        <p:style>
-          <a:lnRef idx="2">
-            <a:schemeClr val="accent1">
-              <a:shade val="15000"/>
-            </a:schemeClr>
-          </a:lnRef>
-          <a:fillRef idx="1">
-            <a:schemeClr val="accent1"/>
-          </a:fillRef>
-          <a:effectRef idx="0">
-            <a:schemeClr val="accent1"/>
-          </a:effectRef>
-          <a:fontRef idx="minor">
-            <a:schemeClr val="lt1"/>
-          </a:fontRef>
-        </p:style>
-        <p:txBody>
-          <a:bodyPr rtlCol="0" anchor="ctr"/>
-          <a:lstStyle/>
-          <a:p>
-            <a:pPr algn="ctr"/>
-            <a:endParaRPr lang="zh-CN" altLang="en-US"/>
-          </a:p>
-        </p:txBody>
-      </p:sp>
-    </p:spTree>
-    <p:extLst>
-      <p:ext uri="{BB962C8B-B14F-4D97-AF65-F5344CB8AC3E}">
-        <p14:creationId xmlns:p14="http://schemas.microsoft.com/office/powerpoint/2010/main" val="2674079515"/>
-      </p:ext>
-    </p:extLst>
-  </p:cSld>
-  <p:clrMapOvr>
-    <a:masterClrMapping/>
-  </p:clrMapOvr>
-</p:sld>
-</file>
-
-<file path=ppt/slides/slide8.xml><?xml version="1.0" encoding="utf-8"?>
 <p:sld xmlns:a="http://schemas.openxmlformats.org/drawingml/2006/main" xmlns:r="http://schemas.openxmlformats.org/officeDocument/2006/relationships" xmlns:p="http://schemas.openxmlformats.org/presentationml/2006/main">
   <p:cSld>
     <p:spTree>
@@ -37094,7 +32231,7 @@
 </p:sld>
 </file>
 
-<file path=ppt/slides/slide9.xml><?xml version="1.0" encoding="utf-8"?>
+<file path=ppt/slides/slide8.xml><?xml version="1.0" encoding="utf-8"?>
 <p:sld xmlns:a="http://schemas.openxmlformats.org/drawingml/2006/main" xmlns:r="http://schemas.openxmlformats.org/officeDocument/2006/relationships" xmlns:p="http://schemas.openxmlformats.org/presentationml/2006/main">
   <p:cSld>
     <p:spTree>
@@ -37459,6 +32596,2098 @@
         <p14:creationId xmlns:p14="http://schemas.microsoft.com/office/powerpoint/2010/main" val="1424487768"/>
       </p:ext>
     </p:extLst>
+  </p:cSld>
+  <p:clrMapOvr>
+    <a:masterClrMapping/>
+  </p:clrMapOvr>
+</p:sld>
+</file>
+
+<file path=ppt/slides/slide9.xml><?xml version="1.0" encoding="utf-8"?>
+<p:sld xmlns:a="http://schemas.openxmlformats.org/drawingml/2006/main" xmlns:r="http://schemas.openxmlformats.org/officeDocument/2006/relationships" xmlns:p="http://schemas.openxmlformats.org/presentationml/2006/main">
+  <p:cSld>
+    <p:spTree>
+      <p:nvGrpSpPr>
+        <p:cNvPr id="1" name=""/>
+        <p:cNvGrpSpPr/>
+        <p:nvPr/>
+      </p:nvGrpSpPr>
+      <p:grpSpPr>
+        <a:xfrm>
+          <a:off x="0" y="0"/>
+          <a:ext cx="0" cy="0"/>
+          <a:chOff x="0" y="0"/>
+          <a:chExt cx="0" cy="0"/>
+        </a:xfrm>
+      </p:grpSpPr>
+      <p:sp>
+        <p:nvSpPr>
+          <p:cNvPr id="68" name="任意多边形 67"/>
+          <p:cNvSpPr/>
+          <p:nvPr/>
+        </p:nvSpPr>
+        <p:spPr>
+          <a:xfrm>
+            <a:off x="0" y="0"/>
+            <a:ext cx="5296926" cy="3276544"/>
+          </a:xfrm>
+          <a:custGeom>
+            <a:avLst/>
+            <a:gdLst/>
+            <a:ahLst/>
+            <a:cxnLst>
+              <a:cxn ang="3">
+                <a:pos x="hc" y="t"/>
+              </a:cxn>
+              <a:cxn ang="cd2">
+                <a:pos x="l" y="vc"/>
+              </a:cxn>
+              <a:cxn ang="cd4">
+                <a:pos x="hc" y="b"/>
+              </a:cxn>
+              <a:cxn ang="0">
+                <a:pos x="r" y="vc"/>
+              </a:cxn>
+            </a:cxnLst>
+            <a:rect l="l" t="t" r="r" b="b"/>
+            <a:pathLst>
+              <a:path w="8342" h="5161">
+                <a:moveTo>
+                  <a:pt x="151" y="0"/>
+                </a:moveTo>
+                <a:cubicBezTo>
+                  <a:pt x="212" y="108"/>
+                  <a:pt x="344" y="480"/>
+                  <a:pt x="333" y="900"/>
+                </a:cubicBezTo>
+                <a:cubicBezTo>
+                  <a:pt x="340" y="1185"/>
+                  <a:pt x="258" y="1720"/>
+                  <a:pt x="138" y="2136"/>
+                </a:cubicBezTo>
+                <a:cubicBezTo>
+                  <a:pt x="37" y="2462"/>
+                  <a:pt x="-4" y="2904"/>
+                  <a:pt x="0" y="3111"/>
+                </a:cubicBezTo>
+                <a:cubicBezTo>
+                  <a:pt x="-10" y="4003"/>
+                  <a:pt x="361" y="4723"/>
+                  <a:pt x="766" y="4912"/>
+                </a:cubicBezTo>
+                <a:cubicBezTo>
+                  <a:pt x="948" y="5095"/>
+                  <a:pt x="1252" y="5168"/>
+                  <a:pt x="1406" y="5160"/>
+                </a:cubicBezTo>
+                <a:cubicBezTo>
+                  <a:pt x="3154" y="4827"/>
+                  <a:pt x="4186" y="3274"/>
+                  <a:pt x="4206" y="3320"/>
+                </a:cubicBezTo>
+                <a:cubicBezTo>
+                  <a:pt x="4268" y="3248"/>
+                  <a:pt x="4361" y="3144"/>
+                  <a:pt x="4428" y="3073"/>
+                </a:cubicBezTo>
+                <a:lnTo>
+                  <a:pt x="4988" y="2531"/>
+                </a:lnTo>
+                <a:cubicBezTo>
+                  <a:pt x="5394" y="2123"/>
+                  <a:pt x="5610" y="1939"/>
+                  <a:pt x="5838" y="1743"/>
+                </a:cubicBezTo>
+                <a:cubicBezTo>
+                  <a:pt x="5966" y="1634"/>
+                  <a:pt x="6196" y="1432"/>
+                  <a:pt x="6376" y="1268"/>
+                </a:cubicBezTo>
+                <a:cubicBezTo>
+                  <a:pt x="6500" y="1166"/>
+                  <a:pt x="6607" y="1056"/>
+                  <a:pt x="6669" y="995"/>
+                </a:cubicBezTo>
+                <a:cubicBezTo>
+                  <a:pt x="6737" y="925"/>
+                  <a:pt x="6801" y="864"/>
+                  <a:pt x="6841" y="839"/>
+                </a:cubicBezTo>
+                <a:cubicBezTo>
+                  <a:pt x="6847" y="835"/>
+                  <a:pt x="6856" y="829"/>
+                  <a:pt x="6860" y="827"/>
+                </a:cubicBezTo>
+                <a:cubicBezTo>
+                  <a:pt x="6906" y="787"/>
+                  <a:pt x="6825" y="866"/>
+                  <a:pt x="6940" y="759"/>
+                </a:cubicBezTo>
+                <a:cubicBezTo>
+                  <a:pt x="7279" y="412"/>
+                  <a:pt x="8013" y="79"/>
+                  <a:pt x="8342" y="0"/>
+                </a:cubicBezTo>
+                <a:lnTo>
+                  <a:pt x="151" y="0"/>
+                </a:lnTo>
+                <a:close/>
+              </a:path>
+            </a:pathLst>
+          </a:custGeom>
+          <a:solidFill>
+            <a:schemeClr val="bg1">
+              <a:lumMod val="85000"/>
+            </a:schemeClr>
+          </a:solidFill>
+          <a:ln>
+            <a:noFill/>
+          </a:ln>
+        </p:spPr>
+        <p:style>
+          <a:lnRef idx="2">
+            <a:schemeClr val="accent1">
+              <a:shade val="50000"/>
+            </a:schemeClr>
+          </a:lnRef>
+          <a:fillRef idx="1">
+            <a:schemeClr val="accent1"/>
+          </a:fillRef>
+          <a:effectRef idx="0">
+            <a:schemeClr val="accent1"/>
+          </a:effectRef>
+          <a:fontRef idx="minor">
+            <a:schemeClr val="lt1"/>
+          </a:fontRef>
+        </p:style>
+        <p:txBody>
+          <a:bodyPr wrap="square" rtlCol="0" anchor="ctr">
+            <a:noAutofit/>
+          </a:bodyPr>
+          <a:lstStyle>
+            <a:defPPr>
+              <a:defRPr lang="zh-CN">
+                <a:solidFill>
+                  <a:schemeClr val="lt1"/>
+                </a:solidFill>
+              </a:defRPr>
+            </a:defPPr>
+            <a:lvl1pPr marL="0" algn="l" defTabSz="914400" rtl="0" eaLnBrk="1" latinLnBrk="0" hangingPunct="1">
+              <a:defRPr sz="1800" kern="1200">
+                <a:solidFill>
+                  <a:schemeClr val="lt1"/>
+                </a:solidFill>
+                <a:latin typeface="+mn-lt"/>
+                <a:ea typeface="+mn-ea"/>
+                <a:cs typeface="+mn-cs"/>
+              </a:defRPr>
+            </a:lvl1pPr>
+            <a:lvl2pPr marL="457200" algn="l" defTabSz="914400" rtl="0" eaLnBrk="1" latinLnBrk="0" hangingPunct="1">
+              <a:defRPr sz="1800" kern="1200">
+                <a:solidFill>
+                  <a:schemeClr val="lt1"/>
+                </a:solidFill>
+                <a:latin typeface="+mn-lt"/>
+                <a:ea typeface="+mn-ea"/>
+                <a:cs typeface="+mn-cs"/>
+              </a:defRPr>
+            </a:lvl2pPr>
+            <a:lvl3pPr marL="914400" algn="l" defTabSz="914400" rtl="0" eaLnBrk="1" latinLnBrk="0" hangingPunct="1">
+              <a:defRPr sz="1800" kern="1200">
+                <a:solidFill>
+                  <a:schemeClr val="lt1"/>
+                </a:solidFill>
+                <a:latin typeface="+mn-lt"/>
+                <a:ea typeface="+mn-ea"/>
+                <a:cs typeface="+mn-cs"/>
+              </a:defRPr>
+            </a:lvl3pPr>
+            <a:lvl4pPr marL="1371600" algn="l" defTabSz="914400" rtl="0" eaLnBrk="1" latinLnBrk="0" hangingPunct="1">
+              <a:defRPr sz="1800" kern="1200">
+                <a:solidFill>
+                  <a:schemeClr val="lt1"/>
+                </a:solidFill>
+                <a:latin typeface="+mn-lt"/>
+                <a:ea typeface="+mn-ea"/>
+                <a:cs typeface="+mn-cs"/>
+              </a:defRPr>
+            </a:lvl4pPr>
+            <a:lvl5pPr marL="1828800" algn="l" defTabSz="914400" rtl="0" eaLnBrk="1" latinLnBrk="0" hangingPunct="1">
+              <a:defRPr sz="1800" kern="1200">
+                <a:solidFill>
+                  <a:schemeClr val="lt1"/>
+                </a:solidFill>
+                <a:latin typeface="+mn-lt"/>
+                <a:ea typeface="+mn-ea"/>
+                <a:cs typeface="+mn-cs"/>
+              </a:defRPr>
+            </a:lvl5pPr>
+            <a:lvl6pPr marL="2286000" algn="l" defTabSz="914400" rtl="0" eaLnBrk="1" latinLnBrk="0" hangingPunct="1">
+              <a:defRPr sz="1800" kern="1200">
+                <a:solidFill>
+                  <a:schemeClr val="lt1"/>
+                </a:solidFill>
+                <a:latin typeface="+mn-lt"/>
+                <a:ea typeface="+mn-ea"/>
+                <a:cs typeface="+mn-cs"/>
+              </a:defRPr>
+            </a:lvl6pPr>
+            <a:lvl7pPr marL="2743200" algn="l" defTabSz="914400" rtl="0" eaLnBrk="1" latinLnBrk="0" hangingPunct="1">
+              <a:defRPr sz="1800" kern="1200">
+                <a:solidFill>
+                  <a:schemeClr val="lt1"/>
+                </a:solidFill>
+                <a:latin typeface="+mn-lt"/>
+                <a:ea typeface="+mn-ea"/>
+                <a:cs typeface="+mn-cs"/>
+              </a:defRPr>
+            </a:lvl7pPr>
+            <a:lvl8pPr marL="3200400" algn="l" defTabSz="914400" rtl="0" eaLnBrk="1" latinLnBrk="0" hangingPunct="1">
+              <a:defRPr sz="1800" kern="1200">
+                <a:solidFill>
+                  <a:schemeClr val="lt1"/>
+                </a:solidFill>
+                <a:latin typeface="+mn-lt"/>
+                <a:ea typeface="+mn-ea"/>
+                <a:cs typeface="+mn-cs"/>
+              </a:defRPr>
+            </a:lvl8pPr>
+            <a:lvl9pPr marL="3657600" algn="l" defTabSz="914400" rtl="0" eaLnBrk="1" latinLnBrk="0" hangingPunct="1">
+              <a:defRPr sz="1800" kern="1200">
+                <a:solidFill>
+                  <a:schemeClr val="lt1"/>
+                </a:solidFill>
+                <a:latin typeface="+mn-lt"/>
+                <a:ea typeface="+mn-ea"/>
+                <a:cs typeface="+mn-cs"/>
+              </a:defRPr>
+            </a:lvl9pPr>
+          </a:lstStyle>
+          <a:p>
+            <a:pPr algn="ctr"/>
+            <a:endParaRPr lang="zh-CN" altLang="en-US">
+              <a:cs typeface="汉仪旗黑-55简" panose="00020600040101010101" charset="-128"/>
+            </a:endParaRPr>
+          </a:p>
+        </p:txBody>
+      </p:sp>
+      <p:sp>
+        <p:nvSpPr>
+          <p:cNvPr id="11" name="任意多边形 10"/>
+          <p:cNvSpPr/>
+          <p:nvPr/>
+        </p:nvSpPr>
+        <p:spPr>
+          <a:xfrm>
+            <a:off x="0" y="0"/>
+            <a:ext cx="5428615" cy="3501390"/>
+          </a:xfrm>
+          <a:custGeom>
+            <a:avLst/>
+            <a:gdLst>
+              <a:gd name="connsiteX0" fmla="*/ 0 w 8331"/>
+              <a:gd name="connsiteY0" fmla="*/ 3663 h 5372"/>
+              <a:gd name="connsiteX1" fmla="*/ 92 w 8331"/>
+              <a:gd name="connsiteY1" fmla="*/ 3603 h 5372"/>
+              <a:gd name="connsiteX2" fmla="*/ 810 w 8331"/>
+              <a:gd name="connsiteY2" fmla="*/ 3448 h 5372"/>
+              <a:gd name="connsiteX3" fmla="*/ 1055 w 8331"/>
+              <a:gd name="connsiteY3" fmla="*/ 3516 h 5372"/>
+              <a:gd name="connsiteX4" fmla="*/ 1765 w 8331"/>
+              <a:gd name="connsiteY4" fmla="*/ 4373 h 5372"/>
+              <a:gd name="connsiteX5" fmla="*/ 2976 w 8331"/>
+              <a:gd name="connsiteY5" fmla="*/ 5372 h 5372"/>
+              <a:gd name="connsiteX6" fmla="*/ 2998 w 8331"/>
+              <a:gd name="connsiteY6" fmla="*/ 5371 h 5372"/>
+              <a:gd name="connsiteX7" fmla="*/ 3019 w 8331"/>
+              <a:gd name="connsiteY7" fmla="*/ 5370 h 5372"/>
+              <a:gd name="connsiteX8" fmla="*/ 3040 w 8331"/>
+              <a:gd name="connsiteY8" fmla="*/ 5368 h 5372"/>
+              <a:gd name="connsiteX9" fmla="*/ 3070 w 8331"/>
+              <a:gd name="connsiteY9" fmla="*/ 5369 h 5372"/>
+              <a:gd name="connsiteX10" fmla="*/ 3100 w 8331"/>
+              <a:gd name="connsiteY10" fmla="*/ 5370 h 5372"/>
+              <a:gd name="connsiteX11" fmla="*/ 4064 w 8331"/>
+              <a:gd name="connsiteY11" fmla="*/ 4094 h 5372"/>
+              <a:gd name="connsiteX12" fmla="*/ 4151 w 8331"/>
+              <a:gd name="connsiteY12" fmla="*/ 3496 h 5372"/>
+              <a:gd name="connsiteX13" fmla="*/ 4230 w 8331"/>
+              <a:gd name="connsiteY13" fmla="*/ 3101 h 5372"/>
+              <a:gd name="connsiteX14" fmla="*/ 4455 w 8331"/>
+              <a:gd name="connsiteY14" fmla="*/ 2156 h 5372"/>
+              <a:gd name="connsiteX15" fmla="*/ 4528 w 8331"/>
+              <a:gd name="connsiteY15" fmla="*/ 1837 h 5372"/>
+              <a:gd name="connsiteX16" fmla="*/ 4540 w 8331"/>
+              <a:gd name="connsiteY16" fmla="*/ 1808 h 5372"/>
+              <a:gd name="connsiteX17" fmla="*/ 6452 w 8331"/>
+              <a:gd name="connsiteY17" fmla="*/ 360 h 5372"/>
+              <a:gd name="connsiteX18" fmla="*/ 6506 w 8331"/>
+              <a:gd name="connsiteY18" fmla="*/ 360 h 5372"/>
+              <a:gd name="connsiteX19" fmla="*/ 6561 w 8331"/>
+              <a:gd name="connsiteY19" fmla="*/ 362 h 5372"/>
+              <a:gd name="connsiteX20" fmla="*/ 6616 w 8331"/>
+              <a:gd name="connsiteY20" fmla="*/ 365 h 5372"/>
+              <a:gd name="connsiteX21" fmla="*/ 6672 w 8331"/>
+              <a:gd name="connsiteY21" fmla="*/ 369 h 5372"/>
+              <a:gd name="connsiteX22" fmla="*/ 6679 w 8331"/>
+              <a:gd name="connsiteY22" fmla="*/ 369 h 5372"/>
+              <a:gd name="connsiteX23" fmla="*/ 7062 w 8331"/>
+              <a:gd name="connsiteY23" fmla="*/ 377 h 5372"/>
+              <a:gd name="connsiteX24" fmla="*/ 7089 w 8331"/>
+              <a:gd name="connsiteY24" fmla="*/ 378 h 5372"/>
+              <a:gd name="connsiteX25" fmla="*/ 7422 w 8331"/>
+              <a:gd name="connsiteY25" fmla="*/ 384 h 5372"/>
+              <a:gd name="connsiteX26" fmla="*/ 7440 w 8331"/>
+              <a:gd name="connsiteY26" fmla="*/ 384 h 5372"/>
+              <a:gd name="connsiteX27" fmla="*/ 7474 w 8331"/>
+              <a:gd name="connsiteY27" fmla="*/ 384 h 5372"/>
+              <a:gd name="connsiteX28" fmla="*/ 8331 w 8331"/>
+              <a:gd name="connsiteY28" fmla="*/ 55 h 5372"/>
+              <a:gd name="connsiteX29" fmla="*/ 8331 w 8331"/>
+              <a:gd name="connsiteY29" fmla="*/ 49 h 5372"/>
+              <a:gd name="connsiteX30" fmla="*/ 8330 w 8331"/>
+              <a:gd name="connsiteY30" fmla="*/ 44 h 5372"/>
+              <a:gd name="connsiteX31" fmla="*/ 8329 w 8331"/>
+              <a:gd name="connsiteY31" fmla="*/ 38 h 5372"/>
+              <a:gd name="connsiteX32" fmla="*/ 8328 w 8331"/>
+              <a:gd name="connsiteY32" fmla="*/ 33 h 5372"/>
+              <a:gd name="connsiteX33" fmla="*/ 8328 w 8331"/>
+              <a:gd name="connsiteY33" fmla="*/ 25 h 5372"/>
+              <a:gd name="connsiteX34" fmla="*/ 8328 w 8331"/>
+              <a:gd name="connsiteY34" fmla="*/ 17 h 5372"/>
+              <a:gd name="connsiteX35" fmla="*/ 8327 w 8331"/>
+              <a:gd name="connsiteY35" fmla="*/ 9 h 5372"/>
+              <a:gd name="connsiteX36" fmla="*/ 8326 w 8331"/>
+              <a:gd name="connsiteY36" fmla="*/ 1 h 5372"/>
+              <a:gd name="connsiteX37" fmla="*/ 8326 w 8331"/>
+              <a:gd name="connsiteY37" fmla="*/ 0 h 5372"/>
+              <a:gd name="connsiteX38" fmla="*/ 0 w 8331"/>
+              <a:gd name="connsiteY38" fmla="*/ 0 h 5372"/>
+              <a:gd name="connsiteX39" fmla="*/ 0 w 8331"/>
+              <a:gd name="connsiteY39" fmla="*/ 3663 h 5372"/>
+            </a:gdLst>
+            <a:ahLst/>
+            <a:cxnLst>
+              <a:cxn ang="0">
+                <a:pos x="connsiteX0" y="connsiteY0"/>
+              </a:cxn>
+              <a:cxn ang="0">
+                <a:pos x="connsiteX1" y="connsiteY1"/>
+              </a:cxn>
+              <a:cxn ang="0">
+                <a:pos x="connsiteX2" y="connsiteY2"/>
+              </a:cxn>
+              <a:cxn ang="0">
+                <a:pos x="connsiteX3" y="connsiteY3"/>
+              </a:cxn>
+              <a:cxn ang="0">
+                <a:pos x="connsiteX4" y="connsiteY4"/>
+              </a:cxn>
+              <a:cxn ang="0">
+                <a:pos x="connsiteX5" y="connsiteY5"/>
+              </a:cxn>
+              <a:cxn ang="0">
+                <a:pos x="connsiteX6" y="connsiteY6"/>
+              </a:cxn>
+              <a:cxn ang="0">
+                <a:pos x="connsiteX7" y="connsiteY7"/>
+              </a:cxn>
+              <a:cxn ang="0">
+                <a:pos x="connsiteX8" y="connsiteY8"/>
+              </a:cxn>
+              <a:cxn ang="0">
+                <a:pos x="connsiteX9" y="connsiteY9"/>
+              </a:cxn>
+              <a:cxn ang="0">
+                <a:pos x="connsiteX10" y="connsiteY10"/>
+              </a:cxn>
+              <a:cxn ang="0">
+                <a:pos x="connsiteX11" y="connsiteY11"/>
+              </a:cxn>
+              <a:cxn ang="0">
+                <a:pos x="connsiteX12" y="connsiteY12"/>
+              </a:cxn>
+              <a:cxn ang="0">
+                <a:pos x="connsiteX13" y="connsiteY13"/>
+              </a:cxn>
+              <a:cxn ang="0">
+                <a:pos x="connsiteX14" y="connsiteY14"/>
+              </a:cxn>
+              <a:cxn ang="0">
+                <a:pos x="connsiteX15" y="connsiteY15"/>
+              </a:cxn>
+              <a:cxn ang="0">
+                <a:pos x="connsiteX16" y="connsiteY16"/>
+              </a:cxn>
+              <a:cxn ang="0">
+                <a:pos x="connsiteX17" y="connsiteY17"/>
+              </a:cxn>
+              <a:cxn ang="0">
+                <a:pos x="connsiteX18" y="connsiteY18"/>
+              </a:cxn>
+              <a:cxn ang="0">
+                <a:pos x="connsiteX19" y="connsiteY19"/>
+              </a:cxn>
+              <a:cxn ang="0">
+                <a:pos x="connsiteX20" y="connsiteY20"/>
+              </a:cxn>
+              <a:cxn ang="0">
+                <a:pos x="connsiteX21" y="connsiteY21"/>
+              </a:cxn>
+              <a:cxn ang="0">
+                <a:pos x="connsiteX22" y="connsiteY22"/>
+              </a:cxn>
+              <a:cxn ang="0">
+                <a:pos x="connsiteX23" y="connsiteY23"/>
+              </a:cxn>
+              <a:cxn ang="0">
+                <a:pos x="connsiteX24" y="connsiteY24"/>
+              </a:cxn>
+              <a:cxn ang="0">
+                <a:pos x="connsiteX25" y="connsiteY25"/>
+              </a:cxn>
+              <a:cxn ang="0">
+                <a:pos x="connsiteX26" y="connsiteY26"/>
+              </a:cxn>
+              <a:cxn ang="0">
+                <a:pos x="connsiteX27" y="connsiteY27"/>
+              </a:cxn>
+              <a:cxn ang="0">
+                <a:pos x="connsiteX28" y="connsiteY28"/>
+              </a:cxn>
+              <a:cxn ang="0">
+                <a:pos x="connsiteX29" y="connsiteY29"/>
+              </a:cxn>
+              <a:cxn ang="0">
+                <a:pos x="connsiteX30" y="connsiteY30"/>
+              </a:cxn>
+              <a:cxn ang="0">
+                <a:pos x="connsiteX31" y="connsiteY31"/>
+              </a:cxn>
+              <a:cxn ang="0">
+                <a:pos x="connsiteX32" y="connsiteY32"/>
+              </a:cxn>
+              <a:cxn ang="0">
+                <a:pos x="connsiteX33" y="connsiteY33"/>
+              </a:cxn>
+              <a:cxn ang="0">
+                <a:pos x="connsiteX34" y="connsiteY34"/>
+              </a:cxn>
+              <a:cxn ang="0">
+                <a:pos x="connsiteX35" y="connsiteY35"/>
+              </a:cxn>
+              <a:cxn ang="0">
+                <a:pos x="connsiteX36" y="connsiteY36"/>
+              </a:cxn>
+              <a:cxn ang="0">
+                <a:pos x="connsiteX37" y="connsiteY37"/>
+              </a:cxn>
+              <a:cxn ang="0">
+                <a:pos x="connsiteX38" y="connsiteY38"/>
+              </a:cxn>
+              <a:cxn ang="0">
+                <a:pos x="connsiteX39" y="connsiteY39"/>
+              </a:cxn>
+            </a:cxnLst>
+            <a:rect l="l" t="t" r="r" b="b"/>
+            <a:pathLst>
+              <a:path w="8331" h="5373">
+                <a:moveTo>
+                  <a:pt x="0" y="3663"/>
+                </a:moveTo>
+                <a:cubicBezTo>
+                  <a:pt x="28" y="3645"/>
+                  <a:pt x="91" y="3603"/>
+                  <a:pt x="92" y="3603"/>
+                </a:cubicBezTo>
+                <a:cubicBezTo>
+                  <a:pt x="412" y="3406"/>
+                  <a:pt x="810" y="3448"/>
+                  <a:pt x="810" y="3448"/>
+                </a:cubicBezTo>
+                <a:cubicBezTo>
+                  <a:pt x="892" y="3471"/>
+                  <a:pt x="945" y="3464"/>
+                  <a:pt x="1055" y="3516"/>
+                </a:cubicBezTo>
+                <a:cubicBezTo>
+                  <a:pt x="1207" y="3594"/>
+                  <a:pt x="1487" y="3755"/>
+                  <a:pt x="1765" y="4373"/>
+                </a:cubicBezTo>
+                <a:cubicBezTo>
+                  <a:pt x="2018" y="5005"/>
+                  <a:pt x="2598" y="5389"/>
+                  <a:pt x="2976" y="5372"/>
+                </a:cubicBezTo>
+                <a:lnTo>
+                  <a:pt x="2998" y="5371"/>
+                </a:lnTo>
+                <a:lnTo>
+                  <a:pt x="3019" y="5370"/>
+                </a:lnTo>
+                <a:lnTo>
+                  <a:pt x="3040" y="5368"/>
+                </a:lnTo>
+                <a:lnTo>
+                  <a:pt x="3070" y="5369"/>
+                </a:lnTo>
+                <a:lnTo>
+                  <a:pt x="3100" y="5370"/>
+                </a:lnTo>
+                <a:cubicBezTo>
+                  <a:pt x="3702" y="5386"/>
+                  <a:pt x="3971" y="4511"/>
+                  <a:pt x="4064" y="4094"/>
+                </a:cubicBezTo>
+                <a:cubicBezTo>
+                  <a:pt x="4131" y="3763"/>
+                  <a:pt x="4122" y="3695"/>
+                  <a:pt x="4151" y="3496"/>
+                </a:cubicBezTo>
+                <a:lnTo>
+                  <a:pt x="4230" y="3101"/>
+                </a:lnTo>
+                <a:cubicBezTo>
+                  <a:pt x="4312" y="2650"/>
+                  <a:pt x="4345" y="2612"/>
+                  <a:pt x="4455" y="2156"/>
+                </a:cubicBezTo>
+                <a:cubicBezTo>
+                  <a:pt x="4499" y="2002"/>
+                  <a:pt x="4502" y="1897"/>
+                  <a:pt x="4528" y="1837"/>
+                </a:cubicBezTo>
+                <a:cubicBezTo>
+                  <a:pt x="4533" y="1825"/>
+                  <a:pt x="4539" y="1811"/>
+                  <a:pt x="4540" y="1808"/>
+                </a:cubicBezTo>
+                <a:cubicBezTo>
+                  <a:pt x="4693" y="1089"/>
+                  <a:pt x="5488" y="341"/>
+                  <a:pt x="6452" y="360"/>
+                </a:cubicBezTo>
+                <a:lnTo>
+                  <a:pt x="6506" y="360"/>
+                </a:lnTo>
+                <a:lnTo>
+                  <a:pt x="6561" y="362"/>
+                </a:lnTo>
+                <a:lnTo>
+                  <a:pt x="6616" y="365"/>
+                </a:lnTo>
+                <a:lnTo>
+                  <a:pt x="6672" y="369"/>
+                </a:lnTo>
+                <a:lnTo>
+                  <a:pt x="6679" y="369"/>
+                </a:lnTo>
+                <a:cubicBezTo>
+                  <a:pt x="6800" y="369"/>
+                  <a:pt x="6990" y="375"/>
+                  <a:pt x="7062" y="377"/>
+                </a:cubicBezTo>
+                <a:cubicBezTo>
+                  <a:pt x="7073" y="377"/>
+                  <a:pt x="7087" y="377"/>
+                  <a:pt x="7089" y="378"/>
+                </a:cubicBezTo>
+                <a:cubicBezTo>
+                  <a:pt x="7198" y="381"/>
+                  <a:pt x="7367" y="384"/>
+                  <a:pt x="7422" y="384"/>
+                </a:cubicBezTo>
+                <a:cubicBezTo>
+                  <a:pt x="7430" y="384"/>
+                  <a:pt x="7439" y="384"/>
+                  <a:pt x="7440" y="384"/>
+                </a:cubicBezTo>
+                <a:lnTo>
+                  <a:pt x="7474" y="384"/>
+                </a:lnTo>
+                <a:cubicBezTo>
+                  <a:pt x="8145" y="384"/>
+                  <a:pt x="8339" y="157"/>
+                  <a:pt x="8331" y="55"/>
+                </a:cubicBezTo>
+                <a:lnTo>
+                  <a:pt x="8331" y="49"/>
+                </a:lnTo>
+                <a:lnTo>
+                  <a:pt x="8330" y="44"/>
+                </a:lnTo>
+                <a:lnTo>
+                  <a:pt x="8329" y="38"/>
+                </a:lnTo>
+                <a:lnTo>
+                  <a:pt x="8328" y="33"/>
+                </a:lnTo>
+                <a:lnTo>
+                  <a:pt x="8328" y="25"/>
+                </a:lnTo>
+                <a:lnTo>
+                  <a:pt x="8328" y="17"/>
+                </a:lnTo>
+                <a:lnTo>
+                  <a:pt x="8327" y="9"/>
+                </a:lnTo>
+                <a:lnTo>
+                  <a:pt x="8326" y="1"/>
+                </a:lnTo>
+                <a:lnTo>
+                  <a:pt x="8326" y="0"/>
+                </a:lnTo>
+                <a:lnTo>
+                  <a:pt x="0" y="0"/>
+                </a:lnTo>
+                <a:lnTo>
+                  <a:pt x="0" y="3663"/>
+                </a:lnTo>
+                <a:close/>
+              </a:path>
+            </a:pathLst>
+          </a:custGeom>
+          <a:solidFill>
+            <a:srgbClr val="2F4275"/>
+          </a:solidFill>
+          <a:ln>
+            <a:noFill/>
+          </a:ln>
+        </p:spPr>
+        <p:style>
+          <a:lnRef idx="2">
+            <a:schemeClr val="accent1">
+              <a:shade val="50000"/>
+            </a:schemeClr>
+          </a:lnRef>
+          <a:fillRef idx="1">
+            <a:schemeClr val="accent1"/>
+          </a:fillRef>
+          <a:effectRef idx="0">
+            <a:schemeClr val="accent1"/>
+          </a:effectRef>
+          <a:fontRef idx="minor">
+            <a:schemeClr val="lt1"/>
+          </a:fontRef>
+        </p:style>
+        <p:txBody>
+          <a:bodyPr wrap="square" rtlCol="0" anchor="ctr">
+            <a:noAutofit/>
+          </a:bodyPr>
+          <a:lstStyle>
+            <a:defPPr>
+              <a:defRPr lang="zh-CN">
+                <a:solidFill>
+                  <a:schemeClr val="lt1"/>
+                </a:solidFill>
+              </a:defRPr>
+            </a:defPPr>
+            <a:lvl1pPr marL="0" algn="l" defTabSz="914400" rtl="0" eaLnBrk="1" latinLnBrk="0" hangingPunct="1">
+              <a:defRPr sz="1800" kern="1200">
+                <a:solidFill>
+                  <a:schemeClr val="lt1"/>
+                </a:solidFill>
+                <a:latin typeface="+mn-lt"/>
+                <a:ea typeface="+mn-ea"/>
+                <a:cs typeface="+mn-cs"/>
+              </a:defRPr>
+            </a:lvl1pPr>
+            <a:lvl2pPr marL="457200" algn="l" defTabSz="914400" rtl="0" eaLnBrk="1" latinLnBrk="0" hangingPunct="1">
+              <a:defRPr sz="1800" kern="1200">
+                <a:solidFill>
+                  <a:schemeClr val="lt1"/>
+                </a:solidFill>
+                <a:latin typeface="+mn-lt"/>
+                <a:ea typeface="+mn-ea"/>
+                <a:cs typeface="+mn-cs"/>
+              </a:defRPr>
+            </a:lvl2pPr>
+            <a:lvl3pPr marL="914400" algn="l" defTabSz="914400" rtl="0" eaLnBrk="1" latinLnBrk="0" hangingPunct="1">
+              <a:defRPr sz="1800" kern="1200">
+                <a:solidFill>
+                  <a:schemeClr val="lt1"/>
+                </a:solidFill>
+                <a:latin typeface="+mn-lt"/>
+                <a:ea typeface="+mn-ea"/>
+                <a:cs typeface="+mn-cs"/>
+              </a:defRPr>
+            </a:lvl3pPr>
+            <a:lvl4pPr marL="1371600" algn="l" defTabSz="914400" rtl="0" eaLnBrk="1" latinLnBrk="0" hangingPunct="1">
+              <a:defRPr sz="1800" kern="1200">
+                <a:solidFill>
+                  <a:schemeClr val="lt1"/>
+                </a:solidFill>
+                <a:latin typeface="+mn-lt"/>
+                <a:ea typeface="+mn-ea"/>
+                <a:cs typeface="+mn-cs"/>
+              </a:defRPr>
+            </a:lvl4pPr>
+            <a:lvl5pPr marL="1828800" algn="l" defTabSz="914400" rtl="0" eaLnBrk="1" latinLnBrk="0" hangingPunct="1">
+              <a:defRPr sz="1800" kern="1200">
+                <a:solidFill>
+                  <a:schemeClr val="lt1"/>
+                </a:solidFill>
+                <a:latin typeface="+mn-lt"/>
+                <a:ea typeface="+mn-ea"/>
+                <a:cs typeface="+mn-cs"/>
+              </a:defRPr>
+            </a:lvl5pPr>
+            <a:lvl6pPr marL="2286000" algn="l" defTabSz="914400" rtl="0" eaLnBrk="1" latinLnBrk="0" hangingPunct="1">
+              <a:defRPr sz="1800" kern="1200">
+                <a:solidFill>
+                  <a:schemeClr val="lt1"/>
+                </a:solidFill>
+                <a:latin typeface="+mn-lt"/>
+                <a:ea typeface="+mn-ea"/>
+                <a:cs typeface="+mn-cs"/>
+              </a:defRPr>
+            </a:lvl6pPr>
+            <a:lvl7pPr marL="2743200" algn="l" defTabSz="914400" rtl="0" eaLnBrk="1" latinLnBrk="0" hangingPunct="1">
+              <a:defRPr sz="1800" kern="1200">
+                <a:solidFill>
+                  <a:schemeClr val="lt1"/>
+                </a:solidFill>
+                <a:latin typeface="+mn-lt"/>
+                <a:ea typeface="+mn-ea"/>
+                <a:cs typeface="+mn-cs"/>
+              </a:defRPr>
+            </a:lvl7pPr>
+            <a:lvl8pPr marL="3200400" algn="l" defTabSz="914400" rtl="0" eaLnBrk="1" latinLnBrk="0" hangingPunct="1">
+              <a:defRPr sz="1800" kern="1200">
+                <a:solidFill>
+                  <a:schemeClr val="lt1"/>
+                </a:solidFill>
+                <a:latin typeface="+mn-lt"/>
+                <a:ea typeface="+mn-ea"/>
+                <a:cs typeface="+mn-cs"/>
+              </a:defRPr>
+            </a:lvl8pPr>
+            <a:lvl9pPr marL="3657600" algn="l" defTabSz="914400" rtl="0" eaLnBrk="1" latinLnBrk="0" hangingPunct="1">
+              <a:defRPr sz="1800" kern="1200">
+                <a:solidFill>
+                  <a:schemeClr val="lt1"/>
+                </a:solidFill>
+                <a:latin typeface="+mn-lt"/>
+                <a:ea typeface="+mn-ea"/>
+                <a:cs typeface="+mn-cs"/>
+              </a:defRPr>
+            </a:lvl9pPr>
+          </a:lstStyle>
+          <a:p>
+            <a:pPr algn="ctr"/>
+            <a:endParaRPr lang="zh-CN" altLang="en-US">
+              <a:cs typeface="汉仪旗黑-55简" panose="00020600040101010101" charset="-128"/>
+            </a:endParaRPr>
+          </a:p>
+        </p:txBody>
+      </p:sp>
+      <p:sp>
+        <p:nvSpPr>
+          <p:cNvPr id="32" name="任意多边形 31"/>
+          <p:cNvSpPr/>
+          <p:nvPr/>
+        </p:nvSpPr>
+        <p:spPr>
+          <a:xfrm flipH="1">
+            <a:off x="9263380" y="5890260"/>
+            <a:ext cx="2894965" cy="967740"/>
+          </a:xfrm>
+          <a:custGeom>
+            <a:avLst/>
+            <a:gdLst/>
+            <a:ahLst/>
+            <a:cxnLst>
+              <a:cxn ang="3">
+                <a:pos x="hc" y="t"/>
+              </a:cxn>
+              <a:cxn ang="cd2">
+                <a:pos x="l" y="vc"/>
+              </a:cxn>
+              <a:cxn ang="cd4">
+                <a:pos x="hc" y="b"/>
+              </a:cxn>
+              <a:cxn ang="0">
+                <a:pos x="r" y="vc"/>
+              </a:cxn>
+            </a:cxnLst>
+            <a:rect l="l" t="t" r="r" b="b"/>
+            <a:pathLst>
+              <a:path w="5463" h="1828">
+                <a:moveTo>
+                  <a:pt x="0" y="1826"/>
+                </a:moveTo>
+                <a:cubicBezTo>
+                  <a:pt x="67" y="1515"/>
+                  <a:pt x="444" y="952"/>
+                  <a:pt x="1100" y="592"/>
+                </a:cubicBezTo>
+                <a:cubicBezTo>
+                  <a:pt x="1617" y="286"/>
+                  <a:pt x="2203" y="-11"/>
+                  <a:pt x="2803" y="0"/>
+                </a:cubicBezTo>
+                <a:cubicBezTo>
+                  <a:pt x="4009" y="-45"/>
+                  <a:pt x="5024" y="827"/>
+                  <a:pt x="5463" y="1826"/>
+                </a:cubicBezTo>
+                <a:lnTo>
+                  <a:pt x="0" y="1826"/>
+                </a:lnTo>
+                <a:close/>
+              </a:path>
+            </a:pathLst>
+          </a:custGeom>
+          <a:solidFill>
+            <a:schemeClr val="tx1">
+              <a:lumMod val="85000"/>
+              <a:lumOff val="15000"/>
+            </a:schemeClr>
+          </a:solidFill>
+          <a:ln>
+            <a:noFill/>
+          </a:ln>
+        </p:spPr>
+        <p:style>
+          <a:lnRef idx="2">
+            <a:schemeClr val="accent1">
+              <a:shade val="50000"/>
+            </a:schemeClr>
+          </a:lnRef>
+          <a:fillRef idx="1">
+            <a:schemeClr val="accent1"/>
+          </a:fillRef>
+          <a:effectRef idx="0">
+            <a:schemeClr val="accent1"/>
+          </a:effectRef>
+          <a:fontRef idx="minor">
+            <a:schemeClr val="lt1"/>
+          </a:fontRef>
+        </p:style>
+        <p:txBody>
+          <a:bodyPr wrap="square" rtlCol="0" anchor="ctr">
+            <a:noAutofit/>
+          </a:bodyPr>
+          <a:lstStyle>
+            <a:defPPr>
+              <a:defRPr lang="zh-CN">
+                <a:solidFill>
+                  <a:schemeClr val="lt1"/>
+                </a:solidFill>
+              </a:defRPr>
+            </a:defPPr>
+            <a:lvl1pPr marL="0" algn="l" defTabSz="914400" rtl="0" eaLnBrk="1" latinLnBrk="0" hangingPunct="1">
+              <a:defRPr sz="1800" kern="1200">
+                <a:solidFill>
+                  <a:schemeClr val="lt1"/>
+                </a:solidFill>
+                <a:latin typeface="+mn-lt"/>
+                <a:ea typeface="+mn-ea"/>
+                <a:cs typeface="+mn-cs"/>
+              </a:defRPr>
+            </a:lvl1pPr>
+            <a:lvl2pPr marL="457200" algn="l" defTabSz="914400" rtl="0" eaLnBrk="1" latinLnBrk="0" hangingPunct="1">
+              <a:defRPr sz="1800" kern="1200">
+                <a:solidFill>
+                  <a:schemeClr val="lt1"/>
+                </a:solidFill>
+                <a:latin typeface="+mn-lt"/>
+                <a:ea typeface="+mn-ea"/>
+                <a:cs typeface="+mn-cs"/>
+              </a:defRPr>
+            </a:lvl2pPr>
+            <a:lvl3pPr marL="914400" algn="l" defTabSz="914400" rtl="0" eaLnBrk="1" latinLnBrk="0" hangingPunct="1">
+              <a:defRPr sz="1800" kern="1200">
+                <a:solidFill>
+                  <a:schemeClr val="lt1"/>
+                </a:solidFill>
+                <a:latin typeface="+mn-lt"/>
+                <a:ea typeface="+mn-ea"/>
+                <a:cs typeface="+mn-cs"/>
+              </a:defRPr>
+            </a:lvl3pPr>
+            <a:lvl4pPr marL="1371600" algn="l" defTabSz="914400" rtl="0" eaLnBrk="1" latinLnBrk="0" hangingPunct="1">
+              <a:defRPr sz="1800" kern="1200">
+                <a:solidFill>
+                  <a:schemeClr val="lt1"/>
+                </a:solidFill>
+                <a:latin typeface="+mn-lt"/>
+                <a:ea typeface="+mn-ea"/>
+                <a:cs typeface="+mn-cs"/>
+              </a:defRPr>
+            </a:lvl4pPr>
+            <a:lvl5pPr marL="1828800" algn="l" defTabSz="914400" rtl="0" eaLnBrk="1" latinLnBrk="0" hangingPunct="1">
+              <a:defRPr sz="1800" kern="1200">
+                <a:solidFill>
+                  <a:schemeClr val="lt1"/>
+                </a:solidFill>
+                <a:latin typeface="+mn-lt"/>
+                <a:ea typeface="+mn-ea"/>
+                <a:cs typeface="+mn-cs"/>
+              </a:defRPr>
+            </a:lvl5pPr>
+            <a:lvl6pPr marL="2286000" algn="l" defTabSz="914400" rtl="0" eaLnBrk="1" latinLnBrk="0" hangingPunct="1">
+              <a:defRPr sz="1800" kern="1200">
+                <a:solidFill>
+                  <a:schemeClr val="lt1"/>
+                </a:solidFill>
+                <a:latin typeface="+mn-lt"/>
+                <a:ea typeface="+mn-ea"/>
+                <a:cs typeface="+mn-cs"/>
+              </a:defRPr>
+            </a:lvl6pPr>
+            <a:lvl7pPr marL="2743200" algn="l" defTabSz="914400" rtl="0" eaLnBrk="1" latinLnBrk="0" hangingPunct="1">
+              <a:defRPr sz="1800" kern="1200">
+                <a:solidFill>
+                  <a:schemeClr val="lt1"/>
+                </a:solidFill>
+                <a:latin typeface="+mn-lt"/>
+                <a:ea typeface="+mn-ea"/>
+                <a:cs typeface="+mn-cs"/>
+              </a:defRPr>
+            </a:lvl7pPr>
+            <a:lvl8pPr marL="3200400" algn="l" defTabSz="914400" rtl="0" eaLnBrk="1" latinLnBrk="0" hangingPunct="1">
+              <a:defRPr sz="1800" kern="1200">
+                <a:solidFill>
+                  <a:schemeClr val="lt1"/>
+                </a:solidFill>
+                <a:latin typeface="+mn-lt"/>
+                <a:ea typeface="+mn-ea"/>
+                <a:cs typeface="+mn-cs"/>
+              </a:defRPr>
+            </a:lvl8pPr>
+            <a:lvl9pPr marL="3657600" algn="l" defTabSz="914400" rtl="0" eaLnBrk="1" latinLnBrk="0" hangingPunct="1">
+              <a:defRPr sz="1800" kern="1200">
+                <a:solidFill>
+                  <a:schemeClr val="lt1"/>
+                </a:solidFill>
+                <a:latin typeface="+mn-lt"/>
+                <a:ea typeface="+mn-ea"/>
+                <a:cs typeface="+mn-cs"/>
+              </a:defRPr>
+            </a:lvl9pPr>
+          </a:lstStyle>
+          <a:p>
+            <a:pPr algn="ctr"/>
+            <a:endParaRPr lang="zh-CN" altLang="en-US">
+              <a:cs typeface="汉仪旗黑-55简" panose="00020600040101010101" charset="-128"/>
+            </a:endParaRPr>
+          </a:p>
+        </p:txBody>
+      </p:sp>
+      <p:sp>
+        <p:nvSpPr>
+          <p:cNvPr id="77" name="任意多边形 76"/>
+          <p:cNvSpPr/>
+          <p:nvPr/>
+        </p:nvSpPr>
+        <p:spPr>
+          <a:xfrm>
+            <a:off x="8708801" y="4293644"/>
+            <a:ext cx="3483199" cy="2563721"/>
+          </a:xfrm>
+          <a:custGeom>
+            <a:avLst/>
+            <a:gdLst/>
+            <a:ahLst/>
+            <a:cxnLst>
+              <a:cxn ang="3">
+                <a:pos x="hc" y="t"/>
+              </a:cxn>
+              <a:cxn ang="cd2">
+                <a:pos x="l" y="vc"/>
+              </a:cxn>
+              <a:cxn ang="cd4">
+                <a:pos x="hc" y="b"/>
+              </a:cxn>
+              <a:cxn ang="0">
+                <a:pos x="r" y="vc"/>
+              </a:cxn>
+            </a:cxnLst>
+            <a:rect l="l" t="t" r="r" b="b"/>
+            <a:pathLst>
+              <a:path w="5485" h="4044">
+                <a:moveTo>
+                  <a:pt x="0" y="4037"/>
+                </a:moveTo>
+                <a:cubicBezTo>
+                  <a:pt x="532" y="1406"/>
+                  <a:pt x="3081" y="-124"/>
+                  <a:pt x="3559" y="0"/>
+                </a:cubicBezTo>
+                <a:lnTo>
+                  <a:pt x="3591" y="0"/>
+                </a:lnTo>
+                <a:lnTo>
+                  <a:pt x="3715" y="6"/>
+                </a:lnTo>
+                <a:lnTo>
+                  <a:pt x="3749" y="5"/>
+                </a:lnTo>
+                <a:lnTo>
+                  <a:pt x="3783" y="5"/>
+                </a:lnTo>
+                <a:cubicBezTo>
+                  <a:pt x="4501" y="-6"/>
+                  <a:pt x="5429" y="992"/>
+                  <a:pt x="5480" y="1519"/>
+                </a:cubicBezTo>
+                <a:lnTo>
+                  <a:pt x="5485" y="1541"/>
+                </a:lnTo>
+                <a:lnTo>
+                  <a:pt x="5485" y="4037"/>
+                </a:lnTo>
+                <a:lnTo>
+                  <a:pt x="0" y="4037"/>
+                </a:lnTo>
+                <a:close/>
+              </a:path>
+            </a:pathLst>
+          </a:custGeom>
+          <a:solidFill>
+            <a:schemeClr val="bg1">
+              <a:lumMod val="85000"/>
+            </a:schemeClr>
+          </a:solidFill>
+          <a:ln>
+            <a:noFill/>
+          </a:ln>
+        </p:spPr>
+        <p:style>
+          <a:lnRef idx="2">
+            <a:schemeClr val="accent1">
+              <a:shade val="50000"/>
+            </a:schemeClr>
+          </a:lnRef>
+          <a:fillRef idx="1">
+            <a:schemeClr val="accent1"/>
+          </a:fillRef>
+          <a:effectRef idx="0">
+            <a:schemeClr val="accent1"/>
+          </a:effectRef>
+          <a:fontRef idx="minor">
+            <a:schemeClr val="lt1"/>
+          </a:fontRef>
+        </p:style>
+        <p:txBody>
+          <a:bodyPr wrap="square" rtlCol="0" anchor="ctr">
+            <a:noAutofit/>
+          </a:bodyPr>
+          <a:lstStyle>
+            <a:defPPr>
+              <a:defRPr lang="zh-CN">
+                <a:solidFill>
+                  <a:schemeClr val="lt1"/>
+                </a:solidFill>
+              </a:defRPr>
+            </a:defPPr>
+            <a:lvl1pPr marL="0" algn="l" defTabSz="914400" rtl="0" eaLnBrk="1" latinLnBrk="0" hangingPunct="1">
+              <a:defRPr sz="1800" kern="1200">
+                <a:solidFill>
+                  <a:schemeClr val="lt1"/>
+                </a:solidFill>
+                <a:latin typeface="+mn-lt"/>
+                <a:ea typeface="+mn-ea"/>
+                <a:cs typeface="+mn-cs"/>
+              </a:defRPr>
+            </a:lvl1pPr>
+            <a:lvl2pPr marL="457200" algn="l" defTabSz="914400" rtl="0" eaLnBrk="1" latinLnBrk="0" hangingPunct="1">
+              <a:defRPr sz="1800" kern="1200">
+                <a:solidFill>
+                  <a:schemeClr val="lt1"/>
+                </a:solidFill>
+                <a:latin typeface="+mn-lt"/>
+                <a:ea typeface="+mn-ea"/>
+                <a:cs typeface="+mn-cs"/>
+              </a:defRPr>
+            </a:lvl2pPr>
+            <a:lvl3pPr marL="914400" algn="l" defTabSz="914400" rtl="0" eaLnBrk="1" latinLnBrk="0" hangingPunct="1">
+              <a:defRPr sz="1800" kern="1200">
+                <a:solidFill>
+                  <a:schemeClr val="lt1"/>
+                </a:solidFill>
+                <a:latin typeface="+mn-lt"/>
+                <a:ea typeface="+mn-ea"/>
+                <a:cs typeface="+mn-cs"/>
+              </a:defRPr>
+            </a:lvl3pPr>
+            <a:lvl4pPr marL="1371600" algn="l" defTabSz="914400" rtl="0" eaLnBrk="1" latinLnBrk="0" hangingPunct="1">
+              <a:defRPr sz="1800" kern="1200">
+                <a:solidFill>
+                  <a:schemeClr val="lt1"/>
+                </a:solidFill>
+                <a:latin typeface="+mn-lt"/>
+                <a:ea typeface="+mn-ea"/>
+                <a:cs typeface="+mn-cs"/>
+              </a:defRPr>
+            </a:lvl4pPr>
+            <a:lvl5pPr marL="1828800" algn="l" defTabSz="914400" rtl="0" eaLnBrk="1" latinLnBrk="0" hangingPunct="1">
+              <a:defRPr sz="1800" kern="1200">
+                <a:solidFill>
+                  <a:schemeClr val="lt1"/>
+                </a:solidFill>
+                <a:latin typeface="+mn-lt"/>
+                <a:ea typeface="+mn-ea"/>
+                <a:cs typeface="+mn-cs"/>
+              </a:defRPr>
+            </a:lvl5pPr>
+            <a:lvl6pPr marL="2286000" algn="l" defTabSz="914400" rtl="0" eaLnBrk="1" latinLnBrk="0" hangingPunct="1">
+              <a:defRPr sz="1800" kern="1200">
+                <a:solidFill>
+                  <a:schemeClr val="lt1"/>
+                </a:solidFill>
+                <a:latin typeface="+mn-lt"/>
+                <a:ea typeface="+mn-ea"/>
+                <a:cs typeface="+mn-cs"/>
+              </a:defRPr>
+            </a:lvl6pPr>
+            <a:lvl7pPr marL="2743200" algn="l" defTabSz="914400" rtl="0" eaLnBrk="1" latinLnBrk="0" hangingPunct="1">
+              <a:defRPr sz="1800" kern="1200">
+                <a:solidFill>
+                  <a:schemeClr val="lt1"/>
+                </a:solidFill>
+                <a:latin typeface="+mn-lt"/>
+                <a:ea typeface="+mn-ea"/>
+                <a:cs typeface="+mn-cs"/>
+              </a:defRPr>
+            </a:lvl7pPr>
+            <a:lvl8pPr marL="3200400" algn="l" defTabSz="914400" rtl="0" eaLnBrk="1" latinLnBrk="0" hangingPunct="1">
+              <a:defRPr sz="1800" kern="1200">
+                <a:solidFill>
+                  <a:schemeClr val="lt1"/>
+                </a:solidFill>
+                <a:latin typeface="+mn-lt"/>
+                <a:ea typeface="+mn-ea"/>
+                <a:cs typeface="+mn-cs"/>
+              </a:defRPr>
+            </a:lvl8pPr>
+            <a:lvl9pPr marL="3657600" algn="l" defTabSz="914400" rtl="0" eaLnBrk="1" latinLnBrk="0" hangingPunct="1">
+              <a:defRPr sz="1800" kern="1200">
+                <a:solidFill>
+                  <a:schemeClr val="lt1"/>
+                </a:solidFill>
+                <a:latin typeface="+mn-lt"/>
+                <a:ea typeface="+mn-ea"/>
+                <a:cs typeface="+mn-cs"/>
+              </a:defRPr>
+            </a:lvl9pPr>
+          </a:lstStyle>
+          <a:p>
+            <a:pPr algn="ctr"/>
+            <a:endParaRPr lang="zh-CN" altLang="en-US">
+              <a:cs typeface="汉仪旗黑-55简" panose="00020600040101010101" charset="-128"/>
+            </a:endParaRPr>
+          </a:p>
+        </p:txBody>
+      </p:sp>
+      <p:sp>
+        <p:nvSpPr>
+          <p:cNvPr id="55" name="任意多边形 54"/>
+          <p:cNvSpPr/>
+          <p:nvPr/>
+        </p:nvSpPr>
+        <p:spPr>
+          <a:xfrm>
+            <a:off x="8021955" y="4669155"/>
+            <a:ext cx="4170045" cy="2188210"/>
+          </a:xfrm>
+          <a:custGeom>
+            <a:avLst/>
+            <a:gdLst>
+              <a:gd name="connsiteX0" fmla="*/ 0 w 7048"/>
+              <a:gd name="connsiteY0" fmla="*/ 3698 h 3698"/>
+              <a:gd name="connsiteX1" fmla="*/ 3188 w 7048"/>
+              <a:gd name="connsiteY1" fmla="*/ 0 h 3698"/>
+              <a:gd name="connsiteX2" fmla="*/ 3293 w 7048"/>
+              <a:gd name="connsiteY2" fmla="*/ 4 h 3698"/>
+              <a:gd name="connsiteX3" fmla="*/ 4791 w 7048"/>
+              <a:gd name="connsiteY3" fmla="*/ 1085 h 3698"/>
+              <a:gd name="connsiteX4" fmla="*/ 5430 w 7048"/>
+              <a:gd name="connsiteY4" fmla="*/ 1784 h 3698"/>
+              <a:gd name="connsiteX5" fmla="*/ 5524 w 7048"/>
+              <a:gd name="connsiteY5" fmla="*/ 1782 h 3698"/>
+              <a:gd name="connsiteX6" fmla="*/ 6708 w 7048"/>
+              <a:gd name="connsiteY6" fmla="*/ 1018 h 3698"/>
+              <a:gd name="connsiteX7" fmla="*/ 6722 w 7048"/>
+              <a:gd name="connsiteY7" fmla="*/ 1006 h 3698"/>
+              <a:gd name="connsiteX8" fmla="*/ 6737 w 7048"/>
+              <a:gd name="connsiteY8" fmla="*/ 992 h 3698"/>
+              <a:gd name="connsiteX9" fmla="*/ 6755 w 7048"/>
+              <a:gd name="connsiteY9" fmla="*/ 976 h 3698"/>
+              <a:gd name="connsiteX10" fmla="*/ 6773 w 7048"/>
+              <a:gd name="connsiteY10" fmla="*/ 961 h 3698"/>
+              <a:gd name="connsiteX11" fmla="*/ 6789 w 7048"/>
+              <a:gd name="connsiteY11" fmla="*/ 945 h 3698"/>
+              <a:gd name="connsiteX12" fmla="*/ 6793 w 7048"/>
+              <a:gd name="connsiteY12" fmla="*/ 941 h 3698"/>
+              <a:gd name="connsiteX13" fmla="*/ 7048 w 7048"/>
+              <a:gd name="connsiteY13" fmla="*/ 716 h 3698"/>
+              <a:gd name="connsiteX14" fmla="*/ 7048 w 7048"/>
+              <a:gd name="connsiteY14" fmla="*/ 3698 h 3698"/>
+              <a:gd name="connsiteX15" fmla="*/ 0 w 7048"/>
+              <a:gd name="connsiteY15" fmla="*/ 3698 h 3698"/>
+            </a:gdLst>
+            <a:ahLst/>
+            <a:cxnLst>
+              <a:cxn ang="0">
+                <a:pos x="connsiteX0" y="connsiteY0"/>
+              </a:cxn>
+              <a:cxn ang="0">
+                <a:pos x="connsiteX1" y="connsiteY1"/>
+              </a:cxn>
+              <a:cxn ang="0">
+                <a:pos x="connsiteX2" y="connsiteY2"/>
+              </a:cxn>
+              <a:cxn ang="0">
+                <a:pos x="connsiteX3" y="connsiteY3"/>
+              </a:cxn>
+              <a:cxn ang="0">
+                <a:pos x="connsiteX4" y="connsiteY4"/>
+              </a:cxn>
+              <a:cxn ang="0">
+                <a:pos x="connsiteX5" y="connsiteY5"/>
+              </a:cxn>
+              <a:cxn ang="0">
+                <a:pos x="connsiteX6" y="connsiteY6"/>
+              </a:cxn>
+              <a:cxn ang="0">
+                <a:pos x="connsiteX7" y="connsiteY7"/>
+              </a:cxn>
+              <a:cxn ang="0">
+                <a:pos x="connsiteX8" y="connsiteY8"/>
+              </a:cxn>
+              <a:cxn ang="0">
+                <a:pos x="connsiteX9" y="connsiteY9"/>
+              </a:cxn>
+              <a:cxn ang="0">
+                <a:pos x="connsiteX10" y="connsiteY10"/>
+              </a:cxn>
+              <a:cxn ang="0">
+                <a:pos x="connsiteX11" y="connsiteY11"/>
+              </a:cxn>
+              <a:cxn ang="0">
+                <a:pos x="connsiteX12" y="connsiteY12"/>
+              </a:cxn>
+              <a:cxn ang="0">
+                <a:pos x="connsiteX13" y="connsiteY13"/>
+              </a:cxn>
+              <a:cxn ang="0">
+                <a:pos x="connsiteX14" y="connsiteY14"/>
+              </a:cxn>
+              <a:cxn ang="0">
+                <a:pos x="connsiteX15" y="connsiteY15"/>
+              </a:cxn>
+            </a:cxnLst>
+            <a:rect l="l" t="t" r="r" b="b"/>
+            <a:pathLst>
+              <a:path w="7048" h="3698">
+                <a:moveTo>
+                  <a:pt x="0" y="3698"/>
+                </a:moveTo>
+                <a:cubicBezTo>
+                  <a:pt x="213" y="1107"/>
+                  <a:pt x="2537" y="11"/>
+                  <a:pt x="3188" y="0"/>
+                </a:cubicBezTo>
+                <a:lnTo>
+                  <a:pt x="3293" y="4"/>
+                </a:lnTo>
+                <a:cubicBezTo>
+                  <a:pt x="3896" y="-17"/>
+                  <a:pt x="4685" y="596"/>
+                  <a:pt x="4791" y="1085"/>
+                </a:cubicBezTo>
+                <a:cubicBezTo>
+                  <a:pt x="4887" y="1456"/>
+                  <a:pt x="5188" y="1796"/>
+                  <a:pt x="5430" y="1784"/>
+                </a:cubicBezTo>
+                <a:lnTo>
+                  <a:pt x="5524" y="1782"/>
+                </a:lnTo>
+                <a:cubicBezTo>
+                  <a:pt x="5847" y="1792"/>
+                  <a:pt x="6462" y="1237"/>
+                  <a:pt x="6708" y="1018"/>
+                </a:cubicBezTo>
+                <a:lnTo>
+                  <a:pt x="6722" y="1006"/>
+                </a:lnTo>
+                <a:lnTo>
+                  <a:pt x="6737" y="992"/>
+                </a:lnTo>
+                <a:lnTo>
+                  <a:pt x="6755" y="976"/>
+                </a:lnTo>
+                <a:lnTo>
+                  <a:pt x="6773" y="961"/>
+                </a:lnTo>
+                <a:lnTo>
+                  <a:pt x="6789" y="945"/>
+                </a:lnTo>
+                <a:lnTo>
+                  <a:pt x="6793" y="941"/>
+                </a:lnTo>
+                <a:cubicBezTo>
+                  <a:pt x="6869" y="868"/>
+                  <a:pt x="7028" y="731"/>
+                  <a:pt x="7048" y="716"/>
+                </a:cubicBezTo>
+                <a:lnTo>
+                  <a:pt x="7048" y="3698"/>
+                </a:lnTo>
+                <a:lnTo>
+                  <a:pt x="0" y="3698"/>
+                </a:lnTo>
+                <a:close/>
+              </a:path>
+            </a:pathLst>
+          </a:custGeom>
+          <a:solidFill>
+            <a:srgbClr val="2F4275"/>
+          </a:solidFill>
+          <a:ln>
+            <a:noFill/>
+          </a:ln>
+        </p:spPr>
+        <p:style>
+          <a:lnRef idx="2">
+            <a:schemeClr val="accent1">
+              <a:shade val="50000"/>
+            </a:schemeClr>
+          </a:lnRef>
+          <a:fillRef idx="1">
+            <a:schemeClr val="accent1"/>
+          </a:fillRef>
+          <a:effectRef idx="0">
+            <a:schemeClr val="accent1"/>
+          </a:effectRef>
+          <a:fontRef idx="minor">
+            <a:schemeClr val="lt1"/>
+          </a:fontRef>
+        </p:style>
+        <p:txBody>
+          <a:bodyPr wrap="square" rtlCol="0" anchor="ctr">
+            <a:noAutofit/>
+          </a:bodyPr>
+          <a:lstStyle>
+            <a:defPPr>
+              <a:defRPr lang="zh-CN">
+                <a:solidFill>
+                  <a:schemeClr val="lt1"/>
+                </a:solidFill>
+              </a:defRPr>
+            </a:defPPr>
+            <a:lvl1pPr marL="0" algn="l" defTabSz="914400" rtl="0" eaLnBrk="1" latinLnBrk="0" hangingPunct="1">
+              <a:defRPr sz="1800" kern="1200">
+                <a:solidFill>
+                  <a:schemeClr val="lt1"/>
+                </a:solidFill>
+                <a:latin typeface="+mn-lt"/>
+                <a:ea typeface="+mn-ea"/>
+                <a:cs typeface="+mn-cs"/>
+              </a:defRPr>
+            </a:lvl1pPr>
+            <a:lvl2pPr marL="457200" algn="l" defTabSz="914400" rtl="0" eaLnBrk="1" latinLnBrk="0" hangingPunct="1">
+              <a:defRPr sz="1800" kern="1200">
+                <a:solidFill>
+                  <a:schemeClr val="lt1"/>
+                </a:solidFill>
+                <a:latin typeface="+mn-lt"/>
+                <a:ea typeface="+mn-ea"/>
+                <a:cs typeface="+mn-cs"/>
+              </a:defRPr>
+            </a:lvl2pPr>
+            <a:lvl3pPr marL="914400" algn="l" defTabSz="914400" rtl="0" eaLnBrk="1" latinLnBrk="0" hangingPunct="1">
+              <a:defRPr sz="1800" kern="1200">
+                <a:solidFill>
+                  <a:schemeClr val="lt1"/>
+                </a:solidFill>
+                <a:latin typeface="+mn-lt"/>
+                <a:ea typeface="+mn-ea"/>
+                <a:cs typeface="+mn-cs"/>
+              </a:defRPr>
+            </a:lvl3pPr>
+            <a:lvl4pPr marL="1371600" algn="l" defTabSz="914400" rtl="0" eaLnBrk="1" latinLnBrk="0" hangingPunct="1">
+              <a:defRPr sz="1800" kern="1200">
+                <a:solidFill>
+                  <a:schemeClr val="lt1"/>
+                </a:solidFill>
+                <a:latin typeface="+mn-lt"/>
+                <a:ea typeface="+mn-ea"/>
+                <a:cs typeface="+mn-cs"/>
+              </a:defRPr>
+            </a:lvl4pPr>
+            <a:lvl5pPr marL="1828800" algn="l" defTabSz="914400" rtl="0" eaLnBrk="1" latinLnBrk="0" hangingPunct="1">
+              <a:defRPr sz="1800" kern="1200">
+                <a:solidFill>
+                  <a:schemeClr val="lt1"/>
+                </a:solidFill>
+                <a:latin typeface="+mn-lt"/>
+                <a:ea typeface="+mn-ea"/>
+                <a:cs typeface="+mn-cs"/>
+              </a:defRPr>
+            </a:lvl5pPr>
+            <a:lvl6pPr marL="2286000" algn="l" defTabSz="914400" rtl="0" eaLnBrk="1" latinLnBrk="0" hangingPunct="1">
+              <a:defRPr sz="1800" kern="1200">
+                <a:solidFill>
+                  <a:schemeClr val="lt1"/>
+                </a:solidFill>
+                <a:latin typeface="+mn-lt"/>
+                <a:ea typeface="+mn-ea"/>
+                <a:cs typeface="+mn-cs"/>
+              </a:defRPr>
+            </a:lvl6pPr>
+            <a:lvl7pPr marL="2743200" algn="l" defTabSz="914400" rtl="0" eaLnBrk="1" latinLnBrk="0" hangingPunct="1">
+              <a:defRPr sz="1800" kern="1200">
+                <a:solidFill>
+                  <a:schemeClr val="lt1"/>
+                </a:solidFill>
+                <a:latin typeface="+mn-lt"/>
+                <a:ea typeface="+mn-ea"/>
+                <a:cs typeface="+mn-cs"/>
+              </a:defRPr>
+            </a:lvl7pPr>
+            <a:lvl8pPr marL="3200400" algn="l" defTabSz="914400" rtl="0" eaLnBrk="1" latinLnBrk="0" hangingPunct="1">
+              <a:defRPr sz="1800" kern="1200">
+                <a:solidFill>
+                  <a:schemeClr val="lt1"/>
+                </a:solidFill>
+                <a:latin typeface="+mn-lt"/>
+                <a:ea typeface="+mn-ea"/>
+                <a:cs typeface="+mn-cs"/>
+              </a:defRPr>
+            </a:lvl8pPr>
+            <a:lvl9pPr marL="3657600" algn="l" defTabSz="914400" rtl="0" eaLnBrk="1" latinLnBrk="0" hangingPunct="1">
+              <a:defRPr sz="1800" kern="1200">
+                <a:solidFill>
+                  <a:schemeClr val="lt1"/>
+                </a:solidFill>
+                <a:latin typeface="+mn-lt"/>
+                <a:ea typeface="+mn-ea"/>
+                <a:cs typeface="+mn-cs"/>
+              </a:defRPr>
+            </a:lvl9pPr>
+          </a:lstStyle>
+          <a:p>
+            <a:pPr algn="ctr"/>
+            <a:endParaRPr lang="zh-CN" altLang="en-US">
+              <a:cs typeface="汉仪旗黑-55简" panose="00020600040101010101" charset="-128"/>
+            </a:endParaRPr>
+          </a:p>
+        </p:txBody>
+      </p:sp>
+      <p:sp>
+        <p:nvSpPr>
+          <p:cNvPr id="57" name="文本框 56"/>
+          <p:cNvSpPr txBox="1"/>
+          <p:nvPr/>
+        </p:nvSpPr>
+        <p:spPr>
+          <a:xfrm>
+            <a:off x="3623310" y="3669665"/>
+            <a:ext cx="4946015" cy="537210"/>
+          </a:xfrm>
+          <a:prstGeom prst="rect">
+            <a:avLst/>
+          </a:prstGeom>
+          <a:noFill/>
+        </p:spPr>
+        <p:txBody>
+          <a:bodyPr wrap="square" rtlCol="0">
+            <a:spAutoFit/>
+          </a:bodyPr>
+          <a:lstStyle/>
+          <a:p>
+            <a:pPr algn="ctr"/>
+            <a:r>
+              <a:rPr lang="en-US" sz="2900" dirty="0">
+                <a:solidFill>
+                  <a:schemeClr val="tx1">
+                    <a:lumMod val="75000"/>
+                    <a:lumOff val="25000"/>
+                  </a:schemeClr>
+                </a:solidFill>
+                <a:latin typeface="汉仪书宋二S" panose="00020600040101010101" charset="-122"/>
+                <a:ea typeface="汉仪书宋二S" panose="00020600040101010101" charset="-122"/>
+                <a:cs typeface="汉仪旗黑-55简" panose="00020600040101010101" charset="-128"/>
+                <a:sym typeface="汉仪旗黑-55简" panose="00020600040101010101" charset="-128"/>
+              </a:rPr>
+              <a:t>THANK YOU VERY MUCH</a:t>
+            </a:r>
+          </a:p>
+        </p:txBody>
+      </p:sp>
+      <p:sp>
+        <p:nvSpPr>
+          <p:cNvPr id="58" name="文本框 57" descr="7b0a20202020227461726765744d6f64756c65223a20226b6f6e6c696e65666f6e7473220a7d0a"/>
+          <p:cNvSpPr txBox="1"/>
+          <p:nvPr/>
+        </p:nvSpPr>
+        <p:spPr>
+          <a:xfrm>
+            <a:off x="2613660" y="2683227"/>
+            <a:ext cx="7769860" cy="938719"/>
+          </a:xfrm>
+          <a:prstGeom prst="rect">
+            <a:avLst/>
+          </a:prstGeom>
+          <a:noFill/>
+        </p:spPr>
+        <p:txBody>
+          <a:bodyPr wrap="square" rtlCol="0">
+            <a:spAutoFit/>
+          </a:bodyPr>
+          <a:lstStyle/>
+          <a:p>
+            <a:pPr algn="ctr" fontAlgn="auto"/>
+            <a:r>
+              <a:rPr lang="zh-CN" altLang="en-US" sz="5500" b="1" dirty="0">
+                <a:solidFill>
+                  <a:srgbClr val="2F4275"/>
+                </a:solidFill>
+                <a:uFillTx/>
+                <a:latin typeface="汉仪旗黑-55简" panose="00020600040101010101" charset="-128"/>
+                <a:ea typeface="汉仪旗黑-55简" panose="00020600040101010101" charset="-128"/>
+                <a:cs typeface="汉仪旗黑-55简" panose="00020600040101010101" charset="-122"/>
+                <a:sym typeface="汉仪旗黑-55简" panose="00020600040101010101" charset="-128"/>
+              </a:rPr>
+              <a:t>展示完毕</a:t>
+            </a:r>
+            <a:r>
+              <a:rPr lang="en-US" altLang="zh-CN" sz="5500" b="1" dirty="0">
+                <a:solidFill>
+                  <a:srgbClr val="2F4275"/>
+                </a:solidFill>
+                <a:uFillTx/>
+                <a:latin typeface="汉仪旗黑-55简" panose="00020600040101010101" charset="-128"/>
+                <a:ea typeface="汉仪旗黑-55简" panose="00020600040101010101" charset="-128"/>
+                <a:cs typeface="汉仪旗黑-55简" panose="00020600040101010101" charset="-122"/>
+                <a:sym typeface="汉仪旗黑-55简" panose="00020600040101010101" charset="-128"/>
+              </a:rPr>
+              <a:t>,</a:t>
+            </a:r>
+            <a:r>
+              <a:rPr lang="zh-CN" altLang="en-US" sz="5500" b="1" dirty="0">
+                <a:solidFill>
+                  <a:srgbClr val="2F4275"/>
+                </a:solidFill>
+                <a:uFillTx/>
+                <a:latin typeface="汉仪旗黑-55简" panose="00020600040101010101" charset="-128"/>
+                <a:ea typeface="汉仪旗黑-55简" panose="00020600040101010101" charset="-128"/>
+                <a:cs typeface="汉仪旗黑-55简" panose="00020600040101010101" charset="-122"/>
+                <a:sym typeface="汉仪旗黑-55简" panose="00020600040101010101" charset="-128"/>
+              </a:rPr>
+              <a:t>谢谢观看！</a:t>
+            </a:r>
+          </a:p>
+        </p:txBody>
+      </p:sp>
+      <p:grpSp>
+        <p:nvGrpSpPr>
+          <p:cNvPr id="61" name="组合 60"/>
+          <p:cNvGrpSpPr/>
+          <p:nvPr/>
+        </p:nvGrpSpPr>
+        <p:grpSpPr>
+          <a:xfrm>
+            <a:off x="3083560" y="3912235"/>
+            <a:ext cx="6025515" cy="0"/>
+            <a:chOff x="4784" y="6236"/>
+            <a:chExt cx="9489" cy="0"/>
+          </a:xfrm>
+        </p:grpSpPr>
+        <p:cxnSp>
+          <p:nvCxnSpPr>
+            <p:cNvPr id="62" name="直接连接符 61"/>
+            <p:cNvCxnSpPr/>
+            <p:nvPr/>
+          </p:nvCxnSpPr>
+          <p:spPr>
+            <a:xfrm>
+              <a:off x="4784" y="6236"/>
+              <a:ext cx="1217" cy="0"/>
+            </a:xfrm>
+            <a:prstGeom prst="line">
+              <a:avLst/>
+            </a:prstGeom>
+            <a:ln w="25400">
+              <a:solidFill>
+                <a:schemeClr val="tx1">
+                  <a:lumMod val="75000"/>
+                  <a:lumOff val="25000"/>
+                </a:schemeClr>
+              </a:solidFill>
+            </a:ln>
+          </p:spPr>
+          <p:style>
+            <a:lnRef idx="1">
+              <a:schemeClr val="accent1"/>
+            </a:lnRef>
+            <a:fillRef idx="0">
+              <a:schemeClr val="accent1"/>
+            </a:fillRef>
+            <a:effectRef idx="0">
+              <a:schemeClr val="accent1"/>
+            </a:effectRef>
+            <a:fontRef idx="minor">
+              <a:schemeClr val="tx1"/>
+            </a:fontRef>
+          </p:style>
+        </p:cxnSp>
+        <p:cxnSp>
+          <p:nvCxnSpPr>
+            <p:cNvPr id="63" name="直接连接符 62"/>
+            <p:cNvCxnSpPr/>
+            <p:nvPr/>
+          </p:nvCxnSpPr>
+          <p:spPr>
+            <a:xfrm>
+              <a:off x="13057" y="6236"/>
+              <a:ext cx="1217" cy="0"/>
+            </a:xfrm>
+            <a:prstGeom prst="line">
+              <a:avLst/>
+            </a:prstGeom>
+            <a:ln w="25400">
+              <a:solidFill>
+                <a:schemeClr val="tx1">
+                  <a:lumMod val="75000"/>
+                  <a:lumOff val="25000"/>
+                </a:schemeClr>
+              </a:solidFill>
+            </a:ln>
+          </p:spPr>
+          <p:style>
+            <a:lnRef idx="1">
+              <a:schemeClr val="accent1"/>
+            </a:lnRef>
+            <a:fillRef idx="0">
+              <a:schemeClr val="accent1"/>
+            </a:fillRef>
+            <a:effectRef idx="0">
+              <a:schemeClr val="accent1"/>
+            </a:effectRef>
+            <a:fontRef idx="minor">
+              <a:schemeClr val="tx1"/>
+            </a:fontRef>
+          </p:style>
+        </p:cxnSp>
+      </p:grpSp>
+      <p:sp>
+        <p:nvSpPr>
+          <p:cNvPr id="80" name="椭圆 79"/>
+          <p:cNvSpPr/>
+          <p:nvPr/>
+        </p:nvSpPr>
+        <p:spPr>
+          <a:xfrm>
+            <a:off x="5583872" y="1462813"/>
+            <a:ext cx="1024255" cy="1024255"/>
+          </a:xfrm>
+          <a:prstGeom prst="ellipse">
+            <a:avLst/>
+          </a:prstGeom>
+          <a:solidFill>
+            <a:srgbClr val="2F4275"/>
+          </a:solidFill>
+          <a:ln>
+            <a:noFill/>
+          </a:ln>
+        </p:spPr>
+        <p:style>
+          <a:lnRef idx="2">
+            <a:schemeClr val="accent1">
+              <a:shade val="50000"/>
+            </a:schemeClr>
+          </a:lnRef>
+          <a:fillRef idx="1">
+            <a:schemeClr val="accent1"/>
+          </a:fillRef>
+          <a:effectRef idx="0">
+            <a:schemeClr val="accent1"/>
+          </a:effectRef>
+          <a:fontRef idx="minor">
+            <a:schemeClr val="lt1"/>
+          </a:fontRef>
+        </p:style>
+        <p:txBody>
+          <a:bodyPr rtlCol="0" anchor="ctr"/>
+          <a:lstStyle/>
+          <a:p>
+            <a:pPr algn="ctr"/>
+            <a:endParaRPr lang="zh-CN" altLang="en-US">
+              <a:cs typeface="汉仪旗黑-55简" panose="00020600040101010101" charset="-128"/>
+            </a:endParaRPr>
+          </a:p>
+        </p:txBody>
+      </p:sp>
+      <p:pic>
+        <p:nvPicPr>
+          <p:cNvPr id="79" name="图片 78" descr="博士"/>
+          <p:cNvPicPr>
+            <a:picLocks noChangeAspect="1"/>
+          </p:cNvPicPr>
+          <p:nvPr/>
+        </p:nvPicPr>
+        <p:blipFill>
+          <a:blip r:embed="rId2">
+            <a:extLst>
+              <a:ext uri="{96DAC541-7B7A-43D3-8B79-37D633B846F1}">
+                <asvg:svgBlip xmlns:asvg="http://schemas.microsoft.com/office/drawing/2016/SVG/main" r:embed="rId3"/>
+              </a:ext>
+            </a:extLst>
+          </a:blip>
+          <a:stretch>
+            <a:fillRect/>
+          </a:stretch>
+        </p:blipFill>
+        <p:spPr>
+          <a:xfrm>
+            <a:off x="5693727" y="1702843"/>
+            <a:ext cx="805180" cy="615315"/>
+          </a:xfrm>
+          <a:prstGeom prst="rect">
+            <a:avLst/>
+          </a:prstGeom>
+        </p:spPr>
+      </p:pic>
+      <p:sp>
+        <p:nvSpPr>
+          <p:cNvPr id="82" name="任意多边形 81"/>
+          <p:cNvSpPr/>
+          <p:nvPr/>
+        </p:nvSpPr>
+        <p:spPr>
+          <a:xfrm flipH="1" flipV="1">
+            <a:off x="8702040" y="3668395"/>
+            <a:ext cx="3489960" cy="3191510"/>
+          </a:xfrm>
+          <a:custGeom>
+            <a:avLst/>
+            <a:gdLst>
+              <a:gd name="connsiteX0" fmla="*/ 0 w 5124"/>
+              <a:gd name="connsiteY0" fmla="*/ 3087 h 4684"/>
+              <a:gd name="connsiteX1" fmla="*/ 73 w 5124"/>
+              <a:gd name="connsiteY1" fmla="*/ 3031 h 4684"/>
+              <a:gd name="connsiteX2" fmla="*/ 643 w 5124"/>
+              <a:gd name="connsiteY2" fmla="*/ 2886 h 4684"/>
+              <a:gd name="connsiteX3" fmla="*/ 838 w 5124"/>
+              <a:gd name="connsiteY3" fmla="*/ 2949 h 4684"/>
+              <a:gd name="connsiteX4" fmla="*/ 1402 w 5124"/>
+              <a:gd name="connsiteY4" fmla="*/ 3751 h 4684"/>
+              <a:gd name="connsiteX5" fmla="*/ 2364 w 5124"/>
+              <a:gd name="connsiteY5" fmla="*/ 4684 h 4684"/>
+              <a:gd name="connsiteX6" fmla="*/ 2381 w 5124"/>
+              <a:gd name="connsiteY6" fmla="*/ 4683 h 4684"/>
+              <a:gd name="connsiteX7" fmla="*/ 2398 w 5124"/>
+              <a:gd name="connsiteY7" fmla="*/ 4682 h 4684"/>
+              <a:gd name="connsiteX8" fmla="*/ 2415 w 5124"/>
+              <a:gd name="connsiteY8" fmla="*/ 4681 h 4684"/>
+              <a:gd name="connsiteX9" fmla="*/ 2438 w 5124"/>
+              <a:gd name="connsiteY9" fmla="*/ 4681 h 4684"/>
+              <a:gd name="connsiteX10" fmla="*/ 2462 w 5124"/>
+              <a:gd name="connsiteY10" fmla="*/ 4682 h 4684"/>
+              <a:gd name="connsiteX11" fmla="*/ 3227 w 5124"/>
+              <a:gd name="connsiteY11" fmla="*/ 3489 h 4684"/>
+              <a:gd name="connsiteX12" fmla="*/ 3297 w 5124"/>
+              <a:gd name="connsiteY12" fmla="*/ 2931 h 4684"/>
+              <a:gd name="connsiteX13" fmla="*/ 3360 w 5124"/>
+              <a:gd name="connsiteY13" fmla="*/ 2562 h 4684"/>
+              <a:gd name="connsiteX14" fmla="*/ 3538 w 5124"/>
+              <a:gd name="connsiteY14" fmla="*/ 1679 h 4684"/>
+              <a:gd name="connsiteX15" fmla="*/ 3596 w 5124"/>
+              <a:gd name="connsiteY15" fmla="*/ 1380 h 4684"/>
+              <a:gd name="connsiteX16" fmla="*/ 3606 w 5124"/>
+              <a:gd name="connsiteY16" fmla="*/ 1353 h 4684"/>
+              <a:gd name="connsiteX17" fmla="*/ 5124 w 5124"/>
+              <a:gd name="connsiteY17" fmla="*/ 0 h 4684"/>
+            </a:gdLst>
+            <a:ahLst/>
+            <a:cxnLst>
+              <a:cxn ang="0">
+                <a:pos x="connsiteX0" y="connsiteY0"/>
+              </a:cxn>
+              <a:cxn ang="0">
+                <a:pos x="connsiteX1" y="connsiteY1"/>
+              </a:cxn>
+              <a:cxn ang="0">
+                <a:pos x="connsiteX2" y="connsiteY2"/>
+              </a:cxn>
+              <a:cxn ang="0">
+                <a:pos x="connsiteX3" y="connsiteY3"/>
+              </a:cxn>
+              <a:cxn ang="0">
+                <a:pos x="connsiteX4" y="connsiteY4"/>
+              </a:cxn>
+              <a:cxn ang="0">
+                <a:pos x="connsiteX5" y="connsiteY5"/>
+              </a:cxn>
+              <a:cxn ang="0">
+                <a:pos x="connsiteX6" y="connsiteY6"/>
+              </a:cxn>
+              <a:cxn ang="0">
+                <a:pos x="connsiteX7" y="connsiteY7"/>
+              </a:cxn>
+              <a:cxn ang="0">
+                <a:pos x="connsiteX8" y="connsiteY8"/>
+              </a:cxn>
+              <a:cxn ang="0">
+                <a:pos x="connsiteX9" y="connsiteY9"/>
+              </a:cxn>
+              <a:cxn ang="0">
+                <a:pos x="connsiteX10" y="connsiteY10"/>
+              </a:cxn>
+              <a:cxn ang="0">
+                <a:pos x="connsiteX11" y="connsiteY11"/>
+              </a:cxn>
+              <a:cxn ang="0">
+                <a:pos x="connsiteX12" y="connsiteY12"/>
+              </a:cxn>
+              <a:cxn ang="0">
+                <a:pos x="connsiteX13" y="connsiteY13"/>
+              </a:cxn>
+              <a:cxn ang="0">
+                <a:pos x="connsiteX14" y="connsiteY14"/>
+              </a:cxn>
+              <a:cxn ang="0">
+                <a:pos x="connsiteX15" y="connsiteY15"/>
+              </a:cxn>
+              <a:cxn ang="0">
+                <a:pos x="connsiteX16" y="connsiteY16"/>
+              </a:cxn>
+              <a:cxn ang="0">
+                <a:pos x="connsiteX17" y="connsiteY17"/>
+              </a:cxn>
+            </a:cxnLst>
+            <a:rect l="l" t="t" r="r" b="b"/>
+            <a:pathLst>
+              <a:path w="5124" h="4685">
+                <a:moveTo>
+                  <a:pt x="0" y="3087"/>
+                </a:moveTo>
+                <a:cubicBezTo>
+                  <a:pt x="22" y="3071"/>
+                  <a:pt x="72" y="3031"/>
+                  <a:pt x="73" y="3031"/>
+                </a:cubicBezTo>
+                <a:cubicBezTo>
+                  <a:pt x="327" y="2847"/>
+                  <a:pt x="643" y="2886"/>
+                  <a:pt x="643" y="2886"/>
+                </a:cubicBezTo>
+                <a:cubicBezTo>
+                  <a:pt x="708" y="2908"/>
+                  <a:pt x="751" y="2901"/>
+                  <a:pt x="838" y="2949"/>
+                </a:cubicBezTo>
+                <a:cubicBezTo>
+                  <a:pt x="959" y="3022"/>
+                  <a:pt x="1181" y="3173"/>
+                  <a:pt x="1402" y="3751"/>
+                </a:cubicBezTo>
+                <a:cubicBezTo>
+                  <a:pt x="1603" y="4341"/>
+                  <a:pt x="2063" y="4700"/>
+                  <a:pt x="2364" y="4684"/>
+                </a:cubicBezTo>
+                <a:lnTo>
+                  <a:pt x="2381" y="4683"/>
+                </a:lnTo>
+                <a:lnTo>
+                  <a:pt x="2398" y="4682"/>
+                </a:lnTo>
+                <a:lnTo>
+                  <a:pt x="2415" y="4681"/>
+                </a:lnTo>
+                <a:lnTo>
+                  <a:pt x="2438" y="4681"/>
+                </a:lnTo>
+                <a:lnTo>
+                  <a:pt x="2462" y="4682"/>
+                </a:lnTo>
+                <a:cubicBezTo>
+                  <a:pt x="2940" y="4697"/>
+                  <a:pt x="3154" y="3879"/>
+                  <a:pt x="3227" y="3489"/>
+                </a:cubicBezTo>
+                <a:cubicBezTo>
+                  <a:pt x="3281" y="3181"/>
+                  <a:pt x="3274" y="3117"/>
+                  <a:pt x="3297" y="2931"/>
+                </a:cubicBezTo>
+                <a:lnTo>
+                  <a:pt x="3360" y="2562"/>
+                </a:lnTo>
+                <a:cubicBezTo>
+                  <a:pt x="3425" y="2141"/>
+                  <a:pt x="3451" y="2105"/>
+                  <a:pt x="3538" y="1679"/>
+                </a:cubicBezTo>
+                <a:cubicBezTo>
+                  <a:pt x="3573" y="1535"/>
+                  <a:pt x="3576" y="1437"/>
+                  <a:pt x="3596" y="1380"/>
+                </a:cubicBezTo>
+                <a:cubicBezTo>
+                  <a:pt x="3600" y="1370"/>
+                  <a:pt x="3605" y="1357"/>
+                  <a:pt x="3606" y="1353"/>
+                </a:cubicBezTo>
+                <a:cubicBezTo>
+                  <a:pt x="3727" y="682"/>
+                  <a:pt x="4359" y="-17"/>
+                  <a:pt x="5124" y="0"/>
+                </a:cubicBezTo>
+              </a:path>
+            </a:pathLst>
+          </a:custGeom>
+          <a:noFill/>
+          <a:ln>
+            <a:solidFill>
+              <a:srgbClr val="AEBCDF"/>
+            </a:solidFill>
+          </a:ln>
+          <a:extLst>
+            <a:ext uri="{909E8E84-426E-40DD-AFC4-6F175D3DCCD1}">
+              <a14:hiddenFill xmlns:a14="http://schemas.microsoft.com/office/drawing/2010/main">
+                <a:solidFill>
+                  <a:srgbClr val="2F4275"/>
+                </a:solidFill>
+              </a14:hiddenFill>
+            </a:ext>
+          </a:extLst>
+        </p:spPr>
+        <p:style>
+          <a:lnRef idx="2">
+            <a:schemeClr val="accent1">
+              <a:shade val="50000"/>
+            </a:schemeClr>
+          </a:lnRef>
+          <a:fillRef idx="1">
+            <a:schemeClr val="accent1"/>
+          </a:fillRef>
+          <a:effectRef idx="0">
+            <a:schemeClr val="accent1"/>
+          </a:effectRef>
+          <a:fontRef idx="minor">
+            <a:schemeClr val="lt1"/>
+          </a:fontRef>
+        </p:style>
+        <p:txBody>
+          <a:bodyPr wrap="square" rtlCol="0" anchor="ctr">
+            <a:noAutofit/>
+          </a:bodyPr>
+          <a:lstStyle>
+            <a:defPPr>
+              <a:defRPr lang="zh-CN">
+                <a:solidFill>
+                  <a:schemeClr val="lt1"/>
+                </a:solidFill>
+              </a:defRPr>
+            </a:defPPr>
+            <a:lvl1pPr marL="0" algn="l" defTabSz="914400" rtl="0" eaLnBrk="1" latinLnBrk="0" hangingPunct="1">
+              <a:defRPr sz="1800" kern="1200">
+                <a:solidFill>
+                  <a:schemeClr val="lt1"/>
+                </a:solidFill>
+                <a:latin typeface="+mn-lt"/>
+                <a:ea typeface="+mn-ea"/>
+                <a:cs typeface="+mn-cs"/>
+              </a:defRPr>
+            </a:lvl1pPr>
+            <a:lvl2pPr marL="457200" algn="l" defTabSz="914400" rtl="0" eaLnBrk="1" latinLnBrk="0" hangingPunct="1">
+              <a:defRPr sz="1800" kern="1200">
+                <a:solidFill>
+                  <a:schemeClr val="lt1"/>
+                </a:solidFill>
+                <a:latin typeface="+mn-lt"/>
+                <a:ea typeface="+mn-ea"/>
+                <a:cs typeface="+mn-cs"/>
+              </a:defRPr>
+            </a:lvl2pPr>
+            <a:lvl3pPr marL="914400" algn="l" defTabSz="914400" rtl="0" eaLnBrk="1" latinLnBrk="0" hangingPunct="1">
+              <a:defRPr sz="1800" kern="1200">
+                <a:solidFill>
+                  <a:schemeClr val="lt1"/>
+                </a:solidFill>
+                <a:latin typeface="+mn-lt"/>
+                <a:ea typeface="+mn-ea"/>
+                <a:cs typeface="+mn-cs"/>
+              </a:defRPr>
+            </a:lvl3pPr>
+            <a:lvl4pPr marL="1371600" algn="l" defTabSz="914400" rtl="0" eaLnBrk="1" latinLnBrk="0" hangingPunct="1">
+              <a:defRPr sz="1800" kern="1200">
+                <a:solidFill>
+                  <a:schemeClr val="lt1"/>
+                </a:solidFill>
+                <a:latin typeface="+mn-lt"/>
+                <a:ea typeface="+mn-ea"/>
+                <a:cs typeface="+mn-cs"/>
+              </a:defRPr>
+            </a:lvl4pPr>
+            <a:lvl5pPr marL="1828800" algn="l" defTabSz="914400" rtl="0" eaLnBrk="1" latinLnBrk="0" hangingPunct="1">
+              <a:defRPr sz="1800" kern="1200">
+                <a:solidFill>
+                  <a:schemeClr val="lt1"/>
+                </a:solidFill>
+                <a:latin typeface="+mn-lt"/>
+                <a:ea typeface="+mn-ea"/>
+                <a:cs typeface="+mn-cs"/>
+              </a:defRPr>
+            </a:lvl5pPr>
+            <a:lvl6pPr marL="2286000" algn="l" defTabSz="914400" rtl="0" eaLnBrk="1" latinLnBrk="0" hangingPunct="1">
+              <a:defRPr sz="1800" kern="1200">
+                <a:solidFill>
+                  <a:schemeClr val="lt1"/>
+                </a:solidFill>
+                <a:latin typeface="+mn-lt"/>
+                <a:ea typeface="+mn-ea"/>
+                <a:cs typeface="+mn-cs"/>
+              </a:defRPr>
+            </a:lvl6pPr>
+            <a:lvl7pPr marL="2743200" algn="l" defTabSz="914400" rtl="0" eaLnBrk="1" latinLnBrk="0" hangingPunct="1">
+              <a:defRPr sz="1800" kern="1200">
+                <a:solidFill>
+                  <a:schemeClr val="lt1"/>
+                </a:solidFill>
+                <a:latin typeface="+mn-lt"/>
+                <a:ea typeface="+mn-ea"/>
+                <a:cs typeface="+mn-cs"/>
+              </a:defRPr>
+            </a:lvl7pPr>
+            <a:lvl8pPr marL="3200400" algn="l" defTabSz="914400" rtl="0" eaLnBrk="1" latinLnBrk="0" hangingPunct="1">
+              <a:defRPr sz="1800" kern="1200">
+                <a:solidFill>
+                  <a:schemeClr val="lt1"/>
+                </a:solidFill>
+                <a:latin typeface="+mn-lt"/>
+                <a:ea typeface="+mn-ea"/>
+                <a:cs typeface="+mn-cs"/>
+              </a:defRPr>
+            </a:lvl8pPr>
+            <a:lvl9pPr marL="3657600" algn="l" defTabSz="914400" rtl="0" eaLnBrk="1" latinLnBrk="0" hangingPunct="1">
+              <a:defRPr sz="1800" kern="1200">
+                <a:solidFill>
+                  <a:schemeClr val="lt1"/>
+                </a:solidFill>
+                <a:latin typeface="+mn-lt"/>
+                <a:ea typeface="+mn-ea"/>
+                <a:cs typeface="+mn-cs"/>
+              </a:defRPr>
+            </a:lvl9pPr>
+          </a:lstStyle>
+          <a:p>
+            <a:pPr algn="ctr"/>
+            <a:endParaRPr lang="zh-CN" altLang="en-US">
+              <a:cs typeface="汉仪旗黑-55简" panose="00020600040101010101" charset="-128"/>
+            </a:endParaRPr>
+          </a:p>
+        </p:txBody>
+      </p:sp>
+    </p:spTree>
   </p:cSld>
   <p:clrMapOvr>
     <a:masterClrMapping/>

--- a/文档/DesignPattern.pptx
+++ b/文档/DesignPattern.pptx
@@ -1993,7 +1993,7 @@
           <a:p>
             <a:fld id="{3B0CAA4A-A895-4B63-BE06-E8F514E37694}" type="datetimeFigureOut">
               <a:rPr lang="zh-CN" altLang="en-US" smtClean="0"/>
-              <a:t>2024/12/31</a:t>
+              <a:t>2025/1/3</a:t>
             </a:fld>
             <a:endParaRPr lang="zh-CN" altLang="en-US"/>
           </a:p>
@@ -2407,7 +2407,7 @@
           <a:p>
             <a:fld id="{9717DA2B-FDD0-4119-A1D8-19C92B15FFDD}" type="datetimeFigureOut">
               <a:rPr lang="zh-CN" altLang="en-US" smtClean="0"/>
-              <a:t>2024/12/31</a:t>
+              <a:t>2025/1/3</a:t>
             </a:fld>
             <a:endParaRPr lang="zh-CN" altLang="en-US"/>
           </a:p>
@@ -2605,7 +2605,7 @@
           <a:p>
             <a:fld id="{9717DA2B-FDD0-4119-A1D8-19C92B15FFDD}" type="datetimeFigureOut">
               <a:rPr lang="zh-CN" altLang="en-US" smtClean="0"/>
-              <a:t>2024/12/31</a:t>
+              <a:t>2025/1/3</a:t>
             </a:fld>
             <a:endParaRPr lang="zh-CN" altLang="en-US"/>
           </a:p>
@@ -2813,7 +2813,7 @@
           <a:p>
             <a:fld id="{9717DA2B-FDD0-4119-A1D8-19C92B15FFDD}" type="datetimeFigureOut">
               <a:rPr lang="zh-CN" altLang="en-US" smtClean="0"/>
-              <a:t>2024/12/31</a:t>
+              <a:t>2025/1/3</a:t>
             </a:fld>
             <a:endParaRPr lang="zh-CN" altLang="en-US"/>
           </a:p>
@@ -3011,7 +3011,7 @@
           <a:p>
             <a:fld id="{9717DA2B-FDD0-4119-A1D8-19C92B15FFDD}" type="datetimeFigureOut">
               <a:rPr lang="zh-CN" altLang="en-US" smtClean="0"/>
-              <a:t>2024/12/31</a:t>
+              <a:t>2025/1/3</a:t>
             </a:fld>
             <a:endParaRPr lang="zh-CN" altLang="en-US"/>
           </a:p>
@@ -3286,7 +3286,7 @@
           <a:p>
             <a:fld id="{9717DA2B-FDD0-4119-A1D8-19C92B15FFDD}" type="datetimeFigureOut">
               <a:rPr lang="zh-CN" altLang="en-US" smtClean="0"/>
-              <a:t>2024/12/31</a:t>
+              <a:t>2025/1/3</a:t>
             </a:fld>
             <a:endParaRPr lang="zh-CN" altLang="en-US"/>
           </a:p>
@@ -3551,7 +3551,7 @@
           <a:p>
             <a:fld id="{9717DA2B-FDD0-4119-A1D8-19C92B15FFDD}" type="datetimeFigureOut">
               <a:rPr lang="zh-CN" altLang="en-US" smtClean="0"/>
-              <a:t>2024/12/31</a:t>
+              <a:t>2025/1/3</a:t>
             </a:fld>
             <a:endParaRPr lang="zh-CN" altLang="en-US"/>
           </a:p>
@@ -3963,7 +3963,7 @@
           <a:p>
             <a:fld id="{9717DA2B-FDD0-4119-A1D8-19C92B15FFDD}" type="datetimeFigureOut">
               <a:rPr lang="zh-CN" altLang="en-US" smtClean="0"/>
-              <a:t>2024/12/31</a:t>
+              <a:t>2025/1/3</a:t>
             </a:fld>
             <a:endParaRPr lang="zh-CN" altLang="en-US"/>
           </a:p>
@@ -4104,7 +4104,7 @@
           <a:p>
             <a:fld id="{9717DA2B-FDD0-4119-A1D8-19C92B15FFDD}" type="datetimeFigureOut">
               <a:rPr lang="zh-CN" altLang="en-US" smtClean="0"/>
-              <a:t>2024/12/31</a:t>
+              <a:t>2025/1/3</a:t>
             </a:fld>
             <a:endParaRPr lang="zh-CN" altLang="en-US"/>
           </a:p>
@@ -4217,7 +4217,7 @@
           <a:p>
             <a:fld id="{9717DA2B-FDD0-4119-A1D8-19C92B15FFDD}" type="datetimeFigureOut">
               <a:rPr lang="zh-CN" altLang="en-US" smtClean="0"/>
-              <a:t>2024/12/31</a:t>
+              <a:t>2025/1/3</a:t>
             </a:fld>
             <a:endParaRPr lang="zh-CN" altLang="en-US"/>
           </a:p>
@@ -4528,7 +4528,7 @@
           <a:p>
             <a:fld id="{9717DA2B-FDD0-4119-A1D8-19C92B15FFDD}" type="datetimeFigureOut">
               <a:rPr lang="zh-CN" altLang="en-US" smtClean="0"/>
-              <a:t>2024/12/31</a:t>
+              <a:t>2025/1/3</a:t>
             </a:fld>
             <a:endParaRPr lang="zh-CN" altLang="en-US"/>
           </a:p>
@@ -4816,7 +4816,7 @@
           <a:p>
             <a:fld id="{9717DA2B-FDD0-4119-A1D8-19C92B15FFDD}" type="datetimeFigureOut">
               <a:rPr lang="zh-CN" altLang="en-US" smtClean="0"/>
-              <a:t>2024/12/31</a:t>
+              <a:t>2025/1/3</a:t>
             </a:fld>
             <a:endParaRPr lang="zh-CN" altLang="en-US"/>
           </a:p>
@@ -5057,7 +5057,7 @@
           <a:p>
             <a:fld id="{9717DA2B-FDD0-4119-A1D8-19C92B15FFDD}" type="datetimeFigureOut">
               <a:rPr lang="zh-CN" altLang="en-US" smtClean="0"/>
-              <a:t>2024/12/31</a:t>
+              <a:t>2025/1/3</a:t>
             </a:fld>
             <a:endParaRPr lang="zh-CN" altLang="en-US"/>
           </a:p>

--- a/文档/DesignPattern.pptx
+++ b/文档/DesignPattern.pptx
@@ -5,7 +5,7 @@
     <p:sldMasterId id="2147483648" r:id="rId1"/>
   </p:sldMasterIdLst>
   <p:notesMasterIdLst>
-    <p:notesMasterId r:id="rId18"/>
+    <p:notesMasterId r:id="rId19"/>
   </p:notesMasterIdLst>
   <p:sldIdLst>
     <p:sldId id="256" r:id="rId2"/>
@@ -15,15 +15,16 @@
     <p:sldId id="276" r:id="rId6"/>
     <p:sldId id="278" r:id="rId7"/>
     <p:sldId id="279" r:id="rId8"/>
-    <p:sldId id="277" r:id="rId9"/>
-    <p:sldId id="273" r:id="rId10"/>
-    <p:sldId id="272" r:id="rId11"/>
-    <p:sldId id="261" r:id="rId12"/>
-    <p:sldId id="264" r:id="rId13"/>
-    <p:sldId id="266" r:id="rId14"/>
-    <p:sldId id="267" r:id="rId15"/>
-    <p:sldId id="269" r:id="rId16"/>
-    <p:sldId id="270" r:id="rId17"/>
+    <p:sldId id="280" r:id="rId9"/>
+    <p:sldId id="277" r:id="rId10"/>
+    <p:sldId id="273" r:id="rId11"/>
+    <p:sldId id="272" r:id="rId12"/>
+    <p:sldId id="261" r:id="rId13"/>
+    <p:sldId id="264" r:id="rId14"/>
+    <p:sldId id="266" r:id="rId15"/>
+    <p:sldId id="267" r:id="rId16"/>
+    <p:sldId id="269" r:id="rId17"/>
+    <p:sldId id="270" r:id="rId18"/>
   </p:sldIdLst>
   <p:sldSz cx="12192000" cy="6858000"/>
   <p:notesSz cx="6858000" cy="9144000"/>
@@ -7210,339 +7211,6 @@
       </p:pic>
       <p:sp>
         <p:nvSpPr>
-          <p:cNvPr id="82" name="任意多边形 81"/>
-          <p:cNvSpPr/>
-          <p:nvPr/>
-        </p:nvSpPr>
-        <p:spPr>
-          <a:xfrm flipH="1" flipV="1">
-            <a:off x="8702040" y="3668395"/>
-            <a:ext cx="3489960" cy="3191510"/>
-          </a:xfrm>
-          <a:custGeom>
-            <a:avLst/>
-            <a:gdLst>
-              <a:gd name="connsiteX0" fmla="*/ 0 w 5124"/>
-              <a:gd name="connsiteY0" fmla="*/ 3087 h 4684"/>
-              <a:gd name="connsiteX1" fmla="*/ 73 w 5124"/>
-              <a:gd name="connsiteY1" fmla="*/ 3031 h 4684"/>
-              <a:gd name="connsiteX2" fmla="*/ 643 w 5124"/>
-              <a:gd name="connsiteY2" fmla="*/ 2886 h 4684"/>
-              <a:gd name="connsiteX3" fmla="*/ 838 w 5124"/>
-              <a:gd name="connsiteY3" fmla="*/ 2949 h 4684"/>
-              <a:gd name="connsiteX4" fmla="*/ 1402 w 5124"/>
-              <a:gd name="connsiteY4" fmla="*/ 3751 h 4684"/>
-              <a:gd name="connsiteX5" fmla="*/ 2364 w 5124"/>
-              <a:gd name="connsiteY5" fmla="*/ 4684 h 4684"/>
-              <a:gd name="connsiteX6" fmla="*/ 2381 w 5124"/>
-              <a:gd name="connsiteY6" fmla="*/ 4683 h 4684"/>
-              <a:gd name="connsiteX7" fmla="*/ 2398 w 5124"/>
-              <a:gd name="connsiteY7" fmla="*/ 4682 h 4684"/>
-              <a:gd name="connsiteX8" fmla="*/ 2415 w 5124"/>
-              <a:gd name="connsiteY8" fmla="*/ 4681 h 4684"/>
-              <a:gd name="connsiteX9" fmla="*/ 2438 w 5124"/>
-              <a:gd name="connsiteY9" fmla="*/ 4681 h 4684"/>
-              <a:gd name="connsiteX10" fmla="*/ 2462 w 5124"/>
-              <a:gd name="connsiteY10" fmla="*/ 4682 h 4684"/>
-              <a:gd name="connsiteX11" fmla="*/ 3227 w 5124"/>
-              <a:gd name="connsiteY11" fmla="*/ 3489 h 4684"/>
-              <a:gd name="connsiteX12" fmla="*/ 3297 w 5124"/>
-              <a:gd name="connsiteY12" fmla="*/ 2931 h 4684"/>
-              <a:gd name="connsiteX13" fmla="*/ 3360 w 5124"/>
-              <a:gd name="connsiteY13" fmla="*/ 2562 h 4684"/>
-              <a:gd name="connsiteX14" fmla="*/ 3538 w 5124"/>
-              <a:gd name="connsiteY14" fmla="*/ 1679 h 4684"/>
-              <a:gd name="connsiteX15" fmla="*/ 3596 w 5124"/>
-              <a:gd name="connsiteY15" fmla="*/ 1380 h 4684"/>
-              <a:gd name="connsiteX16" fmla="*/ 3606 w 5124"/>
-              <a:gd name="connsiteY16" fmla="*/ 1353 h 4684"/>
-              <a:gd name="connsiteX17" fmla="*/ 5124 w 5124"/>
-              <a:gd name="connsiteY17" fmla="*/ 0 h 4684"/>
-            </a:gdLst>
-            <a:ahLst/>
-            <a:cxnLst>
-              <a:cxn ang="0">
-                <a:pos x="connsiteX0" y="connsiteY0"/>
-              </a:cxn>
-              <a:cxn ang="0">
-                <a:pos x="connsiteX1" y="connsiteY1"/>
-              </a:cxn>
-              <a:cxn ang="0">
-                <a:pos x="connsiteX2" y="connsiteY2"/>
-              </a:cxn>
-              <a:cxn ang="0">
-                <a:pos x="connsiteX3" y="connsiteY3"/>
-              </a:cxn>
-              <a:cxn ang="0">
-                <a:pos x="connsiteX4" y="connsiteY4"/>
-              </a:cxn>
-              <a:cxn ang="0">
-                <a:pos x="connsiteX5" y="connsiteY5"/>
-              </a:cxn>
-              <a:cxn ang="0">
-                <a:pos x="connsiteX6" y="connsiteY6"/>
-              </a:cxn>
-              <a:cxn ang="0">
-                <a:pos x="connsiteX7" y="connsiteY7"/>
-              </a:cxn>
-              <a:cxn ang="0">
-                <a:pos x="connsiteX8" y="connsiteY8"/>
-              </a:cxn>
-              <a:cxn ang="0">
-                <a:pos x="connsiteX9" y="connsiteY9"/>
-              </a:cxn>
-              <a:cxn ang="0">
-                <a:pos x="connsiteX10" y="connsiteY10"/>
-              </a:cxn>
-              <a:cxn ang="0">
-                <a:pos x="connsiteX11" y="connsiteY11"/>
-              </a:cxn>
-              <a:cxn ang="0">
-                <a:pos x="connsiteX12" y="connsiteY12"/>
-              </a:cxn>
-              <a:cxn ang="0">
-                <a:pos x="connsiteX13" y="connsiteY13"/>
-              </a:cxn>
-              <a:cxn ang="0">
-                <a:pos x="connsiteX14" y="connsiteY14"/>
-              </a:cxn>
-              <a:cxn ang="0">
-                <a:pos x="connsiteX15" y="connsiteY15"/>
-              </a:cxn>
-              <a:cxn ang="0">
-                <a:pos x="connsiteX16" y="connsiteY16"/>
-              </a:cxn>
-              <a:cxn ang="0">
-                <a:pos x="connsiteX17" y="connsiteY17"/>
-              </a:cxn>
-            </a:cxnLst>
-            <a:rect l="l" t="t" r="r" b="b"/>
-            <a:pathLst>
-              <a:path w="5124" h="4685">
-                <a:moveTo>
-                  <a:pt x="0" y="3087"/>
-                </a:moveTo>
-                <a:cubicBezTo>
-                  <a:pt x="22" y="3071"/>
-                  <a:pt x="72" y="3031"/>
-                  <a:pt x="73" y="3031"/>
-                </a:cubicBezTo>
-                <a:cubicBezTo>
-                  <a:pt x="327" y="2847"/>
-                  <a:pt x="643" y="2886"/>
-                  <a:pt x="643" y="2886"/>
-                </a:cubicBezTo>
-                <a:cubicBezTo>
-                  <a:pt x="708" y="2908"/>
-                  <a:pt x="751" y="2901"/>
-                  <a:pt x="838" y="2949"/>
-                </a:cubicBezTo>
-                <a:cubicBezTo>
-                  <a:pt x="959" y="3022"/>
-                  <a:pt x="1181" y="3173"/>
-                  <a:pt x="1402" y="3751"/>
-                </a:cubicBezTo>
-                <a:cubicBezTo>
-                  <a:pt x="1603" y="4341"/>
-                  <a:pt x="2063" y="4700"/>
-                  <a:pt x="2364" y="4684"/>
-                </a:cubicBezTo>
-                <a:lnTo>
-                  <a:pt x="2381" y="4683"/>
-                </a:lnTo>
-                <a:lnTo>
-                  <a:pt x="2398" y="4682"/>
-                </a:lnTo>
-                <a:lnTo>
-                  <a:pt x="2415" y="4681"/>
-                </a:lnTo>
-                <a:lnTo>
-                  <a:pt x="2438" y="4681"/>
-                </a:lnTo>
-                <a:lnTo>
-                  <a:pt x="2462" y="4682"/>
-                </a:lnTo>
-                <a:cubicBezTo>
-                  <a:pt x="2940" y="4697"/>
-                  <a:pt x="3154" y="3879"/>
-                  <a:pt x="3227" y="3489"/>
-                </a:cubicBezTo>
-                <a:cubicBezTo>
-                  <a:pt x="3281" y="3181"/>
-                  <a:pt x="3274" y="3117"/>
-                  <a:pt x="3297" y="2931"/>
-                </a:cubicBezTo>
-                <a:lnTo>
-                  <a:pt x="3360" y="2562"/>
-                </a:lnTo>
-                <a:cubicBezTo>
-                  <a:pt x="3425" y="2141"/>
-                  <a:pt x="3451" y="2105"/>
-                  <a:pt x="3538" y="1679"/>
-                </a:cubicBezTo>
-                <a:cubicBezTo>
-                  <a:pt x="3573" y="1535"/>
-                  <a:pt x="3576" y="1437"/>
-                  <a:pt x="3596" y="1380"/>
-                </a:cubicBezTo>
-                <a:cubicBezTo>
-                  <a:pt x="3600" y="1370"/>
-                  <a:pt x="3605" y="1357"/>
-                  <a:pt x="3606" y="1353"/>
-                </a:cubicBezTo>
-                <a:cubicBezTo>
-                  <a:pt x="3727" y="682"/>
-                  <a:pt x="4359" y="-17"/>
-                  <a:pt x="5124" y="0"/>
-                </a:cubicBezTo>
-              </a:path>
-            </a:pathLst>
-          </a:custGeom>
-          <a:noFill/>
-          <a:ln>
-            <a:solidFill>
-              <a:srgbClr val="AEBCDF"/>
-            </a:solidFill>
-          </a:ln>
-          <a:extLst>
-            <a:ext uri="{909E8E84-426E-40DD-AFC4-6F175D3DCCD1}">
-              <a14:hiddenFill xmlns:a14="http://schemas.microsoft.com/office/drawing/2010/main">
-                <a:solidFill>
-                  <a:srgbClr val="2F4275"/>
-                </a:solidFill>
-              </a14:hiddenFill>
-            </a:ext>
-          </a:extLst>
-        </p:spPr>
-        <p:style>
-          <a:lnRef idx="2">
-            <a:schemeClr val="accent1">
-              <a:shade val="50000"/>
-            </a:schemeClr>
-          </a:lnRef>
-          <a:fillRef idx="1">
-            <a:schemeClr val="accent1"/>
-          </a:fillRef>
-          <a:effectRef idx="0">
-            <a:schemeClr val="accent1"/>
-          </a:effectRef>
-          <a:fontRef idx="minor">
-            <a:schemeClr val="lt1"/>
-          </a:fontRef>
-        </p:style>
-        <p:txBody>
-          <a:bodyPr wrap="square" rtlCol="0" anchor="ctr">
-            <a:noAutofit/>
-          </a:bodyPr>
-          <a:lstStyle>
-            <a:defPPr>
-              <a:defRPr lang="zh-CN">
-                <a:solidFill>
-                  <a:schemeClr val="lt1"/>
-                </a:solidFill>
-              </a:defRPr>
-            </a:defPPr>
-            <a:lvl1pPr marL="0" algn="l" defTabSz="914400" rtl="0" eaLnBrk="1" latinLnBrk="0" hangingPunct="1">
-              <a:defRPr sz="1800" kern="1200">
-                <a:solidFill>
-                  <a:schemeClr val="lt1"/>
-                </a:solidFill>
-                <a:latin typeface="+mn-lt"/>
-                <a:ea typeface="+mn-ea"/>
-                <a:cs typeface="+mn-cs"/>
-              </a:defRPr>
-            </a:lvl1pPr>
-            <a:lvl2pPr marL="457200" algn="l" defTabSz="914400" rtl="0" eaLnBrk="1" latinLnBrk="0" hangingPunct="1">
-              <a:defRPr sz="1800" kern="1200">
-                <a:solidFill>
-                  <a:schemeClr val="lt1"/>
-                </a:solidFill>
-                <a:latin typeface="+mn-lt"/>
-                <a:ea typeface="+mn-ea"/>
-                <a:cs typeface="+mn-cs"/>
-              </a:defRPr>
-            </a:lvl2pPr>
-            <a:lvl3pPr marL="914400" algn="l" defTabSz="914400" rtl="0" eaLnBrk="1" latinLnBrk="0" hangingPunct="1">
-              <a:defRPr sz="1800" kern="1200">
-                <a:solidFill>
-                  <a:schemeClr val="lt1"/>
-                </a:solidFill>
-                <a:latin typeface="+mn-lt"/>
-                <a:ea typeface="+mn-ea"/>
-                <a:cs typeface="+mn-cs"/>
-              </a:defRPr>
-            </a:lvl3pPr>
-            <a:lvl4pPr marL="1371600" algn="l" defTabSz="914400" rtl="0" eaLnBrk="1" latinLnBrk="0" hangingPunct="1">
-              <a:defRPr sz="1800" kern="1200">
-                <a:solidFill>
-                  <a:schemeClr val="lt1"/>
-                </a:solidFill>
-                <a:latin typeface="+mn-lt"/>
-                <a:ea typeface="+mn-ea"/>
-                <a:cs typeface="+mn-cs"/>
-              </a:defRPr>
-            </a:lvl4pPr>
-            <a:lvl5pPr marL="1828800" algn="l" defTabSz="914400" rtl="0" eaLnBrk="1" latinLnBrk="0" hangingPunct="1">
-              <a:defRPr sz="1800" kern="1200">
-                <a:solidFill>
-                  <a:schemeClr val="lt1"/>
-                </a:solidFill>
-                <a:latin typeface="+mn-lt"/>
-                <a:ea typeface="+mn-ea"/>
-                <a:cs typeface="+mn-cs"/>
-              </a:defRPr>
-            </a:lvl5pPr>
-            <a:lvl6pPr marL="2286000" algn="l" defTabSz="914400" rtl="0" eaLnBrk="1" latinLnBrk="0" hangingPunct="1">
-              <a:defRPr sz="1800" kern="1200">
-                <a:solidFill>
-                  <a:schemeClr val="lt1"/>
-                </a:solidFill>
-                <a:latin typeface="+mn-lt"/>
-                <a:ea typeface="+mn-ea"/>
-                <a:cs typeface="+mn-cs"/>
-              </a:defRPr>
-            </a:lvl6pPr>
-            <a:lvl7pPr marL="2743200" algn="l" defTabSz="914400" rtl="0" eaLnBrk="1" latinLnBrk="0" hangingPunct="1">
-              <a:defRPr sz="1800" kern="1200">
-                <a:solidFill>
-                  <a:schemeClr val="lt1"/>
-                </a:solidFill>
-                <a:latin typeface="+mn-lt"/>
-                <a:ea typeface="+mn-ea"/>
-                <a:cs typeface="+mn-cs"/>
-              </a:defRPr>
-            </a:lvl7pPr>
-            <a:lvl8pPr marL="3200400" algn="l" defTabSz="914400" rtl="0" eaLnBrk="1" latinLnBrk="0" hangingPunct="1">
-              <a:defRPr sz="1800" kern="1200">
-                <a:solidFill>
-                  <a:schemeClr val="lt1"/>
-                </a:solidFill>
-                <a:latin typeface="+mn-lt"/>
-                <a:ea typeface="+mn-ea"/>
-                <a:cs typeface="+mn-cs"/>
-              </a:defRPr>
-            </a:lvl8pPr>
-            <a:lvl9pPr marL="3657600" algn="l" defTabSz="914400" rtl="0" eaLnBrk="1" latinLnBrk="0" hangingPunct="1">
-              <a:defRPr sz="1800" kern="1200">
-                <a:solidFill>
-                  <a:schemeClr val="lt1"/>
-                </a:solidFill>
-                <a:latin typeface="+mn-lt"/>
-                <a:ea typeface="+mn-ea"/>
-                <a:cs typeface="+mn-cs"/>
-              </a:defRPr>
-            </a:lvl9pPr>
-          </a:lstStyle>
-          <a:p>
-            <a:pPr algn="ctr"/>
-            <a:endParaRPr lang="zh-CN" altLang="en-US">
-              <a:cs typeface="汉仪旗黑-55简" panose="00020600040101010101" charset="-128"/>
-            </a:endParaRPr>
-          </a:p>
-        </p:txBody>
-      </p:sp>
-      <p:sp>
-        <p:nvSpPr>
           <p:cNvPr id="2" name="副标题 2">
             <a:extLst>
               <a:ext uri="{FF2B5EF4-FFF2-40B4-BE49-F238E27FC236}">
@@ -7697,7 +7365,7 @@
         </p:nvSpPr>
         <p:spPr>
           <a:xfrm>
-            <a:off x="2151761" y="5175505"/>
+            <a:off x="10039283" y="129859"/>
             <a:ext cx="2053346" cy="587755"/>
           </a:xfrm>
           <a:prstGeom prst="rect">
@@ -7902,6 +7570,378 @@
 </file>
 
 <file path=ppt/slides/slide10.xml><?xml version="1.0" encoding="utf-8"?>
+<p:sld xmlns:a="http://schemas.openxmlformats.org/drawingml/2006/main" xmlns:r="http://schemas.openxmlformats.org/officeDocument/2006/relationships" xmlns:p="http://schemas.openxmlformats.org/presentationml/2006/main">
+  <p:cSld>
+    <p:spTree>
+      <p:nvGrpSpPr>
+        <p:cNvPr id="1" name="">
+          <a:extLst>
+            <a:ext uri="{FF2B5EF4-FFF2-40B4-BE49-F238E27FC236}">
+              <a16:creationId xmlns:a16="http://schemas.microsoft.com/office/drawing/2014/main" id="{16EDB30C-A6B2-863C-84BC-DDA69456B841}"/>
+            </a:ext>
+          </a:extLst>
+        </p:cNvPr>
+        <p:cNvGrpSpPr/>
+        <p:nvPr/>
+      </p:nvGrpSpPr>
+      <p:grpSpPr>
+        <a:xfrm>
+          <a:off x="0" y="0"/>
+          <a:ext cx="0" cy="0"/>
+          <a:chOff x="0" y="0"/>
+          <a:chExt cx="0" cy="0"/>
+        </a:xfrm>
+      </p:grpSpPr>
+      <p:sp>
+        <p:nvSpPr>
+          <p:cNvPr id="4" name="文本框 12">
+            <a:extLst>
+              <a:ext uri="{FF2B5EF4-FFF2-40B4-BE49-F238E27FC236}">
+                <a16:creationId xmlns:a16="http://schemas.microsoft.com/office/drawing/2014/main" id="{0D31E343-E27D-D0D8-7146-DEC497C8906E}"/>
+              </a:ext>
+            </a:extLst>
+          </p:cNvPr>
+          <p:cNvSpPr txBox="1"/>
+          <p:nvPr/>
+        </p:nvSpPr>
+        <p:spPr>
+          <a:xfrm>
+            <a:off x="1174750" y="308802"/>
+            <a:ext cx="2692911" cy="523220"/>
+          </a:xfrm>
+          <a:prstGeom prst="rect">
+            <a:avLst/>
+          </a:prstGeom>
+          <a:noFill/>
+        </p:spPr>
+        <p:txBody>
+          <a:bodyPr wrap="square" rtlCol="0">
+            <a:spAutoFit/>
+          </a:bodyPr>
+          <a:lstStyle>
+            <a:defPPr>
+              <a:defRPr lang="zh-CN"/>
+            </a:defPPr>
+            <a:lvl1pPr marL="0" algn="l" defTabSz="914400" rtl="0" eaLnBrk="1" latinLnBrk="0" hangingPunct="1">
+              <a:defRPr sz="1800" kern="1200">
+                <a:solidFill>
+                  <a:schemeClr val="tx1"/>
+                </a:solidFill>
+                <a:latin typeface="+mn-lt"/>
+                <a:ea typeface="+mn-ea"/>
+                <a:cs typeface="+mn-cs"/>
+              </a:defRPr>
+            </a:lvl1pPr>
+            <a:lvl2pPr marL="457200" algn="l" defTabSz="914400" rtl="0" eaLnBrk="1" latinLnBrk="0" hangingPunct="1">
+              <a:defRPr sz="1800" kern="1200">
+                <a:solidFill>
+                  <a:schemeClr val="tx1"/>
+                </a:solidFill>
+                <a:latin typeface="+mn-lt"/>
+                <a:ea typeface="+mn-ea"/>
+                <a:cs typeface="+mn-cs"/>
+              </a:defRPr>
+            </a:lvl2pPr>
+            <a:lvl3pPr marL="914400" algn="l" defTabSz="914400" rtl="0" eaLnBrk="1" latinLnBrk="0" hangingPunct="1">
+              <a:defRPr sz="1800" kern="1200">
+                <a:solidFill>
+                  <a:schemeClr val="tx1"/>
+                </a:solidFill>
+                <a:latin typeface="+mn-lt"/>
+                <a:ea typeface="+mn-ea"/>
+                <a:cs typeface="+mn-cs"/>
+              </a:defRPr>
+            </a:lvl3pPr>
+            <a:lvl4pPr marL="1371600" algn="l" defTabSz="914400" rtl="0" eaLnBrk="1" latinLnBrk="0" hangingPunct="1">
+              <a:defRPr sz="1800" kern="1200">
+                <a:solidFill>
+                  <a:schemeClr val="tx1"/>
+                </a:solidFill>
+                <a:latin typeface="+mn-lt"/>
+                <a:ea typeface="+mn-ea"/>
+                <a:cs typeface="+mn-cs"/>
+              </a:defRPr>
+            </a:lvl4pPr>
+            <a:lvl5pPr marL="1828800" algn="l" defTabSz="914400" rtl="0" eaLnBrk="1" latinLnBrk="0" hangingPunct="1">
+              <a:defRPr sz="1800" kern="1200">
+                <a:solidFill>
+                  <a:schemeClr val="tx1"/>
+                </a:solidFill>
+                <a:latin typeface="+mn-lt"/>
+                <a:ea typeface="+mn-ea"/>
+                <a:cs typeface="+mn-cs"/>
+              </a:defRPr>
+            </a:lvl5pPr>
+            <a:lvl6pPr marL="2286000" algn="l" defTabSz="914400" rtl="0" eaLnBrk="1" latinLnBrk="0" hangingPunct="1">
+              <a:defRPr sz="1800" kern="1200">
+                <a:solidFill>
+                  <a:schemeClr val="tx1"/>
+                </a:solidFill>
+                <a:latin typeface="+mn-lt"/>
+                <a:ea typeface="+mn-ea"/>
+                <a:cs typeface="+mn-cs"/>
+              </a:defRPr>
+            </a:lvl6pPr>
+            <a:lvl7pPr marL="2743200" algn="l" defTabSz="914400" rtl="0" eaLnBrk="1" latinLnBrk="0" hangingPunct="1">
+              <a:defRPr sz="1800" kern="1200">
+                <a:solidFill>
+                  <a:schemeClr val="tx1"/>
+                </a:solidFill>
+                <a:latin typeface="+mn-lt"/>
+                <a:ea typeface="+mn-ea"/>
+                <a:cs typeface="+mn-cs"/>
+              </a:defRPr>
+            </a:lvl7pPr>
+            <a:lvl8pPr marL="3200400" algn="l" defTabSz="914400" rtl="0" eaLnBrk="1" latinLnBrk="0" hangingPunct="1">
+              <a:defRPr sz="1800" kern="1200">
+                <a:solidFill>
+                  <a:schemeClr val="tx1"/>
+                </a:solidFill>
+                <a:latin typeface="+mn-lt"/>
+                <a:ea typeface="+mn-ea"/>
+                <a:cs typeface="+mn-cs"/>
+              </a:defRPr>
+            </a:lvl8pPr>
+            <a:lvl9pPr marL="3657600" algn="l" defTabSz="914400" rtl="0" eaLnBrk="1" latinLnBrk="0" hangingPunct="1">
+              <a:defRPr sz="1800" kern="1200">
+                <a:solidFill>
+                  <a:schemeClr val="tx1"/>
+                </a:solidFill>
+                <a:latin typeface="+mn-lt"/>
+                <a:ea typeface="+mn-ea"/>
+                <a:cs typeface="+mn-cs"/>
+              </a:defRPr>
+            </a:lvl9pPr>
+          </a:lstStyle>
+          <a:p>
+            <a:pPr algn="ctr"/>
+            <a:r>
+              <a:rPr lang="zh-CN" altLang="en-US" sz="2800" dirty="0">
+                <a:solidFill>
+                  <a:srgbClr val="425166"/>
+                </a:solidFill>
+                <a:latin typeface="思源黑体 CN Normal" panose="020B0400000000000000" pitchFamily="34" charset="-122"/>
+                <a:ea typeface="思源黑体 CN Normal" panose="020B0400000000000000" pitchFamily="34" charset="-122"/>
+                <a:sym typeface="思源黑体 CN Normal" panose="020B0400000000000000" pitchFamily="34" charset="-122"/>
+              </a:rPr>
+              <a:t>数据详情分析</a:t>
+            </a:r>
+          </a:p>
+        </p:txBody>
+      </p:sp>
+      <p:sp>
+        <p:nvSpPr>
+          <p:cNvPr id="5" name="矩形 4">
+            <a:extLst>
+              <a:ext uri="{FF2B5EF4-FFF2-40B4-BE49-F238E27FC236}">
+                <a16:creationId xmlns:a16="http://schemas.microsoft.com/office/drawing/2014/main" id="{053F7B5E-8A01-2DB1-FFEC-5694CC25643E}"/>
+              </a:ext>
+            </a:extLst>
+          </p:cNvPr>
+          <p:cNvSpPr/>
+          <p:nvPr/>
+        </p:nvSpPr>
+        <p:spPr>
+          <a:xfrm>
+            <a:off x="0" y="343632"/>
+            <a:ext cx="1244600" cy="426835"/>
+          </a:xfrm>
+          <a:prstGeom prst="rect">
+            <a:avLst/>
+          </a:prstGeom>
+          <a:solidFill>
+            <a:schemeClr val="accent1">
+              <a:lumMod val="50000"/>
+            </a:schemeClr>
+          </a:solidFill>
+        </p:spPr>
+        <p:style>
+          <a:lnRef idx="2">
+            <a:schemeClr val="accent1">
+              <a:shade val="15000"/>
+            </a:schemeClr>
+          </a:lnRef>
+          <a:fillRef idx="1">
+            <a:schemeClr val="accent1"/>
+          </a:fillRef>
+          <a:effectRef idx="0">
+            <a:schemeClr val="accent1"/>
+          </a:effectRef>
+          <a:fontRef idx="minor">
+            <a:schemeClr val="lt1"/>
+          </a:fontRef>
+        </p:style>
+        <p:txBody>
+          <a:bodyPr rtlCol="0" anchor="ctr"/>
+          <a:lstStyle/>
+          <a:p>
+            <a:pPr algn="ctr"/>
+            <a:endParaRPr lang="zh-CN" altLang="en-US"/>
+          </a:p>
+        </p:txBody>
+      </p:sp>
+      <p:sp>
+        <p:nvSpPr>
+          <p:cNvPr id="6" name="文本框 5">
+            <a:extLst>
+              <a:ext uri="{FF2B5EF4-FFF2-40B4-BE49-F238E27FC236}">
+                <a16:creationId xmlns:a16="http://schemas.microsoft.com/office/drawing/2014/main" id="{A261E224-1BF3-2469-EF5C-7E3DBE744504}"/>
+              </a:ext>
+            </a:extLst>
+          </p:cNvPr>
+          <p:cNvSpPr txBox="1"/>
+          <p:nvPr/>
+        </p:nvSpPr>
+        <p:spPr>
+          <a:xfrm>
+            <a:off x="69850" y="370357"/>
+            <a:ext cx="1104900" cy="400110"/>
+          </a:xfrm>
+          <a:prstGeom prst="rect">
+            <a:avLst/>
+          </a:prstGeom>
+          <a:noFill/>
+        </p:spPr>
+        <p:txBody>
+          <a:bodyPr wrap="square" rtlCol="0">
+            <a:spAutoFit/>
+          </a:bodyPr>
+          <a:lstStyle/>
+          <a:p>
+            <a:r>
+              <a:rPr lang="en-US" altLang="zh-CN" sz="2000" dirty="0">
+                <a:solidFill>
+                  <a:schemeClr val="bg1">
+                    <a:lumMod val="95000"/>
+                  </a:schemeClr>
+                </a:solidFill>
+                <a:latin typeface="思源黑体 CN Bold" panose="020B0800000000000000" pitchFamily="34" charset="-122"/>
+                <a:ea typeface="思源黑体 CN Bold" panose="020B0800000000000000" pitchFamily="34" charset="-122"/>
+              </a:rPr>
+              <a:t>PART 1</a:t>
+            </a:r>
+            <a:endParaRPr lang="zh-CN" altLang="en-US" sz="2000" dirty="0">
+              <a:solidFill>
+                <a:schemeClr val="bg1">
+                  <a:lumMod val="95000"/>
+                </a:schemeClr>
+              </a:solidFill>
+              <a:latin typeface="思源黑体 CN Bold" panose="020B0800000000000000" pitchFamily="34" charset="-122"/>
+              <a:ea typeface="思源黑体 CN Bold" panose="020B0800000000000000" pitchFamily="34" charset="-122"/>
+            </a:endParaRPr>
+          </a:p>
+        </p:txBody>
+      </p:sp>
+      <p:sp>
+        <p:nvSpPr>
+          <p:cNvPr id="11" name="文本框 10">
+            <a:extLst>
+              <a:ext uri="{FF2B5EF4-FFF2-40B4-BE49-F238E27FC236}">
+                <a16:creationId xmlns:a16="http://schemas.microsoft.com/office/drawing/2014/main" id="{01650D44-9B30-7EF8-35A3-26313CBE1DCC}"/>
+              </a:ext>
+            </a:extLst>
+          </p:cNvPr>
+          <p:cNvSpPr txBox="1"/>
+          <p:nvPr/>
+        </p:nvSpPr>
+        <p:spPr>
+          <a:xfrm>
+            <a:off x="6751307" y="1485695"/>
+            <a:ext cx="2084246" cy="461665"/>
+          </a:xfrm>
+          <a:prstGeom prst="rect">
+            <a:avLst/>
+          </a:prstGeom>
+          <a:noFill/>
+        </p:spPr>
+        <p:txBody>
+          <a:bodyPr wrap="square" rtlCol="0">
+            <a:spAutoFit/>
+          </a:bodyPr>
+          <a:lstStyle/>
+          <a:p>
+            <a:r>
+              <a:rPr lang="zh-CN" altLang="en-US" sz="2400" dirty="0">
+                <a:solidFill>
+                  <a:schemeClr val="tx2">
+                    <a:lumMod val="75000"/>
+                  </a:schemeClr>
+                </a:solidFill>
+                <a:latin typeface="思源黑体 CN Bold" panose="020B0800000000000000" pitchFamily="34" charset="-122"/>
+                <a:ea typeface="思源黑体 CN Bold" panose="020B0800000000000000" pitchFamily="34" charset="-122"/>
+              </a:rPr>
+              <a:t>年度</a:t>
+            </a:r>
+            <a:r>
+              <a:rPr lang="zh-CN" altLang="en-US" sz="2400" dirty="0">
+                <a:solidFill>
+                  <a:srgbClr val="FFC000"/>
+                </a:solidFill>
+                <a:latin typeface="思源黑体 CN Bold" panose="020B0800000000000000" pitchFamily="34" charset="-122"/>
+                <a:ea typeface="思源黑体 CN Bold" panose="020B0800000000000000" pitchFamily="34" charset="-122"/>
+              </a:rPr>
+              <a:t>数据分析</a:t>
+            </a:r>
+          </a:p>
+        </p:txBody>
+      </p:sp>
+      <p:cxnSp>
+        <p:nvCxnSpPr>
+          <p:cNvPr id="30" name="直接连接符 29">
+            <a:extLst>
+              <a:ext uri="{FF2B5EF4-FFF2-40B4-BE49-F238E27FC236}">
+                <a16:creationId xmlns:a16="http://schemas.microsoft.com/office/drawing/2014/main" id="{94ED62CC-193B-E12E-1FF6-A211731A949A}"/>
+              </a:ext>
+            </a:extLst>
+          </p:cNvPr>
+          <p:cNvCxnSpPr>
+            <a:cxnSpLocks/>
+          </p:cNvCxnSpPr>
+          <p:nvPr/>
+        </p:nvCxnSpPr>
+        <p:spPr>
+          <a:xfrm>
+            <a:off x="6808060" y="1344954"/>
+            <a:ext cx="1870273" cy="0"/>
+          </a:xfrm>
+          <a:prstGeom prst="line">
+            <a:avLst/>
+          </a:prstGeom>
+          <a:ln w="79375">
+            <a:solidFill>
+              <a:srgbClr val="4D6083"/>
+            </a:solidFill>
+          </a:ln>
+        </p:spPr>
+        <p:style>
+          <a:lnRef idx="1">
+            <a:schemeClr val="accent1"/>
+          </a:lnRef>
+          <a:fillRef idx="0">
+            <a:schemeClr val="accent1"/>
+          </a:fillRef>
+          <a:effectRef idx="0">
+            <a:schemeClr val="accent1"/>
+          </a:effectRef>
+          <a:fontRef idx="minor">
+            <a:schemeClr val="tx1"/>
+          </a:fontRef>
+        </p:style>
+      </p:cxnSp>
+    </p:spTree>
+    <p:extLst>
+      <p:ext uri="{BB962C8B-B14F-4D97-AF65-F5344CB8AC3E}">
+        <p14:creationId xmlns:p14="http://schemas.microsoft.com/office/powerpoint/2010/main" val="1424487768"/>
+      </p:ext>
+    </p:extLst>
+  </p:cSld>
+  <p:clrMapOvr>
+    <a:masterClrMapping/>
+  </p:clrMapOvr>
+</p:sld>
+</file>
+
+<file path=ppt/slides/slide11.xml><?xml version="1.0" encoding="utf-8"?>
 <p:sld xmlns:a="http://schemas.openxmlformats.org/drawingml/2006/main" xmlns:r="http://schemas.openxmlformats.org/officeDocument/2006/relationships" xmlns:p="http://schemas.openxmlformats.org/presentationml/2006/main">
   <p:cSld>
     <p:spTree>
@@ -9985,6 +10025,1361 @@
           </a:p>
         </p:txBody>
       </p:sp>
+      <p:grpSp>
+        <p:nvGrpSpPr>
+          <p:cNvPr id="2" name="组合 1">
+            <a:extLst>
+              <a:ext uri="{FF2B5EF4-FFF2-40B4-BE49-F238E27FC236}">
+                <a16:creationId xmlns:a16="http://schemas.microsoft.com/office/drawing/2014/main" id="{592F80EE-8F70-BB09-07E1-4341D17D2E91}"/>
+              </a:ext>
+            </a:extLst>
+          </p:cNvPr>
+          <p:cNvGrpSpPr/>
+          <p:nvPr/>
+        </p:nvGrpSpPr>
+        <p:grpSpPr>
+          <a:xfrm rot="10800000">
+            <a:off x="8569325" y="1031964"/>
+            <a:ext cx="804760" cy="206433"/>
+            <a:chOff x="6049119" y="5793914"/>
+            <a:chExt cx="1030620" cy="299295"/>
+          </a:xfrm>
+          <a:gradFill>
+            <a:gsLst>
+              <a:gs pos="0">
+                <a:schemeClr val="accent1">
+                  <a:lumMod val="5000"/>
+                  <a:lumOff val="95000"/>
+                </a:schemeClr>
+              </a:gs>
+              <a:gs pos="33000">
+                <a:schemeClr val="accent1">
+                  <a:lumMod val="45000"/>
+                  <a:lumOff val="55000"/>
+                </a:schemeClr>
+              </a:gs>
+              <a:gs pos="100000">
+                <a:schemeClr val="accent1">
+                  <a:lumMod val="75000"/>
+                </a:schemeClr>
+              </a:gs>
+            </a:gsLst>
+            <a:lin ang="0" scaled="0"/>
+          </a:gradFill>
+        </p:grpSpPr>
+        <p:sp>
+          <p:nvSpPr>
+            <p:cNvPr id="3" name="箭头: V 形 2">
+              <a:extLst>
+                <a:ext uri="{FF2B5EF4-FFF2-40B4-BE49-F238E27FC236}">
+                  <a16:creationId xmlns:a16="http://schemas.microsoft.com/office/drawing/2014/main" id="{B3FDF6AF-E7E2-3AAB-4595-CCCE2F4A4A4F}"/>
+                </a:ext>
+              </a:extLst>
+            </p:cNvPr>
+            <p:cNvSpPr/>
+            <p:nvPr/>
+          </p:nvSpPr>
+          <p:spPr>
+            <a:xfrm>
+              <a:off x="6049119" y="5793914"/>
+              <a:ext cx="258751" cy="299295"/>
+            </a:xfrm>
+            <a:prstGeom prst="chevron">
+              <a:avLst/>
+            </a:prstGeom>
+            <a:grpFill/>
+            <a:ln>
+              <a:noFill/>
+            </a:ln>
+          </p:spPr>
+          <p:style>
+            <a:lnRef idx="2">
+              <a:schemeClr val="accent1">
+                <a:shade val="15000"/>
+              </a:schemeClr>
+            </a:lnRef>
+            <a:fillRef idx="1">
+              <a:schemeClr val="accent1"/>
+            </a:fillRef>
+            <a:effectRef idx="0">
+              <a:schemeClr val="accent1"/>
+            </a:effectRef>
+            <a:fontRef idx="minor">
+              <a:schemeClr val="lt1"/>
+            </a:fontRef>
+          </p:style>
+          <p:txBody>
+            <a:bodyPr rtlCol="0" anchor="ctr"/>
+            <a:lstStyle/>
+            <a:p>
+              <a:pPr algn="ctr"/>
+              <a:endParaRPr lang="zh-CN" altLang="en-US">
+                <a:solidFill>
+                  <a:schemeClr val="accent1">
+                    <a:lumMod val="40000"/>
+                    <a:lumOff val="60000"/>
+                  </a:schemeClr>
+                </a:solidFill>
+              </a:endParaRPr>
+            </a:p>
+          </p:txBody>
+        </p:sp>
+        <p:sp>
+          <p:nvSpPr>
+            <p:cNvPr id="4" name="箭头: V 形 3">
+              <a:extLst>
+                <a:ext uri="{FF2B5EF4-FFF2-40B4-BE49-F238E27FC236}">
+                  <a16:creationId xmlns:a16="http://schemas.microsoft.com/office/drawing/2014/main" id="{6340491A-4EC2-B378-6EF3-23607877F2D5}"/>
+                </a:ext>
+              </a:extLst>
+            </p:cNvPr>
+            <p:cNvSpPr/>
+            <p:nvPr/>
+          </p:nvSpPr>
+          <p:spPr>
+            <a:xfrm>
+              <a:off x="6307869" y="5793914"/>
+              <a:ext cx="258751" cy="299295"/>
+            </a:xfrm>
+            <a:prstGeom prst="chevron">
+              <a:avLst/>
+            </a:prstGeom>
+            <a:grpFill/>
+            <a:ln>
+              <a:noFill/>
+            </a:ln>
+          </p:spPr>
+          <p:style>
+            <a:lnRef idx="2">
+              <a:schemeClr val="accent1">
+                <a:shade val="15000"/>
+              </a:schemeClr>
+            </a:lnRef>
+            <a:fillRef idx="1">
+              <a:schemeClr val="accent1"/>
+            </a:fillRef>
+            <a:effectRef idx="0">
+              <a:schemeClr val="accent1"/>
+            </a:effectRef>
+            <a:fontRef idx="minor">
+              <a:schemeClr val="lt1"/>
+            </a:fontRef>
+          </p:style>
+          <p:txBody>
+            <a:bodyPr rtlCol="0" anchor="ctr"/>
+            <a:lstStyle/>
+            <a:p>
+              <a:pPr algn="ctr"/>
+              <a:endParaRPr lang="zh-CN" altLang="en-US">
+                <a:solidFill>
+                  <a:schemeClr val="accent1">
+                    <a:lumMod val="40000"/>
+                    <a:lumOff val="60000"/>
+                  </a:schemeClr>
+                </a:solidFill>
+              </a:endParaRPr>
+            </a:p>
+          </p:txBody>
+        </p:sp>
+        <p:sp>
+          <p:nvSpPr>
+            <p:cNvPr id="5" name="箭头: V 形 4">
+              <a:extLst>
+                <a:ext uri="{FF2B5EF4-FFF2-40B4-BE49-F238E27FC236}">
+                  <a16:creationId xmlns:a16="http://schemas.microsoft.com/office/drawing/2014/main" id="{A73A91EF-E466-CC54-0729-B9528E8D2DAB}"/>
+                </a:ext>
+              </a:extLst>
+            </p:cNvPr>
+            <p:cNvSpPr/>
+            <p:nvPr/>
+          </p:nvSpPr>
+          <p:spPr>
+            <a:xfrm>
+              <a:off x="6566622" y="5793914"/>
+              <a:ext cx="258751" cy="299295"/>
+            </a:xfrm>
+            <a:prstGeom prst="chevron">
+              <a:avLst/>
+            </a:prstGeom>
+            <a:grpFill/>
+            <a:ln>
+              <a:noFill/>
+            </a:ln>
+          </p:spPr>
+          <p:style>
+            <a:lnRef idx="2">
+              <a:schemeClr val="accent1">
+                <a:shade val="15000"/>
+              </a:schemeClr>
+            </a:lnRef>
+            <a:fillRef idx="1">
+              <a:schemeClr val="accent1"/>
+            </a:fillRef>
+            <a:effectRef idx="0">
+              <a:schemeClr val="accent1"/>
+            </a:effectRef>
+            <a:fontRef idx="minor">
+              <a:schemeClr val="lt1"/>
+            </a:fontRef>
+          </p:style>
+          <p:txBody>
+            <a:bodyPr rtlCol="0" anchor="ctr"/>
+            <a:lstStyle/>
+            <a:p>
+              <a:pPr algn="ctr"/>
+              <a:endParaRPr lang="zh-CN" altLang="en-US">
+                <a:solidFill>
+                  <a:schemeClr val="accent1">
+                    <a:lumMod val="40000"/>
+                    <a:lumOff val="60000"/>
+                  </a:schemeClr>
+                </a:solidFill>
+              </a:endParaRPr>
+            </a:p>
+          </p:txBody>
+        </p:sp>
+        <p:sp>
+          <p:nvSpPr>
+            <p:cNvPr id="6" name="箭头: V 形 5">
+              <a:extLst>
+                <a:ext uri="{FF2B5EF4-FFF2-40B4-BE49-F238E27FC236}">
+                  <a16:creationId xmlns:a16="http://schemas.microsoft.com/office/drawing/2014/main" id="{FDFAB40E-FB73-1418-E479-7F1656B92151}"/>
+                </a:ext>
+              </a:extLst>
+            </p:cNvPr>
+            <p:cNvSpPr/>
+            <p:nvPr/>
+          </p:nvSpPr>
+          <p:spPr>
+            <a:xfrm>
+              <a:off x="6820988" y="5793914"/>
+              <a:ext cx="258751" cy="299295"/>
+            </a:xfrm>
+            <a:prstGeom prst="chevron">
+              <a:avLst/>
+            </a:prstGeom>
+            <a:grpFill/>
+            <a:ln>
+              <a:noFill/>
+            </a:ln>
+          </p:spPr>
+          <p:style>
+            <a:lnRef idx="2">
+              <a:schemeClr val="accent1">
+                <a:shade val="15000"/>
+              </a:schemeClr>
+            </a:lnRef>
+            <a:fillRef idx="1">
+              <a:schemeClr val="accent1"/>
+            </a:fillRef>
+            <a:effectRef idx="0">
+              <a:schemeClr val="accent1"/>
+            </a:effectRef>
+            <a:fontRef idx="minor">
+              <a:schemeClr val="lt1"/>
+            </a:fontRef>
+          </p:style>
+          <p:txBody>
+            <a:bodyPr rtlCol="0" anchor="ctr"/>
+            <a:lstStyle/>
+            <a:p>
+              <a:pPr algn="ctr"/>
+              <a:endParaRPr lang="zh-CN" altLang="en-US">
+                <a:solidFill>
+                  <a:schemeClr val="accent1">
+                    <a:lumMod val="40000"/>
+                    <a:lumOff val="60000"/>
+                  </a:schemeClr>
+                </a:solidFill>
+              </a:endParaRPr>
+            </a:p>
+          </p:txBody>
+        </p:sp>
+      </p:grpSp>
+      <p:grpSp>
+        <p:nvGrpSpPr>
+          <p:cNvPr id="18" name="组合 17">
+            <a:extLst>
+              <a:ext uri="{FF2B5EF4-FFF2-40B4-BE49-F238E27FC236}">
+                <a16:creationId xmlns:a16="http://schemas.microsoft.com/office/drawing/2014/main" id="{BA2F42ED-9C18-95BF-36AE-59CE9334CF08}"/>
+              </a:ext>
+            </a:extLst>
+          </p:cNvPr>
+          <p:cNvGrpSpPr/>
+          <p:nvPr/>
+        </p:nvGrpSpPr>
+        <p:grpSpPr>
+          <a:xfrm rot="10800000">
+            <a:off x="9578760" y="1638272"/>
+            <a:ext cx="804760" cy="206433"/>
+            <a:chOff x="6049119" y="5793914"/>
+            <a:chExt cx="1030620" cy="299295"/>
+          </a:xfrm>
+          <a:gradFill>
+            <a:gsLst>
+              <a:gs pos="0">
+                <a:schemeClr val="accent1">
+                  <a:lumMod val="5000"/>
+                  <a:lumOff val="95000"/>
+                </a:schemeClr>
+              </a:gs>
+              <a:gs pos="33000">
+                <a:schemeClr val="accent1">
+                  <a:lumMod val="45000"/>
+                  <a:lumOff val="55000"/>
+                </a:schemeClr>
+              </a:gs>
+              <a:gs pos="100000">
+                <a:schemeClr val="accent1">
+                  <a:lumMod val="75000"/>
+                </a:schemeClr>
+              </a:gs>
+            </a:gsLst>
+            <a:lin ang="0" scaled="0"/>
+          </a:gradFill>
+        </p:grpSpPr>
+        <p:sp>
+          <p:nvSpPr>
+            <p:cNvPr id="19" name="箭头: V 形 18">
+              <a:extLst>
+                <a:ext uri="{FF2B5EF4-FFF2-40B4-BE49-F238E27FC236}">
+                  <a16:creationId xmlns:a16="http://schemas.microsoft.com/office/drawing/2014/main" id="{1AC2D146-191F-12F4-1D6F-8D8DB1E46DEE}"/>
+                </a:ext>
+              </a:extLst>
+            </p:cNvPr>
+            <p:cNvSpPr/>
+            <p:nvPr/>
+          </p:nvSpPr>
+          <p:spPr>
+            <a:xfrm>
+              <a:off x="6049119" y="5793914"/>
+              <a:ext cx="258751" cy="299295"/>
+            </a:xfrm>
+            <a:prstGeom prst="chevron">
+              <a:avLst/>
+            </a:prstGeom>
+            <a:grpFill/>
+            <a:ln>
+              <a:noFill/>
+            </a:ln>
+          </p:spPr>
+          <p:style>
+            <a:lnRef idx="2">
+              <a:schemeClr val="accent1">
+                <a:shade val="15000"/>
+              </a:schemeClr>
+            </a:lnRef>
+            <a:fillRef idx="1">
+              <a:schemeClr val="accent1"/>
+            </a:fillRef>
+            <a:effectRef idx="0">
+              <a:schemeClr val="accent1"/>
+            </a:effectRef>
+            <a:fontRef idx="minor">
+              <a:schemeClr val="lt1"/>
+            </a:fontRef>
+          </p:style>
+          <p:txBody>
+            <a:bodyPr rtlCol="0" anchor="ctr"/>
+            <a:lstStyle/>
+            <a:p>
+              <a:pPr algn="ctr"/>
+              <a:endParaRPr lang="zh-CN" altLang="en-US">
+                <a:solidFill>
+                  <a:schemeClr val="accent1">
+                    <a:lumMod val="40000"/>
+                    <a:lumOff val="60000"/>
+                  </a:schemeClr>
+                </a:solidFill>
+              </a:endParaRPr>
+            </a:p>
+          </p:txBody>
+        </p:sp>
+        <p:sp>
+          <p:nvSpPr>
+            <p:cNvPr id="20" name="箭头: V 形 19">
+              <a:extLst>
+                <a:ext uri="{FF2B5EF4-FFF2-40B4-BE49-F238E27FC236}">
+                  <a16:creationId xmlns:a16="http://schemas.microsoft.com/office/drawing/2014/main" id="{84E0452B-2F45-4BF1-E700-09B9BBD4B290}"/>
+                </a:ext>
+              </a:extLst>
+            </p:cNvPr>
+            <p:cNvSpPr/>
+            <p:nvPr/>
+          </p:nvSpPr>
+          <p:spPr>
+            <a:xfrm>
+              <a:off x="6307869" y="5793914"/>
+              <a:ext cx="258751" cy="299295"/>
+            </a:xfrm>
+            <a:prstGeom prst="chevron">
+              <a:avLst/>
+            </a:prstGeom>
+            <a:grpFill/>
+            <a:ln>
+              <a:noFill/>
+            </a:ln>
+          </p:spPr>
+          <p:style>
+            <a:lnRef idx="2">
+              <a:schemeClr val="accent1">
+                <a:shade val="15000"/>
+              </a:schemeClr>
+            </a:lnRef>
+            <a:fillRef idx="1">
+              <a:schemeClr val="accent1"/>
+            </a:fillRef>
+            <a:effectRef idx="0">
+              <a:schemeClr val="accent1"/>
+            </a:effectRef>
+            <a:fontRef idx="minor">
+              <a:schemeClr val="lt1"/>
+            </a:fontRef>
+          </p:style>
+          <p:txBody>
+            <a:bodyPr rtlCol="0" anchor="ctr"/>
+            <a:lstStyle/>
+            <a:p>
+              <a:pPr algn="ctr"/>
+              <a:endParaRPr lang="zh-CN" altLang="en-US">
+                <a:solidFill>
+                  <a:schemeClr val="accent1">
+                    <a:lumMod val="40000"/>
+                    <a:lumOff val="60000"/>
+                  </a:schemeClr>
+                </a:solidFill>
+              </a:endParaRPr>
+            </a:p>
+          </p:txBody>
+        </p:sp>
+        <p:sp>
+          <p:nvSpPr>
+            <p:cNvPr id="21" name="箭头: V 形 20">
+              <a:extLst>
+                <a:ext uri="{FF2B5EF4-FFF2-40B4-BE49-F238E27FC236}">
+                  <a16:creationId xmlns:a16="http://schemas.microsoft.com/office/drawing/2014/main" id="{EBB417A3-D309-1034-054F-6CAD5BF3E2D5}"/>
+                </a:ext>
+              </a:extLst>
+            </p:cNvPr>
+            <p:cNvSpPr/>
+            <p:nvPr/>
+          </p:nvSpPr>
+          <p:spPr>
+            <a:xfrm>
+              <a:off x="6566622" y="5793914"/>
+              <a:ext cx="258751" cy="299295"/>
+            </a:xfrm>
+            <a:prstGeom prst="chevron">
+              <a:avLst/>
+            </a:prstGeom>
+            <a:grpFill/>
+            <a:ln>
+              <a:noFill/>
+            </a:ln>
+          </p:spPr>
+          <p:style>
+            <a:lnRef idx="2">
+              <a:schemeClr val="accent1">
+                <a:shade val="15000"/>
+              </a:schemeClr>
+            </a:lnRef>
+            <a:fillRef idx="1">
+              <a:schemeClr val="accent1"/>
+            </a:fillRef>
+            <a:effectRef idx="0">
+              <a:schemeClr val="accent1"/>
+            </a:effectRef>
+            <a:fontRef idx="minor">
+              <a:schemeClr val="lt1"/>
+            </a:fontRef>
+          </p:style>
+          <p:txBody>
+            <a:bodyPr rtlCol="0" anchor="ctr"/>
+            <a:lstStyle/>
+            <a:p>
+              <a:pPr algn="ctr"/>
+              <a:endParaRPr lang="zh-CN" altLang="en-US">
+                <a:solidFill>
+                  <a:schemeClr val="accent1">
+                    <a:lumMod val="40000"/>
+                    <a:lumOff val="60000"/>
+                  </a:schemeClr>
+                </a:solidFill>
+              </a:endParaRPr>
+            </a:p>
+          </p:txBody>
+        </p:sp>
+        <p:sp>
+          <p:nvSpPr>
+            <p:cNvPr id="22" name="箭头: V 形 21">
+              <a:extLst>
+                <a:ext uri="{FF2B5EF4-FFF2-40B4-BE49-F238E27FC236}">
+                  <a16:creationId xmlns:a16="http://schemas.microsoft.com/office/drawing/2014/main" id="{9FD1E2C7-4226-E175-67C8-DBABABCD75C4}"/>
+                </a:ext>
+              </a:extLst>
+            </p:cNvPr>
+            <p:cNvSpPr/>
+            <p:nvPr/>
+          </p:nvSpPr>
+          <p:spPr>
+            <a:xfrm>
+              <a:off x="6820988" y="5793914"/>
+              <a:ext cx="258751" cy="299295"/>
+            </a:xfrm>
+            <a:prstGeom prst="chevron">
+              <a:avLst/>
+            </a:prstGeom>
+            <a:grpFill/>
+            <a:ln>
+              <a:noFill/>
+            </a:ln>
+          </p:spPr>
+          <p:style>
+            <a:lnRef idx="2">
+              <a:schemeClr val="accent1">
+                <a:shade val="15000"/>
+              </a:schemeClr>
+            </a:lnRef>
+            <a:fillRef idx="1">
+              <a:schemeClr val="accent1"/>
+            </a:fillRef>
+            <a:effectRef idx="0">
+              <a:schemeClr val="accent1"/>
+            </a:effectRef>
+            <a:fontRef idx="minor">
+              <a:schemeClr val="lt1"/>
+            </a:fontRef>
+          </p:style>
+          <p:txBody>
+            <a:bodyPr rtlCol="0" anchor="ctr"/>
+            <a:lstStyle/>
+            <a:p>
+              <a:pPr algn="ctr"/>
+              <a:endParaRPr lang="zh-CN" altLang="en-US">
+                <a:solidFill>
+                  <a:schemeClr val="accent1">
+                    <a:lumMod val="40000"/>
+                    <a:lumOff val="60000"/>
+                  </a:schemeClr>
+                </a:solidFill>
+              </a:endParaRPr>
+            </a:p>
+          </p:txBody>
+        </p:sp>
+      </p:grpSp>
+      <p:grpSp>
+        <p:nvGrpSpPr>
+          <p:cNvPr id="23" name="组合 22">
+            <a:extLst>
+              <a:ext uri="{FF2B5EF4-FFF2-40B4-BE49-F238E27FC236}">
+                <a16:creationId xmlns:a16="http://schemas.microsoft.com/office/drawing/2014/main" id="{18CBF9A0-DB69-B2EA-5270-057DE6A7C865}"/>
+              </a:ext>
+            </a:extLst>
+          </p:cNvPr>
+          <p:cNvGrpSpPr/>
+          <p:nvPr/>
+        </p:nvGrpSpPr>
+        <p:grpSpPr>
+          <a:xfrm rot="10800000">
+            <a:off x="10308482" y="2306986"/>
+            <a:ext cx="804760" cy="206433"/>
+            <a:chOff x="6049119" y="5793914"/>
+            <a:chExt cx="1030620" cy="299295"/>
+          </a:xfrm>
+          <a:gradFill>
+            <a:gsLst>
+              <a:gs pos="0">
+                <a:schemeClr val="accent1">
+                  <a:lumMod val="5000"/>
+                  <a:lumOff val="95000"/>
+                </a:schemeClr>
+              </a:gs>
+              <a:gs pos="33000">
+                <a:schemeClr val="accent1">
+                  <a:lumMod val="45000"/>
+                  <a:lumOff val="55000"/>
+                </a:schemeClr>
+              </a:gs>
+              <a:gs pos="100000">
+                <a:schemeClr val="accent1">
+                  <a:lumMod val="75000"/>
+                </a:schemeClr>
+              </a:gs>
+            </a:gsLst>
+            <a:lin ang="0" scaled="0"/>
+          </a:gradFill>
+        </p:grpSpPr>
+        <p:sp>
+          <p:nvSpPr>
+            <p:cNvPr id="24" name="箭头: V 形 23">
+              <a:extLst>
+                <a:ext uri="{FF2B5EF4-FFF2-40B4-BE49-F238E27FC236}">
+                  <a16:creationId xmlns:a16="http://schemas.microsoft.com/office/drawing/2014/main" id="{24DA6FFB-63DD-5EF4-E5F8-E1D5671F5A6B}"/>
+                </a:ext>
+              </a:extLst>
+            </p:cNvPr>
+            <p:cNvSpPr/>
+            <p:nvPr/>
+          </p:nvSpPr>
+          <p:spPr>
+            <a:xfrm>
+              <a:off x="6049119" y="5793914"/>
+              <a:ext cx="258751" cy="299295"/>
+            </a:xfrm>
+            <a:prstGeom prst="chevron">
+              <a:avLst/>
+            </a:prstGeom>
+            <a:grpFill/>
+            <a:ln>
+              <a:noFill/>
+            </a:ln>
+          </p:spPr>
+          <p:style>
+            <a:lnRef idx="2">
+              <a:schemeClr val="accent1">
+                <a:shade val="15000"/>
+              </a:schemeClr>
+            </a:lnRef>
+            <a:fillRef idx="1">
+              <a:schemeClr val="accent1"/>
+            </a:fillRef>
+            <a:effectRef idx="0">
+              <a:schemeClr val="accent1"/>
+            </a:effectRef>
+            <a:fontRef idx="minor">
+              <a:schemeClr val="lt1"/>
+            </a:fontRef>
+          </p:style>
+          <p:txBody>
+            <a:bodyPr rtlCol="0" anchor="ctr"/>
+            <a:lstStyle/>
+            <a:p>
+              <a:pPr algn="ctr"/>
+              <a:endParaRPr lang="zh-CN" altLang="en-US">
+                <a:solidFill>
+                  <a:schemeClr val="accent1">
+                    <a:lumMod val="40000"/>
+                    <a:lumOff val="60000"/>
+                  </a:schemeClr>
+                </a:solidFill>
+              </a:endParaRPr>
+            </a:p>
+          </p:txBody>
+        </p:sp>
+        <p:sp>
+          <p:nvSpPr>
+            <p:cNvPr id="25" name="箭头: V 形 24">
+              <a:extLst>
+                <a:ext uri="{FF2B5EF4-FFF2-40B4-BE49-F238E27FC236}">
+                  <a16:creationId xmlns:a16="http://schemas.microsoft.com/office/drawing/2014/main" id="{1CEA1311-3051-01D5-7C40-52439F15C520}"/>
+                </a:ext>
+              </a:extLst>
+            </p:cNvPr>
+            <p:cNvSpPr/>
+            <p:nvPr/>
+          </p:nvSpPr>
+          <p:spPr>
+            <a:xfrm>
+              <a:off x="6307869" y="5793914"/>
+              <a:ext cx="258751" cy="299295"/>
+            </a:xfrm>
+            <a:prstGeom prst="chevron">
+              <a:avLst/>
+            </a:prstGeom>
+            <a:grpFill/>
+            <a:ln>
+              <a:noFill/>
+            </a:ln>
+          </p:spPr>
+          <p:style>
+            <a:lnRef idx="2">
+              <a:schemeClr val="accent1">
+                <a:shade val="15000"/>
+              </a:schemeClr>
+            </a:lnRef>
+            <a:fillRef idx="1">
+              <a:schemeClr val="accent1"/>
+            </a:fillRef>
+            <a:effectRef idx="0">
+              <a:schemeClr val="accent1"/>
+            </a:effectRef>
+            <a:fontRef idx="minor">
+              <a:schemeClr val="lt1"/>
+            </a:fontRef>
+          </p:style>
+          <p:txBody>
+            <a:bodyPr rtlCol="0" anchor="ctr"/>
+            <a:lstStyle/>
+            <a:p>
+              <a:pPr algn="ctr"/>
+              <a:endParaRPr lang="zh-CN" altLang="en-US">
+                <a:solidFill>
+                  <a:schemeClr val="accent1">
+                    <a:lumMod val="40000"/>
+                    <a:lumOff val="60000"/>
+                  </a:schemeClr>
+                </a:solidFill>
+              </a:endParaRPr>
+            </a:p>
+          </p:txBody>
+        </p:sp>
+        <p:sp>
+          <p:nvSpPr>
+            <p:cNvPr id="26" name="箭头: V 形 25">
+              <a:extLst>
+                <a:ext uri="{FF2B5EF4-FFF2-40B4-BE49-F238E27FC236}">
+                  <a16:creationId xmlns:a16="http://schemas.microsoft.com/office/drawing/2014/main" id="{497E5A72-48D1-D6B9-4105-9F8FBBB21CE0}"/>
+                </a:ext>
+              </a:extLst>
+            </p:cNvPr>
+            <p:cNvSpPr/>
+            <p:nvPr/>
+          </p:nvSpPr>
+          <p:spPr>
+            <a:xfrm>
+              <a:off x="6566622" y="5793914"/>
+              <a:ext cx="258751" cy="299295"/>
+            </a:xfrm>
+            <a:prstGeom prst="chevron">
+              <a:avLst/>
+            </a:prstGeom>
+            <a:grpFill/>
+            <a:ln>
+              <a:noFill/>
+            </a:ln>
+          </p:spPr>
+          <p:style>
+            <a:lnRef idx="2">
+              <a:schemeClr val="accent1">
+                <a:shade val="15000"/>
+              </a:schemeClr>
+            </a:lnRef>
+            <a:fillRef idx="1">
+              <a:schemeClr val="accent1"/>
+            </a:fillRef>
+            <a:effectRef idx="0">
+              <a:schemeClr val="accent1"/>
+            </a:effectRef>
+            <a:fontRef idx="minor">
+              <a:schemeClr val="lt1"/>
+            </a:fontRef>
+          </p:style>
+          <p:txBody>
+            <a:bodyPr rtlCol="0" anchor="ctr"/>
+            <a:lstStyle/>
+            <a:p>
+              <a:pPr algn="ctr"/>
+              <a:endParaRPr lang="zh-CN" altLang="en-US">
+                <a:solidFill>
+                  <a:schemeClr val="accent1">
+                    <a:lumMod val="40000"/>
+                    <a:lumOff val="60000"/>
+                  </a:schemeClr>
+                </a:solidFill>
+              </a:endParaRPr>
+            </a:p>
+          </p:txBody>
+        </p:sp>
+        <p:sp>
+          <p:nvSpPr>
+            <p:cNvPr id="27" name="箭头: V 形 26">
+              <a:extLst>
+                <a:ext uri="{FF2B5EF4-FFF2-40B4-BE49-F238E27FC236}">
+                  <a16:creationId xmlns:a16="http://schemas.microsoft.com/office/drawing/2014/main" id="{8FC6BD4D-8E53-EC17-1665-E8213924F00E}"/>
+                </a:ext>
+              </a:extLst>
+            </p:cNvPr>
+            <p:cNvSpPr/>
+            <p:nvPr/>
+          </p:nvSpPr>
+          <p:spPr>
+            <a:xfrm>
+              <a:off x="6820988" y="5793914"/>
+              <a:ext cx="258751" cy="299295"/>
+            </a:xfrm>
+            <a:prstGeom prst="chevron">
+              <a:avLst/>
+            </a:prstGeom>
+            <a:grpFill/>
+            <a:ln>
+              <a:noFill/>
+            </a:ln>
+          </p:spPr>
+          <p:style>
+            <a:lnRef idx="2">
+              <a:schemeClr val="accent1">
+                <a:shade val="15000"/>
+              </a:schemeClr>
+            </a:lnRef>
+            <a:fillRef idx="1">
+              <a:schemeClr val="accent1"/>
+            </a:fillRef>
+            <a:effectRef idx="0">
+              <a:schemeClr val="accent1"/>
+            </a:effectRef>
+            <a:fontRef idx="minor">
+              <a:schemeClr val="lt1"/>
+            </a:fontRef>
+          </p:style>
+          <p:txBody>
+            <a:bodyPr rtlCol="0" anchor="ctr"/>
+            <a:lstStyle/>
+            <a:p>
+              <a:pPr algn="ctr"/>
+              <a:endParaRPr lang="zh-CN" altLang="en-US">
+                <a:solidFill>
+                  <a:schemeClr val="accent1">
+                    <a:lumMod val="40000"/>
+                    <a:lumOff val="60000"/>
+                  </a:schemeClr>
+                </a:solidFill>
+              </a:endParaRPr>
+            </a:p>
+          </p:txBody>
+        </p:sp>
+      </p:grpSp>
+      <p:grpSp>
+        <p:nvGrpSpPr>
+          <p:cNvPr id="28" name="组合 27">
+            <a:extLst>
+              <a:ext uri="{FF2B5EF4-FFF2-40B4-BE49-F238E27FC236}">
+                <a16:creationId xmlns:a16="http://schemas.microsoft.com/office/drawing/2014/main" id="{3A6045B9-725C-BFD2-A6AD-46881CC9AF9B}"/>
+              </a:ext>
+            </a:extLst>
+          </p:cNvPr>
+          <p:cNvGrpSpPr/>
+          <p:nvPr/>
+        </p:nvGrpSpPr>
+        <p:grpSpPr>
+          <a:xfrm rot="10800000">
+            <a:off x="10343570" y="1041785"/>
+            <a:ext cx="804760" cy="206433"/>
+            <a:chOff x="6049119" y="5793914"/>
+            <a:chExt cx="1030620" cy="299295"/>
+          </a:xfrm>
+          <a:gradFill>
+            <a:gsLst>
+              <a:gs pos="0">
+                <a:schemeClr val="accent1">
+                  <a:lumMod val="5000"/>
+                  <a:lumOff val="95000"/>
+                </a:schemeClr>
+              </a:gs>
+              <a:gs pos="33000">
+                <a:schemeClr val="accent1">
+                  <a:lumMod val="45000"/>
+                  <a:lumOff val="55000"/>
+                </a:schemeClr>
+              </a:gs>
+              <a:gs pos="100000">
+                <a:schemeClr val="accent1">
+                  <a:lumMod val="75000"/>
+                </a:schemeClr>
+              </a:gs>
+            </a:gsLst>
+            <a:lin ang="0" scaled="0"/>
+          </a:gradFill>
+        </p:grpSpPr>
+        <p:sp>
+          <p:nvSpPr>
+            <p:cNvPr id="29" name="箭头: V 形 28">
+              <a:extLst>
+                <a:ext uri="{FF2B5EF4-FFF2-40B4-BE49-F238E27FC236}">
+                  <a16:creationId xmlns:a16="http://schemas.microsoft.com/office/drawing/2014/main" id="{D8D6D077-35C4-FA98-82C0-94A0A594C91F}"/>
+                </a:ext>
+              </a:extLst>
+            </p:cNvPr>
+            <p:cNvSpPr/>
+            <p:nvPr/>
+          </p:nvSpPr>
+          <p:spPr>
+            <a:xfrm>
+              <a:off x="6049119" y="5793914"/>
+              <a:ext cx="258751" cy="299295"/>
+            </a:xfrm>
+            <a:prstGeom prst="chevron">
+              <a:avLst/>
+            </a:prstGeom>
+            <a:grpFill/>
+            <a:ln>
+              <a:noFill/>
+            </a:ln>
+          </p:spPr>
+          <p:style>
+            <a:lnRef idx="2">
+              <a:schemeClr val="accent1">
+                <a:shade val="15000"/>
+              </a:schemeClr>
+            </a:lnRef>
+            <a:fillRef idx="1">
+              <a:schemeClr val="accent1"/>
+            </a:fillRef>
+            <a:effectRef idx="0">
+              <a:schemeClr val="accent1"/>
+            </a:effectRef>
+            <a:fontRef idx="minor">
+              <a:schemeClr val="lt1"/>
+            </a:fontRef>
+          </p:style>
+          <p:txBody>
+            <a:bodyPr rtlCol="0" anchor="ctr"/>
+            <a:lstStyle/>
+            <a:p>
+              <a:pPr algn="ctr"/>
+              <a:endParaRPr lang="zh-CN" altLang="en-US">
+                <a:solidFill>
+                  <a:schemeClr val="accent1">
+                    <a:lumMod val="40000"/>
+                    <a:lumOff val="60000"/>
+                  </a:schemeClr>
+                </a:solidFill>
+              </a:endParaRPr>
+            </a:p>
+          </p:txBody>
+        </p:sp>
+        <p:sp>
+          <p:nvSpPr>
+            <p:cNvPr id="30" name="箭头: V 形 29">
+              <a:extLst>
+                <a:ext uri="{FF2B5EF4-FFF2-40B4-BE49-F238E27FC236}">
+                  <a16:creationId xmlns:a16="http://schemas.microsoft.com/office/drawing/2014/main" id="{4F7E1780-D865-F3DC-9C1C-E60ADB77D1BE}"/>
+                </a:ext>
+              </a:extLst>
+            </p:cNvPr>
+            <p:cNvSpPr/>
+            <p:nvPr/>
+          </p:nvSpPr>
+          <p:spPr>
+            <a:xfrm>
+              <a:off x="6307869" y="5793914"/>
+              <a:ext cx="258751" cy="299295"/>
+            </a:xfrm>
+            <a:prstGeom prst="chevron">
+              <a:avLst/>
+            </a:prstGeom>
+            <a:grpFill/>
+            <a:ln>
+              <a:noFill/>
+            </a:ln>
+          </p:spPr>
+          <p:style>
+            <a:lnRef idx="2">
+              <a:schemeClr val="accent1">
+                <a:shade val="15000"/>
+              </a:schemeClr>
+            </a:lnRef>
+            <a:fillRef idx="1">
+              <a:schemeClr val="accent1"/>
+            </a:fillRef>
+            <a:effectRef idx="0">
+              <a:schemeClr val="accent1"/>
+            </a:effectRef>
+            <a:fontRef idx="minor">
+              <a:schemeClr val="lt1"/>
+            </a:fontRef>
+          </p:style>
+          <p:txBody>
+            <a:bodyPr rtlCol="0" anchor="ctr"/>
+            <a:lstStyle/>
+            <a:p>
+              <a:pPr algn="ctr"/>
+              <a:endParaRPr lang="zh-CN" altLang="en-US">
+                <a:solidFill>
+                  <a:schemeClr val="accent1">
+                    <a:lumMod val="40000"/>
+                    <a:lumOff val="60000"/>
+                  </a:schemeClr>
+                </a:solidFill>
+              </a:endParaRPr>
+            </a:p>
+          </p:txBody>
+        </p:sp>
+        <p:sp>
+          <p:nvSpPr>
+            <p:cNvPr id="31" name="箭头: V 形 30">
+              <a:extLst>
+                <a:ext uri="{FF2B5EF4-FFF2-40B4-BE49-F238E27FC236}">
+                  <a16:creationId xmlns:a16="http://schemas.microsoft.com/office/drawing/2014/main" id="{213863E5-8786-4F55-C216-1871FF78DCB1}"/>
+                </a:ext>
+              </a:extLst>
+            </p:cNvPr>
+            <p:cNvSpPr/>
+            <p:nvPr/>
+          </p:nvSpPr>
+          <p:spPr>
+            <a:xfrm>
+              <a:off x="6566622" y="5793914"/>
+              <a:ext cx="258751" cy="299295"/>
+            </a:xfrm>
+            <a:prstGeom prst="chevron">
+              <a:avLst/>
+            </a:prstGeom>
+            <a:grpFill/>
+            <a:ln>
+              <a:noFill/>
+            </a:ln>
+          </p:spPr>
+          <p:style>
+            <a:lnRef idx="2">
+              <a:schemeClr val="accent1">
+                <a:shade val="15000"/>
+              </a:schemeClr>
+            </a:lnRef>
+            <a:fillRef idx="1">
+              <a:schemeClr val="accent1"/>
+            </a:fillRef>
+            <a:effectRef idx="0">
+              <a:schemeClr val="accent1"/>
+            </a:effectRef>
+            <a:fontRef idx="minor">
+              <a:schemeClr val="lt1"/>
+            </a:fontRef>
+          </p:style>
+          <p:txBody>
+            <a:bodyPr rtlCol="0" anchor="ctr"/>
+            <a:lstStyle/>
+            <a:p>
+              <a:pPr algn="ctr"/>
+              <a:endParaRPr lang="zh-CN" altLang="en-US">
+                <a:solidFill>
+                  <a:schemeClr val="accent1">
+                    <a:lumMod val="40000"/>
+                    <a:lumOff val="60000"/>
+                  </a:schemeClr>
+                </a:solidFill>
+              </a:endParaRPr>
+            </a:p>
+          </p:txBody>
+        </p:sp>
+        <p:sp>
+          <p:nvSpPr>
+            <p:cNvPr id="33" name="箭头: V 形 32">
+              <a:extLst>
+                <a:ext uri="{FF2B5EF4-FFF2-40B4-BE49-F238E27FC236}">
+                  <a16:creationId xmlns:a16="http://schemas.microsoft.com/office/drawing/2014/main" id="{44853797-041E-B662-CDBD-BE0914C4A9BB}"/>
+                </a:ext>
+              </a:extLst>
+            </p:cNvPr>
+            <p:cNvSpPr/>
+            <p:nvPr/>
+          </p:nvSpPr>
+          <p:spPr>
+            <a:xfrm>
+              <a:off x="6820988" y="5793914"/>
+              <a:ext cx="258751" cy="299295"/>
+            </a:xfrm>
+            <a:prstGeom prst="chevron">
+              <a:avLst/>
+            </a:prstGeom>
+            <a:grpFill/>
+            <a:ln>
+              <a:noFill/>
+            </a:ln>
+          </p:spPr>
+          <p:style>
+            <a:lnRef idx="2">
+              <a:schemeClr val="accent1">
+                <a:shade val="15000"/>
+              </a:schemeClr>
+            </a:lnRef>
+            <a:fillRef idx="1">
+              <a:schemeClr val="accent1"/>
+            </a:fillRef>
+            <a:effectRef idx="0">
+              <a:schemeClr val="accent1"/>
+            </a:effectRef>
+            <a:fontRef idx="minor">
+              <a:schemeClr val="lt1"/>
+            </a:fontRef>
+          </p:style>
+          <p:txBody>
+            <a:bodyPr rtlCol="0" anchor="ctr"/>
+            <a:lstStyle/>
+            <a:p>
+              <a:pPr algn="ctr"/>
+              <a:endParaRPr lang="zh-CN" altLang="en-US">
+                <a:solidFill>
+                  <a:schemeClr val="accent1">
+                    <a:lumMod val="40000"/>
+                    <a:lumOff val="60000"/>
+                  </a:schemeClr>
+                </a:solidFill>
+              </a:endParaRPr>
+            </a:p>
+          </p:txBody>
+        </p:sp>
+      </p:grpSp>
+      <p:grpSp>
+        <p:nvGrpSpPr>
+          <p:cNvPr id="34" name="组合 33">
+            <a:extLst>
+              <a:ext uri="{FF2B5EF4-FFF2-40B4-BE49-F238E27FC236}">
+                <a16:creationId xmlns:a16="http://schemas.microsoft.com/office/drawing/2014/main" id="{354F3CFE-3E62-8C5A-8AB7-191E0EC2312F}"/>
+              </a:ext>
+            </a:extLst>
+          </p:cNvPr>
+          <p:cNvGrpSpPr/>
+          <p:nvPr/>
+        </p:nvGrpSpPr>
+        <p:grpSpPr>
+          <a:xfrm rot="10800000">
+            <a:off x="9302217" y="1153467"/>
+            <a:ext cx="804760" cy="206433"/>
+            <a:chOff x="6049119" y="5793914"/>
+            <a:chExt cx="1030620" cy="299295"/>
+          </a:xfrm>
+          <a:gradFill>
+            <a:gsLst>
+              <a:gs pos="0">
+                <a:schemeClr val="accent1">
+                  <a:lumMod val="5000"/>
+                  <a:lumOff val="95000"/>
+                </a:schemeClr>
+              </a:gs>
+              <a:gs pos="33000">
+                <a:schemeClr val="accent1">
+                  <a:lumMod val="45000"/>
+                  <a:lumOff val="55000"/>
+                </a:schemeClr>
+              </a:gs>
+              <a:gs pos="100000">
+                <a:schemeClr val="accent1">
+                  <a:lumMod val="75000"/>
+                </a:schemeClr>
+              </a:gs>
+            </a:gsLst>
+            <a:lin ang="0" scaled="0"/>
+          </a:gradFill>
+        </p:grpSpPr>
+        <p:sp>
+          <p:nvSpPr>
+            <p:cNvPr id="35" name="箭头: V 形 34">
+              <a:extLst>
+                <a:ext uri="{FF2B5EF4-FFF2-40B4-BE49-F238E27FC236}">
+                  <a16:creationId xmlns:a16="http://schemas.microsoft.com/office/drawing/2014/main" id="{A2910BBE-ED62-DB05-ECD1-F98F629560F6}"/>
+                </a:ext>
+              </a:extLst>
+            </p:cNvPr>
+            <p:cNvSpPr/>
+            <p:nvPr/>
+          </p:nvSpPr>
+          <p:spPr>
+            <a:xfrm>
+              <a:off x="6049119" y="5793914"/>
+              <a:ext cx="258751" cy="299295"/>
+            </a:xfrm>
+            <a:prstGeom prst="chevron">
+              <a:avLst/>
+            </a:prstGeom>
+            <a:grpFill/>
+            <a:ln>
+              <a:noFill/>
+            </a:ln>
+          </p:spPr>
+          <p:style>
+            <a:lnRef idx="2">
+              <a:schemeClr val="accent1">
+                <a:shade val="15000"/>
+              </a:schemeClr>
+            </a:lnRef>
+            <a:fillRef idx="1">
+              <a:schemeClr val="accent1"/>
+            </a:fillRef>
+            <a:effectRef idx="0">
+              <a:schemeClr val="accent1"/>
+            </a:effectRef>
+            <a:fontRef idx="minor">
+              <a:schemeClr val="lt1"/>
+            </a:fontRef>
+          </p:style>
+          <p:txBody>
+            <a:bodyPr rtlCol="0" anchor="ctr"/>
+            <a:lstStyle/>
+            <a:p>
+              <a:pPr algn="ctr"/>
+              <a:endParaRPr lang="zh-CN" altLang="en-US">
+                <a:solidFill>
+                  <a:schemeClr val="accent1">
+                    <a:lumMod val="40000"/>
+                    <a:lumOff val="60000"/>
+                  </a:schemeClr>
+                </a:solidFill>
+              </a:endParaRPr>
+            </a:p>
+          </p:txBody>
+        </p:sp>
+        <p:sp>
+          <p:nvSpPr>
+            <p:cNvPr id="36" name="箭头: V 形 35">
+              <a:extLst>
+                <a:ext uri="{FF2B5EF4-FFF2-40B4-BE49-F238E27FC236}">
+                  <a16:creationId xmlns:a16="http://schemas.microsoft.com/office/drawing/2014/main" id="{9E5ADDF1-07A7-4523-592F-3D6E008C1468}"/>
+                </a:ext>
+              </a:extLst>
+            </p:cNvPr>
+            <p:cNvSpPr/>
+            <p:nvPr/>
+          </p:nvSpPr>
+          <p:spPr>
+            <a:xfrm>
+              <a:off x="6307869" y="5793914"/>
+              <a:ext cx="258751" cy="299295"/>
+            </a:xfrm>
+            <a:prstGeom prst="chevron">
+              <a:avLst/>
+            </a:prstGeom>
+            <a:grpFill/>
+            <a:ln>
+              <a:noFill/>
+            </a:ln>
+          </p:spPr>
+          <p:style>
+            <a:lnRef idx="2">
+              <a:schemeClr val="accent1">
+                <a:shade val="15000"/>
+              </a:schemeClr>
+            </a:lnRef>
+            <a:fillRef idx="1">
+              <a:schemeClr val="accent1"/>
+            </a:fillRef>
+            <a:effectRef idx="0">
+              <a:schemeClr val="accent1"/>
+            </a:effectRef>
+            <a:fontRef idx="minor">
+              <a:schemeClr val="lt1"/>
+            </a:fontRef>
+          </p:style>
+          <p:txBody>
+            <a:bodyPr rtlCol="0" anchor="ctr"/>
+            <a:lstStyle/>
+            <a:p>
+              <a:pPr algn="ctr"/>
+              <a:endParaRPr lang="zh-CN" altLang="en-US">
+                <a:solidFill>
+                  <a:schemeClr val="accent1">
+                    <a:lumMod val="40000"/>
+                    <a:lumOff val="60000"/>
+                  </a:schemeClr>
+                </a:solidFill>
+              </a:endParaRPr>
+            </a:p>
+          </p:txBody>
+        </p:sp>
+        <p:sp>
+          <p:nvSpPr>
+            <p:cNvPr id="37" name="箭头: V 形 36">
+              <a:extLst>
+                <a:ext uri="{FF2B5EF4-FFF2-40B4-BE49-F238E27FC236}">
+                  <a16:creationId xmlns:a16="http://schemas.microsoft.com/office/drawing/2014/main" id="{E780B367-32DF-4DD1-0D03-04CE62123F42}"/>
+                </a:ext>
+              </a:extLst>
+            </p:cNvPr>
+            <p:cNvSpPr/>
+            <p:nvPr/>
+          </p:nvSpPr>
+          <p:spPr>
+            <a:xfrm>
+              <a:off x="6566622" y="5793914"/>
+              <a:ext cx="258751" cy="299295"/>
+            </a:xfrm>
+            <a:prstGeom prst="chevron">
+              <a:avLst/>
+            </a:prstGeom>
+            <a:grpFill/>
+            <a:ln>
+              <a:noFill/>
+            </a:ln>
+          </p:spPr>
+          <p:style>
+            <a:lnRef idx="2">
+              <a:schemeClr val="accent1">
+                <a:shade val="15000"/>
+              </a:schemeClr>
+            </a:lnRef>
+            <a:fillRef idx="1">
+              <a:schemeClr val="accent1"/>
+            </a:fillRef>
+            <a:effectRef idx="0">
+              <a:schemeClr val="accent1"/>
+            </a:effectRef>
+            <a:fontRef idx="minor">
+              <a:schemeClr val="lt1"/>
+            </a:fontRef>
+          </p:style>
+          <p:txBody>
+            <a:bodyPr rtlCol="0" anchor="ctr"/>
+            <a:lstStyle/>
+            <a:p>
+              <a:pPr algn="ctr"/>
+              <a:endParaRPr lang="zh-CN" altLang="en-US">
+                <a:solidFill>
+                  <a:schemeClr val="accent1">
+                    <a:lumMod val="40000"/>
+                    <a:lumOff val="60000"/>
+                  </a:schemeClr>
+                </a:solidFill>
+              </a:endParaRPr>
+            </a:p>
+          </p:txBody>
+        </p:sp>
+        <p:sp>
+          <p:nvSpPr>
+            <p:cNvPr id="38" name="箭头: V 形 37">
+              <a:extLst>
+                <a:ext uri="{FF2B5EF4-FFF2-40B4-BE49-F238E27FC236}">
+                  <a16:creationId xmlns:a16="http://schemas.microsoft.com/office/drawing/2014/main" id="{8394D755-0988-D4FF-AE2C-EA6F341CAF6F}"/>
+                </a:ext>
+              </a:extLst>
+            </p:cNvPr>
+            <p:cNvSpPr/>
+            <p:nvPr/>
+          </p:nvSpPr>
+          <p:spPr>
+            <a:xfrm>
+              <a:off x="6820988" y="5793914"/>
+              <a:ext cx="258751" cy="299295"/>
+            </a:xfrm>
+            <a:prstGeom prst="chevron">
+              <a:avLst/>
+            </a:prstGeom>
+            <a:grpFill/>
+            <a:ln>
+              <a:noFill/>
+            </a:ln>
+          </p:spPr>
+          <p:style>
+            <a:lnRef idx="2">
+              <a:schemeClr val="accent1">
+                <a:shade val="15000"/>
+              </a:schemeClr>
+            </a:lnRef>
+            <a:fillRef idx="1">
+              <a:schemeClr val="accent1"/>
+            </a:fillRef>
+            <a:effectRef idx="0">
+              <a:schemeClr val="accent1"/>
+            </a:effectRef>
+            <a:fontRef idx="minor">
+              <a:schemeClr val="lt1"/>
+            </a:fontRef>
+          </p:style>
+          <p:txBody>
+            <a:bodyPr rtlCol="0" anchor="ctr"/>
+            <a:lstStyle/>
+            <a:p>
+              <a:pPr algn="ctr"/>
+              <a:endParaRPr lang="zh-CN" altLang="en-US">
+                <a:solidFill>
+                  <a:schemeClr val="accent1">
+                    <a:lumMod val="40000"/>
+                    <a:lumOff val="60000"/>
+                  </a:schemeClr>
+                </a:solidFill>
+              </a:endParaRPr>
+            </a:p>
+          </p:txBody>
+        </p:sp>
+      </p:grpSp>
     </p:spTree>
   </p:cSld>
   <p:clrMapOvr>
@@ -9993,7 +11388,7 @@
 </p:sld>
 </file>
 
-<file path=ppt/slides/slide11.xml><?xml version="1.0" encoding="utf-8"?>
+<file path=ppt/slides/slide12.xml><?xml version="1.0" encoding="utf-8"?>
 <p:sld xmlns:a="http://schemas.openxmlformats.org/drawingml/2006/main" xmlns:r="http://schemas.openxmlformats.org/officeDocument/2006/relationships" xmlns:p="http://schemas.openxmlformats.org/presentationml/2006/main">
   <p:cSld>
     <p:spTree>
@@ -12447,7 +13842,7 @@
 </p:sld>
 </file>
 
-<file path=ppt/slides/slide12.xml><?xml version="1.0" encoding="utf-8"?>
+<file path=ppt/slides/slide13.xml><?xml version="1.0" encoding="utf-8"?>
 <p:sld xmlns:a="http://schemas.openxmlformats.org/drawingml/2006/main" xmlns:r="http://schemas.openxmlformats.org/officeDocument/2006/relationships" xmlns:p="http://schemas.openxmlformats.org/presentationml/2006/main">
   <p:cSld>
     <p:spTree>
@@ -15357,7 +16752,7 @@
 </p:sld>
 </file>
 
-<file path=ppt/slides/slide13.xml><?xml version="1.0" encoding="utf-8"?>
+<file path=ppt/slides/slide14.xml><?xml version="1.0" encoding="utf-8"?>
 <p:sld xmlns:a="http://schemas.openxmlformats.org/drawingml/2006/main" xmlns:r="http://schemas.openxmlformats.org/officeDocument/2006/relationships" xmlns:p="http://schemas.openxmlformats.org/presentationml/2006/main">
   <p:cSld>
     <p:spTree>
@@ -17311,7 +18706,7 @@
 </p:sld>
 </file>
 
-<file path=ppt/slides/slide14.xml><?xml version="1.0" encoding="utf-8"?>
+<file path=ppt/slides/slide15.xml><?xml version="1.0" encoding="utf-8"?>
 <p:sld xmlns:a="http://schemas.openxmlformats.org/drawingml/2006/main" xmlns:r="http://schemas.openxmlformats.org/officeDocument/2006/relationships" xmlns:p="http://schemas.openxmlformats.org/presentationml/2006/main">
   <p:cSld>
     <p:spTree>
@@ -21208,7 +22603,7 @@
 </p:sld>
 </file>
 
-<file path=ppt/slides/slide15.xml><?xml version="1.0" encoding="utf-8"?>
+<file path=ppt/slides/slide16.xml><?xml version="1.0" encoding="utf-8"?>
 <p:sld xmlns:a="http://schemas.openxmlformats.org/drawingml/2006/main" xmlns:r="http://schemas.openxmlformats.org/officeDocument/2006/relationships" xmlns:p="http://schemas.openxmlformats.org/presentationml/2006/main">
   <p:cSld>
     <p:spTree>
@@ -26049,7 +27444,7 @@
 </p:sld>
 </file>
 
-<file path=ppt/slides/slide16.xml><?xml version="1.0" encoding="utf-8"?>
+<file path=ppt/slides/slide17.xml><?xml version="1.0" encoding="utf-8"?>
 <p:sld xmlns:a="http://schemas.openxmlformats.org/drawingml/2006/main" xmlns:r="http://schemas.openxmlformats.org/officeDocument/2006/relationships" xmlns:p="http://schemas.openxmlformats.org/presentationml/2006/main">
   <p:cSld>
     <p:spTree>
@@ -32980,7 +34375,7 @@
           <p:nvPr>
             <p:extLst>
               <p:ext uri="{D42A27DB-BD31-4B8C-83A1-F6EECF244321}">
-                <p14:modId xmlns:p14="http://schemas.microsoft.com/office/powerpoint/2010/main" val="1422800719"/>
+                <p14:modId xmlns:p14="http://schemas.microsoft.com/office/powerpoint/2010/main" val="1138718244"/>
               </p:ext>
             </p:extLst>
           </p:nvPr>
@@ -33455,6 +34850,13 @@
                     <a:lstStyle/>
                     <a:p>
                       <a:pPr algn="ctr"/>
+                      <a:r>
+                        <a:rPr lang="en-US" altLang="zh-CN" dirty="0">
+                          <a:latin typeface="Times New Roman" panose="02020603050405020304" pitchFamily="18" charset="0"/>
+                          <a:cs typeface="Times New Roman" panose="02020603050405020304" pitchFamily="18" charset="0"/>
+                        </a:rPr>
+                        <a:t>Flyweight</a:t>
+                      </a:r>
                       <a:endParaRPr lang="zh-CN" altLang="en-US" dirty="0">
                         <a:latin typeface="Times New Roman" panose="02020603050405020304" pitchFamily="18" charset="0"/>
                         <a:cs typeface="Times New Roman" panose="02020603050405020304" pitchFamily="18" charset="0"/>
@@ -33488,6 +34890,13 @@
                     <a:lstStyle/>
                     <a:p>
                       <a:pPr algn="ctr"/>
+                      <a:r>
+                        <a:rPr lang="en-US" altLang="zh-CN" dirty="0">
+                          <a:latin typeface="Times New Roman" panose="02020603050405020304" pitchFamily="18" charset="0"/>
+                          <a:cs typeface="Times New Roman" panose="02020603050405020304" pitchFamily="18" charset="0"/>
+                        </a:rPr>
+                        <a:t>Structural Patterns</a:t>
+                      </a:r>
                       <a:endParaRPr lang="zh-CN" altLang="en-US" dirty="0">
                         <a:latin typeface="Times New Roman" panose="02020603050405020304" pitchFamily="18" charset="0"/>
                         <a:cs typeface="Times New Roman" panose="02020603050405020304" pitchFamily="18" charset="0"/>
@@ -33521,6 +34930,13 @@
                     <a:lstStyle/>
                     <a:p>
                       <a:pPr algn="ctr"/>
+                      <a:r>
+                        <a:rPr lang="en-US" altLang="zh-CN" dirty="0">
+                          <a:latin typeface="Times New Roman" panose="02020603050405020304" pitchFamily="18" charset="0"/>
+                          <a:cs typeface="Times New Roman" panose="02020603050405020304" pitchFamily="18" charset="0"/>
+                        </a:rPr>
+                        <a:t>1</a:t>
+                      </a:r>
                       <a:endParaRPr lang="zh-CN" altLang="en-US" dirty="0">
                         <a:latin typeface="Times New Roman" panose="02020603050405020304" pitchFamily="18" charset="0"/>
                         <a:cs typeface="Times New Roman" panose="02020603050405020304" pitchFamily="18" charset="0"/>
@@ -33554,6 +34970,13 @@
                     <a:lstStyle/>
                     <a:p>
                       <a:pPr algn="ctr"/>
+                      <a:r>
+                        <a:rPr lang="en-US" altLang="zh-CN" dirty="0">
+                          <a:latin typeface="Times New Roman" panose="02020603050405020304" pitchFamily="18" charset="0"/>
+                          <a:cs typeface="Times New Roman" panose="02020603050405020304" pitchFamily="18" charset="0"/>
+                        </a:rPr>
+                        <a:t>Bullet Texture Sharing</a:t>
+                      </a:r>
                       <a:endParaRPr lang="zh-CN" altLang="en-US" dirty="0">
                         <a:latin typeface="Times New Roman" panose="02020603050405020304" pitchFamily="18" charset="0"/>
                         <a:cs typeface="Times New Roman" panose="02020603050405020304" pitchFamily="18" charset="0"/>
@@ -34714,36 +36137,6 @@
           </a:p>
         </p:txBody>
       </p:sp>
-      <p:pic>
-        <p:nvPicPr>
-          <p:cNvPr id="8" name="图片 7">
-            <a:extLst>
-              <a:ext uri="{FF2B5EF4-FFF2-40B4-BE49-F238E27FC236}">
-                <a16:creationId xmlns:a16="http://schemas.microsoft.com/office/drawing/2014/main" id="{2FA62382-EB2C-C4C6-2DD4-4E2733657D12}"/>
-              </a:ext>
-            </a:extLst>
-          </p:cNvPr>
-          <p:cNvPicPr>
-            <a:picLocks noChangeAspect="1"/>
-          </p:cNvPicPr>
-          <p:nvPr/>
-        </p:nvPicPr>
-        <p:blipFill>
-          <a:blip r:embed="rId2"/>
-          <a:stretch>
-            <a:fillRect/>
-          </a:stretch>
-        </p:blipFill>
-        <p:spPr>
-          <a:xfrm>
-            <a:off x="249940" y="1643466"/>
-            <a:ext cx="6586134" cy="2873755"/>
-          </a:xfrm>
-          <a:prstGeom prst="rect">
-            <a:avLst/>
-          </a:prstGeom>
-        </p:spPr>
-      </p:pic>
       <p:grpSp>
         <p:nvGrpSpPr>
           <p:cNvPr id="26" name="组合 25">
@@ -34858,7 +36251,7 @@
               <p:nvPr/>
             </p:nvPicPr>
             <p:blipFill>
-              <a:blip r:embed="rId3"/>
+              <a:blip r:embed="rId2"/>
               <a:stretch>
                 <a:fillRect/>
               </a:stretch>
@@ -34968,7 +36361,7 @@
               <p:nvPr/>
             </p:nvPicPr>
             <p:blipFill>
-              <a:blip r:embed="rId4"/>
+              <a:blip r:embed="rId3"/>
               <a:stretch>
                 <a:fillRect/>
               </a:stretch>
@@ -35497,7 +36890,7 @@
         </p:nvSpPr>
         <p:spPr>
           <a:xfrm>
-            <a:off x="4056547" y="4579983"/>
+            <a:off x="4317359" y="4571659"/>
             <a:ext cx="1353941" cy="461665"/>
           </a:xfrm>
           <a:prstGeom prst="rect">
@@ -35541,7 +36934,7 @@
         <p:spPr>
           <a:xfrm>
             <a:off x="249941" y="5013201"/>
-            <a:ext cx="3716846" cy="1444883"/>
+            <a:ext cx="4052344" cy="1444883"/>
           </a:xfrm>
           <a:prstGeom prst="rect">
             <a:avLst/>
@@ -35554,10 +36947,12 @@
           </a:bodyPr>
           <a:lstStyle/>
           <a:p>
-            <a:pPr>
+            <a:pPr marL="285750" indent="-285750">
               <a:lnSpc>
                 <a:spcPct val="125000"/>
               </a:lnSpc>
+              <a:buFont typeface="Arial" panose="020B0604020202020204" pitchFamily="34" charset="0"/>
+              <a:buChar char="•"/>
             </a:pPr>
             <a:r>
               <a:rPr lang="en-US" altLang="zh-CN" dirty="0">
@@ -35568,10 +36963,12 @@
             </a:r>
           </a:p>
           <a:p>
-            <a:pPr>
+            <a:pPr marL="285750" indent="-285750">
               <a:lnSpc>
                 <a:spcPct val="125000"/>
               </a:lnSpc>
+              <a:buFont typeface="Arial" panose="020B0604020202020204" pitchFamily="34" charset="0"/>
+              <a:buChar char="•"/>
             </a:pPr>
             <a:r>
               <a:rPr lang="en-US" altLang="zh-CN" dirty="0">
@@ -35582,10 +36979,12 @@
             </a:r>
           </a:p>
           <a:p>
-            <a:pPr>
+            <a:pPr marL="285750" indent="-285750">
               <a:lnSpc>
                 <a:spcPct val="125000"/>
               </a:lnSpc>
+              <a:buFont typeface="Arial" panose="020B0604020202020204" pitchFamily="34" charset="0"/>
+              <a:buChar char="•"/>
             </a:pPr>
             <a:r>
               <a:rPr lang="en-US" altLang="zh-CN" dirty="0">
@@ -35596,10 +36995,12 @@
             </a:r>
           </a:p>
           <a:p>
-            <a:pPr>
+            <a:pPr marL="285750" indent="-285750">
               <a:lnSpc>
                 <a:spcPct val="125000"/>
               </a:lnSpc>
+              <a:buFont typeface="Arial" panose="020B0604020202020204" pitchFamily="34" charset="0"/>
+              <a:buChar char="•"/>
             </a:pPr>
             <a:r>
               <a:rPr lang="en-US" altLang="zh-CN" dirty="0">
@@ -35629,8 +37030,8 @@
         </p:nvSpPr>
         <p:spPr>
           <a:xfrm>
-            <a:off x="4052987" y="4980861"/>
-            <a:ext cx="3080495" cy="1791131"/>
+            <a:off x="4313799" y="4972537"/>
+            <a:ext cx="3646086" cy="1791131"/>
           </a:xfrm>
           <a:prstGeom prst="rect">
             <a:avLst/>
@@ -35643,10 +37044,12 @@
           </a:bodyPr>
           <a:lstStyle/>
           <a:p>
-            <a:pPr>
+            <a:pPr marL="285750" indent="-285750">
               <a:lnSpc>
                 <a:spcPct val="125000"/>
               </a:lnSpc>
+              <a:buFont typeface="Arial" panose="020B0604020202020204" pitchFamily="34" charset="0"/>
+              <a:buChar char="•"/>
             </a:pPr>
             <a:r>
               <a:rPr lang="en-US" altLang="zh-CN" dirty="0">
@@ -35657,10 +37060,12 @@
             </a:r>
           </a:p>
           <a:p>
-            <a:pPr>
+            <a:pPr marL="285750" indent="-285750">
               <a:lnSpc>
                 <a:spcPct val="125000"/>
               </a:lnSpc>
+              <a:buFont typeface="Arial" panose="020B0604020202020204" pitchFamily="34" charset="0"/>
+              <a:buChar char="•"/>
             </a:pPr>
             <a:r>
               <a:rPr lang="en-US" altLang="zh-CN" dirty="0">
@@ -35671,10 +37076,12 @@
             </a:r>
           </a:p>
           <a:p>
-            <a:pPr>
+            <a:pPr marL="285750" indent="-285750">
               <a:lnSpc>
                 <a:spcPct val="125000"/>
               </a:lnSpc>
+              <a:buFont typeface="Arial" panose="020B0604020202020204" pitchFamily="34" charset="0"/>
+              <a:buChar char="•"/>
             </a:pPr>
             <a:r>
               <a:rPr lang="en-US" altLang="zh-CN" dirty="0">
@@ -35685,10 +37092,12 @@
             </a:r>
           </a:p>
           <a:p>
-            <a:pPr>
+            <a:pPr marL="285750" indent="-285750">
               <a:lnSpc>
                 <a:spcPct val="125000"/>
               </a:lnSpc>
+              <a:buFont typeface="Arial" panose="020B0604020202020204" pitchFamily="34" charset="0"/>
+              <a:buChar char="•"/>
             </a:pPr>
             <a:r>
               <a:rPr lang="en-US" altLang="zh-CN" dirty="0">
@@ -35699,10 +37108,12 @@
             </a:r>
           </a:p>
           <a:p>
-            <a:pPr>
+            <a:pPr marL="285750" indent="-285750">
               <a:lnSpc>
                 <a:spcPct val="125000"/>
               </a:lnSpc>
+              <a:buFont typeface="Arial" panose="020B0604020202020204" pitchFamily="34" charset="0"/>
+              <a:buChar char="•"/>
             </a:pPr>
             <a:r>
               <a:rPr lang="en-US" altLang="zh-CN" dirty="0">
@@ -35718,6 +37129,36 @@
           </a:p>
         </p:txBody>
       </p:sp>
+      <p:pic>
+        <p:nvPicPr>
+          <p:cNvPr id="18" name="图片 17">
+            <a:extLst>
+              <a:ext uri="{FF2B5EF4-FFF2-40B4-BE49-F238E27FC236}">
+                <a16:creationId xmlns:a16="http://schemas.microsoft.com/office/drawing/2014/main" id="{09DF429C-4C5B-11A5-3BED-6B18EC374842}"/>
+              </a:ext>
+            </a:extLst>
+          </p:cNvPr>
+          <p:cNvPicPr>
+            <a:picLocks noChangeAspect="1"/>
+          </p:cNvPicPr>
+          <p:nvPr/>
+        </p:nvPicPr>
+        <p:blipFill>
+          <a:blip r:embed="rId4"/>
+          <a:stretch>
+            <a:fillRect/>
+          </a:stretch>
+        </p:blipFill>
+        <p:spPr>
+          <a:xfrm>
+            <a:off x="189991" y="1605964"/>
+            <a:ext cx="6706032" cy="2917213"/>
+          </a:xfrm>
+          <a:prstGeom prst="rect">
+            <a:avLst/>
+          </a:prstGeom>
+        </p:spPr>
+      </p:pic>
     </p:spTree>
     <p:extLst>
       <p:ext uri="{BB962C8B-B14F-4D97-AF65-F5344CB8AC3E}">
@@ -35754,6 +37195,36 @@
           <a:chExt cx="0" cy="0"/>
         </a:xfrm>
       </p:grpSpPr>
+      <p:pic>
+        <p:nvPicPr>
+          <p:cNvPr id="8" name="图片 7">
+            <a:extLst>
+              <a:ext uri="{FF2B5EF4-FFF2-40B4-BE49-F238E27FC236}">
+                <a16:creationId xmlns:a16="http://schemas.microsoft.com/office/drawing/2014/main" id="{18C9C578-7608-B4AD-F00A-9877577E4406}"/>
+              </a:ext>
+            </a:extLst>
+          </p:cNvPr>
+          <p:cNvPicPr>
+            <a:picLocks noChangeAspect="1"/>
+          </p:cNvPicPr>
+          <p:nvPr/>
+        </p:nvPicPr>
+        <p:blipFill>
+          <a:blip r:embed="rId2"/>
+          <a:stretch>
+            <a:fillRect/>
+          </a:stretch>
+        </p:blipFill>
+        <p:spPr>
+          <a:xfrm>
+            <a:off x="1227508" y="1326900"/>
+            <a:ext cx="3551670" cy="5304383"/>
+          </a:xfrm>
+          <a:prstGeom prst="rect">
+            <a:avLst/>
+          </a:prstGeom>
+        </p:spPr>
+      </p:pic>
       <p:sp>
         <p:nvSpPr>
           <p:cNvPr id="5" name="矩形 4">
@@ -36060,36 +37531,6 @@
           </a:p>
         </p:txBody>
       </p:sp>
-      <p:pic>
-        <p:nvPicPr>
-          <p:cNvPr id="4" name="图片 3">
-            <a:extLst>
-              <a:ext uri="{FF2B5EF4-FFF2-40B4-BE49-F238E27FC236}">
-                <a16:creationId xmlns:a16="http://schemas.microsoft.com/office/drawing/2014/main" id="{C4D83CA4-56C8-B315-9C51-5D83DA69F242}"/>
-              </a:ext>
-            </a:extLst>
-          </p:cNvPr>
-          <p:cNvPicPr>
-            <a:picLocks noChangeAspect="1"/>
-          </p:cNvPicPr>
-          <p:nvPr/>
-        </p:nvPicPr>
-        <p:blipFill>
-          <a:blip r:embed="rId2"/>
-          <a:stretch>
-            <a:fillRect/>
-          </a:stretch>
-        </p:blipFill>
-        <p:spPr>
-          <a:xfrm>
-            <a:off x="1244600" y="1350722"/>
-            <a:ext cx="3551671" cy="5255952"/>
-          </a:xfrm>
-          <a:prstGeom prst="rect">
-            <a:avLst/>
-          </a:prstGeom>
-        </p:spPr>
-      </p:pic>
       <p:sp>
         <p:nvSpPr>
           <p:cNvPr id="9" name="椭圆 8">
@@ -36553,7 +37994,7 @@
         </p:nvSpPr>
         <p:spPr>
           <a:xfrm>
-            <a:off x="6757247" y="3747865"/>
+            <a:off x="6757247" y="3940290"/>
             <a:ext cx="1353941" cy="461665"/>
           </a:xfrm>
           <a:prstGeom prst="rect">
@@ -36596,7 +38037,7 @@
         </p:nvSpPr>
         <p:spPr>
           <a:xfrm>
-            <a:off x="6949993" y="4157883"/>
+            <a:off x="6949993" y="4350308"/>
             <a:ext cx="4998298" cy="2025555"/>
           </a:xfrm>
           <a:prstGeom prst="rect">
@@ -36767,7 +38208,7 @@
         </p:nvSpPr>
         <p:spPr>
           <a:xfrm>
-            <a:off x="6949992" y="4215012"/>
+            <a:off x="6949992" y="4407437"/>
             <a:ext cx="5041558" cy="2025556"/>
           </a:xfrm>
           <a:prstGeom prst="rect">
@@ -36819,6 +38260,1028 @@
 </file>
 
 <file path=ppt/slides/slide8.xml><?xml version="1.0" encoding="utf-8"?>
+<p:sld xmlns:a="http://schemas.openxmlformats.org/drawingml/2006/main" xmlns:r="http://schemas.openxmlformats.org/officeDocument/2006/relationships" xmlns:p="http://schemas.openxmlformats.org/presentationml/2006/main">
+  <p:cSld>
+    <p:spTree>
+      <p:nvGrpSpPr>
+        <p:cNvPr id="1" name="">
+          <a:extLst>
+            <a:ext uri="{FF2B5EF4-FFF2-40B4-BE49-F238E27FC236}">
+              <a16:creationId xmlns:a16="http://schemas.microsoft.com/office/drawing/2014/main" id="{19165E93-9027-76CE-79A7-88E30419BB0C}"/>
+            </a:ext>
+          </a:extLst>
+        </p:cNvPr>
+        <p:cNvGrpSpPr/>
+        <p:nvPr/>
+      </p:nvGrpSpPr>
+      <p:grpSpPr>
+        <a:xfrm>
+          <a:off x="0" y="0"/>
+          <a:ext cx="0" cy="0"/>
+          <a:chOff x="0" y="0"/>
+          <a:chExt cx="0" cy="0"/>
+        </a:xfrm>
+      </p:grpSpPr>
+      <p:pic>
+        <p:nvPicPr>
+          <p:cNvPr id="11" name="图片 10">
+            <a:extLst>
+              <a:ext uri="{FF2B5EF4-FFF2-40B4-BE49-F238E27FC236}">
+                <a16:creationId xmlns:a16="http://schemas.microsoft.com/office/drawing/2014/main" id="{0D15AD9E-E005-48CF-2C82-5D1D8FB855D4}"/>
+              </a:ext>
+            </a:extLst>
+          </p:cNvPr>
+          <p:cNvPicPr>
+            <a:picLocks noChangeAspect="1"/>
+          </p:cNvPicPr>
+          <p:nvPr/>
+        </p:nvPicPr>
+        <p:blipFill>
+          <a:blip r:embed="rId2"/>
+          <a:stretch>
+            <a:fillRect/>
+          </a:stretch>
+        </p:blipFill>
+        <p:spPr>
+          <a:xfrm>
+            <a:off x="216403" y="1303935"/>
+            <a:ext cx="5727734" cy="3627564"/>
+          </a:xfrm>
+          <a:prstGeom prst="rect">
+            <a:avLst/>
+          </a:prstGeom>
+        </p:spPr>
+      </p:pic>
+      <p:sp>
+        <p:nvSpPr>
+          <p:cNvPr id="5" name="矩形 4">
+            <a:extLst>
+              <a:ext uri="{FF2B5EF4-FFF2-40B4-BE49-F238E27FC236}">
+                <a16:creationId xmlns:a16="http://schemas.microsoft.com/office/drawing/2014/main" id="{F14BB6A5-703D-02DB-E837-D1F1E34A13DB}"/>
+              </a:ext>
+            </a:extLst>
+          </p:cNvPr>
+          <p:cNvSpPr/>
+          <p:nvPr/>
+        </p:nvSpPr>
+        <p:spPr>
+          <a:xfrm>
+            <a:off x="0" y="343632"/>
+            <a:ext cx="1244600" cy="426835"/>
+          </a:xfrm>
+          <a:prstGeom prst="rect">
+            <a:avLst/>
+          </a:prstGeom>
+          <a:solidFill>
+            <a:schemeClr val="accent1">
+              <a:lumMod val="50000"/>
+            </a:schemeClr>
+          </a:solidFill>
+        </p:spPr>
+        <p:style>
+          <a:lnRef idx="2">
+            <a:schemeClr val="accent1">
+              <a:shade val="15000"/>
+            </a:schemeClr>
+          </a:lnRef>
+          <a:fillRef idx="1">
+            <a:schemeClr val="accent1"/>
+          </a:fillRef>
+          <a:effectRef idx="0">
+            <a:schemeClr val="accent1"/>
+          </a:effectRef>
+          <a:fontRef idx="minor">
+            <a:schemeClr val="lt1"/>
+          </a:fontRef>
+        </p:style>
+        <p:txBody>
+          <a:bodyPr rtlCol="0" anchor="ctr"/>
+          <a:lstStyle/>
+          <a:p>
+            <a:pPr algn="ctr"/>
+            <a:endParaRPr lang="zh-CN" altLang="en-US"/>
+          </a:p>
+        </p:txBody>
+      </p:sp>
+      <p:sp>
+        <p:nvSpPr>
+          <p:cNvPr id="6" name="文本框 5">
+            <a:extLst>
+              <a:ext uri="{FF2B5EF4-FFF2-40B4-BE49-F238E27FC236}">
+                <a16:creationId xmlns:a16="http://schemas.microsoft.com/office/drawing/2014/main" id="{81E2DAA6-14CF-E48E-692B-2C0516D2837C}"/>
+              </a:ext>
+            </a:extLst>
+          </p:cNvPr>
+          <p:cNvSpPr txBox="1"/>
+          <p:nvPr/>
+        </p:nvSpPr>
+        <p:spPr>
+          <a:xfrm>
+            <a:off x="69850" y="370357"/>
+            <a:ext cx="1104900" cy="400110"/>
+          </a:xfrm>
+          <a:prstGeom prst="rect">
+            <a:avLst/>
+          </a:prstGeom>
+          <a:noFill/>
+        </p:spPr>
+        <p:txBody>
+          <a:bodyPr wrap="square" rtlCol="0">
+            <a:spAutoFit/>
+          </a:bodyPr>
+          <a:lstStyle/>
+          <a:p>
+            <a:r>
+              <a:rPr lang="en-US" altLang="zh-CN" sz="2000" dirty="0">
+                <a:solidFill>
+                  <a:schemeClr val="bg1">
+                    <a:lumMod val="95000"/>
+                  </a:schemeClr>
+                </a:solidFill>
+                <a:latin typeface="思源黑体 CN Bold" panose="020B0800000000000000" pitchFamily="34" charset="-122"/>
+                <a:ea typeface="思源黑体 CN Bold" panose="020B0800000000000000" pitchFamily="34" charset="-122"/>
+              </a:rPr>
+              <a:t>PART 2</a:t>
+            </a:r>
+            <a:endParaRPr lang="zh-CN" altLang="en-US" sz="2000" dirty="0">
+              <a:solidFill>
+                <a:schemeClr val="bg1">
+                  <a:lumMod val="95000"/>
+                </a:schemeClr>
+              </a:solidFill>
+              <a:latin typeface="思源黑体 CN Bold" panose="020B0800000000000000" pitchFamily="34" charset="-122"/>
+              <a:ea typeface="思源黑体 CN Bold" panose="020B0800000000000000" pitchFamily="34" charset="-122"/>
+            </a:endParaRPr>
+          </a:p>
+        </p:txBody>
+      </p:sp>
+      <p:sp>
+        <p:nvSpPr>
+          <p:cNvPr id="2" name="文本框 12">
+            <a:extLst>
+              <a:ext uri="{FF2B5EF4-FFF2-40B4-BE49-F238E27FC236}">
+                <a16:creationId xmlns:a16="http://schemas.microsoft.com/office/drawing/2014/main" id="{46BA3B6A-023F-5D92-97C7-EDAF06C691B3}"/>
+              </a:ext>
+            </a:extLst>
+          </p:cNvPr>
+          <p:cNvSpPr txBox="1"/>
+          <p:nvPr/>
+        </p:nvSpPr>
+        <p:spPr>
+          <a:xfrm>
+            <a:off x="1314449" y="226717"/>
+            <a:ext cx="5231075" cy="1077218"/>
+          </a:xfrm>
+          <a:prstGeom prst="rect">
+            <a:avLst/>
+          </a:prstGeom>
+          <a:noFill/>
+        </p:spPr>
+        <p:txBody>
+          <a:bodyPr wrap="square" rtlCol="0">
+            <a:spAutoFit/>
+          </a:bodyPr>
+          <a:lstStyle>
+            <a:defPPr>
+              <a:defRPr lang="zh-CN"/>
+            </a:defPPr>
+            <a:lvl1pPr marL="0" algn="l" defTabSz="914400" rtl="0" eaLnBrk="1" latinLnBrk="0" hangingPunct="1">
+              <a:defRPr sz="1800" kern="1200">
+                <a:solidFill>
+                  <a:schemeClr val="tx1"/>
+                </a:solidFill>
+                <a:latin typeface="+mn-lt"/>
+                <a:ea typeface="+mn-ea"/>
+                <a:cs typeface="+mn-cs"/>
+              </a:defRPr>
+            </a:lvl1pPr>
+            <a:lvl2pPr marL="457200" algn="l" defTabSz="914400" rtl="0" eaLnBrk="1" latinLnBrk="0" hangingPunct="1">
+              <a:defRPr sz="1800" kern="1200">
+                <a:solidFill>
+                  <a:schemeClr val="tx1"/>
+                </a:solidFill>
+                <a:latin typeface="+mn-lt"/>
+                <a:ea typeface="+mn-ea"/>
+                <a:cs typeface="+mn-cs"/>
+              </a:defRPr>
+            </a:lvl2pPr>
+            <a:lvl3pPr marL="914400" algn="l" defTabSz="914400" rtl="0" eaLnBrk="1" latinLnBrk="0" hangingPunct="1">
+              <a:defRPr sz="1800" kern="1200">
+                <a:solidFill>
+                  <a:schemeClr val="tx1"/>
+                </a:solidFill>
+                <a:latin typeface="+mn-lt"/>
+                <a:ea typeface="+mn-ea"/>
+                <a:cs typeface="+mn-cs"/>
+              </a:defRPr>
+            </a:lvl3pPr>
+            <a:lvl4pPr marL="1371600" algn="l" defTabSz="914400" rtl="0" eaLnBrk="1" latinLnBrk="0" hangingPunct="1">
+              <a:defRPr sz="1800" kern="1200">
+                <a:solidFill>
+                  <a:schemeClr val="tx1"/>
+                </a:solidFill>
+                <a:latin typeface="+mn-lt"/>
+                <a:ea typeface="+mn-ea"/>
+                <a:cs typeface="+mn-cs"/>
+              </a:defRPr>
+            </a:lvl4pPr>
+            <a:lvl5pPr marL="1828800" algn="l" defTabSz="914400" rtl="0" eaLnBrk="1" latinLnBrk="0" hangingPunct="1">
+              <a:defRPr sz="1800" kern="1200">
+                <a:solidFill>
+                  <a:schemeClr val="tx1"/>
+                </a:solidFill>
+                <a:latin typeface="+mn-lt"/>
+                <a:ea typeface="+mn-ea"/>
+                <a:cs typeface="+mn-cs"/>
+              </a:defRPr>
+            </a:lvl5pPr>
+            <a:lvl6pPr marL="2286000" algn="l" defTabSz="914400" rtl="0" eaLnBrk="1" latinLnBrk="0" hangingPunct="1">
+              <a:defRPr sz="1800" kern="1200">
+                <a:solidFill>
+                  <a:schemeClr val="tx1"/>
+                </a:solidFill>
+                <a:latin typeface="+mn-lt"/>
+                <a:ea typeface="+mn-ea"/>
+                <a:cs typeface="+mn-cs"/>
+              </a:defRPr>
+            </a:lvl6pPr>
+            <a:lvl7pPr marL="2743200" algn="l" defTabSz="914400" rtl="0" eaLnBrk="1" latinLnBrk="0" hangingPunct="1">
+              <a:defRPr sz="1800" kern="1200">
+                <a:solidFill>
+                  <a:schemeClr val="tx1"/>
+                </a:solidFill>
+                <a:latin typeface="+mn-lt"/>
+                <a:ea typeface="+mn-ea"/>
+                <a:cs typeface="+mn-cs"/>
+              </a:defRPr>
+            </a:lvl7pPr>
+            <a:lvl8pPr marL="3200400" algn="l" defTabSz="914400" rtl="0" eaLnBrk="1" latinLnBrk="0" hangingPunct="1">
+              <a:defRPr sz="1800" kern="1200">
+                <a:solidFill>
+                  <a:schemeClr val="tx1"/>
+                </a:solidFill>
+                <a:latin typeface="+mn-lt"/>
+                <a:ea typeface="+mn-ea"/>
+                <a:cs typeface="+mn-cs"/>
+              </a:defRPr>
+            </a:lvl8pPr>
+            <a:lvl9pPr marL="3657600" algn="l" defTabSz="914400" rtl="0" eaLnBrk="1" latinLnBrk="0" hangingPunct="1">
+              <a:defRPr sz="1800" kern="1200">
+                <a:solidFill>
+                  <a:schemeClr val="tx1"/>
+                </a:solidFill>
+                <a:latin typeface="+mn-lt"/>
+                <a:ea typeface="+mn-ea"/>
+                <a:cs typeface="+mn-cs"/>
+              </a:defRPr>
+            </a:lvl9pPr>
+          </a:lstStyle>
+          <a:p>
+            <a:r>
+              <a:rPr lang="en-US" altLang="zh-CN" sz="3200" dirty="0">
+                <a:solidFill>
+                  <a:srgbClr val="425166"/>
+                </a:solidFill>
+                <a:latin typeface="Times New Roman" panose="02020603050405020304" pitchFamily="18" charset="0"/>
+                <a:ea typeface="思源黑体 CN Normal" panose="020B0400000000000000" pitchFamily="34" charset="-122"/>
+                <a:cs typeface="Times New Roman" panose="02020603050405020304" pitchFamily="18" charset="0"/>
+                <a:sym typeface="思源黑体 CN Normal" panose="020B0400000000000000" pitchFamily="34" charset="-122"/>
+              </a:rPr>
+              <a:t>Design Patterns in Refactoring</a:t>
+            </a:r>
+          </a:p>
+          <a:p>
+            <a:r>
+              <a:rPr lang="en-US" altLang="zh-CN" sz="3200" dirty="0">
+                <a:solidFill>
+                  <a:srgbClr val="425166"/>
+                </a:solidFill>
+                <a:latin typeface="Times New Roman" panose="02020603050405020304" pitchFamily="18" charset="0"/>
+                <a:ea typeface="思源黑体 CN Normal" panose="020B0400000000000000" pitchFamily="34" charset="-122"/>
+                <a:cs typeface="Times New Roman" panose="02020603050405020304" pitchFamily="18" charset="0"/>
+                <a:sym typeface="思源黑体 CN Normal" panose="020B0400000000000000" pitchFamily="34" charset="-122"/>
+              </a:rPr>
+              <a:t> </a:t>
+            </a:r>
+            <a:endParaRPr lang="zh-CN" altLang="en-US" sz="3200" dirty="0">
+              <a:solidFill>
+                <a:srgbClr val="425166"/>
+              </a:solidFill>
+              <a:latin typeface="Times New Roman" panose="02020603050405020304" pitchFamily="18" charset="0"/>
+              <a:ea typeface="思源黑体 CN Normal" panose="020B0400000000000000" pitchFamily="34" charset="-122"/>
+              <a:cs typeface="Times New Roman" panose="02020603050405020304" pitchFamily="18" charset="0"/>
+              <a:sym typeface="思源黑体 CN Normal" panose="020B0400000000000000" pitchFamily="34" charset="-122"/>
+            </a:endParaRPr>
+          </a:p>
+        </p:txBody>
+      </p:sp>
+      <p:sp>
+        <p:nvSpPr>
+          <p:cNvPr id="27" name="文本框 26">
+            <a:extLst>
+              <a:ext uri="{FF2B5EF4-FFF2-40B4-BE49-F238E27FC236}">
+                <a16:creationId xmlns:a16="http://schemas.microsoft.com/office/drawing/2014/main" id="{752616ED-6CFD-FAAA-65BD-13BAF24E6A21}"/>
+              </a:ext>
+            </a:extLst>
+          </p:cNvPr>
+          <p:cNvSpPr txBox="1"/>
+          <p:nvPr/>
+        </p:nvSpPr>
+        <p:spPr>
+          <a:xfrm>
+            <a:off x="1513519" y="934603"/>
+            <a:ext cx="3249738" cy="369332"/>
+          </a:xfrm>
+          <a:prstGeom prst="rect">
+            <a:avLst/>
+          </a:prstGeom>
+          <a:noFill/>
+        </p:spPr>
+        <p:txBody>
+          <a:bodyPr wrap="square">
+            <a:spAutoFit/>
+          </a:bodyPr>
+          <a:lstStyle/>
+          <a:p>
+            <a:pPr algn="ctr"/>
+            <a:r>
+              <a:rPr lang="en-US" altLang="zh-CN" dirty="0">
+                <a:latin typeface="Times New Roman" panose="02020603050405020304" pitchFamily="18" charset="0"/>
+                <a:cs typeface="Times New Roman" panose="02020603050405020304" pitchFamily="18" charset="0"/>
+              </a:rPr>
+              <a:t>Class diagram of Flyweight</a:t>
+            </a:r>
+            <a:endParaRPr lang="zh-CN" altLang="en-US" dirty="0">
+              <a:latin typeface="Times New Roman" panose="02020603050405020304" pitchFamily="18" charset="0"/>
+              <a:cs typeface="Times New Roman" panose="02020603050405020304" pitchFamily="18" charset="0"/>
+            </a:endParaRPr>
+          </a:p>
+        </p:txBody>
+      </p:sp>
+      <p:grpSp>
+        <p:nvGrpSpPr>
+          <p:cNvPr id="30" name="组合 29">
+            <a:extLst>
+              <a:ext uri="{FF2B5EF4-FFF2-40B4-BE49-F238E27FC236}">
+                <a16:creationId xmlns:a16="http://schemas.microsoft.com/office/drawing/2014/main" id="{5027DDE7-65B8-49BD-5E67-EBC7EFAF8BA9}"/>
+              </a:ext>
+            </a:extLst>
+          </p:cNvPr>
+          <p:cNvGrpSpPr/>
+          <p:nvPr/>
+        </p:nvGrpSpPr>
+        <p:grpSpPr>
+          <a:xfrm rot="10800000">
+            <a:off x="5944137" y="3145759"/>
+            <a:ext cx="969273" cy="248633"/>
+            <a:chOff x="6049119" y="5793914"/>
+            <a:chExt cx="1030620" cy="299295"/>
+          </a:xfrm>
+          <a:gradFill>
+            <a:gsLst>
+              <a:gs pos="0">
+                <a:schemeClr val="accent1">
+                  <a:lumMod val="5000"/>
+                  <a:lumOff val="95000"/>
+                </a:schemeClr>
+              </a:gs>
+              <a:gs pos="33000">
+                <a:schemeClr val="accent1">
+                  <a:lumMod val="45000"/>
+                  <a:lumOff val="55000"/>
+                </a:schemeClr>
+              </a:gs>
+              <a:gs pos="100000">
+                <a:schemeClr val="accent1">
+                  <a:lumMod val="75000"/>
+                </a:schemeClr>
+              </a:gs>
+            </a:gsLst>
+            <a:lin ang="0" scaled="0"/>
+          </a:gradFill>
+        </p:grpSpPr>
+        <p:sp>
+          <p:nvSpPr>
+            <p:cNvPr id="33" name="箭头: V 形 32">
+              <a:extLst>
+                <a:ext uri="{FF2B5EF4-FFF2-40B4-BE49-F238E27FC236}">
+                  <a16:creationId xmlns:a16="http://schemas.microsoft.com/office/drawing/2014/main" id="{CC470B7B-40A9-174D-26D7-2C6BED85682C}"/>
+                </a:ext>
+              </a:extLst>
+            </p:cNvPr>
+            <p:cNvSpPr/>
+            <p:nvPr/>
+          </p:nvSpPr>
+          <p:spPr>
+            <a:xfrm>
+              <a:off x="6049119" y="5793914"/>
+              <a:ext cx="258751" cy="299295"/>
+            </a:xfrm>
+            <a:prstGeom prst="chevron">
+              <a:avLst/>
+            </a:prstGeom>
+            <a:grpFill/>
+            <a:ln>
+              <a:noFill/>
+            </a:ln>
+          </p:spPr>
+          <p:style>
+            <a:lnRef idx="2">
+              <a:schemeClr val="accent1">
+                <a:shade val="15000"/>
+              </a:schemeClr>
+            </a:lnRef>
+            <a:fillRef idx="1">
+              <a:schemeClr val="accent1"/>
+            </a:fillRef>
+            <a:effectRef idx="0">
+              <a:schemeClr val="accent1"/>
+            </a:effectRef>
+            <a:fontRef idx="minor">
+              <a:schemeClr val="lt1"/>
+            </a:fontRef>
+          </p:style>
+          <p:txBody>
+            <a:bodyPr rtlCol="0" anchor="ctr"/>
+            <a:lstStyle/>
+            <a:p>
+              <a:pPr algn="ctr"/>
+              <a:endParaRPr lang="zh-CN" altLang="en-US">
+                <a:solidFill>
+                  <a:schemeClr val="accent1">
+                    <a:lumMod val="40000"/>
+                    <a:lumOff val="60000"/>
+                  </a:schemeClr>
+                </a:solidFill>
+              </a:endParaRPr>
+            </a:p>
+          </p:txBody>
+        </p:sp>
+        <p:sp>
+          <p:nvSpPr>
+            <p:cNvPr id="34" name="箭头: V 形 33">
+              <a:extLst>
+                <a:ext uri="{FF2B5EF4-FFF2-40B4-BE49-F238E27FC236}">
+                  <a16:creationId xmlns:a16="http://schemas.microsoft.com/office/drawing/2014/main" id="{A17F48B5-09F2-CD9A-6D08-8F710104436B}"/>
+                </a:ext>
+              </a:extLst>
+            </p:cNvPr>
+            <p:cNvSpPr/>
+            <p:nvPr/>
+          </p:nvSpPr>
+          <p:spPr>
+            <a:xfrm>
+              <a:off x="6307869" y="5793914"/>
+              <a:ext cx="258751" cy="299295"/>
+            </a:xfrm>
+            <a:prstGeom prst="chevron">
+              <a:avLst/>
+            </a:prstGeom>
+            <a:grpFill/>
+            <a:ln>
+              <a:noFill/>
+            </a:ln>
+          </p:spPr>
+          <p:style>
+            <a:lnRef idx="2">
+              <a:schemeClr val="accent1">
+                <a:shade val="15000"/>
+              </a:schemeClr>
+            </a:lnRef>
+            <a:fillRef idx="1">
+              <a:schemeClr val="accent1"/>
+            </a:fillRef>
+            <a:effectRef idx="0">
+              <a:schemeClr val="accent1"/>
+            </a:effectRef>
+            <a:fontRef idx="minor">
+              <a:schemeClr val="lt1"/>
+            </a:fontRef>
+          </p:style>
+          <p:txBody>
+            <a:bodyPr rtlCol="0" anchor="ctr"/>
+            <a:lstStyle/>
+            <a:p>
+              <a:pPr algn="ctr"/>
+              <a:endParaRPr lang="zh-CN" altLang="en-US">
+                <a:solidFill>
+                  <a:schemeClr val="accent1">
+                    <a:lumMod val="40000"/>
+                    <a:lumOff val="60000"/>
+                  </a:schemeClr>
+                </a:solidFill>
+              </a:endParaRPr>
+            </a:p>
+          </p:txBody>
+        </p:sp>
+        <p:sp>
+          <p:nvSpPr>
+            <p:cNvPr id="35" name="箭头: V 形 34">
+              <a:extLst>
+                <a:ext uri="{FF2B5EF4-FFF2-40B4-BE49-F238E27FC236}">
+                  <a16:creationId xmlns:a16="http://schemas.microsoft.com/office/drawing/2014/main" id="{B5A0A39C-8FE9-D65A-782D-0CCD61038614}"/>
+                </a:ext>
+              </a:extLst>
+            </p:cNvPr>
+            <p:cNvSpPr/>
+            <p:nvPr/>
+          </p:nvSpPr>
+          <p:spPr>
+            <a:xfrm>
+              <a:off x="6566622" y="5793914"/>
+              <a:ext cx="258751" cy="299295"/>
+            </a:xfrm>
+            <a:prstGeom prst="chevron">
+              <a:avLst/>
+            </a:prstGeom>
+            <a:grpFill/>
+            <a:ln>
+              <a:noFill/>
+            </a:ln>
+          </p:spPr>
+          <p:style>
+            <a:lnRef idx="2">
+              <a:schemeClr val="accent1">
+                <a:shade val="15000"/>
+              </a:schemeClr>
+            </a:lnRef>
+            <a:fillRef idx="1">
+              <a:schemeClr val="accent1"/>
+            </a:fillRef>
+            <a:effectRef idx="0">
+              <a:schemeClr val="accent1"/>
+            </a:effectRef>
+            <a:fontRef idx="minor">
+              <a:schemeClr val="lt1"/>
+            </a:fontRef>
+          </p:style>
+          <p:txBody>
+            <a:bodyPr rtlCol="0" anchor="ctr"/>
+            <a:lstStyle/>
+            <a:p>
+              <a:pPr algn="ctr"/>
+              <a:endParaRPr lang="zh-CN" altLang="en-US" dirty="0">
+                <a:solidFill>
+                  <a:schemeClr val="accent1">
+                    <a:lumMod val="40000"/>
+                    <a:lumOff val="60000"/>
+                  </a:schemeClr>
+                </a:solidFill>
+              </a:endParaRPr>
+            </a:p>
+          </p:txBody>
+        </p:sp>
+        <p:sp>
+          <p:nvSpPr>
+            <p:cNvPr id="36" name="箭头: V 形 35">
+              <a:extLst>
+                <a:ext uri="{FF2B5EF4-FFF2-40B4-BE49-F238E27FC236}">
+                  <a16:creationId xmlns:a16="http://schemas.microsoft.com/office/drawing/2014/main" id="{1A054D19-2391-E10D-F2CD-DAE824B5A512}"/>
+                </a:ext>
+              </a:extLst>
+            </p:cNvPr>
+            <p:cNvSpPr/>
+            <p:nvPr/>
+          </p:nvSpPr>
+          <p:spPr>
+            <a:xfrm>
+              <a:off x="6820988" y="5793914"/>
+              <a:ext cx="258751" cy="299295"/>
+            </a:xfrm>
+            <a:prstGeom prst="chevron">
+              <a:avLst/>
+            </a:prstGeom>
+            <a:grpFill/>
+            <a:ln>
+              <a:noFill/>
+            </a:ln>
+          </p:spPr>
+          <p:style>
+            <a:lnRef idx="2">
+              <a:schemeClr val="accent1">
+                <a:shade val="15000"/>
+              </a:schemeClr>
+            </a:lnRef>
+            <a:fillRef idx="1">
+              <a:schemeClr val="accent1"/>
+            </a:fillRef>
+            <a:effectRef idx="0">
+              <a:schemeClr val="accent1"/>
+            </a:effectRef>
+            <a:fontRef idx="minor">
+              <a:schemeClr val="lt1"/>
+            </a:fontRef>
+          </p:style>
+          <p:txBody>
+            <a:bodyPr rtlCol="0" anchor="ctr"/>
+            <a:lstStyle/>
+            <a:p>
+              <a:pPr algn="ctr"/>
+              <a:endParaRPr lang="zh-CN" altLang="en-US">
+                <a:solidFill>
+                  <a:schemeClr val="accent1">
+                    <a:lumMod val="40000"/>
+                    <a:lumOff val="60000"/>
+                  </a:schemeClr>
+                </a:solidFill>
+              </a:endParaRPr>
+            </a:p>
+          </p:txBody>
+        </p:sp>
+      </p:grpSp>
+      <p:pic>
+        <p:nvPicPr>
+          <p:cNvPr id="42" name="图片 41">
+            <a:extLst>
+              <a:ext uri="{FF2B5EF4-FFF2-40B4-BE49-F238E27FC236}">
+                <a16:creationId xmlns:a16="http://schemas.microsoft.com/office/drawing/2014/main" id="{462E81E7-9823-6E88-A944-3A75D9DDB5B7}"/>
+              </a:ext>
+            </a:extLst>
+          </p:cNvPr>
+          <p:cNvPicPr>
+            <a:picLocks noChangeAspect="1"/>
+          </p:cNvPicPr>
+          <p:nvPr/>
+        </p:nvPicPr>
+        <p:blipFill>
+          <a:blip r:embed="rId3"/>
+          <a:stretch>
+            <a:fillRect/>
+          </a:stretch>
+        </p:blipFill>
+        <p:spPr>
+          <a:xfrm>
+            <a:off x="6913410" y="1785385"/>
+            <a:ext cx="5096193" cy="2720748"/>
+          </a:xfrm>
+          <a:prstGeom prst="rect">
+            <a:avLst/>
+          </a:prstGeom>
+        </p:spPr>
+      </p:pic>
+      <p:sp>
+        <p:nvSpPr>
+          <p:cNvPr id="43" name="文本框 42">
+            <a:extLst>
+              <a:ext uri="{FF2B5EF4-FFF2-40B4-BE49-F238E27FC236}">
+                <a16:creationId xmlns:a16="http://schemas.microsoft.com/office/drawing/2014/main" id="{07B55608-F68F-CAE3-AC31-455A67E9D5DE}"/>
+              </a:ext>
+            </a:extLst>
+          </p:cNvPr>
+          <p:cNvSpPr txBox="1"/>
+          <p:nvPr/>
+        </p:nvSpPr>
+        <p:spPr>
+          <a:xfrm>
+            <a:off x="7836637" y="934603"/>
+            <a:ext cx="3249738" cy="369332"/>
+          </a:xfrm>
+          <a:prstGeom prst="rect">
+            <a:avLst/>
+          </a:prstGeom>
+          <a:noFill/>
+        </p:spPr>
+        <p:txBody>
+          <a:bodyPr wrap="square">
+            <a:spAutoFit/>
+          </a:bodyPr>
+          <a:lstStyle/>
+          <a:p>
+            <a:pPr algn="ctr"/>
+            <a:r>
+              <a:rPr lang="en-US" altLang="zh-CN" dirty="0">
+                <a:latin typeface="Times New Roman" panose="02020603050405020304" pitchFamily="18" charset="0"/>
+                <a:cs typeface="Times New Roman" panose="02020603050405020304" pitchFamily="18" charset="0"/>
+              </a:rPr>
+              <a:t>Original Structure</a:t>
+            </a:r>
+            <a:endParaRPr lang="zh-CN" altLang="en-US" dirty="0">
+              <a:latin typeface="Times New Roman" panose="02020603050405020304" pitchFamily="18" charset="0"/>
+              <a:cs typeface="Times New Roman" panose="02020603050405020304" pitchFamily="18" charset="0"/>
+            </a:endParaRPr>
+          </a:p>
+        </p:txBody>
+      </p:sp>
+      <p:sp>
+        <p:nvSpPr>
+          <p:cNvPr id="44" name="文本框 43">
+            <a:extLst>
+              <a:ext uri="{FF2B5EF4-FFF2-40B4-BE49-F238E27FC236}">
+                <a16:creationId xmlns:a16="http://schemas.microsoft.com/office/drawing/2014/main" id="{DCBF9AA9-6559-0FF9-22E7-C2D514ACEB6B}"/>
+              </a:ext>
+            </a:extLst>
+          </p:cNvPr>
+          <p:cNvSpPr txBox="1"/>
+          <p:nvPr/>
+        </p:nvSpPr>
+        <p:spPr>
+          <a:xfrm>
+            <a:off x="6973122" y="1303935"/>
+            <a:ext cx="5002475" cy="584775"/>
+          </a:xfrm>
+          <a:prstGeom prst="rect">
+            <a:avLst/>
+          </a:prstGeom>
+          <a:noFill/>
+        </p:spPr>
+        <p:txBody>
+          <a:bodyPr wrap="square">
+            <a:spAutoFit/>
+          </a:bodyPr>
+          <a:lstStyle/>
+          <a:p>
+            <a:r>
+              <a:rPr lang="en-US" altLang="zh-CN" sz="1600" dirty="0">
+                <a:latin typeface="Times New Roman" panose="02020603050405020304" pitchFamily="18" charset="0"/>
+                <a:cs typeface="Times New Roman" panose="02020603050405020304" pitchFamily="18" charset="0"/>
+              </a:rPr>
+              <a:t>       Each time a bullet is created, a texture image that takes up a large amount of space is saved.</a:t>
+            </a:r>
+            <a:endParaRPr lang="zh-CN" altLang="en-US" sz="1600" dirty="0">
+              <a:latin typeface="Times New Roman" panose="02020603050405020304" pitchFamily="18" charset="0"/>
+              <a:cs typeface="Times New Roman" panose="02020603050405020304" pitchFamily="18" charset="0"/>
+            </a:endParaRPr>
+          </a:p>
+        </p:txBody>
+      </p:sp>
+      <p:sp>
+        <p:nvSpPr>
+          <p:cNvPr id="45" name="文本框 44">
+            <a:extLst>
+              <a:ext uri="{FF2B5EF4-FFF2-40B4-BE49-F238E27FC236}">
+                <a16:creationId xmlns:a16="http://schemas.microsoft.com/office/drawing/2014/main" id="{A9792A0B-2732-0E9B-8A85-BA6833CE498A}"/>
+              </a:ext>
+            </a:extLst>
+          </p:cNvPr>
+          <p:cNvSpPr txBox="1"/>
+          <p:nvPr/>
+        </p:nvSpPr>
+        <p:spPr>
+          <a:xfrm>
+            <a:off x="216403" y="4839166"/>
+            <a:ext cx="1434348" cy="461665"/>
+          </a:xfrm>
+          <a:prstGeom prst="rect">
+            <a:avLst/>
+          </a:prstGeom>
+          <a:noFill/>
+        </p:spPr>
+        <p:txBody>
+          <a:bodyPr wrap="square">
+            <a:spAutoFit/>
+          </a:bodyPr>
+          <a:lstStyle/>
+          <a:p>
+            <a:pPr algn="ctr"/>
+            <a:r>
+              <a:rPr lang="en-US" altLang="zh-CN" sz="2400" dirty="0">
+                <a:latin typeface="Times New Roman" panose="02020603050405020304" pitchFamily="18" charset="0"/>
+                <a:cs typeface="Times New Roman" panose="02020603050405020304" pitchFamily="18" charset="0"/>
+              </a:rPr>
+              <a:t>Reasons :</a:t>
+            </a:r>
+            <a:endParaRPr lang="zh-CN" altLang="en-US" sz="2400" dirty="0">
+              <a:latin typeface="Times New Roman" panose="02020603050405020304" pitchFamily="18" charset="0"/>
+              <a:cs typeface="Times New Roman" panose="02020603050405020304" pitchFamily="18" charset="0"/>
+            </a:endParaRPr>
+          </a:p>
+        </p:txBody>
+      </p:sp>
+      <p:sp>
+        <p:nvSpPr>
+          <p:cNvPr id="46" name="文本框 45">
+            <a:extLst>
+              <a:ext uri="{FF2B5EF4-FFF2-40B4-BE49-F238E27FC236}">
+                <a16:creationId xmlns:a16="http://schemas.microsoft.com/office/drawing/2014/main" id="{42D16094-F781-EAA3-BFAA-3E23D9C434DE}"/>
+              </a:ext>
+            </a:extLst>
+          </p:cNvPr>
+          <p:cNvSpPr txBox="1"/>
+          <p:nvPr/>
+        </p:nvSpPr>
+        <p:spPr>
+          <a:xfrm>
+            <a:off x="6096000" y="4651438"/>
+            <a:ext cx="1353941" cy="461665"/>
+          </a:xfrm>
+          <a:prstGeom prst="rect">
+            <a:avLst/>
+          </a:prstGeom>
+          <a:noFill/>
+        </p:spPr>
+        <p:txBody>
+          <a:bodyPr wrap="square">
+            <a:spAutoFit/>
+          </a:bodyPr>
+          <a:lstStyle/>
+          <a:p>
+            <a:pPr algn="ctr"/>
+            <a:r>
+              <a:rPr lang="en-US" altLang="zh-CN" sz="2400" dirty="0">
+                <a:latin typeface="Times New Roman" panose="02020603050405020304" pitchFamily="18" charset="0"/>
+                <a:cs typeface="Times New Roman" panose="02020603050405020304" pitchFamily="18" charset="0"/>
+              </a:rPr>
+              <a:t>Benefits :</a:t>
+            </a:r>
+            <a:endParaRPr lang="zh-CN" altLang="en-US" sz="2400" dirty="0">
+              <a:latin typeface="Times New Roman" panose="02020603050405020304" pitchFamily="18" charset="0"/>
+              <a:cs typeface="Times New Roman" panose="02020603050405020304" pitchFamily="18" charset="0"/>
+            </a:endParaRPr>
+          </a:p>
+        </p:txBody>
+      </p:sp>
+      <p:sp>
+        <p:nvSpPr>
+          <p:cNvPr id="47" name="文本框 46">
+            <a:extLst>
+              <a:ext uri="{FF2B5EF4-FFF2-40B4-BE49-F238E27FC236}">
+                <a16:creationId xmlns:a16="http://schemas.microsoft.com/office/drawing/2014/main" id="{B8464A87-4B0E-0AEE-8D06-C7F42F146CD6}"/>
+              </a:ext>
+            </a:extLst>
+          </p:cNvPr>
+          <p:cNvSpPr txBox="1"/>
+          <p:nvPr/>
+        </p:nvSpPr>
+        <p:spPr>
+          <a:xfrm>
+            <a:off x="269711" y="5300831"/>
+            <a:ext cx="4131250" cy="1098634"/>
+          </a:xfrm>
+          <a:prstGeom prst="rect">
+            <a:avLst/>
+          </a:prstGeom>
+          <a:noFill/>
+        </p:spPr>
+        <p:txBody>
+          <a:bodyPr wrap="square">
+            <a:spAutoFit/>
+          </a:bodyPr>
+          <a:lstStyle/>
+          <a:p>
+            <a:pPr marL="285750" indent="-285750">
+              <a:lnSpc>
+                <a:spcPct val="125000"/>
+              </a:lnSpc>
+              <a:buFont typeface="Arial" panose="020B0604020202020204" pitchFamily="34" charset="0"/>
+              <a:buChar char="•"/>
+            </a:pPr>
+            <a:r>
+              <a:rPr lang="en-US" altLang="zh-CN" dirty="0">
+                <a:latin typeface="Times New Roman" panose="02020603050405020304" pitchFamily="18" charset="0"/>
+                <a:cs typeface="Times New Roman" panose="02020603050405020304" pitchFamily="18" charset="0"/>
+              </a:rPr>
+              <a:t>High memory usage</a:t>
+            </a:r>
+          </a:p>
+          <a:p>
+            <a:pPr marL="285750" indent="-285750">
+              <a:lnSpc>
+                <a:spcPct val="125000"/>
+              </a:lnSpc>
+              <a:buFont typeface="Arial" panose="020B0604020202020204" pitchFamily="34" charset="0"/>
+              <a:buChar char="•"/>
+            </a:pPr>
+            <a:r>
+              <a:rPr lang="en-US" altLang="zh-CN" dirty="0">
+                <a:latin typeface="Times New Roman" panose="02020603050405020304" pitchFamily="18" charset="0"/>
+                <a:cs typeface="Times New Roman" panose="02020603050405020304" pitchFamily="18" charset="0"/>
+              </a:rPr>
+              <a:t>Low texture loading efficiency</a:t>
+            </a:r>
+          </a:p>
+          <a:p>
+            <a:pPr marL="285750" indent="-285750">
+              <a:lnSpc>
+                <a:spcPct val="125000"/>
+              </a:lnSpc>
+              <a:buFont typeface="Arial" panose="020B0604020202020204" pitchFamily="34" charset="0"/>
+              <a:buChar char="•"/>
+            </a:pPr>
+            <a:r>
+              <a:rPr lang="en-US" altLang="zh-CN" dirty="0">
+                <a:latin typeface="Times New Roman" panose="02020603050405020304" pitchFamily="18" charset="0"/>
+                <a:cs typeface="Times New Roman" panose="02020603050405020304" pitchFamily="18" charset="0"/>
+              </a:rPr>
+              <a:t>Disorganized resource management</a:t>
+            </a:r>
+            <a:endParaRPr lang="zh-CN" altLang="en-US" sz="1600" dirty="0">
+              <a:latin typeface="Times New Roman" panose="02020603050405020304" pitchFamily="18" charset="0"/>
+              <a:cs typeface="Times New Roman" panose="02020603050405020304" pitchFamily="18" charset="0"/>
+            </a:endParaRPr>
+          </a:p>
+        </p:txBody>
+      </p:sp>
+      <p:sp>
+        <p:nvSpPr>
+          <p:cNvPr id="48" name="文本框 47">
+            <a:extLst>
+              <a:ext uri="{FF2B5EF4-FFF2-40B4-BE49-F238E27FC236}">
+                <a16:creationId xmlns:a16="http://schemas.microsoft.com/office/drawing/2014/main" id="{3BAD0D5C-C0EF-C4D5-C2E6-5C875CC22FBE}"/>
+              </a:ext>
+            </a:extLst>
+          </p:cNvPr>
+          <p:cNvSpPr txBox="1"/>
+          <p:nvPr/>
+        </p:nvSpPr>
+        <p:spPr>
+          <a:xfrm>
+            <a:off x="6096000" y="5069998"/>
+            <a:ext cx="4028184" cy="1444883"/>
+          </a:xfrm>
+          <a:prstGeom prst="rect">
+            <a:avLst/>
+          </a:prstGeom>
+          <a:noFill/>
+        </p:spPr>
+        <p:txBody>
+          <a:bodyPr wrap="square">
+            <a:spAutoFit/>
+          </a:bodyPr>
+          <a:lstStyle/>
+          <a:p>
+            <a:pPr marL="285750" indent="-285750">
+              <a:lnSpc>
+                <a:spcPct val="125000"/>
+              </a:lnSpc>
+              <a:buFont typeface="Arial" panose="020B0604020202020204" pitchFamily="34" charset="0"/>
+              <a:buChar char="•"/>
+            </a:pPr>
+            <a:r>
+              <a:rPr lang="en-US" altLang="zh-CN" dirty="0">
+                <a:latin typeface="Times New Roman" panose="02020603050405020304" pitchFamily="18" charset="0"/>
+                <a:cs typeface="Times New Roman" panose="02020603050405020304" pitchFamily="18" charset="0"/>
+              </a:rPr>
+              <a:t>Reduces memory consumption</a:t>
+            </a:r>
+          </a:p>
+          <a:p>
+            <a:pPr marL="285750" indent="-285750">
+              <a:lnSpc>
+                <a:spcPct val="125000"/>
+              </a:lnSpc>
+              <a:buFont typeface="Arial" panose="020B0604020202020204" pitchFamily="34" charset="0"/>
+              <a:buChar char="•"/>
+            </a:pPr>
+            <a:r>
+              <a:rPr lang="en-US" altLang="zh-CN" dirty="0">
+                <a:latin typeface="Times New Roman" panose="02020603050405020304" pitchFamily="18" charset="0"/>
+                <a:cs typeface="Times New Roman" panose="02020603050405020304" pitchFamily="18" charset="0"/>
+              </a:rPr>
+              <a:t>Improves loading efficiency</a:t>
+            </a:r>
+          </a:p>
+          <a:p>
+            <a:pPr marL="285750" indent="-285750">
+              <a:lnSpc>
+                <a:spcPct val="125000"/>
+              </a:lnSpc>
+              <a:buFont typeface="Arial" panose="020B0604020202020204" pitchFamily="34" charset="0"/>
+              <a:buChar char="•"/>
+            </a:pPr>
+            <a:r>
+              <a:rPr lang="en-US" altLang="zh-CN" dirty="0">
+                <a:latin typeface="Times New Roman" panose="02020603050405020304" pitchFamily="18" charset="0"/>
+                <a:cs typeface="Times New Roman" panose="02020603050405020304" pitchFamily="18" charset="0"/>
+              </a:rPr>
+              <a:t>Supports high-concurrency scenarios</a:t>
+            </a:r>
+          </a:p>
+          <a:p>
+            <a:pPr marL="285750" indent="-285750">
+              <a:lnSpc>
+                <a:spcPct val="125000"/>
+              </a:lnSpc>
+              <a:buFont typeface="Arial" panose="020B0604020202020204" pitchFamily="34" charset="0"/>
+              <a:buChar char="•"/>
+            </a:pPr>
+            <a:r>
+              <a:rPr lang="en-US" altLang="zh-CN" dirty="0">
+                <a:latin typeface="Times New Roman" panose="02020603050405020304" pitchFamily="18" charset="0"/>
+                <a:cs typeface="Times New Roman" panose="02020603050405020304" pitchFamily="18" charset="0"/>
+              </a:rPr>
+              <a:t>Facilitates resource management</a:t>
+            </a:r>
+            <a:endParaRPr lang="zh-CN" altLang="en-US" sz="1600" dirty="0">
+              <a:latin typeface="Times New Roman" panose="02020603050405020304" pitchFamily="18" charset="0"/>
+              <a:cs typeface="Times New Roman" panose="02020603050405020304" pitchFamily="18" charset="0"/>
+            </a:endParaRPr>
+          </a:p>
+        </p:txBody>
+      </p:sp>
+    </p:spTree>
+    <p:extLst>
+      <p:ext uri="{BB962C8B-B14F-4D97-AF65-F5344CB8AC3E}">
+        <p14:creationId xmlns:p14="http://schemas.microsoft.com/office/powerpoint/2010/main" val="411156907"/>
+      </p:ext>
+    </p:extLst>
+  </p:cSld>
+  <p:clrMapOvr>
+    <a:masterClrMapping/>
+  </p:clrMapOvr>
+</p:sld>
+</file>
+
+<file path=ppt/slides/slide9.xml><?xml version="1.0" encoding="utf-8"?>
 <p:sld xmlns:a="http://schemas.openxmlformats.org/drawingml/2006/main" xmlns:r="http://schemas.openxmlformats.org/officeDocument/2006/relationships" xmlns:p="http://schemas.openxmlformats.org/presentationml/2006/main">
   <p:cSld>
     <p:spTree>
@@ -37085,378 +39548,6 @@
     <p:extLst>
       <p:ext uri="{BB962C8B-B14F-4D97-AF65-F5344CB8AC3E}">
         <p14:creationId xmlns:p14="http://schemas.microsoft.com/office/powerpoint/2010/main" val="830072863"/>
-      </p:ext>
-    </p:extLst>
-  </p:cSld>
-  <p:clrMapOvr>
-    <a:masterClrMapping/>
-  </p:clrMapOvr>
-</p:sld>
-</file>
-
-<file path=ppt/slides/slide9.xml><?xml version="1.0" encoding="utf-8"?>
-<p:sld xmlns:a="http://schemas.openxmlformats.org/drawingml/2006/main" xmlns:r="http://schemas.openxmlformats.org/officeDocument/2006/relationships" xmlns:p="http://schemas.openxmlformats.org/presentationml/2006/main">
-  <p:cSld>
-    <p:spTree>
-      <p:nvGrpSpPr>
-        <p:cNvPr id="1" name="">
-          <a:extLst>
-            <a:ext uri="{FF2B5EF4-FFF2-40B4-BE49-F238E27FC236}">
-              <a16:creationId xmlns:a16="http://schemas.microsoft.com/office/drawing/2014/main" id="{16EDB30C-A6B2-863C-84BC-DDA69456B841}"/>
-            </a:ext>
-          </a:extLst>
-        </p:cNvPr>
-        <p:cNvGrpSpPr/>
-        <p:nvPr/>
-      </p:nvGrpSpPr>
-      <p:grpSpPr>
-        <a:xfrm>
-          <a:off x="0" y="0"/>
-          <a:ext cx="0" cy="0"/>
-          <a:chOff x="0" y="0"/>
-          <a:chExt cx="0" cy="0"/>
-        </a:xfrm>
-      </p:grpSpPr>
-      <p:sp>
-        <p:nvSpPr>
-          <p:cNvPr id="4" name="文本框 12">
-            <a:extLst>
-              <a:ext uri="{FF2B5EF4-FFF2-40B4-BE49-F238E27FC236}">
-                <a16:creationId xmlns:a16="http://schemas.microsoft.com/office/drawing/2014/main" id="{0D31E343-E27D-D0D8-7146-DEC497C8906E}"/>
-              </a:ext>
-            </a:extLst>
-          </p:cNvPr>
-          <p:cNvSpPr txBox="1"/>
-          <p:nvPr/>
-        </p:nvSpPr>
-        <p:spPr>
-          <a:xfrm>
-            <a:off x="1174750" y="308802"/>
-            <a:ext cx="2692911" cy="523220"/>
-          </a:xfrm>
-          <a:prstGeom prst="rect">
-            <a:avLst/>
-          </a:prstGeom>
-          <a:noFill/>
-        </p:spPr>
-        <p:txBody>
-          <a:bodyPr wrap="square" rtlCol="0">
-            <a:spAutoFit/>
-          </a:bodyPr>
-          <a:lstStyle>
-            <a:defPPr>
-              <a:defRPr lang="zh-CN"/>
-            </a:defPPr>
-            <a:lvl1pPr marL="0" algn="l" defTabSz="914400" rtl="0" eaLnBrk="1" latinLnBrk="0" hangingPunct="1">
-              <a:defRPr sz="1800" kern="1200">
-                <a:solidFill>
-                  <a:schemeClr val="tx1"/>
-                </a:solidFill>
-                <a:latin typeface="+mn-lt"/>
-                <a:ea typeface="+mn-ea"/>
-                <a:cs typeface="+mn-cs"/>
-              </a:defRPr>
-            </a:lvl1pPr>
-            <a:lvl2pPr marL="457200" algn="l" defTabSz="914400" rtl="0" eaLnBrk="1" latinLnBrk="0" hangingPunct="1">
-              <a:defRPr sz="1800" kern="1200">
-                <a:solidFill>
-                  <a:schemeClr val="tx1"/>
-                </a:solidFill>
-                <a:latin typeface="+mn-lt"/>
-                <a:ea typeface="+mn-ea"/>
-                <a:cs typeface="+mn-cs"/>
-              </a:defRPr>
-            </a:lvl2pPr>
-            <a:lvl3pPr marL="914400" algn="l" defTabSz="914400" rtl="0" eaLnBrk="1" latinLnBrk="0" hangingPunct="1">
-              <a:defRPr sz="1800" kern="1200">
-                <a:solidFill>
-                  <a:schemeClr val="tx1"/>
-                </a:solidFill>
-                <a:latin typeface="+mn-lt"/>
-                <a:ea typeface="+mn-ea"/>
-                <a:cs typeface="+mn-cs"/>
-              </a:defRPr>
-            </a:lvl3pPr>
-            <a:lvl4pPr marL="1371600" algn="l" defTabSz="914400" rtl="0" eaLnBrk="1" latinLnBrk="0" hangingPunct="1">
-              <a:defRPr sz="1800" kern="1200">
-                <a:solidFill>
-                  <a:schemeClr val="tx1"/>
-                </a:solidFill>
-                <a:latin typeface="+mn-lt"/>
-                <a:ea typeface="+mn-ea"/>
-                <a:cs typeface="+mn-cs"/>
-              </a:defRPr>
-            </a:lvl4pPr>
-            <a:lvl5pPr marL="1828800" algn="l" defTabSz="914400" rtl="0" eaLnBrk="1" latinLnBrk="0" hangingPunct="1">
-              <a:defRPr sz="1800" kern="1200">
-                <a:solidFill>
-                  <a:schemeClr val="tx1"/>
-                </a:solidFill>
-                <a:latin typeface="+mn-lt"/>
-                <a:ea typeface="+mn-ea"/>
-                <a:cs typeface="+mn-cs"/>
-              </a:defRPr>
-            </a:lvl5pPr>
-            <a:lvl6pPr marL="2286000" algn="l" defTabSz="914400" rtl="0" eaLnBrk="1" latinLnBrk="0" hangingPunct="1">
-              <a:defRPr sz="1800" kern="1200">
-                <a:solidFill>
-                  <a:schemeClr val="tx1"/>
-                </a:solidFill>
-                <a:latin typeface="+mn-lt"/>
-                <a:ea typeface="+mn-ea"/>
-                <a:cs typeface="+mn-cs"/>
-              </a:defRPr>
-            </a:lvl6pPr>
-            <a:lvl7pPr marL="2743200" algn="l" defTabSz="914400" rtl="0" eaLnBrk="1" latinLnBrk="0" hangingPunct="1">
-              <a:defRPr sz="1800" kern="1200">
-                <a:solidFill>
-                  <a:schemeClr val="tx1"/>
-                </a:solidFill>
-                <a:latin typeface="+mn-lt"/>
-                <a:ea typeface="+mn-ea"/>
-                <a:cs typeface="+mn-cs"/>
-              </a:defRPr>
-            </a:lvl7pPr>
-            <a:lvl8pPr marL="3200400" algn="l" defTabSz="914400" rtl="0" eaLnBrk="1" latinLnBrk="0" hangingPunct="1">
-              <a:defRPr sz="1800" kern="1200">
-                <a:solidFill>
-                  <a:schemeClr val="tx1"/>
-                </a:solidFill>
-                <a:latin typeface="+mn-lt"/>
-                <a:ea typeface="+mn-ea"/>
-                <a:cs typeface="+mn-cs"/>
-              </a:defRPr>
-            </a:lvl8pPr>
-            <a:lvl9pPr marL="3657600" algn="l" defTabSz="914400" rtl="0" eaLnBrk="1" latinLnBrk="0" hangingPunct="1">
-              <a:defRPr sz="1800" kern="1200">
-                <a:solidFill>
-                  <a:schemeClr val="tx1"/>
-                </a:solidFill>
-                <a:latin typeface="+mn-lt"/>
-                <a:ea typeface="+mn-ea"/>
-                <a:cs typeface="+mn-cs"/>
-              </a:defRPr>
-            </a:lvl9pPr>
-          </a:lstStyle>
-          <a:p>
-            <a:pPr algn="ctr"/>
-            <a:r>
-              <a:rPr lang="zh-CN" altLang="en-US" sz="2800" dirty="0">
-                <a:solidFill>
-                  <a:srgbClr val="425166"/>
-                </a:solidFill>
-                <a:latin typeface="思源黑体 CN Normal" panose="020B0400000000000000" pitchFamily="34" charset="-122"/>
-                <a:ea typeface="思源黑体 CN Normal" panose="020B0400000000000000" pitchFamily="34" charset="-122"/>
-                <a:sym typeface="思源黑体 CN Normal" panose="020B0400000000000000" pitchFamily="34" charset="-122"/>
-              </a:rPr>
-              <a:t>数据详情分析</a:t>
-            </a:r>
-          </a:p>
-        </p:txBody>
-      </p:sp>
-      <p:sp>
-        <p:nvSpPr>
-          <p:cNvPr id="5" name="矩形 4">
-            <a:extLst>
-              <a:ext uri="{FF2B5EF4-FFF2-40B4-BE49-F238E27FC236}">
-                <a16:creationId xmlns:a16="http://schemas.microsoft.com/office/drawing/2014/main" id="{053F7B5E-8A01-2DB1-FFEC-5694CC25643E}"/>
-              </a:ext>
-            </a:extLst>
-          </p:cNvPr>
-          <p:cNvSpPr/>
-          <p:nvPr/>
-        </p:nvSpPr>
-        <p:spPr>
-          <a:xfrm>
-            <a:off x="0" y="343632"/>
-            <a:ext cx="1244600" cy="426835"/>
-          </a:xfrm>
-          <a:prstGeom prst="rect">
-            <a:avLst/>
-          </a:prstGeom>
-          <a:solidFill>
-            <a:schemeClr val="accent1">
-              <a:lumMod val="50000"/>
-            </a:schemeClr>
-          </a:solidFill>
-        </p:spPr>
-        <p:style>
-          <a:lnRef idx="2">
-            <a:schemeClr val="accent1">
-              <a:shade val="15000"/>
-            </a:schemeClr>
-          </a:lnRef>
-          <a:fillRef idx="1">
-            <a:schemeClr val="accent1"/>
-          </a:fillRef>
-          <a:effectRef idx="0">
-            <a:schemeClr val="accent1"/>
-          </a:effectRef>
-          <a:fontRef idx="minor">
-            <a:schemeClr val="lt1"/>
-          </a:fontRef>
-        </p:style>
-        <p:txBody>
-          <a:bodyPr rtlCol="0" anchor="ctr"/>
-          <a:lstStyle/>
-          <a:p>
-            <a:pPr algn="ctr"/>
-            <a:endParaRPr lang="zh-CN" altLang="en-US"/>
-          </a:p>
-        </p:txBody>
-      </p:sp>
-      <p:sp>
-        <p:nvSpPr>
-          <p:cNvPr id="6" name="文本框 5">
-            <a:extLst>
-              <a:ext uri="{FF2B5EF4-FFF2-40B4-BE49-F238E27FC236}">
-                <a16:creationId xmlns:a16="http://schemas.microsoft.com/office/drawing/2014/main" id="{A261E224-1BF3-2469-EF5C-7E3DBE744504}"/>
-              </a:ext>
-            </a:extLst>
-          </p:cNvPr>
-          <p:cNvSpPr txBox="1"/>
-          <p:nvPr/>
-        </p:nvSpPr>
-        <p:spPr>
-          <a:xfrm>
-            <a:off x="69850" y="370357"/>
-            <a:ext cx="1104900" cy="400110"/>
-          </a:xfrm>
-          <a:prstGeom prst="rect">
-            <a:avLst/>
-          </a:prstGeom>
-          <a:noFill/>
-        </p:spPr>
-        <p:txBody>
-          <a:bodyPr wrap="square" rtlCol="0">
-            <a:spAutoFit/>
-          </a:bodyPr>
-          <a:lstStyle/>
-          <a:p>
-            <a:r>
-              <a:rPr lang="en-US" altLang="zh-CN" sz="2000" dirty="0">
-                <a:solidFill>
-                  <a:schemeClr val="bg1">
-                    <a:lumMod val="95000"/>
-                  </a:schemeClr>
-                </a:solidFill>
-                <a:latin typeface="思源黑体 CN Bold" panose="020B0800000000000000" pitchFamily="34" charset="-122"/>
-                <a:ea typeface="思源黑体 CN Bold" panose="020B0800000000000000" pitchFamily="34" charset="-122"/>
-              </a:rPr>
-              <a:t>PART 1</a:t>
-            </a:r>
-            <a:endParaRPr lang="zh-CN" altLang="en-US" sz="2000" dirty="0">
-              <a:solidFill>
-                <a:schemeClr val="bg1">
-                  <a:lumMod val="95000"/>
-                </a:schemeClr>
-              </a:solidFill>
-              <a:latin typeface="思源黑体 CN Bold" panose="020B0800000000000000" pitchFamily="34" charset="-122"/>
-              <a:ea typeface="思源黑体 CN Bold" panose="020B0800000000000000" pitchFamily="34" charset="-122"/>
-            </a:endParaRPr>
-          </a:p>
-        </p:txBody>
-      </p:sp>
-      <p:sp>
-        <p:nvSpPr>
-          <p:cNvPr id="11" name="文本框 10">
-            <a:extLst>
-              <a:ext uri="{FF2B5EF4-FFF2-40B4-BE49-F238E27FC236}">
-                <a16:creationId xmlns:a16="http://schemas.microsoft.com/office/drawing/2014/main" id="{01650D44-9B30-7EF8-35A3-26313CBE1DCC}"/>
-              </a:ext>
-            </a:extLst>
-          </p:cNvPr>
-          <p:cNvSpPr txBox="1"/>
-          <p:nvPr/>
-        </p:nvSpPr>
-        <p:spPr>
-          <a:xfrm>
-            <a:off x="6751307" y="1485695"/>
-            <a:ext cx="2084246" cy="461665"/>
-          </a:xfrm>
-          <a:prstGeom prst="rect">
-            <a:avLst/>
-          </a:prstGeom>
-          <a:noFill/>
-        </p:spPr>
-        <p:txBody>
-          <a:bodyPr wrap="square" rtlCol="0">
-            <a:spAutoFit/>
-          </a:bodyPr>
-          <a:lstStyle/>
-          <a:p>
-            <a:r>
-              <a:rPr lang="zh-CN" altLang="en-US" sz="2400" dirty="0">
-                <a:solidFill>
-                  <a:schemeClr val="tx2">
-                    <a:lumMod val="75000"/>
-                  </a:schemeClr>
-                </a:solidFill>
-                <a:latin typeface="思源黑体 CN Bold" panose="020B0800000000000000" pitchFamily="34" charset="-122"/>
-                <a:ea typeface="思源黑体 CN Bold" panose="020B0800000000000000" pitchFamily="34" charset="-122"/>
-              </a:rPr>
-              <a:t>年度</a:t>
-            </a:r>
-            <a:r>
-              <a:rPr lang="zh-CN" altLang="en-US" sz="2400" dirty="0">
-                <a:solidFill>
-                  <a:srgbClr val="FFC000"/>
-                </a:solidFill>
-                <a:latin typeface="思源黑体 CN Bold" panose="020B0800000000000000" pitchFamily="34" charset="-122"/>
-                <a:ea typeface="思源黑体 CN Bold" panose="020B0800000000000000" pitchFamily="34" charset="-122"/>
-              </a:rPr>
-              <a:t>数据分析</a:t>
-            </a:r>
-          </a:p>
-        </p:txBody>
-      </p:sp>
-      <p:cxnSp>
-        <p:nvCxnSpPr>
-          <p:cNvPr id="30" name="直接连接符 29">
-            <a:extLst>
-              <a:ext uri="{FF2B5EF4-FFF2-40B4-BE49-F238E27FC236}">
-                <a16:creationId xmlns:a16="http://schemas.microsoft.com/office/drawing/2014/main" id="{94ED62CC-193B-E12E-1FF6-A211731A949A}"/>
-              </a:ext>
-            </a:extLst>
-          </p:cNvPr>
-          <p:cNvCxnSpPr>
-            <a:cxnSpLocks/>
-          </p:cNvCxnSpPr>
-          <p:nvPr/>
-        </p:nvCxnSpPr>
-        <p:spPr>
-          <a:xfrm>
-            <a:off x="6808060" y="1344954"/>
-            <a:ext cx="1870273" cy="0"/>
-          </a:xfrm>
-          <a:prstGeom prst="line">
-            <a:avLst/>
-          </a:prstGeom>
-          <a:ln w="79375">
-            <a:solidFill>
-              <a:srgbClr val="4D6083"/>
-            </a:solidFill>
-          </a:ln>
-        </p:spPr>
-        <p:style>
-          <a:lnRef idx="1">
-            <a:schemeClr val="accent1"/>
-          </a:lnRef>
-          <a:fillRef idx="0">
-            <a:schemeClr val="accent1"/>
-          </a:fillRef>
-          <a:effectRef idx="0">
-            <a:schemeClr val="accent1"/>
-          </a:effectRef>
-          <a:fontRef idx="minor">
-            <a:schemeClr val="tx1"/>
-          </a:fontRef>
-        </p:style>
-      </p:cxnSp>
-    </p:spTree>
-    <p:extLst>
-      <p:ext uri="{BB962C8B-B14F-4D97-AF65-F5344CB8AC3E}">
-        <p14:creationId xmlns:p14="http://schemas.microsoft.com/office/powerpoint/2010/main" val="1424487768"/>
       </p:ext>
     </p:extLst>
   </p:cSld>

--- a/文档/DesignPattern.pptx
+++ b/文档/DesignPattern.pptx
@@ -34375,7 +34375,7 @@
           <p:nvPr>
             <p:extLst>
               <p:ext uri="{D42A27DB-BD31-4B8C-83A1-F6EECF244321}">
-                <p14:modId xmlns:p14="http://schemas.microsoft.com/office/powerpoint/2010/main" val="1138718244"/>
+                <p14:modId xmlns:p14="http://schemas.microsoft.com/office/powerpoint/2010/main" val="2102968479"/>
               </p:ext>
             </p:extLst>
           </p:nvPr>
@@ -35039,6 +35039,69 @@
                     <a:lstStyle/>
                     <a:p>
                       <a:pPr algn="ctr"/>
+                      <a:r>
+                        <a:rPr lang="en-US" altLang="zh-CN" dirty="0">
+                          <a:latin typeface="Times New Roman" panose="02020603050405020304" pitchFamily="18" charset="0"/>
+                          <a:cs typeface="Times New Roman" panose="02020603050405020304" pitchFamily="18" charset="0"/>
+                        </a:rPr>
+                        <a:t>Decorator</a:t>
+                      </a:r>
+                      <a:endParaRPr lang="zh-CN" altLang="en-US" dirty="0">
+                        <a:latin typeface="Times New Roman" panose="02020603050405020304" pitchFamily="18" charset="0"/>
+                        <a:cs typeface="Times New Roman" panose="02020603050405020304" pitchFamily="18" charset="0"/>
+                      </a:endParaRPr>
+                    </a:p>
+                  </a:txBody>
+                  <a:tcPr anchor="ctr">
+                    <a:lnL w="12700" cap="flat" cmpd="sng" algn="ctr">
+                      <a:solidFill>
+                        <a:schemeClr val="accent1"/>
+                      </a:solidFill>
+                      <a:prstDash val="solid"/>
+                      <a:round/>
+                      <a:headEnd type="none" w="med" len="med"/>
+                      <a:tailEnd type="none" w="med" len="med"/>
+                    </a:lnL>
+                    <a:lnR w="12700" cap="flat" cmpd="sng" algn="ctr">
+                      <a:solidFill>
+                        <a:schemeClr val="accent1"/>
+                      </a:solidFill>
+                      <a:prstDash val="solid"/>
+                      <a:round/>
+                      <a:headEnd type="none" w="med" len="med"/>
+                      <a:tailEnd type="none" w="med" len="med"/>
+                    </a:lnR>
+                  </a:tcPr>
+                </a:tc>
+                <a:tc>
+                  <a:txBody>
+                    <a:bodyPr/>
+                    <a:lstStyle/>
+                    <a:p>
+                      <a:pPr marL="0" marR="0" lvl="0" indent="0" algn="ctr" defTabSz="914400" rtl="0" eaLnBrk="1" fontAlgn="auto" latinLnBrk="0" hangingPunct="1">
+                        <a:lnSpc>
+                          <a:spcPct val="100000"/>
+                        </a:lnSpc>
+                        <a:spcBef>
+                          <a:spcPts val="0"/>
+                        </a:spcBef>
+                        <a:spcAft>
+                          <a:spcPts val="0"/>
+                        </a:spcAft>
+                        <a:buClrTx/>
+                        <a:buSzTx/>
+                        <a:buFontTx/>
+                        <a:buNone/>
+                        <a:tabLst/>
+                        <a:defRPr/>
+                      </a:pPr>
+                      <a:r>
+                        <a:rPr lang="en-US" altLang="zh-CN" dirty="0">
+                          <a:latin typeface="Times New Roman" panose="02020603050405020304" pitchFamily="18" charset="0"/>
+                          <a:cs typeface="Times New Roman" panose="02020603050405020304" pitchFamily="18" charset="0"/>
+                        </a:rPr>
+                        <a:t>Structural Patterns</a:t>
+                      </a:r>
                       <a:endParaRPr lang="zh-CN" altLang="en-US" dirty="0">
                         <a:latin typeface="Times New Roman" panose="02020603050405020304" pitchFamily="18" charset="0"/>
                         <a:cs typeface="Times New Roman" panose="02020603050405020304" pitchFamily="18" charset="0"/>
@@ -35072,6 +35135,13 @@
                     <a:lstStyle/>
                     <a:p>
                       <a:pPr algn="ctr"/>
+                      <a:r>
+                        <a:rPr lang="en-US" altLang="zh-CN" dirty="0">
+                          <a:latin typeface="Times New Roman" panose="02020603050405020304" pitchFamily="18" charset="0"/>
+                          <a:cs typeface="Times New Roman" panose="02020603050405020304" pitchFamily="18" charset="0"/>
+                        </a:rPr>
+                        <a:t>1</a:t>
+                      </a:r>
                       <a:endParaRPr lang="zh-CN" altLang="en-US" dirty="0">
                         <a:latin typeface="Times New Roman" panose="02020603050405020304" pitchFamily="18" charset="0"/>
                         <a:cs typeface="Times New Roman" panose="02020603050405020304" pitchFamily="18" charset="0"/>
@@ -35105,39 +35175,13 @@
                     <a:lstStyle/>
                     <a:p>
                       <a:pPr algn="ctr"/>
-                      <a:endParaRPr lang="zh-CN" altLang="en-US" dirty="0">
-                        <a:latin typeface="Times New Roman" panose="02020603050405020304" pitchFamily="18" charset="0"/>
-                        <a:cs typeface="Times New Roman" panose="02020603050405020304" pitchFamily="18" charset="0"/>
-                      </a:endParaRPr>
-                    </a:p>
-                  </a:txBody>
-                  <a:tcPr anchor="ctr">
-                    <a:lnL w="12700" cap="flat" cmpd="sng" algn="ctr">
-                      <a:solidFill>
-                        <a:schemeClr val="accent1"/>
-                      </a:solidFill>
-                      <a:prstDash val="solid"/>
-                      <a:round/>
-                      <a:headEnd type="none" w="med" len="med"/>
-                      <a:tailEnd type="none" w="med" len="med"/>
-                    </a:lnL>
-                    <a:lnR w="12700" cap="flat" cmpd="sng" algn="ctr">
-                      <a:solidFill>
-                        <a:schemeClr val="accent1"/>
-                      </a:solidFill>
-                      <a:prstDash val="solid"/>
-                      <a:round/>
-                      <a:headEnd type="none" w="med" len="med"/>
-                      <a:tailEnd type="none" w="med" len="med"/>
-                    </a:lnR>
-                  </a:tcPr>
-                </a:tc>
-                <a:tc>
-                  <a:txBody>
-                    <a:bodyPr/>
-                    <a:lstStyle/>
-                    <a:p>
-                      <a:pPr algn="ctr"/>
+                      <a:r>
+                        <a:rPr lang="en-US" altLang="zh-CN" dirty="0">
+                          <a:latin typeface="Times New Roman" panose="02020603050405020304" pitchFamily="18" charset="0"/>
+                          <a:cs typeface="Times New Roman" panose="02020603050405020304" pitchFamily="18" charset="0"/>
+                        </a:rPr>
+                        <a:t>Bullet attack mode expansion</a:t>
+                      </a:r>
                       <a:endParaRPr lang="zh-CN" altLang="en-US" dirty="0">
                         <a:latin typeface="Times New Roman" panose="02020603050405020304" pitchFamily="18" charset="0"/>
                         <a:cs typeface="Times New Roman" panose="02020603050405020304" pitchFamily="18" charset="0"/>

--- a/文档/DesignPattern.pptx
+++ b/文档/DesignPattern.pptx
@@ -5,7 +5,7 @@
     <p:sldMasterId id="2147483648" r:id="rId1"/>
   </p:sldMasterIdLst>
   <p:notesMasterIdLst>
-    <p:notesMasterId r:id="rId19"/>
+    <p:notesMasterId r:id="rId21"/>
   </p:notesMasterIdLst>
   <p:sldIdLst>
     <p:sldId id="256" r:id="rId2"/>
@@ -16,15 +16,17 @@
     <p:sldId id="278" r:id="rId7"/>
     <p:sldId id="279" r:id="rId8"/>
     <p:sldId id="280" r:id="rId9"/>
-    <p:sldId id="277" r:id="rId10"/>
-    <p:sldId id="273" r:id="rId11"/>
-    <p:sldId id="272" r:id="rId12"/>
-    <p:sldId id="261" r:id="rId13"/>
-    <p:sldId id="264" r:id="rId14"/>
-    <p:sldId id="266" r:id="rId15"/>
-    <p:sldId id="267" r:id="rId16"/>
-    <p:sldId id="269" r:id="rId17"/>
-    <p:sldId id="270" r:id="rId18"/>
+    <p:sldId id="281" r:id="rId10"/>
+    <p:sldId id="282" r:id="rId11"/>
+    <p:sldId id="277" r:id="rId12"/>
+    <p:sldId id="273" r:id="rId13"/>
+    <p:sldId id="272" r:id="rId14"/>
+    <p:sldId id="261" r:id="rId15"/>
+    <p:sldId id="264" r:id="rId16"/>
+    <p:sldId id="266" r:id="rId17"/>
+    <p:sldId id="267" r:id="rId18"/>
+    <p:sldId id="269" r:id="rId19"/>
+    <p:sldId id="270" r:id="rId20"/>
   </p:sldIdLst>
   <p:sldSz cx="12192000" cy="6858000"/>
   <p:notesSz cx="6858000" cy="9144000"/>
@@ -7577,6 +7579,1024 @@
         <p:cNvPr id="1" name="">
           <a:extLst>
             <a:ext uri="{FF2B5EF4-FFF2-40B4-BE49-F238E27FC236}">
+              <a16:creationId xmlns:a16="http://schemas.microsoft.com/office/drawing/2014/main" id="{9D4DAD7E-58AB-0B43-2079-AE1A368A17DC}"/>
+            </a:ext>
+          </a:extLst>
+        </p:cNvPr>
+        <p:cNvGrpSpPr/>
+        <p:nvPr/>
+      </p:nvGrpSpPr>
+      <p:grpSpPr>
+        <a:xfrm>
+          <a:off x="0" y="0"/>
+          <a:ext cx="0" cy="0"/>
+          <a:chOff x="0" y="0"/>
+          <a:chExt cx="0" cy="0"/>
+        </a:xfrm>
+      </p:grpSpPr>
+      <p:sp>
+        <p:nvSpPr>
+          <p:cNvPr id="5" name="矩形 4">
+            <a:extLst>
+              <a:ext uri="{FF2B5EF4-FFF2-40B4-BE49-F238E27FC236}">
+                <a16:creationId xmlns:a16="http://schemas.microsoft.com/office/drawing/2014/main" id="{0EE9E1A0-8CD5-BEEA-2DEB-A98B0978B8D3}"/>
+              </a:ext>
+            </a:extLst>
+          </p:cNvPr>
+          <p:cNvSpPr/>
+          <p:nvPr/>
+        </p:nvSpPr>
+        <p:spPr>
+          <a:xfrm>
+            <a:off x="0" y="343632"/>
+            <a:ext cx="1244600" cy="426835"/>
+          </a:xfrm>
+          <a:prstGeom prst="rect">
+            <a:avLst/>
+          </a:prstGeom>
+          <a:solidFill>
+            <a:schemeClr val="accent1">
+              <a:lumMod val="50000"/>
+            </a:schemeClr>
+          </a:solidFill>
+        </p:spPr>
+        <p:style>
+          <a:lnRef idx="2">
+            <a:schemeClr val="accent1">
+              <a:shade val="15000"/>
+            </a:schemeClr>
+          </a:lnRef>
+          <a:fillRef idx="1">
+            <a:schemeClr val="accent1"/>
+          </a:fillRef>
+          <a:effectRef idx="0">
+            <a:schemeClr val="accent1"/>
+          </a:effectRef>
+          <a:fontRef idx="minor">
+            <a:schemeClr val="lt1"/>
+          </a:fontRef>
+        </p:style>
+        <p:txBody>
+          <a:bodyPr rtlCol="0" anchor="ctr"/>
+          <a:lstStyle/>
+          <a:p>
+            <a:pPr algn="ctr"/>
+            <a:endParaRPr lang="zh-CN" altLang="en-US"/>
+          </a:p>
+        </p:txBody>
+      </p:sp>
+      <p:sp>
+        <p:nvSpPr>
+          <p:cNvPr id="6" name="文本框 5">
+            <a:extLst>
+              <a:ext uri="{FF2B5EF4-FFF2-40B4-BE49-F238E27FC236}">
+                <a16:creationId xmlns:a16="http://schemas.microsoft.com/office/drawing/2014/main" id="{EE96E6D7-4C46-5B98-375F-C71D3E54678C}"/>
+              </a:ext>
+            </a:extLst>
+          </p:cNvPr>
+          <p:cNvSpPr txBox="1"/>
+          <p:nvPr/>
+        </p:nvSpPr>
+        <p:spPr>
+          <a:xfrm>
+            <a:off x="69850" y="370357"/>
+            <a:ext cx="1104900" cy="400110"/>
+          </a:xfrm>
+          <a:prstGeom prst="rect">
+            <a:avLst/>
+          </a:prstGeom>
+          <a:noFill/>
+        </p:spPr>
+        <p:txBody>
+          <a:bodyPr wrap="square" rtlCol="0">
+            <a:spAutoFit/>
+          </a:bodyPr>
+          <a:lstStyle/>
+          <a:p>
+            <a:r>
+              <a:rPr lang="en-US" altLang="zh-CN" sz="2000" dirty="0">
+                <a:solidFill>
+                  <a:schemeClr val="bg1">
+                    <a:lumMod val="95000"/>
+                  </a:schemeClr>
+                </a:solidFill>
+                <a:latin typeface="思源黑体 CN Bold" panose="020B0800000000000000" pitchFamily="34" charset="-122"/>
+                <a:ea typeface="思源黑体 CN Bold" panose="020B0800000000000000" pitchFamily="34" charset="-122"/>
+              </a:rPr>
+              <a:t>PART 2</a:t>
+            </a:r>
+            <a:endParaRPr lang="zh-CN" altLang="en-US" sz="2000" dirty="0">
+              <a:solidFill>
+                <a:schemeClr val="bg1">
+                  <a:lumMod val="95000"/>
+                </a:schemeClr>
+              </a:solidFill>
+              <a:latin typeface="思源黑体 CN Bold" panose="020B0800000000000000" pitchFamily="34" charset="-122"/>
+              <a:ea typeface="思源黑体 CN Bold" panose="020B0800000000000000" pitchFamily="34" charset="-122"/>
+            </a:endParaRPr>
+          </a:p>
+        </p:txBody>
+      </p:sp>
+      <p:sp>
+        <p:nvSpPr>
+          <p:cNvPr id="2" name="文本框 12">
+            <a:extLst>
+              <a:ext uri="{FF2B5EF4-FFF2-40B4-BE49-F238E27FC236}">
+                <a16:creationId xmlns:a16="http://schemas.microsoft.com/office/drawing/2014/main" id="{0F7114E9-F9C2-0BE1-30F7-E12745152CC8}"/>
+              </a:ext>
+            </a:extLst>
+          </p:cNvPr>
+          <p:cNvSpPr txBox="1"/>
+          <p:nvPr/>
+        </p:nvSpPr>
+        <p:spPr>
+          <a:xfrm>
+            <a:off x="1314449" y="226717"/>
+            <a:ext cx="5231075" cy="1077218"/>
+          </a:xfrm>
+          <a:prstGeom prst="rect">
+            <a:avLst/>
+          </a:prstGeom>
+          <a:noFill/>
+        </p:spPr>
+        <p:txBody>
+          <a:bodyPr wrap="square" rtlCol="0">
+            <a:spAutoFit/>
+          </a:bodyPr>
+          <a:lstStyle>
+            <a:defPPr>
+              <a:defRPr lang="zh-CN"/>
+            </a:defPPr>
+            <a:lvl1pPr marL="0" algn="l" defTabSz="914400" rtl="0" eaLnBrk="1" latinLnBrk="0" hangingPunct="1">
+              <a:defRPr sz="1800" kern="1200">
+                <a:solidFill>
+                  <a:schemeClr val="tx1"/>
+                </a:solidFill>
+                <a:latin typeface="+mn-lt"/>
+                <a:ea typeface="+mn-ea"/>
+                <a:cs typeface="+mn-cs"/>
+              </a:defRPr>
+            </a:lvl1pPr>
+            <a:lvl2pPr marL="457200" algn="l" defTabSz="914400" rtl="0" eaLnBrk="1" latinLnBrk="0" hangingPunct="1">
+              <a:defRPr sz="1800" kern="1200">
+                <a:solidFill>
+                  <a:schemeClr val="tx1"/>
+                </a:solidFill>
+                <a:latin typeface="+mn-lt"/>
+                <a:ea typeface="+mn-ea"/>
+                <a:cs typeface="+mn-cs"/>
+              </a:defRPr>
+            </a:lvl2pPr>
+            <a:lvl3pPr marL="914400" algn="l" defTabSz="914400" rtl="0" eaLnBrk="1" latinLnBrk="0" hangingPunct="1">
+              <a:defRPr sz="1800" kern="1200">
+                <a:solidFill>
+                  <a:schemeClr val="tx1"/>
+                </a:solidFill>
+                <a:latin typeface="+mn-lt"/>
+                <a:ea typeface="+mn-ea"/>
+                <a:cs typeface="+mn-cs"/>
+              </a:defRPr>
+            </a:lvl3pPr>
+            <a:lvl4pPr marL="1371600" algn="l" defTabSz="914400" rtl="0" eaLnBrk="1" latinLnBrk="0" hangingPunct="1">
+              <a:defRPr sz="1800" kern="1200">
+                <a:solidFill>
+                  <a:schemeClr val="tx1"/>
+                </a:solidFill>
+                <a:latin typeface="+mn-lt"/>
+                <a:ea typeface="+mn-ea"/>
+                <a:cs typeface="+mn-cs"/>
+              </a:defRPr>
+            </a:lvl4pPr>
+            <a:lvl5pPr marL="1828800" algn="l" defTabSz="914400" rtl="0" eaLnBrk="1" latinLnBrk="0" hangingPunct="1">
+              <a:defRPr sz="1800" kern="1200">
+                <a:solidFill>
+                  <a:schemeClr val="tx1"/>
+                </a:solidFill>
+                <a:latin typeface="+mn-lt"/>
+                <a:ea typeface="+mn-ea"/>
+                <a:cs typeface="+mn-cs"/>
+              </a:defRPr>
+            </a:lvl5pPr>
+            <a:lvl6pPr marL="2286000" algn="l" defTabSz="914400" rtl="0" eaLnBrk="1" latinLnBrk="0" hangingPunct="1">
+              <a:defRPr sz="1800" kern="1200">
+                <a:solidFill>
+                  <a:schemeClr val="tx1"/>
+                </a:solidFill>
+                <a:latin typeface="+mn-lt"/>
+                <a:ea typeface="+mn-ea"/>
+                <a:cs typeface="+mn-cs"/>
+              </a:defRPr>
+            </a:lvl6pPr>
+            <a:lvl7pPr marL="2743200" algn="l" defTabSz="914400" rtl="0" eaLnBrk="1" latinLnBrk="0" hangingPunct="1">
+              <a:defRPr sz="1800" kern="1200">
+                <a:solidFill>
+                  <a:schemeClr val="tx1"/>
+                </a:solidFill>
+                <a:latin typeface="+mn-lt"/>
+                <a:ea typeface="+mn-ea"/>
+                <a:cs typeface="+mn-cs"/>
+              </a:defRPr>
+            </a:lvl7pPr>
+            <a:lvl8pPr marL="3200400" algn="l" defTabSz="914400" rtl="0" eaLnBrk="1" latinLnBrk="0" hangingPunct="1">
+              <a:defRPr sz="1800" kern="1200">
+                <a:solidFill>
+                  <a:schemeClr val="tx1"/>
+                </a:solidFill>
+                <a:latin typeface="+mn-lt"/>
+                <a:ea typeface="+mn-ea"/>
+                <a:cs typeface="+mn-cs"/>
+              </a:defRPr>
+            </a:lvl8pPr>
+            <a:lvl9pPr marL="3657600" algn="l" defTabSz="914400" rtl="0" eaLnBrk="1" latinLnBrk="0" hangingPunct="1">
+              <a:defRPr sz="1800" kern="1200">
+                <a:solidFill>
+                  <a:schemeClr val="tx1"/>
+                </a:solidFill>
+                <a:latin typeface="+mn-lt"/>
+                <a:ea typeface="+mn-ea"/>
+                <a:cs typeface="+mn-cs"/>
+              </a:defRPr>
+            </a:lvl9pPr>
+          </a:lstStyle>
+          <a:p>
+            <a:r>
+              <a:rPr lang="en-US" altLang="zh-CN" sz="3200" dirty="0">
+                <a:solidFill>
+                  <a:srgbClr val="425166"/>
+                </a:solidFill>
+                <a:latin typeface="Times New Roman" panose="02020603050405020304" pitchFamily="18" charset="0"/>
+                <a:ea typeface="思源黑体 CN Normal" panose="020B0400000000000000" pitchFamily="34" charset="-122"/>
+                <a:cs typeface="Times New Roman" panose="02020603050405020304" pitchFamily="18" charset="0"/>
+                <a:sym typeface="思源黑体 CN Normal" panose="020B0400000000000000" pitchFamily="34" charset="-122"/>
+              </a:rPr>
+              <a:t>Design Patterns in Refactoring</a:t>
+            </a:r>
+          </a:p>
+          <a:p>
+            <a:r>
+              <a:rPr lang="en-US" altLang="zh-CN" sz="3200" dirty="0">
+                <a:solidFill>
+                  <a:srgbClr val="425166"/>
+                </a:solidFill>
+                <a:latin typeface="Times New Roman" panose="02020603050405020304" pitchFamily="18" charset="0"/>
+                <a:ea typeface="思源黑体 CN Normal" panose="020B0400000000000000" pitchFamily="34" charset="-122"/>
+                <a:cs typeface="Times New Roman" panose="02020603050405020304" pitchFamily="18" charset="0"/>
+                <a:sym typeface="思源黑体 CN Normal" panose="020B0400000000000000" pitchFamily="34" charset="-122"/>
+              </a:rPr>
+              <a:t> </a:t>
+            </a:r>
+            <a:endParaRPr lang="zh-CN" altLang="en-US" sz="3200" dirty="0">
+              <a:solidFill>
+                <a:srgbClr val="425166"/>
+              </a:solidFill>
+              <a:latin typeface="Times New Roman" panose="02020603050405020304" pitchFamily="18" charset="0"/>
+              <a:ea typeface="思源黑体 CN Normal" panose="020B0400000000000000" pitchFamily="34" charset="-122"/>
+              <a:cs typeface="Times New Roman" panose="02020603050405020304" pitchFamily="18" charset="0"/>
+              <a:sym typeface="思源黑体 CN Normal" panose="020B0400000000000000" pitchFamily="34" charset="-122"/>
+            </a:endParaRPr>
+          </a:p>
+        </p:txBody>
+      </p:sp>
+      <p:sp>
+        <p:nvSpPr>
+          <p:cNvPr id="27" name="文本框 26">
+            <a:extLst>
+              <a:ext uri="{FF2B5EF4-FFF2-40B4-BE49-F238E27FC236}">
+                <a16:creationId xmlns:a16="http://schemas.microsoft.com/office/drawing/2014/main" id="{DFD4B12D-3531-379C-29E7-E5ABDF7E3256}"/>
+              </a:ext>
+            </a:extLst>
+          </p:cNvPr>
+          <p:cNvSpPr txBox="1"/>
+          <p:nvPr/>
+        </p:nvSpPr>
+        <p:spPr>
+          <a:xfrm>
+            <a:off x="1513519" y="934603"/>
+            <a:ext cx="3249738" cy="369332"/>
+          </a:xfrm>
+          <a:prstGeom prst="rect">
+            <a:avLst/>
+          </a:prstGeom>
+          <a:noFill/>
+        </p:spPr>
+        <p:txBody>
+          <a:bodyPr wrap="square">
+            <a:spAutoFit/>
+          </a:bodyPr>
+          <a:lstStyle/>
+          <a:p>
+            <a:pPr algn="ctr"/>
+            <a:r>
+              <a:rPr lang="en-US" altLang="zh-CN" dirty="0">
+                <a:latin typeface="Times New Roman" panose="02020603050405020304" pitchFamily="18" charset="0"/>
+                <a:cs typeface="Times New Roman" panose="02020603050405020304" pitchFamily="18" charset="0"/>
+              </a:rPr>
+              <a:t>Class diagram of Observer</a:t>
+            </a:r>
+            <a:endParaRPr lang="zh-CN" altLang="en-US" dirty="0">
+              <a:latin typeface="Times New Roman" panose="02020603050405020304" pitchFamily="18" charset="0"/>
+              <a:cs typeface="Times New Roman" panose="02020603050405020304" pitchFamily="18" charset="0"/>
+            </a:endParaRPr>
+          </a:p>
+        </p:txBody>
+      </p:sp>
+      <p:grpSp>
+        <p:nvGrpSpPr>
+          <p:cNvPr id="30" name="组合 29">
+            <a:extLst>
+              <a:ext uri="{FF2B5EF4-FFF2-40B4-BE49-F238E27FC236}">
+                <a16:creationId xmlns:a16="http://schemas.microsoft.com/office/drawing/2014/main" id="{EF5524A6-830E-A71E-7BE8-70A04F45A8A6}"/>
+              </a:ext>
+            </a:extLst>
+          </p:cNvPr>
+          <p:cNvGrpSpPr/>
+          <p:nvPr/>
+        </p:nvGrpSpPr>
+        <p:grpSpPr>
+          <a:xfrm rot="10800000">
+            <a:off x="5944137" y="3145759"/>
+            <a:ext cx="969273" cy="248633"/>
+            <a:chOff x="6049119" y="5793914"/>
+            <a:chExt cx="1030620" cy="299295"/>
+          </a:xfrm>
+          <a:gradFill>
+            <a:gsLst>
+              <a:gs pos="0">
+                <a:schemeClr val="accent1">
+                  <a:lumMod val="5000"/>
+                  <a:lumOff val="95000"/>
+                </a:schemeClr>
+              </a:gs>
+              <a:gs pos="33000">
+                <a:schemeClr val="accent1">
+                  <a:lumMod val="45000"/>
+                  <a:lumOff val="55000"/>
+                </a:schemeClr>
+              </a:gs>
+              <a:gs pos="100000">
+                <a:schemeClr val="accent1">
+                  <a:lumMod val="75000"/>
+                </a:schemeClr>
+              </a:gs>
+            </a:gsLst>
+            <a:lin ang="0" scaled="0"/>
+          </a:gradFill>
+        </p:grpSpPr>
+        <p:sp>
+          <p:nvSpPr>
+            <p:cNvPr id="33" name="箭头: V 形 32">
+              <a:extLst>
+                <a:ext uri="{FF2B5EF4-FFF2-40B4-BE49-F238E27FC236}">
+                  <a16:creationId xmlns:a16="http://schemas.microsoft.com/office/drawing/2014/main" id="{E805564E-2D0D-BF95-7F36-B4D07026C96F}"/>
+                </a:ext>
+              </a:extLst>
+            </p:cNvPr>
+            <p:cNvSpPr/>
+            <p:nvPr/>
+          </p:nvSpPr>
+          <p:spPr>
+            <a:xfrm>
+              <a:off x="6049119" y="5793914"/>
+              <a:ext cx="258751" cy="299295"/>
+            </a:xfrm>
+            <a:prstGeom prst="chevron">
+              <a:avLst/>
+            </a:prstGeom>
+            <a:grpFill/>
+            <a:ln>
+              <a:noFill/>
+            </a:ln>
+          </p:spPr>
+          <p:style>
+            <a:lnRef idx="2">
+              <a:schemeClr val="accent1">
+                <a:shade val="15000"/>
+              </a:schemeClr>
+            </a:lnRef>
+            <a:fillRef idx="1">
+              <a:schemeClr val="accent1"/>
+            </a:fillRef>
+            <a:effectRef idx="0">
+              <a:schemeClr val="accent1"/>
+            </a:effectRef>
+            <a:fontRef idx="minor">
+              <a:schemeClr val="lt1"/>
+            </a:fontRef>
+          </p:style>
+          <p:txBody>
+            <a:bodyPr rtlCol="0" anchor="ctr"/>
+            <a:lstStyle/>
+            <a:p>
+              <a:pPr algn="ctr"/>
+              <a:endParaRPr lang="zh-CN" altLang="en-US">
+                <a:solidFill>
+                  <a:schemeClr val="accent1">
+                    <a:lumMod val="40000"/>
+                    <a:lumOff val="60000"/>
+                  </a:schemeClr>
+                </a:solidFill>
+              </a:endParaRPr>
+            </a:p>
+          </p:txBody>
+        </p:sp>
+        <p:sp>
+          <p:nvSpPr>
+            <p:cNvPr id="34" name="箭头: V 形 33">
+              <a:extLst>
+                <a:ext uri="{FF2B5EF4-FFF2-40B4-BE49-F238E27FC236}">
+                  <a16:creationId xmlns:a16="http://schemas.microsoft.com/office/drawing/2014/main" id="{4B3CE394-7A88-7686-CFDB-8EC94CB98CDC}"/>
+                </a:ext>
+              </a:extLst>
+            </p:cNvPr>
+            <p:cNvSpPr/>
+            <p:nvPr/>
+          </p:nvSpPr>
+          <p:spPr>
+            <a:xfrm>
+              <a:off x="6307869" y="5793914"/>
+              <a:ext cx="258751" cy="299295"/>
+            </a:xfrm>
+            <a:prstGeom prst="chevron">
+              <a:avLst/>
+            </a:prstGeom>
+            <a:grpFill/>
+            <a:ln>
+              <a:noFill/>
+            </a:ln>
+          </p:spPr>
+          <p:style>
+            <a:lnRef idx="2">
+              <a:schemeClr val="accent1">
+                <a:shade val="15000"/>
+              </a:schemeClr>
+            </a:lnRef>
+            <a:fillRef idx="1">
+              <a:schemeClr val="accent1"/>
+            </a:fillRef>
+            <a:effectRef idx="0">
+              <a:schemeClr val="accent1"/>
+            </a:effectRef>
+            <a:fontRef idx="minor">
+              <a:schemeClr val="lt1"/>
+            </a:fontRef>
+          </p:style>
+          <p:txBody>
+            <a:bodyPr rtlCol="0" anchor="ctr"/>
+            <a:lstStyle/>
+            <a:p>
+              <a:pPr algn="ctr"/>
+              <a:endParaRPr lang="zh-CN" altLang="en-US">
+                <a:solidFill>
+                  <a:schemeClr val="accent1">
+                    <a:lumMod val="40000"/>
+                    <a:lumOff val="60000"/>
+                  </a:schemeClr>
+                </a:solidFill>
+              </a:endParaRPr>
+            </a:p>
+          </p:txBody>
+        </p:sp>
+        <p:sp>
+          <p:nvSpPr>
+            <p:cNvPr id="35" name="箭头: V 形 34">
+              <a:extLst>
+                <a:ext uri="{FF2B5EF4-FFF2-40B4-BE49-F238E27FC236}">
+                  <a16:creationId xmlns:a16="http://schemas.microsoft.com/office/drawing/2014/main" id="{9EFFFD36-3E77-6F26-707F-397A25CFD2F2}"/>
+                </a:ext>
+              </a:extLst>
+            </p:cNvPr>
+            <p:cNvSpPr/>
+            <p:nvPr/>
+          </p:nvSpPr>
+          <p:spPr>
+            <a:xfrm>
+              <a:off x="6566622" y="5793914"/>
+              <a:ext cx="258751" cy="299295"/>
+            </a:xfrm>
+            <a:prstGeom prst="chevron">
+              <a:avLst/>
+            </a:prstGeom>
+            <a:grpFill/>
+            <a:ln>
+              <a:noFill/>
+            </a:ln>
+          </p:spPr>
+          <p:style>
+            <a:lnRef idx="2">
+              <a:schemeClr val="accent1">
+                <a:shade val="15000"/>
+              </a:schemeClr>
+            </a:lnRef>
+            <a:fillRef idx="1">
+              <a:schemeClr val="accent1"/>
+            </a:fillRef>
+            <a:effectRef idx="0">
+              <a:schemeClr val="accent1"/>
+            </a:effectRef>
+            <a:fontRef idx="minor">
+              <a:schemeClr val="lt1"/>
+            </a:fontRef>
+          </p:style>
+          <p:txBody>
+            <a:bodyPr rtlCol="0" anchor="ctr"/>
+            <a:lstStyle/>
+            <a:p>
+              <a:pPr algn="ctr"/>
+              <a:endParaRPr lang="zh-CN" altLang="en-US" dirty="0">
+                <a:solidFill>
+                  <a:schemeClr val="accent1">
+                    <a:lumMod val="40000"/>
+                    <a:lumOff val="60000"/>
+                  </a:schemeClr>
+                </a:solidFill>
+              </a:endParaRPr>
+            </a:p>
+          </p:txBody>
+        </p:sp>
+        <p:sp>
+          <p:nvSpPr>
+            <p:cNvPr id="36" name="箭头: V 形 35">
+              <a:extLst>
+                <a:ext uri="{FF2B5EF4-FFF2-40B4-BE49-F238E27FC236}">
+                  <a16:creationId xmlns:a16="http://schemas.microsoft.com/office/drawing/2014/main" id="{444CA722-654C-C088-B0B3-F4641801E46B}"/>
+                </a:ext>
+              </a:extLst>
+            </p:cNvPr>
+            <p:cNvSpPr/>
+            <p:nvPr/>
+          </p:nvSpPr>
+          <p:spPr>
+            <a:xfrm>
+              <a:off x="6820988" y="5793914"/>
+              <a:ext cx="258751" cy="299295"/>
+            </a:xfrm>
+            <a:prstGeom prst="chevron">
+              <a:avLst/>
+            </a:prstGeom>
+            <a:grpFill/>
+            <a:ln>
+              <a:noFill/>
+            </a:ln>
+          </p:spPr>
+          <p:style>
+            <a:lnRef idx="2">
+              <a:schemeClr val="accent1">
+                <a:shade val="15000"/>
+              </a:schemeClr>
+            </a:lnRef>
+            <a:fillRef idx="1">
+              <a:schemeClr val="accent1"/>
+            </a:fillRef>
+            <a:effectRef idx="0">
+              <a:schemeClr val="accent1"/>
+            </a:effectRef>
+            <a:fontRef idx="minor">
+              <a:schemeClr val="lt1"/>
+            </a:fontRef>
+          </p:style>
+          <p:txBody>
+            <a:bodyPr rtlCol="0" anchor="ctr"/>
+            <a:lstStyle/>
+            <a:p>
+              <a:pPr algn="ctr"/>
+              <a:endParaRPr lang="zh-CN" altLang="en-US">
+                <a:solidFill>
+                  <a:schemeClr val="accent1">
+                    <a:lumMod val="40000"/>
+                    <a:lumOff val="60000"/>
+                  </a:schemeClr>
+                </a:solidFill>
+              </a:endParaRPr>
+            </a:p>
+          </p:txBody>
+        </p:sp>
+      </p:grpSp>
+      <p:sp>
+        <p:nvSpPr>
+          <p:cNvPr id="43" name="文本框 42">
+            <a:extLst>
+              <a:ext uri="{FF2B5EF4-FFF2-40B4-BE49-F238E27FC236}">
+                <a16:creationId xmlns:a16="http://schemas.microsoft.com/office/drawing/2014/main" id="{96C7629A-3C42-1C4F-A977-0A18339A2598}"/>
+              </a:ext>
+            </a:extLst>
+          </p:cNvPr>
+          <p:cNvSpPr txBox="1"/>
+          <p:nvPr/>
+        </p:nvSpPr>
+        <p:spPr>
+          <a:xfrm>
+            <a:off x="7836637" y="934603"/>
+            <a:ext cx="3249738" cy="369332"/>
+          </a:xfrm>
+          <a:prstGeom prst="rect">
+            <a:avLst/>
+          </a:prstGeom>
+          <a:noFill/>
+        </p:spPr>
+        <p:txBody>
+          <a:bodyPr wrap="square">
+            <a:spAutoFit/>
+          </a:bodyPr>
+          <a:lstStyle/>
+          <a:p>
+            <a:pPr algn="ctr"/>
+            <a:r>
+              <a:rPr lang="en-US" altLang="zh-CN" dirty="0">
+                <a:latin typeface="Times New Roman" panose="02020603050405020304" pitchFamily="18" charset="0"/>
+                <a:cs typeface="Times New Roman" panose="02020603050405020304" pitchFamily="18" charset="0"/>
+              </a:rPr>
+              <a:t>Original Structure</a:t>
+            </a:r>
+            <a:endParaRPr lang="zh-CN" altLang="en-US" dirty="0">
+              <a:latin typeface="Times New Roman" panose="02020603050405020304" pitchFamily="18" charset="0"/>
+              <a:cs typeface="Times New Roman" panose="02020603050405020304" pitchFamily="18" charset="0"/>
+            </a:endParaRPr>
+          </a:p>
+        </p:txBody>
+      </p:sp>
+      <p:sp>
+        <p:nvSpPr>
+          <p:cNvPr id="45" name="文本框 44">
+            <a:extLst>
+              <a:ext uri="{FF2B5EF4-FFF2-40B4-BE49-F238E27FC236}">
+                <a16:creationId xmlns:a16="http://schemas.microsoft.com/office/drawing/2014/main" id="{E98CA73E-9FE5-C347-1450-F656F73C8669}"/>
+              </a:ext>
+            </a:extLst>
+          </p:cNvPr>
+          <p:cNvSpPr txBox="1"/>
+          <p:nvPr/>
+        </p:nvSpPr>
+        <p:spPr>
+          <a:xfrm>
+            <a:off x="216403" y="4839166"/>
+            <a:ext cx="1434348" cy="461665"/>
+          </a:xfrm>
+          <a:prstGeom prst="rect">
+            <a:avLst/>
+          </a:prstGeom>
+          <a:noFill/>
+        </p:spPr>
+        <p:txBody>
+          <a:bodyPr wrap="square">
+            <a:spAutoFit/>
+          </a:bodyPr>
+          <a:lstStyle/>
+          <a:p>
+            <a:pPr algn="ctr"/>
+            <a:r>
+              <a:rPr lang="en-US" altLang="zh-CN" sz="2400" dirty="0">
+                <a:latin typeface="Times New Roman" panose="02020603050405020304" pitchFamily="18" charset="0"/>
+                <a:cs typeface="Times New Roman" panose="02020603050405020304" pitchFamily="18" charset="0"/>
+              </a:rPr>
+              <a:t>Reasons :</a:t>
+            </a:r>
+            <a:endParaRPr lang="zh-CN" altLang="en-US" sz="2400" dirty="0">
+              <a:latin typeface="Times New Roman" panose="02020603050405020304" pitchFamily="18" charset="0"/>
+              <a:cs typeface="Times New Roman" panose="02020603050405020304" pitchFamily="18" charset="0"/>
+            </a:endParaRPr>
+          </a:p>
+        </p:txBody>
+      </p:sp>
+      <p:sp>
+        <p:nvSpPr>
+          <p:cNvPr id="46" name="文本框 45">
+            <a:extLst>
+              <a:ext uri="{FF2B5EF4-FFF2-40B4-BE49-F238E27FC236}">
+                <a16:creationId xmlns:a16="http://schemas.microsoft.com/office/drawing/2014/main" id="{7B55CD27-DFCB-7863-07DE-C3E0998BCA40}"/>
+              </a:ext>
+            </a:extLst>
+          </p:cNvPr>
+          <p:cNvSpPr txBox="1"/>
+          <p:nvPr/>
+        </p:nvSpPr>
+        <p:spPr>
+          <a:xfrm>
+            <a:off x="6096000" y="4651438"/>
+            <a:ext cx="1353941" cy="461665"/>
+          </a:xfrm>
+          <a:prstGeom prst="rect">
+            <a:avLst/>
+          </a:prstGeom>
+          <a:noFill/>
+        </p:spPr>
+        <p:txBody>
+          <a:bodyPr wrap="square">
+            <a:spAutoFit/>
+          </a:bodyPr>
+          <a:lstStyle/>
+          <a:p>
+            <a:pPr algn="ctr"/>
+            <a:r>
+              <a:rPr lang="en-US" altLang="zh-CN" sz="2400" dirty="0">
+                <a:latin typeface="Times New Roman" panose="02020603050405020304" pitchFamily="18" charset="0"/>
+                <a:cs typeface="Times New Roman" panose="02020603050405020304" pitchFamily="18" charset="0"/>
+              </a:rPr>
+              <a:t>Benefits :</a:t>
+            </a:r>
+            <a:endParaRPr lang="zh-CN" altLang="en-US" sz="2400" dirty="0">
+              <a:latin typeface="Times New Roman" panose="02020603050405020304" pitchFamily="18" charset="0"/>
+              <a:cs typeface="Times New Roman" panose="02020603050405020304" pitchFamily="18" charset="0"/>
+            </a:endParaRPr>
+          </a:p>
+        </p:txBody>
+      </p:sp>
+    </p:spTree>
+    <p:extLst>
+      <p:ext uri="{BB962C8B-B14F-4D97-AF65-F5344CB8AC3E}">
+        <p14:creationId xmlns:p14="http://schemas.microsoft.com/office/powerpoint/2010/main" val="3583721932"/>
+      </p:ext>
+    </p:extLst>
+  </p:cSld>
+  <p:clrMapOvr>
+    <a:masterClrMapping/>
+  </p:clrMapOvr>
+</p:sld>
+</file>
+
+<file path=ppt/slides/slide11.xml><?xml version="1.0" encoding="utf-8"?>
+<p:sld xmlns:a="http://schemas.openxmlformats.org/drawingml/2006/main" xmlns:r="http://schemas.openxmlformats.org/officeDocument/2006/relationships" xmlns:p="http://schemas.openxmlformats.org/presentationml/2006/main">
+  <p:cSld>
+    <p:spTree>
+      <p:nvGrpSpPr>
+        <p:cNvPr id="1" name="">
+          <a:extLst>
+            <a:ext uri="{FF2B5EF4-FFF2-40B4-BE49-F238E27FC236}">
+              <a16:creationId xmlns:a16="http://schemas.microsoft.com/office/drawing/2014/main" id="{A5D2CC10-BE4C-0192-4937-EFDC635852CD}"/>
+            </a:ext>
+          </a:extLst>
+        </p:cNvPr>
+        <p:cNvGrpSpPr/>
+        <p:nvPr/>
+      </p:nvGrpSpPr>
+      <p:grpSpPr>
+        <a:xfrm>
+          <a:off x="0" y="0"/>
+          <a:ext cx="0" cy="0"/>
+          <a:chOff x="0" y="0"/>
+          <a:chExt cx="0" cy="0"/>
+        </a:xfrm>
+      </p:grpSpPr>
+      <p:sp>
+        <p:nvSpPr>
+          <p:cNvPr id="5" name="矩形 4">
+            <a:extLst>
+              <a:ext uri="{FF2B5EF4-FFF2-40B4-BE49-F238E27FC236}">
+                <a16:creationId xmlns:a16="http://schemas.microsoft.com/office/drawing/2014/main" id="{FCECFC43-283F-0882-D47B-9886A90397A1}"/>
+              </a:ext>
+            </a:extLst>
+          </p:cNvPr>
+          <p:cNvSpPr/>
+          <p:nvPr/>
+        </p:nvSpPr>
+        <p:spPr>
+          <a:xfrm>
+            <a:off x="0" y="343632"/>
+            <a:ext cx="1244600" cy="426835"/>
+          </a:xfrm>
+          <a:prstGeom prst="rect">
+            <a:avLst/>
+          </a:prstGeom>
+          <a:solidFill>
+            <a:schemeClr val="accent1">
+              <a:lumMod val="50000"/>
+            </a:schemeClr>
+          </a:solidFill>
+        </p:spPr>
+        <p:style>
+          <a:lnRef idx="2">
+            <a:schemeClr val="accent1">
+              <a:shade val="15000"/>
+            </a:schemeClr>
+          </a:lnRef>
+          <a:fillRef idx="1">
+            <a:schemeClr val="accent1"/>
+          </a:fillRef>
+          <a:effectRef idx="0">
+            <a:schemeClr val="accent1"/>
+          </a:effectRef>
+          <a:fontRef idx="minor">
+            <a:schemeClr val="lt1"/>
+          </a:fontRef>
+        </p:style>
+        <p:txBody>
+          <a:bodyPr rtlCol="0" anchor="ctr"/>
+          <a:lstStyle/>
+          <a:p>
+            <a:pPr algn="ctr"/>
+            <a:endParaRPr lang="zh-CN" altLang="en-US"/>
+          </a:p>
+        </p:txBody>
+      </p:sp>
+      <p:sp>
+        <p:nvSpPr>
+          <p:cNvPr id="6" name="文本框 5">
+            <a:extLst>
+              <a:ext uri="{FF2B5EF4-FFF2-40B4-BE49-F238E27FC236}">
+                <a16:creationId xmlns:a16="http://schemas.microsoft.com/office/drawing/2014/main" id="{66635B03-44A9-004B-29C0-333FEC5215E9}"/>
+              </a:ext>
+            </a:extLst>
+          </p:cNvPr>
+          <p:cNvSpPr txBox="1"/>
+          <p:nvPr/>
+        </p:nvSpPr>
+        <p:spPr>
+          <a:xfrm>
+            <a:off x="69850" y="370357"/>
+            <a:ext cx="1104900" cy="400110"/>
+          </a:xfrm>
+          <a:prstGeom prst="rect">
+            <a:avLst/>
+          </a:prstGeom>
+          <a:noFill/>
+        </p:spPr>
+        <p:txBody>
+          <a:bodyPr wrap="square" rtlCol="0">
+            <a:spAutoFit/>
+          </a:bodyPr>
+          <a:lstStyle/>
+          <a:p>
+            <a:r>
+              <a:rPr lang="en-US" altLang="zh-CN" sz="2000" dirty="0">
+                <a:solidFill>
+                  <a:schemeClr val="bg1">
+                    <a:lumMod val="95000"/>
+                  </a:schemeClr>
+                </a:solidFill>
+                <a:latin typeface="思源黑体 CN Bold" panose="020B0800000000000000" pitchFamily="34" charset="-122"/>
+                <a:ea typeface="思源黑体 CN Bold" panose="020B0800000000000000" pitchFamily="34" charset="-122"/>
+              </a:rPr>
+              <a:t>PART 3</a:t>
+            </a:r>
+            <a:endParaRPr lang="zh-CN" altLang="en-US" sz="2000" dirty="0">
+              <a:solidFill>
+                <a:schemeClr val="bg1">
+                  <a:lumMod val="95000"/>
+                </a:schemeClr>
+              </a:solidFill>
+              <a:latin typeface="思源黑体 CN Bold" panose="020B0800000000000000" pitchFamily="34" charset="-122"/>
+              <a:ea typeface="思源黑体 CN Bold" panose="020B0800000000000000" pitchFamily="34" charset="-122"/>
+            </a:endParaRPr>
+          </a:p>
+        </p:txBody>
+      </p:sp>
+      <p:sp>
+        <p:nvSpPr>
+          <p:cNvPr id="2" name="文本框 12">
+            <a:extLst>
+              <a:ext uri="{FF2B5EF4-FFF2-40B4-BE49-F238E27FC236}">
+                <a16:creationId xmlns:a16="http://schemas.microsoft.com/office/drawing/2014/main" id="{EB2D0894-0F60-F5EE-2FB1-711CE094B10E}"/>
+              </a:ext>
+            </a:extLst>
+          </p:cNvPr>
+          <p:cNvSpPr txBox="1"/>
+          <p:nvPr/>
+        </p:nvSpPr>
+        <p:spPr>
+          <a:xfrm>
+            <a:off x="1314449" y="226717"/>
+            <a:ext cx="6869102" cy="584775"/>
+          </a:xfrm>
+          <a:prstGeom prst="rect">
+            <a:avLst/>
+          </a:prstGeom>
+          <a:noFill/>
+        </p:spPr>
+        <p:txBody>
+          <a:bodyPr wrap="square" rtlCol="0">
+            <a:spAutoFit/>
+          </a:bodyPr>
+          <a:lstStyle>
+            <a:defPPr>
+              <a:defRPr lang="zh-CN"/>
+            </a:defPPr>
+            <a:lvl1pPr marL="0" algn="l" defTabSz="914400" rtl="0" eaLnBrk="1" latinLnBrk="0" hangingPunct="1">
+              <a:defRPr sz="1800" kern="1200">
+                <a:solidFill>
+                  <a:schemeClr val="tx1"/>
+                </a:solidFill>
+                <a:latin typeface="+mn-lt"/>
+                <a:ea typeface="+mn-ea"/>
+                <a:cs typeface="+mn-cs"/>
+              </a:defRPr>
+            </a:lvl1pPr>
+            <a:lvl2pPr marL="457200" algn="l" defTabSz="914400" rtl="0" eaLnBrk="1" latinLnBrk="0" hangingPunct="1">
+              <a:defRPr sz="1800" kern="1200">
+                <a:solidFill>
+                  <a:schemeClr val="tx1"/>
+                </a:solidFill>
+                <a:latin typeface="+mn-lt"/>
+                <a:ea typeface="+mn-ea"/>
+                <a:cs typeface="+mn-cs"/>
+              </a:defRPr>
+            </a:lvl2pPr>
+            <a:lvl3pPr marL="914400" algn="l" defTabSz="914400" rtl="0" eaLnBrk="1" latinLnBrk="0" hangingPunct="1">
+              <a:defRPr sz="1800" kern="1200">
+                <a:solidFill>
+                  <a:schemeClr val="tx1"/>
+                </a:solidFill>
+                <a:latin typeface="+mn-lt"/>
+                <a:ea typeface="+mn-ea"/>
+                <a:cs typeface="+mn-cs"/>
+              </a:defRPr>
+            </a:lvl3pPr>
+            <a:lvl4pPr marL="1371600" algn="l" defTabSz="914400" rtl="0" eaLnBrk="1" latinLnBrk="0" hangingPunct="1">
+              <a:defRPr sz="1800" kern="1200">
+                <a:solidFill>
+                  <a:schemeClr val="tx1"/>
+                </a:solidFill>
+                <a:latin typeface="+mn-lt"/>
+                <a:ea typeface="+mn-ea"/>
+                <a:cs typeface="+mn-cs"/>
+              </a:defRPr>
+            </a:lvl4pPr>
+            <a:lvl5pPr marL="1828800" algn="l" defTabSz="914400" rtl="0" eaLnBrk="1" latinLnBrk="0" hangingPunct="1">
+              <a:defRPr sz="1800" kern="1200">
+                <a:solidFill>
+                  <a:schemeClr val="tx1"/>
+                </a:solidFill>
+                <a:latin typeface="+mn-lt"/>
+                <a:ea typeface="+mn-ea"/>
+                <a:cs typeface="+mn-cs"/>
+              </a:defRPr>
+            </a:lvl5pPr>
+            <a:lvl6pPr marL="2286000" algn="l" defTabSz="914400" rtl="0" eaLnBrk="1" latinLnBrk="0" hangingPunct="1">
+              <a:defRPr sz="1800" kern="1200">
+                <a:solidFill>
+                  <a:schemeClr val="tx1"/>
+                </a:solidFill>
+                <a:latin typeface="+mn-lt"/>
+                <a:ea typeface="+mn-ea"/>
+                <a:cs typeface="+mn-cs"/>
+              </a:defRPr>
+            </a:lvl6pPr>
+            <a:lvl7pPr marL="2743200" algn="l" defTabSz="914400" rtl="0" eaLnBrk="1" latinLnBrk="0" hangingPunct="1">
+              <a:defRPr sz="1800" kern="1200">
+                <a:solidFill>
+                  <a:schemeClr val="tx1"/>
+                </a:solidFill>
+                <a:latin typeface="+mn-lt"/>
+                <a:ea typeface="+mn-ea"/>
+                <a:cs typeface="+mn-cs"/>
+              </a:defRPr>
+            </a:lvl7pPr>
+            <a:lvl8pPr marL="3200400" algn="l" defTabSz="914400" rtl="0" eaLnBrk="1" latinLnBrk="0" hangingPunct="1">
+              <a:defRPr sz="1800" kern="1200">
+                <a:solidFill>
+                  <a:schemeClr val="tx1"/>
+                </a:solidFill>
+                <a:latin typeface="+mn-lt"/>
+                <a:ea typeface="+mn-ea"/>
+                <a:cs typeface="+mn-cs"/>
+              </a:defRPr>
+            </a:lvl8pPr>
+            <a:lvl9pPr marL="3657600" algn="l" defTabSz="914400" rtl="0" eaLnBrk="1" latinLnBrk="0" hangingPunct="1">
+              <a:defRPr sz="1800" kern="1200">
+                <a:solidFill>
+                  <a:schemeClr val="tx1"/>
+                </a:solidFill>
+                <a:latin typeface="+mn-lt"/>
+                <a:ea typeface="+mn-ea"/>
+                <a:cs typeface="+mn-cs"/>
+              </a:defRPr>
+            </a:lvl9pPr>
+          </a:lstStyle>
+          <a:p>
+            <a:r>
+              <a:rPr lang="en-US" altLang="zh-CN" sz="3200" dirty="0">
+                <a:solidFill>
+                  <a:srgbClr val="425166"/>
+                </a:solidFill>
+                <a:latin typeface="Times New Roman" panose="02020603050405020304" pitchFamily="18" charset="0"/>
+                <a:ea typeface="思源黑体 CN Normal" panose="020B0400000000000000" pitchFamily="34" charset="-122"/>
+                <a:cs typeface="Times New Roman" panose="02020603050405020304" pitchFamily="18" charset="0"/>
+                <a:sym typeface="思源黑体 CN Normal" panose="020B0400000000000000" pitchFamily="34" charset="-122"/>
+              </a:rPr>
+              <a:t>Key Issues and Solutions in Refactoring</a:t>
+            </a:r>
+          </a:p>
+        </p:txBody>
+      </p:sp>
+    </p:spTree>
+    <p:extLst>
+      <p:ext uri="{BB962C8B-B14F-4D97-AF65-F5344CB8AC3E}">
+        <p14:creationId xmlns:p14="http://schemas.microsoft.com/office/powerpoint/2010/main" val="830072863"/>
+      </p:ext>
+    </p:extLst>
+  </p:cSld>
+  <p:clrMapOvr>
+    <a:masterClrMapping/>
+  </p:clrMapOvr>
+</p:sld>
+</file>
+
+<file path=ppt/slides/slide12.xml><?xml version="1.0" encoding="utf-8"?>
+<p:sld xmlns:a="http://schemas.openxmlformats.org/drawingml/2006/main" xmlns:r="http://schemas.openxmlformats.org/officeDocument/2006/relationships" xmlns:p="http://schemas.openxmlformats.org/presentationml/2006/main">
+  <p:cSld>
+    <p:spTree>
+      <p:nvGrpSpPr>
+        <p:cNvPr id="1" name="">
+          <a:extLst>
+            <a:ext uri="{FF2B5EF4-FFF2-40B4-BE49-F238E27FC236}">
               <a16:creationId xmlns:a16="http://schemas.microsoft.com/office/drawing/2014/main" id="{16EDB30C-A6B2-863C-84BC-DDA69456B841}"/>
             </a:ext>
           </a:extLst>
@@ -7941,7 +8961,7 @@
 </p:sld>
 </file>
 
-<file path=ppt/slides/slide11.xml><?xml version="1.0" encoding="utf-8"?>
+<file path=ppt/slides/slide13.xml><?xml version="1.0" encoding="utf-8"?>
 <p:sld xmlns:a="http://schemas.openxmlformats.org/drawingml/2006/main" xmlns:r="http://schemas.openxmlformats.org/officeDocument/2006/relationships" xmlns:p="http://schemas.openxmlformats.org/presentationml/2006/main">
   <p:cSld>
     <p:spTree>
@@ -11388,7 +12408,7 @@
 </p:sld>
 </file>
 
-<file path=ppt/slides/slide12.xml><?xml version="1.0" encoding="utf-8"?>
+<file path=ppt/slides/slide14.xml><?xml version="1.0" encoding="utf-8"?>
 <p:sld xmlns:a="http://schemas.openxmlformats.org/drawingml/2006/main" xmlns:r="http://schemas.openxmlformats.org/officeDocument/2006/relationships" xmlns:p="http://schemas.openxmlformats.org/presentationml/2006/main">
   <p:cSld>
     <p:spTree>
@@ -13842,7 +14862,7 @@
 </p:sld>
 </file>
 
-<file path=ppt/slides/slide13.xml><?xml version="1.0" encoding="utf-8"?>
+<file path=ppt/slides/slide15.xml><?xml version="1.0" encoding="utf-8"?>
 <p:sld xmlns:a="http://schemas.openxmlformats.org/drawingml/2006/main" xmlns:r="http://schemas.openxmlformats.org/officeDocument/2006/relationships" xmlns:p="http://schemas.openxmlformats.org/presentationml/2006/main">
   <p:cSld>
     <p:spTree>
@@ -16752,7 +17772,7 @@
 </p:sld>
 </file>
 
-<file path=ppt/slides/slide14.xml><?xml version="1.0" encoding="utf-8"?>
+<file path=ppt/slides/slide16.xml><?xml version="1.0" encoding="utf-8"?>
 <p:sld xmlns:a="http://schemas.openxmlformats.org/drawingml/2006/main" xmlns:r="http://schemas.openxmlformats.org/officeDocument/2006/relationships" xmlns:p="http://schemas.openxmlformats.org/presentationml/2006/main">
   <p:cSld>
     <p:spTree>
@@ -18706,7 +19726,7 @@
 </p:sld>
 </file>
 
-<file path=ppt/slides/slide15.xml><?xml version="1.0" encoding="utf-8"?>
+<file path=ppt/slides/slide17.xml><?xml version="1.0" encoding="utf-8"?>
 <p:sld xmlns:a="http://schemas.openxmlformats.org/drawingml/2006/main" xmlns:r="http://schemas.openxmlformats.org/officeDocument/2006/relationships" xmlns:p="http://schemas.openxmlformats.org/presentationml/2006/main">
   <p:cSld>
     <p:spTree>
@@ -22603,7 +23623,7 @@
 </p:sld>
 </file>
 
-<file path=ppt/slides/slide16.xml><?xml version="1.0" encoding="utf-8"?>
+<file path=ppt/slides/slide18.xml><?xml version="1.0" encoding="utf-8"?>
 <p:sld xmlns:a="http://schemas.openxmlformats.org/drawingml/2006/main" xmlns:r="http://schemas.openxmlformats.org/officeDocument/2006/relationships" xmlns:p="http://schemas.openxmlformats.org/presentationml/2006/main">
   <p:cSld>
     <p:spTree>
@@ -27444,7 +28464,7 @@
 </p:sld>
 </file>
 
-<file path=ppt/slides/slide17.xml><?xml version="1.0" encoding="utf-8"?>
+<file path=ppt/slides/slide19.xml><?xml version="1.0" encoding="utf-8"?>
 <p:sld xmlns:a="http://schemas.openxmlformats.org/drawingml/2006/main" xmlns:r="http://schemas.openxmlformats.org/officeDocument/2006/relationships" xmlns:p="http://schemas.openxmlformats.org/presentationml/2006/main">
   <p:cSld>
     <p:spTree>
@@ -34375,7 +35395,7 @@
           <p:nvPr>
             <p:extLst>
               <p:ext uri="{D42A27DB-BD31-4B8C-83A1-F6EECF244321}">
-                <p14:modId xmlns:p14="http://schemas.microsoft.com/office/powerpoint/2010/main" val="2102968479"/>
+                <p14:modId xmlns:p14="http://schemas.microsoft.com/office/powerpoint/2010/main" val="3373493871"/>
               </p:ext>
             </p:extLst>
           </p:nvPr>
@@ -35244,6 +36264,69 @@
                     <a:lstStyle/>
                     <a:p>
                       <a:pPr algn="ctr"/>
+                      <a:r>
+                        <a:rPr lang="en-US" altLang="zh-CN" dirty="0">
+                          <a:latin typeface="Times New Roman" panose="02020603050405020304" pitchFamily="18" charset="0"/>
+                          <a:cs typeface="Times New Roman" panose="02020603050405020304" pitchFamily="18" charset="0"/>
+                        </a:rPr>
+                        <a:t>Observer</a:t>
+                      </a:r>
+                      <a:endParaRPr lang="zh-CN" altLang="en-US" dirty="0">
+                        <a:latin typeface="Times New Roman" panose="02020603050405020304" pitchFamily="18" charset="0"/>
+                        <a:cs typeface="Times New Roman" panose="02020603050405020304" pitchFamily="18" charset="0"/>
+                      </a:endParaRPr>
+                    </a:p>
+                  </a:txBody>
+                  <a:tcPr anchor="ctr">
+                    <a:lnL w="12700" cap="flat" cmpd="sng" algn="ctr">
+                      <a:solidFill>
+                        <a:schemeClr val="accent1"/>
+                      </a:solidFill>
+                      <a:prstDash val="solid"/>
+                      <a:round/>
+                      <a:headEnd type="none" w="med" len="med"/>
+                      <a:tailEnd type="none" w="med" len="med"/>
+                    </a:lnL>
+                    <a:lnR w="12700" cap="flat" cmpd="sng" algn="ctr">
+                      <a:solidFill>
+                        <a:schemeClr val="accent1"/>
+                      </a:solidFill>
+                      <a:prstDash val="solid"/>
+                      <a:round/>
+                      <a:headEnd type="none" w="med" len="med"/>
+                      <a:tailEnd type="none" w="med" len="med"/>
+                    </a:lnR>
+                  </a:tcPr>
+                </a:tc>
+                <a:tc>
+                  <a:txBody>
+                    <a:bodyPr/>
+                    <a:lstStyle/>
+                    <a:p>
+                      <a:pPr marL="0" marR="0" lvl="0" indent="0" algn="ctr" defTabSz="914400" rtl="0" eaLnBrk="1" fontAlgn="auto" latinLnBrk="0" hangingPunct="1">
+                        <a:lnSpc>
+                          <a:spcPct val="100000"/>
+                        </a:lnSpc>
+                        <a:spcBef>
+                          <a:spcPts val="0"/>
+                        </a:spcBef>
+                        <a:spcAft>
+                          <a:spcPts val="0"/>
+                        </a:spcAft>
+                        <a:buClrTx/>
+                        <a:buSzTx/>
+                        <a:buFontTx/>
+                        <a:buNone/>
+                        <a:tabLst/>
+                        <a:defRPr/>
+                      </a:pPr>
+                      <a:r>
+                        <a:rPr lang="en-US" altLang="zh-CN" dirty="0">
+                          <a:latin typeface="Times New Roman" panose="02020603050405020304" pitchFamily="18" charset="0"/>
+                          <a:cs typeface="Times New Roman" panose="02020603050405020304" pitchFamily="18" charset="0"/>
+                        </a:rPr>
+                        <a:t>Behavioral Patterns</a:t>
+                      </a:r>
                       <a:endParaRPr lang="zh-CN" altLang="en-US" dirty="0">
                         <a:latin typeface="Times New Roman" panose="02020603050405020304" pitchFamily="18" charset="0"/>
                         <a:cs typeface="Times New Roman" panose="02020603050405020304" pitchFamily="18" charset="0"/>
@@ -35277,39 +36360,13 @@
                     <a:lstStyle/>
                     <a:p>
                       <a:pPr algn="ctr"/>
-                      <a:endParaRPr lang="zh-CN" altLang="en-US" dirty="0">
-                        <a:latin typeface="Times New Roman" panose="02020603050405020304" pitchFamily="18" charset="0"/>
-                        <a:cs typeface="Times New Roman" panose="02020603050405020304" pitchFamily="18" charset="0"/>
-                      </a:endParaRPr>
-                    </a:p>
-                  </a:txBody>
-                  <a:tcPr anchor="ctr">
-                    <a:lnL w="12700" cap="flat" cmpd="sng" algn="ctr">
-                      <a:solidFill>
-                        <a:schemeClr val="accent1"/>
-                      </a:solidFill>
-                      <a:prstDash val="solid"/>
-                      <a:round/>
-                      <a:headEnd type="none" w="med" len="med"/>
-                      <a:tailEnd type="none" w="med" len="med"/>
-                    </a:lnL>
-                    <a:lnR w="12700" cap="flat" cmpd="sng" algn="ctr">
-                      <a:solidFill>
-                        <a:schemeClr val="accent1"/>
-                      </a:solidFill>
-                      <a:prstDash val="solid"/>
-                      <a:round/>
-                      <a:headEnd type="none" w="med" len="med"/>
-                      <a:tailEnd type="none" w="med" len="med"/>
-                    </a:lnR>
-                  </a:tcPr>
-                </a:tc>
-                <a:tc>
-                  <a:txBody>
-                    <a:bodyPr/>
-                    <a:lstStyle/>
-                    <a:p>
-                      <a:pPr algn="ctr"/>
+                      <a:r>
+                        <a:rPr lang="en-US" altLang="zh-CN" dirty="0">
+                          <a:latin typeface="Times New Roman" panose="02020603050405020304" pitchFamily="18" charset="0"/>
+                          <a:cs typeface="Times New Roman" panose="02020603050405020304" pitchFamily="18" charset="0"/>
+                        </a:rPr>
+                        <a:t>1</a:t>
+                      </a:r>
                       <a:endParaRPr lang="zh-CN" altLang="en-US" dirty="0">
                         <a:latin typeface="Times New Roman" panose="02020603050405020304" pitchFamily="18" charset="0"/>
                         <a:cs typeface="Times New Roman" panose="02020603050405020304" pitchFamily="18" charset="0"/>
@@ -35405,6 +36462,13 @@
                     <a:lstStyle/>
                     <a:p>
                       <a:pPr algn="ctr"/>
+                      <a:r>
+                        <a:rPr lang="en-US" altLang="zh-CN" dirty="0">
+                          <a:latin typeface="Times New Roman" panose="02020603050405020304" pitchFamily="18" charset="0"/>
+                          <a:cs typeface="Times New Roman" panose="02020603050405020304" pitchFamily="18" charset="0"/>
+                        </a:rPr>
+                        <a:t>Template Method</a:t>
+                      </a:r>
                       <a:endParaRPr lang="zh-CN" altLang="en-US" dirty="0">
                         <a:latin typeface="Times New Roman" panose="02020603050405020304" pitchFamily="18" charset="0"/>
                         <a:cs typeface="Times New Roman" panose="02020603050405020304" pitchFamily="18" charset="0"/>
@@ -35438,6 +36502,13 @@
                     <a:lstStyle/>
                     <a:p>
                       <a:pPr algn="ctr"/>
+                      <a:r>
+                        <a:rPr lang="en-US" altLang="zh-CN" dirty="0">
+                          <a:latin typeface="Times New Roman" panose="02020603050405020304" pitchFamily="18" charset="0"/>
+                          <a:cs typeface="Times New Roman" panose="02020603050405020304" pitchFamily="18" charset="0"/>
+                        </a:rPr>
+                        <a:t>Behavioral Patterns</a:t>
+                      </a:r>
                       <a:endParaRPr lang="zh-CN" altLang="en-US" dirty="0">
                         <a:latin typeface="Times New Roman" panose="02020603050405020304" pitchFamily="18" charset="0"/>
                         <a:cs typeface="Times New Roman" panose="02020603050405020304" pitchFamily="18" charset="0"/>
@@ -35471,6 +36542,13 @@
                     <a:lstStyle/>
                     <a:p>
                       <a:pPr algn="ctr"/>
+                      <a:r>
+                        <a:rPr lang="en-US" altLang="zh-CN" dirty="0">
+                          <a:latin typeface="Times New Roman" panose="02020603050405020304" pitchFamily="18" charset="0"/>
+                          <a:cs typeface="Times New Roman" panose="02020603050405020304" pitchFamily="18" charset="0"/>
+                        </a:rPr>
+                        <a:t>1</a:t>
+                      </a:r>
                       <a:endParaRPr lang="zh-CN" altLang="en-US" dirty="0">
                         <a:latin typeface="Times New Roman" panose="02020603050405020304" pitchFamily="18" charset="0"/>
                         <a:cs typeface="Times New Roman" panose="02020603050405020304" pitchFamily="18" charset="0"/>
@@ -35504,6 +36582,13 @@
                     <a:lstStyle/>
                     <a:p>
                       <a:pPr algn="ctr"/>
+                      <a:r>
+                        <a:rPr lang="en-US" altLang="zh-CN" dirty="0">
+                          <a:latin typeface="Times New Roman" panose="02020603050405020304" pitchFamily="18" charset="0"/>
+                          <a:cs typeface="Times New Roman" panose="02020603050405020304" pitchFamily="18" charset="0"/>
+                        </a:rPr>
+                        <a:t>Level Initialization Process</a:t>
+                      </a:r>
                       <a:endParaRPr lang="zh-CN" altLang="en-US" dirty="0">
                         <a:latin typeface="Times New Roman" panose="02020603050405020304" pitchFamily="18" charset="0"/>
                         <a:cs typeface="Times New Roman" panose="02020603050405020304" pitchFamily="18" charset="0"/>
@@ -35727,13 +36812,6 @@
                     <a:lstStyle/>
                     <a:p>
                       <a:pPr algn="ctr"/>
-                      <a:r>
-                        <a:rPr lang="en-US" altLang="zh-CN" dirty="0">
-                          <a:latin typeface="Times New Roman" panose="02020603050405020304" pitchFamily="18" charset="0"/>
-                          <a:cs typeface="Times New Roman" panose="02020603050405020304" pitchFamily="18" charset="0"/>
-                        </a:rPr>
-                        <a:t>Template Method</a:t>
-                      </a:r>
                       <a:endParaRPr lang="zh-CN" altLang="en-US" dirty="0">
                         <a:latin typeface="Times New Roman" panose="02020603050405020304" pitchFamily="18" charset="0"/>
                         <a:cs typeface="Times New Roman" panose="02020603050405020304" pitchFamily="18" charset="0"/>
@@ -35767,13 +36845,6 @@
                     <a:lstStyle/>
                     <a:p>
                       <a:pPr algn="ctr"/>
-                      <a:r>
-                        <a:rPr lang="en-US" altLang="zh-CN" dirty="0">
-                          <a:latin typeface="Times New Roman" panose="02020603050405020304" pitchFamily="18" charset="0"/>
-                          <a:cs typeface="Times New Roman" panose="02020603050405020304" pitchFamily="18" charset="0"/>
-                        </a:rPr>
-                        <a:t>Behavioral Patterns</a:t>
-                      </a:r>
                       <a:endParaRPr lang="zh-CN" altLang="en-US" dirty="0">
                         <a:latin typeface="Times New Roman" panose="02020603050405020304" pitchFamily="18" charset="0"/>
                         <a:cs typeface="Times New Roman" panose="02020603050405020304" pitchFamily="18" charset="0"/>
@@ -35807,13 +36878,6 @@
                     <a:lstStyle/>
                     <a:p>
                       <a:pPr algn="ctr"/>
-                      <a:r>
-                        <a:rPr lang="en-US" altLang="zh-CN" dirty="0">
-                          <a:latin typeface="Times New Roman" panose="02020603050405020304" pitchFamily="18" charset="0"/>
-                          <a:cs typeface="Times New Roman" panose="02020603050405020304" pitchFamily="18" charset="0"/>
-                        </a:rPr>
-                        <a:t>1</a:t>
-                      </a:r>
                       <a:endParaRPr lang="zh-CN" altLang="en-US" dirty="0">
                         <a:latin typeface="Times New Roman" panose="02020603050405020304" pitchFamily="18" charset="0"/>
                         <a:cs typeface="Times New Roman" panose="02020603050405020304" pitchFamily="18" charset="0"/>
@@ -35847,13 +36911,6 @@
                     <a:lstStyle/>
                     <a:p>
                       <a:pPr algn="ctr"/>
-                      <a:r>
-                        <a:rPr lang="en-US" altLang="zh-CN" dirty="0">
-                          <a:latin typeface="Times New Roman" panose="02020603050405020304" pitchFamily="18" charset="0"/>
-                          <a:cs typeface="Times New Roman" panose="02020603050405020304" pitchFamily="18" charset="0"/>
-                        </a:rPr>
-                        <a:t>Level Initialization Process</a:t>
-                      </a:r>
                       <a:endParaRPr lang="zh-CN" altLang="en-US" dirty="0">
                         <a:latin typeface="Times New Roman" panose="02020603050405020304" pitchFamily="18" charset="0"/>
                         <a:cs typeface="Times New Roman" panose="02020603050405020304" pitchFamily="18" charset="0"/>
@@ -39333,7 +40390,7 @@
         <p:cNvPr id="1" name="">
           <a:extLst>
             <a:ext uri="{FF2B5EF4-FFF2-40B4-BE49-F238E27FC236}">
-              <a16:creationId xmlns:a16="http://schemas.microsoft.com/office/drawing/2014/main" id="{A5D2CC10-BE4C-0192-4937-EFDC635852CD}"/>
+              <a16:creationId xmlns:a16="http://schemas.microsoft.com/office/drawing/2014/main" id="{D78668CB-D8AC-A5D8-96B1-D6C9002875A9}"/>
             </a:ext>
           </a:extLst>
         </p:cNvPr>
@@ -39353,7 +40410,7 @@
           <p:cNvPr id="5" name="矩形 4">
             <a:extLst>
               <a:ext uri="{FF2B5EF4-FFF2-40B4-BE49-F238E27FC236}">
-                <a16:creationId xmlns:a16="http://schemas.microsoft.com/office/drawing/2014/main" id="{FCECFC43-283F-0882-D47B-9886A90397A1}"/>
+                <a16:creationId xmlns:a16="http://schemas.microsoft.com/office/drawing/2014/main" id="{0143472F-C721-7B9D-DB67-58AAEADD53AA}"/>
               </a:ext>
             </a:extLst>
           </p:cNvPr>
@@ -39404,7 +40461,7 @@
           <p:cNvPr id="6" name="文本框 5">
             <a:extLst>
               <a:ext uri="{FF2B5EF4-FFF2-40B4-BE49-F238E27FC236}">
-                <a16:creationId xmlns:a16="http://schemas.microsoft.com/office/drawing/2014/main" id="{66635B03-44A9-004B-29C0-333FEC5215E9}"/>
+                <a16:creationId xmlns:a16="http://schemas.microsoft.com/office/drawing/2014/main" id="{B3A2F600-D925-A3A6-A42C-3852B045454E}"/>
               </a:ext>
             </a:extLst>
           </p:cNvPr>
@@ -39437,7 +40494,7 @@
                 <a:latin typeface="思源黑体 CN Bold" panose="020B0800000000000000" pitchFamily="34" charset="-122"/>
                 <a:ea typeface="思源黑体 CN Bold" panose="020B0800000000000000" pitchFamily="34" charset="-122"/>
               </a:rPr>
-              <a:t>PART 3</a:t>
+              <a:t>PART 2</a:t>
             </a:r>
             <a:endParaRPr lang="zh-CN" altLang="en-US" sz="2000" dirty="0">
               <a:solidFill>
@@ -39456,7 +40513,7 @@
           <p:cNvPr id="2" name="文本框 12">
             <a:extLst>
               <a:ext uri="{FF2B5EF4-FFF2-40B4-BE49-F238E27FC236}">
-                <a16:creationId xmlns:a16="http://schemas.microsoft.com/office/drawing/2014/main" id="{EB2D0894-0F60-F5EE-2FB1-711CE094B10E}"/>
+                <a16:creationId xmlns:a16="http://schemas.microsoft.com/office/drawing/2014/main" id="{9C17ED91-3C7B-BC84-2751-96E266D8BA8D}"/>
               </a:ext>
             </a:extLst>
           </p:cNvPr>
@@ -39466,7 +40523,7 @@
         <p:spPr>
           <a:xfrm>
             <a:off x="1314449" y="226717"/>
-            <a:ext cx="6869102" cy="584775"/>
+            <a:ext cx="5231075" cy="1077218"/>
           </a:xfrm>
           <a:prstGeom prst="rect">
             <a:avLst/>
@@ -39583,15 +40640,395 @@
                 <a:cs typeface="Times New Roman" panose="02020603050405020304" pitchFamily="18" charset="0"/>
                 <a:sym typeface="思源黑体 CN Normal" panose="020B0400000000000000" pitchFamily="34" charset="-122"/>
               </a:rPr>
-              <a:t>Key Issues and Solutions in Refactoring</a:t>
+              <a:t>Design Patterns in Refactoring</a:t>
             </a:r>
+          </a:p>
+          <a:p>
+            <a:r>
+              <a:rPr lang="en-US" altLang="zh-CN" sz="3200" dirty="0">
+                <a:solidFill>
+                  <a:srgbClr val="425166"/>
+                </a:solidFill>
+                <a:latin typeface="Times New Roman" panose="02020603050405020304" pitchFamily="18" charset="0"/>
+                <a:ea typeface="思源黑体 CN Normal" panose="020B0400000000000000" pitchFamily="34" charset="-122"/>
+                <a:cs typeface="Times New Roman" panose="02020603050405020304" pitchFamily="18" charset="0"/>
+                <a:sym typeface="思源黑体 CN Normal" panose="020B0400000000000000" pitchFamily="34" charset="-122"/>
+              </a:rPr>
+              <a:t> </a:t>
+            </a:r>
+            <a:endParaRPr lang="zh-CN" altLang="en-US" sz="3200" dirty="0">
+              <a:solidFill>
+                <a:srgbClr val="425166"/>
+              </a:solidFill>
+              <a:latin typeface="Times New Roman" panose="02020603050405020304" pitchFamily="18" charset="0"/>
+              <a:ea typeface="思源黑体 CN Normal" panose="020B0400000000000000" pitchFamily="34" charset="-122"/>
+              <a:cs typeface="Times New Roman" panose="02020603050405020304" pitchFamily="18" charset="0"/>
+              <a:sym typeface="思源黑体 CN Normal" panose="020B0400000000000000" pitchFamily="34" charset="-122"/>
+            </a:endParaRPr>
+          </a:p>
+        </p:txBody>
+      </p:sp>
+      <p:sp>
+        <p:nvSpPr>
+          <p:cNvPr id="27" name="文本框 26">
+            <a:extLst>
+              <a:ext uri="{FF2B5EF4-FFF2-40B4-BE49-F238E27FC236}">
+                <a16:creationId xmlns:a16="http://schemas.microsoft.com/office/drawing/2014/main" id="{11A0C5AF-7E1B-A5C7-10B9-817350E5A4FA}"/>
+              </a:ext>
+            </a:extLst>
+          </p:cNvPr>
+          <p:cNvSpPr txBox="1"/>
+          <p:nvPr/>
+        </p:nvSpPr>
+        <p:spPr>
+          <a:xfrm>
+            <a:off x="1513519" y="934603"/>
+            <a:ext cx="3249738" cy="369332"/>
+          </a:xfrm>
+          <a:prstGeom prst="rect">
+            <a:avLst/>
+          </a:prstGeom>
+          <a:noFill/>
+        </p:spPr>
+        <p:txBody>
+          <a:bodyPr wrap="square">
+            <a:spAutoFit/>
+          </a:bodyPr>
+          <a:lstStyle/>
+          <a:p>
+            <a:pPr algn="ctr"/>
+            <a:r>
+              <a:rPr lang="en-US" altLang="zh-CN" dirty="0">
+                <a:latin typeface="Times New Roman" panose="02020603050405020304" pitchFamily="18" charset="0"/>
+                <a:cs typeface="Times New Roman" panose="02020603050405020304" pitchFamily="18" charset="0"/>
+              </a:rPr>
+              <a:t>Class diagram of Decorator</a:t>
+            </a:r>
+            <a:endParaRPr lang="zh-CN" altLang="en-US" dirty="0">
+              <a:latin typeface="Times New Roman" panose="02020603050405020304" pitchFamily="18" charset="0"/>
+              <a:cs typeface="Times New Roman" panose="02020603050405020304" pitchFamily="18" charset="0"/>
+            </a:endParaRPr>
+          </a:p>
+        </p:txBody>
+      </p:sp>
+      <p:grpSp>
+        <p:nvGrpSpPr>
+          <p:cNvPr id="30" name="组合 29">
+            <a:extLst>
+              <a:ext uri="{FF2B5EF4-FFF2-40B4-BE49-F238E27FC236}">
+                <a16:creationId xmlns:a16="http://schemas.microsoft.com/office/drawing/2014/main" id="{E6B33147-34DD-082F-8E6C-1AC71918E7B3}"/>
+              </a:ext>
+            </a:extLst>
+          </p:cNvPr>
+          <p:cNvGrpSpPr/>
+          <p:nvPr/>
+        </p:nvGrpSpPr>
+        <p:grpSpPr>
+          <a:xfrm rot="10800000">
+            <a:off x="5944137" y="3145759"/>
+            <a:ext cx="969273" cy="248633"/>
+            <a:chOff x="6049119" y="5793914"/>
+            <a:chExt cx="1030620" cy="299295"/>
+          </a:xfrm>
+          <a:gradFill>
+            <a:gsLst>
+              <a:gs pos="0">
+                <a:schemeClr val="accent1">
+                  <a:lumMod val="5000"/>
+                  <a:lumOff val="95000"/>
+                </a:schemeClr>
+              </a:gs>
+              <a:gs pos="33000">
+                <a:schemeClr val="accent1">
+                  <a:lumMod val="45000"/>
+                  <a:lumOff val="55000"/>
+                </a:schemeClr>
+              </a:gs>
+              <a:gs pos="100000">
+                <a:schemeClr val="accent1">
+                  <a:lumMod val="75000"/>
+                </a:schemeClr>
+              </a:gs>
+            </a:gsLst>
+            <a:lin ang="0" scaled="0"/>
+          </a:gradFill>
+        </p:grpSpPr>
+        <p:sp>
+          <p:nvSpPr>
+            <p:cNvPr id="33" name="箭头: V 形 32">
+              <a:extLst>
+                <a:ext uri="{FF2B5EF4-FFF2-40B4-BE49-F238E27FC236}">
+                  <a16:creationId xmlns:a16="http://schemas.microsoft.com/office/drawing/2014/main" id="{41B5C59D-8C39-4960-ADEA-3FC2A5D0B0E7}"/>
+                </a:ext>
+              </a:extLst>
+            </p:cNvPr>
+            <p:cNvSpPr/>
+            <p:nvPr/>
+          </p:nvSpPr>
+          <p:spPr>
+            <a:xfrm>
+              <a:off x="6049119" y="5793914"/>
+              <a:ext cx="258751" cy="299295"/>
+            </a:xfrm>
+            <a:prstGeom prst="chevron">
+              <a:avLst/>
+            </a:prstGeom>
+            <a:grpFill/>
+            <a:ln>
+              <a:noFill/>
+            </a:ln>
+          </p:spPr>
+          <p:style>
+            <a:lnRef idx="2">
+              <a:schemeClr val="accent1">
+                <a:shade val="15000"/>
+              </a:schemeClr>
+            </a:lnRef>
+            <a:fillRef idx="1">
+              <a:schemeClr val="accent1"/>
+            </a:fillRef>
+            <a:effectRef idx="0">
+              <a:schemeClr val="accent1"/>
+            </a:effectRef>
+            <a:fontRef idx="minor">
+              <a:schemeClr val="lt1"/>
+            </a:fontRef>
+          </p:style>
+          <p:txBody>
+            <a:bodyPr rtlCol="0" anchor="ctr"/>
+            <a:lstStyle/>
+            <a:p>
+              <a:pPr algn="ctr"/>
+              <a:endParaRPr lang="zh-CN" altLang="en-US">
+                <a:solidFill>
+                  <a:schemeClr val="accent1">
+                    <a:lumMod val="40000"/>
+                    <a:lumOff val="60000"/>
+                  </a:schemeClr>
+                </a:solidFill>
+              </a:endParaRPr>
+            </a:p>
+          </p:txBody>
+        </p:sp>
+        <p:sp>
+          <p:nvSpPr>
+            <p:cNvPr id="34" name="箭头: V 形 33">
+              <a:extLst>
+                <a:ext uri="{FF2B5EF4-FFF2-40B4-BE49-F238E27FC236}">
+                  <a16:creationId xmlns:a16="http://schemas.microsoft.com/office/drawing/2014/main" id="{35E59918-EA03-DB24-4B42-E05F1624FEE0}"/>
+                </a:ext>
+              </a:extLst>
+            </p:cNvPr>
+            <p:cNvSpPr/>
+            <p:nvPr/>
+          </p:nvSpPr>
+          <p:spPr>
+            <a:xfrm>
+              <a:off x="6307869" y="5793914"/>
+              <a:ext cx="258751" cy="299295"/>
+            </a:xfrm>
+            <a:prstGeom prst="chevron">
+              <a:avLst/>
+            </a:prstGeom>
+            <a:grpFill/>
+            <a:ln>
+              <a:noFill/>
+            </a:ln>
+          </p:spPr>
+          <p:style>
+            <a:lnRef idx="2">
+              <a:schemeClr val="accent1">
+                <a:shade val="15000"/>
+              </a:schemeClr>
+            </a:lnRef>
+            <a:fillRef idx="1">
+              <a:schemeClr val="accent1"/>
+            </a:fillRef>
+            <a:effectRef idx="0">
+              <a:schemeClr val="accent1"/>
+            </a:effectRef>
+            <a:fontRef idx="minor">
+              <a:schemeClr val="lt1"/>
+            </a:fontRef>
+          </p:style>
+          <p:txBody>
+            <a:bodyPr rtlCol="0" anchor="ctr"/>
+            <a:lstStyle/>
+            <a:p>
+              <a:pPr algn="ctr"/>
+              <a:endParaRPr lang="zh-CN" altLang="en-US">
+                <a:solidFill>
+                  <a:schemeClr val="accent1">
+                    <a:lumMod val="40000"/>
+                    <a:lumOff val="60000"/>
+                  </a:schemeClr>
+                </a:solidFill>
+              </a:endParaRPr>
+            </a:p>
+          </p:txBody>
+        </p:sp>
+        <p:sp>
+          <p:nvSpPr>
+            <p:cNvPr id="35" name="箭头: V 形 34">
+              <a:extLst>
+                <a:ext uri="{FF2B5EF4-FFF2-40B4-BE49-F238E27FC236}">
+                  <a16:creationId xmlns:a16="http://schemas.microsoft.com/office/drawing/2014/main" id="{0E615910-EBEB-A65F-9C6F-9AD3C5A4CE94}"/>
+                </a:ext>
+              </a:extLst>
+            </p:cNvPr>
+            <p:cNvSpPr/>
+            <p:nvPr/>
+          </p:nvSpPr>
+          <p:spPr>
+            <a:xfrm>
+              <a:off x="6566622" y="5793914"/>
+              <a:ext cx="258751" cy="299295"/>
+            </a:xfrm>
+            <a:prstGeom prst="chevron">
+              <a:avLst/>
+            </a:prstGeom>
+            <a:grpFill/>
+            <a:ln>
+              <a:noFill/>
+            </a:ln>
+          </p:spPr>
+          <p:style>
+            <a:lnRef idx="2">
+              <a:schemeClr val="accent1">
+                <a:shade val="15000"/>
+              </a:schemeClr>
+            </a:lnRef>
+            <a:fillRef idx="1">
+              <a:schemeClr val="accent1"/>
+            </a:fillRef>
+            <a:effectRef idx="0">
+              <a:schemeClr val="accent1"/>
+            </a:effectRef>
+            <a:fontRef idx="minor">
+              <a:schemeClr val="lt1"/>
+            </a:fontRef>
+          </p:style>
+          <p:txBody>
+            <a:bodyPr rtlCol="0" anchor="ctr"/>
+            <a:lstStyle/>
+            <a:p>
+              <a:pPr algn="ctr"/>
+              <a:endParaRPr lang="zh-CN" altLang="en-US" dirty="0">
+                <a:solidFill>
+                  <a:schemeClr val="accent1">
+                    <a:lumMod val="40000"/>
+                    <a:lumOff val="60000"/>
+                  </a:schemeClr>
+                </a:solidFill>
+              </a:endParaRPr>
+            </a:p>
+          </p:txBody>
+        </p:sp>
+        <p:sp>
+          <p:nvSpPr>
+            <p:cNvPr id="36" name="箭头: V 形 35">
+              <a:extLst>
+                <a:ext uri="{FF2B5EF4-FFF2-40B4-BE49-F238E27FC236}">
+                  <a16:creationId xmlns:a16="http://schemas.microsoft.com/office/drawing/2014/main" id="{2B2B7583-6895-8D17-93F1-D03D47F12E47}"/>
+                </a:ext>
+              </a:extLst>
+            </p:cNvPr>
+            <p:cNvSpPr/>
+            <p:nvPr/>
+          </p:nvSpPr>
+          <p:spPr>
+            <a:xfrm>
+              <a:off x="6820988" y="5793914"/>
+              <a:ext cx="258751" cy="299295"/>
+            </a:xfrm>
+            <a:prstGeom prst="chevron">
+              <a:avLst/>
+            </a:prstGeom>
+            <a:grpFill/>
+            <a:ln>
+              <a:noFill/>
+            </a:ln>
+          </p:spPr>
+          <p:style>
+            <a:lnRef idx="2">
+              <a:schemeClr val="accent1">
+                <a:shade val="15000"/>
+              </a:schemeClr>
+            </a:lnRef>
+            <a:fillRef idx="1">
+              <a:schemeClr val="accent1"/>
+            </a:fillRef>
+            <a:effectRef idx="0">
+              <a:schemeClr val="accent1"/>
+            </a:effectRef>
+            <a:fontRef idx="minor">
+              <a:schemeClr val="lt1"/>
+            </a:fontRef>
+          </p:style>
+          <p:txBody>
+            <a:bodyPr rtlCol="0" anchor="ctr"/>
+            <a:lstStyle/>
+            <a:p>
+              <a:pPr algn="ctr"/>
+              <a:endParaRPr lang="zh-CN" altLang="en-US">
+                <a:solidFill>
+                  <a:schemeClr val="accent1">
+                    <a:lumMod val="40000"/>
+                    <a:lumOff val="60000"/>
+                  </a:schemeClr>
+                </a:solidFill>
+              </a:endParaRPr>
+            </a:p>
+          </p:txBody>
+        </p:sp>
+      </p:grpSp>
+      <p:sp>
+        <p:nvSpPr>
+          <p:cNvPr id="43" name="文本框 42">
+            <a:extLst>
+              <a:ext uri="{FF2B5EF4-FFF2-40B4-BE49-F238E27FC236}">
+                <a16:creationId xmlns:a16="http://schemas.microsoft.com/office/drawing/2014/main" id="{D40725E2-63F1-75F2-FC59-5D3B45016598}"/>
+              </a:ext>
+            </a:extLst>
+          </p:cNvPr>
+          <p:cNvSpPr txBox="1"/>
+          <p:nvPr/>
+        </p:nvSpPr>
+        <p:spPr>
+          <a:xfrm>
+            <a:off x="7836637" y="934603"/>
+            <a:ext cx="3249738" cy="369332"/>
+          </a:xfrm>
+          <a:prstGeom prst="rect">
+            <a:avLst/>
+          </a:prstGeom>
+          <a:noFill/>
+        </p:spPr>
+        <p:txBody>
+          <a:bodyPr wrap="square">
+            <a:spAutoFit/>
+          </a:bodyPr>
+          <a:lstStyle/>
+          <a:p>
+            <a:pPr algn="ctr"/>
+            <a:r>
+              <a:rPr lang="en-US" altLang="zh-CN" dirty="0">
+                <a:latin typeface="Times New Roman" panose="02020603050405020304" pitchFamily="18" charset="0"/>
+                <a:cs typeface="Times New Roman" panose="02020603050405020304" pitchFamily="18" charset="0"/>
+              </a:rPr>
+              <a:t>Original Structure</a:t>
+            </a:r>
+            <a:endParaRPr lang="zh-CN" altLang="en-US" dirty="0">
+              <a:latin typeface="Times New Roman" panose="02020603050405020304" pitchFamily="18" charset="0"/>
+              <a:cs typeface="Times New Roman" panose="02020603050405020304" pitchFamily="18" charset="0"/>
+            </a:endParaRPr>
           </a:p>
         </p:txBody>
       </p:sp>
     </p:spTree>
     <p:extLst>
       <p:ext uri="{BB962C8B-B14F-4D97-AF65-F5344CB8AC3E}">
-        <p14:creationId xmlns:p14="http://schemas.microsoft.com/office/powerpoint/2010/main" val="830072863"/>
+        <p14:creationId xmlns:p14="http://schemas.microsoft.com/office/powerpoint/2010/main" val="709072672"/>
       </p:ext>
     </p:extLst>
   </p:cSld>

--- a/文档/DesignPattern.pptx
+++ b/文档/DesignPattern.pptx
@@ -17,9 +17,9 @@
     <p:sldId id="279" r:id="rId8"/>
     <p:sldId id="280" r:id="rId9"/>
     <p:sldId id="281" r:id="rId10"/>
-    <p:sldId id="282" r:id="rId11"/>
-    <p:sldId id="277" r:id="rId12"/>
-    <p:sldId id="273" r:id="rId13"/>
+    <p:sldId id="283" r:id="rId11"/>
+    <p:sldId id="282" r:id="rId12"/>
+    <p:sldId id="277" r:id="rId13"/>
     <p:sldId id="272" r:id="rId14"/>
     <p:sldId id="261" r:id="rId15"/>
     <p:sldId id="264" r:id="rId16"/>
@@ -1996,7 +1996,7 @@
           <a:p>
             <a:fld id="{3B0CAA4A-A895-4B63-BE06-E8F514E37694}" type="datetimeFigureOut">
               <a:rPr lang="zh-CN" altLang="en-US" smtClean="0"/>
-              <a:t>2025/1/3</a:t>
+              <a:t>2025/1/4</a:t>
             </a:fld>
             <a:endParaRPr lang="zh-CN" altLang="en-US"/>
           </a:p>
@@ -2410,7 +2410,7 @@
           <a:p>
             <a:fld id="{9717DA2B-FDD0-4119-A1D8-19C92B15FFDD}" type="datetimeFigureOut">
               <a:rPr lang="zh-CN" altLang="en-US" smtClean="0"/>
-              <a:t>2025/1/3</a:t>
+              <a:t>2025/1/4</a:t>
             </a:fld>
             <a:endParaRPr lang="zh-CN" altLang="en-US"/>
           </a:p>
@@ -2608,7 +2608,7 @@
           <a:p>
             <a:fld id="{9717DA2B-FDD0-4119-A1D8-19C92B15FFDD}" type="datetimeFigureOut">
               <a:rPr lang="zh-CN" altLang="en-US" smtClean="0"/>
-              <a:t>2025/1/3</a:t>
+              <a:t>2025/1/4</a:t>
             </a:fld>
             <a:endParaRPr lang="zh-CN" altLang="en-US"/>
           </a:p>
@@ -2816,7 +2816,7 @@
           <a:p>
             <a:fld id="{9717DA2B-FDD0-4119-A1D8-19C92B15FFDD}" type="datetimeFigureOut">
               <a:rPr lang="zh-CN" altLang="en-US" smtClean="0"/>
-              <a:t>2025/1/3</a:t>
+              <a:t>2025/1/4</a:t>
             </a:fld>
             <a:endParaRPr lang="zh-CN" altLang="en-US"/>
           </a:p>
@@ -3014,7 +3014,7 @@
           <a:p>
             <a:fld id="{9717DA2B-FDD0-4119-A1D8-19C92B15FFDD}" type="datetimeFigureOut">
               <a:rPr lang="zh-CN" altLang="en-US" smtClean="0"/>
-              <a:t>2025/1/3</a:t>
+              <a:t>2025/1/4</a:t>
             </a:fld>
             <a:endParaRPr lang="zh-CN" altLang="en-US"/>
           </a:p>
@@ -3289,7 +3289,7 @@
           <a:p>
             <a:fld id="{9717DA2B-FDD0-4119-A1D8-19C92B15FFDD}" type="datetimeFigureOut">
               <a:rPr lang="zh-CN" altLang="en-US" smtClean="0"/>
-              <a:t>2025/1/3</a:t>
+              <a:t>2025/1/4</a:t>
             </a:fld>
             <a:endParaRPr lang="zh-CN" altLang="en-US"/>
           </a:p>
@@ -3554,7 +3554,7 @@
           <a:p>
             <a:fld id="{9717DA2B-FDD0-4119-A1D8-19C92B15FFDD}" type="datetimeFigureOut">
               <a:rPr lang="zh-CN" altLang="en-US" smtClean="0"/>
-              <a:t>2025/1/3</a:t>
+              <a:t>2025/1/4</a:t>
             </a:fld>
             <a:endParaRPr lang="zh-CN" altLang="en-US"/>
           </a:p>
@@ -3966,7 +3966,7 @@
           <a:p>
             <a:fld id="{9717DA2B-FDD0-4119-A1D8-19C92B15FFDD}" type="datetimeFigureOut">
               <a:rPr lang="zh-CN" altLang="en-US" smtClean="0"/>
-              <a:t>2025/1/3</a:t>
+              <a:t>2025/1/4</a:t>
             </a:fld>
             <a:endParaRPr lang="zh-CN" altLang="en-US"/>
           </a:p>
@@ -4107,7 +4107,7 @@
           <a:p>
             <a:fld id="{9717DA2B-FDD0-4119-A1D8-19C92B15FFDD}" type="datetimeFigureOut">
               <a:rPr lang="zh-CN" altLang="en-US" smtClean="0"/>
-              <a:t>2025/1/3</a:t>
+              <a:t>2025/1/4</a:t>
             </a:fld>
             <a:endParaRPr lang="zh-CN" altLang="en-US"/>
           </a:p>
@@ -4220,7 +4220,7 @@
           <a:p>
             <a:fld id="{9717DA2B-FDD0-4119-A1D8-19C92B15FFDD}" type="datetimeFigureOut">
               <a:rPr lang="zh-CN" altLang="en-US" smtClean="0"/>
-              <a:t>2025/1/3</a:t>
+              <a:t>2025/1/4</a:t>
             </a:fld>
             <a:endParaRPr lang="zh-CN" altLang="en-US"/>
           </a:p>
@@ -4531,7 +4531,7 @@
           <a:p>
             <a:fld id="{9717DA2B-FDD0-4119-A1D8-19C92B15FFDD}" type="datetimeFigureOut">
               <a:rPr lang="zh-CN" altLang="en-US" smtClean="0"/>
-              <a:t>2025/1/3</a:t>
+              <a:t>2025/1/4</a:t>
             </a:fld>
             <a:endParaRPr lang="zh-CN" altLang="en-US"/>
           </a:p>
@@ -4819,7 +4819,7 @@
           <a:p>
             <a:fld id="{9717DA2B-FDD0-4119-A1D8-19C92B15FFDD}" type="datetimeFigureOut">
               <a:rPr lang="zh-CN" altLang="en-US" smtClean="0"/>
-              <a:t>2025/1/3</a:t>
+              <a:t>2025/1/4</a:t>
             </a:fld>
             <a:endParaRPr lang="zh-CN" altLang="en-US"/>
           </a:p>
@@ -5060,7 +5060,7 @@
           <a:p>
             <a:fld id="{9717DA2B-FDD0-4119-A1D8-19C92B15FFDD}" type="datetimeFigureOut">
               <a:rPr lang="zh-CN" altLang="en-US" smtClean="0"/>
-              <a:t>2025/1/3</a:t>
+              <a:t>2025/1/4</a:t>
             </a:fld>
             <a:endParaRPr lang="zh-CN" altLang="en-US"/>
           </a:p>
@@ -7579,6 +7579,534 @@
         <p:cNvPr id="1" name="">
           <a:extLst>
             <a:ext uri="{FF2B5EF4-FFF2-40B4-BE49-F238E27FC236}">
+              <a16:creationId xmlns:a16="http://schemas.microsoft.com/office/drawing/2014/main" id="{D429E42E-1381-597B-84A1-E80C39DDF7D7}"/>
+            </a:ext>
+          </a:extLst>
+        </p:cNvPr>
+        <p:cNvGrpSpPr/>
+        <p:nvPr/>
+      </p:nvGrpSpPr>
+      <p:grpSpPr>
+        <a:xfrm>
+          <a:off x="0" y="0"/>
+          <a:ext cx="0" cy="0"/>
+          <a:chOff x="0" y="0"/>
+          <a:chExt cx="0" cy="0"/>
+        </a:xfrm>
+      </p:grpSpPr>
+      <p:sp>
+        <p:nvSpPr>
+          <p:cNvPr id="5" name="矩形 4">
+            <a:extLst>
+              <a:ext uri="{FF2B5EF4-FFF2-40B4-BE49-F238E27FC236}">
+                <a16:creationId xmlns:a16="http://schemas.microsoft.com/office/drawing/2014/main" id="{AE806785-C2D1-9757-3C84-CFA7DC0CB4FB}"/>
+              </a:ext>
+            </a:extLst>
+          </p:cNvPr>
+          <p:cNvSpPr/>
+          <p:nvPr/>
+        </p:nvSpPr>
+        <p:spPr>
+          <a:xfrm>
+            <a:off x="0" y="343632"/>
+            <a:ext cx="1244600" cy="426835"/>
+          </a:xfrm>
+          <a:prstGeom prst="rect">
+            <a:avLst/>
+          </a:prstGeom>
+          <a:solidFill>
+            <a:schemeClr val="accent1">
+              <a:lumMod val="50000"/>
+            </a:schemeClr>
+          </a:solidFill>
+        </p:spPr>
+        <p:style>
+          <a:lnRef idx="2">
+            <a:schemeClr val="accent1">
+              <a:shade val="15000"/>
+            </a:schemeClr>
+          </a:lnRef>
+          <a:fillRef idx="1">
+            <a:schemeClr val="accent1"/>
+          </a:fillRef>
+          <a:effectRef idx="0">
+            <a:schemeClr val="accent1"/>
+          </a:effectRef>
+          <a:fontRef idx="minor">
+            <a:schemeClr val="lt1"/>
+          </a:fontRef>
+        </p:style>
+        <p:txBody>
+          <a:bodyPr rtlCol="0" anchor="ctr"/>
+          <a:lstStyle/>
+          <a:p>
+            <a:pPr algn="ctr"/>
+            <a:endParaRPr lang="zh-CN" altLang="en-US"/>
+          </a:p>
+        </p:txBody>
+      </p:sp>
+      <p:sp>
+        <p:nvSpPr>
+          <p:cNvPr id="6" name="文本框 5">
+            <a:extLst>
+              <a:ext uri="{FF2B5EF4-FFF2-40B4-BE49-F238E27FC236}">
+                <a16:creationId xmlns:a16="http://schemas.microsoft.com/office/drawing/2014/main" id="{AA2BAC5A-C502-DF4D-F647-9A1C3835284B}"/>
+              </a:ext>
+            </a:extLst>
+          </p:cNvPr>
+          <p:cNvSpPr txBox="1"/>
+          <p:nvPr/>
+        </p:nvSpPr>
+        <p:spPr>
+          <a:xfrm>
+            <a:off x="69850" y="370357"/>
+            <a:ext cx="1104900" cy="400110"/>
+          </a:xfrm>
+          <a:prstGeom prst="rect">
+            <a:avLst/>
+          </a:prstGeom>
+          <a:noFill/>
+        </p:spPr>
+        <p:txBody>
+          <a:bodyPr wrap="square" rtlCol="0">
+            <a:spAutoFit/>
+          </a:bodyPr>
+          <a:lstStyle/>
+          <a:p>
+            <a:r>
+              <a:rPr lang="en-US" altLang="zh-CN" sz="2000" dirty="0">
+                <a:solidFill>
+                  <a:schemeClr val="bg1">
+                    <a:lumMod val="95000"/>
+                  </a:schemeClr>
+                </a:solidFill>
+                <a:latin typeface="思源黑体 CN Bold" panose="020B0800000000000000" pitchFamily="34" charset="-122"/>
+                <a:ea typeface="思源黑体 CN Bold" panose="020B0800000000000000" pitchFamily="34" charset="-122"/>
+              </a:rPr>
+              <a:t>PART 2</a:t>
+            </a:r>
+            <a:endParaRPr lang="zh-CN" altLang="en-US" sz="2000" dirty="0">
+              <a:solidFill>
+                <a:schemeClr val="bg1">
+                  <a:lumMod val="95000"/>
+                </a:schemeClr>
+              </a:solidFill>
+              <a:latin typeface="思源黑体 CN Bold" panose="020B0800000000000000" pitchFamily="34" charset="-122"/>
+              <a:ea typeface="思源黑体 CN Bold" panose="020B0800000000000000" pitchFamily="34" charset="-122"/>
+            </a:endParaRPr>
+          </a:p>
+        </p:txBody>
+      </p:sp>
+      <p:sp>
+        <p:nvSpPr>
+          <p:cNvPr id="2" name="文本框 12">
+            <a:extLst>
+              <a:ext uri="{FF2B5EF4-FFF2-40B4-BE49-F238E27FC236}">
+                <a16:creationId xmlns:a16="http://schemas.microsoft.com/office/drawing/2014/main" id="{650D472B-9F59-6668-7823-BA9DE29CA716}"/>
+              </a:ext>
+            </a:extLst>
+          </p:cNvPr>
+          <p:cNvSpPr txBox="1"/>
+          <p:nvPr/>
+        </p:nvSpPr>
+        <p:spPr>
+          <a:xfrm>
+            <a:off x="1314449" y="226717"/>
+            <a:ext cx="7622722" cy="584775"/>
+          </a:xfrm>
+          <a:prstGeom prst="rect">
+            <a:avLst/>
+          </a:prstGeom>
+          <a:noFill/>
+        </p:spPr>
+        <p:txBody>
+          <a:bodyPr wrap="square" rtlCol="0">
+            <a:spAutoFit/>
+          </a:bodyPr>
+          <a:lstStyle>
+            <a:defPPr>
+              <a:defRPr lang="zh-CN"/>
+            </a:defPPr>
+            <a:lvl1pPr marL="0" algn="l" defTabSz="914400" rtl="0" eaLnBrk="1" latinLnBrk="0" hangingPunct="1">
+              <a:defRPr sz="1800" kern="1200">
+                <a:solidFill>
+                  <a:schemeClr val="tx1"/>
+                </a:solidFill>
+                <a:latin typeface="+mn-lt"/>
+                <a:ea typeface="+mn-ea"/>
+                <a:cs typeface="+mn-cs"/>
+              </a:defRPr>
+            </a:lvl1pPr>
+            <a:lvl2pPr marL="457200" algn="l" defTabSz="914400" rtl="0" eaLnBrk="1" latinLnBrk="0" hangingPunct="1">
+              <a:defRPr sz="1800" kern="1200">
+                <a:solidFill>
+                  <a:schemeClr val="tx1"/>
+                </a:solidFill>
+                <a:latin typeface="+mn-lt"/>
+                <a:ea typeface="+mn-ea"/>
+                <a:cs typeface="+mn-cs"/>
+              </a:defRPr>
+            </a:lvl2pPr>
+            <a:lvl3pPr marL="914400" algn="l" defTabSz="914400" rtl="0" eaLnBrk="1" latinLnBrk="0" hangingPunct="1">
+              <a:defRPr sz="1800" kern="1200">
+                <a:solidFill>
+                  <a:schemeClr val="tx1"/>
+                </a:solidFill>
+                <a:latin typeface="+mn-lt"/>
+                <a:ea typeface="+mn-ea"/>
+                <a:cs typeface="+mn-cs"/>
+              </a:defRPr>
+            </a:lvl3pPr>
+            <a:lvl4pPr marL="1371600" algn="l" defTabSz="914400" rtl="0" eaLnBrk="1" latinLnBrk="0" hangingPunct="1">
+              <a:defRPr sz="1800" kern="1200">
+                <a:solidFill>
+                  <a:schemeClr val="tx1"/>
+                </a:solidFill>
+                <a:latin typeface="+mn-lt"/>
+                <a:ea typeface="+mn-ea"/>
+                <a:cs typeface="+mn-cs"/>
+              </a:defRPr>
+            </a:lvl4pPr>
+            <a:lvl5pPr marL="1828800" algn="l" defTabSz="914400" rtl="0" eaLnBrk="1" latinLnBrk="0" hangingPunct="1">
+              <a:defRPr sz="1800" kern="1200">
+                <a:solidFill>
+                  <a:schemeClr val="tx1"/>
+                </a:solidFill>
+                <a:latin typeface="+mn-lt"/>
+                <a:ea typeface="+mn-ea"/>
+                <a:cs typeface="+mn-cs"/>
+              </a:defRPr>
+            </a:lvl5pPr>
+            <a:lvl6pPr marL="2286000" algn="l" defTabSz="914400" rtl="0" eaLnBrk="1" latinLnBrk="0" hangingPunct="1">
+              <a:defRPr sz="1800" kern="1200">
+                <a:solidFill>
+                  <a:schemeClr val="tx1"/>
+                </a:solidFill>
+                <a:latin typeface="+mn-lt"/>
+                <a:ea typeface="+mn-ea"/>
+                <a:cs typeface="+mn-cs"/>
+              </a:defRPr>
+            </a:lvl6pPr>
+            <a:lvl7pPr marL="2743200" algn="l" defTabSz="914400" rtl="0" eaLnBrk="1" latinLnBrk="0" hangingPunct="1">
+              <a:defRPr sz="1800" kern="1200">
+                <a:solidFill>
+                  <a:schemeClr val="tx1"/>
+                </a:solidFill>
+                <a:latin typeface="+mn-lt"/>
+                <a:ea typeface="+mn-ea"/>
+                <a:cs typeface="+mn-cs"/>
+              </a:defRPr>
+            </a:lvl7pPr>
+            <a:lvl8pPr marL="3200400" algn="l" defTabSz="914400" rtl="0" eaLnBrk="1" latinLnBrk="0" hangingPunct="1">
+              <a:defRPr sz="1800" kern="1200">
+                <a:solidFill>
+                  <a:schemeClr val="tx1"/>
+                </a:solidFill>
+                <a:latin typeface="+mn-lt"/>
+                <a:ea typeface="+mn-ea"/>
+                <a:cs typeface="+mn-cs"/>
+              </a:defRPr>
+            </a:lvl8pPr>
+            <a:lvl9pPr marL="3657600" algn="l" defTabSz="914400" rtl="0" eaLnBrk="1" latinLnBrk="0" hangingPunct="1">
+              <a:defRPr sz="1800" kern="1200">
+                <a:solidFill>
+                  <a:schemeClr val="tx1"/>
+                </a:solidFill>
+                <a:latin typeface="+mn-lt"/>
+                <a:ea typeface="+mn-ea"/>
+                <a:cs typeface="+mn-cs"/>
+              </a:defRPr>
+            </a:lvl9pPr>
+          </a:lstStyle>
+          <a:p>
+            <a:r>
+              <a:rPr lang="en-US" altLang="zh-CN" sz="3200" dirty="0">
+                <a:solidFill>
+                  <a:srgbClr val="425166"/>
+                </a:solidFill>
+                <a:latin typeface="Times New Roman" panose="02020603050405020304" pitchFamily="18" charset="0"/>
+                <a:ea typeface="思源黑体 CN Normal" panose="020B0400000000000000" pitchFamily="34" charset="-122"/>
+                <a:cs typeface="Times New Roman" panose="02020603050405020304" pitchFamily="18" charset="0"/>
+                <a:sym typeface="思源黑体 CN Normal" panose="020B0400000000000000" pitchFamily="34" charset="-122"/>
+              </a:rPr>
+              <a:t>Design Patterns in Refactoring——Observer </a:t>
+            </a:r>
+            <a:endParaRPr lang="zh-CN" altLang="en-US" sz="3200" dirty="0">
+              <a:solidFill>
+                <a:srgbClr val="425166"/>
+              </a:solidFill>
+              <a:latin typeface="Times New Roman" panose="02020603050405020304" pitchFamily="18" charset="0"/>
+              <a:ea typeface="思源黑体 CN Normal" panose="020B0400000000000000" pitchFamily="34" charset="-122"/>
+              <a:cs typeface="Times New Roman" panose="02020603050405020304" pitchFamily="18" charset="0"/>
+              <a:sym typeface="思源黑体 CN Normal" panose="020B0400000000000000" pitchFamily="34" charset="-122"/>
+            </a:endParaRPr>
+          </a:p>
+        </p:txBody>
+      </p:sp>
+      <p:sp>
+        <p:nvSpPr>
+          <p:cNvPr id="3" name="文本框 2">
+            <a:extLst>
+              <a:ext uri="{FF2B5EF4-FFF2-40B4-BE49-F238E27FC236}">
+                <a16:creationId xmlns:a16="http://schemas.microsoft.com/office/drawing/2014/main" id="{54156AD4-59E3-117F-D33F-56E7A60C1D08}"/>
+              </a:ext>
+            </a:extLst>
+          </p:cNvPr>
+          <p:cNvSpPr txBox="1"/>
+          <p:nvPr/>
+        </p:nvSpPr>
+        <p:spPr>
+          <a:xfrm>
+            <a:off x="1288652" y="1121640"/>
+            <a:ext cx="3249738" cy="369332"/>
+          </a:xfrm>
+          <a:prstGeom prst="rect">
+            <a:avLst/>
+          </a:prstGeom>
+          <a:noFill/>
+        </p:spPr>
+        <p:txBody>
+          <a:bodyPr wrap="square">
+            <a:spAutoFit/>
+          </a:bodyPr>
+          <a:lstStyle/>
+          <a:p>
+            <a:pPr algn="ctr"/>
+            <a:r>
+              <a:rPr lang="en-US" altLang="zh-CN" dirty="0">
+                <a:latin typeface="Times New Roman" panose="02020603050405020304" pitchFamily="18" charset="0"/>
+                <a:cs typeface="Times New Roman" panose="02020603050405020304" pitchFamily="18" charset="0"/>
+              </a:rPr>
+              <a:t>Original Structure</a:t>
+            </a:r>
+            <a:endParaRPr lang="zh-CN" altLang="en-US" dirty="0">
+              <a:latin typeface="Times New Roman" panose="02020603050405020304" pitchFamily="18" charset="0"/>
+              <a:cs typeface="Times New Roman" panose="02020603050405020304" pitchFamily="18" charset="0"/>
+            </a:endParaRPr>
+          </a:p>
+        </p:txBody>
+      </p:sp>
+      <p:pic>
+        <p:nvPicPr>
+          <p:cNvPr id="7" name="图片 6">
+            <a:extLst>
+              <a:ext uri="{FF2B5EF4-FFF2-40B4-BE49-F238E27FC236}">
+                <a16:creationId xmlns:a16="http://schemas.microsoft.com/office/drawing/2014/main" id="{F447FD91-B5F3-B1AD-BC5E-B58538B67C21}"/>
+              </a:ext>
+            </a:extLst>
+          </p:cNvPr>
+          <p:cNvPicPr>
+            <a:picLocks noChangeAspect="1"/>
+          </p:cNvPicPr>
+          <p:nvPr/>
+        </p:nvPicPr>
+        <p:blipFill>
+          <a:blip r:embed="rId2"/>
+          <a:stretch>
+            <a:fillRect/>
+          </a:stretch>
+        </p:blipFill>
+        <p:spPr>
+          <a:xfrm>
+            <a:off x="136984" y="1499878"/>
+            <a:ext cx="5553075" cy="3867150"/>
+          </a:xfrm>
+          <a:prstGeom prst="rect">
+            <a:avLst/>
+          </a:prstGeom>
+        </p:spPr>
+      </p:pic>
+      <p:sp>
+        <p:nvSpPr>
+          <p:cNvPr id="9" name="文本框 8">
+            <a:extLst>
+              <a:ext uri="{FF2B5EF4-FFF2-40B4-BE49-F238E27FC236}">
+                <a16:creationId xmlns:a16="http://schemas.microsoft.com/office/drawing/2014/main" id="{6B1A793C-9C8D-E3CE-08A4-7337391F7B1F}"/>
+              </a:ext>
+            </a:extLst>
+          </p:cNvPr>
+          <p:cNvSpPr txBox="1"/>
+          <p:nvPr/>
+        </p:nvSpPr>
+        <p:spPr>
+          <a:xfrm>
+            <a:off x="6206925" y="1555698"/>
+            <a:ext cx="5460492" cy="1631216"/>
+          </a:xfrm>
+          <a:prstGeom prst="rect">
+            <a:avLst/>
+          </a:prstGeom>
+          <a:noFill/>
+        </p:spPr>
+        <p:txBody>
+          <a:bodyPr wrap="square">
+            <a:spAutoFit/>
+          </a:bodyPr>
+          <a:lstStyle/>
+          <a:p>
+            <a:pPr>
+              <a:spcAft>
+                <a:spcPts val="1200"/>
+              </a:spcAft>
+            </a:pPr>
+            <a:r>
+              <a:rPr lang="en-US" altLang="zh-CN" dirty="0">
+                <a:latin typeface="Times New Roman" panose="02020603050405020304" pitchFamily="18" charset="0"/>
+                <a:cs typeface="Times New Roman" panose="02020603050405020304" pitchFamily="18" charset="0"/>
+              </a:rPr>
+              <a:t>Original Logic for Tower to Obtain Enemies</a:t>
+            </a:r>
+          </a:p>
+          <a:p>
+            <a:pPr marL="285750" indent="-285750">
+              <a:buFont typeface="Arial" panose="020B0604020202020204" pitchFamily="34" charset="0"/>
+              <a:buChar char="•"/>
+            </a:pPr>
+            <a:r>
+              <a:rPr lang="en-US" altLang="zh-CN" dirty="0">
+                <a:latin typeface="Times New Roman" panose="02020603050405020304" pitchFamily="18" charset="0"/>
+                <a:cs typeface="Times New Roman" panose="02020603050405020304" pitchFamily="18" charset="0"/>
+              </a:rPr>
+              <a:t>The enemies of each wave are stored in the level.</a:t>
+            </a:r>
+          </a:p>
+          <a:p>
+            <a:pPr marL="285750" indent="-285750">
+              <a:buFont typeface="Arial" panose="020B0604020202020204" pitchFamily="34" charset="0"/>
+              <a:buChar char="•"/>
+            </a:pPr>
+            <a:r>
+              <a:rPr lang="en-US" altLang="zh-CN" dirty="0">
+                <a:latin typeface="Times New Roman" panose="02020603050405020304" pitchFamily="18" charset="0"/>
+                <a:cs typeface="Times New Roman" panose="02020603050405020304" pitchFamily="18" charset="0"/>
+              </a:rPr>
+              <a:t>The tower obtains the enemies of each wave by iteration, regardless of whether the enemy has appeared or is already dead.</a:t>
+            </a:r>
+            <a:endParaRPr lang="zh-CN" altLang="en-US" dirty="0">
+              <a:latin typeface="Times New Roman" panose="02020603050405020304" pitchFamily="18" charset="0"/>
+              <a:cs typeface="Times New Roman" panose="02020603050405020304" pitchFamily="18" charset="0"/>
+            </a:endParaRPr>
+          </a:p>
+        </p:txBody>
+      </p:sp>
+      <p:sp>
+        <p:nvSpPr>
+          <p:cNvPr id="10" name="文本框 9">
+            <a:extLst>
+              <a:ext uri="{FF2B5EF4-FFF2-40B4-BE49-F238E27FC236}">
+                <a16:creationId xmlns:a16="http://schemas.microsoft.com/office/drawing/2014/main" id="{9B22D4C7-5DFA-7052-15D1-6BCF12374527}"/>
+              </a:ext>
+            </a:extLst>
+          </p:cNvPr>
+          <p:cNvSpPr txBox="1"/>
+          <p:nvPr/>
+        </p:nvSpPr>
+        <p:spPr>
+          <a:xfrm>
+            <a:off x="6363989" y="3627083"/>
+            <a:ext cx="2368228" cy="2046714"/>
+          </a:xfrm>
+          <a:prstGeom prst="rect">
+            <a:avLst/>
+          </a:prstGeom>
+          <a:noFill/>
+        </p:spPr>
+        <p:txBody>
+          <a:bodyPr wrap="square">
+            <a:spAutoFit/>
+          </a:bodyPr>
+          <a:lstStyle/>
+          <a:p>
+            <a:pPr>
+              <a:spcAft>
+                <a:spcPts val="1200"/>
+              </a:spcAft>
+            </a:pPr>
+            <a:r>
+              <a:rPr lang="en-US" altLang="zh-CN" dirty="0">
+                <a:latin typeface="Times New Roman" panose="02020603050405020304" pitchFamily="18" charset="0"/>
+                <a:cs typeface="Times New Roman" panose="02020603050405020304" pitchFamily="18" charset="0"/>
+              </a:rPr>
+              <a:t>Disadvantages:</a:t>
+            </a:r>
+          </a:p>
+          <a:p>
+            <a:pPr marL="285750" indent="-285750">
+              <a:lnSpc>
+                <a:spcPct val="150000"/>
+              </a:lnSpc>
+              <a:buFont typeface="Arial" panose="020B0604020202020204" pitchFamily="34" charset="0"/>
+              <a:buChar char="•"/>
+            </a:pPr>
+            <a:r>
+              <a:rPr lang="en-US" altLang="zh-CN" dirty="0">
+                <a:latin typeface="Times New Roman" panose="02020603050405020304" pitchFamily="18" charset="0"/>
+                <a:cs typeface="Times New Roman" panose="02020603050405020304" pitchFamily="18" charset="0"/>
+              </a:rPr>
+              <a:t>Resource Waste</a:t>
+            </a:r>
+          </a:p>
+          <a:p>
+            <a:pPr marL="285750" indent="-285750">
+              <a:lnSpc>
+                <a:spcPct val="150000"/>
+              </a:lnSpc>
+              <a:buFont typeface="Arial" panose="020B0604020202020204" pitchFamily="34" charset="0"/>
+              <a:buChar char="•"/>
+            </a:pPr>
+            <a:r>
+              <a:rPr lang="en-US" altLang="zh-CN" dirty="0">
+                <a:latin typeface="Times New Roman" panose="02020603050405020304" pitchFamily="18" charset="0"/>
+                <a:cs typeface="Times New Roman" panose="02020603050405020304" pitchFamily="18" charset="0"/>
+              </a:rPr>
+              <a:t>High Coupling</a:t>
+            </a:r>
+          </a:p>
+          <a:p>
+            <a:pPr marL="285750" indent="-285750">
+              <a:lnSpc>
+                <a:spcPct val="150000"/>
+              </a:lnSpc>
+              <a:buFont typeface="Arial" panose="020B0604020202020204" pitchFamily="34" charset="0"/>
+              <a:buChar char="•"/>
+            </a:pPr>
+            <a:r>
+              <a:rPr lang="en-US" altLang="zh-CN" dirty="0">
+                <a:latin typeface="Times New Roman" panose="02020603050405020304" pitchFamily="18" charset="0"/>
+                <a:cs typeface="Times New Roman" panose="02020603050405020304" pitchFamily="18" charset="0"/>
+              </a:rPr>
+              <a:t>Poor Scalability</a:t>
+            </a:r>
+          </a:p>
+          <a:p>
+            <a:endParaRPr lang="zh-CN" altLang="en-US" dirty="0">
+              <a:latin typeface="Times New Roman" panose="02020603050405020304" pitchFamily="18" charset="0"/>
+              <a:cs typeface="Times New Roman" panose="02020603050405020304" pitchFamily="18" charset="0"/>
+            </a:endParaRPr>
+          </a:p>
+        </p:txBody>
+      </p:sp>
+    </p:spTree>
+    <p:extLst>
+      <p:ext uri="{BB962C8B-B14F-4D97-AF65-F5344CB8AC3E}">
+        <p14:creationId xmlns:p14="http://schemas.microsoft.com/office/powerpoint/2010/main" val="750663224"/>
+      </p:ext>
+    </p:extLst>
+  </p:cSld>
+  <p:clrMapOvr>
+    <a:masterClrMapping/>
+  </p:clrMapOvr>
+</p:sld>
+</file>
+
+<file path=ppt/slides/slide11.xml><?xml version="1.0" encoding="utf-8"?>
+<p:sld xmlns:a="http://schemas.openxmlformats.org/drawingml/2006/main" xmlns:r="http://schemas.openxmlformats.org/officeDocument/2006/relationships" xmlns:p="http://schemas.openxmlformats.org/presentationml/2006/main">
+  <p:cSld>
+    <p:spTree>
+      <p:nvGrpSpPr>
+        <p:cNvPr id="1" name="">
+          <a:extLst>
+            <a:ext uri="{FF2B5EF4-FFF2-40B4-BE49-F238E27FC236}">
               <a16:creationId xmlns:a16="http://schemas.microsoft.com/office/drawing/2014/main" id="{9D4DAD7E-58AB-0B43-2079-AE1A368A17DC}"/>
             </a:ext>
           </a:extLst>
@@ -7712,7 +8240,7 @@
         <p:spPr>
           <a:xfrm>
             <a:off x="1314449" y="226717"/>
-            <a:ext cx="5231075" cy="1077218"/>
+            <a:ext cx="7622722" cy="584775"/>
           </a:xfrm>
           <a:prstGeom prst="rect">
             <a:avLst/>
@@ -7829,21 +8357,7 @@
                 <a:cs typeface="Times New Roman" panose="02020603050405020304" pitchFamily="18" charset="0"/>
                 <a:sym typeface="思源黑体 CN Normal" panose="020B0400000000000000" pitchFamily="34" charset="-122"/>
               </a:rPr>
-              <a:t>Design Patterns in Refactoring</a:t>
-            </a:r>
-          </a:p>
-          <a:p>
-            <a:r>
-              <a:rPr lang="en-US" altLang="zh-CN" sz="3200" dirty="0">
-                <a:solidFill>
-                  <a:srgbClr val="425166"/>
-                </a:solidFill>
-                <a:latin typeface="Times New Roman" panose="02020603050405020304" pitchFamily="18" charset="0"/>
-                <a:ea typeface="思源黑体 CN Normal" panose="020B0400000000000000" pitchFamily="34" charset="-122"/>
-                <a:cs typeface="Times New Roman" panose="02020603050405020304" pitchFamily="18" charset="0"/>
-                <a:sym typeface="思源黑体 CN Normal" panose="020B0400000000000000" pitchFamily="34" charset="-122"/>
-              </a:rPr>
-              <a:t> </a:t>
+              <a:t>Design Patterns in Refactoring——Observer </a:t>
             </a:r>
             <a:endParaRPr lang="zh-CN" altLang="en-US" sz="3200" dirty="0">
               <a:solidFill>
@@ -7871,7 +8385,7 @@
         </p:nvSpPr>
         <p:spPr>
           <a:xfrm>
-            <a:off x="1513519" y="934603"/>
+            <a:off x="4471131" y="770467"/>
             <a:ext cx="3249738" cy="369332"/>
           </a:xfrm>
           <a:prstGeom prst="rect">
@@ -7900,283 +8414,42 @@
           </a:p>
         </p:txBody>
       </p:sp>
-      <p:grpSp>
-        <p:nvGrpSpPr>
-          <p:cNvPr id="30" name="组合 29">
+      <p:pic>
+        <p:nvPicPr>
+          <p:cNvPr id="8" name="图片 7">
             <a:extLst>
               <a:ext uri="{FF2B5EF4-FFF2-40B4-BE49-F238E27FC236}">
-                <a16:creationId xmlns:a16="http://schemas.microsoft.com/office/drawing/2014/main" id="{EF5524A6-830E-A71E-7BE8-70A04F45A8A6}"/>
+                <a16:creationId xmlns:a16="http://schemas.microsoft.com/office/drawing/2014/main" id="{54DFCA13-97D0-5F0B-F2E3-195C61B24269}"/>
               </a:ext>
             </a:extLst>
           </p:cNvPr>
-          <p:cNvGrpSpPr/>
+          <p:cNvPicPr>
+            <a:picLocks noChangeAspect="1"/>
+          </p:cNvPicPr>
           <p:nvPr/>
-        </p:nvGrpSpPr>
-        <p:grpSpPr>
-          <a:xfrm rot="10800000">
-            <a:off x="5944137" y="3145759"/>
-            <a:ext cx="969273" cy="248633"/>
-            <a:chOff x="6049119" y="5793914"/>
-            <a:chExt cx="1030620" cy="299295"/>
+        </p:nvPicPr>
+        <p:blipFill>
+          <a:blip r:embed="rId2"/>
+          <a:stretch>
+            <a:fillRect/>
+          </a:stretch>
+        </p:blipFill>
+        <p:spPr>
+          <a:xfrm>
+            <a:off x="0" y="1166524"/>
+            <a:ext cx="12192000" cy="5046133"/>
           </a:xfrm>
-          <a:gradFill>
-            <a:gsLst>
-              <a:gs pos="0">
-                <a:schemeClr val="accent1">
-                  <a:lumMod val="5000"/>
-                  <a:lumOff val="95000"/>
-                </a:schemeClr>
-              </a:gs>
-              <a:gs pos="33000">
-                <a:schemeClr val="accent1">
-                  <a:lumMod val="45000"/>
-                  <a:lumOff val="55000"/>
-                </a:schemeClr>
-              </a:gs>
-              <a:gs pos="100000">
-                <a:schemeClr val="accent1">
-                  <a:lumMod val="75000"/>
-                </a:schemeClr>
-              </a:gs>
-            </a:gsLst>
-            <a:lin ang="0" scaled="0"/>
-          </a:gradFill>
-        </p:grpSpPr>
-        <p:sp>
-          <p:nvSpPr>
-            <p:cNvPr id="33" name="箭头: V 形 32">
-              <a:extLst>
-                <a:ext uri="{FF2B5EF4-FFF2-40B4-BE49-F238E27FC236}">
-                  <a16:creationId xmlns:a16="http://schemas.microsoft.com/office/drawing/2014/main" id="{E805564E-2D0D-BF95-7F36-B4D07026C96F}"/>
-                </a:ext>
-              </a:extLst>
-            </p:cNvPr>
-            <p:cNvSpPr/>
-            <p:nvPr/>
-          </p:nvSpPr>
-          <p:spPr>
-            <a:xfrm>
-              <a:off x="6049119" y="5793914"/>
-              <a:ext cx="258751" cy="299295"/>
-            </a:xfrm>
-            <a:prstGeom prst="chevron">
-              <a:avLst/>
-            </a:prstGeom>
-            <a:grpFill/>
-            <a:ln>
-              <a:noFill/>
-            </a:ln>
-          </p:spPr>
-          <p:style>
-            <a:lnRef idx="2">
-              <a:schemeClr val="accent1">
-                <a:shade val="15000"/>
-              </a:schemeClr>
-            </a:lnRef>
-            <a:fillRef idx="1">
-              <a:schemeClr val="accent1"/>
-            </a:fillRef>
-            <a:effectRef idx="0">
-              <a:schemeClr val="accent1"/>
-            </a:effectRef>
-            <a:fontRef idx="minor">
-              <a:schemeClr val="lt1"/>
-            </a:fontRef>
-          </p:style>
-          <p:txBody>
-            <a:bodyPr rtlCol="0" anchor="ctr"/>
-            <a:lstStyle/>
-            <a:p>
-              <a:pPr algn="ctr"/>
-              <a:endParaRPr lang="zh-CN" altLang="en-US">
-                <a:solidFill>
-                  <a:schemeClr val="accent1">
-                    <a:lumMod val="40000"/>
-                    <a:lumOff val="60000"/>
-                  </a:schemeClr>
-                </a:solidFill>
-              </a:endParaRPr>
-            </a:p>
-          </p:txBody>
-        </p:sp>
-        <p:sp>
-          <p:nvSpPr>
-            <p:cNvPr id="34" name="箭头: V 形 33">
-              <a:extLst>
-                <a:ext uri="{FF2B5EF4-FFF2-40B4-BE49-F238E27FC236}">
-                  <a16:creationId xmlns:a16="http://schemas.microsoft.com/office/drawing/2014/main" id="{4B3CE394-7A88-7686-CFDB-8EC94CB98CDC}"/>
-                </a:ext>
-              </a:extLst>
-            </p:cNvPr>
-            <p:cNvSpPr/>
-            <p:nvPr/>
-          </p:nvSpPr>
-          <p:spPr>
-            <a:xfrm>
-              <a:off x="6307869" y="5793914"/>
-              <a:ext cx="258751" cy="299295"/>
-            </a:xfrm>
-            <a:prstGeom prst="chevron">
-              <a:avLst/>
-            </a:prstGeom>
-            <a:grpFill/>
-            <a:ln>
-              <a:noFill/>
-            </a:ln>
-          </p:spPr>
-          <p:style>
-            <a:lnRef idx="2">
-              <a:schemeClr val="accent1">
-                <a:shade val="15000"/>
-              </a:schemeClr>
-            </a:lnRef>
-            <a:fillRef idx="1">
-              <a:schemeClr val="accent1"/>
-            </a:fillRef>
-            <a:effectRef idx="0">
-              <a:schemeClr val="accent1"/>
-            </a:effectRef>
-            <a:fontRef idx="minor">
-              <a:schemeClr val="lt1"/>
-            </a:fontRef>
-          </p:style>
-          <p:txBody>
-            <a:bodyPr rtlCol="0" anchor="ctr"/>
-            <a:lstStyle/>
-            <a:p>
-              <a:pPr algn="ctr"/>
-              <a:endParaRPr lang="zh-CN" altLang="en-US">
-                <a:solidFill>
-                  <a:schemeClr val="accent1">
-                    <a:lumMod val="40000"/>
-                    <a:lumOff val="60000"/>
-                  </a:schemeClr>
-                </a:solidFill>
-              </a:endParaRPr>
-            </a:p>
-          </p:txBody>
-        </p:sp>
-        <p:sp>
-          <p:nvSpPr>
-            <p:cNvPr id="35" name="箭头: V 形 34">
-              <a:extLst>
-                <a:ext uri="{FF2B5EF4-FFF2-40B4-BE49-F238E27FC236}">
-                  <a16:creationId xmlns:a16="http://schemas.microsoft.com/office/drawing/2014/main" id="{9EFFFD36-3E77-6F26-707F-397A25CFD2F2}"/>
-                </a:ext>
-              </a:extLst>
-            </p:cNvPr>
-            <p:cNvSpPr/>
-            <p:nvPr/>
-          </p:nvSpPr>
-          <p:spPr>
-            <a:xfrm>
-              <a:off x="6566622" y="5793914"/>
-              <a:ext cx="258751" cy="299295"/>
-            </a:xfrm>
-            <a:prstGeom prst="chevron">
-              <a:avLst/>
-            </a:prstGeom>
-            <a:grpFill/>
-            <a:ln>
-              <a:noFill/>
-            </a:ln>
-          </p:spPr>
-          <p:style>
-            <a:lnRef idx="2">
-              <a:schemeClr val="accent1">
-                <a:shade val="15000"/>
-              </a:schemeClr>
-            </a:lnRef>
-            <a:fillRef idx="1">
-              <a:schemeClr val="accent1"/>
-            </a:fillRef>
-            <a:effectRef idx="0">
-              <a:schemeClr val="accent1"/>
-            </a:effectRef>
-            <a:fontRef idx="minor">
-              <a:schemeClr val="lt1"/>
-            </a:fontRef>
-          </p:style>
-          <p:txBody>
-            <a:bodyPr rtlCol="0" anchor="ctr"/>
-            <a:lstStyle/>
-            <a:p>
-              <a:pPr algn="ctr"/>
-              <a:endParaRPr lang="zh-CN" altLang="en-US" dirty="0">
-                <a:solidFill>
-                  <a:schemeClr val="accent1">
-                    <a:lumMod val="40000"/>
-                    <a:lumOff val="60000"/>
-                  </a:schemeClr>
-                </a:solidFill>
-              </a:endParaRPr>
-            </a:p>
-          </p:txBody>
-        </p:sp>
-        <p:sp>
-          <p:nvSpPr>
-            <p:cNvPr id="36" name="箭头: V 形 35">
-              <a:extLst>
-                <a:ext uri="{FF2B5EF4-FFF2-40B4-BE49-F238E27FC236}">
-                  <a16:creationId xmlns:a16="http://schemas.microsoft.com/office/drawing/2014/main" id="{444CA722-654C-C088-B0B3-F4641801E46B}"/>
-                </a:ext>
-              </a:extLst>
-            </p:cNvPr>
-            <p:cNvSpPr/>
-            <p:nvPr/>
-          </p:nvSpPr>
-          <p:spPr>
-            <a:xfrm>
-              <a:off x="6820988" y="5793914"/>
-              <a:ext cx="258751" cy="299295"/>
-            </a:xfrm>
-            <a:prstGeom prst="chevron">
-              <a:avLst/>
-            </a:prstGeom>
-            <a:grpFill/>
-            <a:ln>
-              <a:noFill/>
-            </a:ln>
-          </p:spPr>
-          <p:style>
-            <a:lnRef idx="2">
-              <a:schemeClr val="accent1">
-                <a:shade val="15000"/>
-              </a:schemeClr>
-            </a:lnRef>
-            <a:fillRef idx="1">
-              <a:schemeClr val="accent1"/>
-            </a:fillRef>
-            <a:effectRef idx="0">
-              <a:schemeClr val="accent1"/>
-            </a:effectRef>
-            <a:fontRef idx="minor">
-              <a:schemeClr val="lt1"/>
-            </a:fontRef>
-          </p:style>
-          <p:txBody>
-            <a:bodyPr rtlCol="0" anchor="ctr"/>
-            <a:lstStyle/>
-            <a:p>
-              <a:pPr algn="ctr"/>
-              <a:endParaRPr lang="zh-CN" altLang="en-US">
-                <a:solidFill>
-                  <a:schemeClr val="accent1">
-                    <a:lumMod val="40000"/>
-                    <a:lumOff val="60000"/>
-                  </a:schemeClr>
-                </a:solidFill>
-              </a:endParaRPr>
-            </a:p>
-          </p:txBody>
-        </p:sp>
-      </p:grpSp>
+          <a:prstGeom prst="rect">
+            <a:avLst/>
+          </a:prstGeom>
+        </p:spPr>
+      </p:pic>
       <p:sp>
         <p:nvSpPr>
-          <p:cNvPr id="43" name="文本框 42">
+          <p:cNvPr id="11" name="文本框 10">
             <a:extLst>
               <a:ext uri="{FF2B5EF4-FFF2-40B4-BE49-F238E27FC236}">
-                <a16:creationId xmlns:a16="http://schemas.microsoft.com/office/drawing/2014/main" id="{96C7629A-3C42-1C4F-A977-0A18339A2598}"/>
+                <a16:creationId xmlns:a16="http://schemas.microsoft.com/office/drawing/2014/main" id="{88EA6A11-638F-C35C-7E84-61CB1AE14D2D}"/>
               </a:ext>
             </a:extLst>
           </p:cNvPr>
@@ -8185,8 +8458,8 @@
         </p:nvSpPr>
         <p:spPr>
           <a:xfrm>
-            <a:off x="7836637" y="934603"/>
-            <a:ext cx="3249738" cy="369332"/>
+            <a:off x="-1" y="6212657"/>
+            <a:ext cx="12335317" cy="461665"/>
           </a:xfrm>
           <a:prstGeom prst="rect">
             <a:avLst/>
@@ -8199,99 +8472,12 @@
           </a:bodyPr>
           <a:lstStyle/>
           <a:p>
-            <a:pPr algn="ctr"/>
-            <a:r>
-              <a:rPr lang="en-US" altLang="zh-CN" dirty="0">
-                <a:latin typeface="Times New Roman" panose="02020603050405020304" pitchFamily="18" charset="0"/>
-                <a:cs typeface="Times New Roman" panose="02020603050405020304" pitchFamily="18" charset="0"/>
-              </a:rPr>
-              <a:t>Original Structure</a:t>
-            </a:r>
-            <a:endParaRPr lang="zh-CN" altLang="en-US" dirty="0">
-              <a:latin typeface="Times New Roman" panose="02020603050405020304" pitchFamily="18" charset="0"/>
-              <a:cs typeface="Times New Roman" panose="02020603050405020304" pitchFamily="18" charset="0"/>
-            </a:endParaRPr>
-          </a:p>
-        </p:txBody>
-      </p:sp>
-      <p:sp>
-        <p:nvSpPr>
-          <p:cNvPr id="45" name="文本框 44">
-            <a:extLst>
-              <a:ext uri="{FF2B5EF4-FFF2-40B4-BE49-F238E27FC236}">
-                <a16:creationId xmlns:a16="http://schemas.microsoft.com/office/drawing/2014/main" id="{E98CA73E-9FE5-C347-1450-F656F73C8669}"/>
-              </a:ext>
-            </a:extLst>
-          </p:cNvPr>
-          <p:cNvSpPr txBox="1"/>
-          <p:nvPr/>
-        </p:nvSpPr>
-        <p:spPr>
-          <a:xfrm>
-            <a:off x="216403" y="4839166"/>
-            <a:ext cx="1434348" cy="461665"/>
-          </a:xfrm>
-          <a:prstGeom prst="rect">
-            <a:avLst/>
-          </a:prstGeom>
-          <a:noFill/>
-        </p:spPr>
-        <p:txBody>
-          <a:bodyPr wrap="square">
-            <a:spAutoFit/>
-          </a:bodyPr>
-          <a:lstStyle/>
-          <a:p>
-            <a:pPr algn="ctr"/>
             <a:r>
               <a:rPr lang="en-US" altLang="zh-CN" sz="2400" dirty="0">
                 <a:latin typeface="Times New Roman" panose="02020603050405020304" pitchFamily="18" charset="0"/>
                 <a:cs typeface="Times New Roman" panose="02020603050405020304" pitchFamily="18" charset="0"/>
               </a:rPr>
-              <a:t>Reasons :</a:t>
-            </a:r>
-            <a:endParaRPr lang="zh-CN" altLang="en-US" sz="2400" dirty="0">
-              <a:latin typeface="Times New Roman" panose="02020603050405020304" pitchFamily="18" charset="0"/>
-              <a:cs typeface="Times New Roman" panose="02020603050405020304" pitchFamily="18" charset="0"/>
-            </a:endParaRPr>
-          </a:p>
-        </p:txBody>
-      </p:sp>
-      <p:sp>
-        <p:nvSpPr>
-          <p:cNvPr id="46" name="文本框 45">
-            <a:extLst>
-              <a:ext uri="{FF2B5EF4-FFF2-40B4-BE49-F238E27FC236}">
-                <a16:creationId xmlns:a16="http://schemas.microsoft.com/office/drawing/2014/main" id="{7B55CD27-DFCB-7863-07DE-C3E0998BCA40}"/>
-              </a:ext>
-            </a:extLst>
-          </p:cNvPr>
-          <p:cNvSpPr txBox="1"/>
-          <p:nvPr/>
-        </p:nvSpPr>
-        <p:spPr>
-          <a:xfrm>
-            <a:off x="6096000" y="4651438"/>
-            <a:ext cx="1353941" cy="461665"/>
-          </a:xfrm>
-          <a:prstGeom prst="rect">
-            <a:avLst/>
-          </a:prstGeom>
-          <a:noFill/>
-        </p:spPr>
-        <p:txBody>
-          <a:bodyPr wrap="square">
-            <a:spAutoFit/>
-          </a:bodyPr>
-          <a:lstStyle/>
-          <a:p>
-            <a:pPr algn="ctr"/>
-            <a:r>
-              <a:rPr lang="en-US" altLang="zh-CN" sz="2400" dirty="0">
-                <a:latin typeface="Times New Roman" panose="02020603050405020304" pitchFamily="18" charset="0"/>
-                <a:cs typeface="Times New Roman" panose="02020603050405020304" pitchFamily="18" charset="0"/>
-              </a:rPr>
-              <a:t>Benefits :</a:t>
+              <a:t>Benefits : Improved Efficiency; Reduced Coupling; Cleaner Logic;  </a:t>
             </a:r>
             <a:endParaRPr lang="zh-CN" altLang="en-US" sz="2400" dirty="0">
               <a:latin typeface="Times New Roman" panose="02020603050405020304" pitchFamily="18" charset="0"/>
@@ -8313,7 +8499,7 @@
 </p:sld>
 </file>
 
-<file path=ppt/slides/slide11.xml><?xml version="1.0" encoding="utf-8"?>
+<file path=ppt/slides/slide12.xml><?xml version="1.0" encoding="utf-8"?>
 <p:sld xmlns:a="http://schemas.openxmlformats.org/drawingml/2006/main" xmlns:r="http://schemas.openxmlformats.org/officeDocument/2006/relationships" xmlns:p="http://schemas.openxmlformats.org/presentationml/2006/main">
   <p:cSld>
     <p:spTree>
@@ -8589,378 +8775,6 @@
 </p:sld>
 </file>
 
-<file path=ppt/slides/slide12.xml><?xml version="1.0" encoding="utf-8"?>
-<p:sld xmlns:a="http://schemas.openxmlformats.org/drawingml/2006/main" xmlns:r="http://schemas.openxmlformats.org/officeDocument/2006/relationships" xmlns:p="http://schemas.openxmlformats.org/presentationml/2006/main">
-  <p:cSld>
-    <p:spTree>
-      <p:nvGrpSpPr>
-        <p:cNvPr id="1" name="">
-          <a:extLst>
-            <a:ext uri="{FF2B5EF4-FFF2-40B4-BE49-F238E27FC236}">
-              <a16:creationId xmlns:a16="http://schemas.microsoft.com/office/drawing/2014/main" id="{16EDB30C-A6B2-863C-84BC-DDA69456B841}"/>
-            </a:ext>
-          </a:extLst>
-        </p:cNvPr>
-        <p:cNvGrpSpPr/>
-        <p:nvPr/>
-      </p:nvGrpSpPr>
-      <p:grpSpPr>
-        <a:xfrm>
-          <a:off x="0" y="0"/>
-          <a:ext cx="0" cy="0"/>
-          <a:chOff x="0" y="0"/>
-          <a:chExt cx="0" cy="0"/>
-        </a:xfrm>
-      </p:grpSpPr>
-      <p:sp>
-        <p:nvSpPr>
-          <p:cNvPr id="4" name="文本框 12">
-            <a:extLst>
-              <a:ext uri="{FF2B5EF4-FFF2-40B4-BE49-F238E27FC236}">
-                <a16:creationId xmlns:a16="http://schemas.microsoft.com/office/drawing/2014/main" id="{0D31E343-E27D-D0D8-7146-DEC497C8906E}"/>
-              </a:ext>
-            </a:extLst>
-          </p:cNvPr>
-          <p:cNvSpPr txBox="1"/>
-          <p:nvPr/>
-        </p:nvSpPr>
-        <p:spPr>
-          <a:xfrm>
-            <a:off x="1174750" y="308802"/>
-            <a:ext cx="2692911" cy="523220"/>
-          </a:xfrm>
-          <a:prstGeom prst="rect">
-            <a:avLst/>
-          </a:prstGeom>
-          <a:noFill/>
-        </p:spPr>
-        <p:txBody>
-          <a:bodyPr wrap="square" rtlCol="0">
-            <a:spAutoFit/>
-          </a:bodyPr>
-          <a:lstStyle>
-            <a:defPPr>
-              <a:defRPr lang="zh-CN"/>
-            </a:defPPr>
-            <a:lvl1pPr marL="0" algn="l" defTabSz="914400" rtl="0" eaLnBrk="1" latinLnBrk="0" hangingPunct="1">
-              <a:defRPr sz="1800" kern="1200">
-                <a:solidFill>
-                  <a:schemeClr val="tx1"/>
-                </a:solidFill>
-                <a:latin typeface="+mn-lt"/>
-                <a:ea typeface="+mn-ea"/>
-                <a:cs typeface="+mn-cs"/>
-              </a:defRPr>
-            </a:lvl1pPr>
-            <a:lvl2pPr marL="457200" algn="l" defTabSz="914400" rtl="0" eaLnBrk="1" latinLnBrk="0" hangingPunct="1">
-              <a:defRPr sz="1800" kern="1200">
-                <a:solidFill>
-                  <a:schemeClr val="tx1"/>
-                </a:solidFill>
-                <a:latin typeface="+mn-lt"/>
-                <a:ea typeface="+mn-ea"/>
-                <a:cs typeface="+mn-cs"/>
-              </a:defRPr>
-            </a:lvl2pPr>
-            <a:lvl3pPr marL="914400" algn="l" defTabSz="914400" rtl="0" eaLnBrk="1" latinLnBrk="0" hangingPunct="1">
-              <a:defRPr sz="1800" kern="1200">
-                <a:solidFill>
-                  <a:schemeClr val="tx1"/>
-                </a:solidFill>
-                <a:latin typeface="+mn-lt"/>
-                <a:ea typeface="+mn-ea"/>
-                <a:cs typeface="+mn-cs"/>
-              </a:defRPr>
-            </a:lvl3pPr>
-            <a:lvl4pPr marL="1371600" algn="l" defTabSz="914400" rtl="0" eaLnBrk="1" latinLnBrk="0" hangingPunct="1">
-              <a:defRPr sz="1800" kern="1200">
-                <a:solidFill>
-                  <a:schemeClr val="tx1"/>
-                </a:solidFill>
-                <a:latin typeface="+mn-lt"/>
-                <a:ea typeface="+mn-ea"/>
-                <a:cs typeface="+mn-cs"/>
-              </a:defRPr>
-            </a:lvl4pPr>
-            <a:lvl5pPr marL="1828800" algn="l" defTabSz="914400" rtl="0" eaLnBrk="1" latinLnBrk="0" hangingPunct="1">
-              <a:defRPr sz="1800" kern="1200">
-                <a:solidFill>
-                  <a:schemeClr val="tx1"/>
-                </a:solidFill>
-                <a:latin typeface="+mn-lt"/>
-                <a:ea typeface="+mn-ea"/>
-                <a:cs typeface="+mn-cs"/>
-              </a:defRPr>
-            </a:lvl5pPr>
-            <a:lvl6pPr marL="2286000" algn="l" defTabSz="914400" rtl="0" eaLnBrk="1" latinLnBrk="0" hangingPunct="1">
-              <a:defRPr sz="1800" kern="1200">
-                <a:solidFill>
-                  <a:schemeClr val="tx1"/>
-                </a:solidFill>
-                <a:latin typeface="+mn-lt"/>
-                <a:ea typeface="+mn-ea"/>
-                <a:cs typeface="+mn-cs"/>
-              </a:defRPr>
-            </a:lvl6pPr>
-            <a:lvl7pPr marL="2743200" algn="l" defTabSz="914400" rtl="0" eaLnBrk="1" latinLnBrk="0" hangingPunct="1">
-              <a:defRPr sz="1800" kern="1200">
-                <a:solidFill>
-                  <a:schemeClr val="tx1"/>
-                </a:solidFill>
-                <a:latin typeface="+mn-lt"/>
-                <a:ea typeface="+mn-ea"/>
-                <a:cs typeface="+mn-cs"/>
-              </a:defRPr>
-            </a:lvl7pPr>
-            <a:lvl8pPr marL="3200400" algn="l" defTabSz="914400" rtl="0" eaLnBrk="1" latinLnBrk="0" hangingPunct="1">
-              <a:defRPr sz="1800" kern="1200">
-                <a:solidFill>
-                  <a:schemeClr val="tx1"/>
-                </a:solidFill>
-                <a:latin typeface="+mn-lt"/>
-                <a:ea typeface="+mn-ea"/>
-                <a:cs typeface="+mn-cs"/>
-              </a:defRPr>
-            </a:lvl8pPr>
-            <a:lvl9pPr marL="3657600" algn="l" defTabSz="914400" rtl="0" eaLnBrk="1" latinLnBrk="0" hangingPunct="1">
-              <a:defRPr sz="1800" kern="1200">
-                <a:solidFill>
-                  <a:schemeClr val="tx1"/>
-                </a:solidFill>
-                <a:latin typeface="+mn-lt"/>
-                <a:ea typeface="+mn-ea"/>
-                <a:cs typeface="+mn-cs"/>
-              </a:defRPr>
-            </a:lvl9pPr>
-          </a:lstStyle>
-          <a:p>
-            <a:pPr algn="ctr"/>
-            <a:r>
-              <a:rPr lang="zh-CN" altLang="en-US" sz="2800" dirty="0">
-                <a:solidFill>
-                  <a:srgbClr val="425166"/>
-                </a:solidFill>
-                <a:latin typeface="思源黑体 CN Normal" panose="020B0400000000000000" pitchFamily="34" charset="-122"/>
-                <a:ea typeface="思源黑体 CN Normal" panose="020B0400000000000000" pitchFamily="34" charset="-122"/>
-                <a:sym typeface="思源黑体 CN Normal" panose="020B0400000000000000" pitchFamily="34" charset="-122"/>
-              </a:rPr>
-              <a:t>数据详情分析</a:t>
-            </a:r>
-          </a:p>
-        </p:txBody>
-      </p:sp>
-      <p:sp>
-        <p:nvSpPr>
-          <p:cNvPr id="5" name="矩形 4">
-            <a:extLst>
-              <a:ext uri="{FF2B5EF4-FFF2-40B4-BE49-F238E27FC236}">
-                <a16:creationId xmlns:a16="http://schemas.microsoft.com/office/drawing/2014/main" id="{053F7B5E-8A01-2DB1-FFEC-5694CC25643E}"/>
-              </a:ext>
-            </a:extLst>
-          </p:cNvPr>
-          <p:cNvSpPr/>
-          <p:nvPr/>
-        </p:nvSpPr>
-        <p:spPr>
-          <a:xfrm>
-            <a:off x="0" y="343632"/>
-            <a:ext cx="1244600" cy="426835"/>
-          </a:xfrm>
-          <a:prstGeom prst="rect">
-            <a:avLst/>
-          </a:prstGeom>
-          <a:solidFill>
-            <a:schemeClr val="accent1">
-              <a:lumMod val="50000"/>
-            </a:schemeClr>
-          </a:solidFill>
-        </p:spPr>
-        <p:style>
-          <a:lnRef idx="2">
-            <a:schemeClr val="accent1">
-              <a:shade val="15000"/>
-            </a:schemeClr>
-          </a:lnRef>
-          <a:fillRef idx="1">
-            <a:schemeClr val="accent1"/>
-          </a:fillRef>
-          <a:effectRef idx="0">
-            <a:schemeClr val="accent1"/>
-          </a:effectRef>
-          <a:fontRef idx="minor">
-            <a:schemeClr val="lt1"/>
-          </a:fontRef>
-        </p:style>
-        <p:txBody>
-          <a:bodyPr rtlCol="0" anchor="ctr"/>
-          <a:lstStyle/>
-          <a:p>
-            <a:pPr algn="ctr"/>
-            <a:endParaRPr lang="zh-CN" altLang="en-US"/>
-          </a:p>
-        </p:txBody>
-      </p:sp>
-      <p:sp>
-        <p:nvSpPr>
-          <p:cNvPr id="6" name="文本框 5">
-            <a:extLst>
-              <a:ext uri="{FF2B5EF4-FFF2-40B4-BE49-F238E27FC236}">
-                <a16:creationId xmlns:a16="http://schemas.microsoft.com/office/drawing/2014/main" id="{A261E224-1BF3-2469-EF5C-7E3DBE744504}"/>
-              </a:ext>
-            </a:extLst>
-          </p:cNvPr>
-          <p:cNvSpPr txBox="1"/>
-          <p:nvPr/>
-        </p:nvSpPr>
-        <p:spPr>
-          <a:xfrm>
-            <a:off x="69850" y="370357"/>
-            <a:ext cx="1104900" cy="400110"/>
-          </a:xfrm>
-          <a:prstGeom prst="rect">
-            <a:avLst/>
-          </a:prstGeom>
-          <a:noFill/>
-        </p:spPr>
-        <p:txBody>
-          <a:bodyPr wrap="square" rtlCol="0">
-            <a:spAutoFit/>
-          </a:bodyPr>
-          <a:lstStyle/>
-          <a:p>
-            <a:r>
-              <a:rPr lang="en-US" altLang="zh-CN" sz="2000" dirty="0">
-                <a:solidFill>
-                  <a:schemeClr val="bg1">
-                    <a:lumMod val="95000"/>
-                  </a:schemeClr>
-                </a:solidFill>
-                <a:latin typeface="思源黑体 CN Bold" panose="020B0800000000000000" pitchFamily="34" charset="-122"/>
-                <a:ea typeface="思源黑体 CN Bold" panose="020B0800000000000000" pitchFamily="34" charset="-122"/>
-              </a:rPr>
-              <a:t>PART 1</a:t>
-            </a:r>
-            <a:endParaRPr lang="zh-CN" altLang="en-US" sz="2000" dirty="0">
-              <a:solidFill>
-                <a:schemeClr val="bg1">
-                  <a:lumMod val="95000"/>
-                </a:schemeClr>
-              </a:solidFill>
-              <a:latin typeface="思源黑体 CN Bold" panose="020B0800000000000000" pitchFamily="34" charset="-122"/>
-              <a:ea typeface="思源黑体 CN Bold" panose="020B0800000000000000" pitchFamily="34" charset="-122"/>
-            </a:endParaRPr>
-          </a:p>
-        </p:txBody>
-      </p:sp>
-      <p:sp>
-        <p:nvSpPr>
-          <p:cNvPr id="11" name="文本框 10">
-            <a:extLst>
-              <a:ext uri="{FF2B5EF4-FFF2-40B4-BE49-F238E27FC236}">
-                <a16:creationId xmlns:a16="http://schemas.microsoft.com/office/drawing/2014/main" id="{01650D44-9B30-7EF8-35A3-26313CBE1DCC}"/>
-              </a:ext>
-            </a:extLst>
-          </p:cNvPr>
-          <p:cNvSpPr txBox="1"/>
-          <p:nvPr/>
-        </p:nvSpPr>
-        <p:spPr>
-          <a:xfrm>
-            <a:off x="6751307" y="1485695"/>
-            <a:ext cx="2084246" cy="461665"/>
-          </a:xfrm>
-          <a:prstGeom prst="rect">
-            <a:avLst/>
-          </a:prstGeom>
-          <a:noFill/>
-        </p:spPr>
-        <p:txBody>
-          <a:bodyPr wrap="square" rtlCol="0">
-            <a:spAutoFit/>
-          </a:bodyPr>
-          <a:lstStyle/>
-          <a:p>
-            <a:r>
-              <a:rPr lang="zh-CN" altLang="en-US" sz="2400" dirty="0">
-                <a:solidFill>
-                  <a:schemeClr val="tx2">
-                    <a:lumMod val="75000"/>
-                  </a:schemeClr>
-                </a:solidFill>
-                <a:latin typeface="思源黑体 CN Bold" panose="020B0800000000000000" pitchFamily="34" charset="-122"/>
-                <a:ea typeface="思源黑体 CN Bold" panose="020B0800000000000000" pitchFamily="34" charset="-122"/>
-              </a:rPr>
-              <a:t>年度</a:t>
-            </a:r>
-            <a:r>
-              <a:rPr lang="zh-CN" altLang="en-US" sz="2400" dirty="0">
-                <a:solidFill>
-                  <a:srgbClr val="FFC000"/>
-                </a:solidFill>
-                <a:latin typeface="思源黑体 CN Bold" panose="020B0800000000000000" pitchFamily="34" charset="-122"/>
-                <a:ea typeface="思源黑体 CN Bold" panose="020B0800000000000000" pitchFamily="34" charset="-122"/>
-              </a:rPr>
-              <a:t>数据分析</a:t>
-            </a:r>
-          </a:p>
-        </p:txBody>
-      </p:sp>
-      <p:cxnSp>
-        <p:nvCxnSpPr>
-          <p:cNvPr id="30" name="直接连接符 29">
-            <a:extLst>
-              <a:ext uri="{FF2B5EF4-FFF2-40B4-BE49-F238E27FC236}">
-                <a16:creationId xmlns:a16="http://schemas.microsoft.com/office/drawing/2014/main" id="{94ED62CC-193B-E12E-1FF6-A211731A949A}"/>
-              </a:ext>
-            </a:extLst>
-          </p:cNvPr>
-          <p:cNvCxnSpPr>
-            <a:cxnSpLocks/>
-          </p:cNvCxnSpPr>
-          <p:nvPr/>
-        </p:nvCxnSpPr>
-        <p:spPr>
-          <a:xfrm>
-            <a:off x="6808060" y="1344954"/>
-            <a:ext cx="1870273" cy="0"/>
-          </a:xfrm>
-          <a:prstGeom prst="line">
-            <a:avLst/>
-          </a:prstGeom>
-          <a:ln w="79375">
-            <a:solidFill>
-              <a:srgbClr val="4D6083"/>
-            </a:solidFill>
-          </a:ln>
-        </p:spPr>
-        <p:style>
-          <a:lnRef idx="1">
-            <a:schemeClr val="accent1"/>
-          </a:lnRef>
-          <a:fillRef idx="0">
-            <a:schemeClr val="accent1"/>
-          </a:fillRef>
-          <a:effectRef idx="0">
-            <a:schemeClr val="accent1"/>
-          </a:effectRef>
-          <a:fontRef idx="minor">
-            <a:schemeClr val="tx1"/>
-          </a:fontRef>
-        </p:style>
-      </p:cxnSp>
-    </p:spTree>
-    <p:extLst>
-      <p:ext uri="{BB962C8B-B14F-4D97-AF65-F5344CB8AC3E}">
-        <p14:creationId xmlns:p14="http://schemas.microsoft.com/office/powerpoint/2010/main" val="1424487768"/>
-      </p:ext>
-    </p:extLst>
-  </p:cSld>
-  <p:clrMapOvr>
-    <a:masterClrMapping/>
-  </p:clrMapOvr>
-</p:sld>
-</file>
-
 <file path=ppt/slides/slide13.xml><?xml version="1.0" encoding="utf-8"?>
 <p:sld xmlns:a="http://schemas.openxmlformats.org/drawingml/2006/main" xmlns:r="http://schemas.openxmlformats.org/officeDocument/2006/relationships" xmlns:p="http://schemas.openxmlformats.org/presentationml/2006/main">
   <p:cSld>
@@ -8978,6 +8792,339 @@
           <a:chExt cx="0" cy="0"/>
         </a:xfrm>
       </p:grpSpPr>
+      <p:sp>
+        <p:nvSpPr>
+          <p:cNvPr id="82" name="任意多边形 81"/>
+          <p:cNvSpPr/>
+          <p:nvPr/>
+        </p:nvSpPr>
+        <p:spPr>
+          <a:xfrm flipH="1" flipV="1">
+            <a:off x="8702040" y="3668395"/>
+            <a:ext cx="3489960" cy="3191510"/>
+          </a:xfrm>
+          <a:custGeom>
+            <a:avLst/>
+            <a:gdLst>
+              <a:gd name="connsiteX0" fmla="*/ 0 w 5124"/>
+              <a:gd name="connsiteY0" fmla="*/ 3087 h 4684"/>
+              <a:gd name="connsiteX1" fmla="*/ 73 w 5124"/>
+              <a:gd name="connsiteY1" fmla="*/ 3031 h 4684"/>
+              <a:gd name="connsiteX2" fmla="*/ 643 w 5124"/>
+              <a:gd name="connsiteY2" fmla="*/ 2886 h 4684"/>
+              <a:gd name="connsiteX3" fmla="*/ 838 w 5124"/>
+              <a:gd name="connsiteY3" fmla="*/ 2949 h 4684"/>
+              <a:gd name="connsiteX4" fmla="*/ 1402 w 5124"/>
+              <a:gd name="connsiteY4" fmla="*/ 3751 h 4684"/>
+              <a:gd name="connsiteX5" fmla="*/ 2364 w 5124"/>
+              <a:gd name="connsiteY5" fmla="*/ 4684 h 4684"/>
+              <a:gd name="connsiteX6" fmla="*/ 2381 w 5124"/>
+              <a:gd name="connsiteY6" fmla="*/ 4683 h 4684"/>
+              <a:gd name="connsiteX7" fmla="*/ 2398 w 5124"/>
+              <a:gd name="connsiteY7" fmla="*/ 4682 h 4684"/>
+              <a:gd name="connsiteX8" fmla="*/ 2415 w 5124"/>
+              <a:gd name="connsiteY8" fmla="*/ 4681 h 4684"/>
+              <a:gd name="connsiteX9" fmla="*/ 2438 w 5124"/>
+              <a:gd name="connsiteY9" fmla="*/ 4681 h 4684"/>
+              <a:gd name="connsiteX10" fmla="*/ 2462 w 5124"/>
+              <a:gd name="connsiteY10" fmla="*/ 4682 h 4684"/>
+              <a:gd name="connsiteX11" fmla="*/ 3227 w 5124"/>
+              <a:gd name="connsiteY11" fmla="*/ 3489 h 4684"/>
+              <a:gd name="connsiteX12" fmla="*/ 3297 w 5124"/>
+              <a:gd name="connsiteY12" fmla="*/ 2931 h 4684"/>
+              <a:gd name="connsiteX13" fmla="*/ 3360 w 5124"/>
+              <a:gd name="connsiteY13" fmla="*/ 2562 h 4684"/>
+              <a:gd name="connsiteX14" fmla="*/ 3538 w 5124"/>
+              <a:gd name="connsiteY14" fmla="*/ 1679 h 4684"/>
+              <a:gd name="connsiteX15" fmla="*/ 3596 w 5124"/>
+              <a:gd name="connsiteY15" fmla="*/ 1380 h 4684"/>
+              <a:gd name="connsiteX16" fmla="*/ 3606 w 5124"/>
+              <a:gd name="connsiteY16" fmla="*/ 1353 h 4684"/>
+              <a:gd name="connsiteX17" fmla="*/ 5124 w 5124"/>
+              <a:gd name="connsiteY17" fmla="*/ 0 h 4684"/>
+            </a:gdLst>
+            <a:ahLst/>
+            <a:cxnLst>
+              <a:cxn ang="0">
+                <a:pos x="connsiteX0" y="connsiteY0"/>
+              </a:cxn>
+              <a:cxn ang="0">
+                <a:pos x="connsiteX1" y="connsiteY1"/>
+              </a:cxn>
+              <a:cxn ang="0">
+                <a:pos x="connsiteX2" y="connsiteY2"/>
+              </a:cxn>
+              <a:cxn ang="0">
+                <a:pos x="connsiteX3" y="connsiteY3"/>
+              </a:cxn>
+              <a:cxn ang="0">
+                <a:pos x="connsiteX4" y="connsiteY4"/>
+              </a:cxn>
+              <a:cxn ang="0">
+                <a:pos x="connsiteX5" y="connsiteY5"/>
+              </a:cxn>
+              <a:cxn ang="0">
+                <a:pos x="connsiteX6" y="connsiteY6"/>
+              </a:cxn>
+              <a:cxn ang="0">
+                <a:pos x="connsiteX7" y="connsiteY7"/>
+              </a:cxn>
+              <a:cxn ang="0">
+                <a:pos x="connsiteX8" y="connsiteY8"/>
+              </a:cxn>
+              <a:cxn ang="0">
+                <a:pos x="connsiteX9" y="connsiteY9"/>
+              </a:cxn>
+              <a:cxn ang="0">
+                <a:pos x="connsiteX10" y="connsiteY10"/>
+              </a:cxn>
+              <a:cxn ang="0">
+                <a:pos x="connsiteX11" y="connsiteY11"/>
+              </a:cxn>
+              <a:cxn ang="0">
+                <a:pos x="connsiteX12" y="connsiteY12"/>
+              </a:cxn>
+              <a:cxn ang="0">
+                <a:pos x="connsiteX13" y="connsiteY13"/>
+              </a:cxn>
+              <a:cxn ang="0">
+                <a:pos x="connsiteX14" y="connsiteY14"/>
+              </a:cxn>
+              <a:cxn ang="0">
+                <a:pos x="connsiteX15" y="connsiteY15"/>
+              </a:cxn>
+              <a:cxn ang="0">
+                <a:pos x="connsiteX16" y="connsiteY16"/>
+              </a:cxn>
+              <a:cxn ang="0">
+                <a:pos x="connsiteX17" y="connsiteY17"/>
+              </a:cxn>
+            </a:cxnLst>
+            <a:rect l="l" t="t" r="r" b="b"/>
+            <a:pathLst>
+              <a:path w="5124" h="4685">
+                <a:moveTo>
+                  <a:pt x="0" y="3087"/>
+                </a:moveTo>
+                <a:cubicBezTo>
+                  <a:pt x="22" y="3071"/>
+                  <a:pt x="72" y="3031"/>
+                  <a:pt x="73" y="3031"/>
+                </a:cubicBezTo>
+                <a:cubicBezTo>
+                  <a:pt x="327" y="2847"/>
+                  <a:pt x="643" y="2886"/>
+                  <a:pt x="643" y="2886"/>
+                </a:cubicBezTo>
+                <a:cubicBezTo>
+                  <a:pt x="708" y="2908"/>
+                  <a:pt x="751" y="2901"/>
+                  <a:pt x="838" y="2949"/>
+                </a:cubicBezTo>
+                <a:cubicBezTo>
+                  <a:pt x="959" y="3022"/>
+                  <a:pt x="1181" y="3173"/>
+                  <a:pt x="1402" y="3751"/>
+                </a:cubicBezTo>
+                <a:cubicBezTo>
+                  <a:pt x="1603" y="4341"/>
+                  <a:pt x="2063" y="4700"/>
+                  <a:pt x="2364" y="4684"/>
+                </a:cubicBezTo>
+                <a:lnTo>
+                  <a:pt x="2381" y="4683"/>
+                </a:lnTo>
+                <a:lnTo>
+                  <a:pt x="2398" y="4682"/>
+                </a:lnTo>
+                <a:lnTo>
+                  <a:pt x="2415" y="4681"/>
+                </a:lnTo>
+                <a:lnTo>
+                  <a:pt x="2438" y="4681"/>
+                </a:lnTo>
+                <a:lnTo>
+                  <a:pt x="2462" y="4682"/>
+                </a:lnTo>
+                <a:cubicBezTo>
+                  <a:pt x="2940" y="4697"/>
+                  <a:pt x="3154" y="3879"/>
+                  <a:pt x="3227" y="3489"/>
+                </a:cubicBezTo>
+                <a:cubicBezTo>
+                  <a:pt x="3281" y="3181"/>
+                  <a:pt x="3274" y="3117"/>
+                  <a:pt x="3297" y="2931"/>
+                </a:cubicBezTo>
+                <a:lnTo>
+                  <a:pt x="3360" y="2562"/>
+                </a:lnTo>
+                <a:cubicBezTo>
+                  <a:pt x="3425" y="2141"/>
+                  <a:pt x="3451" y="2105"/>
+                  <a:pt x="3538" y="1679"/>
+                </a:cubicBezTo>
+                <a:cubicBezTo>
+                  <a:pt x="3573" y="1535"/>
+                  <a:pt x="3576" y="1437"/>
+                  <a:pt x="3596" y="1380"/>
+                </a:cubicBezTo>
+                <a:cubicBezTo>
+                  <a:pt x="3600" y="1370"/>
+                  <a:pt x="3605" y="1357"/>
+                  <a:pt x="3606" y="1353"/>
+                </a:cubicBezTo>
+                <a:cubicBezTo>
+                  <a:pt x="3727" y="682"/>
+                  <a:pt x="4359" y="-17"/>
+                  <a:pt x="5124" y="0"/>
+                </a:cubicBezTo>
+              </a:path>
+            </a:pathLst>
+          </a:custGeom>
+          <a:noFill/>
+          <a:ln>
+            <a:solidFill>
+              <a:srgbClr val="AEBCDF"/>
+            </a:solidFill>
+          </a:ln>
+          <a:extLst>
+            <a:ext uri="{909E8E84-426E-40DD-AFC4-6F175D3DCCD1}">
+              <a14:hiddenFill xmlns:a14="http://schemas.microsoft.com/office/drawing/2010/main">
+                <a:solidFill>
+                  <a:srgbClr val="2F4275"/>
+                </a:solidFill>
+              </a14:hiddenFill>
+            </a:ext>
+          </a:extLst>
+        </p:spPr>
+        <p:style>
+          <a:lnRef idx="2">
+            <a:schemeClr val="accent1">
+              <a:shade val="50000"/>
+            </a:schemeClr>
+          </a:lnRef>
+          <a:fillRef idx="1">
+            <a:schemeClr val="accent1"/>
+          </a:fillRef>
+          <a:effectRef idx="0">
+            <a:schemeClr val="accent1"/>
+          </a:effectRef>
+          <a:fontRef idx="minor">
+            <a:schemeClr val="lt1"/>
+          </a:fontRef>
+        </p:style>
+        <p:txBody>
+          <a:bodyPr wrap="square" rtlCol="0" anchor="ctr">
+            <a:noAutofit/>
+          </a:bodyPr>
+          <a:lstStyle>
+            <a:defPPr>
+              <a:defRPr lang="zh-CN">
+                <a:solidFill>
+                  <a:schemeClr val="lt1"/>
+                </a:solidFill>
+              </a:defRPr>
+            </a:defPPr>
+            <a:lvl1pPr marL="0" algn="l" defTabSz="914400" rtl="0" eaLnBrk="1" latinLnBrk="0" hangingPunct="1">
+              <a:defRPr sz="1800" kern="1200">
+                <a:solidFill>
+                  <a:schemeClr val="lt1"/>
+                </a:solidFill>
+                <a:latin typeface="+mn-lt"/>
+                <a:ea typeface="+mn-ea"/>
+                <a:cs typeface="+mn-cs"/>
+              </a:defRPr>
+            </a:lvl1pPr>
+            <a:lvl2pPr marL="457200" algn="l" defTabSz="914400" rtl="0" eaLnBrk="1" latinLnBrk="0" hangingPunct="1">
+              <a:defRPr sz="1800" kern="1200">
+                <a:solidFill>
+                  <a:schemeClr val="lt1"/>
+                </a:solidFill>
+                <a:latin typeface="+mn-lt"/>
+                <a:ea typeface="+mn-ea"/>
+                <a:cs typeface="+mn-cs"/>
+              </a:defRPr>
+            </a:lvl2pPr>
+            <a:lvl3pPr marL="914400" algn="l" defTabSz="914400" rtl="0" eaLnBrk="1" latinLnBrk="0" hangingPunct="1">
+              <a:defRPr sz="1800" kern="1200">
+                <a:solidFill>
+                  <a:schemeClr val="lt1"/>
+                </a:solidFill>
+                <a:latin typeface="+mn-lt"/>
+                <a:ea typeface="+mn-ea"/>
+                <a:cs typeface="+mn-cs"/>
+              </a:defRPr>
+            </a:lvl3pPr>
+            <a:lvl4pPr marL="1371600" algn="l" defTabSz="914400" rtl="0" eaLnBrk="1" latinLnBrk="0" hangingPunct="1">
+              <a:defRPr sz="1800" kern="1200">
+                <a:solidFill>
+                  <a:schemeClr val="lt1"/>
+                </a:solidFill>
+                <a:latin typeface="+mn-lt"/>
+                <a:ea typeface="+mn-ea"/>
+                <a:cs typeface="+mn-cs"/>
+              </a:defRPr>
+            </a:lvl4pPr>
+            <a:lvl5pPr marL="1828800" algn="l" defTabSz="914400" rtl="0" eaLnBrk="1" latinLnBrk="0" hangingPunct="1">
+              <a:defRPr sz="1800" kern="1200">
+                <a:solidFill>
+                  <a:schemeClr val="lt1"/>
+                </a:solidFill>
+                <a:latin typeface="+mn-lt"/>
+                <a:ea typeface="+mn-ea"/>
+                <a:cs typeface="+mn-cs"/>
+              </a:defRPr>
+            </a:lvl5pPr>
+            <a:lvl6pPr marL="2286000" algn="l" defTabSz="914400" rtl="0" eaLnBrk="1" latinLnBrk="0" hangingPunct="1">
+              <a:defRPr sz="1800" kern="1200">
+                <a:solidFill>
+                  <a:schemeClr val="lt1"/>
+                </a:solidFill>
+                <a:latin typeface="+mn-lt"/>
+                <a:ea typeface="+mn-ea"/>
+                <a:cs typeface="+mn-cs"/>
+              </a:defRPr>
+            </a:lvl6pPr>
+            <a:lvl7pPr marL="2743200" algn="l" defTabSz="914400" rtl="0" eaLnBrk="1" latinLnBrk="0" hangingPunct="1">
+              <a:defRPr sz="1800" kern="1200">
+                <a:solidFill>
+                  <a:schemeClr val="lt1"/>
+                </a:solidFill>
+                <a:latin typeface="+mn-lt"/>
+                <a:ea typeface="+mn-ea"/>
+                <a:cs typeface="+mn-cs"/>
+              </a:defRPr>
+            </a:lvl7pPr>
+            <a:lvl8pPr marL="3200400" algn="l" defTabSz="914400" rtl="0" eaLnBrk="1" latinLnBrk="0" hangingPunct="1">
+              <a:defRPr sz="1800" kern="1200">
+                <a:solidFill>
+                  <a:schemeClr val="lt1"/>
+                </a:solidFill>
+                <a:latin typeface="+mn-lt"/>
+                <a:ea typeface="+mn-ea"/>
+                <a:cs typeface="+mn-cs"/>
+              </a:defRPr>
+            </a:lvl8pPr>
+            <a:lvl9pPr marL="3657600" algn="l" defTabSz="914400" rtl="0" eaLnBrk="1" latinLnBrk="0" hangingPunct="1">
+              <a:defRPr sz="1800" kern="1200">
+                <a:solidFill>
+                  <a:schemeClr val="lt1"/>
+                </a:solidFill>
+                <a:latin typeface="+mn-lt"/>
+                <a:ea typeface="+mn-ea"/>
+                <a:cs typeface="+mn-cs"/>
+              </a:defRPr>
+            </a:lvl9pPr>
+          </a:lstStyle>
+          <a:p>
+            <a:pPr algn="ctr"/>
+            <a:endParaRPr lang="zh-CN" altLang="en-US">
+              <a:cs typeface="汉仪旗黑-55简" panose="00020600040101010101" charset="-128"/>
+            </a:endParaRPr>
+          </a:p>
+        </p:txBody>
+      </p:sp>
       <p:sp>
         <p:nvSpPr>
           <p:cNvPr id="68" name="任意多边形 67"/>
@@ -10439,55 +10586,14 @@
       </p:sp>
       <p:sp>
         <p:nvSpPr>
-          <p:cNvPr id="57" name="文本框 56"/>
-          <p:cNvSpPr txBox="1"/>
-          <p:nvPr/>
-        </p:nvSpPr>
-        <p:spPr>
-          <a:xfrm>
-            <a:off x="3623310" y="3669665"/>
-            <a:ext cx="4946015" cy="537210"/>
-          </a:xfrm>
-          <a:prstGeom prst="rect">
-            <a:avLst/>
-          </a:prstGeom>
-          <a:noFill/>
-        </p:spPr>
-        <p:txBody>
-          <a:bodyPr wrap="square" rtlCol="0">
-            <a:spAutoFit/>
-          </a:bodyPr>
-          <a:lstStyle/>
-          <a:p>
-            <a:pPr algn="ctr"/>
-            <a:r>
-              <a:rPr lang="en-US" sz="2900" dirty="0">
-                <a:solidFill>
-                  <a:schemeClr val="tx1">
-                    <a:lumMod val="75000"/>
-                    <a:lumOff val="25000"/>
-                  </a:schemeClr>
-                </a:solidFill>
-                <a:latin typeface="汉仪书宋二S" panose="00020600040101010101" charset="-122"/>
-                <a:ea typeface="汉仪书宋二S" panose="00020600040101010101" charset="-122"/>
-                <a:cs typeface="汉仪旗黑-55简" panose="00020600040101010101" charset="-128"/>
-                <a:sym typeface="汉仪旗黑-55简" panose="00020600040101010101" charset="-128"/>
-              </a:rPr>
-              <a:t>THANK YOU VERY MUCH</a:t>
-            </a:r>
-          </a:p>
-        </p:txBody>
-      </p:sp>
-      <p:sp>
-        <p:nvSpPr>
           <p:cNvPr id="58" name="文本框 57" descr="7b0a20202020227461726765744d6f64756c65223a20226b6f6e6c696e65666f6e7473220a7d0a"/>
           <p:cNvSpPr txBox="1"/>
           <p:nvPr/>
         </p:nvSpPr>
         <p:spPr>
           <a:xfrm>
-            <a:off x="2613660" y="2683227"/>
-            <a:ext cx="7769860" cy="938719"/>
+            <a:off x="1709039" y="2727098"/>
+            <a:ext cx="8773923" cy="1569660"/>
           </a:xfrm>
           <a:prstGeom prst="rect">
             <a:avLst/>
@@ -10502,138 +10608,59 @@
           <a:p>
             <a:pPr algn="ctr" fontAlgn="auto"/>
             <a:r>
-              <a:rPr lang="zh-CN" altLang="en-US" sz="5500" b="1" dirty="0">
+              <a:rPr lang="en-US" altLang="zh-CN" sz="4800" b="1" dirty="0">
                 <a:solidFill>
                   <a:srgbClr val="2F4275"/>
                 </a:solidFill>
                 <a:uFillTx/>
-                <a:latin typeface="汉仪旗黑-55简" panose="00020600040101010101" charset="-128"/>
+                <a:latin typeface="Times New Roman" panose="02020603050405020304" pitchFamily="18" charset="0"/>
                 <a:ea typeface="汉仪旗黑-55简" panose="00020600040101010101" charset="-128"/>
-                <a:cs typeface="汉仪旗黑-55简" panose="00020600040101010101" charset="-122"/>
+                <a:cs typeface="Times New Roman" panose="02020603050405020304" pitchFamily="18" charset="0"/>
                 <a:sym typeface="汉仪旗黑-55简" panose="00020600040101010101" charset="-128"/>
               </a:rPr>
-              <a:t>展示完毕</a:t>
+              <a:t>The presentation is over, </a:t>
+            </a:r>
+          </a:p>
+          <a:p>
+            <a:pPr algn="ctr" fontAlgn="auto"/>
+            <a:r>
+              <a:rPr lang="en-US" altLang="zh-CN" sz="4800" b="1" dirty="0">
+                <a:solidFill>
+                  <a:srgbClr val="2F4275"/>
+                </a:solidFill>
+                <a:latin typeface="Times New Roman" panose="02020603050405020304" pitchFamily="18" charset="0"/>
+                <a:ea typeface="汉仪旗黑-55简" panose="00020600040101010101" charset="-128"/>
+                <a:cs typeface="Times New Roman" panose="02020603050405020304" pitchFamily="18" charset="0"/>
+                <a:sym typeface="汉仪旗黑-55简" panose="00020600040101010101" charset="-128"/>
+              </a:rPr>
+              <a:t>T</a:t>
             </a:r>
             <a:r>
-              <a:rPr lang="en-US" altLang="zh-CN" sz="5500" b="1" dirty="0">
+              <a:rPr lang="en-US" altLang="zh-CN" sz="4800" b="1" dirty="0">
                 <a:solidFill>
                   <a:srgbClr val="2F4275"/>
                 </a:solidFill>
                 <a:uFillTx/>
-                <a:latin typeface="汉仪旗黑-55简" panose="00020600040101010101" charset="-128"/>
+                <a:latin typeface="Times New Roman" panose="02020603050405020304" pitchFamily="18" charset="0"/>
                 <a:ea typeface="汉仪旗黑-55简" panose="00020600040101010101" charset="-128"/>
-                <a:cs typeface="汉仪旗黑-55简" panose="00020600040101010101" charset="-122"/>
+                <a:cs typeface="Times New Roman" panose="02020603050405020304" pitchFamily="18" charset="0"/>
                 <a:sym typeface="汉仪旗黑-55简" panose="00020600040101010101" charset="-128"/>
               </a:rPr>
-              <a:t>,</a:t>
+              <a:t>hank you for watching!</a:t>
             </a:r>
-            <a:r>
-              <a:rPr lang="zh-CN" altLang="en-US" sz="5500" b="1" dirty="0">
-                <a:solidFill>
-                  <a:srgbClr val="2F4275"/>
-                </a:solidFill>
-                <a:uFillTx/>
-                <a:latin typeface="汉仪旗黑-55简" panose="00020600040101010101" charset="-128"/>
-                <a:ea typeface="汉仪旗黑-55简" panose="00020600040101010101" charset="-128"/>
-                <a:cs typeface="汉仪旗黑-55简" panose="00020600040101010101" charset="-122"/>
-                <a:sym typeface="汉仪旗黑-55简" panose="00020600040101010101" charset="-128"/>
-              </a:rPr>
-              <a:t>谢谢观看！</a:t>
-            </a:r>
+            <a:endParaRPr lang="zh-CN" altLang="en-US" sz="4800" b="1" dirty="0">
+              <a:solidFill>
+                <a:srgbClr val="2F4275"/>
+              </a:solidFill>
+              <a:uFillTx/>
+              <a:latin typeface="Times New Roman" panose="02020603050405020304" pitchFamily="18" charset="0"/>
+              <a:ea typeface="汉仪旗黑-55简" panose="00020600040101010101" charset="-128"/>
+              <a:cs typeface="Times New Roman" panose="02020603050405020304" pitchFamily="18" charset="0"/>
+              <a:sym typeface="汉仪旗黑-55简" panose="00020600040101010101" charset="-128"/>
+            </a:endParaRPr>
           </a:p>
         </p:txBody>
       </p:sp>
-      <p:grpSp>
-        <p:nvGrpSpPr>
-          <p:cNvPr id="61" name="组合 60"/>
-          <p:cNvGrpSpPr/>
-          <p:nvPr/>
-        </p:nvGrpSpPr>
-        <p:grpSpPr>
-          <a:xfrm>
-            <a:off x="3083560" y="3912235"/>
-            <a:ext cx="6025515" cy="0"/>
-            <a:chOff x="4784" y="6236"/>
-            <a:chExt cx="9489" cy="0"/>
-          </a:xfrm>
-        </p:grpSpPr>
-        <p:cxnSp>
-          <p:nvCxnSpPr>
-            <p:cNvPr id="62" name="直接连接符 61"/>
-            <p:cNvCxnSpPr/>
-            <p:nvPr/>
-          </p:nvCxnSpPr>
-          <p:spPr>
-            <a:xfrm>
-              <a:off x="4784" y="6236"/>
-              <a:ext cx="1217" cy="0"/>
-            </a:xfrm>
-            <a:prstGeom prst="line">
-              <a:avLst/>
-            </a:prstGeom>
-            <a:ln w="25400">
-              <a:solidFill>
-                <a:schemeClr val="tx1">
-                  <a:lumMod val="75000"/>
-                  <a:lumOff val="25000"/>
-                </a:schemeClr>
-              </a:solidFill>
-            </a:ln>
-          </p:spPr>
-          <p:style>
-            <a:lnRef idx="1">
-              <a:schemeClr val="accent1"/>
-            </a:lnRef>
-            <a:fillRef idx="0">
-              <a:schemeClr val="accent1"/>
-            </a:fillRef>
-            <a:effectRef idx="0">
-              <a:schemeClr val="accent1"/>
-            </a:effectRef>
-            <a:fontRef idx="minor">
-              <a:schemeClr val="tx1"/>
-            </a:fontRef>
-          </p:style>
-        </p:cxnSp>
-        <p:cxnSp>
-          <p:nvCxnSpPr>
-            <p:cNvPr id="63" name="直接连接符 62"/>
-            <p:cNvCxnSpPr/>
-            <p:nvPr/>
-          </p:nvCxnSpPr>
-          <p:spPr>
-            <a:xfrm>
-              <a:off x="13057" y="6236"/>
-              <a:ext cx="1217" cy="0"/>
-            </a:xfrm>
-            <a:prstGeom prst="line">
-              <a:avLst/>
-            </a:prstGeom>
-            <a:ln w="25400">
-              <a:solidFill>
-                <a:schemeClr val="tx1">
-                  <a:lumMod val="75000"/>
-                  <a:lumOff val="25000"/>
-                </a:schemeClr>
-              </a:solidFill>
-            </a:ln>
-          </p:spPr>
-          <p:style>
-            <a:lnRef idx="1">
-              <a:schemeClr val="accent1"/>
-            </a:lnRef>
-            <a:fillRef idx="0">
-              <a:schemeClr val="accent1"/>
-            </a:fillRef>
-            <a:effectRef idx="0">
-              <a:schemeClr val="accent1"/>
-            </a:effectRef>
-            <a:fontRef idx="minor">
-              <a:schemeClr val="tx1"/>
-            </a:fontRef>
-          </p:style>
-        </p:cxnSp>
-      </p:grpSp>
       <p:sp>
         <p:nvSpPr>
           <p:cNvPr id="80" name="椭圆 79"/>
@@ -10712,339 +10739,6 @@
           </a:prstGeom>
         </p:spPr>
       </p:pic>
-      <p:sp>
-        <p:nvSpPr>
-          <p:cNvPr id="82" name="任意多边形 81"/>
-          <p:cNvSpPr/>
-          <p:nvPr/>
-        </p:nvSpPr>
-        <p:spPr>
-          <a:xfrm flipH="1" flipV="1">
-            <a:off x="8702040" y="3668395"/>
-            <a:ext cx="3489960" cy="3191510"/>
-          </a:xfrm>
-          <a:custGeom>
-            <a:avLst/>
-            <a:gdLst>
-              <a:gd name="connsiteX0" fmla="*/ 0 w 5124"/>
-              <a:gd name="connsiteY0" fmla="*/ 3087 h 4684"/>
-              <a:gd name="connsiteX1" fmla="*/ 73 w 5124"/>
-              <a:gd name="connsiteY1" fmla="*/ 3031 h 4684"/>
-              <a:gd name="connsiteX2" fmla="*/ 643 w 5124"/>
-              <a:gd name="connsiteY2" fmla="*/ 2886 h 4684"/>
-              <a:gd name="connsiteX3" fmla="*/ 838 w 5124"/>
-              <a:gd name="connsiteY3" fmla="*/ 2949 h 4684"/>
-              <a:gd name="connsiteX4" fmla="*/ 1402 w 5124"/>
-              <a:gd name="connsiteY4" fmla="*/ 3751 h 4684"/>
-              <a:gd name="connsiteX5" fmla="*/ 2364 w 5124"/>
-              <a:gd name="connsiteY5" fmla="*/ 4684 h 4684"/>
-              <a:gd name="connsiteX6" fmla="*/ 2381 w 5124"/>
-              <a:gd name="connsiteY6" fmla="*/ 4683 h 4684"/>
-              <a:gd name="connsiteX7" fmla="*/ 2398 w 5124"/>
-              <a:gd name="connsiteY7" fmla="*/ 4682 h 4684"/>
-              <a:gd name="connsiteX8" fmla="*/ 2415 w 5124"/>
-              <a:gd name="connsiteY8" fmla="*/ 4681 h 4684"/>
-              <a:gd name="connsiteX9" fmla="*/ 2438 w 5124"/>
-              <a:gd name="connsiteY9" fmla="*/ 4681 h 4684"/>
-              <a:gd name="connsiteX10" fmla="*/ 2462 w 5124"/>
-              <a:gd name="connsiteY10" fmla="*/ 4682 h 4684"/>
-              <a:gd name="connsiteX11" fmla="*/ 3227 w 5124"/>
-              <a:gd name="connsiteY11" fmla="*/ 3489 h 4684"/>
-              <a:gd name="connsiteX12" fmla="*/ 3297 w 5124"/>
-              <a:gd name="connsiteY12" fmla="*/ 2931 h 4684"/>
-              <a:gd name="connsiteX13" fmla="*/ 3360 w 5124"/>
-              <a:gd name="connsiteY13" fmla="*/ 2562 h 4684"/>
-              <a:gd name="connsiteX14" fmla="*/ 3538 w 5124"/>
-              <a:gd name="connsiteY14" fmla="*/ 1679 h 4684"/>
-              <a:gd name="connsiteX15" fmla="*/ 3596 w 5124"/>
-              <a:gd name="connsiteY15" fmla="*/ 1380 h 4684"/>
-              <a:gd name="connsiteX16" fmla="*/ 3606 w 5124"/>
-              <a:gd name="connsiteY16" fmla="*/ 1353 h 4684"/>
-              <a:gd name="connsiteX17" fmla="*/ 5124 w 5124"/>
-              <a:gd name="connsiteY17" fmla="*/ 0 h 4684"/>
-            </a:gdLst>
-            <a:ahLst/>
-            <a:cxnLst>
-              <a:cxn ang="0">
-                <a:pos x="connsiteX0" y="connsiteY0"/>
-              </a:cxn>
-              <a:cxn ang="0">
-                <a:pos x="connsiteX1" y="connsiteY1"/>
-              </a:cxn>
-              <a:cxn ang="0">
-                <a:pos x="connsiteX2" y="connsiteY2"/>
-              </a:cxn>
-              <a:cxn ang="0">
-                <a:pos x="connsiteX3" y="connsiteY3"/>
-              </a:cxn>
-              <a:cxn ang="0">
-                <a:pos x="connsiteX4" y="connsiteY4"/>
-              </a:cxn>
-              <a:cxn ang="0">
-                <a:pos x="connsiteX5" y="connsiteY5"/>
-              </a:cxn>
-              <a:cxn ang="0">
-                <a:pos x="connsiteX6" y="connsiteY6"/>
-              </a:cxn>
-              <a:cxn ang="0">
-                <a:pos x="connsiteX7" y="connsiteY7"/>
-              </a:cxn>
-              <a:cxn ang="0">
-                <a:pos x="connsiteX8" y="connsiteY8"/>
-              </a:cxn>
-              <a:cxn ang="0">
-                <a:pos x="connsiteX9" y="connsiteY9"/>
-              </a:cxn>
-              <a:cxn ang="0">
-                <a:pos x="connsiteX10" y="connsiteY10"/>
-              </a:cxn>
-              <a:cxn ang="0">
-                <a:pos x="connsiteX11" y="connsiteY11"/>
-              </a:cxn>
-              <a:cxn ang="0">
-                <a:pos x="connsiteX12" y="connsiteY12"/>
-              </a:cxn>
-              <a:cxn ang="0">
-                <a:pos x="connsiteX13" y="connsiteY13"/>
-              </a:cxn>
-              <a:cxn ang="0">
-                <a:pos x="connsiteX14" y="connsiteY14"/>
-              </a:cxn>
-              <a:cxn ang="0">
-                <a:pos x="connsiteX15" y="connsiteY15"/>
-              </a:cxn>
-              <a:cxn ang="0">
-                <a:pos x="connsiteX16" y="connsiteY16"/>
-              </a:cxn>
-              <a:cxn ang="0">
-                <a:pos x="connsiteX17" y="connsiteY17"/>
-              </a:cxn>
-            </a:cxnLst>
-            <a:rect l="l" t="t" r="r" b="b"/>
-            <a:pathLst>
-              <a:path w="5124" h="4685">
-                <a:moveTo>
-                  <a:pt x="0" y="3087"/>
-                </a:moveTo>
-                <a:cubicBezTo>
-                  <a:pt x="22" y="3071"/>
-                  <a:pt x="72" y="3031"/>
-                  <a:pt x="73" y="3031"/>
-                </a:cubicBezTo>
-                <a:cubicBezTo>
-                  <a:pt x="327" y="2847"/>
-                  <a:pt x="643" y="2886"/>
-                  <a:pt x="643" y="2886"/>
-                </a:cubicBezTo>
-                <a:cubicBezTo>
-                  <a:pt x="708" y="2908"/>
-                  <a:pt x="751" y="2901"/>
-                  <a:pt x="838" y="2949"/>
-                </a:cubicBezTo>
-                <a:cubicBezTo>
-                  <a:pt x="959" y="3022"/>
-                  <a:pt x="1181" y="3173"/>
-                  <a:pt x="1402" y="3751"/>
-                </a:cubicBezTo>
-                <a:cubicBezTo>
-                  <a:pt x="1603" y="4341"/>
-                  <a:pt x="2063" y="4700"/>
-                  <a:pt x="2364" y="4684"/>
-                </a:cubicBezTo>
-                <a:lnTo>
-                  <a:pt x="2381" y="4683"/>
-                </a:lnTo>
-                <a:lnTo>
-                  <a:pt x="2398" y="4682"/>
-                </a:lnTo>
-                <a:lnTo>
-                  <a:pt x="2415" y="4681"/>
-                </a:lnTo>
-                <a:lnTo>
-                  <a:pt x="2438" y="4681"/>
-                </a:lnTo>
-                <a:lnTo>
-                  <a:pt x="2462" y="4682"/>
-                </a:lnTo>
-                <a:cubicBezTo>
-                  <a:pt x="2940" y="4697"/>
-                  <a:pt x="3154" y="3879"/>
-                  <a:pt x="3227" y="3489"/>
-                </a:cubicBezTo>
-                <a:cubicBezTo>
-                  <a:pt x="3281" y="3181"/>
-                  <a:pt x="3274" y="3117"/>
-                  <a:pt x="3297" y="2931"/>
-                </a:cubicBezTo>
-                <a:lnTo>
-                  <a:pt x="3360" y="2562"/>
-                </a:lnTo>
-                <a:cubicBezTo>
-                  <a:pt x="3425" y="2141"/>
-                  <a:pt x="3451" y="2105"/>
-                  <a:pt x="3538" y="1679"/>
-                </a:cubicBezTo>
-                <a:cubicBezTo>
-                  <a:pt x="3573" y="1535"/>
-                  <a:pt x="3576" y="1437"/>
-                  <a:pt x="3596" y="1380"/>
-                </a:cubicBezTo>
-                <a:cubicBezTo>
-                  <a:pt x="3600" y="1370"/>
-                  <a:pt x="3605" y="1357"/>
-                  <a:pt x="3606" y="1353"/>
-                </a:cubicBezTo>
-                <a:cubicBezTo>
-                  <a:pt x="3727" y="682"/>
-                  <a:pt x="4359" y="-17"/>
-                  <a:pt x="5124" y="0"/>
-                </a:cubicBezTo>
-              </a:path>
-            </a:pathLst>
-          </a:custGeom>
-          <a:noFill/>
-          <a:ln>
-            <a:solidFill>
-              <a:srgbClr val="AEBCDF"/>
-            </a:solidFill>
-          </a:ln>
-          <a:extLst>
-            <a:ext uri="{909E8E84-426E-40DD-AFC4-6F175D3DCCD1}">
-              <a14:hiddenFill xmlns:a14="http://schemas.microsoft.com/office/drawing/2010/main">
-                <a:solidFill>
-                  <a:srgbClr val="2F4275"/>
-                </a:solidFill>
-              </a14:hiddenFill>
-            </a:ext>
-          </a:extLst>
-        </p:spPr>
-        <p:style>
-          <a:lnRef idx="2">
-            <a:schemeClr val="accent1">
-              <a:shade val="50000"/>
-            </a:schemeClr>
-          </a:lnRef>
-          <a:fillRef idx="1">
-            <a:schemeClr val="accent1"/>
-          </a:fillRef>
-          <a:effectRef idx="0">
-            <a:schemeClr val="accent1"/>
-          </a:effectRef>
-          <a:fontRef idx="minor">
-            <a:schemeClr val="lt1"/>
-          </a:fontRef>
-        </p:style>
-        <p:txBody>
-          <a:bodyPr wrap="square" rtlCol="0" anchor="ctr">
-            <a:noAutofit/>
-          </a:bodyPr>
-          <a:lstStyle>
-            <a:defPPr>
-              <a:defRPr lang="zh-CN">
-                <a:solidFill>
-                  <a:schemeClr val="lt1"/>
-                </a:solidFill>
-              </a:defRPr>
-            </a:defPPr>
-            <a:lvl1pPr marL="0" algn="l" defTabSz="914400" rtl="0" eaLnBrk="1" latinLnBrk="0" hangingPunct="1">
-              <a:defRPr sz="1800" kern="1200">
-                <a:solidFill>
-                  <a:schemeClr val="lt1"/>
-                </a:solidFill>
-                <a:latin typeface="+mn-lt"/>
-                <a:ea typeface="+mn-ea"/>
-                <a:cs typeface="+mn-cs"/>
-              </a:defRPr>
-            </a:lvl1pPr>
-            <a:lvl2pPr marL="457200" algn="l" defTabSz="914400" rtl="0" eaLnBrk="1" latinLnBrk="0" hangingPunct="1">
-              <a:defRPr sz="1800" kern="1200">
-                <a:solidFill>
-                  <a:schemeClr val="lt1"/>
-                </a:solidFill>
-                <a:latin typeface="+mn-lt"/>
-                <a:ea typeface="+mn-ea"/>
-                <a:cs typeface="+mn-cs"/>
-              </a:defRPr>
-            </a:lvl2pPr>
-            <a:lvl3pPr marL="914400" algn="l" defTabSz="914400" rtl="0" eaLnBrk="1" latinLnBrk="0" hangingPunct="1">
-              <a:defRPr sz="1800" kern="1200">
-                <a:solidFill>
-                  <a:schemeClr val="lt1"/>
-                </a:solidFill>
-                <a:latin typeface="+mn-lt"/>
-                <a:ea typeface="+mn-ea"/>
-                <a:cs typeface="+mn-cs"/>
-              </a:defRPr>
-            </a:lvl3pPr>
-            <a:lvl4pPr marL="1371600" algn="l" defTabSz="914400" rtl="0" eaLnBrk="1" latinLnBrk="0" hangingPunct="1">
-              <a:defRPr sz="1800" kern="1200">
-                <a:solidFill>
-                  <a:schemeClr val="lt1"/>
-                </a:solidFill>
-                <a:latin typeface="+mn-lt"/>
-                <a:ea typeface="+mn-ea"/>
-                <a:cs typeface="+mn-cs"/>
-              </a:defRPr>
-            </a:lvl4pPr>
-            <a:lvl5pPr marL="1828800" algn="l" defTabSz="914400" rtl="0" eaLnBrk="1" latinLnBrk="0" hangingPunct="1">
-              <a:defRPr sz="1800" kern="1200">
-                <a:solidFill>
-                  <a:schemeClr val="lt1"/>
-                </a:solidFill>
-                <a:latin typeface="+mn-lt"/>
-                <a:ea typeface="+mn-ea"/>
-                <a:cs typeface="+mn-cs"/>
-              </a:defRPr>
-            </a:lvl5pPr>
-            <a:lvl6pPr marL="2286000" algn="l" defTabSz="914400" rtl="0" eaLnBrk="1" latinLnBrk="0" hangingPunct="1">
-              <a:defRPr sz="1800" kern="1200">
-                <a:solidFill>
-                  <a:schemeClr val="lt1"/>
-                </a:solidFill>
-                <a:latin typeface="+mn-lt"/>
-                <a:ea typeface="+mn-ea"/>
-                <a:cs typeface="+mn-cs"/>
-              </a:defRPr>
-            </a:lvl6pPr>
-            <a:lvl7pPr marL="2743200" algn="l" defTabSz="914400" rtl="0" eaLnBrk="1" latinLnBrk="0" hangingPunct="1">
-              <a:defRPr sz="1800" kern="1200">
-                <a:solidFill>
-                  <a:schemeClr val="lt1"/>
-                </a:solidFill>
-                <a:latin typeface="+mn-lt"/>
-                <a:ea typeface="+mn-ea"/>
-                <a:cs typeface="+mn-cs"/>
-              </a:defRPr>
-            </a:lvl7pPr>
-            <a:lvl8pPr marL="3200400" algn="l" defTabSz="914400" rtl="0" eaLnBrk="1" latinLnBrk="0" hangingPunct="1">
-              <a:defRPr sz="1800" kern="1200">
-                <a:solidFill>
-                  <a:schemeClr val="lt1"/>
-                </a:solidFill>
-                <a:latin typeface="+mn-lt"/>
-                <a:ea typeface="+mn-ea"/>
-                <a:cs typeface="+mn-cs"/>
-              </a:defRPr>
-            </a:lvl8pPr>
-            <a:lvl9pPr marL="3657600" algn="l" defTabSz="914400" rtl="0" eaLnBrk="1" latinLnBrk="0" hangingPunct="1">
-              <a:defRPr sz="1800" kern="1200">
-                <a:solidFill>
-                  <a:schemeClr val="lt1"/>
-                </a:solidFill>
-                <a:latin typeface="+mn-lt"/>
-                <a:ea typeface="+mn-ea"/>
-                <a:cs typeface="+mn-cs"/>
-              </a:defRPr>
-            </a:lvl9pPr>
-          </a:lstStyle>
-          <a:p>
-            <a:pPr algn="ctr"/>
-            <a:endParaRPr lang="zh-CN" altLang="en-US">
-              <a:cs typeface="汉仪旗黑-55简" panose="00020600040101010101" charset="-128"/>
-            </a:endParaRPr>
-          </a:p>
-        </p:txBody>
-      </p:sp>
       <p:grpSp>
         <p:nvGrpSpPr>
           <p:cNvPr id="2" name="组合 1">
@@ -37093,7 +36787,7 @@
         <p:spPr>
           <a:xfrm>
             <a:off x="1314449" y="226717"/>
-            <a:ext cx="5231075" cy="1077218"/>
+            <a:ext cx="8959413" cy="584775"/>
           </a:xfrm>
           <a:prstGeom prst="rect">
             <a:avLst/>
@@ -37210,10 +36904,19 @@
                 <a:cs typeface="Times New Roman" panose="02020603050405020304" pitchFamily="18" charset="0"/>
                 <a:sym typeface="思源黑体 CN Normal" panose="020B0400000000000000" pitchFamily="34" charset="-122"/>
               </a:rPr>
-              <a:t>Design Patterns in Refactoring</a:t>
+              <a:t>Design Patterns in Refactoring——</a:t>
             </a:r>
-          </a:p>
-          <a:p>
+            <a:r>
+              <a:rPr lang="en-US" altLang="zh-CN" sz="3200" dirty="0">
+                <a:solidFill>
+                  <a:srgbClr val="425166"/>
+                </a:solidFill>
+                <a:latin typeface="Times New Roman" panose="02020603050405020304" pitchFamily="18" charset="0"/>
+                <a:ea typeface="思源黑体 CN Normal" panose="020B0400000000000000" pitchFamily="34" charset="-122"/>
+                <a:cs typeface="Times New Roman" panose="02020603050405020304" pitchFamily="18" charset="0"/>
+              </a:rPr>
+              <a:t>Factory Pattern</a:t>
+            </a:r>
             <a:r>
               <a:rPr lang="en-US" altLang="zh-CN" sz="3200" dirty="0">
                 <a:solidFill>
@@ -38444,7 +38147,7 @@
         <p:spPr>
           <a:xfrm>
             <a:off x="1314449" y="226717"/>
-            <a:ext cx="5231075" cy="1077218"/>
+            <a:ext cx="9495065" cy="584775"/>
           </a:xfrm>
           <a:prstGeom prst="rect">
             <a:avLst/>
@@ -38561,10 +38264,8 @@
                 <a:cs typeface="Times New Roman" panose="02020603050405020304" pitchFamily="18" charset="0"/>
                 <a:sym typeface="思源黑体 CN Normal" panose="020B0400000000000000" pitchFamily="34" charset="-122"/>
               </a:rPr>
-              <a:t>Design Patterns in Refactoring</a:t>
+              <a:t>Design Patterns in Refactoring ——</a:t>
             </a:r>
-          </a:p>
-          <a:p>
             <a:r>
               <a:rPr lang="en-US" altLang="zh-CN" sz="3200" dirty="0">
                 <a:solidFill>
@@ -38573,11 +38274,10 @@
                 <a:latin typeface="Times New Roman" panose="02020603050405020304" pitchFamily="18" charset="0"/>
                 <a:ea typeface="思源黑体 CN Normal" panose="020B0400000000000000" pitchFamily="34" charset="-122"/>
                 <a:cs typeface="Times New Roman" panose="02020603050405020304" pitchFamily="18" charset="0"/>
-                <a:sym typeface="思源黑体 CN Normal" panose="020B0400000000000000" pitchFamily="34" charset="-122"/>
               </a:rPr>
-              <a:t> </a:t>
+              <a:t>Template Method</a:t>
             </a:r>
-            <a:endParaRPr lang="zh-CN" altLang="en-US" sz="3200" dirty="0">
+            <a:endParaRPr lang="en-US" altLang="zh-CN" sz="3200" dirty="0">
               <a:solidFill>
                 <a:srgbClr val="425166"/>
               </a:solidFill>
@@ -38919,7 +38619,7 @@
         </p:nvSpPr>
         <p:spPr>
           <a:xfrm>
-            <a:off x="6676840" y="490012"/>
+            <a:off x="6633581" y="691508"/>
             <a:ext cx="1434348" cy="461665"/>
           </a:xfrm>
           <a:prstGeom prst="rect">
@@ -38962,7 +38662,7 @@
         </p:nvSpPr>
         <p:spPr>
           <a:xfrm>
-            <a:off x="6949993" y="859344"/>
+            <a:off x="6913993" y="1107006"/>
             <a:ext cx="5113555" cy="2948884"/>
           </a:xfrm>
           <a:prstGeom prst="rect">
@@ -39257,7 +38957,7 @@
         </p:nvSpPr>
         <p:spPr>
           <a:xfrm>
-            <a:off x="6949993" y="951677"/>
+            <a:off x="6906734" y="1153173"/>
             <a:ext cx="5041557" cy="2856551"/>
           </a:xfrm>
           <a:prstGeom prst="rect">
@@ -39531,7 +39231,7 @@
         <p:spPr>
           <a:xfrm>
             <a:off x="1314449" y="226717"/>
-            <a:ext cx="5231075" cy="1077218"/>
+            <a:ext cx="8025494" cy="584775"/>
           </a:xfrm>
           <a:prstGeom prst="rect">
             <a:avLst/>
@@ -39648,21 +39348,7 @@
                 <a:cs typeface="Times New Roman" panose="02020603050405020304" pitchFamily="18" charset="0"/>
                 <a:sym typeface="思源黑体 CN Normal" panose="020B0400000000000000" pitchFamily="34" charset="-122"/>
               </a:rPr>
-              <a:t>Design Patterns in Refactoring</a:t>
-            </a:r>
-          </a:p>
-          <a:p>
-            <a:r>
-              <a:rPr lang="en-US" altLang="zh-CN" sz="3200" dirty="0">
-                <a:solidFill>
-                  <a:srgbClr val="425166"/>
-                </a:solidFill>
-                <a:latin typeface="Times New Roman" panose="02020603050405020304" pitchFamily="18" charset="0"/>
-                <a:ea typeface="思源黑体 CN Normal" panose="020B0400000000000000" pitchFamily="34" charset="-122"/>
-                <a:cs typeface="Times New Roman" panose="02020603050405020304" pitchFamily="18" charset="0"/>
-                <a:sym typeface="思源黑体 CN Normal" panose="020B0400000000000000" pitchFamily="34" charset="-122"/>
-              </a:rPr>
-              <a:t> </a:t>
+              <a:t>Design Patterns in Refactoring——Flyweight </a:t>
             </a:r>
             <a:endParaRPr lang="zh-CN" altLang="en-US" sz="3200" dirty="0">
               <a:solidFill>
@@ -40523,7 +40209,7 @@
         <p:spPr>
           <a:xfrm>
             <a:off x="1314449" y="226717"/>
-            <a:ext cx="5231075" cy="1077218"/>
+            <a:ext cx="7992837" cy="584775"/>
           </a:xfrm>
           <a:prstGeom prst="rect">
             <a:avLst/>
@@ -40640,21 +40326,7 @@
                 <a:cs typeface="Times New Roman" panose="02020603050405020304" pitchFamily="18" charset="0"/>
                 <a:sym typeface="思源黑体 CN Normal" panose="020B0400000000000000" pitchFamily="34" charset="-122"/>
               </a:rPr>
-              <a:t>Design Patterns in Refactoring</a:t>
-            </a:r>
-          </a:p>
-          <a:p>
-            <a:r>
-              <a:rPr lang="en-US" altLang="zh-CN" sz="3200" dirty="0">
-                <a:solidFill>
-                  <a:srgbClr val="425166"/>
-                </a:solidFill>
-                <a:latin typeface="Times New Roman" panose="02020603050405020304" pitchFamily="18" charset="0"/>
-                <a:ea typeface="思源黑体 CN Normal" panose="020B0400000000000000" pitchFamily="34" charset="-122"/>
-                <a:cs typeface="Times New Roman" panose="02020603050405020304" pitchFamily="18" charset="0"/>
-                <a:sym typeface="思源黑体 CN Normal" panose="020B0400000000000000" pitchFamily="34" charset="-122"/>
-              </a:rPr>
-              <a:t> </a:t>
+              <a:t>Design Patterns in Refactoring——Decorator </a:t>
             </a:r>
             <a:endParaRPr lang="zh-CN" altLang="en-US" sz="3200" dirty="0">
               <a:solidFill>

--- a/文档/DesignPattern.pptx
+++ b/文档/DesignPattern.pptx
@@ -7021,7 +7021,7 @@
                 <a:cs typeface="汉仪旗黑-55简" panose="00020600040101010101" charset="-128"/>
                 <a:sym typeface="汉仪旗黑-55简" panose="00020600040101010101" charset="-128"/>
               </a:rPr>
-              <a:t>Code refactoring for</a:t>
+              <a:t>Code Refactoring for</a:t>
             </a:r>
           </a:p>
           <a:p>

--- a/文档/DesignPattern.pptx
+++ b/文档/DesignPattern.pptx
@@ -5,7 +5,7 @@
     <p:sldMasterId id="2147483648" r:id="rId1"/>
   </p:sldMasterIdLst>
   <p:notesMasterIdLst>
-    <p:notesMasterId r:id="rId21"/>
+    <p:notesMasterId r:id="rId22"/>
   </p:notesMasterIdLst>
   <p:sldIdLst>
     <p:sldId id="256" r:id="rId2"/>
@@ -14,19 +14,20 @@
     <p:sldId id="275" r:id="rId5"/>
     <p:sldId id="276" r:id="rId6"/>
     <p:sldId id="278" r:id="rId7"/>
-    <p:sldId id="279" r:id="rId8"/>
+    <p:sldId id="284" r:id="rId8"/>
     <p:sldId id="280" r:id="rId9"/>
-    <p:sldId id="281" r:id="rId10"/>
-    <p:sldId id="283" r:id="rId11"/>
-    <p:sldId id="282" r:id="rId12"/>
-    <p:sldId id="277" r:id="rId13"/>
-    <p:sldId id="272" r:id="rId14"/>
-    <p:sldId id="261" r:id="rId15"/>
-    <p:sldId id="264" r:id="rId16"/>
-    <p:sldId id="266" r:id="rId17"/>
-    <p:sldId id="267" r:id="rId18"/>
-    <p:sldId id="269" r:id="rId19"/>
-    <p:sldId id="270" r:id="rId20"/>
+    <p:sldId id="279" r:id="rId10"/>
+    <p:sldId id="281" r:id="rId11"/>
+    <p:sldId id="283" r:id="rId12"/>
+    <p:sldId id="282" r:id="rId13"/>
+    <p:sldId id="277" r:id="rId14"/>
+    <p:sldId id="272" r:id="rId15"/>
+    <p:sldId id="261" r:id="rId16"/>
+    <p:sldId id="264" r:id="rId17"/>
+    <p:sldId id="266" r:id="rId18"/>
+    <p:sldId id="267" r:id="rId19"/>
+    <p:sldId id="269" r:id="rId20"/>
+    <p:sldId id="270" r:id="rId21"/>
   </p:sldIdLst>
   <p:sldSz cx="12192000" cy="6858000"/>
   <p:notesSz cx="6858000" cy="9144000"/>
@@ -7579,6 +7580,648 @@
         <p:cNvPr id="1" name="">
           <a:extLst>
             <a:ext uri="{FF2B5EF4-FFF2-40B4-BE49-F238E27FC236}">
+              <a16:creationId xmlns:a16="http://schemas.microsoft.com/office/drawing/2014/main" id="{D78668CB-D8AC-A5D8-96B1-D6C9002875A9}"/>
+            </a:ext>
+          </a:extLst>
+        </p:cNvPr>
+        <p:cNvGrpSpPr/>
+        <p:nvPr/>
+      </p:nvGrpSpPr>
+      <p:grpSpPr>
+        <a:xfrm>
+          <a:off x="0" y="0"/>
+          <a:ext cx="0" cy="0"/>
+          <a:chOff x="0" y="0"/>
+          <a:chExt cx="0" cy="0"/>
+        </a:xfrm>
+      </p:grpSpPr>
+      <p:sp>
+        <p:nvSpPr>
+          <p:cNvPr id="5" name="矩形 4">
+            <a:extLst>
+              <a:ext uri="{FF2B5EF4-FFF2-40B4-BE49-F238E27FC236}">
+                <a16:creationId xmlns:a16="http://schemas.microsoft.com/office/drawing/2014/main" id="{0143472F-C721-7B9D-DB67-58AAEADD53AA}"/>
+              </a:ext>
+            </a:extLst>
+          </p:cNvPr>
+          <p:cNvSpPr/>
+          <p:nvPr/>
+        </p:nvSpPr>
+        <p:spPr>
+          <a:xfrm>
+            <a:off x="0" y="343632"/>
+            <a:ext cx="1244600" cy="426835"/>
+          </a:xfrm>
+          <a:prstGeom prst="rect">
+            <a:avLst/>
+          </a:prstGeom>
+          <a:solidFill>
+            <a:schemeClr val="accent1">
+              <a:lumMod val="50000"/>
+            </a:schemeClr>
+          </a:solidFill>
+        </p:spPr>
+        <p:style>
+          <a:lnRef idx="2">
+            <a:schemeClr val="accent1">
+              <a:shade val="15000"/>
+            </a:schemeClr>
+          </a:lnRef>
+          <a:fillRef idx="1">
+            <a:schemeClr val="accent1"/>
+          </a:fillRef>
+          <a:effectRef idx="0">
+            <a:schemeClr val="accent1"/>
+          </a:effectRef>
+          <a:fontRef idx="minor">
+            <a:schemeClr val="lt1"/>
+          </a:fontRef>
+        </p:style>
+        <p:txBody>
+          <a:bodyPr rtlCol="0" anchor="ctr"/>
+          <a:lstStyle/>
+          <a:p>
+            <a:pPr algn="ctr"/>
+            <a:endParaRPr lang="zh-CN" altLang="en-US"/>
+          </a:p>
+        </p:txBody>
+      </p:sp>
+      <p:sp>
+        <p:nvSpPr>
+          <p:cNvPr id="6" name="文本框 5">
+            <a:extLst>
+              <a:ext uri="{FF2B5EF4-FFF2-40B4-BE49-F238E27FC236}">
+                <a16:creationId xmlns:a16="http://schemas.microsoft.com/office/drawing/2014/main" id="{B3A2F600-D925-A3A6-A42C-3852B045454E}"/>
+              </a:ext>
+            </a:extLst>
+          </p:cNvPr>
+          <p:cNvSpPr txBox="1"/>
+          <p:nvPr/>
+        </p:nvSpPr>
+        <p:spPr>
+          <a:xfrm>
+            <a:off x="69850" y="370357"/>
+            <a:ext cx="1104900" cy="400110"/>
+          </a:xfrm>
+          <a:prstGeom prst="rect">
+            <a:avLst/>
+          </a:prstGeom>
+          <a:noFill/>
+        </p:spPr>
+        <p:txBody>
+          <a:bodyPr wrap="square" rtlCol="0">
+            <a:spAutoFit/>
+          </a:bodyPr>
+          <a:lstStyle/>
+          <a:p>
+            <a:r>
+              <a:rPr lang="en-US" altLang="zh-CN" sz="2000" dirty="0">
+                <a:solidFill>
+                  <a:schemeClr val="bg1">
+                    <a:lumMod val="95000"/>
+                  </a:schemeClr>
+                </a:solidFill>
+                <a:latin typeface="思源黑体 CN Bold" panose="020B0800000000000000" pitchFamily="34" charset="-122"/>
+                <a:ea typeface="思源黑体 CN Bold" panose="020B0800000000000000" pitchFamily="34" charset="-122"/>
+              </a:rPr>
+              <a:t>PART 2</a:t>
+            </a:r>
+            <a:endParaRPr lang="zh-CN" altLang="en-US" sz="2000" dirty="0">
+              <a:solidFill>
+                <a:schemeClr val="bg1">
+                  <a:lumMod val="95000"/>
+                </a:schemeClr>
+              </a:solidFill>
+              <a:latin typeface="思源黑体 CN Bold" panose="020B0800000000000000" pitchFamily="34" charset="-122"/>
+              <a:ea typeface="思源黑体 CN Bold" panose="020B0800000000000000" pitchFamily="34" charset="-122"/>
+            </a:endParaRPr>
+          </a:p>
+        </p:txBody>
+      </p:sp>
+      <p:sp>
+        <p:nvSpPr>
+          <p:cNvPr id="2" name="文本框 12">
+            <a:extLst>
+              <a:ext uri="{FF2B5EF4-FFF2-40B4-BE49-F238E27FC236}">
+                <a16:creationId xmlns:a16="http://schemas.microsoft.com/office/drawing/2014/main" id="{9C17ED91-3C7B-BC84-2751-96E266D8BA8D}"/>
+              </a:ext>
+            </a:extLst>
+          </p:cNvPr>
+          <p:cNvSpPr txBox="1"/>
+          <p:nvPr/>
+        </p:nvSpPr>
+        <p:spPr>
+          <a:xfrm>
+            <a:off x="1314449" y="226717"/>
+            <a:ext cx="7992837" cy="584775"/>
+          </a:xfrm>
+          <a:prstGeom prst="rect">
+            <a:avLst/>
+          </a:prstGeom>
+          <a:noFill/>
+        </p:spPr>
+        <p:txBody>
+          <a:bodyPr wrap="square" rtlCol="0">
+            <a:spAutoFit/>
+          </a:bodyPr>
+          <a:lstStyle>
+            <a:defPPr>
+              <a:defRPr lang="zh-CN"/>
+            </a:defPPr>
+            <a:lvl1pPr marL="0" algn="l" defTabSz="914400" rtl="0" eaLnBrk="1" latinLnBrk="0" hangingPunct="1">
+              <a:defRPr sz="1800" kern="1200">
+                <a:solidFill>
+                  <a:schemeClr val="tx1"/>
+                </a:solidFill>
+                <a:latin typeface="+mn-lt"/>
+                <a:ea typeface="+mn-ea"/>
+                <a:cs typeface="+mn-cs"/>
+              </a:defRPr>
+            </a:lvl1pPr>
+            <a:lvl2pPr marL="457200" algn="l" defTabSz="914400" rtl="0" eaLnBrk="1" latinLnBrk="0" hangingPunct="1">
+              <a:defRPr sz="1800" kern="1200">
+                <a:solidFill>
+                  <a:schemeClr val="tx1"/>
+                </a:solidFill>
+                <a:latin typeface="+mn-lt"/>
+                <a:ea typeface="+mn-ea"/>
+                <a:cs typeface="+mn-cs"/>
+              </a:defRPr>
+            </a:lvl2pPr>
+            <a:lvl3pPr marL="914400" algn="l" defTabSz="914400" rtl="0" eaLnBrk="1" latinLnBrk="0" hangingPunct="1">
+              <a:defRPr sz="1800" kern="1200">
+                <a:solidFill>
+                  <a:schemeClr val="tx1"/>
+                </a:solidFill>
+                <a:latin typeface="+mn-lt"/>
+                <a:ea typeface="+mn-ea"/>
+                <a:cs typeface="+mn-cs"/>
+              </a:defRPr>
+            </a:lvl3pPr>
+            <a:lvl4pPr marL="1371600" algn="l" defTabSz="914400" rtl="0" eaLnBrk="1" latinLnBrk="0" hangingPunct="1">
+              <a:defRPr sz="1800" kern="1200">
+                <a:solidFill>
+                  <a:schemeClr val="tx1"/>
+                </a:solidFill>
+                <a:latin typeface="+mn-lt"/>
+                <a:ea typeface="+mn-ea"/>
+                <a:cs typeface="+mn-cs"/>
+              </a:defRPr>
+            </a:lvl4pPr>
+            <a:lvl5pPr marL="1828800" algn="l" defTabSz="914400" rtl="0" eaLnBrk="1" latinLnBrk="0" hangingPunct="1">
+              <a:defRPr sz="1800" kern="1200">
+                <a:solidFill>
+                  <a:schemeClr val="tx1"/>
+                </a:solidFill>
+                <a:latin typeface="+mn-lt"/>
+                <a:ea typeface="+mn-ea"/>
+                <a:cs typeface="+mn-cs"/>
+              </a:defRPr>
+            </a:lvl5pPr>
+            <a:lvl6pPr marL="2286000" algn="l" defTabSz="914400" rtl="0" eaLnBrk="1" latinLnBrk="0" hangingPunct="1">
+              <a:defRPr sz="1800" kern="1200">
+                <a:solidFill>
+                  <a:schemeClr val="tx1"/>
+                </a:solidFill>
+                <a:latin typeface="+mn-lt"/>
+                <a:ea typeface="+mn-ea"/>
+                <a:cs typeface="+mn-cs"/>
+              </a:defRPr>
+            </a:lvl6pPr>
+            <a:lvl7pPr marL="2743200" algn="l" defTabSz="914400" rtl="0" eaLnBrk="1" latinLnBrk="0" hangingPunct="1">
+              <a:defRPr sz="1800" kern="1200">
+                <a:solidFill>
+                  <a:schemeClr val="tx1"/>
+                </a:solidFill>
+                <a:latin typeface="+mn-lt"/>
+                <a:ea typeface="+mn-ea"/>
+                <a:cs typeface="+mn-cs"/>
+              </a:defRPr>
+            </a:lvl7pPr>
+            <a:lvl8pPr marL="3200400" algn="l" defTabSz="914400" rtl="0" eaLnBrk="1" latinLnBrk="0" hangingPunct="1">
+              <a:defRPr sz="1800" kern="1200">
+                <a:solidFill>
+                  <a:schemeClr val="tx1"/>
+                </a:solidFill>
+                <a:latin typeface="+mn-lt"/>
+                <a:ea typeface="+mn-ea"/>
+                <a:cs typeface="+mn-cs"/>
+              </a:defRPr>
+            </a:lvl8pPr>
+            <a:lvl9pPr marL="3657600" algn="l" defTabSz="914400" rtl="0" eaLnBrk="1" latinLnBrk="0" hangingPunct="1">
+              <a:defRPr sz="1800" kern="1200">
+                <a:solidFill>
+                  <a:schemeClr val="tx1"/>
+                </a:solidFill>
+                <a:latin typeface="+mn-lt"/>
+                <a:ea typeface="+mn-ea"/>
+                <a:cs typeface="+mn-cs"/>
+              </a:defRPr>
+            </a:lvl9pPr>
+          </a:lstStyle>
+          <a:p>
+            <a:r>
+              <a:rPr lang="en-US" altLang="zh-CN" sz="3200" dirty="0">
+                <a:solidFill>
+                  <a:srgbClr val="425166"/>
+                </a:solidFill>
+                <a:latin typeface="Times New Roman" panose="02020603050405020304" pitchFamily="18" charset="0"/>
+                <a:ea typeface="思源黑体 CN Normal" panose="020B0400000000000000" pitchFamily="34" charset="-122"/>
+                <a:cs typeface="Times New Roman" panose="02020603050405020304" pitchFamily="18" charset="0"/>
+                <a:sym typeface="思源黑体 CN Normal" panose="020B0400000000000000" pitchFamily="34" charset="-122"/>
+              </a:rPr>
+              <a:t>Design Patterns in Refactoring——Decorator </a:t>
+            </a:r>
+            <a:endParaRPr lang="zh-CN" altLang="en-US" sz="3200" dirty="0">
+              <a:solidFill>
+                <a:srgbClr val="425166"/>
+              </a:solidFill>
+              <a:latin typeface="Times New Roman" panose="02020603050405020304" pitchFamily="18" charset="0"/>
+              <a:ea typeface="思源黑体 CN Normal" panose="020B0400000000000000" pitchFamily="34" charset="-122"/>
+              <a:cs typeface="Times New Roman" panose="02020603050405020304" pitchFamily="18" charset="0"/>
+              <a:sym typeface="思源黑体 CN Normal" panose="020B0400000000000000" pitchFamily="34" charset="-122"/>
+            </a:endParaRPr>
+          </a:p>
+        </p:txBody>
+      </p:sp>
+      <p:sp>
+        <p:nvSpPr>
+          <p:cNvPr id="27" name="文本框 26">
+            <a:extLst>
+              <a:ext uri="{FF2B5EF4-FFF2-40B4-BE49-F238E27FC236}">
+                <a16:creationId xmlns:a16="http://schemas.microsoft.com/office/drawing/2014/main" id="{11A0C5AF-7E1B-A5C7-10B9-817350E5A4FA}"/>
+              </a:ext>
+            </a:extLst>
+          </p:cNvPr>
+          <p:cNvSpPr txBox="1"/>
+          <p:nvPr/>
+        </p:nvSpPr>
+        <p:spPr>
+          <a:xfrm>
+            <a:off x="1513519" y="934603"/>
+            <a:ext cx="3249738" cy="369332"/>
+          </a:xfrm>
+          <a:prstGeom prst="rect">
+            <a:avLst/>
+          </a:prstGeom>
+          <a:noFill/>
+        </p:spPr>
+        <p:txBody>
+          <a:bodyPr wrap="square">
+            <a:spAutoFit/>
+          </a:bodyPr>
+          <a:lstStyle/>
+          <a:p>
+            <a:pPr algn="ctr"/>
+            <a:r>
+              <a:rPr lang="en-US" altLang="zh-CN" dirty="0">
+                <a:latin typeface="Times New Roman" panose="02020603050405020304" pitchFamily="18" charset="0"/>
+                <a:cs typeface="Times New Roman" panose="02020603050405020304" pitchFamily="18" charset="0"/>
+              </a:rPr>
+              <a:t>Class diagram of Decorator</a:t>
+            </a:r>
+            <a:endParaRPr lang="zh-CN" altLang="en-US" dirty="0">
+              <a:latin typeface="Times New Roman" panose="02020603050405020304" pitchFamily="18" charset="0"/>
+              <a:cs typeface="Times New Roman" panose="02020603050405020304" pitchFamily="18" charset="0"/>
+            </a:endParaRPr>
+          </a:p>
+        </p:txBody>
+      </p:sp>
+      <p:grpSp>
+        <p:nvGrpSpPr>
+          <p:cNvPr id="30" name="组合 29">
+            <a:extLst>
+              <a:ext uri="{FF2B5EF4-FFF2-40B4-BE49-F238E27FC236}">
+                <a16:creationId xmlns:a16="http://schemas.microsoft.com/office/drawing/2014/main" id="{E6B33147-34DD-082F-8E6C-1AC71918E7B3}"/>
+              </a:ext>
+            </a:extLst>
+          </p:cNvPr>
+          <p:cNvGrpSpPr/>
+          <p:nvPr/>
+        </p:nvGrpSpPr>
+        <p:grpSpPr>
+          <a:xfrm rot="10800000">
+            <a:off x="5944137" y="3145759"/>
+            <a:ext cx="969273" cy="248633"/>
+            <a:chOff x="6049119" y="5793914"/>
+            <a:chExt cx="1030620" cy="299295"/>
+          </a:xfrm>
+          <a:gradFill>
+            <a:gsLst>
+              <a:gs pos="0">
+                <a:schemeClr val="accent1">
+                  <a:lumMod val="5000"/>
+                  <a:lumOff val="95000"/>
+                </a:schemeClr>
+              </a:gs>
+              <a:gs pos="33000">
+                <a:schemeClr val="accent1">
+                  <a:lumMod val="45000"/>
+                  <a:lumOff val="55000"/>
+                </a:schemeClr>
+              </a:gs>
+              <a:gs pos="100000">
+                <a:schemeClr val="accent1">
+                  <a:lumMod val="75000"/>
+                </a:schemeClr>
+              </a:gs>
+            </a:gsLst>
+            <a:lin ang="0" scaled="0"/>
+          </a:gradFill>
+        </p:grpSpPr>
+        <p:sp>
+          <p:nvSpPr>
+            <p:cNvPr id="33" name="箭头: V 形 32">
+              <a:extLst>
+                <a:ext uri="{FF2B5EF4-FFF2-40B4-BE49-F238E27FC236}">
+                  <a16:creationId xmlns:a16="http://schemas.microsoft.com/office/drawing/2014/main" id="{41B5C59D-8C39-4960-ADEA-3FC2A5D0B0E7}"/>
+                </a:ext>
+              </a:extLst>
+            </p:cNvPr>
+            <p:cNvSpPr/>
+            <p:nvPr/>
+          </p:nvSpPr>
+          <p:spPr>
+            <a:xfrm>
+              <a:off x="6049119" y="5793914"/>
+              <a:ext cx="258751" cy="299295"/>
+            </a:xfrm>
+            <a:prstGeom prst="chevron">
+              <a:avLst/>
+            </a:prstGeom>
+            <a:grpFill/>
+            <a:ln>
+              <a:noFill/>
+            </a:ln>
+          </p:spPr>
+          <p:style>
+            <a:lnRef idx="2">
+              <a:schemeClr val="accent1">
+                <a:shade val="15000"/>
+              </a:schemeClr>
+            </a:lnRef>
+            <a:fillRef idx="1">
+              <a:schemeClr val="accent1"/>
+            </a:fillRef>
+            <a:effectRef idx="0">
+              <a:schemeClr val="accent1"/>
+            </a:effectRef>
+            <a:fontRef idx="minor">
+              <a:schemeClr val="lt1"/>
+            </a:fontRef>
+          </p:style>
+          <p:txBody>
+            <a:bodyPr rtlCol="0" anchor="ctr"/>
+            <a:lstStyle/>
+            <a:p>
+              <a:pPr algn="ctr"/>
+              <a:endParaRPr lang="zh-CN" altLang="en-US">
+                <a:solidFill>
+                  <a:schemeClr val="accent1">
+                    <a:lumMod val="40000"/>
+                    <a:lumOff val="60000"/>
+                  </a:schemeClr>
+                </a:solidFill>
+              </a:endParaRPr>
+            </a:p>
+          </p:txBody>
+        </p:sp>
+        <p:sp>
+          <p:nvSpPr>
+            <p:cNvPr id="34" name="箭头: V 形 33">
+              <a:extLst>
+                <a:ext uri="{FF2B5EF4-FFF2-40B4-BE49-F238E27FC236}">
+                  <a16:creationId xmlns:a16="http://schemas.microsoft.com/office/drawing/2014/main" id="{35E59918-EA03-DB24-4B42-E05F1624FEE0}"/>
+                </a:ext>
+              </a:extLst>
+            </p:cNvPr>
+            <p:cNvSpPr/>
+            <p:nvPr/>
+          </p:nvSpPr>
+          <p:spPr>
+            <a:xfrm>
+              <a:off x="6307869" y="5793914"/>
+              <a:ext cx="258751" cy="299295"/>
+            </a:xfrm>
+            <a:prstGeom prst="chevron">
+              <a:avLst/>
+            </a:prstGeom>
+            <a:grpFill/>
+            <a:ln>
+              <a:noFill/>
+            </a:ln>
+          </p:spPr>
+          <p:style>
+            <a:lnRef idx="2">
+              <a:schemeClr val="accent1">
+                <a:shade val="15000"/>
+              </a:schemeClr>
+            </a:lnRef>
+            <a:fillRef idx="1">
+              <a:schemeClr val="accent1"/>
+            </a:fillRef>
+            <a:effectRef idx="0">
+              <a:schemeClr val="accent1"/>
+            </a:effectRef>
+            <a:fontRef idx="minor">
+              <a:schemeClr val="lt1"/>
+            </a:fontRef>
+          </p:style>
+          <p:txBody>
+            <a:bodyPr rtlCol="0" anchor="ctr"/>
+            <a:lstStyle/>
+            <a:p>
+              <a:pPr algn="ctr"/>
+              <a:endParaRPr lang="zh-CN" altLang="en-US">
+                <a:solidFill>
+                  <a:schemeClr val="accent1">
+                    <a:lumMod val="40000"/>
+                    <a:lumOff val="60000"/>
+                  </a:schemeClr>
+                </a:solidFill>
+              </a:endParaRPr>
+            </a:p>
+          </p:txBody>
+        </p:sp>
+        <p:sp>
+          <p:nvSpPr>
+            <p:cNvPr id="35" name="箭头: V 形 34">
+              <a:extLst>
+                <a:ext uri="{FF2B5EF4-FFF2-40B4-BE49-F238E27FC236}">
+                  <a16:creationId xmlns:a16="http://schemas.microsoft.com/office/drawing/2014/main" id="{0E615910-EBEB-A65F-9C6F-9AD3C5A4CE94}"/>
+                </a:ext>
+              </a:extLst>
+            </p:cNvPr>
+            <p:cNvSpPr/>
+            <p:nvPr/>
+          </p:nvSpPr>
+          <p:spPr>
+            <a:xfrm>
+              <a:off x="6566622" y="5793914"/>
+              <a:ext cx="258751" cy="299295"/>
+            </a:xfrm>
+            <a:prstGeom prst="chevron">
+              <a:avLst/>
+            </a:prstGeom>
+            <a:grpFill/>
+            <a:ln>
+              <a:noFill/>
+            </a:ln>
+          </p:spPr>
+          <p:style>
+            <a:lnRef idx="2">
+              <a:schemeClr val="accent1">
+                <a:shade val="15000"/>
+              </a:schemeClr>
+            </a:lnRef>
+            <a:fillRef idx="1">
+              <a:schemeClr val="accent1"/>
+            </a:fillRef>
+            <a:effectRef idx="0">
+              <a:schemeClr val="accent1"/>
+            </a:effectRef>
+            <a:fontRef idx="minor">
+              <a:schemeClr val="lt1"/>
+            </a:fontRef>
+          </p:style>
+          <p:txBody>
+            <a:bodyPr rtlCol="0" anchor="ctr"/>
+            <a:lstStyle/>
+            <a:p>
+              <a:pPr algn="ctr"/>
+              <a:endParaRPr lang="zh-CN" altLang="en-US" dirty="0">
+                <a:solidFill>
+                  <a:schemeClr val="accent1">
+                    <a:lumMod val="40000"/>
+                    <a:lumOff val="60000"/>
+                  </a:schemeClr>
+                </a:solidFill>
+              </a:endParaRPr>
+            </a:p>
+          </p:txBody>
+        </p:sp>
+        <p:sp>
+          <p:nvSpPr>
+            <p:cNvPr id="36" name="箭头: V 形 35">
+              <a:extLst>
+                <a:ext uri="{FF2B5EF4-FFF2-40B4-BE49-F238E27FC236}">
+                  <a16:creationId xmlns:a16="http://schemas.microsoft.com/office/drawing/2014/main" id="{2B2B7583-6895-8D17-93F1-D03D47F12E47}"/>
+                </a:ext>
+              </a:extLst>
+            </p:cNvPr>
+            <p:cNvSpPr/>
+            <p:nvPr/>
+          </p:nvSpPr>
+          <p:spPr>
+            <a:xfrm>
+              <a:off x="6820988" y="5793914"/>
+              <a:ext cx="258751" cy="299295"/>
+            </a:xfrm>
+            <a:prstGeom prst="chevron">
+              <a:avLst/>
+            </a:prstGeom>
+            <a:grpFill/>
+            <a:ln>
+              <a:noFill/>
+            </a:ln>
+          </p:spPr>
+          <p:style>
+            <a:lnRef idx="2">
+              <a:schemeClr val="accent1">
+                <a:shade val="15000"/>
+              </a:schemeClr>
+            </a:lnRef>
+            <a:fillRef idx="1">
+              <a:schemeClr val="accent1"/>
+            </a:fillRef>
+            <a:effectRef idx="0">
+              <a:schemeClr val="accent1"/>
+            </a:effectRef>
+            <a:fontRef idx="minor">
+              <a:schemeClr val="lt1"/>
+            </a:fontRef>
+          </p:style>
+          <p:txBody>
+            <a:bodyPr rtlCol="0" anchor="ctr"/>
+            <a:lstStyle/>
+            <a:p>
+              <a:pPr algn="ctr"/>
+              <a:endParaRPr lang="zh-CN" altLang="en-US">
+                <a:solidFill>
+                  <a:schemeClr val="accent1">
+                    <a:lumMod val="40000"/>
+                    <a:lumOff val="60000"/>
+                  </a:schemeClr>
+                </a:solidFill>
+              </a:endParaRPr>
+            </a:p>
+          </p:txBody>
+        </p:sp>
+      </p:grpSp>
+      <p:sp>
+        <p:nvSpPr>
+          <p:cNvPr id="43" name="文本框 42">
+            <a:extLst>
+              <a:ext uri="{FF2B5EF4-FFF2-40B4-BE49-F238E27FC236}">
+                <a16:creationId xmlns:a16="http://schemas.microsoft.com/office/drawing/2014/main" id="{D40725E2-63F1-75F2-FC59-5D3B45016598}"/>
+              </a:ext>
+            </a:extLst>
+          </p:cNvPr>
+          <p:cNvSpPr txBox="1"/>
+          <p:nvPr/>
+        </p:nvSpPr>
+        <p:spPr>
+          <a:xfrm>
+            <a:off x="7836637" y="934603"/>
+            <a:ext cx="3249738" cy="369332"/>
+          </a:xfrm>
+          <a:prstGeom prst="rect">
+            <a:avLst/>
+          </a:prstGeom>
+          <a:noFill/>
+        </p:spPr>
+        <p:txBody>
+          <a:bodyPr wrap="square">
+            <a:spAutoFit/>
+          </a:bodyPr>
+          <a:lstStyle/>
+          <a:p>
+            <a:pPr algn="ctr"/>
+            <a:r>
+              <a:rPr lang="en-US" altLang="zh-CN" dirty="0">
+                <a:latin typeface="Times New Roman" panose="02020603050405020304" pitchFamily="18" charset="0"/>
+                <a:cs typeface="Times New Roman" panose="02020603050405020304" pitchFamily="18" charset="0"/>
+              </a:rPr>
+              <a:t>Original Structure</a:t>
+            </a:r>
+            <a:endParaRPr lang="zh-CN" altLang="en-US" dirty="0">
+              <a:latin typeface="Times New Roman" panose="02020603050405020304" pitchFamily="18" charset="0"/>
+              <a:cs typeface="Times New Roman" panose="02020603050405020304" pitchFamily="18" charset="0"/>
+            </a:endParaRPr>
+          </a:p>
+        </p:txBody>
+      </p:sp>
+    </p:spTree>
+    <p:extLst>
+      <p:ext uri="{BB962C8B-B14F-4D97-AF65-F5344CB8AC3E}">
+        <p14:creationId xmlns:p14="http://schemas.microsoft.com/office/powerpoint/2010/main" val="709072672"/>
+      </p:ext>
+    </p:extLst>
+  </p:cSld>
+  <p:clrMapOvr>
+    <a:masterClrMapping/>
+  </p:clrMapOvr>
+</p:sld>
+</file>
+
+<file path=ppt/slides/slide11.xml><?xml version="1.0" encoding="utf-8"?>
+<p:sld xmlns:a="http://schemas.openxmlformats.org/drawingml/2006/main" xmlns:r="http://schemas.openxmlformats.org/officeDocument/2006/relationships" xmlns:p="http://schemas.openxmlformats.org/presentationml/2006/main">
+  <p:cSld>
+    <p:spTree>
+      <p:nvGrpSpPr>
+        <p:cNvPr id="1" name="">
+          <a:extLst>
+            <a:ext uri="{FF2B5EF4-FFF2-40B4-BE49-F238E27FC236}">
               <a16:creationId xmlns:a16="http://schemas.microsoft.com/office/drawing/2014/main" id="{D429E42E-1381-597B-84A1-E80C39DDF7D7}"/>
             </a:ext>
           </a:extLst>
@@ -8099,7 +8742,7 @@
 </p:sld>
 </file>
 
-<file path=ppt/slides/slide11.xml><?xml version="1.0" encoding="utf-8"?>
+<file path=ppt/slides/slide12.xml><?xml version="1.0" encoding="utf-8"?>
 <p:sld xmlns:a="http://schemas.openxmlformats.org/drawingml/2006/main" xmlns:r="http://schemas.openxmlformats.org/officeDocument/2006/relationships" xmlns:p="http://schemas.openxmlformats.org/presentationml/2006/main">
   <p:cSld>
     <p:spTree>
@@ -8459,7 +9102,7 @@
         <p:spPr>
           <a:xfrm>
             <a:off x="-1" y="6212657"/>
-            <a:ext cx="12335317" cy="461665"/>
+            <a:ext cx="8686801" cy="461665"/>
           </a:xfrm>
           <a:prstGeom prst="rect">
             <a:avLst/>
@@ -8499,7 +9142,7 @@
 </p:sld>
 </file>
 
-<file path=ppt/slides/slide12.xml><?xml version="1.0" encoding="utf-8"?>
+<file path=ppt/slides/slide13.xml><?xml version="1.0" encoding="utf-8"?>
 <p:sld xmlns:a="http://schemas.openxmlformats.org/drawingml/2006/main" xmlns:r="http://schemas.openxmlformats.org/officeDocument/2006/relationships" xmlns:p="http://schemas.openxmlformats.org/presentationml/2006/main">
   <p:cSld>
     <p:spTree>
@@ -8775,7 +9418,7 @@
 </p:sld>
 </file>
 
-<file path=ppt/slides/slide13.xml><?xml version="1.0" encoding="utf-8"?>
+<file path=ppt/slides/slide14.xml><?xml version="1.0" encoding="utf-8"?>
 <p:sld xmlns:a="http://schemas.openxmlformats.org/drawingml/2006/main" xmlns:r="http://schemas.openxmlformats.org/officeDocument/2006/relationships" xmlns:p="http://schemas.openxmlformats.org/presentationml/2006/main">
   <p:cSld>
     <p:spTree>
@@ -12102,7 +12745,7 @@
 </p:sld>
 </file>
 
-<file path=ppt/slides/slide14.xml><?xml version="1.0" encoding="utf-8"?>
+<file path=ppt/slides/slide15.xml><?xml version="1.0" encoding="utf-8"?>
 <p:sld xmlns:a="http://schemas.openxmlformats.org/drawingml/2006/main" xmlns:r="http://schemas.openxmlformats.org/officeDocument/2006/relationships" xmlns:p="http://schemas.openxmlformats.org/presentationml/2006/main">
   <p:cSld>
     <p:spTree>
@@ -14556,7 +15199,7 @@
 </p:sld>
 </file>
 
-<file path=ppt/slides/slide15.xml><?xml version="1.0" encoding="utf-8"?>
+<file path=ppt/slides/slide16.xml><?xml version="1.0" encoding="utf-8"?>
 <p:sld xmlns:a="http://schemas.openxmlformats.org/drawingml/2006/main" xmlns:r="http://schemas.openxmlformats.org/officeDocument/2006/relationships" xmlns:p="http://schemas.openxmlformats.org/presentationml/2006/main">
   <p:cSld>
     <p:spTree>
@@ -17466,7 +18109,7 @@
 </p:sld>
 </file>
 
-<file path=ppt/slides/slide16.xml><?xml version="1.0" encoding="utf-8"?>
+<file path=ppt/slides/slide17.xml><?xml version="1.0" encoding="utf-8"?>
 <p:sld xmlns:a="http://schemas.openxmlformats.org/drawingml/2006/main" xmlns:r="http://schemas.openxmlformats.org/officeDocument/2006/relationships" xmlns:p="http://schemas.openxmlformats.org/presentationml/2006/main">
   <p:cSld>
     <p:spTree>
@@ -19420,7 +20063,7 @@
 </p:sld>
 </file>
 
-<file path=ppt/slides/slide17.xml><?xml version="1.0" encoding="utf-8"?>
+<file path=ppt/slides/slide18.xml><?xml version="1.0" encoding="utf-8"?>
 <p:sld xmlns:a="http://schemas.openxmlformats.org/drawingml/2006/main" xmlns:r="http://schemas.openxmlformats.org/officeDocument/2006/relationships" xmlns:p="http://schemas.openxmlformats.org/presentationml/2006/main">
   <p:cSld>
     <p:spTree>
@@ -23317,7 +23960,7 @@
 </p:sld>
 </file>
 
-<file path=ppt/slides/slide18.xml><?xml version="1.0" encoding="utf-8"?>
+<file path=ppt/slides/slide19.xml><?xml version="1.0" encoding="utf-8"?>
 <p:sld xmlns:a="http://schemas.openxmlformats.org/drawingml/2006/main" xmlns:r="http://schemas.openxmlformats.org/officeDocument/2006/relationships" xmlns:p="http://schemas.openxmlformats.org/presentationml/2006/main">
   <p:cSld>
     <p:spTree>
@@ -28158,7 +28801,1752 @@
 </p:sld>
 </file>
 
-<file path=ppt/slides/slide19.xml><?xml version="1.0" encoding="utf-8"?>
+<file path=ppt/slides/slide2.xml><?xml version="1.0" encoding="utf-8"?>
+<p:sld xmlns:a="http://schemas.openxmlformats.org/drawingml/2006/main" xmlns:r="http://schemas.openxmlformats.org/officeDocument/2006/relationships" xmlns:p="http://schemas.openxmlformats.org/presentationml/2006/main">
+  <p:cSld>
+    <p:spTree>
+      <p:nvGrpSpPr>
+        <p:cNvPr id="1" name=""/>
+        <p:cNvGrpSpPr/>
+        <p:nvPr/>
+      </p:nvGrpSpPr>
+      <p:grpSpPr>
+        <a:xfrm>
+          <a:off x="0" y="0"/>
+          <a:ext cx="0" cy="0"/>
+          <a:chOff x="0" y="0"/>
+          <a:chExt cx="0" cy="0"/>
+        </a:xfrm>
+      </p:grpSpPr>
+      <p:sp>
+        <p:nvSpPr>
+          <p:cNvPr id="4" name="任意多边形 3"/>
+          <p:cNvSpPr/>
+          <p:nvPr/>
+        </p:nvSpPr>
+        <p:spPr>
+          <a:xfrm>
+            <a:off x="0" y="0"/>
+            <a:ext cx="4838700" cy="2992755"/>
+          </a:xfrm>
+          <a:custGeom>
+            <a:avLst/>
+            <a:gdLst/>
+            <a:ahLst/>
+            <a:cxnLst>
+              <a:cxn ang="3">
+                <a:pos x="hc" y="t"/>
+              </a:cxn>
+              <a:cxn ang="cd2">
+                <a:pos x="l" y="vc"/>
+              </a:cxn>
+              <a:cxn ang="cd4">
+                <a:pos x="hc" y="b"/>
+              </a:cxn>
+              <a:cxn ang="0">
+                <a:pos x="r" y="vc"/>
+              </a:cxn>
+            </a:cxnLst>
+            <a:rect l="l" t="t" r="r" b="b"/>
+            <a:pathLst>
+              <a:path w="8342" h="5161">
+                <a:moveTo>
+                  <a:pt x="151" y="0"/>
+                </a:moveTo>
+                <a:cubicBezTo>
+                  <a:pt x="212" y="108"/>
+                  <a:pt x="344" y="480"/>
+                  <a:pt x="333" y="900"/>
+                </a:cubicBezTo>
+                <a:cubicBezTo>
+                  <a:pt x="340" y="1185"/>
+                  <a:pt x="258" y="1720"/>
+                  <a:pt x="138" y="2136"/>
+                </a:cubicBezTo>
+                <a:cubicBezTo>
+                  <a:pt x="37" y="2462"/>
+                  <a:pt x="-4" y="2904"/>
+                  <a:pt x="0" y="3111"/>
+                </a:cubicBezTo>
+                <a:cubicBezTo>
+                  <a:pt x="-10" y="4003"/>
+                  <a:pt x="361" y="4723"/>
+                  <a:pt x="766" y="4912"/>
+                </a:cubicBezTo>
+                <a:cubicBezTo>
+                  <a:pt x="948" y="5095"/>
+                  <a:pt x="1252" y="5168"/>
+                  <a:pt x="1406" y="5160"/>
+                </a:cubicBezTo>
+                <a:cubicBezTo>
+                  <a:pt x="3154" y="4827"/>
+                  <a:pt x="4186" y="3274"/>
+                  <a:pt x="4206" y="3320"/>
+                </a:cubicBezTo>
+                <a:cubicBezTo>
+                  <a:pt x="4268" y="3248"/>
+                  <a:pt x="4361" y="3144"/>
+                  <a:pt x="4428" y="3073"/>
+                </a:cubicBezTo>
+                <a:lnTo>
+                  <a:pt x="4988" y="2531"/>
+                </a:lnTo>
+                <a:cubicBezTo>
+                  <a:pt x="5394" y="2123"/>
+                  <a:pt x="5610" y="1939"/>
+                  <a:pt x="5838" y="1743"/>
+                </a:cubicBezTo>
+                <a:cubicBezTo>
+                  <a:pt x="5966" y="1634"/>
+                  <a:pt x="6196" y="1432"/>
+                  <a:pt x="6376" y="1268"/>
+                </a:cubicBezTo>
+                <a:cubicBezTo>
+                  <a:pt x="6500" y="1166"/>
+                  <a:pt x="6607" y="1056"/>
+                  <a:pt x="6669" y="995"/>
+                </a:cubicBezTo>
+                <a:cubicBezTo>
+                  <a:pt x="6737" y="925"/>
+                  <a:pt x="6801" y="864"/>
+                  <a:pt x="6841" y="839"/>
+                </a:cubicBezTo>
+                <a:cubicBezTo>
+                  <a:pt x="6847" y="835"/>
+                  <a:pt x="6856" y="829"/>
+                  <a:pt x="6860" y="827"/>
+                </a:cubicBezTo>
+                <a:cubicBezTo>
+                  <a:pt x="6906" y="787"/>
+                  <a:pt x="6825" y="866"/>
+                  <a:pt x="6940" y="759"/>
+                </a:cubicBezTo>
+                <a:cubicBezTo>
+                  <a:pt x="7279" y="412"/>
+                  <a:pt x="8013" y="79"/>
+                  <a:pt x="8342" y="0"/>
+                </a:cubicBezTo>
+                <a:lnTo>
+                  <a:pt x="151" y="0"/>
+                </a:lnTo>
+                <a:close/>
+              </a:path>
+            </a:pathLst>
+          </a:custGeom>
+          <a:solidFill>
+            <a:schemeClr val="bg1">
+              <a:lumMod val="85000"/>
+            </a:schemeClr>
+          </a:solidFill>
+          <a:ln>
+            <a:noFill/>
+          </a:ln>
+        </p:spPr>
+        <p:style>
+          <a:lnRef idx="2">
+            <a:schemeClr val="accent1">
+              <a:shade val="50000"/>
+            </a:schemeClr>
+          </a:lnRef>
+          <a:fillRef idx="1">
+            <a:schemeClr val="accent1"/>
+          </a:fillRef>
+          <a:effectRef idx="0">
+            <a:schemeClr val="accent1"/>
+          </a:effectRef>
+          <a:fontRef idx="minor">
+            <a:schemeClr val="lt1"/>
+          </a:fontRef>
+        </p:style>
+        <p:txBody>
+          <a:bodyPr wrap="square" rtlCol="0" anchor="ctr">
+            <a:noAutofit/>
+          </a:bodyPr>
+          <a:lstStyle>
+            <a:defPPr>
+              <a:defRPr lang="zh-CN">
+                <a:solidFill>
+                  <a:schemeClr val="lt1"/>
+                </a:solidFill>
+              </a:defRPr>
+            </a:defPPr>
+            <a:lvl1pPr marL="0" algn="l" defTabSz="914400" rtl="0" eaLnBrk="1" latinLnBrk="0" hangingPunct="1">
+              <a:defRPr sz="1800" kern="1200">
+                <a:solidFill>
+                  <a:schemeClr val="lt1"/>
+                </a:solidFill>
+                <a:latin typeface="+mn-lt"/>
+                <a:ea typeface="+mn-ea"/>
+                <a:cs typeface="+mn-cs"/>
+              </a:defRPr>
+            </a:lvl1pPr>
+            <a:lvl2pPr marL="457200" algn="l" defTabSz="914400" rtl="0" eaLnBrk="1" latinLnBrk="0" hangingPunct="1">
+              <a:defRPr sz="1800" kern="1200">
+                <a:solidFill>
+                  <a:schemeClr val="lt1"/>
+                </a:solidFill>
+                <a:latin typeface="+mn-lt"/>
+                <a:ea typeface="+mn-ea"/>
+                <a:cs typeface="+mn-cs"/>
+              </a:defRPr>
+            </a:lvl2pPr>
+            <a:lvl3pPr marL="914400" algn="l" defTabSz="914400" rtl="0" eaLnBrk="1" latinLnBrk="0" hangingPunct="1">
+              <a:defRPr sz="1800" kern="1200">
+                <a:solidFill>
+                  <a:schemeClr val="lt1"/>
+                </a:solidFill>
+                <a:latin typeface="+mn-lt"/>
+                <a:ea typeface="+mn-ea"/>
+                <a:cs typeface="+mn-cs"/>
+              </a:defRPr>
+            </a:lvl3pPr>
+            <a:lvl4pPr marL="1371600" algn="l" defTabSz="914400" rtl="0" eaLnBrk="1" latinLnBrk="0" hangingPunct="1">
+              <a:defRPr sz="1800" kern="1200">
+                <a:solidFill>
+                  <a:schemeClr val="lt1"/>
+                </a:solidFill>
+                <a:latin typeface="+mn-lt"/>
+                <a:ea typeface="+mn-ea"/>
+                <a:cs typeface="+mn-cs"/>
+              </a:defRPr>
+            </a:lvl4pPr>
+            <a:lvl5pPr marL="1828800" algn="l" defTabSz="914400" rtl="0" eaLnBrk="1" latinLnBrk="0" hangingPunct="1">
+              <a:defRPr sz="1800" kern="1200">
+                <a:solidFill>
+                  <a:schemeClr val="lt1"/>
+                </a:solidFill>
+                <a:latin typeface="+mn-lt"/>
+                <a:ea typeface="+mn-ea"/>
+                <a:cs typeface="+mn-cs"/>
+              </a:defRPr>
+            </a:lvl5pPr>
+            <a:lvl6pPr marL="2286000" algn="l" defTabSz="914400" rtl="0" eaLnBrk="1" latinLnBrk="0" hangingPunct="1">
+              <a:defRPr sz="1800" kern="1200">
+                <a:solidFill>
+                  <a:schemeClr val="lt1"/>
+                </a:solidFill>
+                <a:latin typeface="+mn-lt"/>
+                <a:ea typeface="+mn-ea"/>
+                <a:cs typeface="+mn-cs"/>
+              </a:defRPr>
+            </a:lvl6pPr>
+            <a:lvl7pPr marL="2743200" algn="l" defTabSz="914400" rtl="0" eaLnBrk="1" latinLnBrk="0" hangingPunct="1">
+              <a:defRPr sz="1800" kern="1200">
+                <a:solidFill>
+                  <a:schemeClr val="lt1"/>
+                </a:solidFill>
+                <a:latin typeface="+mn-lt"/>
+                <a:ea typeface="+mn-ea"/>
+                <a:cs typeface="+mn-cs"/>
+              </a:defRPr>
+            </a:lvl7pPr>
+            <a:lvl8pPr marL="3200400" algn="l" defTabSz="914400" rtl="0" eaLnBrk="1" latinLnBrk="0" hangingPunct="1">
+              <a:defRPr sz="1800" kern="1200">
+                <a:solidFill>
+                  <a:schemeClr val="lt1"/>
+                </a:solidFill>
+                <a:latin typeface="+mn-lt"/>
+                <a:ea typeface="+mn-ea"/>
+                <a:cs typeface="+mn-cs"/>
+              </a:defRPr>
+            </a:lvl8pPr>
+            <a:lvl9pPr marL="3657600" algn="l" defTabSz="914400" rtl="0" eaLnBrk="1" latinLnBrk="0" hangingPunct="1">
+              <a:defRPr sz="1800" kern="1200">
+                <a:solidFill>
+                  <a:schemeClr val="lt1"/>
+                </a:solidFill>
+                <a:latin typeface="+mn-lt"/>
+                <a:ea typeface="+mn-ea"/>
+                <a:cs typeface="+mn-cs"/>
+              </a:defRPr>
+            </a:lvl9pPr>
+          </a:lstStyle>
+          <a:p>
+            <a:pPr algn="ctr"/>
+            <a:endParaRPr lang="zh-CN" altLang="en-US">
+              <a:cs typeface="汉仪旗黑-55简" panose="00020600040101010101" charset="-128"/>
+            </a:endParaRPr>
+          </a:p>
+        </p:txBody>
+      </p:sp>
+      <p:sp>
+        <p:nvSpPr>
+          <p:cNvPr id="11" name="任意多边形 10"/>
+          <p:cNvSpPr/>
+          <p:nvPr/>
+        </p:nvSpPr>
+        <p:spPr>
+          <a:xfrm>
+            <a:off x="0" y="0"/>
+            <a:ext cx="3906520" cy="2520315"/>
+          </a:xfrm>
+          <a:custGeom>
+            <a:avLst/>
+            <a:gdLst>
+              <a:gd name="connsiteX0" fmla="*/ 0 w 8331"/>
+              <a:gd name="connsiteY0" fmla="*/ 3663 h 5372"/>
+              <a:gd name="connsiteX1" fmla="*/ 92 w 8331"/>
+              <a:gd name="connsiteY1" fmla="*/ 3603 h 5372"/>
+              <a:gd name="connsiteX2" fmla="*/ 810 w 8331"/>
+              <a:gd name="connsiteY2" fmla="*/ 3448 h 5372"/>
+              <a:gd name="connsiteX3" fmla="*/ 1055 w 8331"/>
+              <a:gd name="connsiteY3" fmla="*/ 3516 h 5372"/>
+              <a:gd name="connsiteX4" fmla="*/ 1765 w 8331"/>
+              <a:gd name="connsiteY4" fmla="*/ 4373 h 5372"/>
+              <a:gd name="connsiteX5" fmla="*/ 2976 w 8331"/>
+              <a:gd name="connsiteY5" fmla="*/ 5372 h 5372"/>
+              <a:gd name="connsiteX6" fmla="*/ 2998 w 8331"/>
+              <a:gd name="connsiteY6" fmla="*/ 5371 h 5372"/>
+              <a:gd name="connsiteX7" fmla="*/ 3019 w 8331"/>
+              <a:gd name="connsiteY7" fmla="*/ 5370 h 5372"/>
+              <a:gd name="connsiteX8" fmla="*/ 3040 w 8331"/>
+              <a:gd name="connsiteY8" fmla="*/ 5368 h 5372"/>
+              <a:gd name="connsiteX9" fmla="*/ 3070 w 8331"/>
+              <a:gd name="connsiteY9" fmla="*/ 5369 h 5372"/>
+              <a:gd name="connsiteX10" fmla="*/ 3100 w 8331"/>
+              <a:gd name="connsiteY10" fmla="*/ 5370 h 5372"/>
+              <a:gd name="connsiteX11" fmla="*/ 4064 w 8331"/>
+              <a:gd name="connsiteY11" fmla="*/ 4094 h 5372"/>
+              <a:gd name="connsiteX12" fmla="*/ 4151 w 8331"/>
+              <a:gd name="connsiteY12" fmla="*/ 3496 h 5372"/>
+              <a:gd name="connsiteX13" fmla="*/ 4230 w 8331"/>
+              <a:gd name="connsiteY13" fmla="*/ 3101 h 5372"/>
+              <a:gd name="connsiteX14" fmla="*/ 4455 w 8331"/>
+              <a:gd name="connsiteY14" fmla="*/ 2156 h 5372"/>
+              <a:gd name="connsiteX15" fmla="*/ 4528 w 8331"/>
+              <a:gd name="connsiteY15" fmla="*/ 1837 h 5372"/>
+              <a:gd name="connsiteX16" fmla="*/ 4540 w 8331"/>
+              <a:gd name="connsiteY16" fmla="*/ 1808 h 5372"/>
+              <a:gd name="connsiteX17" fmla="*/ 6452 w 8331"/>
+              <a:gd name="connsiteY17" fmla="*/ 360 h 5372"/>
+              <a:gd name="connsiteX18" fmla="*/ 6506 w 8331"/>
+              <a:gd name="connsiteY18" fmla="*/ 360 h 5372"/>
+              <a:gd name="connsiteX19" fmla="*/ 6561 w 8331"/>
+              <a:gd name="connsiteY19" fmla="*/ 362 h 5372"/>
+              <a:gd name="connsiteX20" fmla="*/ 6616 w 8331"/>
+              <a:gd name="connsiteY20" fmla="*/ 365 h 5372"/>
+              <a:gd name="connsiteX21" fmla="*/ 6672 w 8331"/>
+              <a:gd name="connsiteY21" fmla="*/ 369 h 5372"/>
+              <a:gd name="connsiteX22" fmla="*/ 6679 w 8331"/>
+              <a:gd name="connsiteY22" fmla="*/ 369 h 5372"/>
+              <a:gd name="connsiteX23" fmla="*/ 7062 w 8331"/>
+              <a:gd name="connsiteY23" fmla="*/ 377 h 5372"/>
+              <a:gd name="connsiteX24" fmla="*/ 7089 w 8331"/>
+              <a:gd name="connsiteY24" fmla="*/ 378 h 5372"/>
+              <a:gd name="connsiteX25" fmla="*/ 7422 w 8331"/>
+              <a:gd name="connsiteY25" fmla="*/ 384 h 5372"/>
+              <a:gd name="connsiteX26" fmla="*/ 7440 w 8331"/>
+              <a:gd name="connsiteY26" fmla="*/ 384 h 5372"/>
+              <a:gd name="connsiteX27" fmla="*/ 7474 w 8331"/>
+              <a:gd name="connsiteY27" fmla="*/ 384 h 5372"/>
+              <a:gd name="connsiteX28" fmla="*/ 8331 w 8331"/>
+              <a:gd name="connsiteY28" fmla="*/ 55 h 5372"/>
+              <a:gd name="connsiteX29" fmla="*/ 8331 w 8331"/>
+              <a:gd name="connsiteY29" fmla="*/ 49 h 5372"/>
+              <a:gd name="connsiteX30" fmla="*/ 8330 w 8331"/>
+              <a:gd name="connsiteY30" fmla="*/ 44 h 5372"/>
+              <a:gd name="connsiteX31" fmla="*/ 8329 w 8331"/>
+              <a:gd name="connsiteY31" fmla="*/ 38 h 5372"/>
+              <a:gd name="connsiteX32" fmla="*/ 8328 w 8331"/>
+              <a:gd name="connsiteY32" fmla="*/ 33 h 5372"/>
+              <a:gd name="connsiteX33" fmla="*/ 8328 w 8331"/>
+              <a:gd name="connsiteY33" fmla="*/ 25 h 5372"/>
+              <a:gd name="connsiteX34" fmla="*/ 8328 w 8331"/>
+              <a:gd name="connsiteY34" fmla="*/ 17 h 5372"/>
+              <a:gd name="connsiteX35" fmla="*/ 8327 w 8331"/>
+              <a:gd name="connsiteY35" fmla="*/ 9 h 5372"/>
+              <a:gd name="connsiteX36" fmla="*/ 8326 w 8331"/>
+              <a:gd name="connsiteY36" fmla="*/ 1 h 5372"/>
+              <a:gd name="connsiteX37" fmla="*/ 8326 w 8331"/>
+              <a:gd name="connsiteY37" fmla="*/ 0 h 5372"/>
+              <a:gd name="connsiteX38" fmla="*/ 0 w 8331"/>
+              <a:gd name="connsiteY38" fmla="*/ 0 h 5372"/>
+              <a:gd name="connsiteX39" fmla="*/ 0 w 8331"/>
+              <a:gd name="connsiteY39" fmla="*/ 3663 h 5372"/>
+            </a:gdLst>
+            <a:ahLst/>
+            <a:cxnLst>
+              <a:cxn ang="0">
+                <a:pos x="connsiteX0" y="connsiteY0"/>
+              </a:cxn>
+              <a:cxn ang="0">
+                <a:pos x="connsiteX1" y="connsiteY1"/>
+              </a:cxn>
+              <a:cxn ang="0">
+                <a:pos x="connsiteX2" y="connsiteY2"/>
+              </a:cxn>
+              <a:cxn ang="0">
+                <a:pos x="connsiteX3" y="connsiteY3"/>
+              </a:cxn>
+              <a:cxn ang="0">
+                <a:pos x="connsiteX4" y="connsiteY4"/>
+              </a:cxn>
+              <a:cxn ang="0">
+                <a:pos x="connsiteX5" y="connsiteY5"/>
+              </a:cxn>
+              <a:cxn ang="0">
+                <a:pos x="connsiteX6" y="connsiteY6"/>
+              </a:cxn>
+              <a:cxn ang="0">
+                <a:pos x="connsiteX7" y="connsiteY7"/>
+              </a:cxn>
+              <a:cxn ang="0">
+                <a:pos x="connsiteX8" y="connsiteY8"/>
+              </a:cxn>
+              <a:cxn ang="0">
+                <a:pos x="connsiteX9" y="connsiteY9"/>
+              </a:cxn>
+              <a:cxn ang="0">
+                <a:pos x="connsiteX10" y="connsiteY10"/>
+              </a:cxn>
+              <a:cxn ang="0">
+                <a:pos x="connsiteX11" y="connsiteY11"/>
+              </a:cxn>
+              <a:cxn ang="0">
+                <a:pos x="connsiteX12" y="connsiteY12"/>
+              </a:cxn>
+              <a:cxn ang="0">
+                <a:pos x="connsiteX13" y="connsiteY13"/>
+              </a:cxn>
+              <a:cxn ang="0">
+                <a:pos x="connsiteX14" y="connsiteY14"/>
+              </a:cxn>
+              <a:cxn ang="0">
+                <a:pos x="connsiteX15" y="connsiteY15"/>
+              </a:cxn>
+              <a:cxn ang="0">
+                <a:pos x="connsiteX16" y="connsiteY16"/>
+              </a:cxn>
+              <a:cxn ang="0">
+                <a:pos x="connsiteX17" y="connsiteY17"/>
+              </a:cxn>
+              <a:cxn ang="0">
+                <a:pos x="connsiteX18" y="connsiteY18"/>
+              </a:cxn>
+              <a:cxn ang="0">
+                <a:pos x="connsiteX19" y="connsiteY19"/>
+              </a:cxn>
+              <a:cxn ang="0">
+                <a:pos x="connsiteX20" y="connsiteY20"/>
+              </a:cxn>
+              <a:cxn ang="0">
+                <a:pos x="connsiteX21" y="connsiteY21"/>
+              </a:cxn>
+              <a:cxn ang="0">
+                <a:pos x="connsiteX22" y="connsiteY22"/>
+              </a:cxn>
+              <a:cxn ang="0">
+                <a:pos x="connsiteX23" y="connsiteY23"/>
+              </a:cxn>
+              <a:cxn ang="0">
+                <a:pos x="connsiteX24" y="connsiteY24"/>
+              </a:cxn>
+              <a:cxn ang="0">
+                <a:pos x="connsiteX25" y="connsiteY25"/>
+              </a:cxn>
+              <a:cxn ang="0">
+                <a:pos x="connsiteX26" y="connsiteY26"/>
+              </a:cxn>
+              <a:cxn ang="0">
+                <a:pos x="connsiteX27" y="connsiteY27"/>
+              </a:cxn>
+              <a:cxn ang="0">
+                <a:pos x="connsiteX28" y="connsiteY28"/>
+              </a:cxn>
+              <a:cxn ang="0">
+                <a:pos x="connsiteX29" y="connsiteY29"/>
+              </a:cxn>
+              <a:cxn ang="0">
+                <a:pos x="connsiteX30" y="connsiteY30"/>
+              </a:cxn>
+              <a:cxn ang="0">
+                <a:pos x="connsiteX31" y="connsiteY31"/>
+              </a:cxn>
+              <a:cxn ang="0">
+                <a:pos x="connsiteX32" y="connsiteY32"/>
+              </a:cxn>
+              <a:cxn ang="0">
+                <a:pos x="connsiteX33" y="connsiteY33"/>
+              </a:cxn>
+              <a:cxn ang="0">
+                <a:pos x="connsiteX34" y="connsiteY34"/>
+              </a:cxn>
+              <a:cxn ang="0">
+                <a:pos x="connsiteX35" y="connsiteY35"/>
+              </a:cxn>
+              <a:cxn ang="0">
+                <a:pos x="connsiteX36" y="connsiteY36"/>
+              </a:cxn>
+              <a:cxn ang="0">
+                <a:pos x="connsiteX37" y="connsiteY37"/>
+              </a:cxn>
+              <a:cxn ang="0">
+                <a:pos x="connsiteX38" y="connsiteY38"/>
+              </a:cxn>
+              <a:cxn ang="0">
+                <a:pos x="connsiteX39" y="connsiteY39"/>
+              </a:cxn>
+            </a:cxnLst>
+            <a:rect l="l" t="t" r="r" b="b"/>
+            <a:pathLst>
+              <a:path w="8331" h="5373">
+                <a:moveTo>
+                  <a:pt x="0" y="3663"/>
+                </a:moveTo>
+                <a:cubicBezTo>
+                  <a:pt x="28" y="3645"/>
+                  <a:pt x="91" y="3603"/>
+                  <a:pt x="92" y="3603"/>
+                </a:cubicBezTo>
+                <a:cubicBezTo>
+                  <a:pt x="412" y="3406"/>
+                  <a:pt x="810" y="3448"/>
+                  <a:pt x="810" y="3448"/>
+                </a:cubicBezTo>
+                <a:cubicBezTo>
+                  <a:pt x="892" y="3471"/>
+                  <a:pt x="945" y="3464"/>
+                  <a:pt x="1055" y="3516"/>
+                </a:cubicBezTo>
+                <a:cubicBezTo>
+                  <a:pt x="1207" y="3594"/>
+                  <a:pt x="1487" y="3755"/>
+                  <a:pt x="1765" y="4373"/>
+                </a:cubicBezTo>
+                <a:cubicBezTo>
+                  <a:pt x="2018" y="5005"/>
+                  <a:pt x="2598" y="5389"/>
+                  <a:pt x="2976" y="5372"/>
+                </a:cubicBezTo>
+                <a:lnTo>
+                  <a:pt x="2998" y="5371"/>
+                </a:lnTo>
+                <a:lnTo>
+                  <a:pt x="3019" y="5370"/>
+                </a:lnTo>
+                <a:lnTo>
+                  <a:pt x="3040" y="5368"/>
+                </a:lnTo>
+                <a:lnTo>
+                  <a:pt x="3070" y="5369"/>
+                </a:lnTo>
+                <a:lnTo>
+                  <a:pt x="3100" y="5370"/>
+                </a:lnTo>
+                <a:cubicBezTo>
+                  <a:pt x="3702" y="5386"/>
+                  <a:pt x="3971" y="4511"/>
+                  <a:pt x="4064" y="4094"/>
+                </a:cubicBezTo>
+                <a:cubicBezTo>
+                  <a:pt x="4131" y="3763"/>
+                  <a:pt x="4122" y="3695"/>
+                  <a:pt x="4151" y="3496"/>
+                </a:cubicBezTo>
+                <a:lnTo>
+                  <a:pt x="4230" y="3101"/>
+                </a:lnTo>
+                <a:cubicBezTo>
+                  <a:pt x="4312" y="2650"/>
+                  <a:pt x="4345" y="2612"/>
+                  <a:pt x="4455" y="2156"/>
+                </a:cubicBezTo>
+                <a:cubicBezTo>
+                  <a:pt x="4499" y="2002"/>
+                  <a:pt x="4502" y="1897"/>
+                  <a:pt x="4528" y="1837"/>
+                </a:cubicBezTo>
+                <a:cubicBezTo>
+                  <a:pt x="4533" y="1825"/>
+                  <a:pt x="4539" y="1811"/>
+                  <a:pt x="4540" y="1808"/>
+                </a:cubicBezTo>
+                <a:cubicBezTo>
+                  <a:pt x="4693" y="1089"/>
+                  <a:pt x="5488" y="341"/>
+                  <a:pt x="6452" y="360"/>
+                </a:cubicBezTo>
+                <a:lnTo>
+                  <a:pt x="6506" y="360"/>
+                </a:lnTo>
+                <a:lnTo>
+                  <a:pt x="6561" y="362"/>
+                </a:lnTo>
+                <a:lnTo>
+                  <a:pt x="6616" y="365"/>
+                </a:lnTo>
+                <a:lnTo>
+                  <a:pt x="6672" y="369"/>
+                </a:lnTo>
+                <a:lnTo>
+                  <a:pt x="6679" y="369"/>
+                </a:lnTo>
+                <a:cubicBezTo>
+                  <a:pt x="6800" y="369"/>
+                  <a:pt x="6990" y="375"/>
+                  <a:pt x="7062" y="377"/>
+                </a:cubicBezTo>
+                <a:cubicBezTo>
+                  <a:pt x="7073" y="377"/>
+                  <a:pt x="7087" y="377"/>
+                  <a:pt x="7089" y="378"/>
+                </a:cubicBezTo>
+                <a:cubicBezTo>
+                  <a:pt x="7198" y="381"/>
+                  <a:pt x="7367" y="384"/>
+                  <a:pt x="7422" y="384"/>
+                </a:cubicBezTo>
+                <a:cubicBezTo>
+                  <a:pt x="7430" y="384"/>
+                  <a:pt x="7439" y="384"/>
+                  <a:pt x="7440" y="384"/>
+                </a:cubicBezTo>
+                <a:lnTo>
+                  <a:pt x="7474" y="384"/>
+                </a:lnTo>
+                <a:cubicBezTo>
+                  <a:pt x="8145" y="384"/>
+                  <a:pt x="8339" y="157"/>
+                  <a:pt x="8331" y="55"/>
+                </a:cubicBezTo>
+                <a:lnTo>
+                  <a:pt x="8331" y="49"/>
+                </a:lnTo>
+                <a:lnTo>
+                  <a:pt x="8330" y="44"/>
+                </a:lnTo>
+                <a:lnTo>
+                  <a:pt x="8329" y="38"/>
+                </a:lnTo>
+                <a:lnTo>
+                  <a:pt x="8328" y="33"/>
+                </a:lnTo>
+                <a:lnTo>
+                  <a:pt x="8328" y="25"/>
+                </a:lnTo>
+                <a:lnTo>
+                  <a:pt x="8328" y="17"/>
+                </a:lnTo>
+                <a:lnTo>
+                  <a:pt x="8327" y="9"/>
+                </a:lnTo>
+                <a:lnTo>
+                  <a:pt x="8326" y="1"/>
+                </a:lnTo>
+                <a:lnTo>
+                  <a:pt x="8326" y="0"/>
+                </a:lnTo>
+                <a:lnTo>
+                  <a:pt x="0" y="0"/>
+                </a:lnTo>
+                <a:lnTo>
+                  <a:pt x="0" y="3663"/>
+                </a:lnTo>
+                <a:close/>
+              </a:path>
+            </a:pathLst>
+          </a:custGeom>
+          <a:solidFill>
+            <a:srgbClr val="2F4275"/>
+          </a:solidFill>
+          <a:ln>
+            <a:noFill/>
+          </a:ln>
+        </p:spPr>
+        <p:style>
+          <a:lnRef idx="2">
+            <a:schemeClr val="accent1">
+              <a:shade val="50000"/>
+            </a:schemeClr>
+          </a:lnRef>
+          <a:fillRef idx="1">
+            <a:schemeClr val="accent1"/>
+          </a:fillRef>
+          <a:effectRef idx="0">
+            <a:schemeClr val="accent1"/>
+          </a:effectRef>
+          <a:fontRef idx="minor">
+            <a:schemeClr val="lt1"/>
+          </a:fontRef>
+        </p:style>
+        <p:txBody>
+          <a:bodyPr wrap="square" rtlCol="0" anchor="ctr">
+            <a:noAutofit/>
+          </a:bodyPr>
+          <a:lstStyle>
+            <a:defPPr>
+              <a:defRPr lang="zh-CN">
+                <a:solidFill>
+                  <a:schemeClr val="lt1"/>
+                </a:solidFill>
+              </a:defRPr>
+            </a:defPPr>
+            <a:lvl1pPr marL="0" algn="l" defTabSz="914400" rtl="0" eaLnBrk="1" latinLnBrk="0" hangingPunct="1">
+              <a:defRPr sz="1800" kern="1200">
+                <a:solidFill>
+                  <a:schemeClr val="lt1"/>
+                </a:solidFill>
+                <a:latin typeface="+mn-lt"/>
+                <a:ea typeface="+mn-ea"/>
+                <a:cs typeface="+mn-cs"/>
+              </a:defRPr>
+            </a:lvl1pPr>
+            <a:lvl2pPr marL="457200" algn="l" defTabSz="914400" rtl="0" eaLnBrk="1" latinLnBrk="0" hangingPunct="1">
+              <a:defRPr sz="1800" kern="1200">
+                <a:solidFill>
+                  <a:schemeClr val="lt1"/>
+                </a:solidFill>
+                <a:latin typeface="+mn-lt"/>
+                <a:ea typeface="+mn-ea"/>
+                <a:cs typeface="+mn-cs"/>
+              </a:defRPr>
+            </a:lvl2pPr>
+            <a:lvl3pPr marL="914400" algn="l" defTabSz="914400" rtl="0" eaLnBrk="1" latinLnBrk="0" hangingPunct="1">
+              <a:defRPr sz="1800" kern="1200">
+                <a:solidFill>
+                  <a:schemeClr val="lt1"/>
+                </a:solidFill>
+                <a:latin typeface="+mn-lt"/>
+                <a:ea typeface="+mn-ea"/>
+                <a:cs typeface="+mn-cs"/>
+              </a:defRPr>
+            </a:lvl3pPr>
+            <a:lvl4pPr marL="1371600" algn="l" defTabSz="914400" rtl="0" eaLnBrk="1" latinLnBrk="0" hangingPunct="1">
+              <a:defRPr sz="1800" kern="1200">
+                <a:solidFill>
+                  <a:schemeClr val="lt1"/>
+                </a:solidFill>
+                <a:latin typeface="+mn-lt"/>
+                <a:ea typeface="+mn-ea"/>
+                <a:cs typeface="+mn-cs"/>
+              </a:defRPr>
+            </a:lvl4pPr>
+            <a:lvl5pPr marL="1828800" algn="l" defTabSz="914400" rtl="0" eaLnBrk="1" latinLnBrk="0" hangingPunct="1">
+              <a:defRPr sz="1800" kern="1200">
+                <a:solidFill>
+                  <a:schemeClr val="lt1"/>
+                </a:solidFill>
+                <a:latin typeface="+mn-lt"/>
+                <a:ea typeface="+mn-ea"/>
+                <a:cs typeface="+mn-cs"/>
+              </a:defRPr>
+            </a:lvl5pPr>
+            <a:lvl6pPr marL="2286000" algn="l" defTabSz="914400" rtl="0" eaLnBrk="1" latinLnBrk="0" hangingPunct="1">
+              <a:defRPr sz="1800" kern="1200">
+                <a:solidFill>
+                  <a:schemeClr val="lt1"/>
+                </a:solidFill>
+                <a:latin typeface="+mn-lt"/>
+                <a:ea typeface="+mn-ea"/>
+                <a:cs typeface="+mn-cs"/>
+              </a:defRPr>
+            </a:lvl6pPr>
+            <a:lvl7pPr marL="2743200" algn="l" defTabSz="914400" rtl="0" eaLnBrk="1" latinLnBrk="0" hangingPunct="1">
+              <a:defRPr sz="1800" kern="1200">
+                <a:solidFill>
+                  <a:schemeClr val="lt1"/>
+                </a:solidFill>
+                <a:latin typeface="+mn-lt"/>
+                <a:ea typeface="+mn-ea"/>
+                <a:cs typeface="+mn-cs"/>
+              </a:defRPr>
+            </a:lvl7pPr>
+            <a:lvl8pPr marL="3200400" algn="l" defTabSz="914400" rtl="0" eaLnBrk="1" latinLnBrk="0" hangingPunct="1">
+              <a:defRPr sz="1800" kern="1200">
+                <a:solidFill>
+                  <a:schemeClr val="lt1"/>
+                </a:solidFill>
+                <a:latin typeface="+mn-lt"/>
+                <a:ea typeface="+mn-ea"/>
+                <a:cs typeface="+mn-cs"/>
+              </a:defRPr>
+            </a:lvl8pPr>
+            <a:lvl9pPr marL="3657600" algn="l" defTabSz="914400" rtl="0" eaLnBrk="1" latinLnBrk="0" hangingPunct="1">
+              <a:defRPr sz="1800" kern="1200">
+                <a:solidFill>
+                  <a:schemeClr val="lt1"/>
+                </a:solidFill>
+                <a:latin typeface="+mn-lt"/>
+                <a:ea typeface="+mn-ea"/>
+                <a:cs typeface="+mn-cs"/>
+              </a:defRPr>
+            </a:lvl9pPr>
+          </a:lstStyle>
+          <a:p>
+            <a:pPr algn="ctr"/>
+            <a:endParaRPr lang="zh-CN" altLang="en-US">
+              <a:cs typeface="汉仪旗黑-55简" panose="00020600040101010101" charset="-128"/>
+            </a:endParaRPr>
+          </a:p>
+        </p:txBody>
+      </p:sp>
+      <p:sp>
+        <p:nvSpPr>
+          <p:cNvPr id="77" name="任意多边形 76"/>
+          <p:cNvSpPr/>
+          <p:nvPr/>
+        </p:nvSpPr>
+        <p:spPr>
+          <a:xfrm>
+            <a:off x="9601835" y="4957445"/>
+            <a:ext cx="2590165" cy="1900555"/>
+          </a:xfrm>
+          <a:custGeom>
+            <a:avLst/>
+            <a:gdLst/>
+            <a:ahLst/>
+            <a:cxnLst>
+              <a:cxn ang="3">
+                <a:pos x="hc" y="t"/>
+              </a:cxn>
+              <a:cxn ang="cd2">
+                <a:pos x="l" y="vc"/>
+              </a:cxn>
+              <a:cxn ang="cd4">
+                <a:pos x="hc" y="b"/>
+              </a:cxn>
+              <a:cxn ang="0">
+                <a:pos x="r" y="vc"/>
+              </a:cxn>
+            </a:cxnLst>
+            <a:rect l="l" t="t" r="r" b="b"/>
+            <a:pathLst>
+              <a:path w="5485" h="4044">
+                <a:moveTo>
+                  <a:pt x="0" y="4037"/>
+                </a:moveTo>
+                <a:cubicBezTo>
+                  <a:pt x="532" y="1406"/>
+                  <a:pt x="3081" y="-124"/>
+                  <a:pt x="3559" y="0"/>
+                </a:cubicBezTo>
+                <a:lnTo>
+                  <a:pt x="3591" y="0"/>
+                </a:lnTo>
+                <a:lnTo>
+                  <a:pt x="3715" y="6"/>
+                </a:lnTo>
+                <a:lnTo>
+                  <a:pt x="3749" y="5"/>
+                </a:lnTo>
+                <a:lnTo>
+                  <a:pt x="3783" y="5"/>
+                </a:lnTo>
+                <a:cubicBezTo>
+                  <a:pt x="4501" y="-6"/>
+                  <a:pt x="5429" y="992"/>
+                  <a:pt x="5480" y="1519"/>
+                </a:cubicBezTo>
+                <a:lnTo>
+                  <a:pt x="5485" y="1541"/>
+                </a:lnTo>
+                <a:lnTo>
+                  <a:pt x="5485" y="4037"/>
+                </a:lnTo>
+                <a:lnTo>
+                  <a:pt x="0" y="4037"/>
+                </a:lnTo>
+                <a:close/>
+              </a:path>
+            </a:pathLst>
+          </a:custGeom>
+          <a:solidFill>
+            <a:schemeClr val="bg1">
+              <a:lumMod val="85000"/>
+            </a:schemeClr>
+          </a:solidFill>
+          <a:ln>
+            <a:noFill/>
+          </a:ln>
+        </p:spPr>
+        <p:style>
+          <a:lnRef idx="2">
+            <a:schemeClr val="accent1">
+              <a:shade val="50000"/>
+            </a:schemeClr>
+          </a:lnRef>
+          <a:fillRef idx="1">
+            <a:schemeClr val="accent1"/>
+          </a:fillRef>
+          <a:effectRef idx="0">
+            <a:schemeClr val="accent1"/>
+          </a:effectRef>
+          <a:fontRef idx="minor">
+            <a:schemeClr val="lt1"/>
+          </a:fontRef>
+        </p:style>
+        <p:txBody>
+          <a:bodyPr wrap="square" rtlCol="0" anchor="ctr">
+            <a:noAutofit/>
+          </a:bodyPr>
+          <a:lstStyle>
+            <a:defPPr>
+              <a:defRPr lang="zh-CN">
+                <a:solidFill>
+                  <a:schemeClr val="lt1"/>
+                </a:solidFill>
+              </a:defRPr>
+            </a:defPPr>
+            <a:lvl1pPr marL="0" algn="l" defTabSz="914400" rtl="0" eaLnBrk="1" latinLnBrk="0" hangingPunct="1">
+              <a:defRPr sz="1800" kern="1200">
+                <a:solidFill>
+                  <a:schemeClr val="lt1"/>
+                </a:solidFill>
+                <a:latin typeface="+mn-lt"/>
+                <a:ea typeface="+mn-ea"/>
+                <a:cs typeface="+mn-cs"/>
+              </a:defRPr>
+            </a:lvl1pPr>
+            <a:lvl2pPr marL="457200" algn="l" defTabSz="914400" rtl="0" eaLnBrk="1" latinLnBrk="0" hangingPunct="1">
+              <a:defRPr sz="1800" kern="1200">
+                <a:solidFill>
+                  <a:schemeClr val="lt1"/>
+                </a:solidFill>
+                <a:latin typeface="+mn-lt"/>
+                <a:ea typeface="+mn-ea"/>
+                <a:cs typeface="+mn-cs"/>
+              </a:defRPr>
+            </a:lvl2pPr>
+            <a:lvl3pPr marL="914400" algn="l" defTabSz="914400" rtl="0" eaLnBrk="1" latinLnBrk="0" hangingPunct="1">
+              <a:defRPr sz="1800" kern="1200">
+                <a:solidFill>
+                  <a:schemeClr val="lt1"/>
+                </a:solidFill>
+                <a:latin typeface="+mn-lt"/>
+                <a:ea typeface="+mn-ea"/>
+                <a:cs typeface="+mn-cs"/>
+              </a:defRPr>
+            </a:lvl3pPr>
+            <a:lvl4pPr marL="1371600" algn="l" defTabSz="914400" rtl="0" eaLnBrk="1" latinLnBrk="0" hangingPunct="1">
+              <a:defRPr sz="1800" kern="1200">
+                <a:solidFill>
+                  <a:schemeClr val="lt1"/>
+                </a:solidFill>
+                <a:latin typeface="+mn-lt"/>
+                <a:ea typeface="+mn-ea"/>
+                <a:cs typeface="+mn-cs"/>
+              </a:defRPr>
+            </a:lvl4pPr>
+            <a:lvl5pPr marL="1828800" algn="l" defTabSz="914400" rtl="0" eaLnBrk="1" latinLnBrk="0" hangingPunct="1">
+              <a:defRPr sz="1800" kern="1200">
+                <a:solidFill>
+                  <a:schemeClr val="lt1"/>
+                </a:solidFill>
+                <a:latin typeface="+mn-lt"/>
+                <a:ea typeface="+mn-ea"/>
+                <a:cs typeface="+mn-cs"/>
+              </a:defRPr>
+            </a:lvl5pPr>
+            <a:lvl6pPr marL="2286000" algn="l" defTabSz="914400" rtl="0" eaLnBrk="1" latinLnBrk="0" hangingPunct="1">
+              <a:defRPr sz="1800" kern="1200">
+                <a:solidFill>
+                  <a:schemeClr val="lt1"/>
+                </a:solidFill>
+                <a:latin typeface="+mn-lt"/>
+                <a:ea typeface="+mn-ea"/>
+                <a:cs typeface="+mn-cs"/>
+              </a:defRPr>
+            </a:lvl6pPr>
+            <a:lvl7pPr marL="2743200" algn="l" defTabSz="914400" rtl="0" eaLnBrk="1" latinLnBrk="0" hangingPunct="1">
+              <a:defRPr sz="1800" kern="1200">
+                <a:solidFill>
+                  <a:schemeClr val="lt1"/>
+                </a:solidFill>
+                <a:latin typeface="+mn-lt"/>
+                <a:ea typeface="+mn-ea"/>
+                <a:cs typeface="+mn-cs"/>
+              </a:defRPr>
+            </a:lvl7pPr>
+            <a:lvl8pPr marL="3200400" algn="l" defTabSz="914400" rtl="0" eaLnBrk="1" latinLnBrk="0" hangingPunct="1">
+              <a:defRPr sz="1800" kern="1200">
+                <a:solidFill>
+                  <a:schemeClr val="lt1"/>
+                </a:solidFill>
+                <a:latin typeface="+mn-lt"/>
+                <a:ea typeface="+mn-ea"/>
+                <a:cs typeface="+mn-cs"/>
+              </a:defRPr>
+            </a:lvl8pPr>
+            <a:lvl9pPr marL="3657600" algn="l" defTabSz="914400" rtl="0" eaLnBrk="1" latinLnBrk="0" hangingPunct="1">
+              <a:defRPr sz="1800" kern="1200">
+                <a:solidFill>
+                  <a:schemeClr val="lt1"/>
+                </a:solidFill>
+                <a:latin typeface="+mn-lt"/>
+                <a:ea typeface="+mn-ea"/>
+                <a:cs typeface="+mn-cs"/>
+              </a:defRPr>
+            </a:lvl9pPr>
+          </a:lstStyle>
+          <a:p>
+            <a:pPr algn="ctr"/>
+            <a:endParaRPr lang="zh-CN" altLang="en-US">
+              <a:cs typeface="汉仪旗黑-55简" panose="00020600040101010101" charset="-128"/>
+            </a:endParaRPr>
+          </a:p>
+        </p:txBody>
+      </p:sp>
+      <p:sp>
+        <p:nvSpPr>
+          <p:cNvPr id="55" name="任意多边形 54"/>
+          <p:cNvSpPr/>
+          <p:nvPr/>
+        </p:nvSpPr>
+        <p:spPr>
+          <a:xfrm>
+            <a:off x="9090660" y="5235575"/>
+            <a:ext cx="3101340" cy="1622425"/>
+          </a:xfrm>
+          <a:custGeom>
+            <a:avLst/>
+            <a:gdLst>
+              <a:gd name="connsiteX0" fmla="*/ 0 w 7048"/>
+              <a:gd name="connsiteY0" fmla="*/ 3698 h 3698"/>
+              <a:gd name="connsiteX1" fmla="*/ 3188 w 7048"/>
+              <a:gd name="connsiteY1" fmla="*/ 0 h 3698"/>
+              <a:gd name="connsiteX2" fmla="*/ 3293 w 7048"/>
+              <a:gd name="connsiteY2" fmla="*/ 4 h 3698"/>
+              <a:gd name="connsiteX3" fmla="*/ 4791 w 7048"/>
+              <a:gd name="connsiteY3" fmla="*/ 1085 h 3698"/>
+              <a:gd name="connsiteX4" fmla="*/ 5430 w 7048"/>
+              <a:gd name="connsiteY4" fmla="*/ 1784 h 3698"/>
+              <a:gd name="connsiteX5" fmla="*/ 5524 w 7048"/>
+              <a:gd name="connsiteY5" fmla="*/ 1782 h 3698"/>
+              <a:gd name="connsiteX6" fmla="*/ 6708 w 7048"/>
+              <a:gd name="connsiteY6" fmla="*/ 1018 h 3698"/>
+              <a:gd name="connsiteX7" fmla="*/ 6722 w 7048"/>
+              <a:gd name="connsiteY7" fmla="*/ 1006 h 3698"/>
+              <a:gd name="connsiteX8" fmla="*/ 6737 w 7048"/>
+              <a:gd name="connsiteY8" fmla="*/ 992 h 3698"/>
+              <a:gd name="connsiteX9" fmla="*/ 6755 w 7048"/>
+              <a:gd name="connsiteY9" fmla="*/ 976 h 3698"/>
+              <a:gd name="connsiteX10" fmla="*/ 6773 w 7048"/>
+              <a:gd name="connsiteY10" fmla="*/ 961 h 3698"/>
+              <a:gd name="connsiteX11" fmla="*/ 6789 w 7048"/>
+              <a:gd name="connsiteY11" fmla="*/ 945 h 3698"/>
+              <a:gd name="connsiteX12" fmla="*/ 6793 w 7048"/>
+              <a:gd name="connsiteY12" fmla="*/ 941 h 3698"/>
+              <a:gd name="connsiteX13" fmla="*/ 7048 w 7048"/>
+              <a:gd name="connsiteY13" fmla="*/ 716 h 3698"/>
+              <a:gd name="connsiteX14" fmla="*/ 7048 w 7048"/>
+              <a:gd name="connsiteY14" fmla="*/ 3698 h 3698"/>
+              <a:gd name="connsiteX15" fmla="*/ 0 w 7048"/>
+              <a:gd name="connsiteY15" fmla="*/ 3698 h 3698"/>
+            </a:gdLst>
+            <a:ahLst/>
+            <a:cxnLst>
+              <a:cxn ang="0">
+                <a:pos x="connsiteX0" y="connsiteY0"/>
+              </a:cxn>
+              <a:cxn ang="0">
+                <a:pos x="connsiteX1" y="connsiteY1"/>
+              </a:cxn>
+              <a:cxn ang="0">
+                <a:pos x="connsiteX2" y="connsiteY2"/>
+              </a:cxn>
+              <a:cxn ang="0">
+                <a:pos x="connsiteX3" y="connsiteY3"/>
+              </a:cxn>
+              <a:cxn ang="0">
+                <a:pos x="connsiteX4" y="connsiteY4"/>
+              </a:cxn>
+              <a:cxn ang="0">
+                <a:pos x="connsiteX5" y="connsiteY5"/>
+              </a:cxn>
+              <a:cxn ang="0">
+                <a:pos x="connsiteX6" y="connsiteY6"/>
+              </a:cxn>
+              <a:cxn ang="0">
+                <a:pos x="connsiteX7" y="connsiteY7"/>
+              </a:cxn>
+              <a:cxn ang="0">
+                <a:pos x="connsiteX8" y="connsiteY8"/>
+              </a:cxn>
+              <a:cxn ang="0">
+                <a:pos x="connsiteX9" y="connsiteY9"/>
+              </a:cxn>
+              <a:cxn ang="0">
+                <a:pos x="connsiteX10" y="connsiteY10"/>
+              </a:cxn>
+              <a:cxn ang="0">
+                <a:pos x="connsiteX11" y="connsiteY11"/>
+              </a:cxn>
+              <a:cxn ang="0">
+                <a:pos x="connsiteX12" y="connsiteY12"/>
+              </a:cxn>
+              <a:cxn ang="0">
+                <a:pos x="connsiteX13" y="connsiteY13"/>
+              </a:cxn>
+              <a:cxn ang="0">
+                <a:pos x="connsiteX14" y="connsiteY14"/>
+              </a:cxn>
+              <a:cxn ang="0">
+                <a:pos x="connsiteX15" y="connsiteY15"/>
+              </a:cxn>
+            </a:cxnLst>
+            <a:rect l="l" t="t" r="r" b="b"/>
+            <a:pathLst>
+              <a:path w="7048" h="3698">
+                <a:moveTo>
+                  <a:pt x="0" y="3698"/>
+                </a:moveTo>
+                <a:cubicBezTo>
+                  <a:pt x="213" y="1107"/>
+                  <a:pt x="2537" y="11"/>
+                  <a:pt x="3188" y="0"/>
+                </a:cubicBezTo>
+                <a:lnTo>
+                  <a:pt x="3293" y="4"/>
+                </a:lnTo>
+                <a:cubicBezTo>
+                  <a:pt x="3896" y="-17"/>
+                  <a:pt x="4685" y="596"/>
+                  <a:pt x="4791" y="1085"/>
+                </a:cubicBezTo>
+                <a:cubicBezTo>
+                  <a:pt x="4887" y="1456"/>
+                  <a:pt x="5188" y="1796"/>
+                  <a:pt x="5430" y="1784"/>
+                </a:cubicBezTo>
+                <a:lnTo>
+                  <a:pt x="5524" y="1782"/>
+                </a:lnTo>
+                <a:cubicBezTo>
+                  <a:pt x="5847" y="1792"/>
+                  <a:pt x="6462" y="1237"/>
+                  <a:pt x="6708" y="1018"/>
+                </a:cubicBezTo>
+                <a:lnTo>
+                  <a:pt x="6722" y="1006"/>
+                </a:lnTo>
+                <a:lnTo>
+                  <a:pt x="6737" y="992"/>
+                </a:lnTo>
+                <a:lnTo>
+                  <a:pt x="6755" y="976"/>
+                </a:lnTo>
+                <a:lnTo>
+                  <a:pt x="6773" y="961"/>
+                </a:lnTo>
+                <a:lnTo>
+                  <a:pt x="6789" y="945"/>
+                </a:lnTo>
+                <a:lnTo>
+                  <a:pt x="6793" y="941"/>
+                </a:lnTo>
+                <a:cubicBezTo>
+                  <a:pt x="6869" y="868"/>
+                  <a:pt x="7028" y="731"/>
+                  <a:pt x="7048" y="716"/>
+                </a:cubicBezTo>
+                <a:lnTo>
+                  <a:pt x="7048" y="3698"/>
+                </a:lnTo>
+                <a:lnTo>
+                  <a:pt x="0" y="3698"/>
+                </a:lnTo>
+                <a:close/>
+              </a:path>
+            </a:pathLst>
+          </a:custGeom>
+          <a:solidFill>
+            <a:srgbClr val="2F4275"/>
+          </a:solidFill>
+          <a:ln>
+            <a:noFill/>
+          </a:ln>
+        </p:spPr>
+        <p:style>
+          <a:lnRef idx="2">
+            <a:schemeClr val="accent1">
+              <a:shade val="50000"/>
+            </a:schemeClr>
+          </a:lnRef>
+          <a:fillRef idx="1">
+            <a:schemeClr val="accent1"/>
+          </a:fillRef>
+          <a:effectRef idx="0">
+            <a:schemeClr val="accent1"/>
+          </a:effectRef>
+          <a:fontRef idx="minor">
+            <a:schemeClr val="lt1"/>
+          </a:fontRef>
+        </p:style>
+        <p:txBody>
+          <a:bodyPr wrap="square" rtlCol="0" anchor="ctr">
+            <a:noAutofit/>
+          </a:bodyPr>
+          <a:lstStyle>
+            <a:defPPr>
+              <a:defRPr lang="zh-CN">
+                <a:solidFill>
+                  <a:schemeClr val="lt1"/>
+                </a:solidFill>
+              </a:defRPr>
+            </a:defPPr>
+            <a:lvl1pPr marL="0" algn="l" defTabSz="914400" rtl="0" eaLnBrk="1" latinLnBrk="0" hangingPunct="1">
+              <a:defRPr sz="1800" kern="1200">
+                <a:solidFill>
+                  <a:schemeClr val="lt1"/>
+                </a:solidFill>
+                <a:latin typeface="+mn-lt"/>
+                <a:ea typeface="+mn-ea"/>
+                <a:cs typeface="+mn-cs"/>
+              </a:defRPr>
+            </a:lvl1pPr>
+            <a:lvl2pPr marL="457200" algn="l" defTabSz="914400" rtl="0" eaLnBrk="1" latinLnBrk="0" hangingPunct="1">
+              <a:defRPr sz="1800" kern="1200">
+                <a:solidFill>
+                  <a:schemeClr val="lt1"/>
+                </a:solidFill>
+                <a:latin typeface="+mn-lt"/>
+                <a:ea typeface="+mn-ea"/>
+                <a:cs typeface="+mn-cs"/>
+              </a:defRPr>
+            </a:lvl2pPr>
+            <a:lvl3pPr marL="914400" algn="l" defTabSz="914400" rtl="0" eaLnBrk="1" latinLnBrk="0" hangingPunct="1">
+              <a:defRPr sz="1800" kern="1200">
+                <a:solidFill>
+                  <a:schemeClr val="lt1"/>
+                </a:solidFill>
+                <a:latin typeface="+mn-lt"/>
+                <a:ea typeface="+mn-ea"/>
+                <a:cs typeface="+mn-cs"/>
+              </a:defRPr>
+            </a:lvl3pPr>
+            <a:lvl4pPr marL="1371600" algn="l" defTabSz="914400" rtl="0" eaLnBrk="1" latinLnBrk="0" hangingPunct="1">
+              <a:defRPr sz="1800" kern="1200">
+                <a:solidFill>
+                  <a:schemeClr val="lt1"/>
+                </a:solidFill>
+                <a:latin typeface="+mn-lt"/>
+                <a:ea typeface="+mn-ea"/>
+                <a:cs typeface="+mn-cs"/>
+              </a:defRPr>
+            </a:lvl4pPr>
+            <a:lvl5pPr marL="1828800" algn="l" defTabSz="914400" rtl="0" eaLnBrk="1" latinLnBrk="0" hangingPunct="1">
+              <a:defRPr sz="1800" kern="1200">
+                <a:solidFill>
+                  <a:schemeClr val="lt1"/>
+                </a:solidFill>
+                <a:latin typeface="+mn-lt"/>
+                <a:ea typeface="+mn-ea"/>
+                <a:cs typeface="+mn-cs"/>
+              </a:defRPr>
+            </a:lvl5pPr>
+            <a:lvl6pPr marL="2286000" algn="l" defTabSz="914400" rtl="0" eaLnBrk="1" latinLnBrk="0" hangingPunct="1">
+              <a:defRPr sz="1800" kern="1200">
+                <a:solidFill>
+                  <a:schemeClr val="lt1"/>
+                </a:solidFill>
+                <a:latin typeface="+mn-lt"/>
+                <a:ea typeface="+mn-ea"/>
+                <a:cs typeface="+mn-cs"/>
+              </a:defRPr>
+            </a:lvl6pPr>
+            <a:lvl7pPr marL="2743200" algn="l" defTabSz="914400" rtl="0" eaLnBrk="1" latinLnBrk="0" hangingPunct="1">
+              <a:defRPr sz="1800" kern="1200">
+                <a:solidFill>
+                  <a:schemeClr val="lt1"/>
+                </a:solidFill>
+                <a:latin typeface="+mn-lt"/>
+                <a:ea typeface="+mn-ea"/>
+                <a:cs typeface="+mn-cs"/>
+              </a:defRPr>
+            </a:lvl7pPr>
+            <a:lvl8pPr marL="3200400" algn="l" defTabSz="914400" rtl="0" eaLnBrk="1" latinLnBrk="0" hangingPunct="1">
+              <a:defRPr sz="1800" kern="1200">
+                <a:solidFill>
+                  <a:schemeClr val="lt1"/>
+                </a:solidFill>
+                <a:latin typeface="+mn-lt"/>
+                <a:ea typeface="+mn-ea"/>
+                <a:cs typeface="+mn-cs"/>
+              </a:defRPr>
+            </a:lvl8pPr>
+            <a:lvl9pPr marL="3657600" algn="l" defTabSz="914400" rtl="0" eaLnBrk="1" latinLnBrk="0" hangingPunct="1">
+              <a:defRPr sz="1800" kern="1200">
+                <a:solidFill>
+                  <a:schemeClr val="lt1"/>
+                </a:solidFill>
+                <a:latin typeface="+mn-lt"/>
+                <a:ea typeface="+mn-ea"/>
+                <a:cs typeface="+mn-cs"/>
+              </a:defRPr>
+            </a:lvl9pPr>
+          </a:lstStyle>
+          <a:p>
+            <a:pPr algn="ctr"/>
+            <a:endParaRPr lang="zh-CN" altLang="en-US">
+              <a:cs typeface="汉仪旗黑-55简" panose="00020600040101010101" charset="-128"/>
+            </a:endParaRPr>
+          </a:p>
+        </p:txBody>
+      </p:sp>
+      <p:sp>
+        <p:nvSpPr>
+          <p:cNvPr id="12" name="文本框 11"/>
+          <p:cNvSpPr txBox="1"/>
+          <p:nvPr/>
+        </p:nvSpPr>
+        <p:spPr>
+          <a:xfrm>
+            <a:off x="874930" y="2802564"/>
+            <a:ext cx="3824756" cy="830997"/>
+          </a:xfrm>
+          <a:prstGeom prst="rect">
+            <a:avLst/>
+          </a:prstGeom>
+          <a:noFill/>
+        </p:spPr>
+        <p:txBody>
+          <a:bodyPr wrap="square" rtlCol="0">
+            <a:spAutoFit/>
+          </a:bodyPr>
+          <a:lstStyle/>
+          <a:p>
+            <a:pPr algn="ctr"/>
+            <a:r>
+              <a:rPr lang="en-US" sz="4800" dirty="0">
+                <a:solidFill>
+                  <a:srgbClr val="2F4275"/>
+                </a:solidFill>
+                <a:latin typeface="Times New Roman" panose="02020603050405020304" pitchFamily="18" charset="0"/>
+                <a:ea typeface="汉仪旗黑-55简" panose="00020600040101010101" charset="-128"/>
+                <a:cs typeface="Times New Roman" panose="02020603050405020304" pitchFamily="18" charset="0"/>
+                <a:sym typeface="汉仪旗黑-55简" panose="00020600040101010101" charset="-128"/>
+              </a:rPr>
+              <a:t>CONTENTS</a:t>
+            </a:r>
+          </a:p>
+        </p:txBody>
+      </p:sp>
+      <p:sp>
+        <p:nvSpPr>
+          <p:cNvPr id="9" name="文本框 8"/>
+          <p:cNvSpPr txBox="1"/>
+          <p:nvPr/>
+        </p:nvSpPr>
+        <p:spPr>
+          <a:xfrm>
+            <a:off x="6146483" y="1353669"/>
+            <a:ext cx="4838700" cy="1082669"/>
+          </a:xfrm>
+          <a:prstGeom prst="rect">
+            <a:avLst/>
+          </a:prstGeom>
+          <a:noFill/>
+        </p:spPr>
+        <p:txBody>
+          <a:bodyPr wrap="square" rtlCol="0">
+            <a:spAutoFit/>
+          </a:bodyPr>
+          <a:lstStyle/>
+          <a:p>
+            <a:pPr algn="l">
+              <a:lnSpc>
+                <a:spcPct val="120000"/>
+              </a:lnSpc>
+            </a:pPr>
+            <a:r>
+              <a:rPr lang="en-US" altLang="zh-CN" sz="2800" dirty="0">
+                <a:solidFill>
+                  <a:srgbClr val="2F4275"/>
+                </a:solidFill>
+                <a:latin typeface="Times New Roman" panose="02020603050405020304" pitchFamily="18" charset="0"/>
+                <a:ea typeface="汉仪旗黑-55简" panose="00020600040101010101" charset="-122"/>
+                <a:cs typeface="Times New Roman" panose="02020603050405020304" pitchFamily="18" charset="0"/>
+              </a:rPr>
+              <a:t>Project Introduction and Motivation for Refactoring</a:t>
+            </a:r>
+            <a:endParaRPr lang="zh-CN" sz="2800" dirty="0">
+              <a:solidFill>
+                <a:srgbClr val="2F4275"/>
+              </a:solidFill>
+              <a:latin typeface="Times New Roman" panose="02020603050405020304" pitchFamily="18" charset="0"/>
+              <a:ea typeface="汉仪旗黑-55简" panose="00020600040101010101" charset="-122"/>
+              <a:cs typeface="Times New Roman" panose="02020603050405020304" pitchFamily="18" charset="0"/>
+            </a:endParaRPr>
+          </a:p>
+        </p:txBody>
+      </p:sp>
+      <p:sp>
+        <p:nvSpPr>
+          <p:cNvPr id="16" name="文本框 15"/>
+          <p:cNvSpPr txBox="1"/>
+          <p:nvPr/>
+        </p:nvSpPr>
+        <p:spPr>
+          <a:xfrm>
+            <a:off x="6146483" y="2949413"/>
+            <a:ext cx="5445125" cy="565604"/>
+          </a:xfrm>
+          <a:prstGeom prst="rect">
+            <a:avLst/>
+          </a:prstGeom>
+          <a:noFill/>
+        </p:spPr>
+        <p:txBody>
+          <a:bodyPr wrap="square" rtlCol="0">
+            <a:spAutoFit/>
+          </a:bodyPr>
+          <a:lstStyle/>
+          <a:p>
+            <a:pPr algn="l">
+              <a:lnSpc>
+                <a:spcPct val="120000"/>
+              </a:lnSpc>
+            </a:pPr>
+            <a:r>
+              <a:rPr lang="en-US" altLang="zh-CN" sz="2800" dirty="0">
+                <a:solidFill>
+                  <a:srgbClr val="2F4275"/>
+                </a:solidFill>
+                <a:latin typeface="Times New Roman" panose="02020603050405020304" pitchFamily="18" charset="0"/>
+                <a:ea typeface="汉仪旗黑-55简" panose="00020600040101010101" charset="-122"/>
+                <a:cs typeface="Times New Roman" panose="02020603050405020304" pitchFamily="18" charset="0"/>
+              </a:rPr>
+              <a:t>Design Patterns in Refactoring</a:t>
+            </a:r>
+            <a:endParaRPr lang="zh-CN" sz="2800" dirty="0">
+              <a:solidFill>
+                <a:srgbClr val="2F4275"/>
+              </a:solidFill>
+              <a:latin typeface="Times New Roman" panose="02020603050405020304" pitchFamily="18" charset="0"/>
+              <a:ea typeface="汉仪旗黑-55简" panose="00020600040101010101" charset="-122"/>
+              <a:cs typeface="Times New Roman" panose="02020603050405020304" pitchFamily="18" charset="0"/>
+            </a:endParaRPr>
+          </a:p>
+        </p:txBody>
+      </p:sp>
+      <p:sp>
+        <p:nvSpPr>
+          <p:cNvPr id="21" name="文本框 20"/>
+          <p:cNvSpPr txBox="1"/>
+          <p:nvPr/>
+        </p:nvSpPr>
+        <p:spPr>
+          <a:xfrm>
+            <a:off x="6146483" y="4154253"/>
+            <a:ext cx="4095453" cy="1081322"/>
+          </a:xfrm>
+          <a:prstGeom prst="rect">
+            <a:avLst/>
+          </a:prstGeom>
+          <a:noFill/>
+        </p:spPr>
+        <p:txBody>
+          <a:bodyPr wrap="square" rtlCol="0">
+            <a:spAutoFit/>
+          </a:bodyPr>
+          <a:lstStyle/>
+          <a:p>
+            <a:pPr algn="l">
+              <a:lnSpc>
+                <a:spcPct val="120000"/>
+              </a:lnSpc>
+            </a:pPr>
+            <a:r>
+              <a:rPr lang="en-US" altLang="zh-CN" sz="2800" dirty="0">
+                <a:solidFill>
+                  <a:srgbClr val="2F4275"/>
+                </a:solidFill>
+                <a:latin typeface="Times New Roman" panose="02020603050405020304" pitchFamily="18" charset="0"/>
+                <a:ea typeface="汉仪旗黑-55简" panose="00020600040101010101" charset="-122"/>
+                <a:cs typeface="Times New Roman" panose="02020603050405020304" pitchFamily="18" charset="0"/>
+              </a:rPr>
+              <a:t>Key Issues and Solutions in Refactoring</a:t>
+            </a:r>
+            <a:endParaRPr lang="zh-CN" sz="2800" dirty="0">
+              <a:solidFill>
+                <a:srgbClr val="2F4275"/>
+              </a:solidFill>
+              <a:latin typeface="Times New Roman" panose="02020603050405020304" pitchFamily="18" charset="0"/>
+              <a:ea typeface="汉仪旗黑-55简" panose="00020600040101010101" charset="-122"/>
+              <a:cs typeface="Times New Roman" panose="02020603050405020304" pitchFamily="18" charset="0"/>
+            </a:endParaRPr>
+          </a:p>
+        </p:txBody>
+      </p:sp>
+      <p:sp>
+        <p:nvSpPr>
+          <p:cNvPr id="14" name="菱形 13"/>
+          <p:cNvSpPr/>
+          <p:nvPr/>
+        </p:nvSpPr>
+        <p:spPr>
+          <a:xfrm>
+            <a:off x="5192078" y="1507555"/>
+            <a:ext cx="777240" cy="777240"/>
+          </a:xfrm>
+          <a:prstGeom prst="diamond">
+            <a:avLst/>
+          </a:prstGeom>
+          <a:solidFill>
+            <a:srgbClr val="2F4275"/>
+          </a:solidFill>
+          <a:ln>
+            <a:noFill/>
+          </a:ln>
+        </p:spPr>
+        <p:style>
+          <a:lnRef idx="2">
+            <a:schemeClr val="accent1">
+              <a:shade val="50000"/>
+            </a:schemeClr>
+          </a:lnRef>
+          <a:fillRef idx="1">
+            <a:schemeClr val="accent1"/>
+          </a:fillRef>
+          <a:effectRef idx="0">
+            <a:schemeClr val="accent1"/>
+          </a:effectRef>
+          <a:fontRef idx="minor">
+            <a:schemeClr val="lt1"/>
+          </a:fontRef>
+        </p:style>
+        <p:txBody>
+          <a:bodyPr rtlCol="0" anchor="ctr"/>
+          <a:lstStyle/>
+          <a:p>
+            <a:pPr algn="ctr"/>
+            <a:endParaRPr lang="zh-CN" altLang="en-US">
+              <a:cs typeface="汉仪旗黑-55简" panose="00020600040101010101" charset="-128"/>
+            </a:endParaRPr>
+          </a:p>
+        </p:txBody>
+      </p:sp>
+      <p:sp>
+        <p:nvSpPr>
+          <p:cNvPr id="28" name="文本框 27"/>
+          <p:cNvSpPr txBox="1"/>
+          <p:nvPr/>
+        </p:nvSpPr>
+        <p:spPr>
+          <a:xfrm>
+            <a:off x="5192078" y="1576135"/>
+            <a:ext cx="751205" cy="607695"/>
+          </a:xfrm>
+          <a:prstGeom prst="rect">
+            <a:avLst/>
+          </a:prstGeom>
+          <a:noFill/>
+        </p:spPr>
+        <p:txBody>
+          <a:bodyPr wrap="square" rtlCol="0">
+            <a:spAutoFit/>
+          </a:bodyPr>
+          <a:lstStyle/>
+          <a:p>
+            <a:pPr algn="ctr">
+              <a:lnSpc>
+                <a:spcPct val="120000"/>
+              </a:lnSpc>
+            </a:pPr>
+            <a:r>
+              <a:rPr lang="en-US" altLang="zh-CN" sz="2800" dirty="0">
+                <a:solidFill>
+                  <a:schemeClr val="bg1"/>
+                </a:solidFill>
+                <a:latin typeface="汉仪旗黑-55简" panose="00020600040101010101" charset="-122"/>
+                <a:ea typeface="汉仪旗黑-55简" panose="00020600040101010101" charset="-122"/>
+                <a:cs typeface="汉仪旗黑-55简" panose="00020600040101010101" charset="-128"/>
+                <a:sym typeface="汉仪旗黑-55简" panose="00020600040101010101" charset="-122"/>
+              </a:rPr>
+              <a:t>01</a:t>
+            </a:r>
+          </a:p>
+        </p:txBody>
+      </p:sp>
+      <p:sp>
+        <p:nvSpPr>
+          <p:cNvPr id="25" name="菱形 24"/>
+          <p:cNvSpPr/>
+          <p:nvPr/>
+        </p:nvSpPr>
+        <p:spPr>
+          <a:xfrm>
+            <a:off x="5192078" y="2845636"/>
+            <a:ext cx="777240" cy="777240"/>
+          </a:xfrm>
+          <a:prstGeom prst="diamond">
+            <a:avLst/>
+          </a:prstGeom>
+          <a:solidFill>
+            <a:srgbClr val="2F4275"/>
+          </a:solidFill>
+          <a:ln>
+            <a:noFill/>
+          </a:ln>
+        </p:spPr>
+        <p:style>
+          <a:lnRef idx="2">
+            <a:schemeClr val="accent1">
+              <a:shade val="50000"/>
+            </a:schemeClr>
+          </a:lnRef>
+          <a:fillRef idx="1">
+            <a:schemeClr val="accent1"/>
+          </a:fillRef>
+          <a:effectRef idx="0">
+            <a:schemeClr val="accent1"/>
+          </a:effectRef>
+          <a:fontRef idx="minor">
+            <a:schemeClr val="lt1"/>
+          </a:fontRef>
+        </p:style>
+        <p:txBody>
+          <a:bodyPr rtlCol="0" anchor="ctr"/>
+          <a:lstStyle/>
+          <a:p>
+            <a:pPr algn="ctr"/>
+            <a:endParaRPr lang="zh-CN" altLang="en-US">
+              <a:cs typeface="汉仪旗黑-55简" panose="00020600040101010101" charset="-128"/>
+            </a:endParaRPr>
+          </a:p>
+        </p:txBody>
+      </p:sp>
+      <p:sp>
+        <p:nvSpPr>
+          <p:cNvPr id="30" name="文本框 29"/>
+          <p:cNvSpPr txBox="1"/>
+          <p:nvPr/>
+        </p:nvSpPr>
+        <p:spPr>
+          <a:xfrm>
+            <a:off x="5192078" y="2914216"/>
+            <a:ext cx="751205" cy="607695"/>
+          </a:xfrm>
+          <a:prstGeom prst="rect">
+            <a:avLst/>
+          </a:prstGeom>
+          <a:noFill/>
+        </p:spPr>
+        <p:txBody>
+          <a:bodyPr wrap="square" rtlCol="0">
+            <a:spAutoFit/>
+          </a:bodyPr>
+          <a:lstStyle/>
+          <a:p>
+            <a:pPr algn="ctr">
+              <a:lnSpc>
+                <a:spcPct val="120000"/>
+              </a:lnSpc>
+            </a:pPr>
+            <a:r>
+              <a:rPr lang="en-US" altLang="zh-CN" sz="2800" dirty="0">
+                <a:solidFill>
+                  <a:schemeClr val="bg1"/>
+                </a:solidFill>
+                <a:latin typeface="汉仪旗黑-55简" panose="00020600040101010101" charset="-122"/>
+                <a:ea typeface="汉仪旗黑-55简" panose="00020600040101010101" charset="-122"/>
+                <a:cs typeface="汉仪旗黑-55简" panose="00020600040101010101" charset="-128"/>
+                <a:sym typeface="汉仪旗黑-55简" panose="00020600040101010101" charset="-122"/>
+              </a:rPr>
+              <a:t>02</a:t>
+            </a:r>
+          </a:p>
+        </p:txBody>
+      </p:sp>
+      <p:sp>
+        <p:nvSpPr>
+          <p:cNvPr id="32" name="菱形 31"/>
+          <p:cNvSpPr/>
+          <p:nvPr/>
+        </p:nvSpPr>
+        <p:spPr>
+          <a:xfrm>
+            <a:off x="5192078" y="4198068"/>
+            <a:ext cx="777240" cy="777240"/>
+          </a:xfrm>
+          <a:prstGeom prst="diamond">
+            <a:avLst/>
+          </a:prstGeom>
+          <a:solidFill>
+            <a:srgbClr val="2F4275"/>
+          </a:solidFill>
+          <a:ln>
+            <a:noFill/>
+          </a:ln>
+        </p:spPr>
+        <p:style>
+          <a:lnRef idx="2">
+            <a:schemeClr val="accent1">
+              <a:shade val="50000"/>
+            </a:schemeClr>
+          </a:lnRef>
+          <a:fillRef idx="1">
+            <a:schemeClr val="accent1"/>
+          </a:fillRef>
+          <a:effectRef idx="0">
+            <a:schemeClr val="accent1"/>
+          </a:effectRef>
+          <a:fontRef idx="minor">
+            <a:schemeClr val="lt1"/>
+          </a:fontRef>
+        </p:style>
+        <p:txBody>
+          <a:bodyPr rtlCol="0" anchor="ctr"/>
+          <a:lstStyle/>
+          <a:p>
+            <a:pPr algn="ctr"/>
+            <a:endParaRPr lang="zh-CN" altLang="en-US">
+              <a:cs typeface="汉仪旗黑-55简" panose="00020600040101010101" charset="-128"/>
+            </a:endParaRPr>
+          </a:p>
+        </p:txBody>
+      </p:sp>
+      <p:sp>
+        <p:nvSpPr>
+          <p:cNvPr id="33" name="文本框 32"/>
+          <p:cNvSpPr txBox="1"/>
+          <p:nvPr/>
+        </p:nvSpPr>
+        <p:spPr>
+          <a:xfrm>
+            <a:off x="5192078" y="4266648"/>
+            <a:ext cx="751205" cy="581313"/>
+          </a:xfrm>
+          <a:prstGeom prst="rect">
+            <a:avLst/>
+          </a:prstGeom>
+          <a:noFill/>
+        </p:spPr>
+        <p:txBody>
+          <a:bodyPr wrap="square" rtlCol="0">
+            <a:spAutoFit/>
+          </a:bodyPr>
+          <a:lstStyle/>
+          <a:p>
+            <a:pPr algn="ctr">
+              <a:lnSpc>
+                <a:spcPct val="120000"/>
+              </a:lnSpc>
+            </a:pPr>
+            <a:r>
+              <a:rPr lang="en-US" altLang="zh-CN" sz="2800" dirty="0">
+                <a:solidFill>
+                  <a:schemeClr val="bg1"/>
+                </a:solidFill>
+                <a:latin typeface="汉仪旗黑-55简" panose="00020600040101010101" charset="-122"/>
+                <a:ea typeface="汉仪旗黑-55简" panose="00020600040101010101" charset="-122"/>
+                <a:cs typeface="汉仪旗黑-55简" panose="00020600040101010101" charset="-128"/>
+                <a:sym typeface="汉仪旗黑-55简" panose="00020600040101010101" charset="-122"/>
+              </a:rPr>
+              <a:t>03</a:t>
+            </a:r>
+          </a:p>
+        </p:txBody>
+      </p:sp>
+    </p:spTree>
+  </p:cSld>
+  <p:clrMapOvr>
+    <a:masterClrMapping/>
+  </p:clrMapOvr>
+</p:sld>
+</file>
+
+<file path=ppt/slides/slide20.xml><?xml version="1.0" encoding="utf-8"?>
 <p:sld xmlns:a="http://schemas.openxmlformats.org/drawingml/2006/main" xmlns:r="http://schemas.openxmlformats.org/officeDocument/2006/relationships" xmlns:p="http://schemas.openxmlformats.org/presentationml/2006/main">
   <p:cSld>
     <p:spTree>
@@ -30723,1751 +33111,6 @@
 </p:sld>
 </file>
 
-<file path=ppt/slides/slide2.xml><?xml version="1.0" encoding="utf-8"?>
-<p:sld xmlns:a="http://schemas.openxmlformats.org/drawingml/2006/main" xmlns:r="http://schemas.openxmlformats.org/officeDocument/2006/relationships" xmlns:p="http://schemas.openxmlformats.org/presentationml/2006/main">
-  <p:cSld>
-    <p:spTree>
-      <p:nvGrpSpPr>
-        <p:cNvPr id="1" name=""/>
-        <p:cNvGrpSpPr/>
-        <p:nvPr/>
-      </p:nvGrpSpPr>
-      <p:grpSpPr>
-        <a:xfrm>
-          <a:off x="0" y="0"/>
-          <a:ext cx="0" cy="0"/>
-          <a:chOff x="0" y="0"/>
-          <a:chExt cx="0" cy="0"/>
-        </a:xfrm>
-      </p:grpSpPr>
-      <p:sp>
-        <p:nvSpPr>
-          <p:cNvPr id="4" name="任意多边形 3"/>
-          <p:cNvSpPr/>
-          <p:nvPr/>
-        </p:nvSpPr>
-        <p:spPr>
-          <a:xfrm>
-            <a:off x="0" y="0"/>
-            <a:ext cx="4838700" cy="2992755"/>
-          </a:xfrm>
-          <a:custGeom>
-            <a:avLst/>
-            <a:gdLst/>
-            <a:ahLst/>
-            <a:cxnLst>
-              <a:cxn ang="3">
-                <a:pos x="hc" y="t"/>
-              </a:cxn>
-              <a:cxn ang="cd2">
-                <a:pos x="l" y="vc"/>
-              </a:cxn>
-              <a:cxn ang="cd4">
-                <a:pos x="hc" y="b"/>
-              </a:cxn>
-              <a:cxn ang="0">
-                <a:pos x="r" y="vc"/>
-              </a:cxn>
-            </a:cxnLst>
-            <a:rect l="l" t="t" r="r" b="b"/>
-            <a:pathLst>
-              <a:path w="8342" h="5161">
-                <a:moveTo>
-                  <a:pt x="151" y="0"/>
-                </a:moveTo>
-                <a:cubicBezTo>
-                  <a:pt x="212" y="108"/>
-                  <a:pt x="344" y="480"/>
-                  <a:pt x="333" y="900"/>
-                </a:cubicBezTo>
-                <a:cubicBezTo>
-                  <a:pt x="340" y="1185"/>
-                  <a:pt x="258" y="1720"/>
-                  <a:pt x="138" y="2136"/>
-                </a:cubicBezTo>
-                <a:cubicBezTo>
-                  <a:pt x="37" y="2462"/>
-                  <a:pt x="-4" y="2904"/>
-                  <a:pt x="0" y="3111"/>
-                </a:cubicBezTo>
-                <a:cubicBezTo>
-                  <a:pt x="-10" y="4003"/>
-                  <a:pt x="361" y="4723"/>
-                  <a:pt x="766" y="4912"/>
-                </a:cubicBezTo>
-                <a:cubicBezTo>
-                  <a:pt x="948" y="5095"/>
-                  <a:pt x="1252" y="5168"/>
-                  <a:pt x="1406" y="5160"/>
-                </a:cubicBezTo>
-                <a:cubicBezTo>
-                  <a:pt x="3154" y="4827"/>
-                  <a:pt x="4186" y="3274"/>
-                  <a:pt x="4206" y="3320"/>
-                </a:cubicBezTo>
-                <a:cubicBezTo>
-                  <a:pt x="4268" y="3248"/>
-                  <a:pt x="4361" y="3144"/>
-                  <a:pt x="4428" y="3073"/>
-                </a:cubicBezTo>
-                <a:lnTo>
-                  <a:pt x="4988" y="2531"/>
-                </a:lnTo>
-                <a:cubicBezTo>
-                  <a:pt x="5394" y="2123"/>
-                  <a:pt x="5610" y="1939"/>
-                  <a:pt x="5838" y="1743"/>
-                </a:cubicBezTo>
-                <a:cubicBezTo>
-                  <a:pt x="5966" y="1634"/>
-                  <a:pt x="6196" y="1432"/>
-                  <a:pt x="6376" y="1268"/>
-                </a:cubicBezTo>
-                <a:cubicBezTo>
-                  <a:pt x="6500" y="1166"/>
-                  <a:pt x="6607" y="1056"/>
-                  <a:pt x="6669" y="995"/>
-                </a:cubicBezTo>
-                <a:cubicBezTo>
-                  <a:pt x="6737" y="925"/>
-                  <a:pt x="6801" y="864"/>
-                  <a:pt x="6841" y="839"/>
-                </a:cubicBezTo>
-                <a:cubicBezTo>
-                  <a:pt x="6847" y="835"/>
-                  <a:pt x="6856" y="829"/>
-                  <a:pt x="6860" y="827"/>
-                </a:cubicBezTo>
-                <a:cubicBezTo>
-                  <a:pt x="6906" y="787"/>
-                  <a:pt x="6825" y="866"/>
-                  <a:pt x="6940" y="759"/>
-                </a:cubicBezTo>
-                <a:cubicBezTo>
-                  <a:pt x="7279" y="412"/>
-                  <a:pt x="8013" y="79"/>
-                  <a:pt x="8342" y="0"/>
-                </a:cubicBezTo>
-                <a:lnTo>
-                  <a:pt x="151" y="0"/>
-                </a:lnTo>
-                <a:close/>
-              </a:path>
-            </a:pathLst>
-          </a:custGeom>
-          <a:solidFill>
-            <a:schemeClr val="bg1">
-              <a:lumMod val="85000"/>
-            </a:schemeClr>
-          </a:solidFill>
-          <a:ln>
-            <a:noFill/>
-          </a:ln>
-        </p:spPr>
-        <p:style>
-          <a:lnRef idx="2">
-            <a:schemeClr val="accent1">
-              <a:shade val="50000"/>
-            </a:schemeClr>
-          </a:lnRef>
-          <a:fillRef idx="1">
-            <a:schemeClr val="accent1"/>
-          </a:fillRef>
-          <a:effectRef idx="0">
-            <a:schemeClr val="accent1"/>
-          </a:effectRef>
-          <a:fontRef idx="minor">
-            <a:schemeClr val="lt1"/>
-          </a:fontRef>
-        </p:style>
-        <p:txBody>
-          <a:bodyPr wrap="square" rtlCol="0" anchor="ctr">
-            <a:noAutofit/>
-          </a:bodyPr>
-          <a:lstStyle>
-            <a:defPPr>
-              <a:defRPr lang="zh-CN">
-                <a:solidFill>
-                  <a:schemeClr val="lt1"/>
-                </a:solidFill>
-              </a:defRPr>
-            </a:defPPr>
-            <a:lvl1pPr marL="0" algn="l" defTabSz="914400" rtl="0" eaLnBrk="1" latinLnBrk="0" hangingPunct="1">
-              <a:defRPr sz="1800" kern="1200">
-                <a:solidFill>
-                  <a:schemeClr val="lt1"/>
-                </a:solidFill>
-                <a:latin typeface="+mn-lt"/>
-                <a:ea typeface="+mn-ea"/>
-                <a:cs typeface="+mn-cs"/>
-              </a:defRPr>
-            </a:lvl1pPr>
-            <a:lvl2pPr marL="457200" algn="l" defTabSz="914400" rtl="0" eaLnBrk="1" latinLnBrk="0" hangingPunct="1">
-              <a:defRPr sz="1800" kern="1200">
-                <a:solidFill>
-                  <a:schemeClr val="lt1"/>
-                </a:solidFill>
-                <a:latin typeface="+mn-lt"/>
-                <a:ea typeface="+mn-ea"/>
-                <a:cs typeface="+mn-cs"/>
-              </a:defRPr>
-            </a:lvl2pPr>
-            <a:lvl3pPr marL="914400" algn="l" defTabSz="914400" rtl="0" eaLnBrk="1" latinLnBrk="0" hangingPunct="1">
-              <a:defRPr sz="1800" kern="1200">
-                <a:solidFill>
-                  <a:schemeClr val="lt1"/>
-                </a:solidFill>
-                <a:latin typeface="+mn-lt"/>
-                <a:ea typeface="+mn-ea"/>
-                <a:cs typeface="+mn-cs"/>
-              </a:defRPr>
-            </a:lvl3pPr>
-            <a:lvl4pPr marL="1371600" algn="l" defTabSz="914400" rtl="0" eaLnBrk="1" latinLnBrk="0" hangingPunct="1">
-              <a:defRPr sz="1800" kern="1200">
-                <a:solidFill>
-                  <a:schemeClr val="lt1"/>
-                </a:solidFill>
-                <a:latin typeface="+mn-lt"/>
-                <a:ea typeface="+mn-ea"/>
-                <a:cs typeface="+mn-cs"/>
-              </a:defRPr>
-            </a:lvl4pPr>
-            <a:lvl5pPr marL="1828800" algn="l" defTabSz="914400" rtl="0" eaLnBrk="1" latinLnBrk="0" hangingPunct="1">
-              <a:defRPr sz="1800" kern="1200">
-                <a:solidFill>
-                  <a:schemeClr val="lt1"/>
-                </a:solidFill>
-                <a:latin typeface="+mn-lt"/>
-                <a:ea typeface="+mn-ea"/>
-                <a:cs typeface="+mn-cs"/>
-              </a:defRPr>
-            </a:lvl5pPr>
-            <a:lvl6pPr marL="2286000" algn="l" defTabSz="914400" rtl="0" eaLnBrk="1" latinLnBrk="0" hangingPunct="1">
-              <a:defRPr sz="1800" kern="1200">
-                <a:solidFill>
-                  <a:schemeClr val="lt1"/>
-                </a:solidFill>
-                <a:latin typeface="+mn-lt"/>
-                <a:ea typeface="+mn-ea"/>
-                <a:cs typeface="+mn-cs"/>
-              </a:defRPr>
-            </a:lvl6pPr>
-            <a:lvl7pPr marL="2743200" algn="l" defTabSz="914400" rtl="0" eaLnBrk="1" latinLnBrk="0" hangingPunct="1">
-              <a:defRPr sz="1800" kern="1200">
-                <a:solidFill>
-                  <a:schemeClr val="lt1"/>
-                </a:solidFill>
-                <a:latin typeface="+mn-lt"/>
-                <a:ea typeface="+mn-ea"/>
-                <a:cs typeface="+mn-cs"/>
-              </a:defRPr>
-            </a:lvl7pPr>
-            <a:lvl8pPr marL="3200400" algn="l" defTabSz="914400" rtl="0" eaLnBrk="1" latinLnBrk="0" hangingPunct="1">
-              <a:defRPr sz="1800" kern="1200">
-                <a:solidFill>
-                  <a:schemeClr val="lt1"/>
-                </a:solidFill>
-                <a:latin typeface="+mn-lt"/>
-                <a:ea typeface="+mn-ea"/>
-                <a:cs typeface="+mn-cs"/>
-              </a:defRPr>
-            </a:lvl8pPr>
-            <a:lvl9pPr marL="3657600" algn="l" defTabSz="914400" rtl="0" eaLnBrk="1" latinLnBrk="0" hangingPunct="1">
-              <a:defRPr sz="1800" kern="1200">
-                <a:solidFill>
-                  <a:schemeClr val="lt1"/>
-                </a:solidFill>
-                <a:latin typeface="+mn-lt"/>
-                <a:ea typeface="+mn-ea"/>
-                <a:cs typeface="+mn-cs"/>
-              </a:defRPr>
-            </a:lvl9pPr>
-          </a:lstStyle>
-          <a:p>
-            <a:pPr algn="ctr"/>
-            <a:endParaRPr lang="zh-CN" altLang="en-US">
-              <a:cs typeface="汉仪旗黑-55简" panose="00020600040101010101" charset="-128"/>
-            </a:endParaRPr>
-          </a:p>
-        </p:txBody>
-      </p:sp>
-      <p:sp>
-        <p:nvSpPr>
-          <p:cNvPr id="11" name="任意多边形 10"/>
-          <p:cNvSpPr/>
-          <p:nvPr/>
-        </p:nvSpPr>
-        <p:spPr>
-          <a:xfrm>
-            <a:off x="0" y="0"/>
-            <a:ext cx="3906520" cy="2520315"/>
-          </a:xfrm>
-          <a:custGeom>
-            <a:avLst/>
-            <a:gdLst>
-              <a:gd name="connsiteX0" fmla="*/ 0 w 8331"/>
-              <a:gd name="connsiteY0" fmla="*/ 3663 h 5372"/>
-              <a:gd name="connsiteX1" fmla="*/ 92 w 8331"/>
-              <a:gd name="connsiteY1" fmla="*/ 3603 h 5372"/>
-              <a:gd name="connsiteX2" fmla="*/ 810 w 8331"/>
-              <a:gd name="connsiteY2" fmla="*/ 3448 h 5372"/>
-              <a:gd name="connsiteX3" fmla="*/ 1055 w 8331"/>
-              <a:gd name="connsiteY3" fmla="*/ 3516 h 5372"/>
-              <a:gd name="connsiteX4" fmla="*/ 1765 w 8331"/>
-              <a:gd name="connsiteY4" fmla="*/ 4373 h 5372"/>
-              <a:gd name="connsiteX5" fmla="*/ 2976 w 8331"/>
-              <a:gd name="connsiteY5" fmla="*/ 5372 h 5372"/>
-              <a:gd name="connsiteX6" fmla="*/ 2998 w 8331"/>
-              <a:gd name="connsiteY6" fmla="*/ 5371 h 5372"/>
-              <a:gd name="connsiteX7" fmla="*/ 3019 w 8331"/>
-              <a:gd name="connsiteY7" fmla="*/ 5370 h 5372"/>
-              <a:gd name="connsiteX8" fmla="*/ 3040 w 8331"/>
-              <a:gd name="connsiteY8" fmla="*/ 5368 h 5372"/>
-              <a:gd name="connsiteX9" fmla="*/ 3070 w 8331"/>
-              <a:gd name="connsiteY9" fmla="*/ 5369 h 5372"/>
-              <a:gd name="connsiteX10" fmla="*/ 3100 w 8331"/>
-              <a:gd name="connsiteY10" fmla="*/ 5370 h 5372"/>
-              <a:gd name="connsiteX11" fmla="*/ 4064 w 8331"/>
-              <a:gd name="connsiteY11" fmla="*/ 4094 h 5372"/>
-              <a:gd name="connsiteX12" fmla="*/ 4151 w 8331"/>
-              <a:gd name="connsiteY12" fmla="*/ 3496 h 5372"/>
-              <a:gd name="connsiteX13" fmla="*/ 4230 w 8331"/>
-              <a:gd name="connsiteY13" fmla="*/ 3101 h 5372"/>
-              <a:gd name="connsiteX14" fmla="*/ 4455 w 8331"/>
-              <a:gd name="connsiteY14" fmla="*/ 2156 h 5372"/>
-              <a:gd name="connsiteX15" fmla="*/ 4528 w 8331"/>
-              <a:gd name="connsiteY15" fmla="*/ 1837 h 5372"/>
-              <a:gd name="connsiteX16" fmla="*/ 4540 w 8331"/>
-              <a:gd name="connsiteY16" fmla="*/ 1808 h 5372"/>
-              <a:gd name="connsiteX17" fmla="*/ 6452 w 8331"/>
-              <a:gd name="connsiteY17" fmla="*/ 360 h 5372"/>
-              <a:gd name="connsiteX18" fmla="*/ 6506 w 8331"/>
-              <a:gd name="connsiteY18" fmla="*/ 360 h 5372"/>
-              <a:gd name="connsiteX19" fmla="*/ 6561 w 8331"/>
-              <a:gd name="connsiteY19" fmla="*/ 362 h 5372"/>
-              <a:gd name="connsiteX20" fmla="*/ 6616 w 8331"/>
-              <a:gd name="connsiteY20" fmla="*/ 365 h 5372"/>
-              <a:gd name="connsiteX21" fmla="*/ 6672 w 8331"/>
-              <a:gd name="connsiteY21" fmla="*/ 369 h 5372"/>
-              <a:gd name="connsiteX22" fmla="*/ 6679 w 8331"/>
-              <a:gd name="connsiteY22" fmla="*/ 369 h 5372"/>
-              <a:gd name="connsiteX23" fmla="*/ 7062 w 8331"/>
-              <a:gd name="connsiteY23" fmla="*/ 377 h 5372"/>
-              <a:gd name="connsiteX24" fmla="*/ 7089 w 8331"/>
-              <a:gd name="connsiteY24" fmla="*/ 378 h 5372"/>
-              <a:gd name="connsiteX25" fmla="*/ 7422 w 8331"/>
-              <a:gd name="connsiteY25" fmla="*/ 384 h 5372"/>
-              <a:gd name="connsiteX26" fmla="*/ 7440 w 8331"/>
-              <a:gd name="connsiteY26" fmla="*/ 384 h 5372"/>
-              <a:gd name="connsiteX27" fmla="*/ 7474 w 8331"/>
-              <a:gd name="connsiteY27" fmla="*/ 384 h 5372"/>
-              <a:gd name="connsiteX28" fmla="*/ 8331 w 8331"/>
-              <a:gd name="connsiteY28" fmla="*/ 55 h 5372"/>
-              <a:gd name="connsiteX29" fmla="*/ 8331 w 8331"/>
-              <a:gd name="connsiteY29" fmla="*/ 49 h 5372"/>
-              <a:gd name="connsiteX30" fmla="*/ 8330 w 8331"/>
-              <a:gd name="connsiteY30" fmla="*/ 44 h 5372"/>
-              <a:gd name="connsiteX31" fmla="*/ 8329 w 8331"/>
-              <a:gd name="connsiteY31" fmla="*/ 38 h 5372"/>
-              <a:gd name="connsiteX32" fmla="*/ 8328 w 8331"/>
-              <a:gd name="connsiteY32" fmla="*/ 33 h 5372"/>
-              <a:gd name="connsiteX33" fmla="*/ 8328 w 8331"/>
-              <a:gd name="connsiteY33" fmla="*/ 25 h 5372"/>
-              <a:gd name="connsiteX34" fmla="*/ 8328 w 8331"/>
-              <a:gd name="connsiteY34" fmla="*/ 17 h 5372"/>
-              <a:gd name="connsiteX35" fmla="*/ 8327 w 8331"/>
-              <a:gd name="connsiteY35" fmla="*/ 9 h 5372"/>
-              <a:gd name="connsiteX36" fmla="*/ 8326 w 8331"/>
-              <a:gd name="connsiteY36" fmla="*/ 1 h 5372"/>
-              <a:gd name="connsiteX37" fmla="*/ 8326 w 8331"/>
-              <a:gd name="connsiteY37" fmla="*/ 0 h 5372"/>
-              <a:gd name="connsiteX38" fmla="*/ 0 w 8331"/>
-              <a:gd name="connsiteY38" fmla="*/ 0 h 5372"/>
-              <a:gd name="connsiteX39" fmla="*/ 0 w 8331"/>
-              <a:gd name="connsiteY39" fmla="*/ 3663 h 5372"/>
-            </a:gdLst>
-            <a:ahLst/>
-            <a:cxnLst>
-              <a:cxn ang="0">
-                <a:pos x="connsiteX0" y="connsiteY0"/>
-              </a:cxn>
-              <a:cxn ang="0">
-                <a:pos x="connsiteX1" y="connsiteY1"/>
-              </a:cxn>
-              <a:cxn ang="0">
-                <a:pos x="connsiteX2" y="connsiteY2"/>
-              </a:cxn>
-              <a:cxn ang="0">
-                <a:pos x="connsiteX3" y="connsiteY3"/>
-              </a:cxn>
-              <a:cxn ang="0">
-                <a:pos x="connsiteX4" y="connsiteY4"/>
-              </a:cxn>
-              <a:cxn ang="0">
-                <a:pos x="connsiteX5" y="connsiteY5"/>
-              </a:cxn>
-              <a:cxn ang="0">
-                <a:pos x="connsiteX6" y="connsiteY6"/>
-              </a:cxn>
-              <a:cxn ang="0">
-                <a:pos x="connsiteX7" y="connsiteY7"/>
-              </a:cxn>
-              <a:cxn ang="0">
-                <a:pos x="connsiteX8" y="connsiteY8"/>
-              </a:cxn>
-              <a:cxn ang="0">
-                <a:pos x="connsiteX9" y="connsiteY9"/>
-              </a:cxn>
-              <a:cxn ang="0">
-                <a:pos x="connsiteX10" y="connsiteY10"/>
-              </a:cxn>
-              <a:cxn ang="0">
-                <a:pos x="connsiteX11" y="connsiteY11"/>
-              </a:cxn>
-              <a:cxn ang="0">
-                <a:pos x="connsiteX12" y="connsiteY12"/>
-              </a:cxn>
-              <a:cxn ang="0">
-                <a:pos x="connsiteX13" y="connsiteY13"/>
-              </a:cxn>
-              <a:cxn ang="0">
-                <a:pos x="connsiteX14" y="connsiteY14"/>
-              </a:cxn>
-              <a:cxn ang="0">
-                <a:pos x="connsiteX15" y="connsiteY15"/>
-              </a:cxn>
-              <a:cxn ang="0">
-                <a:pos x="connsiteX16" y="connsiteY16"/>
-              </a:cxn>
-              <a:cxn ang="0">
-                <a:pos x="connsiteX17" y="connsiteY17"/>
-              </a:cxn>
-              <a:cxn ang="0">
-                <a:pos x="connsiteX18" y="connsiteY18"/>
-              </a:cxn>
-              <a:cxn ang="0">
-                <a:pos x="connsiteX19" y="connsiteY19"/>
-              </a:cxn>
-              <a:cxn ang="0">
-                <a:pos x="connsiteX20" y="connsiteY20"/>
-              </a:cxn>
-              <a:cxn ang="0">
-                <a:pos x="connsiteX21" y="connsiteY21"/>
-              </a:cxn>
-              <a:cxn ang="0">
-                <a:pos x="connsiteX22" y="connsiteY22"/>
-              </a:cxn>
-              <a:cxn ang="0">
-                <a:pos x="connsiteX23" y="connsiteY23"/>
-              </a:cxn>
-              <a:cxn ang="0">
-                <a:pos x="connsiteX24" y="connsiteY24"/>
-              </a:cxn>
-              <a:cxn ang="0">
-                <a:pos x="connsiteX25" y="connsiteY25"/>
-              </a:cxn>
-              <a:cxn ang="0">
-                <a:pos x="connsiteX26" y="connsiteY26"/>
-              </a:cxn>
-              <a:cxn ang="0">
-                <a:pos x="connsiteX27" y="connsiteY27"/>
-              </a:cxn>
-              <a:cxn ang="0">
-                <a:pos x="connsiteX28" y="connsiteY28"/>
-              </a:cxn>
-              <a:cxn ang="0">
-                <a:pos x="connsiteX29" y="connsiteY29"/>
-              </a:cxn>
-              <a:cxn ang="0">
-                <a:pos x="connsiteX30" y="connsiteY30"/>
-              </a:cxn>
-              <a:cxn ang="0">
-                <a:pos x="connsiteX31" y="connsiteY31"/>
-              </a:cxn>
-              <a:cxn ang="0">
-                <a:pos x="connsiteX32" y="connsiteY32"/>
-              </a:cxn>
-              <a:cxn ang="0">
-                <a:pos x="connsiteX33" y="connsiteY33"/>
-              </a:cxn>
-              <a:cxn ang="0">
-                <a:pos x="connsiteX34" y="connsiteY34"/>
-              </a:cxn>
-              <a:cxn ang="0">
-                <a:pos x="connsiteX35" y="connsiteY35"/>
-              </a:cxn>
-              <a:cxn ang="0">
-                <a:pos x="connsiteX36" y="connsiteY36"/>
-              </a:cxn>
-              <a:cxn ang="0">
-                <a:pos x="connsiteX37" y="connsiteY37"/>
-              </a:cxn>
-              <a:cxn ang="0">
-                <a:pos x="connsiteX38" y="connsiteY38"/>
-              </a:cxn>
-              <a:cxn ang="0">
-                <a:pos x="connsiteX39" y="connsiteY39"/>
-              </a:cxn>
-            </a:cxnLst>
-            <a:rect l="l" t="t" r="r" b="b"/>
-            <a:pathLst>
-              <a:path w="8331" h="5373">
-                <a:moveTo>
-                  <a:pt x="0" y="3663"/>
-                </a:moveTo>
-                <a:cubicBezTo>
-                  <a:pt x="28" y="3645"/>
-                  <a:pt x="91" y="3603"/>
-                  <a:pt x="92" y="3603"/>
-                </a:cubicBezTo>
-                <a:cubicBezTo>
-                  <a:pt x="412" y="3406"/>
-                  <a:pt x="810" y="3448"/>
-                  <a:pt x="810" y="3448"/>
-                </a:cubicBezTo>
-                <a:cubicBezTo>
-                  <a:pt x="892" y="3471"/>
-                  <a:pt x="945" y="3464"/>
-                  <a:pt x="1055" y="3516"/>
-                </a:cubicBezTo>
-                <a:cubicBezTo>
-                  <a:pt x="1207" y="3594"/>
-                  <a:pt x="1487" y="3755"/>
-                  <a:pt x="1765" y="4373"/>
-                </a:cubicBezTo>
-                <a:cubicBezTo>
-                  <a:pt x="2018" y="5005"/>
-                  <a:pt x="2598" y="5389"/>
-                  <a:pt x="2976" y="5372"/>
-                </a:cubicBezTo>
-                <a:lnTo>
-                  <a:pt x="2998" y="5371"/>
-                </a:lnTo>
-                <a:lnTo>
-                  <a:pt x="3019" y="5370"/>
-                </a:lnTo>
-                <a:lnTo>
-                  <a:pt x="3040" y="5368"/>
-                </a:lnTo>
-                <a:lnTo>
-                  <a:pt x="3070" y="5369"/>
-                </a:lnTo>
-                <a:lnTo>
-                  <a:pt x="3100" y="5370"/>
-                </a:lnTo>
-                <a:cubicBezTo>
-                  <a:pt x="3702" y="5386"/>
-                  <a:pt x="3971" y="4511"/>
-                  <a:pt x="4064" y="4094"/>
-                </a:cubicBezTo>
-                <a:cubicBezTo>
-                  <a:pt x="4131" y="3763"/>
-                  <a:pt x="4122" y="3695"/>
-                  <a:pt x="4151" y="3496"/>
-                </a:cubicBezTo>
-                <a:lnTo>
-                  <a:pt x="4230" y="3101"/>
-                </a:lnTo>
-                <a:cubicBezTo>
-                  <a:pt x="4312" y="2650"/>
-                  <a:pt x="4345" y="2612"/>
-                  <a:pt x="4455" y="2156"/>
-                </a:cubicBezTo>
-                <a:cubicBezTo>
-                  <a:pt x="4499" y="2002"/>
-                  <a:pt x="4502" y="1897"/>
-                  <a:pt x="4528" y="1837"/>
-                </a:cubicBezTo>
-                <a:cubicBezTo>
-                  <a:pt x="4533" y="1825"/>
-                  <a:pt x="4539" y="1811"/>
-                  <a:pt x="4540" y="1808"/>
-                </a:cubicBezTo>
-                <a:cubicBezTo>
-                  <a:pt x="4693" y="1089"/>
-                  <a:pt x="5488" y="341"/>
-                  <a:pt x="6452" y="360"/>
-                </a:cubicBezTo>
-                <a:lnTo>
-                  <a:pt x="6506" y="360"/>
-                </a:lnTo>
-                <a:lnTo>
-                  <a:pt x="6561" y="362"/>
-                </a:lnTo>
-                <a:lnTo>
-                  <a:pt x="6616" y="365"/>
-                </a:lnTo>
-                <a:lnTo>
-                  <a:pt x="6672" y="369"/>
-                </a:lnTo>
-                <a:lnTo>
-                  <a:pt x="6679" y="369"/>
-                </a:lnTo>
-                <a:cubicBezTo>
-                  <a:pt x="6800" y="369"/>
-                  <a:pt x="6990" y="375"/>
-                  <a:pt x="7062" y="377"/>
-                </a:cubicBezTo>
-                <a:cubicBezTo>
-                  <a:pt x="7073" y="377"/>
-                  <a:pt x="7087" y="377"/>
-                  <a:pt x="7089" y="378"/>
-                </a:cubicBezTo>
-                <a:cubicBezTo>
-                  <a:pt x="7198" y="381"/>
-                  <a:pt x="7367" y="384"/>
-                  <a:pt x="7422" y="384"/>
-                </a:cubicBezTo>
-                <a:cubicBezTo>
-                  <a:pt x="7430" y="384"/>
-                  <a:pt x="7439" y="384"/>
-                  <a:pt x="7440" y="384"/>
-                </a:cubicBezTo>
-                <a:lnTo>
-                  <a:pt x="7474" y="384"/>
-                </a:lnTo>
-                <a:cubicBezTo>
-                  <a:pt x="8145" y="384"/>
-                  <a:pt x="8339" y="157"/>
-                  <a:pt x="8331" y="55"/>
-                </a:cubicBezTo>
-                <a:lnTo>
-                  <a:pt x="8331" y="49"/>
-                </a:lnTo>
-                <a:lnTo>
-                  <a:pt x="8330" y="44"/>
-                </a:lnTo>
-                <a:lnTo>
-                  <a:pt x="8329" y="38"/>
-                </a:lnTo>
-                <a:lnTo>
-                  <a:pt x="8328" y="33"/>
-                </a:lnTo>
-                <a:lnTo>
-                  <a:pt x="8328" y="25"/>
-                </a:lnTo>
-                <a:lnTo>
-                  <a:pt x="8328" y="17"/>
-                </a:lnTo>
-                <a:lnTo>
-                  <a:pt x="8327" y="9"/>
-                </a:lnTo>
-                <a:lnTo>
-                  <a:pt x="8326" y="1"/>
-                </a:lnTo>
-                <a:lnTo>
-                  <a:pt x="8326" y="0"/>
-                </a:lnTo>
-                <a:lnTo>
-                  <a:pt x="0" y="0"/>
-                </a:lnTo>
-                <a:lnTo>
-                  <a:pt x="0" y="3663"/>
-                </a:lnTo>
-                <a:close/>
-              </a:path>
-            </a:pathLst>
-          </a:custGeom>
-          <a:solidFill>
-            <a:srgbClr val="2F4275"/>
-          </a:solidFill>
-          <a:ln>
-            <a:noFill/>
-          </a:ln>
-        </p:spPr>
-        <p:style>
-          <a:lnRef idx="2">
-            <a:schemeClr val="accent1">
-              <a:shade val="50000"/>
-            </a:schemeClr>
-          </a:lnRef>
-          <a:fillRef idx="1">
-            <a:schemeClr val="accent1"/>
-          </a:fillRef>
-          <a:effectRef idx="0">
-            <a:schemeClr val="accent1"/>
-          </a:effectRef>
-          <a:fontRef idx="minor">
-            <a:schemeClr val="lt1"/>
-          </a:fontRef>
-        </p:style>
-        <p:txBody>
-          <a:bodyPr wrap="square" rtlCol="0" anchor="ctr">
-            <a:noAutofit/>
-          </a:bodyPr>
-          <a:lstStyle>
-            <a:defPPr>
-              <a:defRPr lang="zh-CN">
-                <a:solidFill>
-                  <a:schemeClr val="lt1"/>
-                </a:solidFill>
-              </a:defRPr>
-            </a:defPPr>
-            <a:lvl1pPr marL="0" algn="l" defTabSz="914400" rtl="0" eaLnBrk="1" latinLnBrk="0" hangingPunct="1">
-              <a:defRPr sz="1800" kern="1200">
-                <a:solidFill>
-                  <a:schemeClr val="lt1"/>
-                </a:solidFill>
-                <a:latin typeface="+mn-lt"/>
-                <a:ea typeface="+mn-ea"/>
-                <a:cs typeface="+mn-cs"/>
-              </a:defRPr>
-            </a:lvl1pPr>
-            <a:lvl2pPr marL="457200" algn="l" defTabSz="914400" rtl="0" eaLnBrk="1" latinLnBrk="0" hangingPunct="1">
-              <a:defRPr sz="1800" kern="1200">
-                <a:solidFill>
-                  <a:schemeClr val="lt1"/>
-                </a:solidFill>
-                <a:latin typeface="+mn-lt"/>
-                <a:ea typeface="+mn-ea"/>
-                <a:cs typeface="+mn-cs"/>
-              </a:defRPr>
-            </a:lvl2pPr>
-            <a:lvl3pPr marL="914400" algn="l" defTabSz="914400" rtl="0" eaLnBrk="1" latinLnBrk="0" hangingPunct="1">
-              <a:defRPr sz="1800" kern="1200">
-                <a:solidFill>
-                  <a:schemeClr val="lt1"/>
-                </a:solidFill>
-                <a:latin typeface="+mn-lt"/>
-                <a:ea typeface="+mn-ea"/>
-                <a:cs typeface="+mn-cs"/>
-              </a:defRPr>
-            </a:lvl3pPr>
-            <a:lvl4pPr marL="1371600" algn="l" defTabSz="914400" rtl="0" eaLnBrk="1" latinLnBrk="0" hangingPunct="1">
-              <a:defRPr sz="1800" kern="1200">
-                <a:solidFill>
-                  <a:schemeClr val="lt1"/>
-                </a:solidFill>
-                <a:latin typeface="+mn-lt"/>
-                <a:ea typeface="+mn-ea"/>
-                <a:cs typeface="+mn-cs"/>
-              </a:defRPr>
-            </a:lvl4pPr>
-            <a:lvl5pPr marL="1828800" algn="l" defTabSz="914400" rtl="0" eaLnBrk="1" latinLnBrk="0" hangingPunct="1">
-              <a:defRPr sz="1800" kern="1200">
-                <a:solidFill>
-                  <a:schemeClr val="lt1"/>
-                </a:solidFill>
-                <a:latin typeface="+mn-lt"/>
-                <a:ea typeface="+mn-ea"/>
-                <a:cs typeface="+mn-cs"/>
-              </a:defRPr>
-            </a:lvl5pPr>
-            <a:lvl6pPr marL="2286000" algn="l" defTabSz="914400" rtl="0" eaLnBrk="1" latinLnBrk="0" hangingPunct="1">
-              <a:defRPr sz="1800" kern="1200">
-                <a:solidFill>
-                  <a:schemeClr val="lt1"/>
-                </a:solidFill>
-                <a:latin typeface="+mn-lt"/>
-                <a:ea typeface="+mn-ea"/>
-                <a:cs typeface="+mn-cs"/>
-              </a:defRPr>
-            </a:lvl6pPr>
-            <a:lvl7pPr marL="2743200" algn="l" defTabSz="914400" rtl="0" eaLnBrk="1" latinLnBrk="0" hangingPunct="1">
-              <a:defRPr sz="1800" kern="1200">
-                <a:solidFill>
-                  <a:schemeClr val="lt1"/>
-                </a:solidFill>
-                <a:latin typeface="+mn-lt"/>
-                <a:ea typeface="+mn-ea"/>
-                <a:cs typeface="+mn-cs"/>
-              </a:defRPr>
-            </a:lvl7pPr>
-            <a:lvl8pPr marL="3200400" algn="l" defTabSz="914400" rtl="0" eaLnBrk="1" latinLnBrk="0" hangingPunct="1">
-              <a:defRPr sz="1800" kern="1200">
-                <a:solidFill>
-                  <a:schemeClr val="lt1"/>
-                </a:solidFill>
-                <a:latin typeface="+mn-lt"/>
-                <a:ea typeface="+mn-ea"/>
-                <a:cs typeface="+mn-cs"/>
-              </a:defRPr>
-            </a:lvl8pPr>
-            <a:lvl9pPr marL="3657600" algn="l" defTabSz="914400" rtl="0" eaLnBrk="1" latinLnBrk="0" hangingPunct="1">
-              <a:defRPr sz="1800" kern="1200">
-                <a:solidFill>
-                  <a:schemeClr val="lt1"/>
-                </a:solidFill>
-                <a:latin typeface="+mn-lt"/>
-                <a:ea typeface="+mn-ea"/>
-                <a:cs typeface="+mn-cs"/>
-              </a:defRPr>
-            </a:lvl9pPr>
-          </a:lstStyle>
-          <a:p>
-            <a:pPr algn="ctr"/>
-            <a:endParaRPr lang="zh-CN" altLang="en-US">
-              <a:cs typeface="汉仪旗黑-55简" panose="00020600040101010101" charset="-128"/>
-            </a:endParaRPr>
-          </a:p>
-        </p:txBody>
-      </p:sp>
-      <p:sp>
-        <p:nvSpPr>
-          <p:cNvPr id="77" name="任意多边形 76"/>
-          <p:cNvSpPr/>
-          <p:nvPr/>
-        </p:nvSpPr>
-        <p:spPr>
-          <a:xfrm>
-            <a:off x="9601835" y="4957445"/>
-            <a:ext cx="2590165" cy="1900555"/>
-          </a:xfrm>
-          <a:custGeom>
-            <a:avLst/>
-            <a:gdLst/>
-            <a:ahLst/>
-            <a:cxnLst>
-              <a:cxn ang="3">
-                <a:pos x="hc" y="t"/>
-              </a:cxn>
-              <a:cxn ang="cd2">
-                <a:pos x="l" y="vc"/>
-              </a:cxn>
-              <a:cxn ang="cd4">
-                <a:pos x="hc" y="b"/>
-              </a:cxn>
-              <a:cxn ang="0">
-                <a:pos x="r" y="vc"/>
-              </a:cxn>
-            </a:cxnLst>
-            <a:rect l="l" t="t" r="r" b="b"/>
-            <a:pathLst>
-              <a:path w="5485" h="4044">
-                <a:moveTo>
-                  <a:pt x="0" y="4037"/>
-                </a:moveTo>
-                <a:cubicBezTo>
-                  <a:pt x="532" y="1406"/>
-                  <a:pt x="3081" y="-124"/>
-                  <a:pt x="3559" y="0"/>
-                </a:cubicBezTo>
-                <a:lnTo>
-                  <a:pt x="3591" y="0"/>
-                </a:lnTo>
-                <a:lnTo>
-                  <a:pt x="3715" y="6"/>
-                </a:lnTo>
-                <a:lnTo>
-                  <a:pt x="3749" y="5"/>
-                </a:lnTo>
-                <a:lnTo>
-                  <a:pt x="3783" y="5"/>
-                </a:lnTo>
-                <a:cubicBezTo>
-                  <a:pt x="4501" y="-6"/>
-                  <a:pt x="5429" y="992"/>
-                  <a:pt x="5480" y="1519"/>
-                </a:cubicBezTo>
-                <a:lnTo>
-                  <a:pt x="5485" y="1541"/>
-                </a:lnTo>
-                <a:lnTo>
-                  <a:pt x="5485" y="4037"/>
-                </a:lnTo>
-                <a:lnTo>
-                  <a:pt x="0" y="4037"/>
-                </a:lnTo>
-                <a:close/>
-              </a:path>
-            </a:pathLst>
-          </a:custGeom>
-          <a:solidFill>
-            <a:schemeClr val="bg1">
-              <a:lumMod val="85000"/>
-            </a:schemeClr>
-          </a:solidFill>
-          <a:ln>
-            <a:noFill/>
-          </a:ln>
-        </p:spPr>
-        <p:style>
-          <a:lnRef idx="2">
-            <a:schemeClr val="accent1">
-              <a:shade val="50000"/>
-            </a:schemeClr>
-          </a:lnRef>
-          <a:fillRef idx="1">
-            <a:schemeClr val="accent1"/>
-          </a:fillRef>
-          <a:effectRef idx="0">
-            <a:schemeClr val="accent1"/>
-          </a:effectRef>
-          <a:fontRef idx="minor">
-            <a:schemeClr val="lt1"/>
-          </a:fontRef>
-        </p:style>
-        <p:txBody>
-          <a:bodyPr wrap="square" rtlCol="0" anchor="ctr">
-            <a:noAutofit/>
-          </a:bodyPr>
-          <a:lstStyle>
-            <a:defPPr>
-              <a:defRPr lang="zh-CN">
-                <a:solidFill>
-                  <a:schemeClr val="lt1"/>
-                </a:solidFill>
-              </a:defRPr>
-            </a:defPPr>
-            <a:lvl1pPr marL="0" algn="l" defTabSz="914400" rtl="0" eaLnBrk="1" latinLnBrk="0" hangingPunct="1">
-              <a:defRPr sz="1800" kern="1200">
-                <a:solidFill>
-                  <a:schemeClr val="lt1"/>
-                </a:solidFill>
-                <a:latin typeface="+mn-lt"/>
-                <a:ea typeface="+mn-ea"/>
-                <a:cs typeface="+mn-cs"/>
-              </a:defRPr>
-            </a:lvl1pPr>
-            <a:lvl2pPr marL="457200" algn="l" defTabSz="914400" rtl="0" eaLnBrk="1" latinLnBrk="0" hangingPunct="1">
-              <a:defRPr sz="1800" kern="1200">
-                <a:solidFill>
-                  <a:schemeClr val="lt1"/>
-                </a:solidFill>
-                <a:latin typeface="+mn-lt"/>
-                <a:ea typeface="+mn-ea"/>
-                <a:cs typeface="+mn-cs"/>
-              </a:defRPr>
-            </a:lvl2pPr>
-            <a:lvl3pPr marL="914400" algn="l" defTabSz="914400" rtl="0" eaLnBrk="1" latinLnBrk="0" hangingPunct="1">
-              <a:defRPr sz="1800" kern="1200">
-                <a:solidFill>
-                  <a:schemeClr val="lt1"/>
-                </a:solidFill>
-                <a:latin typeface="+mn-lt"/>
-                <a:ea typeface="+mn-ea"/>
-                <a:cs typeface="+mn-cs"/>
-              </a:defRPr>
-            </a:lvl3pPr>
-            <a:lvl4pPr marL="1371600" algn="l" defTabSz="914400" rtl="0" eaLnBrk="1" latinLnBrk="0" hangingPunct="1">
-              <a:defRPr sz="1800" kern="1200">
-                <a:solidFill>
-                  <a:schemeClr val="lt1"/>
-                </a:solidFill>
-                <a:latin typeface="+mn-lt"/>
-                <a:ea typeface="+mn-ea"/>
-                <a:cs typeface="+mn-cs"/>
-              </a:defRPr>
-            </a:lvl4pPr>
-            <a:lvl5pPr marL="1828800" algn="l" defTabSz="914400" rtl="0" eaLnBrk="1" latinLnBrk="0" hangingPunct="1">
-              <a:defRPr sz="1800" kern="1200">
-                <a:solidFill>
-                  <a:schemeClr val="lt1"/>
-                </a:solidFill>
-                <a:latin typeface="+mn-lt"/>
-                <a:ea typeface="+mn-ea"/>
-                <a:cs typeface="+mn-cs"/>
-              </a:defRPr>
-            </a:lvl5pPr>
-            <a:lvl6pPr marL="2286000" algn="l" defTabSz="914400" rtl="0" eaLnBrk="1" latinLnBrk="0" hangingPunct="1">
-              <a:defRPr sz="1800" kern="1200">
-                <a:solidFill>
-                  <a:schemeClr val="lt1"/>
-                </a:solidFill>
-                <a:latin typeface="+mn-lt"/>
-                <a:ea typeface="+mn-ea"/>
-                <a:cs typeface="+mn-cs"/>
-              </a:defRPr>
-            </a:lvl6pPr>
-            <a:lvl7pPr marL="2743200" algn="l" defTabSz="914400" rtl="0" eaLnBrk="1" latinLnBrk="0" hangingPunct="1">
-              <a:defRPr sz="1800" kern="1200">
-                <a:solidFill>
-                  <a:schemeClr val="lt1"/>
-                </a:solidFill>
-                <a:latin typeface="+mn-lt"/>
-                <a:ea typeface="+mn-ea"/>
-                <a:cs typeface="+mn-cs"/>
-              </a:defRPr>
-            </a:lvl7pPr>
-            <a:lvl8pPr marL="3200400" algn="l" defTabSz="914400" rtl="0" eaLnBrk="1" latinLnBrk="0" hangingPunct="1">
-              <a:defRPr sz="1800" kern="1200">
-                <a:solidFill>
-                  <a:schemeClr val="lt1"/>
-                </a:solidFill>
-                <a:latin typeface="+mn-lt"/>
-                <a:ea typeface="+mn-ea"/>
-                <a:cs typeface="+mn-cs"/>
-              </a:defRPr>
-            </a:lvl8pPr>
-            <a:lvl9pPr marL="3657600" algn="l" defTabSz="914400" rtl="0" eaLnBrk="1" latinLnBrk="0" hangingPunct="1">
-              <a:defRPr sz="1800" kern="1200">
-                <a:solidFill>
-                  <a:schemeClr val="lt1"/>
-                </a:solidFill>
-                <a:latin typeface="+mn-lt"/>
-                <a:ea typeface="+mn-ea"/>
-                <a:cs typeface="+mn-cs"/>
-              </a:defRPr>
-            </a:lvl9pPr>
-          </a:lstStyle>
-          <a:p>
-            <a:pPr algn="ctr"/>
-            <a:endParaRPr lang="zh-CN" altLang="en-US">
-              <a:cs typeface="汉仪旗黑-55简" panose="00020600040101010101" charset="-128"/>
-            </a:endParaRPr>
-          </a:p>
-        </p:txBody>
-      </p:sp>
-      <p:sp>
-        <p:nvSpPr>
-          <p:cNvPr id="55" name="任意多边形 54"/>
-          <p:cNvSpPr/>
-          <p:nvPr/>
-        </p:nvSpPr>
-        <p:spPr>
-          <a:xfrm>
-            <a:off x="9090660" y="5235575"/>
-            <a:ext cx="3101340" cy="1622425"/>
-          </a:xfrm>
-          <a:custGeom>
-            <a:avLst/>
-            <a:gdLst>
-              <a:gd name="connsiteX0" fmla="*/ 0 w 7048"/>
-              <a:gd name="connsiteY0" fmla="*/ 3698 h 3698"/>
-              <a:gd name="connsiteX1" fmla="*/ 3188 w 7048"/>
-              <a:gd name="connsiteY1" fmla="*/ 0 h 3698"/>
-              <a:gd name="connsiteX2" fmla="*/ 3293 w 7048"/>
-              <a:gd name="connsiteY2" fmla="*/ 4 h 3698"/>
-              <a:gd name="connsiteX3" fmla="*/ 4791 w 7048"/>
-              <a:gd name="connsiteY3" fmla="*/ 1085 h 3698"/>
-              <a:gd name="connsiteX4" fmla="*/ 5430 w 7048"/>
-              <a:gd name="connsiteY4" fmla="*/ 1784 h 3698"/>
-              <a:gd name="connsiteX5" fmla="*/ 5524 w 7048"/>
-              <a:gd name="connsiteY5" fmla="*/ 1782 h 3698"/>
-              <a:gd name="connsiteX6" fmla="*/ 6708 w 7048"/>
-              <a:gd name="connsiteY6" fmla="*/ 1018 h 3698"/>
-              <a:gd name="connsiteX7" fmla="*/ 6722 w 7048"/>
-              <a:gd name="connsiteY7" fmla="*/ 1006 h 3698"/>
-              <a:gd name="connsiteX8" fmla="*/ 6737 w 7048"/>
-              <a:gd name="connsiteY8" fmla="*/ 992 h 3698"/>
-              <a:gd name="connsiteX9" fmla="*/ 6755 w 7048"/>
-              <a:gd name="connsiteY9" fmla="*/ 976 h 3698"/>
-              <a:gd name="connsiteX10" fmla="*/ 6773 w 7048"/>
-              <a:gd name="connsiteY10" fmla="*/ 961 h 3698"/>
-              <a:gd name="connsiteX11" fmla="*/ 6789 w 7048"/>
-              <a:gd name="connsiteY11" fmla="*/ 945 h 3698"/>
-              <a:gd name="connsiteX12" fmla="*/ 6793 w 7048"/>
-              <a:gd name="connsiteY12" fmla="*/ 941 h 3698"/>
-              <a:gd name="connsiteX13" fmla="*/ 7048 w 7048"/>
-              <a:gd name="connsiteY13" fmla="*/ 716 h 3698"/>
-              <a:gd name="connsiteX14" fmla="*/ 7048 w 7048"/>
-              <a:gd name="connsiteY14" fmla="*/ 3698 h 3698"/>
-              <a:gd name="connsiteX15" fmla="*/ 0 w 7048"/>
-              <a:gd name="connsiteY15" fmla="*/ 3698 h 3698"/>
-            </a:gdLst>
-            <a:ahLst/>
-            <a:cxnLst>
-              <a:cxn ang="0">
-                <a:pos x="connsiteX0" y="connsiteY0"/>
-              </a:cxn>
-              <a:cxn ang="0">
-                <a:pos x="connsiteX1" y="connsiteY1"/>
-              </a:cxn>
-              <a:cxn ang="0">
-                <a:pos x="connsiteX2" y="connsiteY2"/>
-              </a:cxn>
-              <a:cxn ang="0">
-                <a:pos x="connsiteX3" y="connsiteY3"/>
-              </a:cxn>
-              <a:cxn ang="0">
-                <a:pos x="connsiteX4" y="connsiteY4"/>
-              </a:cxn>
-              <a:cxn ang="0">
-                <a:pos x="connsiteX5" y="connsiteY5"/>
-              </a:cxn>
-              <a:cxn ang="0">
-                <a:pos x="connsiteX6" y="connsiteY6"/>
-              </a:cxn>
-              <a:cxn ang="0">
-                <a:pos x="connsiteX7" y="connsiteY7"/>
-              </a:cxn>
-              <a:cxn ang="0">
-                <a:pos x="connsiteX8" y="connsiteY8"/>
-              </a:cxn>
-              <a:cxn ang="0">
-                <a:pos x="connsiteX9" y="connsiteY9"/>
-              </a:cxn>
-              <a:cxn ang="0">
-                <a:pos x="connsiteX10" y="connsiteY10"/>
-              </a:cxn>
-              <a:cxn ang="0">
-                <a:pos x="connsiteX11" y="connsiteY11"/>
-              </a:cxn>
-              <a:cxn ang="0">
-                <a:pos x="connsiteX12" y="connsiteY12"/>
-              </a:cxn>
-              <a:cxn ang="0">
-                <a:pos x="connsiteX13" y="connsiteY13"/>
-              </a:cxn>
-              <a:cxn ang="0">
-                <a:pos x="connsiteX14" y="connsiteY14"/>
-              </a:cxn>
-              <a:cxn ang="0">
-                <a:pos x="connsiteX15" y="connsiteY15"/>
-              </a:cxn>
-            </a:cxnLst>
-            <a:rect l="l" t="t" r="r" b="b"/>
-            <a:pathLst>
-              <a:path w="7048" h="3698">
-                <a:moveTo>
-                  <a:pt x="0" y="3698"/>
-                </a:moveTo>
-                <a:cubicBezTo>
-                  <a:pt x="213" y="1107"/>
-                  <a:pt x="2537" y="11"/>
-                  <a:pt x="3188" y="0"/>
-                </a:cubicBezTo>
-                <a:lnTo>
-                  <a:pt x="3293" y="4"/>
-                </a:lnTo>
-                <a:cubicBezTo>
-                  <a:pt x="3896" y="-17"/>
-                  <a:pt x="4685" y="596"/>
-                  <a:pt x="4791" y="1085"/>
-                </a:cubicBezTo>
-                <a:cubicBezTo>
-                  <a:pt x="4887" y="1456"/>
-                  <a:pt x="5188" y="1796"/>
-                  <a:pt x="5430" y="1784"/>
-                </a:cubicBezTo>
-                <a:lnTo>
-                  <a:pt x="5524" y="1782"/>
-                </a:lnTo>
-                <a:cubicBezTo>
-                  <a:pt x="5847" y="1792"/>
-                  <a:pt x="6462" y="1237"/>
-                  <a:pt x="6708" y="1018"/>
-                </a:cubicBezTo>
-                <a:lnTo>
-                  <a:pt x="6722" y="1006"/>
-                </a:lnTo>
-                <a:lnTo>
-                  <a:pt x="6737" y="992"/>
-                </a:lnTo>
-                <a:lnTo>
-                  <a:pt x="6755" y="976"/>
-                </a:lnTo>
-                <a:lnTo>
-                  <a:pt x="6773" y="961"/>
-                </a:lnTo>
-                <a:lnTo>
-                  <a:pt x="6789" y="945"/>
-                </a:lnTo>
-                <a:lnTo>
-                  <a:pt x="6793" y="941"/>
-                </a:lnTo>
-                <a:cubicBezTo>
-                  <a:pt x="6869" y="868"/>
-                  <a:pt x="7028" y="731"/>
-                  <a:pt x="7048" y="716"/>
-                </a:cubicBezTo>
-                <a:lnTo>
-                  <a:pt x="7048" y="3698"/>
-                </a:lnTo>
-                <a:lnTo>
-                  <a:pt x="0" y="3698"/>
-                </a:lnTo>
-                <a:close/>
-              </a:path>
-            </a:pathLst>
-          </a:custGeom>
-          <a:solidFill>
-            <a:srgbClr val="2F4275"/>
-          </a:solidFill>
-          <a:ln>
-            <a:noFill/>
-          </a:ln>
-        </p:spPr>
-        <p:style>
-          <a:lnRef idx="2">
-            <a:schemeClr val="accent1">
-              <a:shade val="50000"/>
-            </a:schemeClr>
-          </a:lnRef>
-          <a:fillRef idx="1">
-            <a:schemeClr val="accent1"/>
-          </a:fillRef>
-          <a:effectRef idx="0">
-            <a:schemeClr val="accent1"/>
-          </a:effectRef>
-          <a:fontRef idx="minor">
-            <a:schemeClr val="lt1"/>
-          </a:fontRef>
-        </p:style>
-        <p:txBody>
-          <a:bodyPr wrap="square" rtlCol="0" anchor="ctr">
-            <a:noAutofit/>
-          </a:bodyPr>
-          <a:lstStyle>
-            <a:defPPr>
-              <a:defRPr lang="zh-CN">
-                <a:solidFill>
-                  <a:schemeClr val="lt1"/>
-                </a:solidFill>
-              </a:defRPr>
-            </a:defPPr>
-            <a:lvl1pPr marL="0" algn="l" defTabSz="914400" rtl="0" eaLnBrk="1" latinLnBrk="0" hangingPunct="1">
-              <a:defRPr sz="1800" kern="1200">
-                <a:solidFill>
-                  <a:schemeClr val="lt1"/>
-                </a:solidFill>
-                <a:latin typeface="+mn-lt"/>
-                <a:ea typeface="+mn-ea"/>
-                <a:cs typeface="+mn-cs"/>
-              </a:defRPr>
-            </a:lvl1pPr>
-            <a:lvl2pPr marL="457200" algn="l" defTabSz="914400" rtl="0" eaLnBrk="1" latinLnBrk="0" hangingPunct="1">
-              <a:defRPr sz="1800" kern="1200">
-                <a:solidFill>
-                  <a:schemeClr val="lt1"/>
-                </a:solidFill>
-                <a:latin typeface="+mn-lt"/>
-                <a:ea typeface="+mn-ea"/>
-                <a:cs typeface="+mn-cs"/>
-              </a:defRPr>
-            </a:lvl2pPr>
-            <a:lvl3pPr marL="914400" algn="l" defTabSz="914400" rtl="0" eaLnBrk="1" latinLnBrk="0" hangingPunct="1">
-              <a:defRPr sz="1800" kern="1200">
-                <a:solidFill>
-                  <a:schemeClr val="lt1"/>
-                </a:solidFill>
-                <a:latin typeface="+mn-lt"/>
-                <a:ea typeface="+mn-ea"/>
-                <a:cs typeface="+mn-cs"/>
-              </a:defRPr>
-            </a:lvl3pPr>
-            <a:lvl4pPr marL="1371600" algn="l" defTabSz="914400" rtl="0" eaLnBrk="1" latinLnBrk="0" hangingPunct="1">
-              <a:defRPr sz="1800" kern="1200">
-                <a:solidFill>
-                  <a:schemeClr val="lt1"/>
-                </a:solidFill>
-                <a:latin typeface="+mn-lt"/>
-                <a:ea typeface="+mn-ea"/>
-                <a:cs typeface="+mn-cs"/>
-              </a:defRPr>
-            </a:lvl4pPr>
-            <a:lvl5pPr marL="1828800" algn="l" defTabSz="914400" rtl="0" eaLnBrk="1" latinLnBrk="0" hangingPunct="1">
-              <a:defRPr sz="1800" kern="1200">
-                <a:solidFill>
-                  <a:schemeClr val="lt1"/>
-                </a:solidFill>
-                <a:latin typeface="+mn-lt"/>
-                <a:ea typeface="+mn-ea"/>
-                <a:cs typeface="+mn-cs"/>
-              </a:defRPr>
-            </a:lvl5pPr>
-            <a:lvl6pPr marL="2286000" algn="l" defTabSz="914400" rtl="0" eaLnBrk="1" latinLnBrk="0" hangingPunct="1">
-              <a:defRPr sz="1800" kern="1200">
-                <a:solidFill>
-                  <a:schemeClr val="lt1"/>
-                </a:solidFill>
-                <a:latin typeface="+mn-lt"/>
-                <a:ea typeface="+mn-ea"/>
-                <a:cs typeface="+mn-cs"/>
-              </a:defRPr>
-            </a:lvl6pPr>
-            <a:lvl7pPr marL="2743200" algn="l" defTabSz="914400" rtl="0" eaLnBrk="1" latinLnBrk="0" hangingPunct="1">
-              <a:defRPr sz="1800" kern="1200">
-                <a:solidFill>
-                  <a:schemeClr val="lt1"/>
-                </a:solidFill>
-                <a:latin typeface="+mn-lt"/>
-                <a:ea typeface="+mn-ea"/>
-                <a:cs typeface="+mn-cs"/>
-              </a:defRPr>
-            </a:lvl7pPr>
-            <a:lvl8pPr marL="3200400" algn="l" defTabSz="914400" rtl="0" eaLnBrk="1" latinLnBrk="0" hangingPunct="1">
-              <a:defRPr sz="1800" kern="1200">
-                <a:solidFill>
-                  <a:schemeClr val="lt1"/>
-                </a:solidFill>
-                <a:latin typeface="+mn-lt"/>
-                <a:ea typeface="+mn-ea"/>
-                <a:cs typeface="+mn-cs"/>
-              </a:defRPr>
-            </a:lvl8pPr>
-            <a:lvl9pPr marL="3657600" algn="l" defTabSz="914400" rtl="0" eaLnBrk="1" latinLnBrk="0" hangingPunct="1">
-              <a:defRPr sz="1800" kern="1200">
-                <a:solidFill>
-                  <a:schemeClr val="lt1"/>
-                </a:solidFill>
-                <a:latin typeface="+mn-lt"/>
-                <a:ea typeface="+mn-ea"/>
-                <a:cs typeface="+mn-cs"/>
-              </a:defRPr>
-            </a:lvl9pPr>
-          </a:lstStyle>
-          <a:p>
-            <a:pPr algn="ctr"/>
-            <a:endParaRPr lang="zh-CN" altLang="en-US">
-              <a:cs typeface="汉仪旗黑-55简" panose="00020600040101010101" charset="-128"/>
-            </a:endParaRPr>
-          </a:p>
-        </p:txBody>
-      </p:sp>
-      <p:sp>
-        <p:nvSpPr>
-          <p:cNvPr id="12" name="文本框 11"/>
-          <p:cNvSpPr txBox="1"/>
-          <p:nvPr/>
-        </p:nvSpPr>
-        <p:spPr>
-          <a:xfrm>
-            <a:off x="874930" y="2802564"/>
-            <a:ext cx="3824756" cy="830997"/>
-          </a:xfrm>
-          <a:prstGeom prst="rect">
-            <a:avLst/>
-          </a:prstGeom>
-          <a:noFill/>
-        </p:spPr>
-        <p:txBody>
-          <a:bodyPr wrap="square" rtlCol="0">
-            <a:spAutoFit/>
-          </a:bodyPr>
-          <a:lstStyle/>
-          <a:p>
-            <a:pPr algn="ctr"/>
-            <a:r>
-              <a:rPr lang="en-US" sz="4800" dirty="0">
-                <a:solidFill>
-                  <a:srgbClr val="2F4275"/>
-                </a:solidFill>
-                <a:latin typeface="Times New Roman" panose="02020603050405020304" pitchFamily="18" charset="0"/>
-                <a:ea typeface="汉仪旗黑-55简" panose="00020600040101010101" charset="-128"/>
-                <a:cs typeface="Times New Roman" panose="02020603050405020304" pitchFamily="18" charset="0"/>
-                <a:sym typeface="汉仪旗黑-55简" panose="00020600040101010101" charset="-128"/>
-              </a:rPr>
-              <a:t>CONTENTS</a:t>
-            </a:r>
-          </a:p>
-        </p:txBody>
-      </p:sp>
-      <p:sp>
-        <p:nvSpPr>
-          <p:cNvPr id="9" name="文本框 8"/>
-          <p:cNvSpPr txBox="1"/>
-          <p:nvPr/>
-        </p:nvSpPr>
-        <p:spPr>
-          <a:xfrm>
-            <a:off x="6146483" y="1353669"/>
-            <a:ext cx="4838700" cy="1082669"/>
-          </a:xfrm>
-          <a:prstGeom prst="rect">
-            <a:avLst/>
-          </a:prstGeom>
-          <a:noFill/>
-        </p:spPr>
-        <p:txBody>
-          <a:bodyPr wrap="square" rtlCol="0">
-            <a:spAutoFit/>
-          </a:bodyPr>
-          <a:lstStyle/>
-          <a:p>
-            <a:pPr algn="l">
-              <a:lnSpc>
-                <a:spcPct val="120000"/>
-              </a:lnSpc>
-            </a:pPr>
-            <a:r>
-              <a:rPr lang="en-US" altLang="zh-CN" sz="2800" dirty="0">
-                <a:solidFill>
-                  <a:srgbClr val="2F4275"/>
-                </a:solidFill>
-                <a:latin typeface="Times New Roman" panose="02020603050405020304" pitchFamily="18" charset="0"/>
-                <a:ea typeface="汉仪旗黑-55简" panose="00020600040101010101" charset="-122"/>
-                <a:cs typeface="Times New Roman" panose="02020603050405020304" pitchFamily="18" charset="0"/>
-              </a:rPr>
-              <a:t>Project Introduction and Motivation for Refactoring</a:t>
-            </a:r>
-            <a:endParaRPr lang="zh-CN" sz="2800" dirty="0">
-              <a:solidFill>
-                <a:srgbClr val="2F4275"/>
-              </a:solidFill>
-              <a:latin typeface="Times New Roman" panose="02020603050405020304" pitchFamily="18" charset="0"/>
-              <a:ea typeface="汉仪旗黑-55简" panose="00020600040101010101" charset="-122"/>
-              <a:cs typeface="Times New Roman" panose="02020603050405020304" pitchFamily="18" charset="0"/>
-            </a:endParaRPr>
-          </a:p>
-        </p:txBody>
-      </p:sp>
-      <p:sp>
-        <p:nvSpPr>
-          <p:cNvPr id="16" name="文本框 15"/>
-          <p:cNvSpPr txBox="1"/>
-          <p:nvPr/>
-        </p:nvSpPr>
-        <p:spPr>
-          <a:xfrm>
-            <a:off x="6146483" y="2949413"/>
-            <a:ext cx="5445125" cy="565604"/>
-          </a:xfrm>
-          <a:prstGeom prst="rect">
-            <a:avLst/>
-          </a:prstGeom>
-          <a:noFill/>
-        </p:spPr>
-        <p:txBody>
-          <a:bodyPr wrap="square" rtlCol="0">
-            <a:spAutoFit/>
-          </a:bodyPr>
-          <a:lstStyle/>
-          <a:p>
-            <a:pPr algn="l">
-              <a:lnSpc>
-                <a:spcPct val="120000"/>
-              </a:lnSpc>
-            </a:pPr>
-            <a:r>
-              <a:rPr lang="en-US" altLang="zh-CN" sz="2800" dirty="0">
-                <a:solidFill>
-                  <a:srgbClr val="2F4275"/>
-                </a:solidFill>
-                <a:latin typeface="Times New Roman" panose="02020603050405020304" pitchFamily="18" charset="0"/>
-                <a:ea typeface="汉仪旗黑-55简" panose="00020600040101010101" charset="-122"/>
-                <a:cs typeface="Times New Roman" panose="02020603050405020304" pitchFamily="18" charset="0"/>
-              </a:rPr>
-              <a:t>Design Patterns in Refactoring</a:t>
-            </a:r>
-            <a:endParaRPr lang="zh-CN" sz="2800" dirty="0">
-              <a:solidFill>
-                <a:srgbClr val="2F4275"/>
-              </a:solidFill>
-              <a:latin typeface="Times New Roman" panose="02020603050405020304" pitchFamily="18" charset="0"/>
-              <a:ea typeface="汉仪旗黑-55简" panose="00020600040101010101" charset="-122"/>
-              <a:cs typeface="Times New Roman" panose="02020603050405020304" pitchFamily="18" charset="0"/>
-            </a:endParaRPr>
-          </a:p>
-        </p:txBody>
-      </p:sp>
-      <p:sp>
-        <p:nvSpPr>
-          <p:cNvPr id="21" name="文本框 20"/>
-          <p:cNvSpPr txBox="1"/>
-          <p:nvPr/>
-        </p:nvSpPr>
-        <p:spPr>
-          <a:xfrm>
-            <a:off x="6146483" y="4154253"/>
-            <a:ext cx="4095453" cy="1081322"/>
-          </a:xfrm>
-          <a:prstGeom prst="rect">
-            <a:avLst/>
-          </a:prstGeom>
-          <a:noFill/>
-        </p:spPr>
-        <p:txBody>
-          <a:bodyPr wrap="square" rtlCol="0">
-            <a:spAutoFit/>
-          </a:bodyPr>
-          <a:lstStyle/>
-          <a:p>
-            <a:pPr algn="l">
-              <a:lnSpc>
-                <a:spcPct val="120000"/>
-              </a:lnSpc>
-            </a:pPr>
-            <a:r>
-              <a:rPr lang="en-US" altLang="zh-CN" sz="2800" dirty="0">
-                <a:solidFill>
-                  <a:srgbClr val="2F4275"/>
-                </a:solidFill>
-                <a:latin typeface="Times New Roman" panose="02020603050405020304" pitchFamily="18" charset="0"/>
-                <a:ea typeface="汉仪旗黑-55简" panose="00020600040101010101" charset="-122"/>
-                <a:cs typeface="Times New Roman" panose="02020603050405020304" pitchFamily="18" charset="0"/>
-              </a:rPr>
-              <a:t>Key Issues and Solutions in Refactoring</a:t>
-            </a:r>
-            <a:endParaRPr lang="zh-CN" sz="2800" dirty="0">
-              <a:solidFill>
-                <a:srgbClr val="2F4275"/>
-              </a:solidFill>
-              <a:latin typeface="Times New Roman" panose="02020603050405020304" pitchFamily="18" charset="0"/>
-              <a:ea typeface="汉仪旗黑-55简" panose="00020600040101010101" charset="-122"/>
-              <a:cs typeface="Times New Roman" panose="02020603050405020304" pitchFamily="18" charset="0"/>
-            </a:endParaRPr>
-          </a:p>
-        </p:txBody>
-      </p:sp>
-      <p:sp>
-        <p:nvSpPr>
-          <p:cNvPr id="14" name="菱形 13"/>
-          <p:cNvSpPr/>
-          <p:nvPr/>
-        </p:nvSpPr>
-        <p:spPr>
-          <a:xfrm>
-            <a:off x="5192078" y="1507555"/>
-            <a:ext cx="777240" cy="777240"/>
-          </a:xfrm>
-          <a:prstGeom prst="diamond">
-            <a:avLst/>
-          </a:prstGeom>
-          <a:solidFill>
-            <a:srgbClr val="2F4275"/>
-          </a:solidFill>
-          <a:ln>
-            <a:noFill/>
-          </a:ln>
-        </p:spPr>
-        <p:style>
-          <a:lnRef idx="2">
-            <a:schemeClr val="accent1">
-              <a:shade val="50000"/>
-            </a:schemeClr>
-          </a:lnRef>
-          <a:fillRef idx="1">
-            <a:schemeClr val="accent1"/>
-          </a:fillRef>
-          <a:effectRef idx="0">
-            <a:schemeClr val="accent1"/>
-          </a:effectRef>
-          <a:fontRef idx="minor">
-            <a:schemeClr val="lt1"/>
-          </a:fontRef>
-        </p:style>
-        <p:txBody>
-          <a:bodyPr rtlCol="0" anchor="ctr"/>
-          <a:lstStyle/>
-          <a:p>
-            <a:pPr algn="ctr"/>
-            <a:endParaRPr lang="zh-CN" altLang="en-US">
-              <a:cs typeface="汉仪旗黑-55简" panose="00020600040101010101" charset="-128"/>
-            </a:endParaRPr>
-          </a:p>
-        </p:txBody>
-      </p:sp>
-      <p:sp>
-        <p:nvSpPr>
-          <p:cNvPr id="28" name="文本框 27"/>
-          <p:cNvSpPr txBox="1"/>
-          <p:nvPr/>
-        </p:nvSpPr>
-        <p:spPr>
-          <a:xfrm>
-            <a:off x="5192078" y="1576135"/>
-            <a:ext cx="751205" cy="607695"/>
-          </a:xfrm>
-          <a:prstGeom prst="rect">
-            <a:avLst/>
-          </a:prstGeom>
-          <a:noFill/>
-        </p:spPr>
-        <p:txBody>
-          <a:bodyPr wrap="square" rtlCol="0">
-            <a:spAutoFit/>
-          </a:bodyPr>
-          <a:lstStyle/>
-          <a:p>
-            <a:pPr algn="ctr">
-              <a:lnSpc>
-                <a:spcPct val="120000"/>
-              </a:lnSpc>
-            </a:pPr>
-            <a:r>
-              <a:rPr lang="en-US" altLang="zh-CN" sz="2800" dirty="0">
-                <a:solidFill>
-                  <a:schemeClr val="bg1"/>
-                </a:solidFill>
-                <a:latin typeface="汉仪旗黑-55简" panose="00020600040101010101" charset="-122"/>
-                <a:ea typeface="汉仪旗黑-55简" panose="00020600040101010101" charset="-122"/>
-                <a:cs typeface="汉仪旗黑-55简" panose="00020600040101010101" charset="-128"/>
-                <a:sym typeface="汉仪旗黑-55简" panose="00020600040101010101" charset="-122"/>
-              </a:rPr>
-              <a:t>01</a:t>
-            </a:r>
-          </a:p>
-        </p:txBody>
-      </p:sp>
-      <p:sp>
-        <p:nvSpPr>
-          <p:cNvPr id="25" name="菱形 24"/>
-          <p:cNvSpPr/>
-          <p:nvPr/>
-        </p:nvSpPr>
-        <p:spPr>
-          <a:xfrm>
-            <a:off x="5192078" y="2845636"/>
-            <a:ext cx="777240" cy="777240"/>
-          </a:xfrm>
-          <a:prstGeom prst="diamond">
-            <a:avLst/>
-          </a:prstGeom>
-          <a:solidFill>
-            <a:srgbClr val="2F4275"/>
-          </a:solidFill>
-          <a:ln>
-            <a:noFill/>
-          </a:ln>
-        </p:spPr>
-        <p:style>
-          <a:lnRef idx="2">
-            <a:schemeClr val="accent1">
-              <a:shade val="50000"/>
-            </a:schemeClr>
-          </a:lnRef>
-          <a:fillRef idx="1">
-            <a:schemeClr val="accent1"/>
-          </a:fillRef>
-          <a:effectRef idx="0">
-            <a:schemeClr val="accent1"/>
-          </a:effectRef>
-          <a:fontRef idx="minor">
-            <a:schemeClr val="lt1"/>
-          </a:fontRef>
-        </p:style>
-        <p:txBody>
-          <a:bodyPr rtlCol="0" anchor="ctr"/>
-          <a:lstStyle/>
-          <a:p>
-            <a:pPr algn="ctr"/>
-            <a:endParaRPr lang="zh-CN" altLang="en-US">
-              <a:cs typeface="汉仪旗黑-55简" panose="00020600040101010101" charset="-128"/>
-            </a:endParaRPr>
-          </a:p>
-        </p:txBody>
-      </p:sp>
-      <p:sp>
-        <p:nvSpPr>
-          <p:cNvPr id="30" name="文本框 29"/>
-          <p:cNvSpPr txBox="1"/>
-          <p:nvPr/>
-        </p:nvSpPr>
-        <p:spPr>
-          <a:xfrm>
-            <a:off x="5192078" y="2914216"/>
-            <a:ext cx="751205" cy="607695"/>
-          </a:xfrm>
-          <a:prstGeom prst="rect">
-            <a:avLst/>
-          </a:prstGeom>
-          <a:noFill/>
-        </p:spPr>
-        <p:txBody>
-          <a:bodyPr wrap="square" rtlCol="0">
-            <a:spAutoFit/>
-          </a:bodyPr>
-          <a:lstStyle/>
-          <a:p>
-            <a:pPr algn="ctr">
-              <a:lnSpc>
-                <a:spcPct val="120000"/>
-              </a:lnSpc>
-            </a:pPr>
-            <a:r>
-              <a:rPr lang="en-US" altLang="zh-CN" sz="2800" dirty="0">
-                <a:solidFill>
-                  <a:schemeClr val="bg1"/>
-                </a:solidFill>
-                <a:latin typeface="汉仪旗黑-55简" panose="00020600040101010101" charset="-122"/>
-                <a:ea typeface="汉仪旗黑-55简" panose="00020600040101010101" charset="-122"/>
-                <a:cs typeface="汉仪旗黑-55简" panose="00020600040101010101" charset="-128"/>
-                <a:sym typeface="汉仪旗黑-55简" panose="00020600040101010101" charset="-122"/>
-              </a:rPr>
-              <a:t>02</a:t>
-            </a:r>
-          </a:p>
-        </p:txBody>
-      </p:sp>
-      <p:sp>
-        <p:nvSpPr>
-          <p:cNvPr id="32" name="菱形 31"/>
-          <p:cNvSpPr/>
-          <p:nvPr/>
-        </p:nvSpPr>
-        <p:spPr>
-          <a:xfrm>
-            <a:off x="5192078" y="4198068"/>
-            <a:ext cx="777240" cy="777240"/>
-          </a:xfrm>
-          <a:prstGeom prst="diamond">
-            <a:avLst/>
-          </a:prstGeom>
-          <a:solidFill>
-            <a:srgbClr val="2F4275"/>
-          </a:solidFill>
-          <a:ln>
-            <a:noFill/>
-          </a:ln>
-        </p:spPr>
-        <p:style>
-          <a:lnRef idx="2">
-            <a:schemeClr val="accent1">
-              <a:shade val="50000"/>
-            </a:schemeClr>
-          </a:lnRef>
-          <a:fillRef idx="1">
-            <a:schemeClr val="accent1"/>
-          </a:fillRef>
-          <a:effectRef idx="0">
-            <a:schemeClr val="accent1"/>
-          </a:effectRef>
-          <a:fontRef idx="minor">
-            <a:schemeClr val="lt1"/>
-          </a:fontRef>
-        </p:style>
-        <p:txBody>
-          <a:bodyPr rtlCol="0" anchor="ctr"/>
-          <a:lstStyle/>
-          <a:p>
-            <a:pPr algn="ctr"/>
-            <a:endParaRPr lang="zh-CN" altLang="en-US">
-              <a:cs typeface="汉仪旗黑-55简" panose="00020600040101010101" charset="-128"/>
-            </a:endParaRPr>
-          </a:p>
-        </p:txBody>
-      </p:sp>
-      <p:sp>
-        <p:nvSpPr>
-          <p:cNvPr id="33" name="文本框 32"/>
-          <p:cNvSpPr txBox="1"/>
-          <p:nvPr/>
-        </p:nvSpPr>
-        <p:spPr>
-          <a:xfrm>
-            <a:off x="5192078" y="4266648"/>
-            <a:ext cx="751205" cy="581313"/>
-          </a:xfrm>
-          <a:prstGeom prst="rect">
-            <a:avLst/>
-          </a:prstGeom>
-          <a:noFill/>
-        </p:spPr>
-        <p:txBody>
-          <a:bodyPr wrap="square" rtlCol="0">
-            <a:spAutoFit/>
-          </a:bodyPr>
-          <a:lstStyle/>
-          <a:p>
-            <a:pPr algn="ctr">
-              <a:lnSpc>
-                <a:spcPct val="120000"/>
-              </a:lnSpc>
-            </a:pPr>
-            <a:r>
-              <a:rPr lang="en-US" altLang="zh-CN" sz="2800" dirty="0">
-                <a:solidFill>
-                  <a:schemeClr val="bg1"/>
-                </a:solidFill>
-                <a:latin typeface="汉仪旗黑-55简" panose="00020600040101010101" charset="-122"/>
-                <a:ea typeface="汉仪旗黑-55简" panose="00020600040101010101" charset="-122"/>
-                <a:cs typeface="汉仪旗黑-55简" panose="00020600040101010101" charset="-128"/>
-                <a:sym typeface="汉仪旗黑-55简" panose="00020600040101010101" charset="-122"/>
-              </a:rPr>
-              <a:t>03</a:t>
-            </a:r>
-          </a:p>
-        </p:txBody>
-      </p:sp>
-    </p:spTree>
-  </p:cSld>
-  <p:clrMapOvr>
-    <a:masterClrMapping/>
-  </p:clrMapOvr>
-</p:sld>
-</file>
-
 <file path=ppt/slides/slide3.xml><?xml version="1.0" encoding="utf-8"?>
 <p:sld xmlns:a="http://schemas.openxmlformats.org/drawingml/2006/main" xmlns:r="http://schemas.openxmlformats.org/officeDocument/2006/relationships" xmlns:p="http://schemas.openxmlformats.org/presentationml/2006/main">
   <p:cSld>
@@ -32908,7 +33551,7 @@
                 <a:ea typeface="汉仪旗黑-55简" panose="00020600040101010101" charset="-122"/>
                 <a:cs typeface="Times New Roman" panose="02020603050405020304" pitchFamily="18" charset="0"/>
               </a:rPr>
-              <a:t>Implemented Basic Features</a:t>
+              <a:t>Implemented Features</a:t>
             </a:r>
             <a:endParaRPr lang="zh-CN" altLang="en-US" sz="2000" dirty="0">
               <a:latin typeface="Times New Roman" panose="02020603050405020304" pitchFamily="18" charset="0"/>
@@ -32933,7 +33576,7 @@
           <p:nvPr>
             <p:extLst>
               <p:ext uri="{D42A27DB-BD31-4B8C-83A1-F6EECF244321}">
-                <p14:modId xmlns:p14="http://schemas.microsoft.com/office/powerpoint/2010/main" val="2923430578"/>
+                <p14:modId xmlns:p14="http://schemas.microsoft.com/office/powerpoint/2010/main" val="1878167336"/>
               </p:ext>
             </p:extLst>
           </p:nvPr>
@@ -33022,11 +33665,11 @@
                     <a:p>
                       <a:pPr algn="ctr"/>
                       <a:r>
-                        <a:rPr lang="en-US" altLang="zh-CN" sz="1600" dirty="0">
+                        <a:rPr lang="en-US" altLang="zh-CN" sz="1600" dirty="0" err="1">
                           <a:latin typeface="Times New Roman" panose="02020603050405020304" pitchFamily="18" charset="0"/>
                           <a:cs typeface="Times New Roman" panose="02020603050405020304" pitchFamily="18" charset="0"/>
                         </a:rPr>
-                        <a:t>Subtask</a:t>
+                        <a:t>Subfeatures</a:t>
                       </a:r>
                       <a:endParaRPr lang="zh-CN" altLang="en-US" sz="1600" dirty="0">
                         <a:latin typeface="Times New Roman" panose="02020603050405020304" pitchFamily="18" charset="0"/>
@@ -33108,11 +33751,11 @@
                     <a:p>
                       <a:pPr algn="ctr"/>
                       <a:r>
-                        <a:rPr lang="en-US" altLang="zh-CN" sz="1600" dirty="0">
+                        <a:rPr lang="en-US" altLang="zh-CN" sz="1600" dirty="0" err="1">
                           <a:latin typeface="Times New Roman" panose="02020603050405020304" pitchFamily="18" charset="0"/>
                           <a:cs typeface="Times New Roman" panose="02020603050405020304" pitchFamily="18" charset="0"/>
                         </a:rPr>
-                        <a:t>Subtask</a:t>
+                        <a:t>Subfeatures</a:t>
                       </a:r>
                       <a:endParaRPr lang="zh-CN" altLang="en-US" sz="1600" dirty="0">
                         <a:latin typeface="Times New Roman" panose="02020603050405020304" pitchFamily="18" charset="0"/>
@@ -34526,7 +35169,7 @@
         </p:nvGrpSpPr>
         <p:grpSpPr>
           <a:xfrm>
-            <a:off x="314893" y="914400"/>
+            <a:off x="956250" y="859581"/>
             <a:ext cx="2482736" cy="5943599"/>
             <a:chOff x="314893" y="914400"/>
             <a:chExt cx="2482736" cy="5943599"/>
@@ -34695,6 +35338,649 @@
           </p:txBody>
         </p:sp>
       </p:grpSp>
+      <p:grpSp>
+        <p:nvGrpSpPr>
+          <p:cNvPr id="31" name="组合 30">
+            <a:extLst>
+              <a:ext uri="{FF2B5EF4-FFF2-40B4-BE49-F238E27FC236}">
+                <a16:creationId xmlns:a16="http://schemas.microsoft.com/office/drawing/2014/main" id="{7AE9AB12-C331-0768-A487-59EA1F3B9A52}"/>
+              </a:ext>
+            </a:extLst>
+          </p:cNvPr>
+          <p:cNvGrpSpPr/>
+          <p:nvPr/>
+        </p:nvGrpSpPr>
+        <p:grpSpPr>
+          <a:xfrm>
+            <a:off x="8999201" y="1780038"/>
+            <a:ext cx="2703777" cy="3244052"/>
+            <a:chOff x="8865440" y="1483629"/>
+            <a:chExt cx="3112593" cy="3734558"/>
+          </a:xfrm>
+        </p:grpSpPr>
+        <p:sp>
+          <p:nvSpPr>
+            <p:cNvPr id="14" name="矩形 13">
+              <a:extLst>
+                <a:ext uri="{FF2B5EF4-FFF2-40B4-BE49-F238E27FC236}">
+                  <a16:creationId xmlns:a16="http://schemas.microsoft.com/office/drawing/2014/main" id="{1922ADA0-D8A6-3A4E-A137-E6D1C4B47197}"/>
+                </a:ext>
+              </a:extLst>
+            </p:cNvPr>
+            <p:cNvSpPr/>
+            <p:nvPr/>
+          </p:nvSpPr>
+          <p:spPr>
+            <a:xfrm>
+              <a:off x="8865440" y="1483629"/>
+              <a:ext cx="3112593" cy="3734558"/>
+            </a:xfrm>
+            <a:prstGeom prst="rect">
+              <a:avLst/>
+            </a:prstGeom>
+            <a:solidFill>
+              <a:schemeClr val="accent1">
+                <a:lumMod val="20000"/>
+                <a:lumOff val="80000"/>
+              </a:schemeClr>
+            </a:solidFill>
+            <a:ln>
+              <a:noFill/>
+            </a:ln>
+          </p:spPr>
+          <p:style>
+            <a:lnRef idx="2">
+              <a:schemeClr val="accent1">
+                <a:shade val="50000"/>
+              </a:schemeClr>
+            </a:lnRef>
+            <a:fillRef idx="1">
+              <a:schemeClr val="accent1"/>
+            </a:fillRef>
+            <a:effectRef idx="0">
+              <a:schemeClr val="accent1"/>
+            </a:effectRef>
+            <a:fontRef idx="minor">
+              <a:schemeClr val="lt1"/>
+            </a:fontRef>
+          </p:style>
+          <p:txBody>
+            <a:bodyPr rtlCol="0" anchor="ctr"/>
+            <a:lstStyle/>
+            <a:p>
+              <a:pPr algn="ctr"/>
+              <a:endParaRPr lang="zh-CN" altLang="en-US" dirty="0">
+                <a:latin typeface="思源黑体 CN Normal" panose="020B0400000000000000" pitchFamily="34" charset="-122"/>
+                <a:ea typeface="思源黑体 CN Normal" panose="020B0400000000000000" pitchFamily="34" charset="-122"/>
+                <a:sym typeface="思源黑体 CN Normal" panose="020B0400000000000000" pitchFamily="34" charset="-122"/>
+              </a:endParaRPr>
+            </a:p>
+          </p:txBody>
+        </p:sp>
+        <p:pic>
+          <p:nvPicPr>
+            <p:cNvPr id="9" name="图片 8">
+              <a:extLst>
+                <a:ext uri="{FF2B5EF4-FFF2-40B4-BE49-F238E27FC236}">
+                  <a16:creationId xmlns:a16="http://schemas.microsoft.com/office/drawing/2014/main" id="{DA55FECB-C342-B803-B27C-27B19A46DEE9}"/>
+                </a:ext>
+              </a:extLst>
+            </p:cNvPr>
+            <p:cNvPicPr>
+              <a:picLocks noChangeAspect="1"/>
+            </p:cNvPicPr>
+            <p:nvPr/>
+          </p:nvPicPr>
+          <p:blipFill>
+            <a:blip r:embed="rId3"/>
+            <a:stretch>
+              <a:fillRect/>
+            </a:stretch>
+          </p:blipFill>
+          <p:spPr>
+            <a:xfrm>
+              <a:off x="8963867" y="1639814"/>
+              <a:ext cx="2913240" cy="3489304"/>
+            </a:xfrm>
+            <a:prstGeom prst="rect">
+              <a:avLst/>
+            </a:prstGeom>
+          </p:spPr>
+        </p:pic>
+        <p:sp>
+          <p:nvSpPr>
+            <p:cNvPr id="13" name="矩形 12">
+              <a:extLst>
+                <a:ext uri="{FF2B5EF4-FFF2-40B4-BE49-F238E27FC236}">
+                  <a16:creationId xmlns:a16="http://schemas.microsoft.com/office/drawing/2014/main" id="{FBD41F43-D596-1A86-2529-D54EABB0B04D}"/>
+                </a:ext>
+              </a:extLst>
+            </p:cNvPr>
+            <p:cNvSpPr/>
+            <p:nvPr/>
+          </p:nvSpPr>
+          <p:spPr>
+            <a:xfrm>
+              <a:off x="9386224" y="2779533"/>
+              <a:ext cx="2330200" cy="2349585"/>
+            </a:xfrm>
+            <a:prstGeom prst="rect">
+              <a:avLst/>
+            </a:prstGeom>
+            <a:noFill/>
+            <a:ln w="19050">
+              <a:solidFill>
+                <a:srgbClr val="FF0000"/>
+              </a:solidFill>
+            </a:ln>
+          </p:spPr>
+          <p:style>
+            <a:lnRef idx="2">
+              <a:schemeClr val="accent1">
+                <a:shade val="15000"/>
+              </a:schemeClr>
+            </a:lnRef>
+            <a:fillRef idx="1">
+              <a:schemeClr val="accent1"/>
+            </a:fillRef>
+            <a:effectRef idx="0">
+              <a:schemeClr val="accent1"/>
+            </a:effectRef>
+            <a:fontRef idx="minor">
+              <a:schemeClr val="lt1"/>
+            </a:fontRef>
+          </p:style>
+          <p:txBody>
+            <a:bodyPr rtlCol="0" anchor="ctr"/>
+            <a:lstStyle/>
+            <a:p>
+              <a:pPr algn="ctr"/>
+              <a:endParaRPr lang="zh-CN" altLang="en-US"/>
+            </a:p>
+          </p:txBody>
+        </p:sp>
+      </p:grpSp>
+      <p:grpSp>
+        <p:nvGrpSpPr>
+          <p:cNvPr id="18" name="组合 17">
+            <a:extLst>
+              <a:ext uri="{FF2B5EF4-FFF2-40B4-BE49-F238E27FC236}">
+                <a16:creationId xmlns:a16="http://schemas.microsoft.com/office/drawing/2014/main" id="{B8974B2D-43FD-9B5B-E92E-8A30A853DC86}"/>
+              </a:ext>
+            </a:extLst>
+          </p:cNvPr>
+          <p:cNvGrpSpPr/>
+          <p:nvPr/>
+        </p:nvGrpSpPr>
+        <p:grpSpPr>
+          <a:xfrm rot="5400000">
+            <a:off x="5693620" y="3325784"/>
+            <a:ext cx="804760" cy="206433"/>
+            <a:chOff x="6049119" y="5793914"/>
+            <a:chExt cx="1030620" cy="299295"/>
+          </a:xfrm>
+          <a:gradFill>
+            <a:gsLst>
+              <a:gs pos="0">
+                <a:schemeClr val="accent1">
+                  <a:lumMod val="5000"/>
+                  <a:lumOff val="95000"/>
+                </a:schemeClr>
+              </a:gs>
+              <a:gs pos="33000">
+                <a:schemeClr val="accent1">
+                  <a:lumMod val="45000"/>
+                  <a:lumOff val="55000"/>
+                </a:schemeClr>
+              </a:gs>
+              <a:gs pos="100000">
+                <a:schemeClr val="accent1">
+                  <a:lumMod val="75000"/>
+                </a:schemeClr>
+              </a:gs>
+            </a:gsLst>
+            <a:lin ang="0" scaled="0"/>
+          </a:gradFill>
+        </p:grpSpPr>
+        <p:sp>
+          <p:nvSpPr>
+            <p:cNvPr id="19" name="箭头: V 形 18">
+              <a:extLst>
+                <a:ext uri="{FF2B5EF4-FFF2-40B4-BE49-F238E27FC236}">
+                  <a16:creationId xmlns:a16="http://schemas.microsoft.com/office/drawing/2014/main" id="{0AA49B75-C771-1DF3-BDD2-E12C5B21CC8C}"/>
+                </a:ext>
+              </a:extLst>
+            </p:cNvPr>
+            <p:cNvSpPr/>
+            <p:nvPr/>
+          </p:nvSpPr>
+          <p:spPr>
+            <a:xfrm>
+              <a:off x="6049119" y="5793914"/>
+              <a:ext cx="258751" cy="299295"/>
+            </a:xfrm>
+            <a:prstGeom prst="chevron">
+              <a:avLst/>
+            </a:prstGeom>
+            <a:grpFill/>
+            <a:ln>
+              <a:noFill/>
+            </a:ln>
+          </p:spPr>
+          <p:style>
+            <a:lnRef idx="2">
+              <a:schemeClr val="accent1">
+                <a:shade val="15000"/>
+              </a:schemeClr>
+            </a:lnRef>
+            <a:fillRef idx="1">
+              <a:schemeClr val="accent1"/>
+            </a:fillRef>
+            <a:effectRef idx="0">
+              <a:schemeClr val="accent1"/>
+            </a:effectRef>
+            <a:fontRef idx="minor">
+              <a:schemeClr val="lt1"/>
+            </a:fontRef>
+          </p:style>
+          <p:txBody>
+            <a:bodyPr rtlCol="0" anchor="ctr"/>
+            <a:lstStyle/>
+            <a:p>
+              <a:pPr algn="ctr"/>
+              <a:endParaRPr lang="zh-CN" altLang="en-US">
+                <a:solidFill>
+                  <a:schemeClr val="accent1">
+                    <a:lumMod val="40000"/>
+                    <a:lumOff val="60000"/>
+                  </a:schemeClr>
+                </a:solidFill>
+              </a:endParaRPr>
+            </a:p>
+          </p:txBody>
+        </p:sp>
+        <p:sp>
+          <p:nvSpPr>
+            <p:cNvPr id="20" name="箭头: V 形 19">
+              <a:extLst>
+                <a:ext uri="{FF2B5EF4-FFF2-40B4-BE49-F238E27FC236}">
+                  <a16:creationId xmlns:a16="http://schemas.microsoft.com/office/drawing/2014/main" id="{F048C83A-B01F-6F3D-EC87-A1F84B09609A}"/>
+                </a:ext>
+              </a:extLst>
+            </p:cNvPr>
+            <p:cNvSpPr/>
+            <p:nvPr/>
+          </p:nvSpPr>
+          <p:spPr>
+            <a:xfrm>
+              <a:off x="6307869" y="5793914"/>
+              <a:ext cx="258751" cy="299295"/>
+            </a:xfrm>
+            <a:prstGeom prst="chevron">
+              <a:avLst/>
+            </a:prstGeom>
+            <a:grpFill/>
+            <a:ln>
+              <a:noFill/>
+            </a:ln>
+          </p:spPr>
+          <p:style>
+            <a:lnRef idx="2">
+              <a:schemeClr val="accent1">
+                <a:shade val="15000"/>
+              </a:schemeClr>
+            </a:lnRef>
+            <a:fillRef idx="1">
+              <a:schemeClr val="accent1"/>
+            </a:fillRef>
+            <a:effectRef idx="0">
+              <a:schemeClr val="accent1"/>
+            </a:effectRef>
+            <a:fontRef idx="minor">
+              <a:schemeClr val="lt1"/>
+            </a:fontRef>
+          </p:style>
+          <p:txBody>
+            <a:bodyPr rtlCol="0" anchor="ctr"/>
+            <a:lstStyle/>
+            <a:p>
+              <a:pPr algn="ctr"/>
+              <a:endParaRPr lang="zh-CN" altLang="en-US">
+                <a:solidFill>
+                  <a:schemeClr val="accent1">
+                    <a:lumMod val="40000"/>
+                    <a:lumOff val="60000"/>
+                  </a:schemeClr>
+                </a:solidFill>
+              </a:endParaRPr>
+            </a:p>
+          </p:txBody>
+        </p:sp>
+        <p:sp>
+          <p:nvSpPr>
+            <p:cNvPr id="21" name="箭头: V 形 20">
+              <a:extLst>
+                <a:ext uri="{FF2B5EF4-FFF2-40B4-BE49-F238E27FC236}">
+                  <a16:creationId xmlns:a16="http://schemas.microsoft.com/office/drawing/2014/main" id="{16C0C876-417A-B47A-DF1B-0189FD0E0205}"/>
+                </a:ext>
+              </a:extLst>
+            </p:cNvPr>
+            <p:cNvSpPr/>
+            <p:nvPr/>
+          </p:nvSpPr>
+          <p:spPr>
+            <a:xfrm>
+              <a:off x="6566622" y="5793914"/>
+              <a:ext cx="258751" cy="299295"/>
+            </a:xfrm>
+            <a:prstGeom prst="chevron">
+              <a:avLst/>
+            </a:prstGeom>
+            <a:grpFill/>
+            <a:ln>
+              <a:noFill/>
+            </a:ln>
+          </p:spPr>
+          <p:style>
+            <a:lnRef idx="2">
+              <a:schemeClr val="accent1">
+                <a:shade val="15000"/>
+              </a:schemeClr>
+            </a:lnRef>
+            <a:fillRef idx="1">
+              <a:schemeClr val="accent1"/>
+            </a:fillRef>
+            <a:effectRef idx="0">
+              <a:schemeClr val="accent1"/>
+            </a:effectRef>
+            <a:fontRef idx="minor">
+              <a:schemeClr val="lt1"/>
+            </a:fontRef>
+          </p:style>
+          <p:txBody>
+            <a:bodyPr rtlCol="0" anchor="ctr"/>
+            <a:lstStyle/>
+            <a:p>
+              <a:pPr algn="ctr"/>
+              <a:endParaRPr lang="zh-CN" altLang="en-US">
+                <a:solidFill>
+                  <a:schemeClr val="accent1">
+                    <a:lumMod val="40000"/>
+                    <a:lumOff val="60000"/>
+                  </a:schemeClr>
+                </a:solidFill>
+              </a:endParaRPr>
+            </a:p>
+          </p:txBody>
+        </p:sp>
+        <p:sp>
+          <p:nvSpPr>
+            <p:cNvPr id="22" name="箭头: V 形 21">
+              <a:extLst>
+                <a:ext uri="{FF2B5EF4-FFF2-40B4-BE49-F238E27FC236}">
+                  <a16:creationId xmlns:a16="http://schemas.microsoft.com/office/drawing/2014/main" id="{A6D917D6-48CD-7583-BB27-8305F6C325C4}"/>
+                </a:ext>
+              </a:extLst>
+            </p:cNvPr>
+            <p:cNvSpPr/>
+            <p:nvPr/>
+          </p:nvSpPr>
+          <p:spPr>
+            <a:xfrm>
+              <a:off x="6820988" y="5793914"/>
+              <a:ext cx="258751" cy="299295"/>
+            </a:xfrm>
+            <a:prstGeom prst="chevron">
+              <a:avLst/>
+            </a:prstGeom>
+            <a:grpFill/>
+            <a:ln>
+              <a:noFill/>
+            </a:ln>
+          </p:spPr>
+          <p:style>
+            <a:lnRef idx="2">
+              <a:schemeClr val="accent1">
+                <a:shade val="15000"/>
+              </a:schemeClr>
+            </a:lnRef>
+            <a:fillRef idx="1">
+              <a:schemeClr val="accent1"/>
+            </a:fillRef>
+            <a:effectRef idx="0">
+              <a:schemeClr val="accent1"/>
+            </a:effectRef>
+            <a:fontRef idx="minor">
+              <a:schemeClr val="lt1"/>
+            </a:fontRef>
+          </p:style>
+          <p:txBody>
+            <a:bodyPr rtlCol="0" anchor="ctr"/>
+            <a:lstStyle/>
+            <a:p>
+              <a:pPr algn="ctr"/>
+              <a:endParaRPr lang="zh-CN" altLang="en-US">
+                <a:solidFill>
+                  <a:schemeClr val="accent1">
+                    <a:lumMod val="40000"/>
+                    <a:lumOff val="60000"/>
+                  </a:schemeClr>
+                </a:solidFill>
+              </a:endParaRPr>
+            </a:p>
+          </p:txBody>
+        </p:sp>
+      </p:grpSp>
+      <p:sp>
+        <p:nvSpPr>
+          <p:cNvPr id="28" name="文本框 27">
+            <a:extLst>
+              <a:ext uri="{FF2B5EF4-FFF2-40B4-BE49-F238E27FC236}">
+                <a16:creationId xmlns:a16="http://schemas.microsoft.com/office/drawing/2014/main" id="{C48B4B3D-FC67-12BB-348E-83FE7B24D8E3}"/>
+              </a:ext>
+            </a:extLst>
+          </p:cNvPr>
+          <p:cNvSpPr txBox="1"/>
+          <p:nvPr/>
+        </p:nvSpPr>
+        <p:spPr>
+          <a:xfrm>
+            <a:off x="4001872" y="4172901"/>
+            <a:ext cx="4830611" cy="1756250"/>
+          </a:xfrm>
+          <a:prstGeom prst="rect">
+            <a:avLst/>
+          </a:prstGeom>
+          <a:noFill/>
+        </p:spPr>
+        <p:txBody>
+          <a:bodyPr wrap="square">
+            <a:spAutoFit/>
+          </a:bodyPr>
+          <a:lstStyle/>
+          <a:p>
+            <a:pPr marL="285750" indent="-285750">
+              <a:lnSpc>
+                <a:spcPct val="125000"/>
+              </a:lnSpc>
+              <a:buFont typeface="Arial" panose="020B0604020202020204" pitchFamily="34" charset="0"/>
+              <a:buChar char="•"/>
+            </a:pPr>
+            <a:r>
+              <a:rPr lang="en-US" altLang="zh-CN" dirty="0">
+                <a:latin typeface="Times New Roman" panose="02020603050405020304" pitchFamily="18" charset="0"/>
+                <a:cs typeface="Times New Roman" panose="02020603050405020304" pitchFamily="18" charset="0"/>
+              </a:rPr>
+              <a:t>Improve Code Maintainability and Readability</a:t>
+            </a:r>
+          </a:p>
+          <a:p>
+            <a:pPr marL="285750" indent="-285750">
+              <a:lnSpc>
+                <a:spcPct val="125000"/>
+              </a:lnSpc>
+              <a:buFont typeface="Arial" panose="020B0604020202020204" pitchFamily="34" charset="0"/>
+              <a:buChar char="•"/>
+            </a:pPr>
+            <a:r>
+              <a:rPr lang="en-US" altLang="zh-CN" dirty="0">
+                <a:latin typeface="Times New Roman" panose="02020603050405020304" pitchFamily="18" charset="0"/>
+                <a:cs typeface="Times New Roman" panose="02020603050405020304" pitchFamily="18" charset="0"/>
+              </a:rPr>
+              <a:t>Optimize Performance</a:t>
+            </a:r>
+          </a:p>
+          <a:p>
+            <a:pPr marL="285750" indent="-285750">
+              <a:lnSpc>
+                <a:spcPct val="125000"/>
+              </a:lnSpc>
+              <a:buFont typeface="Arial" panose="020B0604020202020204" pitchFamily="34" charset="0"/>
+              <a:buChar char="•"/>
+            </a:pPr>
+            <a:r>
+              <a:rPr lang="en-US" altLang="zh-CN" dirty="0">
+                <a:latin typeface="Times New Roman" panose="02020603050405020304" pitchFamily="18" charset="0"/>
+                <a:cs typeface="Times New Roman" panose="02020603050405020304" pitchFamily="18" charset="0"/>
+              </a:rPr>
+              <a:t>Enhance Flexibility and Scalability</a:t>
+            </a:r>
+          </a:p>
+          <a:p>
+            <a:pPr marL="285750" indent="-285750">
+              <a:lnSpc>
+                <a:spcPct val="125000"/>
+              </a:lnSpc>
+              <a:buFont typeface="Arial" panose="020B0604020202020204" pitchFamily="34" charset="0"/>
+              <a:buChar char="•"/>
+            </a:pPr>
+            <a:r>
+              <a:rPr lang="en-US" altLang="zh-CN" dirty="0">
+                <a:latin typeface="Times New Roman" panose="02020603050405020304" pitchFamily="18" charset="0"/>
+                <a:cs typeface="Times New Roman" panose="02020603050405020304" pitchFamily="18" charset="0"/>
+              </a:rPr>
+              <a:t>Improve User Experience</a:t>
+            </a:r>
+          </a:p>
+          <a:p>
+            <a:pPr marL="285750" indent="-285750">
+              <a:lnSpc>
+                <a:spcPct val="125000"/>
+              </a:lnSpc>
+              <a:buFont typeface="Arial" panose="020B0604020202020204" pitchFamily="34" charset="0"/>
+              <a:buChar char="•"/>
+            </a:pPr>
+            <a:r>
+              <a:rPr lang="en-US" altLang="zh-CN" sz="1600" dirty="0">
+                <a:latin typeface="Times New Roman" panose="02020603050405020304" pitchFamily="18" charset="0"/>
+                <a:cs typeface="Times New Roman" panose="02020603050405020304" pitchFamily="18" charset="0"/>
+              </a:rPr>
+              <a:t>… …</a:t>
+            </a:r>
+            <a:endParaRPr lang="zh-CN" altLang="en-US" sz="1600" dirty="0">
+              <a:latin typeface="Times New Roman" panose="02020603050405020304" pitchFamily="18" charset="0"/>
+              <a:cs typeface="Times New Roman" panose="02020603050405020304" pitchFamily="18" charset="0"/>
+            </a:endParaRPr>
+          </a:p>
+        </p:txBody>
+      </p:sp>
+      <p:sp>
+        <p:nvSpPr>
+          <p:cNvPr id="30" name="文本框 29">
+            <a:extLst>
+              <a:ext uri="{FF2B5EF4-FFF2-40B4-BE49-F238E27FC236}">
+                <a16:creationId xmlns:a16="http://schemas.microsoft.com/office/drawing/2014/main" id="{4C953824-4174-79FE-BB65-02FC313AB7B5}"/>
+              </a:ext>
+            </a:extLst>
+          </p:cNvPr>
+          <p:cNvSpPr txBox="1"/>
+          <p:nvPr/>
+        </p:nvSpPr>
+        <p:spPr>
+          <a:xfrm>
+            <a:off x="4804914" y="1240216"/>
+            <a:ext cx="2992379" cy="1444883"/>
+          </a:xfrm>
+          <a:prstGeom prst="rect">
+            <a:avLst/>
+          </a:prstGeom>
+          <a:noFill/>
+        </p:spPr>
+        <p:txBody>
+          <a:bodyPr wrap="square">
+            <a:spAutoFit/>
+          </a:bodyPr>
+          <a:lstStyle/>
+          <a:p>
+            <a:pPr marL="285750" indent="-285750">
+              <a:lnSpc>
+                <a:spcPct val="125000"/>
+              </a:lnSpc>
+              <a:buFont typeface="Arial" panose="020B0604020202020204" pitchFamily="34" charset="0"/>
+              <a:buChar char="•"/>
+            </a:pPr>
+            <a:r>
+              <a:rPr lang="en-US" altLang="zh-CN" dirty="0">
+                <a:latin typeface="Times New Roman" panose="02020603050405020304" pitchFamily="18" charset="0"/>
+                <a:cs typeface="Times New Roman" panose="02020603050405020304" pitchFamily="18" charset="0"/>
+              </a:rPr>
+              <a:t>Code Structure Chaos</a:t>
+            </a:r>
+          </a:p>
+          <a:p>
+            <a:pPr marL="285750" indent="-285750">
+              <a:lnSpc>
+                <a:spcPct val="125000"/>
+              </a:lnSpc>
+              <a:buFont typeface="Arial" panose="020B0604020202020204" pitchFamily="34" charset="0"/>
+              <a:buChar char="•"/>
+            </a:pPr>
+            <a:r>
+              <a:rPr lang="en-US" altLang="zh-CN" dirty="0">
+                <a:latin typeface="Times New Roman" panose="02020603050405020304" pitchFamily="18" charset="0"/>
+                <a:cs typeface="Times New Roman" panose="02020603050405020304" pitchFamily="18" charset="0"/>
+              </a:rPr>
+              <a:t>Poor Scalability</a:t>
+            </a:r>
+          </a:p>
+          <a:p>
+            <a:pPr marL="285750" indent="-285750">
+              <a:lnSpc>
+                <a:spcPct val="125000"/>
+              </a:lnSpc>
+              <a:buFont typeface="Arial" panose="020B0604020202020204" pitchFamily="34" charset="0"/>
+              <a:buChar char="•"/>
+            </a:pPr>
+            <a:r>
+              <a:rPr lang="en-US" altLang="zh-CN" dirty="0">
+                <a:latin typeface="Times New Roman" panose="02020603050405020304" pitchFamily="18" charset="0"/>
+                <a:cs typeface="Times New Roman" panose="02020603050405020304" pitchFamily="18" charset="0"/>
+              </a:rPr>
+              <a:t>Performance Bottlenecks</a:t>
+            </a:r>
+          </a:p>
+          <a:p>
+            <a:pPr marL="285750" indent="-285750">
+              <a:lnSpc>
+                <a:spcPct val="125000"/>
+              </a:lnSpc>
+              <a:buFont typeface="Arial" panose="020B0604020202020204" pitchFamily="34" charset="0"/>
+              <a:buChar char="•"/>
+            </a:pPr>
+            <a:r>
+              <a:rPr lang="en-US" altLang="zh-CN" sz="1600" dirty="0">
+                <a:latin typeface="Times New Roman" panose="02020603050405020304" pitchFamily="18" charset="0"/>
+                <a:cs typeface="Times New Roman" panose="02020603050405020304" pitchFamily="18" charset="0"/>
+              </a:rPr>
+              <a:t>… …</a:t>
+            </a:r>
+            <a:endParaRPr lang="zh-CN" altLang="en-US" sz="1600" dirty="0">
+              <a:latin typeface="Times New Roman" panose="02020603050405020304" pitchFamily="18" charset="0"/>
+              <a:cs typeface="Times New Roman" panose="02020603050405020304" pitchFamily="18" charset="0"/>
+            </a:endParaRPr>
+          </a:p>
+        </p:txBody>
+      </p:sp>
     </p:spTree>
     <p:extLst>
       <p:ext uri="{BB962C8B-B14F-4D97-AF65-F5344CB8AC3E}">
@@ -35089,14 +36375,14 @@
           <p:nvPr>
             <p:extLst>
               <p:ext uri="{D42A27DB-BD31-4B8C-83A1-F6EECF244321}">
-                <p14:modId xmlns:p14="http://schemas.microsoft.com/office/powerpoint/2010/main" val="3373493871"/>
+                <p14:modId xmlns:p14="http://schemas.microsoft.com/office/powerpoint/2010/main" val="3218859165"/>
               </p:ext>
             </p:extLst>
           </p:nvPr>
         </p:nvGraphicFramePr>
         <p:xfrm>
-          <a:off x="1408512" y="1714061"/>
-          <a:ext cx="10008001" cy="3235960"/>
+          <a:off x="1730025" y="1996440"/>
+          <a:ext cx="8731951" cy="3235960"/>
         </p:xfrm>
         <a:graphic>
           <a:graphicData uri="http://schemas.openxmlformats.org/drawingml/2006/table">
@@ -35105,35 +36391,28 @@
                 <a:tableStyleId>{69012ECD-51FC-41F1-AA8D-1B2483CD663E}</a:tableStyleId>
               </a:tblPr>
               <a:tblGrid>
-                <a:gridCol w="1038659">
+                <a:gridCol w="1113329">
                   <a:extLst>
                     <a:ext uri="{9D8B030D-6E8A-4147-A177-3AD203B41FA5}">
                       <a16:colId xmlns:a16="http://schemas.microsoft.com/office/drawing/2014/main" val="2072663441"/>
                     </a:ext>
                   </a:extLst>
                 </a:gridCol>
-                <a:gridCol w="1855114">
+                <a:gridCol w="1988479">
                   <a:extLst>
                     <a:ext uri="{9D8B030D-6E8A-4147-A177-3AD203B41FA5}">
                       <a16:colId xmlns:a16="http://schemas.microsoft.com/office/drawing/2014/main" val="4279852217"/>
                     </a:ext>
                   </a:extLst>
                 </a:gridCol>
-                <a:gridCol w="2039309">
+                <a:gridCol w="2185916">
                   <a:extLst>
                     <a:ext uri="{9D8B030D-6E8A-4147-A177-3AD203B41FA5}">
                       <a16:colId xmlns:a16="http://schemas.microsoft.com/office/drawing/2014/main" val="2718842353"/>
                     </a:ext>
                   </a:extLst>
                 </a:gridCol>
-                <a:gridCol w="1861692">
-                  <a:extLst>
-                    <a:ext uri="{9D8B030D-6E8A-4147-A177-3AD203B41FA5}">
-                      <a16:colId xmlns:a16="http://schemas.microsoft.com/office/drawing/2014/main" val="2117168748"/>
-                    </a:ext>
-                  </a:extLst>
-                </a:gridCol>
-                <a:gridCol w="3213227">
+                <a:gridCol w="3444227">
                   <a:extLst>
                     <a:ext uri="{9D8B030D-6E8A-4147-A177-3AD203B41FA5}">
                       <a16:colId xmlns:a16="http://schemas.microsoft.com/office/drawing/2014/main" val="1376157236"/>
@@ -35217,51 +36496,6 @@
                           <a:cs typeface="Times New Roman" panose="02020603050405020304" pitchFamily="18" charset="0"/>
                         </a:rPr>
                         <a:t>Type</a:t>
-                      </a:r>
-                      <a:endParaRPr lang="zh-CN" altLang="en-US" dirty="0">
-                        <a:latin typeface="Times New Roman" panose="02020603050405020304" pitchFamily="18" charset="0"/>
-                        <a:cs typeface="Times New Roman" panose="02020603050405020304" pitchFamily="18" charset="0"/>
-                      </a:endParaRPr>
-                    </a:p>
-                  </a:txBody>
-                  <a:tcPr anchor="ctr">
-                    <a:lnL w="12700" cap="flat" cmpd="sng" algn="ctr">
-                      <a:solidFill>
-                        <a:schemeClr val="accent1"/>
-                      </a:solidFill>
-                      <a:prstDash val="solid"/>
-                      <a:round/>
-                      <a:headEnd type="none" w="med" len="med"/>
-                      <a:tailEnd type="none" w="med" len="med"/>
-                    </a:lnL>
-                    <a:lnR w="12700" cap="flat" cmpd="sng" algn="ctr">
-                      <a:solidFill>
-                        <a:schemeClr val="accent1"/>
-                      </a:solidFill>
-                      <a:prstDash val="solid"/>
-                      <a:round/>
-                      <a:headEnd type="none" w="med" len="med"/>
-                      <a:tailEnd type="none" w="med" len="med"/>
-                    </a:lnR>
-                    <a:solidFill>
-                      <a:schemeClr val="accent1">
-                        <a:lumMod val="75000"/>
-                      </a:schemeClr>
-                    </a:solidFill>
-                  </a:tcPr>
-                </a:tc>
-                <a:tc>
-                  <a:txBody>
-                    <a:bodyPr/>
-                    <a:lstStyle/>
-                    <a:p>
-                      <a:pPr algn="ctr"/>
-                      <a:r>
-                        <a:rPr lang="en-US" altLang="zh-CN" dirty="0">
-                          <a:latin typeface="Times New Roman" panose="02020603050405020304" pitchFamily="18" charset="0"/>
-                          <a:cs typeface="Times New Roman" panose="02020603050405020304" pitchFamily="18" charset="0"/>
-                        </a:rPr>
-                        <a:t>Number of Implementations</a:t>
                       </a:r>
                       <a:endParaRPr lang="zh-CN" altLang="en-US" dirty="0">
                         <a:latin typeface="Times New Roman" panose="02020603050405020304" pitchFamily="18" charset="0"/>
@@ -35460,7 +36694,132 @@
                           <a:latin typeface="Times New Roman" panose="02020603050405020304" pitchFamily="18" charset="0"/>
                           <a:cs typeface="Times New Roman" panose="02020603050405020304" pitchFamily="18" charset="0"/>
                         </a:rPr>
-                        <a:t>1</a:t>
+                        <a:t>Enemy Creation</a:t>
+                      </a:r>
+                      <a:endParaRPr lang="zh-CN" altLang="en-US" dirty="0">
+                        <a:latin typeface="Times New Roman" panose="02020603050405020304" pitchFamily="18" charset="0"/>
+                        <a:cs typeface="Times New Roman" panose="02020603050405020304" pitchFamily="18" charset="0"/>
+                      </a:endParaRPr>
+                    </a:p>
+                  </a:txBody>
+                  <a:tcPr anchor="ctr">
+                    <a:lnL w="12700" cap="flat" cmpd="sng" algn="ctr">
+                      <a:solidFill>
+                        <a:schemeClr val="accent1"/>
+                      </a:solidFill>
+                      <a:prstDash val="solid"/>
+                      <a:round/>
+                      <a:headEnd type="none" w="med" len="med"/>
+                      <a:tailEnd type="none" w="med" len="med"/>
+                    </a:lnL>
+                  </a:tcPr>
+                </a:tc>
+                <a:extLst>
+                  <a:ext uri="{0D108BD9-81ED-4DB2-BD59-A6C34878D82A}">
+                    <a16:rowId xmlns:a16="http://schemas.microsoft.com/office/drawing/2014/main" val="1237184807"/>
+                  </a:ext>
+                </a:extLst>
+              </a:tr>
+              <a:tr h="370840">
+                <a:tc>
+                  <a:txBody>
+                    <a:bodyPr/>
+                    <a:lstStyle/>
+                    <a:p>
+                      <a:pPr algn="ctr"/>
+                      <a:r>
+                        <a:rPr lang="en-US" altLang="zh-CN" dirty="0">
+                          <a:latin typeface="Times New Roman" panose="02020603050405020304" pitchFamily="18" charset="0"/>
+                          <a:cs typeface="Times New Roman" panose="02020603050405020304" pitchFamily="18" charset="0"/>
+                        </a:rPr>
+                        <a:t>2</a:t>
+                      </a:r>
+                      <a:endParaRPr lang="zh-CN" altLang="en-US" dirty="0">
+                        <a:latin typeface="Times New Roman" panose="02020603050405020304" pitchFamily="18" charset="0"/>
+                        <a:cs typeface="Times New Roman" panose="02020603050405020304" pitchFamily="18" charset="0"/>
+                      </a:endParaRPr>
+                    </a:p>
+                  </a:txBody>
+                  <a:tcPr anchor="ctr">
+                    <a:lnR w="12700" cap="flat" cmpd="sng" algn="ctr">
+                      <a:solidFill>
+                        <a:schemeClr val="accent1"/>
+                      </a:solidFill>
+                      <a:prstDash val="solid"/>
+                      <a:round/>
+                      <a:headEnd type="none" w="med" len="med"/>
+                      <a:tailEnd type="none" w="med" len="med"/>
+                    </a:lnR>
+                  </a:tcPr>
+                </a:tc>
+                <a:tc>
+                  <a:txBody>
+                    <a:bodyPr/>
+                    <a:lstStyle/>
+                    <a:p>
+                      <a:pPr algn="ctr"/>
+                      <a:r>
+                        <a:rPr lang="en-US" altLang="zh-CN" dirty="0">
+                          <a:latin typeface="Times New Roman" panose="02020603050405020304" pitchFamily="18" charset="0"/>
+                          <a:cs typeface="Times New Roman" panose="02020603050405020304" pitchFamily="18" charset="0"/>
+                        </a:rPr>
+                        <a:t>Singleton</a:t>
+                      </a:r>
+                      <a:endParaRPr lang="zh-CN" altLang="en-US" dirty="0">
+                        <a:latin typeface="Times New Roman" panose="02020603050405020304" pitchFamily="18" charset="0"/>
+                        <a:cs typeface="Times New Roman" panose="02020603050405020304" pitchFamily="18" charset="0"/>
+                      </a:endParaRPr>
+                    </a:p>
+                  </a:txBody>
+                  <a:tcPr anchor="ctr">
+                    <a:lnL w="12700" cap="flat" cmpd="sng" algn="ctr">
+                      <a:solidFill>
+                        <a:schemeClr val="accent1"/>
+                      </a:solidFill>
+                      <a:prstDash val="solid"/>
+                      <a:round/>
+                      <a:headEnd type="none" w="med" len="med"/>
+                      <a:tailEnd type="none" w="med" len="med"/>
+                    </a:lnL>
+                    <a:lnR w="12700" cap="flat" cmpd="sng" algn="ctr">
+                      <a:solidFill>
+                        <a:schemeClr val="accent1"/>
+                      </a:solidFill>
+                      <a:prstDash val="solid"/>
+                      <a:round/>
+                      <a:headEnd type="none" w="med" len="med"/>
+                      <a:tailEnd type="none" w="med" len="med"/>
+                    </a:lnR>
+                  </a:tcPr>
+                </a:tc>
+                <a:tc>
+                  <a:txBody>
+                    <a:bodyPr/>
+                    <a:lstStyle/>
+                    <a:p>
+                      <a:pPr marL="0" marR="0" lvl="0" indent="0" algn="ctr" defTabSz="914400" rtl="0" eaLnBrk="1" fontAlgn="auto" latinLnBrk="0" hangingPunct="1">
+                        <a:lnSpc>
+                          <a:spcPct val="100000"/>
+                        </a:lnSpc>
+                        <a:spcBef>
+                          <a:spcPts val="0"/>
+                        </a:spcBef>
+                        <a:spcAft>
+                          <a:spcPts val="0"/>
+                        </a:spcAft>
+                        <a:buClrTx/>
+                        <a:buSzTx/>
+                        <a:buFontTx/>
+                        <a:buNone/>
+                        <a:tabLst/>
+                        <a:defRPr/>
+                      </a:pPr>
+                      <a:r>
+                        <a:rPr lang="en-US" altLang="zh-CN" dirty="0">
+                          <a:latin typeface="Times New Roman" panose="02020603050405020304" pitchFamily="18" charset="0"/>
+                          <a:cs typeface="Times New Roman" panose="02020603050405020304" pitchFamily="18" charset="0"/>
+                        </a:rPr>
+                        <a:t>Creational Patterns</a:t>
                       </a:r>
                       <a:endParaRPr lang="zh-CN" altLang="en-US" dirty="0">
                         <a:latin typeface="Times New Roman" panose="02020603050405020304" pitchFamily="18" charset="0"/>
@@ -35500,7 +36859,7 @@
                           <a:latin typeface="Times New Roman" panose="02020603050405020304" pitchFamily="18" charset="0"/>
                           <a:cs typeface="Times New Roman" panose="02020603050405020304" pitchFamily="18" charset="0"/>
                         </a:rPr>
-                        <a:t>Enemy Creation</a:t>
+                        <a:t>Singleton of EnemyNotifyManager </a:t>
                       </a:r>
                       <a:endParaRPr lang="zh-CN" altLang="en-US" dirty="0">
                         <a:latin typeface="Times New Roman" panose="02020603050405020304" pitchFamily="18" charset="0"/>
@@ -35522,7 +36881,7 @@
                 </a:tc>
                 <a:extLst>
                   <a:ext uri="{0D108BD9-81ED-4DB2-BD59-A6C34878D82A}">
-                    <a16:rowId xmlns:a16="http://schemas.microsoft.com/office/drawing/2014/main" val="1237184807"/>
+                    <a16:rowId xmlns:a16="http://schemas.microsoft.com/office/drawing/2014/main" val="517144349"/>
                   </a:ext>
                 </a:extLst>
               </a:tr>
@@ -35538,7 +36897,7 @@
                           <a:latin typeface="Times New Roman" panose="02020603050405020304" pitchFamily="18" charset="0"/>
                           <a:cs typeface="Times New Roman" panose="02020603050405020304" pitchFamily="18" charset="0"/>
                         </a:rPr>
-                        <a:t>2</a:t>
+                        <a:t>3</a:t>
                       </a:r>
                       <a:endParaRPr lang="zh-CN" altLang="en-US" dirty="0">
                         <a:latin typeface="Times New Roman" panose="02020603050405020304" pitchFamily="18" charset="0"/>
@@ -35649,46 +37008,6 @@
                           <a:latin typeface="Times New Roman" panose="02020603050405020304" pitchFamily="18" charset="0"/>
                           <a:cs typeface="Times New Roman" panose="02020603050405020304" pitchFamily="18" charset="0"/>
                         </a:rPr>
-                        <a:t>1</a:t>
-                      </a:r>
-                      <a:endParaRPr lang="zh-CN" altLang="en-US" dirty="0">
-                        <a:latin typeface="Times New Roman" panose="02020603050405020304" pitchFamily="18" charset="0"/>
-                        <a:cs typeface="Times New Roman" panose="02020603050405020304" pitchFamily="18" charset="0"/>
-                      </a:endParaRPr>
-                    </a:p>
-                  </a:txBody>
-                  <a:tcPr anchor="ctr">
-                    <a:lnL w="12700" cap="flat" cmpd="sng" algn="ctr">
-                      <a:solidFill>
-                        <a:schemeClr val="accent1"/>
-                      </a:solidFill>
-                      <a:prstDash val="solid"/>
-                      <a:round/>
-                      <a:headEnd type="none" w="med" len="med"/>
-                      <a:tailEnd type="none" w="med" len="med"/>
-                    </a:lnL>
-                    <a:lnR w="12700" cap="flat" cmpd="sng" algn="ctr">
-                      <a:solidFill>
-                        <a:schemeClr val="accent1"/>
-                      </a:solidFill>
-                      <a:prstDash val="solid"/>
-                      <a:round/>
-                      <a:headEnd type="none" w="med" len="med"/>
-                      <a:tailEnd type="none" w="med" len="med"/>
-                    </a:lnR>
-                  </a:tcPr>
-                </a:tc>
-                <a:tc>
-                  <a:txBody>
-                    <a:bodyPr/>
-                    <a:lstStyle/>
-                    <a:p>
-                      <a:pPr algn="ctr"/>
-                      <a:r>
-                        <a:rPr lang="en-US" altLang="zh-CN" dirty="0">
-                          <a:latin typeface="Times New Roman" panose="02020603050405020304" pitchFamily="18" charset="0"/>
-                          <a:cs typeface="Times New Roman" panose="02020603050405020304" pitchFamily="18" charset="0"/>
-                        </a:rPr>
                         <a:t>Bullet Texture Sharing</a:t>
                       </a:r>
                       <a:endParaRPr lang="zh-CN" altLang="en-US" dirty="0">
@@ -35727,7 +37046,7 @@
                           <a:latin typeface="Times New Roman" panose="02020603050405020304" pitchFamily="18" charset="0"/>
                           <a:cs typeface="Times New Roman" panose="02020603050405020304" pitchFamily="18" charset="0"/>
                         </a:rPr>
-                        <a:t>3</a:t>
+                        <a:t>4</a:t>
                       </a:r>
                       <a:endParaRPr lang="zh-CN" altLang="en-US" dirty="0">
                         <a:latin typeface="Times New Roman" panose="02020603050405020304" pitchFamily="18" charset="0"/>
@@ -35854,46 +37173,6 @@
                           <a:latin typeface="Times New Roman" panose="02020603050405020304" pitchFamily="18" charset="0"/>
                           <a:cs typeface="Times New Roman" panose="02020603050405020304" pitchFamily="18" charset="0"/>
                         </a:rPr>
-                        <a:t>1</a:t>
-                      </a:r>
-                      <a:endParaRPr lang="zh-CN" altLang="en-US" dirty="0">
-                        <a:latin typeface="Times New Roman" panose="02020603050405020304" pitchFamily="18" charset="0"/>
-                        <a:cs typeface="Times New Roman" panose="02020603050405020304" pitchFamily="18" charset="0"/>
-                      </a:endParaRPr>
-                    </a:p>
-                  </a:txBody>
-                  <a:tcPr anchor="ctr">
-                    <a:lnL w="12700" cap="flat" cmpd="sng" algn="ctr">
-                      <a:solidFill>
-                        <a:schemeClr val="accent1"/>
-                      </a:solidFill>
-                      <a:prstDash val="solid"/>
-                      <a:round/>
-                      <a:headEnd type="none" w="med" len="med"/>
-                      <a:tailEnd type="none" w="med" len="med"/>
-                    </a:lnL>
-                    <a:lnR w="12700" cap="flat" cmpd="sng" algn="ctr">
-                      <a:solidFill>
-                        <a:schemeClr val="accent1"/>
-                      </a:solidFill>
-                      <a:prstDash val="solid"/>
-                      <a:round/>
-                      <a:headEnd type="none" w="med" len="med"/>
-                      <a:tailEnd type="none" w="med" len="med"/>
-                    </a:lnR>
-                  </a:tcPr>
-                </a:tc>
-                <a:tc>
-                  <a:txBody>
-                    <a:bodyPr/>
-                    <a:lstStyle/>
-                    <a:p>
-                      <a:pPr algn="ctr"/>
-                      <a:r>
-                        <a:rPr lang="en-US" altLang="zh-CN" dirty="0">
-                          <a:latin typeface="Times New Roman" panose="02020603050405020304" pitchFamily="18" charset="0"/>
-                          <a:cs typeface="Times New Roman" panose="02020603050405020304" pitchFamily="18" charset="0"/>
-                        </a:rPr>
                         <a:t>Bullet attack mode expansion</a:t>
                       </a:r>
                       <a:endParaRPr lang="zh-CN" altLang="en-US" dirty="0">
@@ -35932,7 +37211,7 @@
                           <a:latin typeface="Times New Roman" panose="02020603050405020304" pitchFamily="18" charset="0"/>
                           <a:cs typeface="Times New Roman" panose="02020603050405020304" pitchFamily="18" charset="0"/>
                         </a:rPr>
-                        <a:t>4</a:t>
+                        <a:t>5</a:t>
                       </a:r>
                       <a:endParaRPr lang="zh-CN" altLang="en-US" dirty="0">
                         <a:latin typeface="Times New Roman" panose="02020603050405020304" pitchFamily="18" charset="0"/>
@@ -36059,41 +37338,8 @@
                           <a:latin typeface="Times New Roman" panose="02020603050405020304" pitchFamily="18" charset="0"/>
                           <a:cs typeface="Times New Roman" panose="02020603050405020304" pitchFamily="18" charset="0"/>
                         </a:rPr>
-                        <a:t>1</a:t>
+                        <a:t>Enemies' subscription and tower's update</a:t>
                       </a:r>
-                      <a:endParaRPr lang="zh-CN" altLang="en-US" dirty="0">
-                        <a:latin typeface="Times New Roman" panose="02020603050405020304" pitchFamily="18" charset="0"/>
-                        <a:cs typeface="Times New Roman" panose="02020603050405020304" pitchFamily="18" charset="0"/>
-                      </a:endParaRPr>
-                    </a:p>
-                  </a:txBody>
-                  <a:tcPr anchor="ctr">
-                    <a:lnL w="12700" cap="flat" cmpd="sng" algn="ctr">
-                      <a:solidFill>
-                        <a:schemeClr val="accent1"/>
-                      </a:solidFill>
-                      <a:prstDash val="solid"/>
-                      <a:round/>
-                      <a:headEnd type="none" w="med" len="med"/>
-                      <a:tailEnd type="none" w="med" len="med"/>
-                    </a:lnL>
-                    <a:lnR w="12700" cap="flat" cmpd="sng" algn="ctr">
-                      <a:solidFill>
-                        <a:schemeClr val="accent1"/>
-                      </a:solidFill>
-                      <a:prstDash val="solid"/>
-                      <a:round/>
-                      <a:headEnd type="none" w="med" len="med"/>
-                      <a:tailEnd type="none" w="med" len="med"/>
-                    </a:lnR>
-                  </a:tcPr>
-                </a:tc>
-                <a:tc>
-                  <a:txBody>
-                    <a:bodyPr/>
-                    <a:lstStyle/>
-                    <a:p>
-                      <a:pPr algn="ctr"/>
                       <a:endParaRPr lang="zh-CN" altLang="en-US" dirty="0">
                         <a:latin typeface="Times New Roman" panose="02020603050405020304" pitchFamily="18" charset="0"/>
                         <a:cs typeface="Times New Roman" panose="02020603050405020304" pitchFamily="18" charset="0"/>
@@ -36130,7 +37376,7 @@
                           <a:latin typeface="Times New Roman" panose="02020603050405020304" pitchFamily="18" charset="0"/>
                           <a:cs typeface="Times New Roman" panose="02020603050405020304" pitchFamily="18" charset="0"/>
                         </a:rPr>
-                        <a:t>5</a:t>
+                        <a:t>6</a:t>
                       </a:r>
                       <a:endParaRPr lang="zh-CN" altLang="en-US" dirty="0">
                         <a:latin typeface="Times New Roman" panose="02020603050405020304" pitchFamily="18" charset="0"/>
@@ -36241,46 +37487,6 @@
                           <a:latin typeface="Times New Roman" panose="02020603050405020304" pitchFamily="18" charset="0"/>
                           <a:cs typeface="Times New Roman" panose="02020603050405020304" pitchFamily="18" charset="0"/>
                         </a:rPr>
-                        <a:t>1</a:t>
-                      </a:r>
-                      <a:endParaRPr lang="zh-CN" altLang="en-US" dirty="0">
-                        <a:latin typeface="Times New Roman" panose="02020603050405020304" pitchFamily="18" charset="0"/>
-                        <a:cs typeface="Times New Roman" panose="02020603050405020304" pitchFamily="18" charset="0"/>
-                      </a:endParaRPr>
-                    </a:p>
-                  </a:txBody>
-                  <a:tcPr anchor="ctr">
-                    <a:lnL w="12700" cap="flat" cmpd="sng" algn="ctr">
-                      <a:solidFill>
-                        <a:schemeClr val="accent1"/>
-                      </a:solidFill>
-                      <a:prstDash val="solid"/>
-                      <a:round/>
-                      <a:headEnd type="none" w="med" len="med"/>
-                      <a:tailEnd type="none" w="med" len="med"/>
-                    </a:lnL>
-                    <a:lnR w="12700" cap="flat" cmpd="sng" algn="ctr">
-                      <a:solidFill>
-                        <a:schemeClr val="accent1"/>
-                      </a:solidFill>
-                      <a:prstDash val="solid"/>
-                      <a:round/>
-                      <a:headEnd type="none" w="med" len="med"/>
-                      <a:tailEnd type="none" w="med" len="med"/>
-                    </a:lnR>
-                  </a:tcPr>
-                </a:tc>
-                <a:tc>
-                  <a:txBody>
-                    <a:bodyPr/>
-                    <a:lstStyle/>
-                    <a:p>
-                      <a:pPr algn="ctr"/>
-                      <a:r>
-                        <a:rPr lang="en-US" altLang="zh-CN" dirty="0">
-                          <a:latin typeface="Times New Roman" panose="02020603050405020304" pitchFamily="18" charset="0"/>
-                          <a:cs typeface="Times New Roman" panose="02020603050405020304" pitchFamily="18" charset="0"/>
-                        </a:rPr>
                         <a:t>Level Initialization Process</a:t>
                       </a:r>
                       <a:endParaRPr lang="zh-CN" altLang="en-US" dirty="0">
@@ -36304,167 +37510,6 @@
                 <a:extLst>
                   <a:ext uri="{0D108BD9-81ED-4DB2-BD59-A6C34878D82A}">
                     <a16:rowId xmlns:a16="http://schemas.microsoft.com/office/drawing/2014/main" val="662206160"/>
-                  </a:ext>
-                </a:extLst>
-              </a:tr>
-              <a:tr h="370840">
-                <a:tc>
-                  <a:txBody>
-                    <a:bodyPr/>
-                    <a:lstStyle/>
-                    <a:p>
-                      <a:pPr algn="ctr"/>
-                      <a:r>
-                        <a:rPr lang="en-US" altLang="zh-CN" dirty="0">
-                          <a:latin typeface="Times New Roman" panose="02020603050405020304" pitchFamily="18" charset="0"/>
-                          <a:cs typeface="Times New Roman" panose="02020603050405020304" pitchFamily="18" charset="0"/>
-                        </a:rPr>
-                        <a:t>6</a:t>
-                      </a:r>
-                      <a:endParaRPr lang="zh-CN" altLang="en-US" dirty="0">
-                        <a:latin typeface="Times New Roman" panose="02020603050405020304" pitchFamily="18" charset="0"/>
-                        <a:cs typeface="Times New Roman" panose="02020603050405020304" pitchFamily="18" charset="0"/>
-                      </a:endParaRPr>
-                    </a:p>
-                  </a:txBody>
-                  <a:tcPr anchor="ctr">
-                    <a:lnR w="12700" cap="flat" cmpd="sng" algn="ctr">
-                      <a:solidFill>
-                        <a:schemeClr val="accent1"/>
-                      </a:solidFill>
-                      <a:prstDash val="solid"/>
-                      <a:round/>
-                      <a:headEnd type="none" w="med" len="med"/>
-                      <a:tailEnd type="none" w="med" len="med"/>
-                    </a:lnR>
-                  </a:tcPr>
-                </a:tc>
-                <a:tc>
-                  <a:txBody>
-                    <a:bodyPr/>
-                    <a:lstStyle/>
-                    <a:p>
-                      <a:pPr algn="ctr"/>
-                      <a:endParaRPr lang="zh-CN" altLang="en-US" dirty="0">
-                        <a:latin typeface="Times New Roman" panose="02020603050405020304" pitchFamily="18" charset="0"/>
-                        <a:cs typeface="Times New Roman" panose="02020603050405020304" pitchFamily="18" charset="0"/>
-                      </a:endParaRPr>
-                    </a:p>
-                  </a:txBody>
-                  <a:tcPr anchor="ctr">
-                    <a:lnL w="12700" cap="flat" cmpd="sng" algn="ctr">
-                      <a:solidFill>
-                        <a:schemeClr val="accent1"/>
-                      </a:solidFill>
-                      <a:prstDash val="solid"/>
-                      <a:round/>
-                      <a:headEnd type="none" w="med" len="med"/>
-                      <a:tailEnd type="none" w="med" len="med"/>
-                    </a:lnL>
-                    <a:lnR w="12700" cap="flat" cmpd="sng" algn="ctr">
-                      <a:solidFill>
-                        <a:schemeClr val="accent1"/>
-                      </a:solidFill>
-                      <a:prstDash val="solid"/>
-                      <a:round/>
-                      <a:headEnd type="none" w="med" len="med"/>
-                      <a:tailEnd type="none" w="med" len="med"/>
-                    </a:lnR>
-                  </a:tcPr>
-                </a:tc>
-                <a:tc>
-                  <a:txBody>
-                    <a:bodyPr/>
-                    <a:lstStyle/>
-                    <a:p>
-                      <a:pPr algn="ctr"/>
-                      <a:endParaRPr lang="zh-CN" altLang="en-US" dirty="0">
-                        <a:latin typeface="Times New Roman" panose="02020603050405020304" pitchFamily="18" charset="0"/>
-                        <a:cs typeface="Times New Roman" panose="02020603050405020304" pitchFamily="18" charset="0"/>
-                      </a:endParaRPr>
-                    </a:p>
-                  </a:txBody>
-                  <a:tcPr anchor="ctr">
-                    <a:lnL w="12700" cap="flat" cmpd="sng" algn="ctr">
-                      <a:solidFill>
-                        <a:schemeClr val="accent1"/>
-                      </a:solidFill>
-                      <a:prstDash val="solid"/>
-                      <a:round/>
-                      <a:headEnd type="none" w="med" len="med"/>
-                      <a:tailEnd type="none" w="med" len="med"/>
-                    </a:lnL>
-                    <a:lnR w="12700" cap="flat" cmpd="sng" algn="ctr">
-                      <a:solidFill>
-                        <a:schemeClr val="accent1"/>
-                      </a:solidFill>
-                      <a:prstDash val="solid"/>
-                      <a:round/>
-                      <a:headEnd type="none" w="med" len="med"/>
-                      <a:tailEnd type="none" w="med" len="med"/>
-                    </a:lnR>
-                  </a:tcPr>
-                </a:tc>
-                <a:tc>
-                  <a:txBody>
-                    <a:bodyPr/>
-                    <a:lstStyle/>
-                    <a:p>
-                      <a:pPr algn="ctr"/>
-                      <a:endParaRPr lang="zh-CN" altLang="en-US" dirty="0">
-                        <a:latin typeface="Times New Roman" panose="02020603050405020304" pitchFamily="18" charset="0"/>
-                        <a:cs typeface="Times New Roman" panose="02020603050405020304" pitchFamily="18" charset="0"/>
-                      </a:endParaRPr>
-                    </a:p>
-                  </a:txBody>
-                  <a:tcPr anchor="ctr">
-                    <a:lnL w="12700" cap="flat" cmpd="sng" algn="ctr">
-                      <a:solidFill>
-                        <a:schemeClr val="accent1"/>
-                      </a:solidFill>
-                      <a:prstDash val="solid"/>
-                      <a:round/>
-                      <a:headEnd type="none" w="med" len="med"/>
-                      <a:tailEnd type="none" w="med" len="med"/>
-                    </a:lnL>
-                    <a:lnR w="12700" cap="flat" cmpd="sng" algn="ctr">
-                      <a:solidFill>
-                        <a:schemeClr val="accent1"/>
-                      </a:solidFill>
-                      <a:prstDash val="solid"/>
-                      <a:round/>
-                      <a:headEnd type="none" w="med" len="med"/>
-                      <a:tailEnd type="none" w="med" len="med"/>
-                    </a:lnR>
-                  </a:tcPr>
-                </a:tc>
-                <a:tc>
-                  <a:txBody>
-                    <a:bodyPr/>
-                    <a:lstStyle/>
-                    <a:p>
-                      <a:pPr algn="ctr"/>
-                      <a:endParaRPr lang="zh-CN" altLang="en-US" dirty="0">
-                        <a:latin typeface="Times New Roman" panose="02020603050405020304" pitchFamily="18" charset="0"/>
-                        <a:cs typeface="Times New Roman" panose="02020603050405020304" pitchFamily="18" charset="0"/>
-                      </a:endParaRPr>
-                    </a:p>
-                  </a:txBody>
-                  <a:tcPr anchor="ctr">
-                    <a:lnL w="12700" cap="flat" cmpd="sng" algn="ctr">
-                      <a:solidFill>
-                        <a:schemeClr val="accent1"/>
-                      </a:solidFill>
-                      <a:prstDash val="solid"/>
-                      <a:round/>
-                      <a:headEnd type="none" w="med" len="med"/>
-                      <a:tailEnd type="none" w="med" len="med"/>
-                    </a:lnL>
-                  </a:tcPr>
-                </a:tc>
-                <a:extLst>
-                  <a:ext uri="{0D108BD9-81ED-4DB2-BD59-A6C34878D82A}">
-                    <a16:rowId xmlns:a16="http://schemas.microsoft.com/office/drawing/2014/main" val="3584757736"/>
                   </a:ext>
                 </a:extLst>
               </a:tr>
@@ -36506,6 +37551,13 @@
                     <a:lstStyle/>
                     <a:p>
                       <a:pPr algn="ctr"/>
+                      <a:r>
+                        <a:rPr lang="en-US" altLang="zh-CN" dirty="0">
+                          <a:latin typeface="Times New Roman" panose="02020603050405020304" pitchFamily="18" charset="0"/>
+                          <a:cs typeface="Times New Roman" panose="02020603050405020304" pitchFamily="18" charset="0"/>
+                        </a:rPr>
+                        <a:t>Object Pool</a:t>
+                      </a:r>
                       <a:endParaRPr lang="zh-CN" altLang="en-US" dirty="0">
                         <a:latin typeface="Times New Roman" panose="02020603050405020304" pitchFamily="18" charset="0"/>
                         <a:cs typeface="Times New Roman" panose="02020603050405020304" pitchFamily="18" charset="0"/>
@@ -36539,6 +37591,13 @@
                     <a:lstStyle/>
                     <a:p>
                       <a:pPr algn="ctr"/>
+                      <a:r>
+                        <a:rPr lang="en-US" altLang="zh-CN" dirty="0">
+                          <a:latin typeface="Times New Roman" panose="02020603050405020304" pitchFamily="18" charset="0"/>
+                          <a:cs typeface="Times New Roman" panose="02020603050405020304" pitchFamily="18" charset="0"/>
+                        </a:rPr>
+                        <a:t>Others</a:t>
+                      </a:r>
                       <a:endParaRPr lang="zh-CN" altLang="en-US" dirty="0">
                         <a:latin typeface="Times New Roman" panose="02020603050405020304" pitchFamily="18" charset="0"/>
                         <a:cs typeface="Times New Roman" panose="02020603050405020304" pitchFamily="18" charset="0"/>
@@ -36572,39 +37631,13 @@
                     <a:lstStyle/>
                     <a:p>
                       <a:pPr algn="ctr"/>
-                      <a:endParaRPr lang="zh-CN" altLang="en-US" dirty="0">
-                        <a:latin typeface="Times New Roman" panose="02020603050405020304" pitchFamily="18" charset="0"/>
-                        <a:cs typeface="Times New Roman" panose="02020603050405020304" pitchFamily="18" charset="0"/>
-                      </a:endParaRPr>
-                    </a:p>
-                  </a:txBody>
-                  <a:tcPr anchor="ctr">
-                    <a:lnL w="12700" cap="flat" cmpd="sng" algn="ctr">
-                      <a:solidFill>
-                        <a:schemeClr val="accent1"/>
-                      </a:solidFill>
-                      <a:prstDash val="solid"/>
-                      <a:round/>
-                      <a:headEnd type="none" w="med" len="med"/>
-                      <a:tailEnd type="none" w="med" len="med"/>
-                    </a:lnL>
-                    <a:lnR w="12700" cap="flat" cmpd="sng" algn="ctr">
-                      <a:solidFill>
-                        <a:schemeClr val="accent1"/>
-                      </a:solidFill>
-                      <a:prstDash val="solid"/>
-                      <a:round/>
-                      <a:headEnd type="none" w="med" len="med"/>
-                      <a:tailEnd type="none" w="med" len="med"/>
-                    </a:lnR>
-                  </a:tcPr>
-                </a:tc>
-                <a:tc>
-                  <a:txBody>
-                    <a:bodyPr/>
-                    <a:lstStyle/>
-                    <a:p>
-                      <a:pPr algn="ctr"/>
+                      <a:r>
+                        <a:rPr lang="en-US" altLang="zh-CN" dirty="0">
+                          <a:latin typeface="Times New Roman" panose="02020603050405020304" pitchFamily="18" charset="0"/>
+                          <a:cs typeface="Times New Roman" panose="02020603050405020304" pitchFamily="18" charset="0"/>
+                        </a:rPr>
+                        <a:t>Bullet Object Pool</a:t>
+                      </a:r>
                       <a:endParaRPr lang="zh-CN" altLang="en-US" dirty="0">
                         <a:latin typeface="Times New Roman" panose="02020603050405020304" pitchFamily="18" charset="0"/>
                         <a:cs typeface="Times New Roman" panose="02020603050405020304" pitchFamily="18" charset="0"/>
@@ -36625,7 +37658,7 @@
                 </a:tc>
                 <a:extLst>
                   <a:ext uri="{0D108BD9-81ED-4DB2-BD59-A6C34878D82A}">
-                    <a16:rowId xmlns:a16="http://schemas.microsoft.com/office/drawing/2014/main" val="3659881902"/>
+                    <a16:rowId xmlns:a16="http://schemas.microsoft.com/office/drawing/2014/main" val="3584757736"/>
                   </a:ext>
                 </a:extLst>
               </a:tr>
@@ -37984,7 +39017,7 @@
         <p:cNvPr id="1" name="">
           <a:extLst>
             <a:ext uri="{FF2B5EF4-FFF2-40B4-BE49-F238E27FC236}">
-              <a16:creationId xmlns:a16="http://schemas.microsoft.com/office/drawing/2014/main" id="{FAC15293-D994-E0FE-7A84-D3A461A4DF37}"/>
+              <a16:creationId xmlns:a16="http://schemas.microsoft.com/office/drawing/2014/main" id="{6BF2CC94-090F-F87B-0675-DAF914353695}"/>
             </a:ext>
           </a:extLst>
         </p:cNvPr>
@@ -37999,42 +39032,12 @@
           <a:chExt cx="0" cy="0"/>
         </a:xfrm>
       </p:grpSpPr>
-      <p:pic>
-        <p:nvPicPr>
-          <p:cNvPr id="8" name="图片 7">
-            <a:extLst>
-              <a:ext uri="{FF2B5EF4-FFF2-40B4-BE49-F238E27FC236}">
-                <a16:creationId xmlns:a16="http://schemas.microsoft.com/office/drawing/2014/main" id="{18C9C578-7608-B4AD-F00A-9877577E4406}"/>
-              </a:ext>
-            </a:extLst>
-          </p:cNvPr>
-          <p:cNvPicPr>
-            <a:picLocks noChangeAspect="1"/>
-          </p:cNvPicPr>
-          <p:nvPr/>
-        </p:nvPicPr>
-        <p:blipFill>
-          <a:blip r:embed="rId2"/>
-          <a:stretch>
-            <a:fillRect/>
-          </a:stretch>
-        </p:blipFill>
-        <p:spPr>
-          <a:xfrm>
-            <a:off x="1227508" y="1326900"/>
-            <a:ext cx="3551670" cy="5304383"/>
-          </a:xfrm>
-          <a:prstGeom prst="rect">
-            <a:avLst/>
-          </a:prstGeom>
-        </p:spPr>
-      </p:pic>
       <p:sp>
         <p:nvSpPr>
           <p:cNvPr id="5" name="矩形 4">
             <a:extLst>
               <a:ext uri="{FF2B5EF4-FFF2-40B4-BE49-F238E27FC236}">
-                <a16:creationId xmlns:a16="http://schemas.microsoft.com/office/drawing/2014/main" id="{868FA1C5-5754-22CE-B9C6-F6D82540ECB8}"/>
+                <a16:creationId xmlns:a16="http://schemas.microsoft.com/office/drawing/2014/main" id="{3E2EEB33-C777-DEDA-E830-6518916354D8}"/>
               </a:ext>
             </a:extLst>
           </p:cNvPr>
@@ -38085,7 +39088,7 @@
           <p:cNvPr id="6" name="文本框 5">
             <a:extLst>
               <a:ext uri="{FF2B5EF4-FFF2-40B4-BE49-F238E27FC236}">
-                <a16:creationId xmlns:a16="http://schemas.microsoft.com/office/drawing/2014/main" id="{36B22099-17F0-5150-D505-D0F22F82BCE3}"/>
+                <a16:creationId xmlns:a16="http://schemas.microsoft.com/office/drawing/2014/main" id="{17EE093D-5D17-21B7-408E-3368A38308A0}"/>
               </a:ext>
             </a:extLst>
           </p:cNvPr>
@@ -38137,7 +39140,7 @@
           <p:cNvPr id="2" name="文本框 12">
             <a:extLst>
               <a:ext uri="{FF2B5EF4-FFF2-40B4-BE49-F238E27FC236}">
-                <a16:creationId xmlns:a16="http://schemas.microsoft.com/office/drawing/2014/main" id="{2A9FE371-3884-FFC1-D3D4-235361CBE7E9}"/>
+                <a16:creationId xmlns:a16="http://schemas.microsoft.com/office/drawing/2014/main" id="{8A97E03F-4C6A-01CF-6AF7-84BA7445CCC4}"/>
               </a:ext>
             </a:extLst>
           </p:cNvPr>
@@ -38147,7 +39150,7 @@
         <p:spPr>
           <a:xfrm>
             <a:off x="1314449" y="226717"/>
-            <a:ext cx="9495065" cy="584775"/>
+            <a:ext cx="8959413" cy="584775"/>
           </a:xfrm>
           <a:prstGeom prst="rect">
             <a:avLst/>
@@ -38264,7 +39267,7 @@
                 <a:cs typeface="Times New Roman" panose="02020603050405020304" pitchFamily="18" charset="0"/>
                 <a:sym typeface="思源黑体 CN Normal" panose="020B0400000000000000" pitchFamily="34" charset="-122"/>
               </a:rPr>
-              <a:t>Design Patterns in Refactoring ——</a:t>
+              <a:t>Design Patterns in Refactoring——</a:t>
             </a:r>
             <a:r>
               <a:rPr lang="en-US" altLang="zh-CN" sz="3200" dirty="0">
@@ -38275,17 +39278,8 @@
                 <a:ea typeface="思源黑体 CN Normal" panose="020B0400000000000000" pitchFamily="34" charset="-122"/>
                 <a:cs typeface="Times New Roman" panose="02020603050405020304" pitchFamily="18" charset="0"/>
               </a:rPr>
-              <a:t>Template Method</a:t>
+              <a:t>Singleton</a:t>
             </a:r>
-            <a:endParaRPr lang="en-US" altLang="zh-CN" sz="3200" dirty="0">
-              <a:solidFill>
-                <a:srgbClr val="425166"/>
-              </a:solidFill>
-              <a:latin typeface="Times New Roman" panose="02020603050405020304" pitchFamily="18" charset="0"/>
-              <a:ea typeface="思源黑体 CN Normal" panose="020B0400000000000000" pitchFamily="34" charset="-122"/>
-              <a:cs typeface="Times New Roman" panose="02020603050405020304" pitchFamily="18" charset="0"/>
-              <a:sym typeface="思源黑体 CN Normal" panose="020B0400000000000000" pitchFamily="34" charset="-122"/>
-            </a:endParaRPr>
           </a:p>
         </p:txBody>
       </p:sp>
@@ -38294,7 +39288,7 @@
           <p:cNvPr id="27" name="文本框 26">
             <a:extLst>
               <a:ext uri="{FF2B5EF4-FFF2-40B4-BE49-F238E27FC236}">
-                <a16:creationId xmlns:a16="http://schemas.microsoft.com/office/drawing/2014/main" id="{1B86BE1A-C5A0-3970-69C7-E1424C38C239}"/>
+                <a16:creationId xmlns:a16="http://schemas.microsoft.com/office/drawing/2014/main" id="{92FB857D-60A0-3791-F53C-70062D734268}"/>
               </a:ext>
             </a:extLst>
           </p:cNvPr>
@@ -38303,8 +39297,8 @@
         </p:nvSpPr>
         <p:spPr>
           <a:xfrm>
-            <a:off x="1244601" y="1000126"/>
-            <a:ext cx="3551670" cy="369332"/>
+            <a:off x="2355298" y="1391774"/>
+            <a:ext cx="3249738" cy="369332"/>
           </a:xfrm>
           <a:prstGeom prst="rect">
             <a:avLst/>
@@ -38323,7 +39317,7 @@
                 <a:latin typeface="Times New Roman" panose="02020603050405020304" pitchFamily="18" charset="0"/>
                 <a:cs typeface="Times New Roman" panose="02020603050405020304" pitchFamily="18" charset="0"/>
               </a:rPr>
-              <a:t>Class diagram of Template Method</a:t>
+              <a:t>Class diagram of Singleton</a:t>
             </a:r>
             <a:endParaRPr lang="zh-CN" altLang="en-US" dirty="0">
               <a:latin typeface="Times New Roman" panose="02020603050405020304" pitchFamily="18" charset="0"/>
@@ -38332,725 +39326,40 @@
           </a:p>
         </p:txBody>
       </p:sp>
-      <p:sp>
-        <p:nvSpPr>
-          <p:cNvPr id="9" name="椭圆 8">
+      <p:pic>
+        <p:nvPicPr>
+          <p:cNvPr id="11" name="图片 10">
             <a:extLst>
               <a:ext uri="{FF2B5EF4-FFF2-40B4-BE49-F238E27FC236}">
-                <a16:creationId xmlns:a16="http://schemas.microsoft.com/office/drawing/2014/main" id="{47ED3D27-00F9-4BCD-B9F0-301E5F7E6E5B}"/>
+                <a16:creationId xmlns:a16="http://schemas.microsoft.com/office/drawing/2014/main" id="{7E85CF26-E1EF-0F32-4C08-653F1963E9D2}"/>
               </a:ext>
             </a:extLst>
           </p:cNvPr>
-          <p:cNvSpPr/>
+          <p:cNvPicPr>
+            <a:picLocks noChangeAspect="1"/>
+          </p:cNvPicPr>
           <p:nvPr/>
-        </p:nvSpPr>
+        </p:nvPicPr>
+        <p:blipFill>
+          <a:blip r:embed="rId2"/>
+          <a:stretch>
+            <a:fillRect/>
+          </a:stretch>
+        </p:blipFill>
         <p:spPr>
           <a:xfrm>
-            <a:off x="4239300" y="1902926"/>
-            <a:ext cx="1045968" cy="2664259"/>
-          </a:xfrm>
-          <a:prstGeom prst="ellipse">
-            <a:avLst/>
-          </a:prstGeom>
-          <a:solidFill>
-            <a:schemeClr val="bg1"/>
-          </a:solidFill>
-          <a:ln>
-            <a:noFill/>
-          </a:ln>
-        </p:spPr>
-        <p:style>
-          <a:lnRef idx="2">
-            <a:schemeClr val="accent1">
-              <a:shade val="15000"/>
-            </a:schemeClr>
-          </a:lnRef>
-          <a:fillRef idx="1">
-            <a:schemeClr val="accent1"/>
-          </a:fillRef>
-          <a:effectRef idx="0">
-            <a:schemeClr val="accent1"/>
-          </a:effectRef>
-          <a:fontRef idx="minor">
-            <a:schemeClr val="lt1"/>
-          </a:fontRef>
-        </p:style>
-        <p:txBody>
-          <a:bodyPr rtlCol="0" anchor="ctr"/>
-          <a:lstStyle/>
-          <a:p>
-            <a:pPr algn="ctr"/>
-            <a:endParaRPr lang="zh-CN" altLang="en-US"/>
-          </a:p>
-        </p:txBody>
-      </p:sp>
-      <p:sp>
-        <p:nvSpPr>
-          <p:cNvPr id="3" name="文本框 2">
-            <a:extLst>
-              <a:ext uri="{FF2B5EF4-FFF2-40B4-BE49-F238E27FC236}">
-                <a16:creationId xmlns:a16="http://schemas.microsoft.com/office/drawing/2014/main" id="{80CA8D82-7695-7805-1FA7-1088E6F2529A}"/>
-              </a:ext>
-            </a:extLst>
-          </p:cNvPr>
-          <p:cNvSpPr txBox="1"/>
-          <p:nvPr/>
-        </p:nvSpPr>
-        <p:spPr>
-          <a:xfrm>
-            <a:off x="3618396" y="2160668"/>
-            <a:ext cx="3288338" cy="2246769"/>
+            <a:off x="69850" y="1814190"/>
+            <a:ext cx="7820635" cy="3398319"/>
           </a:xfrm>
           <a:prstGeom prst="rect">
             <a:avLst/>
           </a:prstGeom>
-          <a:noFill/>
         </p:spPr>
-        <p:txBody>
-          <a:bodyPr wrap="square">
-            <a:spAutoFit/>
-          </a:bodyPr>
-          <a:lstStyle/>
-          <a:p>
-            <a:pPr>
-              <a:lnSpc>
-                <a:spcPts val="1425"/>
-              </a:lnSpc>
-            </a:pPr>
-            <a:r>
-              <a:rPr lang="en-US" altLang="zh-CN" sz="1400" b="0" dirty="0">
-                <a:solidFill>
-                  <a:schemeClr val="accent1"/>
-                </a:solidFill>
-                <a:effectLst/>
-                <a:latin typeface="Times New Roman" panose="02020603050405020304" pitchFamily="18" charset="0"/>
-                <a:cs typeface="Times New Roman" panose="02020603050405020304" pitchFamily="18" charset="0"/>
-              </a:rPr>
-              <a:t>// Initialize money and HP</a:t>
-            </a:r>
-          </a:p>
-          <a:p>
-            <a:pPr>
-              <a:lnSpc>
-                <a:spcPts val="1425"/>
-              </a:lnSpc>
-            </a:pPr>
-            <a:r>
-              <a:rPr lang="en-US" altLang="zh-CN" sz="1400" b="0" dirty="0">
-                <a:effectLst/>
-                <a:latin typeface="Times New Roman" panose="02020603050405020304" pitchFamily="18" charset="0"/>
-                <a:cs typeface="Times New Roman" panose="02020603050405020304" pitchFamily="18" charset="0"/>
-              </a:rPr>
-              <a:t>// Initialize empty blocks  </a:t>
-            </a:r>
-          </a:p>
-          <a:p>
-            <a:pPr>
-              <a:lnSpc>
-                <a:spcPts val="1425"/>
-              </a:lnSpc>
-            </a:pPr>
-            <a:r>
-              <a:rPr lang="en-US" altLang="zh-CN" sz="1400" b="0" dirty="0">
-                <a:effectLst/>
-                <a:latin typeface="Times New Roman" panose="02020603050405020304" pitchFamily="18" charset="0"/>
-                <a:cs typeface="Times New Roman" panose="02020603050405020304" pitchFamily="18" charset="0"/>
-              </a:rPr>
-              <a:t>// Initialize the background layer       </a:t>
-            </a:r>
-          </a:p>
-          <a:p>
-            <a:pPr>
-              <a:lnSpc>
-                <a:spcPts val="1425"/>
-              </a:lnSpc>
-            </a:pPr>
-            <a:r>
-              <a:rPr lang="en-US" altLang="zh-CN" sz="1400" b="0" dirty="0">
-                <a:solidFill>
-                  <a:schemeClr val="accent1"/>
-                </a:solidFill>
-                <a:effectLst/>
-                <a:latin typeface="Times New Roman" panose="02020603050405020304" pitchFamily="18" charset="0"/>
-                <a:cs typeface="Times New Roman" panose="02020603050405020304" pitchFamily="18" charset="0"/>
-              </a:rPr>
-              <a:t>// Initialize enemy spawn point positions</a:t>
-            </a:r>
-          </a:p>
-          <a:p>
-            <a:pPr>
-              <a:lnSpc>
-                <a:spcPts val="1425"/>
-              </a:lnSpc>
-            </a:pPr>
-            <a:r>
-              <a:rPr lang="en-US" altLang="zh-CN" sz="1400" b="0" dirty="0">
-                <a:effectLst/>
-                <a:latin typeface="Times New Roman" panose="02020603050405020304" pitchFamily="18" charset="0"/>
-                <a:cs typeface="Times New Roman" panose="02020603050405020304" pitchFamily="18" charset="0"/>
-              </a:rPr>
-              <a:t>// Initialize spawn point blocks            </a:t>
-            </a:r>
-          </a:p>
-          <a:p>
-            <a:pPr>
-              <a:lnSpc>
-                <a:spcPts val="1425"/>
-              </a:lnSpc>
-            </a:pPr>
-            <a:r>
-              <a:rPr lang="en-US" altLang="zh-CN" sz="1400" b="0" dirty="0">
-                <a:solidFill>
-                  <a:schemeClr val="accent1"/>
-                </a:solidFill>
-                <a:effectLst/>
-                <a:latin typeface="Times New Roman" panose="02020603050405020304" pitchFamily="18" charset="0"/>
-                <a:cs typeface="Times New Roman" panose="02020603050405020304" pitchFamily="18" charset="0"/>
-              </a:rPr>
-              <a:t>// Set the enemy movement path</a:t>
-            </a:r>
-          </a:p>
-          <a:p>
-            <a:pPr>
-              <a:lnSpc>
-                <a:spcPts val="1425"/>
-              </a:lnSpc>
-            </a:pPr>
-            <a:r>
-              <a:rPr lang="en-US" altLang="zh-CN" sz="1400" b="0" dirty="0">
-                <a:effectLst/>
-                <a:latin typeface="Times New Roman" panose="02020603050405020304" pitchFamily="18" charset="0"/>
-                <a:cs typeface="Times New Roman" panose="02020603050405020304" pitchFamily="18" charset="0"/>
-              </a:rPr>
-              <a:t>// Add the carrot layer                                 </a:t>
-            </a:r>
-          </a:p>
-          <a:p>
-            <a:pPr>
-              <a:lnSpc>
-                <a:spcPts val="1425"/>
-              </a:lnSpc>
-            </a:pPr>
-            <a:r>
-              <a:rPr lang="en-US" altLang="zh-CN" sz="1400" b="0" dirty="0">
-                <a:effectLst/>
-                <a:latin typeface="Times New Roman" panose="02020603050405020304" pitchFamily="18" charset="0"/>
-                <a:cs typeface="Times New Roman" panose="02020603050405020304" pitchFamily="18" charset="0"/>
-              </a:rPr>
-              <a:t>// Initialize the UI interface                          </a:t>
-            </a:r>
-          </a:p>
-          <a:p>
-            <a:pPr>
-              <a:lnSpc>
-                <a:spcPts val="1425"/>
-              </a:lnSpc>
-            </a:pPr>
-            <a:r>
-              <a:rPr lang="en-US" altLang="zh-CN" sz="1400" b="0" dirty="0">
-                <a:effectLst/>
-                <a:latin typeface="Times New Roman" panose="02020603050405020304" pitchFamily="18" charset="0"/>
-                <a:cs typeface="Times New Roman" panose="02020603050405020304" pitchFamily="18" charset="0"/>
-              </a:rPr>
-              <a:t>// Initialize the per-frame update logic       </a:t>
-            </a:r>
-          </a:p>
-          <a:p>
-            <a:pPr>
-              <a:lnSpc>
-                <a:spcPts val="1425"/>
-              </a:lnSpc>
-            </a:pPr>
-            <a:r>
-              <a:rPr lang="en-US" altLang="zh-CN" sz="1400" b="0" dirty="0">
-                <a:solidFill>
-                  <a:schemeClr val="accent1"/>
-                </a:solidFill>
-                <a:effectLst/>
-                <a:latin typeface="Times New Roman" panose="02020603050405020304" pitchFamily="18" charset="0"/>
-                <a:cs typeface="Times New Roman" panose="02020603050405020304" pitchFamily="18" charset="0"/>
-              </a:rPr>
-              <a:t>// Initialize wave information</a:t>
-            </a:r>
-          </a:p>
-          <a:p>
-            <a:pPr>
-              <a:lnSpc>
-                <a:spcPts val="1425"/>
-              </a:lnSpc>
-            </a:pPr>
-            <a:r>
-              <a:rPr lang="en-US" altLang="zh-CN" sz="1400" b="0" dirty="0">
-                <a:effectLst/>
-                <a:latin typeface="Times New Roman" panose="02020603050405020304" pitchFamily="18" charset="0"/>
-                <a:cs typeface="Times New Roman" panose="02020603050405020304" pitchFamily="18" charset="0"/>
-              </a:rPr>
-              <a:t>// Set up the specific wave details               </a:t>
-            </a:r>
-          </a:p>
-          <a:p>
-            <a:pPr>
-              <a:lnSpc>
-                <a:spcPts val="1425"/>
-              </a:lnSpc>
-            </a:pPr>
-            <a:r>
-              <a:rPr lang="en-US" altLang="zh-CN" sz="1400" b="0" dirty="0">
-                <a:effectLst/>
-                <a:latin typeface="Times New Roman" panose="02020603050405020304" pitchFamily="18" charset="0"/>
-                <a:cs typeface="Times New Roman" panose="02020603050405020304" pitchFamily="18" charset="0"/>
-              </a:rPr>
-              <a:t>// Start spawning the first wave of enemies</a:t>
-            </a:r>
-          </a:p>
-        </p:txBody>
-      </p:sp>
-      <p:sp>
-        <p:nvSpPr>
-          <p:cNvPr id="11" name="文本框 10">
-            <a:extLst>
-              <a:ext uri="{FF2B5EF4-FFF2-40B4-BE49-F238E27FC236}">
-                <a16:creationId xmlns:a16="http://schemas.microsoft.com/office/drawing/2014/main" id="{7183C368-5216-2759-88DA-6A16AFD37850}"/>
-              </a:ext>
-            </a:extLst>
-          </p:cNvPr>
-          <p:cNvSpPr txBox="1"/>
-          <p:nvPr/>
-        </p:nvSpPr>
-        <p:spPr>
-          <a:xfrm>
-            <a:off x="6633581" y="691508"/>
-            <a:ext cx="1434348" cy="461665"/>
-          </a:xfrm>
-          <a:prstGeom prst="rect">
-            <a:avLst/>
-          </a:prstGeom>
-          <a:noFill/>
-        </p:spPr>
-        <p:txBody>
-          <a:bodyPr wrap="square">
-            <a:spAutoFit/>
-          </a:bodyPr>
-          <a:lstStyle/>
-          <a:p>
-            <a:pPr algn="ctr"/>
-            <a:r>
-              <a:rPr lang="en-US" altLang="zh-CN" sz="2400" dirty="0">
-                <a:latin typeface="Times New Roman" panose="02020603050405020304" pitchFamily="18" charset="0"/>
-                <a:cs typeface="Times New Roman" panose="02020603050405020304" pitchFamily="18" charset="0"/>
-              </a:rPr>
-              <a:t>Reasons :</a:t>
-            </a:r>
-            <a:endParaRPr lang="zh-CN" altLang="en-US" sz="2400" dirty="0">
-              <a:latin typeface="Times New Roman" panose="02020603050405020304" pitchFamily="18" charset="0"/>
-              <a:cs typeface="Times New Roman" panose="02020603050405020304" pitchFamily="18" charset="0"/>
-            </a:endParaRPr>
-          </a:p>
-        </p:txBody>
-      </p:sp>
-      <p:sp>
-        <p:nvSpPr>
-          <p:cNvPr id="18" name="文本框 17">
-            <a:extLst>
-              <a:ext uri="{FF2B5EF4-FFF2-40B4-BE49-F238E27FC236}">
-                <a16:creationId xmlns:a16="http://schemas.microsoft.com/office/drawing/2014/main" id="{04EC9A80-E551-84C3-3E6F-DB0647EC6BC1}"/>
-              </a:ext>
-            </a:extLst>
-          </p:cNvPr>
-          <p:cNvSpPr txBox="1"/>
-          <p:nvPr/>
-        </p:nvSpPr>
-        <p:spPr>
-          <a:xfrm>
-            <a:off x="6913993" y="1107006"/>
-            <a:ext cx="5113555" cy="2948884"/>
-          </a:xfrm>
-          <a:prstGeom prst="rect">
-            <a:avLst/>
-          </a:prstGeom>
-          <a:noFill/>
-        </p:spPr>
-        <p:txBody>
-          <a:bodyPr wrap="square">
-            <a:spAutoFit/>
-          </a:bodyPr>
-          <a:lstStyle/>
-          <a:p>
-            <a:pPr>
-              <a:lnSpc>
-                <a:spcPct val="125000"/>
-              </a:lnSpc>
-            </a:pPr>
-            <a:r>
-              <a:rPr lang="en-US" altLang="zh-CN" dirty="0">
-                <a:solidFill>
-                  <a:srgbClr val="FF0000"/>
-                </a:solidFill>
-                <a:latin typeface="Times New Roman" panose="02020603050405020304" pitchFamily="18" charset="0"/>
-                <a:cs typeface="Times New Roman" panose="02020603050405020304" pitchFamily="18" charset="0"/>
-              </a:rPr>
-              <a:t>Reduce Code Duplication. </a:t>
-            </a:r>
-            <a:r>
-              <a:rPr lang="en-US" altLang="zh-CN" sz="1600" dirty="0">
-                <a:latin typeface="Times New Roman" panose="02020603050405020304" pitchFamily="18" charset="0"/>
-                <a:cs typeface="Times New Roman" panose="02020603050405020304" pitchFamily="18" charset="0"/>
-              </a:rPr>
-              <a:t>Common logic like </a:t>
-            </a:r>
-            <a:r>
-              <a:rPr lang="en-US" altLang="zh-CN" sz="1600" dirty="0" err="1">
-                <a:latin typeface="Times New Roman" panose="02020603050405020304" pitchFamily="18" charset="0"/>
-                <a:cs typeface="Times New Roman" panose="02020603050405020304" pitchFamily="18" charset="0"/>
-              </a:rPr>
-              <a:t>backgroundInit</a:t>
-            </a:r>
-            <a:r>
-              <a:rPr lang="en-US" altLang="zh-CN" sz="1600" dirty="0">
-                <a:latin typeface="Times New Roman" panose="02020603050405020304" pitchFamily="18" charset="0"/>
-                <a:cs typeface="Times New Roman" panose="02020603050405020304" pitchFamily="18" charset="0"/>
-              </a:rPr>
-              <a:t>() and </a:t>
-            </a:r>
-            <a:r>
-              <a:rPr lang="en-US" altLang="zh-CN" sz="1600" dirty="0" err="1">
-                <a:latin typeface="Times New Roman" panose="02020603050405020304" pitchFamily="18" charset="0"/>
-                <a:cs typeface="Times New Roman" panose="02020603050405020304" pitchFamily="18" charset="0"/>
-              </a:rPr>
-              <a:t>uiInit</a:t>
-            </a:r>
-            <a:r>
-              <a:rPr lang="en-US" altLang="zh-CN" sz="1600" dirty="0">
-                <a:latin typeface="Times New Roman" panose="02020603050405020304" pitchFamily="18" charset="0"/>
-                <a:cs typeface="Times New Roman" panose="02020603050405020304" pitchFamily="18" charset="0"/>
-              </a:rPr>
-              <a:t>() can be centralized in the parent class, avoiding repetitive code in subclasses.</a:t>
-            </a:r>
-          </a:p>
-          <a:p>
-            <a:pPr>
-              <a:lnSpc>
-                <a:spcPct val="125000"/>
-              </a:lnSpc>
-            </a:pPr>
-            <a:r>
-              <a:rPr lang="en-US" altLang="zh-CN" dirty="0">
-                <a:solidFill>
-                  <a:srgbClr val="FF0000"/>
-                </a:solidFill>
-                <a:latin typeface="Times New Roman" panose="02020603050405020304" pitchFamily="18" charset="0"/>
-                <a:cs typeface="Times New Roman" panose="02020603050405020304" pitchFamily="18" charset="0"/>
-              </a:rPr>
-              <a:t>Improve Maintainability. </a:t>
-            </a:r>
-            <a:r>
-              <a:rPr lang="en-US" altLang="zh-CN" sz="1600" dirty="0">
-                <a:latin typeface="Times New Roman" panose="02020603050405020304" pitchFamily="18" charset="0"/>
-                <a:cs typeface="Times New Roman" panose="02020603050405020304" pitchFamily="18" charset="0"/>
-              </a:rPr>
-              <a:t>Changes to shared logic only need to be made in the parent class, reducing errors and effort.</a:t>
-            </a:r>
-          </a:p>
-          <a:p>
-            <a:pPr>
-              <a:lnSpc>
-                <a:spcPct val="125000"/>
-              </a:lnSpc>
-            </a:pPr>
-            <a:r>
-              <a:rPr lang="en-US" altLang="zh-CN" dirty="0">
-                <a:solidFill>
-                  <a:srgbClr val="FF0000"/>
-                </a:solidFill>
-                <a:latin typeface="Times New Roman" panose="02020603050405020304" pitchFamily="18" charset="0"/>
-                <a:cs typeface="Times New Roman" panose="02020603050405020304" pitchFamily="18" charset="0"/>
-              </a:rPr>
-              <a:t>Enhance Code Extensibility. </a:t>
-            </a:r>
-            <a:r>
-              <a:rPr lang="en-US" altLang="zh-CN" sz="1600" dirty="0">
-                <a:latin typeface="Times New Roman" panose="02020603050405020304" pitchFamily="18" charset="0"/>
-                <a:cs typeface="Times New Roman" panose="02020603050405020304" pitchFamily="18" charset="0"/>
-              </a:rPr>
-              <a:t>Adding new levels only requires overriding specific methods without redesigning the entire process.</a:t>
-            </a:r>
-            <a:endParaRPr lang="zh-CN" altLang="en-US" sz="1600" dirty="0">
-              <a:latin typeface="Times New Roman" panose="02020603050405020304" pitchFamily="18" charset="0"/>
-              <a:cs typeface="Times New Roman" panose="02020603050405020304" pitchFamily="18" charset="0"/>
-            </a:endParaRPr>
-          </a:p>
-        </p:txBody>
-      </p:sp>
-      <p:sp>
-        <p:nvSpPr>
-          <p:cNvPr id="23" name="文本框 22">
-            <a:extLst>
-              <a:ext uri="{FF2B5EF4-FFF2-40B4-BE49-F238E27FC236}">
-                <a16:creationId xmlns:a16="http://schemas.microsoft.com/office/drawing/2014/main" id="{B0034E93-4484-D819-1344-601E30B0E28E}"/>
-              </a:ext>
-            </a:extLst>
-          </p:cNvPr>
-          <p:cNvSpPr txBox="1"/>
-          <p:nvPr/>
-        </p:nvSpPr>
-        <p:spPr>
-          <a:xfrm>
-            <a:off x="6757247" y="3940290"/>
-            <a:ext cx="1353941" cy="461665"/>
-          </a:xfrm>
-          <a:prstGeom prst="rect">
-            <a:avLst/>
-          </a:prstGeom>
-          <a:noFill/>
-        </p:spPr>
-        <p:txBody>
-          <a:bodyPr wrap="square">
-            <a:spAutoFit/>
-          </a:bodyPr>
-          <a:lstStyle/>
-          <a:p>
-            <a:pPr algn="ctr"/>
-            <a:r>
-              <a:rPr lang="en-US" altLang="zh-CN" sz="2400" dirty="0">
-                <a:latin typeface="Times New Roman" panose="02020603050405020304" pitchFamily="18" charset="0"/>
-                <a:cs typeface="Times New Roman" panose="02020603050405020304" pitchFamily="18" charset="0"/>
-              </a:rPr>
-              <a:t>Benefits :</a:t>
-            </a:r>
-            <a:endParaRPr lang="zh-CN" altLang="en-US" sz="2400" dirty="0">
-              <a:latin typeface="Times New Roman" panose="02020603050405020304" pitchFamily="18" charset="0"/>
-              <a:cs typeface="Times New Roman" panose="02020603050405020304" pitchFamily="18" charset="0"/>
-            </a:endParaRPr>
-          </a:p>
-        </p:txBody>
-      </p:sp>
-      <p:sp>
-        <p:nvSpPr>
-          <p:cNvPr id="30" name="文本框 29">
-            <a:extLst>
-              <a:ext uri="{FF2B5EF4-FFF2-40B4-BE49-F238E27FC236}">
-                <a16:creationId xmlns:a16="http://schemas.microsoft.com/office/drawing/2014/main" id="{CF4F81C9-5EDC-7FAD-D350-975A1AE052F1}"/>
-              </a:ext>
-            </a:extLst>
-          </p:cNvPr>
-          <p:cNvSpPr txBox="1"/>
-          <p:nvPr/>
-        </p:nvSpPr>
-        <p:spPr>
-          <a:xfrm>
-            <a:off x="6949993" y="4350308"/>
-            <a:ext cx="4998298" cy="2025555"/>
-          </a:xfrm>
-          <a:prstGeom prst="rect">
-            <a:avLst/>
-          </a:prstGeom>
-          <a:noFill/>
-        </p:spPr>
-        <p:txBody>
-          <a:bodyPr wrap="square">
-            <a:spAutoFit/>
-          </a:bodyPr>
-          <a:lstStyle/>
-          <a:p>
-            <a:pPr>
-              <a:lnSpc>
-                <a:spcPct val="125000"/>
-              </a:lnSpc>
-            </a:pPr>
-            <a:r>
-              <a:rPr lang="en-US" altLang="zh-CN" dirty="0">
-                <a:solidFill>
-                  <a:srgbClr val="FF0000"/>
-                </a:solidFill>
-                <a:latin typeface="Times New Roman" panose="02020603050405020304" pitchFamily="18" charset="0"/>
-                <a:cs typeface="Times New Roman" panose="02020603050405020304" pitchFamily="18" charset="0"/>
-              </a:rPr>
-              <a:t>Higher Reusability. </a:t>
-            </a:r>
-            <a:r>
-              <a:rPr lang="en-US" altLang="zh-CN" sz="1600" dirty="0">
-                <a:latin typeface="Times New Roman" panose="02020603050405020304" pitchFamily="18" charset="0"/>
-                <a:cs typeface="Times New Roman" panose="02020603050405020304" pitchFamily="18" charset="0"/>
-              </a:rPr>
-              <a:t>Common logic is reused directly in subclasses, with only unique parts needing overrides.</a:t>
-            </a:r>
-          </a:p>
-          <a:p>
-            <a:pPr>
-              <a:lnSpc>
-                <a:spcPct val="125000"/>
-              </a:lnSpc>
-            </a:pPr>
-            <a:r>
-              <a:rPr lang="en-US" altLang="zh-CN" dirty="0">
-                <a:solidFill>
-                  <a:srgbClr val="FF0000"/>
-                </a:solidFill>
-                <a:latin typeface="Times New Roman" panose="02020603050405020304" pitchFamily="18" charset="0"/>
-                <a:cs typeface="Times New Roman" panose="02020603050405020304" pitchFamily="18" charset="0"/>
-              </a:rPr>
-              <a:t>Easier Feature Expansion. </a:t>
-            </a:r>
-            <a:r>
-              <a:rPr lang="en-US" altLang="zh-CN" sz="1600" dirty="0">
-                <a:latin typeface="Times New Roman" panose="02020603050405020304" pitchFamily="18" charset="0"/>
-                <a:cs typeface="Times New Roman" panose="02020603050405020304" pitchFamily="18" charset="0"/>
-              </a:rPr>
-              <a:t>Adding steps like </a:t>
-            </a:r>
-            <a:r>
-              <a:rPr lang="en-US" altLang="zh-CN" sz="1600" dirty="0" err="1">
-                <a:latin typeface="Times New Roman" panose="02020603050405020304" pitchFamily="18" charset="0"/>
-                <a:cs typeface="Times New Roman" panose="02020603050405020304" pitchFamily="18" charset="0"/>
-              </a:rPr>
-              <a:t>soundInit</a:t>
-            </a:r>
-            <a:r>
-              <a:rPr lang="en-US" altLang="zh-CN" sz="1600" dirty="0">
-                <a:latin typeface="Times New Roman" panose="02020603050405020304" pitchFamily="18" charset="0"/>
-                <a:cs typeface="Times New Roman" panose="02020603050405020304" pitchFamily="18" charset="0"/>
-              </a:rPr>
-              <a:t>() only requires updates in the parent class.</a:t>
-            </a:r>
-          </a:p>
-          <a:p>
-            <a:pPr>
-              <a:lnSpc>
-                <a:spcPct val="125000"/>
-              </a:lnSpc>
-            </a:pPr>
-            <a:r>
-              <a:rPr lang="en-US" altLang="zh-CN" dirty="0">
-                <a:solidFill>
-                  <a:srgbClr val="FF0000"/>
-                </a:solidFill>
-                <a:latin typeface="Times New Roman" panose="02020603050405020304" pitchFamily="18" charset="0"/>
-                <a:cs typeface="Times New Roman" panose="02020603050405020304" pitchFamily="18" charset="0"/>
-              </a:rPr>
-              <a:t>Consistency. </a:t>
-            </a:r>
-            <a:r>
-              <a:rPr lang="en-US" altLang="zh-CN" sz="1600" dirty="0">
-                <a:latin typeface="Times New Roman" panose="02020603050405020304" pitchFamily="18" charset="0"/>
-                <a:cs typeface="Times New Roman" panose="02020603050405020304" pitchFamily="18" charset="0"/>
-              </a:rPr>
-              <a:t>Ensures all levels follow the same initialization flow, avoiding discrepancies.</a:t>
-            </a:r>
-            <a:endParaRPr lang="zh-CN" altLang="en-US" sz="1600" dirty="0">
-              <a:latin typeface="Times New Roman" panose="02020603050405020304" pitchFamily="18" charset="0"/>
-              <a:cs typeface="Times New Roman" panose="02020603050405020304" pitchFamily="18" charset="0"/>
-            </a:endParaRPr>
-          </a:p>
-        </p:txBody>
-      </p:sp>
-      <p:sp>
-        <p:nvSpPr>
-          <p:cNvPr id="31" name="矩形 30">
-            <a:extLst>
-              <a:ext uri="{FF2B5EF4-FFF2-40B4-BE49-F238E27FC236}">
-                <a16:creationId xmlns:a16="http://schemas.microsoft.com/office/drawing/2014/main" id="{308A467A-276A-2FC3-7DC5-39E5D1BA2323}"/>
-              </a:ext>
-            </a:extLst>
-          </p:cNvPr>
-          <p:cNvSpPr/>
-          <p:nvPr/>
-        </p:nvSpPr>
-        <p:spPr>
-          <a:xfrm>
-            <a:off x="6906734" y="1153173"/>
-            <a:ext cx="5041557" cy="2856551"/>
-          </a:xfrm>
-          <a:prstGeom prst="rect">
-            <a:avLst/>
-          </a:prstGeom>
-          <a:noFill/>
-          <a:ln>
-            <a:solidFill>
-              <a:schemeClr val="tx1"/>
-            </a:solidFill>
-          </a:ln>
-        </p:spPr>
-        <p:style>
-          <a:lnRef idx="2">
-            <a:schemeClr val="accent1">
-              <a:shade val="15000"/>
-            </a:schemeClr>
-          </a:lnRef>
-          <a:fillRef idx="1">
-            <a:schemeClr val="accent1"/>
-          </a:fillRef>
-          <a:effectRef idx="0">
-            <a:schemeClr val="accent1"/>
-          </a:effectRef>
-          <a:fontRef idx="minor">
-            <a:schemeClr val="lt1"/>
-          </a:fontRef>
-        </p:style>
-        <p:txBody>
-          <a:bodyPr rtlCol="0" anchor="ctr"/>
-          <a:lstStyle/>
-          <a:p>
-            <a:pPr algn="ctr"/>
-            <a:endParaRPr lang="zh-CN" altLang="en-US"/>
-          </a:p>
-        </p:txBody>
-      </p:sp>
-      <p:sp>
-        <p:nvSpPr>
-          <p:cNvPr id="32" name="矩形 31">
-            <a:extLst>
-              <a:ext uri="{FF2B5EF4-FFF2-40B4-BE49-F238E27FC236}">
-                <a16:creationId xmlns:a16="http://schemas.microsoft.com/office/drawing/2014/main" id="{6A696EA1-8F61-5E4C-0ABC-A7D4E0BE6653}"/>
-              </a:ext>
-            </a:extLst>
-          </p:cNvPr>
-          <p:cNvSpPr/>
-          <p:nvPr/>
-        </p:nvSpPr>
-        <p:spPr>
-          <a:xfrm>
-            <a:off x="6949992" y="4407437"/>
-            <a:ext cx="5041558" cy="2025556"/>
-          </a:xfrm>
-          <a:prstGeom prst="rect">
-            <a:avLst/>
-          </a:prstGeom>
-          <a:noFill/>
-          <a:ln>
-            <a:solidFill>
-              <a:schemeClr val="tx1"/>
-            </a:solidFill>
-          </a:ln>
-        </p:spPr>
-        <p:style>
-          <a:lnRef idx="2">
-            <a:schemeClr val="accent1">
-              <a:shade val="15000"/>
-            </a:schemeClr>
-          </a:lnRef>
-          <a:fillRef idx="1">
-            <a:schemeClr val="accent1"/>
-          </a:fillRef>
-          <a:effectRef idx="0">
-            <a:schemeClr val="accent1"/>
-          </a:effectRef>
-          <a:fontRef idx="minor">
-            <a:schemeClr val="lt1"/>
-          </a:fontRef>
-        </p:style>
-        <p:txBody>
-          <a:bodyPr rtlCol="0" anchor="ctr"/>
-          <a:lstStyle/>
-          <a:p>
-            <a:pPr algn="ctr"/>
-            <a:endParaRPr lang="zh-CN" altLang="en-US"/>
-          </a:p>
-        </p:txBody>
-      </p:sp>
+      </p:pic>
     </p:spTree>
     <p:extLst>
       <p:ext uri="{BB962C8B-B14F-4D97-AF65-F5344CB8AC3E}">
-        <p14:creationId xmlns:p14="http://schemas.microsoft.com/office/powerpoint/2010/main" val="2674079515"/>
+        <p14:creationId xmlns:p14="http://schemas.microsoft.com/office/powerpoint/2010/main" val="3758423665"/>
       </p:ext>
     </p:extLst>
   </p:cSld>
@@ -39105,7 +39414,7 @@
         </p:blipFill>
         <p:spPr>
           <a:xfrm>
-            <a:off x="216403" y="1303935"/>
+            <a:off x="216403" y="1297879"/>
             <a:ext cx="5727734" cy="3627564"/>
           </a:xfrm>
           <a:prstGeom prst="rect">
@@ -40076,7 +40385,7 @@
         <p:cNvPr id="1" name="">
           <a:extLst>
             <a:ext uri="{FF2B5EF4-FFF2-40B4-BE49-F238E27FC236}">
-              <a16:creationId xmlns:a16="http://schemas.microsoft.com/office/drawing/2014/main" id="{D78668CB-D8AC-A5D8-96B1-D6C9002875A9}"/>
+              <a16:creationId xmlns:a16="http://schemas.microsoft.com/office/drawing/2014/main" id="{FAC15293-D994-E0FE-7A84-D3A461A4DF37}"/>
             </a:ext>
           </a:extLst>
         </p:cNvPr>
@@ -40091,12 +40400,42 @@
           <a:chExt cx="0" cy="0"/>
         </a:xfrm>
       </p:grpSpPr>
+      <p:pic>
+        <p:nvPicPr>
+          <p:cNvPr id="8" name="图片 7">
+            <a:extLst>
+              <a:ext uri="{FF2B5EF4-FFF2-40B4-BE49-F238E27FC236}">
+                <a16:creationId xmlns:a16="http://schemas.microsoft.com/office/drawing/2014/main" id="{18C9C578-7608-B4AD-F00A-9877577E4406}"/>
+              </a:ext>
+            </a:extLst>
+          </p:cNvPr>
+          <p:cNvPicPr>
+            <a:picLocks noChangeAspect="1"/>
+          </p:cNvPicPr>
+          <p:nvPr/>
+        </p:nvPicPr>
+        <p:blipFill>
+          <a:blip r:embed="rId2"/>
+          <a:stretch>
+            <a:fillRect/>
+          </a:stretch>
+        </p:blipFill>
+        <p:spPr>
+          <a:xfrm>
+            <a:off x="1227508" y="1326900"/>
+            <a:ext cx="3551670" cy="5304383"/>
+          </a:xfrm>
+          <a:prstGeom prst="rect">
+            <a:avLst/>
+          </a:prstGeom>
+        </p:spPr>
+      </p:pic>
       <p:sp>
         <p:nvSpPr>
           <p:cNvPr id="5" name="矩形 4">
             <a:extLst>
               <a:ext uri="{FF2B5EF4-FFF2-40B4-BE49-F238E27FC236}">
-                <a16:creationId xmlns:a16="http://schemas.microsoft.com/office/drawing/2014/main" id="{0143472F-C721-7B9D-DB67-58AAEADD53AA}"/>
+                <a16:creationId xmlns:a16="http://schemas.microsoft.com/office/drawing/2014/main" id="{868FA1C5-5754-22CE-B9C6-F6D82540ECB8}"/>
               </a:ext>
             </a:extLst>
           </p:cNvPr>
@@ -40147,7 +40486,7 @@
           <p:cNvPr id="6" name="文本框 5">
             <a:extLst>
               <a:ext uri="{FF2B5EF4-FFF2-40B4-BE49-F238E27FC236}">
-                <a16:creationId xmlns:a16="http://schemas.microsoft.com/office/drawing/2014/main" id="{B3A2F600-D925-A3A6-A42C-3852B045454E}"/>
+                <a16:creationId xmlns:a16="http://schemas.microsoft.com/office/drawing/2014/main" id="{36B22099-17F0-5150-D505-D0F22F82BCE3}"/>
               </a:ext>
             </a:extLst>
           </p:cNvPr>
@@ -40199,7 +40538,7 @@
           <p:cNvPr id="2" name="文本框 12">
             <a:extLst>
               <a:ext uri="{FF2B5EF4-FFF2-40B4-BE49-F238E27FC236}">
-                <a16:creationId xmlns:a16="http://schemas.microsoft.com/office/drawing/2014/main" id="{9C17ED91-3C7B-BC84-2751-96E266D8BA8D}"/>
+                <a16:creationId xmlns:a16="http://schemas.microsoft.com/office/drawing/2014/main" id="{2A9FE371-3884-FFC1-D3D4-235361CBE7E9}"/>
               </a:ext>
             </a:extLst>
           </p:cNvPr>
@@ -40209,7 +40548,7 @@
         <p:spPr>
           <a:xfrm>
             <a:off x="1314449" y="226717"/>
-            <a:ext cx="7992837" cy="584775"/>
+            <a:ext cx="9495065" cy="584775"/>
           </a:xfrm>
           <a:prstGeom prst="rect">
             <a:avLst/>
@@ -40326,9 +40665,20 @@
                 <a:cs typeface="Times New Roman" panose="02020603050405020304" pitchFamily="18" charset="0"/>
                 <a:sym typeface="思源黑体 CN Normal" panose="020B0400000000000000" pitchFamily="34" charset="-122"/>
               </a:rPr>
-              <a:t>Design Patterns in Refactoring——Decorator </a:t>
+              <a:t>Design Patterns in Refactoring ——</a:t>
             </a:r>
-            <a:endParaRPr lang="zh-CN" altLang="en-US" sz="3200" dirty="0">
+            <a:r>
+              <a:rPr lang="en-US" altLang="zh-CN" sz="3200" dirty="0">
+                <a:solidFill>
+                  <a:srgbClr val="425166"/>
+                </a:solidFill>
+                <a:latin typeface="Times New Roman" panose="02020603050405020304" pitchFamily="18" charset="0"/>
+                <a:ea typeface="思源黑体 CN Normal" panose="020B0400000000000000" pitchFamily="34" charset="-122"/>
+                <a:cs typeface="Times New Roman" panose="02020603050405020304" pitchFamily="18" charset="0"/>
+              </a:rPr>
+              <a:t>Template Method</a:t>
+            </a:r>
+            <a:endParaRPr lang="en-US" altLang="zh-CN" sz="3200" dirty="0">
               <a:solidFill>
                 <a:srgbClr val="425166"/>
               </a:solidFill>
@@ -40345,7 +40695,7 @@
           <p:cNvPr id="27" name="文本框 26">
             <a:extLst>
               <a:ext uri="{FF2B5EF4-FFF2-40B4-BE49-F238E27FC236}">
-                <a16:creationId xmlns:a16="http://schemas.microsoft.com/office/drawing/2014/main" id="{11A0C5AF-7E1B-A5C7-10B9-817350E5A4FA}"/>
+                <a16:creationId xmlns:a16="http://schemas.microsoft.com/office/drawing/2014/main" id="{1B86BE1A-C5A0-3970-69C7-E1424C38C239}"/>
               </a:ext>
             </a:extLst>
           </p:cNvPr>
@@ -40354,8 +40704,8 @@
         </p:nvSpPr>
         <p:spPr>
           <a:xfrm>
-            <a:off x="1513519" y="934603"/>
-            <a:ext cx="3249738" cy="369332"/>
+            <a:off x="1244601" y="1000126"/>
+            <a:ext cx="3551670" cy="369332"/>
           </a:xfrm>
           <a:prstGeom prst="rect">
             <a:avLst/>
@@ -40374,7 +40724,7 @@
                 <a:latin typeface="Times New Roman" panose="02020603050405020304" pitchFamily="18" charset="0"/>
                 <a:cs typeface="Times New Roman" panose="02020603050405020304" pitchFamily="18" charset="0"/>
               </a:rPr>
-              <a:t>Class diagram of Decorator</a:t>
+              <a:t>Class diagram of Template Method</a:t>
             </a:r>
             <a:endParaRPr lang="zh-CN" altLang="en-US" dirty="0">
               <a:latin typeface="Times New Roman" panose="02020603050405020304" pitchFamily="18" charset="0"/>
@@ -40383,283 +40733,64 @@
           </a:p>
         </p:txBody>
       </p:sp>
-      <p:grpSp>
-        <p:nvGrpSpPr>
-          <p:cNvPr id="30" name="组合 29">
+      <p:sp>
+        <p:nvSpPr>
+          <p:cNvPr id="9" name="椭圆 8">
             <a:extLst>
               <a:ext uri="{FF2B5EF4-FFF2-40B4-BE49-F238E27FC236}">
-                <a16:creationId xmlns:a16="http://schemas.microsoft.com/office/drawing/2014/main" id="{E6B33147-34DD-082F-8E6C-1AC71918E7B3}"/>
+                <a16:creationId xmlns:a16="http://schemas.microsoft.com/office/drawing/2014/main" id="{47ED3D27-00F9-4BCD-B9F0-301E5F7E6E5B}"/>
               </a:ext>
             </a:extLst>
           </p:cNvPr>
-          <p:cNvGrpSpPr/>
+          <p:cNvSpPr/>
           <p:nvPr/>
-        </p:nvGrpSpPr>
-        <p:grpSpPr>
-          <a:xfrm rot="10800000">
-            <a:off x="5944137" y="3145759"/>
-            <a:ext cx="969273" cy="248633"/>
-            <a:chOff x="6049119" y="5793914"/>
-            <a:chExt cx="1030620" cy="299295"/>
+        </p:nvSpPr>
+        <p:spPr>
+          <a:xfrm>
+            <a:off x="4239300" y="1902926"/>
+            <a:ext cx="1045968" cy="2664259"/>
           </a:xfrm>
-          <a:gradFill>
-            <a:gsLst>
-              <a:gs pos="0">
-                <a:schemeClr val="accent1">
-                  <a:lumMod val="5000"/>
-                  <a:lumOff val="95000"/>
-                </a:schemeClr>
-              </a:gs>
-              <a:gs pos="33000">
-                <a:schemeClr val="accent1">
-                  <a:lumMod val="45000"/>
-                  <a:lumOff val="55000"/>
-                </a:schemeClr>
-              </a:gs>
-              <a:gs pos="100000">
-                <a:schemeClr val="accent1">
-                  <a:lumMod val="75000"/>
-                </a:schemeClr>
-              </a:gs>
-            </a:gsLst>
-            <a:lin ang="0" scaled="0"/>
-          </a:gradFill>
-        </p:grpSpPr>
-        <p:sp>
-          <p:nvSpPr>
-            <p:cNvPr id="33" name="箭头: V 形 32">
-              <a:extLst>
-                <a:ext uri="{FF2B5EF4-FFF2-40B4-BE49-F238E27FC236}">
-                  <a16:creationId xmlns:a16="http://schemas.microsoft.com/office/drawing/2014/main" id="{41B5C59D-8C39-4960-ADEA-3FC2A5D0B0E7}"/>
-                </a:ext>
-              </a:extLst>
-            </p:cNvPr>
-            <p:cNvSpPr/>
-            <p:nvPr/>
-          </p:nvSpPr>
-          <p:spPr>
-            <a:xfrm>
-              <a:off x="6049119" y="5793914"/>
-              <a:ext cx="258751" cy="299295"/>
-            </a:xfrm>
-            <a:prstGeom prst="chevron">
-              <a:avLst/>
-            </a:prstGeom>
-            <a:grpFill/>
-            <a:ln>
-              <a:noFill/>
-            </a:ln>
-          </p:spPr>
-          <p:style>
-            <a:lnRef idx="2">
-              <a:schemeClr val="accent1">
-                <a:shade val="15000"/>
-              </a:schemeClr>
-            </a:lnRef>
-            <a:fillRef idx="1">
-              <a:schemeClr val="accent1"/>
-            </a:fillRef>
-            <a:effectRef idx="0">
-              <a:schemeClr val="accent1"/>
-            </a:effectRef>
-            <a:fontRef idx="minor">
-              <a:schemeClr val="lt1"/>
-            </a:fontRef>
-          </p:style>
-          <p:txBody>
-            <a:bodyPr rtlCol="0" anchor="ctr"/>
-            <a:lstStyle/>
-            <a:p>
-              <a:pPr algn="ctr"/>
-              <a:endParaRPr lang="zh-CN" altLang="en-US">
-                <a:solidFill>
-                  <a:schemeClr val="accent1">
-                    <a:lumMod val="40000"/>
-                    <a:lumOff val="60000"/>
-                  </a:schemeClr>
-                </a:solidFill>
-              </a:endParaRPr>
-            </a:p>
-          </p:txBody>
-        </p:sp>
-        <p:sp>
-          <p:nvSpPr>
-            <p:cNvPr id="34" name="箭头: V 形 33">
-              <a:extLst>
-                <a:ext uri="{FF2B5EF4-FFF2-40B4-BE49-F238E27FC236}">
-                  <a16:creationId xmlns:a16="http://schemas.microsoft.com/office/drawing/2014/main" id="{35E59918-EA03-DB24-4B42-E05F1624FEE0}"/>
-                </a:ext>
-              </a:extLst>
-            </p:cNvPr>
-            <p:cNvSpPr/>
-            <p:nvPr/>
-          </p:nvSpPr>
-          <p:spPr>
-            <a:xfrm>
-              <a:off x="6307869" y="5793914"/>
-              <a:ext cx="258751" cy="299295"/>
-            </a:xfrm>
-            <a:prstGeom prst="chevron">
-              <a:avLst/>
-            </a:prstGeom>
-            <a:grpFill/>
-            <a:ln>
-              <a:noFill/>
-            </a:ln>
-          </p:spPr>
-          <p:style>
-            <a:lnRef idx="2">
-              <a:schemeClr val="accent1">
-                <a:shade val="15000"/>
-              </a:schemeClr>
-            </a:lnRef>
-            <a:fillRef idx="1">
-              <a:schemeClr val="accent1"/>
-            </a:fillRef>
-            <a:effectRef idx="0">
-              <a:schemeClr val="accent1"/>
-            </a:effectRef>
-            <a:fontRef idx="minor">
-              <a:schemeClr val="lt1"/>
-            </a:fontRef>
-          </p:style>
-          <p:txBody>
-            <a:bodyPr rtlCol="0" anchor="ctr"/>
-            <a:lstStyle/>
-            <a:p>
-              <a:pPr algn="ctr"/>
-              <a:endParaRPr lang="zh-CN" altLang="en-US">
-                <a:solidFill>
-                  <a:schemeClr val="accent1">
-                    <a:lumMod val="40000"/>
-                    <a:lumOff val="60000"/>
-                  </a:schemeClr>
-                </a:solidFill>
-              </a:endParaRPr>
-            </a:p>
-          </p:txBody>
-        </p:sp>
-        <p:sp>
-          <p:nvSpPr>
-            <p:cNvPr id="35" name="箭头: V 形 34">
-              <a:extLst>
-                <a:ext uri="{FF2B5EF4-FFF2-40B4-BE49-F238E27FC236}">
-                  <a16:creationId xmlns:a16="http://schemas.microsoft.com/office/drawing/2014/main" id="{0E615910-EBEB-A65F-9C6F-9AD3C5A4CE94}"/>
-                </a:ext>
-              </a:extLst>
-            </p:cNvPr>
-            <p:cNvSpPr/>
-            <p:nvPr/>
-          </p:nvSpPr>
-          <p:spPr>
-            <a:xfrm>
-              <a:off x="6566622" y="5793914"/>
-              <a:ext cx="258751" cy="299295"/>
-            </a:xfrm>
-            <a:prstGeom prst="chevron">
-              <a:avLst/>
-            </a:prstGeom>
-            <a:grpFill/>
-            <a:ln>
-              <a:noFill/>
-            </a:ln>
-          </p:spPr>
-          <p:style>
-            <a:lnRef idx="2">
-              <a:schemeClr val="accent1">
-                <a:shade val="15000"/>
-              </a:schemeClr>
-            </a:lnRef>
-            <a:fillRef idx="1">
-              <a:schemeClr val="accent1"/>
-            </a:fillRef>
-            <a:effectRef idx="0">
-              <a:schemeClr val="accent1"/>
-            </a:effectRef>
-            <a:fontRef idx="minor">
-              <a:schemeClr val="lt1"/>
-            </a:fontRef>
-          </p:style>
-          <p:txBody>
-            <a:bodyPr rtlCol="0" anchor="ctr"/>
-            <a:lstStyle/>
-            <a:p>
-              <a:pPr algn="ctr"/>
-              <a:endParaRPr lang="zh-CN" altLang="en-US" dirty="0">
-                <a:solidFill>
-                  <a:schemeClr val="accent1">
-                    <a:lumMod val="40000"/>
-                    <a:lumOff val="60000"/>
-                  </a:schemeClr>
-                </a:solidFill>
-              </a:endParaRPr>
-            </a:p>
-          </p:txBody>
-        </p:sp>
-        <p:sp>
-          <p:nvSpPr>
-            <p:cNvPr id="36" name="箭头: V 形 35">
-              <a:extLst>
-                <a:ext uri="{FF2B5EF4-FFF2-40B4-BE49-F238E27FC236}">
-                  <a16:creationId xmlns:a16="http://schemas.microsoft.com/office/drawing/2014/main" id="{2B2B7583-6895-8D17-93F1-D03D47F12E47}"/>
-                </a:ext>
-              </a:extLst>
-            </p:cNvPr>
-            <p:cNvSpPr/>
-            <p:nvPr/>
-          </p:nvSpPr>
-          <p:spPr>
-            <a:xfrm>
-              <a:off x="6820988" y="5793914"/>
-              <a:ext cx="258751" cy="299295"/>
-            </a:xfrm>
-            <a:prstGeom prst="chevron">
-              <a:avLst/>
-            </a:prstGeom>
-            <a:grpFill/>
-            <a:ln>
-              <a:noFill/>
-            </a:ln>
-          </p:spPr>
-          <p:style>
-            <a:lnRef idx="2">
-              <a:schemeClr val="accent1">
-                <a:shade val="15000"/>
-              </a:schemeClr>
-            </a:lnRef>
-            <a:fillRef idx="1">
-              <a:schemeClr val="accent1"/>
-            </a:fillRef>
-            <a:effectRef idx="0">
-              <a:schemeClr val="accent1"/>
-            </a:effectRef>
-            <a:fontRef idx="minor">
-              <a:schemeClr val="lt1"/>
-            </a:fontRef>
-          </p:style>
-          <p:txBody>
-            <a:bodyPr rtlCol="0" anchor="ctr"/>
-            <a:lstStyle/>
-            <a:p>
-              <a:pPr algn="ctr"/>
-              <a:endParaRPr lang="zh-CN" altLang="en-US">
-                <a:solidFill>
-                  <a:schemeClr val="accent1">
-                    <a:lumMod val="40000"/>
-                    <a:lumOff val="60000"/>
-                  </a:schemeClr>
-                </a:solidFill>
-              </a:endParaRPr>
-            </a:p>
-          </p:txBody>
-        </p:sp>
-      </p:grpSp>
+          <a:prstGeom prst="ellipse">
+            <a:avLst/>
+          </a:prstGeom>
+          <a:solidFill>
+            <a:schemeClr val="bg1"/>
+          </a:solidFill>
+          <a:ln>
+            <a:noFill/>
+          </a:ln>
+        </p:spPr>
+        <p:style>
+          <a:lnRef idx="2">
+            <a:schemeClr val="accent1">
+              <a:shade val="15000"/>
+            </a:schemeClr>
+          </a:lnRef>
+          <a:fillRef idx="1">
+            <a:schemeClr val="accent1"/>
+          </a:fillRef>
+          <a:effectRef idx="0">
+            <a:schemeClr val="accent1"/>
+          </a:effectRef>
+          <a:fontRef idx="minor">
+            <a:schemeClr val="lt1"/>
+          </a:fontRef>
+        </p:style>
+        <p:txBody>
+          <a:bodyPr rtlCol="0" anchor="ctr"/>
+          <a:lstStyle/>
+          <a:p>
+            <a:pPr algn="ctr"/>
+            <a:endParaRPr lang="zh-CN" altLang="en-US"/>
+          </a:p>
+        </p:txBody>
+      </p:sp>
       <p:sp>
         <p:nvSpPr>
-          <p:cNvPr id="43" name="文本框 42">
+          <p:cNvPr id="3" name="文本框 2">
             <a:extLst>
               <a:ext uri="{FF2B5EF4-FFF2-40B4-BE49-F238E27FC236}">
-                <a16:creationId xmlns:a16="http://schemas.microsoft.com/office/drawing/2014/main" id="{D40725E2-63F1-75F2-FC59-5D3B45016598}"/>
+                <a16:creationId xmlns:a16="http://schemas.microsoft.com/office/drawing/2014/main" id="{80CA8D82-7695-7805-1FA7-1088E6F2529A}"/>
               </a:ext>
             </a:extLst>
           </p:cNvPr>
@@ -40668,8 +40799,229 @@
         </p:nvSpPr>
         <p:spPr>
           <a:xfrm>
-            <a:off x="7836637" y="934603"/>
-            <a:ext cx="3249738" cy="369332"/>
+            <a:off x="3618396" y="2160668"/>
+            <a:ext cx="3288338" cy="2246769"/>
+          </a:xfrm>
+          <a:prstGeom prst="rect">
+            <a:avLst/>
+          </a:prstGeom>
+          <a:noFill/>
+        </p:spPr>
+        <p:txBody>
+          <a:bodyPr wrap="square">
+            <a:spAutoFit/>
+          </a:bodyPr>
+          <a:lstStyle/>
+          <a:p>
+            <a:pPr>
+              <a:lnSpc>
+                <a:spcPts val="1425"/>
+              </a:lnSpc>
+            </a:pPr>
+            <a:r>
+              <a:rPr lang="en-US" altLang="zh-CN" sz="1400" b="0" dirty="0">
+                <a:solidFill>
+                  <a:schemeClr val="accent1"/>
+                </a:solidFill>
+                <a:effectLst/>
+                <a:latin typeface="Times New Roman" panose="02020603050405020304" pitchFamily="18" charset="0"/>
+                <a:cs typeface="Times New Roman" panose="02020603050405020304" pitchFamily="18" charset="0"/>
+              </a:rPr>
+              <a:t>// Initialize money and HP</a:t>
+            </a:r>
+          </a:p>
+          <a:p>
+            <a:pPr>
+              <a:lnSpc>
+                <a:spcPts val="1425"/>
+              </a:lnSpc>
+            </a:pPr>
+            <a:r>
+              <a:rPr lang="en-US" altLang="zh-CN" sz="1400" b="0" dirty="0">
+                <a:effectLst/>
+                <a:latin typeface="Times New Roman" panose="02020603050405020304" pitchFamily="18" charset="0"/>
+                <a:cs typeface="Times New Roman" panose="02020603050405020304" pitchFamily="18" charset="0"/>
+              </a:rPr>
+              <a:t>// Initialize empty blocks  </a:t>
+            </a:r>
+          </a:p>
+          <a:p>
+            <a:pPr>
+              <a:lnSpc>
+                <a:spcPts val="1425"/>
+              </a:lnSpc>
+            </a:pPr>
+            <a:r>
+              <a:rPr lang="en-US" altLang="zh-CN" sz="1400" b="0" dirty="0">
+                <a:effectLst/>
+                <a:latin typeface="Times New Roman" panose="02020603050405020304" pitchFamily="18" charset="0"/>
+                <a:cs typeface="Times New Roman" panose="02020603050405020304" pitchFamily="18" charset="0"/>
+              </a:rPr>
+              <a:t>// Initialize the background layer       </a:t>
+            </a:r>
+          </a:p>
+          <a:p>
+            <a:pPr>
+              <a:lnSpc>
+                <a:spcPts val="1425"/>
+              </a:lnSpc>
+            </a:pPr>
+            <a:r>
+              <a:rPr lang="en-US" altLang="zh-CN" sz="1400" b="0" dirty="0">
+                <a:solidFill>
+                  <a:schemeClr val="accent1"/>
+                </a:solidFill>
+                <a:effectLst/>
+                <a:latin typeface="Times New Roman" panose="02020603050405020304" pitchFamily="18" charset="0"/>
+                <a:cs typeface="Times New Roman" panose="02020603050405020304" pitchFamily="18" charset="0"/>
+              </a:rPr>
+              <a:t>// Initialize enemy spawn point positions</a:t>
+            </a:r>
+          </a:p>
+          <a:p>
+            <a:pPr>
+              <a:lnSpc>
+                <a:spcPts val="1425"/>
+              </a:lnSpc>
+            </a:pPr>
+            <a:r>
+              <a:rPr lang="en-US" altLang="zh-CN" sz="1400" b="0" dirty="0">
+                <a:effectLst/>
+                <a:latin typeface="Times New Roman" panose="02020603050405020304" pitchFamily="18" charset="0"/>
+                <a:cs typeface="Times New Roman" panose="02020603050405020304" pitchFamily="18" charset="0"/>
+              </a:rPr>
+              <a:t>// Initialize spawn point blocks            </a:t>
+            </a:r>
+          </a:p>
+          <a:p>
+            <a:pPr>
+              <a:lnSpc>
+                <a:spcPts val="1425"/>
+              </a:lnSpc>
+            </a:pPr>
+            <a:r>
+              <a:rPr lang="en-US" altLang="zh-CN" sz="1400" b="0" dirty="0">
+                <a:solidFill>
+                  <a:schemeClr val="accent1"/>
+                </a:solidFill>
+                <a:effectLst/>
+                <a:latin typeface="Times New Roman" panose="02020603050405020304" pitchFamily="18" charset="0"/>
+                <a:cs typeface="Times New Roman" panose="02020603050405020304" pitchFamily="18" charset="0"/>
+              </a:rPr>
+              <a:t>// Set the enemy movement path</a:t>
+            </a:r>
+          </a:p>
+          <a:p>
+            <a:pPr>
+              <a:lnSpc>
+                <a:spcPts val="1425"/>
+              </a:lnSpc>
+            </a:pPr>
+            <a:r>
+              <a:rPr lang="en-US" altLang="zh-CN" sz="1400" b="0" dirty="0">
+                <a:effectLst/>
+                <a:latin typeface="Times New Roman" panose="02020603050405020304" pitchFamily="18" charset="0"/>
+                <a:cs typeface="Times New Roman" panose="02020603050405020304" pitchFamily="18" charset="0"/>
+              </a:rPr>
+              <a:t>// Add the carrot layer                                 </a:t>
+            </a:r>
+          </a:p>
+          <a:p>
+            <a:pPr>
+              <a:lnSpc>
+                <a:spcPts val="1425"/>
+              </a:lnSpc>
+            </a:pPr>
+            <a:r>
+              <a:rPr lang="en-US" altLang="zh-CN" sz="1400" b="0" dirty="0">
+                <a:effectLst/>
+                <a:latin typeface="Times New Roman" panose="02020603050405020304" pitchFamily="18" charset="0"/>
+                <a:cs typeface="Times New Roman" panose="02020603050405020304" pitchFamily="18" charset="0"/>
+              </a:rPr>
+              <a:t>// Initialize the UI interface                          </a:t>
+            </a:r>
+          </a:p>
+          <a:p>
+            <a:pPr>
+              <a:lnSpc>
+                <a:spcPts val="1425"/>
+              </a:lnSpc>
+            </a:pPr>
+            <a:r>
+              <a:rPr lang="en-US" altLang="zh-CN" sz="1400" b="0" dirty="0">
+                <a:effectLst/>
+                <a:latin typeface="Times New Roman" panose="02020603050405020304" pitchFamily="18" charset="0"/>
+                <a:cs typeface="Times New Roman" panose="02020603050405020304" pitchFamily="18" charset="0"/>
+              </a:rPr>
+              <a:t>// Initialize the per-frame update logic       </a:t>
+            </a:r>
+          </a:p>
+          <a:p>
+            <a:pPr>
+              <a:lnSpc>
+                <a:spcPts val="1425"/>
+              </a:lnSpc>
+            </a:pPr>
+            <a:r>
+              <a:rPr lang="en-US" altLang="zh-CN" sz="1400" b="0" dirty="0">
+                <a:solidFill>
+                  <a:schemeClr val="accent1"/>
+                </a:solidFill>
+                <a:effectLst/>
+                <a:latin typeface="Times New Roman" panose="02020603050405020304" pitchFamily="18" charset="0"/>
+                <a:cs typeface="Times New Roman" panose="02020603050405020304" pitchFamily="18" charset="0"/>
+              </a:rPr>
+              <a:t>// Initialize wave information</a:t>
+            </a:r>
+          </a:p>
+          <a:p>
+            <a:pPr>
+              <a:lnSpc>
+                <a:spcPts val="1425"/>
+              </a:lnSpc>
+            </a:pPr>
+            <a:r>
+              <a:rPr lang="en-US" altLang="zh-CN" sz="1400" b="0" dirty="0">
+                <a:effectLst/>
+                <a:latin typeface="Times New Roman" panose="02020603050405020304" pitchFamily="18" charset="0"/>
+                <a:cs typeface="Times New Roman" panose="02020603050405020304" pitchFamily="18" charset="0"/>
+              </a:rPr>
+              <a:t>// Set up the specific wave details               </a:t>
+            </a:r>
+          </a:p>
+          <a:p>
+            <a:pPr>
+              <a:lnSpc>
+                <a:spcPts val="1425"/>
+              </a:lnSpc>
+            </a:pPr>
+            <a:r>
+              <a:rPr lang="en-US" altLang="zh-CN" sz="1400" b="0" dirty="0">
+                <a:effectLst/>
+                <a:latin typeface="Times New Roman" panose="02020603050405020304" pitchFamily="18" charset="0"/>
+                <a:cs typeface="Times New Roman" panose="02020603050405020304" pitchFamily="18" charset="0"/>
+              </a:rPr>
+              <a:t>// Start spawning the first wave of enemies</a:t>
+            </a:r>
+          </a:p>
+        </p:txBody>
+      </p:sp>
+      <p:sp>
+        <p:nvSpPr>
+          <p:cNvPr id="11" name="文本框 10">
+            <a:extLst>
+              <a:ext uri="{FF2B5EF4-FFF2-40B4-BE49-F238E27FC236}">
+                <a16:creationId xmlns:a16="http://schemas.microsoft.com/office/drawing/2014/main" id="{7183C368-5216-2759-88DA-6A16AFD37850}"/>
+              </a:ext>
+            </a:extLst>
+          </p:cNvPr>
+          <p:cNvSpPr txBox="1"/>
+          <p:nvPr/>
+        </p:nvSpPr>
+        <p:spPr>
+          <a:xfrm>
+            <a:off x="6633581" y="691508"/>
+            <a:ext cx="1434348" cy="461665"/>
           </a:xfrm>
           <a:prstGeom prst="rect">
             <a:avLst/>
@@ -40684,23 +41036,422 @@
           <a:p>
             <a:pPr algn="ctr"/>
             <a:r>
-              <a:rPr lang="en-US" altLang="zh-CN" dirty="0">
+              <a:rPr lang="en-US" altLang="zh-CN" sz="2400" dirty="0">
                 <a:latin typeface="Times New Roman" panose="02020603050405020304" pitchFamily="18" charset="0"/>
                 <a:cs typeface="Times New Roman" panose="02020603050405020304" pitchFamily="18" charset="0"/>
               </a:rPr>
-              <a:t>Original Structure</a:t>
+              <a:t>Reasons :</a:t>
             </a:r>
-            <a:endParaRPr lang="zh-CN" altLang="en-US" dirty="0">
+            <a:endParaRPr lang="zh-CN" altLang="en-US" sz="2400" dirty="0">
               <a:latin typeface="Times New Roman" panose="02020603050405020304" pitchFamily="18" charset="0"/>
               <a:cs typeface="Times New Roman" panose="02020603050405020304" pitchFamily="18" charset="0"/>
             </a:endParaRPr>
           </a:p>
         </p:txBody>
       </p:sp>
+      <p:sp>
+        <p:nvSpPr>
+          <p:cNvPr id="18" name="文本框 17">
+            <a:extLst>
+              <a:ext uri="{FF2B5EF4-FFF2-40B4-BE49-F238E27FC236}">
+                <a16:creationId xmlns:a16="http://schemas.microsoft.com/office/drawing/2014/main" id="{04EC9A80-E551-84C3-3E6F-DB0647EC6BC1}"/>
+              </a:ext>
+            </a:extLst>
+          </p:cNvPr>
+          <p:cNvSpPr txBox="1"/>
+          <p:nvPr/>
+        </p:nvSpPr>
+        <p:spPr>
+          <a:xfrm>
+            <a:off x="6913993" y="1107006"/>
+            <a:ext cx="5113555" cy="2948884"/>
+          </a:xfrm>
+          <a:prstGeom prst="rect">
+            <a:avLst/>
+          </a:prstGeom>
+          <a:noFill/>
+        </p:spPr>
+        <p:txBody>
+          <a:bodyPr wrap="square">
+            <a:spAutoFit/>
+          </a:bodyPr>
+          <a:lstStyle/>
+          <a:p>
+            <a:pPr>
+              <a:lnSpc>
+                <a:spcPct val="125000"/>
+              </a:lnSpc>
+            </a:pPr>
+            <a:r>
+              <a:rPr lang="en-US" altLang="zh-CN" dirty="0">
+                <a:solidFill>
+                  <a:srgbClr val="FF0000"/>
+                </a:solidFill>
+                <a:latin typeface="Times New Roman" panose="02020603050405020304" pitchFamily="18" charset="0"/>
+                <a:cs typeface="Times New Roman" panose="02020603050405020304" pitchFamily="18" charset="0"/>
+              </a:rPr>
+              <a:t>Reduce Code Duplication. </a:t>
+            </a:r>
+            <a:r>
+              <a:rPr lang="en-US" altLang="zh-CN" sz="1600" dirty="0">
+                <a:latin typeface="Times New Roman" panose="02020603050405020304" pitchFamily="18" charset="0"/>
+                <a:cs typeface="Times New Roman" panose="02020603050405020304" pitchFamily="18" charset="0"/>
+              </a:rPr>
+              <a:t>Common logic like </a:t>
+            </a:r>
+            <a:r>
+              <a:rPr lang="en-US" altLang="zh-CN" sz="1600" dirty="0" err="1">
+                <a:latin typeface="Times New Roman" panose="02020603050405020304" pitchFamily="18" charset="0"/>
+                <a:cs typeface="Times New Roman" panose="02020603050405020304" pitchFamily="18" charset="0"/>
+              </a:rPr>
+              <a:t>backgroundInit</a:t>
+            </a:r>
+            <a:r>
+              <a:rPr lang="en-US" altLang="zh-CN" sz="1600" dirty="0">
+                <a:latin typeface="Times New Roman" panose="02020603050405020304" pitchFamily="18" charset="0"/>
+                <a:cs typeface="Times New Roman" panose="02020603050405020304" pitchFamily="18" charset="0"/>
+              </a:rPr>
+              <a:t>() and </a:t>
+            </a:r>
+            <a:r>
+              <a:rPr lang="en-US" altLang="zh-CN" sz="1600" dirty="0" err="1">
+                <a:latin typeface="Times New Roman" panose="02020603050405020304" pitchFamily="18" charset="0"/>
+                <a:cs typeface="Times New Roman" panose="02020603050405020304" pitchFamily="18" charset="0"/>
+              </a:rPr>
+              <a:t>uiInit</a:t>
+            </a:r>
+            <a:r>
+              <a:rPr lang="en-US" altLang="zh-CN" sz="1600" dirty="0">
+                <a:latin typeface="Times New Roman" panose="02020603050405020304" pitchFamily="18" charset="0"/>
+                <a:cs typeface="Times New Roman" panose="02020603050405020304" pitchFamily="18" charset="0"/>
+              </a:rPr>
+              <a:t>() can be centralized in the parent class, avoiding repetitive code in subclasses.</a:t>
+            </a:r>
+          </a:p>
+          <a:p>
+            <a:pPr>
+              <a:lnSpc>
+                <a:spcPct val="125000"/>
+              </a:lnSpc>
+            </a:pPr>
+            <a:r>
+              <a:rPr lang="en-US" altLang="zh-CN" dirty="0">
+                <a:solidFill>
+                  <a:srgbClr val="FF0000"/>
+                </a:solidFill>
+                <a:latin typeface="Times New Roman" panose="02020603050405020304" pitchFamily="18" charset="0"/>
+                <a:cs typeface="Times New Roman" panose="02020603050405020304" pitchFamily="18" charset="0"/>
+              </a:rPr>
+              <a:t>Improve Maintainability. </a:t>
+            </a:r>
+            <a:r>
+              <a:rPr lang="en-US" altLang="zh-CN" sz="1600" dirty="0">
+                <a:latin typeface="Times New Roman" panose="02020603050405020304" pitchFamily="18" charset="0"/>
+                <a:cs typeface="Times New Roman" panose="02020603050405020304" pitchFamily="18" charset="0"/>
+              </a:rPr>
+              <a:t>Changes to shared logic only need to be made in the parent class, reducing errors and effort.</a:t>
+            </a:r>
+          </a:p>
+          <a:p>
+            <a:pPr>
+              <a:lnSpc>
+                <a:spcPct val="125000"/>
+              </a:lnSpc>
+            </a:pPr>
+            <a:r>
+              <a:rPr lang="en-US" altLang="zh-CN" dirty="0">
+                <a:solidFill>
+                  <a:srgbClr val="FF0000"/>
+                </a:solidFill>
+                <a:latin typeface="Times New Roman" panose="02020603050405020304" pitchFamily="18" charset="0"/>
+                <a:cs typeface="Times New Roman" panose="02020603050405020304" pitchFamily="18" charset="0"/>
+              </a:rPr>
+              <a:t>Enhance Code Extensibility. </a:t>
+            </a:r>
+            <a:r>
+              <a:rPr lang="en-US" altLang="zh-CN" sz="1600" dirty="0">
+                <a:latin typeface="Times New Roman" panose="02020603050405020304" pitchFamily="18" charset="0"/>
+                <a:cs typeface="Times New Roman" panose="02020603050405020304" pitchFamily="18" charset="0"/>
+              </a:rPr>
+              <a:t>Adding new levels only requires overriding specific methods without redesigning the entire process.</a:t>
+            </a:r>
+            <a:endParaRPr lang="zh-CN" altLang="en-US" sz="1600" dirty="0">
+              <a:latin typeface="Times New Roman" panose="02020603050405020304" pitchFamily="18" charset="0"/>
+              <a:cs typeface="Times New Roman" panose="02020603050405020304" pitchFamily="18" charset="0"/>
+            </a:endParaRPr>
+          </a:p>
+        </p:txBody>
+      </p:sp>
+      <p:sp>
+        <p:nvSpPr>
+          <p:cNvPr id="23" name="文本框 22">
+            <a:extLst>
+              <a:ext uri="{FF2B5EF4-FFF2-40B4-BE49-F238E27FC236}">
+                <a16:creationId xmlns:a16="http://schemas.microsoft.com/office/drawing/2014/main" id="{B0034E93-4484-D819-1344-601E30B0E28E}"/>
+              </a:ext>
+            </a:extLst>
+          </p:cNvPr>
+          <p:cNvSpPr txBox="1"/>
+          <p:nvPr/>
+        </p:nvSpPr>
+        <p:spPr>
+          <a:xfrm>
+            <a:off x="6757247" y="3940290"/>
+            <a:ext cx="1353941" cy="461665"/>
+          </a:xfrm>
+          <a:prstGeom prst="rect">
+            <a:avLst/>
+          </a:prstGeom>
+          <a:noFill/>
+        </p:spPr>
+        <p:txBody>
+          <a:bodyPr wrap="square">
+            <a:spAutoFit/>
+          </a:bodyPr>
+          <a:lstStyle/>
+          <a:p>
+            <a:pPr algn="ctr"/>
+            <a:r>
+              <a:rPr lang="en-US" altLang="zh-CN" sz="2400" dirty="0">
+                <a:latin typeface="Times New Roman" panose="02020603050405020304" pitchFamily="18" charset="0"/>
+                <a:cs typeface="Times New Roman" panose="02020603050405020304" pitchFamily="18" charset="0"/>
+              </a:rPr>
+              <a:t>Benefits :</a:t>
+            </a:r>
+            <a:endParaRPr lang="zh-CN" altLang="en-US" sz="2400" dirty="0">
+              <a:latin typeface="Times New Roman" panose="02020603050405020304" pitchFamily="18" charset="0"/>
+              <a:cs typeface="Times New Roman" panose="02020603050405020304" pitchFamily="18" charset="0"/>
+            </a:endParaRPr>
+          </a:p>
+        </p:txBody>
+      </p:sp>
+      <p:sp>
+        <p:nvSpPr>
+          <p:cNvPr id="30" name="文本框 29">
+            <a:extLst>
+              <a:ext uri="{FF2B5EF4-FFF2-40B4-BE49-F238E27FC236}">
+                <a16:creationId xmlns:a16="http://schemas.microsoft.com/office/drawing/2014/main" id="{CF4F81C9-5EDC-7FAD-D350-975A1AE052F1}"/>
+              </a:ext>
+            </a:extLst>
+          </p:cNvPr>
+          <p:cNvSpPr txBox="1"/>
+          <p:nvPr/>
+        </p:nvSpPr>
+        <p:spPr>
+          <a:xfrm>
+            <a:off x="6949993" y="4350308"/>
+            <a:ext cx="4998298" cy="2025555"/>
+          </a:xfrm>
+          <a:prstGeom prst="rect">
+            <a:avLst/>
+          </a:prstGeom>
+          <a:noFill/>
+        </p:spPr>
+        <p:txBody>
+          <a:bodyPr wrap="square">
+            <a:spAutoFit/>
+          </a:bodyPr>
+          <a:lstStyle/>
+          <a:p>
+            <a:pPr>
+              <a:lnSpc>
+                <a:spcPct val="125000"/>
+              </a:lnSpc>
+            </a:pPr>
+            <a:r>
+              <a:rPr lang="en-US" altLang="zh-CN" dirty="0">
+                <a:solidFill>
+                  <a:srgbClr val="FF0000"/>
+                </a:solidFill>
+                <a:latin typeface="Times New Roman" panose="02020603050405020304" pitchFamily="18" charset="0"/>
+                <a:cs typeface="Times New Roman" panose="02020603050405020304" pitchFamily="18" charset="0"/>
+              </a:rPr>
+              <a:t>Higher Reusability. </a:t>
+            </a:r>
+            <a:r>
+              <a:rPr lang="en-US" altLang="zh-CN" sz="1600" dirty="0">
+                <a:latin typeface="Times New Roman" panose="02020603050405020304" pitchFamily="18" charset="0"/>
+                <a:cs typeface="Times New Roman" panose="02020603050405020304" pitchFamily="18" charset="0"/>
+              </a:rPr>
+              <a:t>Common logic is reused directly in subclasses, with only unique parts needing overrides.</a:t>
+            </a:r>
+          </a:p>
+          <a:p>
+            <a:pPr>
+              <a:lnSpc>
+                <a:spcPct val="125000"/>
+              </a:lnSpc>
+            </a:pPr>
+            <a:r>
+              <a:rPr lang="en-US" altLang="zh-CN" dirty="0">
+                <a:solidFill>
+                  <a:srgbClr val="FF0000"/>
+                </a:solidFill>
+                <a:latin typeface="Times New Roman" panose="02020603050405020304" pitchFamily="18" charset="0"/>
+                <a:cs typeface="Times New Roman" panose="02020603050405020304" pitchFamily="18" charset="0"/>
+              </a:rPr>
+              <a:t>Easier Feature Expansion. </a:t>
+            </a:r>
+            <a:r>
+              <a:rPr lang="en-US" altLang="zh-CN" sz="1600" dirty="0">
+                <a:latin typeface="Times New Roman" panose="02020603050405020304" pitchFamily="18" charset="0"/>
+                <a:cs typeface="Times New Roman" panose="02020603050405020304" pitchFamily="18" charset="0"/>
+              </a:rPr>
+              <a:t>Adding steps like </a:t>
+            </a:r>
+            <a:r>
+              <a:rPr lang="en-US" altLang="zh-CN" sz="1600" dirty="0" err="1">
+                <a:latin typeface="Times New Roman" panose="02020603050405020304" pitchFamily="18" charset="0"/>
+                <a:cs typeface="Times New Roman" panose="02020603050405020304" pitchFamily="18" charset="0"/>
+              </a:rPr>
+              <a:t>soundInit</a:t>
+            </a:r>
+            <a:r>
+              <a:rPr lang="en-US" altLang="zh-CN" sz="1600" dirty="0">
+                <a:latin typeface="Times New Roman" panose="02020603050405020304" pitchFamily="18" charset="0"/>
+                <a:cs typeface="Times New Roman" panose="02020603050405020304" pitchFamily="18" charset="0"/>
+              </a:rPr>
+              <a:t>() only requires updates in the parent class.</a:t>
+            </a:r>
+          </a:p>
+          <a:p>
+            <a:pPr>
+              <a:lnSpc>
+                <a:spcPct val="125000"/>
+              </a:lnSpc>
+            </a:pPr>
+            <a:r>
+              <a:rPr lang="en-US" altLang="zh-CN" dirty="0">
+                <a:solidFill>
+                  <a:srgbClr val="FF0000"/>
+                </a:solidFill>
+                <a:latin typeface="Times New Roman" panose="02020603050405020304" pitchFamily="18" charset="0"/>
+                <a:cs typeface="Times New Roman" panose="02020603050405020304" pitchFamily="18" charset="0"/>
+              </a:rPr>
+              <a:t>Consistency. </a:t>
+            </a:r>
+            <a:r>
+              <a:rPr lang="en-US" altLang="zh-CN" sz="1600" dirty="0">
+                <a:latin typeface="Times New Roman" panose="02020603050405020304" pitchFamily="18" charset="0"/>
+                <a:cs typeface="Times New Roman" panose="02020603050405020304" pitchFamily="18" charset="0"/>
+              </a:rPr>
+              <a:t>Ensures all levels follow the same initialization flow, avoiding discrepancies.</a:t>
+            </a:r>
+            <a:endParaRPr lang="zh-CN" altLang="en-US" sz="1600" dirty="0">
+              <a:latin typeface="Times New Roman" panose="02020603050405020304" pitchFamily="18" charset="0"/>
+              <a:cs typeface="Times New Roman" panose="02020603050405020304" pitchFamily="18" charset="0"/>
+            </a:endParaRPr>
+          </a:p>
+        </p:txBody>
+      </p:sp>
+      <p:sp>
+        <p:nvSpPr>
+          <p:cNvPr id="31" name="矩形 30">
+            <a:extLst>
+              <a:ext uri="{FF2B5EF4-FFF2-40B4-BE49-F238E27FC236}">
+                <a16:creationId xmlns:a16="http://schemas.microsoft.com/office/drawing/2014/main" id="{308A467A-276A-2FC3-7DC5-39E5D1BA2323}"/>
+              </a:ext>
+            </a:extLst>
+          </p:cNvPr>
+          <p:cNvSpPr/>
+          <p:nvPr/>
+        </p:nvSpPr>
+        <p:spPr>
+          <a:xfrm>
+            <a:off x="6906734" y="1153173"/>
+            <a:ext cx="5041557" cy="2856551"/>
+          </a:xfrm>
+          <a:prstGeom prst="rect">
+            <a:avLst/>
+          </a:prstGeom>
+          <a:noFill/>
+          <a:ln>
+            <a:solidFill>
+              <a:schemeClr val="tx1"/>
+            </a:solidFill>
+          </a:ln>
+        </p:spPr>
+        <p:style>
+          <a:lnRef idx="2">
+            <a:schemeClr val="accent1">
+              <a:shade val="15000"/>
+            </a:schemeClr>
+          </a:lnRef>
+          <a:fillRef idx="1">
+            <a:schemeClr val="accent1"/>
+          </a:fillRef>
+          <a:effectRef idx="0">
+            <a:schemeClr val="accent1"/>
+          </a:effectRef>
+          <a:fontRef idx="minor">
+            <a:schemeClr val="lt1"/>
+          </a:fontRef>
+        </p:style>
+        <p:txBody>
+          <a:bodyPr rtlCol="0" anchor="ctr"/>
+          <a:lstStyle/>
+          <a:p>
+            <a:pPr algn="ctr"/>
+            <a:endParaRPr lang="zh-CN" altLang="en-US"/>
+          </a:p>
+        </p:txBody>
+      </p:sp>
+      <p:sp>
+        <p:nvSpPr>
+          <p:cNvPr id="32" name="矩形 31">
+            <a:extLst>
+              <a:ext uri="{FF2B5EF4-FFF2-40B4-BE49-F238E27FC236}">
+                <a16:creationId xmlns:a16="http://schemas.microsoft.com/office/drawing/2014/main" id="{6A696EA1-8F61-5E4C-0ABC-A7D4E0BE6653}"/>
+              </a:ext>
+            </a:extLst>
+          </p:cNvPr>
+          <p:cNvSpPr/>
+          <p:nvPr/>
+        </p:nvSpPr>
+        <p:spPr>
+          <a:xfrm>
+            <a:off x="6949992" y="4407437"/>
+            <a:ext cx="5041558" cy="2025556"/>
+          </a:xfrm>
+          <a:prstGeom prst="rect">
+            <a:avLst/>
+          </a:prstGeom>
+          <a:noFill/>
+          <a:ln>
+            <a:solidFill>
+              <a:schemeClr val="tx1"/>
+            </a:solidFill>
+          </a:ln>
+        </p:spPr>
+        <p:style>
+          <a:lnRef idx="2">
+            <a:schemeClr val="accent1">
+              <a:shade val="15000"/>
+            </a:schemeClr>
+          </a:lnRef>
+          <a:fillRef idx="1">
+            <a:schemeClr val="accent1"/>
+          </a:fillRef>
+          <a:effectRef idx="0">
+            <a:schemeClr val="accent1"/>
+          </a:effectRef>
+          <a:fontRef idx="minor">
+            <a:schemeClr val="lt1"/>
+          </a:fontRef>
+        </p:style>
+        <p:txBody>
+          <a:bodyPr rtlCol="0" anchor="ctr"/>
+          <a:lstStyle/>
+          <a:p>
+            <a:pPr algn="ctr"/>
+            <a:endParaRPr lang="zh-CN" altLang="en-US"/>
+          </a:p>
+        </p:txBody>
+      </p:sp>
     </p:spTree>
     <p:extLst>
       <p:ext uri="{BB962C8B-B14F-4D97-AF65-F5344CB8AC3E}">
-        <p14:creationId xmlns:p14="http://schemas.microsoft.com/office/powerpoint/2010/main" val="709072672"/>
+        <p14:creationId xmlns:p14="http://schemas.microsoft.com/office/powerpoint/2010/main" val="2674079515"/>
       </p:ext>
     </p:extLst>
   </p:cSld>

--- a/文档/DesignPattern.pptx
+++ b/文档/DesignPattern.pptx
@@ -5,7 +5,7 @@
     <p:sldMasterId id="2147483648" r:id="rId1"/>
   </p:sldMasterIdLst>
   <p:notesMasterIdLst>
-    <p:notesMasterId r:id="rId22"/>
+    <p:notesMasterId r:id="rId23"/>
   </p:notesMasterIdLst>
   <p:sldIdLst>
     <p:sldId id="256" r:id="rId2"/>
@@ -16,18 +16,19 @@
     <p:sldId id="278" r:id="rId7"/>
     <p:sldId id="284" r:id="rId8"/>
     <p:sldId id="280" r:id="rId9"/>
-    <p:sldId id="279" r:id="rId10"/>
-    <p:sldId id="281" r:id="rId11"/>
-    <p:sldId id="283" r:id="rId12"/>
-    <p:sldId id="282" r:id="rId13"/>
-    <p:sldId id="277" r:id="rId14"/>
-    <p:sldId id="272" r:id="rId15"/>
-    <p:sldId id="261" r:id="rId16"/>
-    <p:sldId id="264" r:id="rId17"/>
-    <p:sldId id="266" r:id="rId18"/>
-    <p:sldId id="267" r:id="rId19"/>
-    <p:sldId id="269" r:id="rId20"/>
-    <p:sldId id="270" r:id="rId21"/>
+    <p:sldId id="281" r:id="rId10"/>
+    <p:sldId id="283" r:id="rId11"/>
+    <p:sldId id="282" r:id="rId12"/>
+    <p:sldId id="279" r:id="rId13"/>
+    <p:sldId id="285" r:id="rId14"/>
+    <p:sldId id="277" r:id="rId15"/>
+    <p:sldId id="272" r:id="rId16"/>
+    <p:sldId id="261" r:id="rId17"/>
+    <p:sldId id="264" r:id="rId18"/>
+    <p:sldId id="266" r:id="rId19"/>
+    <p:sldId id="267" r:id="rId20"/>
+    <p:sldId id="269" r:id="rId21"/>
+    <p:sldId id="270" r:id="rId22"/>
   </p:sldIdLst>
   <p:sldSz cx="12192000" cy="6858000"/>
   <p:notesSz cx="6858000" cy="9144000"/>
@@ -7580,648 +7581,6 @@
         <p:cNvPr id="1" name="">
           <a:extLst>
             <a:ext uri="{FF2B5EF4-FFF2-40B4-BE49-F238E27FC236}">
-              <a16:creationId xmlns:a16="http://schemas.microsoft.com/office/drawing/2014/main" id="{D78668CB-D8AC-A5D8-96B1-D6C9002875A9}"/>
-            </a:ext>
-          </a:extLst>
-        </p:cNvPr>
-        <p:cNvGrpSpPr/>
-        <p:nvPr/>
-      </p:nvGrpSpPr>
-      <p:grpSpPr>
-        <a:xfrm>
-          <a:off x="0" y="0"/>
-          <a:ext cx="0" cy="0"/>
-          <a:chOff x="0" y="0"/>
-          <a:chExt cx="0" cy="0"/>
-        </a:xfrm>
-      </p:grpSpPr>
-      <p:sp>
-        <p:nvSpPr>
-          <p:cNvPr id="5" name="矩形 4">
-            <a:extLst>
-              <a:ext uri="{FF2B5EF4-FFF2-40B4-BE49-F238E27FC236}">
-                <a16:creationId xmlns:a16="http://schemas.microsoft.com/office/drawing/2014/main" id="{0143472F-C721-7B9D-DB67-58AAEADD53AA}"/>
-              </a:ext>
-            </a:extLst>
-          </p:cNvPr>
-          <p:cNvSpPr/>
-          <p:nvPr/>
-        </p:nvSpPr>
-        <p:spPr>
-          <a:xfrm>
-            <a:off x="0" y="343632"/>
-            <a:ext cx="1244600" cy="426835"/>
-          </a:xfrm>
-          <a:prstGeom prst="rect">
-            <a:avLst/>
-          </a:prstGeom>
-          <a:solidFill>
-            <a:schemeClr val="accent1">
-              <a:lumMod val="50000"/>
-            </a:schemeClr>
-          </a:solidFill>
-        </p:spPr>
-        <p:style>
-          <a:lnRef idx="2">
-            <a:schemeClr val="accent1">
-              <a:shade val="15000"/>
-            </a:schemeClr>
-          </a:lnRef>
-          <a:fillRef idx="1">
-            <a:schemeClr val="accent1"/>
-          </a:fillRef>
-          <a:effectRef idx="0">
-            <a:schemeClr val="accent1"/>
-          </a:effectRef>
-          <a:fontRef idx="minor">
-            <a:schemeClr val="lt1"/>
-          </a:fontRef>
-        </p:style>
-        <p:txBody>
-          <a:bodyPr rtlCol="0" anchor="ctr"/>
-          <a:lstStyle/>
-          <a:p>
-            <a:pPr algn="ctr"/>
-            <a:endParaRPr lang="zh-CN" altLang="en-US"/>
-          </a:p>
-        </p:txBody>
-      </p:sp>
-      <p:sp>
-        <p:nvSpPr>
-          <p:cNvPr id="6" name="文本框 5">
-            <a:extLst>
-              <a:ext uri="{FF2B5EF4-FFF2-40B4-BE49-F238E27FC236}">
-                <a16:creationId xmlns:a16="http://schemas.microsoft.com/office/drawing/2014/main" id="{B3A2F600-D925-A3A6-A42C-3852B045454E}"/>
-              </a:ext>
-            </a:extLst>
-          </p:cNvPr>
-          <p:cNvSpPr txBox="1"/>
-          <p:nvPr/>
-        </p:nvSpPr>
-        <p:spPr>
-          <a:xfrm>
-            <a:off x="69850" y="370357"/>
-            <a:ext cx="1104900" cy="400110"/>
-          </a:xfrm>
-          <a:prstGeom prst="rect">
-            <a:avLst/>
-          </a:prstGeom>
-          <a:noFill/>
-        </p:spPr>
-        <p:txBody>
-          <a:bodyPr wrap="square" rtlCol="0">
-            <a:spAutoFit/>
-          </a:bodyPr>
-          <a:lstStyle/>
-          <a:p>
-            <a:r>
-              <a:rPr lang="en-US" altLang="zh-CN" sz="2000" dirty="0">
-                <a:solidFill>
-                  <a:schemeClr val="bg1">
-                    <a:lumMod val="95000"/>
-                  </a:schemeClr>
-                </a:solidFill>
-                <a:latin typeface="思源黑体 CN Bold" panose="020B0800000000000000" pitchFamily="34" charset="-122"/>
-                <a:ea typeface="思源黑体 CN Bold" panose="020B0800000000000000" pitchFamily="34" charset="-122"/>
-              </a:rPr>
-              <a:t>PART 2</a:t>
-            </a:r>
-            <a:endParaRPr lang="zh-CN" altLang="en-US" sz="2000" dirty="0">
-              <a:solidFill>
-                <a:schemeClr val="bg1">
-                  <a:lumMod val="95000"/>
-                </a:schemeClr>
-              </a:solidFill>
-              <a:latin typeface="思源黑体 CN Bold" panose="020B0800000000000000" pitchFamily="34" charset="-122"/>
-              <a:ea typeface="思源黑体 CN Bold" panose="020B0800000000000000" pitchFamily="34" charset="-122"/>
-            </a:endParaRPr>
-          </a:p>
-        </p:txBody>
-      </p:sp>
-      <p:sp>
-        <p:nvSpPr>
-          <p:cNvPr id="2" name="文本框 12">
-            <a:extLst>
-              <a:ext uri="{FF2B5EF4-FFF2-40B4-BE49-F238E27FC236}">
-                <a16:creationId xmlns:a16="http://schemas.microsoft.com/office/drawing/2014/main" id="{9C17ED91-3C7B-BC84-2751-96E266D8BA8D}"/>
-              </a:ext>
-            </a:extLst>
-          </p:cNvPr>
-          <p:cNvSpPr txBox="1"/>
-          <p:nvPr/>
-        </p:nvSpPr>
-        <p:spPr>
-          <a:xfrm>
-            <a:off x="1314449" y="226717"/>
-            <a:ext cx="7992837" cy="584775"/>
-          </a:xfrm>
-          <a:prstGeom prst="rect">
-            <a:avLst/>
-          </a:prstGeom>
-          <a:noFill/>
-        </p:spPr>
-        <p:txBody>
-          <a:bodyPr wrap="square" rtlCol="0">
-            <a:spAutoFit/>
-          </a:bodyPr>
-          <a:lstStyle>
-            <a:defPPr>
-              <a:defRPr lang="zh-CN"/>
-            </a:defPPr>
-            <a:lvl1pPr marL="0" algn="l" defTabSz="914400" rtl="0" eaLnBrk="1" latinLnBrk="0" hangingPunct="1">
-              <a:defRPr sz="1800" kern="1200">
-                <a:solidFill>
-                  <a:schemeClr val="tx1"/>
-                </a:solidFill>
-                <a:latin typeface="+mn-lt"/>
-                <a:ea typeface="+mn-ea"/>
-                <a:cs typeface="+mn-cs"/>
-              </a:defRPr>
-            </a:lvl1pPr>
-            <a:lvl2pPr marL="457200" algn="l" defTabSz="914400" rtl="0" eaLnBrk="1" latinLnBrk="0" hangingPunct="1">
-              <a:defRPr sz="1800" kern="1200">
-                <a:solidFill>
-                  <a:schemeClr val="tx1"/>
-                </a:solidFill>
-                <a:latin typeface="+mn-lt"/>
-                <a:ea typeface="+mn-ea"/>
-                <a:cs typeface="+mn-cs"/>
-              </a:defRPr>
-            </a:lvl2pPr>
-            <a:lvl3pPr marL="914400" algn="l" defTabSz="914400" rtl="0" eaLnBrk="1" latinLnBrk="0" hangingPunct="1">
-              <a:defRPr sz="1800" kern="1200">
-                <a:solidFill>
-                  <a:schemeClr val="tx1"/>
-                </a:solidFill>
-                <a:latin typeface="+mn-lt"/>
-                <a:ea typeface="+mn-ea"/>
-                <a:cs typeface="+mn-cs"/>
-              </a:defRPr>
-            </a:lvl3pPr>
-            <a:lvl4pPr marL="1371600" algn="l" defTabSz="914400" rtl="0" eaLnBrk="1" latinLnBrk="0" hangingPunct="1">
-              <a:defRPr sz="1800" kern="1200">
-                <a:solidFill>
-                  <a:schemeClr val="tx1"/>
-                </a:solidFill>
-                <a:latin typeface="+mn-lt"/>
-                <a:ea typeface="+mn-ea"/>
-                <a:cs typeface="+mn-cs"/>
-              </a:defRPr>
-            </a:lvl4pPr>
-            <a:lvl5pPr marL="1828800" algn="l" defTabSz="914400" rtl="0" eaLnBrk="1" latinLnBrk="0" hangingPunct="1">
-              <a:defRPr sz="1800" kern="1200">
-                <a:solidFill>
-                  <a:schemeClr val="tx1"/>
-                </a:solidFill>
-                <a:latin typeface="+mn-lt"/>
-                <a:ea typeface="+mn-ea"/>
-                <a:cs typeface="+mn-cs"/>
-              </a:defRPr>
-            </a:lvl5pPr>
-            <a:lvl6pPr marL="2286000" algn="l" defTabSz="914400" rtl="0" eaLnBrk="1" latinLnBrk="0" hangingPunct="1">
-              <a:defRPr sz="1800" kern="1200">
-                <a:solidFill>
-                  <a:schemeClr val="tx1"/>
-                </a:solidFill>
-                <a:latin typeface="+mn-lt"/>
-                <a:ea typeface="+mn-ea"/>
-                <a:cs typeface="+mn-cs"/>
-              </a:defRPr>
-            </a:lvl6pPr>
-            <a:lvl7pPr marL="2743200" algn="l" defTabSz="914400" rtl="0" eaLnBrk="1" latinLnBrk="0" hangingPunct="1">
-              <a:defRPr sz="1800" kern="1200">
-                <a:solidFill>
-                  <a:schemeClr val="tx1"/>
-                </a:solidFill>
-                <a:latin typeface="+mn-lt"/>
-                <a:ea typeface="+mn-ea"/>
-                <a:cs typeface="+mn-cs"/>
-              </a:defRPr>
-            </a:lvl7pPr>
-            <a:lvl8pPr marL="3200400" algn="l" defTabSz="914400" rtl="0" eaLnBrk="1" latinLnBrk="0" hangingPunct="1">
-              <a:defRPr sz="1800" kern="1200">
-                <a:solidFill>
-                  <a:schemeClr val="tx1"/>
-                </a:solidFill>
-                <a:latin typeface="+mn-lt"/>
-                <a:ea typeface="+mn-ea"/>
-                <a:cs typeface="+mn-cs"/>
-              </a:defRPr>
-            </a:lvl8pPr>
-            <a:lvl9pPr marL="3657600" algn="l" defTabSz="914400" rtl="0" eaLnBrk="1" latinLnBrk="0" hangingPunct="1">
-              <a:defRPr sz="1800" kern="1200">
-                <a:solidFill>
-                  <a:schemeClr val="tx1"/>
-                </a:solidFill>
-                <a:latin typeface="+mn-lt"/>
-                <a:ea typeface="+mn-ea"/>
-                <a:cs typeface="+mn-cs"/>
-              </a:defRPr>
-            </a:lvl9pPr>
-          </a:lstStyle>
-          <a:p>
-            <a:r>
-              <a:rPr lang="en-US" altLang="zh-CN" sz="3200" dirty="0">
-                <a:solidFill>
-                  <a:srgbClr val="425166"/>
-                </a:solidFill>
-                <a:latin typeface="Times New Roman" panose="02020603050405020304" pitchFamily="18" charset="0"/>
-                <a:ea typeface="思源黑体 CN Normal" panose="020B0400000000000000" pitchFamily="34" charset="-122"/>
-                <a:cs typeface="Times New Roman" panose="02020603050405020304" pitchFamily="18" charset="0"/>
-                <a:sym typeface="思源黑体 CN Normal" panose="020B0400000000000000" pitchFamily="34" charset="-122"/>
-              </a:rPr>
-              <a:t>Design Patterns in Refactoring——Decorator </a:t>
-            </a:r>
-            <a:endParaRPr lang="zh-CN" altLang="en-US" sz="3200" dirty="0">
-              <a:solidFill>
-                <a:srgbClr val="425166"/>
-              </a:solidFill>
-              <a:latin typeface="Times New Roman" panose="02020603050405020304" pitchFamily="18" charset="0"/>
-              <a:ea typeface="思源黑体 CN Normal" panose="020B0400000000000000" pitchFamily="34" charset="-122"/>
-              <a:cs typeface="Times New Roman" panose="02020603050405020304" pitchFamily="18" charset="0"/>
-              <a:sym typeface="思源黑体 CN Normal" panose="020B0400000000000000" pitchFamily="34" charset="-122"/>
-            </a:endParaRPr>
-          </a:p>
-        </p:txBody>
-      </p:sp>
-      <p:sp>
-        <p:nvSpPr>
-          <p:cNvPr id="27" name="文本框 26">
-            <a:extLst>
-              <a:ext uri="{FF2B5EF4-FFF2-40B4-BE49-F238E27FC236}">
-                <a16:creationId xmlns:a16="http://schemas.microsoft.com/office/drawing/2014/main" id="{11A0C5AF-7E1B-A5C7-10B9-817350E5A4FA}"/>
-              </a:ext>
-            </a:extLst>
-          </p:cNvPr>
-          <p:cNvSpPr txBox="1"/>
-          <p:nvPr/>
-        </p:nvSpPr>
-        <p:spPr>
-          <a:xfrm>
-            <a:off x="1513519" y="934603"/>
-            <a:ext cx="3249738" cy="369332"/>
-          </a:xfrm>
-          <a:prstGeom prst="rect">
-            <a:avLst/>
-          </a:prstGeom>
-          <a:noFill/>
-        </p:spPr>
-        <p:txBody>
-          <a:bodyPr wrap="square">
-            <a:spAutoFit/>
-          </a:bodyPr>
-          <a:lstStyle/>
-          <a:p>
-            <a:pPr algn="ctr"/>
-            <a:r>
-              <a:rPr lang="en-US" altLang="zh-CN" dirty="0">
-                <a:latin typeface="Times New Roman" panose="02020603050405020304" pitchFamily="18" charset="0"/>
-                <a:cs typeface="Times New Roman" panose="02020603050405020304" pitchFamily="18" charset="0"/>
-              </a:rPr>
-              <a:t>Class diagram of Decorator</a:t>
-            </a:r>
-            <a:endParaRPr lang="zh-CN" altLang="en-US" dirty="0">
-              <a:latin typeface="Times New Roman" panose="02020603050405020304" pitchFamily="18" charset="0"/>
-              <a:cs typeface="Times New Roman" panose="02020603050405020304" pitchFamily="18" charset="0"/>
-            </a:endParaRPr>
-          </a:p>
-        </p:txBody>
-      </p:sp>
-      <p:grpSp>
-        <p:nvGrpSpPr>
-          <p:cNvPr id="30" name="组合 29">
-            <a:extLst>
-              <a:ext uri="{FF2B5EF4-FFF2-40B4-BE49-F238E27FC236}">
-                <a16:creationId xmlns:a16="http://schemas.microsoft.com/office/drawing/2014/main" id="{E6B33147-34DD-082F-8E6C-1AC71918E7B3}"/>
-              </a:ext>
-            </a:extLst>
-          </p:cNvPr>
-          <p:cNvGrpSpPr/>
-          <p:nvPr/>
-        </p:nvGrpSpPr>
-        <p:grpSpPr>
-          <a:xfrm rot="10800000">
-            <a:off x="5944137" y="3145759"/>
-            <a:ext cx="969273" cy="248633"/>
-            <a:chOff x="6049119" y="5793914"/>
-            <a:chExt cx="1030620" cy="299295"/>
-          </a:xfrm>
-          <a:gradFill>
-            <a:gsLst>
-              <a:gs pos="0">
-                <a:schemeClr val="accent1">
-                  <a:lumMod val="5000"/>
-                  <a:lumOff val="95000"/>
-                </a:schemeClr>
-              </a:gs>
-              <a:gs pos="33000">
-                <a:schemeClr val="accent1">
-                  <a:lumMod val="45000"/>
-                  <a:lumOff val="55000"/>
-                </a:schemeClr>
-              </a:gs>
-              <a:gs pos="100000">
-                <a:schemeClr val="accent1">
-                  <a:lumMod val="75000"/>
-                </a:schemeClr>
-              </a:gs>
-            </a:gsLst>
-            <a:lin ang="0" scaled="0"/>
-          </a:gradFill>
-        </p:grpSpPr>
-        <p:sp>
-          <p:nvSpPr>
-            <p:cNvPr id="33" name="箭头: V 形 32">
-              <a:extLst>
-                <a:ext uri="{FF2B5EF4-FFF2-40B4-BE49-F238E27FC236}">
-                  <a16:creationId xmlns:a16="http://schemas.microsoft.com/office/drawing/2014/main" id="{41B5C59D-8C39-4960-ADEA-3FC2A5D0B0E7}"/>
-                </a:ext>
-              </a:extLst>
-            </p:cNvPr>
-            <p:cNvSpPr/>
-            <p:nvPr/>
-          </p:nvSpPr>
-          <p:spPr>
-            <a:xfrm>
-              <a:off x="6049119" y="5793914"/>
-              <a:ext cx="258751" cy="299295"/>
-            </a:xfrm>
-            <a:prstGeom prst="chevron">
-              <a:avLst/>
-            </a:prstGeom>
-            <a:grpFill/>
-            <a:ln>
-              <a:noFill/>
-            </a:ln>
-          </p:spPr>
-          <p:style>
-            <a:lnRef idx="2">
-              <a:schemeClr val="accent1">
-                <a:shade val="15000"/>
-              </a:schemeClr>
-            </a:lnRef>
-            <a:fillRef idx="1">
-              <a:schemeClr val="accent1"/>
-            </a:fillRef>
-            <a:effectRef idx="0">
-              <a:schemeClr val="accent1"/>
-            </a:effectRef>
-            <a:fontRef idx="minor">
-              <a:schemeClr val="lt1"/>
-            </a:fontRef>
-          </p:style>
-          <p:txBody>
-            <a:bodyPr rtlCol="0" anchor="ctr"/>
-            <a:lstStyle/>
-            <a:p>
-              <a:pPr algn="ctr"/>
-              <a:endParaRPr lang="zh-CN" altLang="en-US">
-                <a:solidFill>
-                  <a:schemeClr val="accent1">
-                    <a:lumMod val="40000"/>
-                    <a:lumOff val="60000"/>
-                  </a:schemeClr>
-                </a:solidFill>
-              </a:endParaRPr>
-            </a:p>
-          </p:txBody>
-        </p:sp>
-        <p:sp>
-          <p:nvSpPr>
-            <p:cNvPr id="34" name="箭头: V 形 33">
-              <a:extLst>
-                <a:ext uri="{FF2B5EF4-FFF2-40B4-BE49-F238E27FC236}">
-                  <a16:creationId xmlns:a16="http://schemas.microsoft.com/office/drawing/2014/main" id="{35E59918-EA03-DB24-4B42-E05F1624FEE0}"/>
-                </a:ext>
-              </a:extLst>
-            </p:cNvPr>
-            <p:cNvSpPr/>
-            <p:nvPr/>
-          </p:nvSpPr>
-          <p:spPr>
-            <a:xfrm>
-              <a:off x="6307869" y="5793914"/>
-              <a:ext cx="258751" cy="299295"/>
-            </a:xfrm>
-            <a:prstGeom prst="chevron">
-              <a:avLst/>
-            </a:prstGeom>
-            <a:grpFill/>
-            <a:ln>
-              <a:noFill/>
-            </a:ln>
-          </p:spPr>
-          <p:style>
-            <a:lnRef idx="2">
-              <a:schemeClr val="accent1">
-                <a:shade val="15000"/>
-              </a:schemeClr>
-            </a:lnRef>
-            <a:fillRef idx="1">
-              <a:schemeClr val="accent1"/>
-            </a:fillRef>
-            <a:effectRef idx="0">
-              <a:schemeClr val="accent1"/>
-            </a:effectRef>
-            <a:fontRef idx="minor">
-              <a:schemeClr val="lt1"/>
-            </a:fontRef>
-          </p:style>
-          <p:txBody>
-            <a:bodyPr rtlCol="0" anchor="ctr"/>
-            <a:lstStyle/>
-            <a:p>
-              <a:pPr algn="ctr"/>
-              <a:endParaRPr lang="zh-CN" altLang="en-US">
-                <a:solidFill>
-                  <a:schemeClr val="accent1">
-                    <a:lumMod val="40000"/>
-                    <a:lumOff val="60000"/>
-                  </a:schemeClr>
-                </a:solidFill>
-              </a:endParaRPr>
-            </a:p>
-          </p:txBody>
-        </p:sp>
-        <p:sp>
-          <p:nvSpPr>
-            <p:cNvPr id="35" name="箭头: V 形 34">
-              <a:extLst>
-                <a:ext uri="{FF2B5EF4-FFF2-40B4-BE49-F238E27FC236}">
-                  <a16:creationId xmlns:a16="http://schemas.microsoft.com/office/drawing/2014/main" id="{0E615910-EBEB-A65F-9C6F-9AD3C5A4CE94}"/>
-                </a:ext>
-              </a:extLst>
-            </p:cNvPr>
-            <p:cNvSpPr/>
-            <p:nvPr/>
-          </p:nvSpPr>
-          <p:spPr>
-            <a:xfrm>
-              <a:off x="6566622" y="5793914"/>
-              <a:ext cx="258751" cy="299295"/>
-            </a:xfrm>
-            <a:prstGeom prst="chevron">
-              <a:avLst/>
-            </a:prstGeom>
-            <a:grpFill/>
-            <a:ln>
-              <a:noFill/>
-            </a:ln>
-          </p:spPr>
-          <p:style>
-            <a:lnRef idx="2">
-              <a:schemeClr val="accent1">
-                <a:shade val="15000"/>
-              </a:schemeClr>
-            </a:lnRef>
-            <a:fillRef idx="1">
-              <a:schemeClr val="accent1"/>
-            </a:fillRef>
-            <a:effectRef idx="0">
-              <a:schemeClr val="accent1"/>
-            </a:effectRef>
-            <a:fontRef idx="minor">
-              <a:schemeClr val="lt1"/>
-            </a:fontRef>
-          </p:style>
-          <p:txBody>
-            <a:bodyPr rtlCol="0" anchor="ctr"/>
-            <a:lstStyle/>
-            <a:p>
-              <a:pPr algn="ctr"/>
-              <a:endParaRPr lang="zh-CN" altLang="en-US" dirty="0">
-                <a:solidFill>
-                  <a:schemeClr val="accent1">
-                    <a:lumMod val="40000"/>
-                    <a:lumOff val="60000"/>
-                  </a:schemeClr>
-                </a:solidFill>
-              </a:endParaRPr>
-            </a:p>
-          </p:txBody>
-        </p:sp>
-        <p:sp>
-          <p:nvSpPr>
-            <p:cNvPr id="36" name="箭头: V 形 35">
-              <a:extLst>
-                <a:ext uri="{FF2B5EF4-FFF2-40B4-BE49-F238E27FC236}">
-                  <a16:creationId xmlns:a16="http://schemas.microsoft.com/office/drawing/2014/main" id="{2B2B7583-6895-8D17-93F1-D03D47F12E47}"/>
-                </a:ext>
-              </a:extLst>
-            </p:cNvPr>
-            <p:cNvSpPr/>
-            <p:nvPr/>
-          </p:nvSpPr>
-          <p:spPr>
-            <a:xfrm>
-              <a:off x="6820988" y="5793914"/>
-              <a:ext cx="258751" cy="299295"/>
-            </a:xfrm>
-            <a:prstGeom prst="chevron">
-              <a:avLst/>
-            </a:prstGeom>
-            <a:grpFill/>
-            <a:ln>
-              <a:noFill/>
-            </a:ln>
-          </p:spPr>
-          <p:style>
-            <a:lnRef idx="2">
-              <a:schemeClr val="accent1">
-                <a:shade val="15000"/>
-              </a:schemeClr>
-            </a:lnRef>
-            <a:fillRef idx="1">
-              <a:schemeClr val="accent1"/>
-            </a:fillRef>
-            <a:effectRef idx="0">
-              <a:schemeClr val="accent1"/>
-            </a:effectRef>
-            <a:fontRef idx="minor">
-              <a:schemeClr val="lt1"/>
-            </a:fontRef>
-          </p:style>
-          <p:txBody>
-            <a:bodyPr rtlCol="0" anchor="ctr"/>
-            <a:lstStyle/>
-            <a:p>
-              <a:pPr algn="ctr"/>
-              <a:endParaRPr lang="zh-CN" altLang="en-US">
-                <a:solidFill>
-                  <a:schemeClr val="accent1">
-                    <a:lumMod val="40000"/>
-                    <a:lumOff val="60000"/>
-                  </a:schemeClr>
-                </a:solidFill>
-              </a:endParaRPr>
-            </a:p>
-          </p:txBody>
-        </p:sp>
-      </p:grpSp>
-      <p:sp>
-        <p:nvSpPr>
-          <p:cNvPr id="43" name="文本框 42">
-            <a:extLst>
-              <a:ext uri="{FF2B5EF4-FFF2-40B4-BE49-F238E27FC236}">
-                <a16:creationId xmlns:a16="http://schemas.microsoft.com/office/drawing/2014/main" id="{D40725E2-63F1-75F2-FC59-5D3B45016598}"/>
-              </a:ext>
-            </a:extLst>
-          </p:cNvPr>
-          <p:cNvSpPr txBox="1"/>
-          <p:nvPr/>
-        </p:nvSpPr>
-        <p:spPr>
-          <a:xfrm>
-            <a:off x="7836637" y="934603"/>
-            <a:ext cx="3249738" cy="369332"/>
-          </a:xfrm>
-          <a:prstGeom prst="rect">
-            <a:avLst/>
-          </a:prstGeom>
-          <a:noFill/>
-        </p:spPr>
-        <p:txBody>
-          <a:bodyPr wrap="square">
-            <a:spAutoFit/>
-          </a:bodyPr>
-          <a:lstStyle/>
-          <a:p>
-            <a:pPr algn="ctr"/>
-            <a:r>
-              <a:rPr lang="en-US" altLang="zh-CN" dirty="0">
-                <a:latin typeface="Times New Roman" panose="02020603050405020304" pitchFamily="18" charset="0"/>
-                <a:cs typeface="Times New Roman" panose="02020603050405020304" pitchFamily="18" charset="0"/>
-              </a:rPr>
-              <a:t>Original Structure</a:t>
-            </a:r>
-            <a:endParaRPr lang="zh-CN" altLang="en-US" dirty="0">
-              <a:latin typeface="Times New Roman" panose="02020603050405020304" pitchFamily="18" charset="0"/>
-              <a:cs typeface="Times New Roman" panose="02020603050405020304" pitchFamily="18" charset="0"/>
-            </a:endParaRPr>
-          </a:p>
-        </p:txBody>
-      </p:sp>
-    </p:spTree>
-    <p:extLst>
-      <p:ext uri="{BB962C8B-B14F-4D97-AF65-F5344CB8AC3E}">
-        <p14:creationId xmlns:p14="http://schemas.microsoft.com/office/powerpoint/2010/main" val="709072672"/>
-      </p:ext>
-    </p:extLst>
-  </p:cSld>
-  <p:clrMapOvr>
-    <a:masterClrMapping/>
-  </p:clrMapOvr>
-</p:sld>
-</file>
-
-<file path=ppt/slides/slide11.xml><?xml version="1.0" encoding="utf-8"?>
-<p:sld xmlns:a="http://schemas.openxmlformats.org/drawingml/2006/main" xmlns:r="http://schemas.openxmlformats.org/officeDocument/2006/relationships" xmlns:p="http://schemas.openxmlformats.org/presentationml/2006/main">
-  <p:cSld>
-    <p:spTree>
-      <p:nvGrpSpPr>
-        <p:cNvPr id="1" name="">
-          <a:extLst>
-            <a:ext uri="{FF2B5EF4-FFF2-40B4-BE49-F238E27FC236}">
               <a16:creationId xmlns:a16="http://schemas.microsoft.com/office/drawing/2014/main" id="{D429E42E-1381-597B-84A1-E80C39DDF7D7}"/>
             </a:ext>
           </a:extLst>
@@ -8742,7 +8101,7 @@
 </p:sld>
 </file>
 
-<file path=ppt/slides/slide12.xml><?xml version="1.0" encoding="utf-8"?>
+<file path=ppt/slides/slide11.xml><?xml version="1.0" encoding="utf-8"?>
 <p:sld xmlns:a="http://schemas.openxmlformats.org/drawingml/2006/main" xmlns:r="http://schemas.openxmlformats.org/officeDocument/2006/relationships" xmlns:p="http://schemas.openxmlformats.org/presentationml/2006/main">
   <p:cSld>
     <p:spTree>
@@ -9057,36 +8416,6 @@
           </a:p>
         </p:txBody>
       </p:sp>
-      <p:pic>
-        <p:nvPicPr>
-          <p:cNvPr id="8" name="图片 7">
-            <a:extLst>
-              <a:ext uri="{FF2B5EF4-FFF2-40B4-BE49-F238E27FC236}">
-                <a16:creationId xmlns:a16="http://schemas.microsoft.com/office/drawing/2014/main" id="{54DFCA13-97D0-5F0B-F2E3-195C61B24269}"/>
-              </a:ext>
-            </a:extLst>
-          </p:cNvPr>
-          <p:cNvPicPr>
-            <a:picLocks noChangeAspect="1"/>
-          </p:cNvPicPr>
-          <p:nvPr/>
-        </p:nvPicPr>
-        <p:blipFill>
-          <a:blip r:embed="rId2"/>
-          <a:stretch>
-            <a:fillRect/>
-          </a:stretch>
-        </p:blipFill>
-        <p:spPr>
-          <a:xfrm>
-            <a:off x="0" y="1166524"/>
-            <a:ext cx="12192000" cy="5046133"/>
-          </a:xfrm>
-          <a:prstGeom prst="rect">
-            <a:avLst/>
-          </a:prstGeom>
-        </p:spPr>
-      </p:pic>
       <p:sp>
         <p:nvSpPr>
           <p:cNvPr id="11" name="文本框 10">
@@ -9129,6 +8458,36 @@
           </a:p>
         </p:txBody>
       </p:sp>
+      <p:pic>
+        <p:nvPicPr>
+          <p:cNvPr id="4" name="图片 3">
+            <a:extLst>
+              <a:ext uri="{FF2B5EF4-FFF2-40B4-BE49-F238E27FC236}">
+                <a16:creationId xmlns:a16="http://schemas.microsoft.com/office/drawing/2014/main" id="{3A08DD83-46D8-8C4F-338D-FFA91FB6CC98}"/>
+              </a:ext>
+            </a:extLst>
+          </p:cNvPr>
+          <p:cNvPicPr>
+            <a:picLocks noChangeAspect="1"/>
+          </p:cNvPicPr>
+          <p:nvPr/>
+        </p:nvPicPr>
+        <p:blipFill>
+          <a:blip r:embed="rId2"/>
+          <a:stretch>
+            <a:fillRect/>
+          </a:stretch>
+        </p:blipFill>
+        <p:spPr>
+          <a:xfrm>
+            <a:off x="520700" y="1198922"/>
+            <a:ext cx="11150600" cy="4644403"/>
+          </a:xfrm>
+          <a:prstGeom prst="rect">
+            <a:avLst/>
+          </a:prstGeom>
+        </p:spPr>
+      </p:pic>
     </p:spTree>
     <p:extLst>
       <p:ext uri="{BB962C8B-B14F-4D97-AF65-F5344CB8AC3E}">
@@ -9142,7 +8501,1830 @@
 </p:sld>
 </file>
 
+<file path=ppt/slides/slide12.xml><?xml version="1.0" encoding="utf-8"?>
+<p:sld xmlns:a="http://schemas.openxmlformats.org/drawingml/2006/main" xmlns:r="http://schemas.openxmlformats.org/officeDocument/2006/relationships" xmlns:p="http://schemas.openxmlformats.org/presentationml/2006/main">
+  <p:cSld>
+    <p:spTree>
+      <p:nvGrpSpPr>
+        <p:cNvPr id="1" name="">
+          <a:extLst>
+            <a:ext uri="{FF2B5EF4-FFF2-40B4-BE49-F238E27FC236}">
+              <a16:creationId xmlns:a16="http://schemas.microsoft.com/office/drawing/2014/main" id="{FAC15293-D994-E0FE-7A84-D3A461A4DF37}"/>
+            </a:ext>
+          </a:extLst>
+        </p:cNvPr>
+        <p:cNvGrpSpPr/>
+        <p:nvPr/>
+      </p:nvGrpSpPr>
+      <p:grpSpPr>
+        <a:xfrm>
+          <a:off x="0" y="0"/>
+          <a:ext cx="0" cy="0"/>
+          <a:chOff x="0" y="0"/>
+          <a:chExt cx="0" cy="0"/>
+        </a:xfrm>
+      </p:grpSpPr>
+      <p:pic>
+        <p:nvPicPr>
+          <p:cNvPr id="8" name="图片 7">
+            <a:extLst>
+              <a:ext uri="{FF2B5EF4-FFF2-40B4-BE49-F238E27FC236}">
+                <a16:creationId xmlns:a16="http://schemas.microsoft.com/office/drawing/2014/main" id="{18C9C578-7608-B4AD-F00A-9877577E4406}"/>
+              </a:ext>
+            </a:extLst>
+          </p:cNvPr>
+          <p:cNvPicPr>
+            <a:picLocks noChangeAspect="1"/>
+          </p:cNvPicPr>
+          <p:nvPr/>
+        </p:nvPicPr>
+        <p:blipFill>
+          <a:blip r:embed="rId2"/>
+          <a:stretch>
+            <a:fillRect/>
+          </a:stretch>
+        </p:blipFill>
+        <p:spPr>
+          <a:xfrm>
+            <a:off x="1227508" y="1326900"/>
+            <a:ext cx="3551670" cy="5304383"/>
+          </a:xfrm>
+          <a:prstGeom prst="rect">
+            <a:avLst/>
+          </a:prstGeom>
+        </p:spPr>
+      </p:pic>
+      <p:sp>
+        <p:nvSpPr>
+          <p:cNvPr id="5" name="矩形 4">
+            <a:extLst>
+              <a:ext uri="{FF2B5EF4-FFF2-40B4-BE49-F238E27FC236}">
+                <a16:creationId xmlns:a16="http://schemas.microsoft.com/office/drawing/2014/main" id="{868FA1C5-5754-22CE-B9C6-F6D82540ECB8}"/>
+              </a:ext>
+            </a:extLst>
+          </p:cNvPr>
+          <p:cNvSpPr/>
+          <p:nvPr/>
+        </p:nvSpPr>
+        <p:spPr>
+          <a:xfrm>
+            <a:off x="0" y="343632"/>
+            <a:ext cx="1244600" cy="426835"/>
+          </a:xfrm>
+          <a:prstGeom prst="rect">
+            <a:avLst/>
+          </a:prstGeom>
+          <a:solidFill>
+            <a:schemeClr val="accent1">
+              <a:lumMod val="50000"/>
+            </a:schemeClr>
+          </a:solidFill>
+        </p:spPr>
+        <p:style>
+          <a:lnRef idx="2">
+            <a:schemeClr val="accent1">
+              <a:shade val="15000"/>
+            </a:schemeClr>
+          </a:lnRef>
+          <a:fillRef idx="1">
+            <a:schemeClr val="accent1"/>
+          </a:fillRef>
+          <a:effectRef idx="0">
+            <a:schemeClr val="accent1"/>
+          </a:effectRef>
+          <a:fontRef idx="minor">
+            <a:schemeClr val="lt1"/>
+          </a:fontRef>
+        </p:style>
+        <p:txBody>
+          <a:bodyPr rtlCol="0" anchor="ctr"/>
+          <a:lstStyle/>
+          <a:p>
+            <a:pPr algn="ctr"/>
+            <a:endParaRPr lang="zh-CN" altLang="en-US"/>
+          </a:p>
+        </p:txBody>
+      </p:sp>
+      <p:sp>
+        <p:nvSpPr>
+          <p:cNvPr id="6" name="文本框 5">
+            <a:extLst>
+              <a:ext uri="{FF2B5EF4-FFF2-40B4-BE49-F238E27FC236}">
+                <a16:creationId xmlns:a16="http://schemas.microsoft.com/office/drawing/2014/main" id="{36B22099-17F0-5150-D505-D0F22F82BCE3}"/>
+              </a:ext>
+            </a:extLst>
+          </p:cNvPr>
+          <p:cNvSpPr txBox="1"/>
+          <p:nvPr/>
+        </p:nvSpPr>
+        <p:spPr>
+          <a:xfrm>
+            <a:off x="69850" y="370357"/>
+            <a:ext cx="1104900" cy="400110"/>
+          </a:xfrm>
+          <a:prstGeom prst="rect">
+            <a:avLst/>
+          </a:prstGeom>
+          <a:noFill/>
+        </p:spPr>
+        <p:txBody>
+          <a:bodyPr wrap="square" rtlCol="0">
+            <a:spAutoFit/>
+          </a:bodyPr>
+          <a:lstStyle/>
+          <a:p>
+            <a:r>
+              <a:rPr lang="en-US" altLang="zh-CN" sz="2000" dirty="0">
+                <a:solidFill>
+                  <a:schemeClr val="bg1">
+                    <a:lumMod val="95000"/>
+                  </a:schemeClr>
+                </a:solidFill>
+                <a:latin typeface="思源黑体 CN Bold" panose="020B0800000000000000" pitchFamily="34" charset="-122"/>
+                <a:ea typeface="思源黑体 CN Bold" panose="020B0800000000000000" pitchFamily="34" charset="-122"/>
+              </a:rPr>
+              <a:t>PART 2</a:t>
+            </a:r>
+            <a:endParaRPr lang="zh-CN" altLang="en-US" sz="2000" dirty="0">
+              <a:solidFill>
+                <a:schemeClr val="bg1">
+                  <a:lumMod val="95000"/>
+                </a:schemeClr>
+              </a:solidFill>
+              <a:latin typeface="思源黑体 CN Bold" panose="020B0800000000000000" pitchFamily="34" charset="-122"/>
+              <a:ea typeface="思源黑体 CN Bold" panose="020B0800000000000000" pitchFamily="34" charset="-122"/>
+            </a:endParaRPr>
+          </a:p>
+        </p:txBody>
+      </p:sp>
+      <p:sp>
+        <p:nvSpPr>
+          <p:cNvPr id="2" name="文本框 12">
+            <a:extLst>
+              <a:ext uri="{FF2B5EF4-FFF2-40B4-BE49-F238E27FC236}">
+                <a16:creationId xmlns:a16="http://schemas.microsoft.com/office/drawing/2014/main" id="{2A9FE371-3884-FFC1-D3D4-235361CBE7E9}"/>
+              </a:ext>
+            </a:extLst>
+          </p:cNvPr>
+          <p:cNvSpPr txBox="1"/>
+          <p:nvPr/>
+        </p:nvSpPr>
+        <p:spPr>
+          <a:xfrm>
+            <a:off x="1314449" y="226717"/>
+            <a:ext cx="9495065" cy="584775"/>
+          </a:xfrm>
+          <a:prstGeom prst="rect">
+            <a:avLst/>
+          </a:prstGeom>
+          <a:noFill/>
+        </p:spPr>
+        <p:txBody>
+          <a:bodyPr wrap="square" rtlCol="0">
+            <a:spAutoFit/>
+          </a:bodyPr>
+          <a:lstStyle>
+            <a:defPPr>
+              <a:defRPr lang="zh-CN"/>
+            </a:defPPr>
+            <a:lvl1pPr marL="0" algn="l" defTabSz="914400" rtl="0" eaLnBrk="1" latinLnBrk="0" hangingPunct="1">
+              <a:defRPr sz="1800" kern="1200">
+                <a:solidFill>
+                  <a:schemeClr val="tx1"/>
+                </a:solidFill>
+                <a:latin typeface="+mn-lt"/>
+                <a:ea typeface="+mn-ea"/>
+                <a:cs typeface="+mn-cs"/>
+              </a:defRPr>
+            </a:lvl1pPr>
+            <a:lvl2pPr marL="457200" algn="l" defTabSz="914400" rtl="0" eaLnBrk="1" latinLnBrk="0" hangingPunct="1">
+              <a:defRPr sz="1800" kern="1200">
+                <a:solidFill>
+                  <a:schemeClr val="tx1"/>
+                </a:solidFill>
+                <a:latin typeface="+mn-lt"/>
+                <a:ea typeface="+mn-ea"/>
+                <a:cs typeface="+mn-cs"/>
+              </a:defRPr>
+            </a:lvl2pPr>
+            <a:lvl3pPr marL="914400" algn="l" defTabSz="914400" rtl="0" eaLnBrk="1" latinLnBrk="0" hangingPunct="1">
+              <a:defRPr sz="1800" kern="1200">
+                <a:solidFill>
+                  <a:schemeClr val="tx1"/>
+                </a:solidFill>
+                <a:latin typeface="+mn-lt"/>
+                <a:ea typeface="+mn-ea"/>
+                <a:cs typeface="+mn-cs"/>
+              </a:defRPr>
+            </a:lvl3pPr>
+            <a:lvl4pPr marL="1371600" algn="l" defTabSz="914400" rtl="0" eaLnBrk="1" latinLnBrk="0" hangingPunct="1">
+              <a:defRPr sz="1800" kern="1200">
+                <a:solidFill>
+                  <a:schemeClr val="tx1"/>
+                </a:solidFill>
+                <a:latin typeface="+mn-lt"/>
+                <a:ea typeface="+mn-ea"/>
+                <a:cs typeface="+mn-cs"/>
+              </a:defRPr>
+            </a:lvl4pPr>
+            <a:lvl5pPr marL="1828800" algn="l" defTabSz="914400" rtl="0" eaLnBrk="1" latinLnBrk="0" hangingPunct="1">
+              <a:defRPr sz="1800" kern="1200">
+                <a:solidFill>
+                  <a:schemeClr val="tx1"/>
+                </a:solidFill>
+                <a:latin typeface="+mn-lt"/>
+                <a:ea typeface="+mn-ea"/>
+                <a:cs typeface="+mn-cs"/>
+              </a:defRPr>
+            </a:lvl5pPr>
+            <a:lvl6pPr marL="2286000" algn="l" defTabSz="914400" rtl="0" eaLnBrk="1" latinLnBrk="0" hangingPunct="1">
+              <a:defRPr sz="1800" kern="1200">
+                <a:solidFill>
+                  <a:schemeClr val="tx1"/>
+                </a:solidFill>
+                <a:latin typeface="+mn-lt"/>
+                <a:ea typeface="+mn-ea"/>
+                <a:cs typeface="+mn-cs"/>
+              </a:defRPr>
+            </a:lvl6pPr>
+            <a:lvl7pPr marL="2743200" algn="l" defTabSz="914400" rtl="0" eaLnBrk="1" latinLnBrk="0" hangingPunct="1">
+              <a:defRPr sz="1800" kern="1200">
+                <a:solidFill>
+                  <a:schemeClr val="tx1"/>
+                </a:solidFill>
+                <a:latin typeface="+mn-lt"/>
+                <a:ea typeface="+mn-ea"/>
+                <a:cs typeface="+mn-cs"/>
+              </a:defRPr>
+            </a:lvl7pPr>
+            <a:lvl8pPr marL="3200400" algn="l" defTabSz="914400" rtl="0" eaLnBrk="1" latinLnBrk="0" hangingPunct="1">
+              <a:defRPr sz="1800" kern="1200">
+                <a:solidFill>
+                  <a:schemeClr val="tx1"/>
+                </a:solidFill>
+                <a:latin typeface="+mn-lt"/>
+                <a:ea typeface="+mn-ea"/>
+                <a:cs typeface="+mn-cs"/>
+              </a:defRPr>
+            </a:lvl8pPr>
+            <a:lvl9pPr marL="3657600" algn="l" defTabSz="914400" rtl="0" eaLnBrk="1" latinLnBrk="0" hangingPunct="1">
+              <a:defRPr sz="1800" kern="1200">
+                <a:solidFill>
+                  <a:schemeClr val="tx1"/>
+                </a:solidFill>
+                <a:latin typeface="+mn-lt"/>
+                <a:ea typeface="+mn-ea"/>
+                <a:cs typeface="+mn-cs"/>
+              </a:defRPr>
+            </a:lvl9pPr>
+          </a:lstStyle>
+          <a:p>
+            <a:r>
+              <a:rPr lang="en-US" altLang="zh-CN" sz="3200" dirty="0">
+                <a:solidFill>
+                  <a:srgbClr val="425166"/>
+                </a:solidFill>
+                <a:latin typeface="Times New Roman" panose="02020603050405020304" pitchFamily="18" charset="0"/>
+                <a:ea typeface="思源黑体 CN Normal" panose="020B0400000000000000" pitchFamily="34" charset="-122"/>
+                <a:cs typeface="Times New Roman" panose="02020603050405020304" pitchFamily="18" charset="0"/>
+                <a:sym typeface="思源黑体 CN Normal" panose="020B0400000000000000" pitchFamily="34" charset="-122"/>
+              </a:rPr>
+              <a:t>Design Patterns in Refactoring ——</a:t>
+            </a:r>
+            <a:r>
+              <a:rPr lang="en-US" altLang="zh-CN" sz="3200" dirty="0">
+                <a:solidFill>
+                  <a:srgbClr val="425166"/>
+                </a:solidFill>
+                <a:latin typeface="Times New Roman" panose="02020603050405020304" pitchFamily="18" charset="0"/>
+                <a:ea typeface="思源黑体 CN Normal" panose="020B0400000000000000" pitchFamily="34" charset="-122"/>
+                <a:cs typeface="Times New Roman" panose="02020603050405020304" pitchFamily="18" charset="0"/>
+              </a:rPr>
+              <a:t>Template Method</a:t>
+            </a:r>
+            <a:endParaRPr lang="en-US" altLang="zh-CN" sz="3200" dirty="0">
+              <a:solidFill>
+                <a:srgbClr val="425166"/>
+              </a:solidFill>
+              <a:latin typeface="Times New Roman" panose="02020603050405020304" pitchFamily="18" charset="0"/>
+              <a:ea typeface="思源黑体 CN Normal" panose="020B0400000000000000" pitchFamily="34" charset="-122"/>
+              <a:cs typeface="Times New Roman" panose="02020603050405020304" pitchFamily="18" charset="0"/>
+              <a:sym typeface="思源黑体 CN Normal" panose="020B0400000000000000" pitchFamily="34" charset="-122"/>
+            </a:endParaRPr>
+          </a:p>
+        </p:txBody>
+      </p:sp>
+      <p:sp>
+        <p:nvSpPr>
+          <p:cNvPr id="27" name="文本框 26">
+            <a:extLst>
+              <a:ext uri="{FF2B5EF4-FFF2-40B4-BE49-F238E27FC236}">
+                <a16:creationId xmlns:a16="http://schemas.microsoft.com/office/drawing/2014/main" id="{1B86BE1A-C5A0-3970-69C7-E1424C38C239}"/>
+              </a:ext>
+            </a:extLst>
+          </p:cNvPr>
+          <p:cNvSpPr txBox="1"/>
+          <p:nvPr/>
+        </p:nvSpPr>
+        <p:spPr>
+          <a:xfrm>
+            <a:off x="1244601" y="1000126"/>
+            <a:ext cx="3551670" cy="369332"/>
+          </a:xfrm>
+          <a:prstGeom prst="rect">
+            <a:avLst/>
+          </a:prstGeom>
+          <a:noFill/>
+        </p:spPr>
+        <p:txBody>
+          <a:bodyPr wrap="square">
+            <a:spAutoFit/>
+          </a:bodyPr>
+          <a:lstStyle/>
+          <a:p>
+            <a:pPr algn="ctr"/>
+            <a:r>
+              <a:rPr lang="en-US" altLang="zh-CN" dirty="0">
+                <a:latin typeface="Times New Roman" panose="02020603050405020304" pitchFamily="18" charset="0"/>
+                <a:cs typeface="Times New Roman" panose="02020603050405020304" pitchFamily="18" charset="0"/>
+              </a:rPr>
+              <a:t>Class diagram of Template Method</a:t>
+            </a:r>
+            <a:endParaRPr lang="zh-CN" altLang="en-US" dirty="0">
+              <a:latin typeface="Times New Roman" panose="02020603050405020304" pitchFamily="18" charset="0"/>
+              <a:cs typeface="Times New Roman" panose="02020603050405020304" pitchFamily="18" charset="0"/>
+            </a:endParaRPr>
+          </a:p>
+        </p:txBody>
+      </p:sp>
+      <p:sp>
+        <p:nvSpPr>
+          <p:cNvPr id="9" name="椭圆 8">
+            <a:extLst>
+              <a:ext uri="{FF2B5EF4-FFF2-40B4-BE49-F238E27FC236}">
+                <a16:creationId xmlns:a16="http://schemas.microsoft.com/office/drawing/2014/main" id="{47ED3D27-00F9-4BCD-B9F0-301E5F7E6E5B}"/>
+              </a:ext>
+            </a:extLst>
+          </p:cNvPr>
+          <p:cNvSpPr/>
+          <p:nvPr/>
+        </p:nvSpPr>
+        <p:spPr>
+          <a:xfrm>
+            <a:off x="4239300" y="1902926"/>
+            <a:ext cx="1045968" cy="2664259"/>
+          </a:xfrm>
+          <a:prstGeom prst="ellipse">
+            <a:avLst/>
+          </a:prstGeom>
+          <a:solidFill>
+            <a:schemeClr val="bg1"/>
+          </a:solidFill>
+          <a:ln>
+            <a:noFill/>
+          </a:ln>
+        </p:spPr>
+        <p:style>
+          <a:lnRef idx="2">
+            <a:schemeClr val="accent1">
+              <a:shade val="15000"/>
+            </a:schemeClr>
+          </a:lnRef>
+          <a:fillRef idx="1">
+            <a:schemeClr val="accent1"/>
+          </a:fillRef>
+          <a:effectRef idx="0">
+            <a:schemeClr val="accent1"/>
+          </a:effectRef>
+          <a:fontRef idx="minor">
+            <a:schemeClr val="lt1"/>
+          </a:fontRef>
+        </p:style>
+        <p:txBody>
+          <a:bodyPr rtlCol="0" anchor="ctr"/>
+          <a:lstStyle/>
+          <a:p>
+            <a:pPr algn="ctr"/>
+            <a:endParaRPr lang="zh-CN" altLang="en-US"/>
+          </a:p>
+        </p:txBody>
+      </p:sp>
+      <p:sp>
+        <p:nvSpPr>
+          <p:cNvPr id="3" name="文本框 2">
+            <a:extLst>
+              <a:ext uri="{FF2B5EF4-FFF2-40B4-BE49-F238E27FC236}">
+                <a16:creationId xmlns:a16="http://schemas.microsoft.com/office/drawing/2014/main" id="{80CA8D82-7695-7805-1FA7-1088E6F2529A}"/>
+              </a:ext>
+            </a:extLst>
+          </p:cNvPr>
+          <p:cNvSpPr txBox="1"/>
+          <p:nvPr/>
+        </p:nvSpPr>
+        <p:spPr>
+          <a:xfrm>
+            <a:off x="3618396" y="2160668"/>
+            <a:ext cx="3288338" cy="2246769"/>
+          </a:xfrm>
+          <a:prstGeom prst="rect">
+            <a:avLst/>
+          </a:prstGeom>
+          <a:noFill/>
+        </p:spPr>
+        <p:txBody>
+          <a:bodyPr wrap="square">
+            <a:spAutoFit/>
+          </a:bodyPr>
+          <a:lstStyle/>
+          <a:p>
+            <a:pPr>
+              <a:lnSpc>
+                <a:spcPts val="1425"/>
+              </a:lnSpc>
+            </a:pPr>
+            <a:r>
+              <a:rPr lang="en-US" altLang="zh-CN" sz="1400" b="0" dirty="0">
+                <a:solidFill>
+                  <a:schemeClr val="accent1"/>
+                </a:solidFill>
+                <a:effectLst/>
+                <a:latin typeface="Times New Roman" panose="02020603050405020304" pitchFamily="18" charset="0"/>
+                <a:cs typeface="Times New Roman" panose="02020603050405020304" pitchFamily="18" charset="0"/>
+              </a:rPr>
+              <a:t>// Initialize money and HP</a:t>
+            </a:r>
+          </a:p>
+          <a:p>
+            <a:pPr>
+              <a:lnSpc>
+                <a:spcPts val="1425"/>
+              </a:lnSpc>
+            </a:pPr>
+            <a:r>
+              <a:rPr lang="en-US" altLang="zh-CN" sz="1400" b="0" dirty="0">
+                <a:effectLst/>
+                <a:latin typeface="Times New Roman" panose="02020603050405020304" pitchFamily="18" charset="0"/>
+                <a:cs typeface="Times New Roman" panose="02020603050405020304" pitchFamily="18" charset="0"/>
+              </a:rPr>
+              <a:t>// Initialize empty blocks  </a:t>
+            </a:r>
+          </a:p>
+          <a:p>
+            <a:pPr>
+              <a:lnSpc>
+                <a:spcPts val="1425"/>
+              </a:lnSpc>
+            </a:pPr>
+            <a:r>
+              <a:rPr lang="en-US" altLang="zh-CN" sz="1400" b="0" dirty="0">
+                <a:effectLst/>
+                <a:latin typeface="Times New Roman" panose="02020603050405020304" pitchFamily="18" charset="0"/>
+                <a:cs typeface="Times New Roman" panose="02020603050405020304" pitchFamily="18" charset="0"/>
+              </a:rPr>
+              <a:t>// Initialize the background layer       </a:t>
+            </a:r>
+          </a:p>
+          <a:p>
+            <a:pPr>
+              <a:lnSpc>
+                <a:spcPts val="1425"/>
+              </a:lnSpc>
+            </a:pPr>
+            <a:r>
+              <a:rPr lang="en-US" altLang="zh-CN" sz="1400" b="0" dirty="0">
+                <a:solidFill>
+                  <a:schemeClr val="accent1"/>
+                </a:solidFill>
+                <a:effectLst/>
+                <a:latin typeface="Times New Roman" panose="02020603050405020304" pitchFamily="18" charset="0"/>
+                <a:cs typeface="Times New Roman" panose="02020603050405020304" pitchFamily="18" charset="0"/>
+              </a:rPr>
+              <a:t>// Initialize enemy spawn point positions</a:t>
+            </a:r>
+          </a:p>
+          <a:p>
+            <a:pPr>
+              <a:lnSpc>
+                <a:spcPts val="1425"/>
+              </a:lnSpc>
+            </a:pPr>
+            <a:r>
+              <a:rPr lang="en-US" altLang="zh-CN" sz="1400" b="0" dirty="0">
+                <a:effectLst/>
+                <a:latin typeface="Times New Roman" panose="02020603050405020304" pitchFamily="18" charset="0"/>
+                <a:cs typeface="Times New Roman" panose="02020603050405020304" pitchFamily="18" charset="0"/>
+              </a:rPr>
+              <a:t>// Initialize spawn point blocks            </a:t>
+            </a:r>
+          </a:p>
+          <a:p>
+            <a:pPr>
+              <a:lnSpc>
+                <a:spcPts val="1425"/>
+              </a:lnSpc>
+            </a:pPr>
+            <a:r>
+              <a:rPr lang="en-US" altLang="zh-CN" sz="1400" b="0" dirty="0">
+                <a:solidFill>
+                  <a:schemeClr val="accent1"/>
+                </a:solidFill>
+                <a:effectLst/>
+                <a:latin typeface="Times New Roman" panose="02020603050405020304" pitchFamily="18" charset="0"/>
+                <a:cs typeface="Times New Roman" panose="02020603050405020304" pitchFamily="18" charset="0"/>
+              </a:rPr>
+              <a:t>// Set the enemy movement path</a:t>
+            </a:r>
+          </a:p>
+          <a:p>
+            <a:pPr>
+              <a:lnSpc>
+                <a:spcPts val="1425"/>
+              </a:lnSpc>
+            </a:pPr>
+            <a:r>
+              <a:rPr lang="en-US" altLang="zh-CN" sz="1400" b="0" dirty="0">
+                <a:effectLst/>
+                <a:latin typeface="Times New Roman" panose="02020603050405020304" pitchFamily="18" charset="0"/>
+                <a:cs typeface="Times New Roman" panose="02020603050405020304" pitchFamily="18" charset="0"/>
+              </a:rPr>
+              <a:t>// Add the carrot layer                                 </a:t>
+            </a:r>
+          </a:p>
+          <a:p>
+            <a:pPr>
+              <a:lnSpc>
+                <a:spcPts val="1425"/>
+              </a:lnSpc>
+            </a:pPr>
+            <a:r>
+              <a:rPr lang="en-US" altLang="zh-CN" sz="1400" b="0" dirty="0">
+                <a:effectLst/>
+                <a:latin typeface="Times New Roman" panose="02020603050405020304" pitchFamily="18" charset="0"/>
+                <a:cs typeface="Times New Roman" panose="02020603050405020304" pitchFamily="18" charset="0"/>
+              </a:rPr>
+              <a:t>// Initialize the UI interface                          </a:t>
+            </a:r>
+          </a:p>
+          <a:p>
+            <a:pPr>
+              <a:lnSpc>
+                <a:spcPts val="1425"/>
+              </a:lnSpc>
+            </a:pPr>
+            <a:r>
+              <a:rPr lang="en-US" altLang="zh-CN" sz="1400" b="0" dirty="0">
+                <a:effectLst/>
+                <a:latin typeface="Times New Roman" panose="02020603050405020304" pitchFamily="18" charset="0"/>
+                <a:cs typeface="Times New Roman" panose="02020603050405020304" pitchFamily="18" charset="0"/>
+              </a:rPr>
+              <a:t>// Initialize the per-frame update logic       </a:t>
+            </a:r>
+          </a:p>
+          <a:p>
+            <a:pPr>
+              <a:lnSpc>
+                <a:spcPts val="1425"/>
+              </a:lnSpc>
+            </a:pPr>
+            <a:r>
+              <a:rPr lang="en-US" altLang="zh-CN" sz="1400" b="0" dirty="0">
+                <a:solidFill>
+                  <a:schemeClr val="accent1"/>
+                </a:solidFill>
+                <a:effectLst/>
+                <a:latin typeface="Times New Roman" panose="02020603050405020304" pitchFamily="18" charset="0"/>
+                <a:cs typeface="Times New Roman" panose="02020603050405020304" pitchFamily="18" charset="0"/>
+              </a:rPr>
+              <a:t>// Initialize wave information</a:t>
+            </a:r>
+          </a:p>
+          <a:p>
+            <a:pPr>
+              <a:lnSpc>
+                <a:spcPts val="1425"/>
+              </a:lnSpc>
+            </a:pPr>
+            <a:r>
+              <a:rPr lang="en-US" altLang="zh-CN" sz="1400" b="0" dirty="0">
+                <a:effectLst/>
+                <a:latin typeface="Times New Roman" panose="02020603050405020304" pitchFamily="18" charset="0"/>
+                <a:cs typeface="Times New Roman" panose="02020603050405020304" pitchFamily="18" charset="0"/>
+              </a:rPr>
+              <a:t>// Set up the specific wave details               </a:t>
+            </a:r>
+          </a:p>
+          <a:p>
+            <a:pPr>
+              <a:lnSpc>
+                <a:spcPts val="1425"/>
+              </a:lnSpc>
+            </a:pPr>
+            <a:r>
+              <a:rPr lang="en-US" altLang="zh-CN" sz="1400" b="0" dirty="0">
+                <a:effectLst/>
+                <a:latin typeface="Times New Roman" panose="02020603050405020304" pitchFamily="18" charset="0"/>
+                <a:cs typeface="Times New Roman" panose="02020603050405020304" pitchFamily="18" charset="0"/>
+              </a:rPr>
+              <a:t>// Start spawning the first wave of enemies</a:t>
+            </a:r>
+          </a:p>
+        </p:txBody>
+      </p:sp>
+      <p:sp>
+        <p:nvSpPr>
+          <p:cNvPr id="11" name="文本框 10">
+            <a:extLst>
+              <a:ext uri="{FF2B5EF4-FFF2-40B4-BE49-F238E27FC236}">
+                <a16:creationId xmlns:a16="http://schemas.microsoft.com/office/drawing/2014/main" id="{7183C368-5216-2759-88DA-6A16AFD37850}"/>
+              </a:ext>
+            </a:extLst>
+          </p:cNvPr>
+          <p:cNvSpPr txBox="1"/>
+          <p:nvPr/>
+        </p:nvSpPr>
+        <p:spPr>
+          <a:xfrm>
+            <a:off x="6633581" y="691508"/>
+            <a:ext cx="1434348" cy="461665"/>
+          </a:xfrm>
+          <a:prstGeom prst="rect">
+            <a:avLst/>
+          </a:prstGeom>
+          <a:noFill/>
+        </p:spPr>
+        <p:txBody>
+          <a:bodyPr wrap="square">
+            <a:spAutoFit/>
+          </a:bodyPr>
+          <a:lstStyle/>
+          <a:p>
+            <a:pPr algn="ctr"/>
+            <a:r>
+              <a:rPr lang="en-US" altLang="zh-CN" sz="2400" dirty="0">
+                <a:latin typeface="Times New Roman" panose="02020603050405020304" pitchFamily="18" charset="0"/>
+                <a:cs typeface="Times New Roman" panose="02020603050405020304" pitchFamily="18" charset="0"/>
+              </a:rPr>
+              <a:t>Reasons :</a:t>
+            </a:r>
+            <a:endParaRPr lang="zh-CN" altLang="en-US" sz="2400" dirty="0">
+              <a:latin typeface="Times New Roman" panose="02020603050405020304" pitchFamily="18" charset="0"/>
+              <a:cs typeface="Times New Roman" panose="02020603050405020304" pitchFamily="18" charset="0"/>
+            </a:endParaRPr>
+          </a:p>
+        </p:txBody>
+      </p:sp>
+      <p:sp>
+        <p:nvSpPr>
+          <p:cNvPr id="18" name="文本框 17">
+            <a:extLst>
+              <a:ext uri="{FF2B5EF4-FFF2-40B4-BE49-F238E27FC236}">
+                <a16:creationId xmlns:a16="http://schemas.microsoft.com/office/drawing/2014/main" id="{04EC9A80-E551-84C3-3E6F-DB0647EC6BC1}"/>
+              </a:ext>
+            </a:extLst>
+          </p:cNvPr>
+          <p:cNvSpPr txBox="1"/>
+          <p:nvPr/>
+        </p:nvSpPr>
+        <p:spPr>
+          <a:xfrm>
+            <a:off x="6913993" y="1107006"/>
+            <a:ext cx="5113555" cy="2948884"/>
+          </a:xfrm>
+          <a:prstGeom prst="rect">
+            <a:avLst/>
+          </a:prstGeom>
+          <a:noFill/>
+        </p:spPr>
+        <p:txBody>
+          <a:bodyPr wrap="square">
+            <a:spAutoFit/>
+          </a:bodyPr>
+          <a:lstStyle/>
+          <a:p>
+            <a:pPr>
+              <a:lnSpc>
+                <a:spcPct val="125000"/>
+              </a:lnSpc>
+            </a:pPr>
+            <a:r>
+              <a:rPr lang="en-US" altLang="zh-CN" dirty="0">
+                <a:solidFill>
+                  <a:srgbClr val="FF0000"/>
+                </a:solidFill>
+                <a:latin typeface="Times New Roman" panose="02020603050405020304" pitchFamily="18" charset="0"/>
+                <a:cs typeface="Times New Roman" panose="02020603050405020304" pitchFamily="18" charset="0"/>
+              </a:rPr>
+              <a:t>Reduce Code Duplication. </a:t>
+            </a:r>
+            <a:r>
+              <a:rPr lang="en-US" altLang="zh-CN" sz="1600" dirty="0">
+                <a:latin typeface="Times New Roman" panose="02020603050405020304" pitchFamily="18" charset="0"/>
+                <a:cs typeface="Times New Roman" panose="02020603050405020304" pitchFamily="18" charset="0"/>
+              </a:rPr>
+              <a:t>Common logic like </a:t>
+            </a:r>
+            <a:r>
+              <a:rPr lang="en-US" altLang="zh-CN" sz="1600" dirty="0" err="1">
+                <a:latin typeface="Times New Roman" panose="02020603050405020304" pitchFamily="18" charset="0"/>
+                <a:cs typeface="Times New Roman" panose="02020603050405020304" pitchFamily="18" charset="0"/>
+              </a:rPr>
+              <a:t>backgroundInit</a:t>
+            </a:r>
+            <a:r>
+              <a:rPr lang="en-US" altLang="zh-CN" sz="1600" dirty="0">
+                <a:latin typeface="Times New Roman" panose="02020603050405020304" pitchFamily="18" charset="0"/>
+                <a:cs typeface="Times New Roman" panose="02020603050405020304" pitchFamily="18" charset="0"/>
+              </a:rPr>
+              <a:t>() and </a:t>
+            </a:r>
+            <a:r>
+              <a:rPr lang="en-US" altLang="zh-CN" sz="1600" dirty="0" err="1">
+                <a:latin typeface="Times New Roman" panose="02020603050405020304" pitchFamily="18" charset="0"/>
+                <a:cs typeface="Times New Roman" panose="02020603050405020304" pitchFamily="18" charset="0"/>
+              </a:rPr>
+              <a:t>uiInit</a:t>
+            </a:r>
+            <a:r>
+              <a:rPr lang="en-US" altLang="zh-CN" sz="1600" dirty="0">
+                <a:latin typeface="Times New Roman" panose="02020603050405020304" pitchFamily="18" charset="0"/>
+                <a:cs typeface="Times New Roman" panose="02020603050405020304" pitchFamily="18" charset="0"/>
+              </a:rPr>
+              <a:t>() can be centralized in the parent class, avoiding repetitive code in subclasses.</a:t>
+            </a:r>
+          </a:p>
+          <a:p>
+            <a:pPr>
+              <a:lnSpc>
+                <a:spcPct val="125000"/>
+              </a:lnSpc>
+            </a:pPr>
+            <a:r>
+              <a:rPr lang="en-US" altLang="zh-CN" dirty="0">
+                <a:solidFill>
+                  <a:srgbClr val="FF0000"/>
+                </a:solidFill>
+                <a:latin typeface="Times New Roman" panose="02020603050405020304" pitchFamily="18" charset="0"/>
+                <a:cs typeface="Times New Roman" panose="02020603050405020304" pitchFamily="18" charset="0"/>
+              </a:rPr>
+              <a:t>Improve Maintainability. </a:t>
+            </a:r>
+            <a:r>
+              <a:rPr lang="en-US" altLang="zh-CN" sz="1600" dirty="0">
+                <a:latin typeface="Times New Roman" panose="02020603050405020304" pitchFamily="18" charset="0"/>
+                <a:cs typeface="Times New Roman" panose="02020603050405020304" pitchFamily="18" charset="0"/>
+              </a:rPr>
+              <a:t>Changes to shared logic only need to be made in the parent class, reducing errors and effort.</a:t>
+            </a:r>
+          </a:p>
+          <a:p>
+            <a:pPr>
+              <a:lnSpc>
+                <a:spcPct val="125000"/>
+              </a:lnSpc>
+            </a:pPr>
+            <a:r>
+              <a:rPr lang="en-US" altLang="zh-CN" dirty="0">
+                <a:solidFill>
+                  <a:srgbClr val="FF0000"/>
+                </a:solidFill>
+                <a:latin typeface="Times New Roman" panose="02020603050405020304" pitchFamily="18" charset="0"/>
+                <a:cs typeface="Times New Roman" panose="02020603050405020304" pitchFamily="18" charset="0"/>
+              </a:rPr>
+              <a:t>Enhance Code Extensibility. </a:t>
+            </a:r>
+            <a:r>
+              <a:rPr lang="en-US" altLang="zh-CN" sz="1600" dirty="0">
+                <a:latin typeface="Times New Roman" panose="02020603050405020304" pitchFamily="18" charset="0"/>
+                <a:cs typeface="Times New Roman" panose="02020603050405020304" pitchFamily="18" charset="0"/>
+              </a:rPr>
+              <a:t>Adding new levels only requires overriding specific methods without redesigning the entire process.</a:t>
+            </a:r>
+            <a:endParaRPr lang="zh-CN" altLang="en-US" sz="1600" dirty="0">
+              <a:latin typeface="Times New Roman" panose="02020603050405020304" pitchFamily="18" charset="0"/>
+              <a:cs typeface="Times New Roman" panose="02020603050405020304" pitchFamily="18" charset="0"/>
+            </a:endParaRPr>
+          </a:p>
+        </p:txBody>
+      </p:sp>
+      <p:sp>
+        <p:nvSpPr>
+          <p:cNvPr id="23" name="文本框 22">
+            <a:extLst>
+              <a:ext uri="{FF2B5EF4-FFF2-40B4-BE49-F238E27FC236}">
+                <a16:creationId xmlns:a16="http://schemas.microsoft.com/office/drawing/2014/main" id="{B0034E93-4484-D819-1344-601E30B0E28E}"/>
+              </a:ext>
+            </a:extLst>
+          </p:cNvPr>
+          <p:cNvSpPr txBox="1"/>
+          <p:nvPr/>
+        </p:nvSpPr>
+        <p:spPr>
+          <a:xfrm>
+            <a:off x="6757247" y="3940290"/>
+            <a:ext cx="1353941" cy="461665"/>
+          </a:xfrm>
+          <a:prstGeom prst="rect">
+            <a:avLst/>
+          </a:prstGeom>
+          <a:noFill/>
+        </p:spPr>
+        <p:txBody>
+          <a:bodyPr wrap="square">
+            <a:spAutoFit/>
+          </a:bodyPr>
+          <a:lstStyle/>
+          <a:p>
+            <a:pPr algn="ctr"/>
+            <a:r>
+              <a:rPr lang="en-US" altLang="zh-CN" sz="2400" dirty="0">
+                <a:latin typeface="Times New Roman" panose="02020603050405020304" pitchFamily="18" charset="0"/>
+                <a:cs typeface="Times New Roman" panose="02020603050405020304" pitchFamily="18" charset="0"/>
+              </a:rPr>
+              <a:t>Benefits :</a:t>
+            </a:r>
+            <a:endParaRPr lang="zh-CN" altLang="en-US" sz="2400" dirty="0">
+              <a:latin typeface="Times New Roman" panose="02020603050405020304" pitchFamily="18" charset="0"/>
+              <a:cs typeface="Times New Roman" panose="02020603050405020304" pitchFamily="18" charset="0"/>
+            </a:endParaRPr>
+          </a:p>
+        </p:txBody>
+      </p:sp>
+      <p:sp>
+        <p:nvSpPr>
+          <p:cNvPr id="30" name="文本框 29">
+            <a:extLst>
+              <a:ext uri="{FF2B5EF4-FFF2-40B4-BE49-F238E27FC236}">
+                <a16:creationId xmlns:a16="http://schemas.microsoft.com/office/drawing/2014/main" id="{CF4F81C9-5EDC-7FAD-D350-975A1AE052F1}"/>
+              </a:ext>
+            </a:extLst>
+          </p:cNvPr>
+          <p:cNvSpPr txBox="1"/>
+          <p:nvPr/>
+        </p:nvSpPr>
+        <p:spPr>
+          <a:xfrm>
+            <a:off x="6949993" y="4350308"/>
+            <a:ext cx="4998298" cy="2025555"/>
+          </a:xfrm>
+          <a:prstGeom prst="rect">
+            <a:avLst/>
+          </a:prstGeom>
+          <a:noFill/>
+        </p:spPr>
+        <p:txBody>
+          <a:bodyPr wrap="square">
+            <a:spAutoFit/>
+          </a:bodyPr>
+          <a:lstStyle/>
+          <a:p>
+            <a:pPr>
+              <a:lnSpc>
+                <a:spcPct val="125000"/>
+              </a:lnSpc>
+            </a:pPr>
+            <a:r>
+              <a:rPr lang="en-US" altLang="zh-CN" dirty="0">
+                <a:solidFill>
+                  <a:srgbClr val="FF0000"/>
+                </a:solidFill>
+                <a:latin typeface="Times New Roman" panose="02020603050405020304" pitchFamily="18" charset="0"/>
+                <a:cs typeface="Times New Roman" panose="02020603050405020304" pitchFamily="18" charset="0"/>
+              </a:rPr>
+              <a:t>Higher Reusability. </a:t>
+            </a:r>
+            <a:r>
+              <a:rPr lang="en-US" altLang="zh-CN" sz="1600" dirty="0">
+                <a:latin typeface="Times New Roman" panose="02020603050405020304" pitchFamily="18" charset="0"/>
+                <a:cs typeface="Times New Roman" panose="02020603050405020304" pitchFamily="18" charset="0"/>
+              </a:rPr>
+              <a:t>Common logic is reused directly in subclasses, with only unique parts needing overrides.</a:t>
+            </a:r>
+          </a:p>
+          <a:p>
+            <a:pPr>
+              <a:lnSpc>
+                <a:spcPct val="125000"/>
+              </a:lnSpc>
+            </a:pPr>
+            <a:r>
+              <a:rPr lang="en-US" altLang="zh-CN" dirty="0">
+                <a:solidFill>
+                  <a:srgbClr val="FF0000"/>
+                </a:solidFill>
+                <a:latin typeface="Times New Roman" panose="02020603050405020304" pitchFamily="18" charset="0"/>
+                <a:cs typeface="Times New Roman" panose="02020603050405020304" pitchFamily="18" charset="0"/>
+              </a:rPr>
+              <a:t>Easier Feature Expansion. </a:t>
+            </a:r>
+            <a:r>
+              <a:rPr lang="en-US" altLang="zh-CN" sz="1600" dirty="0">
+                <a:latin typeface="Times New Roman" panose="02020603050405020304" pitchFamily="18" charset="0"/>
+                <a:cs typeface="Times New Roman" panose="02020603050405020304" pitchFamily="18" charset="0"/>
+              </a:rPr>
+              <a:t>Adding steps like </a:t>
+            </a:r>
+            <a:r>
+              <a:rPr lang="en-US" altLang="zh-CN" sz="1600" dirty="0" err="1">
+                <a:latin typeface="Times New Roman" panose="02020603050405020304" pitchFamily="18" charset="0"/>
+                <a:cs typeface="Times New Roman" panose="02020603050405020304" pitchFamily="18" charset="0"/>
+              </a:rPr>
+              <a:t>soundInit</a:t>
+            </a:r>
+            <a:r>
+              <a:rPr lang="en-US" altLang="zh-CN" sz="1600" dirty="0">
+                <a:latin typeface="Times New Roman" panose="02020603050405020304" pitchFamily="18" charset="0"/>
+                <a:cs typeface="Times New Roman" panose="02020603050405020304" pitchFamily="18" charset="0"/>
+              </a:rPr>
+              <a:t>() only requires updates in the parent class.</a:t>
+            </a:r>
+          </a:p>
+          <a:p>
+            <a:pPr>
+              <a:lnSpc>
+                <a:spcPct val="125000"/>
+              </a:lnSpc>
+            </a:pPr>
+            <a:r>
+              <a:rPr lang="en-US" altLang="zh-CN" dirty="0">
+                <a:solidFill>
+                  <a:srgbClr val="FF0000"/>
+                </a:solidFill>
+                <a:latin typeface="Times New Roman" panose="02020603050405020304" pitchFamily="18" charset="0"/>
+                <a:cs typeface="Times New Roman" panose="02020603050405020304" pitchFamily="18" charset="0"/>
+              </a:rPr>
+              <a:t>Consistency. </a:t>
+            </a:r>
+            <a:r>
+              <a:rPr lang="en-US" altLang="zh-CN" sz="1600" dirty="0">
+                <a:latin typeface="Times New Roman" panose="02020603050405020304" pitchFamily="18" charset="0"/>
+                <a:cs typeface="Times New Roman" panose="02020603050405020304" pitchFamily="18" charset="0"/>
+              </a:rPr>
+              <a:t>Ensures all levels follow the same initialization flow, avoiding discrepancies.</a:t>
+            </a:r>
+            <a:endParaRPr lang="zh-CN" altLang="en-US" sz="1600" dirty="0">
+              <a:latin typeface="Times New Roman" panose="02020603050405020304" pitchFamily="18" charset="0"/>
+              <a:cs typeface="Times New Roman" panose="02020603050405020304" pitchFamily="18" charset="0"/>
+            </a:endParaRPr>
+          </a:p>
+        </p:txBody>
+      </p:sp>
+      <p:sp>
+        <p:nvSpPr>
+          <p:cNvPr id="31" name="矩形 30">
+            <a:extLst>
+              <a:ext uri="{FF2B5EF4-FFF2-40B4-BE49-F238E27FC236}">
+                <a16:creationId xmlns:a16="http://schemas.microsoft.com/office/drawing/2014/main" id="{308A467A-276A-2FC3-7DC5-39E5D1BA2323}"/>
+              </a:ext>
+            </a:extLst>
+          </p:cNvPr>
+          <p:cNvSpPr/>
+          <p:nvPr/>
+        </p:nvSpPr>
+        <p:spPr>
+          <a:xfrm>
+            <a:off x="6906734" y="1153173"/>
+            <a:ext cx="5041557" cy="2856551"/>
+          </a:xfrm>
+          <a:prstGeom prst="rect">
+            <a:avLst/>
+          </a:prstGeom>
+          <a:noFill/>
+          <a:ln>
+            <a:solidFill>
+              <a:schemeClr val="tx1"/>
+            </a:solidFill>
+          </a:ln>
+        </p:spPr>
+        <p:style>
+          <a:lnRef idx="2">
+            <a:schemeClr val="accent1">
+              <a:shade val="15000"/>
+            </a:schemeClr>
+          </a:lnRef>
+          <a:fillRef idx="1">
+            <a:schemeClr val="accent1"/>
+          </a:fillRef>
+          <a:effectRef idx="0">
+            <a:schemeClr val="accent1"/>
+          </a:effectRef>
+          <a:fontRef idx="minor">
+            <a:schemeClr val="lt1"/>
+          </a:fontRef>
+        </p:style>
+        <p:txBody>
+          <a:bodyPr rtlCol="0" anchor="ctr"/>
+          <a:lstStyle/>
+          <a:p>
+            <a:pPr algn="ctr"/>
+            <a:endParaRPr lang="zh-CN" altLang="en-US"/>
+          </a:p>
+        </p:txBody>
+      </p:sp>
+      <p:sp>
+        <p:nvSpPr>
+          <p:cNvPr id="32" name="矩形 31">
+            <a:extLst>
+              <a:ext uri="{FF2B5EF4-FFF2-40B4-BE49-F238E27FC236}">
+                <a16:creationId xmlns:a16="http://schemas.microsoft.com/office/drawing/2014/main" id="{6A696EA1-8F61-5E4C-0ABC-A7D4E0BE6653}"/>
+              </a:ext>
+            </a:extLst>
+          </p:cNvPr>
+          <p:cNvSpPr/>
+          <p:nvPr/>
+        </p:nvSpPr>
+        <p:spPr>
+          <a:xfrm>
+            <a:off x="6949992" y="4407437"/>
+            <a:ext cx="5041558" cy="2025556"/>
+          </a:xfrm>
+          <a:prstGeom prst="rect">
+            <a:avLst/>
+          </a:prstGeom>
+          <a:noFill/>
+          <a:ln>
+            <a:solidFill>
+              <a:schemeClr val="tx1"/>
+            </a:solidFill>
+          </a:ln>
+        </p:spPr>
+        <p:style>
+          <a:lnRef idx="2">
+            <a:schemeClr val="accent1">
+              <a:shade val="15000"/>
+            </a:schemeClr>
+          </a:lnRef>
+          <a:fillRef idx="1">
+            <a:schemeClr val="accent1"/>
+          </a:fillRef>
+          <a:effectRef idx="0">
+            <a:schemeClr val="accent1"/>
+          </a:effectRef>
+          <a:fontRef idx="minor">
+            <a:schemeClr val="lt1"/>
+          </a:fontRef>
+        </p:style>
+        <p:txBody>
+          <a:bodyPr rtlCol="0" anchor="ctr"/>
+          <a:lstStyle/>
+          <a:p>
+            <a:pPr algn="ctr"/>
+            <a:endParaRPr lang="zh-CN" altLang="en-US"/>
+          </a:p>
+        </p:txBody>
+      </p:sp>
+    </p:spTree>
+    <p:extLst>
+      <p:ext uri="{BB962C8B-B14F-4D97-AF65-F5344CB8AC3E}">
+        <p14:creationId xmlns:p14="http://schemas.microsoft.com/office/powerpoint/2010/main" val="2674079515"/>
+      </p:ext>
+    </p:extLst>
+  </p:cSld>
+  <p:clrMapOvr>
+    <a:masterClrMapping/>
+  </p:clrMapOvr>
+</p:sld>
+</file>
+
 <file path=ppt/slides/slide13.xml><?xml version="1.0" encoding="utf-8"?>
+<p:sld xmlns:a="http://schemas.openxmlformats.org/drawingml/2006/main" xmlns:r="http://schemas.openxmlformats.org/officeDocument/2006/relationships" xmlns:p="http://schemas.openxmlformats.org/presentationml/2006/main">
+  <p:cSld>
+    <p:spTree>
+      <p:nvGrpSpPr>
+        <p:cNvPr id="1" name="">
+          <a:extLst>
+            <a:ext uri="{FF2B5EF4-FFF2-40B4-BE49-F238E27FC236}">
+              <a16:creationId xmlns:a16="http://schemas.microsoft.com/office/drawing/2014/main" id="{FAEFD06F-4DE0-6064-D234-F5646060E56A}"/>
+            </a:ext>
+          </a:extLst>
+        </p:cNvPr>
+        <p:cNvGrpSpPr/>
+        <p:nvPr/>
+      </p:nvGrpSpPr>
+      <p:grpSpPr>
+        <a:xfrm>
+          <a:off x="0" y="0"/>
+          <a:ext cx="0" cy="0"/>
+          <a:chOff x="0" y="0"/>
+          <a:chExt cx="0" cy="0"/>
+        </a:xfrm>
+      </p:grpSpPr>
+      <p:sp>
+        <p:nvSpPr>
+          <p:cNvPr id="5" name="矩形 4">
+            <a:extLst>
+              <a:ext uri="{FF2B5EF4-FFF2-40B4-BE49-F238E27FC236}">
+                <a16:creationId xmlns:a16="http://schemas.microsoft.com/office/drawing/2014/main" id="{F2BBEBC4-14A4-F0FD-CC19-53350F240A58}"/>
+              </a:ext>
+            </a:extLst>
+          </p:cNvPr>
+          <p:cNvSpPr/>
+          <p:nvPr/>
+        </p:nvSpPr>
+        <p:spPr>
+          <a:xfrm>
+            <a:off x="0" y="343632"/>
+            <a:ext cx="1244600" cy="426835"/>
+          </a:xfrm>
+          <a:prstGeom prst="rect">
+            <a:avLst/>
+          </a:prstGeom>
+          <a:solidFill>
+            <a:schemeClr val="accent1">
+              <a:lumMod val="50000"/>
+            </a:schemeClr>
+          </a:solidFill>
+        </p:spPr>
+        <p:style>
+          <a:lnRef idx="2">
+            <a:schemeClr val="accent1">
+              <a:shade val="15000"/>
+            </a:schemeClr>
+          </a:lnRef>
+          <a:fillRef idx="1">
+            <a:schemeClr val="accent1"/>
+          </a:fillRef>
+          <a:effectRef idx="0">
+            <a:schemeClr val="accent1"/>
+          </a:effectRef>
+          <a:fontRef idx="minor">
+            <a:schemeClr val="lt1"/>
+          </a:fontRef>
+        </p:style>
+        <p:txBody>
+          <a:bodyPr rtlCol="0" anchor="ctr"/>
+          <a:lstStyle/>
+          <a:p>
+            <a:pPr algn="ctr"/>
+            <a:endParaRPr lang="zh-CN" altLang="en-US"/>
+          </a:p>
+        </p:txBody>
+      </p:sp>
+      <p:sp>
+        <p:nvSpPr>
+          <p:cNvPr id="6" name="文本框 5">
+            <a:extLst>
+              <a:ext uri="{FF2B5EF4-FFF2-40B4-BE49-F238E27FC236}">
+                <a16:creationId xmlns:a16="http://schemas.microsoft.com/office/drawing/2014/main" id="{36F4B75E-40CC-3C4F-3BEE-C2C3217E4978}"/>
+              </a:ext>
+            </a:extLst>
+          </p:cNvPr>
+          <p:cNvSpPr txBox="1"/>
+          <p:nvPr/>
+        </p:nvSpPr>
+        <p:spPr>
+          <a:xfrm>
+            <a:off x="69850" y="370357"/>
+            <a:ext cx="1104900" cy="400110"/>
+          </a:xfrm>
+          <a:prstGeom prst="rect">
+            <a:avLst/>
+          </a:prstGeom>
+          <a:noFill/>
+        </p:spPr>
+        <p:txBody>
+          <a:bodyPr wrap="square" rtlCol="0">
+            <a:spAutoFit/>
+          </a:bodyPr>
+          <a:lstStyle/>
+          <a:p>
+            <a:r>
+              <a:rPr lang="en-US" altLang="zh-CN" sz="2000" dirty="0">
+                <a:solidFill>
+                  <a:schemeClr val="bg1">
+                    <a:lumMod val="95000"/>
+                  </a:schemeClr>
+                </a:solidFill>
+                <a:latin typeface="思源黑体 CN Bold" panose="020B0800000000000000" pitchFamily="34" charset="-122"/>
+                <a:ea typeface="思源黑体 CN Bold" panose="020B0800000000000000" pitchFamily="34" charset="-122"/>
+              </a:rPr>
+              <a:t>PART 2</a:t>
+            </a:r>
+            <a:endParaRPr lang="zh-CN" altLang="en-US" sz="2000" dirty="0">
+              <a:solidFill>
+                <a:schemeClr val="bg1">
+                  <a:lumMod val="95000"/>
+                </a:schemeClr>
+              </a:solidFill>
+              <a:latin typeface="思源黑体 CN Bold" panose="020B0800000000000000" pitchFamily="34" charset="-122"/>
+              <a:ea typeface="思源黑体 CN Bold" panose="020B0800000000000000" pitchFamily="34" charset="-122"/>
+            </a:endParaRPr>
+          </a:p>
+        </p:txBody>
+      </p:sp>
+      <p:sp>
+        <p:nvSpPr>
+          <p:cNvPr id="2" name="文本框 12">
+            <a:extLst>
+              <a:ext uri="{FF2B5EF4-FFF2-40B4-BE49-F238E27FC236}">
+                <a16:creationId xmlns:a16="http://schemas.microsoft.com/office/drawing/2014/main" id="{5CDAD523-EA61-0B9F-CBE4-C43F4E3B650A}"/>
+              </a:ext>
+            </a:extLst>
+          </p:cNvPr>
+          <p:cNvSpPr txBox="1"/>
+          <p:nvPr/>
+        </p:nvSpPr>
+        <p:spPr>
+          <a:xfrm>
+            <a:off x="1314449" y="226717"/>
+            <a:ext cx="7992837" cy="584775"/>
+          </a:xfrm>
+          <a:prstGeom prst="rect">
+            <a:avLst/>
+          </a:prstGeom>
+          <a:noFill/>
+        </p:spPr>
+        <p:txBody>
+          <a:bodyPr wrap="square" rtlCol="0">
+            <a:spAutoFit/>
+          </a:bodyPr>
+          <a:lstStyle>
+            <a:defPPr>
+              <a:defRPr lang="zh-CN"/>
+            </a:defPPr>
+            <a:lvl1pPr marL="0" algn="l" defTabSz="914400" rtl="0" eaLnBrk="1" latinLnBrk="0" hangingPunct="1">
+              <a:defRPr sz="1800" kern="1200">
+                <a:solidFill>
+                  <a:schemeClr val="tx1"/>
+                </a:solidFill>
+                <a:latin typeface="+mn-lt"/>
+                <a:ea typeface="+mn-ea"/>
+                <a:cs typeface="+mn-cs"/>
+              </a:defRPr>
+            </a:lvl1pPr>
+            <a:lvl2pPr marL="457200" algn="l" defTabSz="914400" rtl="0" eaLnBrk="1" latinLnBrk="0" hangingPunct="1">
+              <a:defRPr sz="1800" kern="1200">
+                <a:solidFill>
+                  <a:schemeClr val="tx1"/>
+                </a:solidFill>
+                <a:latin typeface="+mn-lt"/>
+                <a:ea typeface="+mn-ea"/>
+                <a:cs typeface="+mn-cs"/>
+              </a:defRPr>
+            </a:lvl2pPr>
+            <a:lvl3pPr marL="914400" algn="l" defTabSz="914400" rtl="0" eaLnBrk="1" latinLnBrk="0" hangingPunct="1">
+              <a:defRPr sz="1800" kern="1200">
+                <a:solidFill>
+                  <a:schemeClr val="tx1"/>
+                </a:solidFill>
+                <a:latin typeface="+mn-lt"/>
+                <a:ea typeface="+mn-ea"/>
+                <a:cs typeface="+mn-cs"/>
+              </a:defRPr>
+            </a:lvl3pPr>
+            <a:lvl4pPr marL="1371600" algn="l" defTabSz="914400" rtl="0" eaLnBrk="1" latinLnBrk="0" hangingPunct="1">
+              <a:defRPr sz="1800" kern="1200">
+                <a:solidFill>
+                  <a:schemeClr val="tx1"/>
+                </a:solidFill>
+                <a:latin typeface="+mn-lt"/>
+                <a:ea typeface="+mn-ea"/>
+                <a:cs typeface="+mn-cs"/>
+              </a:defRPr>
+            </a:lvl4pPr>
+            <a:lvl5pPr marL="1828800" algn="l" defTabSz="914400" rtl="0" eaLnBrk="1" latinLnBrk="0" hangingPunct="1">
+              <a:defRPr sz="1800" kern="1200">
+                <a:solidFill>
+                  <a:schemeClr val="tx1"/>
+                </a:solidFill>
+                <a:latin typeface="+mn-lt"/>
+                <a:ea typeface="+mn-ea"/>
+                <a:cs typeface="+mn-cs"/>
+              </a:defRPr>
+            </a:lvl5pPr>
+            <a:lvl6pPr marL="2286000" algn="l" defTabSz="914400" rtl="0" eaLnBrk="1" latinLnBrk="0" hangingPunct="1">
+              <a:defRPr sz="1800" kern="1200">
+                <a:solidFill>
+                  <a:schemeClr val="tx1"/>
+                </a:solidFill>
+                <a:latin typeface="+mn-lt"/>
+                <a:ea typeface="+mn-ea"/>
+                <a:cs typeface="+mn-cs"/>
+              </a:defRPr>
+            </a:lvl6pPr>
+            <a:lvl7pPr marL="2743200" algn="l" defTabSz="914400" rtl="0" eaLnBrk="1" latinLnBrk="0" hangingPunct="1">
+              <a:defRPr sz="1800" kern="1200">
+                <a:solidFill>
+                  <a:schemeClr val="tx1"/>
+                </a:solidFill>
+                <a:latin typeface="+mn-lt"/>
+                <a:ea typeface="+mn-ea"/>
+                <a:cs typeface="+mn-cs"/>
+              </a:defRPr>
+            </a:lvl7pPr>
+            <a:lvl8pPr marL="3200400" algn="l" defTabSz="914400" rtl="0" eaLnBrk="1" latinLnBrk="0" hangingPunct="1">
+              <a:defRPr sz="1800" kern="1200">
+                <a:solidFill>
+                  <a:schemeClr val="tx1"/>
+                </a:solidFill>
+                <a:latin typeface="+mn-lt"/>
+                <a:ea typeface="+mn-ea"/>
+                <a:cs typeface="+mn-cs"/>
+              </a:defRPr>
+            </a:lvl8pPr>
+            <a:lvl9pPr marL="3657600" algn="l" defTabSz="914400" rtl="0" eaLnBrk="1" latinLnBrk="0" hangingPunct="1">
+              <a:defRPr sz="1800" kern="1200">
+                <a:solidFill>
+                  <a:schemeClr val="tx1"/>
+                </a:solidFill>
+                <a:latin typeface="+mn-lt"/>
+                <a:ea typeface="+mn-ea"/>
+                <a:cs typeface="+mn-cs"/>
+              </a:defRPr>
+            </a:lvl9pPr>
+          </a:lstStyle>
+          <a:p>
+            <a:r>
+              <a:rPr lang="en-US" altLang="zh-CN" sz="3200" dirty="0">
+                <a:solidFill>
+                  <a:srgbClr val="425166"/>
+                </a:solidFill>
+                <a:latin typeface="Times New Roman" panose="02020603050405020304" pitchFamily="18" charset="0"/>
+                <a:ea typeface="思源黑体 CN Normal" panose="020B0400000000000000" pitchFamily="34" charset="-122"/>
+                <a:cs typeface="Times New Roman" panose="02020603050405020304" pitchFamily="18" charset="0"/>
+                <a:sym typeface="思源黑体 CN Normal" panose="020B0400000000000000" pitchFamily="34" charset="-122"/>
+              </a:rPr>
+              <a:t>Design Patterns in Refactoring——Object Pool </a:t>
+            </a:r>
+            <a:endParaRPr lang="zh-CN" altLang="en-US" sz="3200" dirty="0">
+              <a:solidFill>
+                <a:srgbClr val="425166"/>
+              </a:solidFill>
+              <a:latin typeface="Times New Roman" panose="02020603050405020304" pitchFamily="18" charset="0"/>
+              <a:ea typeface="思源黑体 CN Normal" panose="020B0400000000000000" pitchFamily="34" charset="-122"/>
+              <a:cs typeface="Times New Roman" panose="02020603050405020304" pitchFamily="18" charset="0"/>
+              <a:sym typeface="思源黑体 CN Normal" panose="020B0400000000000000" pitchFamily="34" charset="-122"/>
+            </a:endParaRPr>
+          </a:p>
+        </p:txBody>
+      </p:sp>
+      <p:sp>
+        <p:nvSpPr>
+          <p:cNvPr id="27" name="文本框 26">
+            <a:extLst>
+              <a:ext uri="{FF2B5EF4-FFF2-40B4-BE49-F238E27FC236}">
+                <a16:creationId xmlns:a16="http://schemas.microsoft.com/office/drawing/2014/main" id="{D33380FB-3F0A-176F-2884-A9737781E328}"/>
+              </a:ext>
+            </a:extLst>
+          </p:cNvPr>
+          <p:cNvSpPr txBox="1"/>
+          <p:nvPr/>
+        </p:nvSpPr>
+        <p:spPr>
+          <a:xfrm>
+            <a:off x="1513519" y="934603"/>
+            <a:ext cx="3249738" cy="369332"/>
+          </a:xfrm>
+          <a:prstGeom prst="rect">
+            <a:avLst/>
+          </a:prstGeom>
+          <a:noFill/>
+        </p:spPr>
+        <p:txBody>
+          <a:bodyPr wrap="square">
+            <a:spAutoFit/>
+          </a:bodyPr>
+          <a:lstStyle/>
+          <a:p>
+            <a:pPr algn="ctr"/>
+            <a:r>
+              <a:rPr lang="en-US" altLang="zh-CN" dirty="0">
+                <a:latin typeface="Times New Roman" panose="02020603050405020304" pitchFamily="18" charset="0"/>
+                <a:cs typeface="Times New Roman" panose="02020603050405020304" pitchFamily="18" charset="0"/>
+              </a:rPr>
+              <a:t>Class diagram of </a:t>
+            </a:r>
+            <a:r>
+              <a:rPr lang="en-US" altLang="zh-CN" dirty="0" err="1">
+                <a:latin typeface="Times New Roman" panose="02020603050405020304" pitchFamily="18" charset="0"/>
+                <a:cs typeface="Times New Roman" panose="02020603050405020304" pitchFamily="18" charset="0"/>
+              </a:rPr>
+              <a:t>ObjectPool</a:t>
+            </a:r>
+            <a:endParaRPr lang="zh-CN" altLang="en-US" dirty="0">
+              <a:latin typeface="Times New Roman" panose="02020603050405020304" pitchFamily="18" charset="0"/>
+              <a:cs typeface="Times New Roman" panose="02020603050405020304" pitchFamily="18" charset="0"/>
+            </a:endParaRPr>
+          </a:p>
+        </p:txBody>
+      </p:sp>
+      <p:grpSp>
+        <p:nvGrpSpPr>
+          <p:cNvPr id="30" name="组合 29">
+            <a:extLst>
+              <a:ext uri="{FF2B5EF4-FFF2-40B4-BE49-F238E27FC236}">
+                <a16:creationId xmlns:a16="http://schemas.microsoft.com/office/drawing/2014/main" id="{06CD03EE-27D5-C33F-CA95-15BF6AE66ECB}"/>
+              </a:ext>
+            </a:extLst>
+          </p:cNvPr>
+          <p:cNvGrpSpPr/>
+          <p:nvPr/>
+        </p:nvGrpSpPr>
+        <p:grpSpPr>
+          <a:xfrm rot="5400000">
+            <a:off x="8852552" y="3473291"/>
+            <a:ext cx="969273" cy="248633"/>
+            <a:chOff x="6049119" y="5793914"/>
+            <a:chExt cx="1030620" cy="299295"/>
+          </a:xfrm>
+          <a:gradFill>
+            <a:gsLst>
+              <a:gs pos="0">
+                <a:schemeClr val="accent1">
+                  <a:lumMod val="5000"/>
+                  <a:lumOff val="95000"/>
+                </a:schemeClr>
+              </a:gs>
+              <a:gs pos="33000">
+                <a:schemeClr val="accent1">
+                  <a:lumMod val="45000"/>
+                  <a:lumOff val="55000"/>
+                </a:schemeClr>
+              </a:gs>
+              <a:gs pos="100000">
+                <a:schemeClr val="accent1">
+                  <a:lumMod val="75000"/>
+                </a:schemeClr>
+              </a:gs>
+            </a:gsLst>
+            <a:lin ang="0" scaled="0"/>
+          </a:gradFill>
+        </p:grpSpPr>
+        <p:sp>
+          <p:nvSpPr>
+            <p:cNvPr id="33" name="箭头: V 形 32">
+              <a:extLst>
+                <a:ext uri="{FF2B5EF4-FFF2-40B4-BE49-F238E27FC236}">
+                  <a16:creationId xmlns:a16="http://schemas.microsoft.com/office/drawing/2014/main" id="{0AFFE27E-E7DE-29D3-86B1-C38C867EC2A0}"/>
+                </a:ext>
+              </a:extLst>
+            </p:cNvPr>
+            <p:cNvSpPr/>
+            <p:nvPr/>
+          </p:nvSpPr>
+          <p:spPr>
+            <a:xfrm>
+              <a:off x="6049119" y="5793914"/>
+              <a:ext cx="258751" cy="299295"/>
+            </a:xfrm>
+            <a:prstGeom prst="chevron">
+              <a:avLst/>
+            </a:prstGeom>
+            <a:grpFill/>
+            <a:ln>
+              <a:noFill/>
+            </a:ln>
+          </p:spPr>
+          <p:style>
+            <a:lnRef idx="2">
+              <a:schemeClr val="accent1">
+                <a:shade val="15000"/>
+              </a:schemeClr>
+            </a:lnRef>
+            <a:fillRef idx="1">
+              <a:schemeClr val="accent1"/>
+            </a:fillRef>
+            <a:effectRef idx="0">
+              <a:schemeClr val="accent1"/>
+            </a:effectRef>
+            <a:fontRef idx="minor">
+              <a:schemeClr val="lt1"/>
+            </a:fontRef>
+          </p:style>
+          <p:txBody>
+            <a:bodyPr rtlCol="0" anchor="ctr"/>
+            <a:lstStyle/>
+            <a:p>
+              <a:pPr algn="ctr"/>
+              <a:endParaRPr lang="zh-CN" altLang="en-US">
+                <a:solidFill>
+                  <a:schemeClr val="accent1">
+                    <a:lumMod val="40000"/>
+                    <a:lumOff val="60000"/>
+                  </a:schemeClr>
+                </a:solidFill>
+              </a:endParaRPr>
+            </a:p>
+          </p:txBody>
+        </p:sp>
+        <p:sp>
+          <p:nvSpPr>
+            <p:cNvPr id="34" name="箭头: V 形 33">
+              <a:extLst>
+                <a:ext uri="{FF2B5EF4-FFF2-40B4-BE49-F238E27FC236}">
+                  <a16:creationId xmlns:a16="http://schemas.microsoft.com/office/drawing/2014/main" id="{1ADC4BE2-1E82-687A-B35D-B06DFC7300C9}"/>
+                </a:ext>
+              </a:extLst>
+            </p:cNvPr>
+            <p:cNvSpPr/>
+            <p:nvPr/>
+          </p:nvSpPr>
+          <p:spPr>
+            <a:xfrm>
+              <a:off x="6307869" y="5793914"/>
+              <a:ext cx="258751" cy="299295"/>
+            </a:xfrm>
+            <a:prstGeom prst="chevron">
+              <a:avLst/>
+            </a:prstGeom>
+            <a:grpFill/>
+            <a:ln>
+              <a:noFill/>
+            </a:ln>
+          </p:spPr>
+          <p:style>
+            <a:lnRef idx="2">
+              <a:schemeClr val="accent1">
+                <a:shade val="15000"/>
+              </a:schemeClr>
+            </a:lnRef>
+            <a:fillRef idx="1">
+              <a:schemeClr val="accent1"/>
+            </a:fillRef>
+            <a:effectRef idx="0">
+              <a:schemeClr val="accent1"/>
+            </a:effectRef>
+            <a:fontRef idx="minor">
+              <a:schemeClr val="lt1"/>
+            </a:fontRef>
+          </p:style>
+          <p:txBody>
+            <a:bodyPr rtlCol="0" anchor="ctr"/>
+            <a:lstStyle/>
+            <a:p>
+              <a:pPr algn="ctr"/>
+              <a:endParaRPr lang="zh-CN" altLang="en-US">
+                <a:solidFill>
+                  <a:schemeClr val="accent1">
+                    <a:lumMod val="40000"/>
+                    <a:lumOff val="60000"/>
+                  </a:schemeClr>
+                </a:solidFill>
+              </a:endParaRPr>
+            </a:p>
+          </p:txBody>
+        </p:sp>
+        <p:sp>
+          <p:nvSpPr>
+            <p:cNvPr id="35" name="箭头: V 形 34">
+              <a:extLst>
+                <a:ext uri="{FF2B5EF4-FFF2-40B4-BE49-F238E27FC236}">
+                  <a16:creationId xmlns:a16="http://schemas.microsoft.com/office/drawing/2014/main" id="{B6FAD9B3-2E3A-3087-A591-34B7C252A0E7}"/>
+                </a:ext>
+              </a:extLst>
+            </p:cNvPr>
+            <p:cNvSpPr/>
+            <p:nvPr/>
+          </p:nvSpPr>
+          <p:spPr>
+            <a:xfrm>
+              <a:off x="6566622" y="5793914"/>
+              <a:ext cx="258751" cy="299295"/>
+            </a:xfrm>
+            <a:prstGeom prst="chevron">
+              <a:avLst/>
+            </a:prstGeom>
+            <a:grpFill/>
+            <a:ln>
+              <a:noFill/>
+            </a:ln>
+          </p:spPr>
+          <p:style>
+            <a:lnRef idx="2">
+              <a:schemeClr val="accent1">
+                <a:shade val="15000"/>
+              </a:schemeClr>
+            </a:lnRef>
+            <a:fillRef idx="1">
+              <a:schemeClr val="accent1"/>
+            </a:fillRef>
+            <a:effectRef idx="0">
+              <a:schemeClr val="accent1"/>
+            </a:effectRef>
+            <a:fontRef idx="minor">
+              <a:schemeClr val="lt1"/>
+            </a:fontRef>
+          </p:style>
+          <p:txBody>
+            <a:bodyPr rtlCol="0" anchor="ctr"/>
+            <a:lstStyle/>
+            <a:p>
+              <a:pPr algn="ctr"/>
+              <a:endParaRPr lang="zh-CN" altLang="en-US" dirty="0">
+                <a:solidFill>
+                  <a:schemeClr val="accent1">
+                    <a:lumMod val="40000"/>
+                    <a:lumOff val="60000"/>
+                  </a:schemeClr>
+                </a:solidFill>
+              </a:endParaRPr>
+            </a:p>
+          </p:txBody>
+        </p:sp>
+        <p:sp>
+          <p:nvSpPr>
+            <p:cNvPr id="36" name="箭头: V 形 35">
+              <a:extLst>
+                <a:ext uri="{FF2B5EF4-FFF2-40B4-BE49-F238E27FC236}">
+                  <a16:creationId xmlns:a16="http://schemas.microsoft.com/office/drawing/2014/main" id="{D34064CA-EC4C-BC88-BF6D-091C41CE18DF}"/>
+                </a:ext>
+              </a:extLst>
+            </p:cNvPr>
+            <p:cNvSpPr/>
+            <p:nvPr/>
+          </p:nvSpPr>
+          <p:spPr>
+            <a:xfrm>
+              <a:off x="6820988" y="5793914"/>
+              <a:ext cx="258751" cy="299295"/>
+            </a:xfrm>
+            <a:prstGeom prst="chevron">
+              <a:avLst/>
+            </a:prstGeom>
+            <a:grpFill/>
+            <a:ln>
+              <a:noFill/>
+            </a:ln>
+          </p:spPr>
+          <p:style>
+            <a:lnRef idx="2">
+              <a:schemeClr val="accent1">
+                <a:shade val="15000"/>
+              </a:schemeClr>
+            </a:lnRef>
+            <a:fillRef idx="1">
+              <a:schemeClr val="accent1"/>
+            </a:fillRef>
+            <a:effectRef idx="0">
+              <a:schemeClr val="accent1"/>
+            </a:effectRef>
+            <a:fontRef idx="minor">
+              <a:schemeClr val="lt1"/>
+            </a:fontRef>
+          </p:style>
+          <p:txBody>
+            <a:bodyPr rtlCol="0" anchor="ctr"/>
+            <a:lstStyle/>
+            <a:p>
+              <a:pPr algn="ctr"/>
+              <a:endParaRPr lang="zh-CN" altLang="en-US">
+                <a:solidFill>
+                  <a:schemeClr val="accent1">
+                    <a:lumMod val="40000"/>
+                    <a:lumOff val="60000"/>
+                  </a:schemeClr>
+                </a:solidFill>
+              </a:endParaRPr>
+            </a:p>
+          </p:txBody>
+        </p:sp>
+      </p:grpSp>
+      <p:sp>
+        <p:nvSpPr>
+          <p:cNvPr id="43" name="文本框 42">
+            <a:extLst>
+              <a:ext uri="{FF2B5EF4-FFF2-40B4-BE49-F238E27FC236}">
+                <a16:creationId xmlns:a16="http://schemas.microsoft.com/office/drawing/2014/main" id="{0EEE6F27-5FF1-399C-AAB7-D856E72D4266}"/>
+              </a:ext>
+            </a:extLst>
+          </p:cNvPr>
+          <p:cNvSpPr txBox="1"/>
+          <p:nvPr/>
+        </p:nvSpPr>
+        <p:spPr>
+          <a:xfrm>
+            <a:off x="7836637" y="934603"/>
+            <a:ext cx="3249738" cy="369332"/>
+          </a:xfrm>
+          <a:prstGeom prst="rect">
+            <a:avLst/>
+          </a:prstGeom>
+          <a:noFill/>
+        </p:spPr>
+        <p:txBody>
+          <a:bodyPr wrap="square">
+            <a:spAutoFit/>
+          </a:bodyPr>
+          <a:lstStyle/>
+          <a:p>
+            <a:pPr algn="ctr"/>
+            <a:r>
+              <a:rPr lang="en-US" altLang="zh-CN" dirty="0">
+                <a:latin typeface="Times New Roman" panose="02020603050405020304" pitchFamily="18" charset="0"/>
+                <a:cs typeface="Times New Roman" panose="02020603050405020304" pitchFamily="18" charset="0"/>
+              </a:rPr>
+              <a:t>The Way to Create Bullets</a:t>
+            </a:r>
+            <a:endParaRPr lang="zh-CN" altLang="en-US" dirty="0">
+              <a:latin typeface="Times New Roman" panose="02020603050405020304" pitchFamily="18" charset="0"/>
+              <a:cs typeface="Times New Roman" panose="02020603050405020304" pitchFamily="18" charset="0"/>
+            </a:endParaRPr>
+          </a:p>
+        </p:txBody>
+      </p:sp>
+      <p:pic>
+        <p:nvPicPr>
+          <p:cNvPr id="4" name="图片 3">
+            <a:extLst>
+              <a:ext uri="{FF2B5EF4-FFF2-40B4-BE49-F238E27FC236}">
+                <a16:creationId xmlns:a16="http://schemas.microsoft.com/office/drawing/2014/main" id="{54664989-5CD7-E5EE-B616-6F290DA258D1}"/>
+              </a:ext>
+            </a:extLst>
+          </p:cNvPr>
+          <p:cNvPicPr>
+            <a:picLocks noChangeAspect="1"/>
+          </p:cNvPicPr>
+          <p:nvPr/>
+        </p:nvPicPr>
+        <p:blipFill>
+          <a:blip r:embed="rId2"/>
+          <a:stretch>
+            <a:fillRect/>
+          </a:stretch>
+        </p:blipFill>
+        <p:spPr>
+          <a:xfrm>
+            <a:off x="193510" y="1303935"/>
+            <a:ext cx="5815129" cy="4792779"/>
+          </a:xfrm>
+          <a:prstGeom prst="rect">
+            <a:avLst/>
+          </a:prstGeom>
+        </p:spPr>
+      </p:pic>
+      <p:pic>
+        <p:nvPicPr>
+          <p:cNvPr id="8" name="图片 7">
+            <a:extLst>
+              <a:ext uri="{FF2B5EF4-FFF2-40B4-BE49-F238E27FC236}">
+                <a16:creationId xmlns:a16="http://schemas.microsoft.com/office/drawing/2014/main" id="{16D47F80-D653-E3B7-B5CD-369C247EF48C}"/>
+              </a:ext>
+            </a:extLst>
+          </p:cNvPr>
+          <p:cNvPicPr>
+            <a:picLocks noChangeAspect="1"/>
+          </p:cNvPicPr>
+          <p:nvPr/>
+        </p:nvPicPr>
+        <p:blipFill>
+          <a:blip r:embed="rId3"/>
+          <a:stretch>
+            <a:fillRect/>
+          </a:stretch>
+        </p:blipFill>
+        <p:spPr>
+          <a:xfrm>
+            <a:off x="7961318" y="1427046"/>
+            <a:ext cx="3000375" cy="1685925"/>
+          </a:xfrm>
+          <a:prstGeom prst="rect">
+            <a:avLst/>
+          </a:prstGeom>
+        </p:spPr>
+      </p:pic>
+      <p:pic>
+        <p:nvPicPr>
+          <p:cNvPr id="10" name="图片 9">
+            <a:extLst>
+              <a:ext uri="{FF2B5EF4-FFF2-40B4-BE49-F238E27FC236}">
+                <a16:creationId xmlns:a16="http://schemas.microsoft.com/office/drawing/2014/main" id="{97D091CA-3249-ABCD-09F6-5DAFE0FB7D12}"/>
+              </a:ext>
+            </a:extLst>
+          </p:cNvPr>
+          <p:cNvPicPr>
+            <a:picLocks noChangeAspect="1"/>
+          </p:cNvPicPr>
+          <p:nvPr/>
+        </p:nvPicPr>
+        <p:blipFill>
+          <a:blip r:embed="rId4"/>
+          <a:stretch>
+            <a:fillRect/>
+          </a:stretch>
+        </p:blipFill>
+        <p:spPr>
+          <a:xfrm>
+            <a:off x="7322650" y="4253442"/>
+            <a:ext cx="4029075" cy="1771650"/>
+          </a:xfrm>
+          <a:prstGeom prst="rect">
+            <a:avLst/>
+          </a:prstGeom>
+        </p:spPr>
+      </p:pic>
+    </p:spTree>
+    <p:extLst>
+      <p:ext uri="{BB962C8B-B14F-4D97-AF65-F5344CB8AC3E}">
+        <p14:creationId xmlns:p14="http://schemas.microsoft.com/office/powerpoint/2010/main" val="1470548415"/>
+      </p:ext>
+    </p:extLst>
+  </p:cSld>
+  <p:clrMapOvr>
+    <a:masterClrMapping/>
+  </p:clrMapOvr>
+</p:sld>
+</file>
+
+<file path=ppt/slides/slide14.xml><?xml version="1.0" encoding="utf-8"?>
 <p:sld xmlns:a="http://schemas.openxmlformats.org/drawingml/2006/main" xmlns:r="http://schemas.openxmlformats.org/officeDocument/2006/relationships" xmlns:p="http://schemas.openxmlformats.org/presentationml/2006/main">
   <p:cSld>
     <p:spTree>
@@ -9418,7 +10600,7 @@
 </p:sld>
 </file>
 
-<file path=ppt/slides/slide14.xml><?xml version="1.0" encoding="utf-8"?>
+<file path=ppt/slides/slide15.xml><?xml version="1.0" encoding="utf-8"?>
 <p:sld xmlns:a="http://schemas.openxmlformats.org/drawingml/2006/main" xmlns:r="http://schemas.openxmlformats.org/officeDocument/2006/relationships" xmlns:p="http://schemas.openxmlformats.org/presentationml/2006/main">
   <p:cSld>
     <p:spTree>
@@ -12745,7 +13927,7 @@
 </p:sld>
 </file>
 
-<file path=ppt/slides/slide15.xml><?xml version="1.0" encoding="utf-8"?>
+<file path=ppt/slides/slide16.xml><?xml version="1.0" encoding="utf-8"?>
 <p:sld xmlns:a="http://schemas.openxmlformats.org/drawingml/2006/main" xmlns:r="http://schemas.openxmlformats.org/officeDocument/2006/relationships" xmlns:p="http://schemas.openxmlformats.org/presentationml/2006/main">
   <p:cSld>
     <p:spTree>
@@ -15199,7 +16381,7 @@
 </p:sld>
 </file>
 
-<file path=ppt/slides/slide16.xml><?xml version="1.0" encoding="utf-8"?>
+<file path=ppt/slides/slide17.xml><?xml version="1.0" encoding="utf-8"?>
 <p:sld xmlns:a="http://schemas.openxmlformats.org/drawingml/2006/main" xmlns:r="http://schemas.openxmlformats.org/officeDocument/2006/relationships" xmlns:p="http://schemas.openxmlformats.org/presentationml/2006/main">
   <p:cSld>
     <p:spTree>
@@ -18109,7 +19291,7 @@
 </p:sld>
 </file>
 
-<file path=ppt/slides/slide17.xml><?xml version="1.0" encoding="utf-8"?>
+<file path=ppt/slides/slide18.xml><?xml version="1.0" encoding="utf-8"?>
 <p:sld xmlns:a="http://schemas.openxmlformats.org/drawingml/2006/main" xmlns:r="http://schemas.openxmlformats.org/officeDocument/2006/relationships" xmlns:p="http://schemas.openxmlformats.org/presentationml/2006/main">
   <p:cSld>
     <p:spTree>
@@ -20063,7 +21245,7 @@
 </p:sld>
 </file>
 
-<file path=ppt/slides/slide18.xml><?xml version="1.0" encoding="utf-8"?>
+<file path=ppt/slides/slide19.xml><?xml version="1.0" encoding="utf-8"?>
 <p:sld xmlns:a="http://schemas.openxmlformats.org/drawingml/2006/main" xmlns:r="http://schemas.openxmlformats.org/officeDocument/2006/relationships" xmlns:p="http://schemas.openxmlformats.org/presentationml/2006/main">
   <p:cSld>
     <p:spTree>
@@ -23960,7 +25142,1752 @@
 </p:sld>
 </file>
 
-<file path=ppt/slides/slide19.xml><?xml version="1.0" encoding="utf-8"?>
+<file path=ppt/slides/slide2.xml><?xml version="1.0" encoding="utf-8"?>
+<p:sld xmlns:a="http://schemas.openxmlformats.org/drawingml/2006/main" xmlns:r="http://schemas.openxmlformats.org/officeDocument/2006/relationships" xmlns:p="http://schemas.openxmlformats.org/presentationml/2006/main">
+  <p:cSld>
+    <p:spTree>
+      <p:nvGrpSpPr>
+        <p:cNvPr id="1" name=""/>
+        <p:cNvGrpSpPr/>
+        <p:nvPr/>
+      </p:nvGrpSpPr>
+      <p:grpSpPr>
+        <a:xfrm>
+          <a:off x="0" y="0"/>
+          <a:ext cx="0" cy="0"/>
+          <a:chOff x="0" y="0"/>
+          <a:chExt cx="0" cy="0"/>
+        </a:xfrm>
+      </p:grpSpPr>
+      <p:sp>
+        <p:nvSpPr>
+          <p:cNvPr id="4" name="任意多边形 3"/>
+          <p:cNvSpPr/>
+          <p:nvPr/>
+        </p:nvSpPr>
+        <p:spPr>
+          <a:xfrm>
+            <a:off x="0" y="0"/>
+            <a:ext cx="4838700" cy="2992755"/>
+          </a:xfrm>
+          <a:custGeom>
+            <a:avLst/>
+            <a:gdLst/>
+            <a:ahLst/>
+            <a:cxnLst>
+              <a:cxn ang="3">
+                <a:pos x="hc" y="t"/>
+              </a:cxn>
+              <a:cxn ang="cd2">
+                <a:pos x="l" y="vc"/>
+              </a:cxn>
+              <a:cxn ang="cd4">
+                <a:pos x="hc" y="b"/>
+              </a:cxn>
+              <a:cxn ang="0">
+                <a:pos x="r" y="vc"/>
+              </a:cxn>
+            </a:cxnLst>
+            <a:rect l="l" t="t" r="r" b="b"/>
+            <a:pathLst>
+              <a:path w="8342" h="5161">
+                <a:moveTo>
+                  <a:pt x="151" y="0"/>
+                </a:moveTo>
+                <a:cubicBezTo>
+                  <a:pt x="212" y="108"/>
+                  <a:pt x="344" y="480"/>
+                  <a:pt x="333" y="900"/>
+                </a:cubicBezTo>
+                <a:cubicBezTo>
+                  <a:pt x="340" y="1185"/>
+                  <a:pt x="258" y="1720"/>
+                  <a:pt x="138" y="2136"/>
+                </a:cubicBezTo>
+                <a:cubicBezTo>
+                  <a:pt x="37" y="2462"/>
+                  <a:pt x="-4" y="2904"/>
+                  <a:pt x="0" y="3111"/>
+                </a:cubicBezTo>
+                <a:cubicBezTo>
+                  <a:pt x="-10" y="4003"/>
+                  <a:pt x="361" y="4723"/>
+                  <a:pt x="766" y="4912"/>
+                </a:cubicBezTo>
+                <a:cubicBezTo>
+                  <a:pt x="948" y="5095"/>
+                  <a:pt x="1252" y="5168"/>
+                  <a:pt x="1406" y="5160"/>
+                </a:cubicBezTo>
+                <a:cubicBezTo>
+                  <a:pt x="3154" y="4827"/>
+                  <a:pt x="4186" y="3274"/>
+                  <a:pt x="4206" y="3320"/>
+                </a:cubicBezTo>
+                <a:cubicBezTo>
+                  <a:pt x="4268" y="3248"/>
+                  <a:pt x="4361" y="3144"/>
+                  <a:pt x="4428" y="3073"/>
+                </a:cubicBezTo>
+                <a:lnTo>
+                  <a:pt x="4988" y="2531"/>
+                </a:lnTo>
+                <a:cubicBezTo>
+                  <a:pt x="5394" y="2123"/>
+                  <a:pt x="5610" y="1939"/>
+                  <a:pt x="5838" y="1743"/>
+                </a:cubicBezTo>
+                <a:cubicBezTo>
+                  <a:pt x="5966" y="1634"/>
+                  <a:pt x="6196" y="1432"/>
+                  <a:pt x="6376" y="1268"/>
+                </a:cubicBezTo>
+                <a:cubicBezTo>
+                  <a:pt x="6500" y="1166"/>
+                  <a:pt x="6607" y="1056"/>
+                  <a:pt x="6669" y="995"/>
+                </a:cubicBezTo>
+                <a:cubicBezTo>
+                  <a:pt x="6737" y="925"/>
+                  <a:pt x="6801" y="864"/>
+                  <a:pt x="6841" y="839"/>
+                </a:cubicBezTo>
+                <a:cubicBezTo>
+                  <a:pt x="6847" y="835"/>
+                  <a:pt x="6856" y="829"/>
+                  <a:pt x="6860" y="827"/>
+                </a:cubicBezTo>
+                <a:cubicBezTo>
+                  <a:pt x="6906" y="787"/>
+                  <a:pt x="6825" y="866"/>
+                  <a:pt x="6940" y="759"/>
+                </a:cubicBezTo>
+                <a:cubicBezTo>
+                  <a:pt x="7279" y="412"/>
+                  <a:pt x="8013" y="79"/>
+                  <a:pt x="8342" y="0"/>
+                </a:cubicBezTo>
+                <a:lnTo>
+                  <a:pt x="151" y="0"/>
+                </a:lnTo>
+                <a:close/>
+              </a:path>
+            </a:pathLst>
+          </a:custGeom>
+          <a:solidFill>
+            <a:schemeClr val="bg1">
+              <a:lumMod val="85000"/>
+            </a:schemeClr>
+          </a:solidFill>
+          <a:ln>
+            <a:noFill/>
+          </a:ln>
+        </p:spPr>
+        <p:style>
+          <a:lnRef idx="2">
+            <a:schemeClr val="accent1">
+              <a:shade val="50000"/>
+            </a:schemeClr>
+          </a:lnRef>
+          <a:fillRef idx="1">
+            <a:schemeClr val="accent1"/>
+          </a:fillRef>
+          <a:effectRef idx="0">
+            <a:schemeClr val="accent1"/>
+          </a:effectRef>
+          <a:fontRef idx="minor">
+            <a:schemeClr val="lt1"/>
+          </a:fontRef>
+        </p:style>
+        <p:txBody>
+          <a:bodyPr wrap="square" rtlCol="0" anchor="ctr">
+            <a:noAutofit/>
+          </a:bodyPr>
+          <a:lstStyle>
+            <a:defPPr>
+              <a:defRPr lang="zh-CN">
+                <a:solidFill>
+                  <a:schemeClr val="lt1"/>
+                </a:solidFill>
+              </a:defRPr>
+            </a:defPPr>
+            <a:lvl1pPr marL="0" algn="l" defTabSz="914400" rtl="0" eaLnBrk="1" latinLnBrk="0" hangingPunct="1">
+              <a:defRPr sz="1800" kern="1200">
+                <a:solidFill>
+                  <a:schemeClr val="lt1"/>
+                </a:solidFill>
+                <a:latin typeface="+mn-lt"/>
+                <a:ea typeface="+mn-ea"/>
+                <a:cs typeface="+mn-cs"/>
+              </a:defRPr>
+            </a:lvl1pPr>
+            <a:lvl2pPr marL="457200" algn="l" defTabSz="914400" rtl="0" eaLnBrk="1" latinLnBrk="0" hangingPunct="1">
+              <a:defRPr sz="1800" kern="1200">
+                <a:solidFill>
+                  <a:schemeClr val="lt1"/>
+                </a:solidFill>
+                <a:latin typeface="+mn-lt"/>
+                <a:ea typeface="+mn-ea"/>
+                <a:cs typeface="+mn-cs"/>
+              </a:defRPr>
+            </a:lvl2pPr>
+            <a:lvl3pPr marL="914400" algn="l" defTabSz="914400" rtl="0" eaLnBrk="1" latinLnBrk="0" hangingPunct="1">
+              <a:defRPr sz="1800" kern="1200">
+                <a:solidFill>
+                  <a:schemeClr val="lt1"/>
+                </a:solidFill>
+                <a:latin typeface="+mn-lt"/>
+                <a:ea typeface="+mn-ea"/>
+                <a:cs typeface="+mn-cs"/>
+              </a:defRPr>
+            </a:lvl3pPr>
+            <a:lvl4pPr marL="1371600" algn="l" defTabSz="914400" rtl="0" eaLnBrk="1" latinLnBrk="0" hangingPunct="1">
+              <a:defRPr sz="1800" kern="1200">
+                <a:solidFill>
+                  <a:schemeClr val="lt1"/>
+                </a:solidFill>
+                <a:latin typeface="+mn-lt"/>
+                <a:ea typeface="+mn-ea"/>
+                <a:cs typeface="+mn-cs"/>
+              </a:defRPr>
+            </a:lvl4pPr>
+            <a:lvl5pPr marL="1828800" algn="l" defTabSz="914400" rtl="0" eaLnBrk="1" latinLnBrk="0" hangingPunct="1">
+              <a:defRPr sz="1800" kern="1200">
+                <a:solidFill>
+                  <a:schemeClr val="lt1"/>
+                </a:solidFill>
+                <a:latin typeface="+mn-lt"/>
+                <a:ea typeface="+mn-ea"/>
+                <a:cs typeface="+mn-cs"/>
+              </a:defRPr>
+            </a:lvl5pPr>
+            <a:lvl6pPr marL="2286000" algn="l" defTabSz="914400" rtl="0" eaLnBrk="1" latinLnBrk="0" hangingPunct="1">
+              <a:defRPr sz="1800" kern="1200">
+                <a:solidFill>
+                  <a:schemeClr val="lt1"/>
+                </a:solidFill>
+                <a:latin typeface="+mn-lt"/>
+                <a:ea typeface="+mn-ea"/>
+                <a:cs typeface="+mn-cs"/>
+              </a:defRPr>
+            </a:lvl6pPr>
+            <a:lvl7pPr marL="2743200" algn="l" defTabSz="914400" rtl="0" eaLnBrk="1" latinLnBrk="0" hangingPunct="1">
+              <a:defRPr sz="1800" kern="1200">
+                <a:solidFill>
+                  <a:schemeClr val="lt1"/>
+                </a:solidFill>
+                <a:latin typeface="+mn-lt"/>
+                <a:ea typeface="+mn-ea"/>
+                <a:cs typeface="+mn-cs"/>
+              </a:defRPr>
+            </a:lvl7pPr>
+            <a:lvl8pPr marL="3200400" algn="l" defTabSz="914400" rtl="0" eaLnBrk="1" latinLnBrk="0" hangingPunct="1">
+              <a:defRPr sz="1800" kern="1200">
+                <a:solidFill>
+                  <a:schemeClr val="lt1"/>
+                </a:solidFill>
+                <a:latin typeface="+mn-lt"/>
+                <a:ea typeface="+mn-ea"/>
+                <a:cs typeface="+mn-cs"/>
+              </a:defRPr>
+            </a:lvl8pPr>
+            <a:lvl9pPr marL="3657600" algn="l" defTabSz="914400" rtl="0" eaLnBrk="1" latinLnBrk="0" hangingPunct="1">
+              <a:defRPr sz="1800" kern="1200">
+                <a:solidFill>
+                  <a:schemeClr val="lt1"/>
+                </a:solidFill>
+                <a:latin typeface="+mn-lt"/>
+                <a:ea typeface="+mn-ea"/>
+                <a:cs typeface="+mn-cs"/>
+              </a:defRPr>
+            </a:lvl9pPr>
+          </a:lstStyle>
+          <a:p>
+            <a:pPr algn="ctr"/>
+            <a:endParaRPr lang="zh-CN" altLang="en-US">
+              <a:cs typeface="汉仪旗黑-55简" panose="00020600040101010101" charset="-128"/>
+            </a:endParaRPr>
+          </a:p>
+        </p:txBody>
+      </p:sp>
+      <p:sp>
+        <p:nvSpPr>
+          <p:cNvPr id="11" name="任意多边形 10"/>
+          <p:cNvSpPr/>
+          <p:nvPr/>
+        </p:nvSpPr>
+        <p:spPr>
+          <a:xfrm>
+            <a:off x="0" y="0"/>
+            <a:ext cx="3906520" cy="2520315"/>
+          </a:xfrm>
+          <a:custGeom>
+            <a:avLst/>
+            <a:gdLst>
+              <a:gd name="connsiteX0" fmla="*/ 0 w 8331"/>
+              <a:gd name="connsiteY0" fmla="*/ 3663 h 5372"/>
+              <a:gd name="connsiteX1" fmla="*/ 92 w 8331"/>
+              <a:gd name="connsiteY1" fmla="*/ 3603 h 5372"/>
+              <a:gd name="connsiteX2" fmla="*/ 810 w 8331"/>
+              <a:gd name="connsiteY2" fmla="*/ 3448 h 5372"/>
+              <a:gd name="connsiteX3" fmla="*/ 1055 w 8331"/>
+              <a:gd name="connsiteY3" fmla="*/ 3516 h 5372"/>
+              <a:gd name="connsiteX4" fmla="*/ 1765 w 8331"/>
+              <a:gd name="connsiteY4" fmla="*/ 4373 h 5372"/>
+              <a:gd name="connsiteX5" fmla="*/ 2976 w 8331"/>
+              <a:gd name="connsiteY5" fmla="*/ 5372 h 5372"/>
+              <a:gd name="connsiteX6" fmla="*/ 2998 w 8331"/>
+              <a:gd name="connsiteY6" fmla="*/ 5371 h 5372"/>
+              <a:gd name="connsiteX7" fmla="*/ 3019 w 8331"/>
+              <a:gd name="connsiteY7" fmla="*/ 5370 h 5372"/>
+              <a:gd name="connsiteX8" fmla="*/ 3040 w 8331"/>
+              <a:gd name="connsiteY8" fmla="*/ 5368 h 5372"/>
+              <a:gd name="connsiteX9" fmla="*/ 3070 w 8331"/>
+              <a:gd name="connsiteY9" fmla="*/ 5369 h 5372"/>
+              <a:gd name="connsiteX10" fmla="*/ 3100 w 8331"/>
+              <a:gd name="connsiteY10" fmla="*/ 5370 h 5372"/>
+              <a:gd name="connsiteX11" fmla="*/ 4064 w 8331"/>
+              <a:gd name="connsiteY11" fmla="*/ 4094 h 5372"/>
+              <a:gd name="connsiteX12" fmla="*/ 4151 w 8331"/>
+              <a:gd name="connsiteY12" fmla="*/ 3496 h 5372"/>
+              <a:gd name="connsiteX13" fmla="*/ 4230 w 8331"/>
+              <a:gd name="connsiteY13" fmla="*/ 3101 h 5372"/>
+              <a:gd name="connsiteX14" fmla="*/ 4455 w 8331"/>
+              <a:gd name="connsiteY14" fmla="*/ 2156 h 5372"/>
+              <a:gd name="connsiteX15" fmla="*/ 4528 w 8331"/>
+              <a:gd name="connsiteY15" fmla="*/ 1837 h 5372"/>
+              <a:gd name="connsiteX16" fmla="*/ 4540 w 8331"/>
+              <a:gd name="connsiteY16" fmla="*/ 1808 h 5372"/>
+              <a:gd name="connsiteX17" fmla="*/ 6452 w 8331"/>
+              <a:gd name="connsiteY17" fmla="*/ 360 h 5372"/>
+              <a:gd name="connsiteX18" fmla="*/ 6506 w 8331"/>
+              <a:gd name="connsiteY18" fmla="*/ 360 h 5372"/>
+              <a:gd name="connsiteX19" fmla="*/ 6561 w 8331"/>
+              <a:gd name="connsiteY19" fmla="*/ 362 h 5372"/>
+              <a:gd name="connsiteX20" fmla="*/ 6616 w 8331"/>
+              <a:gd name="connsiteY20" fmla="*/ 365 h 5372"/>
+              <a:gd name="connsiteX21" fmla="*/ 6672 w 8331"/>
+              <a:gd name="connsiteY21" fmla="*/ 369 h 5372"/>
+              <a:gd name="connsiteX22" fmla="*/ 6679 w 8331"/>
+              <a:gd name="connsiteY22" fmla="*/ 369 h 5372"/>
+              <a:gd name="connsiteX23" fmla="*/ 7062 w 8331"/>
+              <a:gd name="connsiteY23" fmla="*/ 377 h 5372"/>
+              <a:gd name="connsiteX24" fmla="*/ 7089 w 8331"/>
+              <a:gd name="connsiteY24" fmla="*/ 378 h 5372"/>
+              <a:gd name="connsiteX25" fmla="*/ 7422 w 8331"/>
+              <a:gd name="connsiteY25" fmla="*/ 384 h 5372"/>
+              <a:gd name="connsiteX26" fmla="*/ 7440 w 8331"/>
+              <a:gd name="connsiteY26" fmla="*/ 384 h 5372"/>
+              <a:gd name="connsiteX27" fmla="*/ 7474 w 8331"/>
+              <a:gd name="connsiteY27" fmla="*/ 384 h 5372"/>
+              <a:gd name="connsiteX28" fmla="*/ 8331 w 8331"/>
+              <a:gd name="connsiteY28" fmla="*/ 55 h 5372"/>
+              <a:gd name="connsiteX29" fmla="*/ 8331 w 8331"/>
+              <a:gd name="connsiteY29" fmla="*/ 49 h 5372"/>
+              <a:gd name="connsiteX30" fmla="*/ 8330 w 8331"/>
+              <a:gd name="connsiteY30" fmla="*/ 44 h 5372"/>
+              <a:gd name="connsiteX31" fmla="*/ 8329 w 8331"/>
+              <a:gd name="connsiteY31" fmla="*/ 38 h 5372"/>
+              <a:gd name="connsiteX32" fmla="*/ 8328 w 8331"/>
+              <a:gd name="connsiteY32" fmla="*/ 33 h 5372"/>
+              <a:gd name="connsiteX33" fmla="*/ 8328 w 8331"/>
+              <a:gd name="connsiteY33" fmla="*/ 25 h 5372"/>
+              <a:gd name="connsiteX34" fmla="*/ 8328 w 8331"/>
+              <a:gd name="connsiteY34" fmla="*/ 17 h 5372"/>
+              <a:gd name="connsiteX35" fmla="*/ 8327 w 8331"/>
+              <a:gd name="connsiteY35" fmla="*/ 9 h 5372"/>
+              <a:gd name="connsiteX36" fmla="*/ 8326 w 8331"/>
+              <a:gd name="connsiteY36" fmla="*/ 1 h 5372"/>
+              <a:gd name="connsiteX37" fmla="*/ 8326 w 8331"/>
+              <a:gd name="connsiteY37" fmla="*/ 0 h 5372"/>
+              <a:gd name="connsiteX38" fmla="*/ 0 w 8331"/>
+              <a:gd name="connsiteY38" fmla="*/ 0 h 5372"/>
+              <a:gd name="connsiteX39" fmla="*/ 0 w 8331"/>
+              <a:gd name="connsiteY39" fmla="*/ 3663 h 5372"/>
+            </a:gdLst>
+            <a:ahLst/>
+            <a:cxnLst>
+              <a:cxn ang="0">
+                <a:pos x="connsiteX0" y="connsiteY0"/>
+              </a:cxn>
+              <a:cxn ang="0">
+                <a:pos x="connsiteX1" y="connsiteY1"/>
+              </a:cxn>
+              <a:cxn ang="0">
+                <a:pos x="connsiteX2" y="connsiteY2"/>
+              </a:cxn>
+              <a:cxn ang="0">
+                <a:pos x="connsiteX3" y="connsiteY3"/>
+              </a:cxn>
+              <a:cxn ang="0">
+                <a:pos x="connsiteX4" y="connsiteY4"/>
+              </a:cxn>
+              <a:cxn ang="0">
+                <a:pos x="connsiteX5" y="connsiteY5"/>
+              </a:cxn>
+              <a:cxn ang="0">
+                <a:pos x="connsiteX6" y="connsiteY6"/>
+              </a:cxn>
+              <a:cxn ang="0">
+                <a:pos x="connsiteX7" y="connsiteY7"/>
+              </a:cxn>
+              <a:cxn ang="0">
+                <a:pos x="connsiteX8" y="connsiteY8"/>
+              </a:cxn>
+              <a:cxn ang="0">
+                <a:pos x="connsiteX9" y="connsiteY9"/>
+              </a:cxn>
+              <a:cxn ang="0">
+                <a:pos x="connsiteX10" y="connsiteY10"/>
+              </a:cxn>
+              <a:cxn ang="0">
+                <a:pos x="connsiteX11" y="connsiteY11"/>
+              </a:cxn>
+              <a:cxn ang="0">
+                <a:pos x="connsiteX12" y="connsiteY12"/>
+              </a:cxn>
+              <a:cxn ang="0">
+                <a:pos x="connsiteX13" y="connsiteY13"/>
+              </a:cxn>
+              <a:cxn ang="0">
+                <a:pos x="connsiteX14" y="connsiteY14"/>
+              </a:cxn>
+              <a:cxn ang="0">
+                <a:pos x="connsiteX15" y="connsiteY15"/>
+              </a:cxn>
+              <a:cxn ang="0">
+                <a:pos x="connsiteX16" y="connsiteY16"/>
+              </a:cxn>
+              <a:cxn ang="0">
+                <a:pos x="connsiteX17" y="connsiteY17"/>
+              </a:cxn>
+              <a:cxn ang="0">
+                <a:pos x="connsiteX18" y="connsiteY18"/>
+              </a:cxn>
+              <a:cxn ang="0">
+                <a:pos x="connsiteX19" y="connsiteY19"/>
+              </a:cxn>
+              <a:cxn ang="0">
+                <a:pos x="connsiteX20" y="connsiteY20"/>
+              </a:cxn>
+              <a:cxn ang="0">
+                <a:pos x="connsiteX21" y="connsiteY21"/>
+              </a:cxn>
+              <a:cxn ang="0">
+                <a:pos x="connsiteX22" y="connsiteY22"/>
+              </a:cxn>
+              <a:cxn ang="0">
+                <a:pos x="connsiteX23" y="connsiteY23"/>
+              </a:cxn>
+              <a:cxn ang="0">
+                <a:pos x="connsiteX24" y="connsiteY24"/>
+              </a:cxn>
+              <a:cxn ang="0">
+                <a:pos x="connsiteX25" y="connsiteY25"/>
+              </a:cxn>
+              <a:cxn ang="0">
+                <a:pos x="connsiteX26" y="connsiteY26"/>
+              </a:cxn>
+              <a:cxn ang="0">
+                <a:pos x="connsiteX27" y="connsiteY27"/>
+              </a:cxn>
+              <a:cxn ang="0">
+                <a:pos x="connsiteX28" y="connsiteY28"/>
+              </a:cxn>
+              <a:cxn ang="0">
+                <a:pos x="connsiteX29" y="connsiteY29"/>
+              </a:cxn>
+              <a:cxn ang="0">
+                <a:pos x="connsiteX30" y="connsiteY30"/>
+              </a:cxn>
+              <a:cxn ang="0">
+                <a:pos x="connsiteX31" y="connsiteY31"/>
+              </a:cxn>
+              <a:cxn ang="0">
+                <a:pos x="connsiteX32" y="connsiteY32"/>
+              </a:cxn>
+              <a:cxn ang="0">
+                <a:pos x="connsiteX33" y="connsiteY33"/>
+              </a:cxn>
+              <a:cxn ang="0">
+                <a:pos x="connsiteX34" y="connsiteY34"/>
+              </a:cxn>
+              <a:cxn ang="0">
+                <a:pos x="connsiteX35" y="connsiteY35"/>
+              </a:cxn>
+              <a:cxn ang="0">
+                <a:pos x="connsiteX36" y="connsiteY36"/>
+              </a:cxn>
+              <a:cxn ang="0">
+                <a:pos x="connsiteX37" y="connsiteY37"/>
+              </a:cxn>
+              <a:cxn ang="0">
+                <a:pos x="connsiteX38" y="connsiteY38"/>
+              </a:cxn>
+              <a:cxn ang="0">
+                <a:pos x="connsiteX39" y="connsiteY39"/>
+              </a:cxn>
+            </a:cxnLst>
+            <a:rect l="l" t="t" r="r" b="b"/>
+            <a:pathLst>
+              <a:path w="8331" h="5373">
+                <a:moveTo>
+                  <a:pt x="0" y="3663"/>
+                </a:moveTo>
+                <a:cubicBezTo>
+                  <a:pt x="28" y="3645"/>
+                  <a:pt x="91" y="3603"/>
+                  <a:pt x="92" y="3603"/>
+                </a:cubicBezTo>
+                <a:cubicBezTo>
+                  <a:pt x="412" y="3406"/>
+                  <a:pt x="810" y="3448"/>
+                  <a:pt x="810" y="3448"/>
+                </a:cubicBezTo>
+                <a:cubicBezTo>
+                  <a:pt x="892" y="3471"/>
+                  <a:pt x="945" y="3464"/>
+                  <a:pt x="1055" y="3516"/>
+                </a:cubicBezTo>
+                <a:cubicBezTo>
+                  <a:pt x="1207" y="3594"/>
+                  <a:pt x="1487" y="3755"/>
+                  <a:pt x="1765" y="4373"/>
+                </a:cubicBezTo>
+                <a:cubicBezTo>
+                  <a:pt x="2018" y="5005"/>
+                  <a:pt x="2598" y="5389"/>
+                  <a:pt x="2976" y="5372"/>
+                </a:cubicBezTo>
+                <a:lnTo>
+                  <a:pt x="2998" y="5371"/>
+                </a:lnTo>
+                <a:lnTo>
+                  <a:pt x="3019" y="5370"/>
+                </a:lnTo>
+                <a:lnTo>
+                  <a:pt x="3040" y="5368"/>
+                </a:lnTo>
+                <a:lnTo>
+                  <a:pt x="3070" y="5369"/>
+                </a:lnTo>
+                <a:lnTo>
+                  <a:pt x="3100" y="5370"/>
+                </a:lnTo>
+                <a:cubicBezTo>
+                  <a:pt x="3702" y="5386"/>
+                  <a:pt x="3971" y="4511"/>
+                  <a:pt x="4064" y="4094"/>
+                </a:cubicBezTo>
+                <a:cubicBezTo>
+                  <a:pt x="4131" y="3763"/>
+                  <a:pt x="4122" y="3695"/>
+                  <a:pt x="4151" y="3496"/>
+                </a:cubicBezTo>
+                <a:lnTo>
+                  <a:pt x="4230" y="3101"/>
+                </a:lnTo>
+                <a:cubicBezTo>
+                  <a:pt x="4312" y="2650"/>
+                  <a:pt x="4345" y="2612"/>
+                  <a:pt x="4455" y="2156"/>
+                </a:cubicBezTo>
+                <a:cubicBezTo>
+                  <a:pt x="4499" y="2002"/>
+                  <a:pt x="4502" y="1897"/>
+                  <a:pt x="4528" y="1837"/>
+                </a:cubicBezTo>
+                <a:cubicBezTo>
+                  <a:pt x="4533" y="1825"/>
+                  <a:pt x="4539" y="1811"/>
+                  <a:pt x="4540" y="1808"/>
+                </a:cubicBezTo>
+                <a:cubicBezTo>
+                  <a:pt x="4693" y="1089"/>
+                  <a:pt x="5488" y="341"/>
+                  <a:pt x="6452" y="360"/>
+                </a:cubicBezTo>
+                <a:lnTo>
+                  <a:pt x="6506" y="360"/>
+                </a:lnTo>
+                <a:lnTo>
+                  <a:pt x="6561" y="362"/>
+                </a:lnTo>
+                <a:lnTo>
+                  <a:pt x="6616" y="365"/>
+                </a:lnTo>
+                <a:lnTo>
+                  <a:pt x="6672" y="369"/>
+                </a:lnTo>
+                <a:lnTo>
+                  <a:pt x="6679" y="369"/>
+                </a:lnTo>
+                <a:cubicBezTo>
+                  <a:pt x="6800" y="369"/>
+                  <a:pt x="6990" y="375"/>
+                  <a:pt x="7062" y="377"/>
+                </a:cubicBezTo>
+                <a:cubicBezTo>
+                  <a:pt x="7073" y="377"/>
+                  <a:pt x="7087" y="377"/>
+                  <a:pt x="7089" y="378"/>
+                </a:cubicBezTo>
+                <a:cubicBezTo>
+                  <a:pt x="7198" y="381"/>
+                  <a:pt x="7367" y="384"/>
+                  <a:pt x="7422" y="384"/>
+                </a:cubicBezTo>
+                <a:cubicBezTo>
+                  <a:pt x="7430" y="384"/>
+                  <a:pt x="7439" y="384"/>
+                  <a:pt x="7440" y="384"/>
+                </a:cubicBezTo>
+                <a:lnTo>
+                  <a:pt x="7474" y="384"/>
+                </a:lnTo>
+                <a:cubicBezTo>
+                  <a:pt x="8145" y="384"/>
+                  <a:pt x="8339" y="157"/>
+                  <a:pt x="8331" y="55"/>
+                </a:cubicBezTo>
+                <a:lnTo>
+                  <a:pt x="8331" y="49"/>
+                </a:lnTo>
+                <a:lnTo>
+                  <a:pt x="8330" y="44"/>
+                </a:lnTo>
+                <a:lnTo>
+                  <a:pt x="8329" y="38"/>
+                </a:lnTo>
+                <a:lnTo>
+                  <a:pt x="8328" y="33"/>
+                </a:lnTo>
+                <a:lnTo>
+                  <a:pt x="8328" y="25"/>
+                </a:lnTo>
+                <a:lnTo>
+                  <a:pt x="8328" y="17"/>
+                </a:lnTo>
+                <a:lnTo>
+                  <a:pt x="8327" y="9"/>
+                </a:lnTo>
+                <a:lnTo>
+                  <a:pt x="8326" y="1"/>
+                </a:lnTo>
+                <a:lnTo>
+                  <a:pt x="8326" y="0"/>
+                </a:lnTo>
+                <a:lnTo>
+                  <a:pt x="0" y="0"/>
+                </a:lnTo>
+                <a:lnTo>
+                  <a:pt x="0" y="3663"/>
+                </a:lnTo>
+                <a:close/>
+              </a:path>
+            </a:pathLst>
+          </a:custGeom>
+          <a:solidFill>
+            <a:srgbClr val="2F4275"/>
+          </a:solidFill>
+          <a:ln>
+            <a:noFill/>
+          </a:ln>
+        </p:spPr>
+        <p:style>
+          <a:lnRef idx="2">
+            <a:schemeClr val="accent1">
+              <a:shade val="50000"/>
+            </a:schemeClr>
+          </a:lnRef>
+          <a:fillRef idx="1">
+            <a:schemeClr val="accent1"/>
+          </a:fillRef>
+          <a:effectRef idx="0">
+            <a:schemeClr val="accent1"/>
+          </a:effectRef>
+          <a:fontRef idx="minor">
+            <a:schemeClr val="lt1"/>
+          </a:fontRef>
+        </p:style>
+        <p:txBody>
+          <a:bodyPr wrap="square" rtlCol="0" anchor="ctr">
+            <a:noAutofit/>
+          </a:bodyPr>
+          <a:lstStyle>
+            <a:defPPr>
+              <a:defRPr lang="zh-CN">
+                <a:solidFill>
+                  <a:schemeClr val="lt1"/>
+                </a:solidFill>
+              </a:defRPr>
+            </a:defPPr>
+            <a:lvl1pPr marL="0" algn="l" defTabSz="914400" rtl="0" eaLnBrk="1" latinLnBrk="0" hangingPunct="1">
+              <a:defRPr sz="1800" kern="1200">
+                <a:solidFill>
+                  <a:schemeClr val="lt1"/>
+                </a:solidFill>
+                <a:latin typeface="+mn-lt"/>
+                <a:ea typeface="+mn-ea"/>
+                <a:cs typeface="+mn-cs"/>
+              </a:defRPr>
+            </a:lvl1pPr>
+            <a:lvl2pPr marL="457200" algn="l" defTabSz="914400" rtl="0" eaLnBrk="1" latinLnBrk="0" hangingPunct="1">
+              <a:defRPr sz="1800" kern="1200">
+                <a:solidFill>
+                  <a:schemeClr val="lt1"/>
+                </a:solidFill>
+                <a:latin typeface="+mn-lt"/>
+                <a:ea typeface="+mn-ea"/>
+                <a:cs typeface="+mn-cs"/>
+              </a:defRPr>
+            </a:lvl2pPr>
+            <a:lvl3pPr marL="914400" algn="l" defTabSz="914400" rtl="0" eaLnBrk="1" latinLnBrk="0" hangingPunct="1">
+              <a:defRPr sz="1800" kern="1200">
+                <a:solidFill>
+                  <a:schemeClr val="lt1"/>
+                </a:solidFill>
+                <a:latin typeface="+mn-lt"/>
+                <a:ea typeface="+mn-ea"/>
+                <a:cs typeface="+mn-cs"/>
+              </a:defRPr>
+            </a:lvl3pPr>
+            <a:lvl4pPr marL="1371600" algn="l" defTabSz="914400" rtl="0" eaLnBrk="1" latinLnBrk="0" hangingPunct="1">
+              <a:defRPr sz="1800" kern="1200">
+                <a:solidFill>
+                  <a:schemeClr val="lt1"/>
+                </a:solidFill>
+                <a:latin typeface="+mn-lt"/>
+                <a:ea typeface="+mn-ea"/>
+                <a:cs typeface="+mn-cs"/>
+              </a:defRPr>
+            </a:lvl4pPr>
+            <a:lvl5pPr marL="1828800" algn="l" defTabSz="914400" rtl="0" eaLnBrk="1" latinLnBrk="0" hangingPunct="1">
+              <a:defRPr sz="1800" kern="1200">
+                <a:solidFill>
+                  <a:schemeClr val="lt1"/>
+                </a:solidFill>
+                <a:latin typeface="+mn-lt"/>
+                <a:ea typeface="+mn-ea"/>
+                <a:cs typeface="+mn-cs"/>
+              </a:defRPr>
+            </a:lvl5pPr>
+            <a:lvl6pPr marL="2286000" algn="l" defTabSz="914400" rtl="0" eaLnBrk="1" latinLnBrk="0" hangingPunct="1">
+              <a:defRPr sz="1800" kern="1200">
+                <a:solidFill>
+                  <a:schemeClr val="lt1"/>
+                </a:solidFill>
+                <a:latin typeface="+mn-lt"/>
+                <a:ea typeface="+mn-ea"/>
+                <a:cs typeface="+mn-cs"/>
+              </a:defRPr>
+            </a:lvl6pPr>
+            <a:lvl7pPr marL="2743200" algn="l" defTabSz="914400" rtl="0" eaLnBrk="1" latinLnBrk="0" hangingPunct="1">
+              <a:defRPr sz="1800" kern="1200">
+                <a:solidFill>
+                  <a:schemeClr val="lt1"/>
+                </a:solidFill>
+                <a:latin typeface="+mn-lt"/>
+                <a:ea typeface="+mn-ea"/>
+                <a:cs typeface="+mn-cs"/>
+              </a:defRPr>
+            </a:lvl7pPr>
+            <a:lvl8pPr marL="3200400" algn="l" defTabSz="914400" rtl="0" eaLnBrk="1" latinLnBrk="0" hangingPunct="1">
+              <a:defRPr sz="1800" kern="1200">
+                <a:solidFill>
+                  <a:schemeClr val="lt1"/>
+                </a:solidFill>
+                <a:latin typeface="+mn-lt"/>
+                <a:ea typeface="+mn-ea"/>
+                <a:cs typeface="+mn-cs"/>
+              </a:defRPr>
+            </a:lvl8pPr>
+            <a:lvl9pPr marL="3657600" algn="l" defTabSz="914400" rtl="0" eaLnBrk="1" latinLnBrk="0" hangingPunct="1">
+              <a:defRPr sz="1800" kern="1200">
+                <a:solidFill>
+                  <a:schemeClr val="lt1"/>
+                </a:solidFill>
+                <a:latin typeface="+mn-lt"/>
+                <a:ea typeface="+mn-ea"/>
+                <a:cs typeface="+mn-cs"/>
+              </a:defRPr>
+            </a:lvl9pPr>
+          </a:lstStyle>
+          <a:p>
+            <a:pPr algn="ctr"/>
+            <a:endParaRPr lang="zh-CN" altLang="en-US">
+              <a:cs typeface="汉仪旗黑-55简" panose="00020600040101010101" charset="-128"/>
+            </a:endParaRPr>
+          </a:p>
+        </p:txBody>
+      </p:sp>
+      <p:sp>
+        <p:nvSpPr>
+          <p:cNvPr id="77" name="任意多边形 76"/>
+          <p:cNvSpPr/>
+          <p:nvPr/>
+        </p:nvSpPr>
+        <p:spPr>
+          <a:xfrm>
+            <a:off x="9601835" y="4957445"/>
+            <a:ext cx="2590165" cy="1900555"/>
+          </a:xfrm>
+          <a:custGeom>
+            <a:avLst/>
+            <a:gdLst/>
+            <a:ahLst/>
+            <a:cxnLst>
+              <a:cxn ang="3">
+                <a:pos x="hc" y="t"/>
+              </a:cxn>
+              <a:cxn ang="cd2">
+                <a:pos x="l" y="vc"/>
+              </a:cxn>
+              <a:cxn ang="cd4">
+                <a:pos x="hc" y="b"/>
+              </a:cxn>
+              <a:cxn ang="0">
+                <a:pos x="r" y="vc"/>
+              </a:cxn>
+            </a:cxnLst>
+            <a:rect l="l" t="t" r="r" b="b"/>
+            <a:pathLst>
+              <a:path w="5485" h="4044">
+                <a:moveTo>
+                  <a:pt x="0" y="4037"/>
+                </a:moveTo>
+                <a:cubicBezTo>
+                  <a:pt x="532" y="1406"/>
+                  <a:pt x="3081" y="-124"/>
+                  <a:pt x="3559" y="0"/>
+                </a:cubicBezTo>
+                <a:lnTo>
+                  <a:pt x="3591" y="0"/>
+                </a:lnTo>
+                <a:lnTo>
+                  <a:pt x="3715" y="6"/>
+                </a:lnTo>
+                <a:lnTo>
+                  <a:pt x="3749" y="5"/>
+                </a:lnTo>
+                <a:lnTo>
+                  <a:pt x="3783" y="5"/>
+                </a:lnTo>
+                <a:cubicBezTo>
+                  <a:pt x="4501" y="-6"/>
+                  <a:pt x="5429" y="992"/>
+                  <a:pt x="5480" y="1519"/>
+                </a:cubicBezTo>
+                <a:lnTo>
+                  <a:pt x="5485" y="1541"/>
+                </a:lnTo>
+                <a:lnTo>
+                  <a:pt x="5485" y="4037"/>
+                </a:lnTo>
+                <a:lnTo>
+                  <a:pt x="0" y="4037"/>
+                </a:lnTo>
+                <a:close/>
+              </a:path>
+            </a:pathLst>
+          </a:custGeom>
+          <a:solidFill>
+            <a:schemeClr val="bg1">
+              <a:lumMod val="85000"/>
+            </a:schemeClr>
+          </a:solidFill>
+          <a:ln>
+            <a:noFill/>
+          </a:ln>
+        </p:spPr>
+        <p:style>
+          <a:lnRef idx="2">
+            <a:schemeClr val="accent1">
+              <a:shade val="50000"/>
+            </a:schemeClr>
+          </a:lnRef>
+          <a:fillRef idx="1">
+            <a:schemeClr val="accent1"/>
+          </a:fillRef>
+          <a:effectRef idx="0">
+            <a:schemeClr val="accent1"/>
+          </a:effectRef>
+          <a:fontRef idx="minor">
+            <a:schemeClr val="lt1"/>
+          </a:fontRef>
+        </p:style>
+        <p:txBody>
+          <a:bodyPr wrap="square" rtlCol="0" anchor="ctr">
+            <a:noAutofit/>
+          </a:bodyPr>
+          <a:lstStyle>
+            <a:defPPr>
+              <a:defRPr lang="zh-CN">
+                <a:solidFill>
+                  <a:schemeClr val="lt1"/>
+                </a:solidFill>
+              </a:defRPr>
+            </a:defPPr>
+            <a:lvl1pPr marL="0" algn="l" defTabSz="914400" rtl="0" eaLnBrk="1" latinLnBrk="0" hangingPunct="1">
+              <a:defRPr sz="1800" kern="1200">
+                <a:solidFill>
+                  <a:schemeClr val="lt1"/>
+                </a:solidFill>
+                <a:latin typeface="+mn-lt"/>
+                <a:ea typeface="+mn-ea"/>
+                <a:cs typeface="+mn-cs"/>
+              </a:defRPr>
+            </a:lvl1pPr>
+            <a:lvl2pPr marL="457200" algn="l" defTabSz="914400" rtl="0" eaLnBrk="1" latinLnBrk="0" hangingPunct="1">
+              <a:defRPr sz="1800" kern="1200">
+                <a:solidFill>
+                  <a:schemeClr val="lt1"/>
+                </a:solidFill>
+                <a:latin typeface="+mn-lt"/>
+                <a:ea typeface="+mn-ea"/>
+                <a:cs typeface="+mn-cs"/>
+              </a:defRPr>
+            </a:lvl2pPr>
+            <a:lvl3pPr marL="914400" algn="l" defTabSz="914400" rtl="0" eaLnBrk="1" latinLnBrk="0" hangingPunct="1">
+              <a:defRPr sz="1800" kern="1200">
+                <a:solidFill>
+                  <a:schemeClr val="lt1"/>
+                </a:solidFill>
+                <a:latin typeface="+mn-lt"/>
+                <a:ea typeface="+mn-ea"/>
+                <a:cs typeface="+mn-cs"/>
+              </a:defRPr>
+            </a:lvl3pPr>
+            <a:lvl4pPr marL="1371600" algn="l" defTabSz="914400" rtl="0" eaLnBrk="1" latinLnBrk="0" hangingPunct="1">
+              <a:defRPr sz="1800" kern="1200">
+                <a:solidFill>
+                  <a:schemeClr val="lt1"/>
+                </a:solidFill>
+                <a:latin typeface="+mn-lt"/>
+                <a:ea typeface="+mn-ea"/>
+                <a:cs typeface="+mn-cs"/>
+              </a:defRPr>
+            </a:lvl4pPr>
+            <a:lvl5pPr marL="1828800" algn="l" defTabSz="914400" rtl="0" eaLnBrk="1" latinLnBrk="0" hangingPunct="1">
+              <a:defRPr sz="1800" kern="1200">
+                <a:solidFill>
+                  <a:schemeClr val="lt1"/>
+                </a:solidFill>
+                <a:latin typeface="+mn-lt"/>
+                <a:ea typeface="+mn-ea"/>
+                <a:cs typeface="+mn-cs"/>
+              </a:defRPr>
+            </a:lvl5pPr>
+            <a:lvl6pPr marL="2286000" algn="l" defTabSz="914400" rtl="0" eaLnBrk="1" latinLnBrk="0" hangingPunct="1">
+              <a:defRPr sz="1800" kern="1200">
+                <a:solidFill>
+                  <a:schemeClr val="lt1"/>
+                </a:solidFill>
+                <a:latin typeface="+mn-lt"/>
+                <a:ea typeface="+mn-ea"/>
+                <a:cs typeface="+mn-cs"/>
+              </a:defRPr>
+            </a:lvl6pPr>
+            <a:lvl7pPr marL="2743200" algn="l" defTabSz="914400" rtl="0" eaLnBrk="1" latinLnBrk="0" hangingPunct="1">
+              <a:defRPr sz="1800" kern="1200">
+                <a:solidFill>
+                  <a:schemeClr val="lt1"/>
+                </a:solidFill>
+                <a:latin typeface="+mn-lt"/>
+                <a:ea typeface="+mn-ea"/>
+                <a:cs typeface="+mn-cs"/>
+              </a:defRPr>
+            </a:lvl7pPr>
+            <a:lvl8pPr marL="3200400" algn="l" defTabSz="914400" rtl="0" eaLnBrk="1" latinLnBrk="0" hangingPunct="1">
+              <a:defRPr sz="1800" kern="1200">
+                <a:solidFill>
+                  <a:schemeClr val="lt1"/>
+                </a:solidFill>
+                <a:latin typeface="+mn-lt"/>
+                <a:ea typeface="+mn-ea"/>
+                <a:cs typeface="+mn-cs"/>
+              </a:defRPr>
+            </a:lvl8pPr>
+            <a:lvl9pPr marL="3657600" algn="l" defTabSz="914400" rtl="0" eaLnBrk="1" latinLnBrk="0" hangingPunct="1">
+              <a:defRPr sz="1800" kern="1200">
+                <a:solidFill>
+                  <a:schemeClr val="lt1"/>
+                </a:solidFill>
+                <a:latin typeface="+mn-lt"/>
+                <a:ea typeface="+mn-ea"/>
+                <a:cs typeface="+mn-cs"/>
+              </a:defRPr>
+            </a:lvl9pPr>
+          </a:lstStyle>
+          <a:p>
+            <a:pPr algn="ctr"/>
+            <a:endParaRPr lang="zh-CN" altLang="en-US">
+              <a:cs typeface="汉仪旗黑-55简" panose="00020600040101010101" charset="-128"/>
+            </a:endParaRPr>
+          </a:p>
+        </p:txBody>
+      </p:sp>
+      <p:sp>
+        <p:nvSpPr>
+          <p:cNvPr id="55" name="任意多边形 54"/>
+          <p:cNvSpPr/>
+          <p:nvPr/>
+        </p:nvSpPr>
+        <p:spPr>
+          <a:xfrm>
+            <a:off x="9090660" y="5235575"/>
+            <a:ext cx="3101340" cy="1622425"/>
+          </a:xfrm>
+          <a:custGeom>
+            <a:avLst/>
+            <a:gdLst>
+              <a:gd name="connsiteX0" fmla="*/ 0 w 7048"/>
+              <a:gd name="connsiteY0" fmla="*/ 3698 h 3698"/>
+              <a:gd name="connsiteX1" fmla="*/ 3188 w 7048"/>
+              <a:gd name="connsiteY1" fmla="*/ 0 h 3698"/>
+              <a:gd name="connsiteX2" fmla="*/ 3293 w 7048"/>
+              <a:gd name="connsiteY2" fmla="*/ 4 h 3698"/>
+              <a:gd name="connsiteX3" fmla="*/ 4791 w 7048"/>
+              <a:gd name="connsiteY3" fmla="*/ 1085 h 3698"/>
+              <a:gd name="connsiteX4" fmla="*/ 5430 w 7048"/>
+              <a:gd name="connsiteY4" fmla="*/ 1784 h 3698"/>
+              <a:gd name="connsiteX5" fmla="*/ 5524 w 7048"/>
+              <a:gd name="connsiteY5" fmla="*/ 1782 h 3698"/>
+              <a:gd name="connsiteX6" fmla="*/ 6708 w 7048"/>
+              <a:gd name="connsiteY6" fmla="*/ 1018 h 3698"/>
+              <a:gd name="connsiteX7" fmla="*/ 6722 w 7048"/>
+              <a:gd name="connsiteY7" fmla="*/ 1006 h 3698"/>
+              <a:gd name="connsiteX8" fmla="*/ 6737 w 7048"/>
+              <a:gd name="connsiteY8" fmla="*/ 992 h 3698"/>
+              <a:gd name="connsiteX9" fmla="*/ 6755 w 7048"/>
+              <a:gd name="connsiteY9" fmla="*/ 976 h 3698"/>
+              <a:gd name="connsiteX10" fmla="*/ 6773 w 7048"/>
+              <a:gd name="connsiteY10" fmla="*/ 961 h 3698"/>
+              <a:gd name="connsiteX11" fmla="*/ 6789 w 7048"/>
+              <a:gd name="connsiteY11" fmla="*/ 945 h 3698"/>
+              <a:gd name="connsiteX12" fmla="*/ 6793 w 7048"/>
+              <a:gd name="connsiteY12" fmla="*/ 941 h 3698"/>
+              <a:gd name="connsiteX13" fmla="*/ 7048 w 7048"/>
+              <a:gd name="connsiteY13" fmla="*/ 716 h 3698"/>
+              <a:gd name="connsiteX14" fmla="*/ 7048 w 7048"/>
+              <a:gd name="connsiteY14" fmla="*/ 3698 h 3698"/>
+              <a:gd name="connsiteX15" fmla="*/ 0 w 7048"/>
+              <a:gd name="connsiteY15" fmla="*/ 3698 h 3698"/>
+            </a:gdLst>
+            <a:ahLst/>
+            <a:cxnLst>
+              <a:cxn ang="0">
+                <a:pos x="connsiteX0" y="connsiteY0"/>
+              </a:cxn>
+              <a:cxn ang="0">
+                <a:pos x="connsiteX1" y="connsiteY1"/>
+              </a:cxn>
+              <a:cxn ang="0">
+                <a:pos x="connsiteX2" y="connsiteY2"/>
+              </a:cxn>
+              <a:cxn ang="0">
+                <a:pos x="connsiteX3" y="connsiteY3"/>
+              </a:cxn>
+              <a:cxn ang="0">
+                <a:pos x="connsiteX4" y="connsiteY4"/>
+              </a:cxn>
+              <a:cxn ang="0">
+                <a:pos x="connsiteX5" y="connsiteY5"/>
+              </a:cxn>
+              <a:cxn ang="0">
+                <a:pos x="connsiteX6" y="connsiteY6"/>
+              </a:cxn>
+              <a:cxn ang="0">
+                <a:pos x="connsiteX7" y="connsiteY7"/>
+              </a:cxn>
+              <a:cxn ang="0">
+                <a:pos x="connsiteX8" y="connsiteY8"/>
+              </a:cxn>
+              <a:cxn ang="0">
+                <a:pos x="connsiteX9" y="connsiteY9"/>
+              </a:cxn>
+              <a:cxn ang="0">
+                <a:pos x="connsiteX10" y="connsiteY10"/>
+              </a:cxn>
+              <a:cxn ang="0">
+                <a:pos x="connsiteX11" y="connsiteY11"/>
+              </a:cxn>
+              <a:cxn ang="0">
+                <a:pos x="connsiteX12" y="connsiteY12"/>
+              </a:cxn>
+              <a:cxn ang="0">
+                <a:pos x="connsiteX13" y="connsiteY13"/>
+              </a:cxn>
+              <a:cxn ang="0">
+                <a:pos x="connsiteX14" y="connsiteY14"/>
+              </a:cxn>
+              <a:cxn ang="0">
+                <a:pos x="connsiteX15" y="connsiteY15"/>
+              </a:cxn>
+            </a:cxnLst>
+            <a:rect l="l" t="t" r="r" b="b"/>
+            <a:pathLst>
+              <a:path w="7048" h="3698">
+                <a:moveTo>
+                  <a:pt x="0" y="3698"/>
+                </a:moveTo>
+                <a:cubicBezTo>
+                  <a:pt x="213" y="1107"/>
+                  <a:pt x="2537" y="11"/>
+                  <a:pt x="3188" y="0"/>
+                </a:cubicBezTo>
+                <a:lnTo>
+                  <a:pt x="3293" y="4"/>
+                </a:lnTo>
+                <a:cubicBezTo>
+                  <a:pt x="3896" y="-17"/>
+                  <a:pt x="4685" y="596"/>
+                  <a:pt x="4791" y="1085"/>
+                </a:cubicBezTo>
+                <a:cubicBezTo>
+                  <a:pt x="4887" y="1456"/>
+                  <a:pt x="5188" y="1796"/>
+                  <a:pt x="5430" y="1784"/>
+                </a:cubicBezTo>
+                <a:lnTo>
+                  <a:pt x="5524" y="1782"/>
+                </a:lnTo>
+                <a:cubicBezTo>
+                  <a:pt x="5847" y="1792"/>
+                  <a:pt x="6462" y="1237"/>
+                  <a:pt x="6708" y="1018"/>
+                </a:cubicBezTo>
+                <a:lnTo>
+                  <a:pt x="6722" y="1006"/>
+                </a:lnTo>
+                <a:lnTo>
+                  <a:pt x="6737" y="992"/>
+                </a:lnTo>
+                <a:lnTo>
+                  <a:pt x="6755" y="976"/>
+                </a:lnTo>
+                <a:lnTo>
+                  <a:pt x="6773" y="961"/>
+                </a:lnTo>
+                <a:lnTo>
+                  <a:pt x="6789" y="945"/>
+                </a:lnTo>
+                <a:lnTo>
+                  <a:pt x="6793" y="941"/>
+                </a:lnTo>
+                <a:cubicBezTo>
+                  <a:pt x="6869" y="868"/>
+                  <a:pt x="7028" y="731"/>
+                  <a:pt x="7048" y="716"/>
+                </a:cubicBezTo>
+                <a:lnTo>
+                  <a:pt x="7048" y="3698"/>
+                </a:lnTo>
+                <a:lnTo>
+                  <a:pt x="0" y="3698"/>
+                </a:lnTo>
+                <a:close/>
+              </a:path>
+            </a:pathLst>
+          </a:custGeom>
+          <a:solidFill>
+            <a:srgbClr val="2F4275"/>
+          </a:solidFill>
+          <a:ln>
+            <a:noFill/>
+          </a:ln>
+        </p:spPr>
+        <p:style>
+          <a:lnRef idx="2">
+            <a:schemeClr val="accent1">
+              <a:shade val="50000"/>
+            </a:schemeClr>
+          </a:lnRef>
+          <a:fillRef idx="1">
+            <a:schemeClr val="accent1"/>
+          </a:fillRef>
+          <a:effectRef idx="0">
+            <a:schemeClr val="accent1"/>
+          </a:effectRef>
+          <a:fontRef idx="minor">
+            <a:schemeClr val="lt1"/>
+          </a:fontRef>
+        </p:style>
+        <p:txBody>
+          <a:bodyPr wrap="square" rtlCol="0" anchor="ctr">
+            <a:noAutofit/>
+          </a:bodyPr>
+          <a:lstStyle>
+            <a:defPPr>
+              <a:defRPr lang="zh-CN">
+                <a:solidFill>
+                  <a:schemeClr val="lt1"/>
+                </a:solidFill>
+              </a:defRPr>
+            </a:defPPr>
+            <a:lvl1pPr marL="0" algn="l" defTabSz="914400" rtl="0" eaLnBrk="1" latinLnBrk="0" hangingPunct="1">
+              <a:defRPr sz="1800" kern="1200">
+                <a:solidFill>
+                  <a:schemeClr val="lt1"/>
+                </a:solidFill>
+                <a:latin typeface="+mn-lt"/>
+                <a:ea typeface="+mn-ea"/>
+                <a:cs typeface="+mn-cs"/>
+              </a:defRPr>
+            </a:lvl1pPr>
+            <a:lvl2pPr marL="457200" algn="l" defTabSz="914400" rtl="0" eaLnBrk="1" latinLnBrk="0" hangingPunct="1">
+              <a:defRPr sz="1800" kern="1200">
+                <a:solidFill>
+                  <a:schemeClr val="lt1"/>
+                </a:solidFill>
+                <a:latin typeface="+mn-lt"/>
+                <a:ea typeface="+mn-ea"/>
+                <a:cs typeface="+mn-cs"/>
+              </a:defRPr>
+            </a:lvl2pPr>
+            <a:lvl3pPr marL="914400" algn="l" defTabSz="914400" rtl="0" eaLnBrk="1" latinLnBrk="0" hangingPunct="1">
+              <a:defRPr sz="1800" kern="1200">
+                <a:solidFill>
+                  <a:schemeClr val="lt1"/>
+                </a:solidFill>
+                <a:latin typeface="+mn-lt"/>
+                <a:ea typeface="+mn-ea"/>
+                <a:cs typeface="+mn-cs"/>
+              </a:defRPr>
+            </a:lvl3pPr>
+            <a:lvl4pPr marL="1371600" algn="l" defTabSz="914400" rtl="0" eaLnBrk="1" latinLnBrk="0" hangingPunct="1">
+              <a:defRPr sz="1800" kern="1200">
+                <a:solidFill>
+                  <a:schemeClr val="lt1"/>
+                </a:solidFill>
+                <a:latin typeface="+mn-lt"/>
+                <a:ea typeface="+mn-ea"/>
+                <a:cs typeface="+mn-cs"/>
+              </a:defRPr>
+            </a:lvl4pPr>
+            <a:lvl5pPr marL="1828800" algn="l" defTabSz="914400" rtl="0" eaLnBrk="1" latinLnBrk="0" hangingPunct="1">
+              <a:defRPr sz="1800" kern="1200">
+                <a:solidFill>
+                  <a:schemeClr val="lt1"/>
+                </a:solidFill>
+                <a:latin typeface="+mn-lt"/>
+                <a:ea typeface="+mn-ea"/>
+                <a:cs typeface="+mn-cs"/>
+              </a:defRPr>
+            </a:lvl5pPr>
+            <a:lvl6pPr marL="2286000" algn="l" defTabSz="914400" rtl="0" eaLnBrk="1" latinLnBrk="0" hangingPunct="1">
+              <a:defRPr sz="1800" kern="1200">
+                <a:solidFill>
+                  <a:schemeClr val="lt1"/>
+                </a:solidFill>
+                <a:latin typeface="+mn-lt"/>
+                <a:ea typeface="+mn-ea"/>
+                <a:cs typeface="+mn-cs"/>
+              </a:defRPr>
+            </a:lvl6pPr>
+            <a:lvl7pPr marL="2743200" algn="l" defTabSz="914400" rtl="0" eaLnBrk="1" latinLnBrk="0" hangingPunct="1">
+              <a:defRPr sz="1800" kern="1200">
+                <a:solidFill>
+                  <a:schemeClr val="lt1"/>
+                </a:solidFill>
+                <a:latin typeface="+mn-lt"/>
+                <a:ea typeface="+mn-ea"/>
+                <a:cs typeface="+mn-cs"/>
+              </a:defRPr>
+            </a:lvl7pPr>
+            <a:lvl8pPr marL="3200400" algn="l" defTabSz="914400" rtl="0" eaLnBrk="1" latinLnBrk="0" hangingPunct="1">
+              <a:defRPr sz="1800" kern="1200">
+                <a:solidFill>
+                  <a:schemeClr val="lt1"/>
+                </a:solidFill>
+                <a:latin typeface="+mn-lt"/>
+                <a:ea typeface="+mn-ea"/>
+                <a:cs typeface="+mn-cs"/>
+              </a:defRPr>
+            </a:lvl8pPr>
+            <a:lvl9pPr marL="3657600" algn="l" defTabSz="914400" rtl="0" eaLnBrk="1" latinLnBrk="0" hangingPunct="1">
+              <a:defRPr sz="1800" kern="1200">
+                <a:solidFill>
+                  <a:schemeClr val="lt1"/>
+                </a:solidFill>
+                <a:latin typeface="+mn-lt"/>
+                <a:ea typeface="+mn-ea"/>
+                <a:cs typeface="+mn-cs"/>
+              </a:defRPr>
+            </a:lvl9pPr>
+          </a:lstStyle>
+          <a:p>
+            <a:pPr algn="ctr"/>
+            <a:endParaRPr lang="zh-CN" altLang="en-US">
+              <a:cs typeface="汉仪旗黑-55简" panose="00020600040101010101" charset="-128"/>
+            </a:endParaRPr>
+          </a:p>
+        </p:txBody>
+      </p:sp>
+      <p:sp>
+        <p:nvSpPr>
+          <p:cNvPr id="12" name="文本框 11"/>
+          <p:cNvSpPr txBox="1"/>
+          <p:nvPr/>
+        </p:nvSpPr>
+        <p:spPr>
+          <a:xfrm>
+            <a:off x="874930" y="2802564"/>
+            <a:ext cx="3824756" cy="830997"/>
+          </a:xfrm>
+          <a:prstGeom prst="rect">
+            <a:avLst/>
+          </a:prstGeom>
+          <a:noFill/>
+        </p:spPr>
+        <p:txBody>
+          <a:bodyPr wrap="square" rtlCol="0">
+            <a:spAutoFit/>
+          </a:bodyPr>
+          <a:lstStyle/>
+          <a:p>
+            <a:pPr algn="ctr"/>
+            <a:r>
+              <a:rPr lang="en-US" sz="4800" dirty="0">
+                <a:solidFill>
+                  <a:srgbClr val="2F4275"/>
+                </a:solidFill>
+                <a:latin typeface="Times New Roman" panose="02020603050405020304" pitchFamily="18" charset="0"/>
+                <a:ea typeface="汉仪旗黑-55简" panose="00020600040101010101" charset="-128"/>
+                <a:cs typeface="Times New Roman" panose="02020603050405020304" pitchFamily="18" charset="0"/>
+                <a:sym typeface="汉仪旗黑-55简" panose="00020600040101010101" charset="-128"/>
+              </a:rPr>
+              <a:t>CONTENTS</a:t>
+            </a:r>
+          </a:p>
+        </p:txBody>
+      </p:sp>
+      <p:sp>
+        <p:nvSpPr>
+          <p:cNvPr id="9" name="文本框 8"/>
+          <p:cNvSpPr txBox="1"/>
+          <p:nvPr/>
+        </p:nvSpPr>
+        <p:spPr>
+          <a:xfrm>
+            <a:off x="6146483" y="1353669"/>
+            <a:ext cx="4838700" cy="1082669"/>
+          </a:xfrm>
+          <a:prstGeom prst="rect">
+            <a:avLst/>
+          </a:prstGeom>
+          <a:noFill/>
+        </p:spPr>
+        <p:txBody>
+          <a:bodyPr wrap="square" rtlCol="0">
+            <a:spAutoFit/>
+          </a:bodyPr>
+          <a:lstStyle/>
+          <a:p>
+            <a:pPr algn="l">
+              <a:lnSpc>
+                <a:spcPct val="120000"/>
+              </a:lnSpc>
+            </a:pPr>
+            <a:r>
+              <a:rPr lang="en-US" altLang="zh-CN" sz="2800" dirty="0">
+                <a:solidFill>
+                  <a:srgbClr val="2F4275"/>
+                </a:solidFill>
+                <a:latin typeface="Times New Roman" panose="02020603050405020304" pitchFamily="18" charset="0"/>
+                <a:ea typeface="汉仪旗黑-55简" panose="00020600040101010101" charset="-122"/>
+                <a:cs typeface="Times New Roman" panose="02020603050405020304" pitchFamily="18" charset="0"/>
+              </a:rPr>
+              <a:t>Project Introduction and Motivation for Refactoring</a:t>
+            </a:r>
+            <a:endParaRPr lang="zh-CN" sz="2800" dirty="0">
+              <a:solidFill>
+                <a:srgbClr val="2F4275"/>
+              </a:solidFill>
+              <a:latin typeface="Times New Roman" panose="02020603050405020304" pitchFamily="18" charset="0"/>
+              <a:ea typeface="汉仪旗黑-55简" panose="00020600040101010101" charset="-122"/>
+              <a:cs typeface="Times New Roman" panose="02020603050405020304" pitchFamily="18" charset="0"/>
+            </a:endParaRPr>
+          </a:p>
+        </p:txBody>
+      </p:sp>
+      <p:sp>
+        <p:nvSpPr>
+          <p:cNvPr id="16" name="文本框 15"/>
+          <p:cNvSpPr txBox="1"/>
+          <p:nvPr/>
+        </p:nvSpPr>
+        <p:spPr>
+          <a:xfrm>
+            <a:off x="6146483" y="2949413"/>
+            <a:ext cx="5445125" cy="565604"/>
+          </a:xfrm>
+          <a:prstGeom prst="rect">
+            <a:avLst/>
+          </a:prstGeom>
+          <a:noFill/>
+        </p:spPr>
+        <p:txBody>
+          <a:bodyPr wrap="square" rtlCol="0">
+            <a:spAutoFit/>
+          </a:bodyPr>
+          <a:lstStyle/>
+          <a:p>
+            <a:pPr algn="l">
+              <a:lnSpc>
+                <a:spcPct val="120000"/>
+              </a:lnSpc>
+            </a:pPr>
+            <a:r>
+              <a:rPr lang="en-US" altLang="zh-CN" sz="2800" dirty="0">
+                <a:solidFill>
+                  <a:srgbClr val="2F4275"/>
+                </a:solidFill>
+                <a:latin typeface="Times New Roman" panose="02020603050405020304" pitchFamily="18" charset="0"/>
+                <a:ea typeface="汉仪旗黑-55简" panose="00020600040101010101" charset="-122"/>
+                <a:cs typeface="Times New Roman" panose="02020603050405020304" pitchFamily="18" charset="0"/>
+              </a:rPr>
+              <a:t>Design Patterns in Refactoring</a:t>
+            </a:r>
+            <a:endParaRPr lang="zh-CN" sz="2800" dirty="0">
+              <a:solidFill>
+                <a:srgbClr val="2F4275"/>
+              </a:solidFill>
+              <a:latin typeface="Times New Roman" panose="02020603050405020304" pitchFamily="18" charset="0"/>
+              <a:ea typeface="汉仪旗黑-55简" panose="00020600040101010101" charset="-122"/>
+              <a:cs typeface="Times New Roman" panose="02020603050405020304" pitchFamily="18" charset="0"/>
+            </a:endParaRPr>
+          </a:p>
+        </p:txBody>
+      </p:sp>
+      <p:sp>
+        <p:nvSpPr>
+          <p:cNvPr id="21" name="文本框 20"/>
+          <p:cNvSpPr txBox="1"/>
+          <p:nvPr/>
+        </p:nvSpPr>
+        <p:spPr>
+          <a:xfrm>
+            <a:off x="6146483" y="4154253"/>
+            <a:ext cx="4095453" cy="1081322"/>
+          </a:xfrm>
+          <a:prstGeom prst="rect">
+            <a:avLst/>
+          </a:prstGeom>
+          <a:noFill/>
+        </p:spPr>
+        <p:txBody>
+          <a:bodyPr wrap="square" rtlCol="0">
+            <a:spAutoFit/>
+          </a:bodyPr>
+          <a:lstStyle/>
+          <a:p>
+            <a:pPr algn="l">
+              <a:lnSpc>
+                <a:spcPct val="120000"/>
+              </a:lnSpc>
+            </a:pPr>
+            <a:r>
+              <a:rPr lang="en-US" altLang="zh-CN" sz="2800" dirty="0">
+                <a:solidFill>
+                  <a:srgbClr val="2F4275"/>
+                </a:solidFill>
+                <a:latin typeface="Times New Roman" panose="02020603050405020304" pitchFamily="18" charset="0"/>
+                <a:ea typeface="汉仪旗黑-55简" panose="00020600040101010101" charset="-122"/>
+                <a:cs typeface="Times New Roman" panose="02020603050405020304" pitchFamily="18" charset="0"/>
+              </a:rPr>
+              <a:t>Key Issues and Solutions in Refactoring</a:t>
+            </a:r>
+            <a:endParaRPr lang="zh-CN" sz="2800" dirty="0">
+              <a:solidFill>
+                <a:srgbClr val="2F4275"/>
+              </a:solidFill>
+              <a:latin typeface="Times New Roman" panose="02020603050405020304" pitchFamily="18" charset="0"/>
+              <a:ea typeface="汉仪旗黑-55简" panose="00020600040101010101" charset="-122"/>
+              <a:cs typeface="Times New Roman" panose="02020603050405020304" pitchFamily="18" charset="0"/>
+            </a:endParaRPr>
+          </a:p>
+        </p:txBody>
+      </p:sp>
+      <p:sp>
+        <p:nvSpPr>
+          <p:cNvPr id="14" name="菱形 13"/>
+          <p:cNvSpPr/>
+          <p:nvPr/>
+        </p:nvSpPr>
+        <p:spPr>
+          <a:xfrm>
+            <a:off x="5192078" y="1507555"/>
+            <a:ext cx="777240" cy="777240"/>
+          </a:xfrm>
+          <a:prstGeom prst="diamond">
+            <a:avLst/>
+          </a:prstGeom>
+          <a:solidFill>
+            <a:srgbClr val="2F4275"/>
+          </a:solidFill>
+          <a:ln>
+            <a:noFill/>
+          </a:ln>
+        </p:spPr>
+        <p:style>
+          <a:lnRef idx="2">
+            <a:schemeClr val="accent1">
+              <a:shade val="50000"/>
+            </a:schemeClr>
+          </a:lnRef>
+          <a:fillRef idx="1">
+            <a:schemeClr val="accent1"/>
+          </a:fillRef>
+          <a:effectRef idx="0">
+            <a:schemeClr val="accent1"/>
+          </a:effectRef>
+          <a:fontRef idx="minor">
+            <a:schemeClr val="lt1"/>
+          </a:fontRef>
+        </p:style>
+        <p:txBody>
+          <a:bodyPr rtlCol="0" anchor="ctr"/>
+          <a:lstStyle/>
+          <a:p>
+            <a:pPr algn="ctr"/>
+            <a:endParaRPr lang="zh-CN" altLang="en-US">
+              <a:cs typeface="汉仪旗黑-55简" panose="00020600040101010101" charset="-128"/>
+            </a:endParaRPr>
+          </a:p>
+        </p:txBody>
+      </p:sp>
+      <p:sp>
+        <p:nvSpPr>
+          <p:cNvPr id="28" name="文本框 27"/>
+          <p:cNvSpPr txBox="1"/>
+          <p:nvPr/>
+        </p:nvSpPr>
+        <p:spPr>
+          <a:xfrm>
+            <a:off x="5192078" y="1576135"/>
+            <a:ext cx="751205" cy="607695"/>
+          </a:xfrm>
+          <a:prstGeom prst="rect">
+            <a:avLst/>
+          </a:prstGeom>
+          <a:noFill/>
+        </p:spPr>
+        <p:txBody>
+          <a:bodyPr wrap="square" rtlCol="0">
+            <a:spAutoFit/>
+          </a:bodyPr>
+          <a:lstStyle/>
+          <a:p>
+            <a:pPr algn="ctr">
+              <a:lnSpc>
+                <a:spcPct val="120000"/>
+              </a:lnSpc>
+            </a:pPr>
+            <a:r>
+              <a:rPr lang="en-US" altLang="zh-CN" sz="2800" dirty="0">
+                <a:solidFill>
+                  <a:schemeClr val="bg1"/>
+                </a:solidFill>
+                <a:latin typeface="汉仪旗黑-55简" panose="00020600040101010101" charset="-122"/>
+                <a:ea typeface="汉仪旗黑-55简" panose="00020600040101010101" charset="-122"/>
+                <a:cs typeface="汉仪旗黑-55简" panose="00020600040101010101" charset="-128"/>
+                <a:sym typeface="汉仪旗黑-55简" panose="00020600040101010101" charset="-122"/>
+              </a:rPr>
+              <a:t>01</a:t>
+            </a:r>
+          </a:p>
+        </p:txBody>
+      </p:sp>
+      <p:sp>
+        <p:nvSpPr>
+          <p:cNvPr id="25" name="菱形 24"/>
+          <p:cNvSpPr/>
+          <p:nvPr/>
+        </p:nvSpPr>
+        <p:spPr>
+          <a:xfrm>
+            <a:off x="5192078" y="2845636"/>
+            <a:ext cx="777240" cy="777240"/>
+          </a:xfrm>
+          <a:prstGeom prst="diamond">
+            <a:avLst/>
+          </a:prstGeom>
+          <a:solidFill>
+            <a:srgbClr val="2F4275"/>
+          </a:solidFill>
+          <a:ln>
+            <a:noFill/>
+          </a:ln>
+        </p:spPr>
+        <p:style>
+          <a:lnRef idx="2">
+            <a:schemeClr val="accent1">
+              <a:shade val="50000"/>
+            </a:schemeClr>
+          </a:lnRef>
+          <a:fillRef idx="1">
+            <a:schemeClr val="accent1"/>
+          </a:fillRef>
+          <a:effectRef idx="0">
+            <a:schemeClr val="accent1"/>
+          </a:effectRef>
+          <a:fontRef idx="minor">
+            <a:schemeClr val="lt1"/>
+          </a:fontRef>
+        </p:style>
+        <p:txBody>
+          <a:bodyPr rtlCol="0" anchor="ctr"/>
+          <a:lstStyle/>
+          <a:p>
+            <a:pPr algn="ctr"/>
+            <a:endParaRPr lang="zh-CN" altLang="en-US">
+              <a:cs typeface="汉仪旗黑-55简" panose="00020600040101010101" charset="-128"/>
+            </a:endParaRPr>
+          </a:p>
+        </p:txBody>
+      </p:sp>
+      <p:sp>
+        <p:nvSpPr>
+          <p:cNvPr id="30" name="文本框 29"/>
+          <p:cNvSpPr txBox="1"/>
+          <p:nvPr/>
+        </p:nvSpPr>
+        <p:spPr>
+          <a:xfrm>
+            <a:off x="5192078" y="2914216"/>
+            <a:ext cx="751205" cy="607695"/>
+          </a:xfrm>
+          <a:prstGeom prst="rect">
+            <a:avLst/>
+          </a:prstGeom>
+          <a:noFill/>
+        </p:spPr>
+        <p:txBody>
+          <a:bodyPr wrap="square" rtlCol="0">
+            <a:spAutoFit/>
+          </a:bodyPr>
+          <a:lstStyle/>
+          <a:p>
+            <a:pPr algn="ctr">
+              <a:lnSpc>
+                <a:spcPct val="120000"/>
+              </a:lnSpc>
+            </a:pPr>
+            <a:r>
+              <a:rPr lang="en-US" altLang="zh-CN" sz="2800" dirty="0">
+                <a:solidFill>
+                  <a:schemeClr val="bg1"/>
+                </a:solidFill>
+                <a:latin typeface="汉仪旗黑-55简" panose="00020600040101010101" charset="-122"/>
+                <a:ea typeface="汉仪旗黑-55简" panose="00020600040101010101" charset="-122"/>
+                <a:cs typeface="汉仪旗黑-55简" panose="00020600040101010101" charset="-128"/>
+                <a:sym typeface="汉仪旗黑-55简" panose="00020600040101010101" charset="-122"/>
+              </a:rPr>
+              <a:t>02</a:t>
+            </a:r>
+          </a:p>
+        </p:txBody>
+      </p:sp>
+      <p:sp>
+        <p:nvSpPr>
+          <p:cNvPr id="32" name="菱形 31"/>
+          <p:cNvSpPr/>
+          <p:nvPr/>
+        </p:nvSpPr>
+        <p:spPr>
+          <a:xfrm>
+            <a:off x="5192078" y="4198068"/>
+            <a:ext cx="777240" cy="777240"/>
+          </a:xfrm>
+          <a:prstGeom prst="diamond">
+            <a:avLst/>
+          </a:prstGeom>
+          <a:solidFill>
+            <a:srgbClr val="2F4275"/>
+          </a:solidFill>
+          <a:ln>
+            <a:noFill/>
+          </a:ln>
+        </p:spPr>
+        <p:style>
+          <a:lnRef idx="2">
+            <a:schemeClr val="accent1">
+              <a:shade val="50000"/>
+            </a:schemeClr>
+          </a:lnRef>
+          <a:fillRef idx="1">
+            <a:schemeClr val="accent1"/>
+          </a:fillRef>
+          <a:effectRef idx="0">
+            <a:schemeClr val="accent1"/>
+          </a:effectRef>
+          <a:fontRef idx="minor">
+            <a:schemeClr val="lt1"/>
+          </a:fontRef>
+        </p:style>
+        <p:txBody>
+          <a:bodyPr rtlCol="0" anchor="ctr"/>
+          <a:lstStyle/>
+          <a:p>
+            <a:pPr algn="ctr"/>
+            <a:endParaRPr lang="zh-CN" altLang="en-US">
+              <a:cs typeface="汉仪旗黑-55简" panose="00020600040101010101" charset="-128"/>
+            </a:endParaRPr>
+          </a:p>
+        </p:txBody>
+      </p:sp>
+      <p:sp>
+        <p:nvSpPr>
+          <p:cNvPr id="33" name="文本框 32"/>
+          <p:cNvSpPr txBox="1"/>
+          <p:nvPr/>
+        </p:nvSpPr>
+        <p:spPr>
+          <a:xfrm>
+            <a:off x="5192078" y="4266648"/>
+            <a:ext cx="751205" cy="581313"/>
+          </a:xfrm>
+          <a:prstGeom prst="rect">
+            <a:avLst/>
+          </a:prstGeom>
+          <a:noFill/>
+        </p:spPr>
+        <p:txBody>
+          <a:bodyPr wrap="square" rtlCol="0">
+            <a:spAutoFit/>
+          </a:bodyPr>
+          <a:lstStyle/>
+          <a:p>
+            <a:pPr algn="ctr">
+              <a:lnSpc>
+                <a:spcPct val="120000"/>
+              </a:lnSpc>
+            </a:pPr>
+            <a:r>
+              <a:rPr lang="en-US" altLang="zh-CN" sz="2800" dirty="0">
+                <a:solidFill>
+                  <a:schemeClr val="bg1"/>
+                </a:solidFill>
+                <a:latin typeface="汉仪旗黑-55简" panose="00020600040101010101" charset="-122"/>
+                <a:ea typeface="汉仪旗黑-55简" panose="00020600040101010101" charset="-122"/>
+                <a:cs typeface="汉仪旗黑-55简" panose="00020600040101010101" charset="-128"/>
+                <a:sym typeface="汉仪旗黑-55简" panose="00020600040101010101" charset="-122"/>
+              </a:rPr>
+              <a:t>03</a:t>
+            </a:r>
+          </a:p>
+        </p:txBody>
+      </p:sp>
+    </p:spTree>
+  </p:cSld>
+  <p:clrMapOvr>
+    <a:masterClrMapping/>
+  </p:clrMapOvr>
+</p:sld>
+</file>
+
+<file path=ppt/slides/slide20.xml><?xml version="1.0" encoding="utf-8"?>
 <p:sld xmlns:a="http://schemas.openxmlformats.org/drawingml/2006/main" xmlns:r="http://schemas.openxmlformats.org/officeDocument/2006/relationships" xmlns:p="http://schemas.openxmlformats.org/presentationml/2006/main">
   <p:cSld>
     <p:spTree>
@@ -28801,1752 +31728,7 @@
 </p:sld>
 </file>
 
-<file path=ppt/slides/slide2.xml><?xml version="1.0" encoding="utf-8"?>
-<p:sld xmlns:a="http://schemas.openxmlformats.org/drawingml/2006/main" xmlns:r="http://schemas.openxmlformats.org/officeDocument/2006/relationships" xmlns:p="http://schemas.openxmlformats.org/presentationml/2006/main">
-  <p:cSld>
-    <p:spTree>
-      <p:nvGrpSpPr>
-        <p:cNvPr id="1" name=""/>
-        <p:cNvGrpSpPr/>
-        <p:nvPr/>
-      </p:nvGrpSpPr>
-      <p:grpSpPr>
-        <a:xfrm>
-          <a:off x="0" y="0"/>
-          <a:ext cx="0" cy="0"/>
-          <a:chOff x="0" y="0"/>
-          <a:chExt cx="0" cy="0"/>
-        </a:xfrm>
-      </p:grpSpPr>
-      <p:sp>
-        <p:nvSpPr>
-          <p:cNvPr id="4" name="任意多边形 3"/>
-          <p:cNvSpPr/>
-          <p:nvPr/>
-        </p:nvSpPr>
-        <p:spPr>
-          <a:xfrm>
-            <a:off x="0" y="0"/>
-            <a:ext cx="4838700" cy="2992755"/>
-          </a:xfrm>
-          <a:custGeom>
-            <a:avLst/>
-            <a:gdLst/>
-            <a:ahLst/>
-            <a:cxnLst>
-              <a:cxn ang="3">
-                <a:pos x="hc" y="t"/>
-              </a:cxn>
-              <a:cxn ang="cd2">
-                <a:pos x="l" y="vc"/>
-              </a:cxn>
-              <a:cxn ang="cd4">
-                <a:pos x="hc" y="b"/>
-              </a:cxn>
-              <a:cxn ang="0">
-                <a:pos x="r" y="vc"/>
-              </a:cxn>
-            </a:cxnLst>
-            <a:rect l="l" t="t" r="r" b="b"/>
-            <a:pathLst>
-              <a:path w="8342" h="5161">
-                <a:moveTo>
-                  <a:pt x="151" y="0"/>
-                </a:moveTo>
-                <a:cubicBezTo>
-                  <a:pt x="212" y="108"/>
-                  <a:pt x="344" y="480"/>
-                  <a:pt x="333" y="900"/>
-                </a:cubicBezTo>
-                <a:cubicBezTo>
-                  <a:pt x="340" y="1185"/>
-                  <a:pt x="258" y="1720"/>
-                  <a:pt x="138" y="2136"/>
-                </a:cubicBezTo>
-                <a:cubicBezTo>
-                  <a:pt x="37" y="2462"/>
-                  <a:pt x="-4" y="2904"/>
-                  <a:pt x="0" y="3111"/>
-                </a:cubicBezTo>
-                <a:cubicBezTo>
-                  <a:pt x="-10" y="4003"/>
-                  <a:pt x="361" y="4723"/>
-                  <a:pt x="766" y="4912"/>
-                </a:cubicBezTo>
-                <a:cubicBezTo>
-                  <a:pt x="948" y="5095"/>
-                  <a:pt x="1252" y="5168"/>
-                  <a:pt x="1406" y="5160"/>
-                </a:cubicBezTo>
-                <a:cubicBezTo>
-                  <a:pt x="3154" y="4827"/>
-                  <a:pt x="4186" y="3274"/>
-                  <a:pt x="4206" y="3320"/>
-                </a:cubicBezTo>
-                <a:cubicBezTo>
-                  <a:pt x="4268" y="3248"/>
-                  <a:pt x="4361" y="3144"/>
-                  <a:pt x="4428" y="3073"/>
-                </a:cubicBezTo>
-                <a:lnTo>
-                  <a:pt x="4988" y="2531"/>
-                </a:lnTo>
-                <a:cubicBezTo>
-                  <a:pt x="5394" y="2123"/>
-                  <a:pt x="5610" y="1939"/>
-                  <a:pt x="5838" y="1743"/>
-                </a:cubicBezTo>
-                <a:cubicBezTo>
-                  <a:pt x="5966" y="1634"/>
-                  <a:pt x="6196" y="1432"/>
-                  <a:pt x="6376" y="1268"/>
-                </a:cubicBezTo>
-                <a:cubicBezTo>
-                  <a:pt x="6500" y="1166"/>
-                  <a:pt x="6607" y="1056"/>
-                  <a:pt x="6669" y="995"/>
-                </a:cubicBezTo>
-                <a:cubicBezTo>
-                  <a:pt x="6737" y="925"/>
-                  <a:pt x="6801" y="864"/>
-                  <a:pt x="6841" y="839"/>
-                </a:cubicBezTo>
-                <a:cubicBezTo>
-                  <a:pt x="6847" y="835"/>
-                  <a:pt x="6856" y="829"/>
-                  <a:pt x="6860" y="827"/>
-                </a:cubicBezTo>
-                <a:cubicBezTo>
-                  <a:pt x="6906" y="787"/>
-                  <a:pt x="6825" y="866"/>
-                  <a:pt x="6940" y="759"/>
-                </a:cubicBezTo>
-                <a:cubicBezTo>
-                  <a:pt x="7279" y="412"/>
-                  <a:pt x="8013" y="79"/>
-                  <a:pt x="8342" y="0"/>
-                </a:cubicBezTo>
-                <a:lnTo>
-                  <a:pt x="151" y="0"/>
-                </a:lnTo>
-                <a:close/>
-              </a:path>
-            </a:pathLst>
-          </a:custGeom>
-          <a:solidFill>
-            <a:schemeClr val="bg1">
-              <a:lumMod val="85000"/>
-            </a:schemeClr>
-          </a:solidFill>
-          <a:ln>
-            <a:noFill/>
-          </a:ln>
-        </p:spPr>
-        <p:style>
-          <a:lnRef idx="2">
-            <a:schemeClr val="accent1">
-              <a:shade val="50000"/>
-            </a:schemeClr>
-          </a:lnRef>
-          <a:fillRef idx="1">
-            <a:schemeClr val="accent1"/>
-          </a:fillRef>
-          <a:effectRef idx="0">
-            <a:schemeClr val="accent1"/>
-          </a:effectRef>
-          <a:fontRef idx="minor">
-            <a:schemeClr val="lt1"/>
-          </a:fontRef>
-        </p:style>
-        <p:txBody>
-          <a:bodyPr wrap="square" rtlCol="0" anchor="ctr">
-            <a:noAutofit/>
-          </a:bodyPr>
-          <a:lstStyle>
-            <a:defPPr>
-              <a:defRPr lang="zh-CN">
-                <a:solidFill>
-                  <a:schemeClr val="lt1"/>
-                </a:solidFill>
-              </a:defRPr>
-            </a:defPPr>
-            <a:lvl1pPr marL="0" algn="l" defTabSz="914400" rtl="0" eaLnBrk="1" latinLnBrk="0" hangingPunct="1">
-              <a:defRPr sz="1800" kern="1200">
-                <a:solidFill>
-                  <a:schemeClr val="lt1"/>
-                </a:solidFill>
-                <a:latin typeface="+mn-lt"/>
-                <a:ea typeface="+mn-ea"/>
-                <a:cs typeface="+mn-cs"/>
-              </a:defRPr>
-            </a:lvl1pPr>
-            <a:lvl2pPr marL="457200" algn="l" defTabSz="914400" rtl="0" eaLnBrk="1" latinLnBrk="0" hangingPunct="1">
-              <a:defRPr sz="1800" kern="1200">
-                <a:solidFill>
-                  <a:schemeClr val="lt1"/>
-                </a:solidFill>
-                <a:latin typeface="+mn-lt"/>
-                <a:ea typeface="+mn-ea"/>
-                <a:cs typeface="+mn-cs"/>
-              </a:defRPr>
-            </a:lvl2pPr>
-            <a:lvl3pPr marL="914400" algn="l" defTabSz="914400" rtl="0" eaLnBrk="1" latinLnBrk="0" hangingPunct="1">
-              <a:defRPr sz="1800" kern="1200">
-                <a:solidFill>
-                  <a:schemeClr val="lt1"/>
-                </a:solidFill>
-                <a:latin typeface="+mn-lt"/>
-                <a:ea typeface="+mn-ea"/>
-                <a:cs typeface="+mn-cs"/>
-              </a:defRPr>
-            </a:lvl3pPr>
-            <a:lvl4pPr marL="1371600" algn="l" defTabSz="914400" rtl="0" eaLnBrk="1" latinLnBrk="0" hangingPunct="1">
-              <a:defRPr sz="1800" kern="1200">
-                <a:solidFill>
-                  <a:schemeClr val="lt1"/>
-                </a:solidFill>
-                <a:latin typeface="+mn-lt"/>
-                <a:ea typeface="+mn-ea"/>
-                <a:cs typeface="+mn-cs"/>
-              </a:defRPr>
-            </a:lvl4pPr>
-            <a:lvl5pPr marL="1828800" algn="l" defTabSz="914400" rtl="0" eaLnBrk="1" latinLnBrk="0" hangingPunct="1">
-              <a:defRPr sz="1800" kern="1200">
-                <a:solidFill>
-                  <a:schemeClr val="lt1"/>
-                </a:solidFill>
-                <a:latin typeface="+mn-lt"/>
-                <a:ea typeface="+mn-ea"/>
-                <a:cs typeface="+mn-cs"/>
-              </a:defRPr>
-            </a:lvl5pPr>
-            <a:lvl6pPr marL="2286000" algn="l" defTabSz="914400" rtl="0" eaLnBrk="1" latinLnBrk="0" hangingPunct="1">
-              <a:defRPr sz="1800" kern="1200">
-                <a:solidFill>
-                  <a:schemeClr val="lt1"/>
-                </a:solidFill>
-                <a:latin typeface="+mn-lt"/>
-                <a:ea typeface="+mn-ea"/>
-                <a:cs typeface="+mn-cs"/>
-              </a:defRPr>
-            </a:lvl6pPr>
-            <a:lvl7pPr marL="2743200" algn="l" defTabSz="914400" rtl="0" eaLnBrk="1" latinLnBrk="0" hangingPunct="1">
-              <a:defRPr sz="1800" kern="1200">
-                <a:solidFill>
-                  <a:schemeClr val="lt1"/>
-                </a:solidFill>
-                <a:latin typeface="+mn-lt"/>
-                <a:ea typeface="+mn-ea"/>
-                <a:cs typeface="+mn-cs"/>
-              </a:defRPr>
-            </a:lvl7pPr>
-            <a:lvl8pPr marL="3200400" algn="l" defTabSz="914400" rtl="0" eaLnBrk="1" latinLnBrk="0" hangingPunct="1">
-              <a:defRPr sz="1800" kern="1200">
-                <a:solidFill>
-                  <a:schemeClr val="lt1"/>
-                </a:solidFill>
-                <a:latin typeface="+mn-lt"/>
-                <a:ea typeface="+mn-ea"/>
-                <a:cs typeface="+mn-cs"/>
-              </a:defRPr>
-            </a:lvl8pPr>
-            <a:lvl9pPr marL="3657600" algn="l" defTabSz="914400" rtl="0" eaLnBrk="1" latinLnBrk="0" hangingPunct="1">
-              <a:defRPr sz="1800" kern="1200">
-                <a:solidFill>
-                  <a:schemeClr val="lt1"/>
-                </a:solidFill>
-                <a:latin typeface="+mn-lt"/>
-                <a:ea typeface="+mn-ea"/>
-                <a:cs typeface="+mn-cs"/>
-              </a:defRPr>
-            </a:lvl9pPr>
-          </a:lstStyle>
-          <a:p>
-            <a:pPr algn="ctr"/>
-            <a:endParaRPr lang="zh-CN" altLang="en-US">
-              <a:cs typeface="汉仪旗黑-55简" panose="00020600040101010101" charset="-128"/>
-            </a:endParaRPr>
-          </a:p>
-        </p:txBody>
-      </p:sp>
-      <p:sp>
-        <p:nvSpPr>
-          <p:cNvPr id="11" name="任意多边形 10"/>
-          <p:cNvSpPr/>
-          <p:nvPr/>
-        </p:nvSpPr>
-        <p:spPr>
-          <a:xfrm>
-            <a:off x="0" y="0"/>
-            <a:ext cx="3906520" cy="2520315"/>
-          </a:xfrm>
-          <a:custGeom>
-            <a:avLst/>
-            <a:gdLst>
-              <a:gd name="connsiteX0" fmla="*/ 0 w 8331"/>
-              <a:gd name="connsiteY0" fmla="*/ 3663 h 5372"/>
-              <a:gd name="connsiteX1" fmla="*/ 92 w 8331"/>
-              <a:gd name="connsiteY1" fmla="*/ 3603 h 5372"/>
-              <a:gd name="connsiteX2" fmla="*/ 810 w 8331"/>
-              <a:gd name="connsiteY2" fmla="*/ 3448 h 5372"/>
-              <a:gd name="connsiteX3" fmla="*/ 1055 w 8331"/>
-              <a:gd name="connsiteY3" fmla="*/ 3516 h 5372"/>
-              <a:gd name="connsiteX4" fmla="*/ 1765 w 8331"/>
-              <a:gd name="connsiteY4" fmla="*/ 4373 h 5372"/>
-              <a:gd name="connsiteX5" fmla="*/ 2976 w 8331"/>
-              <a:gd name="connsiteY5" fmla="*/ 5372 h 5372"/>
-              <a:gd name="connsiteX6" fmla="*/ 2998 w 8331"/>
-              <a:gd name="connsiteY6" fmla="*/ 5371 h 5372"/>
-              <a:gd name="connsiteX7" fmla="*/ 3019 w 8331"/>
-              <a:gd name="connsiteY7" fmla="*/ 5370 h 5372"/>
-              <a:gd name="connsiteX8" fmla="*/ 3040 w 8331"/>
-              <a:gd name="connsiteY8" fmla="*/ 5368 h 5372"/>
-              <a:gd name="connsiteX9" fmla="*/ 3070 w 8331"/>
-              <a:gd name="connsiteY9" fmla="*/ 5369 h 5372"/>
-              <a:gd name="connsiteX10" fmla="*/ 3100 w 8331"/>
-              <a:gd name="connsiteY10" fmla="*/ 5370 h 5372"/>
-              <a:gd name="connsiteX11" fmla="*/ 4064 w 8331"/>
-              <a:gd name="connsiteY11" fmla="*/ 4094 h 5372"/>
-              <a:gd name="connsiteX12" fmla="*/ 4151 w 8331"/>
-              <a:gd name="connsiteY12" fmla="*/ 3496 h 5372"/>
-              <a:gd name="connsiteX13" fmla="*/ 4230 w 8331"/>
-              <a:gd name="connsiteY13" fmla="*/ 3101 h 5372"/>
-              <a:gd name="connsiteX14" fmla="*/ 4455 w 8331"/>
-              <a:gd name="connsiteY14" fmla="*/ 2156 h 5372"/>
-              <a:gd name="connsiteX15" fmla="*/ 4528 w 8331"/>
-              <a:gd name="connsiteY15" fmla="*/ 1837 h 5372"/>
-              <a:gd name="connsiteX16" fmla="*/ 4540 w 8331"/>
-              <a:gd name="connsiteY16" fmla="*/ 1808 h 5372"/>
-              <a:gd name="connsiteX17" fmla="*/ 6452 w 8331"/>
-              <a:gd name="connsiteY17" fmla="*/ 360 h 5372"/>
-              <a:gd name="connsiteX18" fmla="*/ 6506 w 8331"/>
-              <a:gd name="connsiteY18" fmla="*/ 360 h 5372"/>
-              <a:gd name="connsiteX19" fmla="*/ 6561 w 8331"/>
-              <a:gd name="connsiteY19" fmla="*/ 362 h 5372"/>
-              <a:gd name="connsiteX20" fmla="*/ 6616 w 8331"/>
-              <a:gd name="connsiteY20" fmla="*/ 365 h 5372"/>
-              <a:gd name="connsiteX21" fmla="*/ 6672 w 8331"/>
-              <a:gd name="connsiteY21" fmla="*/ 369 h 5372"/>
-              <a:gd name="connsiteX22" fmla="*/ 6679 w 8331"/>
-              <a:gd name="connsiteY22" fmla="*/ 369 h 5372"/>
-              <a:gd name="connsiteX23" fmla="*/ 7062 w 8331"/>
-              <a:gd name="connsiteY23" fmla="*/ 377 h 5372"/>
-              <a:gd name="connsiteX24" fmla="*/ 7089 w 8331"/>
-              <a:gd name="connsiteY24" fmla="*/ 378 h 5372"/>
-              <a:gd name="connsiteX25" fmla="*/ 7422 w 8331"/>
-              <a:gd name="connsiteY25" fmla="*/ 384 h 5372"/>
-              <a:gd name="connsiteX26" fmla="*/ 7440 w 8331"/>
-              <a:gd name="connsiteY26" fmla="*/ 384 h 5372"/>
-              <a:gd name="connsiteX27" fmla="*/ 7474 w 8331"/>
-              <a:gd name="connsiteY27" fmla="*/ 384 h 5372"/>
-              <a:gd name="connsiteX28" fmla="*/ 8331 w 8331"/>
-              <a:gd name="connsiteY28" fmla="*/ 55 h 5372"/>
-              <a:gd name="connsiteX29" fmla="*/ 8331 w 8331"/>
-              <a:gd name="connsiteY29" fmla="*/ 49 h 5372"/>
-              <a:gd name="connsiteX30" fmla="*/ 8330 w 8331"/>
-              <a:gd name="connsiteY30" fmla="*/ 44 h 5372"/>
-              <a:gd name="connsiteX31" fmla="*/ 8329 w 8331"/>
-              <a:gd name="connsiteY31" fmla="*/ 38 h 5372"/>
-              <a:gd name="connsiteX32" fmla="*/ 8328 w 8331"/>
-              <a:gd name="connsiteY32" fmla="*/ 33 h 5372"/>
-              <a:gd name="connsiteX33" fmla="*/ 8328 w 8331"/>
-              <a:gd name="connsiteY33" fmla="*/ 25 h 5372"/>
-              <a:gd name="connsiteX34" fmla="*/ 8328 w 8331"/>
-              <a:gd name="connsiteY34" fmla="*/ 17 h 5372"/>
-              <a:gd name="connsiteX35" fmla="*/ 8327 w 8331"/>
-              <a:gd name="connsiteY35" fmla="*/ 9 h 5372"/>
-              <a:gd name="connsiteX36" fmla="*/ 8326 w 8331"/>
-              <a:gd name="connsiteY36" fmla="*/ 1 h 5372"/>
-              <a:gd name="connsiteX37" fmla="*/ 8326 w 8331"/>
-              <a:gd name="connsiteY37" fmla="*/ 0 h 5372"/>
-              <a:gd name="connsiteX38" fmla="*/ 0 w 8331"/>
-              <a:gd name="connsiteY38" fmla="*/ 0 h 5372"/>
-              <a:gd name="connsiteX39" fmla="*/ 0 w 8331"/>
-              <a:gd name="connsiteY39" fmla="*/ 3663 h 5372"/>
-            </a:gdLst>
-            <a:ahLst/>
-            <a:cxnLst>
-              <a:cxn ang="0">
-                <a:pos x="connsiteX0" y="connsiteY0"/>
-              </a:cxn>
-              <a:cxn ang="0">
-                <a:pos x="connsiteX1" y="connsiteY1"/>
-              </a:cxn>
-              <a:cxn ang="0">
-                <a:pos x="connsiteX2" y="connsiteY2"/>
-              </a:cxn>
-              <a:cxn ang="0">
-                <a:pos x="connsiteX3" y="connsiteY3"/>
-              </a:cxn>
-              <a:cxn ang="0">
-                <a:pos x="connsiteX4" y="connsiteY4"/>
-              </a:cxn>
-              <a:cxn ang="0">
-                <a:pos x="connsiteX5" y="connsiteY5"/>
-              </a:cxn>
-              <a:cxn ang="0">
-                <a:pos x="connsiteX6" y="connsiteY6"/>
-              </a:cxn>
-              <a:cxn ang="0">
-                <a:pos x="connsiteX7" y="connsiteY7"/>
-              </a:cxn>
-              <a:cxn ang="0">
-                <a:pos x="connsiteX8" y="connsiteY8"/>
-              </a:cxn>
-              <a:cxn ang="0">
-                <a:pos x="connsiteX9" y="connsiteY9"/>
-              </a:cxn>
-              <a:cxn ang="0">
-                <a:pos x="connsiteX10" y="connsiteY10"/>
-              </a:cxn>
-              <a:cxn ang="0">
-                <a:pos x="connsiteX11" y="connsiteY11"/>
-              </a:cxn>
-              <a:cxn ang="0">
-                <a:pos x="connsiteX12" y="connsiteY12"/>
-              </a:cxn>
-              <a:cxn ang="0">
-                <a:pos x="connsiteX13" y="connsiteY13"/>
-              </a:cxn>
-              <a:cxn ang="0">
-                <a:pos x="connsiteX14" y="connsiteY14"/>
-              </a:cxn>
-              <a:cxn ang="0">
-                <a:pos x="connsiteX15" y="connsiteY15"/>
-              </a:cxn>
-              <a:cxn ang="0">
-                <a:pos x="connsiteX16" y="connsiteY16"/>
-              </a:cxn>
-              <a:cxn ang="0">
-                <a:pos x="connsiteX17" y="connsiteY17"/>
-              </a:cxn>
-              <a:cxn ang="0">
-                <a:pos x="connsiteX18" y="connsiteY18"/>
-              </a:cxn>
-              <a:cxn ang="0">
-                <a:pos x="connsiteX19" y="connsiteY19"/>
-              </a:cxn>
-              <a:cxn ang="0">
-                <a:pos x="connsiteX20" y="connsiteY20"/>
-              </a:cxn>
-              <a:cxn ang="0">
-                <a:pos x="connsiteX21" y="connsiteY21"/>
-              </a:cxn>
-              <a:cxn ang="0">
-                <a:pos x="connsiteX22" y="connsiteY22"/>
-              </a:cxn>
-              <a:cxn ang="0">
-                <a:pos x="connsiteX23" y="connsiteY23"/>
-              </a:cxn>
-              <a:cxn ang="0">
-                <a:pos x="connsiteX24" y="connsiteY24"/>
-              </a:cxn>
-              <a:cxn ang="0">
-                <a:pos x="connsiteX25" y="connsiteY25"/>
-              </a:cxn>
-              <a:cxn ang="0">
-                <a:pos x="connsiteX26" y="connsiteY26"/>
-              </a:cxn>
-              <a:cxn ang="0">
-                <a:pos x="connsiteX27" y="connsiteY27"/>
-              </a:cxn>
-              <a:cxn ang="0">
-                <a:pos x="connsiteX28" y="connsiteY28"/>
-              </a:cxn>
-              <a:cxn ang="0">
-                <a:pos x="connsiteX29" y="connsiteY29"/>
-              </a:cxn>
-              <a:cxn ang="0">
-                <a:pos x="connsiteX30" y="connsiteY30"/>
-              </a:cxn>
-              <a:cxn ang="0">
-                <a:pos x="connsiteX31" y="connsiteY31"/>
-              </a:cxn>
-              <a:cxn ang="0">
-                <a:pos x="connsiteX32" y="connsiteY32"/>
-              </a:cxn>
-              <a:cxn ang="0">
-                <a:pos x="connsiteX33" y="connsiteY33"/>
-              </a:cxn>
-              <a:cxn ang="0">
-                <a:pos x="connsiteX34" y="connsiteY34"/>
-              </a:cxn>
-              <a:cxn ang="0">
-                <a:pos x="connsiteX35" y="connsiteY35"/>
-              </a:cxn>
-              <a:cxn ang="0">
-                <a:pos x="connsiteX36" y="connsiteY36"/>
-              </a:cxn>
-              <a:cxn ang="0">
-                <a:pos x="connsiteX37" y="connsiteY37"/>
-              </a:cxn>
-              <a:cxn ang="0">
-                <a:pos x="connsiteX38" y="connsiteY38"/>
-              </a:cxn>
-              <a:cxn ang="0">
-                <a:pos x="connsiteX39" y="connsiteY39"/>
-              </a:cxn>
-            </a:cxnLst>
-            <a:rect l="l" t="t" r="r" b="b"/>
-            <a:pathLst>
-              <a:path w="8331" h="5373">
-                <a:moveTo>
-                  <a:pt x="0" y="3663"/>
-                </a:moveTo>
-                <a:cubicBezTo>
-                  <a:pt x="28" y="3645"/>
-                  <a:pt x="91" y="3603"/>
-                  <a:pt x="92" y="3603"/>
-                </a:cubicBezTo>
-                <a:cubicBezTo>
-                  <a:pt x="412" y="3406"/>
-                  <a:pt x="810" y="3448"/>
-                  <a:pt x="810" y="3448"/>
-                </a:cubicBezTo>
-                <a:cubicBezTo>
-                  <a:pt x="892" y="3471"/>
-                  <a:pt x="945" y="3464"/>
-                  <a:pt x="1055" y="3516"/>
-                </a:cubicBezTo>
-                <a:cubicBezTo>
-                  <a:pt x="1207" y="3594"/>
-                  <a:pt x="1487" y="3755"/>
-                  <a:pt x="1765" y="4373"/>
-                </a:cubicBezTo>
-                <a:cubicBezTo>
-                  <a:pt x="2018" y="5005"/>
-                  <a:pt x="2598" y="5389"/>
-                  <a:pt x="2976" y="5372"/>
-                </a:cubicBezTo>
-                <a:lnTo>
-                  <a:pt x="2998" y="5371"/>
-                </a:lnTo>
-                <a:lnTo>
-                  <a:pt x="3019" y="5370"/>
-                </a:lnTo>
-                <a:lnTo>
-                  <a:pt x="3040" y="5368"/>
-                </a:lnTo>
-                <a:lnTo>
-                  <a:pt x="3070" y="5369"/>
-                </a:lnTo>
-                <a:lnTo>
-                  <a:pt x="3100" y="5370"/>
-                </a:lnTo>
-                <a:cubicBezTo>
-                  <a:pt x="3702" y="5386"/>
-                  <a:pt x="3971" y="4511"/>
-                  <a:pt x="4064" y="4094"/>
-                </a:cubicBezTo>
-                <a:cubicBezTo>
-                  <a:pt x="4131" y="3763"/>
-                  <a:pt x="4122" y="3695"/>
-                  <a:pt x="4151" y="3496"/>
-                </a:cubicBezTo>
-                <a:lnTo>
-                  <a:pt x="4230" y="3101"/>
-                </a:lnTo>
-                <a:cubicBezTo>
-                  <a:pt x="4312" y="2650"/>
-                  <a:pt x="4345" y="2612"/>
-                  <a:pt x="4455" y="2156"/>
-                </a:cubicBezTo>
-                <a:cubicBezTo>
-                  <a:pt x="4499" y="2002"/>
-                  <a:pt x="4502" y="1897"/>
-                  <a:pt x="4528" y="1837"/>
-                </a:cubicBezTo>
-                <a:cubicBezTo>
-                  <a:pt x="4533" y="1825"/>
-                  <a:pt x="4539" y="1811"/>
-                  <a:pt x="4540" y="1808"/>
-                </a:cubicBezTo>
-                <a:cubicBezTo>
-                  <a:pt x="4693" y="1089"/>
-                  <a:pt x="5488" y="341"/>
-                  <a:pt x="6452" y="360"/>
-                </a:cubicBezTo>
-                <a:lnTo>
-                  <a:pt x="6506" y="360"/>
-                </a:lnTo>
-                <a:lnTo>
-                  <a:pt x="6561" y="362"/>
-                </a:lnTo>
-                <a:lnTo>
-                  <a:pt x="6616" y="365"/>
-                </a:lnTo>
-                <a:lnTo>
-                  <a:pt x="6672" y="369"/>
-                </a:lnTo>
-                <a:lnTo>
-                  <a:pt x="6679" y="369"/>
-                </a:lnTo>
-                <a:cubicBezTo>
-                  <a:pt x="6800" y="369"/>
-                  <a:pt x="6990" y="375"/>
-                  <a:pt x="7062" y="377"/>
-                </a:cubicBezTo>
-                <a:cubicBezTo>
-                  <a:pt x="7073" y="377"/>
-                  <a:pt x="7087" y="377"/>
-                  <a:pt x="7089" y="378"/>
-                </a:cubicBezTo>
-                <a:cubicBezTo>
-                  <a:pt x="7198" y="381"/>
-                  <a:pt x="7367" y="384"/>
-                  <a:pt x="7422" y="384"/>
-                </a:cubicBezTo>
-                <a:cubicBezTo>
-                  <a:pt x="7430" y="384"/>
-                  <a:pt x="7439" y="384"/>
-                  <a:pt x="7440" y="384"/>
-                </a:cubicBezTo>
-                <a:lnTo>
-                  <a:pt x="7474" y="384"/>
-                </a:lnTo>
-                <a:cubicBezTo>
-                  <a:pt x="8145" y="384"/>
-                  <a:pt x="8339" y="157"/>
-                  <a:pt x="8331" y="55"/>
-                </a:cubicBezTo>
-                <a:lnTo>
-                  <a:pt x="8331" y="49"/>
-                </a:lnTo>
-                <a:lnTo>
-                  <a:pt x="8330" y="44"/>
-                </a:lnTo>
-                <a:lnTo>
-                  <a:pt x="8329" y="38"/>
-                </a:lnTo>
-                <a:lnTo>
-                  <a:pt x="8328" y="33"/>
-                </a:lnTo>
-                <a:lnTo>
-                  <a:pt x="8328" y="25"/>
-                </a:lnTo>
-                <a:lnTo>
-                  <a:pt x="8328" y="17"/>
-                </a:lnTo>
-                <a:lnTo>
-                  <a:pt x="8327" y="9"/>
-                </a:lnTo>
-                <a:lnTo>
-                  <a:pt x="8326" y="1"/>
-                </a:lnTo>
-                <a:lnTo>
-                  <a:pt x="8326" y="0"/>
-                </a:lnTo>
-                <a:lnTo>
-                  <a:pt x="0" y="0"/>
-                </a:lnTo>
-                <a:lnTo>
-                  <a:pt x="0" y="3663"/>
-                </a:lnTo>
-                <a:close/>
-              </a:path>
-            </a:pathLst>
-          </a:custGeom>
-          <a:solidFill>
-            <a:srgbClr val="2F4275"/>
-          </a:solidFill>
-          <a:ln>
-            <a:noFill/>
-          </a:ln>
-        </p:spPr>
-        <p:style>
-          <a:lnRef idx="2">
-            <a:schemeClr val="accent1">
-              <a:shade val="50000"/>
-            </a:schemeClr>
-          </a:lnRef>
-          <a:fillRef idx="1">
-            <a:schemeClr val="accent1"/>
-          </a:fillRef>
-          <a:effectRef idx="0">
-            <a:schemeClr val="accent1"/>
-          </a:effectRef>
-          <a:fontRef idx="minor">
-            <a:schemeClr val="lt1"/>
-          </a:fontRef>
-        </p:style>
-        <p:txBody>
-          <a:bodyPr wrap="square" rtlCol="0" anchor="ctr">
-            <a:noAutofit/>
-          </a:bodyPr>
-          <a:lstStyle>
-            <a:defPPr>
-              <a:defRPr lang="zh-CN">
-                <a:solidFill>
-                  <a:schemeClr val="lt1"/>
-                </a:solidFill>
-              </a:defRPr>
-            </a:defPPr>
-            <a:lvl1pPr marL="0" algn="l" defTabSz="914400" rtl="0" eaLnBrk="1" latinLnBrk="0" hangingPunct="1">
-              <a:defRPr sz="1800" kern="1200">
-                <a:solidFill>
-                  <a:schemeClr val="lt1"/>
-                </a:solidFill>
-                <a:latin typeface="+mn-lt"/>
-                <a:ea typeface="+mn-ea"/>
-                <a:cs typeface="+mn-cs"/>
-              </a:defRPr>
-            </a:lvl1pPr>
-            <a:lvl2pPr marL="457200" algn="l" defTabSz="914400" rtl="0" eaLnBrk="1" latinLnBrk="0" hangingPunct="1">
-              <a:defRPr sz="1800" kern="1200">
-                <a:solidFill>
-                  <a:schemeClr val="lt1"/>
-                </a:solidFill>
-                <a:latin typeface="+mn-lt"/>
-                <a:ea typeface="+mn-ea"/>
-                <a:cs typeface="+mn-cs"/>
-              </a:defRPr>
-            </a:lvl2pPr>
-            <a:lvl3pPr marL="914400" algn="l" defTabSz="914400" rtl="0" eaLnBrk="1" latinLnBrk="0" hangingPunct="1">
-              <a:defRPr sz="1800" kern="1200">
-                <a:solidFill>
-                  <a:schemeClr val="lt1"/>
-                </a:solidFill>
-                <a:latin typeface="+mn-lt"/>
-                <a:ea typeface="+mn-ea"/>
-                <a:cs typeface="+mn-cs"/>
-              </a:defRPr>
-            </a:lvl3pPr>
-            <a:lvl4pPr marL="1371600" algn="l" defTabSz="914400" rtl="0" eaLnBrk="1" latinLnBrk="0" hangingPunct="1">
-              <a:defRPr sz="1800" kern="1200">
-                <a:solidFill>
-                  <a:schemeClr val="lt1"/>
-                </a:solidFill>
-                <a:latin typeface="+mn-lt"/>
-                <a:ea typeface="+mn-ea"/>
-                <a:cs typeface="+mn-cs"/>
-              </a:defRPr>
-            </a:lvl4pPr>
-            <a:lvl5pPr marL="1828800" algn="l" defTabSz="914400" rtl="0" eaLnBrk="1" latinLnBrk="0" hangingPunct="1">
-              <a:defRPr sz="1800" kern="1200">
-                <a:solidFill>
-                  <a:schemeClr val="lt1"/>
-                </a:solidFill>
-                <a:latin typeface="+mn-lt"/>
-                <a:ea typeface="+mn-ea"/>
-                <a:cs typeface="+mn-cs"/>
-              </a:defRPr>
-            </a:lvl5pPr>
-            <a:lvl6pPr marL="2286000" algn="l" defTabSz="914400" rtl="0" eaLnBrk="1" latinLnBrk="0" hangingPunct="1">
-              <a:defRPr sz="1800" kern="1200">
-                <a:solidFill>
-                  <a:schemeClr val="lt1"/>
-                </a:solidFill>
-                <a:latin typeface="+mn-lt"/>
-                <a:ea typeface="+mn-ea"/>
-                <a:cs typeface="+mn-cs"/>
-              </a:defRPr>
-            </a:lvl6pPr>
-            <a:lvl7pPr marL="2743200" algn="l" defTabSz="914400" rtl="0" eaLnBrk="1" latinLnBrk="0" hangingPunct="1">
-              <a:defRPr sz="1800" kern="1200">
-                <a:solidFill>
-                  <a:schemeClr val="lt1"/>
-                </a:solidFill>
-                <a:latin typeface="+mn-lt"/>
-                <a:ea typeface="+mn-ea"/>
-                <a:cs typeface="+mn-cs"/>
-              </a:defRPr>
-            </a:lvl7pPr>
-            <a:lvl8pPr marL="3200400" algn="l" defTabSz="914400" rtl="0" eaLnBrk="1" latinLnBrk="0" hangingPunct="1">
-              <a:defRPr sz="1800" kern="1200">
-                <a:solidFill>
-                  <a:schemeClr val="lt1"/>
-                </a:solidFill>
-                <a:latin typeface="+mn-lt"/>
-                <a:ea typeface="+mn-ea"/>
-                <a:cs typeface="+mn-cs"/>
-              </a:defRPr>
-            </a:lvl8pPr>
-            <a:lvl9pPr marL="3657600" algn="l" defTabSz="914400" rtl="0" eaLnBrk="1" latinLnBrk="0" hangingPunct="1">
-              <a:defRPr sz="1800" kern="1200">
-                <a:solidFill>
-                  <a:schemeClr val="lt1"/>
-                </a:solidFill>
-                <a:latin typeface="+mn-lt"/>
-                <a:ea typeface="+mn-ea"/>
-                <a:cs typeface="+mn-cs"/>
-              </a:defRPr>
-            </a:lvl9pPr>
-          </a:lstStyle>
-          <a:p>
-            <a:pPr algn="ctr"/>
-            <a:endParaRPr lang="zh-CN" altLang="en-US">
-              <a:cs typeface="汉仪旗黑-55简" panose="00020600040101010101" charset="-128"/>
-            </a:endParaRPr>
-          </a:p>
-        </p:txBody>
-      </p:sp>
-      <p:sp>
-        <p:nvSpPr>
-          <p:cNvPr id="77" name="任意多边形 76"/>
-          <p:cNvSpPr/>
-          <p:nvPr/>
-        </p:nvSpPr>
-        <p:spPr>
-          <a:xfrm>
-            <a:off x="9601835" y="4957445"/>
-            <a:ext cx="2590165" cy="1900555"/>
-          </a:xfrm>
-          <a:custGeom>
-            <a:avLst/>
-            <a:gdLst/>
-            <a:ahLst/>
-            <a:cxnLst>
-              <a:cxn ang="3">
-                <a:pos x="hc" y="t"/>
-              </a:cxn>
-              <a:cxn ang="cd2">
-                <a:pos x="l" y="vc"/>
-              </a:cxn>
-              <a:cxn ang="cd4">
-                <a:pos x="hc" y="b"/>
-              </a:cxn>
-              <a:cxn ang="0">
-                <a:pos x="r" y="vc"/>
-              </a:cxn>
-            </a:cxnLst>
-            <a:rect l="l" t="t" r="r" b="b"/>
-            <a:pathLst>
-              <a:path w="5485" h="4044">
-                <a:moveTo>
-                  <a:pt x="0" y="4037"/>
-                </a:moveTo>
-                <a:cubicBezTo>
-                  <a:pt x="532" y="1406"/>
-                  <a:pt x="3081" y="-124"/>
-                  <a:pt x="3559" y="0"/>
-                </a:cubicBezTo>
-                <a:lnTo>
-                  <a:pt x="3591" y="0"/>
-                </a:lnTo>
-                <a:lnTo>
-                  <a:pt x="3715" y="6"/>
-                </a:lnTo>
-                <a:lnTo>
-                  <a:pt x="3749" y="5"/>
-                </a:lnTo>
-                <a:lnTo>
-                  <a:pt x="3783" y="5"/>
-                </a:lnTo>
-                <a:cubicBezTo>
-                  <a:pt x="4501" y="-6"/>
-                  <a:pt x="5429" y="992"/>
-                  <a:pt x="5480" y="1519"/>
-                </a:cubicBezTo>
-                <a:lnTo>
-                  <a:pt x="5485" y="1541"/>
-                </a:lnTo>
-                <a:lnTo>
-                  <a:pt x="5485" y="4037"/>
-                </a:lnTo>
-                <a:lnTo>
-                  <a:pt x="0" y="4037"/>
-                </a:lnTo>
-                <a:close/>
-              </a:path>
-            </a:pathLst>
-          </a:custGeom>
-          <a:solidFill>
-            <a:schemeClr val="bg1">
-              <a:lumMod val="85000"/>
-            </a:schemeClr>
-          </a:solidFill>
-          <a:ln>
-            <a:noFill/>
-          </a:ln>
-        </p:spPr>
-        <p:style>
-          <a:lnRef idx="2">
-            <a:schemeClr val="accent1">
-              <a:shade val="50000"/>
-            </a:schemeClr>
-          </a:lnRef>
-          <a:fillRef idx="1">
-            <a:schemeClr val="accent1"/>
-          </a:fillRef>
-          <a:effectRef idx="0">
-            <a:schemeClr val="accent1"/>
-          </a:effectRef>
-          <a:fontRef idx="minor">
-            <a:schemeClr val="lt1"/>
-          </a:fontRef>
-        </p:style>
-        <p:txBody>
-          <a:bodyPr wrap="square" rtlCol="0" anchor="ctr">
-            <a:noAutofit/>
-          </a:bodyPr>
-          <a:lstStyle>
-            <a:defPPr>
-              <a:defRPr lang="zh-CN">
-                <a:solidFill>
-                  <a:schemeClr val="lt1"/>
-                </a:solidFill>
-              </a:defRPr>
-            </a:defPPr>
-            <a:lvl1pPr marL="0" algn="l" defTabSz="914400" rtl="0" eaLnBrk="1" latinLnBrk="0" hangingPunct="1">
-              <a:defRPr sz="1800" kern="1200">
-                <a:solidFill>
-                  <a:schemeClr val="lt1"/>
-                </a:solidFill>
-                <a:latin typeface="+mn-lt"/>
-                <a:ea typeface="+mn-ea"/>
-                <a:cs typeface="+mn-cs"/>
-              </a:defRPr>
-            </a:lvl1pPr>
-            <a:lvl2pPr marL="457200" algn="l" defTabSz="914400" rtl="0" eaLnBrk="1" latinLnBrk="0" hangingPunct="1">
-              <a:defRPr sz="1800" kern="1200">
-                <a:solidFill>
-                  <a:schemeClr val="lt1"/>
-                </a:solidFill>
-                <a:latin typeface="+mn-lt"/>
-                <a:ea typeface="+mn-ea"/>
-                <a:cs typeface="+mn-cs"/>
-              </a:defRPr>
-            </a:lvl2pPr>
-            <a:lvl3pPr marL="914400" algn="l" defTabSz="914400" rtl="0" eaLnBrk="1" latinLnBrk="0" hangingPunct="1">
-              <a:defRPr sz="1800" kern="1200">
-                <a:solidFill>
-                  <a:schemeClr val="lt1"/>
-                </a:solidFill>
-                <a:latin typeface="+mn-lt"/>
-                <a:ea typeface="+mn-ea"/>
-                <a:cs typeface="+mn-cs"/>
-              </a:defRPr>
-            </a:lvl3pPr>
-            <a:lvl4pPr marL="1371600" algn="l" defTabSz="914400" rtl="0" eaLnBrk="1" latinLnBrk="0" hangingPunct="1">
-              <a:defRPr sz="1800" kern="1200">
-                <a:solidFill>
-                  <a:schemeClr val="lt1"/>
-                </a:solidFill>
-                <a:latin typeface="+mn-lt"/>
-                <a:ea typeface="+mn-ea"/>
-                <a:cs typeface="+mn-cs"/>
-              </a:defRPr>
-            </a:lvl4pPr>
-            <a:lvl5pPr marL="1828800" algn="l" defTabSz="914400" rtl="0" eaLnBrk="1" latinLnBrk="0" hangingPunct="1">
-              <a:defRPr sz="1800" kern="1200">
-                <a:solidFill>
-                  <a:schemeClr val="lt1"/>
-                </a:solidFill>
-                <a:latin typeface="+mn-lt"/>
-                <a:ea typeface="+mn-ea"/>
-                <a:cs typeface="+mn-cs"/>
-              </a:defRPr>
-            </a:lvl5pPr>
-            <a:lvl6pPr marL="2286000" algn="l" defTabSz="914400" rtl="0" eaLnBrk="1" latinLnBrk="0" hangingPunct="1">
-              <a:defRPr sz="1800" kern="1200">
-                <a:solidFill>
-                  <a:schemeClr val="lt1"/>
-                </a:solidFill>
-                <a:latin typeface="+mn-lt"/>
-                <a:ea typeface="+mn-ea"/>
-                <a:cs typeface="+mn-cs"/>
-              </a:defRPr>
-            </a:lvl6pPr>
-            <a:lvl7pPr marL="2743200" algn="l" defTabSz="914400" rtl="0" eaLnBrk="1" latinLnBrk="0" hangingPunct="1">
-              <a:defRPr sz="1800" kern="1200">
-                <a:solidFill>
-                  <a:schemeClr val="lt1"/>
-                </a:solidFill>
-                <a:latin typeface="+mn-lt"/>
-                <a:ea typeface="+mn-ea"/>
-                <a:cs typeface="+mn-cs"/>
-              </a:defRPr>
-            </a:lvl7pPr>
-            <a:lvl8pPr marL="3200400" algn="l" defTabSz="914400" rtl="0" eaLnBrk="1" latinLnBrk="0" hangingPunct="1">
-              <a:defRPr sz="1800" kern="1200">
-                <a:solidFill>
-                  <a:schemeClr val="lt1"/>
-                </a:solidFill>
-                <a:latin typeface="+mn-lt"/>
-                <a:ea typeface="+mn-ea"/>
-                <a:cs typeface="+mn-cs"/>
-              </a:defRPr>
-            </a:lvl8pPr>
-            <a:lvl9pPr marL="3657600" algn="l" defTabSz="914400" rtl="0" eaLnBrk="1" latinLnBrk="0" hangingPunct="1">
-              <a:defRPr sz="1800" kern="1200">
-                <a:solidFill>
-                  <a:schemeClr val="lt1"/>
-                </a:solidFill>
-                <a:latin typeface="+mn-lt"/>
-                <a:ea typeface="+mn-ea"/>
-                <a:cs typeface="+mn-cs"/>
-              </a:defRPr>
-            </a:lvl9pPr>
-          </a:lstStyle>
-          <a:p>
-            <a:pPr algn="ctr"/>
-            <a:endParaRPr lang="zh-CN" altLang="en-US">
-              <a:cs typeface="汉仪旗黑-55简" panose="00020600040101010101" charset="-128"/>
-            </a:endParaRPr>
-          </a:p>
-        </p:txBody>
-      </p:sp>
-      <p:sp>
-        <p:nvSpPr>
-          <p:cNvPr id="55" name="任意多边形 54"/>
-          <p:cNvSpPr/>
-          <p:nvPr/>
-        </p:nvSpPr>
-        <p:spPr>
-          <a:xfrm>
-            <a:off x="9090660" y="5235575"/>
-            <a:ext cx="3101340" cy="1622425"/>
-          </a:xfrm>
-          <a:custGeom>
-            <a:avLst/>
-            <a:gdLst>
-              <a:gd name="connsiteX0" fmla="*/ 0 w 7048"/>
-              <a:gd name="connsiteY0" fmla="*/ 3698 h 3698"/>
-              <a:gd name="connsiteX1" fmla="*/ 3188 w 7048"/>
-              <a:gd name="connsiteY1" fmla="*/ 0 h 3698"/>
-              <a:gd name="connsiteX2" fmla="*/ 3293 w 7048"/>
-              <a:gd name="connsiteY2" fmla="*/ 4 h 3698"/>
-              <a:gd name="connsiteX3" fmla="*/ 4791 w 7048"/>
-              <a:gd name="connsiteY3" fmla="*/ 1085 h 3698"/>
-              <a:gd name="connsiteX4" fmla="*/ 5430 w 7048"/>
-              <a:gd name="connsiteY4" fmla="*/ 1784 h 3698"/>
-              <a:gd name="connsiteX5" fmla="*/ 5524 w 7048"/>
-              <a:gd name="connsiteY5" fmla="*/ 1782 h 3698"/>
-              <a:gd name="connsiteX6" fmla="*/ 6708 w 7048"/>
-              <a:gd name="connsiteY6" fmla="*/ 1018 h 3698"/>
-              <a:gd name="connsiteX7" fmla="*/ 6722 w 7048"/>
-              <a:gd name="connsiteY7" fmla="*/ 1006 h 3698"/>
-              <a:gd name="connsiteX8" fmla="*/ 6737 w 7048"/>
-              <a:gd name="connsiteY8" fmla="*/ 992 h 3698"/>
-              <a:gd name="connsiteX9" fmla="*/ 6755 w 7048"/>
-              <a:gd name="connsiteY9" fmla="*/ 976 h 3698"/>
-              <a:gd name="connsiteX10" fmla="*/ 6773 w 7048"/>
-              <a:gd name="connsiteY10" fmla="*/ 961 h 3698"/>
-              <a:gd name="connsiteX11" fmla="*/ 6789 w 7048"/>
-              <a:gd name="connsiteY11" fmla="*/ 945 h 3698"/>
-              <a:gd name="connsiteX12" fmla="*/ 6793 w 7048"/>
-              <a:gd name="connsiteY12" fmla="*/ 941 h 3698"/>
-              <a:gd name="connsiteX13" fmla="*/ 7048 w 7048"/>
-              <a:gd name="connsiteY13" fmla="*/ 716 h 3698"/>
-              <a:gd name="connsiteX14" fmla="*/ 7048 w 7048"/>
-              <a:gd name="connsiteY14" fmla="*/ 3698 h 3698"/>
-              <a:gd name="connsiteX15" fmla="*/ 0 w 7048"/>
-              <a:gd name="connsiteY15" fmla="*/ 3698 h 3698"/>
-            </a:gdLst>
-            <a:ahLst/>
-            <a:cxnLst>
-              <a:cxn ang="0">
-                <a:pos x="connsiteX0" y="connsiteY0"/>
-              </a:cxn>
-              <a:cxn ang="0">
-                <a:pos x="connsiteX1" y="connsiteY1"/>
-              </a:cxn>
-              <a:cxn ang="0">
-                <a:pos x="connsiteX2" y="connsiteY2"/>
-              </a:cxn>
-              <a:cxn ang="0">
-                <a:pos x="connsiteX3" y="connsiteY3"/>
-              </a:cxn>
-              <a:cxn ang="0">
-                <a:pos x="connsiteX4" y="connsiteY4"/>
-              </a:cxn>
-              <a:cxn ang="0">
-                <a:pos x="connsiteX5" y="connsiteY5"/>
-              </a:cxn>
-              <a:cxn ang="0">
-                <a:pos x="connsiteX6" y="connsiteY6"/>
-              </a:cxn>
-              <a:cxn ang="0">
-                <a:pos x="connsiteX7" y="connsiteY7"/>
-              </a:cxn>
-              <a:cxn ang="0">
-                <a:pos x="connsiteX8" y="connsiteY8"/>
-              </a:cxn>
-              <a:cxn ang="0">
-                <a:pos x="connsiteX9" y="connsiteY9"/>
-              </a:cxn>
-              <a:cxn ang="0">
-                <a:pos x="connsiteX10" y="connsiteY10"/>
-              </a:cxn>
-              <a:cxn ang="0">
-                <a:pos x="connsiteX11" y="connsiteY11"/>
-              </a:cxn>
-              <a:cxn ang="0">
-                <a:pos x="connsiteX12" y="connsiteY12"/>
-              </a:cxn>
-              <a:cxn ang="0">
-                <a:pos x="connsiteX13" y="connsiteY13"/>
-              </a:cxn>
-              <a:cxn ang="0">
-                <a:pos x="connsiteX14" y="connsiteY14"/>
-              </a:cxn>
-              <a:cxn ang="0">
-                <a:pos x="connsiteX15" y="connsiteY15"/>
-              </a:cxn>
-            </a:cxnLst>
-            <a:rect l="l" t="t" r="r" b="b"/>
-            <a:pathLst>
-              <a:path w="7048" h="3698">
-                <a:moveTo>
-                  <a:pt x="0" y="3698"/>
-                </a:moveTo>
-                <a:cubicBezTo>
-                  <a:pt x="213" y="1107"/>
-                  <a:pt x="2537" y="11"/>
-                  <a:pt x="3188" y="0"/>
-                </a:cubicBezTo>
-                <a:lnTo>
-                  <a:pt x="3293" y="4"/>
-                </a:lnTo>
-                <a:cubicBezTo>
-                  <a:pt x="3896" y="-17"/>
-                  <a:pt x="4685" y="596"/>
-                  <a:pt x="4791" y="1085"/>
-                </a:cubicBezTo>
-                <a:cubicBezTo>
-                  <a:pt x="4887" y="1456"/>
-                  <a:pt x="5188" y="1796"/>
-                  <a:pt x="5430" y="1784"/>
-                </a:cubicBezTo>
-                <a:lnTo>
-                  <a:pt x="5524" y="1782"/>
-                </a:lnTo>
-                <a:cubicBezTo>
-                  <a:pt x="5847" y="1792"/>
-                  <a:pt x="6462" y="1237"/>
-                  <a:pt x="6708" y="1018"/>
-                </a:cubicBezTo>
-                <a:lnTo>
-                  <a:pt x="6722" y="1006"/>
-                </a:lnTo>
-                <a:lnTo>
-                  <a:pt x="6737" y="992"/>
-                </a:lnTo>
-                <a:lnTo>
-                  <a:pt x="6755" y="976"/>
-                </a:lnTo>
-                <a:lnTo>
-                  <a:pt x="6773" y="961"/>
-                </a:lnTo>
-                <a:lnTo>
-                  <a:pt x="6789" y="945"/>
-                </a:lnTo>
-                <a:lnTo>
-                  <a:pt x="6793" y="941"/>
-                </a:lnTo>
-                <a:cubicBezTo>
-                  <a:pt x="6869" y="868"/>
-                  <a:pt x="7028" y="731"/>
-                  <a:pt x="7048" y="716"/>
-                </a:cubicBezTo>
-                <a:lnTo>
-                  <a:pt x="7048" y="3698"/>
-                </a:lnTo>
-                <a:lnTo>
-                  <a:pt x="0" y="3698"/>
-                </a:lnTo>
-                <a:close/>
-              </a:path>
-            </a:pathLst>
-          </a:custGeom>
-          <a:solidFill>
-            <a:srgbClr val="2F4275"/>
-          </a:solidFill>
-          <a:ln>
-            <a:noFill/>
-          </a:ln>
-        </p:spPr>
-        <p:style>
-          <a:lnRef idx="2">
-            <a:schemeClr val="accent1">
-              <a:shade val="50000"/>
-            </a:schemeClr>
-          </a:lnRef>
-          <a:fillRef idx="1">
-            <a:schemeClr val="accent1"/>
-          </a:fillRef>
-          <a:effectRef idx="0">
-            <a:schemeClr val="accent1"/>
-          </a:effectRef>
-          <a:fontRef idx="minor">
-            <a:schemeClr val="lt1"/>
-          </a:fontRef>
-        </p:style>
-        <p:txBody>
-          <a:bodyPr wrap="square" rtlCol="0" anchor="ctr">
-            <a:noAutofit/>
-          </a:bodyPr>
-          <a:lstStyle>
-            <a:defPPr>
-              <a:defRPr lang="zh-CN">
-                <a:solidFill>
-                  <a:schemeClr val="lt1"/>
-                </a:solidFill>
-              </a:defRPr>
-            </a:defPPr>
-            <a:lvl1pPr marL="0" algn="l" defTabSz="914400" rtl="0" eaLnBrk="1" latinLnBrk="0" hangingPunct="1">
-              <a:defRPr sz="1800" kern="1200">
-                <a:solidFill>
-                  <a:schemeClr val="lt1"/>
-                </a:solidFill>
-                <a:latin typeface="+mn-lt"/>
-                <a:ea typeface="+mn-ea"/>
-                <a:cs typeface="+mn-cs"/>
-              </a:defRPr>
-            </a:lvl1pPr>
-            <a:lvl2pPr marL="457200" algn="l" defTabSz="914400" rtl="0" eaLnBrk="1" latinLnBrk="0" hangingPunct="1">
-              <a:defRPr sz="1800" kern="1200">
-                <a:solidFill>
-                  <a:schemeClr val="lt1"/>
-                </a:solidFill>
-                <a:latin typeface="+mn-lt"/>
-                <a:ea typeface="+mn-ea"/>
-                <a:cs typeface="+mn-cs"/>
-              </a:defRPr>
-            </a:lvl2pPr>
-            <a:lvl3pPr marL="914400" algn="l" defTabSz="914400" rtl="0" eaLnBrk="1" latinLnBrk="0" hangingPunct="1">
-              <a:defRPr sz="1800" kern="1200">
-                <a:solidFill>
-                  <a:schemeClr val="lt1"/>
-                </a:solidFill>
-                <a:latin typeface="+mn-lt"/>
-                <a:ea typeface="+mn-ea"/>
-                <a:cs typeface="+mn-cs"/>
-              </a:defRPr>
-            </a:lvl3pPr>
-            <a:lvl4pPr marL="1371600" algn="l" defTabSz="914400" rtl="0" eaLnBrk="1" latinLnBrk="0" hangingPunct="1">
-              <a:defRPr sz="1800" kern="1200">
-                <a:solidFill>
-                  <a:schemeClr val="lt1"/>
-                </a:solidFill>
-                <a:latin typeface="+mn-lt"/>
-                <a:ea typeface="+mn-ea"/>
-                <a:cs typeface="+mn-cs"/>
-              </a:defRPr>
-            </a:lvl4pPr>
-            <a:lvl5pPr marL="1828800" algn="l" defTabSz="914400" rtl="0" eaLnBrk="1" latinLnBrk="0" hangingPunct="1">
-              <a:defRPr sz="1800" kern="1200">
-                <a:solidFill>
-                  <a:schemeClr val="lt1"/>
-                </a:solidFill>
-                <a:latin typeface="+mn-lt"/>
-                <a:ea typeface="+mn-ea"/>
-                <a:cs typeface="+mn-cs"/>
-              </a:defRPr>
-            </a:lvl5pPr>
-            <a:lvl6pPr marL="2286000" algn="l" defTabSz="914400" rtl="0" eaLnBrk="1" latinLnBrk="0" hangingPunct="1">
-              <a:defRPr sz="1800" kern="1200">
-                <a:solidFill>
-                  <a:schemeClr val="lt1"/>
-                </a:solidFill>
-                <a:latin typeface="+mn-lt"/>
-                <a:ea typeface="+mn-ea"/>
-                <a:cs typeface="+mn-cs"/>
-              </a:defRPr>
-            </a:lvl6pPr>
-            <a:lvl7pPr marL="2743200" algn="l" defTabSz="914400" rtl="0" eaLnBrk="1" latinLnBrk="0" hangingPunct="1">
-              <a:defRPr sz="1800" kern="1200">
-                <a:solidFill>
-                  <a:schemeClr val="lt1"/>
-                </a:solidFill>
-                <a:latin typeface="+mn-lt"/>
-                <a:ea typeface="+mn-ea"/>
-                <a:cs typeface="+mn-cs"/>
-              </a:defRPr>
-            </a:lvl7pPr>
-            <a:lvl8pPr marL="3200400" algn="l" defTabSz="914400" rtl="0" eaLnBrk="1" latinLnBrk="0" hangingPunct="1">
-              <a:defRPr sz="1800" kern="1200">
-                <a:solidFill>
-                  <a:schemeClr val="lt1"/>
-                </a:solidFill>
-                <a:latin typeface="+mn-lt"/>
-                <a:ea typeface="+mn-ea"/>
-                <a:cs typeface="+mn-cs"/>
-              </a:defRPr>
-            </a:lvl8pPr>
-            <a:lvl9pPr marL="3657600" algn="l" defTabSz="914400" rtl="0" eaLnBrk="1" latinLnBrk="0" hangingPunct="1">
-              <a:defRPr sz="1800" kern="1200">
-                <a:solidFill>
-                  <a:schemeClr val="lt1"/>
-                </a:solidFill>
-                <a:latin typeface="+mn-lt"/>
-                <a:ea typeface="+mn-ea"/>
-                <a:cs typeface="+mn-cs"/>
-              </a:defRPr>
-            </a:lvl9pPr>
-          </a:lstStyle>
-          <a:p>
-            <a:pPr algn="ctr"/>
-            <a:endParaRPr lang="zh-CN" altLang="en-US">
-              <a:cs typeface="汉仪旗黑-55简" panose="00020600040101010101" charset="-128"/>
-            </a:endParaRPr>
-          </a:p>
-        </p:txBody>
-      </p:sp>
-      <p:sp>
-        <p:nvSpPr>
-          <p:cNvPr id="12" name="文本框 11"/>
-          <p:cNvSpPr txBox="1"/>
-          <p:nvPr/>
-        </p:nvSpPr>
-        <p:spPr>
-          <a:xfrm>
-            <a:off x="874930" y="2802564"/>
-            <a:ext cx="3824756" cy="830997"/>
-          </a:xfrm>
-          <a:prstGeom prst="rect">
-            <a:avLst/>
-          </a:prstGeom>
-          <a:noFill/>
-        </p:spPr>
-        <p:txBody>
-          <a:bodyPr wrap="square" rtlCol="0">
-            <a:spAutoFit/>
-          </a:bodyPr>
-          <a:lstStyle/>
-          <a:p>
-            <a:pPr algn="ctr"/>
-            <a:r>
-              <a:rPr lang="en-US" sz="4800" dirty="0">
-                <a:solidFill>
-                  <a:srgbClr val="2F4275"/>
-                </a:solidFill>
-                <a:latin typeface="Times New Roman" panose="02020603050405020304" pitchFamily="18" charset="0"/>
-                <a:ea typeface="汉仪旗黑-55简" panose="00020600040101010101" charset="-128"/>
-                <a:cs typeface="Times New Roman" panose="02020603050405020304" pitchFamily="18" charset="0"/>
-                <a:sym typeface="汉仪旗黑-55简" panose="00020600040101010101" charset="-128"/>
-              </a:rPr>
-              <a:t>CONTENTS</a:t>
-            </a:r>
-          </a:p>
-        </p:txBody>
-      </p:sp>
-      <p:sp>
-        <p:nvSpPr>
-          <p:cNvPr id="9" name="文本框 8"/>
-          <p:cNvSpPr txBox="1"/>
-          <p:nvPr/>
-        </p:nvSpPr>
-        <p:spPr>
-          <a:xfrm>
-            <a:off x="6146483" y="1353669"/>
-            <a:ext cx="4838700" cy="1082669"/>
-          </a:xfrm>
-          <a:prstGeom prst="rect">
-            <a:avLst/>
-          </a:prstGeom>
-          <a:noFill/>
-        </p:spPr>
-        <p:txBody>
-          <a:bodyPr wrap="square" rtlCol="0">
-            <a:spAutoFit/>
-          </a:bodyPr>
-          <a:lstStyle/>
-          <a:p>
-            <a:pPr algn="l">
-              <a:lnSpc>
-                <a:spcPct val="120000"/>
-              </a:lnSpc>
-            </a:pPr>
-            <a:r>
-              <a:rPr lang="en-US" altLang="zh-CN" sz="2800" dirty="0">
-                <a:solidFill>
-                  <a:srgbClr val="2F4275"/>
-                </a:solidFill>
-                <a:latin typeface="Times New Roman" panose="02020603050405020304" pitchFamily="18" charset="0"/>
-                <a:ea typeface="汉仪旗黑-55简" panose="00020600040101010101" charset="-122"/>
-                <a:cs typeface="Times New Roman" panose="02020603050405020304" pitchFamily="18" charset="0"/>
-              </a:rPr>
-              <a:t>Project Introduction and Motivation for Refactoring</a:t>
-            </a:r>
-            <a:endParaRPr lang="zh-CN" sz="2800" dirty="0">
-              <a:solidFill>
-                <a:srgbClr val="2F4275"/>
-              </a:solidFill>
-              <a:latin typeface="Times New Roman" panose="02020603050405020304" pitchFamily="18" charset="0"/>
-              <a:ea typeface="汉仪旗黑-55简" panose="00020600040101010101" charset="-122"/>
-              <a:cs typeface="Times New Roman" panose="02020603050405020304" pitchFamily="18" charset="0"/>
-            </a:endParaRPr>
-          </a:p>
-        </p:txBody>
-      </p:sp>
-      <p:sp>
-        <p:nvSpPr>
-          <p:cNvPr id="16" name="文本框 15"/>
-          <p:cNvSpPr txBox="1"/>
-          <p:nvPr/>
-        </p:nvSpPr>
-        <p:spPr>
-          <a:xfrm>
-            <a:off x="6146483" y="2949413"/>
-            <a:ext cx="5445125" cy="565604"/>
-          </a:xfrm>
-          <a:prstGeom prst="rect">
-            <a:avLst/>
-          </a:prstGeom>
-          <a:noFill/>
-        </p:spPr>
-        <p:txBody>
-          <a:bodyPr wrap="square" rtlCol="0">
-            <a:spAutoFit/>
-          </a:bodyPr>
-          <a:lstStyle/>
-          <a:p>
-            <a:pPr algn="l">
-              <a:lnSpc>
-                <a:spcPct val="120000"/>
-              </a:lnSpc>
-            </a:pPr>
-            <a:r>
-              <a:rPr lang="en-US" altLang="zh-CN" sz="2800" dirty="0">
-                <a:solidFill>
-                  <a:srgbClr val="2F4275"/>
-                </a:solidFill>
-                <a:latin typeface="Times New Roman" panose="02020603050405020304" pitchFamily="18" charset="0"/>
-                <a:ea typeface="汉仪旗黑-55简" panose="00020600040101010101" charset="-122"/>
-                <a:cs typeface="Times New Roman" panose="02020603050405020304" pitchFamily="18" charset="0"/>
-              </a:rPr>
-              <a:t>Design Patterns in Refactoring</a:t>
-            </a:r>
-            <a:endParaRPr lang="zh-CN" sz="2800" dirty="0">
-              <a:solidFill>
-                <a:srgbClr val="2F4275"/>
-              </a:solidFill>
-              <a:latin typeface="Times New Roman" panose="02020603050405020304" pitchFamily="18" charset="0"/>
-              <a:ea typeface="汉仪旗黑-55简" panose="00020600040101010101" charset="-122"/>
-              <a:cs typeface="Times New Roman" panose="02020603050405020304" pitchFamily="18" charset="0"/>
-            </a:endParaRPr>
-          </a:p>
-        </p:txBody>
-      </p:sp>
-      <p:sp>
-        <p:nvSpPr>
-          <p:cNvPr id="21" name="文本框 20"/>
-          <p:cNvSpPr txBox="1"/>
-          <p:nvPr/>
-        </p:nvSpPr>
-        <p:spPr>
-          <a:xfrm>
-            <a:off x="6146483" y="4154253"/>
-            <a:ext cx="4095453" cy="1081322"/>
-          </a:xfrm>
-          <a:prstGeom prst="rect">
-            <a:avLst/>
-          </a:prstGeom>
-          <a:noFill/>
-        </p:spPr>
-        <p:txBody>
-          <a:bodyPr wrap="square" rtlCol="0">
-            <a:spAutoFit/>
-          </a:bodyPr>
-          <a:lstStyle/>
-          <a:p>
-            <a:pPr algn="l">
-              <a:lnSpc>
-                <a:spcPct val="120000"/>
-              </a:lnSpc>
-            </a:pPr>
-            <a:r>
-              <a:rPr lang="en-US" altLang="zh-CN" sz="2800" dirty="0">
-                <a:solidFill>
-                  <a:srgbClr val="2F4275"/>
-                </a:solidFill>
-                <a:latin typeface="Times New Roman" panose="02020603050405020304" pitchFamily="18" charset="0"/>
-                <a:ea typeface="汉仪旗黑-55简" panose="00020600040101010101" charset="-122"/>
-                <a:cs typeface="Times New Roman" panose="02020603050405020304" pitchFamily="18" charset="0"/>
-              </a:rPr>
-              <a:t>Key Issues and Solutions in Refactoring</a:t>
-            </a:r>
-            <a:endParaRPr lang="zh-CN" sz="2800" dirty="0">
-              <a:solidFill>
-                <a:srgbClr val="2F4275"/>
-              </a:solidFill>
-              <a:latin typeface="Times New Roman" panose="02020603050405020304" pitchFamily="18" charset="0"/>
-              <a:ea typeface="汉仪旗黑-55简" panose="00020600040101010101" charset="-122"/>
-              <a:cs typeface="Times New Roman" panose="02020603050405020304" pitchFamily="18" charset="0"/>
-            </a:endParaRPr>
-          </a:p>
-        </p:txBody>
-      </p:sp>
-      <p:sp>
-        <p:nvSpPr>
-          <p:cNvPr id="14" name="菱形 13"/>
-          <p:cNvSpPr/>
-          <p:nvPr/>
-        </p:nvSpPr>
-        <p:spPr>
-          <a:xfrm>
-            <a:off x="5192078" y="1507555"/>
-            <a:ext cx="777240" cy="777240"/>
-          </a:xfrm>
-          <a:prstGeom prst="diamond">
-            <a:avLst/>
-          </a:prstGeom>
-          <a:solidFill>
-            <a:srgbClr val="2F4275"/>
-          </a:solidFill>
-          <a:ln>
-            <a:noFill/>
-          </a:ln>
-        </p:spPr>
-        <p:style>
-          <a:lnRef idx="2">
-            <a:schemeClr val="accent1">
-              <a:shade val="50000"/>
-            </a:schemeClr>
-          </a:lnRef>
-          <a:fillRef idx="1">
-            <a:schemeClr val="accent1"/>
-          </a:fillRef>
-          <a:effectRef idx="0">
-            <a:schemeClr val="accent1"/>
-          </a:effectRef>
-          <a:fontRef idx="minor">
-            <a:schemeClr val="lt1"/>
-          </a:fontRef>
-        </p:style>
-        <p:txBody>
-          <a:bodyPr rtlCol="0" anchor="ctr"/>
-          <a:lstStyle/>
-          <a:p>
-            <a:pPr algn="ctr"/>
-            <a:endParaRPr lang="zh-CN" altLang="en-US">
-              <a:cs typeface="汉仪旗黑-55简" panose="00020600040101010101" charset="-128"/>
-            </a:endParaRPr>
-          </a:p>
-        </p:txBody>
-      </p:sp>
-      <p:sp>
-        <p:nvSpPr>
-          <p:cNvPr id="28" name="文本框 27"/>
-          <p:cNvSpPr txBox="1"/>
-          <p:nvPr/>
-        </p:nvSpPr>
-        <p:spPr>
-          <a:xfrm>
-            <a:off x="5192078" y="1576135"/>
-            <a:ext cx="751205" cy="607695"/>
-          </a:xfrm>
-          <a:prstGeom prst="rect">
-            <a:avLst/>
-          </a:prstGeom>
-          <a:noFill/>
-        </p:spPr>
-        <p:txBody>
-          <a:bodyPr wrap="square" rtlCol="0">
-            <a:spAutoFit/>
-          </a:bodyPr>
-          <a:lstStyle/>
-          <a:p>
-            <a:pPr algn="ctr">
-              <a:lnSpc>
-                <a:spcPct val="120000"/>
-              </a:lnSpc>
-            </a:pPr>
-            <a:r>
-              <a:rPr lang="en-US" altLang="zh-CN" sz="2800" dirty="0">
-                <a:solidFill>
-                  <a:schemeClr val="bg1"/>
-                </a:solidFill>
-                <a:latin typeface="汉仪旗黑-55简" panose="00020600040101010101" charset="-122"/>
-                <a:ea typeface="汉仪旗黑-55简" panose="00020600040101010101" charset="-122"/>
-                <a:cs typeface="汉仪旗黑-55简" panose="00020600040101010101" charset="-128"/>
-                <a:sym typeface="汉仪旗黑-55简" panose="00020600040101010101" charset="-122"/>
-              </a:rPr>
-              <a:t>01</a:t>
-            </a:r>
-          </a:p>
-        </p:txBody>
-      </p:sp>
-      <p:sp>
-        <p:nvSpPr>
-          <p:cNvPr id="25" name="菱形 24"/>
-          <p:cNvSpPr/>
-          <p:nvPr/>
-        </p:nvSpPr>
-        <p:spPr>
-          <a:xfrm>
-            <a:off x="5192078" y="2845636"/>
-            <a:ext cx="777240" cy="777240"/>
-          </a:xfrm>
-          <a:prstGeom prst="diamond">
-            <a:avLst/>
-          </a:prstGeom>
-          <a:solidFill>
-            <a:srgbClr val="2F4275"/>
-          </a:solidFill>
-          <a:ln>
-            <a:noFill/>
-          </a:ln>
-        </p:spPr>
-        <p:style>
-          <a:lnRef idx="2">
-            <a:schemeClr val="accent1">
-              <a:shade val="50000"/>
-            </a:schemeClr>
-          </a:lnRef>
-          <a:fillRef idx="1">
-            <a:schemeClr val="accent1"/>
-          </a:fillRef>
-          <a:effectRef idx="0">
-            <a:schemeClr val="accent1"/>
-          </a:effectRef>
-          <a:fontRef idx="minor">
-            <a:schemeClr val="lt1"/>
-          </a:fontRef>
-        </p:style>
-        <p:txBody>
-          <a:bodyPr rtlCol="0" anchor="ctr"/>
-          <a:lstStyle/>
-          <a:p>
-            <a:pPr algn="ctr"/>
-            <a:endParaRPr lang="zh-CN" altLang="en-US">
-              <a:cs typeface="汉仪旗黑-55简" panose="00020600040101010101" charset="-128"/>
-            </a:endParaRPr>
-          </a:p>
-        </p:txBody>
-      </p:sp>
-      <p:sp>
-        <p:nvSpPr>
-          <p:cNvPr id="30" name="文本框 29"/>
-          <p:cNvSpPr txBox="1"/>
-          <p:nvPr/>
-        </p:nvSpPr>
-        <p:spPr>
-          <a:xfrm>
-            <a:off x="5192078" y="2914216"/>
-            <a:ext cx="751205" cy="607695"/>
-          </a:xfrm>
-          <a:prstGeom prst="rect">
-            <a:avLst/>
-          </a:prstGeom>
-          <a:noFill/>
-        </p:spPr>
-        <p:txBody>
-          <a:bodyPr wrap="square" rtlCol="0">
-            <a:spAutoFit/>
-          </a:bodyPr>
-          <a:lstStyle/>
-          <a:p>
-            <a:pPr algn="ctr">
-              <a:lnSpc>
-                <a:spcPct val="120000"/>
-              </a:lnSpc>
-            </a:pPr>
-            <a:r>
-              <a:rPr lang="en-US" altLang="zh-CN" sz="2800" dirty="0">
-                <a:solidFill>
-                  <a:schemeClr val="bg1"/>
-                </a:solidFill>
-                <a:latin typeface="汉仪旗黑-55简" panose="00020600040101010101" charset="-122"/>
-                <a:ea typeface="汉仪旗黑-55简" panose="00020600040101010101" charset="-122"/>
-                <a:cs typeface="汉仪旗黑-55简" panose="00020600040101010101" charset="-128"/>
-                <a:sym typeface="汉仪旗黑-55简" panose="00020600040101010101" charset="-122"/>
-              </a:rPr>
-              <a:t>02</a:t>
-            </a:r>
-          </a:p>
-        </p:txBody>
-      </p:sp>
-      <p:sp>
-        <p:nvSpPr>
-          <p:cNvPr id="32" name="菱形 31"/>
-          <p:cNvSpPr/>
-          <p:nvPr/>
-        </p:nvSpPr>
-        <p:spPr>
-          <a:xfrm>
-            <a:off x="5192078" y="4198068"/>
-            <a:ext cx="777240" cy="777240"/>
-          </a:xfrm>
-          <a:prstGeom prst="diamond">
-            <a:avLst/>
-          </a:prstGeom>
-          <a:solidFill>
-            <a:srgbClr val="2F4275"/>
-          </a:solidFill>
-          <a:ln>
-            <a:noFill/>
-          </a:ln>
-        </p:spPr>
-        <p:style>
-          <a:lnRef idx="2">
-            <a:schemeClr val="accent1">
-              <a:shade val="50000"/>
-            </a:schemeClr>
-          </a:lnRef>
-          <a:fillRef idx="1">
-            <a:schemeClr val="accent1"/>
-          </a:fillRef>
-          <a:effectRef idx="0">
-            <a:schemeClr val="accent1"/>
-          </a:effectRef>
-          <a:fontRef idx="minor">
-            <a:schemeClr val="lt1"/>
-          </a:fontRef>
-        </p:style>
-        <p:txBody>
-          <a:bodyPr rtlCol="0" anchor="ctr"/>
-          <a:lstStyle/>
-          <a:p>
-            <a:pPr algn="ctr"/>
-            <a:endParaRPr lang="zh-CN" altLang="en-US">
-              <a:cs typeface="汉仪旗黑-55简" panose="00020600040101010101" charset="-128"/>
-            </a:endParaRPr>
-          </a:p>
-        </p:txBody>
-      </p:sp>
-      <p:sp>
-        <p:nvSpPr>
-          <p:cNvPr id="33" name="文本框 32"/>
-          <p:cNvSpPr txBox="1"/>
-          <p:nvPr/>
-        </p:nvSpPr>
-        <p:spPr>
-          <a:xfrm>
-            <a:off x="5192078" y="4266648"/>
-            <a:ext cx="751205" cy="581313"/>
-          </a:xfrm>
-          <a:prstGeom prst="rect">
-            <a:avLst/>
-          </a:prstGeom>
-          <a:noFill/>
-        </p:spPr>
-        <p:txBody>
-          <a:bodyPr wrap="square" rtlCol="0">
-            <a:spAutoFit/>
-          </a:bodyPr>
-          <a:lstStyle/>
-          <a:p>
-            <a:pPr algn="ctr">
-              <a:lnSpc>
-                <a:spcPct val="120000"/>
-              </a:lnSpc>
-            </a:pPr>
-            <a:r>
-              <a:rPr lang="en-US" altLang="zh-CN" sz="2800" dirty="0">
-                <a:solidFill>
-                  <a:schemeClr val="bg1"/>
-                </a:solidFill>
-                <a:latin typeface="汉仪旗黑-55简" panose="00020600040101010101" charset="-122"/>
-                <a:ea typeface="汉仪旗黑-55简" panose="00020600040101010101" charset="-122"/>
-                <a:cs typeface="汉仪旗黑-55简" panose="00020600040101010101" charset="-128"/>
-                <a:sym typeface="汉仪旗黑-55简" panose="00020600040101010101" charset="-122"/>
-              </a:rPr>
-              <a:t>03</a:t>
-            </a:r>
-          </a:p>
-        </p:txBody>
-      </p:sp>
-    </p:spTree>
-  </p:cSld>
-  <p:clrMapOvr>
-    <a:masterClrMapping/>
-  </p:clrMapOvr>
-</p:sld>
-</file>
-
-<file path=ppt/slides/slide20.xml><?xml version="1.0" encoding="utf-8"?>
+<file path=ppt/slides/slide21.xml><?xml version="1.0" encoding="utf-8"?>
 <p:sld xmlns:a="http://schemas.openxmlformats.org/drawingml/2006/main" xmlns:r="http://schemas.openxmlformats.org/officeDocument/2006/relationships" xmlns:p="http://schemas.openxmlformats.org/presentationml/2006/main">
   <p:cSld>
     <p:spTree>
@@ -40385,7 +41567,7 @@
         <p:cNvPr id="1" name="">
           <a:extLst>
             <a:ext uri="{FF2B5EF4-FFF2-40B4-BE49-F238E27FC236}">
-              <a16:creationId xmlns:a16="http://schemas.microsoft.com/office/drawing/2014/main" id="{FAC15293-D994-E0FE-7A84-D3A461A4DF37}"/>
+              <a16:creationId xmlns:a16="http://schemas.microsoft.com/office/drawing/2014/main" id="{D78668CB-D8AC-A5D8-96B1-D6C9002875A9}"/>
             </a:ext>
           </a:extLst>
         </p:cNvPr>
@@ -40400,42 +41582,12 @@
           <a:chExt cx="0" cy="0"/>
         </a:xfrm>
       </p:grpSpPr>
-      <p:pic>
-        <p:nvPicPr>
-          <p:cNvPr id="8" name="图片 7">
-            <a:extLst>
-              <a:ext uri="{FF2B5EF4-FFF2-40B4-BE49-F238E27FC236}">
-                <a16:creationId xmlns:a16="http://schemas.microsoft.com/office/drawing/2014/main" id="{18C9C578-7608-B4AD-F00A-9877577E4406}"/>
-              </a:ext>
-            </a:extLst>
-          </p:cNvPr>
-          <p:cNvPicPr>
-            <a:picLocks noChangeAspect="1"/>
-          </p:cNvPicPr>
-          <p:nvPr/>
-        </p:nvPicPr>
-        <p:blipFill>
-          <a:blip r:embed="rId2"/>
-          <a:stretch>
-            <a:fillRect/>
-          </a:stretch>
-        </p:blipFill>
-        <p:spPr>
-          <a:xfrm>
-            <a:off x="1227508" y="1326900"/>
-            <a:ext cx="3551670" cy="5304383"/>
-          </a:xfrm>
-          <a:prstGeom prst="rect">
-            <a:avLst/>
-          </a:prstGeom>
-        </p:spPr>
-      </p:pic>
       <p:sp>
         <p:nvSpPr>
           <p:cNvPr id="5" name="矩形 4">
             <a:extLst>
               <a:ext uri="{FF2B5EF4-FFF2-40B4-BE49-F238E27FC236}">
-                <a16:creationId xmlns:a16="http://schemas.microsoft.com/office/drawing/2014/main" id="{868FA1C5-5754-22CE-B9C6-F6D82540ECB8}"/>
+                <a16:creationId xmlns:a16="http://schemas.microsoft.com/office/drawing/2014/main" id="{0143472F-C721-7B9D-DB67-58AAEADD53AA}"/>
               </a:ext>
             </a:extLst>
           </p:cNvPr>
@@ -40486,7 +41638,7 @@
           <p:cNvPr id="6" name="文本框 5">
             <a:extLst>
               <a:ext uri="{FF2B5EF4-FFF2-40B4-BE49-F238E27FC236}">
-                <a16:creationId xmlns:a16="http://schemas.microsoft.com/office/drawing/2014/main" id="{36B22099-17F0-5150-D505-D0F22F82BCE3}"/>
+                <a16:creationId xmlns:a16="http://schemas.microsoft.com/office/drawing/2014/main" id="{B3A2F600-D925-A3A6-A42C-3852B045454E}"/>
               </a:ext>
             </a:extLst>
           </p:cNvPr>
@@ -40538,7 +41690,7 @@
           <p:cNvPr id="2" name="文本框 12">
             <a:extLst>
               <a:ext uri="{FF2B5EF4-FFF2-40B4-BE49-F238E27FC236}">
-                <a16:creationId xmlns:a16="http://schemas.microsoft.com/office/drawing/2014/main" id="{2A9FE371-3884-FFC1-D3D4-235361CBE7E9}"/>
+                <a16:creationId xmlns:a16="http://schemas.microsoft.com/office/drawing/2014/main" id="{9C17ED91-3C7B-BC84-2751-96E266D8BA8D}"/>
               </a:ext>
             </a:extLst>
           </p:cNvPr>
@@ -40548,7 +41700,7 @@
         <p:spPr>
           <a:xfrm>
             <a:off x="1314449" y="226717"/>
-            <a:ext cx="9495065" cy="584775"/>
+            <a:ext cx="7992837" cy="584775"/>
           </a:xfrm>
           <a:prstGeom prst="rect">
             <a:avLst/>
@@ -40665,20 +41817,9 @@
                 <a:cs typeface="Times New Roman" panose="02020603050405020304" pitchFamily="18" charset="0"/>
                 <a:sym typeface="思源黑体 CN Normal" panose="020B0400000000000000" pitchFamily="34" charset="-122"/>
               </a:rPr>
-              <a:t>Design Patterns in Refactoring ——</a:t>
+              <a:t>Design Patterns in Refactoring——Decorator </a:t>
             </a:r>
-            <a:r>
-              <a:rPr lang="en-US" altLang="zh-CN" sz="3200" dirty="0">
-                <a:solidFill>
-                  <a:srgbClr val="425166"/>
-                </a:solidFill>
-                <a:latin typeface="Times New Roman" panose="02020603050405020304" pitchFamily="18" charset="0"/>
-                <a:ea typeface="思源黑体 CN Normal" panose="020B0400000000000000" pitchFamily="34" charset="-122"/>
-                <a:cs typeface="Times New Roman" panose="02020603050405020304" pitchFamily="18" charset="0"/>
-              </a:rPr>
-              <a:t>Template Method</a:t>
-            </a:r>
-            <a:endParaRPr lang="en-US" altLang="zh-CN" sz="3200" dirty="0">
+            <a:endParaRPr lang="zh-CN" altLang="en-US" sz="3200" dirty="0">
               <a:solidFill>
                 <a:srgbClr val="425166"/>
               </a:solidFill>
@@ -40695,7 +41836,7 @@
           <p:cNvPr id="27" name="文本框 26">
             <a:extLst>
               <a:ext uri="{FF2B5EF4-FFF2-40B4-BE49-F238E27FC236}">
-                <a16:creationId xmlns:a16="http://schemas.microsoft.com/office/drawing/2014/main" id="{1B86BE1A-C5A0-3970-69C7-E1424C38C239}"/>
+                <a16:creationId xmlns:a16="http://schemas.microsoft.com/office/drawing/2014/main" id="{11A0C5AF-7E1B-A5C7-10B9-817350E5A4FA}"/>
               </a:ext>
             </a:extLst>
           </p:cNvPr>
@@ -40704,8 +41845,8 @@
         </p:nvSpPr>
         <p:spPr>
           <a:xfrm>
-            <a:off x="1244601" y="1000126"/>
-            <a:ext cx="3551670" cy="369332"/>
+            <a:off x="1513519" y="934603"/>
+            <a:ext cx="3249738" cy="369332"/>
           </a:xfrm>
           <a:prstGeom prst="rect">
             <a:avLst/>
@@ -40724,7 +41865,7 @@
                 <a:latin typeface="Times New Roman" panose="02020603050405020304" pitchFamily="18" charset="0"/>
                 <a:cs typeface="Times New Roman" panose="02020603050405020304" pitchFamily="18" charset="0"/>
               </a:rPr>
-              <a:t>Class diagram of Template Method</a:t>
+              <a:t>Class diagram of Decorator</a:t>
             </a:r>
             <a:endParaRPr lang="zh-CN" altLang="en-US" dirty="0">
               <a:latin typeface="Times New Roman" panose="02020603050405020304" pitchFamily="18" charset="0"/>
@@ -40735,62 +41876,10 @@
       </p:sp>
       <p:sp>
         <p:nvSpPr>
-          <p:cNvPr id="9" name="椭圆 8">
+          <p:cNvPr id="43" name="文本框 42">
             <a:extLst>
               <a:ext uri="{FF2B5EF4-FFF2-40B4-BE49-F238E27FC236}">
-                <a16:creationId xmlns:a16="http://schemas.microsoft.com/office/drawing/2014/main" id="{47ED3D27-00F9-4BCD-B9F0-301E5F7E6E5B}"/>
-              </a:ext>
-            </a:extLst>
-          </p:cNvPr>
-          <p:cNvSpPr/>
-          <p:nvPr/>
-        </p:nvSpPr>
-        <p:spPr>
-          <a:xfrm>
-            <a:off x="4239300" y="1902926"/>
-            <a:ext cx="1045968" cy="2664259"/>
-          </a:xfrm>
-          <a:prstGeom prst="ellipse">
-            <a:avLst/>
-          </a:prstGeom>
-          <a:solidFill>
-            <a:schemeClr val="bg1"/>
-          </a:solidFill>
-          <a:ln>
-            <a:noFill/>
-          </a:ln>
-        </p:spPr>
-        <p:style>
-          <a:lnRef idx="2">
-            <a:schemeClr val="accent1">
-              <a:shade val="15000"/>
-            </a:schemeClr>
-          </a:lnRef>
-          <a:fillRef idx="1">
-            <a:schemeClr val="accent1"/>
-          </a:fillRef>
-          <a:effectRef idx="0">
-            <a:schemeClr val="accent1"/>
-          </a:effectRef>
-          <a:fontRef idx="minor">
-            <a:schemeClr val="lt1"/>
-          </a:fontRef>
-        </p:style>
-        <p:txBody>
-          <a:bodyPr rtlCol="0" anchor="ctr"/>
-          <a:lstStyle/>
-          <a:p>
-            <a:pPr algn="ctr"/>
-            <a:endParaRPr lang="zh-CN" altLang="en-US"/>
-          </a:p>
-        </p:txBody>
-      </p:sp>
-      <p:sp>
-        <p:nvSpPr>
-          <p:cNvPr id="3" name="文本框 2">
-            <a:extLst>
-              <a:ext uri="{FF2B5EF4-FFF2-40B4-BE49-F238E27FC236}">
-                <a16:creationId xmlns:a16="http://schemas.microsoft.com/office/drawing/2014/main" id="{80CA8D82-7695-7805-1FA7-1088E6F2529A}"/>
+                <a16:creationId xmlns:a16="http://schemas.microsoft.com/office/drawing/2014/main" id="{D40725E2-63F1-75F2-FC59-5D3B45016598}"/>
               </a:ext>
             </a:extLst>
           </p:cNvPr>
@@ -40799,229 +41888,8 @@
         </p:nvSpPr>
         <p:spPr>
           <a:xfrm>
-            <a:off x="3618396" y="2160668"/>
-            <a:ext cx="3288338" cy="2246769"/>
-          </a:xfrm>
-          <a:prstGeom prst="rect">
-            <a:avLst/>
-          </a:prstGeom>
-          <a:noFill/>
-        </p:spPr>
-        <p:txBody>
-          <a:bodyPr wrap="square">
-            <a:spAutoFit/>
-          </a:bodyPr>
-          <a:lstStyle/>
-          <a:p>
-            <a:pPr>
-              <a:lnSpc>
-                <a:spcPts val="1425"/>
-              </a:lnSpc>
-            </a:pPr>
-            <a:r>
-              <a:rPr lang="en-US" altLang="zh-CN" sz="1400" b="0" dirty="0">
-                <a:solidFill>
-                  <a:schemeClr val="accent1"/>
-                </a:solidFill>
-                <a:effectLst/>
-                <a:latin typeface="Times New Roman" panose="02020603050405020304" pitchFamily="18" charset="0"/>
-                <a:cs typeface="Times New Roman" panose="02020603050405020304" pitchFamily="18" charset="0"/>
-              </a:rPr>
-              <a:t>// Initialize money and HP</a:t>
-            </a:r>
-          </a:p>
-          <a:p>
-            <a:pPr>
-              <a:lnSpc>
-                <a:spcPts val="1425"/>
-              </a:lnSpc>
-            </a:pPr>
-            <a:r>
-              <a:rPr lang="en-US" altLang="zh-CN" sz="1400" b="0" dirty="0">
-                <a:effectLst/>
-                <a:latin typeface="Times New Roman" panose="02020603050405020304" pitchFamily="18" charset="0"/>
-                <a:cs typeface="Times New Roman" panose="02020603050405020304" pitchFamily="18" charset="0"/>
-              </a:rPr>
-              <a:t>// Initialize empty blocks  </a:t>
-            </a:r>
-          </a:p>
-          <a:p>
-            <a:pPr>
-              <a:lnSpc>
-                <a:spcPts val="1425"/>
-              </a:lnSpc>
-            </a:pPr>
-            <a:r>
-              <a:rPr lang="en-US" altLang="zh-CN" sz="1400" b="0" dirty="0">
-                <a:effectLst/>
-                <a:latin typeface="Times New Roman" panose="02020603050405020304" pitchFamily="18" charset="0"/>
-                <a:cs typeface="Times New Roman" panose="02020603050405020304" pitchFamily="18" charset="0"/>
-              </a:rPr>
-              <a:t>// Initialize the background layer       </a:t>
-            </a:r>
-          </a:p>
-          <a:p>
-            <a:pPr>
-              <a:lnSpc>
-                <a:spcPts val="1425"/>
-              </a:lnSpc>
-            </a:pPr>
-            <a:r>
-              <a:rPr lang="en-US" altLang="zh-CN" sz="1400" b="0" dirty="0">
-                <a:solidFill>
-                  <a:schemeClr val="accent1"/>
-                </a:solidFill>
-                <a:effectLst/>
-                <a:latin typeface="Times New Roman" panose="02020603050405020304" pitchFamily="18" charset="0"/>
-                <a:cs typeface="Times New Roman" panose="02020603050405020304" pitchFamily="18" charset="0"/>
-              </a:rPr>
-              <a:t>// Initialize enemy spawn point positions</a:t>
-            </a:r>
-          </a:p>
-          <a:p>
-            <a:pPr>
-              <a:lnSpc>
-                <a:spcPts val="1425"/>
-              </a:lnSpc>
-            </a:pPr>
-            <a:r>
-              <a:rPr lang="en-US" altLang="zh-CN" sz="1400" b="0" dirty="0">
-                <a:effectLst/>
-                <a:latin typeface="Times New Roman" panose="02020603050405020304" pitchFamily="18" charset="0"/>
-                <a:cs typeface="Times New Roman" panose="02020603050405020304" pitchFamily="18" charset="0"/>
-              </a:rPr>
-              <a:t>// Initialize spawn point blocks            </a:t>
-            </a:r>
-          </a:p>
-          <a:p>
-            <a:pPr>
-              <a:lnSpc>
-                <a:spcPts val="1425"/>
-              </a:lnSpc>
-            </a:pPr>
-            <a:r>
-              <a:rPr lang="en-US" altLang="zh-CN" sz="1400" b="0" dirty="0">
-                <a:solidFill>
-                  <a:schemeClr val="accent1"/>
-                </a:solidFill>
-                <a:effectLst/>
-                <a:latin typeface="Times New Roman" panose="02020603050405020304" pitchFamily="18" charset="0"/>
-                <a:cs typeface="Times New Roman" panose="02020603050405020304" pitchFamily="18" charset="0"/>
-              </a:rPr>
-              <a:t>// Set the enemy movement path</a:t>
-            </a:r>
-          </a:p>
-          <a:p>
-            <a:pPr>
-              <a:lnSpc>
-                <a:spcPts val="1425"/>
-              </a:lnSpc>
-            </a:pPr>
-            <a:r>
-              <a:rPr lang="en-US" altLang="zh-CN" sz="1400" b="0" dirty="0">
-                <a:effectLst/>
-                <a:latin typeface="Times New Roman" panose="02020603050405020304" pitchFamily="18" charset="0"/>
-                <a:cs typeface="Times New Roman" panose="02020603050405020304" pitchFamily="18" charset="0"/>
-              </a:rPr>
-              <a:t>// Add the carrot layer                                 </a:t>
-            </a:r>
-          </a:p>
-          <a:p>
-            <a:pPr>
-              <a:lnSpc>
-                <a:spcPts val="1425"/>
-              </a:lnSpc>
-            </a:pPr>
-            <a:r>
-              <a:rPr lang="en-US" altLang="zh-CN" sz="1400" b="0" dirty="0">
-                <a:effectLst/>
-                <a:latin typeface="Times New Roman" panose="02020603050405020304" pitchFamily="18" charset="0"/>
-                <a:cs typeface="Times New Roman" panose="02020603050405020304" pitchFamily="18" charset="0"/>
-              </a:rPr>
-              <a:t>// Initialize the UI interface                          </a:t>
-            </a:r>
-          </a:p>
-          <a:p>
-            <a:pPr>
-              <a:lnSpc>
-                <a:spcPts val="1425"/>
-              </a:lnSpc>
-            </a:pPr>
-            <a:r>
-              <a:rPr lang="en-US" altLang="zh-CN" sz="1400" b="0" dirty="0">
-                <a:effectLst/>
-                <a:latin typeface="Times New Roman" panose="02020603050405020304" pitchFamily="18" charset="0"/>
-                <a:cs typeface="Times New Roman" panose="02020603050405020304" pitchFamily="18" charset="0"/>
-              </a:rPr>
-              <a:t>// Initialize the per-frame update logic       </a:t>
-            </a:r>
-          </a:p>
-          <a:p>
-            <a:pPr>
-              <a:lnSpc>
-                <a:spcPts val="1425"/>
-              </a:lnSpc>
-            </a:pPr>
-            <a:r>
-              <a:rPr lang="en-US" altLang="zh-CN" sz="1400" b="0" dirty="0">
-                <a:solidFill>
-                  <a:schemeClr val="accent1"/>
-                </a:solidFill>
-                <a:effectLst/>
-                <a:latin typeface="Times New Roman" panose="02020603050405020304" pitchFamily="18" charset="0"/>
-                <a:cs typeface="Times New Roman" panose="02020603050405020304" pitchFamily="18" charset="0"/>
-              </a:rPr>
-              <a:t>// Initialize wave information</a:t>
-            </a:r>
-          </a:p>
-          <a:p>
-            <a:pPr>
-              <a:lnSpc>
-                <a:spcPts val="1425"/>
-              </a:lnSpc>
-            </a:pPr>
-            <a:r>
-              <a:rPr lang="en-US" altLang="zh-CN" sz="1400" b="0" dirty="0">
-                <a:effectLst/>
-                <a:latin typeface="Times New Roman" panose="02020603050405020304" pitchFamily="18" charset="0"/>
-                <a:cs typeface="Times New Roman" panose="02020603050405020304" pitchFamily="18" charset="0"/>
-              </a:rPr>
-              <a:t>// Set up the specific wave details               </a:t>
-            </a:r>
-          </a:p>
-          <a:p>
-            <a:pPr>
-              <a:lnSpc>
-                <a:spcPts val="1425"/>
-              </a:lnSpc>
-            </a:pPr>
-            <a:r>
-              <a:rPr lang="en-US" altLang="zh-CN" sz="1400" b="0" dirty="0">
-                <a:effectLst/>
-                <a:latin typeface="Times New Roman" panose="02020603050405020304" pitchFamily="18" charset="0"/>
-                <a:cs typeface="Times New Roman" panose="02020603050405020304" pitchFamily="18" charset="0"/>
-              </a:rPr>
-              <a:t>// Start spawning the first wave of enemies</a:t>
-            </a:r>
-          </a:p>
-        </p:txBody>
-      </p:sp>
-      <p:sp>
-        <p:nvSpPr>
-          <p:cNvPr id="11" name="文本框 10">
-            <a:extLst>
-              <a:ext uri="{FF2B5EF4-FFF2-40B4-BE49-F238E27FC236}">
-                <a16:creationId xmlns:a16="http://schemas.microsoft.com/office/drawing/2014/main" id="{7183C368-5216-2759-88DA-6A16AFD37850}"/>
-              </a:ext>
-            </a:extLst>
-          </p:cNvPr>
-          <p:cNvSpPr txBox="1"/>
-          <p:nvPr/>
-        </p:nvSpPr>
-        <p:spPr>
-          <a:xfrm>
-            <a:off x="6633581" y="691508"/>
-            <a:ext cx="1434348" cy="461665"/>
+            <a:off x="7836637" y="934603"/>
+            <a:ext cx="3249738" cy="369332"/>
           </a:xfrm>
           <a:prstGeom prst="rect">
             <a:avLst/>
@@ -41036,422 +41904,83 @@
           <a:p>
             <a:pPr algn="ctr"/>
             <a:r>
-              <a:rPr lang="en-US" altLang="zh-CN" sz="2400" dirty="0">
+              <a:rPr lang="en-US" altLang="zh-CN" dirty="0">
                 <a:latin typeface="Times New Roman" panose="02020603050405020304" pitchFamily="18" charset="0"/>
                 <a:cs typeface="Times New Roman" panose="02020603050405020304" pitchFamily="18" charset="0"/>
               </a:rPr>
-              <a:t>Reasons :</a:t>
+              <a:t>Original Structure</a:t>
             </a:r>
-            <a:endParaRPr lang="zh-CN" altLang="en-US" sz="2400" dirty="0">
+            <a:endParaRPr lang="zh-CN" altLang="en-US" dirty="0">
               <a:latin typeface="Times New Roman" panose="02020603050405020304" pitchFamily="18" charset="0"/>
               <a:cs typeface="Times New Roman" panose="02020603050405020304" pitchFamily="18" charset="0"/>
             </a:endParaRPr>
           </a:p>
         </p:txBody>
       </p:sp>
-      <p:sp>
-        <p:nvSpPr>
-          <p:cNvPr id="18" name="文本框 17">
+      <p:pic>
+        <p:nvPicPr>
+          <p:cNvPr id="4" name="图片 3">
             <a:extLst>
               <a:ext uri="{FF2B5EF4-FFF2-40B4-BE49-F238E27FC236}">
-                <a16:creationId xmlns:a16="http://schemas.microsoft.com/office/drawing/2014/main" id="{04EC9A80-E551-84C3-3E6F-DB0647EC6BC1}"/>
+                <a16:creationId xmlns:a16="http://schemas.microsoft.com/office/drawing/2014/main" id="{162E58AC-2981-7673-3165-DA724DA3482B}"/>
               </a:ext>
             </a:extLst>
           </p:cNvPr>
-          <p:cNvSpPr txBox="1"/>
+          <p:cNvPicPr>
+            <a:picLocks noChangeAspect="1"/>
+          </p:cNvPicPr>
           <p:nvPr/>
-        </p:nvSpPr>
+        </p:nvPicPr>
+        <p:blipFill>
+          <a:blip r:embed="rId2"/>
+          <a:stretch>
+            <a:fillRect/>
+          </a:stretch>
+        </p:blipFill>
         <p:spPr>
           <a:xfrm>
-            <a:off x="6913993" y="1107006"/>
-            <a:ext cx="5113555" cy="2948884"/>
+            <a:off x="357818" y="1314578"/>
+            <a:ext cx="5216245" cy="4990129"/>
           </a:xfrm>
           <a:prstGeom prst="rect">
             <a:avLst/>
           </a:prstGeom>
-          <a:noFill/>
         </p:spPr>
-        <p:txBody>
-          <a:bodyPr wrap="square">
-            <a:spAutoFit/>
-          </a:bodyPr>
-          <a:lstStyle/>
-          <a:p>
-            <a:pPr>
-              <a:lnSpc>
-                <a:spcPct val="125000"/>
-              </a:lnSpc>
-            </a:pPr>
-            <a:r>
-              <a:rPr lang="en-US" altLang="zh-CN" dirty="0">
-                <a:solidFill>
-                  <a:srgbClr val="FF0000"/>
-                </a:solidFill>
-                <a:latin typeface="Times New Roman" panose="02020603050405020304" pitchFamily="18" charset="0"/>
-                <a:cs typeface="Times New Roman" panose="02020603050405020304" pitchFamily="18" charset="0"/>
-              </a:rPr>
-              <a:t>Reduce Code Duplication. </a:t>
-            </a:r>
-            <a:r>
-              <a:rPr lang="en-US" altLang="zh-CN" sz="1600" dirty="0">
-                <a:latin typeface="Times New Roman" panose="02020603050405020304" pitchFamily="18" charset="0"/>
-                <a:cs typeface="Times New Roman" panose="02020603050405020304" pitchFamily="18" charset="0"/>
-              </a:rPr>
-              <a:t>Common logic like </a:t>
-            </a:r>
-            <a:r>
-              <a:rPr lang="en-US" altLang="zh-CN" sz="1600" dirty="0" err="1">
-                <a:latin typeface="Times New Roman" panose="02020603050405020304" pitchFamily="18" charset="0"/>
-                <a:cs typeface="Times New Roman" panose="02020603050405020304" pitchFamily="18" charset="0"/>
-              </a:rPr>
-              <a:t>backgroundInit</a:t>
-            </a:r>
-            <a:r>
-              <a:rPr lang="en-US" altLang="zh-CN" sz="1600" dirty="0">
-                <a:latin typeface="Times New Roman" panose="02020603050405020304" pitchFamily="18" charset="0"/>
-                <a:cs typeface="Times New Roman" panose="02020603050405020304" pitchFamily="18" charset="0"/>
-              </a:rPr>
-              <a:t>() and </a:t>
-            </a:r>
-            <a:r>
-              <a:rPr lang="en-US" altLang="zh-CN" sz="1600" dirty="0" err="1">
-                <a:latin typeface="Times New Roman" panose="02020603050405020304" pitchFamily="18" charset="0"/>
-                <a:cs typeface="Times New Roman" panose="02020603050405020304" pitchFamily="18" charset="0"/>
-              </a:rPr>
-              <a:t>uiInit</a:t>
-            </a:r>
-            <a:r>
-              <a:rPr lang="en-US" altLang="zh-CN" sz="1600" dirty="0">
-                <a:latin typeface="Times New Roman" panose="02020603050405020304" pitchFamily="18" charset="0"/>
-                <a:cs typeface="Times New Roman" panose="02020603050405020304" pitchFamily="18" charset="0"/>
-              </a:rPr>
-              <a:t>() can be centralized in the parent class, avoiding repetitive code in subclasses.</a:t>
-            </a:r>
-          </a:p>
-          <a:p>
-            <a:pPr>
-              <a:lnSpc>
-                <a:spcPct val="125000"/>
-              </a:lnSpc>
-            </a:pPr>
-            <a:r>
-              <a:rPr lang="en-US" altLang="zh-CN" dirty="0">
-                <a:solidFill>
-                  <a:srgbClr val="FF0000"/>
-                </a:solidFill>
-                <a:latin typeface="Times New Roman" panose="02020603050405020304" pitchFamily="18" charset="0"/>
-                <a:cs typeface="Times New Roman" panose="02020603050405020304" pitchFamily="18" charset="0"/>
-              </a:rPr>
-              <a:t>Improve Maintainability. </a:t>
-            </a:r>
-            <a:r>
-              <a:rPr lang="en-US" altLang="zh-CN" sz="1600" dirty="0">
-                <a:latin typeface="Times New Roman" panose="02020603050405020304" pitchFamily="18" charset="0"/>
-                <a:cs typeface="Times New Roman" panose="02020603050405020304" pitchFamily="18" charset="0"/>
-              </a:rPr>
-              <a:t>Changes to shared logic only need to be made in the parent class, reducing errors and effort.</a:t>
-            </a:r>
-          </a:p>
-          <a:p>
-            <a:pPr>
-              <a:lnSpc>
-                <a:spcPct val="125000"/>
-              </a:lnSpc>
-            </a:pPr>
-            <a:r>
-              <a:rPr lang="en-US" altLang="zh-CN" dirty="0">
-                <a:solidFill>
-                  <a:srgbClr val="FF0000"/>
-                </a:solidFill>
-                <a:latin typeface="Times New Roman" panose="02020603050405020304" pitchFamily="18" charset="0"/>
-                <a:cs typeface="Times New Roman" panose="02020603050405020304" pitchFamily="18" charset="0"/>
-              </a:rPr>
-              <a:t>Enhance Code Extensibility. </a:t>
-            </a:r>
-            <a:r>
-              <a:rPr lang="en-US" altLang="zh-CN" sz="1600" dirty="0">
-                <a:latin typeface="Times New Roman" panose="02020603050405020304" pitchFamily="18" charset="0"/>
-                <a:cs typeface="Times New Roman" panose="02020603050405020304" pitchFamily="18" charset="0"/>
-              </a:rPr>
-              <a:t>Adding new levels only requires overriding specific methods without redesigning the entire process.</a:t>
-            </a:r>
-            <a:endParaRPr lang="zh-CN" altLang="en-US" sz="1600" dirty="0">
-              <a:latin typeface="Times New Roman" panose="02020603050405020304" pitchFamily="18" charset="0"/>
-              <a:cs typeface="Times New Roman" panose="02020603050405020304" pitchFamily="18" charset="0"/>
-            </a:endParaRPr>
-          </a:p>
-        </p:txBody>
-      </p:sp>
-      <p:sp>
-        <p:nvSpPr>
-          <p:cNvPr id="23" name="文本框 22">
+      </p:pic>
+      <p:pic>
+        <p:nvPicPr>
+          <p:cNvPr id="8" name="图片 7">
             <a:extLst>
               <a:ext uri="{FF2B5EF4-FFF2-40B4-BE49-F238E27FC236}">
-                <a16:creationId xmlns:a16="http://schemas.microsoft.com/office/drawing/2014/main" id="{B0034E93-4484-D819-1344-601E30B0E28E}"/>
+                <a16:creationId xmlns:a16="http://schemas.microsoft.com/office/drawing/2014/main" id="{27717046-59DE-7AD6-4B67-2D7739A43AE1}"/>
               </a:ext>
             </a:extLst>
           </p:cNvPr>
-          <p:cNvSpPr txBox="1"/>
+          <p:cNvPicPr>
+            <a:picLocks noChangeAspect="1"/>
+          </p:cNvPicPr>
           <p:nvPr/>
-        </p:nvSpPr>
+        </p:nvPicPr>
+        <p:blipFill>
+          <a:blip r:embed="rId3"/>
+          <a:stretch>
+            <a:fillRect/>
+          </a:stretch>
+        </p:blipFill>
         <p:spPr>
           <a:xfrm>
-            <a:off x="6757247" y="3940290"/>
-            <a:ext cx="1353941" cy="461665"/>
+            <a:off x="6540250" y="1314578"/>
+            <a:ext cx="5216245" cy="5006975"/>
           </a:xfrm>
           <a:prstGeom prst="rect">
             <a:avLst/>
           </a:prstGeom>
-          <a:noFill/>
         </p:spPr>
-        <p:txBody>
-          <a:bodyPr wrap="square">
-            <a:spAutoFit/>
-          </a:bodyPr>
-          <a:lstStyle/>
-          <a:p>
-            <a:pPr algn="ctr"/>
-            <a:r>
-              <a:rPr lang="en-US" altLang="zh-CN" sz="2400" dirty="0">
-                <a:latin typeface="Times New Roman" panose="02020603050405020304" pitchFamily="18" charset="0"/>
-                <a:cs typeface="Times New Roman" panose="02020603050405020304" pitchFamily="18" charset="0"/>
-              </a:rPr>
-              <a:t>Benefits :</a:t>
-            </a:r>
-            <a:endParaRPr lang="zh-CN" altLang="en-US" sz="2400" dirty="0">
-              <a:latin typeface="Times New Roman" panose="02020603050405020304" pitchFamily="18" charset="0"/>
-              <a:cs typeface="Times New Roman" panose="02020603050405020304" pitchFamily="18" charset="0"/>
-            </a:endParaRPr>
-          </a:p>
-        </p:txBody>
-      </p:sp>
-      <p:sp>
-        <p:nvSpPr>
-          <p:cNvPr id="30" name="文本框 29">
-            <a:extLst>
-              <a:ext uri="{FF2B5EF4-FFF2-40B4-BE49-F238E27FC236}">
-                <a16:creationId xmlns:a16="http://schemas.microsoft.com/office/drawing/2014/main" id="{CF4F81C9-5EDC-7FAD-D350-975A1AE052F1}"/>
-              </a:ext>
-            </a:extLst>
-          </p:cNvPr>
-          <p:cNvSpPr txBox="1"/>
-          <p:nvPr/>
-        </p:nvSpPr>
-        <p:spPr>
-          <a:xfrm>
-            <a:off x="6949993" y="4350308"/>
-            <a:ext cx="4998298" cy="2025555"/>
-          </a:xfrm>
-          <a:prstGeom prst="rect">
-            <a:avLst/>
-          </a:prstGeom>
-          <a:noFill/>
-        </p:spPr>
-        <p:txBody>
-          <a:bodyPr wrap="square">
-            <a:spAutoFit/>
-          </a:bodyPr>
-          <a:lstStyle/>
-          <a:p>
-            <a:pPr>
-              <a:lnSpc>
-                <a:spcPct val="125000"/>
-              </a:lnSpc>
-            </a:pPr>
-            <a:r>
-              <a:rPr lang="en-US" altLang="zh-CN" dirty="0">
-                <a:solidFill>
-                  <a:srgbClr val="FF0000"/>
-                </a:solidFill>
-                <a:latin typeface="Times New Roman" panose="02020603050405020304" pitchFamily="18" charset="0"/>
-                <a:cs typeface="Times New Roman" panose="02020603050405020304" pitchFamily="18" charset="0"/>
-              </a:rPr>
-              <a:t>Higher Reusability. </a:t>
-            </a:r>
-            <a:r>
-              <a:rPr lang="en-US" altLang="zh-CN" sz="1600" dirty="0">
-                <a:latin typeface="Times New Roman" panose="02020603050405020304" pitchFamily="18" charset="0"/>
-                <a:cs typeface="Times New Roman" panose="02020603050405020304" pitchFamily="18" charset="0"/>
-              </a:rPr>
-              <a:t>Common logic is reused directly in subclasses, with only unique parts needing overrides.</a:t>
-            </a:r>
-          </a:p>
-          <a:p>
-            <a:pPr>
-              <a:lnSpc>
-                <a:spcPct val="125000"/>
-              </a:lnSpc>
-            </a:pPr>
-            <a:r>
-              <a:rPr lang="en-US" altLang="zh-CN" dirty="0">
-                <a:solidFill>
-                  <a:srgbClr val="FF0000"/>
-                </a:solidFill>
-                <a:latin typeface="Times New Roman" panose="02020603050405020304" pitchFamily="18" charset="0"/>
-                <a:cs typeface="Times New Roman" panose="02020603050405020304" pitchFamily="18" charset="0"/>
-              </a:rPr>
-              <a:t>Easier Feature Expansion. </a:t>
-            </a:r>
-            <a:r>
-              <a:rPr lang="en-US" altLang="zh-CN" sz="1600" dirty="0">
-                <a:latin typeface="Times New Roman" panose="02020603050405020304" pitchFamily="18" charset="0"/>
-                <a:cs typeface="Times New Roman" panose="02020603050405020304" pitchFamily="18" charset="0"/>
-              </a:rPr>
-              <a:t>Adding steps like </a:t>
-            </a:r>
-            <a:r>
-              <a:rPr lang="en-US" altLang="zh-CN" sz="1600" dirty="0" err="1">
-                <a:latin typeface="Times New Roman" panose="02020603050405020304" pitchFamily="18" charset="0"/>
-                <a:cs typeface="Times New Roman" panose="02020603050405020304" pitchFamily="18" charset="0"/>
-              </a:rPr>
-              <a:t>soundInit</a:t>
-            </a:r>
-            <a:r>
-              <a:rPr lang="en-US" altLang="zh-CN" sz="1600" dirty="0">
-                <a:latin typeface="Times New Roman" panose="02020603050405020304" pitchFamily="18" charset="0"/>
-                <a:cs typeface="Times New Roman" panose="02020603050405020304" pitchFamily="18" charset="0"/>
-              </a:rPr>
-              <a:t>() only requires updates in the parent class.</a:t>
-            </a:r>
-          </a:p>
-          <a:p>
-            <a:pPr>
-              <a:lnSpc>
-                <a:spcPct val="125000"/>
-              </a:lnSpc>
-            </a:pPr>
-            <a:r>
-              <a:rPr lang="en-US" altLang="zh-CN" dirty="0">
-                <a:solidFill>
-                  <a:srgbClr val="FF0000"/>
-                </a:solidFill>
-                <a:latin typeface="Times New Roman" panose="02020603050405020304" pitchFamily="18" charset="0"/>
-                <a:cs typeface="Times New Roman" panose="02020603050405020304" pitchFamily="18" charset="0"/>
-              </a:rPr>
-              <a:t>Consistency. </a:t>
-            </a:r>
-            <a:r>
-              <a:rPr lang="en-US" altLang="zh-CN" sz="1600" dirty="0">
-                <a:latin typeface="Times New Roman" panose="02020603050405020304" pitchFamily="18" charset="0"/>
-                <a:cs typeface="Times New Roman" panose="02020603050405020304" pitchFamily="18" charset="0"/>
-              </a:rPr>
-              <a:t>Ensures all levels follow the same initialization flow, avoiding discrepancies.</a:t>
-            </a:r>
-            <a:endParaRPr lang="zh-CN" altLang="en-US" sz="1600" dirty="0">
-              <a:latin typeface="Times New Roman" panose="02020603050405020304" pitchFamily="18" charset="0"/>
-              <a:cs typeface="Times New Roman" panose="02020603050405020304" pitchFamily="18" charset="0"/>
-            </a:endParaRPr>
-          </a:p>
-        </p:txBody>
-      </p:sp>
-      <p:sp>
-        <p:nvSpPr>
-          <p:cNvPr id="31" name="矩形 30">
-            <a:extLst>
-              <a:ext uri="{FF2B5EF4-FFF2-40B4-BE49-F238E27FC236}">
-                <a16:creationId xmlns:a16="http://schemas.microsoft.com/office/drawing/2014/main" id="{308A467A-276A-2FC3-7DC5-39E5D1BA2323}"/>
-              </a:ext>
-            </a:extLst>
-          </p:cNvPr>
-          <p:cNvSpPr/>
-          <p:nvPr/>
-        </p:nvSpPr>
-        <p:spPr>
-          <a:xfrm>
-            <a:off x="6906734" y="1153173"/>
-            <a:ext cx="5041557" cy="2856551"/>
-          </a:xfrm>
-          <a:prstGeom prst="rect">
-            <a:avLst/>
-          </a:prstGeom>
-          <a:noFill/>
-          <a:ln>
-            <a:solidFill>
-              <a:schemeClr val="tx1"/>
-            </a:solidFill>
-          </a:ln>
-        </p:spPr>
-        <p:style>
-          <a:lnRef idx="2">
-            <a:schemeClr val="accent1">
-              <a:shade val="15000"/>
-            </a:schemeClr>
-          </a:lnRef>
-          <a:fillRef idx="1">
-            <a:schemeClr val="accent1"/>
-          </a:fillRef>
-          <a:effectRef idx="0">
-            <a:schemeClr val="accent1"/>
-          </a:effectRef>
-          <a:fontRef idx="minor">
-            <a:schemeClr val="lt1"/>
-          </a:fontRef>
-        </p:style>
-        <p:txBody>
-          <a:bodyPr rtlCol="0" anchor="ctr"/>
-          <a:lstStyle/>
-          <a:p>
-            <a:pPr algn="ctr"/>
-            <a:endParaRPr lang="zh-CN" altLang="en-US"/>
-          </a:p>
-        </p:txBody>
-      </p:sp>
-      <p:sp>
-        <p:nvSpPr>
-          <p:cNvPr id="32" name="矩形 31">
-            <a:extLst>
-              <a:ext uri="{FF2B5EF4-FFF2-40B4-BE49-F238E27FC236}">
-                <a16:creationId xmlns:a16="http://schemas.microsoft.com/office/drawing/2014/main" id="{6A696EA1-8F61-5E4C-0ABC-A7D4E0BE6653}"/>
-              </a:ext>
-            </a:extLst>
-          </p:cNvPr>
-          <p:cNvSpPr/>
-          <p:nvPr/>
-        </p:nvSpPr>
-        <p:spPr>
-          <a:xfrm>
-            <a:off x="6949992" y="4407437"/>
-            <a:ext cx="5041558" cy="2025556"/>
-          </a:xfrm>
-          <a:prstGeom prst="rect">
-            <a:avLst/>
-          </a:prstGeom>
-          <a:noFill/>
-          <a:ln>
-            <a:solidFill>
-              <a:schemeClr val="tx1"/>
-            </a:solidFill>
-          </a:ln>
-        </p:spPr>
-        <p:style>
-          <a:lnRef idx="2">
-            <a:schemeClr val="accent1">
-              <a:shade val="15000"/>
-            </a:schemeClr>
-          </a:lnRef>
-          <a:fillRef idx="1">
-            <a:schemeClr val="accent1"/>
-          </a:fillRef>
-          <a:effectRef idx="0">
-            <a:schemeClr val="accent1"/>
-          </a:effectRef>
-          <a:fontRef idx="minor">
-            <a:schemeClr val="lt1"/>
-          </a:fontRef>
-        </p:style>
-        <p:txBody>
-          <a:bodyPr rtlCol="0" anchor="ctr"/>
-          <a:lstStyle/>
-          <a:p>
-            <a:pPr algn="ctr"/>
-            <a:endParaRPr lang="zh-CN" altLang="en-US"/>
-          </a:p>
-        </p:txBody>
-      </p:sp>
+      </p:pic>
     </p:spTree>
     <p:extLst>
       <p:ext uri="{BB962C8B-B14F-4D97-AF65-F5344CB8AC3E}">
-        <p14:creationId xmlns:p14="http://schemas.microsoft.com/office/powerpoint/2010/main" val="2674079515"/>
+        <p14:creationId xmlns:p14="http://schemas.microsoft.com/office/powerpoint/2010/main" val="709072672"/>
       </p:ext>
     </p:extLst>
   </p:cSld>

--- a/文档/DesignPattern.pptx
+++ b/文档/DesignPattern.pptx
@@ -5,7 +5,7 @@
     <p:sldMasterId id="2147483648" r:id="rId1"/>
   </p:sldMasterIdLst>
   <p:notesMasterIdLst>
-    <p:notesMasterId r:id="rId23"/>
+    <p:notesMasterId r:id="rId24"/>
   </p:notesMasterIdLst>
   <p:sldIdLst>
     <p:sldId id="256" r:id="rId2"/>
@@ -17,18 +17,19 @@
     <p:sldId id="284" r:id="rId8"/>
     <p:sldId id="280" r:id="rId9"/>
     <p:sldId id="281" r:id="rId10"/>
-    <p:sldId id="283" r:id="rId11"/>
-    <p:sldId id="282" r:id="rId12"/>
-    <p:sldId id="279" r:id="rId13"/>
-    <p:sldId id="285" r:id="rId14"/>
-    <p:sldId id="277" r:id="rId15"/>
-    <p:sldId id="272" r:id="rId16"/>
-    <p:sldId id="261" r:id="rId17"/>
-    <p:sldId id="264" r:id="rId18"/>
-    <p:sldId id="266" r:id="rId19"/>
-    <p:sldId id="267" r:id="rId20"/>
-    <p:sldId id="269" r:id="rId21"/>
-    <p:sldId id="270" r:id="rId22"/>
+    <p:sldId id="286" r:id="rId11"/>
+    <p:sldId id="283" r:id="rId12"/>
+    <p:sldId id="282" r:id="rId13"/>
+    <p:sldId id="279" r:id="rId14"/>
+    <p:sldId id="285" r:id="rId15"/>
+    <p:sldId id="277" r:id="rId16"/>
+    <p:sldId id="272" r:id="rId17"/>
+    <p:sldId id="261" r:id="rId18"/>
+    <p:sldId id="264" r:id="rId19"/>
+    <p:sldId id="266" r:id="rId20"/>
+    <p:sldId id="267" r:id="rId21"/>
+    <p:sldId id="269" r:id="rId22"/>
+    <p:sldId id="270" r:id="rId23"/>
   </p:sldIdLst>
   <p:sldSz cx="12192000" cy="6858000"/>
   <p:notesSz cx="6858000" cy="9144000"/>
@@ -7581,6 +7582,532 @@
         <p:cNvPr id="1" name="">
           <a:extLst>
             <a:ext uri="{FF2B5EF4-FFF2-40B4-BE49-F238E27FC236}">
+              <a16:creationId xmlns:a16="http://schemas.microsoft.com/office/drawing/2014/main" id="{F257CB00-50BD-9977-878B-A4C6A3955DBD}"/>
+            </a:ext>
+          </a:extLst>
+        </p:cNvPr>
+        <p:cNvGrpSpPr/>
+        <p:nvPr/>
+      </p:nvGrpSpPr>
+      <p:grpSpPr>
+        <a:xfrm>
+          <a:off x="0" y="0"/>
+          <a:ext cx="0" cy="0"/>
+          <a:chOff x="0" y="0"/>
+          <a:chExt cx="0" cy="0"/>
+        </a:xfrm>
+      </p:grpSpPr>
+      <p:sp>
+        <p:nvSpPr>
+          <p:cNvPr id="5" name="矩形 4">
+            <a:extLst>
+              <a:ext uri="{FF2B5EF4-FFF2-40B4-BE49-F238E27FC236}">
+                <a16:creationId xmlns:a16="http://schemas.microsoft.com/office/drawing/2014/main" id="{4B307937-3D2E-527B-C0AB-3E8296A2AF5E}"/>
+              </a:ext>
+            </a:extLst>
+          </p:cNvPr>
+          <p:cNvSpPr/>
+          <p:nvPr/>
+        </p:nvSpPr>
+        <p:spPr>
+          <a:xfrm>
+            <a:off x="0" y="343632"/>
+            <a:ext cx="1244600" cy="426835"/>
+          </a:xfrm>
+          <a:prstGeom prst="rect">
+            <a:avLst/>
+          </a:prstGeom>
+          <a:solidFill>
+            <a:schemeClr val="accent1">
+              <a:lumMod val="50000"/>
+            </a:schemeClr>
+          </a:solidFill>
+        </p:spPr>
+        <p:style>
+          <a:lnRef idx="2">
+            <a:schemeClr val="accent1">
+              <a:shade val="15000"/>
+            </a:schemeClr>
+          </a:lnRef>
+          <a:fillRef idx="1">
+            <a:schemeClr val="accent1"/>
+          </a:fillRef>
+          <a:effectRef idx="0">
+            <a:schemeClr val="accent1"/>
+          </a:effectRef>
+          <a:fontRef idx="minor">
+            <a:schemeClr val="lt1"/>
+          </a:fontRef>
+        </p:style>
+        <p:txBody>
+          <a:bodyPr rtlCol="0" anchor="ctr"/>
+          <a:lstStyle/>
+          <a:p>
+            <a:pPr algn="ctr"/>
+            <a:endParaRPr lang="zh-CN" altLang="en-US"/>
+          </a:p>
+        </p:txBody>
+      </p:sp>
+      <p:sp>
+        <p:nvSpPr>
+          <p:cNvPr id="6" name="文本框 5">
+            <a:extLst>
+              <a:ext uri="{FF2B5EF4-FFF2-40B4-BE49-F238E27FC236}">
+                <a16:creationId xmlns:a16="http://schemas.microsoft.com/office/drawing/2014/main" id="{88DA7B07-4C0D-93D1-B728-76BB7293213A}"/>
+              </a:ext>
+            </a:extLst>
+          </p:cNvPr>
+          <p:cNvSpPr txBox="1"/>
+          <p:nvPr/>
+        </p:nvSpPr>
+        <p:spPr>
+          <a:xfrm>
+            <a:off x="69850" y="370357"/>
+            <a:ext cx="1104900" cy="400110"/>
+          </a:xfrm>
+          <a:prstGeom prst="rect">
+            <a:avLst/>
+          </a:prstGeom>
+          <a:noFill/>
+        </p:spPr>
+        <p:txBody>
+          <a:bodyPr wrap="square" rtlCol="0">
+            <a:spAutoFit/>
+          </a:bodyPr>
+          <a:lstStyle/>
+          <a:p>
+            <a:r>
+              <a:rPr lang="en-US" altLang="zh-CN" sz="2000" dirty="0">
+                <a:solidFill>
+                  <a:schemeClr val="bg1">
+                    <a:lumMod val="95000"/>
+                  </a:schemeClr>
+                </a:solidFill>
+                <a:latin typeface="思源黑体 CN Bold" panose="020B0800000000000000" pitchFamily="34" charset="-122"/>
+                <a:ea typeface="思源黑体 CN Bold" panose="020B0800000000000000" pitchFamily="34" charset="-122"/>
+              </a:rPr>
+              <a:t>PART 2</a:t>
+            </a:r>
+            <a:endParaRPr lang="zh-CN" altLang="en-US" sz="2000" dirty="0">
+              <a:solidFill>
+                <a:schemeClr val="bg1">
+                  <a:lumMod val="95000"/>
+                </a:schemeClr>
+              </a:solidFill>
+              <a:latin typeface="思源黑体 CN Bold" panose="020B0800000000000000" pitchFamily="34" charset="-122"/>
+              <a:ea typeface="思源黑体 CN Bold" panose="020B0800000000000000" pitchFamily="34" charset="-122"/>
+            </a:endParaRPr>
+          </a:p>
+        </p:txBody>
+      </p:sp>
+      <p:sp>
+        <p:nvSpPr>
+          <p:cNvPr id="2" name="文本框 12">
+            <a:extLst>
+              <a:ext uri="{FF2B5EF4-FFF2-40B4-BE49-F238E27FC236}">
+                <a16:creationId xmlns:a16="http://schemas.microsoft.com/office/drawing/2014/main" id="{D3B97FEE-B7B1-0941-80B4-5A3D63FC5316}"/>
+              </a:ext>
+            </a:extLst>
+          </p:cNvPr>
+          <p:cNvSpPr txBox="1"/>
+          <p:nvPr/>
+        </p:nvSpPr>
+        <p:spPr>
+          <a:xfrm>
+            <a:off x="1314449" y="226717"/>
+            <a:ext cx="7992837" cy="584775"/>
+          </a:xfrm>
+          <a:prstGeom prst="rect">
+            <a:avLst/>
+          </a:prstGeom>
+          <a:noFill/>
+        </p:spPr>
+        <p:txBody>
+          <a:bodyPr wrap="square" rtlCol="0">
+            <a:spAutoFit/>
+          </a:bodyPr>
+          <a:lstStyle>
+            <a:defPPr>
+              <a:defRPr lang="zh-CN"/>
+            </a:defPPr>
+            <a:lvl1pPr marL="0" algn="l" defTabSz="914400" rtl="0" eaLnBrk="1" latinLnBrk="0" hangingPunct="1">
+              <a:defRPr sz="1800" kern="1200">
+                <a:solidFill>
+                  <a:schemeClr val="tx1"/>
+                </a:solidFill>
+                <a:latin typeface="+mn-lt"/>
+                <a:ea typeface="+mn-ea"/>
+                <a:cs typeface="+mn-cs"/>
+              </a:defRPr>
+            </a:lvl1pPr>
+            <a:lvl2pPr marL="457200" algn="l" defTabSz="914400" rtl="0" eaLnBrk="1" latinLnBrk="0" hangingPunct="1">
+              <a:defRPr sz="1800" kern="1200">
+                <a:solidFill>
+                  <a:schemeClr val="tx1"/>
+                </a:solidFill>
+                <a:latin typeface="+mn-lt"/>
+                <a:ea typeface="+mn-ea"/>
+                <a:cs typeface="+mn-cs"/>
+              </a:defRPr>
+            </a:lvl2pPr>
+            <a:lvl3pPr marL="914400" algn="l" defTabSz="914400" rtl="0" eaLnBrk="1" latinLnBrk="0" hangingPunct="1">
+              <a:defRPr sz="1800" kern="1200">
+                <a:solidFill>
+                  <a:schemeClr val="tx1"/>
+                </a:solidFill>
+                <a:latin typeface="+mn-lt"/>
+                <a:ea typeface="+mn-ea"/>
+                <a:cs typeface="+mn-cs"/>
+              </a:defRPr>
+            </a:lvl3pPr>
+            <a:lvl4pPr marL="1371600" algn="l" defTabSz="914400" rtl="0" eaLnBrk="1" latinLnBrk="0" hangingPunct="1">
+              <a:defRPr sz="1800" kern="1200">
+                <a:solidFill>
+                  <a:schemeClr val="tx1"/>
+                </a:solidFill>
+                <a:latin typeface="+mn-lt"/>
+                <a:ea typeface="+mn-ea"/>
+                <a:cs typeface="+mn-cs"/>
+              </a:defRPr>
+            </a:lvl4pPr>
+            <a:lvl5pPr marL="1828800" algn="l" defTabSz="914400" rtl="0" eaLnBrk="1" latinLnBrk="0" hangingPunct="1">
+              <a:defRPr sz="1800" kern="1200">
+                <a:solidFill>
+                  <a:schemeClr val="tx1"/>
+                </a:solidFill>
+                <a:latin typeface="+mn-lt"/>
+                <a:ea typeface="+mn-ea"/>
+                <a:cs typeface="+mn-cs"/>
+              </a:defRPr>
+            </a:lvl5pPr>
+            <a:lvl6pPr marL="2286000" algn="l" defTabSz="914400" rtl="0" eaLnBrk="1" latinLnBrk="0" hangingPunct="1">
+              <a:defRPr sz="1800" kern="1200">
+                <a:solidFill>
+                  <a:schemeClr val="tx1"/>
+                </a:solidFill>
+                <a:latin typeface="+mn-lt"/>
+                <a:ea typeface="+mn-ea"/>
+                <a:cs typeface="+mn-cs"/>
+              </a:defRPr>
+            </a:lvl6pPr>
+            <a:lvl7pPr marL="2743200" algn="l" defTabSz="914400" rtl="0" eaLnBrk="1" latinLnBrk="0" hangingPunct="1">
+              <a:defRPr sz="1800" kern="1200">
+                <a:solidFill>
+                  <a:schemeClr val="tx1"/>
+                </a:solidFill>
+                <a:latin typeface="+mn-lt"/>
+                <a:ea typeface="+mn-ea"/>
+                <a:cs typeface="+mn-cs"/>
+              </a:defRPr>
+            </a:lvl7pPr>
+            <a:lvl8pPr marL="3200400" algn="l" defTabSz="914400" rtl="0" eaLnBrk="1" latinLnBrk="0" hangingPunct="1">
+              <a:defRPr sz="1800" kern="1200">
+                <a:solidFill>
+                  <a:schemeClr val="tx1"/>
+                </a:solidFill>
+                <a:latin typeface="+mn-lt"/>
+                <a:ea typeface="+mn-ea"/>
+                <a:cs typeface="+mn-cs"/>
+              </a:defRPr>
+            </a:lvl8pPr>
+            <a:lvl9pPr marL="3657600" algn="l" defTabSz="914400" rtl="0" eaLnBrk="1" latinLnBrk="0" hangingPunct="1">
+              <a:defRPr sz="1800" kern="1200">
+                <a:solidFill>
+                  <a:schemeClr val="tx1"/>
+                </a:solidFill>
+                <a:latin typeface="+mn-lt"/>
+                <a:ea typeface="+mn-ea"/>
+                <a:cs typeface="+mn-cs"/>
+              </a:defRPr>
+            </a:lvl9pPr>
+          </a:lstStyle>
+          <a:p>
+            <a:r>
+              <a:rPr lang="en-US" altLang="zh-CN" sz="3200" dirty="0">
+                <a:solidFill>
+                  <a:srgbClr val="425166"/>
+                </a:solidFill>
+                <a:latin typeface="Times New Roman" panose="02020603050405020304" pitchFamily="18" charset="0"/>
+                <a:ea typeface="思源黑体 CN Normal" panose="020B0400000000000000" pitchFamily="34" charset="-122"/>
+                <a:cs typeface="Times New Roman" panose="02020603050405020304" pitchFamily="18" charset="0"/>
+                <a:sym typeface="思源黑体 CN Normal" panose="020B0400000000000000" pitchFamily="34" charset="-122"/>
+              </a:rPr>
+              <a:t>Design Patterns in Refactoring——Decorator </a:t>
+            </a:r>
+            <a:endParaRPr lang="zh-CN" altLang="en-US" sz="3200" dirty="0">
+              <a:solidFill>
+                <a:srgbClr val="425166"/>
+              </a:solidFill>
+              <a:latin typeface="Times New Roman" panose="02020603050405020304" pitchFamily="18" charset="0"/>
+              <a:ea typeface="思源黑体 CN Normal" panose="020B0400000000000000" pitchFamily="34" charset="-122"/>
+              <a:cs typeface="Times New Roman" panose="02020603050405020304" pitchFamily="18" charset="0"/>
+              <a:sym typeface="思源黑体 CN Normal" panose="020B0400000000000000" pitchFamily="34" charset="-122"/>
+            </a:endParaRPr>
+          </a:p>
+        </p:txBody>
+      </p:sp>
+      <p:sp>
+        <p:nvSpPr>
+          <p:cNvPr id="3" name="文本框 2">
+            <a:extLst>
+              <a:ext uri="{FF2B5EF4-FFF2-40B4-BE49-F238E27FC236}">
+                <a16:creationId xmlns:a16="http://schemas.microsoft.com/office/drawing/2014/main" id="{11A0C5AF-7E1B-A5C7-10B9-817350E5A4FA}"/>
+              </a:ext>
+            </a:extLst>
+          </p:cNvPr>
+          <p:cNvSpPr txBox="1"/>
+          <p:nvPr/>
+        </p:nvSpPr>
+        <p:spPr>
+          <a:xfrm>
+            <a:off x="1513519" y="934603"/>
+            <a:ext cx="3249738" cy="369332"/>
+          </a:xfrm>
+          <a:prstGeom prst="rect">
+            <a:avLst/>
+          </a:prstGeom>
+          <a:noFill/>
+        </p:spPr>
+        <p:txBody>
+          <a:bodyPr wrap="square">
+            <a:spAutoFit/>
+          </a:bodyPr>
+          <a:lstStyle/>
+          <a:p>
+            <a:pPr algn="ctr"/>
+            <a:r>
+              <a:rPr lang="en-US" altLang="zh-CN" dirty="0">
+                <a:latin typeface="Times New Roman" panose="02020603050405020304" pitchFamily="18" charset="0"/>
+                <a:cs typeface="Times New Roman" panose="02020603050405020304" pitchFamily="18" charset="0"/>
+              </a:rPr>
+              <a:t>Class diagram of Decorator</a:t>
+            </a:r>
+            <a:endParaRPr lang="zh-CN" altLang="en-US" dirty="0">
+              <a:latin typeface="Times New Roman" panose="02020603050405020304" pitchFamily="18" charset="0"/>
+              <a:cs typeface="Times New Roman" panose="02020603050405020304" pitchFamily="18" charset="0"/>
+            </a:endParaRPr>
+          </a:p>
+        </p:txBody>
+      </p:sp>
+      <p:pic>
+        <p:nvPicPr>
+          <p:cNvPr id="7" name="图片 6">
+            <a:extLst>
+              <a:ext uri="{FF2B5EF4-FFF2-40B4-BE49-F238E27FC236}">
+                <a16:creationId xmlns:a16="http://schemas.microsoft.com/office/drawing/2014/main" id="{162E58AC-2981-7673-3165-DA724DA3482B}"/>
+              </a:ext>
+            </a:extLst>
+          </p:cNvPr>
+          <p:cNvPicPr>
+            <a:picLocks noChangeAspect="1"/>
+          </p:cNvPicPr>
+          <p:nvPr/>
+        </p:nvPicPr>
+        <p:blipFill>
+          <a:blip r:embed="rId2"/>
+          <a:stretch>
+            <a:fillRect/>
+          </a:stretch>
+        </p:blipFill>
+        <p:spPr>
+          <a:xfrm>
+            <a:off x="357818" y="1314578"/>
+            <a:ext cx="5216245" cy="4990129"/>
+          </a:xfrm>
+          <a:prstGeom prst="rect">
+            <a:avLst/>
+          </a:prstGeom>
+        </p:spPr>
+      </p:pic>
+      <p:sp>
+        <p:nvSpPr>
+          <p:cNvPr id="9" name="文本框 8">
+            <a:extLst>
+              <a:ext uri="{FF2B5EF4-FFF2-40B4-BE49-F238E27FC236}">
+                <a16:creationId xmlns:a16="http://schemas.microsoft.com/office/drawing/2014/main" id="{8A6BC0E4-A990-44A3-C1CE-0739FAE329B3}"/>
+              </a:ext>
+            </a:extLst>
+          </p:cNvPr>
+          <p:cNvSpPr txBox="1"/>
+          <p:nvPr/>
+        </p:nvSpPr>
+        <p:spPr>
+          <a:xfrm>
+            <a:off x="6536754" y="1314578"/>
+            <a:ext cx="1353941" cy="461665"/>
+          </a:xfrm>
+          <a:prstGeom prst="rect">
+            <a:avLst/>
+          </a:prstGeom>
+          <a:noFill/>
+        </p:spPr>
+        <p:txBody>
+          <a:bodyPr wrap="square">
+            <a:spAutoFit/>
+          </a:bodyPr>
+          <a:lstStyle/>
+          <a:p>
+            <a:pPr algn="ctr"/>
+            <a:r>
+              <a:rPr lang="en-US" altLang="zh-CN" sz="2400" dirty="0">
+                <a:latin typeface="Times New Roman" panose="02020603050405020304" pitchFamily="18" charset="0"/>
+                <a:cs typeface="Times New Roman" panose="02020603050405020304" pitchFamily="18" charset="0"/>
+              </a:rPr>
+              <a:t>Benefits :</a:t>
+            </a:r>
+            <a:endParaRPr lang="zh-CN" altLang="en-US" sz="2400" dirty="0">
+              <a:latin typeface="Times New Roman" panose="02020603050405020304" pitchFamily="18" charset="0"/>
+              <a:cs typeface="Times New Roman" panose="02020603050405020304" pitchFamily="18" charset="0"/>
+            </a:endParaRPr>
+          </a:p>
+        </p:txBody>
+      </p:sp>
+      <p:sp>
+        <p:nvSpPr>
+          <p:cNvPr id="10" name="文本框 9">
+            <a:extLst>
+              <a:ext uri="{FF2B5EF4-FFF2-40B4-BE49-F238E27FC236}">
+                <a16:creationId xmlns:a16="http://schemas.microsoft.com/office/drawing/2014/main" id="{F2AC0CF5-8DA5-AA3D-6605-AC16E8B79C97}"/>
+              </a:ext>
+            </a:extLst>
+          </p:cNvPr>
+          <p:cNvSpPr txBox="1"/>
+          <p:nvPr/>
+        </p:nvSpPr>
+        <p:spPr>
+          <a:xfrm>
+            <a:off x="6536754" y="1991335"/>
+            <a:ext cx="5047839" cy="3782061"/>
+          </a:xfrm>
+          <a:prstGeom prst="rect">
+            <a:avLst/>
+          </a:prstGeom>
+          <a:noFill/>
+        </p:spPr>
+        <p:txBody>
+          <a:bodyPr wrap="square">
+            <a:spAutoFit/>
+          </a:bodyPr>
+          <a:lstStyle/>
+          <a:p>
+            <a:pPr marL="285750" indent="-285750">
+              <a:lnSpc>
+                <a:spcPct val="150000"/>
+              </a:lnSpc>
+              <a:buFont typeface="Arial" panose="020B0604020202020204" pitchFamily="34" charset="0"/>
+              <a:buChar char="•"/>
+            </a:pPr>
+            <a:r>
+              <a:rPr lang="en-US" altLang="zh-CN" b="1" dirty="0">
+                <a:latin typeface="Times New Roman" panose="02020603050405020304" pitchFamily="18" charset="0"/>
+                <a:cs typeface="Times New Roman" panose="02020603050405020304" pitchFamily="18" charset="0"/>
+              </a:rPr>
+              <a:t>Flexibility: </a:t>
+            </a:r>
+            <a:r>
+              <a:rPr lang="en-US" altLang="zh-CN" dirty="0">
+                <a:latin typeface="Times New Roman" panose="02020603050405020304" pitchFamily="18" charset="0"/>
+                <a:cs typeface="Times New Roman" panose="02020603050405020304" pitchFamily="18" charset="0"/>
+              </a:rPr>
+              <a:t>Dynamically add or combine features (e.g., explosion, toxic damage) without changing existing code.</a:t>
+            </a:r>
+          </a:p>
+          <a:p>
+            <a:pPr marL="285750" indent="-285750">
+              <a:lnSpc>
+                <a:spcPct val="150000"/>
+              </a:lnSpc>
+              <a:buFont typeface="Arial" panose="020B0604020202020204" pitchFamily="34" charset="0"/>
+              <a:buChar char="•"/>
+            </a:pPr>
+            <a:r>
+              <a:rPr lang="en-US" altLang="zh-CN" b="1" dirty="0">
+                <a:latin typeface="Times New Roman" panose="02020603050405020304" pitchFamily="18" charset="0"/>
+                <a:cs typeface="Times New Roman" panose="02020603050405020304" pitchFamily="18" charset="0"/>
+              </a:rPr>
+              <a:t>Extensibility: </a:t>
+            </a:r>
+            <a:r>
+              <a:rPr lang="en-US" altLang="zh-CN" dirty="0">
+                <a:latin typeface="Times New Roman" panose="02020603050405020304" pitchFamily="18" charset="0"/>
+                <a:cs typeface="Times New Roman" panose="02020603050405020304" pitchFamily="18" charset="0"/>
+              </a:rPr>
+              <a:t>Add new functionalities via decorators without modifying the Bullet class.</a:t>
+            </a:r>
+          </a:p>
+          <a:p>
+            <a:pPr marL="285750" indent="-285750">
+              <a:lnSpc>
+                <a:spcPct val="150000"/>
+              </a:lnSpc>
+              <a:buFont typeface="Arial" panose="020B0604020202020204" pitchFamily="34" charset="0"/>
+              <a:buChar char="•"/>
+            </a:pPr>
+            <a:r>
+              <a:rPr lang="en-US" altLang="zh-CN" b="1" dirty="0">
+                <a:latin typeface="Times New Roman" panose="02020603050405020304" pitchFamily="18" charset="0"/>
+                <a:cs typeface="Times New Roman" panose="02020603050405020304" pitchFamily="18" charset="0"/>
+              </a:rPr>
+              <a:t>Open/Closed Principle: </a:t>
+            </a:r>
+            <a:r>
+              <a:rPr lang="en-US" altLang="zh-CN" dirty="0">
+                <a:latin typeface="Times New Roman" panose="02020603050405020304" pitchFamily="18" charset="0"/>
+                <a:cs typeface="Times New Roman" panose="02020603050405020304" pitchFamily="18" charset="0"/>
+              </a:rPr>
+              <a:t>Extend behavior without altering existing code.</a:t>
+            </a:r>
+          </a:p>
+          <a:p>
+            <a:pPr marL="285750" indent="-285750">
+              <a:lnSpc>
+                <a:spcPct val="150000"/>
+              </a:lnSpc>
+              <a:buFont typeface="Arial" panose="020B0604020202020204" pitchFamily="34" charset="0"/>
+              <a:buChar char="•"/>
+            </a:pPr>
+            <a:r>
+              <a:rPr lang="en-US" altLang="zh-CN" b="1" dirty="0">
+                <a:latin typeface="Times New Roman" panose="02020603050405020304" pitchFamily="18" charset="0"/>
+                <a:cs typeface="Times New Roman" panose="02020603050405020304" pitchFamily="18" charset="0"/>
+              </a:rPr>
+              <a:t>Code Reuse: </a:t>
+            </a:r>
+            <a:r>
+              <a:rPr lang="en-US" altLang="zh-CN" dirty="0">
+                <a:latin typeface="Times New Roman" panose="02020603050405020304" pitchFamily="18" charset="0"/>
+                <a:cs typeface="Times New Roman" panose="02020603050405020304" pitchFamily="18" charset="0"/>
+              </a:rPr>
+              <a:t>Reusable decorators reduce duplication and enhance maintainability.</a:t>
+            </a:r>
+            <a:endParaRPr lang="zh-CN" altLang="en-US" sz="1600" dirty="0">
+              <a:latin typeface="Times New Roman" panose="02020603050405020304" pitchFamily="18" charset="0"/>
+              <a:cs typeface="Times New Roman" panose="02020603050405020304" pitchFamily="18" charset="0"/>
+            </a:endParaRPr>
+          </a:p>
+        </p:txBody>
+      </p:sp>
+    </p:spTree>
+    <p:extLst>
+      <p:ext uri="{BB962C8B-B14F-4D97-AF65-F5344CB8AC3E}">
+        <p14:creationId xmlns:p14="http://schemas.microsoft.com/office/powerpoint/2010/main" val="2931511844"/>
+      </p:ext>
+    </p:extLst>
+  </p:cSld>
+  <p:clrMapOvr>
+    <a:masterClrMapping/>
+  </p:clrMapOvr>
+</p:sld>
+</file>
+
+<file path=ppt/slides/slide11.xml><?xml version="1.0" encoding="utf-8"?>
+<p:sld xmlns:a="http://schemas.openxmlformats.org/drawingml/2006/main" xmlns:r="http://schemas.openxmlformats.org/officeDocument/2006/relationships" xmlns:p="http://schemas.openxmlformats.org/presentationml/2006/main">
+  <p:cSld>
+    <p:spTree>
+      <p:nvGrpSpPr>
+        <p:cNvPr id="1" name="">
+          <a:extLst>
+            <a:ext uri="{FF2B5EF4-FFF2-40B4-BE49-F238E27FC236}">
               <a16:creationId xmlns:a16="http://schemas.microsoft.com/office/drawing/2014/main" id="{D429E42E-1381-597B-84A1-E80C39DDF7D7}"/>
             </a:ext>
           </a:extLst>
@@ -8101,7 +8628,7 @@
 </p:sld>
 </file>
 
-<file path=ppt/slides/slide11.xml><?xml version="1.0" encoding="utf-8"?>
+<file path=ppt/slides/slide12.xml><?xml version="1.0" encoding="utf-8"?>
 <p:sld xmlns:a="http://schemas.openxmlformats.org/drawingml/2006/main" xmlns:r="http://schemas.openxmlformats.org/officeDocument/2006/relationships" xmlns:p="http://schemas.openxmlformats.org/presentationml/2006/main">
   <p:cSld>
     <p:spTree>
@@ -8430,7 +8957,7 @@
         </p:nvSpPr>
         <p:spPr>
           <a:xfrm>
-            <a:off x="-1" y="6212657"/>
+            <a:off x="521979" y="5902448"/>
             <a:ext cx="8686801" cy="461665"/>
           </a:xfrm>
           <a:prstGeom prst="rect">
@@ -8501,7 +9028,7 @@
 </p:sld>
 </file>
 
-<file path=ppt/slides/slide12.xml><?xml version="1.0" encoding="utf-8"?>
+<file path=ppt/slides/slide13.xml><?xml version="1.0" encoding="utf-8"?>
 <p:sld xmlns:a="http://schemas.openxmlformats.org/drawingml/2006/main" xmlns:r="http://schemas.openxmlformats.org/officeDocument/2006/relationships" xmlns:p="http://schemas.openxmlformats.org/presentationml/2006/main">
   <p:cSld>
     <p:spTree>
@@ -9585,7 +10112,7 @@
 </p:sld>
 </file>
 
-<file path=ppt/slides/slide13.xml><?xml version="1.0" encoding="utf-8"?>
+<file path=ppt/slides/slide14.xml><?xml version="1.0" encoding="utf-8"?>
 <p:sld xmlns:a="http://schemas.openxmlformats.org/drawingml/2006/main" xmlns:r="http://schemas.openxmlformats.org/officeDocument/2006/relationships" xmlns:p="http://schemas.openxmlformats.org/presentationml/2006/main">
   <p:cSld>
     <p:spTree>
@@ -9891,14 +10418,7 @@
                 <a:latin typeface="Times New Roman" panose="02020603050405020304" pitchFamily="18" charset="0"/>
                 <a:cs typeface="Times New Roman" panose="02020603050405020304" pitchFamily="18" charset="0"/>
               </a:rPr>
-              <a:t>Class diagram of </a:t>
-            </a:r>
-            <a:r>
-              <a:rPr lang="en-US" altLang="zh-CN" dirty="0" err="1">
-                <a:latin typeface="Times New Roman" panose="02020603050405020304" pitchFamily="18" charset="0"/>
-                <a:cs typeface="Times New Roman" panose="02020603050405020304" pitchFamily="18" charset="0"/>
-              </a:rPr>
-              <a:t>ObjectPool</a:t>
+              <a:t>Class diagram of Object Pool</a:t>
             </a:r>
             <a:endParaRPr lang="zh-CN" altLang="en-US" dirty="0">
               <a:latin typeface="Times New Roman" panose="02020603050405020304" pitchFamily="18" charset="0"/>
@@ -9921,7 +10441,7 @@
         </p:nvGrpSpPr>
         <p:grpSpPr>
           <a:xfrm rot="5400000">
-            <a:off x="8852552" y="3473291"/>
+            <a:off x="9499317" y="3473291"/>
             <a:ext cx="969273" cy="248633"/>
             <a:chOff x="6049119" y="5793914"/>
             <a:chExt cx="1030620" cy="299295"/>
@@ -10192,7 +10712,7 @@
         </p:nvSpPr>
         <p:spPr>
           <a:xfrm>
-            <a:off x="7836637" y="934603"/>
+            <a:off x="8483402" y="934603"/>
             <a:ext cx="3249738" cy="369332"/>
           </a:xfrm>
           <a:prstGeom prst="rect">
@@ -10273,7 +10793,7 @@
         </p:blipFill>
         <p:spPr>
           <a:xfrm>
-            <a:off x="7961318" y="1427046"/>
+            <a:off x="8608083" y="1427046"/>
             <a:ext cx="3000375" cy="1685925"/>
           </a:xfrm>
           <a:prstGeom prst="rect">
@@ -10303,7 +10823,7 @@
         </p:blipFill>
         <p:spPr>
           <a:xfrm>
-            <a:off x="7322650" y="4253442"/>
+            <a:off x="7969415" y="4253442"/>
             <a:ext cx="4029075" cy="1771650"/>
           </a:xfrm>
           <a:prstGeom prst="rect">
@@ -10311,6 +10831,198 @@
           </a:prstGeom>
         </p:spPr>
       </p:pic>
+      <p:sp>
+        <p:nvSpPr>
+          <p:cNvPr id="3" name="文本框 2">
+            <a:extLst>
+              <a:ext uri="{FF2B5EF4-FFF2-40B4-BE49-F238E27FC236}">
+                <a16:creationId xmlns:a16="http://schemas.microsoft.com/office/drawing/2014/main" id="{89D3EE74-0478-74D2-3202-44DAC5AF87FC}"/>
+              </a:ext>
+            </a:extLst>
+          </p:cNvPr>
+          <p:cNvSpPr txBox="1"/>
+          <p:nvPr/>
+        </p:nvSpPr>
+        <p:spPr>
+          <a:xfrm>
+            <a:off x="6265039" y="2651306"/>
+            <a:ext cx="1353941" cy="461665"/>
+          </a:xfrm>
+          <a:prstGeom prst="rect">
+            <a:avLst/>
+          </a:prstGeom>
+          <a:noFill/>
+        </p:spPr>
+        <p:txBody>
+          <a:bodyPr wrap="square">
+            <a:spAutoFit/>
+          </a:bodyPr>
+          <a:lstStyle/>
+          <a:p>
+            <a:pPr algn="ctr"/>
+            <a:r>
+              <a:rPr lang="en-US" altLang="zh-CN" sz="2400" dirty="0">
+                <a:latin typeface="Times New Roman" panose="02020603050405020304" pitchFamily="18" charset="0"/>
+                <a:cs typeface="Times New Roman" panose="02020603050405020304" pitchFamily="18" charset="0"/>
+              </a:rPr>
+              <a:t>Benefits :</a:t>
+            </a:r>
+            <a:endParaRPr lang="zh-CN" altLang="en-US" sz="2400" dirty="0">
+              <a:latin typeface="Times New Roman" panose="02020603050405020304" pitchFamily="18" charset="0"/>
+              <a:cs typeface="Times New Roman" panose="02020603050405020304" pitchFamily="18" charset="0"/>
+            </a:endParaRPr>
+          </a:p>
+        </p:txBody>
+      </p:sp>
+      <p:sp>
+        <p:nvSpPr>
+          <p:cNvPr id="7" name="文本框 6">
+            <a:extLst>
+              <a:ext uri="{FF2B5EF4-FFF2-40B4-BE49-F238E27FC236}">
+                <a16:creationId xmlns:a16="http://schemas.microsoft.com/office/drawing/2014/main" id="{CED82938-D7E5-B565-99A6-7622A49E398D}"/>
+              </a:ext>
+            </a:extLst>
+          </p:cNvPr>
+          <p:cNvSpPr txBox="1"/>
+          <p:nvPr/>
+        </p:nvSpPr>
+        <p:spPr>
+          <a:xfrm>
+            <a:off x="6441899" y="3148872"/>
+            <a:ext cx="3000375" cy="1444883"/>
+          </a:xfrm>
+          <a:prstGeom prst="rect">
+            <a:avLst/>
+          </a:prstGeom>
+          <a:noFill/>
+        </p:spPr>
+        <p:txBody>
+          <a:bodyPr wrap="square">
+            <a:spAutoFit/>
+          </a:bodyPr>
+          <a:lstStyle/>
+          <a:p>
+            <a:pPr marL="285750" indent="-285750">
+              <a:lnSpc>
+                <a:spcPct val="125000"/>
+              </a:lnSpc>
+              <a:buFont typeface="Arial" panose="020B0604020202020204" pitchFamily="34" charset="0"/>
+              <a:buChar char="•"/>
+            </a:pPr>
+            <a:r>
+              <a:rPr lang="en-US" altLang="zh-CN" dirty="0">
+                <a:latin typeface="Times New Roman" panose="02020603050405020304" pitchFamily="18" charset="0"/>
+                <a:cs typeface="Times New Roman" panose="02020603050405020304" pitchFamily="18" charset="0"/>
+              </a:rPr>
+              <a:t>Performance Boost</a:t>
+            </a:r>
+          </a:p>
+          <a:p>
+            <a:pPr marL="285750" indent="-285750">
+              <a:lnSpc>
+                <a:spcPct val="125000"/>
+              </a:lnSpc>
+              <a:buFont typeface="Arial" panose="020B0604020202020204" pitchFamily="34" charset="0"/>
+              <a:buChar char="•"/>
+            </a:pPr>
+            <a:r>
+              <a:rPr lang="en-US" altLang="zh-CN" dirty="0">
+                <a:latin typeface="Times New Roman" panose="02020603050405020304" pitchFamily="18" charset="0"/>
+                <a:cs typeface="Times New Roman" panose="02020603050405020304" pitchFamily="18" charset="0"/>
+              </a:rPr>
+              <a:t>Resource Efficiency</a:t>
+            </a:r>
+          </a:p>
+          <a:p>
+            <a:pPr marL="285750" indent="-285750">
+              <a:lnSpc>
+                <a:spcPct val="125000"/>
+              </a:lnSpc>
+              <a:buFont typeface="Arial" panose="020B0604020202020204" pitchFamily="34" charset="0"/>
+              <a:buChar char="•"/>
+            </a:pPr>
+            <a:r>
+              <a:rPr lang="en-US" altLang="zh-CN" dirty="0">
+                <a:latin typeface="Times New Roman" panose="02020603050405020304" pitchFamily="18" charset="0"/>
+                <a:cs typeface="Times New Roman" panose="02020603050405020304" pitchFamily="18" charset="0"/>
+              </a:rPr>
+              <a:t>Memory Leak Prevention</a:t>
+            </a:r>
+          </a:p>
+          <a:p>
+            <a:pPr marL="285750" indent="-285750">
+              <a:lnSpc>
+                <a:spcPct val="125000"/>
+              </a:lnSpc>
+              <a:buFont typeface="Arial" panose="020B0604020202020204" pitchFamily="34" charset="0"/>
+              <a:buChar char="•"/>
+            </a:pPr>
+            <a:r>
+              <a:rPr lang="en-US" altLang="zh-CN" dirty="0">
+                <a:latin typeface="Times New Roman" panose="02020603050405020304" pitchFamily="18" charset="0"/>
+                <a:cs typeface="Times New Roman" panose="02020603050405020304" pitchFamily="18" charset="0"/>
+              </a:rPr>
+              <a:t>Enhanced Game Efficiency</a:t>
+            </a:r>
+            <a:endParaRPr lang="zh-CN" altLang="en-US" sz="1600" dirty="0">
+              <a:latin typeface="Times New Roman" panose="02020603050405020304" pitchFamily="18" charset="0"/>
+              <a:cs typeface="Times New Roman" panose="02020603050405020304" pitchFamily="18" charset="0"/>
+            </a:endParaRPr>
+          </a:p>
+        </p:txBody>
+      </p:sp>
+      <p:sp>
+        <p:nvSpPr>
+          <p:cNvPr id="11" name="矩形 10">
+            <a:extLst>
+              <a:ext uri="{FF2B5EF4-FFF2-40B4-BE49-F238E27FC236}">
+                <a16:creationId xmlns:a16="http://schemas.microsoft.com/office/drawing/2014/main" id="{E62D2E42-9678-3E13-8C34-AC04C9D6190B}"/>
+              </a:ext>
+            </a:extLst>
+          </p:cNvPr>
+          <p:cNvSpPr/>
+          <p:nvPr/>
+        </p:nvSpPr>
+        <p:spPr>
+          <a:xfrm>
+            <a:off x="6370452" y="3148872"/>
+            <a:ext cx="3049842" cy="1444883"/>
+          </a:xfrm>
+          <a:prstGeom prst="rect">
+            <a:avLst/>
+          </a:prstGeom>
+          <a:noFill/>
+          <a:ln>
+            <a:solidFill>
+              <a:schemeClr val="tx1"/>
+            </a:solidFill>
+          </a:ln>
+        </p:spPr>
+        <p:style>
+          <a:lnRef idx="2">
+            <a:schemeClr val="accent1">
+              <a:shade val="15000"/>
+            </a:schemeClr>
+          </a:lnRef>
+          <a:fillRef idx="1">
+            <a:schemeClr val="accent1"/>
+          </a:fillRef>
+          <a:effectRef idx="0">
+            <a:schemeClr val="accent1"/>
+          </a:effectRef>
+          <a:fontRef idx="minor">
+            <a:schemeClr val="lt1"/>
+          </a:fontRef>
+        </p:style>
+        <p:txBody>
+          <a:bodyPr rtlCol="0" anchor="ctr"/>
+          <a:lstStyle/>
+          <a:p>
+            <a:pPr algn="ctr"/>
+            <a:endParaRPr lang="zh-CN" altLang="en-US"/>
+          </a:p>
+        </p:txBody>
+      </p:sp>
     </p:spTree>
     <p:extLst>
       <p:ext uri="{BB962C8B-B14F-4D97-AF65-F5344CB8AC3E}">
@@ -10324,7 +11036,7 @@
 </p:sld>
 </file>
 
-<file path=ppt/slides/slide14.xml><?xml version="1.0" encoding="utf-8"?>
+<file path=ppt/slides/slide15.xml><?xml version="1.0" encoding="utf-8"?>
 <p:sld xmlns:a="http://schemas.openxmlformats.org/drawingml/2006/main" xmlns:r="http://schemas.openxmlformats.org/officeDocument/2006/relationships" xmlns:p="http://schemas.openxmlformats.org/presentationml/2006/main">
   <p:cSld>
     <p:spTree>
@@ -10600,7 +11312,7 @@
 </p:sld>
 </file>
 
-<file path=ppt/slides/slide15.xml><?xml version="1.0" encoding="utf-8"?>
+<file path=ppt/slides/slide16.xml><?xml version="1.0" encoding="utf-8"?>
 <p:sld xmlns:a="http://schemas.openxmlformats.org/drawingml/2006/main" xmlns:r="http://schemas.openxmlformats.org/officeDocument/2006/relationships" xmlns:p="http://schemas.openxmlformats.org/presentationml/2006/main">
   <p:cSld>
     <p:spTree>
@@ -13927,7 +14639,7 @@
 </p:sld>
 </file>
 
-<file path=ppt/slides/slide16.xml><?xml version="1.0" encoding="utf-8"?>
+<file path=ppt/slides/slide17.xml><?xml version="1.0" encoding="utf-8"?>
 <p:sld xmlns:a="http://schemas.openxmlformats.org/drawingml/2006/main" xmlns:r="http://schemas.openxmlformats.org/officeDocument/2006/relationships" xmlns:p="http://schemas.openxmlformats.org/presentationml/2006/main">
   <p:cSld>
     <p:spTree>
@@ -16381,7 +17093,7 @@
 </p:sld>
 </file>
 
-<file path=ppt/slides/slide17.xml><?xml version="1.0" encoding="utf-8"?>
+<file path=ppt/slides/slide18.xml><?xml version="1.0" encoding="utf-8"?>
 <p:sld xmlns:a="http://schemas.openxmlformats.org/drawingml/2006/main" xmlns:r="http://schemas.openxmlformats.org/officeDocument/2006/relationships" xmlns:p="http://schemas.openxmlformats.org/presentationml/2006/main">
   <p:cSld>
     <p:spTree>
@@ -19291,7 +20003,7 @@
 </p:sld>
 </file>
 
-<file path=ppt/slides/slide18.xml><?xml version="1.0" encoding="utf-8"?>
+<file path=ppt/slides/slide19.xml><?xml version="1.0" encoding="utf-8"?>
 <p:sld xmlns:a="http://schemas.openxmlformats.org/drawingml/2006/main" xmlns:r="http://schemas.openxmlformats.org/officeDocument/2006/relationships" xmlns:p="http://schemas.openxmlformats.org/presentationml/2006/main">
   <p:cSld>
     <p:spTree>
@@ -21245,7 +21957,1752 @@
 </p:sld>
 </file>
 
-<file path=ppt/slides/slide19.xml><?xml version="1.0" encoding="utf-8"?>
+<file path=ppt/slides/slide2.xml><?xml version="1.0" encoding="utf-8"?>
+<p:sld xmlns:a="http://schemas.openxmlformats.org/drawingml/2006/main" xmlns:r="http://schemas.openxmlformats.org/officeDocument/2006/relationships" xmlns:p="http://schemas.openxmlformats.org/presentationml/2006/main">
+  <p:cSld>
+    <p:spTree>
+      <p:nvGrpSpPr>
+        <p:cNvPr id="1" name=""/>
+        <p:cNvGrpSpPr/>
+        <p:nvPr/>
+      </p:nvGrpSpPr>
+      <p:grpSpPr>
+        <a:xfrm>
+          <a:off x="0" y="0"/>
+          <a:ext cx="0" cy="0"/>
+          <a:chOff x="0" y="0"/>
+          <a:chExt cx="0" cy="0"/>
+        </a:xfrm>
+      </p:grpSpPr>
+      <p:sp>
+        <p:nvSpPr>
+          <p:cNvPr id="4" name="任意多边形 3"/>
+          <p:cNvSpPr/>
+          <p:nvPr/>
+        </p:nvSpPr>
+        <p:spPr>
+          <a:xfrm>
+            <a:off x="0" y="0"/>
+            <a:ext cx="4838700" cy="2992755"/>
+          </a:xfrm>
+          <a:custGeom>
+            <a:avLst/>
+            <a:gdLst/>
+            <a:ahLst/>
+            <a:cxnLst>
+              <a:cxn ang="3">
+                <a:pos x="hc" y="t"/>
+              </a:cxn>
+              <a:cxn ang="cd2">
+                <a:pos x="l" y="vc"/>
+              </a:cxn>
+              <a:cxn ang="cd4">
+                <a:pos x="hc" y="b"/>
+              </a:cxn>
+              <a:cxn ang="0">
+                <a:pos x="r" y="vc"/>
+              </a:cxn>
+            </a:cxnLst>
+            <a:rect l="l" t="t" r="r" b="b"/>
+            <a:pathLst>
+              <a:path w="8342" h="5161">
+                <a:moveTo>
+                  <a:pt x="151" y="0"/>
+                </a:moveTo>
+                <a:cubicBezTo>
+                  <a:pt x="212" y="108"/>
+                  <a:pt x="344" y="480"/>
+                  <a:pt x="333" y="900"/>
+                </a:cubicBezTo>
+                <a:cubicBezTo>
+                  <a:pt x="340" y="1185"/>
+                  <a:pt x="258" y="1720"/>
+                  <a:pt x="138" y="2136"/>
+                </a:cubicBezTo>
+                <a:cubicBezTo>
+                  <a:pt x="37" y="2462"/>
+                  <a:pt x="-4" y="2904"/>
+                  <a:pt x="0" y="3111"/>
+                </a:cubicBezTo>
+                <a:cubicBezTo>
+                  <a:pt x="-10" y="4003"/>
+                  <a:pt x="361" y="4723"/>
+                  <a:pt x="766" y="4912"/>
+                </a:cubicBezTo>
+                <a:cubicBezTo>
+                  <a:pt x="948" y="5095"/>
+                  <a:pt x="1252" y="5168"/>
+                  <a:pt x="1406" y="5160"/>
+                </a:cubicBezTo>
+                <a:cubicBezTo>
+                  <a:pt x="3154" y="4827"/>
+                  <a:pt x="4186" y="3274"/>
+                  <a:pt x="4206" y="3320"/>
+                </a:cubicBezTo>
+                <a:cubicBezTo>
+                  <a:pt x="4268" y="3248"/>
+                  <a:pt x="4361" y="3144"/>
+                  <a:pt x="4428" y="3073"/>
+                </a:cubicBezTo>
+                <a:lnTo>
+                  <a:pt x="4988" y="2531"/>
+                </a:lnTo>
+                <a:cubicBezTo>
+                  <a:pt x="5394" y="2123"/>
+                  <a:pt x="5610" y="1939"/>
+                  <a:pt x="5838" y="1743"/>
+                </a:cubicBezTo>
+                <a:cubicBezTo>
+                  <a:pt x="5966" y="1634"/>
+                  <a:pt x="6196" y="1432"/>
+                  <a:pt x="6376" y="1268"/>
+                </a:cubicBezTo>
+                <a:cubicBezTo>
+                  <a:pt x="6500" y="1166"/>
+                  <a:pt x="6607" y="1056"/>
+                  <a:pt x="6669" y="995"/>
+                </a:cubicBezTo>
+                <a:cubicBezTo>
+                  <a:pt x="6737" y="925"/>
+                  <a:pt x="6801" y="864"/>
+                  <a:pt x="6841" y="839"/>
+                </a:cubicBezTo>
+                <a:cubicBezTo>
+                  <a:pt x="6847" y="835"/>
+                  <a:pt x="6856" y="829"/>
+                  <a:pt x="6860" y="827"/>
+                </a:cubicBezTo>
+                <a:cubicBezTo>
+                  <a:pt x="6906" y="787"/>
+                  <a:pt x="6825" y="866"/>
+                  <a:pt x="6940" y="759"/>
+                </a:cubicBezTo>
+                <a:cubicBezTo>
+                  <a:pt x="7279" y="412"/>
+                  <a:pt x="8013" y="79"/>
+                  <a:pt x="8342" y="0"/>
+                </a:cubicBezTo>
+                <a:lnTo>
+                  <a:pt x="151" y="0"/>
+                </a:lnTo>
+                <a:close/>
+              </a:path>
+            </a:pathLst>
+          </a:custGeom>
+          <a:solidFill>
+            <a:schemeClr val="bg1">
+              <a:lumMod val="85000"/>
+            </a:schemeClr>
+          </a:solidFill>
+          <a:ln>
+            <a:noFill/>
+          </a:ln>
+        </p:spPr>
+        <p:style>
+          <a:lnRef idx="2">
+            <a:schemeClr val="accent1">
+              <a:shade val="50000"/>
+            </a:schemeClr>
+          </a:lnRef>
+          <a:fillRef idx="1">
+            <a:schemeClr val="accent1"/>
+          </a:fillRef>
+          <a:effectRef idx="0">
+            <a:schemeClr val="accent1"/>
+          </a:effectRef>
+          <a:fontRef idx="minor">
+            <a:schemeClr val="lt1"/>
+          </a:fontRef>
+        </p:style>
+        <p:txBody>
+          <a:bodyPr wrap="square" rtlCol="0" anchor="ctr">
+            <a:noAutofit/>
+          </a:bodyPr>
+          <a:lstStyle>
+            <a:defPPr>
+              <a:defRPr lang="zh-CN">
+                <a:solidFill>
+                  <a:schemeClr val="lt1"/>
+                </a:solidFill>
+              </a:defRPr>
+            </a:defPPr>
+            <a:lvl1pPr marL="0" algn="l" defTabSz="914400" rtl="0" eaLnBrk="1" latinLnBrk="0" hangingPunct="1">
+              <a:defRPr sz="1800" kern="1200">
+                <a:solidFill>
+                  <a:schemeClr val="lt1"/>
+                </a:solidFill>
+                <a:latin typeface="+mn-lt"/>
+                <a:ea typeface="+mn-ea"/>
+                <a:cs typeface="+mn-cs"/>
+              </a:defRPr>
+            </a:lvl1pPr>
+            <a:lvl2pPr marL="457200" algn="l" defTabSz="914400" rtl="0" eaLnBrk="1" latinLnBrk="0" hangingPunct="1">
+              <a:defRPr sz="1800" kern="1200">
+                <a:solidFill>
+                  <a:schemeClr val="lt1"/>
+                </a:solidFill>
+                <a:latin typeface="+mn-lt"/>
+                <a:ea typeface="+mn-ea"/>
+                <a:cs typeface="+mn-cs"/>
+              </a:defRPr>
+            </a:lvl2pPr>
+            <a:lvl3pPr marL="914400" algn="l" defTabSz="914400" rtl="0" eaLnBrk="1" latinLnBrk="0" hangingPunct="1">
+              <a:defRPr sz="1800" kern="1200">
+                <a:solidFill>
+                  <a:schemeClr val="lt1"/>
+                </a:solidFill>
+                <a:latin typeface="+mn-lt"/>
+                <a:ea typeface="+mn-ea"/>
+                <a:cs typeface="+mn-cs"/>
+              </a:defRPr>
+            </a:lvl3pPr>
+            <a:lvl4pPr marL="1371600" algn="l" defTabSz="914400" rtl="0" eaLnBrk="1" latinLnBrk="0" hangingPunct="1">
+              <a:defRPr sz="1800" kern="1200">
+                <a:solidFill>
+                  <a:schemeClr val="lt1"/>
+                </a:solidFill>
+                <a:latin typeface="+mn-lt"/>
+                <a:ea typeface="+mn-ea"/>
+                <a:cs typeface="+mn-cs"/>
+              </a:defRPr>
+            </a:lvl4pPr>
+            <a:lvl5pPr marL="1828800" algn="l" defTabSz="914400" rtl="0" eaLnBrk="1" latinLnBrk="0" hangingPunct="1">
+              <a:defRPr sz="1800" kern="1200">
+                <a:solidFill>
+                  <a:schemeClr val="lt1"/>
+                </a:solidFill>
+                <a:latin typeface="+mn-lt"/>
+                <a:ea typeface="+mn-ea"/>
+                <a:cs typeface="+mn-cs"/>
+              </a:defRPr>
+            </a:lvl5pPr>
+            <a:lvl6pPr marL="2286000" algn="l" defTabSz="914400" rtl="0" eaLnBrk="1" latinLnBrk="0" hangingPunct="1">
+              <a:defRPr sz="1800" kern="1200">
+                <a:solidFill>
+                  <a:schemeClr val="lt1"/>
+                </a:solidFill>
+                <a:latin typeface="+mn-lt"/>
+                <a:ea typeface="+mn-ea"/>
+                <a:cs typeface="+mn-cs"/>
+              </a:defRPr>
+            </a:lvl6pPr>
+            <a:lvl7pPr marL="2743200" algn="l" defTabSz="914400" rtl="0" eaLnBrk="1" latinLnBrk="0" hangingPunct="1">
+              <a:defRPr sz="1800" kern="1200">
+                <a:solidFill>
+                  <a:schemeClr val="lt1"/>
+                </a:solidFill>
+                <a:latin typeface="+mn-lt"/>
+                <a:ea typeface="+mn-ea"/>
+                <a:cs typeface="+mn-cs"/>
+              </a:defRPr>
+            </a:lvl7pPr>
+            <a:lvl8pPr marL="3200400" algn="l" defTabSz="914400" rtl="0" eaLnBrk="1" latinLnBrk="0" hangingPunct="1">
+              <a:defRPr sz="1800" kern="1200">
+                <a:solidFill>
+                  <a:schemeClr val="lt1"/>
+                </a:solidFill>
+                <a:latin typeface="+mn-lt"/>
+                <a:ea typeface="+mn-ea"/>
+                <a:cs typeface="+mn-cs"/>
+              </a:defRPr>
+            </a:lvl8pPr>
+            <a:lvl9pPr marL="3657600" algn="l" defTabSz="914400" rtl="0" eaLnBrk="1" latinLnBrk="0" hangingPunct="1">
+              <a:defRPr sz="1800" kern="1200">
+                <a:solidFill>
+                  <a:schemeClr val="lt1"/>
+                </a:solidFill>
+                <a:latin typeface="+mn-lt"/>
+                <a:ea typeface="+mn-ea"/>
+                <a:cs typeface="+mn-cs"/>
+              </a:defRPr>
+            </a:lvl9pPr>
+          </a:lstStyle>
+          <a:p>
+            <a:pPr algn="ctr"/>
+            <a:endParaRPr lang="zh-CN" altLang="en-US">
+              <a:cs typeface="汉仪旗黑-55简" panose="00020600040101010101" charset="-128"/>
+            </a:endParaRPr>
+          </a:p>
+        </p:txBody>
+      </p:sp>
+      <p:sp>
+        <p:nvSpPr>
+          <p:cNvPr id="11" name="任意多边形 10"/>
+          <p:cNvSpPr/>
+          <p:nvPr/>
+        </p:nvSpPr>
+        <p:spPr>
+          <a:xfrm>
+            <a:off x="0" y="0"/>
+            <a:ext cx="3906520" cy="2520315"/>
+          </a:xfrm>
+          <a:custGeom>
+            <a:avLst/>
+            <a:gdLst>
+              <a:gd name="connsiteX0" fmla="*/ 0 w 8331"/>
+              <a:gd name="connsiteY0" fmla="*/ 3663 h 5372"/>
+              <a:gd name="connsiteX1" fmla="*/ 92 w 8331"/>
+              <a:gd name="connsiteY1" fmla="*/ 3603 h 5372"/>
+              <a:gd name="connsiteX2" fmla="*/ 810 w 8331"/>
+              <a:gd name="connsiteY2" fmla="*/ 3448 h 5372"/>
+              <a:gd name="connsiteX3" fmla="*/ 1055 w 8331"/>
+              <a:gd name="connsiteY3" fmla="*/ 3516 h 5372"/>
+              <a:gd name="connsiteX4" fmla="*/ 1765 w 8331"/>
+              <a:gd name="connsiteY4" fmla="*/ 4373 h 5372"/>
+              <a:gd name="connsiteX5" fmla="*/ 2976 w 8331"/>
+              <a:gd name="connsiteY5" fmla="*/ 5372 h 5372"/>
+              <a:gd name="connsiteX6" fmla="*/ 2998 w 8331"/>
+              <a:gd name="connsiteY6" fmla="*/ 5371 h 5372"/>
+              <a:gd name="connsiteX7" fmla="*/ 3019 w 8331"/>
+              <a:gd name="connsiteY7" fmla="*/ 5370 h 5372"/>
+              <a:gd name="connsiteX8" fmla="*/ 3040 w 8331"/>
+              <a:gd name="connsiteY8" fmla="*/ 5368 h 5372"/>
+              <a:gd name="connsiteX9" fmla="*/ 3070 w 8331"/>
+              <a:gd name="connsiteY9" fmla="*/ 5369 h 5372"/>
+              <a:gd name="connsiteX10" fmla="*/ 3100 w 8331"/>
+              <a:gd name="connsiteY10" fmla="*/ 5370 h 5372"/>
+              <a:gd name="connsiteX11" fmla="*/ 4064 w 8331"/>
+              <a:gd name="connsiteY11" fmla="*/ 4094 h 5372"/>
+              <a:gd name="connsiteX12" fmla="*/ 4151 w 8331"/>
+              <a:gd name="connsiteY12" fmla="*/ 3496 h 5372"/>
+              <a:gd name="connsiteX13" fmla="*/ 4230 w 8331"/>
+              <a:gd name="connsiteY13" fmla="*/ 3101 h 5372"/>
+              <a:gd name="connsiteX14" fmla="*/ 4455 w 8331"/>
+              <a:gd name="connsiteY14" fmla="*/ 2156 h 5372"/>
+              <a:gd name="connsiteX15" fmla="*/ 4528 w 8331"/>
+              <a:gd name="connsiteY15" fmla="*/ 1837 h 5372"/>
+              <a:gd name="connsiteX16" fmla="*/ 4540 w 8331"/>
+              <a:gd name="connsiteY16" fmla="*/ 1808 h 5372"/>
+              <a:gd name="connsiteX17" fmla="*/ 6452 w 8331"/>
+              <a:gd name="connsiteY17" fmla="*/ 360 h 5372"/>
+              <a:gd name="connsiteX18" fmla="*/ 6506 w 8331"/>
+              <a:gd name="connsiteY18" fmla="*/ 360 h 5372"/>
+              <a:gd name="connsiteX19" fmla="*/ 6561 w 8331"/>
+              <a:gd name="connsiteY19" fmla="*/ 362 h 5372"/>
+              <a:gd name="connsiteX20" fmla="*/ 6616 w 8331"/>
+              <a:gd name="connsiteY20" fmla="*/ 365 h 5372"/>
+              <a:gd name="connsiteX21" fmla="*/ 6672 w 8331"/>
+              <a:gd name="connsiteY21" fmla="*/ 369 h 5372"/>
+              <a:gd name="connsiteX22" fmla="*/ 6679 w 8331"/>
+              <a:gd name="connsiteY22" fmla="*/ 369 h 5372"/>
+              <a:gd name="connsiteX23" fmla="*/ 7062 w 8331"/>
+              <a:gd name="connsiteY23" fmla="*/ 377 h 5372"/>
+              <a:gd name="connsiteX24" fmla="*/ 7089 w 8331"/>
+              <a:gd name="connsiteY24" fmla="*/ 378 h 5372"/>
+              <a:gd name="connsiteX25" fmla="*/ 7422 w 8331"/>
+              <a:gd name="connsiteY25" fmla="*/ 384 h 5372"/>
+              <a:gd name="connsiteX26" fmla="*/ 7440 w 8331"/>
+              <a:gd name="connsiteY26" fmla="*/ 384 h 5372"/>
+              <a:gd name="connsiteX27" fmla="*/ 7474 w 8331"/>
+              <a:gd name="connsiteY27" fmla="*/ 384 h 5372"/>
+              <a:gd name="connsiteX28" fmla="*/ 8331 w 8331"/>
+              <a:gd name="connsiteY28" fmla="*/ 55 h 5372"/>
+              <a:gd name="connsiteX29" fmla="*/ 8331 w 8331"/>
+              <a:gd name="connsiteY29" fmla="*/ 49 h 5372"/>
+              <a:gd name="connsiteX30" fmla="*/ 8330 w 8331"/>
+              <a:gd name="connsiteY30" fmla="*/ 44 h 5372"/>
+              <a:gd name="connsiteX31" fmla="*/ 8329 w 8331"/>
+              <a:gd name="connsiteY31" fmla="*/ 38 h 5372"/>
+              <a:gd name="connsiteX32" fmla="*/ 8328 w 8331"/>
+              <a:gd name="connsiteY32" fmla="*/ 33 h 5372"/>
+              <a:gd name="connsiteX33" fmla="*/ 8328 w 8331"/>
+              <a:gd name="connsiteY33" fmla="*/ 25 h 5372"/>
+              <a:gd name="connsiteX34" fmla="*/ 8328 w 8331"/>
+              <a:gd name="connsiteY34" fmla="*/ 17 h 5372"/>
+              <a:gd name="connsiteX35" fmla="*/ 8327 w 8331"/>
+              <a:gd name="connsiteY35" fmla="*/ 9 h 5372"/>
+              <a:gd name="connsiteX36" fmla="*/ 8326 w 8331"/>
+              <a:gd name="connsiteY36" fmla="*/ 1 h 5372"/>
+              <a:gd name="connsiteX37" fmla="*/ 8326 w 8331"/>
+              <a:gd name="connsiteY37" fmla="*/ 0 h 5372"/>
+              <a:gd name="connsiteX38" fmla="*/ 0 w 8331"/>
+              <a:gd name="connsiteY38" fmla="*/ 0 h 5372"/>
+              <a:gd name="connsiteX39" fmla="*/ 0 w 8331"/>
+              <a:gd name="connsiteY39" fmla="*/ 3663 h 5372"/>
+            </a:gdLst>
+            <a:ahLst/>
+            <a:cxnLst>
+              <a:cxn ang="0">
+                <a:pos x="connsiteX0" y="connsiteY0"/>
+              </a:cxn>
+              <a:cxn ang="0">
+                <a:pos x="connsiteX1" y="connsiteY1"/>
+              </a:cxn>
+              <a:cxn ang="0">
+                <a:pos x="connsiteX2" y="connsiteY2"/>
+              </a:cxn>
+              <a:cxn ang="0">
+                <a:pos x="connsiteX3" y="connsiteY3"/>
+              </a:cxn>
+              <a:cxn ang="0">
+                <a:pos x="connsiteX4" y="connsiteY4"/>
+              </a:cxn>
+              <a:cxn ang="0">
+                <a:pos x="connsiteX5" y="connsiteY5"/>
+              </a:cxn>
+              <a:cxn ang="0">
+                <a:pos x="connsiteX6" y="connsiteY6"/>
+              </a:cxn>
+              <a:cxn ang="0">
+                <a:pos x="connsiteX7" y="connsiteY7"/>
+              </a:cxn>
+              <a:cxn ang="0">
+                <a:pos x="connsiteX8" y="connsiteY8"/>
+              </a:cxn>
+              <a:cxn ang="0">
+                <a:pos x="connsiteX9" y="connsiteY9"/>
+              </a:cxn>
+              <a:cxn ang="0">
+                <a:pos x="connsiteX10" y="connsiteY10"/>
+              </a:cxn>
+              <a:cxn ang="0">
+                <a:pos x="connsiteX11" y="connsiteY11"/>
+              </a:cxn>
+              <a:cxn ang="0">
+                <a:pos x="connsiteX12" y="connsiteY12"/>
+              </a:cxn>
+              <a:cxn ang="0">
+                <a:pos x="connsiteX13" y="connsiteY13"/>
+              </a:cxn>
+              <a:cxn ang="0">
+                <a:pos x="connsiteX14" y="connsiteY14"/>
+              </a:cxn>
+              <a:cxn ang="0">
+                <a:pos x="connsiteX15" y="connsiteY15"/>
+              </a:cxn>
+              <a:cxn ang="0">
+                <a:pos x="connsiteX16" y="connsiteY16"/>
+              </a:cxn>
+              <a:cxn ang="0">
+                <a:pos x="connsiteX17" y="connsiteY17"/>
+              </a:cxn>
+              <a:cxn ang="0">
+                <a:pos x="connsiteX18" y="connsiteY18"/>
+              </a:cxn>
+              <a:cxn ang="0">
+                <a:pos x="connsiteX19" y="connsiteY19"/>
+              </a:cxn>
+              <a:cxn ang="0">
+                <a:pos x="connsiteX20" y="connsiteY20"/>
+              </a:cxn>
+              <a:cxn ang="0">
+                <a:pos x="connsiteX21" y="connsiteY21"/>
+              </a:cxn>
+              <a:cxn ang="0">
+                <a:pos x="connsiteX22" y="connsiteY22"/>
+              </a:cxn>
+              <a:cxn ang="0">
+                <a:pos x="connsiteX23" y="connsiteY23"/>
+              </a:cxn>
+              <a:cxn ang="0">
+                <a:pos x="connsiteX24" y="connsiteY24"/>
+              </a:cxn>
+              <a:cxn ang="0">
+                <a:pos x="connsiteX25" y="connsiteY25"/>
+              </a:cxn>
+              <a:cxn ang="0">
+                <a:pos x="connsiteX26" y="connsiteY26"/>
+              </a:cxn>
+              <a:cxn ang="0">
+                <a:pos x="connsiteX27" y="connsiteY27"/>
+              </a:cxn>
+              <a:cxn ang="0">
+                <a:pos x="connsiteX28" y="connsiteY28"/>
+              </a:cxn>
+              <a:cxn ang="0">
+                <a:pos x="connsiteX29" y="connsiteY29"/>
+              </a:cxn>
+              <a:cxn ang="0">
+                <a:pos x="connsiteX30" y="connsiteY30"/>
+              </a:cxn>
+              <a:cxn ang="0">
+                <a:pos x="connsiteX31" y="connsiteY31"/>
+              </a:cxn>
+              <a:cxn ang="0">
+                <a:pos x="connsiteX32" y="connsiteY32"/>
+              </a:cxn>
+              <a:cxn ang="0">
+                <a:pos x="connsiteX33" y="connsiteY33"/>
+              </a:cxn>
+              <a:cxn ang="0">
+                <a:pos x="connsiteX34" y="connsiteY34"/>
+              </a:cxn>
+              <a:cxn ang="0">
+                <a:pos x="connsiteX35" y="connsiteY35"/>
+              </a:cxn>
+              <a:cxn ang="0">
+                <a:pos x="connsiteX36" y="connsiteY36"/>
+              </a:cxn>
+              <a:cxn ang="0">
+                <a:pos x="connsiteX37" y="connsiteY37"/>
+              </a:cxn>
+              <a:cxn ang="0">
+                <a:pos x="connsiteX38" y="connsiteY38"/>
+              </a:cxn>
+              <a:cxn ang="0">
+                <a:pos x="connsiteX39" y="connsiteY39"/>
+              </a:cxn>
+            </a:cxnLst>
+            <a:rect l="l" t="t" r="r" b="b"/>
+            <a:pathLst>
+              <a:path w="8331" h="5373">
+                <a:moveTo>
+                  <a:pt x="0" y="3663"/>
+                </a:moveTo>
+                <a:cubicBezTo>
+                  <a:pt x="28" y="3645"/>
+                  <a:pt x="91" y="3603"/>
+                  <a:pt x="92" y="3603"/>
+                </a:cubicBezTo>
+                <a:cubicBezTo>
+                  <a:pt x="412" y="3406"/>
+                  <a:pt x="810" y="3448"/>
+                  <a:pt x="810" y="3448"/>
+                </a:cubicBezTo>
+                <a:cubicBezTo>
+                  <a:pt x="892" y="3471"/>
+                  <a:pt x="945" y="3464"/>
+                  <a:pt x="1055" y="3516"/>
+                </a:cubicBezTo>
+                <a:cubicBezTo>
+                  <a:pt x="1207" y="3594"/>
+                  <a:pt x="1487" y="3755"/>
+                  <a:pt x="1765" y="4373"/>
+                </a:cubicBezTo>
+                <a:cubicBezTo>
+                  <a:pt x="2018" y="5005"/>
+                  <a:pt x="2598" y="5389"/>
+                  <a:pt x="2976" y="5372"/>
+                </a:cubicBezTo>
+                <a:lnTo>
+                  <a:pt x="2998" y="5371"/>
+                </a:lnTo>
+                <a:lnTo>
+                  <a:pt x="3019" y="5370"/>
+                </a:lnTo>
+                <a:lnTo>
+                  <a:pt x="3040" y="5368"/>
+                </a:lnTo>
+                <a:lnTo>
+                  <a:pt x="3070" y="5369"/>
+                </a:lnTo>
+                <a:lnTo>
+                  <a:pt x="3100" y="5370"/>
+                </a:lnTo>
+                <a:cubicBezTo>
+                  <a:pt x="3702" y="5386"/>
+                  <a:pt x="3971" y="4511"/>
+                  <a:pt x="4064" y="4094"/>
+                </a:cubicBezTo>
+                <a:cubicBezTo>
+                  <a:pt x="4131" y="3763"/>
+                  <a:pt x="4122" y="3695"/>
+                  <a:pt x="4151" y="3496"/>
+                </a:cubicBezTo>
+                <a:lnTo>
+                  <a:pt x="4230" y="3101"/>
+                </a:lnTo>
+                <a:cubicBezTo>
+                  <a:pt x="4312" y="2650"/>
+                  <a:pt x="4345" y="2612"/>
+                  <a:pt x="4455" y="2156"/>
+                </a:cubicBezTo>
+                <a:cubicBezTo>
+                  <a:pt x="4499" y="2002"/>
+                  <a:pt x="4502" y="1897"/>
+                  <a:pt x="4528" y="1837"/>
+                </a:cubicBezTo>
+                <a:cubicBezTo>
+                  <a:pt x="4533" y="1825"/>
+                  <a:pt x="4539" y="1811"/>
+                  <a:pt x="4540" y="1808"/>
+                </a:cubicBezTo>
+                <a:cubicBezTo>
+                  <a:pt x="4693" y="1089"/>
+                  <a:pt x="5488" y="341"/>
+                  <a:pt x="6452" y="360"/>
+                </a:cubicBezTo>
+                <a:lnTo>
+                  <a:pt x="6506" y="360"/>
+                </a:lnTo>
+                <a:lnTo>
+                  <a:pt x="6561" y="362"/>
+                </a:lnTo>
+                <a:lnTo>
+                  <a:pt x="6616" y="365"/>
+                </a:lnTo>
+                <a:lnTo>
+                  <a:pt x="6672" y="369"/>
+                </a:lnTo>
+                <a:lnTo>
+                  <a:pt x="6679" y="369"/>
+                </a:lnTo>
+                <a:cubicBezTo>
+                  <a:pt x="6800" y="369"/>
+                  <a:pt x="6990" y="375"/>
+                  <a:pt x="7062" y="377"/>
+                </a:cubicBezTo>
+                <a:cubicBezTo>
+                  <a:pt x="7073" y="377"/>
+                  <a:pt x="7087" y="377"/>
+                  <a:pt x="7089" y="378"/>
+                </a:cubicBezTo>
+                <a:cubicBezTo>
+                  <a:pt x="7198" y="381"/>
+                  <a:pt x="7367" y="384"/>
+                  <a:pt x="7422" y="384"/>
+                </a:cubicBezTo>
+                <a:cubicBezTo>
+                  <a:pt x="7430" y="384"/>
+                  <a:pt x="7439" y="384"/>
+                  <a:pt x="7440" y="384"/>
+                </a:cubicBezTo>
+                <a:lnTo>
+                  <a:pt x="7474" y="384"/>
+                </a:lnTo>
+                <a:cubicBezTo>
+                  <a:pt x="8145" y="384"/>
+                  <a:pt x="8339" y="157"/>
+                  <a:pt x="8331" y="55"/>
+                </a:cubicBezTo>
+                <a:lnTo>
+                  <a:pt x="8331" y="49"/>
+                </a:lnTo>
+                <a:lnTo>
+                  <a:pt x="8330" y="44"/>
+                </a:lnTo>
+                <a:lnTo>
+                  <a:pt x="8329" y="38"/>
+                </a:lnTo>
+                <a:lnTo>
+                  <a:pt x="8328" y="33"/>
+                </a:lnTo>
+                <a:lnTo>
+                  <a:pt x="8328" y="25"/>
+                </a:lnTo>
+                <a:lnTo>
+                  <a:pt x="8328" y="17"/>
+                </a:lnTo>
+                <a:lnTo>
+                  <a:pt x="8327" y="9"/>
+                </a:lnTo>
+                <a:lnTo>
+                  <a:pt x="8326" y="1"/>
+                </a:lnTo>
+                <a:lnTo>
+                  <a:pt x="8326" y="0"/>
+                </a:lnTo>
+                <a:lnTo>
+                  <a:pt x="0" y="0"/>
+                </a:lnTo>
+                <a:lnTo>
+                  <a:pt x="0" y="3663"/>
+                </a:lnTo>
+                <a:close/>
+              </a:path>
+            </a:pathLst>
+          </a:custGeom>
+          <a:solidFill>
+            <a:srgbClr val="2F4275"/>
+          </a:solidFill>
+          <a:ln>
+            <a:noFill/>
+          </a:ln>
+        </p:spPr>
+        <p:style>
+          <a:lnRef idx="2">
+            <a:schemeClr val="accent1">
+              <a:shade val="50000"/>
+            </a:schemeClr>
+          </a:lnRef>
+          <a:fillRef idx="1">
+            <a:schemeClr val="accent1"/>
+          </a:fillRef>
+          <a:effectRef idx="0">
+            <a:schemeClr val="accent1"/>
+          </a:effectRef>
+          <a:fontRef idx="minor">
+            <a:schemeClr val="lt1"/>
+          </a:fontRef>
+        </p:style>
+        <p:txBody>
+          <a:bodyPr wrap="square" rtlCol="0" anchor="ctr">
+            <a:noAutofit/>
+          </a:bodyPr>
+          <a:lstStyle>
+            <a:defPPr>
+              <a:defRPr lang="zh-CN">
+                <a:solidFill>
+                  <a:schemeClr val="lt1"/>
+                </a:solidFill>
+              </a:defRPr>
+            </a:defPPr>
+            <a:lvl1pPr marL="0" algn="l" defTabSz="914400" rtl="0" eaLnBrk="1" latinLnBrk="0" hangingPunct="1">
+              <a:defRPr sz="1800" kern="1200">
+                <a:solidFill>
+                  <a:schemeClr val="lt1"/>
+                </a:solidFill>
+                <a:latin typeface="+mn-lt"/>
+                <a:ea typeface="+mn-ea"/>
+                <a:cs typeface="+mn-cs"/>
+              </a:defRPr>
+            </a:lvl1pPr>
+            <a:lvl2pPr marL="457200" algn="l" defTabSz="914400" rtl="0" eaLnBrk="1" latinLnBrk="0" hangingPunct="1">
+              <a:defRPr sz="1800" kern="1200">
+                <a:solidFill>
+                  <a:schemeClr val="lt1"/>
+                </a:solidFill>
+                <a:latin typeface="+mn-lt"/>
+                <a:ea typeface="+mn-ea"/>
+                <a:cs typeface="+mn-cs"/>
+              </a:defRPr>
+            </a:lvl2pPr>
+            <a:lvl3pPr marL="914400" algn="l" defTabSz="914400" rtl="0" eaLnBrk="1" latinLnBrk="0" hangingPunct="1">
+              <a:defRPr sz="1800" kern="1200">
+                <a:solidFill>
+                  <a:schemeClr val="lt1"/>
+                </a:solidFill>
+                <a:latin typeface="+mn-lt"/>
+                <a:ea typeface="+mn-ea"/>
+                <a:cs typeface="+mn-cs"/>
+              </a:defRPr>
+            </a:lvl3pPr>
+            <a:lvl4pPr marL="1371600" algn="l" defTabSz="914400" rtl="0" eaLnBrk="1" latinLnBrk="0" hangingPunct="1">
+              <a:defRPr sz="1800" kern="1200">
+                <a:solidFill>
+                  <a:schemeClr val="lt1"/>
+                </a:solidFill>
+                <a:latin typeface="+mn-lt"/>
+                <a:ea typeface="+mn-ea"/>
+                <a:cs typeface="+mn-cs"/>
+              </a:defRPr>
+            </a:lvl4pPr>
+            <a:lvl5pPr marL="1828800" algn="l" defTabSz="914400" rtl="0" eaLnBrk="1" latinLnBrk="0" hangingPunct="1">
+              <a:defRPr sz="1800" kern="1200">
+                <a:solidFill>
+                  <a:schemeClr val="lt1"/>
+                </a:solidFill>
+                <a:latin typeface="+mn-lt"/>
+                <a:ea typeface="+mn-ea"/>
+                <a:cs typeface="+mn-cs"/>
+              </a:defRPr>
+            </a:lvl5pPr>
+            <a:lvl6pPr marL="2286000" algn="l" defTabSz="914400" rtl="0" eaLnBrk="1" latinLnBrk="0" hangingPunct="1">
+              <a:defRPr sz="1800" kern="1200">
+                <a:solidFill>
+                  <a:schemeClr val="lt1"/>
+                </a:solidFill>
+                <a:latin typeface="+mn-lt"/>
+                <a:ea typeface="+mn-ea"/>
+                <a:cs typeface="+mn-cs"/>
+              </a:defRPr>
+            </a:lvl6pPr>
+            <a:lvl7pPr marL="2743200" algn="l" defTabSz="914400" rtl="0" eaLnBrk="1" latinLnBrk="0" hangingPunct="1">
+              <a:defRPr sz="1800" kern="1200">
+                <a:solidFill>
+                  <a:schemeClr val="lt1"/>
+                </a:solidFill>
+                <a:latin typeface="+mn-lt"/>
+                <a:ea typeface="+mn-ea"/>
+                <a:cs typeface="+mn-cs"/>
+              </a:defRPr>
+            </a:lvl7pPr>
+            <a:lvl8pPr marL="3200400" algn="l" defTabSz="914400" rtl="0" eaLnBrk="1" latinLnBrk="0" hangingPunct="1">
+              <a:defRPr sz="1800" kern="1200">
+                <a:solidFill>
+                  <a:schemeClr val="lt1"/>
+                </a:solidFill>
+                <a:latin typeface="+mn-lt"/>
+                <a:ea typeface="+mn-ea"/>
+                <a:cs typeface="+mn-cs"/>
+              </a:defRPr>
+            </a:lvl8pPr>
+            <a:lvl9pPr marL="3657600" algn="l" defTabSz="914400" rtl="0" eaLnBrk="1" latinLnBrk="0" hangingPunct="1">
+              <a:defRPr sz="1800" kern="1200">
+                <a:solidFill>
+                  <a:schemeClr val="lt1"/>
+                </a:solidFill>
+                <a:latin typeface="+mn-lt"/>
+                <a:ea typeface="+mn-ea"/>
+                <a:cs typeface="+mn-cs"/>
+              </a:defRPr>
+            </a:lvl9pPr>
+          </a:lstStyle>
+          <a:p>
+            <a:pPr algn="ctr"/>
+            <a:endParaRPr lang="zh-CN" altLang="en-US">
+              <a:cs typeface="汉仪旗黑-55简" panose="00020600040101010101" charset="-128"/>
+            </a:endParaRPr>
+          </a:p>
+        </p:txBody>
+      </p:sp>
+      <p:sp>
+        <p:nvSpPr>
+          <p:cNvPr id="77" name="任意多边形 76"/>
+          <p:cNvSpPr/>
+          <p:nvPr/>
+        </p:nvSpPr>
+        <p:spPr>
+          <a:xfrm>
+            <a:off x="9601835" y="4957445"/>
+            <a:ext cx="2590165" cy="1900555"/>
+          </a:xfrm>
+          <a:custGeom>
+            <a:avLst/>
+            <a:gdLst/>
+            <a:ahLst/>
+            <a:cxnLst>
+              <a:cxn ang="3">
+                <a:pos x="hc" y="t"/>
+              </a:cxn>
+              <a:cxn ang="cd2">
+                <a:pos x="l" y="vc"/>
+              </a:cxn>
+              <a:cxn ang="cd4">
+                <a:pos x="hc" y="b"/>
+              </a:cxn>
+              <a:cxn ang="0">
+                <a:pos x="r" y="vc"/>
+              </a:cxn>
+            </a:cxnLst>
+            <a:rect l="l" t="t" r="r" b="b"/>
+            <a:pathLst>
+              <a:path w="5485" h="4044">
+                <a:moveTo>
+                  <a:pt x="0" y="4037"/>
+                </a:moveTo>
+                <a:cubicBezTo>
+                  <a:pt x="532" y="1406"/>
+                  <a:pt x="3081" y="-124"/>
+                  <a:pt x="3559" y="0"/>
+                </a:cubicBezTo>
+                <a:lnTo>
+                  <a:pt x="3591" y="0"/>
+                </a:lnTo>
+                <a:lnTo>
+                  <a:pt x="3715" y="6"/>
+                </a:lnTo>
+                <a:lnTo>
+                  <a:pt x="3749" y="5"/>
+                </a:lnTo>
+                <a:lnTo>
+                  <a:pt x="3783" y="5"/>
+                </a:lnTo>
+                <a:cubicBezTo>
+                  <a:pt x="4501" y="-6"/>
+                  <a:pt x="5429" y="992"/>
+                  <a:pt x="5480" y="1519"/>
+                </a:cubicBezTo>
+                <a:lnTo>
+                  <a:pt x="5485" y="1541"/>
+                </a:lnTo>
+                <a:lnTo>
+                  <a:pt x="5485" y="4037"/>
+                </a:lnTo>
+                <a:lnTo>
+                  <a:pt x="0" y="4037"/>
+                </a:lnTo>
+                <a:close/>
+              </a:path>
+            </a:pathLst>
+          </a:custGeom>
+          <a:solidFill>
+            <a:schemeClr val="bg1">
+              <a:lumMod val="85000"/>
+            </a:schemeClr>
+          </a:solidFill>
+          <a:ln>
+            <a:noFill/>
+          </a:ln>
+        </p:spPr>
+        <p:style>
+          <a:lnRef idx="2">
+            <a:schemeClr val="accent1">
+              <a:shade val="50000"/>
+            </a:schemeClr>
+          </a:lnRef>
+          <a:fillRef idx="1">
+            <a:schemeClr val="accent1"/>
+          </a:fillRef>
+          <a:effectRef idx="0">
+            <a:schemeClr val="accent1"/>
+          </a:effectRef>
+          <a:fontRef idx="minor">
+            <a:schemeClr val="lt1"/>
+          </a:fontRef>
+        </p:style>
+        <p:txBody>
+          <a:bodyPr wrap="square" rtlCol="0" anchor="ctr">
+            <a:noAutofit/>
+          </a:bodyPr>
+          <a:lstStyle>
+            <a:defPPr>
+              <a:defRPr lang="zh-CN">
+                <a:solidFill>
+                  <a:schemeClr val="lt1"/>
+                </a:solidFill>
+              </a:defRPr>
+            </a:defPPr>
+            <a:lvl1pPr marL="0" algn="l" defTabSz="914400" rtl="0" eaLnBrk="1" latinLnBrk="0" hangingPunct="1">
+              <a:defRPr sz="1800" kern="1200">
+                <a:solidFill>
+                  <a:schemeClr val="lt1"/>
+                </a:solidFill>
+                <a:latin typeface="+mn-lt"/>
+                <a:ea typeface="+mn-ea"/>
+                <a:cs typeface="+mn-cs"/>
+              </a:defRPr>
+            </a:lvl1pPr>
+            <a:lvl2pPr marL="457200" algn="l" defTabSz="914400" rtl="0" eaLnBrk="1" latinLnBrk="0" hangingPunct="1">
+              <a:defRPr sz="1800" kern="1200">
+                <a:solidFill>
+                  <a:schemeClr val="lt1"/>
+                </a:solidFill>
+                <a:latin typeface="+mn-lt"/>
+                <a:ea typeface="+mn-ea"/>
+                <a:cs typeface="+mn-cs"/>
+              </a:defRPr>
+            </a:lvl2pPr>
+            <a:lvl3pPr marL="914400" algn="l" defTabSz="914400" rtl="0" eaLnBrk="1" latinLnBrk="0" hangingPunct="1">
+              <a:defRPr sz="1800" kern="1200">
+                <a:solidFill>
+                  <a:schemeClr val="lt1"/>
+                </a:solidFill>
+                <a:latin typeface="+mn-lt"/>
+                <a:ea typeface="+mn-ea"/>
+                <a:cs typeface="+mn-cs"/>
+              </a:defRPr>
+            </a:lvl3pPr>
+            <a:lvl4pPr marL="1371600" algn="l" defTabSz="914400" rtl="0" eaLnBrk="1" latinLnBrk="0" hangingPunct="1">
+              <a:defRPr sz="1800" kern="1200">
+                <a:solidFill>
+                  <a:schemeClr val="lt1"/>
+                </a:solidFill>
+                <a:latin typeface="+mn-lt"/>
+                <a:ea typeface="+mn-ea"/>
+                <a:cs typeface="+mn-cs"/>
+              </a:defRPr>
+            </a:lvl4pPr>
+            <a:lvl5pPr marL="1828800" algn="l" defTabSz="914400" rtl="0" eaLnBrk="1" latinLnBrk="0" hangingPunct="1">
+              <a:defRPr sz="1800" kern="1200">
+                <a:solidFill>
+                  <a:schemeClr val="lt1"/>
+                </a:solidFill>
+                <a:latin typeface="+mn-lt"/>
+                <a:ea typeface="+mn-ea"/>
+                <a:cs typeface="+mn-cs"/>
+              </a:defRPr>
+            </a:lvl5pPr>
+            <a:lvl6pPr marL="2286000" algn="l" defTabSz="914400" rtl="0" eaLnBrk="1" latinLnBrk="0" hangingPunct="1">
+              <a:defRPr sz="1800" kern="1200">
+                <a:solidFill>
+                  <a:schemeClr val="lt1"/>
+                </a:solidFill>
+                <a:latin typeface="+mn-lt"/>
+                <a:ea typeface="+mn-ea"/>
+                <a:cs typeface="+mn-cs"/>
+              </a:defRPr>
+            </a:lvl6pPr>
+            <a:lvl7pPr marL="2743200" algn="l" defTabSz="914400" rtl="0" eaLnBrk="1" latinLnBrk="0" hangingPunct="1">
+              <a:defRPr sz="1800" kern="1200">
+                <a:solidFill>
+                  <a:schemeClr val="lt1"/>
+                </a:solidFill>
+                <a:latin typeface="+mn-lt"/>
+                <a:ea typeface="+mn-ea"/>
+                <a:cs typeface="+mn-cs"/>
+              </a:defRPr>
+            </a:lvl7pPr>
+            <a:lvl8pPr marL="3200400" algn="l" defTabSz="914400" rtl="0" eaLnBrk="1" latinLnBrk="0" hangingPunct="1">
+              <a:defRPr sz="1800" kern="1200">
+                <a:solidFill>
+                  <a:schemeClr val="lt1"/>
+                </a:solidFill>
+                <a:latin typeface="+mn-lt"/>
+                <a:ea typeface="+mn-ea"/>
+                <a:cs typeface="+mn-cs"/>
+              </a:defRPr>
+            </a:lvl8pPr>
+            <a:lvl9pPr marL="3657600" algn="l" defTabSz="914400" rtl="0" eaLnBrk="1" latinLnBrk="0" hangingPunct="1">
+              <a:defRPr sz="1800" kern="1200">
+                <a:solidFill>
+                  <a:schemeClr val="lt1"/>
+                </a:solidFill>
+                <a:latin typeface="+mn-lt"/>
+                <a:ea typeface="+mn-ea"/>
+                <a:cs typeface="+mn-cs"/>
+              </a:defRPr>
+            </a:lvl9pPr>
+          </a:lstStyle>
+          <a:p>
+            <a:pPr algn="ctr"/>
+            <a:endParaRPr lang="zh-CN" altLang="en-US">
+              <a:cs typeface="汉仪旗黑-55简" panose="00020600040101010101" charset="-128"/>
+            </a:endParaRPr>
+          </a:p>
+        </p:txBody>
+      </p:sp>
+      <p:sp>
+        <p:nvSpPr>
+          <p:cNvPr id="55" name="任意多边形 54"/>
+          <p:cNvSpPr/>
+          <p:nvPr/>
+        </p:nvSpPr>
+        <p:spPr>
+          <a:xfrm>
+            <a:off x="9090660" y="5235575"/>
+            <a:ext cx="3101340" cy="1622425"/>
+          </a:xfrm>
+          <a:custGeom>
+            <a:avLst/>
+            <a:gdLst>
+              <a:gd name="connsiteX0" fmla="*/ 0 w 7048"/>
+              <a:gd name="connsiteY0" fmla="*/ 3698 h 3698"/>
+              <a:gd name="connsiteX1" fmla="*/ 3188 w 7048"/>
+              <a:gd name="connsiteY1" fmla="*/ 0 h 3698"/>
+              <a:gd name="connsiteX2" fmla="*/ 3293 w 7048"/>
+              <a:gd name="connsiteY2" fmla="*/ 4 h 3698"/>
+              <a:gd name="connsiteX3" fmla="*/ 4791 w 7048"/>
+              <a:gd name="connsiteY3" fmla="*/ 1085 h 3698"/>
+              <a:gd name="connsiteX4" fmla="*/ 5430 w 7048"/>
+              <a:gd name="connsiteY4" fmla="*/ 1784 h 3698"/>
+              <a:gd name="connsiteX5" fmla="*/ 5524 w 7048"/>
+              <a:gd name="connsiteY5" fmla="*/ 1782 h 3698"/>
+              <a:gd name="connsiteX6" fmla="*/ 6708 w 7048"/>
+              <a:gd name="connsiteY6" fmla="*/ 1018 h 3698"/>
+              <a:gd name="connsiteX7" fmla="*/ 6722 w 7048"/>
+              <a:gd name="connsiteY7" fmla="*/ 1006 h 3698"/>
+              <a:gd name="connsiteX8" fmla="*/ 6737 w 7048"/>
+              <a:gd name="connsiteY8" fmla="*/ 992 h 3698"/>
+              <a:gd name="connsiteX9" fmla="*/ 6755 w 7048"/>
+              <a:gd name="connsiteY9" fmla="*/ 976 h 3698"/>
+              <a:gd name="connsiteX10" fmla="*/ 6773 w 7048"/>
+              <a:gd name="connsiteY10" fmla="*/ 961 h 3698"/>
+              <a:gd name="connsiteX11" fmla="*/ 6789 w 7048"/>
+              <a:gd name="connsiteY11" fmla="*/ 945 h 3698"/>
+              <a:gd name="connsiteX12" fmla="*/ 6793 w 7048"/>
+              <a:gd name="connsiteY12" fmla="*/ 941 h 3698"/>
+              <a:gd name="connsiteX13" fmla="*/ 7048 w 7048"/>
+              <a:gd name="connsiteY13" fmla="*/ 716 h 3698"/>
+              <a:gd name="connsiteX14" fmla="*/ 7048 w 7048"/>
+              <a:gd name="connsiteY14" fmla="*/ 3698 h 3698"/>
+              <a:gd name="connsiteX15" fmla="*/ 0 w 7048"/>
+              <a:gd name="connsiteY15" fmla="*/ 3698 h 3698"/>
+            </a:gdLst>
+            <a:ahLst/>
+            <a:cxnLst>
+              <a:cxn ang="0">
+                <a:pos x="connsiteX0" y="connsiteY0"/>
+              </a:cxn>
+              <a:cxn ang="0">
+                <a:pos x="connsiteX1" y="connsiteY1"/>
+              </a:cxn>
+              <a:cxn ang="0">
+                <a:pos x="connsiteX2" y="connsiteY2"/>
+              </a:cxn>
+              <a:cxn ang="0">
+                <a:pos x="connsiteX3" y="connsiteY3"/>
+              </a:cxn>
+              <a:cxn ang="0">
+                <a:pos x="connsiteX4" y="connsiteY4"/>
+              </a:cxn>
+              <a:cxn ang="0">
+                <a:pos x="connsiteX5" y="connsiteY5"/>
+              </a:cxn>
+              <a:cxn ang="0">
+                <a:pos x="connsiteX6" y="connsiteY6"/>
+              </a:cxn>
+              <a:cxn ang="0">
+                <a:pos x="connsiteX7" y="connsiteY7"/>
+              </a:cxn>
+              <a:cxn ang="0">
+                <a:pos x="connsiteX8" y="connsiteY8"/>
+              </a:cxn>
+              <a:cxn ang="0">
+                <a:pos x="connsiteX9" y="connsiteY9"/>
+              </a:cxn>
+              <a:cxn ang="0">
+                <a:pos x="connsiteX10" y="connsiteY10"/>
+              </a:cxn>
+              <a:cxn ang="0">
+                <a:pos x="connsiteX11" y="connsiteY11"/>
+              </a:cxn>
+              <a:cxn ang="0">
+                <a:pos x="connsiteX12" y="connsiteY12"/>
+              </a:cxn>
+              <a:cxn ang="0">
+                <a:pos x="connsiteX13" y="connsiteY13"/>
+              </a:cxn>
+              <a:cxn ang="0">
+                <a:pos x="connsiteX14" y="connsiteY14"/>
+              </a:cxn>
+              <a:cxn ang="0">
+                <a:pos x="connsiteX15" y="connsiteY15"/>
+              </a:cxn>
+            </a:cxnLst>
+            <a:rect l="l" t="t" r="r" b="b"/>
+            <a:pathLst>
+              <a:path w="7048" h="3698">
+                <a:moveTo>
+                  <a:pt x="0" y="3698"/>
+                </a:moveTo>
+                <a:cubicBezTo>
+                  <a:pt x="213" y="1107"/>
+                  <a:pt x="2537" y="11"/>
+                  <a:pt x="3188" y="0"/>
+                </a:cubicBezTo>
+                <a:lnTo>
+                  <a:pt x="3293" y="4"/>
+                </a:lnTo>
+                <a:cubicBezTo>
+                  <a:pt x="3896" y="-17"/>
+                  <a:pt x="4685" y="596"/>
+                  <a:pt x="4791" y="1085"/>
+                </a:cubicBezTo>
+                <a:cubicBezTo>
+                  <a:pt x="4887" y="1456"/>
+                  <a:pt x="5188" y="1796"/>
+                  <a:pt x="5430" y="1784"/>
+                </a:cubicBezTo>
+                <a:lnTo>
+                  <a:pt x="5524" y="1782"/>
+                </a:lnTo>
+                <a:cubicBezTo>
+                  <a:pt x="5847" y="1792"/>
+                  <a:pt x="6462" y="1237"/>
+                  <a:pt x="6708" y="1018"/>
+                </a:cubicBezTo>
+                <a:lnTo>
+                  <a:pt x="6722" y="1006"/>
+                </a:lnTo>
+                <a:lnTo>
+                  <a:pt x="6737" y="992"/>
+                </a:lnTo>
+                <a:lnTo>
+                  <a:pt x="6755" y="976"/>
+                </a:lnTo>
+                <a:lnTo>
+                  <a:pt x="6773" y="961"/>
+                </a:lnTo>
+                <a:lnTo>
+                  <a:pt x="6789" y="945"/>
+                </a:lnTo>
+                <a:lnTo>
+                  <a:pt x="6793" y="941"/>
+                </a:lnTo>
+                <a:cubicBezTo>
+                  <a:pt x="6869" y="868"/>
+                  <a:pt x="7028" y="731"/>
+                  <a:pt x="7048" y="716"/>
+                </a:cubicBezTo>
+                <a:lnTo>
+                  <a:pt x="7048" y="3698"/>
+                </a:lnTo>
+                <a:lnTo>
+                  <a:pt x="0" y="3698"/>
+                </a:lnTo>
+                <a:close/>
+              </a:path>
+            </a:pathLst>
+          </a:custGeom>
+          <a:solidFill>
+            <a:srgbClr val="2F4275"/>
+          </a:solidFill>
+          <a:ln>
+            <a:noFill/>
+          </a:ln>
+        </p:spPr>
+        <p:style>
+          <a:lnRef idx="2">
+            <a:schemeClr val="accent1">
+              <a:shade val="50000"/>
+            </a:schemeClr>
+          </a:lnRef>
+          <a:fillRef idx="1">
+            <a:schemeClr val="accent1"/>
+          </a:fillRef>
+          <a:effectRef idx="0">
+            <a:schemeClr val="accent1"/>
+          </a:effectRef>
+          <a:fontRef idx="minor">
+            <a:schemeClr val="lt1"/>
+          </a:fontRef>
+        </p:style>
+        <p:txBody>
+          <a:bodyPr wrap="square" rtlCol="0" anchor="ctr">
+            <a:noAutofit/>
+          </a:bodyPr>
+          <a:lstStyle>
+            <a:defPPr>
+              <a:defRPr lang="zh-CN">
+                <a:solidFill>
+                  <a:schemeClr val="lt1"/>
+                </a:solidFill>
+              </a:defRPr>
+            </a:defPPr>
+            <a:lvl1pPr marL="0" algn="l" defTabSz="914400" rtl="0" eaLnBrk="1" latinLnBrk="0" hangingPunct="1">
+              <a:defRPr sz="1800" kern="1200">
+                <a:solidFill>
+                  <a:schemeClr val="lt1"/>
+                </a:solidFill>
+                <a:latin typeface="+mn-lt"/>
+                <a:ea typeface="+mn-ea"/>
+                <a:cs typeface="+mn-cs"/>
+              </a:defRPr>
+            </a:lvl1pPr>
+            <a:lvl2pPr marL="457200" algn="l" defTabSz="914400" rtl="0" eaLnBrk="1" latinLnBrk="0" hangingPunct="1">
+              <a:defRPr sz="1800" kern="1200">
+                <a:solidFill>
+                  <a:schemeClr val="lt1"/>
+                </a:solidFill>
+                <a:latin typeface="+mn-lt"/>
+                <a:ea typeface="+mn-ea"/>
+                <a:cs typeface="+mn-cs"/>
+              </a:defRPr>
+            </a:lvl2pPr>
+            <a:lvl3pPr marL="914400" algn="l" defTabSz="914400" rtl="0" eaLnBrk="1" latinLnBrk="0" hangingPunct="1">
+              <a:defRPr sz="1800" kern="1200">
+                <a:solidFill>
+                  <a:schemeClr val="lt1"/>
+                </a:solidFill>
+                <a:latin typeface="+mn-lt"/>
+                <a:ea typeface="+mn-ea"/>
+                <a:cs typeface="+mn-cs"/>
+              </a:defRPr>
+            </a:lvl3pPr>
+            <a:lvl4pPr marL="1371600" algn="l" defTabSz="914400" rtl="0" eaLnBrk="1" latinLnBrk="0" hangingPunct="1">
+              <a:defRPr sz="1800" kern="1200">
+                <a:solidFill>
+                  <a:schemeClr val="lt1"/>
+                </a:solidFill>
+                <a:latin typeface="+mn-lt"/>
+                <a:ea typeface="+mn-ea"/>
+                <a:cs typeface="+mn-cs"/>
+              </a:defRPr>
+            </a:lvl4pPr>
+            <a:lvl5pPr marL="1828800" algn="l" defTabSz="914400" rtl="0" eaLnBrk="1" latinLnBrk="0" hangingPunct="1">
+              <a:defRPr sz="1800" kern="1200">
+                <a:solidFill>
+                  <a:schemeClr val="lt1"/>
+                </a:solidFill>
+                <a:latin typeface="+mn-lt"/>
+                <a:ea typeface="+mn-ea"/>
+                <a:cs typeface="+mn-cs"/>
+              </a:defRPr>
+            </a:lvl5pPr>
+            <a:lvl6pPr marL="2286000" algn="l" defTabSz="914400" rtl="0" eaLnBrk="1" latinLnBrk="0" hangingPunct="1">
+              <a:defRPr sz="1800" kern="1200">
+                <a:solidFill>
+                  <a:schemeClr val="lt1"/>
+                </a:solidFill>
+                <a:latin typeface="+mn-lt"/>
+                <a:ea typeface="+mn-ea"/>
+                <a:cs typeface="+mn-cs"/>
+              </a:defRPr>
+            </a:lvl6pPr>
+            <a:lvl7pPr marL="2743200" algn="l" defTabSz="914400" rtl="0" eaLnBrk="1" latinLnBrk="0" hangingPunct="1">
+              <a:defRPr sz="1800" kern="1200">
+                <a:solidFill>
+                  <a:schemeClr val="lt1"/>
+                </a:solidFill>
+                <a:latin typeface="+mn-lt"/>
+                <a:ea typeface="+mn-ea"/>
+                <a:cs typeface="+mn-cs"/>
+              </a:defRPr>
+            </a:lvl7pPr>
+            <a:lvl8pPr marL="3200400" algn="l" defTabSz="914400" rtl="0" eaLnBrk="1" latinLnBrk="0" hangingPunct="1">
+              <a:defRPr sz="1800" kern="1200">
+                <a:solidFill>
+                  <a:schemeClr val="lt1"/>
+                </a:solidFill>
+                <a:latin typeface="+mn-lt"/>
+                <a:ea typeface="+mn-ea"/>
+                <a:cs typeface="+mn-cs"/>
+              </a:defRPr>
+            </a:lvl8pPr>
+            <a:lvl9pPr marL="3657600" algn="l" defTabSz="914400" rtl="0" eaLnBrk="1" latinLnBrk="0" hangingPunct="1">
+              <a:defRPr sz="1800" kern="1200">
+                <a:solidFill>
+                  <a:schemeClr val="lt1"/>
+                </a:solidFill>
+                <a:latin typeface="+mn-lt"/>
+                <a:ea typeface="+mn-ea"/>
+                <a:cs typeface="+mn-cs"/>
+              </a:defRPr>
+            </a:lvl9pPr>
+          </a:lstStyle>
+          <a:p>
+            <a:pPr algn="ctr"/>
+            <a:endParaRPr lang="zh-CN" altLang="en-US">
+              <a:cs typeface="汉仪旗黑-55简" panose="00020600040101010101" charset="-128"/>
+            </a:endParaRPr>
+          </a:p>
+        </p:txBody>
+      </p:sp>
+      <p:sp>
+        <p:nvSpPr>
+          <p:cNvPr id="12" name="文本框 11"/>
+          <p:cNvSpPr txBox="1"/>
+          <p:nvPr/>
+        </p:nvSpPr>
+        <p:spPr>
+          <a:xfrm>
+            <a:off x="874930" y="2802564"/>
+            <a:ext cx="3824756" cy="830997"/>
+          </a:xfrm>
+          <a:prstGeom prst="rect">
+            <a:avLst/>
+          </a:prstGeom>
+          <a:noFill/>
+        </p:spPr>
+        <p:txBody>
+          <a:bodyPr wrap="square" rtlCol="0">
+            <a:spAutoFit/>
+          </a:bodyPr>
+          <a:lstStyle/>
+          <a:p>
+            <a:pPr algn="ctr"/>
+            <a:r>
+              <a:rPr lang="en-US" sz="4800" dirty="0">
+                <a:solidFill>
+                  <a:srgbClr val="2F4275"/>
+                </a:solidFill>
+                <a:latin typeface="Times New Roman" panose="02020603050405020304" pitchFamily="18" charset="0"/>
+                <a:ea typeface="汉仪旗黑-55简" panose="00020600040101010101" charset="-128"/>
+                <a:cs typeface="Times New Roman" panose="02020603050405020304" pitchFamily="18" charset="0"/>
+                <a:sym typeface="汉仪旗黑-55简" panose="00020600040101010101" charset="-128"/>
+              </a:rPr>
+              <a:t>CONTENTS</a:t>
+            </a:r>
+          </a:p>
+        </p:txBody>
+      </p:sp>
+      <p:sp>
+        <p:nvSpPr>
+          <p:cNvPr id="9" name="文本框 8"/>
+          <p:cNvSpPr txBox="1"/>
+          <p:nvPr/>
+        </p:nvSpPr>
+        <p:spPr>
+          <a:xfrm>
+            <a:off x="6146483" y="1353669"/>
+            <a:ext cx="4838700" cy="1082669"/>
+          </a:xfrm>
+          <a:prstGeom prst="rect">
+            <a:avLst/>
+          </a:prstGeom>
+          <a:noFill/>
+        </p:spPr>
+        <p:txBody>
+          <a:bodyPr wrap="square" rtlCol="0">
+            <a:spAutoFit/>
+          </a:bodyPr>
+          <a:lstStyle/>
+          <a:p>
+            <a:pPr algn="l">
+              <a:lnSpc>
+                <a:spcPct val="120000"/>
+              </a:lnSpc>
+            </a:pPr>
+            <a:r>
+              <a:rPr lang="en-US" altLang="zh-CN" sz="2800" dirty="0">
+                <a:solidFill>
+                  <a:srgbClr val="2F4275"/>
+                </a:solidFill>
+                <a:latin typeface="Times New Roman" panose="02020603050405020304" pitchFamily="18" charset="0"/>
+                <a:ea typeface="汉仪旗黑-55简" panose="00020600040101010101" charset="-122"/>
+                <a:cs typeface="Times New Roman" panose="02020603050405020304" pitchFamily="18" charset="0"/>
+              </a:rPr>
+              <a:t>Project Introduction and Motivation for Refactoring</a:t>
+            </a:r>
+            <a:endParaRPr lang="zh-CN" sz="2800" dirty="0">
+              <a:solidFill>
+                <a:srgbClr val="2F4275"/>
+              </a:solidFill>
+              <a:latin typeface="Times New Roman" panose="02020603050405020304" pitchFamily="18" charset="0"/>
+              <a:ea typeface="汉仪旗黑-55简" panose="00020600040101010101" charset="-122"/>
+              <a:cs typeface="Times New Roman" panose="02020603050405020304" pitchFamily="18" charset="0"/>
+            </a:endParaRPr>
+          </a:p>
+        </p:txBody>
+      </p:sp>
+      <p:sp>
+        <p:nvSpPr>
+          <p:cNvPr id="16" name="文本框 15"/>
+          <p:cNvSpPr txBox="1"/>
+          <p:nvPr/>
+        </p:nvSpPr>
+        <p:spPr>
+          <a:xfrm>
+            <a:off x="6146483" y="2949413"/>
+            <a:ext cx="5445125" cy="565604"/>
+          </a:xfrm>
+          <a:prstGeom prst="rect">
+            <a:avLst/>
+          </a:prstGeom>
+          <a:noFill/>
+        </p:spPr>
+        <p:txBody>
+          <a:bodyPr wrap="square" rtlCol="0">
+            <a:spAutoFit/>
+          </a:bodyPr>
+          <a:lstStyle/>
+          <a:p>
+            <a:pPr algn="l">
+              <a:lnSpc>
+                <a:spcPct val="120000"/>
+              </a:lnSpc>
+            </a:pPr>
+            <a:r>
+              <a:rPr lang="en-US" altLang="zh-CN" sz="2800" dirty="0">
+                <a:solidFill>
+                  <a:srgbClr val="2F4275"/>
+                </a:solidFill>
+                <a:latin typeface="Times New Roman" panose="02020603050405020304" pitchFamily="18" charset="0"/>
+                <a:ea typeface="汉仪旗黑-55简" panose="00020600040101010101" charset="-122"/>
+                <a:cs typeface="Times New Roman" panose="02020603050405020304" pitchFamily="18" charset="0"/>
+              </a:rPr>
+              <a:t>Design Patterns in Refactoring</a:t>
+            </a:r>
+            <a:endParaRPr lang="zh-CN" sz="2800" dirty="0">
+              <a:solidFill>
+                <a:srgbClr val="2F4275"/>
+              </a:solidFill>
+              <a:latin typeface="Times New Roman" panose="02020603050405020304" pitchFamily="18" charset="0"/>
+              <a:ea typeface="汉仪旗黑-55简" panose="00020600040101010101" charset="-122"/>
+              <a:cs typeface="Times New Roman" panose="02020603050405020304" pitchFamily="18" charset="0"/>
+            </a:endParaRPr>
+          </a:p>
+        </p:txBody>
+      </p:sp>
+      <p:sp>
+        <p:nvSpPr>
+          <p:cNvPr id="21" name="文本框 20"/>
+          <p:cNvSpPr txBox="1"/>
+          <p:nvPr/>
+        </p:nvSpPr>
+        <p:spPr>
+          <a:xfrm>
+            <a:off x="6146483" y="4154253"/>
+            <a:ext cx="4095453" cy="1081322"/>
+          </a:xfrm>
+          <a:prstGeom prst="rect">
+            <a:avLst/>
+          </a:prstGeom>
+          <a:noFill/>
+        </p:spPr>
+        <p:txBody>
+          <a:bodyPr wrap="square" rtlCol="0">
+            <a:spAutoFit/>
+          </a:bodyPr>
+          <a:lstStyle/>
+          <a:p>
+            <a:pPr algn="l">
+              <a:lnSpc>
+                <a:spcPct val="120000"/>
+              </a:lnSpc>
+            </a:pPr>
+            <a:r>
+              <a:rPr lang="en-US" altLang="zh-CN" sz="2800" dirty="0">
+                <a:solidFill>
+                  <a:srgbClr val="2F4275"/>
+                </a:solidFill>
+                <a:latin typeface="Times New Roman" panose="02020603050405020304" pitchFamily="18" charset="0"/>
+                <a:ea typeface="汉仪旗黑-55简" panose="00020600040101010101" charset="-122"/>
+                <a:cs typeface="Times New Roman" panose="02020603050405020304" pitchFamily="18" charset="0"/>
+              </a:rPr>
+              <a:t>Key Issues and Solutions in Refactoring</a:t>
+            </a:r>
+            <a:endParaRPr lang="zh-CN" sz="2800" dirty="0">
+              <a:solidFill>
+                <a:srgbClr val="2F4275"/>
+              </a:solidFill>
+              <a:latin typeface="Times New Roman" panose="02020603050405020304" pitchFamily="18" charset="0"/>
+              <a:ea typeface="汉仪旗黑-55简" panose="00020600040101010101" charset="-122"/>
+              <a:cs typeface="Times New Roman" panose="02020603050405020304" pitchFamily="18" charset="0"/>
+            </a:endParaRPr>
+          </a:p>
+        </p:txBody>
+      </p:sp>
+      <p:sp>
+        <p:nvSpPr>
+          <p:cNvPr id="14" name="菱形 13"/>
+          <p:cNvSpPr/>
+          <p:nvPr/>
+        </p:nvSpPr>
+        <p:spPr>
+          <a:xfrm>
+            <a:off x="5192078" y="1507555"/>
+            <a:ext cx="777240" cy="777240"/>
+          </a:xfrm>
+          <a:prstGeom prst="diamond">
+            <a:avLst/>
+          </a:prstGeom>
+          <a:solidFill>
+            <a:srgbClr val="2F4275"/>
+          </a:solidFill>
+          <a:ln>
+            <a:noFill/>
+          </a:ln>
+        </p:spPr>
+        <p:style>
+          <a:lnRef idx="2">
+            <a:schemeClr val="accent1">
+              <a:shade val="50000"/>
+            </a:schemeClr>
+          </a:lnRef>
+          <a:fillRef idx="1">
+            <a:schemeClr val="accent1"/>
+          </a:fillRef>
+          <a:effectRef idx="0">
+            <a:schemeClr val="accent1"/>
+          </a:effectRef>
+          <a:fontRef idx="minor">
+            <a:schemeClr val="lt1"/>
+          </a:fontRef>
+        </p:style>
+        <p:txBody>
+          <a:bodyPr rtlCol="0" anchor="ctr"/>
+          <a:lstStyle/>
+          <a:p>
+            <a:pPr algn="ctr"/>
+            <a:endParaRPr lang="zh-CN" altLang="en-US">
+              <a:cs typeface="汉仪旗黑-55简" panose="00020600040101010101" charset="-128"/>
+            </a:endParaRPr>
+          </a:p>
+        </p:txBody>
+      </p:sp>
+      <p:sp>
+        <p:nvSpPr>
+          <p:cNvPr id="28" name="文本框 27"/>
+          <p:cNvSpPr txBox="1"/>
+          <p:nvPr/>
+        </p:nvSpPr>
+        <p:spPr>
+          <a:xfrm>
+            <a:off x="5192078" y="1576135"/>
+            <a:ext cx="751205" cy="607695"/>
+          </a:xfrm>
+          <a:prstGeom prst="rect">
+            <a:avLst/>
+          </a:prstGeom>
+          <a:noFill/>
+        </p:spPr>
+        <p:txBody>
+          <a:bodyPr wrap="square" rtlCol="0">
+            <a:spAutoFit/>
+          </a:bodyPr>
+          <a:lstStyle/>
+          <a:p>
+            <a:pPr algn="ctr">
+              <a:lnSpc>
+                <a:spcPct val="120000"/>
+              </a:lnSpc>
+            </a:pPr>
+            <a:r>
+              <a:rPr lang="en-US" altLang="zh-CN" sz="2800" dirty="0">
+                <a:solidFill>
+                  <a:schemeClr val="bg1"/>
+                </a:solidFill>
+                <a:latin typeface="汉仪旗黑-55简" panose="00020600040101010101" charset="-122"/>
+                <a:ea typeface="汉仪旗黑-55简" panose="00020600040101010101" charset="-122"/>
+                <a:cs typeface="汉仪旗黑-55简" panose="00020600040101010101" charset="-128"/>
+                <a:sym typeface="汉仪旗黑-55简" panose="00020600040101010101" charset="-122"/>
+              </a:rPr>
+              <a:t>01</a:t>
+            </a:r>
+          </a:p>
+        </p:txBody>
+      </p:sp>
+      <p:sp>
+        <p:nvSpPr>
+          <p:cNvPr id="25" name="菱形 24"/>
+          <p:cNvSpPr/>
+          <p:nvPr/>
+        </p:nvSpPr>
+        <p:spPr>
+          <a:xfrm>
+            <a:off x="5192078" y="2845636"/>
+            <a:ext cx="777240" cy="777240"/>
+          </a:xfrm>
+          <a:prstGeom prst="diamond">
+            <a:avLst/>
+          </a:prstGeom>
+          <a:solidFill>
+            <a:srgbClr val="2F4275"/>
+          </a:solidFill>
+          <a:ln>
+            <a:noFill/>
+          </a:ln>
+        </p:spPr>
+        <p:style>
+          <a:lnRef idx="2">
+            <a:schemeClr val="accent1">
+              <a:shade val="50000"/>
+            </a:schemeClr>
+          </a:lnRef>
+          <a:fillRef idx="1">
+            <a:schemeClr val="accent1"/>
+          </a:fillRef>
+          <a:effectRef idx="0">
+            <a:schemeClr val="accent1"/>
+          </a:effectRef>
+          <a:fontRef idx="minor">
+            <a:schemeClr val="lt1"/>
+          </a:fontRef>
+        </p:style>
+        <p:txBody>
+          <a:bodyPr rtlCol="0" anchor="ctr"/>
+          <a:lstStyle/>
+          <a:p>
+            <a:pPr algn="ctr"/>
+            <a:endParaRPr lang="zh-CN" altLang="en-US">
+              <a:cs typeface="汉仪旗黑-55简" panose="00020600040101010101" charset="-128"/>
+            </a:endParaRPr>
+          </a:p>
+        </p:txBody>
+      </p:sp>
+      <p:sp>
+        <p:nvSpPr>
+          <p:cNvPr id="30" name="文本框 29"/>
+          <p:cNvSpPr txBox="1"/>
+          <p:nvPr/>
+        </p:nvSpPr>
+        <p:spPr>
+          <a:xfrm>
+            <a:off x="5192078" y="2914216"/>
+            <a:ext cx="751205" cy="607695"/>
+          </a:xfrm>
+          <a:prstGeom prst="rect">
+            <a:avLst/>
+          </a:prstGeom>
+          <a:noFill/>
+        </p:spPr>
+        <p:txBody>
+          <a:bodyPr wrap="square" rtlCol="0">
+            <a:spAutoFit/>
+          </a:bodyPr>
+          <a:lstStyle/>
+          <a:p>
+            <a:pPr algn="ctr">
+              <a:lnSpc>
+                <a:spcPct val="120000"/>
+              </a:lnSpc>
+            </a:pPr>
+            <a:r>
+              <a:rPr lang="en-US" altLang="zh-CN" sz="2800" dirty="0">
+                <a:solidFill>
+                  <a:schemeClr val="bg1"/>
+                </a:solidFill>
+                <a:latin typeface="汉仪旗黑-55简" panose="00020600040101010101" charset="-122"/>
+                <a:ea typeface="汉仪旗黑-55简" panose="00020600040101010101" charset="-122"/>
+                <a:cs typeface="汉仪旗黑-55简" panose="00020600040101010101" charset="-128"/>
+                <a:sym typeface="汉仪旗黑-55简" panose="00020600040101010101" charset="-122"/>
+              </a:rPr>
+              <a:t>02</a:t>
+            </a:r>
+          </a:p>
+        </p:txBody>
+      </p:sp>
+      <p:sp>
+        <p:nvSpPr>
+          <p:cNvPr id="32" name="菱形 31"/>
+          <p:cNvSpPr/>
+          <p:nvPr/>
+        </p:nvSpPr>
+        <p:spPr>
+          <a:xfrm>
+            <a:off x="5192078" y="4198068"/>
+            <a:ext cx="777240" cy="777240"/>
+          </a:xfrm>
+          <a:prstGeom prst="diamond">
+            <a:avLst/>
+          </a:prstGeom>
+          <a:solidFill>
+            <a:srgbClr val="2F4275"/>
+          </a:solidFill>
+          <a:ln>
+            <a:noFill/>
+          </a:ln>
+        </p:spPr>
+        <p:style>
+          <a:lnRef idx="2">
+            <a:schemeClr val="accent1">
+              <a:shade val="50000"/>
+            </a:schemeClr>
+          </a:lnRef>
+          <a:fillRef idx="1">
+            <a:schemeClr val="accent1"/>
+          </a:fillRef>
+          <a:effectRef idx="0">
+            <a:schemeClr val="accent1"/>
+          </a:effectRef>
+          <a:fontRef idx="minor">
+            <a:schemeClr val="lt1"/>
+          </a:fontRef>
+        </p:style>
+        <p:txBody>
+          <a:bodyPr rtlCol="0" anchor="ctr"/>
+          <a:lstStyle/>
+          <a:p>
+            <a:pPr algn="ctr"/>
+            <a:endParaRPr lang="zh-CN" altLang="en-US">
+              <a:cs typeface="汉仪旗黑-55简" panose="00020600040101010101" charset="-128"/>
+            </a:endParaRPr>
+          </a:p>
+        </p:txBody>
+      </p:sp>
+      <p:sp>
+        <p:nvSpPr>
+          <p:cNvPr id="33" name="文本框 32"/>
+          <p:cNvSpPr txBox="1"/>
+          <p:nvPr/>
+        </p:nvSpPr>
+        <p:spPr>
+          <a:xfrm>
+            <a:off x="5192078" y="4266648"/>
+            <a:ext cx="751205" cy="581313"/>
+          </a:xfrm>
+          <a:prstGeom prst="rect">
+            <a:avLst/>
+          </a:prstGeom>
+          <a:noFill/>
+        </p:spPr>
+        <p:txBody>
+          <a:bodyPr wrap="square" rtlCol="0">
+            <a:spAutoFit/>
+          </a:bodyPr>
+          <a:lstStyle/>
+          <a:p>
+            <a:pPr algn="ctr">
+              <a:lnSpc>
+                <a:spcPct val="120000"/>
+              </a:lnSpc>
+            </a:pPr>
+            <a:r>
+              <a:rPr lang="en-US" altLang="zh-CN" sz="2800" dirty="0">
+                <a:solidFill>
+                  <a:schemeClr val="bg1"/>
+                </a:solidFill>
+                <a:latin typeface="汉仪旗黑-55简" panose="00020600040101010101" charset="-122"/>
+                <a:ea typeface="汉仪旗黑-55简" panose="00020600040101010101" charset="-122"/>
+                <a:cs typeface="汉仪旗黑-55简" panose="00020600040101010101" charset="-128"/>
+                <a:sym typeface="汉仪旗黑-55简" panose="00020600040101010101" charset="-122"/>
+              </a:rPr>
+              <a:t>03</a:t>
+            </a:r>
+          </a:p>
+        </p:txBody>
+      </p:sp>
+    </p:spTree>
+  </p:cSld>
+  <p:clrMapOvr>
+    <a:masterClrMapping/>
+  </p:clrMapOvr>
+</p:sld>
+</file>
+
+<file path=ppt/slides/slide20.xml><?xml version="1.0" encoding="utf-8"?>
 <p:sld xmlns:a="http://schemas.openxmlformats.org/drawingml/2006/main" xmlns:r="http://schemas.openxmlformats.org/officeDocument/2006/relationships" xmlns:p="http://schemas.openxmlformats.org/presentationml/2006/main">
   <p:cSld>
     <p:spTree>
@@ -25142,1752 +27599,7 @@
 </p:sld>
 </file>
 
-<file path=ppt/slides/slide2.xml><?xml version="1.0" encoding="utf-8"?>
-<p:sld xmlns:a="http://schemas.openxmlformats.org/drawingml/2006/main" xmlns:r="http://schemas.openxmlformats.org/officeDocument/2006/relationships" xmlns:p="http://schemas.openxmlformats.org/presentationml/2006/main">
-  <p:cSld>
-    <p:spTree>
-      <p:nvGrpSpPr>
-        <p:cNvPr id="1" name=""/>
-        <p:cNvGrpSpPr/>
-        <p:nvPr/>
-      </p:nvGrpSpPr>
-      <p:grpSpPr>
-        <a:xfrm>
-          <a:off x="0" y="0"/>
-          <a:ext cx="0" cy="0"/>
-          <a:chOff x="0" y="0"/>
-          <a:chExt cx="0" cy="0"/>
-        </a:xfrm>
-      </p:grpSpPr>
-      <p:sp>
-        <p:nvSpPr>
-          <p:cNvPr id="4" name="任意多边形 3"/>
-          <p:cNvSpPr/>
-          <p:nvPr/>
-        </p:nvSpPr>
-        <p:spPr>
-          <a:xfrm>
-            <a:off x="0" y="0"/>
-            <a:ext cx="4838700" cy="2992755"/>
-          </a:xfrm>
-          <a:custGeom>
-            <a:avLst/>
-            <a:gdLst/>
-            <a:ahLst/>
-            <a:cxnLst>
-              <a:cxn ang="3">
-                <a:pos x="hc" y="t"/>
-              </a:cxn>
-              <a:cxn ang="cd2">
-                <a:pos x="l" y="vc"/>
-              </a:cxn>
-              <a:cxn ang="cd4">
-                <a:pos x="hc" y="b"/>
-              </a:cxn>
-              <a:cxn ang="0">
-                <a:pos x="r" y="vc"/>
-              </a:cxn>
-            </a:cxnLst>
-            <a:rect l="l" t="t" r="r" b="b"/>
-            <a:pathLst>
-              <a:path w="8342" h="5161">
-                <a:moveTo>
-                  <a:pt x="151" y="0"/>
-                </a:moveTo>
-                <a:cubicBezTo>
-                  <a:pt x="212" y="108"/>
-                  <a:pt x="344" y="480"/>
-                  <a:pt x="333" y="900"/>
-                </a:cubicBezTo>
-                <a:cubicBezTo>
-                  <a:pt x="340" y="1185"/>
-                  <a:pt x="258" y="1720"/>
-                  <a:pt x="138" y="2136"/>
-                </a:cubicBezTo>
-                <a:cubicBezTo>
-                  <a:pt x="37" y="2462"/>
-                  <a:pt x="-4" y="2904"/>
-                  <a:pt x="0" y="3111"/>
-                </a:cubicBezTo>
-                <a:cubicBezTo>
-                  <a:pt x="-10" y="4003"/>
-                  <a:pt x="361" y="4723"/>
-                  <a:pt x="766" y="4912"/>
-                </a:cubicBezTo>
-                <a:cubicBezTo>
-                  <a:pt x="948" y="5095"/>
-                  <a:pt x="1252" y="5168"/>
-                  <a:pt x="1406" y="5160"/>
-                </a:cubicBezTo>
-                <a:cubicBezTo>
-                  <a:pt x="3154" y="4827"/>
-                  <a:pt x="4186" y="3274"/>
-                  <a:pt x="4206" y="3320"/>
-                </a:cubicBezTo>
-                <a:cubicBezTo>
-                  <a:pt x="4268" y="3248"/>
-                  <a:pt x="4361" y="3144"/>
-                  <a:pt x="4428" y="3073"/>
-                </a:cubicBezTo>
-                <a:lnTo>
-                  <a:pt x="4988" y="2531"/>
-                </a:lnTo>
-                <a:cubicBezTo>
-                  <a:pt x="5394" y="2123"/>
-                  <a:pt x="5610" y="1939"/>
-                  <a:pt x="5838" y="1743"/>
-                </a:cubicBezTo>
-                <a:cubicBezTo>
-                  <a:pt x="5966" y="1634"/>
-                  <a:pt x="6196" y="1432"/>
-                  <a:pt x="6376" y="1268"/>
-                </a:cubicBezTo>
-                <a:cubicBezTo>
-                  <a:pt x="6500" y="1166"/>
-                  <a:pt x="6607" y="1056"/>
-                  <a:pt x="6669" y="995"/>
-                </a:cubicBezTo>
-                <a:cubicBezTo>
-                  <a:pt x="6737" y="925"/>
-                  <a:pt x="6801" y="864"/>
-                  <a:pt x="6841" y="839"/>
-                </a:cubicBezTo>
-                <a:cubicBezTo>
-                  <a:pt x="6847" y="835"/>
-                  <a:pt x="6856" y="829"/>
-                  <a:pt x="6860" y="827"/>
-                </a:cubicBezTo>
-                <a:cubicBezTo>
-                  <a:pt x="6906" y="787"/>
-                  <a:pt x="6825" y="866"/>
-                  <a:pt x="6940" y="759"/>
-                </a:cubicBezTo>
-                <a:cubicBezTo>
-                  <a:pt x="7279" y="412"/>
-                  <a:pt x="8013" y="79"/>
-                  <a:pt x="8342" y="0"/>
-                </a:cubicBezTo>
-                <a:lnTo>
-                  <a:pt x="151" y="0"/>
-                </a:lnTo>
-                <a:close/>
-              </a:path>
-            </a:pathLst>
-          </a:custGeom>
-          <a:solidFill>
-            <a:schemeClr val="bg1">
-              <a:lumMod val="85000"/>
-            </a:schemeClr>
-          </a:solidFill>
-          <a:ln>
-            <a:noFill/>
-          </a:ln>
-        </p:spPr>
-        <p:style>
-          <a:lnRef idx="2">
-            <a:schemeClr val="accent1">
-              <a:shade val="50000"/>
-            </a:schemeClr>
-          </a:lnRef>
-          <a:fillRef idx="1">
-            <a:schemeClr val="accent1"/>
-          </a:fillRef>
-          <a:effectRef idx="0">
-            <a:schemeClr val="accent1"/>
-          </a:effectRef>
-          <a:fontRef idx="minor">
-            <a:schemeClr val="lt1"/>
-          </a:fontRef>
-        </p:style>
-        <p:txBody>
-          <a:bodyPr wrap="square" rtlCol="0" anchor="ctr">
-            <a:noAutofit/>
-          </a:bodyPr>
-          <a:lstStyle>
-            <a:defPPr>
-              <a:defRPr lang="zh-CN">
-                <a:solidFill>
-                  <a:schemeClr val="lt1"/>
-                </a:solidFill>
-              </a:defRPr>
-            </a:defPPr>
-            <a:lvl1pPr marL="0" algn="l" defTabSz="914400" rtl="0" eaLnBrk="1" latinLnBrk="0" hangingPunct="1">
-              <a:defRPr sz="1800" kern="1200">
-                <a:solidFill>
-                  <a:schemeClr val="lt1"/>
-                </a:solidFill>
-                <a:latin typeface="+mn-lt"/>
-                <a:ea typeface="+mn-ea"/>
-                <a:cs typeface="+mn-cs"/>
-              </a:defRPr>
-            </a:lvl1pPr>
-            <a:lvl2pPr marL="457200" algn="l" defTabSz="914400" rtl="0" eaLnBrk="1" latinLnBrk="0" hangingPunct="1">
-              <a:defRPr sz="1800" kern="1200">
-                <a:solidFill>
-                  <a:schemeClr val="lt1"/>
-                </a:solidFill>
-                <a:latin typeface="+mn-lt"/>
-                <a:ea typeface="+mn-ea"/>
-                <a:cs typeface="+mn-cs"/>
-              </a:defRPr>
-            </a:lvl2pPr>
-            <a:lvl3pPr marL="914400" algn="l" defTabSz="914400" rtl="0" eaLnBrk="1" latinLnBrk="0" hangingPunct="1">
-              <a:defRPr sz="1800" kern="1200">
-                <a:solidFill>
-                  <a:schemeClr val="lt1"/>
-                </a:solidFill>
-                <a:latin typeface="+mn-lt"/>
-                <a:ea typeface="+mn-ea"/>
-                <a:cs typeface="+mn-cs"/>
-              </a:defRPr>
-            </a:lvl3pPr>
-            <a:lvl4pPr marL="1371600" algn="l" defTabSz="914400" rtl="0" eaLnBrk="1" latinLnBrk="0" hangingPunct="1">
-              <a:defRPr sz="1800" kern="1200">
-                <a:solidFill>
-                  <a:schemeClr val="lt1"/>
-                </a:solidFill>
-                <a:latin typeface="+mn-lt"/>
-                <a:ea typeface="+mn-ea"/>
-                <a:cs typeface="+mn-cs"/>
-              </a:defRPr>
-            </a:lvl4pPr>
-            <a:lvl5pPr marL="1828800" algn="l" defTabSz="914400" rtl="0" eaLnBrk="1" latinLnBrk="0" hangingPunct="1">
-              <a:defRPr sz="1800" kern="1200">
-                <a:solidFill>
-                  <a:schemeClr val="lt1"/>
-                </a:solidFill>
-                <a:latin typeface="+mn-lt"/>
-                <a:ea typeface="+mn-ea"/>
-                <a:cs typeface="+mn-cs"/>
-              </a:defRPr>
-            </a:lvl5pPr>
-            <a:lvl6pPr marL="2286000" algn="l" defTabSz="914400" rtl="0" eaLnBrk="1" latinLnBrk="0" hangingPunct="1">
-              <a:defRPr sz="1800" kern="1200">
-                <a:solidFill>
-                  <a:schemeClr val="lt1"/>
-                </a:solidFill>
-                <a:latin typeface="+mn-lt"/>
-                <a:ea typeface="+mn-ea"/>
-                <a:cs typeface="+mn-cs"/>
-              </a:defRPr>
-            </a:lvl6pPr>
-            <a:lvl7pPr marL="2743200" algn="l" defTabSz="914400" rtl="0" eaLnBrk="1" latinLnBrk="0" hangingPunct="1">
-              <a:defRPr sz="1800" kern="1200">
-                <a:solidFill>
-                  <a:schemeClr val="lt1"/>
-                </a:solidFill>
-                <a:latin typeface="+mn-lt"/>
-                <a:ea typeface="+mn-ea"/>
-                <a:cs typeface="+mn-cs"/>
-              </a:defRPr>
-            </a:lvl7pPr>
-            <a:lvl8pPr marL="3200400" algn="l" defTabSz="914400" rtl="0" eaLnBrk="1" latinLnBrk="0" hangingPunct="1">
-              <a:defRPr sz="1800" kern="1200">
-                <a:solidFill>
-                  <a:schemeClr val="lt1"/>
-                </a:solidFill>
-                <a:latin typeface="+mn-lt"/>
-                <a:ea typeface="+mn-ea"/>
-                <a:cs typeface="+mn-cs"/>
-              </a:defRPr>
-            </a:lvl8pPr>
-            <a:lvl9pPr marL="3657600" algn="l" defTabSz="914400" rtl="0" eaLnBrk="1" latinLnBrk="0" hangingPunct="1">
-              <a:defRPr sz="1800" kern="1200">
-                <a:solidFill>
-                  <a:schemeClr val="lt1"/>
-                </a:solidFill>
-                <a:latin typeface="+mn-lt"/>
-                <a:ea typeface="+mn-ea"/>
-                <a:cs typeface="+mn-cs"/>
-              </a:defRPr>
-            </a:lvl9pPr>
-          </a:lstStyle>
-          <a:p>
-            <a:pPr algn="ctr"/>
-            <a:endParaRPr lang="zh-CN" altLang="en-US">
-              <a:cs typeface="汉仪旗黑-55简" panose="00020600040101010101" charset="-128"/>
-            </a:endParaRPr>
-          </a:p>
-        </p:txBody>
-      </p:sp>
-      <p:sp>
-        <p:nvSpPr>
-          <p:cNvPr id="11" name="任意多边形 10"/>
-          <p:cNvSpPr/>
-          <p:nvPr/>
-        </p:nvSpPr>
-        <p:spPr>
-          <a:xfrm>
-            <a:off x="0" y="0"/>
-            <a:ext cx="3906520" cy="2520315"/>
-          </a:xfrm>
-          <a:custGeom>
-            <a:avLst/>
-            <a:gdLst>
-              <a:gd name="connsiteX0" fmla="*/ 0 w 8331"/>
-              <a:gd name="connsiteY0" fmla="*/ 3663 h 5372"/>
-              <a:gd name="connsiteX1" fmla="*/ 92 w 8331"/>
-              <a:gd name="connsiteY1" fmla="*/ 3603 h 5372"/>
-              <a:gd name="connsiteX2" fmla="*/ 810 w 8331"/>
-              <a:gd name="connsiteY2" fmla="*/ 3448 h 5372"/>
-              <a:gd name="connsiteX3" fmla="*/ 1055 w 8331"/>
-              <a:gd name="connsiteY3" fmla="*/ 3516 h 5372"/>
-              <a:gd name="connsiteX4" fmla="*/ 1765 w 8331"/>
-              <a:gd name="connsiteY4" fmla="*/ 4373 h 5372"/>
-              <a:gd name="connsiteX5" fmla="*/ 2976 w 8331"/>
-              <a:gd name="connsiteY5" fmla="*/ 5372 h 5372"/>
-              <a:gd name="connsiteX6" fmla="*/ 2998 w 8331"/>
-              <a:gd name="connsiteY6" fmla="*/ 5371 h 5372"/>
-              <a:gd name="connsiteX7" fmla="*/ 3019 w 8331"/>
-              <a:gd name="connsiteY7" fmla="*/ 5370 h 5372"/>
-              <a:gd name="connsiteX8" fmla="*/ 3040 w 8331"/>
-              <a:gd name="connsiteY8" fmla="*/ 5368 h 5372"/>
-              <a:gd name="connsiteX9" fmla="*/ 3070 w 8331"/>
-              <a:gd name="connsiteY9" fmla="*/ 5369 h 5372"/>
-              <a:gd name="connsiteX10" fmla="*/ 3100 w 8331"/>
-              <a:gd name="connsiteY10" fmla="*/ 5370 h 5372"/>
-              <a:gd name="connsiteX11" fmla="*/ 4064 w 8331"/>
-              <a:gd name="connsiteY11" fmla="*/ 4094 h 5372"/>
-              <a:gd name="connsiteX12" fmla="*/ 4151 w 8331"/>
-              <a:gd name="connsiteY12" fmla="*/ 3496 h 5372"/>
-              <a:gd name="connsiteX13" fmla="*/ 4230 w 8331"/>
-              <a:gd name="connsiteY13" fmla="*/ 3101 h 5372"/>
-              <a:gd name="connsiteX14" fmla="*/ 4455 w 8331"/>
-              <a:gd name="connsiteY14" fmla="*/ 2156 h 5372"/>
-              <a:gd name="connsiteX15" fmla="*/ 4528 w 8331"/>
-              <a:gd name="connsiteY15" fmla="*/ 1837 h 5372"/>
-              <a:gd name="connsiteX16" fmla="*/ 4540 w 8331"/>
-              <a:gd name="connsiteY16" fmla="*/ 1808 h 5372"/>
-              <a:gd name="connsiteX17" fmla="*/ 6452 w 8331"/>
-              <a:gd name="connsiteY17" fmla="*/ 360 h 5372"/>
-              <a:gd name="connsiteX18" fmla="*/ 6506 w 8331"/>
-              <a:gd name="connsiteY18" fmla="*/ 360 h 5372"/>
-              <a:gd name="connsiteX19" fmla="*/ 6561 w 8331"/>
-              <a:gd name="connsiteY19" fmla="*/ 362 h 5372"/>
-              <a:gd name="connsiteX20" fmla="*/ 6616 w 8331"/>
-              <a:gd name="connsiteY20" fmla="*/ 365 h 5372"/>
-              <a:gd name="connsiteX21" fmla="*/ 6672 w 8331"/>
-              <a:gd name="connsiteY21" fmla="*/ 369 h 5372"/>
-              <a:gd name="connsiteX22" fmla="*/ 6679 w 8331"/>
-              <a:gd name="connsiteY22" fmla="*/ 369 h 5372"/>
-              <a:gd name="connsiteX23" fmla="*/ 7062 w 8331"/>
-              <a:gd name="connsiteY23" fmla="*/ 377 h 5372"/>
-              <a:gd name="connsiteX24" fmla="*/ 7089 w 8331"/>
-              <a:gd name="connsiteY24" fmla="*/ 378 h 5372"/>
-              <a:gd name="connsiteX25" fmla="*/ 7422 w 8331"/>
-              <a:gd name="connsiteY25" fmla="*/ 384 h 5372"/>
-              <a:gd name="connsiteX26" fmla="*/ 7440 w 8331"/>
-              <a:gd name="connsiteY26" fmla="*/ 384 h 5372"/>
-              <a:gd name="connsiteX27" fmla="*/ 7474 w 8331"/>
-              <a:gd name="connsiteY27" fmla="*/ 384 h 5372"/>
-              <a:gd name="connsiteX28" fmla="*/ 8331 w 8331"/>
-              <a:gd name="connsiteY28" fmla="*/ 55 h 5372"/>
-              <a:gd name="connsiteX29" fmla="*/ 8331 w 8331"/>
-              <a:gd name="connsiteY29" fmla="*/ 49 h 5372"/>
-              <a:gd name="connsiteX30" fmla="*/ 8330 w 8331"/>
-              <a:gd name="connsiteY30" fmla="*/ 44 h 5372"/>
-              <a:gd name="connsiteX31" fmla="*/ 8329 w 8331"/>
-              <a:gd name="connsiteY31" fmla="*/ 38 h 5372"/>
-              <a:gd name="connsiteX32" fmla="*/ 8328 w 8331"/>
-              <a:gd name="connsiteY32" fmla="*/ 33 h 5372"/>
-              <a:gd name="connsiteX33" fmla="*/ 8328 w 8331"/>
-              <a:gd name="connsiteY33" fmla="*/ 25 h 5372"/>
-              <a:gd name="connsiteX34" fmla="*/ 8328 w 8331"/>
-              <a:gd name="connsiteY34" fmla="*/ 17 h 5372"/>
-              <a:gd name="connsiteX35" fmla="*/ 8327 w 8331"/>
-              <a:gd name="connsiteY35" fmla="*/ 9 h 5372"/>
-              <a:gd name="connsiteX36" fmla="*/ 8326 w 8331"/>
-              <a:gd name="connsiteY36" fmla="*/ 1 h 5372"/>
-              <a:gd name="connsiteX37" fmla="*/ 8326 w 8331"/>
-              <a:gd name="connsiteY37" fmla="*/ 0 h 5372"/>
-              <a:gd name="connsiteX38" fmla="*/ 0 w 8331"/>
-              <a:gd name="connsiteY38" fmla="*/ 0 h 5372"/>
-              <a:gd name="connsiteX39" fmla="*/ 0 w 8331"/>
-              <a:gd name="connsiteY39" fmla="*/ 3663 h 5372"/>
-            </a:gdLst>
-            <a:ahLst/>
-            <a:cxnLst>
-              <a:cxn ang="0">
-                <a:pos x="connsiteX0" y="connsiteY0"/>
-              </a:cxn>
-              <a:cxn ang="0">
-                <a:pos x="connsiteX1" y="connsiteY1"/>
-              </a:cxn>
-              <a:cxn ang="0">
-                <a:pos x="connsiteX2" y="connsiteY2"/>
-              </a:cxn>
-              <a:cxn ang="0">
-                <a:pos x="connsiteX3" y="connsiteY3"/>
-              </a:cxn>
-              <a:cxn ang="0">
-                <a:pos x="connsiteX4" y="connsiteY4"/>
-              </a:cxn>
-              <a:cxn ang="0">
-                <a:pos x="connsiteX5" y="connsiteY5"/>
-              </a:cxn>
-              <a:cxn ang="0">
-                <a:pos x="connsiteX6" y="connsiteY6"/>
-              </a:cxn>
-              <a:cxn ang="0">
-                <a:pos x="connsiteX7" y="connsiteY7"/>
-              </a:cxn>
-              <a:cxn ang="0">
-                <a:pos x="connsiteX8" y="connsiteY8"/>
-              </a:cxn>
-              <a:cxn ang="0">
-                <a:pos x="connsiteX9" y="connsiteY9"/>
-              </a:cxn>
-              <a:cxn ang="0">
-                <a:pos x="connsiteX10" y="connsiteY10"/>
-              </a:cxn>
-              <a:cxn ang="0">
-                <a:pos x="connsiteX11" y="connsiteY11"/>
-              </a:cxn>
-              <a:cxn ang="0">
-                <a:pos x="connsiteX12" y="connsiteY12"/>
-              </a:cxn>
-              <a:cxn ang="0">
-                <a:pos x="connsiteX13" y="connsiteY13"/>
-              </a:cxn>
-              <a:cxn ang="0">
-                <a:pos x="connsiteX14" y="connsiteY14"/>
-              </a:cxn>
-              <a:cxn ang="0">
-                <a:pos x="connsiteX15" y="connsiteY15"/>
-              </a:cxn>
-              <a:cxn ang="0">
-                <a:pos x="connsiteX16" y="connsiteY16"/>
-              </a:cxn>
-              <a:cxn ang="0">
-                <a:pos x="connsiteX17" y="connsiteY17"/>
-              </a:cxn>
-              <a:cxn ang="0">
-                <a:pos x="connsiteX18" y="connsiteY18"/>
-              </a:cxn>
-              <a:cxn ang="0">
-                <a:pos x="connsiteX19" y="connsiteY19"/>
-              </a:cxn>
-              <a:cxn ang="0">
-                <a:pos x="connsiteX20" y="connsiteY20"/>
-              </a:cxn>
-              <a:cxn ang="0">
-                <a:pos x="connsiteX21" y="connsiteY21"/>
-              </a:cxn>
-              <a:cxn ang="0">
-                <a:pos x="connsiteX22" y="connsiteY22"/>
-              </a:cxn>
-              <a:cxn ang="0">
-                <a:pos x="connsiteX23" y="connsiteY23"/>
-              </a:cxn>
-              <a:cxn ang="0">
-                <a:pos x="connsiteX24" y="connsiteY24"/>
-              </a:cxn>
-              <a:cxn ang="0">
-                <a:pos x="connsiteX25" y="connsiteY25"/>
-              </a:cxn>
-              <a:cxn ang="0">
-                <a:pos x="connsiteX26" y="connsiteY26"/>
-              </a:cxn>
-              <a:cxn ang="0">
-                <a:pos x="connsiteX27" y="connsiteY27"/>
-              </a:cxn>
-              <a:cxn ang="0">
-                <a:pos x="connsiteX28" y="connsiteY28"/>
-              </a:cxn>
-              <a:cxn ang="0">
-                <a:pos x="connsiteX29" y="connsiteY29"/>
-              </a:cxn>
-              <a:cxn ang="0">
-                <a:pos x="connsiteX30" y="connsiteY30"/>
-              </a:cxn>
-              <a:cxn ang="0">
-                <a:pos x="connsiteX31" y="connsiteY31"/>
-              </a:cxn>
-              <a:cxn ang="0">
-                <a:pos x="connsiteX32" y="connsiteY32"/>
-              </a:cxn>
-              <a:cxn ang="0">
-                <a:pos x="connsiteX33" y="connsiteY33"/>
-              </a:cxn>
-              <a:cxn ang="0">
-                <a:pos x="connsiteX34" y="connsiteY34"/>
-              </a:cxn>
-              <a:cxn ang="0">
-                <a:pos x="connsiteX35" y="connsiteY35"/>
-              </a:cxn>
-              <a:cxn ang="0">
-                <a:pos x="connsiteX36" y="connsiteY36"/>
-              </a:cxn>
-              <a:cxn ang="0">
-                <a:pos x="connsiteX37" y="connsiteY37"/>
-              </a:cxn>
-              <a:cxn ang="0">
-                <a:pos x="connsiteX38" y="connsiteY38"/>
-              </a:cxn>
-              <a:cxn ang="0">
-                <a:pos x="connsiteX39" y="connsiteY39"/>
-              </a:cxn>
-            </a:cxnLst>
-            <a:rect l="l" t="t" r="r" b="b"/>
-            <a:pathLst>
-              <a:path w="8331" h="5373">
-                <a:moveTo>
-                  <a:pt x="0" y="3663"/>
-                </a:moveTo>
-                <a:cubicBezTo>
-                  <a:pt x="28" y="3645"/>
-                  <a:pt x="91" y="3603"/>
-                  <a:pt x="92" y="3603"/>
-                </a:cubicBezTo>
-                <a:cubicBezTo>
-                  <a:pt x="412" y="3406"/>
-                  <a:pt x="810" y="3448"/>
-                  <a:pt x="810" y="3448"/>
-                </a:cubicBezTo>
-                <a:cubicBezTo>
-                  <a:pt x="892" y="3471"/>
-                  <a:pt x="945" y="3464"/>
-                  <a:pt x="1055" y="3516"/>
-                </a:cubicBezTo>
-                <a:cubicBezTo>
-                  <a:pt x="1207" y="3594"/>
-                  <a:pt x="1487" y="3755"/>
-                  <a:pt x="1765" y="4373"/>
-                </a:cubicBezTo>
-                <a:cubicBezTo>
-                  <a:pt x="2018" y="5005"/>
-                  <a:pt x="2598" y="5389"/>
-                  <a:pt x="2976" y="5372"/>
-                </a:cubicBezTo>
-                <a:lnTo>
-                  <a:pt x="2998" y="5371"/>
-                </a:lnTo>
-                <a:lnTo>
-                  <a:pt x="3019" y="5370"/>
-                </a:lnTo>
-                <a:lnTo>
-                  <a:pt x="3040" y="5368"/>
-                </a:lnTo>
-                <a:lnTo>
-                  <a:pt x="3070" y="5369"/>
-                </a:lnTo>
-                <a:lnTo>
-                  <a:pt x="3100" y="5370"/>
-                </a:lnTo>
-                <a:cubicBezTo>
-                  <a:pt x="3702" y="5386"/>
-                  <a:pt x="3971" y="4511"/>
-                  <a:pt x="4064" y="4094"/>
-                </a:cubicBezTo>
-                <a:cubicBezTo>
-                  <a:pt x="4131" y="3763"/>
-                  <a:pt x="4122" y="3695"/>
-                  <a:pt x="4151" y="3496"/>
-                </a:cubicBezTo>
-                <a:lnTo>
-                  <a:pt x="4230" y="3101"/>
-                </a:lnTo>
-                <a:cubicBezTo>
-                  <a:pt x="4312" y="2650"/>
-                  <a:pt x="4345" y="2612"/>
-                  <a:pt x="4455" y="2156"/>
-                </a:cubicBezTo>
-                <a:cubicBezTo>
-                  <a:pt x="4499" y="2002"/>
-                  <a:pt x="4502" y="1897"/>
-                  <a:pt x="4528" y="1837"/>
-                </a:cubicBezTo>
-                <a:cubicBezTo>
-                  <a:pt x="4533" y="1825"/>
-                  <a:pt x="4539" y="1811"/>
-                  <a:pt x="4540" y="1808"/>
-                </a:cubicBezTo>
-                <a:cubicBezTo>
-                  <a:pt x="4693" y="1089"/>
-                  <a:pt x="5488" y="341"/>
-                  <a:pt x="6452" y="360"/>
-                </a:cubicBezTo>
-                <a:lnTo>
-                  <a:pt x="6506" y="360"/>
-                </a:lnTo>
-                <a:lnTo>
-                  <a:pt x="6561" y="362"/>
-                </a:lnTo>
-                <a:lnTo>
-                  <a:pt x="6616" y="365"/>
-                </a:lnTo>
-                <a:lnTo>
-                  <a:pt x="6672" y="369"/>
-                </a:lnTo>
-                <a:lnTo>
-                  <a:pt x="6679" y="369"/>
-                </a:lnTo>
-                <a:cubicBezTo>
-                  <a:pt x="6800" y="369"/>
-                  <a:pt x="6990" y="375"/>
-                  <a:pt x="7062" y="377"/>
-                </a:cubicBezTo>
-                <a:cubicBezTo>
-                  <a:pt x="7073" y="377"/>
-                  <a:pt x="7087" y="377"/>
-                  <a:pt x="7089" y="378"/>
-                </a:cubicBezTo>
-                <a:cubicBezTo>
-                  <a:pt x="7198" y="381"/>
-                  <a:pt x="7367" y="384"/>
-                  <a:pt x="7422" y="384"/>
-                </a:cubicBezTo>
-                <a:cubicBezTo>
-                  <a:pt x="7430" y="384"/>
-                  <a:pt x="7439" y="384"/>
-                  <a:pt x="7440" y="384"/>
-                </a:cubicBezTo>
-                <a:lnTo>
-                  <a:pt x="7474" y="384"/>
-                </a:lnTo>
-                <a:cubicBezTo>
-                  <a:pt x="8145" y="384"/>
-                  <a:pt x="8339" y="157"/>
-                  <a:pt x="8331" y="55"/>
-                </a:cubicBezTo>
-                <a:lnTo>
-                  <a:pt x="8331" y="49"/>
-                </a:lnTo>
-                <a:lnTo>
-                  <a:pt x="8330" y="44"/>
-                </a:lnTo>
-                <a:lnTo>
-                  <a:pt x="8329" y="38"/>
-                </a:lnTo>
-                <a:lnTo>
-                  <a:pt x="8328" y="33"/>
-                </a:lnTo>
-                <a:lnTo>
-                  <a:pt x="8328" y="25"/>
-                </a:lnTo>
-                <a:lnTo>
-                  <a:pt x="8328" y="17"/>
-                </a:lnTo>
-                <a:lnTo>
-                  <a:pt x="8327" y="9"/>
-                </a:lnTo>
-                <a:lnTo>
-                  <a:pt x="8326" y="1"/>
-                </a:lnTo>
-                <a:lnTo>
-                  <a:pt x="8326" y="0"/>
-                </a:lnTo>
-                <a:lnTo>
-                  <a:pt x="0" y="0"/>
-                </a:lnTo>
-                <a:lnTo>
-                  <a:pt x="0" y="3663"/>
-                </a:lnTo>
-                <a:close/>
-              </a:path>
-            </a:pathLst>
-          </a:custGeom>
-          <a:solidFill>
-            <a:srgbClr val="2F4275"/>
-          </a:solidFill>
-          <a:ln>
-            <a:noFill/>
-          </a:ln>
-        </p:spPr>
-        <p:style>
-          <a:lnRef idx="2">
-            <a:schemeClr val="accent1">
-              <a:shade val="50000"/>
-            </a:schemeClr>
-          </a:lnRef>
-          <a:fillRef idx="1">
-            <a:schemeClr val="accent1"/>
-          </a:fillRef>
-          <a:effectRef idx="0">
-            <a:schemeClr val="accent1"/>
-          </a:effectRef>
-          <a:fontRef idx="minor">
-            <a:schemeClr val="lt1"/>
-          </a:fontRef>
-        </p:style>
-        <p:txBody>
-          <a:bodyPr wrap="square" rtlCol="0" anchor="ctr">
-            <a:noAutofit/>
-          </a:bodyPr>
-          <a:lstStyle>
-            <a:defPPr>
-              <a:defRPr lang="zh-CN">
-                <a:solidFill>
-                  <a:schemeClr val="lt1"/>
-                </a:solidFill>
-              </a:defRPr>
-            </a:defPPr>
-            <a:lvl1pPr marL="0" algn="l" defTabSz="914400" rtl="0" eaLnBrk="1" latinLnBrk="0" hangingPunct="1">
-              <a:defRPr sz="1800" kern="1200">
-                <a:solidFill>
-                  <a:schemeClr val="lt1"/>
-                </a:solidFill>
-                <a:latin typeface="+mn-lt"/>
-                <a:ea typeface="+mn-ea"/>
-                <a:cs typeface="+mn-cs"/>
-              </a:defRPr>
-            </a:lvl1pPr>
-            <a:lvl2pPr marL="457200" algn="l" defTabSz="914400" rtl="0" eaLnBrk="1" latinLnBrk="0" hangingPunct="1">
-              <a:defRPr sz="1800" kern="1200">
-                <a:solidFill>
-                  <a:schemeClr val="lt1"/>
-                </a:solidFill>
-                <a:latin typeface="+mn-lt"/>
-                <a:ea typeface="+mn-ea"/>
-                <a:cs typeface="+mn-cs"/>
-              </a:defRPr>
-            </a:lvl2pPr>
-            <a:lvl3pPr marL="914400" algn="l" defTabSz="914400" rtl="0" eaLnBrk="1" latinLnBrk="0" hangingPunct="1">
-              <a:defRPr sz="1800" kern="1200">
-                <a:solidFill>
-                  <a:schemeClr val="lt1"/>
-                </a:solidFill>
-                <a:latin typeface="+mn-lt"/>
-                <a:ea typeface="+mn-ea"/>
-                <a:cs typeface="+mn-cs"/>
-              </a:defRPr>
-            </a:lvl3pPr>
-            <a:lvl4pPr marL="1371600" algn="l" defTabSz="914400" rtl="0" eaLnBrk="1" latinLnBrk="0" hangingPunct="1">
-              <a:defRPr sz="1800" kern="1200">
-                <a:solidFill>
-                  <a:schemeClr val="lt1"/>
-                </a:solidFill>
-                <a:latin typeface="+mn-lt"/>
-                <a:ea typeface="+mn-ea"/>
-                <a:cs typeface="+mn-cs"/>
-              </a:defRPr>
-            </a:lvl4pPr>
-            <a:lvl5pPr marL="1828800" algn="l" defTabSz="914400" rtl="0" eaLnBrk="1" latinLnBrk="0" hangingPunct="1">
-              <a:defRPr sz="1800" kern="1200">
-                <a:solidFill>
-                  <a:schemeClr val="lt1"/>
-                </a:solidFill>
-                <a:latin typeface="+mn-lt"/>
-                <a:ea typeface="+mn-ea"/>
-                <a:cs typeface="+mn-cs"/>
-              </a:defRPr>
-            </a:lvl5pPr>
-            <a:lvl6pPr marL="2286000" algn="l" defTabSz="914400" rtl="0" eaLnBrk="1" latinLnBrk="0" hangingPunct="1">
-              <a:defRPr sz="1800" kern="1200">
-                <a:solidFill>
-                  <a:schemeClr val="lt1"/>
-                </a:solidFill>
-                <a:latin typeface="+mn-lt"/>
-                <a:ea typeface="+mn-ea"/>
-                <a:cs typeface="+mn-cs"/>
-              </a:defRPr>
-            </a:lvl6pPr>
-            <a:lvl7pPr marL="2743200" algn="l" defTabSz="914400" rtl="0" eaLnBrk="1" latinLnBrk="0" hangingPunct="1">
-              <a:defRPr sz="1800" kern="1200">
-                <a:solidFill>
-                  <a:schemeClr val="lt1"/>
-                </a:solidFill>
-                <a:latin typeface="+mn-lt"/>
-                <a:ea typeface="+mn-ea"/>
-                <a:cs typeface="+mn-cs"/>
-              </a:defRPr>
-            </a:lvl7pPr>
-            <a:lvl8pPr marL="3200400" algn="l" defTabSz="914400" rtl="0" eaLnBrk="1" latinLnBrk="0" hangingPunct="1">
-              <a:defRPr sz="1800" kern="1200">
-                <a:solidFill>
-                  <a:schemeClr val="lt1"/>
-                </a:solidFill>
-                <a:latin typeface="+mn-lt"/>
-                <a:ea typeface="+mn-ea"/>
-                <a:cs typeface="+mn-cs"/>
-              </a:defRPr>
-            </a:lvl8pPr>
-            <a:lvl9pPr marL="3657600" algn="l" defTabSz="914400" rtl="0" eaLnBrk="1" latinLnBrk="0" hangingPunct="1">
-              <a:defRPr sz="1800" kern="1200">
-                <a:solidFill>
-                  <a:schemeClr val="lt1"/>
-                </a:solidFill>
-                <a:latin typeface="+mn-lt"/>
-                <a:ea typeface="+mn-ea"/>
-                <a:cs typeface="+mn-cs"/>
-              </a:defRPr>
-            </a:lvl9pPr>
-          </a:lstStyle>
-          <a:p>
-            <a:pPr algn="ctr"/>
-            <a:endParaRPr lang="zh-CN" altLang="en-US">
-              <a:cs typeface="汉仪旗黑-55简" panose="00020600040101010101" charset="-128"/>
-            </a:endParaRPr>
-          </a:p>
-        </p:txBody>
-      </p:sp>
-      <p:sp>
-        <p:nvSpPr>
-          <p:cNvPr id="77" name="任意多边形 76"/>
-          <p:cNvSpPr/>
-          <p:nvPr/>
-        </p:nvSpPr>
-        <p:spPr>
-          <a:xfrm>
-            <a:off x="9601835" y="4957445"/>
-            <a:ext cx="2590165" cy="1900555"/>
-          </a:xfrm>
-          <a:custGeom>
-            <a:avLst/>
-            <a:gdLst/>
-            <a:ahLst/>
-            <a:cxnLst>
-              <a:cxn ang="3">
-                <a:pos x="hc" y="t"/>
-              </a:cxn>
-              <a:cxn ang="cd2">
-                <a:pos x="l" y="vc"/>
-              </a:cxn>
-              <a:cxn ang="cd4">
-                <a:pos x="hc" y="b"/>
-              </a:cxn>
-              <a:cxn ang="0">
-                <a:pos x="r" y="vc"/>
-              </a:cxn>
-            </a:cxnLst>
-            <a:rect l="l" t="t" r="r" b="b"/>
-            <a:pathLst>
-              <a:path w="5485" h="4044">
-                <a:moveTo>
-                  <a:pt x="0" y="4037"/>
-                </a:moveTo>
-                <a:cubicBezTo>
-                  <a:pt x="532" y="1406"/>
-                  <a:pt x="3081" y="-124"/>
-                  <a:pt x="3559" y="0"/>
-                </a:cubicBezTo>
-                <a:lnTo>
-                  <a:pt x="3591" y="0"/>
-                </a:lnTo>
-                <a:lnTo>
-                  <a:pt x="3715" y="6"/>
-                </a:lnTo>
-                <a:lnTo>
-                  <a:pt x="3749" y="5"/>
-                </a:lnTo>
-                <a:lnTo>
-                  <a:pt x="3783" y="5"/>
-                </a:lnTo>
-                <a:cubicBezTo>
-                  <a:pt x="4501" y="-6"/>
-                  <a:pt x="5429" y="992"/>
-                  <a:pt x="5480" y="1519"/>
-                </a:cubicBezTo>
-                <a:lnTo>
-                  <a:pt x="5485" y="1541"/>
-                </a:lnTo>
-                <a:lnTo>
-                  <a:pt x="5485" y="4037"/>
-                </a:lnTo>
-                <a:lnTo>
-                  <a:pt x="0" y="4037"/>
-                </a:lnTo>
-                <a:close/>
-              </a:path>
-            </a:pathLst>
-          </a:custGeom>
-          <a:solidFill>
-            <a:schemeClr val="bg1">
-              <a:lumMod val="85000"/>
-            </a:schemeClr>
-          </a:solidFill>
-          <a:ln>
-            <a:noFill/>
-          </a:ln>
-        </p:spPr>
-        <p:style>
-          <a:lnRef idx="2">
-            <a:schemeClr val="accent1">
-              <a:shade val="50000"/>
-            </a:schemeClr>
-          </a:lnRef>
-          <a:fillRef idx="1">
-            <a:schemeClr val="accent1"/>
-          </a:fillRef>
-          <a:effectRef idx="0">
-            <a:schemeClr val="accent1"/>
-          </a:effectRef>
-          <a:fontRef idx="minor">
-            <a:schemeClr val="lt1"/>
-          </a:fontRef>
-        </p:style>
-        <p:txBody>
-          <a:bodyPr wrap="square" rtlCol="0" anchor="ctr">
-            <a:noAutofit/>
-          </a:bodyPr>
-          <a:lstStyle>
-            <a:defPPr>
-              <a:defRPr lang="zh-CN">
-                <a:solidFill>
-                  <a:schemeClr val="lt1"/>
-                </a:solidFill>
-              </a:defRPr>
-            </a:defPPr>
-            <a:lvl1pPr marL="0" algn="l" defTabSz="914400" rtl="0" eaLnBrk="1" latinLnBrk="0" hangingPunct="1">
-              <a:defRPr sz="1800" kern="1200">
-                <a:solidFill>
-                  <a:schemeClr val="lt1"/>
-                </a:solidFill>
-                <a:latin typeface="+mn-lt"/>
-                <a:ea typeface="+mn-ea"/>
-                <a:cs typeface="+mn-cs"/>
-              </a:defRPr>
-            </a:lvl1pPr>
-            <a:lvl2pPr marL="457200" algn="l" defTabSz="914400" rtl="0" eaLnBrk="1" latinLnBrk="0" hangingPunct="1">
-              <a:defRPr sz="1800" kern="1200">
-                <a:solidFill>
-                  <a:schemeClr val="lt1"/>
-                </a:solidFill>
-                <a:latin typeface="+mn-lt"/>
-                <a:ea typeface="+mn-ea"/>
-                <a:cs typeface="+mn-cs"/>
-              </a:defRPr>
-            </a:lvl2pPr>
-            <a:lvl3pPr marL="914400" algn="l" defTabSz="914400" rtl="0" eaLnBrk="1" latinLnBrk="0" hangingPunct="1">
-              <a:defRPr sz="1800" kern="1200">
-                <a:solidFill>
-                  <a:schemeClr val="lt1"/>
-                </a:solidFill>
-                <a:latin typeface="+mn-lt"/>
-                <a:ea typeface="+mn-ea"/>
-                <a:cs typeface="+mn-cs"/>
-              </a:defRPr>
-            </a:lvl3pPr>
-            <a:lvl4pPr marL="1371600" algn="l" defTabSz="914400" rtl="0" eaLnBrk="1" latinLnBrk="0" hangingPunct="1">
-              <a:defRPr sz="1800" kern="1200">
-                <a:solidFill>
-                  <a:schemeClr val="lt1"/>
-                </a:solidFill>
-                <a:latin typeface="+mn-lt"/>
-                <a:ea typeface="+mn-ea"/>
-                <a:cs typeface="+mn-cs"/>
-              </a:defRPr>
-            </a:lvl4pPr>
-            <a:lvl5pPr marL="1828800" algn="l" defTabSz="914400" rtl="0" eaLnBrk="1" latinLnBrk="0" hangingPunct="1">
-              <a:defRPr sz="1800" kern="1200">
-                <a:solidFill>
-                  <a:schemeClr val="lt1"/>
-                </a:solidFill>
-                <a:latin typeface="+mn-lt"/>
-                <a:ea typeface="+mn-ea"/>
-                <a:cs typeface="+mn-cs"/>
-              </a:defRPr>
-            </a:lvl5pPr>
-            <a:lvl6pPr marL="2286000" algn="l" defTabSz="914400" rtl="0" eaLnBrk="1" latinLnBrk="0" hangingPunct="1">
-              <a:defRPr sz="1800" kern="1200">
-                <a:solidFill>
-                  <a:schemeClr val="lt1"/>
-                </a:solidFill>
-                <a:latin typeface="+mn-lt"/>
-                <a:ea typeface="+mn-ea"/>
-                <a:cs typeface="+mn-cs"/>
-              </a:defRPr>
-            </a:lvl6pPr>
-            <a:lvl7pPr marL="2743200" algn="l" defTabSz="914400" rtl="0" eaLnBrk="1" latinLnBrk="0" hangingPunct="1">
-              <a:defRPr sz="1800" kern="1200">
-                <a:solidFill>
-                  <a:schemeClr val="lt1"/>
-                </a:solidFill>
-                <a:latin typeface="+mn-lt"/>
-                <a:ea typeface="+mn-ea"/>
-                <a:cs typeface="+mn-cs"/>
-              </a:defRPr>
-            </a:lvl7pPr>
-            <a:lvl8pPr marL="3200400" algn="l" defTabSz="914400" rtl="0" eaLnBrk="1" latinLnBrk="0" hangingPunct="1">
-              <a:defRPr sz="1800" kern="1200">
-                <a:solidFill>
-                  <a:schemeClr val="lt1"/>
-                </a:solidFill>
-                <a:latin typeface="+mn-lt"/>
-                <a:ea typeface="+mn-ea"/>
-                <a:cs typeface="+mn-cs"/>
-              </a:defRPr>
-            </a:lvl8pPr>
-            <a:lvl9pPr marL="3657600" algn="l" defTabSz="914400" rtl="0" eaLnBrk="1" latinLnBrk="0" hangingPunct="1">
-              <a:defRPr sz="1800" kern="1200">
-                <a:solidFill>
-                  <a:schemeClr val="lt1"/>
-                </a:solidFill>
-                <a:latin typeface="+mn-lt"/>
-                <a:ea typeface="+mn-ea"/>
-                <a:cs typeface="+mn-cs"/>
-              </a:defRPr>
-            </a:lvl9pPr>
-          </a:lstStyle>
-          <a:p>
-            <a:pPr algn="ctr"/>
-            <a:endParaRPr lang="zh-CN" altLang="en-US">
-              <a:cs typeface="汉仪旗黑-55简" panose="00020600040101010101" charset="-128"/>
-            </a:endParaRPr>
-          </a:p>
-        </p:txBody>
-      </p:sp>
-      <p:sp>
-        <p:nvSpPr>
-          <p:cNvPr id="55" name="任意多边形 54"/>
-          <p:cNvSpPr/>
-          <p:nvPr/>
-        </p:nvSpPr>
-        <p:spPr>
-          <a:xfrm>
-            <a:off x="9090660" y="5235575"/>
-            <a:ext cx="3101340" cy="1622425"/>
-          </a:xfrm>
-          <a:custGeom>
-            <a:avLst/>
-            <a:gdLst>
-              <a:gd name="connsiteX0" fmla="*/ 0 w 7048"/>
-              <a:gd name="connsiteY0" fmla="*/ 3698 h 3698"/>
-              <a:gd name="connsiteX1" fmla="*/ 3188 w 7048"/>
-              <a:gd name="connsiteY1" fmla="*/ 0 h 3698"/>
-              <a:gd name="connsiteX2" fmla="*/ 3293 w 7048"/>
-              <a:gd name="connsiteY2" fmla="*/ 4 h 3698"/>
-              <a:gd name="connsiteX3" fmla="*/ 4791 w 7048"/>
-              <a:gd name="connsiteY3" fmla="*/ 1085 h 3698"/>
-              <a:gd name="connsiteX4" fmla="*/ 5430 w 7048"/>
-              <a:gd name="connsiteY4" fmla="*/ 1784 h 3698"/>
-              <a:gd name="connsiteX5" fmla="*/ 5524 w 7048"/>
-              <a:gd name="connsiteY5" fmla="*/ 1782 h 3698"/>
-              <a:gd name="connsiteX6" fmla="*/ 6708 w 7048"/>
-              <a:gd name="connsiteY6" fmla="*/ 1018 h 3698"/>
-              <a:gd name="connsiteX7" fmla="*/ 6722 w 7048"/>
-              <a:gd name="connsiteY7" fmla="*/ 1006 h 3698"/>
-              <a:gd name="connsiteX8" fmla="*/ 6737 w 7048"/>
-              <a:gd name="connsiteY8" fmla="*/ 992 h 3698"/>
-              <a:gd name="connsiteX9" fmla="*/ 6755 w 7048"/>
-              <a:gd name="connsiteY9" fmla="*/ 976 h 3698"/>
-              <a:gd name="connsiteX10" fmla="*/ 6773 w 7048"/>
-              <a:gd name="connsiteY10" fmla="*/ 961 h 3698"/>
-              <a:gd name="connsiteX11" fmla="*/ 6789 w 7048"/>
-              <a:gd name="connsiteY11" fmla="*/ 945 h 3698"/>
-              <a:gd name="connsiteX12" fmla="*/ 6793 w 7048"/>
-              <a:gd name="connsiteY12" fmla="*/ 941 h 3698"/>
-              <a:gd name="connsiteX13" fmla="*/ 7048 w 7048"/>
-              <a:gd name="connsiteY13" fmla="*/ 716 h 3698"/>
-              <a:gd name="connsiteX14" fmla="*/ 7048 w 7048"/>
-              <a:gd name="connsiteY14" fmla="*/ 3698 h 3698"/>
-              <a:gd name="connsiteX15" fmla="*/ 0 w 7048"/>
-              <a:gd name="connsiteY15" fmla="*/ 3698 h 3698"/>
-            </a:gdLst>
-            <a:ahLst/>
-            <a:cxnLst>
-              <a:cxn ang="0">
-                <a:pos x="connsiteX0" y="connsiteY0"/>
-              </a:cxn>
-              <a:cxn ang="0">
-                <a:pos x="connsiteX1" y="connsiteY1"/>
-              </a:cxn>
-              <a:cxn ang="0">
-                <a:pos x="connsiteX2" y="connsiteY2"/>
-              </a:cxn>
-              <a:cxn ang="0">
-                <a:pos x="connsiteX3" y="connsiteY3"/>
-              </a:cxn>
-              <a:cxn ang="0">
-                <a:pos x="connsiteX4" y="connsiteY4"/>
-              </a:cxn>
-              <a:cxn ang="0">
-                <a:pos x="connsiteX5" y="connsiteY5"/>
-              </a:cxn>
-              <a:cxn ang="0">
-                <a:pos x="connsiteX6" y="connsiteY6"/>
-              </a:cxn>
-              <a:cxn ang="0">
-                <a:pos x="connsiteX7" y="connsiteY7"/>
-              </a:cxn>
-              <a:cxn ang="0">
-                <a:pos x="connsiteX8" y="connsiteY8"/>
-              </a:cxn>
-              <a:cxn ang="0">
-                <a:pos x="connsiteX9" y="connsiteY9"/>
-              </a:cxn>
-              <a:cxn ang="0">
-                <a:pos x="connsiteX10" y="connsiteY10"/>
-              </a:cxn>
-              <a:cxn ang="0">
-                <a:pos x="connsiteX11" y="connsiteY11"/>
-              </a:cxn>
-              <a:cxn ang="0">
-                <a:pos x="connsiteX12" y="connsiteY12"/>
-              </a:cxn>
-              <a:cxn ang="0">
-                <a:pos x="connsiteX13" y="connsiteY13"/>
-              </a:cxn>
-              <a:cxn ang="0">
-                <a:pos x="connsiteX14" y="connsiteY14"/>
-              </a:cxn>
-              <a:cxn ang="0">
-                <a:pos x="connsiteX15" y="connsiteY15"/>
-              </a:cxn>
-            </a:cxnLst>
-            <a:rect l="l" t="t" r="r" b="b"/>
-            <a:pathLst>
-              <a:path w="7048" h="3698">
-                <a:moveTo>
-                  <a:pt x="0" y="3698"/>
-                </a:moveTo>
-                <a:cubicBezTo>
-                  <a:pt x="213" y="1107"/>
-                  <a:pt x="2537" y="11"/>
-                  <a:pt x="3188" y="0"/>
-                </a:cubicBezTo>
-                <a:lnTo>
-                  <a:pt x="3293" y="4"/>
-                </a:lnTo>
-                <a:cubicBezTo>
-                  <a:pt x="3896" y="-17"/>
-                  <a:pt x="4685" y="596"/>
-                  <a:pt x="4791" y="1085"/>
-                </a:cubicBezTo>
-                <a:cubicBezTo>
-                  <a:pt x="4887" y="1456"/>
-                  <a:pt x="5188" y="1796"/>
-                  <a:pt x="5430" y="1784"/>
-                </a:cubicBezTo>
-                <a:lnTo>
-                  <a:pt x="5524" y="1782"/>
-                </a:lnTo>
-                <a:cubicBezTo>
-                  <a:pt x="5847" y="1792"/>
-                  <a:pt x="6462" y="1237"/>
-                  <a:pt x="6708" y="1018"/>
-                </a:cubicBezTo>
-                <a:lnTo>
-                  <a:pt x="6722" y="1006"/>
-                </a:lnTo>
-                <a:lnTo>
-                  <a:pt x="6737" y="992"/>
-                </a:lnTo>
-                <a:lnTo>
-                  <a:pt x="6755" y="976"/>
-                </a:lnTo>
-                <a:lnTo>
-                  <a:pt x="6773" y="961"/>
-                </a:lnTo>
-                <a:lnTo>
-                  <a:pt x="6789" y="945"/>
-                </a:lnTo>
-                <a:lnTo>
-                  <a:pt x="6793" y="941"/>
-                </a:lnTo>
-                <a:cubicBezTo>
-                  <a:pt x="6869" y="868"/>
-                  <a:pt x="7028" y="731"/>
-                  <a:pt x="7048" y="716"/>
-                </a:cubicBezTo>
-                <a:lnTo>
-                  <a:pt x="7048" y="3698"/>
-                </a:lnTo>
-                <a:lnTo>
-                  <a:pt x="0" y="3698"/>
-                </a:lnTo>
-                <a:close/>
-              </a:path>
-            </a:pathLst>
-          </a:custGeom>
-          <a:solidFill>
-            <a:srgbClr val="2F4275"/>
-          </a:solidFill>
-          <a:ln>
-            <a:noFill/>
-          </a:ln>
-        </p:spPr>
-        <p:style>
-          <a:lnRef idx="2">
-            <a:schemeClr val="accent1">
-              <a:shade val="50000"/>
-            </a:schemeClr>
-          </a:lnRef>
-          <a:fillRef idx="1">
-            <a:schemeClr val="accent1"/>
-          </a:fillRef>
-          <a:effectRef idx="0">
-            <a:schemeClr val="accent1"/>
-          </a:effectRef>
-          <a:fontRef idx="minor">
-            <a:schemeClr val="lt1"/>
-          </a:fontRef>
-        </p:style>
-        <p:txBody>
-          <a:bodyPr wrap="square" rtlCol="0" anchor="ctr">
-            <a:noAutofit/>
-          </a:bodyPr>
-          <a:lstStyle>
-            <a:defPPr>
-              <a:defRPr lang="zh-CN">
-                <a:solidFill>
-                  <a:schemeClr val="lt1"/>
-                </a:solidFill>
-              </a:defRPr>
-            </a:defPPr>
-            <a:lvl1pPr marL="0" algn="l" defTabSz="914400" rtl="0" eaLnBrk="1" latinLnBrk="0" hangingPunct="1">
-              <a:defRPr sz="1800" kern="1200">
-                <a:solidFill>
-                  <a:schemeClr val="lt1"/>
-                </a:solidFill>
-                <a:latin typeface="+mn-lt"/>
-                <a:ea typeface="+mn-ea"/>
-                <a:cs typeface="+mn-cs"/>
-              </a:defRPr>
-            </a:lvl1pPr>
-            <a:lvl2pPr marL="457200" algn="l" defTabSz="914400" rtl="0" eaLnBrk="1" latinLnBrk="0" hangingPunct="1">
-              <a:defRPr sz="1800" kern="1200">
-                <a:solidFill>
-                  <a:schemeClr val="lt1"/>
-                </a:solidFill>
-                <a:latin typeface="+mn-lt"/>
-                <a:ea typeface="+mn-ea"/>
-                <a:cs typeface="+mn-cs"/>
-              </a:defRPr>
-            </a:lvl2pPr>
-            <a:lvl3pPr marL="914400" algn="l" defTabSz="914400" rtl="0" eaLnBrk="1" latinLnBrk="0" hangingPunct="1">
-              <a:defRPr sz="1800" kern="1200">
-                <a:solidFill>
-                  <a:schemeClr val="lt1"/>
-                </a:solidFill>
-                <a:latin typeface="+mn-lt"/>
-                <a:ea typeface="+mn-ea"/>
-                <a:cs typeface="+mn-cs"/>
-              </a:defRPr>
-            </a:lvl3pPr>
-            <a:lvl4pPr marL="1371600" algn="l" defTabSz="914400" rtl="0" eaLnBrk="1" latinLnBrk="0" hangingPunct="1">
-              <a:defRPr sz="1800" kern="1200">
-                <a:solidFill>
-                  <a:schemeClr val="lt1"/>
-                </a:solidFill>
-                <a:latin typeface="+mn-lt"/>
-                <a:ea typeface="+mn-ea"/>
-                <a:cs typeface="+mn-cs"/>
-              </a:defRPr>
-            </a:lvl4pPr>
-            <a:lvl5pPr marL="1828800" algn="l" defTabSz="914400" rtl="0" eaLnBrk="1" latinLnBrk="0" hangingPunct="1">
-              <a:defRPr sz="1800" kern="1200">
-                <a:solidFill>
-                  <a:schemeClr val="lt1"/>
-                </a:solidFill>
-                <a:latin typeface="+mn-lt"/>
-                <a:ea typeface="+mn-ea"/>
-                <a:cs typeface="+mn-cs"/>
-              </a:defRPr>
-            </a:lvl5pPr>
-            <a:lvl6pPr marL="2286000" algn="l" defTabSz="914400" rtl="0" eaLnBrk="1" latinLnBrk="0" hangingPunct="1">
-              <a:defRPr sz="1800" kern="1200">
-                <a:solidFill>
-                  <a:schemeClr val="lt1"/>
-                </a:solidFill>
-                <a:latin typeface="+mn-lt"/>
-                <a:ea typeface="+mn-ea"/>
-                <a:cs typeface="+mn-cs"/>
-              </a:defRPr>
-            </a:lvl6pPr>
-            <a:lvl7pPr marL="2743200" algn="l" defTabSz="914400" rtl="0" eaLnBrk="1" latinLnBrk="0" hangingPunct="1">
-              <a:defRPr sz="1800" kern="1200">
-                <a:solidFill>
-                  <a:schemeClr val="lt1"/>
-                </a:solidFill>
-                <a:latin typeface="+mn-lt"/>
-                <a:ea typeface="+mn-ea"/>
-                <a:cs typeface="+mn-cs"/>
-              </a:defRPr>
-            </a:lvl7pPr>
-            <a:lvl8pPr marL="3200400" algn="l" defTabSz="914400" rtl="0" eaLnBrk="1" latinLnBrk="0" hangingPunct="1">
-              <a:defRPr sz="1800" kern="1200">
-                <a:solidFill>
-                  <a:schemeClr val="lt1"/>
-                </a:solidFill>
-                <a:latin typeface="+mn-lt"/>
-                <a:ea typeface="+mn-ea"/>
-                <a:cs typeface="+mn-cs"/>
-              </a:defRPr>
-            </a:lvl8pPr>
-            <a:lvl9pPr marL="3657600" algn="l" defTabSz="914400" rtl="0" eaLnBrk="1" latinLnBrk="0" hangingPunct="1">
-              <a:defRPr sz="1800" kern="1200">
-                <a:solidFill>
-                  <a:schemeClr val="lt1"/>
-                </a:solidFill>
-                <a:latin typeface="+mn-lt"/>
-                <a:ea typeface="+mn-ea"/>
-                <a:cs typeface="+mn-cs"/>
-              </a:defRPr>
-            </a:lvl9pPr>
-          </a:lstStyle>
-          <a:p>
-            <a:pPr algn="ctr"/>
-            <a:endParaRPr lang="zh-CN" altLang="en-US">
-              <a:cs typeface="汉仪旗黑-55简" panose="00020600040101010101" charset="-128"/>
-            </a:endParaRPr>
-          </a:p>
-        </p:txBody>
-      </p:sp>
-      <p:sp>
-        <p:nvSpPr>
-          <p:cNvPr id="12" name="文本框 11"/>
-          <p:cNvSpPr txBox="1"/>
-          <p:nvPr/>
-        </p:nvSpPr>
-        <p:spPr>
-          <a:xfrm>
-            <a:off x="874930" y="2802564"/>
-            <a:ext cx="3824756" cy="830997"/>
-          </a:xfrm>
-          <a:prstGeom prst="rect">
-            <a:avLst/>
-          </a:prstGeom>
-          <a:noFill/>
-        </p:spPr>
-        <p:txBody>
-          <a:bodyPr wrap="square" rtlCol="0">
-            <a:spAutoFit/>
-          </a:bodyPr>
-          <a:lstStyle/>
-          <a:p>
-            <a:pPr algn="ctr"/>
-            <a:r>
-              <a:rPr lang="en-US" sz="4800" dirty="0">
-                <a:solidFill>
-                  <a:srgbClr val="2F4275"/>
-                </a:solidFill>
-                <a:latin typeface="Times New Roman" panose="02020603050405020304" pitchFamily="18" charset="0"/>
-                <a:ea typeface="汉仪旗黑-55简" panose="00020600040101010101" charset="-128"/>
-                <a:cs typeface="Times New Roman" panose="02020603050405020304" pitchFamily="18" charset="0"/>
-                <a:sym typeface="汉仪旗黑-55简" panose="00020600040101010101" charset="-128"/>
-              </a:rPr>
-              <a:t>CONTENTS</a:t>
-            </a:r>
-          </a:p>
-        </p:txBody>
-      </p:sp>
-      <p:sp>
-        <p:nvSpPr>
-          <p:cNvPr id="9" name="文本框 8"/>
-          <p:cNvSpPr txBox="1"/>
-          <p:nvPr/>
-        </p:nvSpPr>
-        <p:spPr>
-          <a:xfrm>
-            <a:off x="6146483" y="1353669"/>
-            <a:ext cx="4838700" cy="1082669"/>
-          </a:xfrm>
-          <a:prstGeom prst="rect">
-            <a:avLst/>
-          </a:prstGeom>
-          <a:noFill/>
-        </p:spPr>
-        <p:txBody>
-          <a:bodyPr wrap="square" rtlCol="0">
-            <a:spAutoFit/>
-          </a:bodyPr>
-          <a:lstStyle/>
-          <a:p>
-            <a:pPr algn="l">
-              <a:lnSpc>
-                <a:spcPct val="120000"/>
-              </a:lnSpc>
-            </a:pPr>
-            <a:r>
-              <a:rPr lang="en-US" altLang="zh-CN" sz="2800" dirty="0">
-                <a:solidFill>
-                  <a:srgbClr val="2F4275"/>
-                </a:solidFill>
-                <a:latin typeface="Times New Roman" panose="02020603050405020304" pitchFamily="18" charset="0"/>
-                <a:ea typeface="汉仪旗黑-55简" panose="00020600040101010101" charset="-122"/>
-                <a:cs typeface="Times New Roman" panose="02020603050405020304" pitchFamily="18" charset="0"/>
-              </a:rPr>
-              <a:t>Project Introduction and Motivation for Refactoring</a:t>
-            </a:r>
-            <a:endParaRPr lang="zh-CN" sz="2800" dirty="0">
-              <a:solidFill>
-                <a:srgbClr val="2F4275"/>
-              </a:solidFill>
-              <a:latin typeface="Times New Roman" panose="02020603050405020304" pitchFamily="18" charset="0"/>
-              <a:ea typeface="汉仪旗黑-55简" panose="00020600040101010101" charset="-122"/>
-              <a:cs typeface="Times New Roman" panose="02020603050405020304" pitchFamily="18" charset="0"/>
-            </a:endParaRPr>
-          </a:p>
-        </p:txBody>
-      </p:sp>
-      <p:sp>
-        <p:nvSpPr>
-          <p:cNvPr id="16" name="文本框 15"/>
-          <p:cNvSpPr txBox="1"/>
-          <p:nvPr/>
-        </p:nvSpPr>
-        <p:spPr>
-          <a:xfrm>
-            <a:off x="6146483" y="2949413"/>
-            <a:ext cx="5445125" cy="565604"/>
-          </a:xfrm>
-          <a:prstGeom prst="rect">
-            <a:avLst/>
-          </a:prstGeom>
-          <a:noFill/>
-        </p:spPr>
-        <p:txBody>
-          <a:bodyPr wrap="square" rtlCol="0">
-            <a:spAutoFit/>
-          </a:bodyPr>
-          <a:lstStyle/>
-          <a:p>
-            <a:pPr algn="l">
-              <a:lnSpc>
-                <a:spcPct val="120000"/>
-              </a:lnSpc>
-            </a:pPr>
-            <a:r>
-              <a:rPr lang="en-US" altLang="zh-CN" sz="2800" dirty="0">
-                <a:solidFill>
-                  <a:srgbClr val="2F4275"/>
-                </a:solidFill>
-                <a:latin typeface="Times New Roman" panose="02020603050405020304" pitchFamily="18" charset="0"/>
-                <a:ea typeface="汉仪旗黑-55简" panose="00020600040101010101" charset="-122"/>
-                <a:cs typeface="Times New Roman" panose="02020603050405020304" pitchFamily="18" charset="0"/>
-              </a:rPr>
-              <a:t>Design Patterns in Refactoring</a:t>
-            </a:r>
-            <a:endParaRPr lang="zh-CN" sz="2800" dirty="0">
-              <a:solidFill>
-                <a:srgbClr val="2F4275"/>
-              </a:solidFill>
-              <a:latin typeface="Times New Roman" panose="02020603050405020304" pitchFamily="18" charset="0"/>
-              <a:ea typeface="汉仪旗黑-55简" panose="00020600040101010101" charset="-122"/>
-              <a:cs typeface="Times New Roman" panose="02020603050405020304" pitchFamily="18" charset="0"/>
-            </a:endParaRPr>
-          </a:p>
-        </p:txBody>
-      </p:sp>
-      <p:sp>
-        <p:nvSpPr>
-          <p:cNvPr id="21" name="文本框 20"/>
-          <p:cNvSpPr txBox="1"/>
-          <p:nvPr/>
-        </p:nvSpPr>
-        <p:spPr>
-          <a:xfrm>
-            <a:off x="6146483" y="4154253"/>
-            <a:ext cx="4095453" cy="1081322"/>
-          </a:xfrm>
-          <a:prstGeom prst="rect">
-            <a:avLst/>
-          </a:prstGeom>
-          <a:noFill/>
-        </p:spPr>
-        <p:txBody>
-          <a:bodyPr wrap="square" rtlCol="0">
-            <a:spAutoFit/>
-          </a:bodyPr>
-          <a:lstStyle/>
-          <a:p>
-            <a:pPr algn="l">
-              <a:lnSpc>
-                <a:spcPct val="120000"/>
-              </a:lnSpc>
-            </a:pPr>
-            <a:r>
-              <a:rPr lang="en-US" altLang="zh-CN" sz="2800" dirty="0">
-                <a:solidFill>
-                  <a:srgbClr val="2F4275"/>
-                </a:solidFill>
-                <a:latin typeface="Times New Roman" panose="02020603050405020304" pitchFamily="18" charset="0"/>
-                <a:ea typeface="汉仪旗黑-55简" panose="00020600040101010101" charset="-122"/>
-                <a:cs typeface="Times New Roman" panose="02020603050405020304" pitchFamily="18" charset="0"/>
-              </a:rPr>
-              <a:t>Key Issues and Solutions in Refactoring</a:t>
-            </a:r>
-            <a:endParaRPr lang="zh-CN" sz="2800" dirty="0">
-              <a:solidFill>
-                <a:srgbClr val="2F4275"/>
-              </a:solidFill>
-              <a:latin typeface="Times New Roman" panose="02020603050405020304" pitchFamily="18" charset="0"/>
-              <a:ea typeface="汉仪旗黑-55简" panose="00020600040101010101" charset="-122"/>
-              <a:cs typeface="Times New Roman" panose="02020603050405020304" pitchFamily="18" charset="0"/>
-            </a:endParaRPr>
-          </a:p>
-        </p:txBody>
-      </p:sp>
-      <p:sp>
-        <p:nvSpPr>
-          <p:cNvPr id="14" name="菱形 13"/>
-          <p:cNvSpPr/>
-          <p:nvPr/>
-        </p:nvSpPr>
-        <p:spPr>
-          <a:xfrm>
-            <a:off x="5192078" y="1507555"/>
-            <a:ext cx="777240" cy="777240"/>
-          </a:xfrm>
-          <a:prstGeom prst="diamond">
-            <a:avLst/>
-          </a:prstGeom>
-          <a:solidFill>
-            <a:srgbClr val="2F4275"/>
-          </a:solidFill>
-          <a:ln>
-            <a:noFill/>
-          </a:ln>
-        </p:spPr>
-        <p:style>
-          <a:lnRef idx="2">
-            <a:schemeClr val="accent1">
-              <a:shade val="50000"/>
-            </a:schemeClr>
-          </a:lnRef>
-          <a:fillRef idx="1">
-            <a:schemeClr val="accent1"/>
-          </a:fillRef>
-          <a:effectRef idx="0">
-            <a:schemeClr val="accent1"/>
-          </a:effectRef>
-          <a:fontRef idx="minor">
-            <a:schemeClr val="lt1"/>
-          </a:fontRef>
-        </p:style>
-        <p:txBody>
-          <a:bodyPr rtlCol="0" anchor="ctr"/>
-          <a:lstStyle/>
-          <a:p>
-            <a:pPr algn="ctr"/>
-            <a:endParaRPr lang="zh-CN" altLang="en-US">
-              <a:cs typeface="汉仪旗黑-55简" panose="00020600040101010101" charset="-128"/>
-            </a:endParaRPr>
-          </a:p>
-        </p:txBody>
-      </p:sp>
-      <p:sp>
-        <p:nvSpPr>
-          <p:cNvPr id="28" name="文本框 27"/>
-          <p:cNvSpPr txBox="1"/>
-          <p:nvPr/>
-        </p:nvSpPr>
-        <p:spPr>
-          <a:xfrm>
-            <a:off x="5192078" y="1576135"/>
-            <a:ext cx="751205" cy="607695"/>
-          </a:xfrm>
-          <a:prstGeom prst="rect">
-            <a:avLst/>
-          </a:prstGeom>
-          <a:noFill/>
-        </p:spPr>
-        <p:txBody>
-          <a:bodyPr wrap="square" rtlCol="0">
-            <a:spAutoFit/>
-          </a:bodyPr>
-          <a:lstStyle/>
-          <a:p>
-            <a:pPr algn="ctr">
-              <a:lnSpc>
-                <a:spcPct val="120000"/>
-              </a:lnSpc>
-            </a:pPr>
-            <a:r>
-              <a:rPr lang="en-US" altLang="zh-CN" sz="2800" dirty="0">
-                <a:solidFill>
-                  <a:schemeClr val="bg1"/>
-                </a:solidFill>
-                <a:latin typeface="汉仪旗黑-55简" panose="00020600040101010101" charset="-122"/>
-                <a:ea typeface="汉仪旗黑-55简" panose="00020600040101010101" charset="-122"/>
-                <a:cs typeface="汉仪旗黑-55简" panose="00020600040101010101" charset="-128"/>
-                <a:sym typeface="汉仪旗黑-55简" panose="00020600040101010101" charset="-122"/>
-              </a:rPr>
-              <a:t>01</a:t>
-            </a:r>
-          </a:p>
-        </p:txBody>
-      </p:sp>
-      <p:sp>
-        <p:nvSpPr>
-          <p:cNvPr id="25" name="菱形 24"/>
-          <p:cNvSpPr/>
-          <p:nvPr/>
-        </p:nvSpPr>
-        <p:spPr>
-          <a:xfrm>
-            <a:off x="5192078" y="2845636"/>
-            <a:ext cx="777240" cy="777240"/>
-          </a:xfrm>
-          <a:prstGeom prst="diamond">
-            <a:avLst/>
-          </a:prstGeom>
-          <a:solidFill>
-            <a:srgbClr val="2F4275"/>
-          </a:solidFill>
-          <a:ln>
-            <a:noFill/>
-          </a:ln>
-        </p:spPr>
-        <p:style>
-          <a:lnRef idx="2">
-            <a:schemeClr val="accent1">
-              <a:shade val="50000"/>
-            </a:schemeClr>
-          </a:lnRef>
-          <a:fillRef idx="1">
-            <a:schemeClr val="accent1"/>
-          </a:fillRef>
-          <a:effectRef idx="0">
-            <a:schemeClr val="accent1"/>
-          </a:effectRef>
-          <a:fontRef idx="minor">
-            <a:schemeClr val="lt1"/>
-          </a:fontRef>
-        </p:style>
-        <p:txBody>
-          <a:bodyPr rtlCol="0" anchor="ctr"/>
-          <a:lstStyle/>
-          <a:p>
-            <a:pPr algn="ctr"/>
-            <a:endParaRPr lang="zh-CN" altLang="en-US">
-              <a:cs typeface="汉仪旗黑-55简" panose="00020600040101010101" charset="-128"/>
-            </a:endParaRPr>
-          </a:p>
-        </p:txBody>
-      </p:sp>
-      <p:sp>
-        <p:nvSpPr>
-          <p:cNvPr id="30" name="文本框 29"/>
-          <p:cNvSpPr txBox="1"/>
-          <p:nvPr/>
-        </p:nvSpPr>
-        <p:spPr>
-          <a:xfrm>
-            <a:off x="5192078" y="2914216"/>
-            <a:ext cx="751205" cy="607695"/>
-          </a:xfrm>
-          <a:prstGeom prst="rect">
-            <a:avLst/>
-          </a:prstGeom>
-          <a:noFill/>
-        </p:spPr>
-        <p:txBody>
-          <a:bodyPr wrap="square" rtlCol="0">
-            <a:spAutoFit/>
-          </a:bodyPr>
-          <a:lstStyle/>
-          <a:p>
-            <a:pPr algn="ctr">
-              <a:lnSpc>
-                <a:spcPct val="120000"/>
-              </a:lnSpc>
-            </a:pPr>
-            <a:r>
-              <a:rPr lang="en-US" altLang="zh-CN" sz="2800" dirty="0">
-                <a:solidFill>
-                  <a:schemeClr val="bg1"/>
-                </a:solidFill>
-                <a:latin typeface="汉仪旗黑-55简" panose="00020600040101010101" charset="-122"/>
-                <a:ea typeface="汉仪旗黑-55简" panose="00020600040101010101" charset="-122"/>
-                <a:cs typeface="汉仪旗黑-55简" panose="00020600040101010101" charset="-128"/>
-                <a:sym typeface="汉仪旗黑-55简" panose="00020600040101010101" charset="-122"/>
-              </a:rPr>
-              <a:t>02</a:t>
-            </a:r>
-          </a:p>
-        </p:txBody>
-      </p:sp>
-      <p:sp>
-        <p:nvSpPr>
-          <p:cNvPr id="32" name="菱形 31"/>
-          <p:cNvSpPr/>
-          <p:nvPr/>
-        </p:nvSpPr>
-        <p:spPr>
-          <a:xfrm>
-            <a:off x="5192078" y="4198068"/>
-            <a:ext cx="777240" cy="777240"/>
-          </a:xfrm>
-          <a:prstGeom prst="diamond">
-            <a:avLst/>
-          </a:prstGeom>
-          <a:solidFill>
-            <a:srgbClr val="2F4275"/>
-          </a:solidFill>
-          <a:ln>
-            <a:noFill/>
-          </a:ln>
-        </p:spPr>
-        <p:style>
-          <a:lnRef idx="2">
-            <a:schemeClr val="accent1">
-              <a:shade val="50000"/>
-            </a:schemeClr>
-          </a:lnRef>
-          <a:fillRef idx="1">
-            <a:schemeClr val="accent1"/>
-          </a:fillRef>
-          <a:effectRef idx="0">
-            <a:schemeClr val="accent1"/>
-          </a:effectRef>
-          <a:fontRef idx="minor">
-            <a:schemeClr val="lt1"/>
-          </a:fontRef>
-        </p:style>
-        <p:txBody>
-          <a:bodyPr rtlCol="0" anchor="ctr"/>
-          <a:lstStyle/>
-          <a:p>
-            <a:pPr algn="ctr"/>
-            <a:endParaRPr lang="zh-CN" altLang="en-US">
-              <a:cs typeface="汉仪旗黑-55简" panose="00020600040101010101" charset="-128"/>
-            </a:endParaRPr>
-          </a:p>
-        </p:txBody>
-      </p:sp>
-      <p:sp>
-        <p:nvSpPr>
-          <p:cNvPr id="33" name="文本框 32"/>
-          <p:cNvSpPr txBox="1"/>
-          <p:nvPr/>
-        </p:nvSpPr>
-        <p:spPr>
-          <a:xfrm>
-            <a:off x="5192078" y="4266648"/>
-            <a:ext cx="751205" cy="581313"/>
-          </a:xfrm>
-          <a:prstGeom prst="rect">
-            <a:avLst/>
-          </a:prstGeom>
-          <a:noFill/>
-        </p:spPr>
-        <p:txBody>
-          <a:bodyPr wrap="square" rtlCol="0">
-            <a:spAutoFit/>
-          </a:bodyPr>
-          <a:lstStyle/>
-          <a:p>
-            <a:pPr algn="ctr">
-              <a:lnSpc>
-                <a:spcPct val="120000"/>
-              </a:lnSpc>
-            </a:pPr>
-            <a:r>
-              <a:rPr lang="en-US" altLang="zh-CN" sz="2800" dirty="0">
-                <a:solidFill>
-                  <a:schemeClr val="bg1"/>
-                </a:solidFill>
-                <a:latin typeface="汉仪旗黑-55简" panose="00020600040101010101" charset="-122"/>
-                <a:ea typeface="汉仪旗黑-55简" panose="00020600040101010101" charset="-122"/>
-                <a:cs typeface="汉仪旗黑-55简" panose="00020600040101010101" charset="-128"/>
-                <a:sym typeface="汉仪旗黑-55简" panose="00020600040101010101" charset="-122"/>
-              </a:rPr>
-              <a:t>03</a:t>
-            </a:r>
-          </a:p>
-        </p:txBody>
-      </p:sp>
-    </p:spTree>
-  </p:cSld>
-  <p:clrMapOvr>
-    <a:masterClrMapping/>
-  </p:clrMapOvr>
-</p:sld>
-</file>
-
-<file path=ppt/slides/slide20.xml><?xml version="1.0" encoding="utf-8"?>
+<file path=ppt/slides/slide21.xml><?xml version="1.0" encoding="utf-8"?>
 <p:sld xmlns:a="http://schemas.openxmlformats.org/drawingml/2006/main" xmlns:r="http://schemas.openxmlformats.org/officeDocument/2006/relationships" xmlns:p="http://schemas.openxmlformats.org/presentationml/2006/main">
   <p:cSld>
     <p:spTree>
@@ -31728,7 +32440,7 @@
 </p:sld>
 </file>
 
-<file path=ppt/slides/slide21.xml><?xml version="1.0" encoding="utf-8"?>
+<file path=ppt/slides/slide22.xml><?xml version="1.0" encoding="utf-8"?>
 <p:sld xmlns:a="http://schemas.openxmlformats.org/drawingml/2006/main" xmlns:r="http://schemas.openxmlformats.org/officeDocument/2006/relationships" xmlns:p="http://schemas.openxmlformats.org/presentationml/2006/main">
   <p:cSld>
     <p:spTree>
@@ -41833,49 +42545,6 @@
       </p:sp>
       <p:sp>
         <p:nvSpPr>
-          <p:cNvPr id="27" name="文本框 26">
-            <a:extLst>
-              <a:ext uri="{FF2B5EF4-FFF2-40B4-BE49-F238E27FC236}">
-                <a16:creationId xmlns:a16="http://schemas.microsoft.com/office/drawing/2014/main" id="{11A0C5AF-7E1B-A5C7-10B9-817350E5A4FA}"/>
-              </a:ext>
-            </a:extLst>
-          </p:cNvPr>
-          <p:cNvSpPr txBox="1"/>
-          <p:nvPr/>
-        </p:nvSpPr>
-        <p:spPr>
-          <a:xfrm>
-            <a:off x="1513519" y="934603"/>
-            <a:ext cx="3249738" cy="369332"/>
-          </a:xfrm>
-          <a:prstGeom prst="rect">
-            <a:avLst/>
-          </a:prstGeom>
-          <a:noFill/>
-        </p:spPr>
-        <p:txBody>
-          <a:bodyPr wrap="square">
-            <a:spAutoFit/>
-          </a:bodyPr>
-          <a:lstStyle/>
-          <a:p>
-            <a:pPr algn="ctr"/>
-            <a:r>
-              <a:rPr lang="en-US" altLang="zh-CN" dirty="0">
-                <a:latin typeface="Times New Roman" panose="02020603050405020304" pitchFamily="18" charset="0"/>
-                <a:cs typeface="Times New Roman" panose="02020603050405020304" pitchFamily="18" charset="0"/>
-              </a:rPr>
-              <a:t>Class diagram of Decorator</a:t>
-            </a:r>
-            <a:endParaRPr lang="zh-CN" altLang="en-US" dirty="0">
-              <a:latin typeface="Times New Roman" panose="02020603050405020304" pitchFamily="18" charset="0"/>
-              <a:cs typeface="Times New Roman" panose="02020603050405020304" pitchFamily="18" charset="0"/>
-            </a:endParaRPr>
-          </a:p>
-        </p:txBody>
-      </p:sp>
-      <p:sp>
-        <p:nvSpPr>
           <p:cNvPr id="43" name="文本框 42">
             <a:extLst>
               <a:ext uri="{FF2B5EF4-FFF2-40B4-BE49-F238E27FC236}">
@@ -41888,7 +42557,7 @@
         </p:nvSpPr>
         <p:spPr>
           <a:xfrm>
-            <a:off x="7836637" y="934603"/>
+            <a:off x="1314449" y="1111336"/>
             <a:ext cx="3249738" cy="369332"/>
           </a:xfrm>
           <a:prstGeom prst="rect">
@@ -41919,10 +42588,10 @@
       </p:sp>
       <p:pic>
         <p:nvPicPr>
-          <p:cNvPr id="4" name="图片 3">
+          <p:cNvPr id="8" name="图片 7">
             <a:extLst>
               <a:ext uri="{FF2B5EF4-FFF2-40B4-BE49-F238E27FC236}">
-                <a16:creationId xmlns:a16="http://schemas.microsoft.com/office/drawing/2014/main" id="{162E58AC-2981-7673-3165-DA724DA3482B}"/>
+                <a16:creationId xmlns:a16="http://schemas.microsoft.com/office/drawing/2014/main" id="{27717046-59DE-7AD6-4B67-2D7739A43AE1}"/>
               </a:ext>
             </a:extLst>
           </p:cNvPr>
@@ -41939,37 +42608,7 @@
         </p:blipFill>
         <p:spPr>
           <a:xfrm>
-            <a:off x="357818" y="1314578"/>
-            <a:ext cx="5216245" cy="4990129"/>
-          </a:xfrm>
-          <a:prstGeom prst="rect">
-            <a:avLst/>
-          </a:prstGeom>
-        </p:spPr>
-      </p:pic>
-      <p:pic>
-        <p:nvPicPr>
-          <p:cNvPr id="8" name="图片 7">
-            <a:extLst>
-              <a:ext uri="{FF2B5EF4-FFF2-40B4-BE49-F238E27FC236}">
-                <a16:creationId xmlns:a16="http://schemas.microsoft.com/office/drawing/2014/main" id="{27717046-59DE-7AD6-4B67-2D7739A43AE1}"/>
-              </a:ext>
-            </a:extLst>
-          </p:cNvPr>
-          <p:cNvPicPr>
-            <a:picLocks noChangeAspect="1"/>
-          </p:cNvPicPr>
-          <p:nvPr/>
-        </p:nvPicPr>
-        <p:blipFill>
-          <a:blip r:embed="rId3"/>
-          <a:stretch>
-            <a:fillRect/>
-          </a:stretch>
-        </p:blipFill>
-        <p:spPr>
-          <a:xfrm>
-            <a:off x="6540250" y="1314578"/>
+            <a:off x="547312" y="1480668"/>
             <a:ext cx="5216245" cy="5006975"/>
           </a:xfrm>
           <a:prstGeom prst="rect">
@@ -41977,6 +42616,144 @@
           </a:prstGeom>
         </p:spPr>
       </p:pic>
+      <p:sp>
+        <p:nvSpPr>
+          <p:cNvPr id="3" name="文本框 2">
+            <a:extLst>
+              <a:ext uri="{FF2B5EF4-FFF2-40B4-BE49-F238E27FC236}">
+                <a16:creationId xmlns:a16="http://schemas.microsoft.com/office/drawing/2014/main" id="{D0142C9C-31F8-6F00-B646-EEAF01CFCC72}"/>
+              </a:ext>
+            </a:extLst>
+          </p:cNvPr>
+          <p:cNvSpPr txBox="1"/>
+          <p:nvPr/>
+        </p:nvSpPr>
+        <p:spPr>
+          <a:xfrm>
+            <a:off x="7257737" y="1111336"/>
+            <a:ext cx="3249738" cy="369332"/>
+          </a:xfrm>
+          <a:prstGeom prst="rect">
+            <a:avLst/>
+          </a:prstGeom>
+          <a:noFill/>
+        </p:spPr>
+        <p:txBody>
+          <a:bodyPr wrap="square">
+            <a:spAutoFit/>
+          </a:bodyPr>
+          <a:lstStyle/>
+          <a:p>
+            <a:pPr algn="ctr"/>
+            <a:r>
+              <a:rPr lang="en-US" altLang="zh-CN" dirty="0">
+                <a:latin typeface="Times New Roman" panose="02020603050405020304" pitchFamily="18" charset="0"/>
+                <a:cs typeface="Times New Roman" panose="02020603050405020304" pitchFamily="18" charset="0"/>
+              </a:rPr>
+              <a:t>Issues or Reason for Refactoring</a:t>
+            </a:r>
+            <a:endParaRPr lang="zh-CN" altLang="en-US" dirty="0">
+              <a:latin typeface="Times New Roman" panose="02020603050405020304" pitchFamily="18" charset="0"/>
+              <a:cs typeface="Times New Roman" panose="02020603050405020304" pitchFamily="18" charset="0"/>
+            </a:endParaRPr>
+          </a:p>
+        </p:txBody>
+      </p:sp>
+      <p:sp>
+        <p:nvSpPr>
+          <p:cNvPr id="7" name="文本框 6">
+            <a:extLst>
+              <a:ext uri="{FF2B5EF4-FFF2-40B4-BE49-F238E27FC236}">
+                <a16:creationId xmlns:a16="http://schemas.microsoft.com/office/drawing/2014/main" id="{07615A64-2E1F-46AB-64B3-0B23921A61DE}"/>
+              </a:ext>
+            </a:extLst>
+          </p:cNvPr>
+          <p:cNvSpPr txBox="1"/>
+          <p:nvPr/>
+        </p:nvSpPr>
+        <p:spPr>
+          <a:xfrm>
+            <a:off x="6578417" y="1659170"/>
+            <a:ext cx="5002475" cy="4110741"/>
+          </a:xfrm>
+          <a:prstGeom prst="rect">
+            <a:avLst/>
+          </a:prstGeom>
+          <a:noFill/>
+        </p:spPr>
+        <p:txBody>
+          <a:bodyPr wrap="square">
+            <a:spAutoFit/>
+          </a:bodyPr>
+          <a:lstStyle/>
+          <a:p>
+            <a:pPr>
+              <a:lnSpc>
+                <a:spcPct val="150000"/>
+              </a:lnSpc>
+            </a:pPr>
+            <a:r>
+              <a:rPr lang="en-US" altLang="zh-CN" sz="1600" dirty="0">
+                <a:solidFill>
+                  <a:srgbClr val="FF0000"/>
+                </a:solidFill>
+                <a:latin typeface="Times New Roman" panose="02020603050405020304" pitchFamily="18" charset="0"/>
+                <a:cs typeface="Times New Roman" panose="02020603050405020304" pitchFamily="18" charset="0"/>
+              </a:rPr>
+              <a:t>Rigid Structure: </a:t>
+            </a:r>
+          </a:p>
+          <a:p>
+            <a:pPr>
+              <a:lnSpc>
+                <a:spcPct val="150000"/>
+              </a:lnSpc>
+            </a:pPr>
+            <a:r>
+              <a:rPr lang="en-US" altLang="zh-CN" sz="1600" dirty="0">
+                <a:latin typeface="Times New Roman" panose="02020603050405020304" pitchFamily="18" charset="0"/>
+                <a:cs typeface="Times New Roman" panose="02020603050405020304" pitchFamily="18" charset="0"/>
+              </a:rPr>
+              <a:t>        If new attack types or combinations (e.g., an explosive bullet with poison damage) need to be implemented, the system requires the creation of new subclasses for each combination. This results in a proliferation of subclasses, making the system harder to manage and extend.</a:t>
+            </a:r>
+          </a:p>
+          <a:p>
+            <a:pPr>
+              <a:lnSpc>
+                <a:spcPct val="150000"/>
+              </a:lnSpc>
+            </a:pPr>
+            <a:r>
+              <a:rPr lang="en-US" altLang="zh-CN" sz="1600" dirty="0">
+                <a:solidFill>
+                  <a:srgbClr val="FF0000"/>
+                </a:solidFill>
+                <a:latin typeface="Times New Roman" panose="02020603050405020304" pitchFamily="18" charset="0"/>
+                <a:cs typeface="Times New Roman" panose="02020603050405020304" pitchFamily="18" charset="0"/>
+              </a:rPr>
+              <a:t>Limited Flexibility:</a:t>
+            </a:r>
+          </a:p>
+          <a:p>
+            <a:pPr>
+              <a:lnSpc>
+                <a:spcPct val="150000"/>
+              </a:lnSpc>
+            </a:pPr>
+            <a:r>
+              <a:rPr lang="en-US" altLang="zh-CN" sz="1600" dirty="0">
+                <a:latin typeface="Times New Roman" panose="02020603050405020304" pitchFamily="18" charset="0"/>
+                <a:cs typeface="Times New Roman" panose="02020603050405020304" pitchFamily="18" charset="0"/>
+              </a:rPr>
+              <a:t>        Inheritance tightly couples behaviors to specific subclasses, making it difficult to dynamically change or combine behaviors during runtime.</a:t>
+            </a:r>
+            <a:endParaRPr lang="zh-CN" altLang="en-US" sz="1600" dirty="0">
+              <a:latin typeface="Times New Roman" panose="02020603050405020304" pitchFamily="18" charset="0"/>
+              <a:cs typeface="Times New Roman" panose="02020603050405020304" pitchFamily="18" charset="0"/>
+            </a:endParaRPr>
+          </a:p>
+        </p:txBody>
+      </p:sp>
     </p:spTree>
     <p:extLst>
       <p:ext uri="{BB962C8B-B14F-4D97-AF65-F5344CB8AC3E}">

--- a/文档/DesignPattern.pptx
+++ b/文档/DesignPattern.pptx
@@ -7895,7 +7895,7 @@
         </p:nvSpPr>
         <p:spPr>
           <a:xfrm>
-            <a:off x="6633581" y="691508"/>
+            <a:off x="6676840" y="907793"/>
             <a:ext cx="1434348" cy="461665"/>
           </a:xfrm>
           <a:prstGeom prst="rect">
@@ -7938,8 +7938,8 @@
         </p:nvSpPr>
         <p:spPr>
           <a:xfrm>
-            <a:off x="6913993" y="1107006"/>
-            <a:ext cx="5113555" cy="2948884"/>
+            <a:off x="6957252" y="1323291"/>
+            <a:ext cx="5113555" cy="2641108"/>
           </a:xfrm>
           <a:prstGeom prst="rect">
             <a:avLst/>
@@ -7965,42 +7965,14 @@
                 <a:latin typeface="Times New Roman" panose="02020603050405020304" pitchFamily="18" charset="0"/>
                 <a:cs typeface="Times New Roman" panose="02020603050405020304" pitchFamily="18" charset="0"/>
               </a:rPr>
-              <a:t>Reduce Code Duplication. </a:t>
+              <a:t>Lack of Unified Interface. </a:t>
             </a:r>
             <a:r>
               <a:rPr lang="en-US" altLang="zh-CN" sz="1600" dirty="0">
                 <a:latin typeface="Times New Roman" panose="02020603050405020304" pitchFamily="18" charset="0"/>
                 <a:cs typeface="Times New Roman" panose="02020603050405020304" pitchFamily="18" charset="0"/>
               </a:rPr>
-              <a:t>Common logic like </a:t>
-            </a:r>
-            <a:r>
-              <a:rPr lang="en-US" altLang="zh-CN" sz="1600" dirty="0" err="1">
-                <a:latin typeface="Times New Roman" panose="02020603050405020304" pitchFamily="18" charset="0"/>
-                <a:cs typeface="Times New Roman" panose="02020603050405020304" pitchFamily="18" charset="0"/>
-              </a:rPr>
-              <a:t>backgroundInit</a:t>
-            </a:r>
-            <a:r>
-              <a:rPr lang="en-US" altLang="zh-CN" sz="1600" dirty="0">
-                <a:latin typeface="Times New Roman" panose="02020603050405020304" pitchFamily="18" charset="0"/>
-                <a:cs typeface="Times New Roman" panose="02020603050405020304" pitchFamily="18" charset="0"/>
-              </a:rPr>
-              <a:t>() and </a:t>
-            </a:r>
-            <a:r>
-              <a:rPr lang="en-US" altLang="zh-CN" sz="1600" dirty="0" err="1">
-                <a:latin typeface="Times New Roman" panose="02020603050405020304" pitchFamily="18" charset="0"/>
-                <a:cs typeface="Times New Roman" panose="02020603050405020304" pitchFamily="18" charset="0"/>
-              </a:rPr>
-              <a:t>uiInit</a:t>
-            </a:r>
-            <a:r>
-              <a:rPr lang="en-US" altLang="zh-CN" sz="1600" dirty="0">
-                <a:latin typeface="Times New Roman" panose="02020603050405020304" pitchFamily="18" charset="0"/>
-                <a:cs typeface="Times New Roman" panose="02020603050405020304" pitchFamily="18" charset="0"/>
-              </a:rPr>
-              <a:t>() can be centralized in the parent class, avoiding repetitive code in subclasses.</a:t>
+              <a:t>The level classes don’t have a consistent initialization interface, increasing differences and the risk of errors.</a:t>
             </a:r>
           </a:p>
           <a:p>
@@ -8017,14 +7989,14 @@
                 <a:latin typeface="Times New Roman" panose="02020603050405020304" pitchFamily="18" charset="0"/>
                 <a:cs typeface="Times New Roman" panose="02020603050405020304" pitchFamily="18" charset="0"/>
               </a:rPr>
-              <a:t>Improve Maintainability. </a:t>
+              <a:t>Unclear Control Flow. </a:t>
             </a:r>
             <a:r>
               <a:rPr lang="en-US" altLang="zh-CN" sz="1600" dirty="0">
                 <a:latin typeface="Times New Roman" panose="02020603050405020304" pitchFamily="18" charset="0"/>
                 <a:cs typeface="Times New Roman" panose="02020603050405020304" pitchFamily="18" charset="0"/>
               </a:rPr>
-              <a:t>Changes to shared logic only need to be made in the parent class, reducing errors and effort.</a:t>
+              <a:t>Each level handles its own initialization, making the code messy and error-prone.</a:t>
             </a:r>
           </a:p>
           <a:p>
@@ -8041,14 +8013,14 @@
                 <a:latin typeface="Times New Roman" panose="02020603050405020304" pitchFamily="18" charset="0"/>
                 <a:cs typeface="Times New Roman" panose="02020603050405020304" pitchFamily="18" charset="0"/>
               </a:rPr>
-              <a:t>Enhance Code Extensibility. </a:t>
+              <a:t>Difficult to Modify Initialization. </a:t>
             </a:r>
             <a:r>
               <a:rPr lang="en-US" altLang="zh-CN" sz="1600" dirty="0">
                 <a:latin typeface="Times New Roman" panose="02020603050405020304" pitchFamily="18" charset="0"/>
                 <a:cs typeface="Times New Roman" panose="02020603050405020304" pitchFamily="18" charset="0"/>
               </a:rPr>
-              <a:t>Adding new levels only requires overriding specific methods without redesigning the entire process.</a:t>
+              <a:t>Changing the initialization process requires modifying each level individually, which is time-consuming and hard to maintain.</a:t>
             </a:r>
             <a:endParaRPr lang="zh-CN" altLang="en-US" sz="1600" dirty="0">
               <a:latin typeface="Times New Roman" panose="02020603050405020304" pitchFamily="18" charset="0"/>
@@ -8233,8 +8205,8 @@
         </p:nvSpPr>
         <p:spPr>
           <a:xfrm>
-            <a:off x="6906734" y="1153173"/>
-            <a:ext cx="5041557" cy="2856551"/>
+            <a:off x="6949993" y="1369458"/>
+            <a:ext cx="5041557" cy="2594941"/>
           </a:xfrm>
           <a:prstGeom prst="rect">
             <a:avLst/>
@@ -11563,7 +11535,7 @@
                 <a:ea typeface="思源黑体 CN Normal" panose="020B0400000000000000" pitchFamily="34" charset="-122"/>
                 <a:sym typeface="思源黑体 CN Normal" panose="020B0400000000000000" pitchFamily="34" charset="-122"/>
               </a:rPr>
-              <a:t>Class Hierarchy Rigidity</a:t>
+              <a:t>The Flyweight of Bullet </a:t>
             </a:r>
             <a:endParaRPr lang="zh-CN" altLang="en-US" sz="2200" b="1" dirty="0">
               <a:solidFill>
@@ -11591,7 +11563,7 @@
         <p:spPr>
           <a:xfrm>
             <a:off x="622300" y="1682488"/>
-            <a:ext cx="3813046" cy="2264081"/>
+            <a:ext cx="3813046" cy="4110741"/>
           </a:xfrm>
           <a:prstGeom prst="rect">
             <a:avLst/>
@@ -11717,7 +11689,7 @@
                 <a:cs typeface="Times New Roman" panose="02020603050405020304" pitchFamily="18" charset="0"/>
                 <a:sym typeface="思源黑体 CN Normal" panose="020B0400000000000000" pitchFamily="34" charset="-122"/>
               </a:rPr>
-              <a:t>Over-reliance on inheritance caused a bloated and inflexible class structure.</a:t>
+              <a:t>In the Flyweight pattern, since bullet needs to inherit Cocos' sprite class and properties like position are stored in the base class, the entire sprite cannot be shared directly.</a:t>
             </a:r>
           </a:p>
           <a:p>
@@ -11740,7 +11712,7 @@
                 <a:cs typeface="Times New Roman" panose="02020603050405020304" pitchFamily="18" charset="0"/>
                 <a:sym typeface="思源黑体 CN Normal" panose="020B0400000000000000" pitchFamily="34" charset="-122"/>
               </a:rPr>
-              <a:t>Used Decorator Pattern to dynamically add or combine behaviors, reducing class complexity and improving scalability.</a:t>
+              <a:t>Only the shared part of the bullet, i.e., the texture, can be shared. A texture pool is created to manage the shared textures for all bullets. Different bullet objects will use the same texture when created.</a:t>
             </a:r>
           </a:p>
         </p:txBody>
@@ -11805,7 +11777,7 @@
         </p:nvSpPr>
         <p:spPr>
           <a:xfrm>
-            <a:off x="325116" y="4285602"/>
+            <a:off x="8036122" y="1117337"/>
             <a:ext cx="460422" cy="460422"/>
           </a:xfrm>
           <a:prstGeom prst="ellipse">
@@ -11863,8 +11835,8 @@
         </p:nvSpPr>
         <p:spPr>
           <a:xfrm>
-            <a:off x="594665" y="4204821"/>
-            <a:ext cx="2692083" cy="540000"/>
+            <a:off x="8305671" y="1036556"/>
+            <a:ext cx="3422513" cy="540000"/>
           </a:xfrm>
           <a:prstGeom prst="rect">
             <a:avLst/>
@@ -11971,7 +11943,7 @@
                 <a:ea typeface="思源黑体 CN Normal" panose="020B0400000000000000" pitchFamily="34" charset="-122"/>
                 <a:sym typeface="思源黑体 CN Normal" panose="020B0400000000000000" pitchFamily="34" charset="-122"/>
               </a:rPr>
-              <a:t>High Coupling</a:t>
+              <a:t>Tower cannot attack</a:t>
             </a:r>
             <a:endParaRPr lang="zh-CN" altLang="en-US" sz="2200" b="1" dirty="0">
               <a:solidFill>
@@ -11998,8 +11970,8 @@
         </p:nvSpPr>
         <p:spPr>
           <a:xfrm>
-            <a:off x="671447" y="4842823"/>
-            <a:ext cx="3683465" cy="1525418"/>
+            <a:off x="8382453" y="1674558"/>
+            <a:ext cx="3683465" cy="4110741"/>
           </a:xfrm>
           <a:prstGeom prst="rect">
             <a:avLst/>
@@ -12125,7 +12097,7 @@
                 <a:cs typeface="Times New Roman" panose="02020603050405020304" pitchFamily="18" charset="0"/>
                 <a:sym typeface="思源黑体 CN Normal" panose="020B0400000000000000" pitchFamily="34" charset="-122"/>
               </a:rPr>
-              <a:t>Tight coupling between components like Tower and Enemy.</a:t>
+              <a:t>When a new Tower is created, it cannot attack enemies that have already entered the field.</a:t>
             </a:r>
           </a:p>
           <a:p>
@@ -12148,7 +12120,23 @@
                 <a:cs typeface="Times New Roman" panose="02020603050405020304" pitchFamily="18" charset="0"/>
                 <a:sym typeface="思源黑体 CN Normal" panose="020B0400000000000000" pitchFamily="34" charset="-122"/>
               </a:rPr>
-              <a:t>Applied Observer Pattern to decouple and improve modularity.</a:t>
+              <a:t>When a new Tower is created, it should be able to detect the enemies already present on the field. Therefore, when the Tower is created, the </a:t>
+            </a:r>
+            <a:r>
+              <a:rPr lang="en-US" altLang="zh-CN" sz="1600" dirty="0" err="1">
+                <a:latin typeface="Times New Roman" panose="02020603050405020304" pitchFamily="18" charset="0"/>
+                <a:cs typeface="Times New Roman" panose="02020603050405020304" pitchFamily="18" charset="0"/>
+                <a:sym typeface="思源黑体 CN Normal" panose="020B0400000000000000" pitchFamily="34" charset="-122"/>
+              </a:rPr>
+              <a:t>NotifyManager</a:t>
+            </a:r>
+            <a:r>
+              <a:rPr lang="en-US" altLang="zh-CN" sz="1600" dirty="0">
+                <a:latin typeface="Times New Roman" panose="02020603050405020304" pitchFamily="18" charset="0"/>
+                <a:cs typeface="Times New Roman" panose="02020603050405020304" pitchFamily="18" charset="0"/>
+                <a:sym typeface="思源黑体 CN Normal" panose="020B0400000000000000" pitchFamily="34" charset="-122"/>
+              </a:rPr>
+              <a:t> will notify the tower of enemies’ presence, allowing it to become aware of them and immediately start tracking and attacking.</a:t>
             </a:r>
           </a:p>
         </p:txBody>
@@ -12169,823 +12157,7 @@
         </p:nvCxnSpPr>
         <p:spPr>
           <a:xfrm>
-            <a:off x="894846" y="4758139"/>
-            <a:ext cx="1647422" cy="0"/>
-          </a:xfrm>
-          <a:prstGeom prst="line">
-            <a:avLst/>
-          </a:prstGeom>
-          <a:ln w="25400">
-            <a:solidFill>
-              <a:schemeClr val="tx2">
-                <a:lumMod val="40000"/>
-                <a:lumOff val="60000"/>
-              </a:schemeClr>
-            </a:solidFill>
-          </a:ln>
-        </p:spPr>
-        <p:style>
-          <a:lnRef idx="1">
-            <a:schemeClr val="accent1"/>
-          </a:lnRef>
-          <a:fillRef idx="0">
-            <a:schemeClr val="accent1"/>
-          </a:fillRef>
-          <a:effectRef idx="0">
-            <a:schemeClr val="accent1"/>
-          </a:effectRef>
-          <a:fontRef idx="minor">
-            <a:schemeClr val="tx1"/>
-          </a:fontRef>
-        </p:style>
-      </p:cxnSp>
-      <p:sp>
-        <p:nvSpPr>
-          <p:cNvPr id="33" name="椭圆 32">
-            <a:extLst>
-              <a:ext uri="{FF2B5EF4-FFF2-40B4-BE49-F238E27FC236}">
-                <a16:creationId xmlns:a16="http://schemas.microsoft.com/office/drawing/2014/main" id="{DC80DB7F-ABFA-DBD1-0AEB-25B59658D7C1}"/>
-              </a:ext>
-            </a:extLst>
-          </p:cNvPr>
-          <p:cNvSpPr/>
-          <p:nvPr/>
-        </p:nvSpPr>
-        <p:spPr>
-          <a:xfrm>
-            <a:off x="10912715" y="1076345"/>
-            <a:ext cx="460422" cy="460422"/>
-          </a:xfrm>
-          <a:prstGeom prst="ellipse">
-            <a:avLst/>
-          </a:prstGeom>
-          <a:solidFill>
-            <a:schemeClr val="bg2">
-              <a:lumMod val="90000"/>
-            </a:schemeClr>
-          </a:solidFill>
-          <a:ln>
-            <a:noFill/>
-          </a:ln>
-        </p:spPr>
-        <p:style>
-          <a:lnRef idx="2">
-            <a:schemeClr val="accent1">
-              <a:shade val="15000"/>
-            </a:schemeClr>
-          </a:lnRef>
-          <a:fillRef idx="1">
-            <a:schemeClr val="accent1"/>
-          </a:fillRef>
-          <a:effectRef idx="0">
-            <a:schemeClr val="accent1"/>
-          </a:effectRef>
-          <a:fontRef idx="minor">
-            <a:schemeClr val="lt1"/>
-          </a:fontRef>
-        </p:style>
-        <p:txBody>
-          <a:bodyPr rtlCol="0" anchor="ctr"/>
-          <a:lstStyle/>
-          <a:p>
-            <a:pPr algn="ctr"/>
-            <a:r>
-              <a:rPr lang="en-US" altLang="zh-CN" dirty="0"/>
-              <a:t>3</a:t>
-            </a:r>
-            <a:endParaRPr lang="zh-CN" altLang="en-US" dirty="0"/>
-          </a:p>
-        </p:txBody>
-      </p:sp>
-      <p:sp>
-        <p:nvSpPr>
-          <p:cNvPr id="34" name="文本框 82">
-            <a:extLst>
-              <a:ext uri="{FF2B5EF4-FFF2-40B4-BE49-F238E27FC236}">
-                <a16:creationId xmlns:a16="http://schemas.microsoft.com/office/drawing/2014/main" id="{BD8AB73E-4AD2-C958-97B9-D8E090D87252}"/>
-              </a:ext>
-            </a:extLst>
-          </p:cNvPr>
-          <p:cNvSpPr txBox="1"/>
-          <p:nvPr/>
-        </p:nvSpPr>
-        <p:spPr>
-          <a:xfrm>
-            <a:off x="8585188" y="1036556"/>
-            <a:ext cx="2557738" cy="540000"/>
-          </a:xfrm>
-          <a:prstGeom prst="rect">
-            <a:avLst/>
-          </a:prstGeom>
-          <a:noFill/>
-          <a:ln>
-            <a:noFill/>
-          </a:ln>
-          <a:effectLst/>
-        </p:spPr>
-        <p:style>
-          <a:lnRef idx="2">
-            <a:schemeClr val="accent1">
-              <a:shade val="50000"/>
-            </a:schemeClr>
-          </a:lnRef>
-          <a:fillRef idx="1">
-            <a:schemeClr val="accent1"/>
-          </a:fillRef>
-          <a:effectRef idx="0">
-            <a:schemeClr val="accent1"/>
-          </a:effectRef>
-          <a:fontRef idx="minor">
-            <a:schemeClr val="lt1"/>
-          </a:fontRef>
-        </p:style>
-        <p:txBody>
-          <a:bodyPr rtlCol="0" anchor="ctr"/>
-          <a:lstStyle>
-            <a:defPPr>
-              <a:defRPr lang="zh-CN"/>
-            </a:defPPr>
-            <a:lvl1pPr algn="ctr">
-              <a:defRPr>
-                <a:solidFill>
-                  <a:schemeClr val="lt1"/>
-                </a:solidFill>
-              </a:defRPr>
-            </a:lvl1pPr>
-            <a:lvl2pPr>
-              <a:defRPr>
-                <a:solidFill>
-                  <a:schemeClr val="lt1"/>
-                </a:solidFill>
-              </a:defRPr>
-            </a:lvl2pPr>
-            <a:lvl3pPr>
-              <a:defRPr>
-                <a:solidFill>
-                  <a:schemeClr val="lt1"/>
-                </a:solidFill>
-              </a:defRPr>
-            </a:lvl3pPr>
-            <a:lvl4pPr>
-              <a:defRPr>
-                <a:solidFill>
-                  <a:schemeClr val="lt1"/>
-                </a:solidFill>
-              </a:defRPr>
-            </a:lvl4pPr>
-            <a:lvl5pPr>
-              <a:defRPr>
-                <a:solidFill>
-                  <a:schemeClr val="lt1"/>
-                </a:solidFill>
-              </a:defRPr>
-            </a:lvl5pPr>
-            <a:lvl6pPr>
-              <a:defRPr>
-                <a:solidFill>
-                  <a:schemeClr val="lt1"/>
-                </a:solidFill>
-              </a:defRPr>
-            </a:lvl6pPr>
-            <a:lvl7pPr>
-              <a:defRPr>
-                <a:solidFill>
-                  <a:schemeClr val="lt1"/>
-                </a:solidFill>
-              </a:defRPr>
-            </a:lvl7pPr>
-            <a:lvl8pPr>
-              <a:defRPr>
-                <a:solidFill>
-                  <a:schemeClr val="lt1"/>
-                </a:solidFill>
-              </a:defRPr>
-            </a:lvl8pPr>
-            <a:lvl9pPr>
-              <a:defRPr>
-                <a:solidFill>
-                  <a:schemeClr val="lt1"/>
-                </a:solidFill>
-              </a:defRPr>
-            </a:lvl9pPr>
-          </a:lstStyle>
-          <a:p>
-            <a:r>
-              <a:rPr lang="en-US" altLang="zh-CN" sz="2200" b="1" dirty="0">
-                <a:solidFill>
-                  <a:srgbClr val="FFC000"/>
-                </a:solidFill>
-                <a:latin typeface="思源黑体 CN Normal" panose="020B0400000000000000" pitchFamily="34" charset="-122"/>
-                <a:ea typeface="思源黑体 CN Normal" panose="020B0400000000000000" pitchFamily="34" charset="-122"/>
-                <a:sym typeface="思源黑体 CN Normal" panose="020B0400000000000000" pitchFamily="34" charset="-122"/>
-              </a:rPr>
-              <a:t>Chaotic Logic</a:t>
-            </a:r>
-            <a:endParaRPr lang="zh-CN" altLang="en-US" sz="2200" b="1" dirty="0">
-              <a:solidFill>
-                <a:srgbClr val="FFC000"/>
-              </a:solidFill>
-              <a:latin typeface="思源黑体 CN Normal" panose="020B0400000000000000" pitchFamily="34" charset="-122"/>
-              <a:ea typeface="思源黑体 CN Normal" panose="020B0400000000000000" pitchFamily="34" charset="-122"/>
-              <a:sym typeface="思源黑体 CN Normal" panose="020B0400000000000000" pitchFamily="34" charset="-122"/>
-            </a:endParaRPr>
-          </a:p>
-        </p:txBody>
-      </p:sp>
-      <p:sp>
-        <p:nvSpPr>
-          <p:cNvPr id="35" name="文本框 83">
-            <a:extLst>
-              <a:ext uri="{FF2B5EF4-FFF2-40B4-BE49-F238E27FC236}">
-                <a16:creationId xmlns:a16="http://schemas.microsoft.com/office/drawing/2014/main" id="{B28B4E5B-647A-6163-245A-D2D00E3ECDDC}"/>
-              </a:ext>
-            </a:extLst>
-          </p:cNvPr>
-          <p:cNvSpPr txBox="1"/>
-          <p:nvPr/>
-        </p:nvSpPr>
-        <p:spPr>
-          <a:xfrm>
-            <a:off x="7986787" y="1661240"/>
-            <a:ext cx="4288540" cy="1894749"/>
-          </a:xfrm>
-          <a:prstGeom prst="rect">
-            <a:avLst/>
-          </a:prstGeom>
-          <a:noFill/>
-        </p:spPr>
-        <p:txBody>
-          <a:bodyPr wrap="square" rtlCol="0">
-            <a:spAutoFit/>
-          </a:bodyPr>
-          <a:lstStyle>
-            <a:defPPr>
-              <a:defRPr lang="zh-CN"/>
-            </a:defPPr>
-            <a:lvl1pPr marL="0" algn="l" defTabSz="914400" rtl="0" eaLnBrk="1" latinLnBrk="0" hangingPunct="1">
-              <a:defRPr sz="1800" kern="1200">
-                <a:solidFill>
-                  <a:schemeClr val="tx1"/>
-                </a:solidFill>
-                <a:latin typeface="+mn-lt"/>
-                <a:ea typeface="+mn-ea"/>
-                <a:cs typeface="+mn-cs"/>
-              </a:defRPr>
-            </a:lvl1pPr>
-            <a:lvl2pPr marL="457200" algn="l" defTabSz="914400" rtl="0" eaLnBrk="1" latinLnBrk="0" hangingPunct="1">
-              <a:defRPr sz="1800" kern="1200">
-                <a:solidFill>
-                  <a:schemeClr val="tx1"/>
-                </a:solidFill>
-                <a:latin typeface="+mn-lt"/>
-                <a:ea typeface="+mn-ea"/>
-                <a:cs typeface="+mn-cs"/>
-              </a:defRPr>
-            </a:lvl2pPr>
-            <a:lvl3pPr marL="914400" algn="l" defTabSz="914400" rtl="0" eaLnBrk="1" latinLnBrk="0" hangingPunct="1">
-              <a:defRPr sz="1800" kern="1200">
-                <a:solidFill>
-                  <a:schemeClr val="tx1"/>
-                </a:solidFill>
-                <a:latin typeface="+mn-lt"/>
-                <a:ea typeface="+mn-ea"/>
-                <a:cs typeface="+mn-cs"/>
-              </a:defRPr>
-            </a:lvl3pPr>
-            <a:lvl4pPr marL="1371600" algn="l" defTabSz="914400" rtl="0" eaLnBrk="1" latinLnBrk="0" hangingPunct="1">
-              <a:defRPr sz="1800" kern="1200">
-                <a:solidFill>
-                  <a:schemeClr val="tx1"/>
-                </a:solidFill>
-                <a:latin typeface="+mn-lt"/>
-                <a:ea typeface="+mn-ea"/>
-                <a:cs typeface="+mn-cs"/>
-              </a:defRPr>
-            </a:lvl4pPr>
-            <a:lvl5pPr marL="1828800" algn="l" defTabSz="914400" rtl="0" eaLnBrk="1" latinLnBrk="0" hangingPunct="1">
-              <a:defRPr sz="1800" kern="1200">
-                <a:solidFill>
-                  <a:schemeClr val="tx1"/>
-                </a:solidFill>
-                <a:latin typeface="+mn-lt"/>
-                <a:ea typeface="+mn-ea"/>
-                <a:cs typeface="+mn-cs"/>
-              </a:defRPr>
-            </a:lvl5pPr>
-            <a:lvl6pPr marL="2286000" algn="l" defTabSz="914400" rtl="0" eaLnBrk="1" latinLnBrk="0" hangingPunct="1">
-              <a:defRPr sz="1800" kern="1200">
-                <a:solidFill>
-                  <a:schemeClr val="tx1"/>
-                </a:solidFill>
-                <a:latin typeface="+mn-lt"/>
-                <a:ea typeface="+mn-ea"/>
-                <a:cs typeface="+mn-cs"/>
-              </a:defRPr>
-            </a:lvl6pPr>
-            <a:lvl7pPr marL="2743200" algn="l" defTabSz="914400" rtl="0" eaLnBrk="1" latinLnBrk="0" hangingPunct="1">
-              <a:defRPr sz="1800" kern="1200">
-                <a:solidFill>
-                  <a:schemeClr val="tx1"/>
-                </a:solidFill>
-                <a:latin typeface="+mn-lt"/>
-                <a:ea typeface="+mn-ea"/>
-                <a:cs typeface="+mn-cs"/>
-              </a:defRPr>
-            </a:lvl7pPr>
-            <a:lvl8pPr marL="3200400" algn="l" defTabSz="914400" rtl="0" eaLnBrk="1" latinLnBrk="0" hangingPunct="1">
-              <a:defRPr sz="1800" kern="1200">
-                <a:solidFill>
-                  <a:schemeClr val="tx1"/>
-                </a:solidFill>
-                <a:latin typeface="+mn-lt"/>
-                <a:ea typeface="+mn-ea"/>
-                <a:cs typeface="+mn-cs"/>
-              </a:defRPr>
-            </a:lvl8pPr>
-            <a:lvl9pPr marL="3657600" algn="l" defTabSz="914400" rtl="0" eaLnBrk="1" latinLnBrk="0" hangingPunct="1">
-              <a:defRPr sz="1800" kern="1200">
-                <a:solidFill>
-                  <a:schemeClr val="tx1"/>
-                </a:solidFill>
-                <a:latin typeface="+mn-lt"/>
-                <a:ea typeface="+mn-ea"/>
-                <a:cs typeface="+mn-cs"/>
-              </a:defRPr>
-            </a:lvl9pPr>
-          </a:lstStyle>
-          <a:p>
-            <a:pPr>
-              <a:lnSpc>
-                <a:spcPct val="150000"/>
-              </a:lnSpc>
-            </a:pPr>
-            <a:r>
-              <a:rPr lang="en-US" altLang="zh-CN" sz="1600" b="1" dirty="0">
-                <a:latin typeface="Times New Roman" panose="02020603050405020304" pitchFamily="18" charset="0"/>
-                <a:cs typeface="Times New Roman" panose="02020603050405020304" pitchFamily="18" charset="0"/>
-                <a:sym typeface="思源黑体 CN Normal" panose="020B0400000000000000" pitchFamily="34" charset="-122"/>
-              </a:rPr>
-              <a:t>Issue: </a:t>
-            </a:r>
-            <a:r>
-              <a:rPr lang="en-US" altLang="zh-CN" sz="1600" dirty="0">
-                <a:latin typeface="Times New Roman" panose="02020603050405020304" pitchFamily="18" charset="0"/>
-                <a:cs typeface="Times New Roman" panose="02020603050405020304" pitchFamily="18" charset="0"/>
-                <a:sym typeface="思源黑体 CN Normal" panose="020B0400000000000000" pitchFamily="34" charset="-122"/>
-              </a:rPr>
-              <a:t>Scattered and unmanageable level initialization logic.</a:t>
-            </a:r>
-          </a:p>
-          <a:p>
-            <a:pPr>
-              <a:lnSpc>
-                <a:spcPct val="150000"/>
-              </a:lnSpc>
-            </a:pPr>
-            <a:r>
-              <a:rPr lang="en-US" altLang="zh-CN" sz="1600" b="1" dirty="0">
-                <a:latin typeface="Times New Roman" panose="02020603050405020304" pitchFamily="18" charset="0"/>
-                <a:cs typeface="Times New Roman" panose="02020603050405020304" pitchFamily="18" charset="0"/>
-                <a:sym typeface="思源黑体 CN Normal" panose="020B0400000000000000" pitchFamily="34" charset="-122"/>
-              </a:rPr>
-              <a:t>Solution: </a:t>
-            </a:r>
-            <a:r>
-              <a:rPr lang="en-US" altLang="zh-CN" sz="1600" dirty="0">
-                <a:latin typeface="Times New Roman" panose="02020603050405020304" pitchFamily="18" charset="0"/>
-                <a:cs typeface="Times New Roman" panose="02020603050405020304" pitchFamily="18" charset="0"/>
-                <a:sym typeface="思源黑体 CN Normal" panose="020B0400000000000000" pitchFamily="34" charset="-122"/>
-              </a:rPr>
-              <a:t>Centralized common logic with Template Method Pattern, allowing customization through overrides.</a:t>
-            </a:r>
-          </a:p>
-        </p:txBody>
-      </p:sp>
-      <p:cxnSp>
-        <p:nvCxnSpPr>
-          <p:cNvPr id="36" name="直接连接符 35">
-            <a:extLst>
-              <a:ext uri="{FF2B5EF4-FFF2-40B4-BE49-F238E27FC236}">
-                <a16:creationId xmlns:a16="http://schemas.microsoft.com/office/drawing/2014/main" id="{B960CBEE-0C70-BA25-16ED-4B723FD57417}"/>
-              </a:ext>
-            </a:extLst>
-          </p:cNvPr>
-          <p:cNvCxnSpPr>
-            <a:cxnSpLocks/>
-          </p:cNvCxnSpPr>
-          <p:nvPr/>
-        </p:nvCxnSpPr>
-        <p:spPr>
-          <a:xfrm>
-            <a:off x="9192096" y="1563238"/>
-            <a:ext cx="1647422" cy="0"/>
-          </a:xfrm>
-          <a:prstGeom prst="line">
-            <a:avLst/>
-          </a:prstGeom>
-          <a:ln w="25400">
-            <a:solidFill>
-              <a:schemeClr val="tx2">
-                <a:lumMod val="40000"/>
-                <a:lumOff val="60000"/>
-              </a:schemeClr>
-            </a:solidFill>
-          </a:ln>
-        </p:spPr>
-        <p:style>
-          <a:lnRef idx="1">
-            <a:schemeClr val="accent1"/>
-          </a:lnRef>
-          <a:fillRef idx="0">
-            <a:schemeClr val="accent1"/>
-          </a:fillRef>
-          <a:effectRef idx="0">
-            <a:schemeClr val="accent1"/>
-          </a:effectRef>
-          <a:fontRef idx="minor">
-            <a:schemeClr val="tx1"/>
-          </a:fontRef>
-        </p:style>
-      </p:cxnSp>
-      <p:sp>
-        <p:nvSpPr>
-          <p:cNvPr id="37" name="椭圆 36">
-            <a:extLst>
-              <a:ext uri="{FF2B5EF4-FFF2-40B4-BE49-F238E27FC236}">
-                <a16:creationId xmlns:a16="http://schemas.microsoft.com/office/drawing/2014/main" id="{8023C71A-028F-5ADD-719D-93B071942333}"/>
-              </a:ext>
-            </a:extLst>
-          </p:cNvPr>
-          <p:cNvSpPr/>
-          <p:nvPr/>
-        </p:nvSpPr>
-        <p:spPr>
-          <a:xfrm>
-            <a:off x="11052665" y="4153351"/>
-            <a:ext cx="460422" cy="460422"/>
-          </a:xfrm>
-          <a:prstGeom prst="ellipse">
-            <a:avLst/>
-          </a:prstGeom>
-          <a:solidFill>
-            <a:schemeClr val="bg2">
-              <a:lumMod val="90000"/>
-            </a:schemeClr>
-          </a:solidFill>
-          <a:ln>
-            <a:noFill/>
-          </a:ln>
-        </p:spPr>
-        <p:style>
-          <a:lnRef idx="2">
-            <a:schemeClr val="accent1">
-              <a:shade val="15000"/>
-            </a:schemeClr>
-          </a:lnRef>
-          <a:fillRef idx="1">
-            <a:schemeClr val="accent1"/>
-          </a:fillRef>
-          <a:effectRef idx="0">
-            <a:schemeClr val="accent1"/>
-          </a:effectRef>
-          <a:fontRef idx="minor">
-            <a:schemeClr val="lt1"/>
-          </a:fontRef>
-        </p:style>
-        <p:txBody>
-          <a:bodyPr rtlCol="0" anchor="ctr"/>
-          <a:lstStyle/>
-          <a:p>
-            <a:pPr algn="ctr"/>
-            <a:r>
-              <a:rPr lang="en-US" altLang="zh-CN" dirty="0"/>
-              <a:t>4</a:t>
-            </a:r>
-            <a:endParaRPr lang="zh-CN" altLang="en-US" dirty="0"/>
-          </a:p>
-        </p:txBody>
-      </p:sp>
-      <p:sp>
-        <p:nvSpPr>
-          <p:cNvPr id="38" name="文本框 82">
-            <a:extLst>
-              <a:ext uri="{FF2B5EF4-FFF2-40B4-BE49-F238E27FC236}">
-                <a16:creationId xmlns:a16="http://schemas.microsoft.com/office/drawing/2014/main" id="{1243D83B-D8BD-986A-79EB-FE1D20AA6348}"/>
-              </a:ext>
-            </a:extLst>
-          </p:cNvPr>
-          <p:cNvSpPr txBox="1"/>
-          <p:nvPr/>
-        </p:nvSpPr>
-        <p:spPr>
-          <a:xfrm>
-            <a:off x="8110952" y="3941810"/>
-            <a:ext cx="3170417" cy="540000"/>
-          </a:xfrm>
-          <a:prstGeom prst="rect">
-            <a:avLst/>
-          </a:prstGeom>
-          <a:noFill/>
-          <a:ln>
-            <a:noFill/>
-          </a:ln>
-          <a:effectLst/>
-        </p:spPr>
-        <p:style>
-          <a:lnRef idx="2">
-            <a:schemeClr val="accent1">
-              <a:shade val="50000"/>
-            </a:schemeClr>
-          </a:lnRef>
-          <a:fillRef idx="1">
-            <a:schemeClr val="accent1"/>
-          </a:fillRef>
-          <a:effectRef idx="0">
-            <a:schemeClr val="accent1"/>
-          </a:effectRef>
-          <a:fontRef idx="minor">
-            <a:schemeClr val="lt1"/>
-          </a:fontRef>
-        </p:style>
-        <p:txBody>
-          <a:bodyPr rtlCol="0" anchor="ctr"/>
-          <a:lstStyle>
-            <a:defPPr>
-              <a:defRPr lang="zh-CN"/>
-            </a:defPPr>
-            <a:lvl1pPr algn="ctr">
-              <a:defRPr>
-                <a:solidFill>
-                  <a:schemeClr val="lt1"/>
-                </a:solidFill>
-              </a:defRPr>
-            </a:lvl1pPr>
-            <a:lvl2pPr>
-              <a:defRPr>
-                <a:solidFill>
-                  <a:schemeClr val="lt1"/>
-                </a:solidFill>
-              </a:defRPr>
-            </a:lvl2pPr>
-            <a:lvl3pPr>
-              <a:defRPr>
-                <a:solidFill>
-                  <a:schemeClr val="lt1"/>
-                </a:solidFill>
-              </a:defRPr>
-            </a:lvl3pPr>
-            <a:lvl4pPr>
-              <a:defRPr>
-                <a:solidFill>
-                  <a:schemeClr val="lt1"/>
-                </a:solidFill>
-              </a:defRPr>
-            </a:lvl4pPr>
-            <a:lvl5pPr>
-              <a:defRPr>
-                <a:solidFill>
-                  <a:schemeClr val="lt1"/>
-                </a:solidFill>
-              </a:defRPr>
-            </a:lvl5pPr>
-            <a:lvl6pPr>
-              <a:defRPr>
-                <a:solidFill>
-                  <a:schemeClr val="lt1"/>
-                </a:solidFill>
-              </a:defRPr>
-            </a:lvl6pPr>
-            <a:lvl7pPr>
-              <a:defRPr>
-                <a:solidFill>
-                  <a:schemeClr val="lt1"/>
-                </a:solidFill>
-              </a:defRPr>
-            </a:lvl7pPr>
-            <a:lvl8pPr>
-              <a:defRPr>
-                <a:solidFill>
-                  <a:schemeClr val="lt1"/>
-                </a:solidFill>
-              </a:defRPr>
-            </a:lvl8pPr>
-            <a:lvl9pPr>
-              <a:defRPr>
-                <a:solidFill>
-                  <a:schemeClr val="lt1"/>
-                </a:solidFill>
-              </a:defRPr>
-            </a:lvl9pPr>
-          </a:lstStyle>
-          <a:p>
-            <a:r>
-              <a:rPr lang="en-US" altLang="zh-CN" sz="2200" b="1" dirty="0">
-                <a:solidFill>
-                  <a:srgbClr val="FFC000"/>
-                </a:solidFill>
-                <a:latin typeface="思源黑体 CN Normal" panose="020B0400000000000000" pitchFamily="34" charset="-122"/>
-                <a:ea typeface="思源黑体 CN Normal" panose="020B0400000000000000" pitchFamily="34" charset="-122"/>
-                <a:sym typeface="思源黑体 CN Normal" panose="020B0400000000000000" pitchFamily="34" charset="-122"/>
-              </a:rPr>
-              <a:t>Open/Closed Principle Violation</a:t>
-            </a:r>
-            <a:endParaRPr lang="zh-CN" altLang="en-US" sz="2200" b="1" dirty="0">
-              <a:solidFill>
-                <a:srgbClr val="FFC000"/>
-              </a:solidFill>
-              <a:latin typeface="思源黑体 CN Normal" panose="020B0400000000000000" pitchFamily="34" charset="-122"/>
-              <a:ea typeface="思源黑体 CN Normal" panose="020B0400000000000000" pitchFamily="34" charset="-122"/>
-              <a:sym typeface="思源黑体 CN Normal" panose="020B0400000000000000" pitchFamily="34" charset="-122"/>
-            </a:endParaRPr>
-          </a:p>
-        </p:txBody>
-      </p:sp>
-      <p:sp>
-        <p:nvSpPr>
-          <p:cNvPr id="39" name="文本框 83">
-            <a:extLst>
-              <a:ext uri="{FF2B5EF4-FFF2-40B4-BE49-F238E27FC236}">
-                <a16:creationId xmlns:a16="http://schemas.microsoft.com/office/drawing/2014/main" id="{6EC73650-E11C-3057-5FC4-14A945FC4154}"/>
-              </a:ext>
-            </a:extLst>
-          </p:cNvPr>
-          <p:cNvSpPr txBox="1"/>
-          <p:nvPr/>
-        </p:nvSpPr>
-        <p:spPr>
-          <a:xfrm>
-            <a:off x="8037757" y="4738246"/>
-            <a:ext cx="4211624" cy="1894749"/>
-          </a:xfrm>
-          <a:prstGeom prst="rect">
-            <a:avLst/>
-          </a:prstGeom>
-          <a:noFill/>
-        </p:spPr>
-        <p:txBody>
-          <a:bodyPr wrap="square" rtlCol="0">
-            <a:spAutoFit/>
-          </a:bodyPr>
-          <a:lstStyle>
-            <a:defPPr>
-              <a:defRPr lang="zh-CN"/>
-            </a:defPPr>
-            <a:lvl1pPr marL="0" algn="l" defTabSz="914400" rtl="0" eaLnBrk="1" latinLnBrk="0" hangingPunct="1">
-              <a:defRPr sz="1800" kern="1200">
-                <a:solidFill>
-                  <a:schemeClr val="tx1"/>
-                </a:solidFill>
-                <a:latin typeface="+mn-lt"/>
-                <a:ea typeface="+mn-ea"/>
-                <a:cs typeface="+mn-cs"/>
-              </a:defRPr>
-            </a:lvl1pPr>
-            <a:lvl2pPr marL="457200" algn="l" defTabSz="914400" rtl="0" eaLnBrk="1" latinLnBrk="0" hangingPunct="1">
-              <a:defRPr sz="1800" kern="1200">
-                <a:solidFill>
-                  <a:schemeClr val="tx1"/>
-                </a:solidFill>
-                <a:latin typeface="+mn-lt"/>
-                <a:ea typeface="+mn-ea"/>
-                <a:cs typeface="+mn-cs"/>
-              </a:defRPr>
-            </a:lvl2pPr>
-            <a:lvl3pPr marL="914400" algn="l" defTabSz="914400" rtl="0" eaLnBrk="1" latinLnBrk="0" hangingPunct="1">
-              <a:defRPr sz="1800" kern="1200">
-                <a:solidFill>
-                  <a:schemeClr val="tx1"/>
-                </a:solidFill>
-                <a:latin typeface="+mn-lt"/>
-                <a:ea typeface="+mn-ea"/>
-                <a:cs typeface="+mn-cs"/>
-              </a:defRPr>
-            </a:lvl3pPr>
-            <a:lvl4pPr marL="1371600" algn="l" defTabSz="914400" rtl="0" eaLnBrk="1" latinLnBrk="0" hangingPunct="1">
-              <a:defRPr sz="1800" kern="1200">
-                <a:solidFill>
-                  <a:schemeClr val="tx1"/>
-                </a:solidFill>
-                <a:latin typeface="+mn-lt"/>
-                <a:ea typeface="+mn-ea"/>
-                <a:cs typeface="+mn-cs"/>
-              </a:defRPr>
-            </a:lvl4pPr>
-            <a:lvl5pPr marL="1828800" algn="l" defTabSz="914400" rtl="0" eaLnBrk="1" latinLnBrk="0" hangingPunct="1">
-              <a:defRPr sz="1800" kern="1200">
-                <a:solidFill>
-                  <a:schemeClr val="tx1"/>
-                </a:solidFill>
-                <a:latin typeface="+mn-lt"/>
-                <a:ea typeface="+mn-ea"/>
-                <a:cs typeface="+mn-cs"/>
-              </a:defRPr>
-            </a:lvl5pPr>
-            <a:lvl6pPr marL="2286000" algn="l" defTabSz="914400" rtl="0" eaLnBrk="1" latinLnBrk="0" hangingPunct="1">
-              <a:defRPr sz="1800" kern="1200">
-                <a:solidFill>
-                  <a:schemeClr val="tx1"/>
-                </a:solidFill>
-                <a:latin typeface="+mn-lt"/>
-                <a:ea typeface="+mn-ea"/>
-                <a:cs typeface="+mn-cs"/>
-              </a:defRPr>
-            </a:lvl6pPr>
-            <a:lvl7pPr marL="2743200" algn="l" defTabSz="914400" rtl="0" eaLnBrk="1" latinLnBrk="0" hangingPunct="1">
-              <a:defRPr sz="1800" kern="1200">
-                <a:solidFill>
-                  <a:schemeClr val="tx1"/>
-                </a:solidFill>
-                <a:latin typeface="+mn-lt"/>
-                <a:ea typeface="+mn-ea"/>
-                <a:cs typeface="+mn-cs"/>
-              </a:defRPr>
-            </a:lvl7pPr>
-            <a:lvl8pPr marL="3200400" algn="l" defTabSz="914400" rtl="0" eaLnBrk="1" latinLnBrk="0" hangingPunct="1">
-              <a:defRPr sz="1800" kern="1200">
-                <a:solidFill>
-                  <a:schemeClr val="tx1"/>
-                </a:solidFill>
-                <a:latin typeface="+mn-lt"/>
-                <a:ea typeface="+mn-ea"/>
-                <a:cs typeface="+mn-cs"/>
-              </a:defRPr>
-            </a:lvl8pPr>
-            <a:lvl9pPr marL="3657600" algn="l" defTabSz="914400" rtl="0" eaLnBrk="1" latinLnBrk="0" hangingPunct="1">
-              <a:defRPr sz="1800" kern="1200">
-                <a:solidFill>
-                  <a:schemeClr val="tx1"/>
-                </a:solidFill>
-                <a:latin typeface="+mn-lt"/>
-                <a:ea typeface="+mn-ea"/>
-                <a:cs typeface="+mn-cs"/>
-              </a:defRPr>
-            </a:lvl9pPr>
-          </a:lstStyle>
-          <a:p>
-            <a:pPr>
-              <a:lnSpc>
-                <a:spcPct val="150000"/>
-              </a:lnSpc>
-            </a:pPr>
-            <a:r>
-              <a:rPr lang="en-US" altLang="zh-CN" sz="1600" b="1" dirty="0">
-                <a:latin typeface="Times New Roman" panose="02020603050405020304" pitchFamily="18" charset="0"/>
-                <a:cs typeface="Times New Roman" panose="02020603050405020304" pitchFamily="18" charset="0"/>
-                <a:sym typeface="思源黑体 CN Normal" panose="020B0400000000000000" pitchFamily="34" charset="-122"/>
-              </a:rPr>
-              <a:t>Issue: </a:t>
-            </a:r>
-            <a:r>
-              <a:rPr lang="en-US" altLang="zh-CN" sz="1600" dirty="0">
-                <a:latin typeface="Times New Roman" panose="02020603050405020304" pitchFamily="18" charset="0"/>
-                <a:cs typeface="Times New Roman" panose="02020603050405020304" pitchFamily="18" charset="0"/>
-                <a:sym typeface="思源黑体 CN Normal" panose="020B0400000000000000" pitchFamily="34" charset="-122"/>
-              </a:rPr>
-              <a:t>Adding new behaviors required modifying existing classes.</a:t>
-            </a:r>
-          </a:p>
-          <a:p>
-            <a:pPr>
-              <a:lnSpc>
-                <a:spcPct val="150000"/>
-              </a:lnSpc>
-            </a:pPr>
-            <a:r>
-              <a:rPr lang="en-US" altLang="zh-CN" sz="1600" b="1" dirty="0">
-                <a:latin typeface="Times New Roman" panose="02020603050405020304" pitchFamily="18" charset="0"/>
-                <a:cs typeface="Times New Roman" panose="02020603050405020304" pitchFamily="18" charset="0"/>
-                <a:sym typeface="思源黑体 CN Normal" panose="020B0400000000000000" pitchFamily="34" charset="-122"/>
-              </a:rPr>
-              <a:t>Solution: </a:t>
-            </a:r>
-            <a:r>
-              <a:rPr lang="en-US" altLang="zh-CN" sz="1600" dirty="0">
-                <a:latin typeface="Times New Roman" panose="02020603050405020304" pitchFamily="18" charset="0"/>
-                <a:cs typeface="Times New Roman" panose="02020603050405020304" pitchFamily="18" charset="0"/>
-                <a:sym typeface="思源黑体 CN Normal" panose="020B0400000000000000" pitchFamily="34" charset="-122"/>
-              </a:rPr>
-              <a:t>Used Strategy and Decorator Patterns to add functionality without altering existing code.</a:t>
-            </a:r>
-          </a:p>
-        </p:txBody>
-      </p:sp>
-      <p:cxnSp>
-        <p:nvCxnSpPr>
-          <p:cNvPr id="40" name="直接连接符 39">
-            <a:extLst>
-              <a:ext uri="{FF2B5EF4-FFF2-40B4-BE49-F238E27FC236}">
-                <a16:creationId xmlns:a16="http://schemas.microsoft.com/office/drawing/2014/main" id="{503C97D5-4AB3-9ED4-3DFA-5C7EA68C633C}"/>
-              </a:ext>
-            </a:extLst>
-          </p:cNvPr>
-          <p:cNvCxnSpPr>
-            <a:cxnSpLocks/>
-          </p:cNvCxnSpPr>
-          <p:nvPr/>
-        </p:nvCxnSpPr>
-        <p:spPr>
-          <a:xfrm>
-            <a:off x="9332046" y="4640244"/>
+            <a:off x="8605852" y="1589874"/>
             <a:ext cx="1647422" cy="0"/>
           </a:xfrm>
           <a:prstGeom prst="line">

--- a/文档/DesignPattern.pptx
+++ b/文档/DesignPattern.pptx
@@ -14,12 +14,12 @@
     <p:sldId id="275" r:id="rId5"/>
     <p:sldId id="276" r:id="rId6"/>
     <p:sldId id="278" r:id="rId7"/>
-    <p:sldId id="284" r:id="rId8"/>
-    <p:sldId id="280" r:id="rId9"/>
-    <p:sldId id="281" r:id="rId10"/>
-    <p:sldId id="286" r:id="rId11"/>
-    <p:sldId id="283" r:id="rId12"/>
-    <p:sldId id="282" r:id="rId13"/>
+    <p:sldId id="283" r:id="rId8"/>
+    <p:sldId id="282" r:id="rId9"/>
+    <p:sldId id="284" r:id="rId10"/>
+    <p:sldId id="280" r:id="rId11"/>
+    <p:sldId id="281" r:id="rId12"/>
+    <p:sldId id="286" r:id="rId13"/>
     <p:sldId id="279" r:id="rId14"/>
     <p:sldId id="285" r:id="rId15"/>
     <p:sldId id="277" r:id="rId16"/>
@@ -223,7 +223,7 @@
           <a:p>
             <a:fld id="{3B0CAA4A-A895-4B63-BE06-E8F514E37694}" type="datetimeFigureOut">
               <a:rPr lang="zh-CN" altLang="en-US" smtClean="0"/>
-              <a:t>2025/1/5</a:t>
+              <a:t>2025/1/6</a:t>
             </a:fld>
             <a:endParaRPr lang="zh-CN" altLang="en-US"/>
           </a:p>
@@ -490,6 +490,90 @@
 </p:notesMaster>
 </file>
 
+<file path=ppt/notesSlides/notesSlide1.xml><?xml version="1.0" encoding="utf-8"?>
+<p:notes xmlns:a="http://schemas.openxmlformats.org/drawingml/2006/main" xmlns:r="http://schemas.openxmlformats.org/officeDocument/2006/relationships" xmlns:p="http://schemas.openxmlformats.org/presentationml/2006/main">
+  <p:cSld>
+    <p:spTree>
+      <p:nvGrpSpPr>
+        <p:cNvPr id="1" name=""/>
+        <p:cNvGrpSpPr/>
+        <p:nvPr/>
+      </p:nvGrpSpPr>
+      <p:grpSpPr>
+        <a:xfrm>
+          <a:off x="0" y="0"/>
+          <a:ext cx="0" cy="0"/>
+          <a:chOff x="0" y="0"/>
+          <a:chExt cx="0" cy="0"/>
+        </a:xfrm>
+      </p:grpSpPr>
+      <p:sp>
+        <p:nvSpPr>
+          <p:cNvPr id="2" name="幻灯片图像占位符 1"/>
+          <p:cNvSpPr>
+            <a:spLocks noGrp="1" noRot="1" noChangeAspect="1"/>
+          </p:cNvSpPr>
+          <p:nvPr>
+            <p:ph type="sldImg"/>
+          </p:nvPr>
+        </p:nvSpPr>
+        <p:spPr/>
+      </p:sp>
+      <p:sp>
+        <p:nvSpPr>
+          <p:cNvPr id="3" name="备注占位符 2"/>
+          <p:cNvSpPr>
+            <a:spLocks noGrp="1"/>
+          </p:cNvSpPr>
+          <p:nvPr>
+            <p:ph type="body" idx="1"/>
+          </p:nvPr>
+        </p:nvSpPr>
+        <p:spPr/>
+        <p:txBody>
+          <a:bodyPr/>
+          <a:lstStyle/>
+          <a:p>
+            <a:endParaRPr lang="zh-CN" altLang="en-US" dirty="0"/>
+          </a:p>
+        </p:txBody>
+      </p:sp>
+      <p:sp>
+        <p:nvSpPr>
+          <p:cNvPr id="4" name="灯片编号占位符 3"/>
+          <p:cNvSpPr>
+            <a:spLocks noGrp="1"/>
+          </p:cNvSpPr>
+          <p:nvPr>
+            <p:ph type="sldNum" sz="quarter" idx="5"/>
+          </p:nvPr>
+        </p:nvSpPr>
+        <p:spPr/>
+        <p:txBody>
+          <a:bodyPr/>
+          <a:lstStyle/>
+          <a:p>
+            <a:fld id="{E32E9225-DB85-496A-974C-DDB955715F10}" type="slidenum">
+              <a:rPr lang="zh-CN" altLang="en-US" smtClean="0"/>
+              <a:t>6</a:t>
+            </a:fld>
+            <a:endParaRPr lang="zh-CN" altLang="en-US"/>
+          </a:p>
+        </p:txBody>
+      </p:sp>
+    </p:spTree>
+    <p:extLst>
+      <p:ext uri="{BB962C8B-B14F-4D97-AF65-F5344CB8AC3E}">
+        <p14:creationId xmlns:p14="http://schemas.microsoft.com/office/powerpoint/2010/main" val="1153524955"/>
+      </p:ext>
+    </p:extLst>
+  </p:cSld>
+  <p:clrMapOvr>
+    <a:masterClrMapping/>
+  </p:clrMapOvr>
+</p:notes>
+</file>
+
 <file path=ppt/slideLayouts/slideLayout1.xml><?xml version="1.0" encoding="utf-8"?>
 <p:sldLayout xmlns:a="http://schemas.openxmlformats.org/drawingml/2006/main" xmlns:r="http://schemas.openxmlformats.org/officeDocument/2006/relationships" xmlns:p="http://schemas.openxmlformats.org/presentationml/2006/main" type="title" preserve="1">
   <p:cSld name="标题幻灯片">
@@ -637,7 +721,7 @@
           <a:p>
             <a:fld id="{9717DA2B-FDD0-4119-A1D8-19C92B15FFDD}" type="datetimeFigureOut">
               <a:rPr lang="zh-CN" altLang="en-US" smtClean="0"/>
-              <a:t>2025/1/5</a:t>
+              <a:t>2025/1/6</a:t>
             </a:fld>
             <a:endParaRPr lang="zh-CN" altLang="en-US"/>
           </a:p>
@@ -835,7 +919,7 @@
           <a:p>
             <a:fld id="{9717DA2B-FDD0-4119-A1D8-19C92B15FFDD}" type="datetimeFigureOut">
               <a:rPr lang="zh-CN" altLang="en-US" smtClean="0"/>
-              <a:t>2025/1/5</a:t>
+              <a:t>2025/1/6</a:t>
             </a:fld>
             <a:endParaRPr lang="zh-CN" altLang="en-US"/>
           </a:p>
@@ -1043,7 +1127,7 @@
           <a:p>
             <a:fld id="{9717DA2B-FDD0-4119-A1D8-19C92B15FFDD}" type="datetimeFigureOut">
               <a:rPr lang="zh-CN" altLang="en-US" smtClean="0"/>
-              <a:t>2025/1/5</a:t>
+              <a:t>2025/1/6</a:t>
             </a:fld>
             <a:endParaRPr lang="zh-CN" altLang="en-US"/>
           </a:p>
@@ -1241,7 +1325,7 @@
           <a:p>
             <a:fld id="{9717DA2B-FDD0-4119-A1D8-19C92B15FFDD}" type="datetimeFigureOut">
               <a:rPr lang="zh-CN" altLang="en-US" smtClean="0"/>
-              <a:t>2025/1/5</a:t>
+              <a:t>2025/1/6</a:t>
             </a:fld>
             <a:endParaRPr lang="zh-CN" altLang="en-US"/>
           </a:p>
@@ -1516,7 +1600,7 @@
           <a:p>
             <a:fld id="{9717DA2B-FDD0-4119-A1D8-19C92B15FFDD}" type="datetimeFigureOut">
               <a:rPr lang="zh-CN" altLang="en-US" smtClean="0"/>
-              <a:t>2025/1/5</a:t>
+              <a:t>2025/1/6</a:t>
             </a:fld>
             <a:endParaRPr lang="zh-CN" altLang="en-US"/>
           </a:p>
@@ -1781,7 +1865,7 @@
           <a:p>
             <a:fld id="{9717DA2B-FDD0-4119-A1D8-19C92B15FFDD}" type="datetimeFigureOut">
               <a:rPr lang="zh-CN" altLang="en-US" smtClean="0"/>
-              <a:t>2025/1/5</a:t>
+              <a:t>2025/1/6</a:t>
             </a:fld>
             <a:endParaRPr lang="zh-CN" altLang="en-US"/>
           </a:p>
@@ -2193,7 +2277,7 @@
           <a:p>
             <a:fld id="{9717DA2B-FDD0-4119-A1D8-19C92B15FFDD}" type="datetimeFigureOut">
               <a:rPr lang="zh-CN" altLang="en-US" smtClean="0"/>
-              <a:t>2025/1/5</a:t>
+              <a:t>2025/1/6</a:t>
             </a:fld>
             <a:endParaRPr lang="zh-CN" altLang="en-US"/>
           </a:p>
@@ -2334,7 +2418,7 @@
           <a:p>
             <a:fld id="{9717DA2B-FDD0-4119-A1D8-19C92B15FFDD}" type="datetimeFigureOut">
               <a:rPr lang="zh-CN" altLang="en-US" smtClean="0"/>
-              <a:t>2025/1/5</a:t>
+              <a:t>2025/1/6</a:t>
             </a:fld>
             <a:endParaRPr lang="zh-CN" altLang="en-US"/>
           </a:p>
@@ -2447,7 +2531,7 @@
           <a:p>
             <a:fld id="{9717DA2B-FDD0-4119-A1D8-19C92B15FFDD}" type="datetimeFigureOut">
               <a:rPr lang="zh-CN" altLang="en-US" smtClean="0"/>
-              <a:t>2025/1/5</a:t>
+              <a:t>2025/1/6</a:t>
             </a:fld>
             <a:endParaRPr lang="zh-CN" altLang="en-US"/>
           </a:p>
@@ -2758,7 +2842,7 @@
           <a:p>
             <a:fld id="{9717DA2B-FDD0-4119-A1D8-19C92B15FFDD}" type="datetimeFigureOut">
               <a:rPr lang="zh-CN" altLang="en-US" smtClean="0"/>
-              <a:t>2025/1/5</a:t>
+              <a:t>2025/1/6</a:t>
             </a:fld>
             <a:endParaRPr lang="zh-CN" altLang="en-US"/>
           </a:p>
@@ -3046,7 +3130,7 @@
           <a:p>
             <a:fld id="{9717DA2B-FDD0-4119-A1D8-19C92B15FFDD}" type="datetimeFigureOut">
               <a:rPr lang="zh-CN" altLang="en-US" smtClean="0"/>
-              <a:t>2025/1/5</a:t>
+              <a:t>2025/1/6</a:t>
             </a:fld>
             <a:endParaRPr lang="zh-CN" altLang="en-US"/>
           </a:p>
@@ -3287,7 +3371,7 @@
           <a:p>
             <a:fld id="{9717DA2B-FDD0-4119-A1D8-19C92B15FFDD}" type="datetimeFigureOut">
               <a:rPr lang="zh-CN" altLang="en-US" smtClean="0"/>
-              <a:t>2025/1/5</a:t>
+              <a:t>2025/1/6</a:t>
             </a:fld>
             <a:endParaRPr lang="zh-CN" altLang="en-US"/>
           </a:p>
@@ -5806,6 +5890,1439 @@
         <p:cNvPr id="1" name="">
           <a:extLst>
             <a:ext uri="{FF2B5EF4-FFF2-40B4-BE49-F238E27FC236}">
+              <a16:creationId xmlns:a16="http://schemas.microsoft.com/office/drawing/2014/main" id="{19165E93-9027-76CE-79A7-88E30419BB0C}"/>
+            </a:ext>
+          </a:extLst>
+        </p:cNvPr>
+        <p:cNvGrpSpPr/>
+        <p:nvPr/>
+      </p:nvGrpSpPr>
+      <p:grpSpPr>
+        <a:xfrm>
+          <a:off x="0" y="0"/>
+          <a:ext cx="0" cy="0"/>
+          <a:chOff x="0" y="0"/>
+          <a:chExt cx="0" cy="0"/>
+        </a:xfrm>
+      </p:grpSpPr>
+      <p:pic>
+        <p:nvPicPr>
+          <p:cNvPr id="11" name="图片 10">
+            <a:extLst>
+              <a:ext uri="{FF2B5EF4-FFF2-40B4-BE49-F238E27FC236}">
+                <a16:creationId xmlns:a16="http://schemas.microsoft.com/office/drawing/2014/main" id="{0D15AD9E-E005-48CF-2C82-5D1D8FB855D4}"/>
+              </a:ext>
+            </a:extLst>
+          </p:cNvPr>
+          <p:cNvPicPr>
+            <a:picLocks noChangeAspect="1"/>
+          </p:cNvPicPr>
+          <p:nvPr/>
+        </p:nvPicPr>
+        <p:blipFill>
+          <a:blip r:embed="rId2"/>
+          <a:stretch>
+            <a:fillRect/>
+          </a:stretch>
+        </p:blipFill>
+        <p:spPr>
+          <a:xfrm>
+            <a:off x="216403" y="1297879"/>
+            <a:ext cx="5727734" cy="3627564"/>
+          </a:xfrm>
+          <a:prstGeom prst="rect">
+            <a:avLst/>
+          </a:prstGeom>
+        </p:spPr>
+      </p:pic>
+      <p:sp>
+        <p:nvSpPr>
+          <p:cNvPr id="5" name="矩形 4">
+            <a:extLst>
+              <a:ext uri="{FF2B5EF4-FFF2-40B4-BE49-F238E27FC236}">
+                <a16:creationId xmlns:a16="http://schemas.microsoft.com/office/drawing/2014/main" id="{F14BB6A5-703D-02DB-E837-D1F1E34A13DB}"/>
+              </a:ext>
+            </a:extLst>
+          </p:cNvPr>
+          <p:cNvSpPr/>
+          <p:nvPr/>
+        </p:nvSpPr>
+        <p:spPr>
+          <a:xfrm>
+            <a:off x="0" y="343632"/>
+            <a:ext cx="1244600" cy="426835"/>
+          </a:xfrm>
+          <a:prstGeom prst="rect">
+            <a:avLst/>
+          </a:prstGeom>
+          <a:solidFill>
+            <a:schemeClr val="accent1">
+              <a:lumMod val="50000"/>
+            </a:schemeClr>
+          </a:solidFill>
+        </p:spPr>
+        <p:style>
+          <a:lnRef idx="2">
+            <a:schemeClr val="accent1">
+              <a:shade val="15000"/>
+            </a:schemeClr>
+          </a:lnRef>
+          <a:fillRef idx="1">
+            <a:schemeClr val="accent1"/>
+          </a:fillRef>
+          <a:effectRef idx="0">
+            <a:schemeClr val="accent1"/>
+          </a:effectRef>
+          <a:fontRef idx="minor">
+            <a:schemeClr val="lt1"/>
+          </a:fontRef>
+        </p:style>
+        <p:txBody>
+          <a:bodyPr rtlCol="0" anchor="ctr"/>
+          <a:lstStyle/>
+          <a:p>
+            <a:pPr algn="ctr"/>
+            <a:endParaRPr lang="zh-CN" altLang="en-US"/>
+          </a:p>
+        </p:txBody>
+      </p:sp>
+      <p:sp>
+        <p:nvSpPr>
+          <p:cNvPr id="6" name="文本框 5">
+            <a:extLst>
+              <a:ext uri="{FF2B5EF4-FFF2-40B4-BE49-F238E27FC236}">
+                <a16:creationId xmlns:a16="http://schemas.microsoft.com/office/drawing/2014/main" id="{81E2DAA6-14CF-E48E-692B-2C0516D2837C}"/>
+              </a:ext>
+            </a:extLst>
+          </p:cNvPr>
+          <p:cNvSpPr txBox="1"/>
+          <p:nvPr/>
+        </p:nvSpPr>
+        <p:spPr>
+          <a:xfrm>
+            <a:off x="69850" y="370357"/>
+            <a:ext cx="1104900" cy="400110"/>
+          </a:xfrm>
+          <a:prstGeom prst="rect">
+            <a:avLst/>
+          </a:prstGeom>
+          <a:noFill/>
+        </p:spPr>
+        <p:txBody>
+          <a:bodyPr wrap="square" rtlCol="0">
+            <a:spAutoFit/>
+          </a:bodyPr>
+          <a:lstStyle/>
+          <a:p>
+            <a:r>
+              <a:rPr lang="en-US" altLang="zh-CN" sz="2000" dirty="0">
+                <a:solidFill>
+                  <a:schemeClr val="bg1">
+                    <a:lumMod val="95000"/>
+                  </a:schemeClr>
+                </a:solidFill>
+                <a:latin typeface="思源黑体 CN Bold" panose="020B0800000000000000" pitchFamily="34" charset="-122"/>
+                <a:ea typeface="思源黑体 CN Bold" panose="020B0800000000000000" pitchFamily="34" charset="-122"/>
+              </a:rPr>
+              <a:t>PART 2</a:t>
+            </a:r>
+            <a:endParaRPr lang="zh-CN" altLang="en-US" sz="2000" dirty="0">
+              <a:solidFill>
+                <a:schemeClr val="bg1">
+                  <a:lumMod val="95000"/>
+                </a:schemeClr>
+              </a:solidFill>
+              <a:latin typeface="思源黑体 CN Bold" panose="020B0800000000000000" pitchFamily="34" charset="-122"/>
+              <a:ea typeface="思源黑体 CN Bold" panose="020B0800000000000000" pitchFamily="34" charset="-122"/>
+            </a:endParaRPr>
+          </a:p>
+        </p:txBody>
+      </p:sp>
+      <p:sp>
+        <p:nvSpPr>
+          <p:cNvPr id="2" name="文本框 12">
+            <a:extLst>
+              <a:ext uri="{FF2B5EF4-FFF2-40B4-BE49-F238E27FC236}">
+                <a16:creationId xmlns:a16="http://schemas.microsoft.com/office/drawing/2014/main" id="{46BA3B6A-023F-5D92-97C7-EDAF06C691B3}"/>
+              </a:ext>
+            </a:extLst>
+          </p:cNvPr>
+          <p:cNvSpPr txBox="1"/>
+          <p:nvPr/>
+        </p:nvSpPr>
+        <p:spPr>
+          <a:xfrm>
+            <a:off x="1314449" y="226717"/>
+            <a:ext cx="8025494" cy="584775"/>
+          </a:xfrm>
+          <a:prstGeom prst="rect">
+            <a:avLst/>
+          </a:prstGeom>
+          <a:noFill/>
+        </p:spPr>
+        <p:txBody>
+          <a:bodyPr wrap="square" rtlCol="0">
+            <a:spAutoFit/>
+          </a:bodyPr>
+          <a:lstStyle>
+            <a:defPPr>
+              <a:defRPr lang="zh-CN"/>
+            </a:defPPr>
+            <a:lvl1pPr marL="0" algn="l" defTabSz="914400" rtl="0" eaLnBrk="1" latinLnBrk="0" hangingPunct="1">
+              <a:defRPr sz="1800" kern="1200">
+                <a:solidFill>
+                  <a:schemeClr val="tx1"/>
+                </a:solidFill>
+                <a:latin typeface="+mn-lt"/>
+                <a:ea typeface="+mn-ea"/>
+                <a:cs typeface="+mn-cs"/>
+              </a:defRPr>
+            </a:lvl1pPr>
+            <a:lvl2pPr marL="457200" algn="l" defTabSz="914400" rtl="0" eaLnBrk="1" latinLnBrk="0" hangingPunct="1">
+              <a:defRPr sz="1800" kern="1200">
+                <a:solidFill>
+                  <a:schemeClr val="tx1"/>
+                </a:solidFill>
+                <a:latin typeface="+mn-lt"/>
+                <a:ea typeface="+mn-ea"/>
+                <a:cs typeface="+mn-cs"/>
+              </a:defRPr>
+            </a:lvl2pPr>
+            <a:lvl3pPr marL="914400" algn="l" defTabSz="914400" rtl="0" eaLnBrk="1" latinLnBrk="0" hangingPunct="1">
+              <a:defRPr sz="1800" kern="1200">
+                <a:solidFill>
+                  <a:schemeClr val="tx1"/>
+                </a:solidFill>
+                <a:latin typeface="+mn-lt"/>
+                <a:ea typeface="+mn-ea"/>
+                <a:cs typeface="+mn-cs"/>
+              </a:defRPr>
+            </a:lvl3pPr>
+            <a:lvl4pPr marL="1371600" algn="l" defTabSz="914400" rtl="0" eaLnBrk="1" latinLnBrk="0" hangingPunct="1">
+              <a:defRPr sz="1800" kern="1200">
+                <a:solidFill>
+                  <a:schemeClr val="tx1"/>
+                </a:solidFill>
+                <a:latin typeface="+mn-lt"/>
+                <a:ea typeface="+mn-ea"/>
+                <a:cs typeface="+mn-cs"/>
+              </a:defRPr>
+            </a:lvl4pPr>
+            <a:lvl5pPr marL="1828800" algn="l" defTabSz="914400" rtl="0" eaLnBrk="1" latinLnBrk="0" hangingPunct="1">
+              <a:defRPr sz="1800" kern="1200">
+                <a:solidFill>
+                  <a:schemeClr val="tx1"/>
+                </a:solidFill>
+                <a:latin typeface="+mn-lt"/>
+                <a:ea typeface="+mn-ea"/>
+                <a:cs typeface="+mn-cs"/>
+              </a:defRPr>
+            </a:lvl5pPr>
+            <a:lvl6pPr marL="2286000" algn="l" defTabSz="914400" rtl="0" eaLnBrk="1" latinLnBrk="0" hangingPunct="1">
+              <a:defRPr sz="1800" kern="1200">
+                <a:solidFill>
+                  <a:schemeClr val="tx1"/>
+                </a:solidFill>
+                <a:latin typeface="+mn-lt"/>
+                <a:ea typeface="+mn-ea"/>
+                <a:cs typeface="+mn-cs"/>
+              </a:defRPr>
+            </a:lvl6pPr>
+            <a:lvl7pPr marL="2743200" algn="l" defTabSz="914400" rtl="0" eaLnBrk="1" latinLnBrk="0" hangingPunct="1">
+              <a:defRPr sz="1800" kern="1200">
+                <a:solidFill>
+                  <a:schemeClr val="tx1"/>
+                </a:solidFill>
+                <a:latin typeface="+mn-lt"/>
+                <a:ea typeface="+mn-ea"/>
+                <a:cs typeface="+mn-cs"/>
+              </a:defRPr>
+            </a:lvl7pPr>
+            <a:lvl8pPr marL="3200400" algn="l" defTabSz="914400" rtl="0" eaLnBrk="1" latinLnBrk="0" hangingPunct="1">
+              <a:defRPr sz="1800" kern="1200">
+                <a:solidFill>
+                  <a:schemeClr val="tx1"/>
+                </a:solidFill>
+                <a:latin typeface="+mn-lt"/>
+                <a:ea typeface="+mn-ea"/>
+                <a:cs typeface="+mn-cs"/>
+              </a:defRPr>
+            </a:lvl8pPr>
+            <a:lvl9pPr marL="3657600" algn="l" defTabSz="914400" rtl="0" eaLnBrk="1" latinLnBrk="0" hangingPunct="1">
+              <a:defRPr sz="1800" kern="1200">
+                <a:solidFill>
+                  <a:schemeClr val="tx1"/>
+                </a:solidFill>
+                <a:latin typeface="+mn-lt"/>
+                <a:ea typeface="+mn-ea"/>
+                <a:cs typeface="+mn-cs"/>
+              </a:defRPr>
+            </a:lvl9pPr>
+          </a:lstStyle>
+          <a:p>
+            <a:r>
+              <a:rPr lang="en-US" altLang="zh-CN" sz="3200" dirty="0">
+                <a:solidFill>
+                  <a:srgbClr val="425166"/>
+                </a:solidFill>
+                <a:latin typeface="Times New Roman" panose="02020603050405020304" pitchFamily="18" charset="0"/>
+                <a:ea typeface="思源黑体 CN Normal" panose="020B0400000000000000" pitchFamily="34" charset="-122"/>
+                <a:cs typeface="Times New Roman" panose="02020603050405020304" pitchFamily="18" charset="0"/>
+                <a:sym typeface="思源黑体 CN Normal" panose="020B0400000000000000" pitchFamily="34" charset="-122"/>
+              </a:rPr>
+              <a:t>Design Patterns in Refactoring——Flyweight </a:t>
+            </a:r>
+            <a:endParaRPr lang="zh-CN" altLang="en-US" sz="3200" dirty="0">
+              <a:solidFill>
+                <a:srgbClr val="425166"/>
+              </a:solidFill>
+              <a:latin typeface="Times New Roman" panose="02020603050405020304" pitchFamily="18" charset="0"/>
+              <a:ea typeface="思源黑体 CN Normal" panose="020B0400000000000000" pitchFamily="34" charset="-122"/>
+              <a:cs typeface="Times New Roman" panose="02020603050405020304" pitchFamily="18" charset="0"/>
+              <a:sym typeface="思源黑体 CN Normal" panose="020B0400000000000000" pitchFamily="34" charset="-122"/>
+            </a:endParaRPr>
+          </a:p>
+        </p:txBody>
+      </p:sp>
+      <p:sp>
+        <p:nvSpPr>
+          <p:cNvPr id="27" name="文本框 26">
+            <a:extLst>
+              <a:ext uri="{FF2B5EF4-FFF2-40B4-BE49-F238E27FC236}">
+                <a16:creationId xmlns:a16="http://schemas.microsoft.com/office/drawing/2014/main" id="{752616ED-6CFD-FAAA-65BD-13BAF24E6A21}"/>
+              </a:ext>
+            </a:extLst>
+          </p:cNvPr>
+          <p:cNvSpPr txBox="1"/>
+          <p:nvPr/>
+        </p:nvSpPr>
+        <p:spPr>
+          <a:xfrm>
+            <a:off x="1513519" y="934603"/>
+            <a:ext cx="3249738" cy="369332"/>
+          </a:xfrm>
+          <a:prstGeom prst="rect">
+            <a:avLst/>
+          </a:prstGeom>
+          <a:noFill/>
+        </p:spPr>
+        <p:txBody>
+          <a:bodyPr wrap="square">
+            <a:spAutoFit/>
+          </a:bodyPr>
+          <a:lstStyle/>
+          <a:p>
+            <a:pPr algn="ctr"/>
+            <a:r>
+              <a:rPr lang="en-US" altLang="zh-CN" dirty="0">
+                <a:latin typeface="Times New Roman" panose="02020603050405020304" pitchFamily="18" charset="0"/>
+                <a:cs typeface="Times New Roman" panose="02020603050405020304" pitchFamily="18" charset="0"/>
+              </a:rPr>
+              <a:t>Class diagram of Flyweight</a:t>
+            </a:r>
+            <a:endParaRPr lang="zh-CN" altLang="en-US" dirty="0">
+              <a:latin typeface="Times New Roman" panose="02020603050405020304" pitchFamily="18" charset="0"/>
+              <a:cs typeface="Times New Roman" panose="02020603050405020304" pitchFamily="18" charset="0"/>
+            </a:endParaRPr>
+          </a:p>
+        </p:txBody>
+      </p:sp>
+      <p:grpSp>
+        <p:nvGrpSpPr>
+          <p:cNvPr id="30" name="组合 29">
+            <a:extLst>
+              <a:ext uri="{FF2B5EF4-FFF2-40B4-BE49-F238E27FC236}">
+                <a16:creationId xmlns:a16="http://schemas.microsoft.com/office/drawing/2014/main" id="{5027DDE7-65B8-49BD-5E67-EBC7EFAF8BA9}"/>
+              </a:ext>
+            </a:extLst>
+          </p:cNvPr>
+          <p:cNvGrpSpPr/>
+          <p:nvPr/>
+        </p:nvGrpSpPr>
+        <p:grpSpPr>
+          <a:xfrm rot="10800000">
+            <a:off x="5944137" y="3145759"/>
+            <a:ext cx="969273" cy="248633"/>
+            <a:chOff x="6049119" y="5793914"/>
+            <a:chExt cx="1030620" cy="299295"/>
+          </a:xfrm>
+          <a:gradFill>
+            <a:gsLst>
+              <a:gs pos="0">
+                <a:schemeClr val="accent1">
+                  <a:lumMod val="5000"/>
+                  <a:lumOff val="95000"/>
+                </a:schemeClr>
+              </a:gs>
+              <a:gs pos="33000">
+                <a:schemeClr val="accent1">
+                  <a:lumMod val="45000"/>
+                  <a:lumOff val="55000"/>
+                </a:schemeClr>
+              </a:gs>
+              <a:gs pos="100000">
+                <a:schemeClr val="accent1">
+                  <a:lumMod val="75000"/>
+                </a:schemeClr>
+              </a:gs>
+            </a:gsLst>
+            <a:lin ang="0" scaled="0"/>
+          </a:gradFill>
+        </p:grpSpPr>
+        <p:sp>
+          <p:nvSpPr>
+            <p:cNvPr id="33" name="箭头: V 形 32">
+              <a:extLst>
+                <a:ext uri="{FF2B5EF4-FFF2-40B4-BE49-F238E27FC236}">
+                  <a16:creationId xmlns:a16="http://schemas.microsoft.com/office/drawing/2014/main" id="{CC470B7B-40A9-174D-26D7-2C6BED85682C}"/>
+                </a:ext>
+              </a:extLst>
+            </p:cNvPr>
+            <p:cNvSpPr/>
+            <p:nvPr/>
+          </p:nvSpPr>
+          <p:spPr>
+            <a:xfrm>
+              <a:off x="6049119" y="5793914"/>
+              <a:ext cx="258751" cy="299295"/>
+            </a:xfrm>
+            <a:prstGeom prst="chevron">
+              <a:avLst/>
+            </a:prstGeom>
+            <a:grpFill/>
+            <a:ln>
+              <a:noFill/>
+            </a:ln>
+          </p:spPr>
+          <p:style>
+            <a:lnRef idx="2">
+              <a:schemeClr val="accent1">
+                <a:shade val="15000"/>
+              </a:schemeClr>
+            </a:lnRef>
+            <a:fillRef idx="1">
+              <a:schemeClr val="accent1"/>
+            </a:fillRef>
+            <a:effectRef idx="0">
+              <a:schemeClr val="accent1"/>
+            </a:effectRef>
+            <a:fontRef idx="minor">
+              <a:schemeClr val="lt1"/>
+            </a:fontRef>
+          </p:style>
+          <p:txBody>
+            <a:bodyPr rtlCol="0" anchor="ctr"/>
+            <a:lstStyle/>
+            <a:p>
+              <a:pPr algn="ctr"/>
+              <a:endParaRPr lang="zh-CN" altLang="en-US">
+                <a:solidFill>
+                  <a:schemeClr val="accent1">
+                    <a:lumMod val="40000"/>
+                    <a:lumOff val="60000"/>
+                  </a:schemeClr>
+                </a:solidFill>
+              </a:endParaRPr>
+            </a:p>
+          </p:txBody>
+        </p:sp>
+        <p:sp>
+          <p:nvSpPr>
+            <p:cNvPr id="34" name="箭头: V 形 33">
+              <a:extLst>
+                <a:ext uri="{FF2B5EF4-FFF2-40B4-BE49-F238E27FC236}">
+                  <a16:creationId xmlns:a16="http://schemas.microsoft.com/office/drawing/2014/main" id="{A17F48B5-09F2-CD9A-6D08-8F710104436B}"/>
+                </a:ext>
+              </a:extLst>
+            </p:cNvPr>
+            <p:cNvSpPr/>
+            <p:nvPr/>
+          </p:nvSpPr>
+          <p:spPr>
+            <a:xfrm>
+              <a:off x="6307869" y="5793914"/>
+              <a:ext cx="258751" cy="299295"/>
+            </a:xfrm>
+            <a:prstGeom prst="chevron">
+              <a:avLst/>
+            </a:prstGeom>
+            <a:grpFill/>
+            <a:ln>
+              <a:noFill/>
+            </a:ln>
+          </p:spPr>
+          <p:style>
+            <a:lnRef idx="2">
+              <a:schemeClr val="accent1">
+                <a:shade val="15000"/>
+              </a:schemeClr>
+            </a:lnRef>
+            <a:fillRef idx="1">
+              <a:schemeClr val="accent1"/>
+            </a:fillRef>
+            <a:effectRef idx="0">
+              <a:schemeClr val="accent1"/>
+            </a:effectRef>
+            <a:fontRef idx="minor">
+              <a:schemeClr val="lt1"/>
+            </a:fontRef>
+          </p:style>
+          <p:txBody>
+            <a:bodyPr rtlCol="0" anchor="ctr"/>
+            <a:lstStyle/>
+            <a:p>
+              <a:pPr algn="ctr"/>
+              <a:endParaRPr lang="zh-CN" altLang="en-US">
+                <a:solidFill>
+                  <a:schemeClr val="accent1">
+                    <a:lumMod val="40000"/>
+                    <a:lumOff val="60000"/>
+                  </a:schemeClr>
+                </a:solidFill>
+              </a:endParaRPr>
+            </a:p>
+          </p:txBody>
+        </p:sp>
+        <p:sp>
+          <p:nvSpPr>
+            <p:cNvPr id="35" name="箭头: V 形 34">
+              <a:extLst>
+                <a:ext uri="{FF2B5EF4-FFF2-40B4-BE49-F238E27FC236}">
+                  <a16:creationId xmlns:a16="http://schemas.microsoft.com/office/drawing/2014/main" id="{B5A0A39C-8FE9-D65A-782D-0CCD61038614}"/>
+                </a:ext>
+              </a:extLst>
+            </p:cNvPr>
+            <p:cNvSpPr/>
+            <p:nvPr/>
+          </p:nvSpPr>
+          <p:spPr>
+            <a:xfrm>
+              <a:off x="6566622" y="5793914"/>
+              <a:ext cx="258751" cy="299295"/>
+            </a:xfrm>
+            <a:prstGeom prst="chevron">
+              <a:avLst/>
+            </a:prstGeom>
+            <a:grpFill/>
+            <a:ln>
+              <a:noFill/>
+            </a:ln>
+          </p:spPr>
+          <p:style>
+            <a:lnRef idx="2">
+              <a:schemeClr val="accent1">
+                <a:shade val="15000"/>
+              </a:schemeClr>
+            </a:lnRef>
+            <a:fillRef idx="1">
+              <a:schemeClr val="accent1"/>
+            </a:fillRef>
+            <a:effectRef idx="0">
+              <a:schemeClr val="accent1"/>
+            </a:effectRef>
+            <a:fontRef idx="minor">
+              <a:schemeClr val="lt1"/>
+            </a:fontRef>
+          </p:style>
+          <p:txBody>
+            <a:bodyPr rtlCol="0" anchor="ctr"/>
+            <a:lstStyle/>
+            <a:p>
+              <a:pPr algn="ctr"/>
+              <a:endParaRPr lang="zh-CN" altLang="en-US" dirty="0">
+                <a:solidFill>
+                  <a:schemeClr val="accent1">
+                    <a:lumMod val="40000"/>
+                    <a:lumOff val="60000"/>
+                  </a:schemeClr>
+                </a:solidFill>
+              </a:endParaRPr>
+            </a:p>
+          </p:txBody>
+        </p:sp>
+        <p:sp>
+          <p:nvSpPr>
+            <p:cNvPr id="36" name="箭头: V 形 35">
+              <a:extLst>
+                <a:ext uri="{FF2B5EF4-FFF2-40B4-BE49-F238E27FC236}">
+                  <a16:creationId xmlns:a16="http://schemas.microsoft.com/office/drawing/2014/main" id="{1A054D19-2391-E10D-F2CD-DAE824B5A512}"/>
+                </a:ext>
+              </a:extLst>
+            </p:cNvPr>
+            <p:cNvSpPr/>
+            <p:nvPr/>
+          </p:nvSpPr>
+          <p:spPr>
+            <a:xfrm>
+              <a:off x="6820988" y="5793914"/>
+              <a:ext cx="258751" cy="299295"/>
+            </a:xfrm>
+            <a:prstGeom prst="chevron">
+              <a:avLst/>
+            </a:prstGeom>
+            <a:grpFill/>
+            <a:ln>
+              <a:noFill/>
+            </a:ln>
+          </p:spPr>
+          <p:style>
+            <a:lnRef idx="2">
+              <a:schemeClr val="accent1">
+                <a:shade val="15000"/>
+              </a:schemeClr>
+            </a:lnRef>
+            <a:fillRef idx="1">
+              <a:schemeClr val="accent1"/>
+            </a:fillRef>
+            <a:effectRef idx="0">
+              <a:schemeClr val="accent1"/>
+            </a:effectRef>
+            <a:fontRef idx="minor">
+              <a:schemeClr val="lt1"/>
+            </a:fontRef>
+          </p:style>
+          <p:txBody>
+            <a:bodyPr rtlCol="0" anchor="ctr"/>
+            <a:lstStyle/>
+            <a:p>
+              <a:pPr algn="ctr"/>
+              <a:endParaRPr lang="zh-CN" altLang="en-US">
+                <a:solidFill>
+                  <a:schemeClr val="accent1">
+                    <a:lumMod val="40000"/>
+                    <a:lumOff val="60000"/>
+                  </a:schemeClr>
+                </a:solidFill>
+              </a:endParaRPr>
+            </a:p>
+          </p:txBody>
+        </p:sp>
+      </p:grpSp>
+      <p:pic>
+        <p:nvPicPr>
+          <p:cNvPr id="42" name="图片 41">
+            <a:extLst>
+              <a:ext uri="{FF2B5EF4-FFF2-40B4-BE49-F238E27FC236}">
+                <a16:creationId xmlns:a16="http://schemas.microsoft.com/office/drawing/2014/main" id="{462E81E7-9823-6E88-A944-3A75D9DDB5B7}"/>
+              </a:ext>
+            </a:extLst>
+          </p:cNvPr>
+          <p:cNvPicPr>
+            <a:picLocks noChangeAspect="1"/>
+          </p:cNvPicPr>
+          <p:nvPr/>
+        </p:nvPicPr>
+        <p:blipFill>
+          <a:blip r:embed="rId3"/>
+          <a:stretch>
+            <a:fillRect/>
+          </a:stretch>
+        </p:blipFill>
+        <p:spPr>
+          <a:xfrm>
+            <a:off x="6913410" y="1785385"/>
+            <a:ext cx="5096193" cy="2720748"/>
+          </a:xfrm>
+          <a:prstGeom prst="rect">
+            <a:avLst/>
+          </a:prstGeom>
+        </p:spPr>
+      </p:pic>
+      <p:sp>
+        <p:nvSpPr>
+          <p:cNvPr id="43" name="文本框 42">
+            <a:extLst>
+              <a:ext uri="{FF2B5EF4-FFF2-40B4-BE49-F238E27FC236}">
+                <a16:creationId xmlns:a16="http://schemas.microsoft.com/office/drawing/2014/main" id="{07B55608-F68F-CAE3-AC31-455A67E9D5DE}"/>
+              </a:ext>
+            </a:extLst>
+          </p:cNvPr>
+          <p:cNvSpPr txBox="1"/>
+          <p:nvPr/>
+        </p:nvSpPr>
+        <p:spPr>
+          <a:xfrm>
+            <a:off x="7836637" y="934603"/>
+            <a:ext cx="3249738" cy="369332"/>
+          </a:xfrm>
+          <a:prstGeom prst="rect">
+            <a:avLst/>
+          </a:prstGeom>
+          <a:noFill/>
+        </p:spPr>
+        <p:txBody>
+          <a:bodyPr wrap="square">
+            <a:spAutoFit/>
+          </a:bodyPr>
+          <a:lstStyle/>
+          <a:p>
+            <a:pPr algn="ctr"/>
+            <a:r>
+              <a:rPr lang="en-US" altLang="zh-CN" dirty="0">
+                <a:latin typeface="Times New Roman" panose="02020603050405020304" pitchFamily="18" charset="0"/>
+                <a:cs typeface="Times New Roman" panose="02020603050405020304" pitchFamily="18" charset="0"/>
+              </a:rPr>
+              <a:t>Original Structure</a:t>
+            </a:r>
+            <a:endParaRPr lang="zh-CN" altLang="en-US" dirty="0">
+              <a:latin typeface="Times New Roman" panose="02020603050405020304" pitchFamily="18" charset="0"/>
+              <a:cs typeface="Times New Roman" panose="02020603050405020304" pitchFamily="18" charset="0"/>
+            </a:endParaRPr>
+          </a:p>
+        </p:txBody>
+      </p:sp>
+      <p:sp>
+        <p:nvSpPr>
+          <p:cNvPr id="44" name="文本框 43">
+            <a:extLst>
+              <a:ext uri="{FF2B5EF4-FFF2-40B4-BE49-F238E27FC236}">
+                <a16:creationId xmlns:a16="http://schemas.microsoft.com/office/drawing/2014/main" id="{DCBF9AA9-6559-0FF9-22E7-C2D514ACEB6B}"/>
+              </a:ext>
+            </a:extLst>
+          </p:cNvPr>
+          <p:cNvSpPr txBox="1"/>
+          <p:nvPr/>
+        </p:nvSpPr>
+        <p:spPr>
+          <a:xfrm>
+            <a:off x="6973122" y="1303935"/>
+            <a:ext cx="5002475" cy="584775"/>
+          </a:xfrm>
+          <a:prstGeom prst="rect">
+            <a:avLst/>
+          </a:prstGeom>
+          <a:noFill/>
+        </p:spPr>
+        <p:txBody>
+          <a:bodyPr wrap="square">
+            <a:spAutoFit/>
+          </a:bodyPr>
+          <a:lstStyle/>
+          <a:p>
+            <a:r>
+              <a:rPr lang="en-US" altLang="zh-CN" sz="1600" dirty="0">
+                <a:latin typeface="Times New Roman" panose="02020603050405020304" pitchFamily="18" charset="0"/>
+                <a:cs typeface="Times New Roman" panose="02020603050405020304" pitchFamily="18" charset="0"/>
+              </a:rPr>
+              <a:t>       Each time a bullet is created, a texture image that takes up a large amount of space is saved.</a:t>
+            </a:r>
+            <a:endParaRPr lang="zh-CN" altLang="en-US" sz="1600" dirty="0">
+              <a:latin typeface="Times New Roman" panose="02020603050405020304" pitchFamily="18" charset="0"/>
+              <a:cs typeface="Times New Roman" panose="02020603050405020304" pitchFamily="18" charset="0"/>
+            </a:endParaRPr>
+          </a:p>
+        </p:txBody>
+      </p:sp>
+      <p:sp>
+        <p:nvSpPr>
+          <p:cNvPr id="45" name="文本框 44">
+            <a:extLst>
+              <a:ext uri="{FF2B5EF4-FFF2-40B4-BE49-F238E27FC236}">
+                <a16:creationId xmlns:a16="http://schemas.microsoft.com/office/drawing/2014/main" id="{A9792A0B-2732-0E9B-8A85-BA6833CE498A}"/>
+              </a:ext>
+            </a:extLst>
+          </p:cNvPr>
+          <p:cNvSpPr txBox="1"/>
+          <p:nvPr/>
+        </p:nvSpPr>
+        <p:spPr>
+          <a:xfrm>
+            <a:off x="216403" y="4839166"/>
+            <a:ext cx="1434348" cy="461665"/>
+          </a:xfrm>
+          <a:prstGeom prst="rect">
+            <a:avLst/>
+          </a:prstGeom>
+          <a:noFill/>
+        </p:spPr>
+        <p:txBody>
+          <a:bodyPr wrap="square">
+            <a:spAutoFit/>
+          </a:bodyPr>
+          <a:lstStyle/>
+          <a:p>
+            <a:pPr algn="ctr"/>
+            <a:r>
+              <a:rPr lang="en-US" altLang="zh-CN" sz="2400" dirty="0">
+                <a:latin typeface="Times New Roman" panose="02020603050405020304" pitchFamily="18" charset="0"/>
+                <a:cs typeface="Times New Roman" panose="02020603050405020304" pitchFamily="18" charset="0"/>
+              </a:rPr>
+              <a:t>Reasons :</a:t>
+            </a:r>
+            <a:endParaRPr lang="zh-CN" altLang="en-US" sz="2400" dirty="0">
+              <a:latin typeface="Times New Roman" panose="02020603050405020304" pitchFamily="18" charset="0"/>
+              <a:cs typeface="Times New Roman" panose="02020603050405020304" pitchFamily="18" charset="0"/>
+            </a:endParaRPr>
+          </a:p>
+        </p:txBody>
+      </p:sp>
+      <p:sp>
+        <p:nvSpPr>
+          <p:cNvPr id="46" name="文本框 45">
+            <a:extLst>
+              <a:ext uri="{FF2B5EF4-FFF2-40B4-BE49-F238E27FC236}">
+                <a16:creationId xmlns:a16="http://schemas.microsoft.com/office/drawing/2014/main" id="{42D16094-F781-EAA3-BFAA-3E23D9C434DE}"/>
+              </a:ext>
+            </a:extLst>
+          </p:cNvPr>
+          <p:cNvSpPr txBox="1"/>
+          <p:nvPr/>
+        </p:nvSpPr>
+        <p:spPr>
+          <a:xfrm>
+            <a:off x="6096000" y="4651438"/>
+            <a:ext cx="1353941" cy="461665"/>
+          </a:xfrm>
+          <a:prstGeom prst="rect">
+            <a:avLst/>
+          </a:prstGeom>
+          <a:noFill/>
+        </p:spPr>
+        <p:txBody>
+          <a:bodyPr wrap="square">
+            <a:spAutoFit/>
+          </a:bodyPr>
+          <a:lstStyle/>
+          <a:p>
+            <a:pPr algn="ctr"/>
+            <a:r>
+              <a:rPr lang="en-US" altLang="zh-CN" sz="2400" dirty="0">
+                <a:latin typeface="Times New Roman" panose="02020603050405020304" pitchFamily="18" charset="0"/>
+                <a:cs typeface="Times New Roman" panose="02020603050405020304" pitchFamily="18" charset="0"/>
+              </a:rPr>
+              <a:t>Benefits :</a:t>
+            </a:r>
+            <a:endParaRPr lang="zh-CN" altLang="en-US" sz="2400" dirty="0">
+              <a:latin typeface="Times New Roman" panose="02020603050405020304" pitchFamily="18" charset="0"/>
+              <a:cs typeface="Times New Roman" panose="02020603050405020304" pitchFamily="18" charset="0"/>
+            </a:endParaRPr>
+          </a:p>
+        </p:txBody>
+      </p:sp>
+      <p:sp>
+        <p:nvSpPr>
+          <p:cNvPr id="47" name="文本框 46">
+            <a:extLst>
+              <a:ext uri="{FF2B5EF4-FFF2-40B4-BE49-F238E27FC236}">
+                <a16:creationId xmlns:a16="http://schemas.microsoft.com/office/drawing/2014/main" id="{B8464A87-4B0E-0AEE-8D06-C7F42F146CD6}"/>
+              </a:ext>
+            </a:extLst>
+          </p:cNvPr>
+          <p:cNvSpPr txBox="1"/>
+          <p:nvPr/>
+        </p:nvSpPr>
+        <p:spPr>
+          <a:xfrm>
+            <a:off x="269711" y="5300831"/>
+            <a:ext cx="4131250" cy="752385"/>
+          </a:xfrm>
+          <a:prstGeom prst="rect">
+            <a:avLst/>
+          </a:prstGeom>
+          <a:noFill/>
+        </p:spPr>
+        <p:txBody>
+          <a:bodyPr wrap="square">
+            <a:spAutoFit/>
+          </a:bodyPr>
+          <a:lstStyle/>
+          <a:p>
+            <a:pPr marL="285750" indent="-285750">
+              <a:lnSpc>
+                <a:spcPct val="125000"/>
+              </a:lnSpc>
+              <a:buFont typeface="Arial" panose="020B0604020202020204" pitchFamily="34" charset="0"/>
+              <a:buChar char="•"/>
+            </a:pPr>
+            <a:r>
+              <a:rPr lang="en-US" altLang="zh-CN" dirty="0">
+                <a:latin typeface="Times New Roman" panose="02020603050405020304" pitchFamily="18" charset="0"/>
+                <a:cs typeface="Times New Roman" panose="02020603050405020304" pitchFamily="18" charset="0"/>
+              </a:rPr>
+              <a:t>High memory usage</a:t>
+            </a:r>
+          </a:p>
+          <a:p>
+            <a:pPr marL="285750" indent="-285750">
+              <a:lnSpc>
+                <a:spcPct val="125000"/>
+              </a:lnSpc>
+              <a:buFont typeface="Arial" panose="020B0604020202020204" pitchFamily="34" charset="0"/>
+              <a:buChar char="•"/>
+            </a:pPr>
+            <a:r>
+              <a:rPr lang="en-US" altLang="zh-CN" dirty="0">
+                <a:latin typeface="Times New Roman" panose="02020603050405020304" pitchFamily="18" charset="0"/>
+                <a:cs typeface="Times New Roman" panose="02020603050405020304" pitchFamily="18" charset="0"/>
+              </a:rPr>
+              <a:t>Low texture loading efficiency</a:t>
+            </a:r>
+          </a:p>
+        </p:txBody>
+      </p:sp>
+      <p:sp>
+        <p:nvSpPr>
+          <p:cNvPr id="48" name="文本框 47">
+            <a:extLst>
+              <a:ext uri="{FF2B5EF4-FFF2-40B4-BE49-F238E27FC236}">
+                <a16:creationId xmlns:a16="http://schemas.microsoft.com/office/drawing/2014/main" id="{3BAD0D5C-C0EF-C4D5-C2E6-5C875CC22FBE}"/>
+              </a:ext>
+            </a:extLst>
+          </p:cNvPr>
+          <p:cNvSpPr txBox="1"/>
+          <p:nvPr/>
+        </p:nvSpPr>
+        <p:spPr>
+          <a:xfrm>
+            <a:off x="6096000" y="5069998"/>
+            <a:ext cx="4028184" cy="1098634"/>
+          </a:xfrm>
+          <a:prstGeom prst="rect">
+            <a:avLst/>
+          </a:prstGeom>
+          <a:noFill/>
+        </p:spPr>
+        <p:txBody>
+          <a:bodyPr wrap="square">
+            <a:spAutoFit/>
+          </a:bodyPr>
+          <a:lstStyle/>
+          <a:p>
+            <a:pPr marL="285750" indent="-285750">
+              <a:lnSpc>
+                <a:spcPct val="125000"/>
+              </a:lnSpc>
+              <a:buFont typeface="Arial" panose="020B0604020202020204" pitchFamily="34" charset="0"/>
+              <a:buChar char="•"/>
+            </a:pPr>
+            <a:r>
+              <a:rPr lang="en-US" altLang="zh-CN" dirty="0">
+                <a:latin typeface="Times New Roman" panose="02020603050405020304" pitchFamily="18" charset="0"/>
+                <a:cs typeface="Times New Roman" panose="02020603050405020304" pitchFamily="18" charset="0"/>
+              </a:rPr>
+              <a:t>Reduces memory consumption</a:t>
+            </a:r>
+          </a:p>
+          <a:p>
+            <a:pPr marL="285750" indent="-285750">
+              <a:lnSpc>
+                <a:spcPct val="125000"/>
+              </a:lnSpc>
+              <a:buFont typeface="Arial" panose="020B0604020202020204" pitchFamily="34" charset="0"/>
+              <a:buChar char="•"/>
+            </a:pPr>
+            <a:r>
+              <a:rPr lang="en-US" altLang="zh-CN" dirty="0">
+                <a:latin typeface="Times New Roman" panose="02020603050405020304" pitchFamily="18" charset="0"/>
+                <a:cs typeface="Times New Roman" panose="02020603050405020304" pitchFamily="18" charset="0"/>
+              </a:rPr>
+              <a:t>Improves loading efficiency</a:t>
+            </a:r>
+          </a:p>
+          <a:p>
+            <a:pPr marL="285750" indent="-285750">
+              <a:lnSpc>
+                <a:spcPct val="125000"/>
+              </a:lnSpc>
+              <a:buFont typeface="Arial" panose="020B0604020202020204" pitchFamily="34" charset="0"/>
+              <a:buChar char="•"/>
+            </a:pPr>
+            <a:r>
+              <a:rPr lang="en-US" altLang="zh-CN" dirty="0">
+                <a:latin typeface="Times New Roman" panose="02020603050405020304" pitchFamily="18" charset="0"/>
+                <a:cs typeface="Times New Roman" panose="02020603050405020304" pitchFamily="18" charset="0"/>
+              </a:rPr>
+              <a:t>Facilitates resource management</a:t>
+            </a:r>
+            <a:endParaRPr lang="zh-CN" altLang="en-US" sz="1600" dirty="0">
+              <a:latin typeface="Times New Roman" panose="02020603050405020304" pitchFamily="18" charset="0"/>
+              <a:cs typeface="Times New Roman" panose="02020603050405020304" pitchFamily="18" charset="0"/>
+            </a:endParaRPr>
+          </a:p>
+        </p:txBody>
+      </p:sp>
+    </p:spTree>
+    <p:extLst>
+      <p:ext uri="{BB962C8B-B14F-4D97-AF65-F5344CB8AC3E}">
+        <p14:creationId xmlns:p14="http://schemas.microsoft.com/office/powerpoint/2010/main" val="411156907"/>
+      </p:ext>
+    </p:extLst>
+  </p:cSld>
+  <p:clrMapOvr>
+    <a:masterClrMapping/>
+  </p:clrMapOvr>
+</p:sld>
+</file>
+
+<file path=ppt/slides/slide11.xml><?xml version="1.0" encoding="utf-8"?>
+<p:sld xmlns:a="http://schemas.openxmlformats.org/drawingml/2006/main" xmlns:r="http://schemas.openxmlformats.org/officeDocument/2006/relationships" xmlns:p="http://schemas.openxmlformats.org/presentationml/2006/main">
+  <p:cSld>
+    <p:spTree>
+      <p:nvGrpSpPr>
+        <p:cNvPr id="1" name="">
+          <a:extLst>
+            <a:ext uri="{FF2B5EF4-FFF2-40B4-BE49-F238E27FC236}">
+              <a16:creationId xmlns:a16="http://schemas.microsoft.com/office/drawing/2014/main" id="{D78668CB-D8AC-A5D8-96B1-D6C9002875A9}"/>
+            </a:ext>
+          </a:extLst>
+        </p:cNvPr>
+        <p:cNvGrpSpPr/>
+        <p:nvPr/>
+      </p:nvGrpSpPr>
+      <p:grpSpPr>
+        <a:xfrm>
+          <a:off x="0" y="0"/>
+          <a:ext cx="0" cy="0"/>
+          <a:chOff x="0" y="0"/>
+          <a:chExt cx="0" cy="0"/>
+        </a:xfrm>
+      </p:grpSpPr>
+      <p:sp>
+        <p:nvSpPr>
+          <p:cNvPr id="5" name="矩形 4">
+            <a:extLst>
+              <a:ext uri="{FF2B5EF4-FFF2-40B4-BE49-F238E27FC236}">
+                <a16:creationId xmlns:a16="http://schemas.microsoft.com/office/drawing/2014/main" id="{0143472F-C721-7B9D-DB67-58AAEADD53AA}"/>
+              </a:ext>
+            </a:extLst>
+          </p:cNvPr>
+          <p:cNvSpPr/>
+          <p:nvPr/>
+        </p:nvSpPr>
+        <p:spPr>
+          <a:xfrm>
+            <a:off x="0" y="343632"/>
+            <a:ext cx="1244600" cy="426835"/>
+          </a:xfrm>
+          <a:prstGeom prst="rect">
+            <a:avLst/>
+          </a:prstGeom>
+          <a:solidFill>
+            <a:schemeClr val="accent1">
+              <a:lumMod val="50000"/>
+            </a:schemeClr>
+          </a:solidFill>
+        </p:spPr>
+        <p:style>
+          <a:lnRef idx="2">
+            <a:schemeClr val="accent1">
+              <a:shade val="15000"/>
+            </a:schemeClr>
+          </a:lnRef>
+          <a:fillRef idx="1">
+            <a:schemeClr val="accent1"/>
+          </a:fillRef>
+          <a:effectRef idx="0">
+            <a:schemeClr val="accent1"/>
+          </a:effectRef>
+          <a:fontRef idx="minor">
+            <a:schemeClr val="lt1"/>
+          </a:fontRef>
+        </p:style>
+        <p:txBody>
+          <a:bodyPr rtlCol="0" anchor="ctr"/>
+          <a:lstStyle/>
+          <a:p>
+            <a:pPr algn="ctr"/>
+            <a:endParaRPr lang="zh-CN" altLang="en-US"/>
+          </a:p>
+        </p:txBody>
+      </p:sp>
+      <p:sp>
+        <p:nvSpPr>
+          <p:cNvPr id="6" name="文本框 5">
+            <a:extLst>
+              <a:ext uri="{FF2B5EF4-FFF2-40B4-BE49-F238E27FC236}">
+                <a16:creationId xmlns:a16="http://schemas.microsoft.com/office/drawing/2014/main" id="{B3A2F600-D925-A3A6-A42C-3852B045454E}"/>
+              </a:ext>
+            </a:extLst>
+          </p:cNvPr>
+          <p:cNvSpPr txBox="1"/>
+          <p:nvPr/>
+        </p:nvSpPr>
+        <p:spPr>
+          <a:xfrm>
+            <a:off x="69850" y="370357"/>
+            <a:ext cx="1104900" cy="400110"/>
+          </a:xfrm>
+          <a:prstGeom prst="rect">
+            <a:avLst/>
+          </a:prstGeom>
+          <a:noFill/>
+        </p:spPr>
+        <p:txBody>
+          <a:bodyPr wrap="square" rtlCol="0">
+            <a:spAutoFit/>
+          </a:bodyPr>
+          <a:lstStyle/>
+          <a:p>
+            <a:r>
+              <a:rPr lang="en-US" altLang="zh-CN" sz="2000" dirty="0">
+                <a:solidFill>
+                  <a:schemeClr val="bg1">
+                    <a:lumMod val="95000"/>
+                  </a:schemeClr>
+                </a:solidFill>
+                <a:latin typeface="思源黑体 CN Bold" panose="020B0800000000000000" pitchFamily="34" charset="-122"/>
+                <a:ea typeface="思源黑体 CN Bold" panose="020B0800000000000000" pitchFamily="34" charset="-122"/>
+              </a:rPr>
+              <a:t>PART 2</a:t>
+            </a:r>
+            <a:endParaRPr lang="zh-CN" altLang="en-US" sz="2000" dirty="0">
+              <a:solidFill>
+                <a:schemeClr val="bg1">
+                  <a:lumMod val="95000"/>
+                </a:schemeClr>
+              </a:solidFill>
+              <a:latin typeface="思源黑体 CN Bold" panose="020B0800000000000000" pitchFamily="34" charset="-122"/>
+              <a:ea typeface="思源黑体 CN Bold" panose="020B0800000000000000" pitchFamily="34" charset="-122"/>
+            </a:endParaRPr>
+          </a:p>
+        </p:txBody>
+      </p:sp>
+      <p:sp>
+        <p:nvSpPr>
+          <p:cNvPr id="2" name="文本框 12">
+            <a:extLst>
+              <a:ext uri="{FF2B5EF4-FFF2-40B4-BE49-F238E27FC236}">
+                <a16:creationId xmlns:a16="http://schemas.microsoft.com/office/drawing/2014/main" id="{9C17ED91-3C7B-BC84-2751-96E266D8BA8D}"/>
+              </a:ext>
+            </a:extLst>
+          </p:cNvPr>
+          <p:cNvSpPr txBox="1"/>
+          <p:nvPr/>
+        </p:nvSpPr>
+        <p:spPr>
+          <a:xfrm>
+            <a:off x="1314449" y="226717"/>
+            <a:ext cx="7992837" cy="584775"/>
+          </a:xfrm>
+          <a:prstGeom prst="rect">
+            <a:avLst/>
+          </a:prstGeom>
+          <a:noFill/>
+        </p:spPr>
+        <p:txBody>
+          <a:bodyPr wrap="square" rtlCol="0">
+            <a:spAutoFit/>
+          </a:bodyPr>
+          <a:lstStyle>
+            <a:defPPr>
+              <a:defRPr lang="zh-CN"/>
+            </a:defPPr>
+            <a:lvl1pPr marL="0" algn="l" defTabSz="914400" rtl="0" eaLnBrk="1" latinLnBrk="0" hangingPunct="1">
+              <a:defRPr sz="1800" kern="1200">
+                <a:solidFill>
+                  <a:schemeClr val="tx1"/>
+                </a:solidFill>
+                <a:latin typeface="+mn-lt"/>
+                <a:ea typeface="+mn-ea"/>
+                <a:cs typeface="+mn-cs"/>
+              </a:defRPr>
+            </a:lvl1pPr>
+            <a:lvl2pPr marL="457200" algn="l" defTabSz="914400" rtl="0" eaLnBrk="1" latinLnBrk="0" hangingPunct="1">
+              <a:defRPr sz="1800" kern="1200">
+                <a:solidFill>
+                  <a:schemeClr val="tx1"/>
+                </a:solidFill>
+                <a:latin typeface="+mn-lt"/>
+                <a:ea typeface="+mn-ea"/>
+                <a:cs typeface="+mn-cs"/>
+              </a:defRPr>
+            </a:lvl2pPr>
+            <a:lvl3pPr marL="914400" algn="l" defTabSz="914400" rtl="0" eaLnBrk="1" latinLnBrk="0" hangingPunct="1">
+              <a:defRPr sz="1800" kern="1200">
+                <a:solidFill>
+                  <a:schemeClr val="tx1"/>
+                </a:solidFill>
+                <a:latin typeface="+mn-lt"/>
+                <a:ea typeface="+mn-ea"/>
+                <a:cs typeface="+mn-cs"/>
+              </a:defRPr>
+            </a:lvl3pPr>
+            <a:lvl4pPr marL="1371600" algn="l" defTabSz="914400" rtl="0" eaLnBrk="1" latinLnBrk="0" hangingPunct="1">
+              <a:defRPr sz="1800" kern="1200">
+                <a:solidFill>
+                  <a:schemeClr val="tx1"/>
+                </a:solidFill>
+                <a:latin typeface="+mn-lt"/>
+                <a:ea typeface="+mn-ea"/>
+                <a:cs typeface="+mn-cs"/>
+              </a:defRPr>
+            </a:lvl4pPr>
+            <a:lvl5pPr marL="1828800" algn="l" defTabSz="914400" rtl="0" eaLnBrk="1" latinLnBrk="0" hangingPunct="1">
+              <a:defRPr sz="1800" kern="1200">
+                <a:solidFill>
+                  <a:schemeClr val="tx1"/>
+                </a:solidFill>
+                <a:latin typeface="+mn-lt"/>
+                <a:ea typeface="+mn-ea"/>
+                <a:cs typeface="+mn-cs"/>
+              </a:defRPr>
+            </a:lvl5pPr>
+            <a:lvl6pPr marL="2286000" algn="l" defTabSz="914400" rtl="0" eaLnBrk="1" latinLnBrk="0" hangingPunct="1">
+              <a:defRPr sz="1800" kern="1200">
+                <a:solidFill>
+                  <a:schemeClr val="tx1"/>
+                </a:solidFill>
+                <a:latin typeface="+mn-lt"/>
+                <a:ea typeface="+mn-ea"/>
+                <a:cs typeface="+mn-cs"/>
+              </a:defRPr>
+            </a:lvl6pPr>
+            <a:lvl7pPr marL="2743200" algn="l" defTabSz="914400" rtl="0" eaLnBrk="1" latinLnBrk="0" hangingPunct="1">
+              <a:defRPr sz="1800" kern="1200">
+                <a:solidFill>
+                  <a:schemeClr val="tx1"/>
+                </a:solidFill>
+                <a:latin typeface="+mn-lt"/>
+                <a:ea typeface="+mn-ea"/>
+                <a:cs typeface="+mn-cs"/>
+              </a:defRPr>
+            </a:lvl7pPr>
+            <a:lvl8pPr marL="3200400" algn="l" defTabSz="914400" rtl="0" eaLnBrk="1" latinLnBrk="0" hangingPunct="1">
+              <a:defRPr sz="1800" kern="1200">
+                <a:solidFill>
+                  <a:schemeClr val="tx1"/>
+                </a:solidFill>
+                <a:latin typeface="+mn-lt"/>
+                <a:ea typeface="+mn-ea"/>
+                <a:cs typeface="+mn-cs"/>
+              </a:defRPr>
+            </a:lvl8pPr>
+            <a:lvl9pPr marL="3657600" algn="l" defTabSz="914400" rtl="0" eaLnBrk="1" latinLnBrk="0" hangingPunct="1">
+              <a:defRPr sz="1800" kern="1200">
+                <a:solidFill>
+                  <a:schemeClr val="tx1"/>
+                </a:solidFill>
+                <a:latin typeface="+mn-lt"/>
+                <a:ea typeface="+mn-ea"/>
+                <a:cs typeface="+mn-cs"/>
+              </a:defRPr>
+            </a:lvl9pPr>
+          </a:lstStyle>
+          <a:p>
+            <a:r>
+              <a:rPr lang="en-US" altLang="zh-CN" sz="3200" dirty="0">
+                <a:solidFill>
+                  <a:srgbClr val="425166"/>
+                </a:solidFill>
+                <a:latin typeface="Times New Roman" panose="02020603050405020304" pitchFamily="18" charset="0"/>
+                <a:ea typeface="思源黑体 CN Normal" panose="020B0400000000000000" pitchFamily="34" charset="-122"/>
+                <a:cs typeface="Times New Roman" panose="02020603050405020304" pitchFamily="18" charset="0"/>
+                <a:sym typeface="思源黑体 CN Normal" panose="020B0400000000000000" pitchFamily="34" charset="-122"/>
+              </a:rPr>
+              <a:t>Design Patterns in Refactoring——Decorator </a:t>
+            </a:r>
+            <a:endParaRPr lang="zh-CN" altLang="en-US" sz="3200" dirty="0">
+              <a:solidFill>
+                <a:srgbClr val="425166"/>
+              </a:solidFill>
+              <a:latin typeface="Times New Roman" panose="02020603050405020304" pitchFamily="18" charset="0"/>
+              <a:ea typeface="思源黑体 CN Normal" panose="020B0400000000000000" pitchFamily="34" charset="-122"/>
+              <a:cs typeface="Times New Roman" panose="02020603050405020304" pitchFamily="18" charset="0"/>
+              <a:sym typeface="思源黑体 CN Normal" panose="020B0400000000000000" pitchFamily="34" charset="-122"/>
+            </a:endParaRPr>
+          </a:p>
+        </p:txBody>
+      </p:sp>
+      <p:sp>
+        <p:nvSpPr>
+          <p:cNvPr id="43" name="文本框 42">
+            <a:extLst>
+              <a:ext uri="{FF2B5EF4-FFF2-40B4-BE49-F238E27FC236}">
+                <a16:creationId xmlns:a16="http://schemas.microsoft.com/office/drawing/2014/main" id="{D40725E2-63F1-75F2-FC59-5D3B45016598}"/>
+              </a:ext>
+            </a:extLst>
+          </p:cNvPr>
+          <p:cNvSpPr txBox="1"/>
+          <p:nvPr/>
+        </p:nvSpPr>
+        <p:spPr>
+          <a:xfrm>
+            <a:off x="1530565" y="1111336"/>
+            <a:ext cx="3249738" cy="369332"/>
+          </a:xfrm>
+          <a:prstGeom prst="rect">
+            <a:avLst/>
+          </a:prstGeom>
+          <a:noFill/>
+        </p:spPr>
+        <p:txBody>
+          <a:bodyPr wrap="square">
+            <a:spAutoFit/>
+          </a:bodyPr>
+          <a:lstStyle/>
+          <a:p>
+            <a:pPr algn="ctr"/>
+            <a:r>
+              <a:rPr lang="en-US" altLang="zh-CN" dirty="0">
+                <a:latin typeface="Times New Roman" panose="02020603050405020304" pitchFamily="18" charset="0"/>
+                <a:cs typeface="Times New Roman" panose="02020603050405020304" pitchFamily="18" charset="0"/>
+              </a:rPr>
+              <a:t>Original Structure</a:t>
+            </a:r>
+            <a:endParaRPr lang="zh-CN" altLang="en-US" dirty="0">
+              <a:latin typeface="Times New Roman" panose="02020603050405020304" pitchFamily="18" charset="0"/>
+              <a:cs typeface="Times New Roman" panose="02020603050405020304" pitchFamily="18" charset="0"/>
+            </a:endParaRPr>
+          </a:p>
+        </p:txBody>
+      </p:sp>
+      <p:pic>
+        <p:nvPicPr>
+          <p:cNvPr id="8" name="图片 7">
+            <a:extLst>
+              <a:ext uri="{FF2B5EF4-FFF2-40B4-BE49-F238E27FC236}">
+                <a16:creationId xmlns:a16="http://schemas.microsoft.com/office/drawing/2014/main" id="{27717046-59DE-7AD6-4B67-2D7739A43AE1}"/>
+              </a:ext>
+            </a:extLst>
+          </p:cNvPr>
+          <p:cNvPicPr>
+            <a:picLocks noChangeAspect="1"/>
+          </p:cNvPicPr>
+          <p:nvPr/>
+        </p:nvPicPr>
+        <p:blipFill>
+          <a:blip r:embed="rId2"/>
+          <a:stretch>
+            <a:fillRect/>
+          </a:stretch>
+        </p:blipFill>
+        <p:spPr>
+          <a:xfrm>
+            <a:off x="547312" y="1480668"/>
+            <a:ext cx="5216245" cy="5006975"/>
+          </a:xfrm>
+          <a:prstGeom prst="rect">
+            <a:avLst/>
+          </a:prstGeom>
+        </p:spPr>
+      </p:pic>
+      <p:sp>
+        <p:nvSpPr>
+          <p:cNvPr id="3" name="文本框 2">
+            <a:extLst>
+              <a:ext uri="{FF2B5EF4-FFF2-40B4-BE49-F238E27FC236}">
+                <a16:creationId xmlns:a16="http://schemas.microsoft.com/office/drawing/2014/main" id="{D0142C9C-31F8-6F00-B646-EEAF01CFCC72}"/>
+              </a:ext>
+            </a:extLst>
+          </p:cNvPr>
+          <p:cNvSpPr txBox="1"/>
+          <p:nvPr/>
+        </p:nvSpPr>
+        <p:spPr>
+          <a:xfrm>
+            <a:off x="7257737" y="1111336"/>
+            <a:ext cx="3249738" cy="369332"/>
+          </a:xfrm>
+          <a:prstGeom prst="rect">
+            <a:avLst/>
+          </a:prstGeom>
+          <a:noFill/>
+        </p:spPr>
+        <p:txBody>
+          <a:bodyPr wrap="square">
+            <a:spAutoFit/>
+          </a:bodyPr>
+          <a:lstStyle/>
+          <a:p>
+            <a:pPr algn="ctr"/>
+            <a:r>
+              <a:rPr lang="en-US" altLang="zh-CN" dirty="0">
+                <a:latin typeface="Times New Roman" panose="02020603050405020304" pitchFamily="18" charset="0"/>
+                <a:cs typeface="Times New Roman" panose="02020603050405020304" pitchFamily="18" charset="0"/>
+              </a:rPr>
+              <a:t>Issues or Reason for Refactoring</a:t>
+            </a:r>
+            <a:endParaRPr lang="zh-CN" altLang="en-US" dirty="0">
+              <a:latin typeface="Times New Roman" panose="02020603050405020304" pitchFamily="18" charset="0"/>
+              <a:cs typeface="Times New Roman" panose="02020603050405020304" pitchFamily="18" charset="0"/>
+            </a:endParaRPr>
+          </a:p>
+        </p:txBody>
+      </p:sp>
+      <p:sp>
+        <p:nvSpPr>
+          <p:cNvPr id="7" name="文本框 6">
+            <a:extLst>
+              <a:ext uri="{FF2B5EF4-FFF2-40B4-BE49-F238E27FC236}">
+                <a16:creationId xmlns:a16="http://schemas.microsoft.com/office/drawing/2014/main" id="{07615A64-2E1F-46AB-64B3-0B23921A61DE}"/>
+              </a:ext>
+            </a:extLst>
+          </p:cNvPr>
+          <p:cNvSpPr txBox="1"/>
+          <p:nvPr/>
+        </p:nvSpPr>
+        <p:spPr>
+          <a:xfrm>
+            <a:off x="6578417" y="1659170"/>
+            <a:ext cx="5002475" cy="2633413"/>
+          </a:xfrm>
+          <a:prstGeom prst="rect">
+            <a:avLst/>
+          </a:prstGeom>
+          <a:noFill/>
+        </p:spPr>
+        <p:txBody>
+          <a:bodyPr wrap="square">
+            <a:spAutoFit/>
+          </a:bodyPr>
+          <a:lstStyle/>
+          <a:p>
+            <a:pPr>
+              <a:lnSpc>
+                <a:spcPct val="150000"/>
+              </a:lnSpc>
+            </a:pPr>
+            <a:r>
+              <a:rPr lang="en-US" altLang="zh-CN" sz="1600" dirty="0">
+                <a:solidFill>
+                  <a:srgbClr val="FF0000"/>
+                </a:solidFill>
+                <a:latin typeface="Times New Roman" panose="02020603050405020304" pitchFamily="18" charset="0"/>
+                <a:cs typeface="Times New Roman" panose="02020603050405020304" pitchFamily="18" charset="0"/>
+              </a:rPr>
+              <a:t>Rigid Structure: </a:t>
+            </a:r>
+          </a:p>
+          <a:p>
+            <a:pPr>
+              <a:lnSpc>
+                <a:spcPct val="150000"/>
+              </a:lnSpc>
+            </a:pPr>
+            <a:r>
+              <a:rPr lang="en-US" altLang="zh-CN" sz="1600" dirty="0">
+                <a:latin typeface="Times New Roman" panose="02020603050405020304" pitchFamily="18" charset="0"/>
+                <a:cs typeface="Times New Roman" panose="02020603050405020304" pitchFamily="18" charset="0"/>
+              </a:rPr>
+              <a:t>        If new attack types or combinations (e.g., an explosive bullet with poison damage) need to be implemented, the system requires the creation of new subclasses for each combination. This results in a proliferation of subclasses, making the system harder to manage and extend.</a:t>
+            </a:r>
+          </a:p>
+        </p:txBody>
+      </p:sp>
+    </p:spTree>
+    <p:extLst>
+      <p:ext uri="{BB962C8B-B14F-4D97-AF65-F5344CB8AC3E}">
+        <p14:creationId xmlns:p14="http://schemas.microsoft.com/office/powerpoint/2010/main" val="709072672"/>
+      </p:ext>
+    </p:extLst>
+  </p:cSld>
+  <p:clrMapOvr>
+    <a:masterClrMapping/>
+  </p:clrMapOvr>
+</p:sld>
+</file>
+
+<file path=ppt/slides/slide12.xml><?xml version="1.0" encoding="utf-8"?>
+<p:sld xmlns:a="http://schemas.openxmlformats.org/drawingml/2006/main" xmlns:r="http://schemas.openxmlformats.org/officeDocument/2006/relationships" xmlns:p="http://schemas.openxmlformats.org/presentationml/2006/main">
+  <p:cSld>
+    <p:spTree>
+      <p:nvGrpSpPr>
+        <p:cNvPr id="1" name="">
+          <a:extLst>
+            <a:ext uri="{FF2B5EF4-FFF2-40B4-BE49-F238E27FC236}">
               <a16:creationId xmlns:a16="http://schemas.microsoft.com/office/drawing/2014/main" id="{F257CB00-50BD-9977-878B-A4C6A3955DBD}"/>
             </a:ext>
           </a:extLst>
@@ -6315,934 +7832,6 @@
     <p:extLst>
       <p:ext uri="{BB962C8B-B14F-4D97-AF65-F5344CB8AC3E}">
         <p14:creationId xmlns:p14="http://schemas.microsoft.com/office/powerpoint/2010/main" val="2931511844"/>
-      </p:ext>
-    </p:extLst>
-  </p:cSld>
-  <p:clrMapOvr>
-    <a:masterClrMapping/>
-  </p:clrMapOvr>
-</p:sld>
-</file>
-
-<file path=ppt/slides/slide11.xml><?xml version="1.0" encoding="utf-8"?>
-<p:sld xmlns:a="http://schemas.openxmlformats.org/drawingml/2006/main" xmlns:r="http://schemas.openxmlformats.org/officeDocument/2006/relationships" xmlns:p="http://schemas.openxmlformats.org/presentationml/2006/main">
-  <p:cSld>
-    <p:spTree>
-      <p:nvGrpSpPr>
-        <p:cNvPr id="1" name="">
-          <a:extLst>
-            <a:ext uri="{FF2B5EF4-FFF2-40B4-BE49-F238E27FC236}">
-              <a16:creationId xmlns:a16="http://schemas.microsoft.com/office/drawing/2014/main" id="{D429E42E-1381-597B-84A1-E80C39DDF7D7}"/>
-            </a:ext>
-          </a:extLst>
-        </p:cNvPr>
-        <p:cNvGrpSpPr/>
-        <p:nvPr/>
-      </p:nvGrpSpPr>
-      <p:grpSpPr>
-        <a:xfrm>
-          <a:off x="0" y="0"/>
-          <a:ext cx="0" cy="0"/>
-          <a:chOff x="0" y="0"/>
-          <a:chExt cx="0" cy="0"/>
-        </a:xfrm>
-      </p:grpSpPr>
-      <p:sp>
-        <p:nvSpPr>
-          <p:cNvPr id="5" name="矩形 4">
-            <a:extLst>
-              <a:ext uri="{FF2B5EF4-FFF2-40B4-BE49-F238E27FC236}">
-                <a16:creationId xmlns:a16="http://schemas.microsoft.com/office/drawing/2014/main" id="{AE806785-C2D1-9757-3C84-CFA7DC0CB4FB}"/>
-              </a:ext>
-            </a:extLst>
-          </p:cNvPr>
-          <p:cNvSpPr/>
-          <p:nvPr/>
-        </p:nvSpPr>
-        <p:spPr>
-          <a:xfrm>
-            <a:off x="0" y="343632"/>
-            <a:ext cx="1244600" cy="426835"/>
-          </a:xfrm>
-          <a:prstGeom prst="rect">
-            <a:avLst/>
-          </a:prstGeom>
-          <a:solidFill>
-            <a:schemeClr val="accent1">
-              <a:lumMod val="50000"/>
-            </a:schemeClr>
-          </a:solidFill>
-        </p:spPr>
-        <p:style>
-          <a:lnRef idx="2">
-            <a:schemeClr val="accent1">
-              <a:shade val="15000"/>
-            </a:schemeClr>
-          </a:lnRef>
-          <a:fillRef idx="1">
-            <a:schemeClr val="accent1"/>
-          </a:fillRef>
-          <a:effectRef idx="0">
-            <a:schemeClr val="accent1"/>
-          </a:effectRef>
-          <a:fontRef idx="minor">
-            <a:schemeClr val="lt1"/>
-          </a:fontRef>
-        </p:style>
-        <p:txBody>
-          <a:bodyPr rtlCol="0" anchor="ctr"/>
-          <a:lstStyle/>
-          <a:p>
-            <a:pPr algn="ctr"/>
-            <a:endParaRPr lang="zh-CN" altLang="en-US"/>
-          </a:p>
-        </p:txBody>
-      </p:sp>
-      <p:sp>
-        <p:nvSpPr>
-          <p:cNvPr id="6" name="文本框 5">
-            <a:extLst>
-              <a:ext uri="{FF2B5EF4-FFF2-40B4-BE49-F238E27FC236}">
-                <a16:creationId xmlns:a16="http://schemas.microsoft.com/office/drawing/2014/main" id="{AA2BAC5A-C502-DF4D-F647-9A1C3835284B}"/>
-              </a:ext>
-            </a:extLst>
-          </p:cNvPr>
-          <p:cNvSpPr txBox="1"/>
-          <p:nvPr/>
-        </p:nvSpPr>
-        <p:spPr>
-          <a:xfrm>
-            <a:off x="69850" y="370357"/>
-            <a:ext cx="1104900" cy="400110"/>
-          </a:xfrm>
-          <a:prstGeom prst="rect">
-            <a:avLst/>
-          </a:prstGeom>
-          <a:noFill/>
-        </p:spPr>
-        <p:txBody>
-          <a:bodyPr wrap="square" rtlCol="0">
-            <a:spAutoFit/>
-          </a:bodyPr>
-          <a:lstStyle/>
-          <a:p>
-            <a:r>
-              <a:rPr lang="en-US" altLang="zh-CN" sz="2000" dirty="0">
-                <a:solidFill>
-                  <a:schemeClr val="bg1">
-                    <a:lumMod val="95000"/>
-                  </a:schemeClr>
-                </a:solidFill>
-                <a:latin typeface="思源黑体 CN Bold" panose="020B0800000000000000" pitchFamily="34" charset="-122"/>
-                <a:ea typeface="思源黑体 CN Bold" panose="020B0800000000000000" pitchFamily="34" charset="-122"/>
-              </a:rPr>
-              <a:t>PART 2</a:t>
-            </a:r>
-            <a:endParaRPr lang="zh-CN" altLang="en-US" sz="2000" dirty="0">
-              <a:solidFill>
-                <a:schemeClr val="bg1">
-                  <a:lumMod val="95000"/>
-                </a:schemeClr>
-              </a:solidFill>
-              <a:latin typeface="思源黑体 CN Bold" panose="020B0800000000000000" pitchFamily="34" charset="-122"/>
-              <a:ea typeface="思源黑体 CN Bold" panose="020B0800000000000000" pitchFamily="34" charset="-122"/>
-            </a:endParaRPr>
-          </a:p>
-        </p:txBody>
-      </p:sp>
-      <p:sp>
-        <p:nvSpPr>
-          <p:cNvPr id="2" name="文本框 12">
-            <a:extLst>
-              <a:ext uri="{FF2B5EF4-FFF2-40B4-BE49-F238E27FC236}">
-                <a16:creationId xmlns:a16="http://schemas.microsoft.com/office/drawing/2014/main" id="{650D472B-9F59-6668-7823-BA9DE29CA716}"/>
-              </a:ext>
-            </a:extLst>
-          </p:cNvPr>
-          <p:cNvSpPr txBox="1"/>
-          <p:nvPr/>
-        </p:nvSpPr>
-        <p:spPr>
-          <a:xfrm>
-            <a:off x="1314449" y="226717"/>
-            <a:ext cx="7622722" cy="584775"/>
-          </a:xfrm>
-          <a:prstGeom prst="rect">
-            <a:avLst/>
-          </a:prstGeom>
-          <a:noFill/>
-        </p:spPr>
-        <p:txBody>
-          <a:bodyPr wrap="square" rtlCol="0">
-            <a:spAutoFit/>
-          </a:bodyPr>
-          <a:lstStyle>
-            <a:defPPr>
-              <a:defRPr lang="zh-CN"/>
-            </a:defPPr>
-            <a:lvl1pPr marL="0" algn="l" defTabSz="914400" rtl="0" eaLnBrk="1" latinLnBrk="0" hangingPunct="1">
-              <a:defRPr sz="1800" kern="1200">
-                <a:solidFill>
-                  <a:schemeClr val="tx1"/>
-                </a:solidFill>
-                <a:latin typeface="+mn-lt"/>
-                <a:ea typeface="+mn-ea"/>
-                <a:cs typeface="+mn-cs"/>
-              </a:defRPr>
-            </a:lvl1pPr>
-            <a:lvl2pPr marL="457200" algn="l" defTabSz="914400" rtl="0" eaLnBrk="1" latinLnBrk="0" hangingPunct="1">
-              <a:defRPr sz="1800" kern="1200">
-                <a:solidFill>
-                  <a:schemeClr val="tx1"/>
-                </a:solidFill>
-                <a:latin typeface="+mn-lt"/>
-                <a:ea typeface="+mn-ea"/>
-                <a:cs typeface="+mn-cs"/>
-              </a:defRPr>
-            </a:lvl2pPr>
-            <a:lvl3pPr marL="914400" algn="l" defTabSz="914400" rtl="0" eaLnBrk="1" latinLnBrk="0" hangingPunct="1">
-              <a:defRPr sz="1800" kern="1200">
-                <a:solidFill>
-                  <a:schemeClr val="tx1"/>
-                </a:solidFill>
-                <a:latin typeface="+mn-lt"/>
-                <a:ea typeface="+mn-ea"/>
-                <a:cs typeface="+mn-cs"/>
-              </a:defRPr>
-            </a:lvl3pPr>
-            <a:lvl4pPr marL="1371600" algn="l" defTabSz="914400" rtl="0" eaLnBrk="1" latinLnBrk="0" hangingPunct="1">
-              <a:defRPr sz="1800" kern="1200">
-                <a:solidFill>
-                  <a:schemeClr val="tx1"/>
-                </a:solidFill>
-                <a:latin typeface="+mn-lt"/>
-                <a:ea typeface="+mn-ea"/>
-                <a:cs typeface="+mn-cs"/>
-              </a:defRPr>
-            </a:lvl4pPr>
-            <a:lvl5pPr marL="1828800" algn="l" defTabSz="914400" rtl="0" eaLnBrk="1" latinLnBrk="0" hangingPunct="1">
-              <a:defRPr sz="1800" kern="1200">
-                <a:solidFill>
-                  <a:schemeClr val="tx1"/>
-                </a:solidFill>
-                <a:latin typeface="+mn-lt"/>
-                <a:ea typeface="+mn-ea"/>
-                <a:cs typeface="+mn-cs"/>
-              </a:defRPr>
-            </a:lvl5pPr>
-            <a:lvl6pPr marL="2286000" algn="l" defTabSz="914400" rtl="0" eaLnBrk="1" latinLnBrk="0" hangingPunct="1">
-              <a:defRPr sz="1800" kern="1200">
-                <a:solidFill>
-                  <a:schemeClr val="tx1"/>
-                </a:solidFill>
-                <a:latin typeface="+mn-lt"/>
-                <a:ea typeface="+mn-ea"/>
-                <a:cs typeface="+mn-cs"/>
-              </a:defRPr>
-            </a:lvl6pPr>
-            <a:lvl7pPr marL="2743200" algn="l" defTabSz="914400" rtl="0" eaLnBrk="1" latinLnBrk="0" hangingPunct="1">
-              <a:defRPr sz="1800" kern="1200">
-                <a:solidFill>
-                  <a:schemeClr val="tx1"/>
-                </a:solidFill>
-                <a:latin typeface="+mn-lt"/>
-                <a:ea typeface="+mn-ea"/>
-                <a:cs typeface="+mn-cs"/>
-              </a:defRPr>
-            </a:lvl7pPr>
-            <a:lvl8pPr marL="3200400" algn="l" defTabSz="914400" rtl="0" eaLnBrk="1" latinLnBrk="0" hangingPunct="1">
-              <a:defRPr sz="1800" kern="1200">
-                <a:solidFill>
-                  <a:schemeClr val="tx1"/>
-                </a:solidFill>
-                <a:latin typeface="+mn-lt"/>
-                <a:ea typeface="+mn-ea"/>
-                <a:cs typeface="+mn-cs"/>
-              </a:defRPr>
-            </a:lvl8pPr>
-            <a:lvl9pPr marL="3657600" algn="l" defTabSz="914400" rtl="0" eaLnBrk="1" latinLnBrk="0" hangingPunct="1">
-              <a:defRPr sz="1800" kern="1200">
-                <a:solidFill>
-                  <a:schemeClr val="tx1"/>
-                </a:solidFill>
-                <a:latin typeface="+mn-lt"/>
-                <a:ea typeface="+mn-ea"/>
-                <a:cs typeface="+mn-cs"/>
-              </a:defRPr>
-            </a:lvl9pPr>
-          </a:lstStyle>
-          <a:p>
-            <a:r>
-              <a:rPr lang="en-US" altLang="zh-CN" sz="3200" dirty="0">
-                <a:solidFill>
-                  <a:srgbClr val="425166"/>
-                </a:solidFill>
-                <a:latin typeface="Times New Roman" panose="02020603050405020304" pitchFamily="18" charset="0"/>
-                <a:ea typeface="思源黑体 CN Normal" panose="020B0400000000000000" pitchFamily="34" charset="-122"/>
-                <a:cs typeface="Times New Roman" panose="02020603050405020304" pitchFamily="18" charset="0"/>
-                <a:sym typeface="思源黑体 CN Normal" panose="020B0400000000000000" pitchFamily="34" charset="-122"/>
-              </a:rPr>
-              <a:t>Design Patterns in Refactoring——Observer </a:t>
-            </a:r>
-            <a:endParaRPr lang="zh-CN" altLang="en-US" sz="3200" dirty="0">
-              <a:solidFill>
-                <a:srgbClr val="425166"/>
-              </a:solidFill>
-              <a:latin typeface="Times New Roman" panose="02020603050405020304" pitchFamily="18" charset="0"/>
-              <a:ea typeface="思源黑体 CN Normal" panose="020B0400000000000000" pitchFamily="34" charset="-122"/>
-              <a:cs typeface="Times New Roman" panose="02020603050405020304" pitchFamily="18" charset="0"/>
-              <a:sym typeface="思源黑体 CN Normal" panose="020B0400000000000000" pitchFamily="34" charset="-122"/>
-            </a:endParaRPr>
-          </a:p>
-        </p:txBody>
-      </p:sp>
-      <p:sp>
-        <p:nvSpPr>
-          <p:cNvPr id="3" name="文本框 2">
-            <a:extLst>
-              <a:ext uri="{FF2B5EF4-FFF2-40B4-BE49-F238E27FC236}">
-                <a16:creationId xmlns:a16="http://schemas.microsoft.com/office/drawing/2014/main" id="{54156AD4-59E3-117F-D33F-56E7A60C1D08}"/>
-              </a:ext>
-            </a:extLst>
-          </p:cNvPr>
-          <p:cNvSpPr txBox="1"/>
-          <p:nvPr/>
-        </p:nvSpPr>
-        <p:spPr>
-          <a:xfrm>
-            <a:off x="1288652" y="1121640"/>
-            <a:ext cx="3249738" cy="369332"/>
-          </a:xfrm>
-          <a:prstGeom prst="rect">
-            <a:avLst/>
-          </a:prstGeom>
-          <a:noFill/>
-        </p:spPr>
-        <p:txBody>
-          <a:bodyPr wrap="square">
-            <a:spAutoFit/>
-          </a:bodyPr>
-          <a:lstStyle/>
-          <a:p>
-            <a:pPr algn="ctr"/>
-            <a:r>
-              <a:rPr lang="en-US" altLang="zh-CN" dirty="0">
-                <a:latin typeface="Times New Roman" panose="02020603050405020304" pitchFamily="18" charset="0"/>
-                <a:cs typeface="Times New Roman" panose="02020603050405020304" pitchFamily="18" charset="0"/>
-              </a:rPr>
-              <a:t>Original Structure</a:t>
-            </a:r>
-            <a:endParaRPr lang="zh-CN" altLang="en-US" dirty="0">
-              <a:latin typeface="Times New Roman" panose="02020603050405020304" pitchFamily="18" charset="0"/>
-              <a:cs typeface="Times New Roman" panose="02020603050405020304" pitchFamily="18" charset="0"/>
-            </a:endParaRPr>
-          </a:p>
-        </p:txBody>
-      </p:sp>
-      <p:pic>
-        <p:nvPicPr>
-          <p:cNvPr id="7" name="图片 6">
-            <a:extLst>
-              <a:ext uri="{FF2B5EF4-FFF2-40B4-BE49-F238E27FC236}">
-                <a16:creationId xmlns:a16="http://schemas.microsoft.com/office/drawing/2014/main" id="{F447FD91-B5F3-B1AD-BC5E-B58538B67C21}"/>
-              </a:ext>
-            </a:extLst>
-          </p:cNvPr>
-          <p:cNvPicPr>
-            <a:picLocks noChangeAspect="1"/>
-          </p:cNvPicPr>
-          <p:nvPr/>
-        </p:nvPicPr>
-        <p:blipFill>
-          <a:blip r:embed="rId2"/>
-          <a:stretch>
-            <a:fillRect/>
-          </a:stretch>
-        </p:blipFill>
-        <p:spPr>
-          <a:xfrm>
-            <a:off x="136984" y="1499878"/>
-            <a:ext cx="5553075" cy="3867150"/>
-          </a:xfrm>
-          <a:prstGeom prst="rect">
-            <a:avLst/>
-          </a:prstGeom>
-        </p:spPr>
-      </p:pic>
-      <p:sp>
-        <p:nvSpPr>
-          <p:cNvPr id="9" name="文本框 8">
-            <a:extLst>
-              <a:ext uri="{FF2B5EF4-FFF2-40B4-BE49-F238E27FC236}">
-                <a16:creationId xmlns:a16="http://schemas.microsoft.com/office/drawing/2014/main" id="{6B1A793C-9C8D-E3CE-08A4-7337391F7B1F}"/>
-              </a:ext>
-            </a:extLst>
-          </p:cNvPr>
-          <p:cNvSpPr txBox="1"/>
-          <p:nvPr/>
-        </p:nvSpPr>
-        <p:spPr>
-          <a:xfrm>
-            <a:off x="6206925" y="1555698"/>
-            <a:ext cx="5460492" cy="2135456"/>
-          </a:xfrm>
-          <a:prstGeom prst="rect">
-            <a:avLst/>
-          </a:prstGeom>
-          <a:noFill/>
-        </p:spPr>
-        <p:txBody>
-          <a:bodyPr wrap="square">
-            <a:spAutoFit/>
-          </a:bodyPr>
-          <a:lstStyle/>
-          <a:p>
-            <a:pPr>
-              <a:spcAft>
-                <a:spcPts val="1200"/>
-              </a:spcAft>
-            </a:pPr>
-            <a:r>
-              <a:rPr lang="en-US" altLang="zh-CN" dirty="0">
-                <a:latin typeface="Times New Roman" panose="02020603050405020304" pitchFamily="18" charset="0"/>
-                <a:cs typeface="Times New Roman" panose="02020603050405020304" pitchFamily="18" charset="0"/>
-              </a:rPr>
-              <a:t>Original Logic for Tower to Obtain Enemies</a:t>
-            </a:r>
-          </a:p>
-          <a:p>
-            <a:pPr marL="285750" indent="-285750">
-              <a:lnSpc>
-                <a:spcPct val="150000"/>
-              </a:lnSpc>
-              <a:buFont typeface="Arial" panose="020B0604020202020204" pitchFamily="34" charset="0"/>
-              <a:buChar char="•"/>
-            </a:pPr>
-            <a:r>
-              <a:rPr lang="en-US" altLang="zh-CN" dirty="0">
-                <a:latin typeface="Times New Roman" panose="02020603050405020304" pitchFamily="18" charset="0"/>
-                <a:cs typeface="Times New Roman" panose="02020603050405020304" pitchFamily="18" charset="0"/>
-              </a:rPr>
-              <a:t>The enemies of each wave are stored in the level.</a:t>
-            </a:r>
-          </a:p>
-          <a:p>
-            <a:pPr marL="285750" indent="-285750">
-              <a:lnSpc>
-                <a:spcPct val="150000"/>
-              </a:lnSpc>
-              <a:buFont typeface="Arial" panose="020B0604020202020204" pitchFamily="34" charset="0"/>
-              <a:buChar char="•"/>
-            </a:pPr>
-            <a:r>
-              <a:rPr lang="en-US" altLang="zh-CN" dirty="0">
-                <a:latin typeface="Times New Roman" panose="02020603050405020304" pitchFamily="18" charset="0"/>
-                <a:cs typeface="Times New Roman" panose="02020603050405020304" pitchFamily="18" charset="0"/>
-              </a:rPr>
-              <a:t>The tower obtains the enemies of each wave by iteration, regardless of whether the enemy has appeared or is already dead.</a:t>
-            </a:r>
-            <a:endParaRPr lang="zh-CN" altLang="en-US" dirty="0">
-              <a:latin typeface="Times New Roman" panose="02020603050405020304" pitchFamily="18" charset="0"/>
-              <a:cs typeface="Times New Roman" panose="02020603050405020304" pitchFamily="18" charset="0"/>
-            </a:endParaRPr>
-          </a:p>
-        </p:txBody>
-      </p:sp>
-      <p:sp>
-        <p:nvSpPr>
-          <p:cNvPr id="10" name="文本框 9">
-            <a:extLst>
-              <a:ext uri="{FF2B5EF4-FFF2-40B4-BE49-F238E27FC236}">
-                <a16:creationId xmlns:a16="http://schemas.microsoft.com/office/drawing/2014/main" id="{9B22D4C7-5DFA-7052-15D1-6BCF12374527}"/>
-              </a:ext>
-            </a:extLst>
-          </p:cNvPr>
-          <p:cNvSpPr txBox="1"/>
-          <p:nvPr/>
-        </p:nvSpPr>
-        <p:spPr>
-          <a:xfrm>
-            <a:off x="6206925" y="3784965"/>
-            <a:ext cx="2368228" cy="1719958"/>
-          </a:xfrm>
-          <a:prstGeom prst="rect">
-            <a:avLst/>
-          </a:prstGeom>
-          <a:noFill/>
-        </p:spPr>
-        <p:txBody>
-          <a:bodyPr wrap="square">
-            <a:spAutoFit/>
-          </a:bodyPr>
-          <a:lstStyle/>
-          <a:p>
-            <a:pPr>
-              <a:spcAft>
-                <a:spcPts val="1200"/>
-              </a:spcAft>
-            </a:pPr>
-            <a:r>
-              <a:rPr lang="en-US" altLang="zh-CN" dirty="0">
-                <a:latin typeface="Times New Roman" panose="02020603050405020304" pitchFamily="18" charset="0"/>
-                <a:cs typeface="Times New Roman" panose="02020603050405020304" pitchFamily="18" charset="0"/>
-              </a:rPr>
-              <a:t>Disadvantages:</a:t>
-            </a:r>
-          </a:p>
-          <a:p>
-            <a:pPr marL="285750" indent="-285750">
-              <a:lnSpc>
-                <a:spcPct val="150000"/>
-              </a:lnSpc>
-              <a:buFont typeface="Arial" panose="020B0604020202020204" pitchFamily="34" charset="0"/>
-              <a:buChar char="•"/>
-            </a:pPr>
-            <a:r>
-              <a:rPr lang="en-US" altLang="zh-CN" dirty="0">
-                <a:latin typeface="Times New Roman" panose="02020603050405020304" pitchFamily="18" charset="0"/>
-                <a:cs typeface="Times New Roman" panose="02020603050405020304" pitchFamily="18" charset="0"/>
-              </a:rPr>
-              <a:t>Resource Waste</a:t>
-            </a:r>
-          </a:p>
-          <a:p>
-            <a:pPr marL="285750" indent="-285750">
-              <a:lnSpc>
-                <a:spcPct val="150000"/>
-              </a:lnSpc>
-              <a:buFont typeface="Arial" panose="020B0604020202020204" pitchFamily="34" charset="0"/>
-              <a:buChar char="•"/>
-            </a:pPr>
-            <a:r>
-              <a:rPr lang="en-US" altLang="zh-CN" dirty="0">
-                <a:latin typeface="Times New Roman" panose="02020603050405020304" pitchFamily="18" charset="0"/>
-                <a:cs typeface="Times New Roman" panose="02020603050405020304" pitchFamily="18" charset="0"/>
-              </a:rPr>
-              <a:t>High Coupling</a:t>
-            </a:r>
-          </a:p>
-          <a:p>
-            <a:pPr marL="285750" indent="-285750">
-              <a:lnSpc>
-                <a:spcPct val="150000"/>
-              </a:lnSpc>
-              <a:buFont typeface="Arial" panose="020B0604020202020204" pitchFamily="34" charset="0"/>
-              <a:buChar char="•"/>
-            </a:pPr>
-            <a:r>
-              <a:rPr lang="en-US" altLang="zh-CN" dirty="0">
-                <a:latin typeface="Times New Roman" panose="02020603050405020304" pitchFamily="18" charset="0"/>
-                <a:cs typeface="Times New Roman" panose="02020603050405020304" pitchFamily="18" charset="0"/>
-              </a:rPr>
-              <a:t>Poor Scalability</a:t>
-            </a:r>
-          </a:p>
-        </p:txBody>
-      </p:sp>
-    </p:spTree>
-    <p:extLst>
-      <p:ext uri="{BB962C8B-B14F-4D97-AF65-F5344CB8AC3E}">
-        <p14:creationId xmlns:p14="http://schemas.microsoft.com/office/powerpoint/2010/main" val="750663224"/>
-      </p:ext>
-    </p:extLst>
-  </p:cSld>
-  <p:clrMapOvr>
-    <a:masterClrMapping/>
-  </p:clrMapOvr>
-</p:sld>
-</file>
-
-<file path=ppt/slides/slide12.xml><?xml version="1.0" encoding="utf-8"?>
-<p:sld xmlns:a="http://schemas.openxmlformats.org/drawingml/2006/main" xmlns:r="http://schemas.openxmlformats.org/officeDocument/2006/relationships" xmlns:p="http://schemas.openxmlformats.org/presentationml/2006/main">
-  <p:cSld>
-    <p:spTree>
-      <p:nvGrpSpPr>
-        <p:cNvPr id="1" name="">
-          <a:extLst>
-            <a:ext uri="{FF2B5EF4-FFF2-40B4-BE49-F238E27FC236}">
-              <a16:creationId xmlns:a16="http://schemas.microsoft.com/office/drawing/2014/main" id="{9D4DAD7E-58AB-0B43-2079-AE1A368A17DC}"/>
-            </a:ext>
-          </a:extLst>
-        </p:cNvPr>
-        <p:cNvGrpSpPr/>
-        <p:nvPr/>
-      </p:nvGrpSpPr>
-      <p:grpSpPr>
-        <a:xfrm>
-          <a:off x="0" y="0"/>
-          <a:ext cx="0" cy="0"/>
-          <a:chOff x="0" y="0"/>
-          <a:chExt cx="0" cy="0"/>
-        </a:xfrm>
-      </p:grpSpPr>
-      <p:sp>
-        <p:nvSpPr>
-          <p:cNvPr id="5" name="矩形 4">
-            <a:extLst>
-              <a:ext uri="{FF2B5EF4-FFF2-40B4-BE49-F238E27FC236}">
-                <a16:creationId xmlns:a16="http://schemas.microsoft.com/office/drawing/2014/main" id="{0EE9E1A0-8CD5-BEEA-2DEB-A98B0978B8D3}"/>
-              </a:ext>
-            </a:extLst>
-          </p:cNvPr>
-          <p:cNvSpPr/>
-          <p:nvPr/>
-        </p:nvSpPr>
-        <p:spPr>
-          <a:xfrm>
-            <a:off x="0" y="343632"/>
-            <a:ext cx="1244600" cy="426835"/>
-          </a:xfrm>
-          <a:prstGeom prst="rect">
-            <a:avLst/>
-          </a:prstGeom>
-          <a:solidFill>
-            <a:schemeClr val="accent1">
-              <a:lumMod val="50000"/>
-            </a:schemeClr>
-          </a:solidFill>
-        </p:spPr>
-        <p:style>
-          <a:lnRef idx="2">
-            <a:schemeClr val="accent1">
-              <a:shade val="15000"/>
-            </a:schemeClr>
-          </a:lnRef>
-          <a:fillRef idx="1">
-            <a:schemeClr val="accent1"/>
-          </a:fillRef>
-          <a:effectRef idx="0">
-            <a:schemeClr val="accent1"/>
-          </a:effectRef>
-          <a:fontRef idx="minor">
-            <a:schemeClr val="lt1"/>
-          </a:fontRef>
-        </p:style>
-        <p:txBody>
-          <a:bodyPr rtlCol="0" anchor="ctr"/>
-          <a:lstStyle/>
-          <a:p>
-            <a:pPr algn="ctr"/>
-            <a:endParaRPr lang="zh-CN" altLang="en-US"/>
-          </a:p>
-        </p:txBody>
-      </p:sp>
-      <p:sp>
-        <p:nvSpPr>
-          <p:cNvPr id="6" name="文本框 5">
-            <a:extLst>
-              <a:ext uri="{FF2B5EF4-FFF2-40B4-BE49-F238E27FC236}">
-                <a16:creationId xmlns:a16="http://schemas.microsoft.com/office/drawing/2014/main" id="{EE96E6D7-4C46-5B98-375F-C71D3E54678C}"/>
-              </a:ext>
-            </a:extLst>
-          </p:cNvPr>
-          <p:cNvSpPr txBox="1"/>
-          <p:nvPr/>
-        </p:nvSpPr>
-        <p:spPr>
-          <a:xfrm>
-            <a:off x="69850" y="370357"/>
-            <a:ext cx="1104900" cy="400110"/>
-          </a:xfrm>
-          <a:prstGeom prst="rect">
-            <a:avLst/>
-          </a:prstGeom>
-          <a:noFill/>
-        </p:spPr>
-        <p:txBody>
-          <a:bodyPr wrap="square" rtlCol="0">
-            <a:spAutoFit/>
-          </a:bodyPr>
-          <a:lstStyle/>
-          <a:p>
-            <a:r>
-              <a:rPr lang="en-US" altLang="zh-CN" sz="2000" dirty="0">
-                <a:solidFill>
-                  <a:schemeClr val="bg1">
-                    <a:lumMod val="95000"/>
-                  </a:schemeClr>
-                </a:solidFill>
-                <a:latin typeface="思源黑体 CN Bold" panose="020B0800000000000000" pitchFamily="34" charset="-122"/>
-                <a:ea typeface="思源黑体 CN Bold" panose="020B0800000000000000" pitchFamily="34" charset="-122"/>
-              </a:rPr>
-              <a:t>PART 2</a:t>
-            </a:r>
-            <a:endParaRPr lang="zh-CN" altLang="en-US" sz="2000" dirty="0">
-              <a:solidFill>
-                <a:schemeClr val="bg1">
-                  <a:lumMod val="95000"/>
-                </a:schemeClr>
-              </a:solidFill>
-              <a:latin typeface="思源黑体 CN Bold" panose="020B0800000000000000" pitchFamily="34" charset="-122"/>
-              <a:ea typeface="思源黑体 CN Bold" panose="020B0800000000000000" pitchFamily="34" charset="-122"/>
-            </a:endParaRPr>
-          </a:p>
-        </p:txBody>
-      </p:sp>
-      <p:sp>
-        <p:nvSpPr>
-          <p:cNvPr id="2" name="文本框 12">
-            <a:extLst>
-              <a:ext uri="{FF2B5EF4-FFF2-40B4-BE49-F238E27FC236}">
-                <a16:creationId xmlns:a16="http://schemas.microsoft.com/office/drawing/2014/main" id="{0F7114E9-F9C2-0BE1-30F7-E12745152CC8}"/>
-              </a:ext>
-            </a:extLst>
-          </p:cNvPr>
-          <p:cNvSpPr txBox="1"/>
-          <p:nvPr/>
-        </p:nvSpPr>
-        <p:spPr>
-          <a:xfrm>
-            <a:off x="1314449" y="226717"/>
-            <a:ext cx="7622722" cy="584775"/>
-          </a:xfrm>
-          <a:prstGeom prst="rect">
-            <a:avLst/>
-          </a:prstGeom>
-          <a:noFill/>
-        </p:spPr>
-        <p:txBody>
-          <a:bodyPr wrap="square" rtlCol="0">
-            <a:spAutoFit/>
-          </a:bodyPr>
-          <a:lstStyle>
-            <a:defPPr>
-              <a:defRPr lang="zh-CN"/>
-            </a:defPPr>
-            <a:lvl1pPr marL="0" algn="l" defTabSz="914400" rtl="0" eaLnBrk="1" latinLnBrk="0" hangingPunct="1">
-              <a:defRPr sz="1800" kern="1200">
-                <a:solidFill>
-                  <a:schemeClr val="tx1"/>
-                </a:solidFill>
-                <a:latin typeface="+mn-lt"/>
-                <a:ea typeface="+mn-ea"/>
-                <a:cs typeface="+mn-cs"/>
-              </a:defRPr>
-            </a:lvl1pPr>
-            <a:lvl2pPr marL="457200" algn="l" defTabSz="914400" rtl="0" eaLnBrk="1" latinLnBrk="0" hangingPunct="1">
-              <a:defRPr sz="1800" kern="1200">
-                <a:solidFill>
-                  <a:schemeClr val="tx1"/>
-                </a:solidFill>
-                <a:latin typeface="+mn-lt"/>
-                <a:ea typeface="+mn-ea"/>
-                <a:cs typeface="+mn-cs"/>
-              </a:defRPr>
-            </a:lvl2pPr>
-            <a:lvl3pPr marL="914400" algn="l" defTabSz="914400" rtl="0" eaLnBrk="1" latinLnBrk="0" hangingPunct="1">
-              <a:defRPr sz="1800" kern="1200">
-                <a:solidFill>
-                  <a:schemeClr val="tx1"/>
-                </a:solidFill>
-                <a:latin typeface="+mn-lt"/>
-                <a:ea typeface="+mn-ea"/>
-                <a:cs typeface="+mn-cs"/>
-              </a:defRPr>
-            </a:lvl3pPr>
-            <a:lvl4pPr marL="1371600" algn="l" defTabSz="914400" rtl="0" eaLnBrk="1" latinLnBrk="0" hangingPunct="1">
-              <a:defRPr sz="1800" kern="1200">
-                <a:solidFill>
-                  <a:schemeClr val="tx1"/>
-                </a:solidFill>
-                <a:latin typeface="+mn-lt"/>
-                <a:ea typeface="+mn-ea"/>
-                <a:cs typeface="+mn-cs"/>
-              </a:defRPr>
-            </a:lvl4pPr>
-            <a:lvl5pPr marL="1828800" algn="l" defTabSz="914400" rtl="0" eaLnBrk="1" latinLnBrk="0" hangingPunct="1">
-              <a:defRPr sz="1800" kern="1200">
-                <a:solidFill>
-                  <a:schemeClr val="tx1"/>
-                </a:solidFill>
-                <a:latin typeface="+mn-lt"/>
-                <a:ea typeface="+mn-ea"/>
-                <a:cs typeface="+mn-cs"/>
-              </a:defRPr>
-            </a:lvl5pPr>
-            <a:lvl6pPr marL="2286000" algn="l" defTabSz="914400" rtl="0" eaLnBrk="1" latinLnBrk="0" hangingPunct="1">
-              <a:defRPr sz="1800" kern="1200">
-                <a:solidFill>
-                  <a:schemeClr val="tx1"/>
-                </a:solidFill>
-                <a:latin typeface="+mn-lt"/>
-                <a:ea typeface="+mn-ea"/>
-                <a:cs typeface="+mn-cs"/>
-              </a:defRPr>
-            </a:lvl6pPr>
-            <a:lvl7pPr marL="2743200" algn="l" defTabSz="914400" rtl="0" eaLnBrk="1" latinLnBrk="0" hangingPunct="1">
-              <a:defRPr sz="1800" kern="1200">
-                <a:solidFill>
-                  <a:schemeClr val="tx1"/>
-                </a:solidFill>
-                <a:latin typeface="+mn-lt"/>
-                <a:ea typeface="+mn-ea"/>
-                <a:cs typeface="+mn-cs"/>
-              </a:defRPr>
-            </a:lvl7pPr>
-            <a:lvl8pPr marL="3200400" algn="l" defTabSz="914400" rtl="0" eaLnBrk="1" latinLnBrk="0" hangingPunct="1">
-              <a:defRPr sz="1800" kern="1200">
-                <a:solidFill>
-                  <a:schemeClr val="tx1"/>
-                </a:solidFill>
-                <a:latin typeface="+mn-lt"/>
-                <a:ea typeface="+mn-ea"/>
-                <a:cs typeface="+mn-cs"/>
-              </a:defRPr>
-            </a:lvl8pPr>
-            <a:lvl9pPr marL="3657600" algn="l" defTabSz="914400" rtl="0" eaLnBrk="1" latinLnBrk="0" hangingPunct="1">
-              <a:defRPr sz="1800" kern="1200">
-                <a:solidFill>
-                  <a:schemeClr val="tx1"/>
-                </a:solidFill>
-                <a:latin typeface="+mn-lt"/>
-                <a:ea typeface="+mn-ea"/>
-                <a:cs typeface="+mn-cs"/>
-              </a:defRPr>
-            </a:lvl9pPr>
-          </a:lstStyle>
-          <a:p>
-            <a:r>
-              <a:rPr lang="en-US" altLang="zh-CN" sz="3200" dirty="0">
-                <a:solidFill>
-                  <a:srgbClr val="425166"/>
-                </a:solidFill>
-                <a:latin typeface="Times New Roman" panose="02020603050405020304" pitchFamily="18" charset="0"/>
-                <a:ea typeface="思源黑体 CN Normal" panose="020B0400000000000000" pitchFamily="34" charset="-122"/>
-                <a:cs typeface="Times New Roman" panose="02020603050405020304" pitchFamily="18" charset="0"/>
-                <a:sym typeface="思源黑体 CN Normal" panose="020B0400000000000000" pitchFamily="34" charset="-122"/>
-              </a:rPr>
-              <a:t>Design Patterns in Refactoring——Observer </a:t>
-            </a:r>
-            <a:endParaRPr lang="zh-CN" altLang="en-US" sz="3200" dirty="0">
-              <a:solidFill>
-                <a:srgbClr val="425166"/>
-              </a:solidFill>
-              <a:latin typeface="Times New Roman" panose="02020603050405020304" pitchFamily="18" charset="0"/>
-              <a:ea typeface="思源黑体 CN Normal" panose="020B0400000000000000" pitchFamily="34" charset="-122"/>
-              <a:cs typeface="Times New Roman" panose="02020603050405020304" pitchFamily="18" charset="0"/>
-              <a:sym typeface="思源黑体 CN Normal" panose="020B0400000000000000" pitchFamily="34" charset="-122"/>
-            </a:endParaRPr>
-          </a:p>
-        </p:txBody>
-      </p:sp>
-      <p:sp>
-        <p:nvSpPr>
-          <p:cNvPr id="27" name="文本框 26">
-            <a:extLst>
-              <a:ext uri="{FF2B5EF4-FFF2-40B4-BE49-F238E27FC236}">
-                <a16:creationId xmlns:a16="http://schemas.microsoft.com/office/drawing/2014/main" id="{DFD4B12D-3531-379C-29E7-E5ABDF7E3256}"/>
-              </a:ext>
-            </a:extLst>
-          </p:cNvPr>
-          <p:cNvSpPr txBox="1"/>
-          <p:nvPr/>
-        </p:nvSpPr>
-        <p:spPr>
-          <a:xfrm>
-            <a:off x="4471131" y="770467"/>
-            <a:ext cx="3249738" cy="369332"/>
-          </a:xfrm>
-          <a:prstGeom prst="rect">
-            <a:avLst/>
-          </a:prstGeom>
-          <a:noFill/>
-        </p:spPr>
-        <p:txBody>
-          <a:bodyPr wrap="square">
-            <a:spAutoFit/>
-          </a:bodyPr>
-          <a:lstStyle/>
-          <a:p>
-            <a:pPr algn="ctr"/>
-            <a:r>
-              <a:rPr lang="en-US" altLang="zh-CN" dirty="0">
-                <a:latin typeface="Times New Roman" panose="02020603050405020304" pitchFamily="18" charset="0"/>
-                <a:cs typeface="Times New Roman" panose="02020603050405020304" pitchFamily="18" charset="0"/>
-              </a:rPr>
-              <a:t>Class diagram of Observer</a:t>
-            </a:r>
-            <a:endParaRPr lang="zh-CN" altLang="en-US" dirty="0">
-              <a:latin typeface="Times New Roman" panose="02020603050405020304" pitchFamily="18" charset="0"/>
-              <a:cs typeface="Times New Roman" panose="02020603050405020304" pitchFamily="18" charset="0"/>
-            </a:endParaRPr>
-          </a:p>
-        </p:txBody>
-      </p:sp>
-      <p:sp>
-        <p:nvSpPr>
-          <p:cNvPr id="11" name="文本框 10">
-            <a:extLst>
-              <a:ext uri="{FF2B5EF4-FFF2-40B4-BE49-F238E27FC236}">
-                <a16:creationId xmlns:a16="http://schemas.microsoft.com/office/drawing/2014/main" id="{88EA6A11-638F-C35C-7E84-61CB1AE14D2D}"/>
-              </a:ext>
-            </a:extLst>
-          </p:cNvPr>
-          <p:cNvSpPr txBox="1"/>
-          <p:nvPr/>
-        </p:nvSpPr>
-        <p:spPr>
-          <a:xfrm>
-            <a:off x="521979" y="5902448"/>
-            <a:ext cx="8686801" cy="461665"/>
-          </a:xfrm>
-          <a:prstGeom prst="rect">
-            <a:avLst/>
-          </a:prstGeom>
-          <a:noFill/>
-        </p:spPr>
-        <p:txBody>
-          <a:bodyPr wrap="square">
-            <a:spAutoFit/>
-          </a:bodyPr>
-          <a:lstStyle/>
-          <a:p>
-            <a:r>
-              <a:rPr lang="en-US" altLang="zh-CN" sz="2400" dirty="0">
-                <a:latin typeface="Times New Roman" panose="02020603050405020304" pitchFamily="18" charset="0"/>
-                <a:cs typeface="Times New Roman" panose="02020603050405020304" pitchFamily="18" charset="0"/>
-              </a:rPr>
-              <a:t>Benefits : Improved Efficiency; Reduced Coupling; Cleaner Logic;  </a:t>
-            </a:r>
-            <a:endParaRPr lang="zh-CN" altLang="en-US" sz="2400" dirty="0">
-              <a:latin typeface="Times New Roman" panose="02020603050405020304" pitchFamily="18" charset="0"/>
-              <a:cs typeface="Times New Roman" panose="02020603050405020304" pitchFamily="18" charset="0"/>
-            </a:endParaRPr>
-          </a:p>
-        </p:txBody>
-      </p:sp>
-      <p:pic>
-        <p:nvPicPr>
-          <p:cNvPr id="4" name="图片 3">
-            <a:extLst>
-              <a:ext uri="{FF2B5EF4-FFF2-40B4-BE49-F238E27FC236}">
-                <a16:creationId xmlns:a16="http://schemas.microsoft.com/office/drawing/2014/main" id="{3A08DD83-46D8-8C4F-338D-FFA91FB6CC98}"/>
-              </a:ext>
-            </a:extLst>
-          </p:cNvPr>
-          <p:cNvPicPr>
-            <a:picLocks noChangeAspect="1"/>
-          </p:cNvPicPr>
-          <p:nvPr/>
-        </p:nvPicPr>
-        <p:blipFill>
-          <a:blip r:embed="rId2"/>
-          <a:stretch>
-            <a:fillRect/>
-          </a:stretch>
-        </p:blipFill>
-        <p:spPr>
-          <a:xfrm>
-            <a:off x="520700" y="1198922"/>
-            <a:ext cx="11150600" cy="4644403"/>
-          </a:xfrm>
-          <a:prstGeom prst="rect">
-            <a:avLst/>
-          </a:prstGeom>
-        </p:spPr>
-      </p:pic>
-    </p:spTree>
-    <p:extLst>
-      <p:ext uri="{BB962C8B-B14F-4D97-AF65-F5344CB8AC3E}">
-        <p14:creationId xmlns:p14="http://schemas.microsoft.com/office/powerpoint/2010/main" val="3583721932"/>
       </p:ext>
     </p:extLst>
   </p:cSld>
@@ -18592,7 +19181,7 @@
         <p:spPr>
           <a:xfrm>
             <a:off x="4001872" y="4172901"/>
-            <a:ext cx="4830611" cy="1756250"/>
+            <a:ext cx="4830611" cy="1410001"/>
           </a:xfrm>
           <a:prstGeom prst="rect">
             <a:avLst/>
@@ -18650,22 +19239,6 @@
                 <a:cs typeface="Times New Roman" panose="02020603050405020304" pitchFamily="18" charset="0"/>
               </a:rPr>
               <a:t>Enhance Flexibility and Scalability</a:t>
-            </a:r>
-          </a:p>
-          <a:p>
-            <a:pPr marL="285750" indent="-285750">
-              <a:lnSpc>
-                <a:spcPct val="125000"/>
-              </a:lnSpc>
-              <a:buFont typeface="Arial" panose="020B0604020202020204" pitchFamily="34" charset="0"/>
-              <a:buChar char="•"/>
-            </a:pPr>
-            <a:r>
-              <a:rPr lang="en-US" altLang="zh-CN" dirty="0">
-                <a:latin typeface="Times New Roman" panose="02020603050405020304" pitchFamily="18" charset="0"/>
-                <a:cs typeface="Times New Roman" panose="02020603050405020304" pitchFamily="18" charset="0"/>
-              </a:rPr>
-              <a:t>Improve User Experience</a:t>
             </a:r>
           </a:p>
           <a:p>
@@ -19181,7 +19754,7 @@
           <p:nvPr>
             <p:extLst>
               <p:ext uri="{D42A27DB-BD31-4B8C-83A1-F6EECF244321}">
-                <p14:modId xmlns:p14="http://schemas.microsoft.com/office/powerpoint/2010/main" val="3218859165"/>
+                <p14:modId xmlns:p14="http://schemas.microsoft.com/office/powerpoint/2010/main" val="3596522017"/>
               </p:ext>
             </p:extLst>
           </p:nvPr>
@@ -20144,7 +20717,7 @@
                           <a:latin typeface="Times New Roman" panose="02020603050405020304" pitchFamily="18" charset="0"/>
                           <a:cs typeface="Times New Roman" panose="02020603050405020304" pitchFamily="18" charset="0"/>
                         </a:rPr>
-                        <a:t>Enemies' subscription and tower's update</a:t>
+                        <a:t>Notify Enemies’ Existence for Towers</a:t>
                       </a:r>
                       <a:endParaRPr lang="zh-CN" altLang="en-US" dirty="0">
                         <a:latin typeface="Times New Roman" panose="02020603050405020304" pitchFamily="18" charset="0"/>
@@ -20780,659 +21353,6 @@
           </a:p>
         </p:txBody>
       </p:sp>
-      <p:grpSp>
-        <p:nvGrpSpPr>
-          <p:cNvPr id="26" name="组合 25">
-            <a:extLst>
-              <a:ext uri="{FF2B5EF4-FFF2-40B4-BE49-F238E27FC236}">
-                <a16:creationId xmlns:a16="http://schemas.microsoft.com/office/drawing/2014/main" id="{E40A982D-DA24-DF0F-5D8B-9958DBB44081}"/>
-              </a:ext>
-            </a:extLst>
-          </p:cNvPr>
-          <p:cNvGrpSpPr/>
-          <p:nvPr/>
-        </p:nvGrpSpPr>
-        <p:grpSpPr>
-          <a:xfrm>
-            <a:off x="6836074" y="1179827"/>
-            <a:ext cx="5265280" cy="3801034"/>
-            <a:chOff x="6842653" y="2087712"/>
-            <a:chExt cx="5265280" cy="3801034"/>
-          </a:xfrm>
-        </p:grpSpPr>
-        <p:grpSp>
-          <p:nvGrpSpPr>
-            <p:cNvPr id="15" name="组合 14">
-              <a:extLst>
-                <a:ext uri="{FF2B5EF4-FFF2-40B4-BE49-F238E27FC236}">
-                  <a16:creationId xmlns:a16="http://schemas.microsoft.com/office/drawing/2014/main" id="{A140EAD8-D617-05B6-E8A5-D527707E57F5}"/>
-                </a:ext>
-              </a:extLst>
-            </p:cNvPr>
-            <p:cNvGrpSpPr/>
-            <p:nvPr/>
-          </p:nvGrpSpPr>
-          <p:grpSpPr>
-            <a:xfrm>
-              <a:off x="9915974" y="2587794"/>
-              <a:ext cx="2118864" cy="3300952"/>
-              <a:chOff x="115318" y="2192027"/>
-              <a:chExt cx="2118864" cy="3300952"/>
-            </a:xfrm>
-          </p:grpSpPr>
-          <p:sp>
-            <p:nvSpPr>
-              <p:cNvPr id="13" name="矩形 12">
-                <a:extLst>
-                  <a:ext uri="{FF2B5EF4-FFF2-40B4-BE49-F238E27FC236}">
-                    <a16:creationId xmlns:a16="http://schemas.microsoft.com/office/drawing/2014/main" id="{86DA8D29-7654-0C40-43D0-33246713F7C9}"/>
-                  </a:ext>
-                </a:extLst>
-              </p:cNvPr>
-              <p:cNvSpPr/>
-              <p:nvPr/>
-            </p:nvSpPr>
-            <p:spPr>
-              <a:xfrm>
-                <a:off x="115318" y="2192027"/>
-                <a:ext cx="2118864" cy="3300952"/>
-              </a:xfrm>
-              <a:prstGeom prst="rect">
-                <a:avLst/>
-              </a:prstGeom>
-              <a:solidFill>
-                <a:schemeClr val="accent1">
-                  <a:lumMod val="20000"/>
-                  <a:lumOff val="80000"/>
-                </a:schemeClr>
-              </a:solidFill>
-              <a:ln>
-                <a:noFill/>
-              </a:ln>
-            </p:spPr>
-            <p:style>
-              <a:lnRef idx="2">
-                <a:schemeClr val="accent1">
-                  <a:shade val="50000"/>
-                </a:schemeClr>
-              </a:lnRef>
-              <a:fillRef idx="1">
-                <a:schemeClr val="accent1"/>
-              </a:fillRef>
-              <a:effectRef idx="0">
-                <a:schemeClr val="accent1"/>
-              </a:effectRef>
-              <a:fontRef idx="minor">
-                <a:schemeClr val="lt1"/>
-              </a:fontRef>
-            </p:style>
-            <p:txBody>
-              <a:bodyPr rtlCol="0" anchor="ctr"/>
-              <a:lstStyle/>
-              <a:p>
-                <a:pPr algn="ctr"/>
-                <a:endParaRPr lang="zh-CN" altLang="en-US">
-                  <a:latin typeface="思源黑体 CN Normal" panose="020B0400000000000000" pitchFamily="34" charset="-122"/>
-                  <a:ea typeface="思源黑体 CN Normal" panose="020B0400000000000000" pitchFamily="34" charset="-122"/>
-                  <a:sym typeface="思源黑体 CN Normal" panose="020B0400000000000000" pitchFamily="34" charset="-122"/>
-                </a:endParaRPr>
-              </a:p>
-            </p:txBody>
-          </p:sp>
-          <p:pic>
-            <p:nvPicPr>
-              <p:cNvPr id="10" name="图片 9">
-                <a:extLst>
-                  <a:ext uri="{FF2B5EF4-FFF2-40B4-BE49-F238E27FC236}">
-                    <a16:creationId xmlns:a16="http://schemas.microsoft.com/office/drawing/2014/main" id="{AAAD4DBC-FA6F-8E01-BA0B-67BEB33D7E3D}"/>
-                  </a:ext>
-                </a:extLst>
-              </p:cNvPr>
-              <p:cNvPicPr>
-                <a:picLocks noChangeAspect="1"/>
-              </p:cNvPicPr>
-              <p:nvPr/>
-            </p:nvPicPr>
-            <p:blipFill>
-              <a:blip r:embed="rId2"/>
-              <a:stretch>
-                <a:fillRect/>
-              </a:stretch>
-            </p:blipFill>
-            <p:spPr>
-              <a:xfrm>
-                <a:off x="214674" y="2338238"/>
-                <a:ext cx="1920151" cy="3024895"/>
-              </a:xfrm>
-              <a:prstGeom prst="rect">
-                <a:avLst/>
-              </a:prstGeom>
-            </p:spPr>
-          </p:pic>
-        </p:grpSp>
-        <p:grpSp>
-          <p:nvGrpSpPr>
-            <p:cNvPr id="16" name="组合 15">
-              <a:extLst>
-                <a:ext uri="{FF2B5EF4-FFF2-40B4-BE49-F238E27FC236}">
-                  <a16:creationId xmlns:a16="http://schemas.microsoft.com/office/drawing/2014/main" id="{56A33B10-D4A3-AEF2-B97B-A8FEE5354B25}"/>
-                </a:ext>
-              </a:extLst>
-            </p:cNvPr>
-            <p:cNvGrpSpPr/>
-            <p:nvPr/>
-          </p:nvGrpSpPr>
-          <p:grpSpPr>
-            <a:xfrm>
-              <a:off x="7204250" y="2587794"/>
-              <a:ext cx="1778586" cy="3300952"/>
-              <a:chOff x="2602640" y="2192027"/>
-              <a:chExt cx="1778586" cy="3300952"/>
-            </a:xfrm>
-          </p:grpSpPr>
-          <p:sp>
-            <p:nvSpPr>
-              <p:cNvPr id="14" name="矩形 13">
-                <a:extLst>
-                  <a:ext uri="{FF2B5EF4-FFF2-40B4-BE49-F238E27FC236}">
-                    <a16:creationId xmlns:a16="http://schemas.microsoft.com/office/drawing/2014/main" id="{C33E9795-817E-CACF-22AD-364CC8F6829F}"/>
-                  </a:ext>
-                </a:extLst>
-              </p:cNvPr>
-              <p:cNvSpPr/>
-              <p:nvPr/>
-            </p:nvSpPr>
-            <p:spPr>
-              <a:xfrm>
-                <a:off x="2602640" y="2192027"/>
-                <a:ext cx="1778586" cy="3300952"/>
-              </a:xfrm>
-              <a:prstGeom prst="rect">
-                <a:avLst/>
-              </a:prstGeom>
-              <a:solidFill>
-                <a:schemeClr val="accent1">
-                  <a:lumMod val="20000"/>
-                  <a:lumOff val="80000"/>
-                </a:schemeClr>
-              </a:solidFill>
-              <a:ln>
-                <a:noFill/>
-              </a:ln>
-            </p:spPr>
-            <p:style>
-              <a:lnRef idx="2">
-                <a:schemeClr val="accent1">
-                  <a:shade val="50000"/>
-                </a:schemeClr>
-              </a:lnRef>
-              <a:fillRef idx="1">
-                <a:schemeClr val="accent1"/>
-              </a:fillRef>
-              <a:effectRef idx="0">
-                <a:schemeClr val="accent1"/>
-              </a:effectRef>
-              <a:fontRef idx="minor">
-                <a:schemeClr val="lt1"/>
-              </a:fontRef>
-            </p:style>
-            <p:txBody>
-              <a:bodyPr rtlCol="0" anchor="ctr"/>
-              <a:lstStyle/>
-              <a:p>
-                <a:pPr algn="ctr"/>
-                <a:endParaRPr lang="zh-CN" altLang="en-US">
-                  <a:latin typeface="思源黑体 CN Normal" panose="020B0400000000000000" pitchFamily="34" charset="-122"/>
-                  <a:ea typeface="思源黑体 CN Normal" panose="020B0400000000000000" pitchFamily="34" charset="-122"/>
-                  <a:sym typeface="思源黑体 CN Normal" panose="020B0400000000000000" pitchFamily="34" charset="-122"/>
-                </a:endParaRPr>
-              </a:p>
-            </p:txBody>
-          </p:sp>
-          <p:pic>
-            <p:nvPicPr>
-              <p:cNvPr id="12" name="图片 11">
-                <a:extLst>
-                  <a:ext uri="{FF2B5EF4-FFF2-40B4-BE49-F238E27FC236}">
-                    <a16:creationId xmlns:a16="http://schemas.microsoft.com/office/drawing/2014/main" id="{C4E2145A-3C66-FA2D-AD7A-96FAFC8E3FF8}"/>
-                  </a:ext>
-                </a:extLst>
-              </p:cNvPr>
-              <p:cNvPicPr>
-                <a:picLocks noChangeAspect="1"/>
-              </p:cNvPicPr>
-              <p:nvPr/>
-            </p:nvPicPr>
-            <p:blipFill>
-              <a:blip r:embed="rId3"/>
-              <a:stretch>
-                <a:fillRect/>
-              </a:stretch>
-            </p:blipFill>
-            <p:spPr>
-              <a:xfrm>
-                <a:off x="2713476" y="2338238"/>
-                <a:ext cx="1573763" cy="3024895"/>
-              </a:xfrm>
-              <a:prstGeom prst="rect">
-                <a:avLst/>
-              </a:prstGeom>
-            </p:spPr>
-          </p:pic>
-        </p:grpSp>
-        <p:grpSp>
-          <p:nvGrpSpPr>
-            <p:cNvPr id="22" name="组合 21">
-              <a:extLst>
-                <a:ext uri="{FF2B5EF4-FFF2-40B4-BE49-F238E27FC236}">
-                  <a16:creationId xmlns:a16="http://schemas.microsoft.com/office/drawing/2014/main" id="{1A39D804-BB80-FA56-0F03-075B078B9C01}"/>
-                </a:ext>
-              </a:extLst>
-            </p:cNvPr>
-            <p:cNvGrpSpPr/>
-            <p:nvPr/>
-          </p:nvGrpSpPr>
-          <p:grpSpPr>
-            <a:xfrm rot="10800000">
-              <a:off x="9047025" y="4233668"/>
-              <a:ext cx="804760" cy="206433"/>
-              <a:chOff x="6049119" y="5793914"/>
-              <a:chExt cx="1030620" cy="299295"/>
-            </a:xfrm>
-            <a:gradFill>
-              <a:gsLst>
-                <a:gs pos="0">
-                  <a:schemeClr val="accent1">
-                    <a:lumMod val="5000"/>
-                    <a:lumOff val="95000"/>
-                  </a:schemeClr>
-                </a:gs>
-                <a:gs pos="33000">
-                  <a:schemeClr val="accent1">
-                    <a:lumMod val="45000"/>
-                    <a:lumOff val="55000"/>
-                  </a:schemeClr>
-                </a:gs>
-                <a:gs pos="100000">
-                  <a:schemeClr val="accent1">
-                    <a:lumMod val="75000"/>
-                  </a:schemeClr>
-                </a:gs>
-              </a:gsLst>
-              <a:lin ang="0" scaled="0"/>
-            </a:gradFill>
-          </p:grpSpPr>
-          <p:sp>
-            <p:nvSpPr>
-              <p:cNvPr id="17" name="箭头: V 形 16">
-                <a:extLst>
-                  <a:ext uri="{FF2B5EF4-FFF2-40B4-BE49-F238E27FC236}">
-                    <a16:creationId xmlns:a16="http://schemas.microsoft.com/office/drawing/2014/main" id="{3FD764FD-25DB-117C-E9BD-9DA9ED2E1B97}"/>
-                  </a:ext>
-                </a:extLst>
-              </p:cNvPr>
-              <p:cNvSpPr/>
-              <p:nvPr/>
-            </p:nvSpPr>
-            <p:spPr>
-              <a:xfrm>
-                <a:off x="6049119" y="5793914"/>
-                <a:ext cx="258751" cy="299295"/>
-              </a:xfrm>
-              <a:prstGeom prst="chevron">
-                <a:avLst/>
-              </a:prstGeom>
-              <a:grpFill/>
-              <a:ln>
-                <a:noFill/>
-              </a:ln>
-            </p:spPr>
-            <p:style>
-              <a:lnRef idx="2">
-                <a:schemeClr val="accent1">
-                  <a:shade val="15000"/>
-                </a:schemeClr>
-              </a:lnRef>
-              <a:fillRef idx="1">
-                <a:schemeClr val="accent1"/>
-              </a:fillRef>
-              <a:effectRef idx="0">
-                <a:schemeClr val="accent1"/>
-              </a:effectRef>
-              <a:fontRef idx="minor">
-                <a:schemeClr val="lt1"/>
-              </a:fontRef>
-            </p:style>
-            <p:txBody>
-              <a:bodyPr rtlCol="0" anchor="ctr"/>
-              <a:lstStyle/>
-              <a:p>
-                <a:pPr algn="ctr"/>
-                <a:endParaRPr lang="zh-CN" altLang="en-US">
-                  <a:solidFill>
-                    <a:schemeClr val="accent1">
-                      <a:lumMod val="40000"/>
-                      <a:lumOff val="60000"/>
-                    </a:schemeClr>
-                  </a:solidFill>
-                </a:endParaRPr>
-              </a:p>
-            </p:txBody>
-          </p:sp>
-          <p:sp>
-            <p:nvSpPr>
-              <p:cNvPr id="19" name="箭头: V 形 18">
-                <a:extLst>
-                  <a:ext uri="{FF2B5EF4-FFF2-40B4-BE49-F238E27FC236}">
-                    <a16:creationId xmlns:a16="http://schemas.microsoft.com/office/drawing/2014/main" id="{6B37ACC7-4192-E118-3414-586D74C77515}"/>
-                  </a:ext>
-                </a:extLst>
-              </p:cNvPr>
-              <p:cNvSpPr/>
-              <p:nvPr/>
-            </p:nvSpPr>
-            <p:spPr>
-              <a:xfrm>
-                <a:off x="6307869" y="5793914"/>
-                <a:ext cx="258751" cy="299295"/>
-              </a:xfrm>
-              <a:prstGeom prst="chevron">
-                <a:avLst/>
-              </a:prstGeom>
-              <a:grpFill/>
-              <a:ln>
-                <a:noFill/>
-              </a:ln>
-            </p:spPr>
-            <p:style>
-              <a:lnRef idx="2">
-                <a:schemeClr val="accent1">
-                  <a:shade val="15000"/>
-                </a:schemeClr>
-              </a:lnRef>
-              <a:fillRef idx="1">
-                <a:schemeClr val="accent1"/>
-              </a:fillRef>
-              <a:effectRef idx="0">
-                <a:schemeClr val="accent1"/>
-              </a:effectRef>
-              <a:fontRef idx="minor">
-                <a:schemeClr val="lt1"/>
-              </a:fontRef>
-            </p:style>
-            <p:txBody>
-              <a:bodyPr rtlCol="0" anchor="ctr"/>
-              <a:lstStyle/>
-              <a:p>
-                <a:pPr algn="ctr"/>
-                <a:endParaRPr lang="zh-CN" altLang="en-US">
-                  <a:solidFill>
-                    <a:schemeClr val="accent1">
-                      <a:lumMod val="40000"/>
-                      <a:lumOff val="60000"/>
-                    </a:schemeClr>
-                  </a:solidFill>
-                </a:endParaRPr>
-              </a:p>
-            </p:txBody>
-          </p:sp>
-          <p:sp>
-            <p:nvSpPr>
-              <p:cNvPr id="20" name="箭头: V 形 19">
-                <a:extLst>
-                  <a:ext uri="{FF2B5EF4-FFF2-40B4-BE49-F238E27FC236}">
-                    <a16:creationId xmlns:a16="http://schemas.microsoft.com/office/drawing/2014/main" id="{334B6A2D-D46A-6B9D-6D38-D75E90EC3C9C}"/>
-                  </a:ext>
-                </a:extLst>
-              </p:cNvPr>
-              <p:cNvSpPr/>
-              <p:nvPr/>
-            </p:nvSpPr>
-            <p:spPr>
-              <a:xfrm>
-                <a:off x="6566622" y="5793914"/>
-                <a:ext cx="258751" cy="299295"/>
-              </a:xfrm>
-              <a:prstGeom prst="chevron">
-                <a:avLst/>
-              </a:prstGeom>
-              <a:grpFill/>
-              <a:ln>
-                <a:noFill/>
-              </a:ln>
-            </p:spPr>
-            <p:style>
-              <a:lnRef idx="2">
-                <a:schemeClr val="accent1">
-                  <a:shade val="15000"/>
-                </a:schemeClr>
-              </a:lnRef>
-              <a:fillRef idx="1">
-                <a:schemeClr val="accent1"/>
-              </a:fillRef>
-              <a:effectRef idx="0">
-                <a:schemeClr val="accent1"/>
-              </a:effectRef>
-              <a:fontRef idx="minor">
-                <a:schemeClr val="lt1"/>
-              </a:fontRef>
-            </p:style>
-            <p:txBody>
-              <a:bodyPr rtlCol="0" anchor="ctr"/>
-              <a:lstStyle/>
-              <a:p>
-                <a:pPr algn="ctr"/>
-                <a:endParaRPr lang="zh-CN" altLang="en-US">
-                  <a:solidFill>
-                    <a:schemeClr val="accent1">
-                      <a:lumMod val="40000"/>
-                      <a:lumOff val="60000"/>
-                    </a:schemeClr>
-                  </a:solidFill>
-                </a:endParaRPr>
-              </a:p>
-            </p:txBody>
-          </p:sp>
-          <p:sp>
-            <p:nvSpPr>
-              <p:cNvPr id="21" name="箭头: V 形 20">
-                <a:extLst>
-                  <a:ext uri="{FF2B5EF4-FFF2-40B4-BE49-F238E27FC236}">
-                    <a16:creationId xmlns:a16="http://schemas.microsoft.com/office/drawing/2014/main" id="{80439663-87F7-0847-D155-4EAC32EF72CC}"/>
-                  </a:ext>
-                </a:extLst>
-              </p:cNvPr>
-              <p:cNvSpPr/>
-              <p:nvPr/>
-            </p:nvSpPr>
-            <p:spPr>
-              <a:xfrm>
-                <a:off x="6820988" y="5793914"/>
-                <a:ext cx="258751" cy="299295"/>
-              </a:xfrm>
-              <a:prstGeom prst="chevron">
-                <a:avLst/>
-              </a:prstGeom>
-              <a:grpFill/>
-              <a:ln>
-                <a:noFill/>
-              </a:ln>
-            </p:spPr>
-            <p:style>
-              <a:lnRef idx="2">
-                <a:schemeClr val="accent1">
-                  <a:shade val="15000"/>
-                </a:schemeClr>
-              </a:lnRef>
-              <a:fillRef idx="1">
-                <a:schemeClr val="accent1"/>
-              </a:fillRef>
-              <a:effectRef idx="0">
-                <a:schemeClr val="accent1"/>
-              </a:effectRef>
-              <a:fontRef idx="minor">
-                <a:schemeClr val="lt1"/>
-              </a:fontRef>
-            </p:style>
-            <p:txBody>
-              <a:bodyPr rtlCol="0" anchor="ctr"/>
-              <a:lstStyle/>
-              <a:p>
-                <a:pPr algn="ctr"/>
-                <a:endParaRPr lang="zh-CN" altLang="en-US">
-                  <a:solidFill>
-                    <a:schemeClr val="accent1">
-                      <a:lumMod val="40000"/>
-                      <a:lumOff val="60000"/>
-                    </a:schemeClr>
-                  </a:solidFill>
-                </a:endParaRPr>
-              </a:p>
-            </p:txBody>
-          </p:sp>
-        </p:grpSp>
-        <p:sp>
-          <p:nvSpPr>
-            <p:cNvPr id="24" name="文本框 23">
-              <a:extLst>
-                <a:ext uri="{FF2B5EF4-FFF2-40B4-BE49-F238E27FC236}">
-                  <a16:creationId xmlns:a16="http://schemas.microsoft.com/office/drawing/2014/main" id="{A2A9B800-BC10-2EA7-962C-7DF157098E6F}"/>
-                </a:ext>
-              </a:extLst>
-            </p:cNvPr>
-            <p:cNvSpPr txBox="1"/>
-            <p:nvPr/>
-          </p:nvSpPr>
-          <p:spPr>
-            <a:xfrm>
-              <a:off x="9815177" y="2087712"/>
-              <a:ext cx="2292756" cy="369332"/>
-            </a:xfrm>
-            <a:prstGeom prst="rect">
-              <a:avLst/>
-            </a:prstGeom>
-            <a:noFill/>
-          </p:spPr>
-          <p:txBody>
-            <a:bodyPr wrap="square">
-              <a:spAutoFit/>
-            </a:bodyPr>
-            <a:lstStyle/>
-            <a:p>
-              <a:pPr algn="ctr"/>
-              <a:r>
-                <a:rPr lang="zh-CN" altLang="en-US" dirty="0">
-                  <a:latin typeface="Times New Roman" panose="02020603050405020304" pitchFamily="18" charset="0"/>
-                  <a:cs typeface="Times New Roman" panose="02020603050405020304" pitchFamily="18" charset="0"/>
-                </a:rPr>
-                <a:t>Original </a:t>
-              </a:r>
-              <a:r>
-                <a:rPr lang="en-US" altLang="zh-CN" dirty="0">
-                  <a:latin typeface="Times New Roman" panose="02020603050405020304" pitchFamily="18" charset="0"/>
-                  <a:cs typeface="Times New Roman" panose="02020603050405020304" pitchFamily="18" charset="0"/>
-                </a:rPr>
-                <a:t>F</a:t>
-              </a:r>
-              <a:r>
-                <a:rPr lang="zh-CN" altLang="en-US" dirty="0">
-                  <a:latin typeface="Times New Roman" panose="02020603050405020304" pitchFamily="18" charset="0"/>
-                  <a:cs typeface="Times New Roman" panose="02020603050405020304" pitchFamily="18" charset="0"/>
-                </a:rPr>
-                <a:t>ile </a:t>
-              </a:r>
-              <a:r>
-                <a:rPr lang="en-US" altLang="zh-CN" dirty="0">
-                  <a:latin typeface="Times New Roman" panose="02020603050405020304" pitchFamily="18" charset="0"/>
-                  <a:cs typeface="Times New Roman" panose="02020603050405020304" pitchFamily="18" charset="0"/>
-                </a:rPr>
-                <a:t>S</a:t>
-              </a:r>
-              <a:r>
-                <a:rPr lang="zh-CN" altLang="en-US" dirty="0">
-                  <a:latin typeface="Times New Roman" panose="02020603050405020304" pitchFamily="18" charset="0"/>
-                  <a:cs typeface="Times New Roman" panose="02020603050405020304" pitchFamily="18" charset="0"/>
-                </a:rPr>
-                <a:t>tructure</a:t>
-              </a:r>
-            </a:p>
-          </p:txBody>
-        </p:sp>
-        <p:sp>
-          <p:nvSpPr>
-            <p:cNvPr id="25" name="文本框 24">
-              <a:extLst>
-                <a:ext uri="{FF2B5EF4-FFF2-40B4-BE49-F238E27FC236}">
-                  <a16:creationId xmlns:a16="http://schemas.microsoft.com/office/drawing/2014/main" id="{8F001BE6-F547-AE0A-F1DD-B46CA72081BD}"/>
-                </a:ext>
-              </a:extLst>
-            </p:cNvPr>
-            <p:cNvSpPr txBox="1"/>
-            <p:nvPr/>
-          </p:nvSpPr>
-          <p:spPr>
-            <a:xfrm>
-              <a:off x="6842653" y="2096035"/>
-              <a:ext cx="2589694" cy="369332"/>
-            </a:xfrm>
-            <a:prstGeom prst="rect">
-              <a:avLst/>
-            </a:prstGeom>
-            <a:noFill/>
-          </p:spPr>
-          <p:txBody>
-            <a:bodyPr wrap="square">
-              <a:spAutoFit/>
-            </a:bodyPr>
-            <a:lstStyle/>
-            <a:p>
-              <a:pPr algn="ctr"/>
-              <a:r>
-                <a:rPr lang="en-US" altLang="zh-CN" dirty="0">
-                  <a:latin typeface="Times New Roman" panose="02020603050405020304" pitchFamily="18" charset="0"/>
-                  <a:cs typeface="Times New Roman" panose="02020603050405020304" pitchFamily="18" charset="0"/>
-                </a:rPr>
-                <a:t>Restructure</a:t>
-              </a:r>
-              <a:r>
-                <a:rPr lang="zh-CN" altLang="en-US" dirty="0">
-                  <a:latin typeface="Times New Roman" panose="02020603050405020304" pitchFamily="18" charset="0"/>
-                  <a:cs typeface="Times New Roman" panose="02020603050405020304" pitchFamily="18" charset="0"/>
-                </a:rPr>
-                <a:t> </a:t>
-              </a:r>
-              <a:r>
-                <a:rPr lang="en-US" altLang="zh-CN" dirty="0">
-                  <a:latin typeface="Times New Roman" panose="02020603050405020304" pitchFamily="18" charset="0"/>
-                  <a:cs typeface="Times New Roman" panose="02020603050405020304" pitchFamily="18" charset="0"/>
-                </a:rPr>
-                <a:t>F</a:t>
-              </a:r>
-              <a:r>
-                <a:rPr lang="zh-CN" altLang="en-US" dirty="0">
-                  <a:latin typeface="Times New Roman" panose="02020603050405020304" pitchFamily="18" charset="0"/>
-                  <a:cs typeface="Times New Roman" panose="02020603050405020304" pitchFamily="18" charset="0"/>
-                </a:rPr>
-                <a:t>ile </a:t>
-              </a:r>
-              <a:r>
-                <a:rPr lang="en-US" altLang="zh-CN" dirty="0">
-                  <a:latin typeface="Times New Roman" panose="02020603050405020304" pitchFamily="18" charset="0"/>
-                  <a:cs typeface="Times New Roman" panose="02020603050405020304" pitchFamily="18" charset="0"/>
-                </a:rPr>
-                <a:t>S</a:t>
-              </a:r>
-              <a:r>
-                <a:rPr lang="zh-CN" altLang="en-US" dirty="0">
-                  <a:latin typeface="Times New Roman" panose="02020603050405020304" pitchFamily="18" charset="0"/>
-                  <a:cs typeface="Times New Roman" panose="02020603050405020304" pitchFamily="18" charset="0"/>
-                </a:rPr>
-                <a:t>tructure</a:t>
-              </a:r>
-            </a:p>
-          </p:txBody>
-        </p:sp>
-      </p:grpSp>
       <p:sp>
         <p:nvSpPr>
           <p:cNvPr id="27" name="文本框 26">
@@ -21577,7 +21497,7 @@
         <p:spPr>
           <a:xfrm>
             <a:off x="249941" y="5013201"/>
-            <a:ext cx="4052344" cy="1444883"/>
+            <a:ext cx="3944372" cy="1098634"/>
           </a:xfrm>
           <a:prstGeom prst="rect">
             <a:avLst/>
@@ -21602,7 +21522,7 @@
                 <a:latin typeface="Times New Roman" panose="02020603050405020304" pitchFamily="18" charset="0"/>
                 <a:cs typeface="Times New Roman" panose="02020603050405020304" pitchFamily="18" charset="0"/>
               </a:rPr>
-              <a:t>Clear code structure</a:t>
+              <a:t>poor code structure</a:t>
             </a:r>
           </a:p>
           <a:p>
@@ -21618,7 +21538,7 @@
                 <a:latin typeface="Times New Roman" panose="02020603050405020304" pitchFamily="18" charset="0"/>
                 <a:cs typeface="Times New Roman" panose="02020603050405020304" pitchFamily="18" charset="0"/>
               </a:rPr>
-              <a:t>Enhanced scalability</a:t>
+              <a:t>Direct creation of Enemies</a:t>
             </a:r>
           </a:p>
           <a:p>
@@ -21634,25 +21554,9 @@
                 <a:latin typeface="Times New Roman" panose="02020603050405020304" pitchFamily="18" charset="0"/>
                 <a:cs typeface="Times New Roman" panose="02020603050405020304" pitchFamily="18" charset="0"/>
               </a:rPr>
-              <a:t>Ease of management and maintenance</a:t>
+              <a:t>direct visit between Classes</a:t>
             </a:r>
-          </a:p>
-          <a:p>
-            <a:pPr marL="285750" indent="-285750">
-              <a:lnSpc>
-                <a:spcPct val="125000"/>
-              </a:lnSpc>
-              <a:buFont typeface="Arial" panose="020B0604020202020204" pitchFamily="34" charset="0"/>
-              <a:buChar char="•"/>
-            </a:pPr>
-            <a:r>
-              <a:rPr lang="en-US" altLang="zh-CN" dirty="0">
-                <a:latin typeface="Times New Roman" panose="02020603050405020304" pitchFamily="18" charset="0"/>
-                <a:cs typeface="Times New Roman" panose="02020603050405020304" pitchFamily="18" charset="0"/>
-              </a:rPr>
-              <a:t>Reduced code duplication</a:t>
-            </a:r>
-            <a:endParaRPr lang="zh-CN" altLang="en-US" sz="1600" dirty="0">
+            <a:endParaRPr lang="zh-CN" altLang="en-US" dirty="0">
               <a:latin typeface="Times New Roman" panose="02020603050405020304" pitchFamily="18" charset="0"/>
               <a:cs typeface="Times New Roman" panose="02020603050405020304" pitchFamily="18" charset="0"/>
             </a:endParaRPr>
@@ -21674,7 +21578,7 @@
         <p:spPr>
           <a:xfrm>
             <a:off x="4313799" y="4972537"/>
-            <a:ext cx="3646086" cy="1791131"/>
+            <a:ext cx="3646086" cy="1098634"/>
           </a:xfrm>
           <a:prstGeom prst="rect">
             <a:avLst/>
@@ -21700,38 +21604,6 @@
                 <a:cs typeface="Times New Roman" panose="02020603050405020304" pitchFamily="18" charset="0"/>
               </a:rPr>
               <a:t>Decouples creation and usage</a:t>
-            </a:r>
-          </a:p>
-          <a:p>
-            <a:pPr marL="285750" indent="-285750">
-              <a:lnSpc>
-                <a:spcPct val="125000"/>
-              </a:lnSpc>
-              <a:buFont typeface="Arial" panose="020B0604020202020204" pitchFamily="34" charset="0"/>
-              <a:buChar char="•"/>
-            </a:pPr>
-            <a:r>
-              <a:rPr lang="en-US" altLang="zh-CN" dirty="0">
-                <a:latin typeface="Times New Roman" panose="02020603050405020304" pitchFamily="18" charset="0"/>
-                <a:cs typeface="Times New Roman" panose="02020603050405020304" pitchFamily="18" charset="0"/>
-              </a:rPr>
-              <a:t>Improves code reusability</a:t>
-            </a:r>
-          </a:p>
-          <a:p>
-            <a:pPr marL="285750" indent="-285750">
-              <a:lnSpc>
-                <a:spcPct val="125000"/>
-              </a:lnSpc>
-              <a:buFont typeface="Arial" panose="020B0604020202020204" pitchFamily="34" charset="0"/>
-              <a:buChar char="•"/>
-            </a:pPr>
-            <a:r>
-              <a:rPr lang="en-US" altLang="zh-CN" dirty="0">
-                <a:latin typeface="Times New Roman" panose="02020603050405020304" pitchFamily="18" charset="0"/>
-                <a:cs typeface="Times New Roman" panose="02020603050405020304" pitchFamily="18" charset="0"/>
-              </a:rPr>
-              <a:t>Adheres to design principles</a:t>
             </a:r>
           </a:p>
           <a:p>
@@ -21787,7 +21659,7 @@
           <p:nvPr/>
         </p:nvPicPr>
         <p:blipFill>
-          <a:blip r:embed="rId4"/>
+          <a:blip r:embed="rId3"/>
           <a:stretch>
             <a:fillRect/>
           </a:stretch>
@@ -21796,6 +21668,66 @@
           <a:xfrm>
             <a:off x="189991" y="1605964"/>
             <a:ext cx="6706032" cy="2917213"/>
+          </a:xfrm>
+          <a:prstGeom prst="rect">
+            <a:avLst/>
+          </a:prstGeom>
+        </p:spPr>
+      </p:pic>
+      <p:pic>
+        <p:nvPicPr>
+          <p:cNvPr id="28" name="图片 27">
+            <a:extLst>
+              <a:ext uri="{FF2B5EF4-FFF2-40B4-BE49-F238E27FC236}">
+                <a16:creationId xmlns:a16="http://schemas.microsoft.com/office/drawing/2014/main" id="{3274F5FB-1907-5F7B-8723-D68BE1960D78}"/>
+              </a:ext>
+            </a:extLst>
+          </p:cNvPr>
+          <p:cNvPicPr>
+            <a:picLocks noChangeAspect="1"/>
+          </p:cNvPicPr>
+          <p:nvPr/>
+        </p:nvPicPr>
+        <p:blipFill>
+          <a:blip r:embed="rId4"/>
+          <a:stretch>
+            <a:fillRect/>
+          </a:stretch>
+        </p:blipFill>
+        <p:spPr>
+          <a:xfrm>
+            <a:off x="7035719" y="2878217"/>
+            <a:ext cx="5081655" cy="663385"/>
+          </a:xfrm>
+          <a:prstGeom prst="rect">
+            <a:avLst/>
+          </a:prstGeom>
+        </p:spPr>
+      </p:pic>
+      <p:pic>
+        <p:nvPicPr>
+          <p:cNvPr id="30" name="图片 29">
+            <a:extLst>
+              <a:ext uri="{FF2B5EF4-FFF2-40B4-BE49-F238E27FC236}">
+                <a16:creationId xmlns:a16="http://schemas.microsoft.com/office/drawing/2014/main" id="{4FEC0B96-FF54-CBB8-A6E2-940B46428154}"/>
+              </a:ext>
+            </a:extLst>
+          </p:cNvPr>
+          <p:cNvPicPr>
+            <a:picLocks noChangeAspect="1"/>
+          </p:cNvPicPr>
+          <p:nvPr/>
+        </p:nvPicPr>
+        <p:blipFill>
+          <a:blip r:embed="rId5"/>
+          <a:stretch>
+            <a:fillRect/>
+          </a:stretch>
+        </p:blipFill>
+        <p:spPr>
+          <a:xfrm>
+            <a:off x="7035719" y="1797258"/>
+            <a:ext cx="5081655" cy="758578"/>
           </a:xfrm>
           <a:prstGeom prst="rect">
             <a:avLst/>
@@ -21816,6 +21748,964 @@
 </file>
 
 <file path=ppt/slides/slide7.xml><?xml version="1.0" encoding="utf-8"?>
+<p:sld xmlns:a="http://schemas.openxmlformats.org/drawingml/2006/main" xmlns:r="http://schemas.openxmlformats.org/officeDocument/2006/relationships" xmlns:p="http://schemas.openxmlformats.org/presentationml/2006/main">
+  <p:cSld>
+    <p:spTree>
+      <p:nvGrpSpPr>
+        <p:cNvPr id="1" name="">
+          <a:extLst>
+            <a:ext uri="{FF2B5EF4-FFF2-40B4-BE49-F238E27FC236}">
+              <a16:creationId xmlns:a16="http://schemas.microsoft.com/office/drawing/2014/main" id="{D429E42E-1381-597B-84A1-E80C39DDF7D7}"/>
+            </a:ext>
+          </a:extLst>
+        </p:cNvPr>
+        <p:cNvGrpSpPr/>
+        <p:nvPr/>
+      </p:nvGrpSpPr>
+      <p:grpSpPr>
+        <a:xfrm>
+          <a:off x="0" y="0"/>
+          <a:ext cx="0" cy="0"/>
+          <a:chOff x="0" y="0"/>
+          <a:chExt cx="0" cy="0"/>
+        </a:xfrm>
+      </p:grpSpPr>
+      <p:sp>
+        <p:nvSpPr>
+          <p:cNvPr id="5" name="矩形 4">
+            <a:extLst>
+              <a:ext uri="{FF2B5EF4-FFF2-40B4-BE49-F238E27FC236}">
+                <a16:creationId xmlns:a16="http://schemas.microsoft.com/office/drawing/2014/main" id="{AE806785-C2D1-9757-3C84-CFA7DC0CB4FB}"/>
+              </a:ext>
+            </a:extLst>
+          </p:cNvPr>
+          <p:cNvSpPr/>
+          <p:nvPr/>
+        </p:nvSpPr>
+        <p:spPr>
+          <a:xfrm>
+            <a:off x="0" y="343632"/>
+            <a:ext cx="1244600" cy="426835"/>
+          </a:xfrm>
+          <a:prstGeom prst="rect">
+            <a:avLst/>
+          </a:prstGeom>
+          <a:solidFill>
+            <a:schemeClr val="accent1">
+              <a:lumMod val="50000"/>
+            </a:schemeClr>
+          </a:solidFill>
+        </p:spPr>
+        <p:style>
+          <a:lnRef idx="2">
+            <a:schemeClr val="accent1">
+              <a:shade val="15000"/>
+            </a:schemeClr>
+          </a:lnRef>
+          <a:fillRef idx="1">
+            <a:schemeClr val="accent1"/>
+          </a:fillRef>
+          <a:effectRef idx="0">
+            <a:schemeClr val="accent1"/>
+          </a:effectRef>
+          <a:fontRef idx="minor">
+            <a:schemeClr val="lt1"/>
+          </a:fontRef>
+        </p:style>
+        <p:txBody>
+          <a:bodyPr rtlCol="0" anchor="ctr"/>
+          <a:lstStyle/>
+          <a:p>
+            <a:pPr algn="ctr"/>
+            <a:endParaRPr lang="zh-CN" altLang="en-US"/>
+          </a:p>
+        </p:txBody>
+      </p:sp>
+      <p:sp>
+        <p:nvSpPr>
+          <p:cNvPr id="6" name="文本框 5">
+            <a:extLst>
+              <a:ext uri="{FF2B5EF4-FFF2-40B4-BE49-F238E27FC236}">
+                <a16:creationId xmlns:a16="http://schemas.microsoft.com/office/drawing/2014/main" id="{AA2BAC5A-C502-DF4D-F647-9A1C3835284B}"/>
+              </a:ext>
+            </a:extLst>
+          </p:cNvPr>
+          <p:cNvSpPr txBox="1"/>
+          <p:nvPr/>
+        </p:nvSpPr>
+        <p:spPr>
+          <a:xfrm>
+            <a:off x="69850" y="370357"/>
+            <a:ext cx="1104900" cy="400110"/>
+          </a:xfrm>
+          <a:prstGeom prst="rect">
+            <a:avLst/>
+          </a:prstGeom>
+          <a:noFill/>
+        </p:spPr>
+        <p:txBody>
+          <a:bodyPr wrap="square" rtlCol="0">
+            <a:spAutoFit/>
+          </a:bodyPr>
+          <a:lstStyle/>
+          <a:p>
+            <a:r>
+              <a:rPr lang="en-US" altLang="zh-CN" sz="2000" dirty="0">
+                <a:solidFill>
+                  <a:schemeClr val="bg1">
+                    <a:lumMod val="95000"/>
+                  </a:schemeClr>
+                </a:solidFill>
+                <a:latin typeface="思源黑体 CN Bold" panose="020B0800000000000000" pitchFamily="34" charset="-122"/>
+                <a:ea typeface="思源黑体 CN Bold" panose="020B0800000000000000" pitchFamily="34" charset="-122"/>
+              </a:rPr>
+              <a:t>PART 2</a:t>
+            </a:r>
+            <a:endParaRPr lang="zh-CN" altLang="en-US" sz="2000" dirty="0">
+              <a:solidFill>
+                <a:schemeClr val="bg1">
+                  <a:lumMod val="95000"/>
+                </a:schemeClr>
+              </a:solidFill>
+              <a:latin typeface="思源黑体 CN Bold" panose="020B0800000000000000" pitchFamily="34" charset="-122"/>
+              <a:ea typeface="思源黑体 CN Bold" panose="020B0800000000000000" pitchFamily="34" charset="-122"/>
+            </a:endParaRPr>
+          </a:p>
+        </p:txBody>
+      </p:sp>
+      <p:sp>
+        <p:nvSpPr>
+          <p:cNvPr id="2" name="文本框 12">
+            <a:extLst>
+              <a:ext uri="{FF2B5EF4-FFF2-40B4-BE49-F238E27FC236}">
+                <a16:creationId xmlns:a16="http://schemas.microsoft.com/office/drawing/2014/main" id="{650D472B-9F59-6668-7823-BA9DE29CA716}"/>
+              </a:ext>
+            </a:extLst>
+          </p:cNvPr>
+          <p:cNvSpPr txBox="1"/>
+          <p:nvPr/>
+        </p:nvSpPr>
+        <p:spPr>
+          <a:xfrm>
+            <a:off x="1314449" y="226717"/>
+            <a:ext cx="7622722" cy="584775"/>
+          </a:xfrm>
+          <a:prstGeom prst="rect">
+            <a:avLst/>
+          </a:prstGeom>
+          <a:noFill/>
+        </p:spPr>
+        <p:txBody>
+          <a:bodyPr wrap="square" rtlCol="0">
+            <a:spAutoFit/>
+          </a:bodyPr>
+          <a:lstStyle>
+            <a:defPPr>
+              <a:defRPr lang="zh-CN"/>
+            </a:defPPr>
+            <a:lvl1pPr marL="0" algn="l" defTabSz="914400" rtl="0" eaLnBrk="1" latinLnBrk="0" hangingPunct="1">
+              <a:defRPr sz="1800" kern="1200">
+                <a:solidFill>
+                  <a:schemeClr val="tx1"/>
+                </a:solidFill>
+                <a:latin typeface="+mn-lt"/>
+                <a:ea typeface="+mn-ea"/>
+                <a:cs typeface="+mn-cs"/>
+              </a:defRPr>
+            </a:lvl1pPr>
+            <a:lvl2pPr marL="457200" algn="l" defTabSz="914400" rtl="0" eaLnBrk="1" latinLnBrk="0" hangingPunct="1">
+              <a:defRPr sz="1800" kern="1200">
+                <a:solidFill>
+                  <a:schemeClr val="tx1"/>
+                </a:solidFill>
+                <a:latin typeface="+mn-lt"/>
+                <a:ea typeface="+mn-ea"/>
+                <a:cs typeface="+mn-cs"/>
+              </a:defRPr>
+            </a:lvl2pPr>
+            <a:lvl3pPr marL="914400" algn="l" defTabSz="914400" rtl="0" eaLnBrk="1" latinLnBrk="0" hangingPunct="1">
+              <a:defRPr sz="1800" kern="1200">
+                <a:solidFill>
+                  <a:schemeClr val="tx1"/>
+                </a:solidFill>
+                <a:latin typeface="+mn-lt"/>
+                <a:ea typeface="+mn-ea"/>
+                <a:cs typeface="+mn-cs"/>
+              </a:defRPr>
+            </a:lvl3pPr>
+            <a:lvl4pPr marL="1371600" algn="l" defTabSz="914400" rtl="0" eaLnBrk="1" latinLnBrk="0" hangingPunct="1">
+              <a:defRPr sz="1800" kern="1200">
+                <a:solidFill>
+                  <a:schemeClr val="tx1"/>
+                </a:solidFill>
+                <a:latin typeface="+mn-lt"/>
+                <a:ea typeface="+mn-ea"/>
+                <a:cs typeface="+mn-cs"/>
+              </a:defRPr>
+            </a:lvl4pPr>
+            <a:lvl5pPr marL="1828800" algn="l" defTabSz="914400" rtl="0" eaLnBrk="1" latinLnBrk="0" hangingPunct="1">
+              <a:defRPr sz="1800" kern="1200">
+                <a:solidFill>
+                  <a:schemeClr val="tx1"/>
+                </a:solidFill>
+                <a:latin typeface="+mn-lt"/>
+                <a:ea typeface="+mn-ea"/>
+                <a:cs typeface="+mn-cs"/>
+              </a:defRPr>
+            </a:lvl5pPr>
+            <a:lvl6pPr marL="2286000" algn="l" defTabSz="914400" rtl="0" eaLnBrk="1" latinLnBrk="0" hangingPunct="1">
+              <a:defRPr sz="1800" kern="1200">
+                <a:solidFill>
+                  <a:schemeClr val="tx1"/>
+                </a:solidFill>
+                <a:latin typeface="+mn-lt"/>
+                <a:ea typeface="+mn-ea"/>
+                <a:cs typeface="+mn-cs"/>
+              </a:defRPr>
+            </a:lvl6pPr>
+            <a:lvl7pPr marL="2743200" algn="l" defTabSz="914400" rtl="0" eaLnBrk="1" latinLnBrk="0" hangingPunct="1">
+              <a:defRPr sz="1800" kern="1200">
+                <a:solidFill>
+                  <a:schemeClr val="tx1"/>
+                </a:solidFill>
+                <a:latin typeface="+mn-lt"/>
+                <a:ea typeface="+mn-ea"/>
+                <a:cs typeface="+mn-cs"/>
+              </a:defRPr>
+            </a:lvl7pPr>
+            <a:lvl8pPr marL="3200400" algn="l" defTabSz="914400" rtl="0" eaLnBrk="1" latinLnBrk="0" hangingPunct="1">
+              <a:defRPr sz="1800" kern="1200">
+                <a:solidFill>
+                  <a:schemeClr val="tx1"/>
+                </a:solidFill>
+                <a:latin typeface="+mn-lt"/>
+                <a:ea typeface="+mn-ea"/>
+                <a:cs typeface="+mn-cs"/>
+              </a:defRPr>
+            </a:lvl8pPr>
+            <a:lvl9pPr marL="3657600" algn="l" defTabSz="914400" rtl="0" eaLnBrk="1" latinLnBrk="0" hangingPunct="1">
+              <a:defRPr sz="1800" kern="1200">
+                <a:solidFill>
+                  <a:schemeClr val="tx1"/>
+                </a:solidFill>
+                <a:latin typeface="+mn-lt"/>
+                <a:ea typeface="+mn-ea"/>
+                <a:cs typeface="+mn-cs"/>
+              </a:defRPr>
+            </a:lvl9pPr>
+          </a:lstStyle>
+          <a:p>
+            <a:r>
+              <a:rPr lang="en-US" altLang="zh-CN" sz="3200" dirty="0">
+                <a:solidFill>
+                  <a:srgbClr val="425166"/>
+                </a:solidFill>
+                <a:latin typeface="Times New Roman" panose="02020603050405020304" pitchFamily="18" charset="0"/>
+                <a:ea typeface="思源黑体 CN Normal" panose="020B0400000000000000" pitchFamily="34" charset="-122"/>
+                <a:cs typeface="Times New Roman" panose="02020603050405020304" pitchFamily="18" charset="0"/>
+                <a:sym typeface="思源黑体 CN Normal" panose="020B0400000000000000" pitchFamily="34" charset="-122"/>
+              </a:rPr>
+              <a:t>Design Patterns in Refactoring——Observer </a:t>
+            </a:r>
+            <a:endParaRPr lang="zh-CN" altLang="en-US" sz="3200" dirty="0">
+              <a:solidFill>
+                <a:srgbClr val="425166"/>
+              </a:solidFill>
+              <a:latin typeface="Times New Roman" panose="02020603050405020304" pitchFamily="18" charset="0"/>
+              <a:ea typeface="思源黑体 CN Normal" panose="020B0400000000000000" pitchFamily="34" charset="-122"/>
+              <a:cs typeface="Times New Roman" panose="02020603050405020304" pitchFamily="18" charset="0"/>
+              <a:sym typeface="思源黑体 CN Normal" panose="020B0400000000000000" pitchFamily="34" charset="-122"/>
+            </a:endParaRPr>
+          </a:p>
+        </p:txBody>
+      </p:sp>
+      <p:sp>
+        <p:nvSpPr>
+          <p:cNvPr id="3" name="文本框 2">
+            <a:extLst>
+              <a:ext uri="{FF2B5EF4-FFF2-40B4-BE49-F238E27FC236}">
+                <a16:creationId xmlns:a16="http://schemas.microsoft.com/office/drawing/2014/main" id="{54156AD4-59E3-117F-D33F-56E7A60C1D08}"/>
+              </a:ext>
+            </a:extLst>
+          </p:cNvPr>
+          <p:cNvSpPr txBox="1"/>
+          <p:nvPr/>
+        </p:nvSpPr>
+        <p:spPr>
+          <a:xfrm>
+            <a:off x="1288652" y="1121640"/>
+            <a:ext cx="3249738" cy="369332"/>
+          </a:xfrm>
+          <a:prstGeom prst="rect">
+            <a:avLst/>
+          </a:prstGeom>
+          <a:noFill/>
+        </p:spPr>
+        <p:txBody>
+          <a:bodyPr wrap="square">
+            <a:spAutoFit/>
+          </a:bodyPr>
+          <a:lstStyle/>
+          <a:p>
+            <a:pPr algn="ctr"/>
+            <a:r>
+              <a:rPr lang="en-US" altLang="zh-CN" dirty="0">
+                <a:latin typeface="Times New Roman" panose="02020603050405020304" pitchFamily="18" charset="0"/>
+                <a:cs typeface="Times New Roman" panose="02020603050405020304" pitchFamily="18" charset="0"/>
+              </a:rPr>
+              <a:t>Original Structure</a:t>
+            </a:r>
+            <a:endParaRPr lang="zh-CN" altLang="en-US" dirty="0">
+              <a:latin typeface="Times New Roman" panose="02020603050405020304" pitchFamily="18" charset="0"/>
+              <a:cs typeface="Times New Roman" panose="02020603050405020304" pitchFamily="18" charset="0"/>
+            </a:endParaRPr>
+          </a:p>
+        </p:txBody>
+      </p:sp>
+      <p:pic>
+        <p:nvPicPr>
+          <p:cNvPr id="7" name="图片 6">
+            <a:extLst>
+              <a:ext uri="{FF2B5EF4-FFF2-40B4-BE49-F238E27FC236}">
+                <a16:creationId xmlns:a16="http://schemas.microsoft.com/office/drawing/2014/main" id="{F447FD91-B5F3-B1AD-BC5E-B58538B67C21}"/>
+              </a:ext>
+            </a:extLst>
+          </p:cNvPr>
+          <p:cNvPicPr>
+            <a:picLocks noChangeAspect="1"/>
+          </p:cNvPicPr>
+          <p:nvPr/>
+        </p:nvPicPr>
+        <p:blipFill>
+          <a:blip r:embed="rId2"/>
+          <a:stretch>
+            <a:fillRect/>
+          </a:stretch>
+        </p:blipFill>
+        <p:spPr>
+          <a:xfrm>
+            <a:off x="720081" y="1490972"/>
+            <a:ext cx="4192606" cy="2919722"/>
+          </a:xfrm>
+          <a:prstGeom prst="rect">
+            <a:avLst/>
+          </a:prstGeom>
+        </p:spPr>
+      </p:pic>
+      <p:sp>
+        <p:nvSpPr>
+          <p:cNvPr id="9" name="文本框 8">
+            <a:extLst>
+              <a:ext uri="{FF2B5EF4-FFF2-40B4-BE49-F238E27FC236}">
+                <a16:creationId xmlns:a16="http://schemas.microsoft.com/office/drawing/2014/main" id="{6B1A793C-9C8D-E3CE-08A4-7337391F7B1F}"/>
+              </a:ext>
+            </a:extLst>
+          </p:cNvPr>
+          <p:cNvSpPr txBox="1"/>
+          <p:nvPr/>
+        </p:nvSpPr>
+        <p:spPr>
+          <a:xfrm>
+            <a:off x="533040" y="4660610"/>
+            <a:ext cx="7575335" cy="1719958"/>
+          </a:xfrm>
+          <a:prstGeom prst="rect">
+            <a:avLst/>
+          </a:prstGeom>
+          <a:noFill/>
+        </p:spPr>
+        <p:txBody>
+          <a:bodyPr wrap="square">
+            <a:spAutoFit/>
+          </a:bodyPr>
+          <a:lstStyle/>
+          <a:p>
+            <a:pPr>
+              <a:spcAft>
+                <a:spcPts val="1200"/>
+              </a:spcAft>
+            </a:pPr>
+            <a:r>
+              <a:rPr lang="en-US" altLang="zh-CN" dirty="0">
+                <a:latin typeface="Times New Roman" panose="02020603050405020304" pitchFamily="18" charset="0"/>
+                <a:cs typeface="Times New Roman" panose="02020603050405020304" pitchFamily="18" charset="0"/>
+              </a:rPr>
+              <a:t>Original Logic for Tower to Obtain Enemies</a:t>
+            </a:r>
+          </a:p>
+          <a:p>
+            <a:pPr marL="285750" indent="-285750">
+              <a:lnSpc>
+                <a:spcPct val="150000"/>
+              </a:lnSpc>
+              <a:buFont typeface="Arial" panose="020B0604020202020204" pitchFamily="34" charset="0"/>
+              <a:buChar char="•"/>
+            </a:pPr>
+            <a:r>
+              <a:rPr lang="en-US" altLang="zh-CN" dirty="0">
+                <a:latin typeface="Times New Roman" panose="02020603050405020304" pitchFamily="18" charset="0"/>
+                <a:cs typeface="Times New Roman" panose="02020603050405020304" pitchFamily="18" charset="0"/>
+              </a:rPr>
+              <a:t>The enemies of each wave are stored in the level.</a:t>
+            </a:r>
+          </a:p>
+          <a:p>
+            <a:pPr marL="285750" indent="-285750">
+              <a:lnSpc>
+                <a:spcPct val="150000"/>
+              </a:lnSpc>
+              <a:buFont typeface="Arial" panose="020B0604020202020204" pitchFamily="34" charset="0"/>
+              <a:buChar char="•"/>
+            </a:pPr>
+            <a:r>
+              <a:rPr lang="en-US" altLang="zh-CN" dirty="0">
+                <a:latin typeface="Times New Roman" panose="02020603050405020304" pitchFamily="18" charset="0"/>
+                <a:cs typeface="Times New Roman" panose="02020603050405020304" pitchFamily="18" charset="0"/>
+              </a:rPr>
+              <a:t>The tower obtains the enemies of each wave by iteration, regardless of whether the enemy has appeared or is already dead.</a:t>
+            </a:r>
+            <a:endParaRPr lang="zh-CN" altLang="en-US" dirty="0">
+              <a:latin typeface="Times New Roman" panose="02020603050405020304" pitchFamily="18" charset="0"/>
+              <a:cs typeface="Times New Roman" panose="02020603050405020304" pitchFamily="18" charset="0"/>
+            </a:endParaRPr>
+          </a:p>
+        </p:txBody>
+      </p:sp>
+      <p:sp>
+        <p:nvSpPr>
+          <p:cNvPr id="10" name="文本框 9">
+            <a:extLst>
+              <a:ext uri="{FF2B5EF4-FFF2-40B4-BE49-F238E27FC236}">
+                <a16:creationId xmlns:a16="http://schemas.microsoft.com/office/drawing/2014/main" id="{9B22D4C7-5DFA-7052-15D1-6BCF12374527}"/>
+              </a:ext>
+            </a:extLst>
+          </p:cNvPr>
+          <p:cNvSpPr txBox="1"/>
+          <p:nvPr/>
+        </p:nvSpPr>
+        <p:spPr>
+          <a:xfrm>
+            <a:off x="8247760" y="4660610"/>
+            <a:ext cx="2368228" cy="1719958"/>
+          </a:xfrm>
+          <a:prstGeom prst="rect">
+            <a:avLst/>
+          </a:prstGeom>
+          <a:noFill/>
+        </p:spPr>
+        <p:txBody>
+          <a:bodyPr wrap="square">
+            <a:spAutoFit/>
+          </a:bodyPr>
+          <a:lstStyle/>
+          <a:p>
+            <a:pPr>
+              <a:spcAft>
+                <a:spcPts val="1200"/>
+              </a:spcAft>
+            </a:pPr>
+            <a:r>
+              <a:rPr lang="en-US" altLang="zh-CN" dirty="0">
+                <a:latin typeface="Times New Roman" panose="02020603050405020304" pitchFamily="18" charset="0"/>
+                <a:cs typeface="Times New Roman" panose="02020603050405020304" pitchFamily="18" charset="0"/>
+              </a:rPr>
+              <a:t>Disadvantages:</a:t>
+            </a:r>
+          </a:p>
+          <a:p>
+            <a:pPr marL="285750" indent="-285750">
+              <a:lnSpc>
+                <a:spcPct val="150000"/>
+              </a:lnSpc>
+              <a:buFont typeface="Arial" panose="020B0604020202020204" pitchFamily="34" charset="0"/>
+              <a:buChar char="•"/>
+            </a:pPr>
+            <a:r>
+              <a:rPr lang="en-US" altLang="zh-CN" dirty="0">
+                <a:latin typeface="Times New Roman" panose="02020603050405020304" pitchFamily="18" charset="0"/>
+                <a:cs typeface="Times New Roman" panose="02020603050405020304" pitchFamily="18" charset="0"/>
+              </a:rPr>
+              <a:t>Resource Waste</a:t>
+            </a:r>
+          </a:p>
+          <a:p>
+            <a:pPr marL="285750" indent="-285750">
+              <a:lnSpc>
+                <a:spcPct val="150000"/>
+              </a:lnSpc>
+              <a:buFont typeface="Arial" panose="020B0604020202020204" pitchFamily="34" charset="0"/>
+              <a:buChar char="•"/>
+            </a:pPr>
+            <a:r>
+              <a:rPr lang="en-US" altLang="zh-CN" dirty="0">
+                <a:latin typeface="Times New Roman" panose="02020603050405020304" pitchFamily="18" charset="0"/>
+                <a:cs typeface="Times New Roman" panose="02020603050405020304" pitchFamily="18" charset="0"/>
+              </a:rPr>
+              <a:t>High Coupling</a:t>
+            </a:r>
+          </a:p>
+          <a:p>
+            <a:pPr marL="285750" indent="-285750">
+              <a:lnSpc>
+                <a:spcPct val="150000"/>
+              </a:lnSpc>
+              <a:buFont typeface="Arial" panose="020B0604020202020204" pitchFamily="34" charset="0"/>
+              <a:buChar char="•"/>
+            </a:pPr>
+            <a:r>
+              <a:rPr lang="en-US" altLang="zh-CN" dirty="0">
+                <a:latin typeface="Times New Roman" panose="02020603050405020304" pitchFamily="18" charset="0"/>
+                <a:cs typeface="Times New Roman" panose="02020603050405020304" pitchFamily="18" charset="0"/>
+              </a:rPr>
+              <a:t>Not Save</a:t>
+            </a:r>
+          </a:p>
+        </p:txBody>
+      </p:sp>
+      <p:pic>
+        <p:nvPicPr>
+          <p:cNvPr id="8" name="图片 7">
+            <a:extLst>
+              <a:ext uri="{FF2B5EF4-FFF2-40B4-BE49-F238E27FC236}">
+                <a16:creationId xmlns:a16="http://schemas.microsoft.com/office/drawing/2014/main" id="{79A6D7DA-BEDA-F2B5-4576-611C7E3EA8FC}"/>
+              </a:ext>
+            </a:extLst>
+          </p:cNvPr>
+          <p:cNvPicPr>
+            <a:picLocks noChangeAspect="1"/>
+          </p:cNvPicPr>
+          <p:nvPr/>
+        </p:nvPicPr>
+        <p:blipFill>
+          <a:blip r:embed="rId3"/>
+          <a:stretch>
+            <a:fillRect/>
+          </a:stretch>
+        </p:blipFill>
+        <p:spPr>
+          <a:xfrm>
+            <a:off x="5106961" y="930908"/>
+            <a:ext cx="6386065" cy="3360370"/>
+          </a:xfrm>
+          <a:prstGeom prst="rect">
+            <a:avLst/>
+          </a:prstGeom>
+        </p:spPr>
+      </p:pic>
+    </p:spTree>
+    <p:extLst>
+      <p:ext uri="{BB962C8B-B14F-4D97-AF65-F5344CB8AC3E}">
+        <p14:creationId xmlns:p14="http://schemas.microsoft.com/office/powerpoint/2010/main" val="750663224"/>
+      </p:ext>
+    </p:extLst>
+  </p:cSld>
+  <p:clrMapOvr>
+    <a:masterClrMapping/>
+  </p:clrMapOvr>
+</p:sld>
+</file>
+
+<file path=ppt/slides/slide8.xml><?xml version="1.0" encoding="utf-8"?>
+<p:sld xmlns:a="http://schemas.openxmlformats.org/drawingml/2006/main" xmlns:r="http://schemas.openxmlformats.org/officeDocument/2006/relationships" xmlns:p="http://schemas.openxmlformats.org/presentationml/2006/main">
+  <p:cSld>
+    <p:spTree>
+      <p:nvGrpSpPr>
+        <p:cNvPr id="1" name="">
+          <a:extLst>
+            <a:ext uri="{FF2B5EF4-FFF2-40B4-BE49-F238E27FC236}">
+              <a16:creationId xmlns:a16="http://schemas.microsoft.com/office/drawing/2014/main" id="{9D4DAD7E-58AB-0B43-2079-AE1A368A17DC}"/>
+            </a:ext>
+          </a:extLst>
+        </p:cNvPr>
+        <p:cNvGrpSpPr/>
+        <p:nvPr/>
+      </p:nvGrpSpPr>
+      <p:grpSpPr>
+        <a:xfrm>
+          <a:off x="0" y="0"/>
+          <a:ext cx="0" cy="0"/>
+          <a:chOff x="0" y="0"/>
+          <a:chExt cx="0" cy="0"/>
+        </a:xfrm>
+      </p:grpSpPr>
+      <p:sp>
+        <p:nvSpPr>
+          <p:cNvPr id="5" name="矩形 4">
+            <a:extLst>
+              <a:ext uri="{FF2B5EF4-FFF2-40B4-BE49-F238E27FC236}">
+                <a16:creationId xmlns:a16="http://schemas.microsoft.com/office/drawing/2014/main" id="{0EE9E1A0-8CD5-BEEA-2DEB-A98B0978B8D3}"/>
+              </a:ext>
+            </a:extLst>
+          </p:cNvPr>
+          <p:cNvSpPr/>
+          <p:nvPr/>
+        </p:nvSpPr>
+        <p:spPr>
+          <a:xfrm>
+            <a:off x="0" y="343632"/>
+            <a:ext cx="1244600" cy="426835"/>
+          </a:xfrm>
+          <a:prstGeom prst="rect">
+            <a:avLst/>
+          </a:prstGeom>
+          <a:solidFill>
+            <a:schemeClr val="accent1">
+              <a:lumMod val="50000"/>
+            </a:schemeClr>
+          </a:solidFill>
+        </p:spPr>
+        <p:style>
+          <a:lnRef idx="2">
+            <a:schemeClr val="accent1">
+              <a:shade val="15000"/>
+            </a:schemeClr>
+          </a:lnRef>
+          <a:fillRef idx="1">
+            <a:schemeClr val="accent1"/>
+          </a:fillRef>
+          <a:effectRef idx="0">
+            <a:schemeClr val="accent1"/>
+          </a:effectRef>
+          <a:fontRef idx="minor">
+            <a:schemeClr val="lt1"/>
+          </a:fontRef>
+        </p:style>
+        <p:txBody>
+          <a:bodyPr rtlCol="0" anchor="ctr"/>
+          <a:lstStyle/>
+          <a:p>
+            <a:pPr algn="ctr"/>
+            <a:endParaRPr lang="zh-CN" altLang="en-US"/>
+          </a:p>
+        </p:txBody>
+      </p:sp>
+      <p:sp>
+        <p:nvSpPr>
+          <p:cNvPr id="6" name="文本框 5">
+            <a:extLst>
+              <a:ext uri="{FF2B5EF4-FFF2-40B4-BE49-F238E27FC236}">
+                <a16:creationId xmlns:a16="http://schemas.microsoft.com/office/drawing/2014/main" id="{EE96E6D7-4C46-5B98-375F-C71D3E54678C}"/>
+              </a:ext>
+            </a:extLst>
+          </p:cNvPr>
+          <p:cNvSpPr txBox="1"/>
+          <p:nvPr/>
+        </p:nvSpPr>
+        <p:spPr>
+          <a:xfrm>
+            <a:off x="69850" y="370357"/>
+            <a:ext cx="1104900" cy="400110"/>
+          </a:xfrm>
+          <a:prstGeom prst="rect">
+            <a:avLst/>
+          </a:prstGeom>
+          <a:noFill/>
+        </p:spPr>
+        <p:txBody>
+          <a:bodyPr wrap="square" rtlCol="0">
+            <a:spAutoFit/>
+          </a:bodyPr>
+          <a:lstStyle/>
+          <a:p>
+            <a:r>
+              <a:rPr lang="en-US" altLang="zh-CN" sz="2000" dirty="0">
+                <a:solidFill>
+                  <a:schemeClr val="bg1">
+                    <a:lumMod val="95000"/>
+                  </a:schemeClr>
+                </a:solidFill>
+                <a:latin typeface="思源黑体 CN Bold" panose="020B0800000000000000" pitchFamily="34" charset="-122"/>
+                <a:ea typeface="思源黑体 CN Bold" panose="020B0800000000000000" pitchFamily="34" charset="-122"/>
+              </a:rPr>
+              <a:t>PART 2</a:t>
+            </a:r>
+            <a:endParaRPr lang="zh-CN" altLang="en-US" sz="2000" dirty="0">
+              <a:solidFill>
+                <a:schemeClr val="bg1">
+                  <a:lumMod val="95000"/>
+                </a:schemeClr>
+              </a:solidFill>
+              <a:latin typeface="思源黑体 CN Bold" panose="020B0800000000000000" pitchFamily="34" charset="-122"/>
+              <a:ea typeface="思源黑体 CN Bold" panose="020B0800000000000000" pitchFamily="34" charset="-122"/>
+            </a:endParaRPr>
+          </a:p>
+        </p:txBody>
+      </p:sp>
+      <p:sp>
+        <p:nvSpPr>
+          <p:cNvPr id="2" name="文本框 12">
+            <a:extLst>
+              <a:ext uri="{FF2B5EF4-FFF2-40B4-BE49-F238E27FC236}">
+                <a16:creationId xmlns:a16="http://schemas.microsoft.com/office/drawing/2014/main" id="{0F7114E9-F9C2-0BE1-30F7-E12745152CC8}"/>
+              </a:ext>
+            </a:extLst>
+          </p:cNvPr>
+          <p:cNvSpPr txBox="1"/>
+          <p:nvPr/>
+        </p:nvSpPr>
+        <p:spPr>
+          <a:xfrm>
+            <a:off x="1314449" y="226717"/>
+            <a:ext cx="7622722" cy="584775"/>
+          </a:xfrm>
+          <a:prstGeom prst="rect">
+            <a:avLst/>
+          </a:prstGeom>
+          <a:noFill/>
+        </p:spPr>
+        <p:txBody>
+          <a:bodyPr wrap="square" rtlCol="0">
+            <a:spAutoFit/>
+          </a:bodyPr>
+          <a:lstStyle>
+            <a:defPPr>
+              <a:defRPr lang="zh-CN"/>
+            </a:defPPr>
+            <a:lvl1pPr marL="0" algn="l" defTabSz="914400" rtl="0" eaLnBrk="1" latinLnBrk="0" hangingPunct="1">
+              <a:defRPr sz="1800" kern="1200">
+                <a:solidFill>
+                  <a:schemeClr val="tx1"/>
+                </a:solidFill>
+                <a:latin typeface="+mn-lt"/>
+                <a:ea typeface="+mn-ea"/>
+                <a:cs typeface="+mn-cs"/>
+              </a:defRPr>
+            </a:lvl1pPr>
+            <a:lvl2pPr marL="457200" algn="l" defTabSz="914400" rtl="0" eaLnBrk="1" latinLnBrk="0" hangingPunct="1">
+              <a:defRPr sz="1800" kern="1200">
+                <a:solidFill>
+                  <a:schemeClr val="tx1"/>
+                </a:solidFill>
+                <a:latin typeface="+mn-lt"/>
+                <a:ea typeface="+mn-ea"/>
+                <a:cs typeface="+mn-cs"/>
+              </a:defRPr>
+            </a:lvl2pPr>
+            <a:lvl3pPr marL="914400" algn="l" defTabSz="914400" rtl="0" eaLnBrk="1" latinLnBrk="0" hangingPunct="1">
+              <a:defRPr sz="1800" kern="1200">
+                <a:solidFill>
+                  <a:schemeClr val="tx1"/>
+                </a:solidFill>
+                <a:latin typeface="+mn-lt"/>
+                <a:ea typeface="+mn-ea"/>
+                <a:cs typeface="+mn-cs"/>
+              </a:defRPr>
+            </a:lvl3pPr>
+            <a:lvl4pPr marL="1371600" algn="l" defTabSz="914400" rtl="0" eaLnBrk="1" latinLnBrk="0" hangingPunct="1">
+              <a:defRPr sz="1800" kern="1200">
+                <a:solidFill>
+                  <a:schemeClr val="tx1"/>
+                </a:solidFill>
+                <a:latin typeface="+mn-lt"/>
+                <a:ea typeface="+mn-ea"/>
+                <a:cs typeface="+mn-cs"/>
+              </a:defRPr>
+            </a:lvl4pPr>
+            <a:lvl5pPr marL="1828800" algn="l" defTabSz="914400" rtl="0" eaLnBrk="1" latinLnBrk="0" hangingPunct="1">
+              <a:defRPr sz="1800" kern="1200">
+                <a:solidFill>
+                  <a:schemeClr val="tx1"/>
+                </a:solidFill>
+                <a:latin typeface="+mn-lt"/>
+                <a:ea typeface="+mn-ea"/>
+                <a:cs typeface="+mn-cs"/>
+              </a:defRPr>
+            </a:lvl5pPr>
+            <a:lvl6pPr marL="2286000" algn="l" defTabSz="914400" rtl="0" eaLnBrk="1" latinLnBrk="0" hangingPunct="1">
+              <a:defRPr sz="1800" kern="1200">
+                <a:solidFill>
+                  <a:schemeClr val="tx1"/>
+                </a:solidFill>
+                <a:latin typeface="+mn-lt"/>
+                <a:ea typeface="+mn-ea"/>
+                <a:cs typeface="+mn-cs"/>
+              </a:defRPr>
+            </a:lvl6pPr>
+            <a:lvl7pPr marL="2743200" algn="l" defTabSz="914400" rtl="0" eaLnBrk="1" latinLnBrk="0" hangingPunct="1">
+              <a:defRPr sz="1800" kern="1200">
+                <a:solidFill>
+                  <a:schemeClr val="tx1"/>
+                </a:solidFill>
+                <a:latin typeface="+mn-lt"/>
+                <a:ea typeface="+mn-ea"/>
+                <a:cs typeface="+mn-cs"/>
+              </a:defRPr>
+            </a:lvl7pPr>
+            <a:lvl8pPr marL="3200400" algn="l" defTabSz="914400" rtl="0" eaLnBrk="1" latinLnBrk="0" hangingPunct="1">
+              <a:defRPr sz="1800" kern="1200">
+                <a:solidFill>
+                  <a:schemeClr val="tx1"/>
+                </a:solidFill>
+                <a:latin typeface="+mn-lt"/>
+                <a:ea typeface="+mn-ea"/>
+                <a:cs typeface="+mn-cs"/>
+              </a:defRPr>
+            </a:lvl8pPr>
+            <a:lvl9pPr marL="3657600" algn="l" defTabSz="914400" rtl="0" eaLnBrk="1" latinLnBrk="0" hangingPunct="1">
+              <a:defRPr sz="1800" kern="1200">
+                <a:solidFill>
+                  <a:schemeClr val="tx1"/>
+                </a:solidFill>
+                <a:latin typeface="+mn-lt"/>
+                <a:ea typeface="+mn-ea"/>
+                <a:cs typeface="+mn-cs"/>
+              </a:defRPr>
+            </a:lvl9pPr>
+          </a:lstStyle>
+          <a:p>
+            <a:r>
+              <a:rPr lang="en-US" altLang="zh-CN" sz="3200" dirty="0">
+                <a:solidFill>
+                  <a:srgbClr val="425166"/>
+                </a:solidFill>
+                <a:latin typeface="Times New Roman" panose="02020603050405020304" pitchFamily="18" charset="0"/>
+                <a:ea typeface="思源黑体 CN Normal" panose="020B0400000000000000" pitchFamily="34" charset="-122"/>
+                <a:cs typeface="Times New Roman" panose="02020603050405020304" pitchFamily="18" charset="0"/>
+                <a:sym typeface="思源黑体 CN Normal" panose="020B0400000000000000" pitchFamily="34" charset="-122"/>
+              </a:rPr>
+              <a:t>Design Patterns in Refactoring——Observer </a:t>
+            </a:r>
+            <a:endParaRPr lang="zh-CN" altLang="en-US" sz="3200" dirty="0">
+              <a:solidFill>
+                <a:srgbClr val="425166"/>
+              </a:solidFill>
+              <a:latin typeface="Times New Roman" panose="02020603050405020304" pitchFamily="18" charset="0"/>
+              <a:ea typeface="思源黑体 CN Normal" panose="020B0400000000000000" pitchFamily="34" charset="-122"/>
+              <a:cs typeface="Times New Roman" panose="02020603050405020304" pitchFamily="18" charset="0"/>
+              <a:sym typeface="思源黑体 CN Normal" panose="020B0400000000000000" pitchFamily="34" charset="-122"/>
+            </a:endParaRPr>
+          </a:p>
+        </p:txBody>
+      </p:sp>
+      <p:sp>
+        <p:nvSpPr>
+          <p:cNvPr id="27" name="文本框 26">
+            <a:extLst>
+              <a:ext uri="{FF2B5EF4-FFF2-40B4-BE49-F238E27FC236}">
+                <a16:creationId xmlns:a16="http://schemas.microsoft.com/office/drawing/2014/main" id="{DFD4B12D-3531-379C-29E7-E5ABDF7E3256}"/>
+              </a:ext>
+            </a:extLst>
+          </p:cNvPr>
+          <p:cNvSpPr txBox="1"/>
+          <p:nvPr/>
+        </p:nvSpPr>
+        <p:spPr>
+          <a:xfrm>
+            <a:off x="4471131" y="770467"/>
+            <a:ext cx="3249738" cy="369332"/>
+          </a:xfrm>
+          <a:prstGeom prst="rect">
+            <a:avLst/>
+          </a:prstGeom>
+          <a:noFill/>
+        </p:spPr>
+        <p:txBody>
+          <a:bodyPr wrap="square">
+            <a:spAutoFit/>
+          </a:bodyPr>
+          <a:lstStyle/>
+          <a:p>
+            <a:pPr algn="ctr"/>
+            <a:r>
+              <a:rPr lang="en-US" altLang="zh-CN" dirty="0">
+                <a:latin typeface="Times New Roman" panose="02020603050405020304" pitchFamily="18" charset="0"/>
+                <a:cs typeface="Times New Roman" panose="02020603050405020304" pitchFamily="18" charset="0"/>
+              </a:rPr>
+              <a:t>Class diagram of Observer</a:t>
+            </a:r>
+            <a:endParaRPr lang="zh-CN" altLang="en-US" dirty="0">
+              <a:latin typeface="Times New Roman" panose="02020603050405020304" pitchFamily="18" charset="0"/>
+              <a:cs typeface="Times New Roman" panose="02020603050405020304" pitchFamily="18" charset="0"/>
+            </a:endParaRPr>
+          </a:p>
+        </p:txBody>
+      </p:sp>
+      <p:sp>
+        <p:nvSpPr>
+          <p:cNvPr id="11" name="文本框 10">
+            <a:extLst>
+              <a:ext uri="{FF2B5EF4-FFF2-40B4-BE49-F238E27FC236}">
+                <a16:creationId xmlns:a16="http://schemas.microsoft.com/office/drawing/2014/main" id="{88EA6A11-638F-C35C-7E84-61CB1AE14D2D}"/>
+              </a:ext>
+            </a:extLst>
+          </p:cNvPr>
+          <p:cNvSpPr txBox="1"/>
+          <p:nvPr/>
+        </p:nvSpPr>
+        <p:spPr>
+          <a:xfrm>
+            <a:off x="521979" y="5902448"/>
+            <a:ext cx="8686801" cy="461665"/>
+          </a:xfrm>
+          <a:prstGeom prst="rect">
+            <a:avLst/>
+          </a:prstGeom>
+          <a:noFill/>
+        </p:spPr>
+        <p:txBody>
+          <a:bodyPr wrap="square">
+            <a:spAutoFit/>
+          </a:bodyPr>
+          <a:lstStyle/>
+          <a:p>
+            <a:r>
+              <a:rPr lang="en-US" altLang="zh-CN" sz="2400" dirty="0">
+                <a:latin typeface="Times New Roman" panose="02020603050405020304" pitchFamily="18" charset="0"/>
+                <a:cs typeface="Times New Roman" panose="02020603050405020304" pitchFamily="18" charset="0"/>
+              </a:rPr>
+              <a:t>Benefits : Improved Security; Reduced Coupling; Cleaner Logic;  </a:t>
+            </a:r>
+            <a:endParaRPr lang="zh-CN" altLang="en-US" sz="2400" dirty="0">
+              <a:latin typeface="Times New Roman" panose="02020603050405020304" pitchFamily="18" charset="0"/>
+              <a:cs typeface="Times New Roman" panose="02020603050405020304" pitchFamily="18" charset="0"/>
+            </a:endParaRPr>
+          </a:p>
+        </p:txBody>
+      </p:sp>
+      <p:pic>
+        <p:nvPicPr>
+          <p:cNvPr id="4" name="图片 3">
+            <a:extLst>
+              <a:ext uri="{FF2B5EF4-FFF2-40B4-BE49-F238E27FC236}">
+                <a16:creationId xmlns:a16="http://schemas.microsoft.com/office/drawing/2014/main" id="{3A08DD83-46D8-8C4F-338D-FFA91FB6CC98}"/>
+              </a:ext>
+            </a:extLst>
+          </p:cNvPr>
+          <p:cNvPicPr>
+            <a:picLocks noChangeAspect="1"/>
+          </p:cNvPicPr>
+          <p:nvPr/>
+        </p:nvPicPr>
+        <p:blipFill>
+          <a:blip r:embed="rId2"/>
+          <a:stretch>
+            <a:fillRect/>
+          </a:stretch>
+        </p:blipFill>
+        <p:spPr>
+          <a:xfrm>
+            <a:off x="520700" y="1198922"/>
+            <a:ext cx="11150600" cy="4644403"/>
+          </a:xfrm>
+          <a:prstGeom prst="rect">
+            <a:avLst/>
+          </a:prstGeom>
+        </p:spPr>
+      </p:pic>
+    </p:spTree>
+    <p:extLst>
+      <p:ext uri="{BB962C8B-B14F-4D97-AF65-F5344CB8AC3E}">
+        <p14:creationId xmlns:p14="http://schemas.microsoft.com/office/powerpoint/2010/main" val="3583721932"/>
+      </p:ext>
+    </p:extLst>
+  </p:cSld>
+  <p:clrMapOvr>
+    <a:masterClrMapping/>
+  </p:clrMapOvr>
+</p:sld>
+</file>
+
+<file path=ppt/slides/slide9.xml><?xml version="1.0" encoding="utf-8"?>
 <p:sld xmlns:a="http://schemas.openxmlformats.org/drawingml/2006/main" xmlns:r="http://schemas.openxmlformats.org/officeDocument/2006/relationships" xmlns:p="http://schemas.openxmlformats.org/presentationml/2006/main">
   <p:cSld>
     <p:spTree>
@@ -22316,1510 +23206,6 @@
     <p:extLst>
       <p:ext uri="{BB962C8B-B14F-4D97-AF65-F5344CB8AC3E}">
         <p14:creationId xmlns:p14="http://schemas.microsoft.com/office/powerpoint/2010/main" val="3758423665"/>
-      </p:ext>
-    </p:extLst>
-  </p:cSld>
-  <p:clrMapOvr>
-    <a:masterClrMapping/>
-  </p:clrMapOvr>
-</p:sld>
-</file>
-
-<file path=ppt/slides/slide8.xml><?xml version="1.0" encoding="utf-8"?>
-<p:sld xmlns:a="http://schemas.openxmlformats.org/drawingml/2006/main" xmlns:r="http://schemas.openxmlformats.org/officeDocument/2006/relationships" xmlns:p="http://schemas.openxmlformats.org/presentationml/2006/main">
-  <p:cSld>
-    <p:spTree>
-      <p:nvGrpSpPr>
-        <p:cNvPr id="1" name="">
-          <a:extLst>
-            <a:ext uri="{FF2B5EF4-FFF2-40B4-BE49-F238E27FC236}">
-              <a16:creationId xmlns:a16="http://schemas.microsoft.com/office/drawing/2014/main" id="{19165E93-9027-76CE-79A7-88E30419BB0C}"/>
-            </a:ext>
-          </a:extLst>
-        </p:cNvPr>
-        <p:cNvGrpSpPr/>
-        <p:nvPr/>
-      </p:nvGrpSpPr>
-      <p:grpSpPr>
-        <a:xfrm>
-          <a:off x="0" y="0"/>
-          <a:ext cx="0" cy="0"/>
-          <a:chOff x="0" y="0"/>
-          <a:chExt cx="0" cy="0"/>
-        </a:xfrm>
-      </p:grpSpPr>
-      <p:pic>
-        <p:nvPicPr>
-          <p:cNvPr id="11" name="图片 10">
-            <a:extLst>
-              <a:ext uri="{FF2B5EF4-FFF2-40B4-BE49-F238E27FC236}">
-                <a16:creationId xmlns:a16="http://schemas.microsoft.com/office/drawing/2014/main" id="{0D15AD9E-E005-48CF-2C82-5D1D8FB855D4}"/>
-              </a:ext>
-            </a:extLst>
-          </p:cNvPr>
-          <p:cNvPicPr>
-            <a:picLocks noChangeAspect="1"/>
-          </p:cNvPicPr>
-          <p:nvPr/>
-        </p:nvPicPr>
-        <p:blipFill>
-          <a:blip r:embed="rId2"/>
-          <a:stretch>
-            <a:fillRect/>
-          </a:stretch>
-        </p:blipFill>
-        <p:spPr>
-          <a:xfrm>
-            <a:off x="216403" y="1297879"/>
-            <a:ext cx="5727734" cy="3627564"/>
-          </a:xfrm>
-          <a:prstGeom prst="rect">
-            <a:avLst/>
-          </a:prstGeom>
-        </p:spPr>
-      </p:pic>
-      <p:sp>
-        <p:nvSpPr>
-          <p:cNvPr id="5" name="矩形 4">
-            <a:extLst>
-              <a:ext uri="{FF2B5EF4-FFF2-40B4-BE49-F238E27FC236}">
-                <a16:creationId xmlns:a16="http://schemas.microsoft.com/office/drawing/2014/main" id="{F14BB6A5-703D-02DB-E837-D1F1E34A13DB}"/>
-              </a:ext>
-            </a:extLst>
-          </p:cNvPr>
-          <p:cNvSpPr/>
-          <p:nvPr/>
-        </p:nvSpPr>
-        <p:spPr>
-          <a:xfrm>
-            <a:off x="0" y="343632"/>
-            <a:ext cx="1244600" cy="426835"/>
-          </a:xfrm>
-          <a:prstGeom prst="rect">
-            <a:avLst/>
-          </a:prstGeom>
-          <a:solidFill>
-            <a:schemeClr val="accent1">
-              <a:lumMod val="50000"/>
-            </a:schemeClr>
-          </a:solidFill>
-        </p:spPr>
-        <p:style>
-          <a:lnRef idx="2">
-            <a:schemeClr val="accent1">
-              <a:shade val="15000"/>
-            </a:schemeClr>
-          </a:lnRef>
-          <a:fillRef idx="1">
-            <a:schemeClr val="accent1"/>
-          </a:fillRef>
-          <a:effectRef idx="0">
-            <a:schemeClr val="accent1"/>
-          </a:effectRef>
-          <a:fontRef idx="minor">
-            <a:schemeClr val="lt1"/>
-          </a:fontRef>
-        </p:style>
-        <p:txBody>
-          <a:bodyPr rtlCol="0" anchor="ctr"/>
-          <a:lstStyle/>
-          <a:p>
-            <a:pPr algn="ctr"/>
-            <a:endParaRPr lang="zh-CN" altLang="en-US"/>
-          </a:p>
-        </p:txBody>
-      </p:sp>
-      <p:sp>
-        <p:nvSpPr>
-          <p:cNvPr id="6" name="文本框 5">
-            <a:extLst>
-              <a:ext uri="{FF2B5EF4-FFF2-40B4-BE49-F238E27FC236}">
-                <a16:creationId xmlns:a16="http://schemas.microsoft.com/office/drawing/2014/main" id="{81E2DAA6-14CF-E48E-692B-2C0516D2837C}"/>
-              </a:ext>
-            </a:extLst>
-          </p:cNvPr>
-          <p:cNvSpPr txBox="1"/>
-          <p:nvPr/>
-        </p:nvSpPr>
-        <p:spPr>
-          <a:xfrm>
-            <a:off x="69850" y="370357"/>
-            <a:ext cx="1104900" cy="400110"/>
-          </a:xfrm>
-          <a:prstGeom prst="rect">
-            <a:avLst/>
-          </a:prstGeom>
-          <a:noFill/>
-        </p:spPr>
-        <p:txBody>
-          <a:bodyPr wrap="square" rtlCol="0">
-            <a:spAutoFit/>
-          </a:bodyPr>
-          <a:lstStyle/>
-          <a:p>
-            <a:r>
-              <a:rPr lang="en-US" altLang="zh-CN" sz="2000" dirty="0">
-                <a:solidFill>
-                  <a:schemeClr val="bg1">
-                    <a:lumMod val="95000"/>
-                  </a:schemeClr>
-                </a:solidFill>
-                <a:latin typeface="思源黑体 CN Bold" panose="020B0800000000000000" pitchFamily="34" charset="-122"/>
-                <a:ea typeface="思源黑体 CN Bold" panose="020B0800000000000000" pitchFamily="34" charset="-122"/>
-              </a:rPr>
-              <a:t>PART 2</a:t>
-            </a:r>
-            <a:endParaRPr lang="zh-CN" altLang="en-US" sz="2000" dirty="0">
-              <a:solidFill>
-                <a:schemeClr val="bg1">
-                  <a:lumMod val="95000"/>
-                </a:schemeClr>
-              </a:solidFill>
-              <a:latin typeface="思源黑体 CN Bold" panose="020B0800000000000000" pitchFamily="34" charset="-122"/>
-              <a:ea typeface="思源黑体 CN Bold" panose="020B0800000000000000" pitchFamily="34" charset="-122"/>
-            </a:endParaRPr>
-          </a:p>
-        </p:txBody>
-      </p:sp>
-      <p:sp>
-        <p:nvSpPr>
-          <p:cNvPr id="2" name="文本框 12">
-            <a:extLst>
-              <a:ext uri="{FF2B5EF4-FFF2-40B4-BE49-F238E27FC236}">
-                <a16:creationId xmlns:a16="http://schemas.microsoft.com/office/drawing/2014/main" id="{46BA3B6A-023F-5D92-97C7-EDAF06C691B3}"/>
-              </a:ext>
-            </a:extLst>
-          </p:cNvPr>
-          <p:cNvSpPr txBox="1"/>
-          <p:nvPr/>
-        </p:nvSpPr>
-        <p:spPr>
-          <a:xfrm>
-            <a:off x="1314449" y="226717"/>
-            <a:ext cx="8025494" cy="584775"/>
-          </a:xfrm>
-          <a:prstGeom prst="rect">
-            <a:avLst/>
-          </a:prstGeom>
-          <a:noFill/>
-        </p:spPr>
-        <p:txBody>
-          <a:bodyPr wrap="square" rtlCol="0">
-            <a:spAutoFit/>
-          </a:bodyPr>
-          <a:lstStyle>
-            <a:defPPr>
-              <a:defRPr lang="zh-CN"/>
-            </a:defPPr>
-            <a:lvl1pPr marL="0" algn="l" defTabSz="914400" rtl="0" eaLnBrk="1" latinLnBrk="0" hangingPunct="1">
-              <a:defRPr sz="1800" kern="1200">
-                <a:solidFill>
-                  <a:schemeClr val="tx1"/>
-                </a:solidFill>
-                <a:latin typeface="+mn-lt"/>
-                <a:ea typeface="+mn-ea"/>
-                <a:cs typeface="+mn-cs"/>
-              </a:defRPr>
-            </a:lvl1pPr>
-            <a:lvl2pPr marL="457200" algn="l" defTabSz="914400" rtl="0" eaLnBrk="1" latinLnBrk="0" hangingPunct="1">
-              <a:defRPr sz="1800" kern="1200">
-                <a:solidFill>
-                  <a:schemeClr val="tx1"/>
-                </a:solidFill>
-                <a:latin typeface="+mn-lt"/>
-                <a:ea typeface="+mn-ea"/>
-                <a:cs typeface="+mn-cs"/>
-              </a:defRPr>
-            </a:lvl2pPr>
-            <a:lvl3pPr marL="914400" algn="l" defTabSz="914400" rtl="0" eaLnBrk="1" latinLnBrk="0" hangingPunct="1">
-              <a:defRPr sz="1800" kern="1200">
-                <a:solidFill>
-                  <a:schemeClr val="tx1"/>
-                </a:solidFill>
-                <a:latin typeface="+mn-lt"/>
-                <a:ea typeface="+mn-ea"/>
-                <a:cs typeface="+mn-cs"/>
-              </a:defRPr>
-            </a:lvl3pPr>
-            <a:lvl4pPr marL="1371600" algn="l" defTabSz="914400" rtl="0" eaLnBrk="1" latinLnBrk="0" hangingPunct="1">
-              <a:defRPr sz="1800" kern="1200">
-                <a:solidFill>
-                  <a:schemeClr val="tx1"/>
-                </a:solidFill>
-                <a:latin typeface="+mn-lt"/>
-                <a:ea typeface="+mn-ea"/>
-                <a:cs typeface="+mn-cs"/>
-              </a:defRPr>
-            </a:lvl4pPr>
-            <a:lvl5pPr marL="1828800" algn="l" defTabSz="914400" rtl="0" eaLnBrk="1" latinLnBrk="0" hangingPunct="1">
-              <a:defRPr sz="1800" kern="1200">
-                <a:solidFill>
-                  <a:schemeClr val="tx1"/>
-                </a:solidFill>
-                <a:latin typeface="+mn-lt"/>
-                <a:ea typeface="+mn-ea"/>
-                <a:cs typeface="+mn-cs"/>
-              </a:defRPr>
-            </a:lvl5pPr>
-            <a:lvl6pPr marL="2286000" algn="l" defTabSz="914400" rtl="0" eaLnBrk="1" latinLnBrk="0" hangingPunct="1">
-              <a:defRPr sz="1800" kern="1200">
-                <a:solidFill>
-                  <a:schemeClr val="tx1"/>
-                </a:solidFill>
-                <a:latin typeface="+mn-lt"/>
-                <a:ea typeface="+mn-ea"/>
-                <a:cs typeface="+mn-cs"/>
-              </a:defRPr>
-            </a:lvl6pPr>
-            <a:lvl7pPr marL="2743200" algn="l" defTabSz="914400" rtl="0" eaLnBrk="1" latinLnBrk="0" hangingPunct="1">
-              <a:defRPr sz="1800" kern="1200">
-                <a:solidFill>
-                  <a:schemeClr val="tx1"/>
-                </a:solidFill>
-                <a:latin typeface="+mn-lt"/>
-                <a:ea typeface="+mn-ea"/>
-                <a:cs typeface="+mn-cs"/>
-              </a:defRPr>
-            </a:lvl7pPr>
-            <a:lvl8pPr marL="3200400" algn="l" defTabSz="914400" rtl="0" eaLnBrk="1" latinLnBrk="0" hangingPunct="1">
-              <a:defRPr sz="1800" kern="1200">
-                <a:solidFill>
-                  <a:schemeClr val="tx1"/>
-                </a:solidFill>
-                <a:latin typeface="+mn-lt"/>
-                <a:ea typeface="+mn-ea"/>
-                <a:cs typeface="+mn-cs"/>
-              </a:defRPr>
-            </a:lvl8pPr>
-            <a:lvl9pPr marL="3657600" algn="l" defTabSz="914400" rtl="0" eaLnBrk="1" latinLnBrk="0" hangingPunct="1">
-              <a:defRPr sz="1800" kern="1200">
-                <a:solidFill>
-                  <a:schemeClr val="tx1"/>
-                </a:solidFill>
-                <a:latin typeface="+mn-lt"/>
-                <a:ea typeface="+mn-ea"/>
-                <a:cs typeface="+mn-cs"/>
-              </a:defRPr>
-            </a:lvl9pPr>
-          </a:lstStyle>
-          <a:p>
-            <a:r>
-              <a:rPr lang="en-US" altLang="zh-CN" sz="3200" dirty="0">
-                <a:solidFill>
-                  <a:srgbClr val="425166"/>
-                </a:solidFill>
-                <a:latin typeface="Times New Roman" panose="02020603050405020304" pitchFamily="18" charset="0"/>
-                <a:ea typeface="思源黑体 CN Normal" panose="020B0400000000000000" pitchFamily="34" charset="-122"/>
-                <a:cs typeface="Times New Roman" panose="02020603050405020304" pitchFamily="18" charset="0"/>
-                <a:sym typeface="思源黑体 CN Normal" panose="020B0400000000000000" pitchFamily="34" charset="-122"/>
-              </a:rPr>
-              <a:t>Design Patterns in Refactoring——Flyweight </a:t>
-            </a:r>
-            <a:endParaRPr lang="zh-CN" altLang="en-US" sz="3200" dirty="0">
-              <a:solidFill>
-                <a:srgbClr val="425166"/>
-              </a:solidFill>
-              <a:latin typeface="Times New Roman" panose="02020603050405020304" pitchFamily="18" charset="0"/>
-              <a:ea typeface="思源黑体 CN Normal" panose="020B0400000000000000" pitchFamily="34" charset="-122"/>
-              <a:cs typeface="Times New Roman" panose="02020603050405020304" pitchFamily="18" charset="0"/>
-              <a:sym typeface="思源黑体 CN Normal" panose="020B0400000000000000" pitchFamily="34" charset="-122"/>
-            </a:endParaRPr>
-          </a:p>
-        </p:txBody>
-      </p:sp>
-      <p:sp>
-        <p:nvSpPr>
-          <p:cNvPr id="27" name="文本框 26">
-            <a:extLst>
-              <a:ext uri="{FF2B5EF4-FFF2-40B4-BE49-F238E27FC236}">
-                <a16:creationId xmlns:a16="http://schemas.microsoft.com/office/drawing/2014/main" id="{752616ED-6CFD-FAAA-65BD-13BAF24E6A21}"/>
-              </a:ext>
-            </a:extLst>
-          </p:cNvPr>
-          <p:cNvSpPr txBox="1"/>
-          <p:nvPr/>
-        </p:nvSpPr>
-        <p:spPr>
-          <a:xfrm>
-            <a:off x="1513519" y="934603"/>
-            <a:ext cx="3249738" cy="369332"/>
-          </a:xfrm>
-          <a:prstGeom prst="rect">
-            <a:avLst/>
-          </a:prstGeom>
-          <a:noFill/>
-        </p:spPr>
-        <p:txBody>
-          <a:bodyPr wrap="square">
-            <a:spAutoFit/>
-          </a:bodyPr>
-          <a:lstStyle/>
-          <a:p>
-            <a:pPr algn="ctr"/>
-            <a:r>
-              <a:rPr lang="en-US" altLang="zh-CN" dirty="0">
-                <a:latin typeface="Times New Roman" panose="02020603050405020304" pitchFamily="18" charset="0"/>
-                <a:cs typeface="Times New Roman" panose="02020603050405020304" pitchFamily="18" charset="0"/>
-              </a:rPr>
-              <a:t>Class diagram of Flyweight</a:t>
-            </a:r>
-            <a:endParaRPr lang="zh-CN" altLang="en-US" dirty="0">
-              <a:latin typeface="Times New Roman" panose="02020603050405020304" pitchFamily="18" charset="0"/>
-              <a:cs typeface="Times New Roman" panose="02020603050405020304" pitchFamily="18" charset="0"/>
-            </a:endParaRPr>
-          </a:p>
-        </p:txBody>
-      </p:sp>
-      <p:grpSp>
-        <p:nvGrpSpPr>
-          <p:cNvPr id="30" name="组合 29">
-            <a:extLst>
-              <a:ext uri="{FF2B5EF4-FFF2-40B4-BE49-F238E27FC236}">
-                <a16:creationId xmlns:a16="http://schemas.microsoft.com/office/drawing/2014/main" id="{5027DDE7-65B8-49BD-5E67-EBC7EFAF8BA9}"/>
-              </a:ext>
-            </a:extLst>
-          </p:cNvPr>
-          <p:cNvGrpSpPr/>
-          <p:nvPr/>
-        </p:nvGrpSpPr>
-        <p:grpSpPr>
-          <a:xfrm rot="10800000">
-            <a:off x="5944137" y="3145759"/>
-            <a:ext cx="969273" cy="248633"/>
-            <a:chOff x="6049119" y="5793914"/>
-            <a:chExt cx="1030620" cy="299295"/>
-          </a:xfrm>
-          <a:gradFill>
-            <a:gsLst>
-              <a:gs pos="0">
-                <a:schemeClr val="accent1">
-                  <a:lumMod val="5000"/>
-                  <a:lumOff val="95000"/>
-                </a:schemeClr>
-              </a:gs>
-              <a:gs pos="33000">
-                <a:schemeClr val="accent1">
-                  <a:lumMod val="45000"/>
-                  <a:lumOff val="55000"/>
-                </a:schemeClr>
-              </a:gs>
-              <a:gs pos="100000">
-                <a:schemeClr val="accent1">
-                  <a:lumMod val="75000"/>
-                </a:schemeClr>
-              </a:gs>
-            </a:gsLst>
-            <a:lin ang="0" scaled="0"/>
-          </a:gradFill>
-        </p:grpSpPr>
-        <p:sp>
-          <p:nvSpPr>
-            <p:cNvPr id="33" name="箭头: V 形 32">
-              <a:extLst>
-                <a:ext uri="{FF2B5EF4-FFF2-40B4-BE49-F238E27FC236}">
-                  <a16:creationId xmlns:a16="http://schemas.microsoft.com/office/drawing/2014/main" id="{CC470B7B-40A9-174D-26D7-2C6BED85682C}"/>
-                </a:ext>
-              </a:extLst>
-            </p:cNvPr>
-            <p:cNvSpPr/>
-            <p:nvPr/>
-          </p:nvSpPr>
-          <p:spPr>
-            <a:xfrm>
-              <a:off x="6049119" y="5793914"/>
-              <a:ext cx="258751" cy="299295"/>
-            </a:xfrm>
-            <a:prstGeom prst="chevron">
-              <a:avLst/>
-            </a:prstGeom>
-            <a:grpFill/>
-            <a:ln>
-              <a:noFill/>
-            </a:ln>
-          </p:spPr>
-          <p:style>
-            <a:lnRef idx="2">
-              <a:schemeClr val="accent1">
-                <a:shade val="15000"/>
-              </a:schemeClr>
-            </a:lnRef>
-            <a:fillRef idx="1">
-              <a:schemeClr val="accent1"/>
-            </a:fillRef>
-            <a:effectRef idx="0">
-              <a:schemeClr val="accent1"/>
-            </a:effectRef>
-            <a:fontRef idx="minor">
-              <a:schemeClr val="lt1"/>
-            </a:fontRef>
-          </p:style>
-          <p:txBody>
-            <a:bodyPr rtlCol="0" anchor="ctr"/>
-            <a:lstStyle/>
-            <a:p>
-              <a:pPr algn="ctr"/>
-              <a:endParaRPr lang="zh-CN" altLang="en-US">
-                <a:solidFill>
-                  <a:schemeClr val="accent1">
-                    <a:lumMod val="40000"/>
-                    <a:lumOff val="60000"/>
-                  </a:schemeClr>
-                </a:solidFill>
-              </a:endParaRPr>
-            </a:p>
-          </p:txBody>
-        </p:sp>
-        <p:sp>
-          <p:nvSpPr>
-            <p:cNvPr id="34" name="箭头: V 形 33">
-              <a:extLst>
-                <a:ext uri="{FF2B5EF4-FFF2-40B4-BE49-F238E27FC236}">
-                  <a16:creationId xmlns:a16="http://schemas.microsoft.com/office/drawing/2014/main" id="{A17F48B5-09F2-CD9A-6D08-8F710104436B}"/>
-                </a:ext>
-              </a:extLst>
-            </p:cNvPr>
-            <p:cNvSpPr/>
-            <p:nvPr/>
-          </p:nvSpPr>
-          <p:spPr>
-            <a:xfrm>
-              <a:off x="6307869" y="5793914"/>
-              <a:ext cx="258751" cy="299295"/>
-            </a:xfrm>
-            <a:prstGeom prst="chevron">
-              <a:avLst/>
-            </a:prstGeom>
-            <a:grpFill/>
-            <a:ln>
-              <a:noFill/>
-            </a:ln>
-          </p:spPr>
-          <p:style>
-            <a:lnRef idx="2">
-              <a:schemeClr val="accent1">
-                <a:shade val="15000"/>
-              </a:schemeClr>
-            </a:lnRef>
-            <a:fillRef idx="1">
-              <a:schemeClr val="accent1"/>
-            </a:fillRef>
-            <a:effectRef idx="0">
-              <a:schemeClr val="accent1"/>
-            </a:effectRef>
-            <a:fontRef idx="minor">
-              <a:schemeClr val="lt1"/>
-            </a:fontRef>
-          </p:style>
-          <p:txBody>
-            <a:bodyPr rtlCol="0" anchor="ctr"/>
-            <a:lstStyle/>
-            <a:p>
-              <a:pPr algn="ctr"/>
-              <a:endParaRPr lang="zh-CN" altLang="en-US">
-                <a:solidFill>
-                  <a:schemeClr val="accent1">
-                    <a:lumMod val="40000"/>
-                    <a:lumOff val="60000"/>
-                  </a:schemeClr>
-                </a:solidFill>
-              </a:endParaRPr>
-            </a:p>
-          </p:txBody>
-        </p:sp>
-        <p:sp>
-          <p:nvSpPr>
-            <p:cNvPr id="35" name="箭头: V 形 34">
-              <a:extLst>
-                <a:ext uri="{FF2B5EF4-FFF2-40B4-BE49-F238E27FC236}">
-                  <a16:creationId xmlns:a16="http://schemas.microsoft.com/office/drawing/2014/main" id="{B5A0A39C-8FE9-D65A-782D-0CCD61038614}"/>
-                </a:ext>
-              </a:extLst>
-            </p:cNvPr>
-            <p:cNvSpPr/>
-            <p:nvPr/>
-          </p:nvSpPr>
-          <p:spPr>
-            <a:xfrm>
-              <a:off x="6566622" y="5793914"/>
-              <a:ext cx="258751" cy="299295"/>
-            </a:xfrm>
-            <a:prstGeom prst="chevron">
-              <a:avLst/>
-            </a:prstGeom>
-            <a:grpFill/>
-            <a:ln>
-              <a:noFill/>
-            </a:ln>
-          </p:spPr>
-          <p:style>
-            <a:lnRef idx="2">
-              <a:schemeClr val="accent1">
-                <a:shade val="15000"/>
-              </a:schemeClr>
-            </a:lnRef>
-            <a:fillRef idx="1">
-              <a:schemeClr val="accent1"/>
-            </a:fillRef>
-            <a:effectRef idx="0">
-              <a:schemeClr val="accent1"/>
-            </a:effectRef>
-            <a:fontRef idx="minor">
-              <a:schemeClr val="lt1"/>
-            </a:fontRef>
-          </p:style>
-          <p:txBody>
-            <a:bodyPr rtlCol="0" anchor="ctr"/>
-            <a:lstStyle/>
-            <a:p>
-              <a:pPr algn="ctr"/>
-              <a:endParaRPr lang="zh-CN" altLang="en-US" dirty="0">
-                <a:solidFill>
-                  <a:schemeClr val="accent1">
-                    <a:lumMod val="40000"/>
-                    <a:lumOff val="60000"/>
-                  </a:schemeClr>
-                </a:solidFill>
-              </a:endParaRPr>
-            </a:p>
-          </p:txBody>
-        </p:sp>
-        <p:sp>
-          <p:nvSpPr>
-            <p:cNvPr id="36" name="箭头: V 形 35">
-              <a:extLst>
-                <a:ext uri="{FF2B5EF4-FFF2-40B4-BE49-F238E27FC236}">
-                  <a16:creationId xmlns:a16="http://schemas.microsoft.com/office/drawing/2014/main" id="{1A054D19-2391-E10D-F2CD-DAE824B5A512}"/>
-                </a:ext>
-              </a:extLst>
-            </p:cNvPr>
-            <p:cNvSpPr/>
-            <p:nvPr/>
-          </p:nvSpPr>
-          <p:spPr>
-            <a:xfrm>
-              <a:off x="6820988" y="5793914"/>
-              <a:ext cx="258751" cy="299295"/>
-            </a:xfrm>
-            <a:prstGeom prst="chevron">
-              <a:avLst/>
-            </a:prstGeom>
-            <a:grpFill/>
-            <a:ln>
-              <a:noFill/>
-            </a:ln>
-          </p:spPr>
-          <p:style>
-            <a:lnRef idx="2">
-              <a:schemeClr val="accent1">
-                <a:shade val="15000"/>
-              </a:schemeClr>
-            </a:lnRef>
-            <a:fillRef idx="1">
-              <a:schemeClr val="accent1"/>
-            </a:fillRef>
-            <a:effectRef idx="0">
-              <a:schemeClr val="accent1"/>
-            </a:effectRef>
-            <a:fontRef idx="minor">
-              <a:schemeClr val="lt1"/>
-            </a:fontRef>
-          </p:style>
-          <p:txBody>
-            <a:bodyPr rtlCol="0" anchor="ctr"/>
-            <a:lstStyle/>
-            <a:p>
-              <a:pPr algn="ctr"/>
-              <a:endParaRPr lang="zh-CN" altLang="en-US">
-                <a:solidFill>
-                  <a:schemeClr val="accent1">
-                    <a:lumMod val="40000"/>
-                    <a:lumOff val="60000"/>
-                  </a:schemeClr>
-                </a:solidFill>
-              </a:endParaRPr>
-            </a:p>
-          </p:txBody>
-        </p:sp>
-      </p:grpSp>
-      <p:pic>
-        <p:nvPicPr>
-          <p:cNvPr id="42" name="图片 41">
-            <a:extLst>
-              <a:ext uri="{FF2B5EF4-FFF2-40B4-BE49-F238E27FC236}">
-                <a16:creationId xmlns:a16="http://schemas.microsoft.com/office/drawing/2014/main" id="{462E81E7-9823-6E88-A944-3A75D9DDB5B7}"/>
-              </a:ext>
-            </a:extLst>
-          </p:cNvPr>
-          <p:cNvPicPr>
-            <a:picLocks noChangeAspect="1"/>
-          </p:cNvPicPr>
-          <p:nvPr/>
-        </p:nvPicPr>
-        <p:blipFill>
-          <a:blip r:embed="rId3"/>
-          <a:stretch>
-            <a:fillRect/>
-          </a:stretch>
-        </p:blipFill>
-        <p:spPr>
-          <a:xfrm>
-            <a:off x="6913410" y="1785385"/>
-            <a:ext cx="5096193" cy="2720748"/>
-          </a:xfrm>
-          <a:prstGeom prst="rect">
-            <a:avLst/>
-          </a:prstGeom>
-        </p:spPr>
-      </p:pic>
-      <p:sp>
-        <p:nvSpPr>
-          <p:cNvPr id="43" name="文本框 42">
-            <a:extLst>
-              <a:ext uri="{FF2B5EF4-FFF2-40B4-BE49-F238E27FC236}">
-                <a16:creationId xmlns:a16="http://schemas.microsoft.com/office/drawing/2014/main" id="{07B55608-F68F-CAE3-AC31-455A67E9D5DE}"/>
-              </a:ext>
-            </a:extLst>
-          </p:cNvPr>
-          <p:cNvSpPr txBox="1"/>
-          <p:nvPr/>
-        </p:nvSpPr>
-        <p:spPr>
-          <a:xfrm>
-            <a:off x="7836637" y="934603"/>
-            <a:ext cx="3249738" cy="369332"/>
-          </a:xfrm>
-          <a:prstGeom prst="rect">
-            <a:avLst/>
-          </a:prstGeom>
-          <a:noFill/>
-        </p:spPr>
-        <p:txBody>
-          <a:bodyPr wrap="square">
-            <a:spAutoFit/>
-          </a:bodyPr>
-          <a:lstStyle/>
-          <a:p>
-            <a:pPr algn="ctr"/>
-            <a:r>
-              <a:rPr lang="en-US" altLang="zh-CN" dirty="0">
-                <a:latin typeface="Times New Roman" panose="02020603050405020304" pitchFamily="18" charset="0"/>
-                <a:cs typeface="Times New Roman" panose="02020603050405020304" pitchFamily="18" charset="0"/>
-              </a:rPr>
-              <a:t>Original Structure</a:t>
-            </a:r>
-            <a:endParaRPr lang="zh-CN" altLang="en-US" dirty="0">
-              <a:latin typeface="Times New Roman" panose="02020603050405020304" pitchFamily="18" charset="0"/>
-              <a:cs typeface="Times New Roman" panose="02020603050405020304" pitchFamily="18" charset="0"/>
-            </a:endParaRPr>
-          </a:p>
-        </p:txBody>
-      </p:sp>
-      <p:sp>
-        <p:nvSpPr>
-          <p:cNvPr id="44" name="文本框 43">
-            <a:extLst>
-              <a:ext uri="{FF2B5EF4-FFF2-40B4-BE49-F238E27FC236}">
-                <a16:creationId xmlns:a16="http://schemas.microsoft.com/office/drawing/2014/main" id="{DCBF9AA9-6559-0FF9-22E7-C2D514ACEB6B}"/>
-              </a:ext>
-            </a:extLst>
-          </p:cNvPr>
-          <p:cNvSpPr txBox="1"/>
-          <p:nvPr/>
-        </p:nvSpPr>
-        <p:spPr>
-          <a:xfrm>
-            <a:off x="6973122" y="1303935"/>
-            <a:ext cx="5002475" cy="584775"/>
-          </a:xfrm>
-          <a:prstGeom prst="rect">
-            <a:avLst/>
-          </a:prstGeom>
-          <a:noFill/>
-        </p:spPr>
-        <p:txBody>
-          <a:bodyPr wrap="square">
-            <a:spAutoFit/>
-          </a:bodyPr>
-          <a:lstStyle/>
-          <a:p>
-            <a:r>
-              <a:rPr lang="en-US" altLang="zh-CN" sz="1600" dirty="0">
-                <a:latin typeface="Times New Roman" panose="02020603050405020304" pitchFamily="18" charset="0"/>
-                <a:cs typeface="Times New Roman" panose="02020603050405020304" pitchFamily="18" charset="0"/>
-              </a:rPr>
-              <a:t>       Each time a bullet is created, a texture image that takes up a large amount of space is saved.</a:t>
-            </a:r>
-            <a:endParaRPr lang="zh-CN" altLang="en-US" sz="1600" dirty="0">
-              <a:latin typeface="Times New Roman" panose="02020603050405020304" pitchFamily="18" charset="0"/>
-              <a:cs typeface="Times New Roman" panose="02020603050405020304" pitchFamily="18" charset="0"/>
-            </a:endParaRPr>
-          </a:p>
-        </p:txBody>
-      </p:sp>
-      <p:sp>
-        <p:nvSpPr>
-          <p:cNvPr id="45" name="文本框 44">
-            <a:extLst>
-              <a:ext uri="{FF2B5EF4-FFF2-40B4-BE49-F238E27FC236}">
-                <a16:creationId xmlns:a16="http://schemas.microsoft.com/office/drawing/2014/main" id="{A9792A0B-2732-0E9B-8A85-BA6833CE498A}"/>
-              </a:ext>
-            </a:extLst>
-          </p:cNvPr>
-          <p:cNvSpPr txBox="1"/>
-          <p:nvPr/>
-        </p:nvSpPr>
-        <p:spPr>
-          <a:xfrm>
-            <a:off x="216403" y="4839166"/>
-            <a:ext cx="1434348" cy="461665"/>
-          </a:xfrm>
-          <a:prstGeom prst="rect">
-            <a:avLst/>
-          </a:prstGeom>
-          <a:noFill/>
-        </p:spPr>
-        <p:txBody>
-          <a:bodyPr wrap="square">
-            <a:spAutoFit/>
-          </a:bodyPr>
-          <a:lstStyle/>
-          <a:p>
-            <a:pPr algn="ctr"/>
-            <a:r>
-              <a:rPr lang="en-US" altLang="zh-CN" sz="2400" dirty="0">
-                <a:latin typeface="Times New Roman" panose="02020603050405020304" pitchFamily="18" charset="0"/>
-                <a:cs typeface="Times New Roman" panose="02020603050405020304" pitchFamily="18" charset="0"/>
-              </a:rPr>
-              <a:t>Reasons :</a:t>
-            </a:r>
-            <a:endParaRPr lang="zh-CN" altLang="en-US" sz="2400" dirty="0">
-              <a:latin typeface="Times New Roman" panose="02020603050405020304" pitchFamily="18" charset="0"/>
-              <a:cs typeface="Times New Roman" panose="02020603050405020304" pitchFamily="18" charset="0"/>
-            </a:endParaRPr>
-          </a:p>
-        </p:txBody>
-      </p:sp>
-      <p:sp>
-        <p:nvSpPr>
-          <p:cNvPr id="46" name="文本框 45">
-            <a:extLst>
-              <a:ext uri="{FF2B5EF4-FFF2-40B4-BE49-F238E27FC236}">
-                <a16:creationId xmlns:a16="http://schemas.microsoft.com/office/drawing/2014/main" id="{42D16094-F781-EAA3-BFAA-3E23D9C434DE}"/>
-              </a:ext>
-            </a:extLst>
-          </p:cNvPr>
-          <p:cNvSpPr txBox="1"/>
-          <p:nvPr/>
-        </p:nvSpPr>
-        <p:spPr>
-          <a:xfrm>
-            <a:off x="6096000" y="4651438"/>
-            <a:ext cx="1353941" cy="461665"/>
-          </a:xfrm>
-          <a:prstGeom prst="rect">
-            <a:avLst/>
-          </a:prstGeom>
-          <a:noFill/>
-        </p:spPr>
-        <p:txBody>
-          <a:bodyPr wrap="square">
-            <a:spAutoFit/>
-          </a:bodyPr>
-          <a:lstStyle/>
-          <a:p>
-            <a:pPr algn="ctr"/>
-            <a:r>
-              <a:rPr lang="en-US" altLang="zh-CN" sz="2400" dirty="0">
-                <a:latin typeface="Times New Roman" panose="02020603050405020304" pitchFamily="18" charset="0"/>
-                <a:cs typeface="Times New Roman" panose="02020603050405020304" pitchFamily="18" charset="0"/>
-              </a:rPr>
-              <a:t>Benefits :</a:t>
-            </a:r>
-            <a:endParaRPr lang="zh-CN" altLang="en-US" sz="2400" dirty="0">
-              <a:latin typeface="Times New Roman" panose="02020603050405020304" pitchFamily="18" charset="0"/>
-              <a:cs typeface="Times New Roman" panose="02020603050405020304" pitchFamily="18" charset="0"/>
-            </a:endParaRPr>
-          </a:p>
-        </p:txBody>
-      </p:sp>
-      <p:sp>
-        <p:nvSpPr>
-          <p:cNvPr id="47" name="文本框 46">
-            <a:extLst>
-              <a:ext uri="{FF2B5EF4-FFF2-40B4-BE49-F238E27FC236}">
-                <a16:creationId xmlns:a16="http://schemas.microsoft.com/office/drawing/2014/main" id="{B8464A87-4B0E-0AEE-8D06-C7F42F146CD6}"/>
-              </a:ext>
-            </a:extLst>
-          </p:cNvPr>
-          <p:cNvSpPr txBox="1"/>
-          <p:nvPr/>
-        </p:nvSpPr>
-        <p:spPr>
-          <a:xfrm>
-            <a:off x="269711" y="5300831"/>
-            <a:ext cx="4131250" cy="1098634"/>
-          </a:xfrm>
-          <a:prstGeom prst="rect">
-            <a:avLst/>
-          </a:prstGeom>
-          <a:noFill/>
-        </p:spPr>
-        <p:txBody>
-          <a:bodyPr wrap="square">
-            <a:spAutoFit/>
-          </a:bodyPr>
-          <a:lstStyle/>
-          <a:p>
-            <a:pPr marL="285750" indent="-285750">
-              <a:lnSpc>
-                <a:spcPct val="125000"/>
-              </a:lnSpc>
-              <a:buFont typeface="Arial" panose="020B0604020202020204" pitchFamily="34" charset="0"/>
-              <a:buChar char="•"/>
-            </a:pPr>
-            <a:r>
-              <a:rPr lang="en-US" altLang="zh-CN" dirty="0">
-                <a:latin typeface="Times New Roman" panose="02020603050405020304" pitchFamily="18" charset="0"/>
-                <a:cs typeface="Times New Roman" panose="02020603050405020304" pitchFamily="18" charset="0"/>
-              </a:rPr>
-              <a:t>High memory usage</a:t>
-            </a:r>
-          </a:p>
-          <a:p>
-            <a:pPr marL="285750" indent="-285750">
-              <a:lnSpc>
-                <a:spcPct val="125000"/>
-              </a:lnSpc>
-              <a:buFont typeface="Arial" panose="020B0604020202020204" pitchFamily="34" charset="0"/>
-              <a:buChar char="•"/>
-            </a:pPr>
-            <a:r>
-              <a:rPr lang="en-US" altLang="zh-CN" dirty="0">
-                <a:latin typeface="Times New Roman" panose="02020603050405020304" pitchFamily="18" charset="0"/>
-                <a:cs typeface="Times New Roman" panose="02020603050405020304" pitchFamily="18" charset="0"/>
-              </a:rPr>
-              <a:t>Low texture loading efficiency</a:t>
-            </a:r>
-          </a:p>
-          <a:p>
-            <a:pPr marL="285750" indent="-285750">
-              <a:lnSpc>
-                <a:spcPct val="125000"/>
-              </a:lnSpc>
-              <a:buFont typeface="Arial" panose="020B0604020202020204" pitchFamily="34" charset="0"/>
-              <a:buChar char="•"/>
-            </a:pPr>
-            <a:r>
-              <a:rPr lang="en-US" altLang="zh-CN" dirty="0">
-                <a:latin typeface="Times New Roman" panose="02020603050405020304" pitchFamily="18" charset="0"/>
-                <a:cs typeface="Times New Roman" panose="02020603050405020304" pitchFamily="18" charset="0"/>
-              </a:rPr>
-              <a:t>Disorganized resource management</a:t>
-            </a:r>
-            <a:endParaRPr lang="zh-CN" altLang="en-US" sz="1600" dirty="0">
-              <a:latin typeface="Times New Roman" panose="02020603050405020304" pitchFamily="18" charset="0"/>
-              <a:cs typeface="Times New Roman" panose="02020603050405020304" pitchFamily="18" charset="0"/>
-            </a:endParaRPr>
-          </a:p>
-        </p:txBody>
-      </p:sp>
-      <p:sp>
-        <p:nvSpPr>
-          <p:cNvPr id="48" name="文本框 47">
-            <a:extLst>
-              <a:ext uri="{FF2B5EF4-FFF2-40B4-BE49-F238E27FC236}">
-                <a16:creationId xmlns:a16="http://schemas.microsoft.com/office/drawing/2014/main" id="{3BAD0D5C-C0EF-C4D5-C2E6-5C875CC22FBE}"/>
-              </a:ext>
-            </a:extLst>
-          </p:cNvPr>
-          <p:cN